--- a/Documentation/presentations/200906_Novartis/caGrid Data Services.pptx
+++ b/Documentation/presentations/200906_Novartis/caGrid Data Services.pptx
@@ -5,7 +5,7 @@
     <p:sldMasterId id="2147483648" r:id="rId1"/>
   </p:sldMasterIdLst>
   <p:notesMasterIdLst>
-    <p:notesMasterId r:id="rId17"/>
+    <p:notesMasterId r:id="rId19"/>
   </p:notesMasterIdLst>
   <p:sldIdLst>
     <p:sldId id="256" r:id="rId2"/>
@@ -19,10 +19,12 @@
     <p:sldId id="269" r:id="rId10"/>
     <p:sldId id="270" r:id="rId11"/>
     <p:sldId id="260" r:id="rId12"/>
-    <p:sldId id="261" r:id="rId13"/>
-    <p:sldId id="262" r:id="rId14"/>
-    <p:sldId id="263" r:id="rId15"/>
-    <p:sldId id="264" r:id="rId16"/>
+    <p:sldId id="271" r:id="rId13"/>
+    <p:sldId id="272" r:id="rId14"/>
+    <p:sldId id="261" r:id="rId15"/>
+    <p:sldId id="262" r:id="rId16"/>
+    <p:sldId id="263" r:id="rId17"/>
+    <p:sldId id="264" r:id="rId18"/>
   </p:sldIdLst>
   <p:sldSz cx="9144000" cy="6858000" type="screen4x3"/>
   <p:notesSz cx="6858000" cy="9144000"/>
@@ -895,7 +897,7 @@
             <a:fld id="{F5EA7BEA-0DA3-446B-8D4C-70CC7C2360F4}" type="slidenum">
               <a:rPr lang="en-US"/>
               <a:pPr/>
-              <a:t>12</a:t>
+              <a:t>14</a:t>
             </a:fld>
             <a:endParaRPr lang="en-US"/>
           </a:p>
@@ -998,7 +1000,7 @@
             <a:fld id="{E9569D21-1F98-43C8-8EC9-B78A541EFFE1}" type="slidenum">
               <a:rPr lang="en-US"/>
               <a:pPr/>
-              <a:t>13</a:t>
+              <a:t>15</a:t>
             </a:fld>
             <a:endParaRPr lang="en-US"/>
           </a:p>
@@ -1101,7 +1103,7 @@
             <a:fld id="{E6CC0C41-88F7-41C7-9D58-41A46E11E94E}" type="slidenum">
               <a:rPr lang="en-US"/>
               <a:pPr/>
-              <a:t>14</a:t>
+              <a:t>16</a:t>
             </a:fld>
             <a:endParaRPr lang="en-US"/>
           </a:p>
@@ -1204,7 +1206,7 @@
             <a:fld id="{06CC5F91-7E10-4D18-9438-9AF3612818A6}" type="slidenum">
               <a:rPr lang="en-US"/>
               <a:pPr/>
-              <a:t>15</a:t>
+              <a:t>17</a:t>
             </a:fld>
             <a:endParaRPr lang="en-US"/>
           </a:p>
@@ -3731,13 +3733,9 @@
           <a:p>
             <a:r>
               <a:rPr lang="en-US" dirty="0" smtClean="0"/>
-              <a:t>… more on CQL </a:t>
-            </a:r>
-            <a:r>
-              <a:rPr lang="en-US" smtClean="0"/>
-              <a:t>query processors here?</a:t>
-            </a:r>
-            <a:endParaRPr lang="en-US"/>
+              <a:t>… more on CQL query processors here?</a:t>
+            </a:r>
+            <a:endParaRPr lang="en-US" dirty="0"/>
           </a:p>
         </p:txBody>
       </p:sp>
@@ -3879,6 +3877,293 @@
 </file>
 
 <file path=ppt/slides/slide12.xml><?xml version="1.0" encoding="utf-8"?>
+<p:sld xmlns:a="http://schemas.openxmlformats.org/drawingml/2006/main" xmlns:r="http://schemas.openxmlformats.org/officeDocument/2006/relationships" xmlns:p="http://schemas.openxmlformats.org/presentationml/2006/main">
+  <p:cSld>
+    <p:spTree>
+      <p:nvGrpSpPr>
+        <p:cNvPr id="1" name=""/>
+        <p:cNvGrpSpPr/>
+        <p:nvPr/>
+      </p:nvGrpSpPr>
+      <p:grpSpPr>
+        <a:xfrm>
+          <a:off x="0" y="0"/>
+          <a:ext cx="0" cy="0"/>
+          <a:chOff x="0" y="0"/>
+          <a:chExt cx="0" cy="0"/>
+        </a:xfrm>
+      </p:grpSpPr>
+      <p:sp>
+        <p:nvSpPr>
+          <p:cNvPr id="2" name="Title 1"/>
+          <p:cNvSpPr>
+            <a:spLocks noGrp="1"/>
+          </p:cNvSpPr>
+          <p:nvPr>
+            <p:ph type="title"/>
+          </p:nvPr>
+        </p:nvSpPr>
+        <p:spPr/>
+        <p:txBody>
+          <a:bodyPr/>
+          <a:lstStyle/>
+          <a:p>
+            <a:r>
+              <a:rPr lang="en-US" dirty="0" smtClean="0"/>
+              <a:t>Parts of a CQL Query</a:t>
+            </a:r>
+            <a:endParaRPr lang="en-US" dirty="0"/>
+          </a:p>
+        </p:txBody>
+      </p:sp>
+      <p:sp>
+        <p:nvSpPr>
+          <p:cNvPr id="3" name="Content Placeholder 2"/>
+          <p:cNvSpPr>
+            <a:spLocks noGrp="1"/>
+          </p:cNvSpPr>
+          <p:nvPr>
+            <p:ph idx="1"/>
+          </p:nvPr>
+        </p:nvSpPr>
+        <p:spPr/>
+        <p:txBody>
+          <a:bodyPr/>
+          <a:lstStyle/>
+          <a:p>
+            <a:r>
+              <a:rPr lang="en-US" sz="2000" dirty="0" smtClean="0"/>
+              <a:t>Object</a:t>
+            </a:r>
+            <a:endParaRPr lang="en-US" sz="2400" dirty="0" smtClean="0"/>
+          </a:p>
+          <a:p>
+            <a:pPr lvl="1"/>
+            <a:r>
+              <a:rPr lang="en-US" sz="2000" dirty="0" smtClean="0"/>
+              <a:t>Base for search criteria and target definition</a:t>
+            </a:r>
+          </a:p>
+          <a:p>
+            <a:pPr lvl="1"/>
+            <a:r>
+              <a:rPr lang="en-US" sz="2000" dirty="0" smtClean="0"/>
+              <a:t>Contains the name of the data type / class being searched for</a:t>
+            </a:r>
+          </a:p>
+          <a:p>
+            <a:pPr lvl="1"/>
+            <a:r>
+              <a:rPr lang="en-US" sz="2000" dirty="0" smtClean="0"/>
+              <a:t>May have one of three child query parts</a:t>
+            </a:r>
+          </a:p>
+          <a:p>
+            <a:pPr lvl="2"/>
+            <a:r>
+              <a:rPr lang="en-US" sz="1800" dirty="0" smtClean="0"/>
+              <a:t>Association, Attribute, or Group</a:t>
+            </a:r>
+          </a:p>
+          <a:p>
+            <a:r>
+              <a:rPr lang="en-US" sz="2000" dirty="0" smtClean="0"/>
+              <a:t>Target</a:t>
+            </a:r>
+          </a:p>
+          <a:p>
+            <a:pPr lvl="1"/>
+            <a:r>
+              <a:rPr lang="en-US" sz="2000" dirty="0" smtClean="0"/>
+              <a:t>Top level query component extends from Object</a:t>
+            </a:r>
+          </a:p>
+          <a:p>
+            <a:pPr lvl="1"/>
+            <a:r>
+              <a:rPr lang="en-US" sz="2000" dirty="0" smtClean="0"/>
+              <a:t>Identifies the data type which will be returned by the query</a:t>
+            </a:r>
+          </a:p>
+          <a:p>
+            <a:r>
+              <a:rPr lang="en-US" sz="2000" dirty="0" smtClean="0"/>
+              <a:t>Association</a:t>
+            </a:r>
+          </a:p>
+          <a:p>
+            <a:pPr lvl="1"/>
+            <a:r>
+              <a:rPr lang="en-US" sz="2000" dirty="0" smtClean="0"/>
+              <a:t>Lower level query component extends from Object</a:t>
+            </a:r>
+          </a:p>
+          <a:p>
+            <a:pPr lvl="1"/>
+            <a:r>
+              <a:rPr lang="en-US" sz="2000" dirty="0" smtClean="0"/>
+              <a:t>Restricts query results</a:t>
+            </a:r>
+          </a:p>
+          <a:p>
+            <a:pPr lvl="2"/>
+            <a:r>
+              <a:rPr lang="en-US" sz="1800" dirty="0" smtClean="0"/>
+              <a:t>Must be non-null</a:t>
+            </a:r>
+          </a:p>
+          <a:p>
+            <a:pPr lvl="2"/>
+            <a:r>
+              <a:rPr lang="en-US" sz="1800" dirty="0" smtClean="0"/>
+              <a:t>Further associations, attributes, or groups as child query components</a:t>
+            </a:r>
+          </a:p>
+        </p:txBody>
+      </p:sp>
+    </p:spTree>
+  </p:cSld>
+  <p:clrMapOvr>
+    <a:masterClrMapping/>
+  </p:clrMapOvr>
+</p:sld>
+</file>
+
+<file path=ppt/slides/slide13.xml><?xml version="1.0" encoding="utf-8"?>
+<p:sld xmlns:a="http://schemas.openxmlformats.org/drawingml/2006/main" xmlns:r="http://schemas.openxmlformats.org/officeDocument/2006/relationships" xmlns:p="http://schemas.openxmlformats.org/presentationml/2006/main">
+  <p:cSld>
+    <p:spTree>
+      <p:nvGrpSpPr>
+        <p:cNvPr id="1" name=""/>
+        <p:cNvGrpSpPr/>
+        <p:nvPr/>
+      </p:nvGrpSpPr>
+      <p:grpSpPr>
+        <a:xfrm>
+          <a:off x="0" y="0"/>
+          <a:ext cx="0" cy="0"/>
+          <a:chOff x="0" y="0"/>
+          <a:chExt cx="0" cy="0"/>
+        </a:xfrm>
+      </p:grpSpPr>
+      <p:sp>
+        <p:nvSpPr>
+          <p:cNvPr id="2" name="Title 1"/>
+          <p:cNvSpPr>
+            <a:spLocks noGrp="1"/>
+          </p:cNvSpPr>
+          <p:nvPr>
+            <p:ph type="title"/>
+          </p:nvPr>
+        </p:nvSpPr>
+        <p:spPr/>
+        <p:txBody>
+          <a:bodyPr/>
+          <a:lstStyle/>
+          <a:p>
+            <a:r>
+              <a:rPr lang="en-US" dirty="0" smtClean="0"/>
+              <a:t>Parts of a CQL Query</a:t>
+            </a:r>
+            <a:endParaRPr lang="en-US" dirty="0"/>
+          </a:p>
+        </p:txBody>
+      </p:sp>
+      <p:sp>
+        <p:nvSpPr>
+          <p:cNvPr id="3" name="Content Placeholder 2"/>
+          <p:cNvSpPr>
+            <a:spLocks noGrp="1"/>
+          </p:cNvSpPr>
+          <p:nvPr>
+            <p:ph idx="1"/>
+          </p:nvPr>
+        </p:nvSpPr>
+        <p:spPr/>
+        <p:txBody>
+          <a:bodyPr/>
+          <a:lstStyle/>
+          <a:p>
+            <a:r>
+              <a:rPr lang="en-US" sz="2000" dirty="0" smtClean="0"/>
+              <a:t>Attribute</a:t>
+            </a:r>
+          </a:p>
+          <a:p>
+            <a:pPr lvl="1"/>
+            <a:r>
+              <a:rPr lang="en-US" sz="2000" dirty="0" smtClean="0"/>
+              <a:t>Object property used as search criteria</a:t>
+            </a:r>
+          </a:p>
+          <a:p>
+            <a:pPr lvl="1"/>
+            <a:r>
+              <a:rPr lang="en-US" sz="2000" dirty="0" smtClean="0"/>
+              <a:t>Defined in terms of attribute name, predicate, and value</a:t>
+            </a:r>
+          </a:p>
+          <a:p>
+            <a:pPr lvl="1"/>
+            <a:r>
+              <a:rPr lang="en-US" sz="2000" dirty="0" smtClean="0"/>
+              <a:t>Predicates are similar to SQL</a:t>
+            </a:r>
+          </a:p>
+          <a:p>
+            <a:pPr lvl="2"/>
+            <a:r>
+              <a:rPr lang="en-US" sz="1800" dirty="0" smtClean="0"/>
+              <a:t>Equals, Not Equals, </a:t>
+            </a:r>
+            <a:r>
+              <a:rPr lang="en-US" sz="1800" smtClean="0"/>
+              <a:t>Like, Less </a:t>
+            </a:r>
+            <a:r>
+              <a:rPr lang="en-US" sz="1800" dirty="0" smtClean="0"/>
+              <a:t>Than, Greater Than, Less or Equal, Greater or Equal, Null, and Not Null</a:t>
+            </a:r>
+          </a:p>
+          <a:p>
+            <a:r>
+              <a:rPr lang="en-US" sz="2000" dirty="0" smtClean="0"/>
+              <a:t>Group</a:t>
+            </a:r>
+          </a:p>
+          <a:p>
+            <a:pPr lvl="1"/>
+            <a:r>
+              <a:rPr lang="en-US" sz="2000" dirty="0" smtClean="0"/>
+              <a:t>A logical join of child search criteria</a:t>
+            </a:r>
+          </a:p>
+          <a:p>
+            <a:pPr lvl="2"/>
+            <a:r>
+              <a:rPr lang="en-US" sz="1800" dirty="0" smtClean="0"/>
+              <a:t>Logical operators AND / OR</a:t>
+            </a:r>
+          </a:p>
+          <a:p>
+            <a:pPr lvl="1"/>
+            <a:r>
+              <a:rPr lang="en-US" sz="2000" dirty="0" smtClean="0"/>
+              <a:t>May have one or more Attributes, Associations, or additional Groups in combination</a:t>
+            </a:r>
+            <a:endParaRPr lang="en-US" sz="2000" dirty="0"/>
+          </a:p>
+        </p:txBody>
+      </p:sp>
+    </p:spTree>
+  </p:cSld>
+  <p:clrMapOvr>
+    <a:masterClrMapping/>
+  </p:clrMapOvr>
+</p:sld>
+</file>
+
+<file path=ppt/slides/slide14.xml><?xml version="1.0" encoding="utf-8"?>
 <p:sld xmlns:a="http://schemas.openxmlformats.org/drawingml/2006/main" xmlns:r="http://schemas.openxmlformats.org/officeDocument/2006/relationships" xmlns:p="http://schemas.openxmlformats.org/presentationml/2006/main">
   <p:cSld>
     <p:spTree>
@@ -4340,7 +4625,7 @@
 </p:sld>
 </file>
 
-<file path=ppt/slides/slide13.xml><?xml version="1.0" encoding="utf-8"?>
+<file path=ppt/slides/slide15.xml><?xml version="1.0" encoding="utf-8"?>
 <p:sld xmlns:a="http://schemas.openxmlformats.org/drawingml/2006/main" xmlns:r="http://schemas.openxmlformats.org/officeDocument/2006/relationships" xmlns:p="http://schemas.openxmlformats.org/presentationml/2006/main">
   <p:cSld>
     <p:spTree>
@@ -4961,7 +5246,7 @@
 </p:sld>
 </file>
 
-<file path=ppt/slides/slide14.xml><?xml version="1.0" encoding="utf-8"?>
+<file path=ppt/slides/slide16.xml><?xml version="1.0" encoding="utf-8"?>
 <p:sld xmlns:a="http://schemas.openxmlformats.org/drawingml/2006/main" xmlns:r="http://schemas.openxmlformats.org/officeDocument/2006/relationships" xmlns:p="http://schemas.openxmlformats.org/presentationml/2006/main">
   <p:cSld>
     <p:spTree>
@@ -5773,7 +6058,7 @@
 </p:sld>
 </file>
 
-<file path=ppt/slides/slide15.xml><?xml version="1.0" encoding="utf-8"?>
+<file path=ppt/slides/slide17.xml><?xml version="1.0" encoding="utf-8"?>
 <p:sld xmlns:a="http://schemas.openxmlformats.org/drawingml/2006/main" xmlns:r="http://schemas.openxmlformats.org/officeDocument/2006/relationships" xmlns:p="http://schemas.openxmlformats.org/presentationml/2006/main">
   <p:cSld>
     <p:spTree>

--- a/Documentation/presentations/200906_Novartis/caGrid Data Services.pptx
+++ b/Documentation/presentations/200906_Novartis/caGrid Data Services.pptx
@@ -5,7 +5,7 @@
     <p:sldMasterId id="2147483648" r:id="rId1"/>
   </p:sldMasterIdLst>
   <p:notesMasterIdLst>
-    <p:notesMasterId r:id="rId19"/>
+    <p:notesMasterId r:id="rId21"/>
   </p:notesMasterIdLst>
   <p:sldIdLst>
     <p:sldId id="256" r:id="rId2"/>
@@ -17,14 +17,16 @@
     <p:sldId id="267" r:id="rId8"/>
     <p:sldId id="268" r:id="rId9"/>
     <p:sldId id="269" r:id="rId10"/>
-    <p:sldId id="270" r:id="rId11"/>
-    <p:sldId id="260" r:id="rId12"/>
-    <p:sldId id="271" r:id="rId13"/>
-    <p:sldId id="272" r:id="rId14"/>
-    <p:sldId id="261" r:id="rId15"/>
-    <p:sldId id="262" r:id="rId16"/>
-    <p:sldId id="263" r:id="rId17"/>
-    <p:sldId id="264" r:id="rId18"/>
+    <p:sldId id="273" r:id="rId11"/>
+    <p:sldId id="274" r:id="rId12"/>
+    <p:sldId id="260" r:id="rId13"/>
+    <p:sldId id="271" r:id="rId14"/>
+    <p:sldId id="272" r:id="rId15"/>
+    <p:sldId id="261" r:id="rId16"/>
+    <p:sldId id="262" r:id="rId17"/>
+    <p:sldId id="263" r:id="rId18"/>
+    <p:sldId id="264" r:id="rId19"/>
+    <p:sldId id="275" r:id="rId20"/>
   </p:sldIdLst>
   <p:sldSz cx="9144000" cy="6858000" type="screen4x3"/>
   <p:notesSz cx="6858000" cy="9144000"/>
@@ -271,7 +273,7 @@
         <p:nvSpPr>
           <p:cNvPr id="8196" name="Rectangle 4"/>
           <p:cNvSpPr>
-            <a:spLocks noRot="1" noChangeArrowheads="1" noTextEdit="1"/>
+            <a:spLocks noGrp="1" noRot="1" noChangeAspect="1" noChangeArrowheads="1" noTextEdit="1"/>
           </p:cNvSpPr>
           <p:nvPr>
             <p:ph type="sldImg" idx="2"/>
@@ -634,7 +636,7 @@
         <p:nvSpPr>
           <p:cNvPr id="9218" name="Rectangle 2"/>
           <p:cNvSpPr>
-            <a:spLocks noRot="1" noChangeArrowheads="1" noTextEdit="1"/>
+            <a:spLocks noGrp="1" noRot="1" noChangeAspect="1" noChangeArrowheads="1" noTextEdit="1"/>
           </p:cNvSpPr>
           <p:nvPr>
             <p:ph type="sldImg"/>
@@ -718,7 +720,7 @@
         <p:nvSpPr>
           <p:cNvPr id="10242" name="Rectangle 2"/>
           <p:cNvSpPr>
-            <a:spLocks noRot="1" noChangeArrowheads="1" noTextEdit="1"/>
+            <a:spLocks noGrp="1" noRot="1" noChangeAspect="1" noChangeArrowheads="1" noTextEdit="1"/>
           </p:cNvSpPr>
           <p:nvPr>
             <p:ph type="sldImg"/>
@@ -797,7 +799,7 @@
             <a:fld id="{65416834-F646-4C6A-AEEC-06305B5F55AB}" type="slidenum">
               <a:rPr lang="en-US"/>
               <a:pPr/>
-              <a:t>11</a:t>
+              <a:t>12</a:t>
             </a:fld>
             <a:endParaRPr lang="en-US"/>
           </a:p>
@@ -807,7 +809,7 @@
         <p:nvSpPr>
           <p:cNvPr id="46083" name="Rectangle 2"/>
           <p:cNvSpPr>
-            <a:spLocks noChangeArrowheads="1" noTextEdit="1"/>
+            <a:spLocks noGrp="1" noRot="1" noChangeAspect="1" noChangeArrowheads="1" noTextEdit="1"/>
           </p:cNvSpPr>
           <p:nvPr>
             <p:ph type="sldImg"/>
@@ -897,7 +899,7 @@
             <a:fld id="{F5EA7BEA-0DA3-446B-8D4C-70CC7C2360F4}" type="slidenum">
               <a:rPr lang="en-US"/>
               <a:pPr/>
-              <a:t>14</a:t>
+              <a:t>15</a:t>
             </a:fld>
             <a:endParaRPr lang="en-US"/>
           </a:p>
@@ -907,7 +909,7 @@
         <p:nvSpPr>
           <p:cNvPr id="48131" name="Rectangle 2"/>
           <p:cNvSpPr>
-            <a:spLocks noChangeArrowheads="1" noTextEdit="1"/>
+            <a:spLocks noGrp="1" noRot="1" noChangeAspect="1" noChangeArrowheads="1" noTextEdit="1"/>
           </p:cNvSpPr>
           <p:nvPr>
             <p:ph type="sldImg"/>
@@ -1000,7 +1002,7 @@
             <a:fld id="{E9569D21-1F98-43C8-8EC9-B78A541EFFE1}" type="slidenum">
               <a:rPr lang="en-US"/>
               <a:pPr/>
-              <a:t>15</a:t>
+              <a:t>16</a:t>
             </a:fld>
             <a:endParaRPr lang="en-US"/>
           </a:p>
@@ -1010,7 +1012,7 @@
         <p:nvSpPr>
           <p:cNvPr id="50179" name="Rectangle 2"/>
           <p:cNvSpPr>
-            <a:spLocks noChangeArrowheads="1" noTextEdit="1"/>
+            <a:spLocks noGrp="1" noRot="1" noChangeAspect="1" noChangeArrowheads="1" noTextEdit="1"/>
           </p:cNvSpPr>
           <p:nvPr>
             <p:ph type="sldImg"/>
@@ -1103,7 +1105,7 @@
             <a:fld id="{E6CC0C41-88F7-41C7-9D58-41A46E11E94E}" type="slidenum">
               <a:rPr lang="en-US"/>
               <a:pPr/>
-              <a:t>16</a:t>
+              <a:t>17</a:t>
             </a:fld>
             <a:endParaRPr lang="en-US"/>
           </a:p>
@@ -1113,7 +1115,7 @@
         <p:nvSpPr>
           <p:cNvPr id="52227" name="Rectangle 2"/>
           <p:cNvSpPr>
-            <a:spLocks noChangeArrowheads="1" noTextEdit="1"/>
+            <a:spLocks noGrp="1" noRot="1" noChangeAspect="1" noChangeArrowheads="1" noTextEdit="1"/>
           </p:cNvSpPr>
           <p:nvPr>
             <p:ph type="sldImg"/>
@@ -1206,7 +1208,7 @@
             <a:fld id="{06CC5F91-7E10-4D18-9438-9AF3612818A6}" type="slidenum">
               <a:rPr lang="en-US"/>
               <a:pPr/>
-              <a:t>17</a:t>
+              <a:t>18</a:t>
             </a:fld>
             <a:endParaRPr lang="en-US"/>
           </a:p>
@@ -1216,7 +1218,7 @@
         <p:nvSpPr>
           <p:cNvPr id="54275" name="Rectangle 2"/>
           <p:cNvSpPr>
-            <a:spLocks noChangeArrowheads="1" noTextEdit="1"/>
+            <a:spLocks noGrp="1" noRot="1" noChangeAspect="1" noChangeArrowheads="1" noTextEdit="1"/>
           </p:cNvSpPr>
           <p:nvPr>
             <p:ph type="sldImg"/>
@@ -3029,7 +3031,6 @@
               <a:rPr lang="en-US" smtClean="0"/>
               <a:t>Click to edit Master title style</a:t>
             </a:r>
-            <a:endParaRPr lang="en-US" smtClean="0"/>
           </a:p>
         </p:txBody>
       </p:sp>
@@ -3101,7 +3102,6 @@
               <a:rPr lang="en-US" smtClean="0"/>
               <a:t>Fifth level</a:t>
             </a:r>
-            <a:endParaRPr lang="en-US" smtClean="0"/>
           </a:p>
         </p:txBody>
       </p:sp>
@@ -3712,30 +3712,348 @@
           <a:bodyPr/>
           <a:lstStyle/>
           <a:p>
-            <a:endParaRPr lang="en-US"/>
+            <a:r>
+              <a:rPr lang="en-US" dirty="0" smtClean="0"/>
+              <a:t>Data Service Clients</a:t>
+            </a:r>
+            <a:endParaRPr lang="en-US" dirty="0"/>
           </a:p>
         </p:txBody>
       </p:sp>
       <p:sp>
         <p:nvSpPr>
-          <p:cNvPr id="3" name="Content Placeholder 2"/>
-          <p:cNvSpPr>
-            <a:spLocks noGrp="1"/>
+          <p:cNvPr id="4" name="Content Placeholder 2"/>
+          <p:cNvSpPr txBox="1">
+            <a:spLocks/>
           </p:cNvSpPr>
-          <p:nvPr>
-            <p:ph idx="1"/>
-          </p:nvPr>
-        </p:nvSpPr>
-        <p:spPr/>
+          <p:nvPr/>
+        </p:nvSpPr>
+        <p:spPr bwMode="auto">
+          <a:xfrm>
+            <a:off x="304800" y="1371600"/>
+            <a:ext cx="8458200" cy="4953000"/>
+          </a:xfrm>
+          <a:prstGeom prst="rect">
+            <a:avLst/>
+          </a:prstGeom>
+          <a:noFill/>
+          <a:ln w="9525">
+            <a:noFill/>
+            <a:miter lim="800000"/>
+            <a:headEnd/>
+            <a:tailEnd/>
+          </a:ln>
+          <a:effectLst/>
+        </p:spPr>
         <p:txBody>
-          <a:bodyPr/>
+          <a:bodyPr vert="horz" wrap="square" lIns="91440" tIns="45720" rIns="91440" bIns="45720" numCol="1" anchor="t" anchorCtr="0" compatLnSpc="1">
+            <a:prstTxWarp prst="textNoShape">
+              <a:avLst/>
+            </a:prstTxWarp>
+          </a:bodyPr>
           <a:lstStyle/>
           <a:p>
-            <a:r>
-              <a:rPr lang="en-US" dirty="0" smtClean="0"/>
-              <a:t>… more on CQL query processors here?</a:t>
-            </a:r>
-            <a:endParaRPr lang="en-US" dirty="0"/>
+            <a:pPr marL="342900" marR="0" lvl="0" indent="-342900" algn="l" defTabSz="914400" rtl="0" eaLnBrk="1" fontAlgn="base" latinLnBrk="0" hangingPunct="1">
+              <a:lnSpc>
+                <a:spcPct val="100000"/>
+              </a:lnSpc>
+              <a:spcBef>
+                <a:spcPct val="20000"/>
+              </a:spcBef>
+              <a:spcAft>
+                <a:spcPct val="0"/>
+              </a:spcAft>
+              <a:buClr>
+                <a:srgbClr val="00AAF6"/>
+              </a:buClr>
+              <a:buSzTx/>
+              <a:buFontTx/>
+              <a:buChar char="•"/>
+              <a:tabLst/>
+              <a:defRPr/>
+            </a:pPr>
+            <a:r>
+              <a:rPr lang="en-US" sz="2000" b="1" kern="0" dirty="0" smtClean="0">
+                <a:latin typeface="+mn-lt"/>
+              </a:rPr>
+              <a:t>Single, Common Client</a:t>
+            </a:r>
+          </a:p>
+          <a:p>
+            <a:pPr marL="800100" lvl="1" indent="-342900">
+              <a:spcBef>
+                <a:spcPct val="20000"/>
+              </a:spcBef>
+              <a:buClr>
+                <a:srgbClr val="00AAF6"/>
+              </a:buClr>
+              <a:buFontTx/>
+              <a:buChar char="•"/>
+            </a:pPr>
+            <a:r>
+              <a:rPr kumimoji="0" lang="en-US" sz="2000" i="0" u="none" strike="noStrike" kern="0" cap="none" spc="0" normalizeH="0" baseline="0" noProof="0" dirty="0" smtClean="0">
+                <a:ln>
+                  <a:noFill/>
+                </a:ln>
+                <a:solidFill>
+                  <a:schemeClr val="tx1"/>
+                </a:solidFill>
+                <a:effectLst/>
+                <a:uLnTx/>
+                <a:uFillTx/>
+                <a:latin typeface="+mn-lt"/>
+              </a:rPr>
+              <a:t>All</a:t>
+            </a:r>
+            <a:r>
+              <a:rPr kumimoji="0" lang="en-US" sz="2000" i="0" u="none" strike="noStrike" kern="0" cap="none" spc="0" normalizeH="0" noProof="0" dirty="0" smtClean="0">
+                <a:ln>
+                  <a:noFill/>
+                </a:ln>
+                <a:solidFill>
+                  <a:schemeClr val="tx1"/>
+                </a:solidFill>
+                <a:effectLst/>
+                <a:uLnTx/>
+                <a:uFillTx/>
+                <a:latin typeface="+mn-lt"/>
+              </a:rPr>
+              <a:t> data services can be queried via the same client class</a:t>
+            </a:r>
+          </a:p>
+          <a:p>
+            <a:pPr marL="800100" lvl="1" indent="-342900">
+              <a:spcBef>
+                <a:spcPct val="20000"/>
+              </a:spcBef>
+              <a:buClr>
+                <a:srgbClr val="00AAF6"/>
+              </a:buClr>
+              <a:buFontTx/>
+              <a:buChar char="•"/>
+            </a:pPr>
+            <a:r>
+              <a:rPr lang="en-US" sz="2000" kern="0" baseline="0" dirty="0" smtClean="0">
+                <a:latin typeface="+mn-lt"/>
+              </a:rPr>
+              <a:t>Possible</a:t>
+            </a:r>
+            <a:r>
+              <a:rPr lang="en-US" sz="2000" kern="0" dirty="0" smtClean="0">
+                <a:latin typeface="+mn-lt"/>
+              </a:rPr>
+              <a:t> because all data services implement the same WSDL</a:t>
+            </a:r>
+          </a:p>
+          <a:p>
+            <a:pPr marL="800100" lvl="1" indent="-342900">
+              <a:spcBef>
+                <a:spcPct val="20000"/>
+              </a:spcBef>
+              <a:buClr>
+                <a:srgbClr val="00AAF6"/>
+              </a:buClr>
+              <a:buFontTx/>
+              <a:buChar char="•"/>
+            </a:pPr>
+            <a:r>
+              <a:rPr kumimoji="0" lang="en-US" sz="2000" i="0" u="none" strike="noStrike" kern="0" cap="none" spc="0" normalizeH="0" baseline="0" noProof="0" dirty="0" smtClean="0">
+                <a:ln>
+                  <a:noFill/>
+                </a:ln>
+                <a:solidFill>
+                  <a:schemeClr val="tx1"/>
+                </a:solidFill>
+                <a:effectLst/>
+                <a:uLnTx/>
+                <a:uFillTx/>
+                <a:latin typeface="+mn-lt"/>
+              </a:rPr>
+              <a:t>Standard</a:t>
+            </a:r>
+            <a:r>
+              <a:rPr kumimoji="0" lang="en-US" sz="2000" i="0" u="none" strike="noStrike" kern="0" cap="none" spc="0" normalizeH="0" noProof="0" dirty="0" smtClean="0">
+                <a:ln>
+                  <a:noFill/>
+                </a:ln>
+                <a:solidFill>
+                  <a:schemeClr val="tx1"/>
+                </a:solidFill>
+                <a:effectLst/>
+                <a:uLnTx/>
+                <a:uFillTx/>
+                <a:latin typeface="+mn-lt"/>
+              </a:rPr>
+              <a:t> client has single public method</a:t>
+            </a:r>
+          </a:p>
+          <a:p>
+            <a:pPr marL="1257300" lvl="2" indent="-342900">
+              <a:spcBef>
+                <a:spcPct val="20000"/>
+              </a:spcBef>
+              <a:buClr>
+                <a:srgbClr val="00AAF6"/>
+              </a:buClr>
+              <a:buFontTx/>
+              <a:buChar char="•"/>
+            </a:pPr>
+            <a:r>
+              <a:rPr lang="en-US" kern="0" baseline="0" dirty="0" smtClean="0">
+                <a:latin typeface="+mn-lt"/>
+              </a:rPr>
+              <a:t>CQL</a:t>
+            </a:r>
+            <a:r>
+              <a:rPr lang="en-US" kern="0" dirty="0" smtClean="0">
+                <a:latin typeface="+mn-lt"/>
+              </a:rPr>
+              <a:t> query in, CQL query results out</a:t>
+            </a:r>
+          </a:p>
+          <a:p>
+            <a:pPr marL="800100" lvl="1" indent="-342900">
+              <a:spcBef>
+                <a:spcPct val="20000"/>
+              </a:spcBef>
+              <a:buClr>
+                <a:srgbClr val="00AAF6"/>
+              </a:buClr>
+              <a:buFontTx/>
+              <a:buChar char="•"/>
+            </a:pPr>
+            <a:r>
+              <a:rPr kumimoji="0" lang="en-US" sz="2000" i="0" u="none" strike="noStrike" kern="0" cap="none" spc="0" normalizeH="0" baseline="0" noProof="0" dirty="0" smtClean="0">
+                <a:ln>
+                  <a:noFill/>
+                </a:ln>
+                <a:solidFill>
+                  <a:schemeClr val="tx1"/>
+                </a:solidFill>
+                <a:effectLst/>
+                <a:uLnTx/>
+                <a:uFillTx/>
+                <a:latin typeface="+mn-lt"/>
+              </a:rPr>
+              <a:t>Client</a:t>
+            </a:r>
+            <a:r>
+              <a:rPr kumimoji="0" lang="en-US" sz="2000" i="0" u="none" strike="noStrike" kern="0" cap="none" spc="0" normalizeH="0" noProof="0" dirty="0" smtClean="0">
+                <a:ln>
+                  <a:noFill/>
+                </a:ln>
+                <a:solidFill>
+                  <a:schemeClr val="tx1"/>
+                </a:solidFill>
+                <a:effectLst/>
+                <a:uLnTx/>
+                <a:uFillTx/>
+                <a:latin typeface="+mn-lt"/>
+              </a:rPr>
+              <a:t> for each specific service works too</a:t>
+            </a:r>
+          </a:p>
+          <a:p>
+            <a:pPr marL="1257300" lvl="2" indent="-342900">
+              <a:spcBef>
+                <a:spcPct val="20000"/>
+              </a:spcBef>
+              <a:buClr>
+                <a:srgbClr val="00AAF6"/>
+              </a:buClr>
+              <a:buFontTx/>
+              <a:buChar char="•"/>
+            </a:pPr>
+            <a:r>
+              <a:rPr lang="en-US" kern="0" baseline="0" dirty="0" smtClean="0">
+                <a:latin typeface="+mn-lt"/>
+              </a:rPr>
+              <a:t>Methods</a:t>
+            </a:r>
+            <a:r>
+              <a:rPr lang="en-US" kern="0" dirty="0" smtClean="0">
+                <a:latin typeface="+mn-lt"/>
+              </a:rPr>
+              <a:t> unique to the service are available via the custom client.</a:t>
+            </a:r>
+          </a:p>
+          <a:p>
+            <a:pPr marL="800100" lvl="1" indent="-342900">
+              <a:spcBef>
+                <a:spcPct val="20000"/>
+              </a:spcBef>
+              <a:buClr>
+                <a:srgbClr val="00AAF6"/>
+              </a:buClr>
+              <a:buFontTx/>
+              <a:buChar char="•"/>
+            </a:pPr>
+            <a:r>
+              <a:rPr kumimoji="0" lang="en-US" sz="2000" i="0" u="none" strike="noStrike" kern="0" cap="none" spc="0" normalizeH="0" baseline="0" noProof="0" dirty="0" smtClean="0">
+                <a:ln>
+                  <a:noFill/>
+                </a:ln>
+                <a:solidFill>
+                  <a:schemeClr val="tx1"/>
+                </a:solidFill>
+                <a:effectLst/>
+                <a:uLnTx/>
+                <a:uFillTx/>
+                <a:latin typeface="+mn-lt"/>
+              </a:rPr>
+              <a:t>Constructed like any other Introduce-generated</a:t>
+            </a:r>
+            <a:r>
+              <a:rPr kumimoji="0" lang="en-US" sz="2000" i="0" u="none" strike="noStrike" kern="0" cap="none" spc="0" normalizeH="0" noProof="0" dirty="0" smtClean="0">
+                <a:ln>
+                  <a:noFill/>
+                </a:ln>
+                <a:solidFill>
+                  <a:schemeClr val="tx1"/>
+                </a:solidFill>
+                <a:effectLst/>
+                <a:uLnTx/>
+                <a:uFillTx/>
+                <a:latin typeface="+mn-lt"/>
+              </a:rPr>
+              <a:t> client</a:t>
+            </a:r>
+          </a:p>
+          <a:p>
+            <a:pPr marL="1257300" lvl="2" indent="-342900">
+              <a:spcBef>
+                <a:spcPct val="20000"/>
+              </a:spcBef>
+              <a:buClr>
+                <a:srgbClr val="00AAF6"/>
+              </a:buClr>
+              <a:buFontTx/>
+              <a:buChar char="•"/>
+            </a:pPr>
+            <a:r>
+              <a:rPr lang="en-US" kern="0" baseline="0" dirty="0" smtClean="0">
+                <a:latin typeface="+mn-lt"/>
+              </a:rPr>
+              <a:t>Service</a:t>
+            </a:r>
+            <a:r>
+              <a:rPr lang="en-US" kern="0" dirty="0" smtClean="0">
+                <a:latin typeface="+mn-lt"/>
+              </a:rPr>
+              <a:t> URL / EPR and optional Grid Credential</a:t>
+            </a:r>
+            <a:endParaRPr kumimoji="0" lang="en-US" i="0" u="none" strike="noStrike" kern="0" cap="none" spc="0" normalizeH="0" baseline="0" noProof="0" dirty="0">
+              <a:ln>
+                <a:noFill/>
+              </a:ln>
+              <a:solidFill>
+                <a:schemeClr val="tx1"/>
+              </a:solidFill>
+              <a:effectLst/>
+              <a:uLnTx/>
+              <a:uFillTx/>
+              <a:latin typeface="+mn-lt"/>
+            </a:endParaRPr>
           </a:p>
         </p:txBody>
       </p:sp>
@@ -3766,9 +4084,9 @@
       </p:grpSpPr>
       <p:sp>
         <p:nvSpPr>
-          <p:cNvPr id="45058" name="Rectangle 4"/>
+          <p:cNvPr id="2" name="Title 1"/>
           <p:cNvSpPr>
-            <a:spLocks noGrp="1" noChangeArrowheads="1"/>
+            <a:spLocks noGrp="1"/>
           </p:cNvSpPr>
           <p:nvPr>
             <p:ph type="title"/>
@@ -3779,20 +4097,15 @@
           <a:bodyPr/>
           <a:lstStyle/>
           <a:p>
-            <a:pPr eaLnBrk="1" hangingPunct="1"/>
-            <a:r>
-              <a:rPr lang="en-US" dirty="0" smtClean="0"/>
-              <a:t>caGrid Query Language (CQL)</a:t>
-            </a:r>
-            <a:endParaRPr lang="en-US" dirty="0" smtClean="0"/>
+            <a:endParaRPr lang="en-US"/>
           </a:p>
         </p:txBody>
       </p:sp>
       <p:sp>
         <p:nvSpPr>
-          <p:cNvPr id="45059" name="Rectangle 5"/>
+          <p:cNvPr id="3" name="Content Placeholder 2"/>
           <p:cNvSpPr>
-            <a:spLocks noGrp="1" noChangeArrowheads="1"/>
+            <a:spLocks noGrp="1"/>
           </p:cNvSpPr>
           <p:nvPr>
             <p:ph idx="1"/>
@@ -3803,61 +4116,11 @@
           <a:bodyPr/>
           <a:lstStyle/>
           <a:p>
-            <a:pPr eaLnBrk="1" hangingPunct="1"/>
-            <a:r>
-              <a:rPr lang="en-US" sz="2400" dirty="0" smtClean="0"/>
-              <a:t>Simple, “minimum entry” for data providers</a:t>
-            </a:r>
-          </a:p>
-          <a:p>
-            <a:pPr eaLnBrk="1" hangingPunct="1"/>
-            <a:r>
-              <a:rPr lang="en-US" sz="2400" dirty="0" smtClean="0"/>
-              <a:t>Specifies a target object (result) type and selects the instances which satisfy the specified properties and nested object properties</a:t>
-            </a:r>
-          </a:p>
-          <a:p>
-            <a:pPr lvl="1" eaLnBrk="1" hangingPunct="1"/>
-            <a:r>
-              <a:rPr lang="en-US" sz="2400" dirty="0" smtClean="0"/>
-              <a:t>Allows path navigation</a:t>
-            </a:r>
-          </a:p>
-          <a:p>
-            <a:pPr lvl="1" eaLnBrk="1" hangingPunct="1"/>
-            <a:r>
-              <a:rPr lang="en-US" sz="2400" dirty="0" smtClean="0"/>
-              <a:t>Provides logical grouping</a:t>
-            </a:r>
-          </a:p>
-          <a:p>
-            <a:pPr lvl="1" eaLnBrk="1" hangingPunct="1"/>
-            <a:r>
-              <a:rPr lang="en-US" sz="2400" dirty="0" smtClean="0"/>
-              <a:t>Provides name/predicate/value filtering on properties of objects</a:t>
-            </a:r>
-          </a:p>
-          <a:p>
-            <a:pPr eaLnBrk="1" hangingPunct="1"/>
-            <a:r>
-              <a:rPr lang="en-US" sz="2400" dirty="0" smtClean="0"/>
-              <a:t>Recursively defined</a:t>
-            </a:r>
-          </a:p>
-          <a:p>
-            <a:pPr eaLnBrk="1" hangingPunct="1"/>
-            <a:r>
-              <a:rPr lang="en-US" sz="2400" dirty="0" smtClean="0"/>
-              <a:t>Ability to return full Objects, Set of attributes, count of results, or distinct attribute values</a:t>
-            </a:r>
-          </a:p>
-          <a:p>
-            <a:pPr eaLnBrk="1" hangingPunct="1"/>
-            <a:endParaRPr lang="en-US" sz="2400" dirty="0" smtClean="0"/>
-          </a:p>
-          <a:p>
-            <a:pPr eaLnBrk="1" hangingPunct="1"/>
-            <a:endParaRPr lang="en-US" sz="2400" dirty="0" smtClean="0"/>
+            <a:r>
+              <a:rPr lang="en-US" dirty="0" smtClean="0"/>
+              <a:t>… more on CQL query processors here?</a:t>
+            </a:r>
+            <a:endParaRPr lang="en-US" dirty="0"/>
           </a:p>
         </p:txBody>
       </p:sp>
@@ -3866,13 +4129,6 @@
   <p:clrMapOvr>
     <a:masterClrMapping/>
   </p:clrMapOvr>
-  <p:timing>
-    <p:tnLst>
-      <p:par>
-        <p:cTn id="1" dur="indefinite" restart="never" nodeType="tmRoot"/>
-      </p:par>
-    </p:tnLst>
-  </p:timing>
 </p:sld>
 </file>
 
@@ -3895,9 +4151,9 @@
       </p:grpSpPr>
       <p:sp>
         <p:nvSpPr>
-          <p:cNvPr id="2" name="Title 1"/>
+          <p:cNvPr id="45058" name="Rectangle 4"/>
           <p:cNvSpPr>
-            <a:spLocks noGrp="1"/>
+            <a:spLocks noGrp="1" noChangeArrowheads="1"/>
           </p:cNvSpPr>
           <p:nvPr>
             <p:ph type="title"/>
@@ -3908,19 +4164,19 @@
           <a:bodyPr/>
           <a:lstStyle/>
           <a:p>
+            <a:pPr eaLnBrk="1" hangingPunct="1"/>
             <a:r>
               <a:rPr lang="en-US" dirty="0" smtClean="0"/>
-              <a:t>Parts of a CQL Query</a:t>
-            </a:r>
-            <a:endParaRPr lang="en-US" dirty="0"/>
+              <a:t>caGrid Query Language (CQL)</a:t>
+            </a:r>
           </a:p>
         </p:txBody>
       </p:sp>
       <p:sp>
         <p:nvSpPr>
-          <p:cNvPr id="3" name="Content Placeholder 2"/>
+          <p:cNvPr id="45059" name="Rectangle 5"/>
           <p:cNvSpPr>
-            <a:spLocks noGrp="1"/>
+            <a:spLocks noGrp="1" noChangeArrowheads="1"/>
           </p:cNvSpPr>
           <p:nvPr>
             <p:ph idx="1"/>
@@ -3931,93 +4187,61 @@
           <a:bodyPr/>
           <a:lstStyle/>
           <a:p>
-            <a:r>
-              <a:rPr lang="en-US" sz="2000" dirty="0" smtClean="0"/>
-              <a:t>Object</a:t>
-            </a:r>
+            <a:pPr eaLnBrk="1" hangingPunct="1"/>
+            <a:r>
+              <a:rPr lang="en-US" sz="2400" dirty="0" smtClean="0"/>
+              <a:t>Simple, “minimum entry” for data providers</a:t>
+            </a:r>
+          </a:p>
+          <a:p>
+            <a:pPr eaLnBrk="1" hangingPunct="1"/>
+            <a:r>
+              <a:rPr lang="en-US" sz="2400" dirty="0" smtClean="0"/>
+              <a:t>Specifies a target object (result) type and selects the instances which satisfy the specified properties and nested object properties</a:t>
+            </a:r>
+          </a:p>
+          <a:p>
+            <a:pPr lvl="1" eaLnBrk="1" hangingPunct="1"/>
+            <a:r>
+              <a:rPr lang="en-US" sz="2400" dirty="0" smtClean="0"/>
+              <a:t>Allows path navigation</a:t>
+            </a:r>
+          </a:p>
+          <a:p>
+            <a:pPr lvl="1" eaLnBrk="1" hangingPunct="1"/>
+            <a:r>
+              <a:rPr lang="en-US" sz="2400" dirty="0" smtClean="0"/>
+              <a:t>Provides logical grouping</a:t>
+            </a:r>
+          </a:p>
+          <a:p>
+            <a:pPr lvl="1" eaLnBrk="1" hangingPunct="1"/>
+            <a:r>
+              <a:rPr lang="en-US" sz="2400" dirty="0" smtClean="0"/>
+              <a:t>Provides name/predicate/value filtering on properties of objects</a:t>
+            </a:r>
+          </a:p>
+          <a:p>
+            <a:pPr eaLnBrk="1" hangingPunct="1"/>
+            <a:r>
+              <a:rPr lang="en-US" sz="2400" dirty="0" smtClean="0"/>
+              <a:t>Recursively defined</a:t>
+            </a:r>
+          </a:p>
+          <a:p>
+            <a:pPr eaLnBrk="1" hangingPunct="1"/>
+            <a:r>
+              <a:rPr lang="en-US" sz="2400" dirty="0" smtClean="0"/>
+              <a:t>Ability to return full Objects, Set of attributes, count of results, or distinct attribute values</a:t>
+            </a:r>
+          </a:p>
+          <a:p>
+            <a:pPr eaLnBrk="1" hangingPunct="1"/>
             <a:endParaRPr lang="en-US" sz="2400" dirty="0" smtClean="0"/>
           </a:p>
           <a:p>
-            <a:pPr lvl="1"/>
-            <a:r>
-              <a:rPr lang="en-US" sz="2000" dirty="0" smtClean="0"/>
-              <a:t>Base for search criteria and target definition</a:t>
-            </a:r>
-          </a:p>
-          <a:p>
-            <a:pPr lvl="1"/>
-            <a:r>
-              <a:rPr lang="en-US" sz="2000" dirty="0" smtClean="0"/>
-              <a:t>Contains the name of the data type / class being searched for</a:t>
-            </a:r>
-          </a:p>
-          <a:p>
-            <a:pPr lvl="1"/>
-            <a:r>
-              <a:rPr lang="en-US" sz="2000" dirty="0" smtClean="0"/>
-              <a:t>May have one of three child query parts</a:t>
-            </a:r>
-          </a:p>
-          <a:p>
-            <a:pPr lvl="2"/>
-            <a:r>
-              <a:rPr lang="en-US" sz="1800" dirty="0" smtClean="0"/>
-              <a:t>Association, Attribute, or Group</a:t>
-            </a:r>
-          </a:p>
-          <a:p>
-            <a:r>
-              <a:rPr lang="en-US" sz="2000" dirty="0" smtClean="0"/>
-              <a:t>Target</a:t>
-            </a:r>
-          </a:p>
-          <a:p>
-            <a:pPr lvl="1"/>
-            <a:r>
-              <a:rPr lang="en-US" sz="2000" dirty="0" smtClean="0"/>
-              <a:t>Top level query component extends from Object</a:t>
-            </a:r>
-          </a:p>
-          <a:p>
-            <a:pPr lvl="1"/>
-            <a:r>
-              <a:rPr lang="en-US" sz="2000" dirty="0" smtClean="0"/>
-              <a:t>Identifies the data type which will be returned by the query</a:t>
-            </a:r>
-          </a:p>
-          <a:p>
-            <a:r>
-              <a:rPr lang="en-US" sz="2000" dirty="0" smtClean="0"/>
-              <a:t>Association</a:t>
-            </a:r>
-          </a:p>
-          <a:p>
-            <a:pPr lvl="1"/>
-            <a:r>
-              <a:rPr lang="en-US" sz="2000" dirty="0" smtClean="0"/>
-              <a:t>Lower level query component extends from Object</a:t>
-            </a:r>
-          </a:p>
-          <a:p>
-            <a:pPr lvl="1"/>
-            <a:r>
-              <a:rPr lang="en-US" sz="2000" dirty="0" smtClean="0"/>
-              <a:t>Restricts query results</a:t>
-            </a:r>
-          </a:p>
-          <a:p>
-            <a:pPr lvl="2"/>
-            <a:r>
-              <a:rPr lang="en-US" sz="1800" dirty="0" smtClean="0"/>
-              <a:t>Must be non-null</a:t>
-            </a:r>
-          </a:p>
-          <a:p>
-            <a:pPr lvl="2"/>
-            <a:r>
-              <a:rPr lang="en-US" sz="1800" dirty="0" smtClean="0"/>
-              <a:t>Further associations, attributes, or groups as child query components</a:t>
-            </a:r>
+            <a:pPr eaLnBrk="1" hangingPunct="1"/>
+            <a:endParaRPr lang="en-US" sz="2400" dirty="0" smtClean="0"/>
           </a:p>
         </p:txBody>
       </p:sp>
@@ -4026,6 +4250,13 @@
   <p:clrMapOvr>
     <a:masterClrMapping/>
   </p:clrMapOvr>
+  <p:timing>
+    <p:tnLst>
+      <p:par>
+        <p:cTn id="1" dur="indefinite" restart="never" nodeType="tmRoot"/>
+      </p:par>
+    </p:tnLst>
+  </p:timing>
 </p:sld>
 </file>
 
@@ -4086,72 +4317,91 @@
           <a:p>
             <a:r>
               <a:rPr lang="en-US" sz="2000" dirty="0" smtClean="0"/>
-              <a:t>Attribute</a:t>
-            </a:r>
+              <a:t>Object</a:t>
+            </a:r>
+            <a:endParaRPr lang="en-US" sz="2400" dirty="0" smtClean="0"/>
           </a:p>
           <a:p>
             <a:pPr lvl="1"/>
             <a:r>
               <a:rPr lang="en-US" sz="2000" dirty="0" smtClean="0"/>
-              <a:t>Object property used as search criteria</a:t>
+              <a:t>Base for search criteria and target definition</a:t>
             </a:r>
           </a:p>
           <a:p>
             <a:pPr lvl="1"/>
             <a:r>
               <a:rPr lang="en-US" sz="2000" dirty="0" smtClean="0"/>
-              <a:t>Defined in terms of attribute name, predicate, and value</a:t>
+              <a:t>Contains the name of the data type / class being searched for</a:t>
             </a:r>
           </a:p>
           <a:p>
             <a:pPr lvl="1"/>
             <a:r>
               <a:rPr lang="en-US" sz="2000" dirty="0" smtClean="0"/>
-              <a:t>Predicates are similar to SQL</a:t>
+              <a:t>May have one of three child query parts</a:t>
             </a:r>
           </a:p>
           <a:p>
             <a:pPr lvl="2"/>
             <a:r>
               <a:rPr lang="en-US" sz="1800" dirty="0" smtClean="0"/>
-              <a:t>Equals, Not Equals, </a:t>
-            </a:r>
-            <a:r>
-              <a:rPr lang="en-US" sz="1800" smtClean="0"/>
-              <a:t>Like, Less </a:t>
-            </a:r>
+              <a:t>Association, Attribute, or Group</a:t>
+            </a:r>
+          </a:p>
+          <a:p>
+            <a:r>
+              <a:rPr lang="en-US" sz="2000" dirty="0" smtClean="0"/>
+              <a:t>Target</a:t>
+            </a:r>
+          </a:p>
+          <a:p>
+            <a:pPr lvl="1"/>
+            <a:r>
+              <a:rPr lang="en-US" sz="2000" dirty="0" smtClean="0"/>
+              <a:t>Top level query component extends from Object</a:t>
+            </a:r>
+          </a:p>
+          <a:p>
+            <a:pPr lvl="1"/>
+            <a:r>
+              <a:rPr lang="en-US" sz="2000" dirty="0" smtClean="0"/>
+              <a:t>Identifies the data type which will be returned by the query</a:t>
+            </a:r>
+          </a:p>
+          <a:p>
+            <a:r>
+              <a:rPr lang="en-US" sz="2000" dirty="0" smtClean="0"/>
+              <a:t>Association</a:t>
+            </a:r>
+          </a:p>
+          <a:p>
+            <a:pPr lvl="1"/>
+            <a:r>
+              <a:rPr lang="en-US" sz="2000" dirty="0" smtClean="0"/>
+              <a:t>Lower level query component extends from Object</a:t>
+            </a:r>
+          </a:p>
+          <a:p>
+            <a:pPr lvl="1"/>
+            <a:r>
+              <a:rPr lang="en-US" sz="2000" dirty="0" smtClean="0"/>
+              <a:t>Restricts query results</a:t>
+            </a:r>
+          </a:p>
+          <a:p>
+            <a:pPr lvl="2"/>
             <a:r>
               <a:rPr lang="en-US" sz="1800" dirty="0" smtClean="0"/>
-              <a:t>Than, Greater Than, Less or Equal, Greater or Equal, Null, and Not Null</a:t>
-            </a:r>
-          </a:p>
-          <a:p>
-            <a:r>
-              <a:rPr lang="en-US" sz="2000" dirty="0" smtClean="0"/>
-              <a:t>Group</a:t>
-            </a:r>
-          </a:p>
-          <a:p>
-            <a:pPr lvl="1"/>
-            <a:r>
-              <a:rPr lang="en-US" sz="2000" dirty="0" smtClean="0"/>
-              <a:t>A logical join of child search criteria</a:t>
+              <a:t>Must be non-null</a:t>
             </a:r>
           </a:p>
           <a:p>
             <a:pPr lvl="2"/>
             <a:r>
               <a:rPr lang="en-US" sz="1800" dirty="0" smtClean="0"/>
-              <a:t>Logical operators AND / OR</a:t>
-            </a:r>
-          </a:p>
-          <a:p>
-            <a:pPr lvl="1"/>
-            <a:r>
-              <a:rPr lang="en-US" sz="2000" dirty="0" smtClean="0"/>
-              <a:t>May have one or more Attributes, Associations, or additional Groups in combination</a:t>
-            </a:r>
-            <a:endParaRPr lang="en-US" sz="2000" dirty="0"/>
+              <a:t>Further associations, attributes, or groups as child query components</a:t>
+            </a:r>
           </a:p>
         </p:txBody>
       </p:sp>
@@ -4164,6 +4414,132 @@
 </file>
 
 <file path=ppt/slides/slide14.xml><?xml version="1.0" encoding="utf-8"?>
+<p:sld xmlns:a="http://schemas.openxmlformats.org/drawingml/2006/main" xmlns:r="http://schemas.openxmlformats.org/officeDocument/2006/relationships" xmlns:p="http://schemas.openxmlformats.org/presentationml/2006/main">
+  <p:cSld>
+    <p:spTree>
+      <p:nvGrpSpPr>
+        <p:cNvPr id="1" name=""/>
+        <p:cNvGrpSpPr/>
+        <p:nvPr/>
+      </p:nvGrpSpPr>
+      <p:grpSpPr>
+        <a:xfrm>
+          <a:off x="0" y="0"/>
+          <a:ext cx="0" cy="0"/>
+          <a:chOff x="0" y="0"/>
+          <a:chExt cx="0" cy="0"/>
+        </a:xfrm>
+      </p:grpSpPr>
+      <p:sp>
+        <p:nvSpPr>
+          <p:cNvPr id="2" name="Title 1"/>
+          <p:cNvSpPr>
+            <a:spLocks noGrp="1"/>
+          </p:cNvSpPr>
+          <p:nvPr>
+            <p:ph type="title"/>
+          </p:nvPr>
+        </p:nvSpPr>
+        <p:spPr/>
+        <p:txBody>
+          <a:bodyPr/>
+          <a:lstStyle/>
+          <a:p>
+            <a:r>
+              <a:rPr lang="en-US" dirty="0" smtClean="0"/>
+              <a:t>Parts of a CQL Query</a:t>
+            </a:r>
+            <a:endParaRPr lang="en-US" dirty="0"/>
+          </a:p>
+        </p:txBody>
+      </p:sp>
+      <p:sp>
+        <p:nvSpPr>
+          <p:cNvPr id="3" name="Content Placeholder 2"/>
+          <p:cNvSpPr>
+            <a:spLocks noGrp="1"/>
+          </p:cNvSpPr>
+          <p:nvPr>
+            <p:ph idx="1"/>
+          </p:nvPr>
+        </p:nvSpPr>
+        <p:spPr/>
+        <p:txBody>
+          <a:bodyPr/>
+          <a:lstStyle/>
+          <a:p>
+            <a:r>
+              <a:rPr lang="en-US" sz="2000" dirty="0" smtClean="0"/>
+              <a:t>Attribute</a:t>
+            </a:r>
+          </a:p>
+          <a:p>
+            <a:pPr lvl="1"/>
+            <a:r>
+              <a:rPr lang="en-US" sz="2000" dirty="0" smtClean="0"/>
+              <a:t>Object property used as search criteria</a:t>
+            </a:r>
+          </a:p>
+          <a:p>
+            <a:pPr lvl="1"/>
+            <a:r>
+              <a:rPr lang="en-US" sz="2000" dirty="0" smtClean="0"/>
+              <a:t>Defined in terms of attribute name, predicate, and value</a:t>
+            </a:r>
+          </a:p>
+          <a:p>
+            <a:pPr lvl="1"/>
+            <a:r>
+              <a:rPr lang="en-US" sz="2000" dirty="0" smtClean="0"/>
+              <a:t>Predicates are similar to SQL</a:t>
+            </a:r>
+          </a:p>
+          <a:p>
+            <a:pPr lvl="2"/>
+            <a:r>
+              <a:rPr lang="en-US" sz="1800" dirty="0" smtClean="0"/>
+              <a:t>Equals, Not Equals, Like, Less Than, Greater Than, Less or Equal, Greater or Equal, Null, and Not Null</a:t>
+            </a:r>
+          </a:p>
+          <a:p>
+            <a:r>
+              <a:rPr lang="en-US" sz="2000" dirty="0" smtClean="0"/>
+              <a:t>Group</a:t>
+            </a:r>
+          </a:p>
+          <a:p>
+            <a:pPr lvl="1"/>
+            <a:r>
+              <a:rPr lang="en-US" sz="2000" dirty="0" smtClean="0"/>
+              <a:t>A logical join of child search criteria</a:t>
+            </a:r>
+          </a:p>
+          <a:p>
+            <a:pPr lvl="2"/>
+            <a:r>
+              <a:rPr lang="en-US" sz="1800" dirty="0" smtClean="0"/>
+              <a:t>Logical operators AND / OR</a:t>
+            </a:r>
+          </a:p>
+          <a:p>
+            <a:pPr lvl="1"/>
+            <a:r>
+              <a:rPr lang="en-US" sz="2000" dirty="0" smtClean="0"/>
+              <a:t>May have one or more Attributes, Associations, or additional Groups in combination</a:t>
+            </a:r>
+            <a:endParaRPr lang="en-US" sz="2000" dirty="0"/>
+          </a:p>
+        </p:txBody>
+      </p:sp>
+    </p:spTree>
+  </p:cSld>
+  <p:clrMapOvr>
+    <a:masterClrMapping/>
+  </p:clrMapOvr>
+</p:sld>
+</file>
+
+<file path=ppt/slides/slide15.xml><?xml version="1.0" encoding="utf-8"?>
 <p:sld xmlns:a="http://schemas.openxmlformats.org/drawingml/2006/main" xmlns:r="http://schemas.openxmlformats.org/officeDocument/2006/relationships" xmlns:p="http://schemas.openxmlformats.org/presentationml/2006/main">
   <p:cSld>
     <p:spTree>
@@ -4625,7 +5001,7 @@
 </p:sld>
 </file>
 
-<file path=ppt/slides/slide15.xml><?xml version="1.0" encoding="utf-8"?>
+<file path=ppt/slides/slide16.xml><?xml version="1.0" encoding="utf-8"?>
 <p:sld xmlns:a="http://schemas.openxmlformats.org/drawingml/2006/main" xmlns:r="http://schemas.openxmlformats.org/officeDocument/2006/relationships" xmlns:p="http://schemas.openxmlformats.org/presentationml/2006/main">
   <p:cSld>
     <p:spTree>
@@ -5246,7 +5622,7 @@
 </p:sld>
 </file>
 
-<file path=ppt/slides/slide16.xml><?xml version="1.0" encoding="utf-8"?>
+<file path=ppt/slides/slide17.xml><?xml version="1.0" encoding="utf-8"?>
 <p:sld xmlns:a="http://schemas.openxmlformats.org/drawingml/2006/main" xmlns:r="http://schemas.openxmlformats.org/officeDocument/2006/relationships" xmlns:p="http://schemas.openxmlformats.org/presentationml/2006/main">
   <p:cSld>
     <p:spTree>
@@ -6058,7 +6434,7 @@
 </p:sld>
 </file>
 
-<file path=ppt/slides/slide17.xml><?xml version="1.0" encoding="utf-8"?>
+<file path=ppt/slides/slide18.xml><?xml version="1.0" encoding="utf-8"?>
 <p:sld xmlns:a="http://schemas.openxmlformats.org/drawingml/2006/main" xmlns:r="http://schemas.openxmlformats.org/officeDocument/2006/relationships" xmlns:p="http://schemas.openxmlformats.org/presentationml/2006/main">
   <p:cSld>
     <p:spTree>
@@ -7006,6 +7382,136 @@
 </p:sld>
 </file>
 
+<file path=ppt/slides/slide19.xml><?xml version="1.0" encoding="utf-8"?>
+<p:sld xmlns:a="http://schemas.openxmlformats.org/drawingml/2006/main" xmlns:r="http://schemas.openxmlformats.org/officeDocument/2006/relationships" xmlns:p="http://schemas.openxmlformats.org/presentationml/2006/main">
+  <p:cSld>
+    <p:spTree>
+      <p:nvGrpSpPr>
+        <p:cNvPr id="1" name=""/>
+        <p:cNvGrpSpPr/>
+        <p:nvPr/>
+      </p:nvGrpSpPr>
+      <p:grpSpPr>
+        <a:xfrm>
+          <a:off x="0" y="0"/>
+          <a:ext cx="0" cy="0"/>
+          <a:chOff x="0" y="0"/>
+          <a:chExt cx="0" cy="0"/>
+        </a:xfrm>
+      </p:grpSpPr>
+      <p:sp>
+        <p:nvSpPr>
+          <p:cNvPr id="2" name="Title 1"/>
+          <p:cNvSpPr>
+            <a:spLocks noGrp="1"/>
+          </p:cNvSpPr>
+          <p:nvPr>
+            <p:ph type="title"/>
+          </p:nvPr>
+        </p:nvSpPr>
+        <p:spPr/>
+        <p:txBody>
+          <a:bodyPr/>
+          <a:lstStyle/>
+          <a:p>
+            <a:r>
+              <a:rPr lang="en-US" dirty="0" smtClean="0"/>
+              <a:t>CQL Query Results</a:t>
+            </a:r>
+            <a:endParaRPr lang="en-US" dirty="0"/>
+          </a:p>
+        </p:txBody>
+      </p:sp>
+      <p:sp>
+        <p:nvSpPr>
+          <p:cNvPr id="4" name="Content Placeholder 2"/>
+          <p:cNvSpPr txBox="1">
+            <a:spLocks/>
+          </p:cNvSpPr>
+          <p:nvPr/>
+        </p:nvSpPr>
+        <p:spPr bwMode="auto">
+          <a:xfrm>
+            <a:off x="304800" y="1371600"/>
+            <a:ext cx="8458200" cy="4953000"/>
+          </a:xfrm>
+          <a:prstGeom prst="rect">
+            <a:avLst/>
+          </a:prstGeom>
+          <a:noFill/>
+          <a:ln w="9525">
+            <a:noFill/>
+            <a:miter lim="800000"/>
+            <a:headEnd/>
+            <a:tailEnd/>
+          </a:ln>
+          <a:effectLst/>
+        </p:spPr>
+        <p:txBody>
+          <a:bodyPr vert="horz" wrap="square" lIns="91440" tIns="45720" rIns="91440" bIns="45720" numCol="1" anchor="t" anchorCtr="0" compatLnSpc="1">
+            <a:prstTxWarp prst="textNoShape">
+              <a:avLst/>
+            </a:prstTxWarp>
+          </a:bodyPr>
+          <a:lstStyle/>
+          <a:p>
+            <a:pPr marL="342900" marR="0" lvl="0" indent="-342900" algn="l" defTabSz="914400" rtl="0" eaLnBrk="1" fontAlgn="base" latinLnBrk="0" hangingPunct="1">
+              <a:lnSpc>
+                <a:spcPct val="100000"/>
+              </a:lnSpc>
+              <a:spcBef>
+                <a:spcPct val="20000"/>
+              </a:spcBef>
+              <a:spcAft>
+                <a:spcPct val="0"/>
+              </a:spcAft>
+              <a:buClr>
+                <a:srgbClr val="00AAF6"/>
+              </a:buClr>
+              <a:buSzTx/>
+              <a:buFontTx/>
+              <a:buChar char="•"/>
+              <a:tabLst/>
+              <a:defRPr/>
+            </a:pPr>
+            <a:r>
+              <a:rPr kumimoji="0" lang="en-US" sz="2000" b="0" i="0" u="none" strike="noStrike" kern="0" cap="none" spc="0" normalizeH="0" baseline="0" noProof="0" smtClean="0">
+                <a:ln>
+                  <a:noFill/>
+                </a:ln>
+                <a:solidFill>
+                  <a:schemeClr val="tx1"/>
+                </a:solidFill>
+                <a:effectLst/>
+                <a:uLnTx/>
+                <a:uFillTx/>
+                <a:latin typeface="+mn-lt"/>
+              </a:rPr>
+              <a:t>… text</a:t>
+            </a:r>
+            <a:endParaRPr kumimoji="0" lang="en-US" sz="2000" b="0" i="0" u="none" strike="noStrike" kern="0" cap="none" spc="0" normalizeH="0" baseline="0" noProof="0" dirty="0">
+              <a:ln>
+                <a:noFill/>
+              </a:ln>
+              <a:solidFill>
+                <a:schemeClr val="tx1"/>
+              </a:solidFill>
+              <a:effectLst/>
+              <a:uLnTx/>
+              <a:uFillTx/>
+              <a:latin typeface="+mn-lt"/>
+            </a:endParaRPr>
+          </a:p>
+        </p:txBody>
+      </p:sp>
+    </p:spTree>
+  </p:cSld>
+  <p:clrMapOvr>
+    <a:masterClrMapping/>
+  </p:clrMapOvr>
+</p:sld>
+</file>
+
 <file path=ppt/slides/slide2.xml><?xml version="1.0" encoding="utf-8"?>
 <p:sld xmlns:a="http://schemas.openxmlformats.org/drawingml/2006/main" xmlns:r="http://schemas.openxmlformats.org/officeDocument/2006/relationships" xmlns:p="http://schemas.openxmlformats.org/presentationml/2006/main">
   <p:cSld>
@@ -7221,7 +7727,7 @@
         </p:xfrm>
         <a:graphic>
           <a:graphicData uri="http://schemas.openxmlformats.org/presentationml/2006/ole">
-            <p:oleObj spid="_x0000_s11266" name="Visio" r:id="rId3" imgW="9594116" imgH="4603492" progId="Visio.Drawing.11">
+            <p:oleObj spid="_x0000_s11266" name="Visio" r:id="rId3" imgW="9594116" imgH="4603492" progId="">
               <p:embed/>
             </p:oleObj>
           </a:graphicData>
@@ -7994,11 +8500,7 @@
             <a:pPr lvl="1"/>
             <a:r>
               <a:rPr lang="en-US" sz="2000" dirty="0" smtClean="0"/>
-              <a:t>Abstract base class which is extended by specif</a:t>
-            </a:r>
-            <a:r>
-              <a:rPr lang="en-US" sz="2000" dirty="0" smtClean="0"/>
-              <a:t>ic data service implementations</a:t>
+              <a:t>Abstract base class which is extended by specific data service implementations</a:t>
             </a:r>
           </a:p>
           <a:p>
@@ -8427,11 +8929,7 @@
             <a:pPr lvl="1"/>
             <a:r>
               <a:rPr lang="en-US" sz="2000" dirty="0" smtClean="0"/>
-              <a:t>Receives </a:t>
-            </a:r>
-            <a:r>
-              <a:rPr lang="en-US" sz="2000" dirty="0" smtClean="0"/>
-              <a:t>notification of various events in query processing</a:t>
+              <a:t>Receives notification of various events in query processing</a:t>
             </a:r>
           </a:p>
           <a:p>
@@ -8577,14 +9075,14 @@
           <a:p>
             <a:pPr lvl="1"/>
             <a:r>
-              <a:rPr lang="en-US" dirty="0" smtClean="0"/>
+              <a:rPr lang="en-US" sz="2000" dirty="0" smtClean="0"/>
               <a:t>Loaded via reflection by </a:t>
             </a:r>
             <a:r>
-              <a:rPr lang="en-US" dirty="0" err="1" smtClean="0"/>
+              <a:rPr lang="en-US" sz="2000" dirty="0" err="1" smtClean="0"/>
               <a:t>BaseServiceImpl</a:t>
             </a:r>
-            <a:endParaRPr lang="en-US" dirty="0"/>
+            <a:endParaRPr lang="en-US" sz="2000" dirty="0"/>
           </a:p>
           <a:p>
             <a:pPr lvl="2"/>

--- a/Documentation/presentations/200906_Novartis/caGrid Data Services.pptx
+++ b/Documentation/presentations/200906_Novartis/caGrid Data Services.pptx
@@ -5,7 +5,7 @@
     <p:sldMasterId id="2147483648" r:id="rId1"/>
   </p:sldMasterIdLst>
   <p:notesMasterIdLst>
-    <p:notesMasterId r:id="rId21"/>
+    <p:notesMasterId r:id="rId22"/>
   </p:notesMasterIdLst>
   <p:sldIdLst>
     <p:sldId id="256" r:id="rId2"/>
@@ -27,6 +27,7 @@
     <p:sldId id="263" r:id="rId18"/>
     <p:sldId id="264" r:id="rId19"/>
     <p:sldId id="275" r:id="rId20"/>
+    <p:sldId id="276" r:id="rId21"/>
   </p:sldIdLst>
   <p:sldSz cx="9144000" cy="6858000" type="screen4x3"/>
   <p:notesSz cx="6858000" cy="9144000"/>
@@ -7475,7 +7476,26 @@
               <a:defRPr/>
             </a:pPr>
             <a:r>
-              <a:rPr kumimoji="0" lang="en-US" sz="2000" b="0" i="0" u="none" strike="noStrike" kern="0" cap="none" spc="0" normalizeH="0" baseline="0" noProof="0" smtClean="0">
+              <a:rPr lang="en-US" sz="2000" b="1" kern="0" dirty="0" smtClean="0">
+                <a:latin typeface="+mn-lt"/>
+              </a:rPr>
+              <a:t>Multiple Result Types</a:t>
+            </a:r>
+          </a:p>
+          <a:p>
+            <a:pPr marL="800100" lvl="1" indent="-342900">
+              <a:spcBef>
+                <a:spcPct val="20000"/>
+              </a:spcBef>
+              <a:buClr>
+                <a:srgbClr val="00AAF6"/>
+              </a:buClr>
+              <a:buFontTx/>
+              <a:buChar char="•"/>
+              <a:defRPr/>
+            </a:pPr>
+            <a:r>
+              <a:rPr kumimoji="0" lang="en-US" sz="2000" i="0" u="none" strike="noStrike" kern="0" cap="none" spc="0" normalizeH="0" baseline="0" noProof="0" dirty="0" smtClean="0">
                 <a:ln>
                   <a:noFill/>
                 </a:ln>
@@ -7487,9 +7507,283 @@
                 <a:uFillTx/>
                 <a:latin typeface="+mn-lt"/>
               </a:rPr>
-              <a:t>… text</a:t>
-            </a:r>
-            <a:endParaRPr kumimoji="0" lang="en-US" sz="2000" b="0" i="0" u="none" strike="noStrike" kern="0" cap="none" spc="0" normalizeH="0" baseline="0" noProof="0" dirty="0">
+              <a:t>Object</a:t>
+            </a:r>
+            <a:r>
+              <a:rPr kumimoji="0" lang="en-US" sz="2000" i="0" u="none" strike="noStrike" kern="0" cap="none" spc="0" normalizeH="0" noProof="0" dirty="0" smtClean="0">
+                <a:ln>
+                  <a:noFill/>
+                </a:ln>
+                <a:solidFill>
+                  <a:schemeClr val="tx1"/>
+                </a:solidFill>
+                <a:effectLst/>
+                <a:uLnTx/>
+                <a:uFillTx/>
+                <a:latin typeface="+mn-lt"/>
+              </a:rPr>
+              <a:t> results encapsulate complete data types / classes</a:t>
+            </a:r>
+          </a:p>
+          <a:p>
+            <a:pPr marL="800100" lvl="1" indent="-342900">
+              <a:spcBef>
+                <a:spcPct val="20000"/>
+              </a:spcBef>
+              <a:buClr>
+                <a:srgbClr val="00AAF6"/>
+              </a:buClr>
+              <a:buFontTx/>
+              <a:buChar char="•"/>
+              <a:defRPr/>
+            </a:pPr>
+            <a:r>
+              <a:rPr lang="en-US" sz="2000" kern="0" baseline="0" dirty="0" smtClean="0">
+                <a:latin typeface="+mn-lt"/>
+              </a:rPr>
+              <a:t>Attribute</a:t>
+            </a:r>
+            <a:r>
+              <a:rPr lang="en-US" sz="2000" kern="0" dirty="0" smtClean="0">
+                <a:latin typeface="+mn-lt"/>
+              </a:rPr>
+              <a:t> results contain key-value pairs grouped by the individual object instances from which they are derived</a:t>
+            </a:r>
+          </a:p>
+          <a:p>
+            <a:pPr marL="800100" lvl="1" indent="-342900">
+              <a:spcBef>
+                <a:spcPct val="20000"/>
+              </a:spcBef>
+              <a:buClr>
+                <a:srgbClr val="00AAF6"/>
+              </a:buClr>
+              <a:buFontTx/>
+              <a:buChar char="•"/>
+              <a:defRPr/>
+            </a:pPr>
+            <a:r>
+              <a:rPr kumimoji="0" lang="en-US" sz="2000" i="0" u="none" strike="noStrike" kern="0" cap="none" spc="0" normalizeH="0" baseline="0" noProof="0" dirty="0" smtClean="0">
+                <a:ln>
+                  <a:noFill/>
+                </a:ln>
+                <a:solidFill>
+                  <a:schemeClr val="tx1"/>
+                </a:solidFill>
+                <a:effectLst/>
+                <a:uLnTx/>
+                <a:uFillTx/>
+                <a:latin typeface="+mn-lt"/>
+              </a:rPr>
+              <a:t>Count</a:t>
+            </a:r>
+            <a:r>
+              <a:rPr kumimoji="0" lang="en-US" sz="2000" i="0" u="none" strike="noStrike" kern="0" cap="none" spc="0" normalizeH="0" noProof="0" dirty="0" smtClean="0">
+                <a:ln>
+                  <a:noFill/>
+                </a:ln>
+                <a:solidFill>
+                  <a:schemeClr val="tx1"/>
+                </a:solidFill>
+                <a:effectLst/>
+                <a:uLnTx/>
+                <a:uFillTx/>
+                <a:latin typeface="+mn-lt"/>
+              </a:rPr>
+              <a:t> results contain a single long value indicating the count of object instances which satisfy the search criteria</a:t>
+            </a:r>
+          </a:p>
+          <a:p>
+            <a:pPr marL="342900" indent="-342900">
+              <a:spcBef>
+                <a:spcPct val="20000"/>
+              </a:spcBef>
+              <a:buClr>
+                <a:srgbClr val="00AAF6"/>
+              </a:buClr>
+              <a:buFontTx/>
+              <a:buChar char="•"/>
+              <a:defRPr/>
+            </a:pPr>
+            <a:r>
+              <a:rPr lang="en-US" sz="2000" b="1" kern="0" baseline="0" dirty="0" smtClean="0">
+                <a:latin typeface="+mn-lt"/>
+              </a:rPr>
+              <a:t>Allowable</a:t>
+            </a:r>
+            <a:r>
+              <a:rPr lang="en-US" sz="2000" b="1" kern="0" dirty="0" smtClean="0">
+                <a:latin typeface="+mn-lt"/>
+              </a:rPr>
+              <a:t> Types</a:t>
+            </a:r>
+          </a:p>
+          <a:p>
+            <a:pPr marL="800100" lvl="1" indent="-342900">
+              <a:spcBef>
+                <a:spcPct val="20000"/>
+              </a:spcBef>
+              <a:buClr>
+                <a:srgbClr val="00AAF6"/>
+              </a:buClr>
+              <a:buFontTx/>
+              <a:buChar char="•"/>
+              <a:defRPr/>
+            </a:pPr>
+            <a:r>
+              <a:rPr kumimoji="0" lang="en-US" sz="2000" i="0" u="none" strike="noStrike" kern="0" cap="none" spc="0" normalizeH="0" baseline="0" noProof="0" dirty="0" smtClean="0">
+                <a:ln>
+                  <a:noFill/>
+                </a:ln>
+                <a:solidFill>
+                  <a:schemeClr val="tx1"/>
+                </a:solidFill>
+                <a:effectLst/>
+                <a:uLnTx/>
+                <a:uFillTx/>
+                <a:latin typeface="+mn-lt"/>
+              </a:rPr>
+              <a:t>Data</a:t>
+            </a:r>
+            <a:r>
+              <a:rPr kumimoji="0" lang="en-US" sz="2000" i="0" u="none" strike="noStrike" kern="0" cap="none" spc="0" normalizeH="0" noProof="0" dirty="0" smtClean="0">
+                <a:ln>
+                  <a:noFill/>
+                </a:ln>
+                <a:solidFill>
+                  <a:schemeClr val="tx1"/>
+                </a:solidFill>
+                <a:effectLst/>
+                <a:uLnTx/>
+                <a:uFillTx/>
+                <a:latin typeface="+mn-lt"/>
+              </a:rPr>
+              <a:t> services infrastructure generates a custom “</a:t>
+            </a:r>
+            <a:r>
+              <a:rPr kumimoji="0" lang="en-US" sz="2000" i="0" u="none" strike="noStrike" kern="0" cap="none" spc="0" normalizeH="0" noProof="0" dirty="0" err="1" smtClean="0">
+                <a:ln>
+                  <a:noFill/>
+                </a:ln>
+                <a:solidFill>
+                  <a:schemeClr val="tx1"/>
+                </a:solidFill>
+                <a:effectLst/>
+                <a:uLnTx/>
+                <a:uFillTx/>
+                <a:latin typeface="+mn-lt"/>
+              </a:rPr>
+              <a:t>CQLResultTypes</a:t>
+            </a:r>
+            <a:r>
+              <a:rPr kumimoji="0" lang="en-US" sz="2000" i="0" u="none" strike="noStrike" kern="0" cap="none" spc="0" normalizeH="0" noProof="0" dirty="0" smtClean="0">
+                <a:ln>
+                  <a:noFill/>
+                </a:ln>
+                <a:solidFill>
+                  <a:schemeClr val="tx1"/>
+                </a:solidFill>
+                <a:effectLst/>
+                <a:uLnTx/>
+                <a:uFillTx/>
+                <a:latin typeface="+mn-lt"/>
+              </a:rPr>
+              <a:t>” schema</a:t>
+            </a:r>
+          </a:p>
+          <a:p>
+            <a:pPr marL="1257300" lvl="2" indent="-342900">
+              <a:spcBef>
+                <a:spcPct val="20000"/>
+              </a:spcBef>
+              <a:buClr>
+                <a:srgbClr val="00AAF6"/>
+              </a:buClr>
+              <a:buFontTx/>
+              <a:buChar char="•"/>
+              <a:defRPr/>
+            </a:pPr>
+            <a:r>
+              <a:rPr lang="en-US" sz="2000" kern="0" baseline="0" dirty="0" smtClean="0">
+                <a:latin typeface="+mn-lt"/>
+              </a:rPr>
+              <a:t>Contains an </a:t>
+            </a:r>
+            <a:r>
+              <a:rPr lang="en-US" sz="2000" kern="0" baseline="0" dirty="0" err="1" smtClean="0">
+                <a:latin typeface="+mn-lt"/>
+              </a:rPr>
+              <a:t>xsd:choice</a:t>
+            </a:r>
+            <a:r>
+              <a:rPr lang="en-US" sz="2000" kern="0" dirty="0" smtClean="0">
+                <a:latin typeface="+mn-lt"/>
+              </a:rPr>
+              <a:t> of all allowable return types for CQL object results</a:t>
+            </a:r>
+          </a:p>
+          <a:p>
+            <a:pPr marL="1257300" lvl="2" indent="-342900">
+              <a:spcBef>
+                <a:spcPct val="20000"/>
+              </a:spcBef>
+              <a:buClr>
+                <a:srgbClr val="00AAF6"/>
+              </a:buClr>
+              <a:buFontTx/>
+              <a:buChar char="•"/>
+              <a:defRPr/>
+            </a:pPr>
+            <a:r>
+              <a:rPr lang="en-US" sz="2000" kern="0" dirty="0" smtClean="0">
+                <a:latin typeface="+mn-lt"/>
+              </a:rPr>
+              <a:t>Imported into and available to clients via the data service WSDL</a:t>
+            </a:r>
+          </a:p>
+          <a:p>
+            <a:pPr marL="800100" lvl="1" indent="-342900">
+              <a:spcBef>
+                <a:spcPct val="20000"/>
+              </a:spcBef>
+              <a:buClr>
+                <a:srgbClr val="00AAF6"/>
+              </a:buClr>
+              <a:buFontTx/>
+              <a:buChar char="•"/>
+              <a:defRPr/>
+            </a:pPr>
+            <a:r>
+              <a:rPr kumimoji="0" lang="en-US" sz="2000" i="0" u="none" strike="noStrike" kern="0" cap="none" spc="0" normalizeH="0" baseline="0" noProof="0" dirty="0" smtClean="0">
+                <a:ln>
+                  <a:noFill/>
+                </a:ln>
+                <a:solidFill>
+                  <a:schemeClr val="tx1"/>
+                </a:solidFill>
+                <a:effectLst/>
+                <a:uLnTx/>
+                <a:uFillTx/>
+                <a:latin typeface="+mn-lt"/>
+              </a:rPr>
+              <a:t>Clients</a:t>
+            </a:r>
+            <a:r>
+              <a:rPr kumimoji="0" lang="en-US" sz="2000" i="0" u="none" strike="noStrike" kern="0" cap="none" spc="0" normalizeH="0" noProof="0" dirty="0" smtClean="0">
+                <a:ln>
+                  <a:noFill/>
+                </a:ln>
+                <a:solidFill>
+                  <a:schemeClr val="tx1"/>
+                </a:solidFill>
+                <a:effectLst/>
+                <a:uLnTx/>
+                <a:uFillTx/>
+                <a:latin typeface="+mn-lt"/>
+              </a:rPr>
+              <a:t> know what types to expect and handle</a:t>
+            </a:r>
+            <a:endParaRPr kumimoji="0" lang="en-US" sz="2000" i="0" u="none" strike="noStrike" kern="0" cap="none" spc="0" normalizeH="0" baseline="0" noProof="0" dirty="0">
               <a:ln>
                 <a:noFill/>
               </a:ln>
@@ -7636,6 +7930,330 @@
           <a:p>
             <a:pPr lvl="1"/>
             <a:endParaRPr lang="en-US" sz="1600" dirty="0"/>
+          </a:p>
+        </p:txBody>
+      </p:sp>
+    </p:spTree>
+  </p:cSld>
+  <p:clrMapOvr>
+    <a:masterClrMapping/>
+  </p:clrMapOvr>
+</p:sld>
+</file>
+
+<file path=ppt/slides/slide20.xml><?xml version="1.0" encoding="utf-8"?>
+<p:sld xmlns:a="http://schemas.openxmlformats.org/drawingml/2006/main" xmlns:r="http://schemas.openxmlformats.org/officeDocument/2006/relationships" xmlns:p="http://schemas.openxmlformats.org/presentationml/2006/main">
+  <p:cSld>
+    <p:spTree>
+      <p:nvGrpSpPr>
+        <p:cNvPr id="1" name=""/>
+        <p:cNvGrpSpPr/>
+        <p:nvPr/>
+      </p:nvGrpSpPr>
+      <p:grpSpPr>
+        <a:xfrm>
+          <a:off x="0" y="0"/>
+          <a:ext cx="0" cy="0"/>
+          <a:chOff x="0" y="0"/>
+          <a:chExt cx="0" cy="0"/>
+        </a:xfrm>
+      </p:grpSpPr>
+      <p:sp>
+        <p:nvSpPr>
+          <p:cNvPr id="2" name="Title 1"/>
+          <p:cNvSpPr>
+            <a:spLocks noGrp="1"/>
+          </p:cNvSpPr>
+          <p:nvPr>
+            <p:ph type="title"/>
+          </p:nvPr>
+        </p:nvSpPr>
+        <p:spPr/>
+        <p:txBody>
+          <a:bodyPr/>
+          <a:lstStyle/>
+          <a:p>
+            <a:r>
+              <a:rPr lang="en-US" dirty="0" smtClean="0"/>
+              <a:t>Handling CQL Results</a:t>
+            </a:r>
+            <a:endParaRPr lang="en-US" dirty="0"/>
+          </a:p>
+        </p:txBody>
+      </p:sp>
+      <p:sp>
+        <p:nvSpPr>
+          <p:cNvPr id="4" name="Content Placeholder 2"/>
+          <p:cNvSpPr txBox="1">
+            <a:spLocks/>
+          </p:cNvSpPr>
+          <p:nvPr/>
+        </p:nvSpPr>
+        <p:spPr bwMode="auto">
+          <a:xfrm>
+            <a:off x="304800" y="1371600"/>
+            <a:ext cx="8458200" cy="4953000"/>
+          </a:xfrm>
+          <a:prstGeom prst="rect">
+            <a:avLst/>
+          </a:prstGeom>
+          <a:noFill/>
+          <a:ln w="9525">
+            <a:noFill/>
+            <a:miter lim="800000"/>
+            <a:headEnd/>
+            <a:tailEnd/>
+          </a:ln>
+          <a:effectLst/>
+        </p:spPr>
+        <p:txBody>
+          <a:bodyPr vert="horz" wrap="square" lIns="91440" tIns="45720" rIns="91440" bIns="45720" numCol="1" anchor="t" anchorCtr="0" compatLnSpc="1">
+            <a:prstTxWarp prst="textNoShape">
+              <a:avLst/>
+            </a:prstTxWarp>
+          </a:bodyPr>
+          <a:lstStyle/>
+          <a:p>
+            <a:pPr marL="342900" marR="0" lvl="0" indent="-342900" algn="l" defTabSz="914400" rtl="0" eaLnBrk="1" fontAlgn="base" latinLnBrk="0" hangingPunct="1">
+              <a:lnSpc>
+                <a:spcPct val="100000"/>
+              </a:lnSpc>
+              <a:spcBef>
+                <a:spcPct val="20000"/>
+              </a:spcBef>
+              <a:spcAft>
+                <a:spcPct val="0"/>
+              </a:spcAft>
+              <a:buClr>
+                <a:srgbClr val="00AAF6"/>
+              </a:buClr>
+              <a:buSzTx/>
+              <a:buFontTx/>
+              <a:buChar char="•"/>
+              <a:tabLst/>
+              <a:defRPr/>
+            </a:pPr>
+            <a:r>
+              <a:rPr lang="en-US" sz="2000" b="1" kern="0" dirty="0" err="1" smtClean="0">
+                <a:latin typeface="+mn-lt"/>
+              </a:rPr>
+              <a:t>CQLQueryResultsIterator</a:t>
+            </a:r>
+            <a:endParaRPr lang="en-US" sz="2000" b="1" kern="0" dirty="0" smtClean="0">
+              <a:latin typeface="+mn-lt"/>
+            </a:endParaRPr>
+          </a:p>
+          <a:p>
+            <a:pPr marL="800100" lvl="1" indent="-342900">
+              <a:spcBef>
+                <a:spcPct val="20000"/>
+              </a:spcBef>
+              <a:buClr>
+                <a:srgbClr val="00AAF6"/>
+              </a:buClr>
+              <a:buFontTx/>
+              <a:buChar char="•"/>
+              <a:defRPr/>
+            </a:pPr>
+            <a:r>
+              <a:rPr lang="en-US" sz="2000" kern="0" dirty="0" smtClean="0">
+                <a:latin typeface="+mn-lt"/>
+              </a:rPr>
+              <a:t>Implements </a:t>
+            </a:r>
+            <a:r>
+              <a:rPr lang="en-US" sz="2000" kern="0" dirty="0" err="1" smtClean="0">
+                <a:latin typeface="+mn-lt"/>
+              </a:rPr>
+              <a:t>java.util.Iterator</a:t>
+            </a:r>
+            <a:endParaRPr lang="en-US" sz="2000" kern="0" dirty="0" smtClean="0">
+              <a:latin typeface="+mn-lt"/>
+            </a:endParaRPr>
+          </a:p>
+          <a:p>
+            <a:pPr marL="800100" lvl="1" indent="-342900">
+              <a:spcBef>
+                <a:spcPct val="20000"/>
+              </a:spcBef>
+              <a:buClr>
+                <a:srgbClr val="00AAF6"/>
+              </a:buClr>
+              <a:buFontTx/>
+              <a:buChar char="•"/>
+              <a:defRPr/>
+            </a:pPr>
+            <a:r>
+              <a:rPr lang="en-US" sz="2000" kern="0" dirty="0" smtClean="0">
+                <a:latin typeface="+mn-lt"/>
+              </a:rPr>
+              <a:t>next() can return </a:t>
+            </a:r>
+            <a:r>
+              <a:rPr lang="en-US" sz="2000" kern="0" dirty="0" err="1" smtClean="0">
+                <a:latin typeface="+mn-lt"/>
+              </a:rPr>
+              <a:t>deserialized</a:t>
+            </a:r>
+            <a:r>
+              <a:rPr lang="en-US" sz="2000" kern="0" dirty="0" smtClean="0">
+                <a:latin typeface="+mn-lt"/>
+              </a:rPr>
+              <a:t> objects or XML text</a:t>
+            </a:r>
+            <a:endParaRPr lang="en-US" sz="2000" kern="0" dirty="0" smtClean="0">
+              <a:latin typeface="+mn-lt"/>
+            </a:endParaRPr>
+          </a:p>
+          <a:p>
+            <a:pPr marL="800100" lvl="1" indent="-342900">
+              <a:spcBef>
+                <a:spcPct val="20000"/>
+              </a:spcBef>
+              <a:buClr>
+                <a:srgbClr val="00AAF6"/>
+              </a:buClr>
+              <a:buFontTx/>
+              <a:buChar char="•"/>
+              <a:defRPr/>
+            </a:pPr>
+            <a:r>
+              <a:rPr lang="en-US" sz="2000" kern="0" dirty="0" smtClean="0">
+                <a:latin typeface="+mn-lt"/>
+              </a:rPr>
+              <a:t>Configured by client-</a:t>
+            </a:r>
+            <a:r>
+              <a:rPr lang="en-US" sz="2000" kern="0" dirty="0" err="1" smtClean="0">
+                <a:latin typeface="+mn-lt"/>
+              </a:rPr>
+              <a:t>config.wsdd</a:t>
+            </a:r>
+            <a:r>
+              <a:rPr lang="en-US" sz="2000" kern="0" dirty="0" smtClean="0">
+                <a:latin typeface="+mn-lt"/>
+              </a:rPr>
+              <a:t> document at construction</a:t>
+            </a:r>
+          </a:p>
+          <a:p>
+            <a:pPr marL="1257300" lvl="2" indent="-342900">
+              <a:spcBef>
+                <a:spcPct val="20000"/>
+              </a:spcBef>
+              <a:buClr>
+                <a:srgbClr val="00AAF6"/>
+              </a:buClr>
+              <a:buFontTx/>
+              <a:buChar char="•"/>
+              <a:defRPr/>
+            </a:pPr>
+            <a:r>
+              <a:rPr lang="en-US" kern="0" dirty="0" smtClean="0">
+                <a:latin typeface="+mn-lt"/>
+              </a:rPr>
+              <a:t>Optional – needed for custom deserialization</a:t>
+            </a:r>
+          </a:p>
+          <a:p>
+            <a:pPr marL="342900" indent="-342900">
+              <a:spcBef>
+                <a:spcPct val="20000"/>
+              </a:spcBef>
+              <a:buClr>
+                <a:srgbClr val="00AAF6"/>
+              </a:buClr>
+              <a:buFontTx/>
+              <a:buChar char="•"/>
+              <a:defRPr/>
+            </a:pPr>
+            <a:r>
+              <a:rPr lang="en-US" sz="2000" b="1" kern="0" dirty="0" err="1" smtClean="0">
+                <a:latin typeface="+mn-lt"/>
+              </a:rPr>
+              <a:t>DataServiceIterator</a:t>
+            </a:r>
+            <a:endParaRPr lang="en-US" sz="2000" b="1" i="1" kern="0" dirty="0" smtClean="0">
+              <a:latin typeface="+mn-lt"/>
+            </a:endParaRPr>
+          </a:p>
+          <a:p>
+            <a:pPr marL="800100" lvl="1" indent="-342900">
+              <a:spcBef>
+                <a:spcPct val="20000"/>
+              </a:spcBef>
+              <a:buClr>
+                <a:srgbClr val="00AAF6"/>
+              </a:buClr>
+              <a:buFontTx/>
+              <a:buChar char="•"/>
+              <a:defRPr/>
+            </a:pPr>
+            <a:r>
+              <a:rPr lang="en-US" sz="2000" kern="0" dirty="0" smtClean="0">
+                <a:latin typeface="+mn-lt"/>
+              </a:rPr>
+              <a:t>Interface that takes a CQL query and returns an </a:t>
+            </a:r>
+            <a:r>
+              <a:rPr lang="en-US" sz="2000" kern="0" dirty="0" err="1" smtClean="0">
+                <a:latin typeface="+mn-lt"/>
+              </a:rPr>
+              <a:t>Iterator</a:t>
+            </a:r>
+            <a:endParaRPr lang="en-US" sz="2000" kern="0" dirty="0" smtClean="0">
+              <a:latin typeface="+mn-lt"/>
+            </a:endParaRPr>
+          </a:p>
+          <a:p>
+            <a:pPr marL="800100" lvl="1" indent="-342900">
+              <a:spcBef>
+                <a:spcPct val="20000"/>
+              </a:spcBef>
+              <a:buClr>
+                <a:srgbClr val="00AAF6"/>
+              </a:buClr>
+              <a:buFontTx/>
+              <a:buChar char="•"/>
+              <a:defRPr/>
+            </a:pPr>
+            <a:r>
+              <a:rPr lang="en-US" sz="2000" kern="0" dirty="0" smtClean="0">
+                <a:latin typeface="+mn-lt"/>
+              </a:rPr>
+              <a:t>Implementations for standard, BDT, and WS-Enumeration</a:t>
+            </a:r>
+          </a:p>
+          <a:p>
+            <a:pPr marL="800100" lvl="1" indent="-342900">
+              <a:spcBef>
+                <a:spcPct val="20000"/>
+              </a:spcBef>
+              <a:buClr>
+                <a:srgbClr val="00AAF6"/>
+              </a:buClr>
+              <a:buFontTx/>
+              <a:buChar char="•"/>
+              <a:defRPr/>
+            </a:pPr>
+            <a:r>
+              <a:rPr lang="en-US" sz="2000" kern="0" dirty="0" smtClean="0">
+                <a:latin typeface="+mn-lt"/>
+              </a:rPr>
+              <a:t>Simplifies creation of an </a:t>
+            </a:r>
+            <a:r>
+              <a:rPr lang="en-US" sz="2000" kern="0" dirty="0" err="1" smtClean="0">
+                <a:latin typeface="+mn-lt"/>
+              </a:rPr>
+              <a:t>Iterator</a:t>
+            </a:r>
+            <a:r>
+              <a:rPr lang="en-US" sz="2000" kern="0" dirty="0" smtClean="0">
+                <a:latin typeface="+mn-lt"/>
+              </a:rPr>
+              <a:t> for every query result</a:t>
+            </a:r>
           </a:p>
         </p:txBody>
       </p:sp>

--- a/Documentation/presentations/200906_Novartis/caGrid Data Services.pptx
+++ b/Documentation/presentations/200906_Novartis/caGrid Data Services.pptx
@@ -5,7 +5,7 @@
     <p:sldMasterId id="2147483648" r:id="rId1"/>
   </p:sldMasterIdLst>
   <p:notesMasterIdLst>
-    <p:notesMasterId r:id="rId22"/>
+    <p:notesMasterId r:id="rId24"/>
   </p:notesMasterIdLst>
   <p:sldIdLst>
     <p:sldId id="256" r:id="rId2"/>
@@ -28,6 +28,8 @@
     <p:sldId id="264" r:id="rId19"/>
     <p:sldId id="275" r:id="rId20"/>
     <p:sldId id="276" r:id="rId21"/>
+    <p:sldId id="277" r:id="rId22"/>
+    <p:sldId id="278" r:id="rId23"/>
   </p:sldIdLst>
   <p:sldSz cx="9144000" cy="6858000" type="screen4x3"/>
   <p:notesSz cx="6858000" cy="9144000"/>
@@ -8253,6 +8255,809 @@
                 <a:latin typeface="+mn-lt"/>
               </a:rPr>
               <a:t> for every query result</a:t>
+            </a:r>
+          </a:p>
+        </p:txBody>
+      </p:sp>
+    </p:spTree>
+  </p:cSld>
+  <p:clrMapOvr>
+    <a:masterClrMapping/>
+  </p:clrMapOvr>
+</p:sld>
+</file>
+
+<file path=ppt/slides/slide21.xml><?xml version="1.0" encoding="utf-8"?>
+<p:sld xmlns:a="http://schemas.openxmlformats.org/drawingml/2006/main" xmlns:r="http://schemas.openxmlformats.org/officeDocument/2006/relationships" xmlns:p="http://schemas.openxmlformats.org/presentationml/2006/main">
+  <p:cSld>
+    <p:spTree>
+      <p:nvGrpSpPr>
+        <p:cNvPr id="1" name=""/>
+        <p:cNvGrpSpPr/>
+        <p:nvPr/>
+      </p:nvGrpSpPr>
+      <p:grpSpPr>
+        <a:xfrm>
+          <a:off x="0" y="0"/>
+          <a:ext cx="0" cy="0"/>
+          <a:chOff x="0" y="0"/>
+          <a:chExt cx="0" cy="0"/>
+        </a:xfrm>
+      </p:grpSpPr>
+      <p:sp>
+        <p:nvSpPr>
+          <p:cNvPr id="2" name="Title 1"/>
+          <p:cNvSpPr>
+            <a:spLocks noGrp="1"/>
+          </p:cNvSpPr>
+          <p:nvPr>
+            <p:ph type="title"/>
+          </p:nvPr>
+        </p:nvSpPr>
+        <p:spPr/>
+        <p:txBody>
+          <a:bodyPr/>
+          <a:lstStyle/>
+          <a:p>
+            <a:r>
+              <a:rPr lang="en-US" dirty="0" smtClean="0"/>
+              <a:t>Federated Queries</a:t>
+            </a:r>
+            <a:endParaRPr lang="en-US" dirty="0"/>
+          </a:p>
+        </p:txBody>
+      </p:sp>
+      <p:sp>
+        <p:nvSpPr>
+          <p:cNvPr id="5" name="Content Placeholder 2"/>
+          <p:cNvSpPr txBox="1">
+            <a:spLocks/>
+          </p:cNvSpPr>
+          <p:nvPr/>
+        </p:nvSpPr>
+        <p:spPr bwMode="auto">
+          <a:xfrm>
+            <a:off x="304800" y="1371600"/>
+            <a:ext cx="8458200" cy="4953000"/>
+          </a:xfrm>
+          <a:prstGeom prst="rect">
+            <a:avLst/>
+          </a:prstGeom>
+          <a:noFill/>
+          <a:ln w="9525">
+            <a:noFill/>
+            <a:miter lim="800000"/>
+            <a:headEnd/>
+            <a:tailEnd/>
+          </a:ln>
+          <a:effectLst/>
+        </p:spPr>
+        <p:txBody>
+          <a:bodyPr vert="horz" wrap="square" lIns="91440" tIns="45720" rIns="91440" bIns="45720" numCol="1" anchor="t" anchorCtr="0" compatLnSpc="1">
+            <a:prstTxWarp prst="textNoShape">
+              <a:avLst/>
+            </a:prstTxWarp>
+          </a:bodyPr>
+          <a:lstStyle/>
+          <a:p>
+            <a:pPr marL="342900" marR="0" lvl="0" indent="-342900" algn="l" defTabSz="914400" rtl="0" eaLnBrk="1" fontAlgn="base" latinLnBrk="0" hangingPunct="1">
+              <a:lnSpc>
+                <a:spcPct val="100000"/>
+              </a:lnSpc>
+              <a:spcBef>
+                <a:spcPct val="20000"/>
+              </a:spcBef>
+              <a:spcAft>
+                <a:spcPct val="0"/>
+              </a:spcAft>
+              <a:buClr>
+                <a:srgbClr val="00AAF6"/>
+              </a:buClr>
+              <a:buSzTx/>
+              <a:buFontTx/>
+              <a:buChar char="•"/>
+              <a:tabLst/>
+              <a:defRPr/>
+            </a:pPr>
+            <a:r>
+              <a:rPr lang="en-US" sz="2000" b="1" kern="0" dirty="0" smtClean="0">
+                <a:latin typeface="+mn-lt"/>
+              </a:rPr>
+              <a:t>Multiple Data Services Involved</a:t>
+            </a:r>
+          </a:p>
+          <a:p>
+            <a:pPr marL="800100" lvl="1" indent="-342900">
+              <a:spcBef>
+                <a:spcPct val="20000"/>
+              </a:spcBef>
+              <a:buClr>
+                <a:srgbClr val="00AAF6"/>
+              </a:buClr>
+              <a:buFontTx/>
+              <a:buChar char="•"/>
+              <a:defRPr/>
+            </a:pPr>
+            <a:r>
+              <a:rPr lang="en-US" sz="2000" kern="0" dirty="0" smtClean="0"/>
+              <a:t>Basic distributed joins and </a:t>
+            </a:r>
+            <a:r>
+              <a:rPr lang="en-US" sz="2000" kern="0" dirty="0" smtClean="0"/>
+              <a:t>aggregations</a:t>
+            </a:r>
+            <a:endParaRPr lang="en-US" sz="2000" b="1" kern="0" dirty="0" smtClean="0">
+              <a:latin typeface="+mn-lt"/>
+            </a:endParaRPr>
+          </a:p>
+          <a:p>
+            <a:pPr marL="800100" lvl="1" indent="-342900">
+              <a:spcBef>
+                <a:spcPct val="20000"/>
+              </a:spcBef>
+              <a:buClr>
+                <a:srgbClr val="00AAF6"/>
+              </a:buClr>
+              <a:buFontTx/>
+              <a:buChar char="•"/>
+              <a:defRPr/>
+            </a:pPr>
+            <a:r>
+              <a:rPr lang="en-US" sz="2000" kern="0" dirty="0" smtClean="0">
+                <a:latin typeface="+mn-lt"/>
+              </a:rPr>
+              <a:t>All data services use the same language (CQL), so federation using multiple data services is possible</a:t>
+            </a:r>
+          </a:p>
+          <a:p>
+            <a:pPr marL="1257300" lvl="2" indent="-342900">
+              <a:spcBef>
+                <a:spcPct val="20000"/>
+              </a:spcBef>
+              <a:buClr>
+                <a:srgbClr val="00AAF6"/>
+              </a:buClr>
+              <a:buFontTx/>
+              <a:buChar char="•"/>
+              <a:defRPr/>
+            </a:pPr>
+            <a:r>
+              <a:rPr lang="en-US" i="1" kern="0" dirty="0" smtClean="0">
+                <a:latin typeface="+mn-lt"/>
+              </a:rPr>
+              <a:t>Any</a:t>
+            </a:r>
+            <a:r>
+              <a:rPr lang="en-US" kern="0" dirty="0" smtClean="0">
+                <a:latin typeface="+mn-lt"/>
+              </a:rPr>
+              <a:t> combination of data services may be used</a:t>
+            </a:r>
+          </a:p>
+          <a:p>
+            <a:pPr marL="1257300" lvl="2" indent="-342900">
+              <a:spcBef>
+                <a:spcPct val="20000"/>
+              </a:spcBef>
+              <a:buClr>
+                <a:srgbClr val="00AAF6"/>
+              </a:buClr>
+              <a:buFontTx/>
+              <a:buChar char="•"/>
+              <a:defRPr/>
+            </a:pPr>
+            <a:r>
+              <a:rPr lang="en-US" kern="0" dirty="0" smtClean="0">
+                <a:latin typeface="+mn-lt"/>
+              </a:rPr>
+              <a:t>Arbitrary cross-model joins</a:t>
+            </a:r>
+          </a:p>
+          <a:p>
+            <a:pPr marL="342900" indent="-342900">
+              <a:spcBef>
+                <a:spcPct val="20000"/>
+              </a:spcBef>
+              <a:buClr>
+                <a:srgbClr val="00AAF6"/>
+              </a:buClr>
+              <a:buFontTx/>
+              <a:buChar char="•"/>
+              <a:defRPr/>
+            </a:pPr>
+            <a:r>
+              <a:rPr lang="en-US" sz="2000" b="1" i="1" kern="0" dirty="0" smtClean="0">
+                <a:latin typeface="+mn-lt"/>
+              </a:rPr>
+              <a:t>D</a:t>
+            </a:r>
+            <a:r>
+              <a:rPr lang="en-US" sz="2000" b="1" kern="0" dirty="0" smtClean="0">
+                <a:latin typeface="+mn-lt"/>
+              </a:rPr>
+              <a:t>CQL extends from CQL</a:t>
+            </a:r>
+          </a:p>
+          <a:p>
+            <a:pPr marL="800100" lvl="1" indent="-342900">
+              <a:spcBef>
+                <a:spcPct val="20000"/>
+              </a:spcBef>
+              <a:buClr>
+                <a:srgbClr val="00AAF6"/>
+              </a:buClr>
+              <a:buFontTx/>
+              <a:buChar char="•"/>
+              <a:defRPr/>
+            </a:pPr>
+            <a:r>
+              <a:rPr lang="en-US" sz="2000" kern="0" dirty="0" smtClean="0">
+                <a:latin typeface="+mn-lt"/>
+              </a:rPr>
+              <a:t>Distributed version of CQL</a:t>
+            </a:r>
+          </a:p>
+          <a:p>
+            <a:pPr marL="800100" lvl="1" indent="-342900">
+              <a:spcBef>
+                <a:spcPct val="20000"/>
+              </a:spcBef>
+              <a:buClr>
+                <a:srgbClr val="00AAF6"/>
+              </a:buClr>
+              <a:buFontTx/>
+              <a:buChar char="•"/>
+              <a:defRPr/>
+            </a:pPr>
+            <a:r>
+              <a:rPr lang="en-US" sz="2000" kern="0" dirty="0" smtClean="0">
+                <a:latin typeface="+mn-lt"/>
+              </a:rPr>
+              <a:t>Expresses joins, foreign data services, and target services</a:t>
+            </a:r>
+          </a:p>
+          <a:p>
+            <a:pPr marL="342900" indent="-342900">
+              <a:spcBef>
+                <a:spcPct val="20000"/>
+              </a:spcBef>
+              <a:buClr>
+                <a:srgbClr val="00AAF6"/>
+              </a:buClr>
+              <a:buFontTx/>
+              <a:buChar char="•"/>
+              <a:defRPr/>
+            </a:pPr>
+            <a:r>
+              <a:rPr lang="en-US" sz="2000" b="1" kern="0" dirty="0" err="1" smtClean="0">
+                <a:latin typeface="+mn-lt"/>
+              </a:rPr>
+              <a:t>Stateful</a:t>
+            </a:r>
+            <a:r>
+              <a:rPr lang="en-US" sz="2000" b="1" kern="0" dirty="0" smtClean="0">
+                <a:latin typeface="+mn-lt"/>
+              </a:rPr>
+              <a:t> Grid Service or Local API</a:t>
+            </a:r>
+          </a:p>
+          <a:p>
+            <a:pPr marL="800100" lvl="1" indent="-342900">
+              <a:spcBef>
+                <a:spcPct val="20000"/>
+              </a:spcBef>
+              <a:buClr>
+                <a:srgbClr val="00AAF6"/>
+              </a:buClr>
+              <a:buFontTx/>
+              <a:buChar char="•"/>
+              <a:defRPr/>
+            </a:pPr>
+            <a:r>
+              <a:rPr lang="en-US" sz="2000" kern="0" dirty="0" smtClean="0">
+                <a:latin typeface="+mn-lt"/>
+              </a:rPr>
+              <a:t>Queries may be issued to an FQP grid service and processed asynchronously for later results retrieval</a:t>
+            </a:r>
+          </a:p>
+          <a:p>
+            <a:pPr marL="800100" lvl="1" indent="-342900">
+              <a:spcBef>
+                <a:spcPct val="20000"/>
+              </a:spcBef>
+              <a:buClr>
+                <a:srgbClr val="00AAF6"/>
+              </a:buClr>
+              <a:buFontTx/>
+              <a:buChar char="•"/>
+              <a:defRPr/>
+            </a:pPr>
+            <a:r>
+              <a:rPr lang="en-US" sz="2000" kern="0" dirty="0" smtClean="0">
+                <a:latin typeface="+mn-lt"/>
+              </a:rPr>
+              <a:t>FQP engine may be used within an application directly</a:t>
+            </a:r>
+          </a:p>
+        </p:txBody>
+      </p:sp>
+    </p:spTree>
+  </p:cSld>
+  <p:clrMapOvr>
+    <a:masterClrMapping/>
+  </p:clrMapOvr>
+</p:sld>
+</file>
+
+<file path=ppt/slides/slide22.xml><?xml version="1.0" encoding="utf-8"?>
+<p:sld xmlns:a="http://schemas.openxmlformats.org/drawingml/2006/main" xmlns:r="http://schemas.openxmlformats.org/officeDocument/2006/relationships" xmlns:p="http://schemas.openxmlformats.org/presentationml/2006/main">
+  <p:cSld>
+    <p:spTree>
+      <p:nvGrpSpPr>
+        <p:cNvPr id="1" name=""/>
+        <p:cNvGrpSpPr/>
+        <p:nvPr/>
+      </p:nvGrpSpPr>
+      <p:grpSpPr>
+        <a:xfrm>
+          <a:off x="0" y="0"/>
+          <a:ext cx="0" cy="0"/>
+          <a:chOff x="0" y="0"/>
+          <a:chExt cx="0" cy="0"/>
+        </a:xfrm>
+      </p:grpSpPr>
+      <p:sp>
+        <p:nvSpPr>
+          <p:cNvPr id="2" name="Title 1"/>
+          <p:cNvSpPr>
+            <a:spLocks noGrp="1"/>
+          </p:cNvSpPr>
+          <p:nvPr>
+            <p:ph type="title"/>
+          </p:nvPr>
+        </p:nvSpPr>
+        <p:spPr/>
+        <p:txBody>
+          <a:bodyPr/>
+          <a:lstStyle/>
+          <a:p>
+            <a:r>
+              <a:rPr lang="en-US" dirty="0" smtClean="0"/>
+              <a:t>Federated Query Service</a:t>
+            </a:r>
+            <a:endParaRPr lang="en-US" dirty="0"/>
+          </a:p>
+        </p:txBody>
+      </p:sp>
+      <p:sp>
+        <p:nvSpPr>
+          <p:cNvPr id="5" name="Content Placeholder 2"/>
+          <p:cNvSpPr txBox="1">
+            <a:spLocks/>
+          </p:cNvSpPr>
+          <p:nvPr/>
+        </p:nvSpPr>
+        <p:spPr bwMode="auto">
+          <a:xfrm>
+            <a:off x="304800" y="1371600"/>
+            <a:ext cx="8458200" cy="4953000"/>
+          </a:xfrm>
+          <a:prstGeom prst="rect">
+            <a:avLst/>
+          </a:prstGeom>
+          <a:noFill/>
+          <a:ln w="9525">
+            <a:noFill/>
+            <a:miter lim="800000"/>
+            <a:headEnd/>
+            <a:tailEnd/>
+          </a:ln>
+          <a:effectLst/>
+        </p:spPr>
+        <p:txBody>
+          <a:bodyPr vert="horz" wrap="square" lIns="91440" tIns="45720" rIns="91440" bIns="45720" numCol="1" anchor="t" anchorCtr="0" compatLnSpc="1">
+            <a:prstTxWarp prst="textNoShape">
+              <a:avLst/>
+            </a:prstTxWarp>
+          </a:bodyPr>
+          <a:lstStyle/>
+          <a:p>
+            <a:pPr marL="342900" indent="-342900">
+              <a:spcBef>
+                <a:spcPct val="20000"/>
+              </a:spcBef>
+              <a:buClr>
+                <a:srgbClr val="00AAF6"/>
+              </a:buClr>
+              <a:buFontTx/>
+              <a:buChar char="•"/>
+              <a:defRPr/>
+            </a:pPr>
+            <a:r>
+              <a:rPr lang="en-US" sz="2000" b="1" kern="0" dirty="0" smtClean="0"/>
+              <a:t>Asynchronous query execution</a:t>
+            </a:r>
+          </a:p>
+          <a:p>
+            <a:pPr marL="800100" lvl="1" indent="-342900">
+              <a:spcBef>
+                <a:spcPct val="20000"/>
+              </a:spcBef>
+              <a:buClr>
+                <a:srgbClr val="00AAF6"/>
+              </a:buClr>
+              <a:buFontTx/>
+              <a:buChar char="•"/>
+              <a:defRPr/>
+            </a:pPr>
+            <a:r>
+              <a:rPr lang="en-US" sz="2000" kern="0" dirty="0" smtClean="0"/>
+              <a:t>Start a DCQL query and immediately return the results context</a:t>
+            </a:r>
+          </a:p>
+          <a:p>
+            <a:pPr marL="800100" lvl="1" indent="-342900">
+              <a:spcBef>
+                <a:spcPct val="20000"/>
+              </a:spcBef>
+              <a:buClr>
+                <a:srgbClr val="00AAF6"/>
+              </a:buClr>
+              <a:buFontTx/>
+              <a:buChar char="•"/>
+              <a:defRPr/>
+            </a:pPr>
+            <a:r>
+              <a:rPr lang="en-US" sz="2000" kern="0" dirty="0" smtClean="0"/>
+              <a:t>WS-Notification allows client to subscribe to status</a:t>
+            </a:r>
+          </a:p>
+          <a:p>
+            <a:pPr marL="1257300" lvl="2" indent="-342900">
+              <a:spcBef>
+                <a:spcPct val="20000"/>
+              </a:spcBef>
+              <a:buClr>
+                <a:srgbClr val="00AAF6"/>
+              </a:buClr>
+              <a:buFontTx/>
+              <a:buChar char="•"/>
+              <a:defRPr/>
+            </a:pPr>
+            <a:r>
+              <a:rPr lang="en-US" kern="0" dirty="0" smtClean="0"/>
+              <a:t>Processing complete, exception, querying target data service, etc.</a:t>
+            </a:r>
+          </a:p>
+          <a:p>
+            <a:pPr marL="342900" indent="-342900">
+              <a:spcBef>
+                <a:spcPct val="20000"/>
+              </a:spcBef>
+              <a:buClr>
+                <a:srgbClr val="00AAF6"/>
+              </a:buClr>
+              <a:buFontTx/>
+              <a:buChar char="•"/>
+              <a:defRPr/>
+            </a:pPr>
+            <a:r>
+              <a:rPr lang="en-US" sz="2000" b="1" kern="0" dirty="0" smtClean="0"/>
+              <a:t>Credential Delegation</a:t>
+            </a:r>
+          </a:p>
+          <a:p>
+            <a:pPr marL="800100" lvl="1" indent="-342900">
+              <a:spcBef>
+                <a:spcPct val="20000"/>
+              </a:spcBef>
+              <a:buClr>
+                <a:srgbClr val="00AAF6"/>
+              </a:buClr>
+              <a:buFontTx/>
+              <a:buChar char="•"/>
+              <a:defRPr/>
+            </a:pPr>
+            <a:r>
+              <a:rPr lang="en-US" sz="2000" kern="0" dirty="0" smtClean="0"/>
+              <a:t>FQP service may perform queries on behalf of a client</a:t>
+            </a:r>
+          </a:p>
+          <a:p>
+            <a:pPr marL="800100" lvl="1" indent="-342900">
+              <a:spcBef>
+                <a:spcPct val="20000"/>
+              </a:spcBef>
+              <a:buClr>
+                <a:srgbClr val="00AAF6"/>
+              </a:buClr>
+              <a:buFontTx/>
+              <a:buChar char="•"/>
+              <a:defRPr/>
+            </a:pPr>
+            <a:r>
+              <a:rPr lang="en-US" sz="2000" kern="0" dirty="0" smtClean="0"/>
+              <a:t>Leverages </a:t>
+            </a:r>
+            <a:r>
+              <a:rPr lang="en-US" sz="2000" b="1" kern="0" dirty="0" smtClean="0"/>
+              <a:t>C</a:t>
+            </a:r>
+            <a:r>
+              <a:rPr lang="en-US" sz="2000" kern="0" dirty="0" smtClean="0"/>
+              <a:t>redential </a:t>
+            </a:r>
+            <a:r>
+              <a:rPr lang="en-US" sz="2000" b="1" kern="0" dirty="0" smtClean="0"/>
+              <a:t>D</a:t>
+            </a:r>
+            <a:r>
+              <a:rPr lang="en-US" sz="2000" kern="0" dirty="0" smtClean="0"/>
+              <a:t>elegation </a:t>
+            </a:r>
+            <a:r>
+              <a:rPr lang="en-US" sz="2000" b="1" kern="0" dirty="0" smtClean="0"/>
+              <a:t>S</a:t>
+            </a:r>
+            <a:r>
+              <a:rPr lang="en-US" sz="2000" kern="0" dirty="0" smtClean="0"/>
+              <a:t>ervice</a:t>
+            </a:r>
+          </a:p>
+          <a:p>
+            <a:pPr marL="342900" indent="-342900">
+              <a:spcBef>
+                <a:spcPct val="20000"/>
+              </a:spcBef>
+              <a:buClr>
+                <a:srgbClr val="00AAF6"/>
+              </a:buClr>
+              <a:buFontTx/>
+              <a:buChar char="•"/>
+              <a:defRPr/>
+            </a:pPr>
+            <a:r>
+              <a:rPr lang="en-US" sz="2000" b="1" kern="0" dirty="0" smtClean="0"/>
+              <a:t>Large results retrieval</a:t>
+            </a:r>
+          </a:p>
+          <a:p>
+            <a:pPr marL="800100" lvl="1" indent="-342900">
+              <a:spcBef>
+                <a:spcPct val="20000"/>
+              </a:spcBef>
+              <a:buClr>
+                <a:srgbClr val="00AAF6"/>
+              </a:buClr>
+              <a:buFontTx/>
+              <a:buChar char="•"/>
+              <a:defRPr/>
+            </a:pPr>
+            <a:r>
+              <a:rPr lang="en-US" sz="2000" kern="0" dirty="0" smtClean="0"/>
+              <a:t>WS-Enumeration and </a:t>
+            </a:r>
+            <a:r>
+              <a:rPr lang="en-US" sz="2000" kern="0" smtClean="0"/>
+              <a:t>caGrid Transfer</a:t>
+            </a:r>
+            <a:endParaRPr lang="en-US" sz="2000" kern="0" dirty="0" smtClean="0"/>
+          </a:p>
+          <a:p>
+            <a:pPr marL="342900" indent="-342900">
+              <a:spcBef>
+                <a:spcPct val="20000"/>
+              </a:spcBef>
+              <a:buClr>
+                <a:srgbClr val="00AAF6"/>
+              </a:buClr>
+              <a:buFontTx/>
+              <a:buChar char="•"/>
+              <a:defRPr/>
+            </a:pPr>
+            <a:r>
+              <a:rPr lang="en-US" sz="2000" kern="0" dirty="0" smtClean="0"/>
+              <a:t>Basic </a:t>
+            </a:r>
+            <a:r>
+              <a:rPr lang="en-US" sz="2000" kern="0" dirty="0" smtClean="0"/>
+              <a:t>distributed joins and </a:t>
+            </a:r>
+            <a:r>
+              <a:rPr lang="en-US" sz="2000" kern="0" dirty="0" smtClean="0"/>
+              <a:t>aggregations</a:t>
+            </a:r>
+            <a:endParaRPr lang="en-US" sz="2000" b="1" kern="0" dirty="0" smtClean="0">
+              <a:latin typeface="+mn-lt"/>
+            </a:endParaRPr>
+          </a:p>
+          <a:p>
+            <a:pPr marL="800100" lvl="1" indent="-342900">
+              <a:spcBef>
+                <a:spcPct val="20000"/>
+              </a:spcBef>
+              <a:buClr>
+                <a:srgbClr val="00AAF6"/>
+              </a:buClr>
+              <a:buFontTx/>
+              <a:buChar char="•"/>
+              <a:defRPr/>
+            </a:pPr>
+            <a:r>
+              <a:rPr lang="en-US" sz="2000" kern="0" dirty="0" smtClean="0">
+                <a:latin typeface="+mn-lt"/>
+              </a:rPr>
+              <a:t>All data services use the same language (CQL), so federation using multiple data services is possible</a:t>
+            </a:r>
+          </a:p>
+          <a:p>
+            <a:pPr marL="1257300" lvl="2" indent="-342900">
+              <a:spcBef>
+                <a:spcPct val="20000"/>
+              </a:spcBef>
+              <a:buClr>
+                <a:srgbClr val="00AAF6"/>
+              </a:buClr>
+              <a:buFontTx/>
+              <a:buChar char="•"/>
+              <a:defRPr/>
+            </a:pPr>
+            <a:r>
+              <a:rPr lang="en-US" i="1" kern="0" dirty="0" smtClean="0">
+                <a:latin typeface="+mn-lt"/>
+              </a:rPr>
+              <a:t>Any</a:t>
+            </a:r>
+            <a:r>
+              <a:rPr lang="en-US" kern="0" dirty="0" smtClean="0">
+                <a:latin typeface="+mn-lt"/>
+              </a:rPr>
+              <a:t> combination of data services may be used</a:t>
+            </a:r>
+          </a:p>
+          <a:p>
+            <a:pPr marL="1257300" lvl="2" indent="-342900">
+              <a:spcBef>
+                <a:spcPct val="20000"/>
+              </a:spcBef>
+              <a:buClr>
+                <a:srgbClr val="00AAF6"/>
+              </a:buClr>
+              <a:buFontTx/>
+              <a:buChar char="•"/>
+              <a:defRPr/>
+            </a:pPr>
+            <a:r>
+              <a:rPr lang="en-US" kern="0" dirty="0" smtClean="0">
+                <a:latin typeface="+mn-lt"/>
+              </a:rPr>
+              <a:t>Arbitrary cross-model joins</a:t>
+            </a:r>
+          </a:p>
+          <a:p>
+            <a:pPr marL="342900" indent="-342900">
+              <a:spcBef>
+                <a:spcPct val="20000"/>
+              </a:spcBef>
+              <a:buClr>
+                <a:srgbClr val="00AAF6"/>
+              </a:buClr>
+              <a:buFontTx/>
+              <a:buChar char="•"/>
+              <a:defRPr/>
+            </a:pPr>
+            <a:r>
+              <a:rPr lang="en-US" sz="2000" b="1" i="1" kern="0" dirty="0" smtClean="0">
+                <a:latin typeface="+mn-lt"/>
+              </a:rPr>
+              <a:t>D</a:t>
+            </a:r>
+            <a:r>
+              <a:rPr lang="en-US" sz="2000" b="1" kern="0" dirty="0" smtClean="0">
+                <a:latin typeface="+mn-lt"/>
+              </a:rPr>
+              <a:t>CQL extends from CQL</a:t>
+            </a:r>
+          </a:p>
+          <a:p>
+            <a:pPr marL="800100" lvl="1" indent="-342900">
+              <a:spcBef>
+                <a:spcPct val="20000"/>
+              </a:spcBef>
+              <a:buClr>
+                <a:srgbClr val="00AAF6"/>
+              </a:buClr>
+              <a:buFontTx/>
+              <a:buChar char="•"/>
+              <a:defRPr/>
+            </a:pPr>
+            <a:r>
+              <a:rPr lang="en-US" sz="2000" kern="0" dirty="0" smtClean="0">
+                <a:latin typeface="+mn-lt"/>
+              </a:rPr>
+              <a:t>Distributed version of CQL</a:t>
+            </a:r>
+          </a:p>
+          <a:p>
+            <a:pPr marL="800100" lvl="1" indent="-342900">
+              <a:spcBef>
+                <a:spcPct val="20000"/>
+              </a:spcBef>
+              <a:buClr>
+                <a:srgbClr val="00AAF6"/>
+              </a:buClr>
+              <a:buFontTx/>
+              <a:buChar char="•"/>
+              <a:defRPr/>
+            </a:pPr>
+            <a:r>
+              <a:rPr lang="en-US" sz="2000" kern="0" dirty="0" smtClean="0">
+                <a:latin typeface="+mn-lt"/>
+              </a:rPr>
+              <a:t>Expresses joins, foreign data services, and target services</a:t>
+            </a:r>
+          </a:p>
+          <a:p>
+            <a:pPr marL="342900" indent="-342900">
+              <a:spcBef>
+                <a:spcPct val="20000"/>
+              </a:spcBef>
+              <a:buClr>
+                <a:srgbClr val="00AAF6"/>
+              </a:buClr>
+              <a:buFontTx/>
+              <a:buChar char="•"/>
+              <a:defRPr/>
+            </a:pPr>
+            <a:r>
+              <a:rPr lang="en-US" sz="2000" b="1" kern="0" dirty="0" err="1" smtClean="0">
+                <a:latin typeface="+mn-lt"/>
+              </a:rPr>
+              <a:t>Stateful</a:t>
+            </a:r>
+            <a:r>
+              <a:rPr lang="en-US" sz="2000" b="1" kern="0" dirty="0" smtClean="0">
+                <a:latin typeface="+mn-lt"/>
+              </a:rPr>
+              <a:t> Grid Service or Local API</a:t>
+            </a:r>
+          </a:p>
+          <a:p>
+            <a:pPr marL="800100" lvl="1" indent="-342900">
+              <a:spcBef>
+                <a:spcPct val="20000"/>
+              </a:spcBef>
+              <a:buClr>
+                <a:srgbClr val="00AAF6"/>
+              </a:buClr>
+              <a:buFontTx/>
+              <a:buChar char="•"/>
+              <a:defRPr/>
+            </a:pPr>
+            <a:r>
+              <a:rPr lang="en-US" sz="2000" kern="0" dirty="0" smtClean="0">
+                <a:latin typeface="+mn-lt"/>
+              </a:rPr>
+              <a:t>Queries may be issued to an FQP grid service and processed asynchronously for later results retrieval</a:t>
+            </a:r>
+          </a:p>
+          <a:p>
+            <a:pPr marL="800100" lvl="1" indent="-342900">
+              <a:spcBef>
+                <a:spcPct val="20000"/>
+              </a:spcBef>
+              <a:buClr>
+                <a:srgbClr val="00AAF6"/>
+              </a:buClr>
+              <a:buFontTx/>
+              <a:buChar char="•"/>
+              <a:defRPr/>
+            </a:pPr>
+            <a:r>
+              <a:rPr lang="en-US" sz="2000" kern="0" dirty="0" smtClean="0">
+                <a:latin typeface="+mn-lt"/>
+              </a:rPr>
+              <a:t>FQP engine may be used within an application directly</a:t>
             </a:r>
           </a:p>
         </p:txBody>

--- a/Documentation/presentations/200906_Novartis/caGrid Data Services.pptx
+++ b/Documentation/presentations/200906_Novartis/caGrid Data Services.pptx
@@ -5,7 +5,7 @@
     <p:sldMasterId id="2147483648" r:id="rId1"/>
   </p:sldMasterIdLst>
   <p:notesMasterIdLst>
-    <p:notesMasterId r:id="rId24"/>
+    <p:notesMasterId r:id="rId27"/>
   </p:notesMasterIdLst>
   <p:sldIdLst>
     <p:sldId id="256" r:id="rId2"/>
@@ -20,16 +20,19 @@
     <p:sldId id="273" r:id="rId11"/>
     <p:sldId id="274" r:id="rId12"/>
     <p:sldId id="260" r:id="rId13"/>
-    <p:sldId id="271" r:id="rId14"/>
-    <p:sldId id="272" r:id="rId15"/>
-    <p:sldId id="261" r:id="rId16"/>
-    <p:sldId id="262" r:id="rId17"/>
-    <p:sldId id="263" r:id="rId18"/>
-    <p:sldId id="264" r:id="rId19"/>
-    <p:sldId id="275" r:id="rId20"/>
-    <p:sldId id="276" r:id="rId21"/>
-    <p:sldId id="277" r:id="rId22"/>
-    <p:sldId id="278" r:id="rId23"/>
+    <p:sldId id="280" r:id="rId14"/>
+    <p:sldId id="271" r:id="rId15"/>
+    <p:sldId id="272" r:id="rId16"/>
+    <p:sldId id="261" r:id="rId17"/>
+    <p:sldId id="262" r:id="rId18"/>
+    <p:sldId id="263" r:id="rId19"/>
+    <p:sldId id="264" r:id="rId20"/>
+    <p:sldId id="275" r:id="rId21"/>
+    <p:sldId id="276" r:id="rId22"/>
+    <p:sldId id="281" r:id="rId23"/>
+    <p:sldId id="277" r:id="rId24"/>
+    <p:sldId id="278" r:id="rId25"/>
+    <p:sldId id="279" r:id="rId26"/>
   </p:sldIdLst>
   <p:sldSz cx="9144000" cy="6858000" type="screen4x3"/>
   <p:notesSz cx="6858000" cy="9144000"/>
@@ -902,7 +905,7 @@
             <a:fld id="{F5EA7BEA-0DA3-446B-8D4C-70CC7C2360F4}" type="slidenum">
               <a:rPr lang="en-US"/>
               <a:pPr/>
-              <a:t>15</a:t>
+              <a:t>16</a:t>
             </a:fld>
             <a:endParaRPr lang="en-US"/>
           </a:p>
@@ -1005,7 +1008,7 @@
             <a:fld id="{E9569D21-1F98-43C8-8EC9-B78A541EFFE1}" type="slidenum">
               <a:rPr lang="en-US"/>
               <a:pPr/>
-              <a:t>16</a:t>
+              <a:t>17</a:t>
             </a:fld>
             <a:endParaRPr lang="en-US"/>
           </a:p>
@@ -1108,7 +1111,7 @@
             <a:fld id="{E6CC0C41-88F7-41C7-9D58-41A46E11E94E}" type="slidenum">
               <a:rPr lang="en-US"/>
               <a:pPr/>
-              <a:t>17</a:t>
+              <a:t>18</a:t>
             </a:fld>
             <a:endParaRPr lang="en-US"/>
           </a:p>
@@ -1211,7 +1214,7 @@
             <a:fld id="{06CC5F91-7E10-4D18-9438-9AF3612818A6}" type="slidenum">
               <a:rPr lang="en-US"/>
               <a:pPr/>
-              <a:t>18</a:t>
+              <a:t>19</a:t>
             </a:fld>
             <a:endParaRPr lang="en-US"/>
           </a:p>
@@ -1261,6 +1264,108 @@
               <a:rPr lang="en-US" smtClean="0"/>
               <a:t>And lastly we will even futher specify our search to say not only do we want a taxon to exist but that taxon needs to be from the homo sapiens genus.</a:t>
             </a:r>
+          </a:p>
+        </p:txBody>
+      </p:sp>
+    </p:spTree>
+  </p:cSld>
+  <p:clrMapOvr>
+    <a:masterClrMapping/>
+  </p:clrMapOvr>
+</p:notes>
+</file>
+
+<file path=ppt/notesSlides/notesSlide8.xml><?xml version="1.0" encoding="utf-8"?>
+<p:notes xmlns:a="http://schemas.openxmlformats.org/drawingml/2006/main" xmlns:r="http://schemas.openxmlformats.org/officeDocument/2006/relationships" xmlns:p="http://schemas.openxmlformats.org/presentationml/2006/main">
+  <p:cSld>
+    <p:spTree>
+      <p:nvGrpSpPr>
+        <p:cNvPr id="1" name=""/>
+        <p:cNvGrpSpPr/>
+        <p:nvPr/>
+      </p:nvGrpSpPr>
+      <p:grpSpPr>
+        <a:xfrm>
+          <a:off x="0" y="0"/>
+          <a:ext cx="0" cy="0"/>
+          <a:chOff x="0" y="0"/>
+          <a:chExt cx="0" cy="0"/>
+        </a:xfrm>
+      </p:grpSpPr>
+      <p:sp>
+        <p:nvSpPr>
+          <p:cNvPr id="60418" name="Slide Image Placeholder 1"/>
+          <p:cNvSpPr>
+            <a:spLocks noGrp="1" noRot="1" noChangeAspect="1"/>
+          </p:cNvSpPr>
+          <p:nvPr>
+            <p:ph type="sldImg"/>
+          </p:nvPr>
+        </p:nvSpPr>
+        <p:spPr bwMode="auto">
+          <a:noFill/>
+          <a:ln>
+            <a:solidFill>
+              <a:srgbClr val="000000"/>
+            </a:solidFill>
+            <a:miter lim="800000"/>
+            <a:headEnd/>
+            <a:tailEnd/>
+          </a:ln>
+        </p:spPr>
+      </p:sp>
+      <p:sp>
+        <p:nvSpPr>
+          <p:cNvPr id="60419" name="Notes Placeholder 2"/>
+          <p:cNvSpPr>
+            <a:spLocks noGrp="1"/>
+          </p:cNvSpPr>
+          <p:nvPr>
+            <p:ph type="body" idx="1"/>
+          </p:nvPr>
+        </p:nvSpPr>
+        <p:spPr bwMode="auto">
+          <a:noFill/>
+        </p:spPr>
+        <p:txBody>
+          <a:bodyPr/>
+          <a:lstStyle/>
+          <a:p>
+            <a:r>
+              <a:rPr lang="en-US" smtClean="0"/>
+              <a:t>A DCQL (Which is just distributed CQL) can be used to make queries that are federated and require sub queries to be issues to other data services in order to dertime the result set.  The main addition here is the ability to describe Forieng association which intern create remote joins to happen in the FQP Service.</a:t>
+            </a:r>
+          </a:p>
+        </p:txBody>
+      </p:sp>
+      <p:sp>
+        <p:nvSpPr>
+          <p:cNvPr id="60420" name="Slide Number Placeholder 3"/>
+          <p:cNvSpPr>
+            <a:spLocks noGrp="1"/>
+          </p:cNvSpPr>
+          <p:nvPr>
+            <p:ph type="sldNum" sz="quarter" idx="5"/>
+          </p:nvPr>
+        </p:nvSpPr>
+        <p:spPr bwMode="auto">
+          <a:noFill/>
+          <a:ln>
+            <a:miter lim="800000"/>
+            <a:headEnd/>
+            <a:tailEnd/>
+          </a:ln>
+        </p:spPr>
+        <p:txBody>
+          <a:bodyPr/>
+          <a:lstStyle/>
+          <a:p>
+            <a:fld id="{0EA92AC8-40AC-4621-AB8B-E24657776B35}" type="slidenum">
+              <a:rPr lang="en-US"/>
+              <a:pPr/>
+              <a:t>25</a:t>
+            </a:fld>
+            <a:endParaRPr lang="en-US"/>
           </a:p>
         </p:txBody>
       </p:sp>
@@ -4100,7 +4205,11 @@
           <a:bodyPr/>
           <a:lstStyle/>
           <a:p>
-            <a:endParaRPr lang="en-US"/>
+            <a:r>
+              <a:rPr lang="en-US" dirty="0" smtClean="0"/>
+              <a:t>Data Service Clients</a:t>
+            </a:r>
+            <a:endParaRPr lang="en-US" dirty="0"/>
           </a:p>
         </p:txBody>
       </p:sp>
@@ -4120,13 +4229,121 @@
           <a:lstStyle/>
           <a:p>
             <a:r>
-              <a:rPr lang="en-US" dirty="0" smtClean="0"/>
-              <a:t>… more on CQL query processors here?</a:t>
-            </a:r>
-            <a:endParaRPr lang="en-US" dirty="0"/>
+              <a:rPr lang="en-US" sz="2000" dirty="0" smtClean="0"/>
+              <a:t>Example client set-up and invocation:</a:t>
+            </a:r>
+          </a:p>
+          <a:p>
+            <a:endParaRPr lang="en-US" sz="2000" dirty="0" smtClean="0"/>
+          </a:p>
+          <a:p>
+            <a:endParaRPr lang="en-US" sz="2000" dirty="0" smtClean="0"/>
+          </a:p>
+          <a:p>
+            <a:endParaRPr lang="en-US" sz="2000" dirty="0" smtClean="0"/>
+          </a:p>
+          <a:p>
+            <a:endParaRPr lang="en-US" sz="2000" dirty="0" smtClean="0"/>
+          </a:p>
+          <a:p>
+            <a:pPr lvl="1"/>
+            <a:r>
+              <a:rPr lang="en-US" sz="2000" dirty="0" smtClean="0"/>
+              <a:t>The service URL is defined</a:t>
+            </a:r>
+          </a:p>
+          <a:p>
+            <a:pPr lvl="1"/>
+            <a:r>
+              <a:rPr lang="en-US" sz="2000" dirty="0" smtClean="0"/>
+              <a:t>The </a:t>
+            </a:r>
+            <a:r>
+              <a:rPr lang="en-US" sz="2000" i="1" dirty="0" smtClean="0"/>
+              <a:t>common data service client</a:t>
+            </a:r>
+            <a:r>
+              <a:rPr lang="en-US" sz="2000" dirty="0" smtClean="0"/>
+              <a:t> is created with the URL</a:t>
+            </a:r>
+          </a:p>
+          <a:p>
+            <a:pPr lvl="1"/>
+            <a:r>
+              <a:rPr lang="en-US" sz="2000" dirty="0" smtClean="0"/>
+              <a:t>A new CQL query object is created</a:t>
+            </a:r>
+          </a:p>
+          <a:p>
+            <a:pPr lvl="1"/>
+            <a:r>
+              <a:rPr lang="en-US" sz="2000" dirty="0" smtClean="0"/>
+              <a:t>Its target is set to </a:t>
+            </a:r>
+            <a:r>
+              <a:rPr lang="en-US" sz="2000" i="1" dirty="0" err="1" smtClean="0"/>
+              <a:t>gov.nih.nci.cabio.domain.Gene</a:t>
+            </a:r>
+            <a:endParaRPr lang="en-US" sz="2000" dirty="0" smtClean="0"/>
+          </a:p>
+          <a:p>
+            <a:pPr lvl="1"/>
+            <a:r>
+              <a:rPr lang="en-US" sz="2000" b="0" dirty="0" smtClean="0"/>
+              <a:t>The target is constrained by </a:t>
+            </a:r>
+            <a:r>
+              <a:rPr lang="en-US" sz="2000" b="0" i="1" dirty="0" smtClean="0"/>
+              <a:t>name </a:t>
+            </a:r>
+            <a:r>
+              <a:rPr lang="en-US" sz="2000" b="0" dirty="0" smtClean="0"/>
+              <a:t>attributes with values like </a:t>
+            </a:r>
+            <a:r>
+              <a:rPr lang="en-US" sz="2000" b="0" i="1" dirty="0" err="1" smtClean="0"/>
+              <a:t>brca</a:t>
+            </a:r>
+            <a:r>
+              <a:rPr lang="en-US" sz="2000" b="0" i="1" dirty="0" smtClean="0"/>
+              <a:t>%</a:t>
+            </a:r>
+            <a:endParaRPr lang="en-US" sz="2000" b="0" dirty="0" smtClean="0"/>
+          </a:p>
+          <a:p>
+            <a:pPr lvl="1"/>
+            <a:r>
+              <a:rPr lang="en-US" sz="2000" dirty="0" smtClean="0"/>
+              <a:t>The query is executed by the data service and results are returned</a:t>
+            </a:r>
+            <a:endParaRPr lang="en-US" sz="2000" b="0" dirty="0" smtClean="0"/>
           </a:p>
         </p:txBody>
       </p:sp>
+      <p:pic>
+        <p:nvPicPr>
+          <p:cNvPr id="4" name="Picture 3" descr="Client Example 1.png"/>
+          <p:cNvPicPr>
+            <a:picLocks noChangeAspect="1"/>
+          </p:cNvPicPr>
+          <p:nvPr/>
+        </p:nvPicPr>
+        <p:blipFill>
+          <a:blip r:embed="rId2" cstate="print"/>
+          <a:stretch>
+            <a:fillRect/>
+          </a:stretch>
+        </p:blipFill>
+        <p:spPr>
+          <a:xfrm>
+            <a:off x="762000" y="1724025"/>
+            <a:ext cx="6048375" cy="1476375"/>
+          </a:xfrm>
+          <a:prstGeom prst="rect">
+            <a:avLst/>
+          </a:prstGeom>
+        </p:spPr>
+      </p:pic>
     </p:spTree>
   </p:cSld>
   <p:clrMapOvr>
@@ -4297,7 +4514,7 @@
           <a:p>
             <a:r>
               <a:rPr lang="en-US" dirty="0" smtClean="0"/>
-              <a:t>Parts of a CQL Query</a:t>
+              <a:t>caGrid Query Language (CQL)</a:t>
             </a:r>
             <a:endParaRPr lang="en-US" dirty="0"/>
           </a:p>
@@ -4320,90 +4537,73 @@
           <a:p>
             <a:r>
               <a:rPr lang="en-US" sz="2000" dirty="0" smtClean="0"/>
-              <a:t>Object</a:t>
-            </a:r>
-            <a:endParaRPr lang="en-US" sz="2400" dirty="0" smtClean="0"/>
+              <a:t>Defined by XML schema</a:t>
+            </a:r>
           </a:p>
           <a:p>
             <a:pPr lvl="1"/>
             <a:r>
               <a:rPr lang="en-US" sz="2000" dirty="0" smtClean="0"/>
-              <a:t>Base for search criteria and target definition</a:t>
+              <a:t>Published in GME</a:t>
             </a:r>
           </a:p>
           <a:p>
             <a:pPr lvl="1"/>
             <a:r>
               <a:rPr lang="en-US" sz="2000" dirty="0" smtClean="0"/>
-              <a:t>Contains the name of the data type / class being searched for</a:t>
+              <a:t>Included in every caGrid Data Service</a:t>
+            </a:r>
+          </a:p>
+          <a:p>
+            <a:r>
+              <a:rPr lang="en-US" sz="2000" dirty="0" smtClean="0"/>
+              <a:t>Queries constructed in one of two ways</a:t>
             </a:r>
           </a:p>
           <a:p>
             <a:pPr lvl="1"/>
             <a:r>
               <a:rPr lang="en-US" sz="2000" dirty="0" smtClean="0"/>
-              <a:t>May have one of three child query parts</a:t>
+              <a:t>CQL object API</a:t>
             </a:r>
           </a:p>
           <a:p>
             <a:pPr lvl="2"/>
             <a:r>
               <a:rPr lang="en-US" sz="1800" dirty="0" smtClean="0"/>
-              <a:t>Association, Attribute, or Group</a:t>
-            </a:r>
-          </a:p>
-          <a:p>
+              <a:t>Java beans derived from CQL schema</a:t>
+            </a:r>
+          </a:p>
+          <a:p>
+            <a:pPr lvl="2"/>
+            <a:r>
+              <a:rPr lang="en-US" sz="1800" dirty="0" smtClean="0"/>
+              <a:t>Simple getter / setter functionality to add query components</a:t>
+            </a:r>
+          </a:p>
+          <a:p>
+            <a:pPr lvl="1"/>
             <a:r>
               <a:rPr lang="en-US" sz="2000" dirty="0" smtClean="0"/>
-              <a:t>Target</a:t>
-            </a:r>
-          </a:p>
-          <a:p>
-            <a:pPr lvl="1"/>
-            <a:r>
-              <a:rPr lang="en-US" sz="2000" dirty="0" smtClean="0"/>
-              <a:t>Top level query component extends from Object</a:t>
-            </a:r>
-          </a:p>
-          <a:p>
-            <a:pPr lvl="1"/>
-            <a:r>
-              <a:rPr lang="en-US" sz="2000" dirty="0" smtClean="0"/>
-              <a:t>Identifies the data type which will be returned by the query</a:t>
-            </a:r>
-          </a:p>
-          <a:p>
-            <a:r>
-              <a:rPr lang="en-US" sz="2000" dirty="0" smtClean="0"/>
-              <a:t>Association</a:t>
-            </a:r>
-          </a:p>
-          <a:p>
-            <a:pPr lvl="1"/>
-            <a:r>
-              <a:rPr lang="en-US" sz="2000" dirty="0" smtClean="0"/>
-              <a:t>Lower level query component extends from Object</a:t>
-            </a:r>
-          </a:p>
-          <a:p>
-            <a:pPr lvl="1"/>
-            <a:r>
-              <a:rPr lang="en-US" sz="2000" dirty="0" smtClean="0"/>
-              <a:t>Restricts query results</a:t>
+              <a:t>Written XML document</a:t>
             </a:r>
           </a:p>
           <a:p>
             <a:pPr lvl="2"/>
             <a:r>
+              <a:rPr lang="en-US" sz="1800" dirty="0" err="1" smtClean="0"/>
+              <a:t>Deserialized</a:t>
+            </a:r>
+            <a:r>
               <a:rPr lang="en-US" sz="1800" dirty="0" smtClean="0"/>
-              <a:t>Must be non-null</a:t>
+              <a:t> into CQL object and used with data service client API</a:t>
             </a:r>
           </a:p>
           <a:p>
             <a:pPr lvl="2"/>
             <a:r>
               <a:rPr lang="en-US" sz="1800" dirty="0" smtClean="0"/>
-              <a:t>Further associations, attributes, or groups as child query components</a:t>
+              <a:t>Passed by other means over SOAP interface</a:t>
             </a:r>
           </a:p>
         </p:txBody>
@@ -4473,64 +4673,91 @@
           <a:p>
             <a:r>
               <a:rPr lang="en-US" sz="2000" dirty="0" smtClean="0"/>
-              <a:t>Attribute</a:t>
-            </a:r>
+              <a:t>Object</a:t>
+            </a:r>
+            <a:endParaRPr lang="en-US" sz="2400" dirty="0" smtClean="0"/>
           </a:p>
           <a:p>
             <a:pPr lvl="1"/>
             <a:r>
               <a:rPr lang="en-US" sz="2000" dirty="0" smtClean="0"/>
-              <a:t>Object property used as search criteria</a:t>
+              <a:t>Base for search criteria and target definition</a:t>
             </a:r>
           </a:p>
           <a:p>
             <a:pPr lvl="1"/>
             <a:r>
               <a:rPr lang="en-US" sz="2000" dirty="0" smtClean="0"/>
-              <a:t>Defined in terms of attribute name, predicate, and value</a:t>
+              <a:t>Contains the name of the data type / class being searched for</a:t>
             </a:r>
           </a:p>
           <a:p>
             <a:pPr lvl="1"/>
             <a:r>
               <a:rPr lang="en-US" sz="2000" dirty="0" smtClean="0"/>
-              <a:t>Predicates are similar to SQL</a:t>
+              <a:t>May have one of three child query parts</a:t>
             </a:r>
           </a:p>
           <a:p>
             <a:pPr lvl="2"/>
             <a:r>
               <a:rPr lang="en-US" sz="1800" dirty="0" smtClean="0"/>
-              <a:t>Equals, Not Equals, Like, Less Than, Greater Than, Less or Equal, Greater or Equal, Null, and Not Null</a:t>
+              <a:t>Association, Attribute, or Group</a:t>
             </a:r>
           </a:p>
           <a:p>
             <a:r>
               <a:rPr lang="en-US" sz="2000" dirty="0" smtClean="0"/>
-              <a:t>Group</a:t>
+              <a:t>Target</a:t>
             </a:r>
           </a:p>
           <a:p>
             <a:pPr lvl="1"/>
             <a:r>
               <a:rPr lang="en-US" sz="2000" dirty="0" smtClean="0"/>
-              <a:t>A logical join of child search criteria</a:t>
+              <a:t>Top level query component extends from Object</a:t>
+            </a:r>
+          </a:p>
+          <a:p>
+            <a:pPr lvl="1"/>
+            <a:r>
+              <a:rPr lang="en-US" sz="2000" dirty="0" smtClean="0"/>
+              <a:t>Identifies the data type which will be returned by the query</a:t>
+            </a:r>
+          </a:p>
+          <a:p>
+            <a:r>
+              <a:rPr lang="en-US" sz="2000" dirty="0" smtClean="0"/>
+              <a:t>Association</a:t>
+            </a:r>
+          </a:p>
+          <a:p>
+            <a:pPr lvl="1"/>
+            <a:r>
+              <a:rPr lang="en-US" sz="2000" dirty="0" smtClean="0"/>
+              <a:t>Lower level query component extends from Object</a:t>
+            </a:r>
+          </a:p>
+          <a:p>
+            <a:pPr lvl="1"/>
+            <a:r>
+              <a:rPr lang="en-US" sz="2000" dirty="0" smtClean="0"/>
+              <a:t>Restricts query results</a:t>
             </a:r>
           </a:p>
           <a:p>
             <a:pPr lvl="2"/>
             <a:r>
               <a:rPr lang="en-US" sz="1800" dirty="0" smtClean="0"/>
-              <a:t>Logical operators AND / OR</a:t>
-            </a:r>
-          </a:p>
-          <a:p>
-            <a:pPr lvl="1"/>
-            <a:r>
-              <a:rPr lang="en-US" sz="2000" dirty="0" smtClean="0"/>
-              <a:t>May have one or more Attributes, Associations, or additional Groups in combination</a:t>
-            </a:r>
-            <a:endParaRPr lang="en-US" sz="2000" dirty="0"/>
+              <a:t>Must be non-null</a:t>
+            </a:r>
+          </a:p>
+          <a:p>
+            <a:pPr lvl="2"/>
+            <a:r>
+              <a:rPr lang="en-US" sz="1800" dirty="0" smtClean="0"/>
+              <a:t>Further associations, attributes, or groups as child query components</a:t>
+            </a:r>
           </a:p>
         </p:txBody>
       </p:sp>
@@ -4543,6 +4770,132 @@
 </file>
 
 <file path=ppt/slides/slide15.xml><?xml version="1.0" encoding="utf-8"?>
+<p:sld xmlns:a="http://schemas.openxmlformats.org/drawingml/2006/main" xmlns:r="http://schemas.openxmlformats.org/officeDocument/2006/relationships" xmlns:p="http://schemas.openxmlformats.org/presentationml/2006/main">
+  <p:cSld>
+    <p:spTree>
+      <p:nvGrpSpPr>
+        <p:cNvPr id="1" name=""/>
+        <p:cNvGrpSpPr/>
+        <p:nvPr/>
+      </p:nvGrpSpPr>
+      <p:grpSpPr>
+        <a:xfrm>
+          <a:off x="0" y="0"/>
+          <a:ext cx="0" cy="0"/>
+          <a:chOff x="0" y="0"/>
+          <a:chExt cx="0" cy="0"/>
+        </a:xfrm>
+      </p:grpSpPr>
+      <p:sp>
+        <p:nvSpPr>
+          <p:cNvPr id="2" name="Title 1"/>
+          <p:cNvSpPr>
+            <a:spLocks noGrp="1"/>
+          </p:cNvSpPr>
+          <p:nvPr>
+            <p:ph type="title"/>
+          </p:nvPr>
+        </p:nvSpPr>
+        <p:spPr/>
+        <p:txBody>
+          <a:bodyPr/>
+          <a:lstStyle/>
+          <a:p>
+            <a:r>
+              <a:rPr lang="en-US" dirty="0" smtClean="0"/>
+              <a:t>Parts of a CQL Query</a:t>
+            </a:r>
+            <a:endParaRPr lang="en-US" dirty="0"/>
+          </a:p>
+        </p:txBody>
+      </p:sp>
+      <p:sp>
+        <p:nvSpPr>
+          <p:cNvPr id="3" name="Content Placeholder 2"/>
+          <p:cNvSpPr>
+            <a:spLocks noGrp="1"/>
+          </p:cNvSpPr>
+          <p:nvPr>
+            <p:ph idx="1"/>
+          </p:nvPr>
+        </p:nvSpPr>
+        <p:spPr/>
+        <p:txBody>
+          <a:bodyPr/>
+          <a:lstStyle/>
+          <a:p>
+            <a:r>
+              <a:rPr lang="en-US" sz="2000" dirty="0" smtClean="0"/>
+              <a:t>Attribute</a:t>
+            </a:r>
+          </a:p>
+          <a:p>
+            <a:pPr lvl="1"/>
+            <a:r>
+              <a:rPr lang="en-US" sz="2000" dirty="0" smtClean="0"/>
+              <a:t>Object property used as search criteria</a:t>
+            </a:r>
+          </a:p>
+          <a:p>
+            <a:pPr lvl="1"/>
+            <a:r>
+              <a:rPr lang="en-US" sz="2000" dirty="0" smtClean="0"/>
+              <a:t>Defined in terms of attribute name, predicate, and value</a:t>
+            </a:r>
+          </a:p>
+          <a:p>
+            <a:pPr lvl="1"/>
+            <a:r>
+              <a:rPr lang="en-US" sz="2000" dirty="0" smtClean="0"/>
+              <a:t>Predicates are similar to SQL</a:t>
+            </a:r>
+          </a:p>
+          <a:p>
+            <a:pPr lvl="2"/>
+            <a:r>
+              <a:rPr lang="en-US" sz="1800" dirty="0" smtClean="0"/>
+              <a:t>Equals, Not Equals, Like, Less Than, Greater Than, Less or Equal, Greater or Equal, Null, and Not Null</a:t>
+            </a:r>
+          </a:p>
+          <a:p>
+            <a:r>
+              <a:rPr lang="en-US" sz="2000" dirty="0" smtClean="0"/>
+              <a:t>Group</a:t>
+            </a:r>
+          </a:p>
+          <a:p>
+            <a:pPr lvl="1"/>
+            <a:r>
+              <a:rPr lang="en-US" sz="2000" dirty="0" smtClean="0"/>
+              <a:t>A logical join of child search criteria</a:t>
+            </a:r>
+          </a:p>
+          <a:p>
+            <a:pPr lvl="2"/>
+            <a:r>
+              <a:rPr lang="en-US" sz="1800" dirty="0" smtClean="0"/>
+              <a:t>Logical operators AND / OR</a:t>
+            </a:r>
+          </a:p>
+          <a:p>
+            <a:pPr lvl="1"/>
+            <a:r>
+              <a:rPr lang="en-US" sz="2000" dirty="0" smtClean="0"/>
+              <a:t>May have one or more Attributes, Associations, or additional Groups in combination</a:t>
+            </a:r>
+            <a:endParaRPr lang="en-US" sz="2000" dirty="0"/>
+          </a:p>
+        </p:txBody>
+      </p:sp>
+    </p:spTree>
+  </p:cSld>
+  <p:clrMapOvr>
+    <a:masterClrMapping/>
+  </p:clrMapOvr>
+</p:sld>
+</file>
+
+<file path=ppt/slides/slide16.xml><?xml version="1.0" encoding="utf-8"?>
 <p:sld xmlns:a="http://schemas.openxmlformats.org/drawingml/2006/main" xmlns:r="http://schemas.openxmlformats.org/officeDocument/2006/relationships" xmlns:p="http://schemas.openxmlformats.org/presentationml/2006/main">
   <p:cSld>
     <p:spTree>
@@ -5004,7 +5357,7 @@
 </p:sld>
 </file>
 
-<file path=ppt/slides/slide16.xml><?xml version="1.0" encoding="utf-8"?>
+<file path=ppt/slides/slide17.xml><?xml version="1.0" encoding="utf-8"?>
 <p:sld xmlns:a="http://schemas.openxmlformats.org/drawingml/2006/main" xmlns:r="http://schemas.openxmlformats.org/officeDocument/2006/relationships" xmlns:p="http://schemas.openxmlformats.org/presentationml/2006/main">
   <p:cSld>
     <p:spTree>
@@ -5625,7 +5978,7 @@
 </p:sld>
 </file>
 
-<file path=ppt/slides/slide17.xml><?xml version="1.0" encoding="utf-8"?>
+<file path=ppt/slides/slide18.xml><?xml version="1.0" encoding="utf-8"?>
 <p:sld xmlns:a="http://schemas.openxmlformats.org/drawingml/2006/main" xmlns:r="http://schemas.openxmlformats.org/officeDocument/2006/relationships" xmlns:p="http://schemas.openxmlformats.org/presentationml/2006/main">
   <p:cSld>
     <p:spTree>
@@ -6437,7 +6790,7 @@
 </p:sld>
 </file>
 
-<file path=ppt/slides/slide18.xml><?xml version="1.0" encoding="utf-8"?>
+<file path=ppt/slides/slide19.xml><?xml version="1.0" encoding="utf-8"?>
 <p:sld xmlns:a="http://schemas.openxmlformats.org/drawingml/2006/main" xmlns:r="http://schemas.openxmlformats.org/officeDocument/2006/relationships" xmlns:p="http://schemas.openxmlformats.org/presentationml/2006/main">
   <p:cSld>
     <p:spTree>
@@ -7385,429 +7738,6 @@
 </p:sld>
 </file>
 
-<file path=ppt/slides/slide19.xml><?xml version="1.0" encoding="utf-8"?>
-<p:sld xmlns:a="http://schemas.openxmlformats.org/drawingml/2006/main" xmlns:r="http://schemas.openxmlformats.org/officeDocument/2006/relationships" xmlns:p="http://schemas.openxmlformats.org/presentationml/2006/main">
-  <p:cSld>
-    <p:spTree>
-      <p:nvGrpSpPr>
-        <p:cNvPr id="1" name=""/>
-        <p:cNvGrpSpPr/>
-        <p:nvPr/>
-      </p:nvGrpSpPr>
-      <p:grpSpPr>
-        <a:xfrm>
-          <a:off x="0" y="0"/>
-          <a:ext cx="0" cy="0"/>
-          <a:chOff x="0" y="0"/>
-          <a:chExt cx="0" cy="0"/>
-        </a:xfrm>
-      </p:grpSpPr>
-      <p:sp>
-        <p:nvSpPr>
-          <p:cNvPr id="2" name="Title 1"/>
-          <p:cNvSpPr>
-            <a:spLocks noGrp="1"/>
-          </p:cNvSpPr>
-          <p:nvPr>
-            <p:ph type="title"/>
-          </p:nvPr>
-        </p:nvSpPr>
-        <p:spPr/>
-        <p:txBody>
-          <a:bodyPr/>
-          <a:lstStyle/>
-          <a:p>
-            <a:r>
-              <a:rPr lang="en-US" dirty="0" smtClean="0"/>
-              <a:t>CQL Query Results</a:t>
-            </a:r>
-            <a:endParaRPr lang="en-US" dirty="0"/>
-          </a:p>
-        </p:txBody>
-      </p:sp>
-      <p:sp>
-        <p:nvSpPr>
-          <p:cNvPr id="4" name="Content Placeholder 2"/>
-          <p:cNvSpPr txBox="1">
-            <a:spLocks/>
-          </p:cNvSpPr>
-          <p:nvPr/>
-        </p:nvSpPr>
-        <p:spPr bwMode="auto">
-          <a:xfrm>
-            <a:off x="304800" y="1371600"/>
-            <a:ext cx="8458200" cy="4953000"/>
-          </a:xfrm>
-          <a:prstGeom prst="rect">
-            <a:avLst/>
-          </a:prstGeom>
-          <a:noFill/>
-          <a:ln w="9525">
-            <a:noFill/>
-            <a:miter lim="800000"/>
-            <a:headEnd/>
-            <a:tailEnd/>
-          </a:ln>
-          <a:effectLst/>
-        </p:spPr>
-        <p:txBody>
-          <a:bodyPr vert="horz" wrap="square" lIns="91440" tIns="45720" rIns="91440" bIns="45720" numCol="1" anchor="t" anchorCtr="0" compatLnSpc="1">
-            <a:prstTxWarp prst="textNoShape">
-              <a:avLst/>
-            </a:prstTxWarp>
-          </a:bodyPr>
-          <a:lstStyle/>
-          <a:p>
-            <a:pPr marL="342900" marR="0" lvl="0" indent="-342900" algn="l" defTabSz="914400" rtl="0" eaLnBrk="1" fontAlgn="base" latinLnBrk="0" hangingPunct="1">
-              <a:lnSpc>
-                <a:spcPct val="100000"/>
-              </a:lnSpc>
-              <a:spcBef>
-                <a:spcPct val="20000"/>
-              </a:spcBef>
-              <a:spcAft>
-                <a:spcPct val="0"/>
-              </a:spcAft>
-              <a:buClr>
-                <a:srgbClr val="00AAF6"/>
-              </a:buClr>
-              <a:buSzTx/>
-              <a:buFontTx/>
-              <a:buChar char="•"/>
-              <a:tabLst/>
-              <a:defRPr/>
-            </a:pPr>
-            <a:r>
-              <a:rPr lang="en-US" sz="2000" b="1" kern="0" dirty="0" smtClean="0">
-                <a:latin typeface="+mn-lt"/>
-              </a:rPr>
-              <a:t>Multiple Result Types</a:t>
-            </a:r>
-          </a:p>
-          <a:p>
-            <a:pPr marL="800100" lvl="1" indent="-342900">
-              <a:spcBef>
-                <a:spcPct val="20000"/>
-              </a:spcBef>
-              <a:buClr>
-                <a:srgbClr val="00AAF6"/>
-              </a:buClr>
-              <a:buFontTx/>
-              <a:buChar char="•"/>
-              <a:defRPr/>
-            </a:pPr>
-            <a:r>
-              <a:rPr kumimoji="0" lang="en-US" sz="2000" i="0" u="none" strike="noStrike" kern="0" cap="none" spc="0" normalizeH="0" baseline="0" noProof="0" dirty="0" smtClean="0">
-                <a:ln>
-                  <a:noFill/>
-                </a:ln>
-                <a:solidFill>
-                  <a:schemeClr val="tx1"/>
-                </a:solidFill>
-                <a:effectLst/>
-                <a:uLnTx/>
-                <a:uFillTx/>
-                <a:latin typeface="+mn-lt"/>
-              </a:rPr>
-              <a:t>Object</a:t>
-            </a:r>
-            <a:r>
-              <a:rPr kumimoji="0" lang="en-US" sz="2000" i="0" u="none" strike="noStrike" kern="0" cap="none" spc="0" normalizeH="0" noProof="0" dirty="0" smtClean="0">
-                <a:ln>
-                  <a:noFill/>
-                </a:ln>
-                <a:solidFill>
-                  <a:schemeClr val="tx1"/>
-                </a:solidFill>
-                <a:effectLst/>
-                <a:uLnTx/>
-                <a:uFillTx/>
-                <a:latin typeface="+mn-lt"/>
-              </a:rPr>
-              <a:t> results encapsulate complete data types / classes</a:t>
-            </a:r>
-          </a:p>
-          <a:p>
-            <a:pPr marL="800100" lvl="1" indent="-342900">
-              <a:spcBef>
-                <a:spcPct val="20000"/>
-              </a:spcBef>
-              <a:buClr>
-                <a:srgbClr val="00AAF6"/>
-              </a:buClr>
-              <a:buFontTx/>
-              <a:buChar char="•"/>
-              <a:defRPr/>
-            </a:pPr>
-            <a:r>
-              <a:rPr lang="en-US" sz="2000" kern="0" baseline="0" dirty="0" smtClean="0">
-                <a:latin typeface="+mn-lt"/>
-              </a:rPr>
-              <a:t>Attribute</a:t>
-            </a:r>
-            <a:r>
-              <a:rPr lang="en-US" sz="2000" kern="0" dirty="0" smtClean="0">
-                <a:latin typeface="+mn-lt"/>
-              </a:rPr>
-              <a:t> results contain key-value pairs grouped by the individual object instances from which they are derived</a:t>
-            </a:r>
-          </a:p>
-          <a:p>
-            <a:pPr marL="800100" lvl="1" indent="-342900">
-              <a:spcBef>
-                <a:spcPct val="20000"/>
-              </a:spcBef>
-              <a:buClr>
-                <a:srgbClr val="00AAF6"/>
-              </a:buClr>
-              <a:buFontTx/>
-              <a:buChar char="•"/>
-              <a:defRPr/>
-            </a:pPr>
-            <a:r>
-              <a:rPr kumimoji="0" lang="en-US" sz="2000" i="0" u="none" strike="noStrike" kern="0" cap="none" spc="0" normalizeH="0" baseline="0" noProof="0" dirty="0" smtClean="0">
-                <a:ln>
-                  <a:noFill/>
-                </a:ln>
-                <a:solidFill>
-                  <a:schemeClr val="tx1"/>
-                </a:solidFill>
-                <a:effectLst/>
-                <a:uLnTx/>
-                <a:uFillTx/>
-                <a:latin typeface="+mn-lt"/>
-              </a:rPr>
-              <a:t>Count</a:t>
-            </a:r>
-            <a:r>
-              <a:rPr kumimoji="0" lang="en-US" sz="2000" i="0" u="none" strike="noStrike" kern="0" cap="none" spc="0" normalizeH="0" noProof="0" dirty="0" smtClean="0">
-                <a:ln>
-                  <a:noFill/>
-                </a:ln>
-                <a:solidFill>
-                  <a:schemeClr val="tx1"/>
-                </a:solidFill>
-                <a:effectLst/>
-                <a:uLnTx/>
-                <a:uFillTx/>
-                <a:latin typeface="+mn-lt"/>
-              </a:rPr>
-              <a:t> results contain a single long value indicating the count of object instances which satisfy the search criteria</a:t>
-            </a:r>
-          </a:p>
-          <a:p>
-            <a:pPr marL="342900" indent="-342900">
-              <a:spcBef>
-                <a:spcPct val="20000"/>
-              </a:spcBef>
-              <a:buClr>
-                <a:srgbClr val="00AAF6"/>
-              </a:buClr>
-              <a:buFontTx/>
-              <a:buChar char="•"/>
-              <a:defRPr/>
-            </a:pPr>
-            <a:r>
-              <a:rPr lang="en-US" sz="2000" b="1" kern="0" baseline="0" dirty="0" smtClean="0">
-                <a:latin typeface="+mn-lt"/>
-              </a:rPr>
-              <a:t>Allowable</a:t>
-            </a:r>
-            <a:r>
-              <a:rPr lang="en-US" sz="2000" b="1" kern="0" dirty="0" smtClean="0">
-                <a:latin typeface="+mn-lt"/>
-              </a:rPr>
-              <a:t> Types</a:t>
-            </a:r>
-          </a:p>
-          <a:p>
-            <a:pPr marL="800100" lvl="1" indent="-342900">
-              <a:spcBef>
-                <a:spcPct val="20000"/>
-              </a:spcBef>
-              <a:buClr>
-                <a:srgbClr val="00AAF6"/>
-              </a:buClr>
-              <a:buFontTx/>
-              <a:buChar char="•"/>
-              <a:defRPr/>
-            </a:pPr>
-            <a:r>
-              <a:rPr kumimoji="0" lang="en-US" sz="2000" i="0" u="none" strike="noStrike" kern="0" cap="none" spc="0" normalizeH="0" baseline="0" noProof="0" dirty="0" smtClean="0">
-                <a:ln>
-                  <a:noFill/>
-                </a:ln>
-                <a:solidFill>
-                  <a:schemeClr val="tx1"/>
-                </a:solidFill>
-                <a:effectLst/>
-                <a:uLnTx/>
-                <a:uFillTx/>
-                <a:latin typeface="+mn-lt"/>
-              </a:rPr>
-              <a:t>Data</a:t>
-            </a:r>
-            <a:r>
-              <a:rPr kumimoji="0" lang="en-US" sz="2000" i="0" u="none" strike="noStrike" kern="0" cap="none" spc="0" normalizeH="0" noProof="0" dirty="0" smtClean="0">
-                <a:ln>
-                  <a:noFill/>
-                </a:ln>
-                <a:solidFill>
-                  <a:schemeClr val="tx1"/>
-                </a:solidFill>
-                <a:effectLst/>
-                <a:uLnTx/>
-                <a:uFillTx/>
-                <a:latin typeface="+mn-lt"/>
-              </a:rPr>
-              <a:t> services infrastructure generates a custom “</a:t>
-            </a:r>
-            <a:r>
-              <a:rPr kumimoji="0" lang="en-US" sz="2000" i="0" u="none" strike="noStrike" kern="0" cap="none" spc="0" normalizeH="0" noProof="0" dirty="0" err="1" smtClean="0">
-                <a:ln>
-                  <a:noFill/>
-                </a:ln>
-                <a:solidFill>
-                  <a:schemeClr val="tx1"/>
-                </a:solidFill>
-                <a:effectLst/>
-                <a:uLnTx/>
-                <a:uFillTx/>
-                <a:latin typeface="+mn-lt"/>
-              </a:rPr>
-              <a:t>CQLResultTypes</a:t>
-            </a:r>
-            <a:r>
-              <a:rPr kumimoji="0" lang="en-US" sz="2000" i="0" u="none" strike="noStrike" kern="0" cap="none" spc="0" normalizeH="0" noProof="0" dirty="0" smtClean="0">
-                <a:ln>
-                  <a:noFill/>
-                </a:ln>
-                <a:solidFill>
-                  <a:schemeClr val="tx1"/>
-                </a:solidFill>
-                <a:effectLst/>
-                <a:uLnTx/>
-                <a:uFillTx/>
-                <a:latin typeface="+mn-lt"/>
-              </a:rPr>
-              <a:t>” schema</a:t>
-            </a:r>
-          </a:p>
-          <a:p>
-            <a:pPr marL="1257300" lvl="2" indent="-342900">
-              <a:spcBef>
-                <a:spcPct val="20000"/>
-              </a:spcBef>
-              <a:buClr>
-                <a:srgbClr val="00AAF6"/>
-              </a:buClr>
-              <a:buFontTx/>
-              <a:buChar char="•"/>
-              <a:defRPr/>
-            </a:pPr>
-            <a:r>
-              <a:rPr lang="en-US" sz="2000" kern="0" baseline="0" dirty="0" smtClean="0">
-                <a:latin typeface="+mn-lt"/>
-              </a:rPr>
-              <a:t>Contains an </a:t>
-            </a:r>
-            <a:r>
-              <a:rPr lang="en-US" sz="2000" kern="0" baseline="0" dirty="0" err="1" smtClean="0">
-                <a:latin typeface="+mn-lt"/>
-              </a:rPr>
-              <a:t>xsd:choice</a:t>
-            </a:r>
-            <a:r>
-              <a:rPr lang="en-US" sz="2000" kern="0" dirty="0" smtClean="0">
-                <a:latin typeface="+mn-lt"/>
-              </a:rPr>
-              <a:t> of all allowable return types for CQL object results</a:t>
-            </a:r>
-          </a:p>
-          <a:p>
-            <a:pPr marL="1257300" lvl="2" indent="-342900">
-              <a:spcBef>
-                <a:spcPct val="20000"/>
-              </a:spcBef>
-              <a:buClr>
-                <a:srgbClr val="00AAF6"/>
-              </a:buClr>
-              <a:buFontTx/>
-              <a:buChar char="•"/>
-              <a:defRPr/>
-            </a:pPr>
-            <a:r>
-              <a:rPr lang="en-US" sz="2000" kern="0" dirty="0" smtClean="0">
-                <a:latin typeface="+mn-lt"/>
-              </a:rPr>
-              <a:t>Imported into and available to clients via the data service WSDL</a:t>
-            </a:r>
-          </a:p>
-          <a:p>
-            <a:pPr marL="800100" lvl="1" indent="-342900">
-              <a:spcBef>
-                <a:spcPct val="20000"/>
-              </a:spcBef>
-              <a:buClr>
-                <a:srgbClr val="00AAF6"/>
-              </a:buClr>
-              <a:buFontTx/>
-              <a:buChar char="•"/>
-              <a:defRPr/>
-            </a:pPr>
-            <a:r>
-              <a:rPr kumimoji="0" lang="en-US" sz="2000" i="0" u="none" strike="noStrike" kern="0" cap="none" spc="0" normalizeH="0" baseline="0" noProof="0" dirty="0" smtClean="0">
-                <a:ln>
-                  <a:noFill/>
-                </a:ln>
-                <a:solidFill>
-                  <a:schemeClr val="tx1"/>
-                </a:solidFill>
-                <a:effectLst/>
-                <a:uLnTx/>
-                <a:uFillTx/>
-                <a:latin typeface="+mn-lt"/>
-              </a:rPr>
-              <a:t>Clients</a:t>
-            </a:r>
-            <a:r>
-              <a:rPr kumimoji="0" lang="en-US" sz="2000" i="0" u="none" strike="noStrike" kern="0" cap="none" spc="0" normalizeH="0" noProof="0" dirty="0" smtClean="0">
-                <a:ln>
-                  <a:noFill/>
-                </a:ln>
-                <a:solidFill>
-                  <a:schemeClr val="tx1"/>
-                </a:solidFill>
-                <a:effectLst/>
-                <a:uLnTx/>
-                <a:uFillTx/>
-                <a:latin typeface="+mn-lt"/>
-              </a:rPr>
-              <a:t> know what types to expect and handle</a:t>
-            </a:r>
-            <a:endParaRPr kumimoji="0" lang="en-US" sz="2000" i="0" u="none" strike="noStrike" kern="0" cap="none" spc="0" normalizeH="0" baseline="0" noProof="0" dirty="0">
-              <a:ln>
-                <a:noFill/>
-              </a:ln>
-              <a:solidFill>
-                <a:schemeClr val="tx1"/>
-              </a:solidFill>
-              <a:effectLst/>
-              <a:uLnTx/>
-              <a:uFillTx/>
-              <a:latin typeface="+mn-lt"/>
-            </a:endParaRPr>
-          </a:p>
-        </p:txBody>
-      </p:sp>
-    </p:spTree>
-  </p:cSld>
-  <p:clrMapOvr>
-    <a:masterClrMapping/>
-  </p:clrMapOvr>
-</p:sld>
-</file>
-
 <file path=ppt/slides/slide2.xml><?xml version="1.0" encoding="utf-8"?>
 <p:sld xmlns:a="http://schemas.openxmlformats.org/drawingml/2006/main" xmlns:r="http://schemas.openxmlformats.org/officeDocument/2006/relationships" xmlns:p="http://schemas.openxmlformats.org/presentationml/2006/main">
   <p:cSld>
@@ -7977,7 +7907,7 @@
           <a:p>
             <a:r>
               <a:rPr lang="en-US" dirty="0" smtClean="0"/>
-              <a:t>Handling CQL Results</a:t>
+              <a:t>CQL Query Results</a:t>
             </a:r>
             <a:endParaRPr lang="en-US" dirty="0"/>
           </a:p>
@@ -8036,14 +7966,11 @@
               <a:defRPr/>
             </a:pPr>
             <a:r>
-              <a:rPr lang="en-US" sz="2000" b="1" kern="0" dirty="0" err="1" smtClean="0">
+              <a:rPr lang="en-US" sz="2000" b="1" kern="0" dirty="0" smtClean="0">
                 <a:latin typeface="+mn-lt"/>
               </a:rPr>
-              <a:t>CQLQueryResultsIterator</a:t>
-            </a:r>
-            <a:endParaRPr lang="en-US" sz="2000" b="1" kern="0" dirty="0" smtClean="0">
-              <a:latin typeface="+mn-lt"/>
-            </a:endParaRPr>
+              <a:t>Multiple Result Types</a:t>
+            </a:r>
           </a:p>
           <a:p>
             <a:pPr marL="800100" lvl="1" indent="-342900">
@@ -8058,20 +7985,35 @@
               <a:defRPr/>
             </a:pPr>
             <a:r>
-              <a:rPr lang="en-US" sz="2000" kern="0" dirty="0" smtClean="0">
+              <a:rPr kumimoji="0" lang="en-US" sz="2000" i="0" u="none" strike="noStrike" kern="0" cap="none" spc="0" normalizeH="0" baseline="0" noProof="0" dirty="0" smtClean="0">
+                <a:ln>
+                  <a:noFill/>
+                </a:ln>
+                <a:solidFill>
+                  <a:schemeClr val="tx1"/>
+                </a:solidFill>
+                <a:effectLst/>
+                <a:uLnTx/>
+                <a:uFillTx/>
                 <a:latin typeface="+mn-lt"/>
               </a:rPr>
-              <a:t>Implements </a:t>
-            </a:r>
-            <a:r>
-              <a:rPr lang="en-US" sz="2000" kern="0" dirty="0" err="1" smtClean="0">
+              <a:t>Object</a:t>
+            </a:r>
+            <a:r>
+              <a:rPr kumimoji="0" lang="en-US" sz="2000" i="0" u="none" strike="noStrike" kern="0" cap="none" spc="0" normalizeH="0" noProof="0" dirty="0" smtClean="0">
+                <a:ln>
+                  <a:noFill/>
+                </a:ln>
+                <a:solidFill>
+                  <a:schemeClr val="tx1"/>
+                </a:solidFill>
+                <a:effectLst/>
+                <a:uLnTx/>
+                <a:uFillTx/>
                 <a:latin typeface="+mn-lt"/>
               </a:rPr>
-              <a:t>java.util.Iterator</a:t>
-            </a:r>
-            <a:endParaRPr lang="en-US" sz="2000" kern="0" dirty="0" smtClean="0">
-              <a:latin typeface="+mn-lt"/>
-            </a:endParaRPr>
+              <a:t> results encapsulate complete data types / classes</a:t>
+            </a:r>
           </a:p>
           <a:p>
             <a:pPr marL="800100" lvl="1" indent="-342900">
@@ -8086,26 +8028,17 @@
               <a:defRPr/>
             </a:pPr>
             <a:r>
+              <a:rPr lang="en-US" sz="2000" kern="0" baseline="0" dirty="0" smtClean="0">
+                <a:latin typeface="+mn-lt"/>
+              </a:rPr>
+              <a:t>Attribute</a:t>
+            </a:r>
+            <a:r>
               <a:rPr lang="en-US" sz="2000" kern="0" dirty="0" smtClean="0">
                 <a:latin typeface="+mn-lt"/>
               </a:rPr>
-              <a:t>next() can return </a:t>
-            </a:r>
-            <a:r>
-              <a:rPr lang="en-US" sz="2000" kern="0" dirty="0" err="1" smtClean="0">
-                <a:latin typeface="+mn-lt"/>
-              </a:rPr>
-              <a:t>deserialized</a:t>
-            </a:r>
-            <a:r>
-              <a:rPr lang="en-US" sz="2000" kern="0" dirty="0" smtClean="0">
-                <a:latin typeface="+mn-lt"/>
-              </a:rPr>
-              <a:t> objects or XML text</a:t>
-            </a:r>
-            <a:endParaRPr lang="en-US" sz="2000" kern="0" dirty="0" smtClean="0">
-              <a:latin typeface="+mn-lt"/>
-            </a:endParaRPr>
+              <a:t> results contain key-value pairs grouped by the individual object instances from which they are derived</a:t>
+            </a:r>
           </a:p>
           <a:p>
             <a:pPr marL="800100" lvl="1" indent="-342900">
@@ -8120,22 +8053,132 @@
               <a:defRPr/>
             </a:pPr>
             <a:r>
-              <a:rPr lang="en-US" sz="2000" kern="0" dirty="0" smtClean="0">
+              <a:rPr kumimoji="0" lang="en-US" sz="2000" i="0" u="none" strike="noStrike" kern="0" cap="none" spc="0" normalizeH="0" baseline="0" noProof="0" dirty="0" smtClean="0">
+                <a:ln>
+                  <a:noFill/>
+                </a:ln>
+                <a:solidFill>
+                  <a:schemeClr val="tx1"/>
+                </a:solidFill>
+                <a:effectLst/>
+                <a:uLnTx/>
+                <a:uFillTx/>
                 <a:latin typeface="+mn-lt"/>
               </a:rPr>
-              <a:t>Configured by client-</a:t>
-            </a:r>
-            <a:r>
-              <a:rPr lang="en-US" sz="2000" kern="0" dirty="0" err="1" smtClean="0">
+              <a:t>Count</a:t>
+            </a:r>
+            <a:r>
+              <a:rPr kumimoji="0" lang="en-US" sz="2000" i="0" u="none" strike="noStrike" kern="0" cap="none" spc="0" normalizeH="0" noProof="0" dirty="0" smtClean="0">
+                <a:ln>
+                  <a:noFill/>
+                </a:ln>
+                <a:solidFill>
+                  <a:schemeClr val="tx1"/>
+                </a:solidFill>
+                <a:effectLst/>
+                <a:uLnTx/>
+                <a:uFillTx/>
                 <a:latin typeface="+mn-lt"/>
               </a:rPr>
-              <a:t>config.wsdd</a:t>
-            </a:r>
-            <a:r>
-              <a:rPr lang="en-US" sz="2000" kern="0" dirty="0" smtClean="0">
+              <a:t> results contain a single long value indicating the count of object instances which satisfy the search criteria</a:t>
+            </a:r>
+          </a:p>
+          <a:p>
+            <a:pPr marL="342900" indent="-342900">
+              <a:spcBef>
+                <a:spcPct val="20000"/>
+              </a:spcBef>
+              <a:buClr>
+                <a:srgbClr val="00AAF6"/>
+              </a:buClr>
+              <a:buFontTx/>
+              <a:buChar char="•"/>
+              <a:defRPr/>
+            </a:pPr>
+            <a:r>
+              <a:rPr lang="en-US" sz="2000" b="1" kern="0" baseline="0" dirty="0" smtClean="0">
                 <a:latin typeface="+mn-lt"/>
               </a:rPr>
-              <a:t> document at construction</a:t>
+              <a:t>Allowable</a:t>
+            </a:r>
+            <a:r>
+              <a:rPr lang="en-US" sz="2000" b="1" kern="0" dirty="0" smtClean="0">
+                <a:latin typeface="+mn-lt"/>
+              </a:rPr>
+              <a:t> Types</a:t>
+            </a:r>
+          </a:p>
+          <a:p>
+            <a:pPr marL="800100" lvl="1" indent="-342900">
+              <a:spcBef>
+                <a:spcPct val="20000"/>
+              </a:spcBef>
+              <a:buClr>
+                <a:srgbClr val="00AAF6"/>
+              </a:buClr>
+              <a:buFontTx/>
+              <a:buChar char="•"/>
+              <a:defRPr/>
+            </a:pPr>
+            <a:r>
+              <a:rPr kumimoji="0" lang="en-US" sz="2000" i="0" u="none" strike="noStrike" kern="0" cap="none" spc="0" normalizeH="0" baseline="0" noProof="0" dirty="0" smtClean="0">
+                <a:ln>
+                  <a:noFill/>
+                </a:ln>
+                <a:solidFill>
+                  <a:schemeClr val="tx1"/>
+                </a:solidFill>
+                <a:effectLst/>
+                <a:uLnTx/>
+                <a:uFillTx/>
+                <a:latin typeface="+mn-lt"/>
+              </a:rPr>
+              <a:t>Data</a:t>
+            </a:r>
+            <a:r>
+              <a:rPr kumimoji="0" lang="en-US" sz="2000" i="0" u="none" strike="noStrike" kern="0" cap="none" spc="0" normalizeH="0" noProof="0" dirty="0" smtClean="0">
+                <a:ln>
+                  <a:noFill/>
+                </a:ln>
+                <a:solidFill>
+                  <a:schemeClr val="tx1"/>
+                </a:solidFill>
+                <a:effectLst/>
+                <a:uLnTx/>
+                <a:uFillTx/>
+                <a:latin typeface="+mn-lt"/>
+              </a:rPr>
+              <a:t> services infrastructure generates a custom “</a:t>
+            </a:r>
+            <a:r>
+              <a:rPr kumimoji="0" lang="en-US" sz="2000" i="0" u="none" strike="noStrike" kern="0" cap="none" spc="0" normalizeH="0" noProof="0" dirty="0" err="1" smtClean="0">
+                <a:ln>
+                  <a:noFill/>
+                </a:ln>
+                <a:solidFill>
+                  <a:schemeClr val="tx1"/>
+                </a:solidFill>
+                <a:effectLst/>
+                <a:uLnTx/>
+                <a:uFillTx/>
+                <a:latin typeface="+mn-lt"/>
+              </a:rPr>
+              <a:t>CQLResultTypes</a:t>
+            </a:r>
+            <a:r>
+              <a:rPr kumimoji="0" lang="en-US" sz="2000" i="0" u="none" strike="noStrike" kern="0" cap="none" spc="0" normalizeH="0" noProof="0" dirty="0" smtClean="0">
+                <a:ln>
+                  <a:noFill/>
+                </a:ln>
+                <a:solidFill>
+                  <a:schemeClr val="tx1"/>
+                </a:solidFill>
+                <a:effectLst/>
+                <a:uLnTx/>
+                <a:uFillTx/>
+                <a:latin typeface="+mn-lt"/>
+              </a:rPr>
+              <a:t>” schema</a:t>
             </a:r>
           </a:p>
           <a:p>
@@ -8151,14 +8194,26 @@
               <a:defRPr/>
             </a:pPr>
             <a:r>
-              <a:rPr lang="en-US" kern="0" dirty="0" smtClean="0">
+              <a:rPr lang="en-US" sz="2000" kern="0" baseline="0" dirty="0" smtClean="0">
                 <a:latin typeface="+mn-lt"/>
               </a:rPr>
-              <a:t>Optional – needed for custom deserialization</a:t>
-            </a:r>
-          </a:p>
-          <a:p>
-            <a:pPr marL="342900" indent="-342900">
+              <a:t>Contains an </a:t>
+            </a:r>
+            <a:r>
+              <a:rPr lang="en-US" sz="2000" kern="0" baseline="0" dirty="0" err="1" smtClean="0">
+                <a:latin typeface="+mn-lt"/>
+              </a:rPr>
+              <a:t>xsd:choice</a:t>
+            </a:r>
+            <a:r>
+              <a:rPr lang="en-US" sz="2000" kern="0" dirty="0" smtClean="0">
+                <a:latin typeface="+mn-lt"/>
+              </a:rPr>
+              <a:t> of all allowable return types for CQL object results</a:t>
+            </a:r>
+          </a:p>
+          <a:p>
+            <a:pPr marL="1257300" lvl="2" indent="-342900">
               <a:spcBef>
                 <a:spcPct val="20000"/>
               </a:spcBef>
@@ -8170,14 +8225,11 @@
               <a:defRPr/>
             </a:pPr>
             <a:r>
-              <a:rPr lang="en-US" sz="2000" b="1" kern="0" dirty="0" err="1" smtClean="0">
+              <a:rPr lang="en-US" sz="2000" kern="0" dirty="0" smtClean="0">
                 <a:latin typeface="+mn-lt"/>
               </a:rPr>
-              <a:t>DataServiceIterator</a:t>
-            </a:r>
-            <a:endParaRPr lang="en-US" sz="2000" b="1" i="1" kern="0" dirty="0" smtClean="0">
-              <a:latin typeface="+mn-lt"/>
-            </a:endParaRPr>
+              <a:t>Imported into and available to clients via the data service WSDL</a:t>
+            </a:r>
           </a:p>
           <a:p>
             <a:pPr marL="800100" lvl="1" indent="-342900">
@@ -8192,70 +8244,47 @@
               <a:defRPr/>
             </a:pPr>
             <a:r>
-              <a:rPr lang="en-US" sz="2000" kern="0" dirty="0" smtClean="0">
+              <a:rPr kumimoji="0" lang="en-US" sz="2000" i="0" u="none" strike="noStrike" kern="0" cap="none" spc="0" normalizeH="0" baseline="0" noProof="0" dirty="0" smtClean="0">
+                <a:ln>
+                  <a:noFill/>
+                </a:ln>
+                <a:solidFill>
+                  <a:schemeClr val="tx1"/>
+                </a:solidFill>
+                <a:effectLst/>
+                <a:uLnTx/>
+                <a:uFillTx/>
                 <a:latin typeface="+mn-lt"/>
               </a:rPr>
-              <a:t>Interface that takes a CQL query and returns an </a:t>
-            </a:r>
-            <a:r>
-              <a:rPr lang="en-US" sz="2000" kern="0" dirty="0" err="1" smtClean="0">
+              <a:t>Clients</a:t>
+            </a:r>
+            <a:r>
+              <a:rPr kumimoji="0" lang="en-US" sz="2000" i="0" u="none" strike="noStrike" kern="0" cap="none" spc="0" normalizeH="0" noProof="0" dirty="0" smtClean="0">
+                <a:ln>
+                  <a:noFill/>
+                </a:ln>
+                <a:solidFill>
+                  <a:schemeClr val="tx1"/>
+                </a:solidFill>
+                <a:effectLst/>
+                <a:uLnTx/>
+                <a:uFillTx/>
                 <a:latin typeface="+mn-lt"/>
               </a:rPr>
-              <a:t>Iterator</a:t>
-            </a:r>
-            <a:endParaRPr lang="en-US" sz="2000" kern="0" dirty="0" smtClean="0">
+              <a:t> know what types to expect and handle</a:t>
+            </a:r>
+            <a:endParaRPr kumimoji="0" lang="en-US" sz="2000" i="0" u="none" strike="noStrike" kern="0" cap="none" spc="0" normalizeH="0" baseline="0" noProof="0" dirty="0">
+              <a:ln>
+                <a:noFill/>
+              </a:ln>
+              <a:solidFill>
+                <a:schemeClr val="tx1"/>
+              </a:solidFill>
+              <a:effectLst/>
+              <a:uLnTx/>
+              <a:uFillTx/>
               <a:latin typeface="+mn-lt"/>
             </a:endParaRPr>
-          </a:p>
-          <a:p>
-            <a:pPr marL="800100" lvl="1" indent="-342900">
-              <a:spcBef>
-                <a:spcPct val="20000"/>
-              </a:spcBef>
-              <a:buClr>
-                <a:srgbClr val="00AAF6"/>
-              </a:buClr>
-              <a:buFontTx/>
-              <a:buChar char="•"/>
-              <a:defRPr/>
-            </a:pPr>
-            <a:r>
-              <a:rPr lang="en-US" sz="2000" kern="0" dirty="0" smtClean="0">
-                <a:latin typeface="+mn-lt"/>
-              </a:rPr>
-              <a:t>Implementations for standard, BDT, and WS-Enumeration</a:t>
-            </a:r>
-          </a:p>
-          <a:p>
-            <a:pPr marL="800100" lvl="1" indent="-342900">
-              <a:spcBef>
-                <a:spcPct val="20000"/>
-              </a:spcBef>
-              <a:buClr>
-                <a:srgbClr val="00AAF6"/>
-              </a:buClr>
-              <a:buFontTx/>
-              <a:buChar char="•"/>
-              <a:defRPr/>
-            </a:pPr>
-            <a:r>
-              <a:rPr lang="en-US" sz="2000" kern="0" dirty="0" smtClean="0">
-                <a:latin typeface="+mn-lt"/>
-              </a:rPr>
-              <a:t>Simplifies creation of an </a:t>
-            </a:r>
-            <a:r>
-              <a:rPr lang="en-US" sz="2000" kern="0" dirty="0" err="1" smtClean="0">
-                <a:latin typeface="+mn-lt"/>
-              </a:rPr>
-              <a:t>Iterator</a:t>
-            </a:r>
-            <a:r>
-              <a:rPr lang="en-US" sz="2000" kern="0" dirty="0" smtClean="0">
-                <a:latin typeface="+mn-lt"/>
-              </a:rPr>
-              <a:t> for every query result</a:t>
-            </a:r>
           </a:p>
         </p:txBody>
       </p:sp>
@@ -8301,7 +8330,7 @@
           <a:p>
             <a:r>
               <a:rPr lang="en-US" dirty="0" smtClean="0"/>
-              <a:t>Federated Queries</a:t>
+              <a:t>Handling CQL Results</a:t>
             </a:r>
             <a:endParaRPr lang="en-US" dirty="0"/>
           </a:p>
@@ -8309,7 +8338,7 @@
       </p:sp>
       <p:sp>
         <p:nvSpPr>
-          <p:cNvPr id="5" name="Content Placeholder 2"/>
+          <p:cNvPr id="4" name="Content Placeholder 2"/>
           <p:cNvSpPr txBox="1">
             <a:spLocks/>
           </p:cNvSpPr>
@@ -8360,11 +8389,14 @@
               <a:defRPr/>
             </a:pPr>
             <a:r>
-              <a:rPr lang="en-US" sz="2000" b="1" kern="0" dirty="0" smtClean="0">
+              <a:rPr lang="en-US" sz="2000" b="1" kern="0" dirty="0" err="1" smtClean="0">
                 <a:latin typeface="+mn-lt"/>
               </a:rPr>
-              <a:t>Multiple Data Services Involved</a:t>
-            </a:r>
+              <a:t>CQLQueryResultsIterator</a:t>
+            </a:r>
+            <a:endParaRPr lang="en-US" sz="2000" b="1" kern="0" dirty="0" smtClean="0">
+              <a:latin typeface="+mn-lt"/>
+            </a:endParaRPr>
           </a:p>
           <a:p>
             <a:pPr marL="800100" lvl="1" indent="-342900">
@@ -8379,14 +8411,18 @@
               <a:defRPr/>
             </a:pPr>
             <a:r>
-              <a:rPr lang="en-US" sz="2000" kern="0" dirty="0" smtClean="0"/>
-              <a:t>Basic distributed joins and </a:t>
-            </a:r>
-            <a:r>
-              <a:rPr lang="en-US" sz="2000" kern="0" dirty="0" smtClean="0"/>
-              <a:t>aggregations</a:t>
-            </a:r>
-            <a:endParaRPr lang="en-US" sz="2000" b="1" kern="0" dirty="0" smtClean="0">
+              <a:rPr lang="en-US" sz="2000" kern="0" dirty="0" smtClean="0">
+                <a:latin typeface="+mn-lt"/>
+              </a:rPr>
+              <a:t>Implements </a:t>
+            </a:r>
+            <a:r>
+              <a:rPr lang="en-US" sz="2000" kern="0" dirty="0" err="1" smtClean="0">
+                <a:latin typeface="+mn-lt"/>
+              </a:rPr>
+              <a:t>java.util.Iterator</a:t>
+            </a:r>
+            <a:endParaRPr lang="en-US" sz="2000" kern="0" dirty="0" smtClean="0">
               <a:latin typeface="+mn-lt"/>
             </a:endParaRPr>
           </a:p>
@@ -8406,7 +8442,53 @@
               <a:rPr lang="en-US" sz="2000" kern="0" dirty="0" smtClean="0">
                 <a:latin typeface="+mn-lt"/>
               </a:rPr>
-              <a:t>All data services use the same language (CQL), so federation using multiple data services is possible</a:t>
+              <a:t>next() can return </a:t>
+            </a:r>
+            <a:r>
+              <a:rPr lang="en-US" sz="2000" kern="0" dirty="0" err="1" smtClean="0">
+                <a:latin typeface="+mn-lt"/>
+              </a:rPr>
+              <a:t>deserialized</a:t>
+            </a:r>
+            <a:r>
+              <a:rPr lang="en-US" sz="2000" kern="0" dirty="0" smtClean="0">
+                <a:latin typeface="+mn-lt"/>
+              </a:rPr>
+              <a:t> objects or XML text</a:t>
+            </a:r>
+            <a:endParaRPr lang="en-US" sz="2000" kern="0" dirty="0" smtClean="0">
+              <a:latin typeface="+mn-lt"/>
+            </a:endParaRPr>
+          </a:p>
+          <a:p>
+            <a:pPr marL="800100" lvl="1" indent="-342900">
+              <a:spcBef>
+                <a:spcPct val="20000"/>
+              </a:spcBef>
+              <a:buClr>
+                <a:srgbClr val="00AAF6"/>
+              </a:buClr>
+              <a:buFontTx/>
+              <a:buChar char="•"/>
+              <a:defRPr/>
+            </a:pPr>
+            <a:r>
+              <a:rPr lang="en-US" sz="2000" kern="0" dirty="0" smtClean="0">
+                <a:latin typeface="+mn-lt"/>
+              </a:rPr>
+              <a:t>Configured by client-</a:t>
+            </a:r>
+            <a:r>
+              <a:rPr lang="en-US" sz="2000" kern="0" dirty="0" err="1" smtClean="0">
+                <a:latin typeface="+mn-lt"/>
+              </a:rPr>
+              <a:t>config.wsdd</a:t>
+            </a:r>
+            <a:r>
+              <a:rPr lang="en-US" sz="2000" kern="0" dirty="0" smtClean="0">
+                <a:latin typeface="+mn-lt"/>
+              </a:rPr>
+              <a:t> document at construction</a:t>
             </a:r>
           </a:p>
           <a:p>
@@ -8422,35 +8504,10 @@
               <a:defRPr/>
             </a:pPr>
             <a:r>
-              <a:rPr lang="en-US" i="1" kern="0" dirty="0" smtClean="0">
-                <a:latin typeface="+mn-lt"/>
-              </a:rPr>
-              <a:t>Any</a:t>
-            </a:r>
-            <a:r>
               <a:rPr lang="en-US" kern="0" dirty="0" smtClean="0">
                 <a:latin typeface="+mn-lt"/>
               </a:rPr>
-              <a:t> combination of data services may be used</a:t>
-            </a:r>
-          </a:p>
-          <a:p>
-            <a:pPr marL="1257300" lvl="2" indent="-342900">
-              <a:spcBef>
-                <a:spcPct val="20000"/>
-              </a:spcBef>
-              <a:buClr>
-                <a:srgbClr val="00AAF6"/>
-              </a:buClr>
-              <a:buFontTx/>
-              <a:buChar char="•"/>
-              <a:defRPr/>
-            </a:pPr>
-            <a:r>
-              <a:rPr lang="en-US" kern="0" dirty="0" smtClean="0">
-                <a:latin typeface="+mn-lt"/>
-              </a:rPr>
-              <a:t>Arbitrary cross-model joins</a:t>
+              <a:t>Optional – needed for custom deserialization</a:t>
             </a:r>
           </a:p>
           <a:p>
@@ -8466,17 +8523,14 @@
               <a:defRPr/>
             </a:pPr>
             <a:r>
-              <a:rPr lang="en-US" sz="2000" b="1" i="1" kern="0" dirty="0" smtClean="0">
+              <a:rPr lang="en-US" sz="2000" b="1" kern="0" dirty="0" err="1" smtClean="0">
                 <a:latin typeface="+mn-lt"/>
               </a:rPr>
-              <a:t>D</a:t>
-            </a:r>
-            <a:r>
-              <a:rPr lang="en-US" sz="2000" b="1" kern="0" dirty="0" smtClean="0">
-                <a:latin typeface="+mn-lt"/>
-              </a:rPr>
-              <a:t>CQL extends from CQL</a:t>
-            </a:r>
+              <a:t>DataServiceIterator</a:t>
+            </a:r>
+            <a:endParaRPr lang="en-US" sz="2000" b="1" i="1" kern="0" dirty="0" smtClean="0">
+              <a:latin typeface="+mn-lt"/>
+            </a:endParaRPr>
           </a:p>
           <a:p>
             <a:pPr marL="800100" lvl="1" indent="-342900">
@@ -8494,8 +8548,17 @@
               <a:rPr lang="en-US" sz="2000" kern="0" dirty="0" smtClean="0">
                 <a:latin typeface="+mn-lt"/>
               </a:rPr>
-              <a:t>Distributed version of CQL</a:t>
-            </a:r>
+              <a:t>Interface that takes a CQL query and returns an </a:t>
+            </a:r>
+            <a:r>
+              <a:rPr lang="en-US" sz="2000" kern="0" dirty="0" err="1" smtClean="0">
+                <a:latin typeface="+mn-lt"/>
+              </a:rPr>
+              <a:t>Iterator</a:t>
+            </a:r>
+            <a:endParaRPr lang="en-US" sz="2000" kern="0" dirty="0" smtClean="0">
+              <a:latin typeface="+mn-lt"/>
+            </a:endParaRPr>
           </a:p>
           <a:p>
             <a:pPr marL="800100" lvl="1" indent="-342900">
@@ -8513,32 +8576,7 @@
               <a:rPr lang="en-US" sz="2000" kern="0" dirty="0" smtClean="0">
                 <a:latin typeface="+mn-lt"/>
               </a:rPr>
-              <a:t>Expresses joins, foreign data services, and target services</a:t>
-            </a:r>
-          </a:p>
-          <a:p>
-            <a:pPr marL="342900" indent="-342900">
-              <a:spcBef>
-                <a:spcPct val="20000"/>
-              </a:spcBef>
-              <a:buClr>
-                <a:srgbClr val="00AAF6"/>
-              </a:buClr>
-              <a:buFontTx/>
-              <a:buChar char="•"/>
-              <a:defRPr/>
-            </a:pPr>
-            <a:r>
-              <a:rPr lang="en-US" sz="2000" b="1" kern="0" dirty="0" err="1" smtClean="0">
-                <a:latin typeface="+mn-lt"/>
-              </a:rPr>
-              <a:t>Stateful</a:t>
-            </a:r>
-            <a:r>
-              <a:rPr lang="en-US" sz="2000" b="1" kern="0" dirty="0" smtClean="0">
-                <a:latin typeface="+mn-lt"/>
-              </a:rPr>
-              <a:t> Grid Service or Local API</a:t>
+              <a:t>Implementations for standard, BDT, and WS-Enumeration</a:t>
             </a:r>
           </a:p>
           <a:p>
@@ -8557,26 +8595,19 @@
               <a:rPr lang="en-US" sz="2000" kern="0" dirty="0" smtClean="0">
                 <a:latin typeface="+mn-lt"/>
               </a:rPr>
-              <a:t>Queries may be issued to an FQP grid service and processed asynchronously for later results retrieval</a:t>
-            </a:r>
-          </a:p>
-          <a:p>
-            <a:pPr marL="800100" lvl="1" indent="-342900">
-              <a:spcBef>
-                <a:spcPct val="20000"/>
-              </a:spcBef>
-              <a:buClr>
-                <a:srgbClr val="00AAF6"/>
-              </a:buClr>
-              <a:buFontTx/>
-              <a:buChar char="•"/>
-              <a:defRPr/>
-            </a:pPr>
+              <a:t>Simplifies creation of an </a:t>
+            </a:r>
+            <a:r>
+              <a:rPr lang="en-US" sz="2000" kern="0" dirty="0" err="1" smtClean="0">
+                <a:latin typeface="+mn-lt"/>
+              </a:rPr>
+              <a:t>Iterator</a:t>
+            </a:r>
             <a:r>
               <a:rPr lang="en-US" sz="2000" kern="0" dirty="0" smtClean="0">
                 <a:latin typeface="+mn-lt"/>
               </a:rPr>
-              <a:t>FQP engine may be used within an application directly</a:t>
+              <a:t> for every query result</a:t>
             </a:r>
           </a:p>
         </p:txBody>
@@ -8623,7 +8654,447 @@
           <a:p>
             <a:r>
               <a:rPr lang="en-US" dirty="0" smtClean="0"/>
-              <a:t>Federated Query Service</a:t>
+              <a:t>Handling CQL Results</a:t>
+            </a:r>
+            <a:endParaRPr lang="en-US" dirty="0"/>
+          </a:p>
+        </p:txBody>
+      </p:sp>
+      <p:sp>
+        <p:nvSpPr>
+          <p:cNvPr id="4" name="Content Placeholder 2"/>
+          <p:cNvSpPr txBox="1">
+            <a:spLocks/>
+          </p:cNvSpPr>
+          <p:nvPr/>
+        </p:nvSpPr>
+        <p:spPr bwMode="auto">
+          <a:xfrm>
+            <a:off x="304800" y="1371600"/>
+            <a:ext cx="8458200" cy="4953000"/>
+          </a:xfrm>
+          <a:prstGeom prst="rect">
+            <a:avLst/>
+          </a:prstGeom>
+          <a:noFill/>
+          <a:ln w="9525">
+            <a:noFill/>
+            <a:miter lim="800000"/>
+            <a:headEnd/>
+            <a:tailEnd/>
+          </a:ln>
+          <a:effectLst/>
+        </p:spPr>
+        <p:txBody>
+          <a:bodyPr vert="horz" wrap="square" lIns="91440" tIns="45720" rIns="91440" bIns="45720" numCol="1" anchor="t" anchorCtr="0" compatLnSpc="1">
+            <a:prstTxWarp prst="textNoShape">
+              <a:avLst/>
+            </a:prstTxWarp>
+          </a:bodyPr>
+          <a:lstStyle/>
+          <a:p>
+            <a:pPr marL="342900" marR="0" lvl="0" indent="-342900" algn="l" defTabSz="914400" rtl="0" eaLnBrk="1" fontAlgn="base" latinLnBrk="0" hangingPunct="1">
+              <a:lnSpc>
+                <a:spcPct val="100000"/>
+              </a:lnSpc>
+              <a:spcBef>
+                <a:spcPct val="20000"/>
+              </a:spcBef>
+              <a:spcAft>
+                <a:spcPct val="0"/>
+              </a:spcAft>
+              <a:buClr>
+                <a:srgbClr val="00AAF6"/>
+              </a:buClr>
+              <a:buSzTx/>
+              <a:buFontTx/>
+              <a:buChar char="•"/>
+              <a:tabLst/>
+              <a:defRPr/>
+            </a:pPr>
+            <a:r>
+              <a:rPr lang="en-US" sz="2000" b="1" kern="0" dirty="0" smtClean="0">
+                <a:latin typeface="+mn-lt"/>
+              </a:rPr>
+              <a:t>Example CQL Query Results </a:t>
+            </a:r>
+            <a:r>
+              <a:rPr lang="en-US" sz="2000" b="1" kern="0" dirty="0" err="1" smtClean="0">
+                <a:latin typeface="+mn-lt"/>
+              </a:rPr>
+              <a:t>Iterator</a:t>
+            </a:r>
+            <a:r>
+              <a:rPr lang="en-US" sz="2000" b="1" kern="0" dirty="0" smtClean="0">
+                <a:latin typeface="+mn-lt"/>
+              </a:rPr>
+              <a:t> usage</a:t>
+            </a:r>
+          </a:p>
+          <a:p>
+            <a:pPr marL="342900" marR="0" lvl="0" indent="-342900" algn="l" defTabSz="914400" rtl="0" eaLnBrk="1" fontAlgn="base" latinLnBrk="0" hangingPunct="1">
+              <a:lnSpc>
+                <a:spcPct val="100000"/>
+              </a:lnSpc>
+              <a:spcBef>
+                <a:spcPct val="20000"/>
+              </a:spcBef>
+              <a:spcAft>
+                <a:spcPct val="0"/>
+              </a:spcAft>
+              <a:buClr>
+                <a:srgbClr val="00AAF6"/>
+              </a:buClr>
+              <a:buSzTx/>
+              <a:buFontTx/>
+              <a:buChar char="•"/>
+              <a:tabLst/>
+              <a:defRPr/>
+            </a:pPr>
+            <a:endParaRPr lang="en-US" sz="2000" b="1" kern="0" dirty="0" smtClean="0">
+              <a:latin typeface="+mn-lt"/>
+            </a:endParaRPr>
+          </a:p>
+          <a:p>
+            <a:pPr marL="342900" marR="0" lvl="0" indent="-342900" algn="l" defTabSz="914400" rtl="0" eaLnBrk="1" fontAlgn="base" latinLnBrk="0" hangingPunct="1">
+              <a:lnSpc>
+                <a:spcPct val="100000"/>
+              </a:lnSpc>
+              <a:spcBef>
+                <a:spcPct val="20000"/>
+              </a:spcBef>
+              <a:spcAft>
+                <a:spcPct val="0"/>
+              </a:spcAft>
+              <a:buClr>
+                <a:srgbClr val="00AAF6"/>
+              </a:buClr>
+              <a:buSzTx/>
+              <a:buFontTx/>
+              <a:buChar char="•"/>
+              <a:tabLst/>
+              <a:defRPr/>
+            </a:pPr>
+            <a:endParaRPr lang="en-US" sz="2000" b="1" kern="0" dirty="0" smtClean="0">
+              <a:latin typeface="+mn-lt"/>
+            </a:endParaRPr>
+          </a:p>
+          <a:p>
+            <a:pPr marL="342900" marR="0" lvl="0" indent="-342900" algn="l" defTabSz="914400" rtl="0" eaLnBrk="1" fontAlgn="base" latinLnBrk="0" hangingPunct="1">
+              <a:lnSpc>
+                <a:spcPct val="100000"/>
+              </a:lnSpc>
+              <a:spcBef>
+                <a:spcPct val="20000"/>
+              </a:spcBef>
+              <a:spcAft>
+                <a:spcPct val="0"/>
+              </a:spcAft>
+              <a:buClr>
+                <a:srgbClr val="00AAF6"/>
+              </a:buClr>
+              <a:buSzTx/>
+              <a:buFontTx/>
+              <a:buChar char="•"/>
+              <a:tabLst/>
+              <a:defRPr/>
+            </a:pPr>
+            <a:endParaRPr lang="en-US" sz="2000" b="1" kern="0" dirty="0" smtClean="0">
+              <a:latin typeface="+mn-lt"/>
+            </a:endParaRPr>
+          </a:p>
+          <a:p>
+            <a:pPr marL="342900" marR="0" lvl="0" indent="-342900" algn="l" defTabSz="914400" rtl="0" eaLnBrk="1" fontAlgn="base" latinLnBrk="0" hangingPunct="1">
+              <a:lnSpc>
+                <a:spcPct val="100000"/>
+              </a:lnSpc>
+              <a:spcBef>
+                <a:spcPct val="20000"/>
+              </a:spcBef>
+              <a:spcAft>
+                <a:spcPct val="0"/>
+              </a:spcAft>
+              <a:buClr>
+                <a:srgbClr val="00AAF6"/>
+              </a:buClr>
+              <a:buSzTx/>
+              <a:buFontTx/>
+              <a:buChar char="•"/>
+              <a:tabLst/>
+              <a:defRPr/>
+            </a:pPr>
+            <a:endParaRPr lang="en-US" sz="2000" b="1" kern="0" dirty="0" smtClean="0">
+              <a:latin typeface="+mn-lt"/>
+            </a:endParaRPr>
+          </a:p>
+          <a:p>
+            <a:pPr marL="800100" lvl="1" indent="-342900">
+              <a:spcBef>
+                <a:spcPct val="20000"/>
+              </a:spcBef>
+              <a:buClr>
+                <a:srgbClr val="00AAF6"/>
+              </a:buClr>
+              <a:buFontTx/>
+              <a:buChar char="•"/>
+              <a:defRPr/>
+            </a:pPr>
+            <a:r>
+              <a:rPr lang="en-US" sz="2000" kern="0" dirty="0" smtClean="0">
+                <a:latin typeface="+mn-lt"/>
+              </a:rPr>
+              <a:t>CQL Query Results have been returned from the data service</a:t>
+            </a:r>
+          </a:p>
+          <a:p>
+            <a:pPr marL="800100" lvl="1" indent="-342900">
+              <a:spcBef>
+                <a:spcPct val="20000"/>
+              </a:spcBef>
+              <a:buClr>
+                <a:srgbClr val="00AAF6"/>
+              </a:buClr>
+              <a:buFontTx/>
+              <a:buChar char="•"/>
+              <a:defRPr/>
+            </a:pPr>
+            <a:r>
+              <a:rPr lang="en-US" sz="2000" kern="0" dirty="0" smtClean="0">
+                <a:latin typeface="+mn-lt"/>
+              </a:rPr>
+              <a:t>The WSDD file for this data service is opened as an Input Stream</a:t>
+            </a:r>
+          </a:p>
+          <a:p>
+            <a:pPr marL="800100" lvl="1" indent="-342900">
+              <a:spcBef>
+                <a:spcPct val="20000"/>
+              </a:spcBef>
+              <a:buClr>
+                <a:srgbClr val="00AAF6"/>
+              </a:buClr>
+              <a:buFontTx/>
+              <a:buChar char="•"/>
+              <a:defRPr/>
+            </a:pPr>
+            <a:r>
+              <a:rPr lang="en-US" sz="2000" kern="0" dirty="0" smtClean="0">
+                <a:latin typeface="+mn-lt"/>
+              </a:rPr>
+              <a:t>A new CQL Query Results </a:t>
+            </a:r>
+            <a:r>
+              <a:rPr lang="en-US" sz="2000" kern="0" dirty="0" err="1" smtClean="0">
+                <a:latin typeface="+mn-lt"/>
+              </a:rPr>
+              <a:t>Iterator</a:t>
+            </a:r>
+            <a:r>
+              <a:rPr lang="en-US" sz="2000" kern="0" dirty="0" smtClean="0">
+                <a:latin typeface="+mn-lt"/>
+              </a:rPr>
+              <a:t> is created using the query results and the WSDD for configuration of the </a:t>
+            </a:r>
+            <a:r>
+              <a:rPr lang="en-US" sz="2000" kern="0" dirty="0" err="1" smtClean="0">
+                <a:latin typeface="+mn-lt"/>
+              </a:rPr>
+              <a:t>deserializer</a:t>
+            </a:r>
+            <a:endParaRPr lang="en-US" sz="2000" kern="0" dirty="0" smtClean="0">
+              <a:latin typeface="+mn-lt"/>
+            </a:endParaRPr>
+          </a:p>
+          <a:p>
+            <a:pPr marL="800100" lvl="1" indent="-342900">
+              <a:spcBef>
+                <a:spcPct val="20000"/>
+              </a:spcBef>
+              <a:buClr>
+                <a:srgbClr val="00AAF6"/>
+              </a:buClr>
+              <a:buFontTx/>
+              <a:buChar char="•"/>
+              <a:defRPr/>
+            </a:pPr>
+            <a:r>
+              <a:rPr lang="en-US" sz="2000" kern="0" dirty="0" smtClean="0">
+                <a:latin typeface="+mn-lt"/>
+              </a:rPr>
+              <a:t>Results are iterated one at a time until none remain</a:t>
+            </a:r>
+          </a:p>
+          <a:p>
+            <a:pPr marL="800100" lvl="1" indent="-342900">
+              <a:spcBef>
+                <a:spcPct val="20000"/>
+              </a:spcBef>
+              <a:buClr>
+                <a:srgbClr val="00AAF6"/>
+              </a:buClr>
+              <a:buFontTx/>
+              <a:buChar char="•"/>
+              <a:defRPr/>
+            </a:pPr>
+            <a:r>
+              <a:rPr lang="en-US" sz="2000" kern="0" dirty="0" smtClean="0">
+                <a:latin typeface="+mn-lt"/>
+              </a:rPr>
+              <a:t>Each result is cast as the query target’s data type (</a:t>
+            </a:r>
+            <a:r>
+              <a:rPr lang="en-US" sz="2000" i="1" kern="0" dirty="0" smtClean="0">
+                <a:latin typeface="+mn-lt"/>
+              </a:rPr>
+              <a:t>gene</a:t>
+            </a:r>
+            <a:r>
+              <a:rPr lang="en-US" sz="2000" kern="0" dirty="0" smtClean="0">
+                <a:latin typeface="+mn-lt"/>
+              </a:rPr>
+              <a:t>)</a:t>
+            </a:r>
+          </a:p>
+          <a:p>
+            <a:pPr marL="800100" lvl="1" indent="-342900">
+              <a:spcBef>
+                <a:spcPct val="20000"/>
+              </a:spcBef>
+              <a:buClr>
+                <a:srgbClr val="00AAF6"/>
+              </a:buClr>
+              <a:buFontTx/>
+              <a:buChar char="•"/>
+              <a:defRPr/>
+            </a:pPr>
+            <a:r>
+              <a:rPr lang="en-US" sz="2000" kern="0" dirty="0" smtClean="0">
+                <a:latin typeface="+mn-lt"/>
+              </a:rPr>
+              <a:t>The name of each gene is printed</a:t>
+            </a:r>
+          </a:p>
+          <a:p>
+            <a:pPr marL="800100" lvl="1" indent="-342900">
+              <a:spcBef>
+                <a:spcPct val="20000"/>
+              </a:spcBef>
+              <a:buClr>
+                <a:srgbClr val="00AAF6"/>
+              </a:buClr>
+              <a:buFontTx/>
+              <a:buChar char="•"/>
+              <a:defRPr/>
+            </a:pPr>
+            <a:r>
+              <a:rPr lang="en-US" sz="2000" kern="0" dirty="0" smtClean="0">
+                <a:latin typeface="+mn-lt"/>
+              </a:rPr>
+              <a:t>The WSDD file stream </a:t>
+            </a:r>
+            <a:r>
+              <a:rPr lang="en-US" sz="2000" kern="0" smtClean="0">
+                <a:latin typeface="+mn-lt"/>
+              </a:rPr>
+              <a:t>is closed</a:t>
+            </a:r>
+            <a:endParaRPr lang="en-US" sz="2000" kern="0" dirty="0" smtClean="0">
+              <a:latin typeface="+mn-lt"/>
+            </a:endParaRPr>
+          </a:p>
+          <a:p>
+            <a:pPr marL="342900" marR="0" lvl="0" indent="-342900" algn="l" defTabSz="914400" rtl="0" eaLnBrk="1" fontAlgn="base" latinLnBrk="0" hangingPunct="1">
+              <a:lnSpc>
+                <a:spcPct val="100000"/>
+              </a:lnSpc>
+              <a:spcBef>
+                <a:spcPct val="20000"/>
+              </a:spcBef>
+              <a:spcAft>
+                <a:spcPct val="0"/>
+              </a:spcAft>
+              <a:buClr>
+                <a:srgbClr val="00AAF6"/>
+              </a:buClr>
+              <a:buSzTx/>
+              <a:buFontTx/>
+              <a:buChar char="•"/>
+              <a:tabLst/>
+              <a:defRPr/>
+            </a:pPr>
+            <a:endParaRPr lang="en-US" sz="2000" b="1" kern="0" dirty="0" smtClean="0">
+              <a:latin typeface="+mn-lt"/>
+            </a:endParaRPr>
+          </a:p>
+        </p:txBody>
+      </p:sp>
+      <p:pic>
+        <p:nvPicPr>
+          <p:cNvPr id="5" name="Picture 4" descr="Iterator Example 1.png"/>
+          <p:cNvPicPr>
+            <a:picLocks noChangeAspect="1"/>
+          </p:cNvPicPr>
+          <p:nvPr/>
+        </p:nvPicPr>
+        <p:blipFill>
+          <a:blip r:embed="rId2" cstate="print"/>
+          <a:stretch>
+            <a:fillRect/>
+          </a:stretch>
+        </p:blipFill>
+        <p:spPr>
+          <a:xfrm>
+            <a:off x="762000" y="1752600"/>
+            <a:ext cx="5191125" cy="1285875"/>
+          </a:xfrm>
+          <a:prstGeom prst="rect">
+            <a:avLst/>
+          </a:prstGeom>
+        </p:spPr>
+      </p:pic>
+    </p:spTree>
+  </p:cSld>
+  <p:clrMapOvr>
+    <a:masterClrMapping/>
+  </p:clrMapOvr>
+</p:sld>
+</file>
+
+<file path=ppt/slides/slide23.xml><?xml version="1.0" encoding="utf-8"?>
+<p:sld xmlns:a="http://schemas.openxmlformats.org/drawingml/2006/main" xmlns:r="http://schemas.openxmlformats.org/officeDocument/2006/relationships" xmlns:p="http://schemas.openxmlformats.org/presentationml/2006/main">
+  <p:cSld>
+    <p:spTree>
+      <p:nvGrpSpPr>
+        <p:cNvPr id="1" name=""/>
+        <p:cNvGrpSpPr/>
+        <p:nvPr/>
+      </p:nvGrpSpPr>
+      <p:grpSpPr>
+        <a:xfrm>
+          <a:off x="0" y="0"/>
+          <a:ext cx="0" cy="0"/>
+          <a:chOff x="0" y="0"/>
+          <a:chExt cx="0" cy="0"/>
+        </a:xfrm>
+      </p:grpSpPr>
+      <p:sp>
+        <p:nvSpPr>
+          <p:cNvPr id="2" name="Title 1"/>
+          <p:cNvSpPr>
+            <a:spLocks noGrp="1"/>
+          </p:cNvSpPr>
+          <p:nvPr>
+            <p:ph type="title"/>
+          </p:nvPr>
+        </p:nvSpPr>
+        <p:spPr/>
+        <p:txBody>
+          <a:bodyPr/>
+          <a:lstStyle/>
+          <a:p>
+            <a:r>
+              <a:rPr lang="en-US" dirty="0" smtClean="0"/>
+              <a:t>Federated Queries</a:t>
             </a:r>
             <a:endParaRPr lang="en-US" dirty="0"/>
           </a:p>
@@ -8662,6 +9133,120 @@
           </a:bodyPr>
           <a:lstStyle/>
           <a:p>
+            <a:pPr marL="342900" marR="0" lvl="0" indent="-342900" algn="l" defTabSz="914400" rtl="0" eaLnBrk="1" fontAlgn="base" latinLnBrk="0" hangingPunct="1">
+              <a:lnSpc>
+                <a:spcPct val="100000"/>
+              </a:lnSpc>
+              <a:spcBef>
+                <a:spcPct val="20000"/>
+              </a:spcBef>
+              <a:spcAft>
+                <a:spcPct val="0"/>
+              </a:spcAft>
+              <a:buClr>
+                <a:srgbClr val="00AAF6"/>
+              </a:buClr>
+              <a:buSzTx/>
+              <a:buFontTx/>
+              <a:buChar char="•"/>
+              <a:tabLst/>
+              <a:defRPr/>
+            </a:pPr>
+            <a:r>
+              <a:rPr lang="en-US" sz="2000" b="1" kern="0" dirty="0" smtClean="0">
+                <a:latin typeface="+mn-lt"/>
+              </a:rPr>
+              <a:t>Multiple Data Services Involved</a:t>
+            </a:r>
+          </a:p>
+          <a:p>
+            <a:pPr marL="800100" lvl="1" indent="-342900">
+              <a:spcBef>
+                <a:spcPct val="20000"/>
+              </a:spcBef>
+              <a:buClr>
+                <a:srgbClr val="00AAF6"/>
+              </a:buClr>
+              <a:buFontTx/>
+              <a:buChar char="•"/>
+              <a:defRPr/>
+            </a:pPr>
+            <a:r>
+              <a:rPr lang="en-US" sz="2000" kern="0" dirty="0" smtClean="0"/>
+              <a:t>Basic distributed joins and </a:t>
+            </a:r>
+            <a:r>
+              <a:rPr lang="en-US" sz="2000" kern="0" dirty="0" smtClean="0"/>
+              <a:t>aggregations</a:t>
+            </a:r>
+            <a:endParaRPr lang="en-US" sz="2000" b="1" kern="0" dirty="0" smtClean="0">
+              <a:latin typeface="+mn-lt"/>
+            </a:endParaRPr>
+          </a:p>
+          <a:p>
+            <a:pPr marL="800100" lvl="1" indent="-342900">
+              <a:spcBef>
+                <a:spcPct val="20000"/>
+              </a:spcBef>
+              <a:buClr>
+                <a:srgbClr val="00AAF6"/>
+              </a:buClr>
+              <a:buFontTx/>
+              <a:buChar char="•"/>
+              <a:defRPr/>
+            </a:pPr>
+            <a:r>
+              <a:rPr lang="en-US" sz="2000" kern="0" dirty="0" smtClean="0">
+                <a:latin typeface="+mn-lt"/>
+              </a:rPr>
+              <a:t>All data services use the same language (CQL), so federation using multiple data services is possible</a:t>
+            </a:r>
+          </a:p>
+          <a:p>
+            <a:pPr marL="1257300" lvl="2" indent="-342900">
+              <a:spcBef>
+                <a:spcPct val="20000"/>
+              </a:spcBef>
+              <a:buClr>
+                <a:srgbClr val="00AAF6"/>
+              </a:buClr>
+              <a:buFontTx/>
+              <a:buChar char="•"/>
+              <a:defRPr/>
+            </a:pPr>
+            <a:r>
+              <a:rPr lang="en-US" i="1" kern="0" dirty="0" smtClean="0">
+                <a:latin typeface="+mn-lt"/>
+              </a:rPr>
+              <a:t>Any</a:t>
+            </a:r>
+            <a:r>
+              <a:rPr lang="en-US" kern="0" dirty="0" smtClean="0">
+                <a:latin typeface="+mn-lt"/>
+              </a:rPr>
+              <a:t> combination of data services may be used</a:t>
+            </a:r>
+          </a:p>
+          <a:p>
+            <a:pPr marL="1257300" lvl="2" indent="-342900">
+              <a:spcBef>
+                <a:spcPct val="20000"/>
+              </a:spcBef>
+              <a:buClr>
+                <a:srgbClr val="00AAF6"/>
+              </a:buClr>
+              <a:buFontTx/>
+              <a:buChar char="•"/>
+              <a:defRPr/>
+            </a:pPr>
+            <a:r>
+              <a:rPr lang="en-US" kern="0" dirty="0" smtClean="0">
+                <a:latin typeface="+mn-lt"/>
+              </a:rPr>
+              <a:t>Arbitrary cross-model joins</a:t>
+            </a:r>
+          </a:p>
+          <a:p>
             <a:pPr marL="342900" indent="-342900">
               <a:spcBef>
                 <a:spcPct val="20000"/>
@@ -8674,8 +9259,16 @@
               <a:defRPr/>
             </a:pPr>
             <a:r>
-              <a:rPr lang="en-US" sz="2000" b="1" kern="0" dirty="0" smtClean="0"/>
-              <a:t>Asynchronous query execution</a:t>
+              <a:rPr lang="en-US" sz="2000" b="1" i="1" kern="0" dirty="0" smtClean="0">
+                <a:latin typeface="+mn-lt"/>
+              </a:rPr>
+              <a:t>D</a:t>
+            </a:r>
+            <a:r>
+              <a:rPr lang="en-US" sz="2000" b="1" kern="0" dirty="0" smtClean="0">
+                <a:latin typeface="+mn-lt"/>
+              </a:rPr>
+              <a:t>CQL extends from CQL</a:t>
             </a:r>
           </a:p>
           <a:p>
@@ -8691,8 +9284,10 @@
               <a:defRPr/>
             </a:pPr>
             <a:r>
-              <a:rPr lang="en-US" sz="2000" kern="0" dirty="0" smtClean="0"/>
-              <a:t>Start a DCQL query and immediately return the results context</a:t>
+              <a:rPr lang="en-US" sz="2000" kern="0" dirty="0" smtClean="0">
+                <a:latin typeface="+mn-lt"/>
+              </a:rPr>
+              <a:t>Distributed version of CQL</a:t>
             </a:r>
           </a:p>
           <a:p>
@@ -8708,6 +9303,204 @@
               <a:defRPr/>
             </a:pPr>
             <a:r>
+              <a:rPr lang="en-US" sz="2000" kern="0" dirty="0" smtClean="0">
+                <a:latin typeface="+mn-lt"/>
+              </a:rPr>
+              <a:t>Expresses joins, foreign data services, and target services</a:t>
+            </a:r>
+          </a:p>
+          <a:p>
+            <a:pPr marL="342900" indent="-342900">
+              <a:spcBef>
+                <a:spcPct val="20000"/>
+              </a:spcBef>
+              <a:buClr>
+                <a:srgbClr val="00AAF6"/>
+              </a:buClr>
+              <a:buFontTx/>
+              <a:buChar char="•"/>
+              <a:defRPr/>
+            </a:pPr>
+            <a:r>
+              <a:rPr lang="en-US" sz="2000" b="1" kern="0" dirty="0" err="1" smtClean="0">
+                <a:latin typeface="+mn-lt"/>
+              </a:rPr>
+              <a:t>Stateful</a:t>
+            </a:r>
+            <a:r>
+              <a:rPr lang="en-US" sz="2000" b="1" kern="0" dirty="0" smtClean="0">
+                <a:latin typeface="+mn-lt"/>
+              </a:rPr>
+              <a:t> Grid Service or Local API</a:t>
+            </a:r>
+          </a:p>
+          <a:p>
+            <a:pPr marL="800100" lvl="1" indent="-342900">
+              <a:spcBef>
+                <a:spcPct val="20000"/>
+              </a:spcBef>
+              <a:buClr>
+                <a:srgbClr val="00AAF6"/>
+              </a:buClr>
+              <a:buFontTx/>
+              <a:buChar char="•"/>
+              <a:defRPr/>
+            </a:pPr>
+            <a:r>
+              <a:rPr lang="en-US" sz="2000" kern="0" dirty="0" smtClean="0">
+                <a:latin typeface="+mn-lt"/>
+              </a:rPr>
+              <a:t>Queries may be issued to an FQP grid service and processed asynchronously for later results retrieval</a:t>
+            </a:r>
+          </a:p>
+          <a:p>
+            <a:pPr marL="800100" lvl="1" indent="-342900">
+              <a:spcBef>
+                <a:spcPct val="20000"/>
+              </a:spcBef>
+              <a:buClr>
+                <a:srgbClr val="00AAF6"/>
+              </a:buClr>
+              <a:buFontTx/>
+              <a:buChar char="•"/>
+              <a:defRPr/>
+            </a:pPr>
+            <a:r>
+              <a:rPr lang="en-US" sz="2000" kern="0" dirty="0" smtClean="0">
+                <a:latin typeface="+mn-lt"/>
+              </a:rPr>
+              <a:t>FQP engine may be used within an application directly</a:t>
+            </a:r>
+          </a:p>
+        </p:txBody>
+      </p:sp>
+    </p:spTree>
+  </p:cSld>
+  <p:clrMapOvr>
+    <a:masterClrMapping/>
+  </p:clrMapOvr>
+</p:sld>
+</file>
+
+<file path=ppt/slides/slide24.xml><?xml version="1.0" encoding="utf-8"?>
+<p:sld xmlns:a="http://schemas.openxmlformats.org/drawingml/2006/main" xmlns:r="http://schemas.openxmlformats.org/officeDocument/2006/relationships" xmlns:p="http://schemas.openxmlformats.org/presentationml/2006/main">
+  <p:cSld>
+    <p:spTree>
+      <p:nvGrpSpPr>
+        <p:cNvPr id="1" name=""/>
+        <p:cNvGrpSpPr/>
+        <p:nvPr/>
+      </p:nvGrpSpPr>
+      <p:grpSpPr>
+        <a:xfrm>
+          <a:off x="0" y="0"/>
+          <a:ext cx="0" cy="0"/>
+          <a:chOff x="0" y="0"/>
+          <a:chExt cx="0" cy="0"/>
+        </a:xfrm>
+      </p:grpSpPr>
+      <p:sp>
+        <p:nvSpPr>
+          <p:cNvPr id="2" name="Title 1"/>
+          <p:cNvSpPr>
+            <a:spLocks noGrp="1"/>
+          </p:cNvSpPr>
+          <p:nvPr>
+            <p:ph type="title"/>
+          </p:nvPr>
+        </p:nvSpPr>
+        <p:spPr/>
+        <p:txBody>
+          <a:bodyPr/>
+          <a:lstStyle/>
+          <a:p>
+            <a:r>
+              <a:rPr lang="en-US" dirty="0" smtClean="0"/>
+              <a:t>Federated Query Service</a:t>
+            </a:r>
+            <a:endParaRPr lang="en-US" dirty="0"/>
+          </a:p>
+        </p:txBody>
+      </p:sp>
+      <p:sp>
+        <p:nvSpPr>
+          <p:cNvPr id="5" name="Content Placeholder 2"/>
+          <p:cNvSpPr txBox="1">
+            <a:spLocks/>
+          </p:cNvSpPr>
+          <p:nvPr/>
+        </p:nvSpPr>
+        <p:spPr bwMode="auto">
+          <a:xfrm>
+            <a:off x="304800" y="1371600"/>
+            <a:ext cx="8458200" cy="4953000"/>
+          </a:xfrm>
+          <a:prstGeom prst="rect">
+            <a:avLst/>
+          </a:prstGeom>
+          <a:noFill/>
+          <a:ln w="9525">
+            <a:noFill/>
+            <a:miter lim="800000"/>
+            <a:headEnd/>
+            <a:tailEnd/>
+          </a:ln>
+          <a:effectLst/>
+        </p:spPr>
+        <p:txBody>
+          <a:bodyPr vert="horz" wrap="square" lIns="91440" tIns="45720" rIns="91440" bIns="45720" numCol="1" anchor="t" anchorCtr="0" compatLnSpc="1">
+            <a:prstTxWarp prst="textNoShape">
+              <a:avLst/>
+            </a:prstTxWarp>
+          </a:bodyPr>
+          <a:lstStyle/>
+          <a:p>
+            <a:pPr marL="342900" indent="-342900">
+              <a:spcBef>
+                <a:spcPct val="20000"/>
+              </a:spcBef>
+              <a:buClr>
+                <a:srgbClr val="00AAF6"/>
+              </a:buClr>
+              <a:buFontTx/>
+              <a:buChar char="•"/>
+              <a:defRPr/>
+            </a:pPr>
+            <a:r>
+              <a:rPr lang="en-US" sz="2000" b="1" kern="0" dirty="0" smtClean="0"/>
+              <a:t>Asynchronous query execution</a:t>
+            </a:r>
+          </a:p>
+          <a:p>
+            <a:pPr marL="800100" lvl="1" indent="-342900">
+              <a:spcBef>
+                <a:spcPct val="20000"/>
+              </a:spcBef>
+              <a:buClr>
+                <a:srgbClr val="00AAF6"/>
+              </a:buClr>
+              <a:buFontTx/>
+              <a:buChar char="•"/>
+              <a:defRPr/>
+            </a:pPr>
+            <a:r>
+              <a:rPr lang="en-US" sz="2000" kern="0" dirty="0" smtClean="0"/>
+              <a:t>Start a DCQL query and immediately return the results context</a:t>
+            </a:r>
+          </a:p>
+          <a:p>
+            <a:pPr marL="800100" lvl="1" indent="-342900">
+              <a:spcBef>
+                <a:spcPct val="20000"/>
+              </a:spcBef>
+              <a:buClr>
+                <a:srgbClr val="00AAF6"/>
+              </a:buClr>
+              <a:buFontTx/>
+              <a:buChar char="•"/>
+              <a:defRPr/>
+            </a:pPr>
+            <a:r>
               <a:rPr lang="en-US" sz="2000" kern="0" dirty="0" smtClean="0"/>
               <a:t>WS-Notification allows client to subscribe to status</a:t>
             </a:r>
@@ -8801,7 +9594,7 @@
             </a:r>
             <a:r>
               <a:rPr lang="en-US" sz="2000" kern="0" dirty="0" smtClean="0"/>
-              <a:t>ervice</a:t>
+              <a:t>ervice (CDS)</a:t>
             </a:r>
           </a:p>
           <a:p>
@@ -8835,13 +9628,8 @@
             </a:pPr>
             <a:r>
               <a:rPr lang="en-US" sz="2000" kern="0" dirty="0" smtClean="0"/>
-              <a:t>WS-Enumeration and </a:t>
-            </a:r>
-            <a:r>
-              <a:rPr lang="en-US" sz="2000" kern="0" smtClean="0"/>
-              <a:t>caGrid Transfer</a:t>
-            </a:r>
-            <a:endParaRPr lang="en-US" sz="2000" kern="0" dirty="0" smtClean="0"/>
+              <a:t>WS-Enumeration and caGrid Transfer</a:t>
+            </a:r>
           </a:p>
           <a:p>
             <a:pPr marL="342900" indent="-342900">
@@ -8856,20 +9644,11 @@
               <a:defRPr/>
             </a:pPr>
             <a:r>
-              <a:rPr lang="en-US" sz="2000" kern="0" dirty="0" smtClean="0"/>
-              <a:t>Basic </a:t>
-            </a:r>
-            <a:r>
-              <a:rPr lang="en-US" sz="2000" kern="0" dirty="0" smtClean="0"/>
-              <a:t>distributed joins and </a:t>
-            </a:r>
-            <a:r>
-              <a:rPr lang="en-US" sz="2000" kern="0" dirty="0" smtClean="0"/>
-              <a:t>aggregations</a:t>
-            </a:r>
-            <a:endParaRPr lang="en-US" sz="2000" b="1" kern="0" dirty="0" smtClean="0">
-              <a:latin typeface="+mn-lt"/>
-            </a:endParaRPr>
+              <a:rPr lang="en-US" sz="2000" b="1" kern="0" dirty="0" smtClean="0">
+                <a:latin typeface="+mn-lt"/>
+              </a:rPr>
+              <a:t>Configurable Query Behavior</a:t>
+            </a:r>
           </a:p>
           <a:p>
             <a:pPr marL="800100" lvl="1" indent="-342900">
@@ -8887,177 +9666,7 @@
               <a:rPr lang="en-US" sz="2000" kern="0" dirty="0" smtClean="0">
                 <a:latin typeface="+mn-lt"/>
               </a:rPr>
-              <a:t>All data services use the same language (CQL), so federation using multiple data services is possible</a:t>
-            </a:r>
-          </a:p>
-          <a:p>
-            <a:pPr marL="1257300" lvl="2" indent="-342900">
-              <a:spcBef>
-                <a:spcPct val="20000"/>
-              </a:spcBef>
-              <a:buClr>
-                <a:srgbClr val="00AAF6"/>
-              </a:buClr>
-              <a:buFontTx/>
-              <a:buChar char="•"/>
-              <a:defRPr/>
-            </a:pPr>
-            <a:r>
-              <a:rPr lang="en-US" i="1" kern="0" dirty="0" smtClean="0">
-                <a:latin typeface="+mn-lt"/>
-              </a:rPr>
-              <a:t>Any</a:t>
-            </a:r>
-            <a:r>
-              <a:rPr lang="en-US" kern="0" dirty="0" smtClean="0">
-                <a:latin typeface="+mn-lt"/>
-              </a:rPr>
-              <a:t> combination of data services may be used</a:t>
-            </a:r>
-          </a:p>
-          <a:p>
-            <a:pPr marL="1257300" lvl="2" indent="-342900">
-              <a:spcBef>
-                <a:spcPct val="20000"/>
-              </a:spcBef>
-              <a:buClr>
-                <a:srgbClr val="00AAF6"/>
-              </a:buClr>
-              <a:buFontTx/>
-              <a:buChar char="•"/>
-              <a:defRPr/>
-            </a:pPr>
-            <a:r>
-              <a:rPr lang="en-US" kern="0" dirty="0" smtClean="0">
-                <a:latin typeface="+mn-lt"/>
-              </a:rPr>
-              <a:t>Arbitrary cross-model joins</a:t>
-            </a:r>
-          </a:p>
-          <a:p>
-            <a:pPr marL="342900" indent="-342900">
-              <a:spcBef>
-                <a:spcPct val="20000"/>
-              </a:spcBef>
-              <a:buClr>
-                <a:srgbClr val="00AAF6"/>
-              </a:buClr>
-              <a:buFontTx/>
-              <a:buChar char="•"/>
-              <a:defRPr/>
-            </a:pPr>
-            <a:r>
-              <a:rPr lang="en-US" sz="2000" b="1" i="1" kern="0" dirty="0" smtClean="0">
-                <a:latin typeface="+mn-lt"/>
-              </a:rPr>
-              <a:t>D</a:t>
-            </a:r>
-            <a:r>
-              <a:rPr lang="en-US" sz="2000" b="1" kern="0" dirty="0" smtClean="0">
-                <a:latin typeface="+mn-lt"/>
-              </a:rPr>
-              <a:t>CQL extends from CQL</a:t>
-            </a:r>
-          </a:p>
-          <a:p>
-            <a:pPr marL="800100" lvl="1" indent="-342900">
-              <a:spcBef>
-                <a:spcPct val="20000"/>
-              </a:spcBef>
-              <a:buClr>
-                <a:srgbClr val="00AAF6"/>
-              </a:buClr>
-              <a:buFontTx/>
-              <a:buChar char="•"/>
-              <a:defRPr/>
-            </a:pPr>
-            <a:r>
-              <a:rPr lang="en-US" sz="2000" kern="0" dirty="0" smtClean="0">
-                <a:latin typeface="+mn-lt"/>
-              </a:rPr>
-              <a:t>Distributed version of CQL</a:t>
-            </a:r>
-          </a:p>
-          <a:p>
-            <a:pPr marL="800100" lvl="1" indent="-342900">
-              <a:spcBef>
-                <a:spcPct val="20000"/>
-              </a:spcBef>
-              <a:buClr>
-                <a:srgbClr val="00AAF6"/>
-              </a:buClr>
-              <a:buFontTx/>
-              <a:buChar char="•"/>
-              <a:defRPr/>
-            </a:pPr>
-            <a:r>
-              <a:rPr lang="en-US" sz="2000" kern="0" dirty="0" smtClean="0">
-                <a:latin typeface="+mn-lt"/>
-              </a:rPr>
-              <a:t>Expresses joins, foreign data services, and target services</a:t>
-            </a:r>
-          </a:p>
-          <a:p>
-            <a:pPr marL="342900" indent="-342900">
-              <a:spcBef>
-                <a:spcPct val="20000"/>
-              </a:spcBef>
-              <a:buClr>
-                <a:srgbClr val="00AAF6"/>
-              </a:buClr>
-              <a:buFontTx/>
-              <a:buChar char="•"/>
-              <a:defRPr/>
-            </a:pPr>
-            <a:r>
-              <a:rPr lang="en-US" sz="2000" b="1" kern="0" dirty="0" err="1" smtClean="0">
-                <a:latin typeface="+mn-lt"/>
-              </a:rPr>
-              <a:t>Stateful</a:t>
-            </a:r>
-            <a:r>
-              <a:rPr lang="en-US" sz="2000" b="1" kern="0" dirty="0" smtClean="0">
-                <a:latin typeface="+mn-lt"/>
-              </a:rPr>
-              <a:t> Grid Service or Local API</a:t>
-            </a:r>
-          </a:p>
-          <a:p>
-            <a:pPr marL="800100" lvl="1" indent="-342900">
-              <a:spcBef>
-                <a:spcPct val="20000"/>
-              </a:spcBef>
-              <a:buClr>
-                <a:srgbClr val="00AAF6"/>
-              </a:buClr>
-              <a:buFontTx/>
-              <a:buChar char="•"/>
-              <a:defRPr/>
-            </a:pPr>
-            <a:r>
-              <a:rPr lang="en-US" sz="2000" kern="0" dirty="0" smtClean="0">
-                <a:latin typeface="+mn-lt"/>
-              </a:rPr>
-              <a:t>Queries may be issued to an FQP grid service and processed asynchronously for later results retrieval</a:t>
-            </a:r>
-          </a:p>
-          <a:p>
-            <a:pPr marL="800100" lvl="1" indent="-342900">
-              <a:spcBef>
-                <a:spcPct val="20000"/>
-              </a:spcBef>
-              <a:buClr>
-                <a:srgbClr val="00AAF6"/>
-              </a:buClr>
-              <a:buFontTx/>
-              <a:buChar char="•"/>
-              <a:defRPr/>
-            </a:pPr>
-            <a:r>
-              <a:rPr lang="en-US" sz="2000" kern="0" dirty="0" smtClean="0">
-                <a:latin typeface="+mn-lt"/>
-              </a:rPr>
-              <a:t>FQP engine may be used within an application directly</a:t>
+              <a:t>Failure handling, partial results retrieval, etc</a:t>
             </a:r>
           </a:p>
         </p:txBody>
@@ -9067,6 +9676,579 @@
   <p:clrMapOvr>
     <a:masterClrMapping/>
   </p:clrMapOvr>
+</p:sld>
+</file>
+
+<file path=ppt/slides/slide25.xml><?xml version="1.0" encoding="utf-8"?>
+<p:sld xmlns:a="http://schemas.openxmlformats.org/drawingml/2006/main" xmlns:r="http://schemas.openxmlformats.org/officeDocument/2006/relationships" xmlns:p="http://schemas.openxmlformats.org/presentationml/2006/main">
+  <p:cSld>
+    <p:spTree>
+      <p:nvGrpSpPr>
+        <p:cNvPr id="1" name=""/>
+        <p:cNvGrpSpPr/>
+        <p:nvPr/>
+      </p:nvGrpSpPr>
+      <p:grpSpPr>
+        <a:xfrm>
+          <a:off x="0" y="0"/>
+          <a:ext cx="0" cy="0"/>
+          <a:chOff x="0" y="0"/>
+          <a:chExt cx="0" cy="0"/>
+        </a:xfrm>
+      </p:grpSpPr>
+      <p:sp>
+        <p:nvSpPr>
+          <p:cNvPr id="59394" name="Rectangle 2"/>
+          <p:cNvSpPr>
+            <a:spLocks noGrp="1" noChangeArrowheads="1"/>
+          </p:cNvSpPr>
+          <p:nvPr>
+            <p:ph type="title"/>
+          </p:nvPr>
+        </p:nvSpPr>
+        <p:spPr/>
+        <p:txBody>
+          <a:bodyPr/>
+          <a:lstStyle/>
+          <a:p>
+            <a:pPr eaLnBrk="1" hangingPunct="1"/>
+            <a:r>
+              <a:rPr lang="en-US" smtClean="0"/>
+              <a:t>DCQL Example</a:t>
+            </a:r>
+          </a:p>
+        </p:txBody>
+      </p:sp>
+      <p:sp>
+        <p:nvSpPr>
+          <p:cNvPr id="59395" name="Rectangle 3"/>
+          <p:cNvSpPr>
+            <a:spLocks noGrp="1" noChangeArrowheads="1"/>
+          </p:cNvSpPr>
+          <p:nvPr>
+            <p:ph idx="1"/>
+          </p:nvPr>
+        </p:nvSpPr>
+        <p:spPr>
+          <a:xfrm>
+            <a:off x="685800" y="1447800"/>
+            <a:ext cx="8458200" cy="4953000"/>
+          </a:xfrm>
+        </p:spPr>
+        <p:txBody>
+          <a:bodyPr/>
+          <a:lstStyle/>
+          <a:p>
+            <a:pPr>
+              <a:buFontTx/>
+              <a:buNone/>
+            </a:pPr>
+            <a:r>
+              <a:rPr lang="en-US" sz="1800" dirty="0" smtClean="0"/>
+              <a:t>Return all the Genes in my local database that have a symbol </a:t>
+            </a:r>
+            <a:r>
+              <a:rPr lang="en-US" sz="1800" i="1" dirty="0" smtClean="0"/>
+              <a:t>beginning </a:t>
+            </a:r>
+            <a:r>
+              <a:rPr lang="en-US" sz="1800" dirty="0" smtClean="0"/>
+              <a:t>with “BRC“ and also exist in the </a:t>
+            </a:r>
+            <a:r>
+              <a:rPr lang="en-US" sz="1800" dirty="0" err="1" smtClean="0"/>
+              <a:t>caBIO</a:t>
+            </a:r>
+            <a:r>
+              <a:rPr lang="en-US" sz="1800" dirty="0" smtClean="0"/>
+              <a:t> database.</a:t>
+            </a:r>
+          </a:p>
+          <a:p>
+            <a:pPr>
+              <a:buFontTx/>
+              <a:buNone/>
+            </a:pPr>
+            <a:endParaRPr lang="en-US" sz="1400" dirty="0" smtClean="0"/>
+          </a:p>
+          <a:p>
+            <a:pPr>
+              <a:buFontTx/>
+              <a:buNone/>
+            </a:pPr>
+            <a:r>
+              <a:rPr lang="en-US" sz="1400" dirty="0" smtClean="0"/>
+              <a:t>&lt;</a:t>
+            </a:r>
+            <a:r>
+              <a:rPr lang="en-US" sz="1400" dirty="0" err="1" smtClean="0"/>
+              <a:t>DCQLQuery</a:t>
+            </a:r>
+            <a:r>
+              <a:rPr lang="en-US" sz="1400" dirty="0" smtClean="0"/>
+              <a:t>&gt;</a:t>
+            </a:r>
+          </a:p>
+          <a:p>
+            <a:pPr>
+              <a:buFontTx/>
+              <a:buNone/>
+            </a:pPr>
+            <a:r>
+              <a:rPr lang="en-US" sz="1400" dirty="0" smtClean="0"/>
+              <a:t>    &lt;</a:t>
+            </a:r>
+            <a:r>
+              <a:rPr lang="en-US" sz="1400" dirty="0" err="1" smtClean="0"/>
+              <a:t>TargetObject</a:t>
+            </a:r>
+            <a:r>
+              <a:rPr lang="en-US" sz="1400" dirty="0" smtClean="0"/>
+              <a:t> name=</a:t>
+            </a:r>
+            <a:r>
+              <a:rPr lang="en-US" sz="1400" i="1" dirty="0" smtClean="0"/>
+              <a:t>"</a:t>
+            </a:r>
+            <a:r>
+              <a:rPr lang="en-US" sz="1400" i="1" dirty="0" err="1" smtClean="0"/>
+              <a:t>gov.nih.nci.cabio.domain.Gene</a:t>
+            </a:r>
+            <a:r>
+              <a:rPr lang="en-US" sz="1400" i="1" dirty="0" smtClean="0"/>
+              <a:t>"&gt;</a:t>
+            </a:r>
+          </a:p>
+          <a:p>
+            <a:pPr>
+              <a:buFontTx/>
+              <a:buNone/>
+            </a:pPr>
+            <a:r>
+              <a:rPr lang="en-US" sz="1400" dirty="0" smtClean="0"/>
+              <a:t>        &lt;Group </a:t>
+            </a:r>
+            <a:r>
+              <a:rPr lang="en-US" sz="1400" dirty="0" err="1" smtClean="0"/>
+              <a:t>logicRelation</a:t>
+            </a:r>
+            <a:r>
+              <a:rPr lang="en-US" sz="1400" dirty="0" smtClean="0"/>
+              <a:t>=</a:t>
+            </a:r>
+            <a:r>
+              <a:rPr lang="en-US" sz="1400" i="1" dirty="0" smtClean="0"/>
+              <a:t>"AND"&gt;</a:t>
+            </a:r>
+          </a:p>
+          <a:p>
+            <a:pPr>
+              <a:buFontTx/>
+              <a:buNone/>
+            </a:pPr>
+            <a:r>
+              <a:rPr lang="en-US" sz="1400" dirty="0" smtClean="0">
+                <a:solidFill>
+                  <a:srgbClr val="FF0000"/>
+                </a:solidFill>
+              </a:rPr>
+              <a:t>            &lt;</a:t>
+            </a:r>
+            <a:r>
+              <a:rPr lang="en-US" sz="1400" dirty="0" err="1" smtClean="0">
+                <a:solidFill>
+                  <a:srgbClr val="FF0000"/>
+                </a:solidFill>
+              </a:rPr>
+              <a:t>ForeignAssociation</a:t>
+            </a:r>
+            <a:r>
+              <a:rPr lang="en-US" sz="1400" dirty="0" smtClean="0">
+                <a:solidFill>
+                  <a:srgbClr val="FF0000"/>
+                </a:solidFill>
+              </a:rPr>
+              <a:t> </a:t>
+            </a:r>
+            <a:r>
+              <a:rPr lang="en-US" sz="1400" dirty="0" err="1" smtClean="0">
+                <a:solidFill>
+                  <a:srgbClr val="FF0000"/>
+                </a:solidFill>
+              </a:rPr>
+              <a:t>targetServiceURL</a:t>
+            </a:r>
+            <a:r>
+              <a:rPr lang="en-US" sz="1400" dirty="0" smtClean="0">
+                <a:solidFill>
+                  <a:srgbClr val="FF0000"/>
+                </a:solidFill>
+              </a:rPr>
+              <a:t>=</a:t>
+            </a:r>
+            <a:r>
+              <a:rPr lang="en-US" sz="1400" i="1" dirty="0" smtClean="0">
+                <a:solidFill>
+                  <a:srgbClr val="FF0000"/>
+                </a:solidFill>
+              </a:rPr>
+              <a:t>"http://cabio-gridservice.nci.nih.gov:80/wsrf-cabio/services/cagrid/CaBIOSvc"&gt;</a:t>
+            </a:r>
+          </a:p>
+          <a:p>
+            <a:pPr>
+              <a:buFontTx/>
+              <a:buNone/>
+            </a:pPr>
+            <a:r>
+              <a:rPr lang="en-US" sz="1400" dirty="0" smtClean="0">
+                <a:solidFill>
+                  <a:srgbClr val="008000"/>
+                </a:solidFill>
+              </a:rPr>
+              <a:t>                &lt;</a:t>
+            </a:r>
+            <a:r>
+              <a:rPr lang="en-US" sz="1400" dirty="0" err="1" smtClean="0">
+                <a:solidFill>
+                  <a:srgbClr val="008000"/>
+                </a:solidFill>
+              </a:rPr>
+              <a:t>JoinCondition</a:t>
+            </a:r>
+            <a:r>
+              <a:rPr lang="en-US" sz="1400" dirty="0" smtClean="0">
+                <a:solidFill>
+                  <a:srgbClr val="008000"/>
+                </a:solidFill>
+              </a:rPr>
+              <a:t> </a:t>
+            </a:r>
+            <a:r>
+              <a:rPr lang="en-US" sz="1400" dirty="0" err="1" smtClean="0">
+                <a:solidFill>
+                  <a:srgbClr val="008000"/>
+                </a:solidFill>
+              </a:rPr>
+              <a:t>localAttributeName</a:t>
+            </a:r>
+            <a:r>
+              <a:rPr lang="en-US" sz="1400" dirty="0" smtClean="0">
+                <a:solidFill>
+                  <a:srgbClr val="008000"/>
+                </a:solidFill>
+              </a:rPr>
+              <a:t>=</a:t>
+            </a:r>
+            <a:r>
+              <a:rPr lang="en-US" sz="1400" i="1" dirty="0" smtClean="0">
+                <a:solidFill>
+                  <a:srgbClr val="008000"/>
+                </a:solidFill>
+              </a:rPr>
+              <a:t>"</a:t>
+            </a:r>
+            <a:r>
+              <a:rPr lang="en-US" sz="1400" i="1" dirty="0" err="1" smtClean="0">
+                <a:solidFill>
+                  <a:srgbClr val="008000"/>
+                </a:solidFill>
+              </a:rPr>
+              <a:t>fullName</a:t>
+            </a:r>
+            <a:r>
+              <a:rPr lang="en-US" sz="1400" i="1" dirty="0" smtClean="0">
+                <a:solidFill>
+                  <a:srgbClr val="008000"/>
+                </a:solidFill>
+              </a:rPr>
+              <a:t>" </a:t>
+            </a:r>
+            <a:r>
+              <a:rPr lang="en-US" sz="1400" i="1" dirty="0" err="1" smtClean="0">
+                <a:solidFill>
+                  <a:srgbClr val="008000"/>
+                </a:solidFill>
+              </a:rPr>
+              <a:t>foreignAttributeName</a:t>
+            </a:r>
+            <a:r>
+              <a:rPr lang="en-US" sz="1400" i="1" dirty="0" smtClean="0">
+                <a:solidFill>
+                  <a:srgbClr val="008000"/>
+                </a:solidFill>
+              </a:rPr>
+              <a:t>="</a:t>
+            </a:r>
+            <a:r>
+              <a:rPr lang="en-US" sz="1400" i="1" dirty="0" err="1" smtClean="0">
+                <a:solidFill>
+                  <a:srgbClr val="008000"/>
+                </a:solidFill>
+              </a:rPr>
+              <a:t>fullName</a:t>
+            </a:r>
+            <a:r>
+              <a:rPr lang="en-US" sz="1400" i="1" dirty="0" smtClean="0">
+                <a:solidFill>
+                  <a:srgbClr val="008000"/>
+                </a:solidFill>
+              </a:rPr>
+              <a:t>" predicate="EQUAL_TO"/&gt;</a:t>
+            </a:r>
+          </a:p>
+          <a:p>
+            <a:pPr>
+              <a:buFontTx/>
+              <a:buNone/>
+            </a:pPr>
+            <a:r>
+              <a:rPr lang="en-US" sz="1400" dirty="0" smtClean="0">
+                <a:solidFill>
+                  <a:srgbClr val="0000FF"/>
+                </a:solidFill>
+              </a:rPr>
+              <a:t>                &lt;</a:t>
+            </a:r>
+            <a:r>
+              <a:rPr lang="en-US" sz="1400" dirty="0" err="1" smtClean="0">
+                <a:solidFill>
+                  <a:srgbClr val="0000FF"/>
+                </a:solidFill>
+              </a:rPr>
+              <a:t>ForeignObject</a:t>
+            </a:r>
+            <a:r>
+              <a:rPr lang="en-US" sz="1400" dirty="0" smtClean="0">
+                <a:solidFill>
+                  <a:srgbClr val="0000FF"/>
+                </a:solidFill>
+              </a:rPr>
+              <a:t> name=</a:t>
+            </a:r>
+            <a:r>
+              <a:rPr lang="en-US" sz="1400" i="1" dirty="0" smtClean="0">
+                <a:solidFill>
+                  <a:srgbClr val="0000FF"/>
+                </a:solidFill>
+              </a:rPr>
+              <a:t>"</a:t>
+            </a:r>
+            <a:r>
+              <a:rPr lang="en-US" sz="1400" i="1" dirty="0" err="1" smtClean="0">
+                <a:solidFill>
+                  <a:srgbClr val="0000FF"/>
+                </a:solidFill>
+              </a:rPr>
+              <a:t>gov.nih.nci.cabio.domain.Gene</a:t>
+            </a:r>
+            <a:r>
+              <a:rPr lang="en-US" sz="1400" i="1" dirty="0" smtClean="0">
+                <a:solidFill>
+                  <a:srgbClr val="0000FF"/>
+                </a:solidFill>
+              </a:rPr>
+              <a:t>"&gt;</a:t>
+            </a:r>
+          </a:p>
+          <a:p>
+            <a:pPr>
+              <a:buFontTx/>
+              <a:buNone/>
+            </a:pPr>
+            <a:r>
+              <a:rPr lang="en-US" sz="1400" dirty="0" smtClean="0">
+                <a:solidFill>
+                  <a:srgbClr val="0000FF"/>
+                </a:solidFill>
+              </a:rPr>
+              <a:t>                    &lt;Attribute name=</a:t>
+            </a:r>
+            <a:r>
+              <a:rPr lang="en-US" sz="1400" i="1" dirty="0" smtClean="0">
+                <a:solidFill>
+                  <a:srgbClr val="0000FF"/>
+                </a:solidFill>
+              </a:rPr>
+              <a:t>"</a:t>
+            </a:r>
+            <a:r>
+              <a:rPr lang="en-US" sz="1400" i="1" dirty="0" err="1" smtClean="0">
+                <a:solidFill>
+                  <a:srgbClr val="0000FF"/>
+                </a:solidFill>
+              </a:rPr>
+              <a:t>fullName</a:t>
+            </a:r>
+            <a:r>
+              <a:rPr lang="en-US" sz="1400" i="1" dirty="0" smtClean="0">
+                <a:solidFill>
+                  <a:srgbClr val="0000FF"/>
+                </a:solidFill>
+              </a:rPr>
+              <a:t>" value="BRCA%" predicate="LIKE"/&gt;</a:t>
+            </a:r>
+          </a:p>
+          <a:p>
+            <a:pPr>
+              <a:buFontTx/>
+              <a:buNone/>
+            </a:pPr>
+            <a:r>
+              <a:rPr lang="en-US" sz="1400" dirty="0" smtClean="0">
+                <a:solidFill>
+                  <a:srgbClr val="0000FF"/>
+                </a:solidFill>
+              </a:rPr>
+              <a:t>                &lt;/</a:t>
+            </a:r>
+            <a:r>
+              <a:rPr lang="en-US" sz="1400" dirty="0" err="1" smtClean="0">
+                <a:solidFill>
+                  <a:srgbClr val="0000FF"/>
+                </a:solidFill>
+              </a:rPr>
+              <a:t>ForeignObject</a:t>
+            </a:r>
+            <a:r>
+              <a:rPr lang="en-US" sz="1400" dirty="0" smtClean="0">
+                <a:solidFill>
+                  <a:srgbClr val="0000FF"/>
+                </a:solidFill>
+              </a:rPr>
+              <a:t>&gt;</a:t>
+            </a:r>
+          </a:p>
+          <a:p>
+            <a:pPr>
+              <a:buFontTx/>
+              <a:buNone/>
+            </a:pPr>
+            <a:r>
+              <a:rPr lang="en-US" sz="1400" dirty="0" smtClean="0">
+                <a:solidFill>
+                  <a:srgbClr val="FF0000"/>
+                </a:solidFill>
+              </a:rPr>
+              <a:t>            &lt;/</a:t>
+            </a:r>
+            <a:r>
+              <a:rPr lang="en-US" sz="1400" dirty="0" err="1" smtClean="0">
+                <a:solidFill>
+                  <a:srgbClr val="FF0000"/>
+                </a:solidFill>
+              </a:rPr>
+              <a:t>ForeignAssociation</a:t>
+            </a:r>
+            <a:r>
+              <a:rPr lang="en-US" sz="1400" dirty="0" smtClean="0">
+                <a:solidFill>
+                  <a:srgbClr val="FF0000"/>
+                </a:solidFill>
+              </a:rPr>
+              <a:t>&gt;</a:t>
+            </a:r>
+          </a:p>
+          <a:p>
+            <a:pPr>
+              <a:buFontTx/>
+              <a:buNone/>
+            </a:pPr>
+            <a:r>
+              <a:rPr lang="en-US" sz="1400" dirty="0" smtClean="0"/>
+              <a:t>            &lt;Attribute name=</a:t>
+            </a:r>
+            <a:r>
+              <a:rPr lang="en-US" sz="1400" i="1" dirty="0" smtClean="0"/>
+              <a:t>"</a:t>
+            </a:r>
+            <a:r>
+              <a:rPr lang="en-US" sz="1400" i="1" dirty="0" err="1" smtClean="0"/>
+              <a:t>fullName</a:t>
+            </a:r>
+            <a:r>
+              <a:rPr lang="en-US" sz="1400" i="1" dirty="0" smtClean="0"/>
+              <a:t>" value="BRCA%" predicate="LIKE"/&gt;</a:t>
+            </a:r>
+          </a:p>
+          <a:p>
+            <a:pPr>
+              <a:buFontTx/>
+              <a:buNone/>
+            </a:pPr>
+            <a:r>
+              <a:rPr lang="en-US" sz="1400" dirty="0" smtClean="0"/>
+              <a:t>        &lt;/Group&gt;</a:t>
+            </a:r>
+          </a:p>
+          <a:p>
+            <a:pPr>
+              <a:buFontTx/>
+              <a:buNone/>
+            </a:pPr>
+            <a:r>
+              <a:rPr lang="en-US" sz="1400" dirty="0" smtClean="0"/>
+              <a:t>    &lt;/</a:t>
+            </a:r>
+            <a:r>
+              <a:rPr lang="en-US" sz="1400" dirty="0" err="1" smtClean="0"/>
+              <a:t>TargetObject</a:t>
+            </a:r>
+            <a:r>
+              <a:rPr lang="en-US" sz="1400" dirty="0" smtClean="0"/>
+              <a:t>&gt;</a:t>
+            </a:r>
+          </a:p>
+          <a:p>
+            <a:pPr>
+              <a:buFontTx/>
+              <a:buNone/>
+            </a:pPr>
+            <a:r>
+              <a:rPr lang="en-US" sz="1400" dirty="0" smtClean="0"/>
+              <a:t>    &lt;</a:t>
+            </a:r>
+            <a:r>
+              <a:rPr lang="en-US" sz="1400" dirty="0" err="1" smtClean="0"/>
+              <a:t>targetServiceURL</a:t>
+            </a:r>
+            <a:r>
+              <a:rPr lang="en-US" sz="1400" dirty="0" smtClean="0"/>
+              <a:t>&gt;http://localhost:8080/wsrf/services/cagrid/CaBIO&lt;/targetServiceURL&gt;</a:t>
+            </a:r>
+          </a:p>
+          <a:p>
+            <a:pPr>
+              <a:buFontTx/>
+              <a:buNone/>
+            </a:pPr>
+            <a:r>
+              <a:rPr lang="en-US" sz="1400" dirty="0" smtClean="0"/>
+              <a:t>&lt;/</a:t>
+            </a:r>
+            <a:r>
+              <a:rPr lang="en-US" sz="1400" dirty="0" err="1" smtClean="0"/>
+              <a:t>DCQLQuery</a:t>
+            </a:r>
+            <a:r>
+              <a:rPr lang="en-US" sz="1400" dirty="0" smtClean="0"/>
+              <a:t>&gt;</a:t>
+            </a:r>
+          </a:p>
+        </p:txBody>
+      </p:sp>
+    </p:spTree>
+  </p:cSld>
+  <p:clrMapOvr>
+    <a:masterClrMapping/>
+  </p:clrMapOvr>
+  <p:timing>
+    <p:tnLst>
+      <p:par>
+        <p:cTn id="1" dur="indefinite" restart="never" nodeType="tmRoot"/>
+      </p:par>
+    </p:tnLst>
+  </p:timing>
 </p:sld>
 </file>
 

--- a/Documentation/presentations/200906_Novartis/caGrid Data Services.pptx
+++ b/Documentation/presentations/200906_Novartis/caGrid Data Services.pptx
@@ -3710,7 +3710,7 @@
         <p:spPr bwMode="auto">
           <a:xfrm>
             <a:off x="5257800" y="5349875"/>
-            <a:ext cx="3429000" cy="746125"/>
+            <a:ext cx="3429000" cy="307777"/>
           </a:xfrm>
           <a:prstGeom prst="rect">
             <a:avLst/>
@@ -3736,40 +3736,18 @@
               </a:spcBef>
             </a:pPr>
             <a:r>
-              <a:rPr lang="en-US" sz="1400" dirty="0">
+              <a:rPr lang="en-US" sz="1400" b="1" dirty="0" smtClean="0">
                 <a:solidFill>
                   <a:schemeClr val="bg2"/>
                 </a:solidFill>
               </a:rPr>
-              <a:t>Other pertinent info right here</a:t>
-            </a:r>
-            <a:br>
-              <a:rPr lang="en-US" sz="1400" dirty="0">
-                <a:solidFill>
-                  <a:schemeClr val="bg2"/>
-                </a:solidFill>
-              </a:rPr>
-            </a:br>
-            <a:endParaRPr lang="en-US" sz="800" dirty="0">
+              <a:t>July 22-26, 2009</a:t>
+            </a:r>
+            <a:endParaRPr lang="en-US" sz="1400" b="1" dirty="0">
               <a:solidFill>
                 <a:schemeClr val="bg2"/>
               </a:solidFill>
             </a:endParaRPr>
-          </a:p>
-          <a:p>
-            <a:pPr algn="r">
-              <a:spcBef>
-                <a:spcPct val="50000"/>
-              </a:spcBef>
-            </a:pPr>
-            <a:r>
-              <a:rPr lang="en-US" sz="1400" b="1" dirty="0">
-                <a:solidFill>
-                  <a:schemeClr val="bg2"/>
-                </a:solidFill>
-              </a:rPr>
-              <a:t>November, 2007</a:t>
-            </a:r>
           </a:p>
         </p:txBody>
       </p:sp>
@@ -4409,49 +4387,49 @@
           <a:p>
             <a:pPr eaLnBrk="1" hangingPunct="1"/>
             <a:r>
-              <a:rPr lang="en-US" sz="2400" dirty="0" smtClean="0"/>
+              <a:rPr lang="en-US" sz="2000" dirty="0" smtClean="0"/>
               <a:t>Simple, “minimum entry” for data providers</a:t>
             </a:r>
           </a:p>
           <a:p>
             <a:pPr eaLnBrk="1" hangingPunct="1"/>
             <a:r>
-              <a:rPr lang="en-US" sz="2400" dirty="0" smtClean="0"/>
+              <a:rPr lang="en-US" sz="2000" dirty="0" smtClean="0"/>
               <a:t>Specifies a target object (result) type and selects the instances which satisfy the specified properties and nested object properties</a:t>
             </a:r>
           </a:p>
           <a:p>
             <a:pPr lvl="1" eaLnBrk="1" hangingPunct="1"/>
             <a:r>
-              <a:rPr lang="en-US" sz="2400" dirty="0" smtClean="0"/>
+              <a:rPr lang="en-US" sz="2000" dirty="0" smtClean="0"/>
               <a:t>Allows path navigation</a:t>
             </a:r>
           </a:p>
           <a:p>
             <a:pPr lvl="1" eaLnBrk="1" hangingPunct="1"/>
             <a:r>
-              <a:rPr lang="en-US" sz="2400" dirty="0" smtClean="0"/>
+              <a:rPr lang="en-US" sz="2000" dirty="0" smtClean="0"/>
               <a:t>Provides logical grouping</a:t>
             </a:r>
           </a:p>
           <a:p>
             <a:pPr lvl="1" eaLnBrk="1" hangingPunct="1"/>
             <a:r>
-              <a:rPr lang="en-US" sz="2400" dirty="0" smtClean="0"/>
+              <a:rPr lang="en-US" sz="2000" dirty="0" smtClean="0"/>
               <a:t>Provides name/predicate/value filtering on properties of objects</a:t>
             </a:r>
           </a:p>
           <a:p>
             <a:pPr eaLnBrk="1" hangingPunct="1"/>
             <a:r>
-              <a:rPr lang="en-US" sz="2400" dirty="0" smtClean="0"/>
+              <a:rPr lang="en-US" sz="2000" dirty="0" smtClean="0"/>
               <a:t>Recursively defined</a:t>
             </a:r>
           </a:p>
           <a:p>
             <a:pPr eaLnBrk="1" hangingPunct="1"/>
             <a:r>
-              <a:rPr lang="en-US" sz="2400" dirty="0" smtClean="0"/>
+              <a:rPr lang="en-US" sz="2000" dirty="0" smtClean="0"/>
               <a:t>Ability to return full Objects, Set of attributes, count of results, or distinct attribute values</a:t>
             </a:r>
           </a:p>
@@ -8507,8 +8485,17 @@
               <a:rPr lang="en-US" kern="0" dirty="0" smtClean="0">
                 <a:latin typeface="+mn-lt"/>
               </a:rPr>
-              <a:t>Optional – needed for custom deserialization</a:t>
-            </a:r>
+              <a:t>Optional – needed for </a:t>
+            </a:r>
+            <a:r>
+              <a:rPr lang="en-US" kern="0" smtClean="0">
+                <a:latin typeface="+mn-lt"/>
+              </a:rPr>
+              <a:t>custom object deserialization</a:t>
+            </a:r>
+            <a:endParaRPr lang="en-US" kern="0" dirty="0" smtClean="0">
+              <a:latin typeface="+mn-lt"/>
+            </a:endParaRPr>
           </a:p>
           <a:p>
             <a:pPr marL="342900" indent="-342900">
@@ -8990,17 +8977,8 @@
               <a:rPr lang="en-US" sz="2000" kern="0" dirty="0" smtClean="0">
                 <a:latin typeface="+mn-lt"/>
               </a:rPr>
-              <a:t>The WSDD file stream </a:t>
-            </a:r>
-            <a:r>
-              <a:rPr lang="en-US" sz="2000" kern="0" smtClean="0">
-                <a:latin typeface="+mn-lt"/>
-              </a:rPr>
-              <a:t>is closed</a:t>
-            </a:r>
-            <a:endParaRPr lang="en-US" sz="2000" kern="0" dirty="0" smtClean="0">
-              <a:latin typeface="+mn-lt"/>
-            </a:endParaRPr>
+              <a:t>The WSDD file stream is closed</a:t>
+            </a:r>
           </a:p>
           <a:p>
             <a:pPr marL="342900" marR="0" lvl="0" indent="-342900" algn="l" defTabSz="914400" rtl="0" eaLnBrk="1" fontAlgn="base" latinLnBrk="0" hangingPunct="1">
@@ -11111,10 +11089,10 @@
           <a:p>
             <a:pPr lvl="2"/>
             <a:r>
-              <a:rPr lang="en-US" dirty="0" smtClean="0"/>
+              <a:rPr lang="en-US" sz="1800" dirty="0" smtClean="0"/>
               <a:t>Standard, WS-Enumeration, and caGrid Transfer</a:t>
             </a:r>
-            <a:endParaRPr lang="en-US" sz="2000" dirty="0" smtClean="0"/>
+            <a:endParaRPr lang="en-US" sz="2400" dirty="0" smtClean="0"/>
           </a:p>
           <a:p>
             <a:pPr lvl="1"/>
@@ -11126,21 +11104,21 @@
           <a:p>
             <a:pPr lvl="2"/>
             <a:r>
-              <a:rPr lang="en-US" dirty="0" smtClean="0"/>
+              <a:rPr lang="en-US" sz="1800" dirty="0" smtClean="0"/>
               <a:t>Creates and configures the CQL query processor instance</a:t>
             </a:r>
           </a:p>
           <a:p>
             <a:pPr lvl="2"/>
             <a:r>
-              <a:rPr lang="en-US" dirty="0" smtClean="0"/>
+              <a:rPr lang="en-US" sz="1800" dirty="0" smtClean="0"/>
               <a:t>Handles query auditing</a:t>
             </a:r>
           </a:p>
           <a:p>
             <a:pPr lvl="2"/>
             <a:r>
-              <a:rPr lang="en-US" dirty="0" smtClean="0"/>
+              <a:rPr lang="en-US" sz="1800" dirty="0" smtClean="0"/>
               <a:t>Validates incoming queries</a:t>
             </a:r>
           </a:p>
@@ -11434,7 +11412,7 @@
           <a:p>
             <a:pPr lvl="2"/>
             <a:r>
-              <a:rPr lang="en-US" dirty="0" smtClean="0"/>
+              <a:rPr lang="en-US" sz="1800" dirty="0" smtClean="0"/>
               <a:t>“Are all the associations valid, do the attributes queried for exist, is the specified target data type visible”, etc.</a:t>
             </a:r>
           </a:p>
@@ -11540,7 +11518,7 @@
           <a:p>
             <a:pPr lvl="2"/>
             <a:r>
-              <a:rPr lang="en-US" dirty="0" smtClean="0"/>
+              <a:rPr lang="en-US" sz="1800" dirty="0" smtClean="0"/>
               <a:t>Query received, exception thrown, etc.</a:t>
             </a:r>
           </a:p>

--- a/Documentation/presentations/200906_Novartis/caGrid Data Services.pptx
+++ b/Documentation/presentations/200906_Novartis/caGrid Data Services.pptx
@@ -5,7 +5,7 @@
     <p:sldMasterId id="2147483648" r:id="rId1"/>
   </p:sldMasterIdLst>
   <p:notesMasterIdLst>
-    <p:notesMasterId r:id="rId27"/>
+    <p:notesMasterId r:id="rId29"/>
   </p:notesMasterIdLst>
   <p:sldIdLst>
     <p:sldId id="256" r:id="rId2"/>
@@ -17,22 +17,24 @@
     <p:sldId id="267" r:id="rId8"/>
     <p:sldId id="268" r:id="rId9"/>
     <p:sldId id="269" r:id="rId10"/>
-    <p:sldId id="273" r:id="rId11"/>
-    <p:sldId id="274" r:id="rId12"/>
-    <p:sldId id="260" r:id="rId13"/>
-    <p:sldId id="280" r:id="rId14"/>
-    <p:sldId id="271" r:id="rId15"/>
-    <p:sldId id="272" r:id="rId16"/>
-    <p:sldId id="261" r:id="rId17"/>
-    <p:sldId id="262" r:id="rId18"/>
-    <p:sldId id="263" r:id="rId19"/>
-    <p:sldId id="264" r:id="rId20"/>
-    <p:sldId id="275" r:id="rId21"/>
-    <p:sldId id="276" r:id="rId22"/>
-    <p:sldId id="281" r:id="rId23"/>
-    <p:sldId id="277" r:id="rId24"/>
-    <p:sldId id="278" r:id="rId25"/>
-    <p:sldId id="279" r:id="rId26"/>
+    <p:sldId id="282" r:id="rId11"/>
+    <p:sldId id="283" r:id="rId12"/>
+    <p:sldId id="273" r:id="rId13"/>
+    <p:sldId id="274" r:id="rId14"/>
+    <p:sldId id="260" r:id="rId15"/>
+    <p:sldId id="280" r:id="rId16"/>
+    <p:sldId id="271" r:id="rId17"/>
+    <p:sldId id="272" r:id="rId18"/>
+    <p:sldId id="261" r:id="rId19"/>
+    <p:sldId id="262" r:id="rId20"/>
+    <p:sldId id="263" r:id="rId21"/>
+    <p:sldId id="264" r:id="rId22"/>
+    <p:sldId id="275" r:id="rId23"/>
+    <p:sldId id="276" r:id="rId24"/>
+    <p:sldId id="281" r:id="rId25"/>
+    <p:sldId id="277" r:id="rId26"/>
+    <p:sldId id="278" r:id="rId27"/>
+    <p:sldId id="279" r:id="rId28"/>
   </p:sldIdLst>
   <p:sldSz cx="9144000" cy="6858000" type="screen4x3"/>
   <p:notesSz cx="6858000" cy="9144000"/>
@@ -805,7 +807,7 @@
             <a:fld id="{65416834-F646-4C6A-AEEC-06305B5F55AB}" type="slidenum">
               <a:rPr lang="en-US"/>
               <a:pPr/>
-              <a:t>12</a:t>
+              <a:t>14</a:t>
             </a:fld>
             <a:endParaRPr lang="en-US"/>
           </a:p>
@@ -905,7 +907,7 @@
             <a:fld id="{F5EA7BEA-0DA3-446B-8D4C-70CC7C2360F4}" type="slidenum">
               <a:rPr lang="en-US"/>
               <a:pPr/>
-              <a:t>16</a:t>
+              <a:t>18</a:t>
             </a:fld>
             <a:endParaRPr lang="en-US"/>
           </a:p>
@@ -1008,7 +1010,7 @@
             <a:fld id="{E9569D21-1F98-43C8-8EC9-B78A541EFFE1}" type="slidenum">
               <a:rPr lang="en-US"/>
               <a:pPr/>
-              <a:t>17</a:t>
+              <a:t>19</a:t>
             </a:fld>
             <a:endParaRPr lang="en-US"/>
           </a:p>
@@ -1111,7 +1113,7 @@
             <a:fld id="{E6CC0C41-88F7-41C7-9D58-41A46E11E94E}" type="slidenum">
               <a:rPr lang="en-US"/>
               <a:pPr/>
-              <a:t>18</a:t>
+              <a:t>20</a:t>
             </a:fld>
             <a:endParaRPr lang="en-US"/>
           </a:p>
@@ -1214,7 +1216,7 @@
             <a:fld id="{06CC5F91-7E10-4D18-9438-9AF3612818A6}" type="slidenum">
               <a:rPr lang="en-US"/>
               <a:pPr/>
-              <a:t>19</a:t>
+              <a:t>21</a:t>
             </a:fld>
             <a:endParaRPr lang="en-US"/>
           </a:p>
@@ -1363,7 +1365,7 @@
             <a:fld id="{0EA92AC8-40AC-4621-AB8B-E24657776B35}" type="slidenum">
               <a:rPr lang="en-US"/>
               <a:pPr/>
-              <a:t>25</a:t>
+              <a:t>27</a:t>
             </a:fld>
             <a:endParaRPr lang="en-US"/>
           </a:p>
@@ -3800,7 +3802,7 @@
           <a:p>
             <a:r>
               <a:rPr lang="en-US" dirty="0" smtClean="0"/>
-              <a:t>Data Service Clients</a:t>
+              <a:t>CQL Query Processors</a:t>
             </a:r>
             <a:endParaRPr lang="en-US" dirty="0"/>
           </a:p>
@@ -3809,337 +3811,100 @@
       <p:sp>
         <p:nvSpPr>
           <p:cNvPr id="4" name="Content Placeholder 2"/>
-          <p:cNvSpPr txBox="1">
-            <a:spLocks/>
+          <p:cNvSpPr>
+            <a:spLocks noGrp="1"/>
           </p:cNvSpPr>
-          <p:nvPr/>
+          <p:nvPr>
+            <p:ph idx="1"/>
+          </p:nvPr>
         </p:nvSpPr>
-        <p:spPr bwMode="auto">
+        <p:spPr>
           <a:xfrm>
             <a:off x="304800" y="1371600"/>
             <a:ext cx="8458200" cy="4953000"/>
           </a:xfrm>
-          <a:prstGeom prst="rect">
-            <a:avLst/>
-          </a:prstGeom>
-          <a:noFill/>
-          <a:ln w="9525">
-            <a:noFill/>
-            <a:miter lim="800000"/>
-            <a:headEnd/>
-            <a:tailEnd/>
-          </a:ln>
-          <a:effectLst/>
         </p:spPr>
         <p:txBody>
-          <a:bodyPr vert="horz" wrap="square" lIns="91440" tIns="45720" rIns="91440" bIns="45720" numCol="1" anchor="t" anchorCtr="0" compatLnSpc="1">
-            <a:prstTxWarp prst="textNoShape">
-              <a:avLst/>
-            </a:prstTxWarp>
-          </a:bodyPr>
+          <a:bodyPr/>
           <a:lstStyle/>
           <a:p>
-            <a:pPr marL="342900" marR="0" lvl="0" indent="-342900" algn="l" defTabSz="914400" rtl="0" eaLnBrk="1" fontAlgn="base" latinLnBrk="0" hangingPunct="1">
-              <a:lnSpc>
-                <a:spcPct val="100000"/>
-              </a:lnSpc>
-              <a:spcBef>
-                <a:spcPct val="20000"/>
-              </a:spcBef>
-              <a:spcAft>
-                <a:spcPct val="0"/>
-              </a:spcAft>
-              <a:buClr>
-                <a:srgbClr val="00AAF6"/>
-              </a:buClr>
-              <a:buSzTx/>
-              <a:buFontTx/>
-              <a:buChar char="•"/>
-              <a:tabLst/>
-              <a:defRPr/>
-            </a:pPr>
-            <a:r>
-              <a:rPr lang="en-US" sz="2000" b="1" kern="0" dirty="0" smtClean="0">
-                <a:latin typeface="+mn-lt"/>
-              </a:rPr>
-              <a:t>Single, Common Client</a:t>
-            </a:r>
-          </a:p>
-          <a:p>
-            <a:pPr marL="800100" lvl="1" indent="-342900">
-              <a:spcBef>
-                <a:spcPct val="20000"/>
-              </a:spcBef>
-              <a:buClr>
-                <a:srgbClr val="00AAF6"/>
-              </a:buClr>
-              <a:buFontTx/>
-              <a:buChar char="•"/>
-            </a:pPr>
-            <a:r>
-              <a:rPr kumimoji="0" lang="en-US" sz="2000" i="0" u="none" strike="noStrike" kern="0" cap="none" spc="0" normalizeH="0" baseline="0" noProof="0" dirty="0" smtClean="0">
-                <a:ln>
-                  <a:noFill/>
-                </a:ln>
-                <a:solidFill>
-                  <a:schemeClr val="tx1"/>
-                </a:solidFill>
-                <a:effectLst/>
-                <a:uLnTx/>
-                <a:uFillTx/>
-                <a:latin typeface="+mn-lt"/>
-              </a:rPr>
-              <a:t>All</a:t>
-            </a:r>
-            <a:r>
-              <a:rPr kumimoji="0" lang="en-US" sz="2000" i="0" u="none" strike="noStrike" kern="0" cap="none" spc="0" normalizeH="0" noProof="0" dirty="0" smtClean="0">
-                <a:ln>
-                  <a:noFill/>
-                </a:ln>
-                <a:solidFill>
-                  <a:schemeClr val="tx1"/>
-                </a:solidFill>
-                <a:effectLst/>
-                <a:uLnTx/>
-                <a:uFillTx/>
-                <a:latin typeface="+mn-lt"/>
-              </a:rPr>
-              <a:t> data services can be queried via the same client class</a:t>
-            </a:r>
-          </a:p>
-          <a:p>
-            <a:pPr marL="800100" lvl="1" indent="-342900">
-              <a:spcBef>
-                <a:spcPct val="20000"/>
-              </a:spcBef>
-              <a:buClr>
-                <a:srgbClr val="00AAF6"/>
-              </a:buClr>
-              <a:buFontTx/>
-              <a:buChar char="•"/>
-            </a:pPr>
-            <a:r>
-              <a:rPr lang="en-US" sz="2000" kern="0" baseline="0" dirty="0" smtClean="0">
-                <a:latin typeface="+mn-lt"/>
-              </a:rPr>
-              <a:t>Possible</a:t>
-            </a:r>
-            <a:r>
-              <a:rPr lang="en-US" sz="2000" kern="0" dirty="0" smtClean="0">
-                <a:latin typeface="+mn-lt"/>
-              </a:rPr>
-              <a:t> because all data services implement the same WSDL</a:t>
-            </a:r>
-          </a:p>
-          <a:p>
-            <a:pPr marL="800100" lvl="1" indent="-342900">
-              <a:spcBef>
-                <a:spcPct val="20000"/>
-              </a:spcBef>
-              <a:buClr>
-                <a:srgbClr val="00AAF6"/>
-              </a:buClr>
-              <a:buFontTx/>
-              <a:buChar char="•"/>
-            </a:pPr>
-            <a:r>
-              <a:rPr kumimoji="0" lang="en-US" sz="2000" i="0" u="none" strike="noStrike" kern="0" cap="none" spc="0" normalizeH="0" baseline="0" noProof="0" dirty="0" smtClean="0">
-                <a:ln>
-                  <a:noFill/>
-                </a:ln>
-                <a:solidFill>
-                  <a:schemeClr val="tx1"/>
-                </a:solidFill>
-                <a:effectLst/>
-                <a:uLnTx/>
-                <a:uFillTx/>
-                <a:latin typeface="+mn-lt"/>
-              </a:rPr>
-              <a:t>Standard</a:t>
-            </a:r>
-            <a:r>
-              <a:rPr kumimoji="0" lang="en-US" sz="2000" i="0" u="none" strike="noStrike" kern="0" cap="none" spc="0" normalizeH="0" noProof="0" dirty="0" smtClean="0">
-                <a:ln>
-                  <a:noFill/>
-                </a:ln>
-                <a:solidFill>
-                  <a:schemeClr val="tx1"/>
-                </a:solidFill>
-                <a:effectLst/>
-                <a:uLnTx/>
-                <a:uFillTx/>
-                <a:latin typeface="+mn-lt"/>
-              </a:rPr>
-              <a:t> client has single public method</a:t>
-            </a:r>
-          </a:p>
-          <a:p>
-            <a:pPr marL="1257300" lvl="2" indent="-342900">
-              <a:spcBef>
-                <a:spcPct val="20000"/>
-              </a:spcBef>
-              <a:buClr>
-                <a:srgbClr val="00AAF6"/>
-              </a:buClr>
-              <a:buFontTx/>
-              <a:buChar char="•"/>
-            </a:pPr>
-            <a:r>
-              <a:rPr lang="en-US" kern="0" baseline="0" dirty="0" smtClean="0">
-                <a:latin typeface="+mn-lt"/>
-              </a:rPr>
-              <a:t>CQL</a:t>
-            </a:r>
-            <a:r>
-              <a:rPr lang="en-US" kern="0" dirty="0" smtClean="0">
-                <a:latin typeface="+mn-lt"/>
-              </a:rPr>
-              <a:t> query in, CQL query results out</a:t>
-            </a:r>
-          </a:p>
-          <a:p>
-            <a:pPr marL="800100" lvl="1" indent="-342900">
-              <a:spcBef>
-                <a:spcPct val="20000"/>
-              </a:spcBef>
-              <a:buClr>
-                <a:srgbClr val="00AAF6"/>
-              </a:buClr>
-              <a:buFontTx/>
-              <a:buChar char="•"/>
-            </a:pPr>
-            <a:r>
-              <a:rPr kumimoji="0" lang="en-US" sz="2000" i="0" u="none" strike="noStrike" kern="0" cap="none" spc="0" normalizeH="0" baseline="0" noProof="0" dirty="0" smtClean="0">
-                <a:ln>
-                  <a:noFill/>
-                </a:ln>
-                <a:solidFill>
-                  <a:schemeClr val="tx1"/>
-                </a:solidFill>
-                <a:effectLst/>
-                <a:uLnTx/>
-                <a:uFillTx/>
-                <a:latin typeface="+mn-lt"/>
-              </a:rPr>
-              <a:t>Client</a:t>
-            </a:r>
-            <a:r>
-              <a:rPr kumimoji="0" lang="en-US" sz="2000" i="0" u="none" strike="noStrike" kern="0" cap="none" spc="0" normalizeH="0" noProof="0" dirty="0" smtClean="0">
-                <a:ln>
-                  <a:noFill/>
-                </a:ln>
-                <a:solidFill>
-                  <a:schemeClr val="tx1"/>
-                </a:solidFill>
-                <a:effectLst/>
-                <a:uLnTx/>
-                <a:uFillTx/>
-                <a:latin typeface="+mn-lt"/>
-              </a:rPr>
-              <a:t> for each specific service works too</a:t>
-            </a:r>
-          </a:p>
-          <a:p>
-            <a:pPr marL="1257300" lvl="2" indent="-342900">
-              <a:spcBef>
-                <a:spcPct val="20000"/>
-              </a:spcBef>
-              <a:buClr>
-                <a:srgbClr val="00AAF6"/>
-              </a:buClr>
-              <a:buFontTx/>
-              <a:buChar char="•"/>
-            </a:pPr>
-            <a:r>
-              <a:rPr lang="en-US" kern="0" baseline="0" dirty="0" smtClean="0">
-                <a:latin typeface="+mn-lt"/>
-              </a:rPr>
-              <a:t>Methods</a:t>
-            </a:r>
-            <a:r>
-              <a:rPr lang="en-US" kern="0" dirty="0" smtClean="0">
-                <a:latin typeface="+mn-lt"/>
-              </a:rPr>
-              <a:t> unique to the service are available via the custom client.</a:t>
-            </a:r>
-          </a:p>
-          <a:p>
-            <a:pPr marL="800100" lvl="1" indent="-342900">
-              <a:spcBef>
-                <a:spcPct val="20000"/>
-              </a:spcBef>
-              <a:buClr>
-                <a:srgbClr val="00AAF6"/>
-              </a:buClr>
-              <a:buFontTx/>
-              <a:buChar char="•"/>
-            </a:pPr>
-            <a:r>
-              <a:rPr kumimoji="0" lang="en-US" sz="2000" i="0" u="none" strike="noStrike" kern="0" cap="none" spc="0" normalizeH="0" baseline="0" noProof="0" dirty="0" smtClean="0">
-                <a:ln>
-                  <a:noFill/>
-                </a:ln>
-                <a:solidFill>
-                  <a:schemeClr val="tx1"/>
-                </a:solidFill>
-                <a:effectLst/>
-                <a:uLnTx/>
-                <a:uFillTx/>
-                <a:latin typeface="+mn-lt"/>
-              </a:rPr>
-              <a:t>Constructed like any other Introduce-generated</a:t>
-            </a:r>
-            <a:r>
-              <a:rPr kumimoji="0" lang="en-US" sz="2000" i="0" u="none" strike="noStrike" kern="0" cap="none" spc="0" normalizeH="0" noProof="0" dirty="0" smtClean="0">
-                <a:ln>
-                  <a:noFill/>
-                </a:ln>
-                <a:solidFill>
-                  <a:schemeClr val="tx1"/>
-                </a:solidFill>
-                <a:effectLst/>
-                <a:uLnTx/>
-                <a:uFillTx/>
-                <a:latin typeface="+mn-lt"/>
-              </a:rPr>
-              <a:t> client</a:t>
-            </a:r>
-          </a:p>
-          <a:p>
-            <a:pPr marL="1257300" lvl="2" indent="-342900">
-              <a:spcBef>
-                <a:spcPct val="20000"/>
-              </a:spcBef>
-              <a:buClr>
-                <a:srgbClr val="00AAF6"/>
-              </a:buClr>
-              <a:buFontTx/>
-              <a:buChar char="•"/>
-            </a:pPr>
-            <a:r>
-              <a:rPr lang="en-US" kern="0" baseline="0" dirty="0" smtClean="0">
-                <a:latin typeface="+mn-lt"/>
-              </a:rPr>
-              <a:t>Service</a:t>
-            </a:r>
-            <a:r>
-              <a:rPr lang="en-US" kern="0" dirty="0" smtClean="0">
-                <a:latin typeface="+mn-lt"/>
-              </a:rPr>
-              <a:t> URL / EPR and optional Grid Credential</a:t>
-            </a:r>
-            <a:endParaRPr kumimoji="0" lang="en-US" i="0" u="none" strike="noStrike" kern="0" cap="none" spc="0" normalizeH="0" baseline="0" noProof="0" dirty="0">
-              <a:ln>
-                <a:noFill/>
-              </a:ln>
-              <a:solidFill>
-                <a:schemeClr val="tx1"/>
-              </a:solidFill>
-              <a:effectLst/>
-              <a:uLnTx/>
-              <a:uFillTx/>
-              <a:latin typeface="+mn-lt"/>
-            </a:endParaRPr>
+            <a:r>
+              <a:rPr lang="en-US" sz="2000" dirty="0" smtClean="0"/>
+              <a:t>Configuration related methods</a:t>
+            </a:r>
+          </a:p>
+          <a:p>
+            <a:pPr lvl="1"/>
+            <a:r>
+              <a:rPr lang="en-US" sz="2000" i="1" dirty="0" err="1" smtClean="0"/>
+              <a:t>getRequiredParameters</a:t>
+            </a:r>
+            <a:r>
+              <a:rPr lang="en-US" sz="2000" i="1" dirty="0" smtClean="0"/>
+              <a:t>()</a:t>
+            </a:r>
+            <a:endParaRPr lang="en-US" sz="2000" dirty="0" smtClean="0"/>
+          </a:p>
+          <a:p>
+            <a:pPr lvl="2"/>
+            <a:r>
+              <a:rPr lang="en-US" sz="1800" dirty="0" smtClean="0"/>
+              <a:t>Returns a Properties instance populated with keys and default values for configuration of the query processor</a:t>
+            </a:r>
+          </a:p>
+          <a:p>
+            <a:pPr lvl="1"/>
+            <a:r>
+              <a:rPr lang="en-US" sz="2000" i="1" dirty="0" err="1" smtClean="0"/>
+              <a:t>getPropertiesFromEtc</a:t>
+            </a:r>
+            <a:r>
+              <a:rPr lang="en-US" sz="2000" i="1" dirty="0" smtClean="0"/>
+              <a:t>()</a:t>
+            </a:r>
+          </a:p>
+          <a:p>
+            <a:pPr lvl="2"/>
+            <a:r>
+              <a:rPr lang="en-US" sz="1800" dirty="0" smtClean="0"/>
+              <a:t>Returns a Set of property keys whose value should be a file in the service’s etc directory once deployed to a service container</a:t>
+            </a:r>
+          </a:p>
+          <a:p>
+            <a:pPr lvl="2"/>
+            <a:r>
+              <a:rPr lang="en-US" sz="1800" dirty="0" smtClean="0"/>
+              <a:t>Useful for locating additional configuration documents</a:t>
+            </a:r>
+          </a:p>
+          <a:p>
+            <a:pPr lvl="1"/>
+            <a:r>
+              <a:rPr lang="en-US" sz="2000" i="1" dirty="0" smtClean="0"/>
+              <a:t>initialize()</a:t>
+            </a:r>
+          </a:p>
+          <a:p>
+            <a:pPr lvl="2"/>
+            <a:r>
+              <a:rPr lang="en-US" sz="1800" dirty="0" smtClean="0"/>
+              <a:t>Invoked by the data service infrastructure when constructing a CQL Query Processor instance for use in a live service.</a:t>
+            </a:r>
+          </a:p>
+          <a:p>
+            <a:pPr lvl="2"/>
+            <a:r>
+              <a:rPr lang="en-US" sz="1800" dirty="0" smtClean="0"/>
+              <a:t>Sets the configuration properties from values in service’s JNDI</a:t>
+            </a:r>
+          </a:p>
+          <a:p>
+            <a:pPr lvl="1"/>
+            <a:endParaRPr lang="en-US" sz="1800" dirty="0" smtClean="0"/>
+          </a:p>
+          <a:p>
+            <a:pPr lvl="1"/>
+            <a:endParaRPr lang="en-US" dirty="0" smtClean="0"/>
           </a:p>
         </p:txBody>
       </p:sp>
@@ -4185,6 +3950,577 @@
           <a:p>
             <a:r>
               <a:rPr lang="en-US" dirty="0" smtClean="0"/>
+              <a:t>CQL Query Processors</a:t>
+            </a:r>
+            <a:endParaRPr lang="en-US" dirty="0"/>
+          </a:p>
+        </p:txBody>
+      </p:sp>
+      <p:sp>
+        <p:nvSpPr>
+          <p:cNvPr id="4" name="Content Placeholder 2"/>
+          <p:cNvSpPr>
+            <a:spLocks noGrp="1"/>
+          </p:cNvSpPr>
+          <p:nvPr>
+            <p:ph idx="1"/>
+          </p:nvPr>
+        </p:nvSpPr>
+        <p:spPr>
+          <a:xfrm>
+            <a:off x="304800" y="1371600"/>
+            <a:ext cx="8458200" cy="4953000"/>
+          </a:xfrm>
+        </p:spPr>
+        <p:txBody>
+          <a:bodyPr/>
+          <a:lstStyle/>
+          <a:p>
+            <a:r>
+              <a:rPr lang="en-US" sz="2000" dirty="0" smtClean="0"/>
+              <a:t>Query Processing related methods</a:t>
+            </a:r>
+          </a:p>
+          <a:p>
+            <a:pPr lvl="1"/>
+            <a:r>
+              <a:rPr lang="en-US" sz="2000" i="1" dirty="0" err="1" smtClean="0"/>
+              <a:t>getConfiguredParameters</a:t>
+            </a:r>
+            <a:r>
+              <a:rPr lang="en-US" sz="2000" i="1" dirty="0" smtClean="0"/>
+              <a:t>()</a:t>
+            </a:r>
+          </a:p>
+          <a:p>
+            <a:pPr lvl="2"/>
+            <a:r>
+              <a:rPr lang="en-US" sz="1800" dirty="0" smtClean="0"/>
+              <a:t>Gets the configuration properties as configured by the data service</a:t>
+            </a:r>
+          </a:p>
+          <a:p>
+            <a:pPr lvl="2"/>
+            <a:r>
+              <a:rPr lang="en-US" sz="1800" dirty="0" smtClean="0"/>
+              <a:t>For use configuring the query processor when a CQL query is to be executed</a:t>
+            </a:r>
+          </a:p>
+          <a:p>
+            <a:pPr lvl="2"/>
+            <a:r>
+              <a:rPr lang="en-US" sz="1800" dirty="0" smtClean="0"/>
+              <a:t>Will return </a:t>
+            </a:r>
+            <a:r>
+              <a:rPr lang="en-US" sz="1800" i="1" dirty="0" smtClean="0"/>
+              <a:t>null</a:t>
+            </a:r>
+            <a:r>
+              <a:rPr lang="en-US" sz="1800" dirty="0" smtClean="0"/>
+              <a:t> until the data service infrastructure populates it via the initialize method at service start time</a:t>
+            </a:r>
+          </a:p>
+          <a:p>
+            <a:pPr lvl="1"/>
+            <a:r>
+              <a:rPr lang="en-US" sz="2000" i="1" dirty="0" err="1" smtClean="0"/>
+              <a:t>processQuery</a:t>
+            </a:r>
+            <a:r>
+              <a:rPr lang="en-US" sz="2000" i="1" dirty="0" smtClean="0"/>
+              <a:t>()</a:t>
+            </a:r>
+          </a:p>
+          <a:p>
+            <a:pPr lvl="2"/>
+            <a:r>
+              <a:rPr lang="en-US" sz="1800" dirty="0" smtClean="0"/>
+              <a:t>Backend data source specific implementation of CQL</a:t>
+            </a:r>
+          </a:p>
+          <a:p>
+            <a:pPr lvl="2"/>
+            <a:r>
+              <a:rPr lang="en-US" sz="1800" dirty="0" smtClean="0"/>
+              <a:t>May throw a </a:t>
+            </a:r>
+            <a:r>
+              <a:rPr lang="en-US" sz="1800" i="1" dirty="0" smtClean="0"/>
+              <a:t>Query Processing Exception</a:t>
+            </a:r>
+            <a:r>
+              <a:rPr lang="en-US" sz="1800" dirty="0" smtClean="0"/>
+              <a:t> if a problem is encountered handling the CQL query</a:t>
+            </a:r>
+          </a:p>
+          <a:p>
+            <a:pPr lvl="3"/>
+            <a:r>
+              <a:rPr lang="en-US" sz="1600" dirty="0" smtClean="0"/>
+              <a:t>Underlying database has a problem, etc</a:t>
+            </a:r>
+          </a:p>
+          <a:p>
+            <a:pPr lvl="2"/>
+            <a:r>
+              <a:rPr lang="en-US" sz="1800" dirty="0" smtClean="0"/>
+              <a:t>May also throw a </a:t>
+            </a:r>
+            <a:r>
+              <a:rPr lang="en-US" sz="1800" i="1" dirty="0" smtClean="0"/>
+              <a:t>Malformed Query Exception</a:t>
+            </a:r>
+            <a:r>
+              <a:rPr lang="en-US" sz="1800" dirty="0" smtClean="0"/>
+              <a:t> if the CQL query itself is non-conformant</a:t>
+            </a:r>
+          </a:p>
+          <a:p>
+            <a:pPr lvl="3"/>
+            <a:r>
+              <a:rPr lang="en-US" sz="1600" dirty="0" smtClean="0"/>
+              <a:t>Typically handled by query </a:t>
+            </a:r>
+            <a:r>
+              <a:rPr lang="en-US" sz="1600" dirty="0" err="1" smtClean="0"/>
+              <a:t>validators</a:t>
+            </a:r>
+            <a:r>
+              <a:rPr lang="en-US" sz="1600" dirty="0" smtClean="0"/>
+              <a:t>, but may be used for non-supported query operations</a:t>
+            </a:r>
+            <a:endParaRPr lang="en-US" dirty="0" smtClean="0"/>
+          </a:p>
+        </p:txBody>
+      </p:sp>
+    </p:spTree>
+  </p:cSld>
+  <p:clrMapOvr>
+    <a:masterClrMapping/>
+  </p:clrMapOvr>
+</p:sld>
+</file>
+
+<file path=ppt/slides/slide12.xml><?xml version="1.0" encoding="utf-8"?>
+<p:sld xmlns:a="http://schemas.openxmlformats.org/drawingml/2006/main" xmlns:r="http://schemas.openxmlformats.org/officeDocument/2006/relationships" xmlns:p="http://schemas.openxmlformats.org/presentationml/2006/main">
+  <p:cSld>
+    <p:spTree>
+      <p:nvGrpSpPr>
+        <p:cNvPr id="1" name=""/>
+        <p:cNvGrpSpPr/>
+        <p:nvPr/>
+      </p:nvGrpSpPr>
+      <p:grpSpPr>
+        <a:xfrm>
+          <a:off x="0" y="0"/>
+          <a:ext cx="0" cy="0"/>
+          <a:chOff x="0" y="0"/>
+          <a:chExt cx="0" cy="0"/>
+        </a:xfrm>
+      </p:grpSpPr>
+      <p:sp>
+        <p:nvSpPr>
+          <p:cNvPr id="2" name="Title 1"/>
+          <p:cNvSpPr>
+            <a:spLocks noGrp="1"/>
+          </p:cNvSpPr>
+          <p:nvPr>
+            <p:ph type="title"/>
+          </p:nvPr>
+        </p:nvSpPr>
+        <p:spPr/>
+        <p:txBody>
+          <a:bodyPr/>
+          <a:lstStyle/>
+          <a:p>
+            <a:r>
+              <a:rPr lang="en-US" dirty="0" smtClean="0"/>
+              <a:t>Data Service Clients</a:t>
+            </a:r>
+            <a:endParaRPr lang="en-US" dirty="0"/>
+          </a:p>
+        </p:txBody>
+      </p:sp>
+      <p:sp>
+        <p:nvSpPr>
+          <p:cNvPr id="4" name="Content Placeholder 2"/>
+          <p:cNvSpPr txBox="1">
+            <a:spLocks/>
+          </p:cNvSpPr>
+          <p:nvPr/>
+        </p:nvSpPr>
+        <p:spPr bwMode="auto">
+          <a:xfrm>
+            <a:off x="304800" y="1371600"/>
+            <a:ext cx="8458200" cy="4953000"/>
+          </a:xfrm>
+          <a:prstGeom prst="rect">
+            <a:avLst/>
+          </a:prstGeom>
+          <a:noFill/>
+          <a:ln w="9525">
+            <a:noFill/>
+            <a:miter lim="800000"/>
+            <a:headEnd/>
+            <a:tailEnd/>
+          </a:ln>
+          <a:effectLst/>
+        </p:spPr>
+        <p:txBody>
+          <a:bodyPr vert="horz" wrap="square" lIns="91440" tIns="45720" rIns="91440" bIns="45720" numCol="1" anchor="t" anchorCtr="0" compatLnSpc="1">
+            <a:prstTxWarp prst="textNoShape">
+              <a:avLst/>
+            </a:prstTxWarp>
+          </a:bodyPr>
+          <a:lstStyle/>
+          <a:p>
+            <a:pPr marL="342900" marR="0" lvl="0" indent="-342900" algn="l" defTabSz="914400" rtl="0" eaLnBrk="1" fontAlgn="base" latinLnBrk="0" hangingPunct="1">
+              <a:lnSpc>
+                <a:spcPct val="100000"/>
+              </a:lnSpc>
+              <a:spcBef>
+                <a:spcPct val="20000"/>
+              </a:spcBef>
+              <a:spcAft>
+                <a:spcPct val="0"/>
+              </a:spcAft>
+              <a:buClr>
+                <a:srgbClr val="00AAF6"/>
+              </a:buClr>
+              <a:buSzTx/>
+              <a:buFontTx/>
+              <a:buChar char="•"/>
+              <a:tabLst/>
+              <a:defRPr/>
+            </a:pPr>
+            <a:r>
+              <a:rPr lang="en-US" sz="2000" b="1" kern="0" dirty="0" smtClean="0">
+                <a:latin typeface="+mn-lt"/>
+              </a:rPr>
+              <a:t>Single, Common Client</a:t>
+            </a:r>
+          </a:p>
+          <a:p>
+            <a:pPr marL="800100" lvl="1" indent="-342900">
+              <a:spcBef>
+                <a:spcPct val="20000"/>
+              </a:spcBef>
+              <a:buClr>
+                <a:srgbClr val="00AAF6"/>
+              </a:buClr>
+              <a:buFontTx/>
+              <a:buChar char="•"/>
+            </a:pPr>
+            <a:r>
+              <a:rPr kumimoji="0" lang="en-US" sz="2000" i="0" u="none" strike="noStrike" kern="0" cap="none" spc="0" normalizeH="0" baseline="0" noProof="0" dirty="0" smtClean="0">
+                <a:ln>
+                  <a:noFill/>
+                </a:ln>
+                <a:solidFill>
+                  <a:schemeClr val="tx1"/>
+                </a:solidFill>
+                <a:effectLst/>
+                <a:uLnTx/>
+                <a:uFillTx/>
+                <a:latin typeface="+mn-lt"/>
+              </a:rPr>
+              <a:t>All</a:t>
+            </a:r>
+            <a:r>
+              <a:rPr kumimoji="0" lang="en-US" sz="2000" i="0" u="none" strike="noStrike" kern="0" cap="none" spc="0" normalizeH="0" noProof="0" dirty="0" smtClean="0">
+                <a:ln>
+                  <a:noFill/>
+                </a:ln>
+                <a:solidFill>
+                  <a:schemeClr val="tx1"/>
+                </a:solidFill>
+                <a:effectLst/>
+                <a:uLnTx/>
+                <a:uFillTx/>
+                <a:latin typeface="+mn-lt"/>
+              </a:rPr>
+              <a:t> data services can be queried via the same client class</a:t>
+            </a:r>
+          </a:p>
+          <a:p>
+            <a:pPr marL="800100" lvl="1" indent="-342900">
+              <a:spcBef>
+                <a:spcPct val="20000"/>
+              </a:spcBef>
+              <a:buClr>
+                <a:srgbClr val="00AAF6"/>
+              </a:buClr>
+              <a:buFontTx/>
+              <a:buChar char="•"/>
+            </a:pPr>
+            <a:r>
+              <a:rPr lang="en-US" sz="2000" kern="0" baseline="0" dirty="0" smtClean="0">
+                <a:latin typeface="+mn-lt"/>
+              </a:rPr>
+              <a:t>Possible</a:t>
+            </a:r>
+            <a:r>
+              <a:rPr lang="en-US" sz="2000" kern="0" dirty="0" smtClean="0">
+                <a:latin typeface="+mn-lt"/>
+              </a:rPr>
+              <a:t> because all data services implement the same WSDL</a:t>
+            </a:r>
+          </a:p>
+          <a:p>
+            <a:pPr marL="800100" lvl="1" indent="-342900">
+              <a:spcBef>
+                <a:spcPct val="20000"/>
+              </a:spcBef>
+              <a:buClr>
+                <a:srgbClr val="00AAF6"/>
+              </a:buClr>
+              <a:buFontTx/>
+              <a:buChar char="•"/>
+            </a:pPr>
+            <a:r>
+              <a:rPr kumimoji="0" lang="en-US" sz="2000" i="0" u="none" strike="noStrike" kern="0" cap="none" spc="0" normalizeH="0" baseline="0" noProof="0" dirty="0" smtClean="0">
+                <a:ln>
+                  <a:noFill/>
+                </a:ln>
+                <a:solidFill>
+                  <a:schemeClr val="tx1"/>
+                </a:solidFill>
+                <a:effectLst/>
+                <a:uLnTx/>
+                <a:uFillTx/>
+                <a:latin typeface="+mn-lt"/>
+              </a:rPr>
+              <a:t>Standard</a:t>
+            </a:r>
+            <a:r>
+              <a:rPr kumimoji="0" lang="en-US" sz="2000" i="0" u="none" strike="noStrike" kern="0" cap="none" spc="0" normalizeH="0" noProof="0" dirty="0" smtClean="0">
+                <a:ln>
+                  <a:noFill/>
+                </a:ln>
+                <a:solidFill>
+                  <a:schemeClr val="tx1"/>
+                </a:solidFill>
+                <a:effectLst/>
+                <a:uLnTx/>
+                <a:uFillTx/>
+                <a:latin typeface="+mn-lt"/>
+              </a:rPr>
+              <a:t> client has single public method</a:t>
+            </a:r>
+          </a:p>
+          <a:p>
+            <a:pPr marL="1257300" lvl="2" indent="-342900">
+              <a:spcBef>
+                <a:spcPct val="20000"/>
+              </a:spcBef>
+              <a:buClr>
+                <a:srgbClr val="00AAF6"/>
+              </a:buClr>
+              <a:buFontTx/>
+              <a:buChar char="•"/>
+            </a:pPr>
+            <a:r>
+              <a:rPr lang="en-US" kern="0" baseline="0" dirty="0" smtClean="0">
+                <a:latin typeface="+mn-lt"/>
+              </a:rPr>
+              <a:t>CQL</a:t>
+            </a:r>
+            <a:r>
+              <a:rPr lang="en-US" kern="0" dirty="0" smtClean="0">
+                <a:latin typeface="+mn-lt"/>
+              </a:rPr>
+              <a:t> query in, CQL query results out</a:t>
+            </a:r>
+          </a:p>
+          <a:p>
+            <a:pPr marL="800100" lvl="1" indent="-342900">
+              <a:spcBef>
+                <a:spcPct val="20000"/>
+              </a:spcBef>
+              <a:buClr>
+                <a:srgbClr val="00AAF6"/>
+              </a:buClr>
+              <a:buFontTx/>
+              <a:buChar char="•"/>
+            </a:pPr>
+            <a:r>
+              <a:rPr kumimoji="0" lang="en-US" sz="2000" i="0" u="none" strike="noStrike" kern="0" cap="none" spc="0" normalizeH="0" baseline="0" noProof="0" dirty="0" smtClean="0">
+                <a:ln>
+                  <a:noFill/>
+                </a:ln>
+                <a:solidFill>
+                  <a:schemeClr val="tx1"/>
+                </a:solidFill>
+                <a:effectLst/>
+                <a:uLnTx/>
+                <a:uFillTx/>
+                <a:latin typeface="+mn-lt"/>
+              </a:rPr>
+              <a:t>Client</a:t>
+            </a:r>
+            <a:r>
+              <a:rPr kumimoji="0" lang="en-US" sz="2000" i="0" u="none" strike="noStrike" kern="0" cap="none" spc="0" normalizeH="0" noProof="0" dirty="0" smtClean="0">
+                <a:ln>
+                  <a:noFill/>
+                </a:ln>
+                <a:solidFill>
+                  <a:schemeClr val="tx1"/>
+                </a:solidFill>
+                <a:effectLst/>
+                <a:uLnTx/>
+                <a:uFillTx/>
+                <a:latin typeface="+mn-lt"/>
+              </a:rPr>
+              <a:t> for each specific service works too</a:t>
+            </a:r>
+          </a:p>
+          <a:p>
+            <a:pPr marL="1257300" lvl="2" indent="-342900">
+              <a:spcBef>
+                <a:spcPct val="20000"/>
+              </a:spcBef>
+              <a:buClr>
+                <a:srgbClr val="00AAF6"/>
+              </a:buClr>
+              <a:buFontTx/>
+              <a:buChar char="•"/>
+            </a:pPr>
+            <a:r>
+              <a:rPr lang="en-US" kern="0" baseline="0" dirty="0" smtClean="0">
+                <a:latin typeface="+mn-lt"/>
+              </a:rPr>
+              <a:t>Methods</a:t>
+            </a:r>
+            <a:r>
+              <a:rPr lang="en-US" kern="0" dirty="0" smtClean="0">
+                <a:latin typeface="+mn-lt"/>
+              </a:rPr>
+              <a:t> unique to the service are available via the custom client.</a:t>
+            </a:r>
+          </a:p>
+          <a:p>
+            <a:pPr marL="800100" lvl="1" indent="-342900">
+              <a:spcBef>
+                <a:spcPct val="20000"/>
+              </a:spcBef>
+              <a:buClr>
+                <a:srgbClr val="00AAF6"/>
+              </a:buClr>
+              <a:buFontTx/>
+              <a:buChar char="•"/>
+            </a:pPr>
+            <a:r>
+              <a:rPr kumimoji="0" lang="en-US" sz="2000" i="0" u="none" strike="noStrike" kern="0" cap="none" spc="0" normalizeH="0" baseline="0" noProof="0" dirty="0" smtClean="0">
+                <a:ln>
+                  <a:noFill/>
+                </a:ln>
+                <a:solidFill>
+                  <a:schemeClr val="tx1"/>
+                </a:solidFill>
+                <a:effectLst/>
+                <a:uLnTx/>
+                <a:uFillTx/>
+                <a:latin typeface="+mn-lt"/>
+              </a:rPr>
+              <a:t>Constructed like any other Introduce-generated</a:t>
+            </a:r>
+            <a:r>
+              <a:rPr kumimoji="0" lang="en-US" sz="2000" i="0" u="none" strike="noStrike" kern="0" cap="none" spc="0" normalizeH="0" noProof="0" dirty="0" smtClean="0">
+                <a:ln>
+                  <a:noFill/>
+                </a:ln>
+                <a:solidFill>
+                  <a:schemeClr val="tx1"/>
+                </a:solidFill>
+                <a:effectLst/>
+                <a:uLnTx/>
+                <a:uFillTx/>
+                <a:latin typeface="+mn-lt"/>
+              </a:rPr>
+              <a:t> client</a:t>
+            </a:r>
+          </a:p>
+          <a:p>
+            <a:pPr marL="1257300" lvl="2" indent="-342900">
+              <a:spcBef>
+                <a:spcPct val="20000"/>
+              </a:spcBef>
+              <a:buClr>
+                <a:srgbClr val="00AAF6"/>
+              </a:buClr>
+              <a:buFontTx/>
+              <a:buChar char="•"/>
+            </a:pPr>
+            <a:r>
+              <a:rPr lang="en-US" kern="0" baseline="0" dirty="0" smtClean="0">
+                <a:latin typeface="+mn-lt"/>
+              </a:rPr>
+              <a:t>Service</a:t>
+            </a:r>
+            <a:r>
+              <a:rPr lang="en-US" kern="0" dirty="0" smtClean="0">
+                <a:latin typeface="+mn-lt"/>
+              </a:rPr>
+              <a:t> URL / EPR and optional Grid Credential</a:t>
+            </a:r>
+            <a:endParaRPr kumimoji="0" lang="en-US" i="0" u="none" strike="noStrike" kern="0" cap="none" spc="0" normalizeH="0" baseline="0" noProof="0" dirty="0">
+              <a:ln>
+                <a:noFill/>
+              </a:ln>
+              <a:solidFill>
+                <a:schemeClr val="tx1"/>
+              </a:solidFill>
+              <a:effectLst/>
+              <a:uLnTx/>
+              <a:uFillTx/>
+              <a:latin typeface="+mn-lt"/>
+            </a:endParaRPr>
+          </a:p>
+        </p:txBody>
+      </p:sp>
+    </p:spTree>
+  </p:cSld>
+  <p:clrMapOvr>
+    <a:masterClrMapping/>
+  </p:clrMapOvr>
+</p:sld>
+</file>
+
+<file path=ppt/slides/slide13.xml><?xml version="1.0" encoding="utf-8"?>
+<p:sld xmlns:a="http://schemas.openxmlformats.org/drawingml/2006/main" xmlns:r="http://schemas.openxmlformats.org/officeDocument/2006/relationships" xmlns:p="http://schemas.openxmlformats.org/presentationml/2006/main">
+  <p:cSld>
+    <p:spTree>
+      <p:nvGrpSpPr>
+        <p:cNvPr id="1" name=""/>
+        <p:cNvGrpSpPr/>
+        <p:nvPr/>
+      </p:nvGrpSpPr>
+      <p:grpSpPr>
+        <a:xfrm>
+          <a:off x="0" y="0"/>
+          <a:ext cx="0" cy="0"/>
+          <a:chOff x="0" y="0"/>
+          <a:chExt cx="0" cy="0"/>
+        </a:xfrm>
+      </p:grpSpPr>
+      <p:sp>
+        <p:nvSpPr>
+          <p:cNvPr id="2" name="Title 1"/>
+          <p:cNvSpPr>
+            <a:spLocks noGrp="1"/>
+          </p:cNvSpPr>
+          <p:nvPr>
+            <p:ph type="title"/>
+          </p:nvPr>
+        </p:nvSpPr>
+        <p:spPr/>
+        <p:txBody>
+          <a:bodyPr/>
+          <a:lstStyle/>
+          <a:p>
+            <a:r>
+              <a:rPr lang="en-US" dirty="0" smtClean="0"/>
               <a:t>Data Service Clients</a:t>
             </a:r>
             <a:endParaRPr lang="en-US" dirty="0"/>
@@ -4330,7 +4666,7 @@
 </p:sld>
 </file>
 
-<file path=ppt/slides/slide12.xml><?xml version="1.0" encoding="utf-8"?>
+<file path=ppt/slides/slide14.xml><?xml version="1.0" encoding="utf-8"?>
 <p:sld xmlns:a="http://schemas.openxmlformats.org/drawingml/2006/main" xmlns:r="http://schemas.openxmlformats.org/officeDocument/2006/relationships" xmlns:p="http://schemas.openxmlformats.org/presentationml/2006/main">
   <p:cSld>
     <p:spTree>
@@ -4455,295 +4791,6 @@
       </p:par>
     </p:tnLst>
   </p:timing>
-</p:sld>
-</file>
-
-<file path=ppt/slides/slide13.xml><?xml version="1.0" encoding="utf-8"?>
-<p:sld xmlns:a="http://schemas.openxmlformats.org/drawingml/2006/main" xmlns:r="http://schemas.openxmlformats.org/officeDocument/2006/relationships" xmlns:p="http://schemas.openxmlformats.org/presentationml/2006/main">
-  <p:cSld>
-    <p:spTree>
-      <p:nvGrpSpPr>
-        <p:cNvPr id="1" name=""/>
-        <p:cNvGrpSpPr/>
-        <p:nvPr/>
-      </p:nvGrpSpPr>
-      <p:grpSpPr>
-        <a:xfrm>
-          <a:off x="0" y="0"/>
-          <a:ext cx="0" cy="0"/>
-          <a:chOff x="0" y="0"/>
-          <a:chExt cx="0" cy="0"/>
-        </a:xfrm>
-      </p:grpSpPr>
-      <p:sp>
-        <p:nvSpPr>
-          <p:cNvPr id="2" name="Title 1"/>
-          <p:cNvSpPr>
-            <a:spLocks noGrp="1"/>
-          </p:cNvSpPr>
-          <p:nvPr>
-            <p:ph type="title"/>
-          </p:nvPr>
-        </p:nvSpPr>
-        <p:spPr/>
-        <p:txBody>
-          <a:bodyPr/>
-          <a:lstStyle/>
-          <a:p>
-            <a:r>
-              <a:rPr lang="en-US" dirty="0" smtClean="0"/>
-              <a:t>caGrid Query Language (CQL)</a:t>
-            </a:r>
-            <a:endParaRPr lang="en-US" dirty="0"/>
-          </a:p>
-        </p:txBody>
-      </p:sp>
-      <p:sp>
-        <p:nvSpPr>
-          <p:cNvPr id="3" name="Content Placeholder 2"/>
-          <p:cNvSpPr>
-            <a:spLocks noGrp="1"/>
-          </p:cNvSpPr>
-          <p:nvPr>
-            <p:ph idx="1"/>
-          </p:nvPr>
-        </p:nvSpPr>
-        <p:spPr/>
-        <p:txBody>
-          <a:bodyPr/>
-          <a:lstStyle/>
-          <a:p>
-            <a:r>
-              <a:rPr lang="en-US" sz="2000" dirty="0" smtClean="0"/>
-              <a:t>Defined by XML schema</a:t>
-            </a:r>
-          </a:p>
-          <a:p>
-            <a:pPr lvl="1"/>
-            <a:r>
-              <a:rPr lang="en-US" sz="2000" dirty="0" smtClean="0"/>
-              <a:t>Published in GME</a:t>
-            </a:r>
-          </a:p>
-          <a:p>
-            <a:pPr lvl="1"/>
-            <a:r>
-              <a:rPr lang="en-US" sz="2000" dirty="0" smtClean="0"/>
-              <a:t>Included in every caGrid Data Service</a:t>
-            </a:r>
-          </a:p>
-          <a:p>
-            <a:r>
-              <a:rPr lang="en-US" sz="2000" dirty="0" smtClean="0"/>
-              <a:t>Queries constructed in one of two ways</a:t>
-            </a:r>
-          </a:p>
-          <a:p>
-            <a:pPr lvl="1"/>
-            <a:r>
-              <a:rPr lang="en-US" sz="2000" dirty="0" smtClean="0"/>
-              <a:t>CQL object API</a:t>
-            </a:r>
-          </a:p>
-          <a:p>
-            <a:pPr lvl="2"/>
-            <a:r>
-              <a:rPr lang="en-US" sz="1800" dirty="0" smtClean="0"/>
-              <a:t>Java beans derived from CQL schema</a:t>
-            </a:r>
-          </a:p>
-          <a:p>
-            <a:pPr lvl="2"/>
-            <a:r>
-              <a:rPr lang="en-US" sz="1800" dirty="0" smtClean="0"/>
-              <a:t>Simple getter / setter functionality to add query components</a:t>
-            </a:r>
-          </a:p>
-          <a:p>
-            <a:pPr lvl="1"/>
-            <a:r>
-              <a:rPr lang="en-US" sz="2000" dirty="0" smtClean="0"/>
-              <a:t>Written XML document</a:t>
-            </a:r>
-          </a:p>
-          <a:p>
-            <a:pPr lvl="2"/>
-            <a:r>
-              <a:rPr lang="en-US" sz="1800" dirty="0" err="1" smtClean="0"/>
-              <a:t>Deserialized</a:t>
-            </a:r>
-            <a:r>
-              <a:rPr lang="en-US" sz="1800" dirty="0" smtClean="0"/>
-              <a:t> into CQL object and used with data service client API</a:t>
-            </a:r>
-          </a:p>
-          <a:p>
-            <a:pPr lvl="2"/>
-            <a:r>
-              <a:rPr lang="en-US" sz="1800" dirty="0" smtClean="0"/>
-              <a:t>Passed by other means over SOAP interface</a:t>
-            </a:r>
-          </a:p>
-        </p:txBody>
-      </p:sp>
-    </p:spTree>
-  </p:cSld>
-  <p:clrMapOvr>
-    <a:masterClrMapping/>
-  </p:clrMapOvr>
-</p:sld>
-</file>
-
-<file path=ppt/slides/slide14.xml><?xml version="1.0" encoding="utf-8"?>
-<p:sld xmlns:a="http://schemas.openxmlformats.org/drawingml/2006/main" xmlns:r="http://schemas.openxmlformats.org/officeDocument/2006/relationships" xmlns:p="http://schemas.openxmlformats.org/presentationml/2006/main">
-  <p:cSld>
-    <p:spTree>
-      <p:nvGrpSpPr>
-        <p:cNvPr id="1" name=""/>
-        <p:cNvGrpSpPr/>
-        <p:nvPr/>
-      </p:nvGrpSpPr>
-      <p:grpSpPr>
-        <a:xfrm>
-          <a:off x="0" y="0"/>
-          <a:ext cx="0" cy="0"/>
-          <a:chOff x="0" y="0"/>
-          <a:chExt cx="0" cy="0"/>
-        </a:xfrm>
-      </p:grpSpPr>
-      <p:sp>
-        <p:nvSpPr>
-          <p:cNvPr id="2" name="Title 1"/>
-          <p:cNvSpPr>
-            <a:spLocks noGrp="1"/>
-          </p:cNvSpPr>
-          <p:nvPr>
-            <p:ph type="title"/>
-          </p:nvPr>
-        </p:nvSpPr>
-        <p:spPr/>
-        <p:txBody>
-          <a:bodyPr/>
-          <a:lstStyle/>
-          <a:p>
-            <a:r>
-              <a:rPr lang="en-US" dirty="0" smtClean="0"/>
-              <a:t>Parts of a CQL Query</a:t>
-            </a:r>
-            <a:endParaRPr lang="en-US" dirty="0"/>
-          </a:p>
-        </p:txBody>
-      </p:sp>
-      <p:sp>
-        <p:nvSpPr>
-          <p:cNvPr id="3" name="Content Placeholder 2"/>
-          <p:cNvSpPr>
-            <a:spLocks noGrp="1"/>
-          </p:cNvSpPr>
-          <p:nvPr>
-            <p:ph idx="1"/>
-          </p:nvPr>
-        </p:nvSpPr>
-        <p:spPr/>
-        <p:txBody>
-          <a:bodyPr/>
-          <a:lstStyle/>
-          <a:p>
-            <a:r>
-              <a:rPr lang="en-US" sz="2000" dirty="0" smtClean="0"/>
-              <a:t>Object</a:t>
-            </a:r>
-            <a:endParaRPr lang="en-US" sz="2400" dirty="0" smtClean="0"/>
-          </a:p>
-          <a:p>
-            <a:pPr lvl="1"/>
-            <a:r>
-              <a:rPr lang="en-US" sz="2000" dirty="0" smtClean="0"/>
-              <a:t>Base for search criteria and target definition</a:t>
-            </a:r>
-          </a:p>
-          <a:p>
-            <a:pPr lvl="1"/>
-            <a:r>
-              <a:rPr lang="en-US" sz="2000" dirty="0" smtClean="0"/>
-              <a:t>Contains the name of the data type / class being searched for</a:t>
-            </a:r>
-          </a:p>
-          <a:p>
-            <a:pPr lvl="1"/>
-            <a:r>
-              <a:rPr lang="en-US" sz="2000" dirty="0" smtClean="0"/>
-              <a:t>May have one of three child query parts</a:t>
-            </a:r>
-          </a:p>
-          <a:p>
-            <a:pPr lvl="2"/>
-            <a:r>
-              <a:rPr lang="en-US" sz="1800" dirty="0" smtClean="0"/>
-              <a:t>Association, Attribute, or Group</a:t>
-            </a:r>
-          </a:p>
-          <a:p>
-            <a:r>
-              <a:rPr lang="en-US" sz="2000" dirty="0" smtClean="0"/>
-              <a:t>Target</a:t>
-            </a:r>
-          </a:p>
-          <a:p>
-            <a:pPr lvl="1"/>
-            <a:r>
-              <a:rPr lang="en-US" sz="2000" dirty="0" smtClean="0"/>
-              <a:t>Top level query component extends from Object</a:t>
-            </a:r>
-          </a:p>
-          <a:p>
-            <a:pPr lvl="1"/>
-            <a:r>
-              <a:rPr lang="en-US" sz="2000" dirty="0" smtClean="0"/>
-              <a:t>Identifies the data type which will be returned by the query</a:t>
-            </a:r>
-          </a:p>
-          <a:p>
-            <a:r>
-              <a:rPr lang="en-US" sz="2000" dirty="0" smtClean="0"/>
-              <a:t>Association</a:t>
-            </a:r>
-          </a:p>
-          <a:p>
-            <a:pPr lvl="1"/>
-            <a:r>
-              <a:rPr lang="en-US" sz="2000" dirty="0" smtClean="0"/>
-              <a:t>Lower level query component extends from Object</a:t>
-            </a:r>
-          </a:p>
-          <a:p>
-            <a:pPr lvl="1"/>
-            <a:r>
-              <a:rPr lang="en-US" sz="2000" dirty="0" smtClean="0"/>
-              <a:t>Restricts query results</a:t>
-            </a:r>
-          </a:p>
-          <a:p>
-            <a:pPr lvl="2"/>
-            <a:r>
-              <a:rPr lang="en-US" sz="1800" dirty="0" smtClean="0"/>
-              <a:t>Must be non-null</a:t>
-            </a:r>
-          </a:p>
-          <a:p>
-            <a:pPr lvl="2"/>
-            <a:r>
-              <a:rPr lang="en-US" sz="1800" dirty="0" smtClean="0"/>
-              <a:t>Further associations, attributes, or groups as child query components</a:t>
-            </a:r>
-          </a:p>
-        </p:txBody>
-      </p:sp>
-    </p:spTree>
-  </p:cSld>
-  <p:clrMapOvr>
-    <a:masterClrMapping/>
-  </p:clrMapOvr>
 </p:sld>
 </file>
 
@@ -4781,7 +4828,7 @@
           <a:p>
             <a:r>
               <a:rPr lang="en-US" dirty="0" smtClean="0"/>
-              <a:t>Parts of a CQL Query</a:t>
+              <a:t>caGrid Query Language (CQL)</a:t>
             </a:r>
             <a:endParaRPr lang="en-US" dirty="0"/>
           </a:p>
@@ -4804,64 +4851,74 @@
           <a:p>
             <a:r>
               <a:rPr lang="en-US" sz="2000" dirty="0" smtClean="0"/>
-              <a:t>Attribute</a:t>
+              <a:t>Defined by XML schema</a:t>
             </a:r>
           </a:p>
           <a:p>
             <a:pPr lvl="1"/>
             <a:r>
               <a:rPr lang="en-US" sz="2000" dirty="0" smtClean="0"/>
-              <a:t>Object property used as search criteria</a:t>
+              <a:t>Published in GME</a:t>
             </a:r>
           </a:p>
           <a:p>
             <a:pPr lvl="1"/>
             <a:r>
               <a:rPr lang="en-US" sz="2000" dirty="0" smtClean="0"/>
-              <a:t>Defined in terms of attribute name, predicate, and value</a:t>
+              <a:t>Included in every caGrid Data Service</a:t>
+            </a:r>
+          </a:p>
+          <a:p>
+            <a:r>
+              <a:rPr lang="en-US" sz="2000" dirty="0" smtClean="0"/>
+              <a:t>Queries constructed in one of two ways</a:t>
             </a:r>
           </a:p>
           <a:p>
             <a:pPr lvl="1"/>
             <a:r>
               <a:rPr lang="en-US" sz="2000" dirty="0" smtClean="0"/>
-              <a:t>Predicates are similar to SQL</a:t>
+              <a:t>CQL object API</a:t>
             </a:r>
           </a:p>
           <a:p>
             <a:pPr lvl="2"/>
             <a:r>
               <a:rPr lang="en-US" sz="1800" dirty="0" smtClean="0"/>
-              <a:t>Equals, Not Equals, Like, Less Than, Greater Than, Less or Equal, Greater or Equal, Null, and Not Null</a:t>
-            </a:r>
-          </a:p>
-          <a:p>
+              <a:t>Java beans derived from CQL schema</a:t>
+            </a:r>
+          </a:p>
+          <a:p>
+            <a:pPr lvl="2"/>
+            <a:r>
+              <a:rPr lang="en-US" sz="1800" dirty="0" smtClean="0"/>
+              <a:t>Simple getter / setter functionality to add query components</a:t>
+            </a:r>
+          </a:p>
+          <a:p>
+            <a:pPr lvl="1"/>
             <a:r>
               <a:rPr lang="en-US" sz="2000" dirty="0" smtClean="0"/>
-              <a:t>Group</a:t>
-            </a:r>
-          </a:p>
-          <a:p>
-            <a:pPr lvl="1"/>
-            <a:r>
-              <a:rPr lang="en-US" sz="2000" dirty="0" smtClean="0"/>
-              <a:t>A logical join of child search criteria</a:t>
+              <a:t>Written XML document</a:t>
             </a:r>
           </a:p>
           <a:p>
             <a:pPr lvl="2"/>
             <a:r>
+              <a:rPr lang="en-US" sz="1800" dirty="0" err="1" smtClean="0"/>
+              <a:t>Deserialized</a:t>
+            </a:r>
+            <a:r>
               <a:rPr lang="en-US" sz="1800" dirty="0" smtClean="0"/>
-              <a:t>Logical operators AND / OR</a:t>
-            </a:r>
-          </a:p>
-          <a:p>
-            <a:pPr lvl="1"/>
-            <a:r>
-              <a:rPr lang="en-US" sz="2000" dirty="0" smtClean="0"/>
-              <a:t>May have one or more Attributes, Associations, or additional Groups in combination</a:t>
-            </a:r>
-            <a:endParaRPr lang="en-US" sz="2000" dirty="0"/>
+              <a:t> into CQL object and used with data service client API</a:t>
+            </a:r>
+          </a:p>
+          <a:p>
+            <a:pPr lvl="2"/>
+            <a:r>
+              <a:rPr lang="en-US" sz="1800" dirty="0" smtClean="0"/>
+              <a:t>Passed by other means over SOAP interface</a:t>
+            </a:r>
           </a:p>
         </p:txBody>
       </p:sp>
@@ -4874,6 +4931,285 @@
 </file>
 
 <file path=ppt/slides/slide16.xml><?xml version="1.0" encoding="utf-8"?>
+<p:sld xmlns:a="http://schemas.openxmlformats.org/drawingml/2006/main" xmlns:r="http://schemas.openxmlformats.org/officeDocument/2006/relationships" xmlns:p="http://schemas.openxmlformats.org/presentationml/2006/main">
+  <p:cSld>
+    <p:spTree>
+      <p:nvGrpSpPr>
+        <p:cNvPr id="1" name=""/>
+        <p:cNvGrpSpPr/>
+        <p:nvPr/>
+      </p:nvGrpSpPr>
+      <p:grpSpPr>
+        <a:xfrm>
+          <a:off x="0" y="0"/>
+          <a:ext cx="0" cy="0"/>
+          <a:chOff x="0" y="0"/>
+          <a:chExt cx="0" cy="0"/>
+        </a:xfrm>
+      </p:grpSpPr>
+      <p:sp>
+        <p:nvSpPr>
+          <p:cNvPr id="2" name="Title 1"/>
+          <p:cNvSpPr>
+            <a:spLocks noGrp="1"/>
+          </p:cNvSpPr>
+          <p:nvPr>
+            <p:ph type="title"/>
+          </p:nvPr>
+        </p:nvSpPr>
+        <p:spPr/>
+        <p:txBody>
+          <a:bodyPr/>
+          <a:lstStyle/>
+          <a:p>
+            <a:r>
+              <a:rPr lang="en-US" dirty="0" smtClean="0"/>
+              <a:t>Parts of a CQL Query</a:t>
+            </a:r>
+            <a:endParaRPr lang="en-US" dirty="0"/>
+          </a:p>
+        </p:txBody>
+      </p:sp>
+      <p:sp>
+        <p:nvSpPr>
+          <p:cNvPr id="3" name="Content Placeholder 2"/>
+          <p:cNvSpPr>
+            <a:spLocks noGrp="1"/>
+          </p:cNvSpPr>
+          <p:nvPr>
+            <p:ph idx="1"/>
+          </p:nvPr>
+        </p:nvSpPr>
+        <p:spPr/>
+        <p:txBody>
+          <a:bodyPr/>
+          <a:lstStyle/>
+          <a:p>
+            <a:r>
+              <a:rPr lang="en-US" sz="2000" dirty="0" smtClean="0"/>
+              <a:t>Object</a:t>
+            </a:r>
+            <a:endParaRPr lang="en-US" sz="2400" dirty="0" smtClean="0"/>
+          </a:p>
+          <a:p>
+            <a:pPr lvl="1"/>
+            <a:r>
+              <a:rPr lang="en-US" sz="2000" dirty="0" smtClean="0"/>
+              <a:t>Base for search criteria and target definition</a:t>
+            </a:r>
+          </a:p>
+          <a:p>
+            <a:pPr lvl="1"/>
+            <a:r>
+              <a:rPr lang="en-US" sz="2000" dirty="0" smtClean="0"/>
+              <a:t>Contains the name of the data type / class being searched for</a:t>
+            </a:r>
+          </a:p>
+          <a:p>
+            <a:pPr lvl="1"/>
+            <a:r>
+              <a:rPr lang="en-US" sz="2000" dirty="0" smtClean="0"/>
+              <a:t>May have one of three child query parts</a:t>
+            </a:r>
+          </a:p>
+          <a:p>
+            <a:pPr lvl="2"/>
+            <a:r>
+              <a:rPr lang="en-US" sz="1800" dirty="0" smtClean="0"/>
+              <a:t>Association, Attribute, or Group</a:t>
+            </a:r>
+          </a:p>
+          <a:p>
+            <a:r>
+              <a:rPr lang="en-US" sz="2000" dirty="0" smtClean="0"/>
+              <a:t>Target</a:t>
+            </a:r>
+          </a:p>
+          <a:p>
+            <a:pPr lvl="1"/>
+            <a:r>
+              <a:rPr lang="en-US" sz="2000" dirty="0" smtClean="0"/>
+              <a:t>Top level query component extends from Object</a:t>
+            </a:r>
+          </a:p>
+          <a:p>
+            <a:pPr lvl="1"/>
+            <a:r>
+              <a:rPr lang="en-US" sz="2000" dirty="0" smtClean="0"/>
+              <a:t>Identifies the data type which will be returned by the query</a:t>
+            </a:r>
+          </a:p>
+          <a:p>
+            <a:r>
+              <a:rPr lang="en-US" sz="2000" dirty="0" smtClean="0"/>
+              <a:t>Association</a:t>
+            </a:r>
+          </a:p>
+          <a:p>
+            <a:pPr lvl="1"/>
+            <a:r>
+              <a:rPr lang="en-US" sz="2000" dirty="0" smtClean="0"/>
+              <a:t>Lower level query component extends from Object</a:t>
+            </a:r>
+          </a:p>
+          <a:p>
+            <a:pPr lvl="1"/>
+            <a:r>
+              <a:rPr lang="en-US" sz="2000" dirty="0" smtClean="0"/>
+              <a:t>Restricts query results</a:t>
+            </a:r>
+          </a:p>
+          <a:p>
+            <a:pPr lvl="2"/>
+            <a:r>
+              <a:rPr lang="en-US" sz="1800" dirty="0" smtClean="0"/>
+              <a:t>Must be non-null</a:t>
+            </a:r>
+          </a:p>
+          <a:p>
+            <a:pPr lvl="2"/>
+            <a:r>
+              <a:rPr lang="en-US" sz="1800" dirty="0" smtClean="0"/>
+              <a:t>Further associations, attributes, or groups as child query components</a:t>
+            </a:r>
+          </a:p>
+        </p:txBody>
+      </p:sp>
+    </p:spTree>
+  </p:cSld>
+  <p:clrMapOvr>
+    <a:masterClrMapping/>
+  </p:clrMapOvr>
+</p:sld>
+</file>
+
+<file path=ppt/slides/slide17.xml><?xml version="1.0" encoding="utf-8"?>
+<p:sld xmlns:a="http://schemas.openxmlformats.org/drawingml/2006/main" xmlns:r="http://schemas.openxmlformats.org/officeDocument/2006/relationships" xmlns:p="http://schemas.openxmlformats.org/presentationml/2006/main">
+  <p:cSld>
+    <p:spTree>
+      <p:nvGrpSpPr>
+        <p:cNvPr id="1" name=""/>
+        <p:cNvGrpSpPr/>
+        <p:nvPr/>
+      </p:nvGrpSpPr>
+      <p:grpSpPr>
+        <a:xfrm>
+          <a:off x="0" y="0"/>
+          <a:ext cx="0" cy="0"/>
+          <a:chOff x="0" y="0"/>
+          <a:chExt cx="0" cy="0"/>
+        </a:xfrm>
+      </p:grpSpPr>
+      <p:sp>
+        <p:nvSpPr>
+          <p:cNvPr id="2" name="Title 1"/>
+          <p:cNvSpPr>
+            <a:spLocks noGrp="1"/>
+          </p:cNvSpPr>
+          <p:nvPr>
+            <p:ph type="title"/>
+          </p:nvPr>
+        </p:nvSpPr>
+        <p:spPr/>
+        <p:txBody>
+          <a:bodyPr/>
+          <a:lstStyle/>
+          <a:p>
+            <a:r>
+              <a:rPr lang="en-US" dirty="0" smtClean="0"/>
+              <a:t>Parts of a CQL Query</a:t>
+            </a:r>
+            <a:endParaRPr lang="en-US" dirty="0"/>
+          </a:p>
+        </p:txBody>
+      </p:sp>
+      <p:sp>
+        <p:nvSpPr>
+          <p:cNvPr id="3" name="Content Placeholder 2"/>
+          <p:cNvSpPr>
+            <a:spLocks noGrp="1"/>
+          </p:cNvSpPr>
+          <p:nvPr>
+            <p:ph idx="1"/>
+          </p:nvPr>
+        </p:nvSpPr>
+        <p:spPr/>
+        <p:txBody>
+          <a:bodyPr/>
+          <a:lstStyle/>
+          <a:p>
+            <a:r>
+              <a:rPr lang="en-US" sz="2000" dirty="0" smtClean="0"/>
+              <a:t>Attribute</a:t>
+            </a:r>
+          </a:p>
+          <a:p>
+            <a:pPr lvl="1"/>
+            <a:r>
+              <a:rPr lang="en-US" sz="2000" dirty="0" smtClean="0"/>
+              <a:t>Object property used as search criteria</a:t>
+            </a:r>
+          </a:p>
+          <a:p>
+            <a:pPr lvl="1"/>
+            <a:r>
+              <a:rPr lang="en-US" sz="2000" dirty="0" smtClean="0"/>
+              <a:t>Defined in terms of attribute name, predicate, and value</a:t>
+            </a:r>
+          </a:p>
+          <a:p>
+            <a:pPr lvl="1"/>
+            <a:r>
+              <a:rPr lang="en-US" sz="2000" dirty="0" smtClean="0"/>
+              <a:t>Predicates are similar to SQL</a:t>
+            </a:r>
+          </a:p>
+          <a:p>
+            <a:pPr lvl="2"/>
+            <a:r>
+              <a:rPr lang="en-US" sz="1800" dirty="0" smtClean="0"/>
+              <a:t>Equals, Not Equals, Like, Less Than, Greater Than, Less or Equal, Greater or Equal, Null, and Not Null</a:t>
+            </a:r>
+          </a:p>
+          <a:p>
+            <a:r>
+              <a:rPr lang="en-US" sz="2000" dirty="0" smtClean="0"/>
+              <a:t>Group</a:t>
+            </a:r>
+          </a:p>
+          <a:p>
+            <a:pPr lvl="1"/>
+            <a:r>
+              <a:rPr lang="en-US" sz="2000" dirty="0" smtClean="0"/>
+              <a:t>A logical join of child search criteria</a:t>
+            </a:r>
+          </a:p>
+          <a:p>
+            <a:pPr lvl="2"/>
+            <a:r>
+              <a:rPr lang="en-US" sz="1800" dirty="0" smtClean="0"/>
+              <a:t>Logical operators AND / OR</a:t>
+            </a:r>
+          </a:p>
+          <a:p>
+            <a:pPr lvl="1"/>
+            <a:r>
+              <a:rPr lang="en-US" sz="2000" dirty="0" smtClean="0"/>
+              <a:t>May have one or more Attributes, Associations, or additional Groups in combination</a:t>
+            </a:r>
+            <a:endParaRPr lang="en-US" sz="2000" dirty="0"/>
+          </a:p>
+        </p:txBody>
+      </p:sp>
+    </p:spTree>
+  </p:cSld>
+  <p:clrMapOvr>
+    <a:masterClrMapping/>
+  </p:clrMapOvr>
+</p:sld>
+</file>
+
+<file path=ppt/slides/slide18.xml><?xml version="1.0" encoding="utf-8"?>
 <p:sld xmlns:a="http://schemas.openxmlformats.org/drawingml/2006/main" xmlns:r="http://schemas.openxmlformats.org/officeDocument/2006/relationships" xmlns:p="http://schemas.openxmlformats.org/presentationml/2006/main">
   <p:cSld>
     <p:spTree>
@@ -5335,7 +5671,7 @@
 </p:sld>
 </file>
 
-<file path=ppt/slides/slide17.xml><?xml version="1.0" encoding="utf-8"?>
+<file path=ppt/slides/slide19.xml><?xml version="1.0" encoding="utf-8"?>
 <p:sld xmlns:a="http://schemas.openxmlformats.org/drawingml/2006/main" xmlns:r="http://schemas.openxmlformats.org/officeDocument/2006/relationships" xmlns:p="http://schemas.openxmlformats.org/presentationml/2006/main">
   <p:cSld>
     <p:spTree>
@@ -5956,7 +6292,142 @@
 </p:sld>
 </file>
 
-<file path=ppt/slides/slide18.xml><?xml version="1.0" encoding="utf-8"?>
+<file path=ppt/slides/slide2.xml><?xml version="1.0" encoding="utf-8"?>
+<p:sld xmlns:a="http://schemas.openxmlformats.org/drawingml/2006/main" xmlns:r="http://schemas.openxmlformats.org/officeDocument/2006/relationships" xmlns:p="http://schemas.openxmlformats.org/presentationml/2006/main">
+  <p:cSld>
+    <p:spTree>
+      <p:nvGrpSpPr>
+        <p:cNvPr id="1" name=""/>
+        <p:cNvGrpSpPr/>
+        <p:nvPr/>
+      </p:nvGrpSpPr>
+      <p:grpSpPr>
+        <a:xfrm>
+          <a:off x="0" y="0"/>
+          <a:ext cx="0" cy="0"/>
+          <a:chOff x="0" y="0"/>
+          <a:chExt cx="0" cy="0"/>
+        </a:xfrm>
+      </p:grpSpPr>
+      <p:sp>
+        <p:nvSpPr>
+          <p:cNvPr id="5122" name="Rectangle 2"/>
+          <p:cNvSpPr>
+            <a:spLocks noGrp="1" noChangeArrowheads="1"/>
+          </p:cNvSpPr>
+          <p:nvPr>
+            <p:ph type="title"/>
+          </p:nvPr>
+        </p:nvSpPr>
+        <p:spPr/>
+        <p:txBody>
+          <a:bodyPr/>
+          <a:lstStyle/>
+          <a:p>
+            <a:r>
+              <a:rPr lang="en-US" dirty="0" smtClean="0"/>
+              <a:t>caGrid Data Services</a:t>
+            </a:r>
+            <a:endParaRPr lang="en-US" dirty="0"/>
+          </a:p>
+        </p:txBody>
+      </p:sp>
+      <p:sp>
+        <p:nvSpPr>
+          <p:cNvPr id="5123" name="Rectangle 3"/>
+          <p:cNvSpPr>
+            <a:spLocks noGrp="1" noChangeArrowheads="1"/>
+          </p:cNvSpPr>
+          <p:nvPr>
+            <p:ph type="body" idx="1"/>
+          </p:nvPr>
+        </p:nvSpPr>
+        <p:spPr/>
+        <p:txBody>
+          <a:bodyPr/>
+          <a:lstStyle/>
+          <a:p>
+            <a:r>
+              <a:rPr lang="en-US" sz="2000" dirty="0" smtClean="0"/>
+              <a:t>caGrid Data Services provide capability to expose data resources to the Grid</a:t>
+            </a:r>
+          </a:p>
+          <a:p>
+            <a:r>
+              <a:rPr lang="en-US" sz="2000" dirty="0" smtClean="0"/>
+              <a:t>Specialization of caGrid grid services to expose data through a common query interface</a:t>
+            </a:r>
+          </a:p>
+          <a:p>
+            <a:pPr lvl="1"/>
+            <a:r>
+              <a:rPr lang="en-US" sz="2000" dirty="0" smtClean="0"/>
+              <a:t>Meet all base service requirements of caGrid services</a:t>
+            </a:r>
+          </a:p>
+          <a:p>
+            <a:r>
+              <a:rPr lang="en-US" sz="2000" dirty="0" smtClean="0"/>
+              <a:t>Present an object view of data sources</a:t>
+            </a:r>
+          </a:p>
+          <a:p>
+            <a:pPr lvl="1"/>
+            <a:r>
+              <a:rPr lang="en-US" sz="2000" dirty="0" smtClean="0"/>
+              <a:t>Exposed objects are registered in </a:t>
+            </a:r>
+            <a:r>
+              <a:rPr lang="en-US" sz="2000" dirty="0" err="1" smtClean="0"/>
+              <a:t>caDSR</a:t>
+            </a:r>
+            <a:r>
+              <a:rPr lang="en-US" sz="2000" dirty="0" smtClean="0"/>
+              <a:t> and their XML representation in GME</a:t>
+            </a:r>
+          </a:p>
+          <a:p>
+            <a:pPr lvl="1"/>
+            <a:r>
+              <a:rPr lang="en-US" sz="2000" dirty="0" smtClean="0"/>
+              <a:t>Data Service Metadata describes information model</a:t>
+            </a:r>
+          </a:p>
+          <a:p>
+            <a:pPr lvl="1"/>
+            <a:r>
+              <a:rPr lang="en-US" sz="2000" dirty="0" smtClean="0"/>
+              <a:t>Queries made with CQL Query objects</a:t>
+            </a:r>
+          </a:p>
+          <a:p>
+            <a:pPr lvl="2"/>
+            <a:r>
+              <a:rPr lang="en-US" sz="1800" dirty="0" smtClean="0"/>
+              <a:t>Results returned as objects nested in a CQL Query Result Set</a:t>
+            </a:r>
+          </a:p>
+          <a:p>
+            <a:r>
+              <a:rPr lang="en-US" sz="2000" dirty="0" smtClean="0"/>
+              <a:t>Graphical Development tool, implemented as an extension to the Introduce Toolkit, is used to create the new grid service</a:t>
+            </a:r>
+          </a:p>
+          <a:p>
+            <a:pPr lvl="1"/>
+            <a:endParaRPr lang="en-US" sz="1600" dirty="0"/>
+          </a:p>
+        </p:txBody>
+      </p:sp>
+    </p:spTree>
+  </p:cSld>
+  <p:clrMapOvr>
+    <a:masterClrMapping/>
+  </p:clrMapOvr>
+</p:sld>
+</file>
+
+<file path=ppt/slides/slide20.xml><?xml version="1.0" encoding="utf-8"?>
 <p:sld xmlns:a="http://schemas.openxmlformats.org/drawingml/2006/main" xmlns:r="http://schemas.openxmlformats.org/officeDocument/2006/relationships" xmlns:p="http://schemas.openxmlformats.org/presentationml/2006/main">
   <p:cSld>
     <p:spTree>
@@ -6768,7 +7239,7 @@
 </p:sld>
 </file>
 
-<file path=ppt/slides/slide19.xml><?xml version="1.0" encoding="utf-8"?>
+<file path=ppt/slides/slide21.xml><?xml version="1.0" encoding="utf-8"?>
 <p:sld xmlns:a="http://schemas.openxmlformats.org/drawingml/2006/main" xmlns:r="http://schemas.openxmlformats.org/officeDocument/2006/relationships" xmlns:p="http://schemas.openxmlformats.org/presentationml/2006/main">
   <p:cSld>
     <p:spTree>
@@ -7716,142 +8187,7 @@
 </p:sld>
 </file>
 
-<file path=ppt/slides/slide2.xml><?xml version="1.0" encoding="utf-8"?>
-<p:sld xmlns:a="http://schemas.openxmlformats.org/drawingml/2006/main" xmlns:r="http://schemas.openxmlformats.org/officeDocument/2006/relationships" xmlns:p="http://schemas.openxmlformats.org/presentationml/2006/main">
-  <p:cSld>
-    <p:spTree>
-      <p:nvGrpSpPr>
-        <p:cNvPr id="1" name=""/>
-        <p:cNvGrpSpPr/>
-        <p:nvPr/>
-      </p:nvGrpSpPr>
-      <p:grpSpPr>
-        <a:xfrm>
-          <a:off x="0" y="0"/>
-          <a:ext cx="0" cy="0"/>
-          <a:chOff x="0" y="0"/>
-          <a:chExt cx="0" cy="0"/>
-        </a:xfrm>
-      </p:grpSpPr>
-      <p:sp>
-        <p:nvSpPr>
-          <p:cNvPr id="5122" name="Rectangle 2"/>
-          <p:cNvSpPr>
-            <a:spLocks noGrp="1" noChangeArrowheads="1"/>
-          </p:cNvSpPr>
-          <p:nvPr>
-            <p:ph type="title"/>
-          </p:nvPr>
-        </p:nvSpPr>
-        <p:spPr/>
-        <p:txBody>
-          <a:bodyPr/>
-          <a:lstStyle/>
-          <a:p>
-            <a:r>
-              <a:rPr lang="en-US" dirty="0" smtClean="0"/>
-              <a:t>caGrid Data Services</a:t>
-            </a:r>
-            <a:endParaRPr lang="en-US" dirty="0"/>
-          </a:p>
-        </p:txBody>
-      </p:sp>
-      <p:sp>
-        <p:nvSpPr>
-          <p:cNvPr id="5123" name="Rectangle 3"/>
-          <p:cNvSpPr>
-            <a:spLocks noGrp="1" noChangeArrowheads="1"/>
-          </p:cNvSpPr>
-          <p:nvPr>
-            <p:ph type="body" idx="1"/>
-          </p:nvPr>
-        </p:nvSpPr>
-        <p:spPr/>
-        <p:txBody>
-          <a:bodyPr/>
-          <a:lstStyle/>
-          <a:p>
-            <a:r>
-              <a:rPr lang="en-US" sz="2000" dirty="0" smtClean="0"/>
-              <a:t>caGrid Data Services provide capability to expose data resources to the Grid</a:t>
-            </a:r>
-          </a:p>
-          <a:p>
-            <a:r>
-              <a:rPr lang="en-US" sz="2000" dirty="0" smtClean="0"/>
-              <a:t>Specialization of caGrid grid services to expose data through a common query interface</a:t>
-            </a:r>
-          </a:p>
-          <a:p>
-            <a:pPr lvl="1"/>
-            <a:r>
-              <a:rPr lang="en-US" sz="2000" dirty="0" smtClean="0"/>
-              <a:t>Meet all base service requirements of caGrid services</a:t>
-            </a:r>
-          </a:p>
-          <a:p>
-            <a:r>
-              <a:rPr lang="en-US" sz="2000" dirty="0" smtClean="0"/>
-              <a:t>Present an object view of data sources</a:t>
-            </a:r>
-          </a:p>
-          <a:p>
-            <a:pPr lvl="1"/>
-            <a:r>
-              <a:rPr lang="en-US" sz="2000" dirty="0" smtClean="0"/>
-              <a:t>Exposed objects are registered in </a:t>
-            </a:r>
-            <a:r>
-              <a:rPr lang="en-US" sz="2000" dirty="0" err="1" smtClean="0"/>
-              <a:t>caDSR</a:t>
-            </a:r>
-            <a:r>
-              <a:rPr lang="en-US" sz="2000" dirty="0" smtClean="0"/>
-              <a:t> and their XML representation in GME</a:t>
-            </a:r>
-          </a:p>
-          <a:p>
-            <a:pPr lvl="1"/>
-            <a:r>
-              <a:rPr lang="en-US" sz="2000" dirty="0" smtClean="0"/>
-              <a:t>Data Service Metadata describes information model</a:t>
-            </a:r>
-          </a:p>
-          <a:p>
-            <a:pPr lvl="1"/>
-            <a:r>
-              <a:rPr lang="en-US" sz="2000" dirty="0" smtClean="0"/>
-              <a:t>Queries made with CQL Query objects</a:t>
-            </a:r>
-          </a:p>
-          <a:p>
-            <a:pPr lvl="2"/>
-            <a:r>
-              <a:rPr lang="en-US" sz="1800" dirty="0" smtClean="0"/>
-              <a:t>Results returned as objects nested in a CQL Query Result Set</a:t>
-            </a:r>
-          </a:p>
-          <a:p>
-            <a:r>
-              <a:rPr lang="en-US" sz="2000" dirty="0" smtClean="0"/>
-              <a:t>Graphical Development tool, implemented as an extension to the Introduce Toolkit, is used to create the new grid service</a:t>
-            </a:r>
-          </a:p>
-          <a:p>
-            <a:pPr lvl="1"/>
-            <a:endParaRPr lang="en-US" sz="1600" dirty="0"/>
-          </a:p>
-        </p:txBody>
-      </p:sp>
-    </p:spTree>
-  </p:cSld>
-  <p:clrMapOvr>
-    <a:masterClrMapping/>
-  </p:clrMapOvr>
-</p:sld>
-</file>
-
-<file path=ppt/slides/slide20.xml><?xml version="1.0" encoding="utf-8"?>
+<file path=ppt/slides/slide22.xml><?xml version="1.0" encoding="utf-8"?>
 <p:sld xmlns:a="http://schemas.openxmlformats.org/drawingml/2006/main" xmlns:r="http://schemas.openxmlformats.org/officeDocument/2006/relationships" xmlns:p="http://schemas.openxmlformats.org/presentationml/2006/main">
   <p:cSld>
     <p:spTree>
@@ -8266,770 +8602,6 @@
           </a:p>
         </p:txBody>
       </p:sp>
-    </p:spTree>
-  </p:cSld>
-  <p:clrMapOvr>
-    <a:masterClrMapping/>
-  </p:clrMapOvr>
-</p:sld>
-</file>
-
-<file path=ppt/slides/slide21.xml><?xml version="1.0" encoding="utf-8"?>
-<p:sld xmlns:a="http://schemas.openxmlformats.org/drawingml/2006/main" xmlns:r="http://schemas.openxmlformats.org/officeDocument/2006/relationships" xmlns:p="http://schemas.openxmlformats.org/presentationml/2006/main">
-  <p:cSld>
-    <p:spTree>
-      <p:nvGrpSpPr>
-        <p:cNvPr id="1" name=""/>
-        <p:cNvGrpSpPr/>
-        <p:nvPr/>
-      </p:nvGrpSpPr>
-      <p:grpSpPr>
-        <a:xfrm>
-          <a:off x="0" y="0"/>
-          <a:ext cx="0" cy="0"/>
-          <a:chOff x="0" y="0"/>
-          <a:chExt cx="0" cy="0"/>
-        </a:xfrm>
-      </p:grpSpPr>
-      <p:sp>
-        <p:nvSpPr>
-          <p:cNvPr id="2" name="Title 1"/>
-          <p:cNvSpPr>
-            <a:spLocks noGrp="1"/>
-          </p:cNvSpPr>
-          <p:nvPr>
-            <p:ph type="title"/>
-          </p:nvPr>
-        </p:nvSpPr>
-        <p:spPr/>
-        <p:txBody>
-          <a:bodyPr/>
-          <a:lstStyle/>
-          <a:p>
-            <a:r>
-              <a:rPr lang="en-US" dirty="0" smtClean="0"/>
-              <a:t>Handling CQL Results</a:t>
-            </a:r>
-            <a:endParaRPr lang="en-US" dirty="0"/>
-          </a:p>
-        </p:txBody>
-      </p:sp>
-      <p:sp>
-        <p:nvSpPr>
-          <p:cNvPr id="4" name="Content Placeholder 2"/>
-          <p:cNvSpPr txBox="1">
-            <a:spLocks/>
-          </p:cNvSpPr>
-          <p:nvPr/>
-        </p:nvSpPr>
-        <p:spPr bwMode="auto">
-          <a:xfrm>
-            <a:off x="304800" y="1371600"/>
-            <a:ext cx="8458200" cy="4953000"/>
-          </a:xfrm>
-          <a:prstGeom prst="rect">
-            <a:avLst/>
-          </a:prstGeom>
-          <a:noFill/>
-          <a:ln w="9525">
-            <a:noFill/>
-            <a:miter lim="800000"/>
-            <a:headEnd/>
-            <a:tailEnd/>
-          </a:ln>
-          <a:effectLst/>
-        </p:spPr>
-        <p:txBody>
-          <a:bodyPr vert="horz" wrap="square" lIns="91440" tIns="45720" rIns="91440" bIns="45720" numCol="1" anchor="t" anchorCtr="0" compatLnSpc="1">
-            <a:prstTxWarp prst="textNoShape">
-              <a:avLst/>
-            </a:prstTxWarp>
-          </a:bodyPr>
-          <a:lstStyle/>
-          <a:p>
-            <a:pPr marL="342900" marR="0" lvl="0" indent="-342900" algn="l" defTabSz="914400" rtl="0" eaLnBrk="1" fontAlgn="base" latinLnBrk="0" hangingPunct="1">
-              <a:lnSpc>
-                <a:spcPct val="100000"/>
-              </a:lnSpc>
-              <a:spcBef>
-                <a:spcPct val="20000"/>
-              </a:spcBef>
-              <a:spcAft>
-                <a:spcPct val="0"/>
-              </a:spcAft>
-              <a:buClr>
-                <a:srgbClr val="00AAF6"/>
-              </a:buClr>
-              <a:buSzTx/>
-              <a:buFontTx/>
-              <a:buChar char="•"/>
-              <a:tabLst/>
-              <a:defRPr/>
-            </a:pPr>
-            <a:r>
-              <a:rPr lang="en-US" sz="2000" b="1" kern="0" dirty="0" err="1" smtClean="0">
-                <a:latin typeface="+mn-lt"/>
-              </a:rPr>
-              <a:t>CQLQueryResultsIterator</a:t>
-            </a:r>
-            <a:endParaRPr lang="en-US" sz="2000" b="1" kern="0" dirty="0" smtClean="0">
-              <a:latin typeface="+mn-lt"/>
-            </a:endParaRPr>
-          </a:p>
-          <a:p>
-            <a:pPr marL="800100" lvl="1" indent="-342900">
-              <a:spcBef>
-                <a:spcPct val="20000"/>
-              </a:spcBef>
-              <a:buClr>
-                <a:srgbClr val="00AAF6"/>
-              </a:buClr>
-              <a:buFontTx/>
-              <a:buChar char="•"/>
-              <a:defRPr/>
-            </a:pPr>
-            <a:r>
-              <a:rPr lang="en-US" sz="2000" kern="0" dirty="0" smtClean="0">
-                <a:latin typeface="+mn-lt"/>
-              </a:rPr>
-              <a:t>Implements </a:t>
-            </a:r>
-            <a:r>
-              <a:rPr lang="en-US" sz="2000" kern="0" dirty="0" err="1" smtClean="0">
-                <a:latin typeface="+mn-lt"/>
-              </a:rPr>
-              <a:t>java.util.Iterator</a:t>
-            </a:r>
-            <a:endParaRPr lang="en-US" sz="2000" kern="0" dirty="0" smtClean="0">
-              <a:latin typeface="+mn-lt"/>
-            </a:endParaRPr>
-          </a:p>
-          <a:p>
-            <a:pPr marL="800100" lvl="1" indent="-342900">
-              <a:spcBef>
-                <a:spcPct val="20000"/>
-              </a:spcBef>
-              <a:buClr>
-                <a:srgbClr val="00AAF6"/>
-              </a:buClr>
-              <a:buFontTx/>
-              <a:buChar char="•"/>
-              <a:defRPr/>
-            </a:pPr>
-            <a:r>
-              <a:rPr lang="en-US" sz="2000" kern="0" dirty="0" smtClean="0">
-                <a:latin typeface="+mn-lt"/>
-              </a:rPr>
-              <a:t>next() can return </a:t>
-            </a:r>
-            <a:r>
-              <a:rPr lang="en-US" sz="2000" kern="0" dirty="0" err="1" smtClean="0">
-                <a:latin typeface="+mn-lt"/>
-              </a:rPr>
-              <a:t>deserialized</a:t>
-            </a:r>
-            <a:r>
-              <a:rPr lang="en-US" sz="2000" kern="0" dirty="0" smtClean="0">
-                <a:latin typeface="+mn-lt"/>
-              </a:rPr>
-              <a:t> objects or XML text</a:t>
-            </a:r>
-            <a:endParaRPr lang="en-US" sz="2000" kern="0" dirty="0" smtClean="0">
-              <a:latin typeface="+mn-lt"/>
-            </a:endParaRPr>
-          </a:p>
-          <a:p>
-            <a:pPr marL="800100" lvl="1" indent="-342900">
-              <a:spcBef>
-                <a:spcPct val="20000"/>
-              </a:spcBef>
-              <a:buClr>
-                <a:srgbClr val="00AAF6"/>
-              </a:buClr>
-              <a:buFontTx/>
-              <a:buChar char="•"/>
-              <a:defRPr/>
-            </a:pPr>
-            <a:r>
-              <a:rPr lang="en-US" sz="2000" kern="0" dirty="0" smtClean="0">
-                <a:latin typeface="+mn-lt"/>
-              </a:rPr>
-              <a:t>Configured by client-</a:t>
-            </a:r>
-            <a:r>
-              <a:rPr lang="en-US" sz="2000" kern="0" dirty="0" err="1" smtClean="0">
-                <a:latin typeface="+mn-lt"/>
-              </a:rPr>
-              <a:t>config.wsdd</a:t>
-            </a:r>
-            <a:r>
-              <a:rPr lang="en-US" sz="2000" kern="0" dirty="0" smtClean="0">
-                <a:latin typeface="+mn-lt"/>
-              </a:rPr>
-              <a:t> document at construction</a:t>
-            </a:r>
-          </a:p>
-          <a:p>
-            <a:pPr marL="1257300" lvl="2" indent="-342900">
-              <a:spcBef>
-                <a:spcPct val="20000"/>
-              </a:spcBef>
-              <a:buClr>
-                <a:srgbClr val="00AAF6"/>
-              </a:buClr>
-              <a:buFontTx/>
-              <a:buChar char="•"/>
-              <a:defRPr/>
-            </a:pPr>
-            <a:r>
-              <a:rPr lang="en-US" kern="0" dirty="0" smtClean="0">
-                <a:latin typeface="+mn-lt"/>
-              </a:rPr>
-              <a:t>Optional – needed for </a:t>
-            </a:r>
-            <a:r>
-              <a:rPr lang="en-US" kern="0" smtClean="0">
-                <a:latin typeface="+mn-lt"/>
-              </a:rPr>
-              <a:t>custom object deserialization</a:t>
-            </a:r>
-            <a:endParaRPr lang="en-US" kern="0" dirty="0" smtClean="0">
-              <a:latin typeface="+mn-lt"/>
-            </a:endParaRPr>
-          </a:p>
-          <a:p>
-            <a:pPr marL="342900" indent="-342900">
-              <a:spcBef>
-                <a:spcPct val="20000"/>
-              </a:spcBef>
-              <a:buClr>
-                <a:srgbClr val="00AAF6"/>
-              </a:buClr>
-              <a:buFontTx/>
-              <a:buChar char="•"/>
-              <a:defRPr/>
-            </a:pPr>
-            <a:r>
-              <a:rPr lang="en-US" sz="2000" b="1" kern="0" dirty="0" err="1" smtClean="0">
-                <a:latin typeface="+mn-lt"/>
-              </a:rPr>
-              <a:t>DataServiceIterator</a:t>
-            </a:r>
-            <a:endParaRPr lang="en-US" sz="2000" b="1" i="1" kern="0" dirty="0" smtClean="0">
-              <a:latin typeface="+mn-lt"/>
-            </a:endParaRPr>
-          </a:p>
-          <a:p>
-            <a:pPr marL="800100" lvl="1" indent="-342900">
-              <a:spcBef>
-                <a:spcPct val="20000"/>
-              </a:spcBef>
-              <a:buClr>
-                <a:srgbClr val="00AAF6"/>
-              </a:buClr>
-              <a:buFontTx/>
-              <a:buChar char="•"/>
-              <a:defRPr/>
-            </a:pPr>
-            <a:r>
-              <a:rPr lang="en-US" sz="2000" kern="0" dirty="0" smtClean="0">
-                <a:latin typeface="+mn-lt"/>
-              </a:rPr>
-              <a:t>Interface that takes a CQL query and returns an </a:t>
-            </a:r>
-            <a:r>
-              <a:rPr lang="en-US" sz="2000" kern="0" dirty="0" err="1" smtClean="0">
-                <a:latin typeface="+mn-lt"/>
-              </a:rPr>
-              <a:t>Iterator</a:t>
-            </a:r>
-            <a:endParaRPr lang="en-US" sz="2000" kern="0" dirty="0" smtClean="0">
-              <a:latin typeface="+mn-lt"/>
-            </a:endParaRPr>
-          </a:p>
-          <a:p>
-            <a:pPr marL="800100" lvl="1" indent="-342900">
-              <a:spcBef>
-                <a:spcPct val="20000"/>
-              </a:spcBef>
-              <a:buClr>
-                <a:srgbClr val="00AAF6"/>
-              </a:buClr>
-              <a:buFontTx/>
-              <a:buChar char="•"/>
-              <a:defRPr/>
-            </a:pPr>
-            <a:r>
-              <a:rPr lang="en-US" sz="2000" kern="0" dirty="0" smtClean="0">
-                <a:latin typeface="+mn-lt"/>
-              </a:rPr>
-              <a:t>Implementations for standard, BDT, and WS-Enumeration</a:t>
-            </a:r>
-          </a:p>
-          <a:p>
-            <a:pPr marL="800100" lvl="1" indent="-342900">
-              <a:spcBef>
-                <a:spcPct val="20000"/>
-              </a:spcBef>
-              <a:buClr>
-                <a:srgbClr val="00AAF6"/>
-              </a:buClr>
-              <a:buFontTx/>
-              <a:buChar char="•"/>
-              <a:defRPr/>
-            </a:pPr>
-            <a:r>
-              <a:rPr lang="en-US" sz="2000" kern="0" dirty="0" smtClean="0">
-                <a:latin typeface="+mn-lt"/>
-              </a:rPr>
-              <a:t>Simplifies creation of an </a:t>
-            </a:r>
-            <a:r>
-              <a:rPr lang="en-US" sz="2000" kern="0" dirty="0" err="1" smtClean="0">
-                <a:latin typeface="+mn-lt"/>
-              </a:rPr>
-              <a:t>Iterator</a:t>
-            </a:r>
-            <a:r>
-              <a:rPr lang="en-US" sz="2000" kern="0" dirty="0" smtClean="0">
-                <a:latin typeface="+mn-lt"/>
-              </a:rPr>
-              <a:t> for every query result</a:t>
-            </a:r>
-          </a:p>
-        </p:txBody>
-      </p:sp>
-    </p:spTree>
-  </p:cSld>
-  <p:clrMapOvr>
-    <a:masterClrMapping/>
-  </p:clrMapOvr>
-</p:sld>
-</file>
-
-<file path=ppt/slides/slide22.xml><?xml version="1.0" encoding="utf-8"?>
-<p:sld xmlns:a="http://schemas.openxmlformats.org/drawingml/2006/main" xmlns:r="http://schemas.openxmlformats.org/officeDocument/2006/relationships" xmlns:p="http://schemas.openxmlformats.org/presentationml/2006/main">
-  <p:cSld>
-    <p:spTree>
-      <p:nvGrpSpPr>
-        <p:cNvPr id="1" name=""/>
-        <p:cNvGrpSpPr/>
-        <p:nvPr/>
-      </p:nvGrpSpPr>
-      <p:grpSpPr>
-        <a:xfrm>
-          <a:off x="0" y="0"/>
-          <a:ext cx="0" cy="0"/>
-          <a:chOff x="0" y="0"/>
-          <a:chExt cx="0" cy="0"/>
-        </a:xfrm>
-      </p:grpSpPr>
-      <p:sp>
-        <p:nvSpPr>
-          <p:cNvPr id="2" name="Title 1"/>
-          <p:cNvSpPr>
-            <a:spLocks noGrp="1"/>
-          </p:cNvSpPr>
-          <p:nvPr>
-            <p:ph type="title"/>
-          </p:nvPr>
-        </p:nvSpPr>
-        <p:spPr/>
-        <p:txBody>
-          <a:bodyPr/>
-          <a:lstStyle/>
-          <a:p>
-            <a:r>
-              <a:rPr lang="en-US" dirty="0" smtClean="0"/>
-              <a:t>Handling CQL Results</a:t>
-            </a:r>
-            <a:endParaRPr lang="en-US" dirty="0"/>
-          </a:p>
-        </p:txBody>
-      </p:sp>
-      <p:sp>
-        <p:nvSpPr>
-          <p:cNvPr id="4" name="Content Placeholder 2"/>
-          <p:cNvSpPr txBox="1">
-            <a:spLocks/>
-          </p:cNvSpPr>
-          <p:nvPr/>
-        </p:nvSpPr>
-        <p:spPr bwMode="auto">
-          <a:xfrm>
-            <a:off x="304800" y="1371600"/>
-            <a:ext cx="8458200" cy="4953000"/>
-          </a:xfrm>
-          <a:prstGeom prst="rect">
-            <a:avLst/>
-          </a:prstGeom>
-          <a:noFill/>
-          <a:ln w="9525">
-            <a:noFill/>
-            <a:miter lim="800000"/>
-            <a:headEnd/>
-            <a:tailEnd/>
-          </a:ln>
-          <a:effectLst/>
-        </p:spPr>
-        <p:txBody>
-          <a:bodyPr vert="horz" wrap="square" lIns="91440" tIns="45720" rIns="91440" bIns="45720" numCol="1" anchor="t" anchorCtr="0" compatLnSpc="1">
-            <a:prstTxWarp prst="textNoShape">
-              <a:avLst/>
-            </a:prstTxWarp>
-          </a:bodyPr>
-          <a:lstStyle/>
-          <a:p>
-            <a:pPr marL="342900" marR="0" lvl="0" indent="-342900" algn="l" defTabSz="914400" rtl="0" eaLnBrk="1" fontAlgn="base" latinLnBrk="0" hangingPunct="1">
-              <a:lnSpc>
-                <a:spcPct val="100000"/>
-              </a:lnSpc>
-              <a:spcBef>
-                <a:spcPct val="20000"/>
-              </a:spcBef>
-              <a:spcAft>
-                <a:spcPct val="0"/>
-              </a:spcAft>
-              <a:buClr>
-                <a:srgbClr val="00AAF6"/>
-              </a:buClr>
-              <a:buSzTx/>
-              <a:buFontTx/>
-              <a:buChar char="•"/>
-              <a:tabLst/>
-              <a:defRPr/>
-            </a:pPr>
-            <a:r>
-              <a:rPr lang="en-US" sz="2000" b="1" kern="0" dirty="0" smtClean="0">
-                <a:latin typeface="+mn-lt"/>
-              </a:rPr>
-              <a:t>Example CQL Query Results </a:t>
-            </a:r>
-            <a:r>
-              <a:rPr lang="en-US" sz="2000" b="1" kern="0" dirty="0" err="1" smtClean="0">
-                <a:latin typeface="+mn-lt"/>
-              </a:rPr>
-              <a:t>Iterator</a:t>
-            </a:r>
-            <a:r>
-              <a:rPr lang="en-US" sz="2000" b="1" kern="0" dirty="0" smtClean="0">
-                <a:latin typeface="+mn-lt"/>
-              </a:rPr>
-              <a:t> usage</a:t>
-            </a:r>
-          </a:p>
-          <a:p>
-            <a:pPr marL="342900" marR="0" lvl="0" indent="-342900" algn="l" defTabSz="914400" rtl="0" eaLnBrk="1" fontAlgn="base" latinLnBrk="0" hangingPunct="1">
-              <a:lnSpc>
-                <a:spcPct val="100000"/>
-              </a:lnSpc>
-              <a:spcBef>
-                <a:spcPct val="20000"/>
-              </a:spcBef>
-              <a:spcAft>
-                <a:spcPct val="0"/>
-              </a:spcAft>
-              <a:buClr>
-                <a:srgbClr val="00AAF6"/>
-              </a:buClr>
-              <a:buSzTx/>
-              <a:buFontTx/>
-              <a:buChar char="•"/>
-              <a:tabLst/>
-              <a:defRPr/>
-            </a:pPr>
-            <a:endParaRPr lang="en-US" sz="2000" b="1" kern="0" dirty="0" smtClean="0">
-              <a:latin typeface="+mn-lt"/>
-            </a:endParaRPr>
-          </a:p>
-          <a:p>
-            <a:pPr marL="342900" marR="0" lvl="0" indent="-342900" algn="l" defTabSz="914400" rtl="0" eaLnBrk="1" fontAlgn="base" latinLnBrk="0" hangingPunct="1">
-              <a:lnSpc>
-                <a:spcPct val="100000"/>
-              </a:lnSpc>
-              <a:spcBef>
-                <a:spcPct val="20000"/>
-              </a:spcBef>
-              <a:spcAft>
-                <a:spcPct val="0"/>
-              </a:spcAft>
-              <a:buClr>
-                <a:srgbClr val="00AAF6"/>
-              </a:buClr>
-              <a:buSzTx/>
-              <a:buFontTx/>
-              <a:buChar char="•"/>
-              <a:tabLst/>
-              <a:defRPr/>
-            </a:pPr>
-            <a:endParaRPr lang="en-US" sz="2000" b="1" kern="0" dirty="0" smtClean="0">
-              <a:latin typeface="+mn-lt"/>
-            </a:endParaRPr>
-          </a:p>
-          <a:p>
-            <a:pPr marL="342900" marR="0" lvl="0" indent="-342900" algn="l" defTabSz="914400" rtl="0" eaLnBrk="1" fontAlgn="base" latinLnBrk="0" hangingPunct="1">
-              <a:lnSpc>
-                <a:spcPct val="100000"/>
-              </a:lnSpc>
-              <a:spcBef>
-                <a:spcPct val="20000"/>
-              </a:spcBef>
-              <a:spcAft>
-                <a:spcPct val="0"/>
-              </a:spcAft>
-              <a:buClr>
-                <a:srgbClr val="00AAF6"/>
-              </a:buClr>
-              <a:buSzTx/>
-              <a:buFontTx/>
-              <a:buChar char="•"/>
-              <a:tabLst/>
-              <a:defRPr/>
-            </a:pPr>
-            <a:endParaRPr lang="en-US" sz="2000" b="1" kern="0" dirty="0" smtClean="0">
-              <a:latin typeface="+mn-lt"/>
-            </a:endParaRPr>
-          </a:p>
-          <a:p>
-            <a:pPr marL="342900" marR="0" lvl="0" indent="-342900" algn="l" defTabSz="914400" rtl="0" eaLnBrk="1" fontAlgn="base" latinLnBrk="0" hangingPunct="1">
-              <a:lnSpc>
-                <a:spcPct val="100000"/>
-              </a:lnSpc>
-              <a:spcBef>
-                <a:spcPct val="20000"/>
-              </a:spcBef>
-              <a:spcAft>
-                <a:spcPct val="0"/>
-              </a:spcAft>
-              <a:buClr>
-                <a:srgbClr val="00AAF6"/>
-              </a:buClr>
-              <a:buSzTx/>
-              <a:buFontTx/>
-              <a:buChar char="•"/>
-              <a:tabLst/>
-              <a:defRPr/>
-            </a:pPr>
-            <a:endParaRPr lang="en-US" sz="2000" b="1" kern="0" dirty="0" smtClean="0">
-              <a:latin typeface="+mn-lt"/>
-            </a:endParaRPr>
-          </a:p>
-          <a:p>
-            <a:pPr marL="800100" lvl="1" indent="-342900">
-              <a:spcBef>
-                <a:spcPct val="20000"/>
-              </a:spcBef>
-              <a:buClr>
-                <a:srgbClr val="00AAF6"/>
-              </a:buClr>
-              <a:buFontTx/>
-              <a:buChar char="•"/>
-              <a:defRPr/>
-            </a:pPr>
-            <a:r>
-              <a:rPr lang="en-US" sz="2000" kern="0" dirty="0" smtClean="0">
-                <a:latin typeface="+mn-lt"/>
-              </a:rPr>
-              <a:t>CQL Query Results have been returned from the data service</a:t>
-            </a:r>
-          </a:p>
-          <a:p>
-            <a:pPr marL="800100" lvl="1" indent="-342900">
-              <a:spcBef>
-                <a:spcPct val="20000"/>
-              </a:spcBef>
-              <a:buClr>
-                <a:srgbClr val="00AAF6"/>
-              </a:buClr>
-              <a:buFontTx/>
-              <a:buChar char="•"/>
-              <a:defRPr/>
-            </a:pPr>
-            <a:r>
-              <a:rPr lang="en-US" sz="2000" kern="0" dirty="0" smtClean="0">
-                <a:latin typeface="+mn-lt"/>
-              </a:rPr>
-              <a:t>The WSDD file for this data service is opened as an Input Stream</a:t>
-            </a:r>
-          </a:p>
-          <a:p>
-            <a:pPr marL="800100" lvl="1" indent="-342900">
-              <a:spcBef>
-                <a:spcPct val="20000"/>
-              </a:spcBef>
-              <a:buClr>
-                <a:srgbClr val="00AAF6"/>
-              </a:buClr>
-              <a:buFontTx/>
-              <a:buChar char="•"/>
-              <a:defRPr/>
-            </a:pPr>
-            <a:r>
-              <a:rPr lang="en-US" sz="2000" kern="0" dirty="0" smtClean="0">
-                <a:latin typeface="+mn-lt"/>
-              </a:rPr>
-              <a:t>A new CQL Query Results </a:t>
-            </a:r>
-            <a:r>
-              <a:rPr lang="en-US" sz="2000" kern="0" dirty="0" err="1" smtClean="0">
-                <a:latin typeface="+mn-lt"/>
-              </a:rPr>
-              <a:t>Iterator</a:t>
-            </a:r>
-            <a:r>
-              <a:rPr lang="en-US" sz="2000" kern="0" dirty="0" smtClean="0">
-                <a:latin typeface="+mn-lt"/>
-              </a:rPr>
-              <a:t> is created using the query results and the WSDD for configuration of the </a:t>
-            </a:r>
-            <a:r>
-              <a:rPr lang="en-US" sz="2000" kern="0" dirty="0" err="1" smtClean="0">
-                <a:latin typeface="+mn-lt"/>
-              </a:rPr>
-              <a:t>deserializer</a:t>
-            </a:r>
-            <a:endParaRPr lang="en-US" sz="2000" kern="0" dirty="0" smtClean="0">
-              <a:latin typeface="+mn-lt"/>
-            </a:endParaRPr>
-          </a:p>
-          <a:p>
-            <a:pPr marL="800100" lvl="1" indent="-342900">
-              <a:spcBef>
-                <a:spcPct val="20000"/>
-              </a:spcBef>
-              <a:buClr>
-                <a:srgbClr val="00AAF6"/>
-              </a:buClr>
-              <a:buFontTx/>
-              <a:buChar char="•"/>
-              <a:defRPr/>
-            </a:pPr>
-            <a:r>
-              <a:rPr lang="en-US" sz="2000" kern="0" dirty="0" smtClean="0">
-                <a:latin typeface="+mn-lt"/>
-              </a:rPr>
-              <a:t>Results are iterated one at a time until none remain</a:t>
-            </a:r>
-          </a:p>
-          <a:p>
-            <a:pPr marL="800100" lvl="1" indent="-342900">
-              <a:spcBef>
-                <a:spcPct val="20000"/>
-              </a:spcBef>
-              <a:buClr>
-                <a:srgbClr val="00AAF6"/>
-              </a:buClr>
-              <a:buFontTx/>
-              <a:buChar char="•"/>
-              <a:defRPr/>
-            </a:pPr>
-            <a:r>
-              <a:rPr lang="en-US" sz="2000" kern="0" dirty="0" smtClean="0">
-                <a:latin typeface="+mn-lt"/>
-              </a:rPr>
-              <a:t>Each result is cast as the query target’s data type (</a:t>
-            </a:r>
-            <a:r>
-              <a:rPr lang="en-US" sz="2000" i="1" kern="0" dirty="0" smtClean="0">
-                <a:latin typeface="+mn-lt"/>
-              </a:rPr>
-              <a:t>gene</a:t>
-            </a:r>
-            <a:r>
-              <a:rPr lang="en-US" sz="2000" kern="0" dirty="0" smtClean="0">
-                <a:latin typeface="+mn-lt"/>
-              </a:rPr>
-              <a:t>)</a:t>
-            </a:r>
-          </a:p>
-          <a:p>
-            <a:pPr marL="800100" lvl="1" indent="-342900">
-              <a:spcBef>
-                <a:spcPct val="20000"/>
-              </a:spcBef>
-              <a:buClr>
-                <a:srgbClr val="00AAF6"/>
-              </a:buClr>
-              <a:buFontTx/>
-              <a:buChar char="•"/>
-              <a:defRPr/>
-            </a:pPr>
-            <a:r>
-              <a:rPr lang="en-US" sz="2000" kern="0" dirty="0" smtClean="0">
-                <a:latin typeface="+mn-lt"/>
-              </a:rPr>
-              <a:t>The name of each gene is printed</a:t>
-            </a:r>
-          </a:p>
-          <a:p>
-            <a:pPr marL="800100" lvl="1" indent="-342900">
-              <a:spcBef>
-                <a:spcPct val="20000"/>
-              </a:spcBef>
-              <a:buClr>
-                <a:srgbClr val="00AAF6"/>
-              </a:buClr>
-              <a:buFontTx/>
-              <a:buChar char="•"/>
-              <a:defRPr/>
-            </a:pPr>
-            <a:r>
-              <a:rPr lang="en-US" sz="2000" kern="0" dirty="0" smtClean="0">
-                <a:latin typeface="+mn-lt"/>
-              </a:rPr>
-              <a:t>The WSDD file stream is closed</a:t>
-            </a:r>
-          </a:p>
-          <a:p>
-            <a:pPr marL="342900" marR="0" lvl="0" indent="-342900" algn="l" defTabSz="914400" rtl="0" eaLnBrk="1" fontAlgn="base" latinLnBrk="0" hangingPunct="1">
-              <a:lnSpc>
-                <a:spcPct val="100000"/>
-              </a:lnSpc>
-              <a:spcBef>
-                <a:spcPct val="20000"/>
-              </a:spcBef>
-              <a:spcAft>
-                <a:spcPct val="0"/>
-              </a:spcAft>
-              <a:buClr>
-                <a:srgbClr val="00AAF6"/>
-              </a:buClr>
-              <a:buSzTx/>
-              <a:buFontTx/>
-              <a:buChar char="•"/>
-              <a:tabLst/>
-              <a:defRPr/>
-            </a:pPr>
-            <a:endParaRPr lang="en-US" sz="2000" b="1" kern="0" dirty="0" smtClean="0">
-              <a:latin typeface="+mn-lt"/>
-            </a:endParaRPr>
-          </a:p>
-        </p:txBody>
-      </p:sp>
-      <p:pic>
-        <p:nvPicPr>
-          <p:cNvPr id="5" name="Picture 4" descr="Iterator Example 1.png"/>
-          <p:cNvPicPr>
-            <a:picLocks noChangeAspect="1"/>
-          </p:cNvPicPr>
-          <p:nvPr/>
-        </p:nvPicPr>
-        <p:blipFill>
-          <a:blip r:embed="rId2" cstate="print"/>
-          <a:stretch>
-            <a:fillRect/>
-          </a:stretch>
-        </p:blipFill>
-        <p:spPr>
-          <a:xfrm>
-            <a:off x="762000" y="1752600"/>
-            <a:ext cx="5191125" cy="1285875"/>
-          </a:xfrm>
-          <a:prstGeom prst="rect">
-            <a:avLst/>
-          </a:prstGeom>
-        </p:spPr>
-      </p:pic>
     </p:spTree>
   </p:cSld>
   <p:clrMapOvr>
@@ -9072,7 +8644,7 @@
           <a:p>
             <a:r>
               <a:rPr lang="en-US" dirty="0" smtClean="0"/>
-              <a:t>Federated Queries</a:t>
+              <a:t>Handling CQL Results</a:t>
             </a:r>
             <a:endParaRPr lang="en-US" dirty="0"/>
           </a:p>
@@ -9080,7 +8652,7 @@
       </p:sp>
       <p:sp>
         <p:nvSpPr>
-          <p:cNvPr id="5" name="Content Placeholder 2"/>
+          <p:cNvPr id="4" name="Content Placeholder 2"/>
           <p:cNvSpPr txBox="1">
             <a:spLocks/>
           </p:cNvSpPr>
@@ -9131,11 +8703,14 @@
               <a:defRPr/>
             </a:pPr>
             <a:r>
-              <a:rPr lang="en-US" sz="2000" b="1" kern="0" dirty="0" smtClean="0">
+              <a:rPr lang="en-US" sz="2000" b="1" kern="0" dirty="0" err="1" smtClean="0">
                 <a:latin typeface="+mn-lt"/>
               </a:rPr>
-              <a:t>Multiple Data Services Involved</a:t>
-            </a:r>
+              <a:t>CQLQueryResultsIterator</a:t>
+            </a:r>
+            <a:endParaRPr lang="en-US" sz="2000" b="1" kern="0" dirty="0" smtClean="0">
+              <a:latin typeface="+mn-lt"/>
+            </a:endParaRPr>
           </a:p>
           <a:p>
             <a:pPr marL="800100" lvl="1" indent="-342900">
@@ -9150,14 +8725,18 @@
               <a:defRPr/>
             </a:pPr>
             <a:r>
-              <a:rPr lang="en-US" sz="2000" kern="0" dirty="0" smtClean="0"/>
-              <a:t>Basic distributed joins and </a:t>
-            </a:r>
-            <a:r>
-              <a:rPr lang="en-US" sz="2000" kern="0" dirty="0" smtClean="0"/>
-              <a:t>aggregations</a:t>
-            </a:r>
-            <a:endParaRPr lang="en-US" sz="2000" b="1" kern="0" dirty="0" smtClean="0">
+              <a:rPr lang="en-US" sz="2000" kern="0" dirty="0" smtClean="0">
+                <a:latin typeface="+mn-lt"/>
+              </a:rPr>
+              <a:t>Implements </a:t>
+            </a:r>
+            <a:r>
+              <a:rPr lang="en-US" sz="2000" kern="0" dirty="0" err="1" smtClean="0">
+                <a:latin typeface="+mn-lt"/>
+              </a:rPr>
+              <a:t>java.util.Iterator</a:t>
+            </a:r>
+            <a:endParaRPr lang="en-US" sz="2000" kern="0" dirty="0" smtClean="0">
               <a:latin typeface="+mn-lt"/>
             </a:endParaRPr>
           </a:p>
@@ -9177,7 +8756,53 @@
               <a:rPr lang="en-US" sz="2000" kern="0" dirty="0" smtClean="0">
                 <a:latin typeface="+mn-lt"/>
               </a:rPr>
-              <a:t>All data services use the same language (CQL), so federation using multiple data services is possible</a:t>
+              <a:t>next() can return </a:t>
+            </a:r>
+            <a:r>
+              <a:rPr lang="en-US" sz="2000" kern="0" dirty="0" err="1" smtClean="0">
+                <a:latin typeface="+mn-lt"/>
+              </a:rPr>
+              <a:t>deserialized</a:t>
+            </a:r>
+            <a:r>
+              <a:rPr lang="en-US" sz="2000" kern="0" dirty="0" smtClean="0">
+                <a:latin typeface="+mn-lt"/>
+              </a:rPr>
+              <a:t> objects or XML text</a:t>
+            </a:r>
+            <a:endParaRPr lang="en-US" sz="2000" kern="0" dirty="0" smtClean="0">
+              <a:latin typeface="+mn-lt"/>
+            </a:endParaRPr>
+          </a:p>
+          <a:p>
+            <a:pPr marL="800100" lvl="1" indent="-342900">
+              <a:spcBef>
+                <a:spcPct val="20000"/>
+              </a:spcBef>
+              <a:buClr>
+                <a:srgbClr val="00AAF6"/>
+              </a:buClr>
+              <a:buFontTx/>
+              <a:buChar char="•"/>
+              <a:defRPr/>
+            </a:pPr>
+            <a:r>
+              <a:rPr lang="en-US" sz="2000" kern="0" dirty="0" smtClean="0">
+                <a:latin typeface="+mn-lt"/>
+              </a:rPr>
+              <a:t>Configured by client-</a:t>
+            </a:r>
+            <a:r>
+              <a:rPr lang="en-US" sz="2000" kern="0" dirty="0" err="1" smtClean="0">
+                <a:latin typeface="+mn-lt"/>
+              </a:rPr>
+              <a:t>config.wsdd</a:t>
+            </a:r>
+            <a:r>
+              <a:rPr lang="en-US" sz="2000" kern="0" dirty="0" smtClean="0">
+                <a:latin typeface="+mn-lt"/>
+              </a:rPr>
+              <a:t> document at construction</a:t>
             </a:r>
           </a:p>
           <a:p>
@@ -9193,35 +8818,10 @@
               <a:defRPr/>
             </a:pPr>
             <a:r>
-              <a:rPr lang="en-US" i="1" kern="0" dirty="0" smtClean="0">
-                <a:latin typeface="+mn-lt"/>
-              </a:rPr>
-              <a:t>Any</a:t>
-            </a:r>
-            <a:r>
               <a:rPr lang="en-US" kern="0" dirty="0" smtClean="0">
                 <a:latin typeface="+mn-lt"/>
               </a:rPr>
-              <a:t> combination of data services may be used</a:t>
-            </a:r>
-          </a:p>
-          <a:p>
-            <a:pPr marL="1257300" lvl="2" indent="-342900">
-              <a:spcBef>
-                <a:spcPct val="20000"/>
-              </a:spcBef>
-              <a:buClr>
-                <a:srgbClr val="00AAF6"/>
-              </a:buClr>
-              <a:buFontTx/>
-              <a:buChar char="•"/>
-              <a:defRPr/>
-            </a:pPr>
-            <a:r>
-              <a:rPr lang="en-US" kern="0" dirty="0" smtClean="0">
-                <a:latin typeface="+mn-lt"/>
-              </a:rPr>
-              <a:t>Arbitrary cross-model joins</a:t>
+              <a:t>Optional – needed for custom object deserialization</a:t>
             </a:r>
           </a:p>
           <a:p>
@@ -9237,17 +8837,14 @@
               <a:defRPr/>
             </a:pPr>
             <a:r>
-              <a:rPr lang="en-US" sz="2000" b="1" i="1" kern="0" dirty="0" smtClean="0">
+              <a:rPr lang="en-US" sz="2000" b="1" kern="0" dirty="0" err="1" smtClean="0">
                 <a:latin typeface="+mn-lt"/>
               </a:rPr>
-              <a:t>D</a:t>
-            </a:r>
-            <a:r>
-              <a:rPr lang="en-US" sz="2000" b="1" kern="0" dirty="0" smtClean="0">
-                <a:latin typeface="+mn-lt"/>
-              </a:rPr>
-              <a:t>CQL extends from CQL</a:t>
-            </a:r>
+              <a:t>DataServiceIterator</a:t>
+            </a:r>
+            <a:endParaRPr lang="en-US" sz="2000" b="1" i="1" kern="0" dirty="0" smtClean="0">
+              <a:latin typeface="+mn-lt"/>
+            </a:endParaRPr>
           </a:p>
           <a:p>
             <a:pPr marL="800100" lvl="1" indent="-342900">
@@ -9265,8 +8862,17 @@
               <a:rPr lang="en-US" sz="2000" kern="0" dirty="0" smtClean="0">
                 <a:latin typeface="+mn-lt"/>
               </a:rPr>
-              <a:t>Distributed version of CQL</a:t>
-            </a:r>
+              <a:t>Interface that takes a CQL query and returns an </a:t>
+            </a:r>
+            <a:r>
+              <a:rPr lang="en-US" sz="2000" kern="0" dirty="0" err="1" smtClean="0">
+                <a:latin typeface="+mn-lt"/>
+              </a:rPr>
+              <a:t>Iterator</a:t>
+            </a:r>
+            <a:endParaRPr lang="en-US" sz="2000" kern="0" dirty="0" smtClean="0">
+              <a:latin typeface="+mn-lt"/>
+            </a:endParaRPr>
           </a:p>
           <a:p>
             <a:pPr marL="800100" lvl="1" indent="-342900">
@@ -9284,32 +8890,7 @@
               <a:rPr lang="en-US" sz="2000" kern="0" dirty="0" smtClean="0">
                 <a:latin typeface="+mn-lt"/>
               </a:rPr>
-              <a:t>Expresses joins, foreign data services, and target services</a:t>
-            </a:r>
-          </a:p>
-          <a:p>
-            <a:pPr marL="342900" indent="-342900">
-              <a:spcBef>
-                <a:spcPct val="20000"/>
-              </a:spcBef>
-              <a:buClr>
-                <a:srgbClr val="00AAF6"/>
-              </a:buClr>
-              <a:buFontTx/>
-              <a:buChar char="•"/>
-              <a:defRPr/>
-            </a:pPr>
-            <a:r>
-              <a:rPr lang="en-US" sz="2000" b="1" kern="0" dirty="0" err="1" smtClean="0">
-                <a:latin typeface="+mn-lt"/>
-              </a:rPr>
-              <a:t>Stateful</a:t>
-            </a:r>
-            <a:r>
-              <a:rPr lang="en-US" sz="2000" b="1" kern="0" dirty="0" smtClean="0">
-                <a:latin typeface="+mn-lt"/>
-              </a:rPr>
-              <a:t> Grid Service or Local API</a:t>
+              <a:t>Implementations for standard, BDT, and WS-Enumeration</a:t>
             </a:r>
           </a:p>
           <a:p>
@@ -9328,26 +8909,19 @@
               <a:rPr lang="en-US" sz="2000" kern="0" dirty="0" smtClean="0">
                 <a:latin typeface="+mn-lt"/>
               </a:rPr>
-              <a:t>Queries may be issued to an FQP grid service and processed asynchronously for later results retrieval</a:t>
-            </a:r>
-          </a:p>
-          <a:p>
-            <a:pPr marL="800100" lvl="1" indent="-342900">
-              <a:spcBef>
-                <a:spcPct val="20000"/>
-              </a:spcBef>
-              <a:buClr>
-                <a:srgbClr val="00AAF6"/>
-              </a:buClr>
-              <a:buFontTx/>
-              <a:buChar char="•"/>
-              <a:defRPr/>
-            </a:pPr>
+              <a:t>Simplifies creation of an </a:t>
+            </a:r>
+            <a:r>
+              <a:rPr lang="en-US" sz="2000" kern="0" dirty="0" err="1" smtClean="0">
+                <a:latin typeface="+mn-lt"/>
+              </a:rPr>
+              <a:t>Iterator</a:t>
+            </a:r>
             <a:r>
               <a:rPr lang="en-US" sz="2000" kern="0" dirty="0" smtClean="0">
                 <a:latin typeface="+mn-lt"/>
               </a:rPr>
-              <a:t>FQP engine may be used within an application directly</a:t>
+              <a:t> for every query result</a:t>
             </a:r>
           </a:p>
         </p:txBody>
@@ -9394,7 +8968,438 @@
           <a:p>
             <a:r>
               <a:rPr lang="en-US" dirty="0" smtClean="0"/>
-              <a:t>Federated Query Service</a:t>
+              <a:t>Handling CQL Results</a:t>
+            </a:r>
+            <a:endParaRPr lang="en-US" dirty="0"/>
+          </a:p>
+        </p:txBody>
+      </p:sp>
+      <p:sp>
+        <p:nvSpPr>
+          <p:cNvPr id="4" name="Content Placeholder 2"/>
+          <p:cNvSpPr txBox="1">
+            <a:spLocks/>
+          </p:cNvSpPr>
+          <p:nvPr/>
+        </p:nvSpPr>
+        <p:spPr bwMode="auto">
+          <a:xfrm>
+            <a:off x="304800" y="1371600"/>
+            <a:ext cx="8458200" cy="4953000"/>
+          </a:xfrm>
+          <a:prstGeom prst="rect">
+            <a:avLst/>
+          </a:prstGeom>
+          <a:noFill/>
+          <a:ln w="9525">
+            <a:noFill/>
+            <a:miter lim="800000"/>
+            <a:headEnd/>
+            <a:tailEnd/>
+          </a:ln>
+          <a:effectLst/>
+        </p:spPr>
+        <p:txBody>
+          <a:bodyPr vert="horz" wrap="square" lIns="91440" tIns="45720" rIns="91440" bIns="45720" numCol="1" anchor="t" anchorCtr="0" compatLnSpc="1">
+            <a:prstTxWarp prst="textNoShape">
+              <a:avLst/>
+            </a:prstTxWarp>
+          </a:bodyPr>
+          <a:lstStyle/>
+          <a:p>
+            <a:pPr marL="342900" marR="0" lvl="0" indent="-342900" algn="l" defTabSz="914400" rtl="0" eaLnBrk="1" fontAlgn="base" latinLnBrk="0" hangingPunct="1">
+              <a:lnSpc>
+                <a:spcPct val="100000"/>
+              </a:lnSpc>
+              <a:spcBef>
+                <a:spcPct val="20000"/>
+              </a:spcBef>
+              <a:spcAft>
+                <a:spcPct val="0"/>
+              </a:spcAft>
+              <a:buClr>
+                <a:srgbClr val="00AAF6"/>
+              </a:buClr>
+              <a:buSzTx/>
+              <a:buFontTx/>
+              <a:buChar char="•"/>
+              <a:tabLst/>
+              <a:defRPr/>
+            </a:pPr>
+            <a:r>
+              <a:rPr lang="en-US" sz="2000" b="1" kern="0" dirty="0" smtClean="0">
+                <a:latin typeface="+mn-lt"/>
+              </a:rPr>
+              <a:t>Example CQL Query Results </a:t>
+            </a:r>
+            <a:r>
+              <a:rPr lang="en-US" sz="2000" b="1" kern="0" dirty="0" err="1" smtClean="0">
+                <a:latin typeface="+mn-lt"/>
+              </a:rPr>
+              <a:t>Iterator</a:t>
+            </a:r>
+            <a:r>
+              <a:rPr lang="en-US" sz="2000" b="1" kern="0" dirty="0" smtClean="0">
+                <a:latin typeface="+mn-lt"/>
+              </a:rPr>
+              <a:t> usage</a:t>
+            </a:r>
+          </a:p>
+          <a:p>
+            <a:pPr marL="342900" marR="0" lvl="0" indent="-342900" algn="l" defTabSz="914400" rtl="0" eaLnBrk="1" fontAlgn="base" latinLnBrk="0" hangingPunct="1">
+              <a:lnSpc>
+                <a:spcPct val="100000"/>
+              </a:lnSpc>
+              <a:spcBef>
+                <a:spcPct val="20000"/>
+              </a:spcBef>
+              <a:spcAft>
+                <a:spcPct val="0"/>
+              </a:spcAft>
+              <a:buClr>
+                <a:srgbClr val="00AAF6"/>
+              </a:buClr>
+              <a:buSzTx/>
+              <a:buFontTx/>
+              <a:buChar char="•"/>
+              <a:tabLst/>
+              <a:defRPr/>
+            </a:pPr>
+            <a:endParaRPr lang="en-US" sz="2000" b="1" kern="0" dirty="0" smtClean="0">
+              <a:latin typeface="+mn-lt"/>
+            </a:endParaRPr>
+          </a:p>
+          <a:p>
+            <a:pPr marL="342900" marR="0" lvl="0" indent="-342900" algn="l" defTabSz="914400" rtl="0" eaLnBrk="1" fontAlgn="base" latinLnBrk="0" hangingPunct="1">
+              <a:lnSpc>
+                <a:spcPct val="100000"/>
+              </a:lnSpc>
+              <a:spcBef>
+                <a:spcPct val="20000"/>
+              </a:spcBef>
+              <a:spcAft>
+                <a:spcPct val="0"/>
+              </a:spcAft>
+              <a:buClr>
+                <a:srgbClr val="00AAF6"/>
+              </a:buClr>
+              <a:buSzTx/>
+              <a:buFontTx/>
+              <a:buChar char="•"/>
+              <a:tabLst/>
+              <a:defRPr/>
+            </a:pPr>
+            <a:endParaRPr lang="en-US" sz="2000" b="1" kern="0" dirty="0" smtClean="0">
+              <a:latin typeface="+mn-lt"/>
+            </a:endParaRPr>
+          </a:p>
+          <a:p>
+            <a:pPr marL="342900" marR="0" lvl="0" indent="-342900" algn="l" defTabSz="914400" rtl="0" eaLnBrk="1" fontAlgn="base" latinLnBrk="0" hangingPunct="1">
+              <a:lnSpc>
+                <a:spcPct val="100000"/>
+              </a:lnSpc>
+              <a:spcBef>
+                <a:spcPct val="20000"/>
+              </a:spcBef>
+              <a:spcAft>
+                <a:spcPct val="0"/>
+              </a:spcAft>
+              <a:buClr>
+                <a:srgbClr val="00AAF6"/>
+              </a:buClr>
+              <a:buSzTx/>
+              <a:buFontTx/>
+              <a:buChar char="•"/>
+              <a:tabLst/>
+              <a:defRPr/>
+            </a:pPr>
+            <a:endParaRPr lang="en-US" sz="2000" b="1" kern="0" dirty="0" smtClean="0">
+              <a:latin typeface="+mn-lt"/>
+            </a:endParaRPr>
+          </a:p>
+          <a:p>
+            <a:pPr marL="342900" marR="0" lvl="0" indent="-342900" algn="l" defTabSz="914400" rtl="0" eaLnBrk="1" fontAlgn="base" latinLnBrk="0" hangingPunct="1">
+              <a:lnSpc>
+                <a:spcPct val="100000"/>
+              </a:lnSpc>
+              <a:spcBef>
+                <a:spcPct val="20000"/>
+              </a:spcBef>
+              <a:spcAft>
+                <a:spcPct val="0"/>
+              </a:spcAft>
+              <a:buClr>
+                <a:srgbClr val="00AAF6"/>
+              </a:buClr>
+              <a:buSzTx/>
+              <a:buFontTx/>
+              <a:buChar char="•"/>
+              <a:tabLst/>
+              <a:defRPr/>
+            </a:pPr>
+            <a:endParaRPr lang="en-US" sz="2000" b="1" kern="0" dirty="0" smtClean="0">
+              <a:latin typeface="+mn-lt"/>
+            </a:endParaRPr>
+          </a:p>
+          <a:p>
+            <a:pPr marL="800100" lvl="1" indent="-342900">
+              <a:spcBef>
+                <a:spcPct val="20000"/>
+              </a:spcBef>
+              <a:buClr>
+                <a:srgbClr val="00AAF6"/>
+              </a:buClr>
+              <a:buFontTx/>
+              <a:buChar char="•"/>
+              <a:defRPr/>
+            </a:pPr>
+            <a:r>
+              <a:rPr lang="en-US" sz="2000" kern="0" dirty="0" smtClean="0">
+                <a:latin typeface="+mn-lt"/>
+              </a:rPr>
+              <a:t>CQL Query Results have been returned from the data service</a:t>
+            </a:r>
+          </a:p>
+          <a:p>
+            <a:pPr marL="800100" lvl="1" indent="-342900">
+              <a:spcBef>
+                <a:spcPct val="20000"/>
+              </a:spcBef>
+              <a:buClr>
+                <a:srgbClr val="00AAF6"/>
+              </a:buClr>
+              <a:buFontTx/>
+              <a:buChar char="•"/>
+              <a:defRPr/>
+            </a:pPr>
+            <a:r>
+              <a:rPr lang="en-US" sz="2000" kern="0" dirty="0" smtClean="0">
+                <a:latin typeface="+mn-lt"/>
+              </a:rPr>
+              <a:t>The WSDD file for this data service is opened as an Input Stream</a:t>
+            </a:r>
+          </a:p>
+          <a:p>
+            <a:pPr marL="800100" lvl="1" indent="-342900">
+              <a:spcBef>
+                <a:spcPct val="20000"/>
+              </a:spcBef>
+              <a:buClr>
+                <a:srgbClr val="00AAF6"/>
+              </a:buClr>
+              <a:buFontTx/>
+              <a:buChar char="•"/>
+              <a:defRPr/>
+            </a:pPr>
+            <a:r>
+              <a:rPr lang="en-US" sz="2000" kern="0" dirty="0" smtClean="0">
+                <a:latin typeface="+mn-lt"/>
+              </a:rPr>
+              <a:t>A new CQL Query Results </a:t>
+            </a:r>
+            <a:r>
+              <a:rPr lang="en-US" sz="2000" kern="0" dirty="0" err="1" smtClean="0">
+                <a:latin typeface="+mn-lt"/>
+              </a:rPr>
+              <a:t>Iterator</a:t>
+            </a:r>
+            <a:r>
+              <a:rPr lang="en-US" sz="2000" kern="0" dirty="0" smtClean="0">
+                <a:latin typeface="+mn-lt"/>
+              </a:rPr>
+              <a:t> is created using the query results and the WSDD for configuration of the </a:t>
+            </a:r>
+            <a:r>
+              <a:rPr lang="en-US" sz="2000" kern="0" dirty="0" err="1" smtClean="0">
+                <a:latin typeface="+mn-lt"/>
+              </a:rPr>
+              <a:t>deserializer</a:t>
+            </a:r>
+            <a:endParaRPr lang="en-US" sz="2000" kern="0" dirty="0" smtClean="0">
+              <a:latin typeface="+mn-lt"/>
+            </a:endParaRPr>
+          </a:p>
+          <a:p>
+            <a:pPr marL="800100" lvl="1" indent="-342900">
+              <a:spcBef>
+                <a:spcPct val="20000"/>
+              </a:spcBef>
+              <a:buClr>
+                <a:srgbClr val="00AAF6"/>
+              </a:buClr>
+              <a:buFontTx/>
+              <a:buChar char="•"/>
+              <a:defRPr/>
+            </a:pPr>
+            <a:r>
+              <a:rPr lang="en-US" sz="2000" kern="0" dirty="0" smtClean="0">
+                <a:latin typeface="+mn-lt"/>
+              </a:rPr>
+              <a:t>Results are iterated one at a time until none remain</a:t>
+            </a:r>
+          </a:p>
+          <a:p>
+            <a:pPr marL="800100" lvl="1" indent="-342900">
+              <a:spcBef>
+                <a:spcPct val="20000"/>
+              </a:spcBef>
+              <a:buClr>
+                <a:srgbClr val="00AAF6"/>
+              </a:buClr>
+              <a:buFontTx/>
+              <a:buChar char="•"/>
+              <a:defRPr/>
+            </a:pPr>
+            <a:r>
+              <a:rPr lang="en-US" sz="2000" kern="0" dirty="0" smtClean="0">
+                <a:latin typeface="+mn-lt"/>
+              </a:rPr>
+              <a:t>Each result is cast as the query target’s data type (</a:t>
+            </a:r>
+            <a:r>
+              <a:rPr lang="en-US" sz="2000" i="1" kern="0" dirty="0" smtClean="0">
+                <a:latin typeface="+mn-lt"/>
+              </a:rPr>
+              <a:t>gene</a:t>
+            </a:r>
+            <a:r>
+              <a:rPr lang="en-US" sz="2000" kern="0" dirty="0" smtClean="0">
+                <a:latin typeface="+mn-lt"/>
+              </a:rPr>
+              <a:t>)</a:t>
+            </a:r>
+          </a:p>
+          <a:p>
+            <a:pPr marL="800100" lvl="1" indent="-342900">
+              <a:spcBef>
+                <a:spcPct val="20000"/>
+              </a:spcBef>
+              <a:buClr>
+                <a:srgbClr val="00AAF6"/>
+              </a:buClr>
+              <a:buFontTx/>
+              <a:buChar char="•"/>
+              <a:defRPr/>
+            </a:pPr>
+            <a:r>
+              <a:rPr lang="en-US" sz="2000" kern="0" dirty="0" smtClean="0">
+                <a:latin typeface="+mn-lt"/>
+              </a:rPr>
+              <a:t>The name of each gene is printed</a:t>
+            </a:r>
+          </a:p>
+          <a:p>
+            <a:pPr marL="800100" lvl="1" indent="-342900">
+              <a:spcBef>
+                <a:spcPct val="20000"/>
+              </a:spcBef>
+              <a:buClr>
+                <a:srgbClr val="00AAF6"/>
+              </a:buClr>
+              <a:buFontTx/>
+              <a:buChar char="•"/>
+              <a:defRPr/>
+            </a:pPr>
+            <a:r>
+              <a:rPr lang="en-US" sz="2000" kern="0" dirty="0" smtClean="0">
+                <a:latin typeface="+mn-lt"/>
+              </a:rPr>
+              <a:t>The WSDD file stream is closed</a:t>
+            </a:r>
+          </a:p>
+          <a:p>
+            <a:pPr marL="342900" marR="0" lvl="0" indent="-342900" algn="l" defTabSz="914400" rtl="0" eaLnBrk="1" fontAlgn="base" latinLnBrk="0" hangingPunct="1">
+              <a:lnSpc>
+                <a:spcPct val="100000"/>
+              </a:lnSpc>
+              <a:spcBef>
+                <a:spcPct val="20000"/>
+              </a:spcBef>
+              <a:spcAft>
+                <a:spcPct val="0"/>
+              </a:spcAft>
+              <a:buClr>
+                <a:srgbClr val="00AAF6"/>
+              </a:buClr>
+              <a:buSzTx/>
+              <a:buFontTx/>
+              <a:buChar char="•"/>
+              <a:tabLst/>
+              <a:defRPr/>
+            </a:pPr>
+            <a:endParaRPr lang="en-US" sz="2000" b="1" kern="0" dirty="0" smtClean="0">
+              <a:latin typeface="+mn-lt"/>
+            </a:endParaRPr>
+          </a:p>
+        </p:txBody>
+      </p:sp>
+      <p:pic>
+        <p:nvPicPr>
+          <p:cNvPr id="5" name="Picture 4" descr="Iterator Example 1.png"/>
+          <p:cNvPicPr>
+            <a:picLocks noChangeAspect="1"/>
+          </p:cNvPicPr>
+          <p:nvPr/>
+        </p:nvPicPr>
+        <p:blipFill>
+          <a:blip r:embed="rId2" cstate="print"/>
+          <a:stretch>
+            <a:fillRect/>
+          </a:stretch>
+        </p:blipFill>
+        <p:spPr>
+          <a:xfrm>
+            <a:off x="762000" y="1752600"/>
+            <a:ext cx="5191125" cy="1285875"/>
+          </a:xfrm>
+          <a:prstGeom prst="rect">
+            <a:avLst/>
+          </a:prstGeom>
+        </p:spPr>
+      </p:pic>
+    </p:spTree>
+  </p:cSld>
+  <p:clrMapOvr>
+    <a:masterClrMapping/>
+  </p:clrMapOvr>
+</p:sld>
+</file>
+
+<file path=ppt/slides/slide25.xml><?xml version="1.0" encoding="utf-8"?>
+<p:sld xmlns:a="http://schemas.openxmlformats.org/drawingml/2006/main" xmlns:r="http://schemas.openxmlformats.org/officeDocument/2006/relationships" xmlns:p="http://schemas.openxmlformats.org/presentationml/2006/main">
+  <p:cSld>
+    <p:spTree>
+      <p:nvGrpSpPr>
+        <p:cNvPr id="1" name=""/>
+        <p:cNvGrpSpPr/>
+        <p:nvPr/>
+      </p:nvGrpSpPr>
+      <p:grpSpPr>
+        <a:xfrm>
+          <a:off x="0" y="0"/>
+          <a:ext cx="0" cy="0"/>
+          <a:chOff x="0" y="0"/>
+          <a:chExt cx="0" cy="0"/>
+        </a:xfrm>
+      </p:grpSpPr>
+      <p:sp>
+        <p:nvSpPr>
+          <p:cNvPr id="2" name="Title 1"/>
+          <p:cNvSpPr>
+            <a:spLocks noGrp="1"/>
+          </p:cNvSpPr>
+          <p:nvPr>
+            <p:ph type="title"/>
+          </p:nvPr>
+        </p:nvSpPr>
+        <p:spPr/>
+        <p:txBody>
+          <a:bodyPr/>
+          <a:lstStyle/>
+          <a:p>
+            <a:r>
+              <a:rPr lang="en-US" dirty="0" smtClean="0"/>
+              <a:t>Federated Queries</a:t>
             </a:r>
             <a:endParaRPr lang="en-US" dirty="0"/>
           </a:p>
@@ -9433,6 +9438,120 @@
           </a:bodyPr>
           <a:lstStyle/>
           <a:p>
+            <a:pPr marL="342900" marR="0" lvl="0" indent="-342900" algn="l" defTabSz="914400" rtl="0" eaLnBrk="1" fontAlgn="base" latinLnBrk="0" hangingPunct="1">
+              <a:lnSpc>
+                <a:spcPct val="100000"/>
+              </a:lnSpc>
+              <a:spcBef>
+                <a:spcPct val="20000"/>
+              </a:spcBef>
+              <a:spcAft>
+                <a:spcPct val="0"/>
+              </a:spcAft>
+              <a:buClr>
+                <a:srgbClr val="00AAF6"/>
+              </a:buClr>
+              <a:buSzTx/>
+              <a:buFontTx/>
+              <a:buChar char="•"/>
+              <a:tabLst/>
+              <a:defRPr/>
+            </a:pPr>
+            <a:r>
+              <a:rPr lang="en-US" sz="2000" b="1" kern="0" dirty="0" smtClean="0">
+                <a:latin typeface="+mn-lt"/>
+              </a:rPr>
+              <a:t>Multiple Data Services Involved</a:t>
+            </a:r>
+          </a:p>
+          <a:p>
+            <a:pPr marL="800100" lvl="1" indent="-342900">
+              <a:spcBef>
+                <a:spcPct val="20000"/>
+              </a:spcBef>
+              <a:buClr>
+                <a:srgbClr val="00AAF6"/>
+              </a:buClr>
+              <a:buFontTx/>
+              <a:buChar char="•"/>
+              <a:defRPr/>
+            </a:pPr>
+            <a:r>
+              <a:rPr lang="en-US" sz="2000" kern="0" dirty="0" smtClean="0"/>
+              <a:t>Basic distributed joins and </a:t>
+            </a:r>
+            <a:r>
+              <a:rPr lang="en-US" sz="2000" kern="0" dirty="0" smtClean="0"/>
+              <a:t>aggregations</a:t>
+            </a:r>
+            <a:endParaRPr lang="en-US" sz="2000" b="1" kern="0" dirty="0" smtClean="0">
+              <a:latin typeface="+mn-lt"/>
+            </a:endParaRPr>
+          </a:p>
+          <a:p>
+            <a:pPr marL="800100" lvl="1" indent="-342900">
+              <a:spcBef>
+                <a:spcPct val="20000"/>
+              </a:spcBef>
+              <a:buClr>
+                <a:srgbClr val="00AAF6"/>
+              </a:buClr>
+              <a:buFontTx/>
+              <a:buChar char="•"/>
+              <a:defRPr/>
+            </a:pPr>
+            <a:r>
+              <a:rPr lang="en-US" sz="2000" kern="0" dirty="0" smtClean="0">
+                <a:latin typeface="+mn-lt"/>
+              </a:rPr>
+              <a:t>All data services use the same language (CQL), so federation using multiple data services is possible</a:t>
+            </a:r>
+          </a:p>
+          <a:p>
+            <a:pPr marL="1257300" lvl="2" indent="-342900">
+              <a:spcBef>
+                <a:spcPct val="20000"/>
+              </a:spcBef>
+              <a:buClr>
+                <a:srgbClr val="00AAF6"/>
+              </a:buClr>
+              <a:buFontTx/>
+              <a:buChar char="•"/>
+              <a:defRPr/>
+            </a:pPr>
+            <a:r>
+              <a:rPr lang="en-US" i="1" kern="0" dirty="0" smtClean="0">
+                <a:latin typeface="+mn-lt"/>
+              </a:rPr>
+              <a:t>Any</a:t>
+            </a:r>
+            <a:r>
+              <a:rPr lang="en-US" kern="0" dirty="0" smtClean="0">
+                <a:latin typeface="+mn-lt"/>
+              </a:rPr>
+              <a:t> combination of data services may be used</a:t>
+            </a:r>
+          </a:p>
+          <a:p>
+            <a:pPr marL="1257300" lvl="2" indent="-342900">
+              <a:spcBef>
+                <a:spcPct val="20000"/>
+              </a:spcBef>
+              <a:buClr>
+                <a:srgbClr val="00AAF6"/>
+              </a:buClr>
+              <a:buFontTx/>
+              <a:buChar char="•"/>
+              <a:defRPr/>
+            </a:pPr>
+            <a:r>
+              <a:rPr lang="en-US" kern="0" dirty="0" smtClean="0">
+                <a:latin typeface="+mn-lt"/>
+              </a:rPr>
+              <a:t>Arbitrary cross-model joins</a:t>
+            </a:r>
+          </a:p>
+          <a:p>
             <a:pPr marL="342900" indent="-342900">
               <a:spcBef>
                 <a:spcPct val="20000"/>
@@ -9445,8 +9564,16 @@
               <a:defRPr/>
             </a:pPr>
             <a:r>
-              <a:rPr lang="en-US" sz="2000" b="1" kern="0" dirty="0" smtClean="0"/>
-              <a:t>Asynchronous query execution</a:t>
+              <a:rPr lang="en-US" sz="2000" b="1" i="1" kern="0" dirty="0" smtClean="0">
+                <a:latin typeface="+mn-lt"/>
+              </a:rPr>
+              <a:t>D</a:t>
+            </a:r>
+            <a:r>
+              <a:rPr lang="en-US" sz="2000" b="1" kern="0" dirty="0" smtClean="0">
+                <a:latin typeface="+mn-lt"/>
+              </a:rPr>
+              <a:t>CQL extends from CQL</a:t>
             </a:r>
           </a:p>
           <a:p>
@@ -9462,8 +9589,10 @@
               <a:defRPr/>
             </a:pPr>
             <a:r>
-              <a:rPr lang="en-US" sz="2000" kern="0" dirty="0" smtClean="0"/>
-              <a:t>Start a DCQL query and immediately return the results context</a:t>
+              <a:rPr lang="en-US" sz="2000" kern="0" dirty="0" smtClean="0">
+                <a:latin typeface="+mn-lt"/>
+              </a:rPr>
+              <a:t>Distributed version of CQL</a:t>
             </a:r>
           </a:p>
           <a:p>
@@ -9479,6 +9608,204 @@
               <a:defRPr/>
             </a:pPr>
             <a:r>
+              <a:rPr lang="en-US" sz="2000" kern="0" dirty="0" smtClean="0">
+                <a:latin typeface="+mn-lt"/>
+              </a:rPr>
+              <a:t>Expresses joins, foreign data services, and target services</a:t>
+            </a:r>
+          </a:p>
+          <a:p>
+            <a:pPr marL="342900" indent="-342900">
+              <a:spcBef>
+                <a:spcPct val="20000"/>
+              </a:spcBef>
+              <a:buClr>
+                <a:srgbClr val="00AAF6"/>
+              </a:buClr>
+              <a:buFontTx/>
+              <a:buChar char="•"/>
+              <a:defRPr/>
+            </a:pPr>
+            <a:r>
+              <a:rPr lang="en-US" sz="2000" b="1" kern="0" dirty="0" err="1" smtClean="0">
+                <a:latin typeface="+mn-lt"/>
+              </a:rPr>
+              <a:t>Stateful</a:t>
+            </a:r>
+            <a:r>
+              <a:rPr lang="en-US" sz="2000" b="1" kern="0" dirty="0" smtClean="0">
+                <a:latin typeface="+mn-lt"/>
+              </a:rPr>
+              <a:t> Grid Service or Local API</a:t>
+            </a:r>
+          </a:p>
+          <a:p>
+            <a:pPr marL="800100" lvl="1" indent="-342900">
+              <a:spcBef>
+                <a:spcPct val="20000"/>
+              </a:spcBef>
+              <a:buClr>
+                <a:srgbClr val="00AAF6"/>
+              </a:buClr>
+              <a:buFontTx/>
+              <a:buChar char="•"/>
+              <a:defRPr/>
+            </a:pPr>
+            <a:r>
+              <a:rPr lang="en-US" sz="2000" kern="0" dirty="0" smtClean="0">
+                <a:latin typeface="+mn-lt"/>
+              </a:rPr>
+              <a:t>Queries may be issued to an FQP grid service and processed asynchronously for later results retrieval</a:t>
+            </a:r>
+          </a:p>
+          <a:p>
+            <a:pPr marL="800100" lvl="1" indent="-342900">
+              <a:spcBef>
+                <a:spcPct val="20000"/>
+              </a:spcBef>
+              <a:buClr>
+                <a:srgbClr val="00AAF6"/>
+              </a:buClr>
+              <a:buFontTx/>
+              <a:buChar char="•"/>
+              <a:defRPr/>
+            </a:pPr>
+            <a:r>
+              <a:rPr lang="en-US" sz="2000" kern="0" dirty="0" smtClean="0">
+                <a:latin typeface="+mn-lt"/>
+              </a:rPr>
+              <a:t>FQP engine may be used within an application directly</a:t>
+            </a:r>
+          </a:p>
+        </p:txBody>
+      </p:sp>
+    </p:spTree>
+  </p:cSld>
+  <p:clrMapOvr>
+    <a:masterClrMapping/>
+  </p:clrMapOvr>
+</p:sld>
+</file>
+
+<file path=ppt/slides/slide26.xml><?xml version="1.0" encoding="utf-8"?>
+<p:sld xmlns:a="http://schemas.openxmlformats.org/drawingml/2006/main" xmlns:r="http://schemas.openxmlformats.org/officeDocument/2006/relationships" xmlns:p="http://schemas.openxmlformats.org/presentationml/2006/main">
+  <p:cSld>
+    <p:spTree>
+      <p:nvGrpSpPr>
+        <p:cNvPr id="1" name=""/>
+        <p:cNvGrpSpPr/>
+        <p:nvPr/>
+      </p:nvGrpSpPr>
+      <p:grpSpPr>
+        <a:xfrm>
+          <a:off x="0" y="0"/>
+          <a:ext cx="0" cy="0"/>
+          <a:chOff x="0" y="0"/>
+          <a:chExt cx="0" cy="0"/>
+        </a:xfrm>
+      </p:grpSpPr>
+      <p:sp>
+        <p:nvSpPr>
+          <p:cNvPr id="2" name="Title 1"/>
+          <p:cNvSpPr>
+            <a:spLocks noGrp="1"/>
+          </p:cNvSpPr>
+          <p:nvPr>
+            <p:ph type="title"/>
+          </p:nvPr>
+        </p:nvSpPr>
+        <p:spPr/>
+        <p:txBody>
+          <a:bodyPr/>
+          <a:lstStyle/>
+          <a:p>
+            <a:r>
+              <a:rPr lang="en-US" dirty="0" smtClean="0"/>
+              <a:t>Federated Query Service</a:t>
+            </a:r>
+            <a:endParaRPr lang="en-US" dirty="0"/>
+          </a:p>
+        </p:txBody>
+      </p:sp>
+      <p:sp>
+        <p:nvSpPr>
+          <p:cNvPr id="5" name="Content Placeholder 2"/>
+          <p:cNvSpPr txBox="1">
+            <a:spLocks/>
+          </p:cNvSpPr>
+          <p:nvPr/>
+        </p:nvSpPr>
+        <p:spPr bwMode="auto">
+          <a:xfrm>
+            <a:off x="304800" y="1371600"/>
+            <a:ext cx="8458200" cy="4953000"/>
+          </a:xfrm>
+          <a:prstGeom prst="rect">
+            <a:avLst/>
+          </a:prstGeom>
+          <a:noFill/>
+          <a:ln w="9525">
+            <a:noFill/>
+            <a:miter lim="800000"/>
+            <a:headEnd/>
+            <a:tailEnd/>
+          </a:ln>
+          <a:effectLst/>
+        </p:spPr>
+        <p:txBody>
+          <a:bodyPr vert="horz" wrap="square" lIns="91440" tIns="45720" rIns="91440" bIns="45720" numCol="1" anchor="t" anchorCtr="0" compatLnSpc="1">
+            <a:prstTxWarp prst="textNoShape">
+              <a:avLst/>
+            </a:prstTxWarp>
+          </a:bodyPr>
+          <a:lstStyle/>
+          <a:p>
+            <a:pPr marL="342900" indent="-342900">
+              <a:spcBef>
+                <a:spcPct val="20000"/>
+              </a:spcBef>
+              <a:buClr>
+                <a:srgbClr val="00AAF6"/>
+              </a:buClr>
+              <a:buFontTx/>
+              <a:buChar char="•"/>
+              <a:defRPr/>
+            </a:pPr>
+            <a:r>
+              <a:rPr lang="en-US" sz="2000" b="1" kern="0" dirty="0" smtClean="0"/>
+              <a:t>Asynchronous query execution</a:t>
+            </a:r>
+          </a:p>
+          <a:p>
+            <a:pPr marL="800100" lvl="1" indent="-342900">
+              <a:spcBef>
+                <a:spcPct val="20000"/>
+              </a:spcBef>
+              <a:buClr>
+                <a:srgbClr val="00AAF6"/>
+              </a:buClr>
+              <a:buFontTx/>
+              <a:buChar char="•"/>
+              <a:defRPr/>
+            </a:pPr>
+            <a:r>
+              <a:rPr lang="en-US" sz="2000" kern="0" dirty="0" smtClean="0"/>
+              <a:t>Start a DCQL query and immediately return the results context</a:t>
+            </a:r>
+          </a:p>
+          <a:p>
+            <a:pPr marL="800100" lvl="1" indent="-342900">
+              <a:spcBef>
+                <a:spcPct val="20000"/>
+              </a:spcBef>
+              <a:buClr>
+                <a:srgbClr val="00AAF6"/>
+              </a:buClr>
+              <a:buFontTx/>
+              <a:buChar char="•"/>
+              <a:defRPr/>
+            </a:pPr>
+            <a:r>
               <a:rPr lang="en-US" sz="2000" kern="0" dirty="0" smtClean="0"/>
               <a:t>WS-Notification allows client to subscribe to status</a:t>
             </a:r>
@@ -9657,7 +9984,7 @@
 </p:sld>
 </file>
 
-<file path=ppt/slides/slide25.xml><?xml version="1.0" encoding="utf-8"?>
+<file path=ppt/slides/slide27.xml><?xml version="1.0" encoding="utf-8"?>
 <p:sld xmlns:a="http://schemas.openxmlformats.org/drawingml/2006/main" xmlns:r="http://schemas.openxmlformats.org/officeDocument/2006/relationships" xmlns:p="http://schemas.openxmlformats.org/presentationml/2006/main">
   <p:cSld>
     <p:spTree>

--- a/Documentation/presentations/200906_Novartis/caGrid Data Services.pptx
+++ b/Documentation/presentations/200906_Novartis/caGrid Data Services.pptx
@@ -7404,7 +7404,7 @@
                         <a:tabLst/>
                       </a:pPr>
                       <a:r>
-                        <a:rPr kumimoji="0" lang="en-US" sz="1800" b="1" i="0" u="none" strike="noStrike" cap="none" normalizeH="0" baseline="0" smtClean="0">
+                        <a:rPr kumimoji="0" lang="en-US" sz="1800" b="1" i="0" u="none" strike="noStrike" cap="none" normalizeH="0" baseline="0" dirty="0" smtClean="0">
                           <a:ln>
                             <a:noFill/>
                           </a:ln>
@@ -7416,7 +7416,67 @@
                           <a:ea typeface="ヒラギノ角ゴ Pro W3" charset="-128"/>
                           <a:cs typeface="Times New Roman" charset="0"/>
                         </a:rPr>
-                        <a:t>Return all Genes with a symbol beginning with BRCA and have an associated Taxon with a scientificName equal to “Homo sapiens”:</a:t>
+                        <a:t>Return all Genes with a symbol beginning with BRCA and have an associated </a:t>
+                      </a:r>
+                      <a:r>
+                        <a:rPr kumimoji="0" lang="en-US" sz="1800" b="1" i="0" u="none" strike="noStrike" cap="none" normalizeH="0" baseline="0" dirty="0" err="1" smtClean="0">
+                          <a:ln>
+                            <a:noFill/>
+                          </a:ln>
+                          <a:solidFill>
+                            <a:schemeClr val="tx1"/>
+                          </a:solidFill>
+                          <a:effectLst/>
+                          <a:latin typeface="Arial" charset="0"/>
+                          <a:ea typeface="ヒラギノ角ゴ Pro W3" charset="-128"/>
+                          <a:cs typeface="Times New Roman" charset="0"/>
+                        </a:rPr>
+                        <a:t>Taxon</a:t>
+                      </a:r>
+                      <a:r>
+                        <a:rPr kumimoji="0" lang="en-US" sz="1800" b="1" i="0" u="none" strike="noStrike" cap="none" normalizeH="0" baseline="0" dirty="0" smtClean="0">
+                          <a:ln>
+                            <a:noFill/>
+                          </a:ln>
+                          <a:solidFill>
+                            <a:schemeClr val="tx1"/>
+                          </a:solidFill>
+                          <a:effectLst/>
+                          <a:latin typeface="Arial" charset="0"/>
+                          <a:ea typeface="ヒラギノ角ゴ Pro W3" charset="-128"/>
+                          <a:cs typeface="Times New Roman" charset="0"/>
+                        </a:rPr>
+                        <a:t> with a </a:t>
+                      </a:r>
+                      <a:r>
+                        <a:rPr kumimoji="0" lang="en-US" sz="1800" b="1" i="0" u="none" strike="noStrike" cap="none" normalizeH="0" baseline="0" dirty="0" err="1" smtClean="0">
+                          <a:ln>
+                            <a:noFill/>
+                          </a:ln>
+                          <a:solidFill>
+                            <a:schemeClr val="tx1"/>
+                          </a:solidFill>
+                          <a:effectLst/>
+                          <a:latin typeface="Arial" charset="0"/>
+                          <a:ea typeface="ヒラギノ角ゴ Pro W3" charset="-128"/>
+                          <a:cs typeface="Times New Roman" charset="0"/>
+                        </a:rPr>
+                        <a:t>scientificName</a:t>
+                      </a:r>
+                      <a:r>
+                        <a:rPr kumimoji="0" lang="en-US" sz="1800" b="1" i="0" u="none" strike="noStrike" cap="none" normalizeH="0" baseline="0" dirty="0" smtClean="0">
+                          <a:ln>
+                            <a:noFill/>
+                          </a:ln>
+                          <a:solidFill>
+                            <a:schemeClr val="tx1"/>
+                          </a:solidFill>
+                          <a:effectLst/>
+                          <a:latin typeface="Arial" charset="0"/>
+                          <a:ea typeface="ヒラギノ角ゴ Pro W3" charset="-128"/>
+                          <a:cs typeface="Times New Roman" charset="0"/>
+                        </a:rPr>
+                        <a:t> equal to “Homo sapiens”:</a:t>
                       </a:r>
                     </a:p>
                   </a:txBody>
@@ -7490,7 +7550,7 @@
                         <a:tabLst/>
                       </a:pPr>
                       <a:r>
-                        <a:rPr kumimoji="0" lang="en-US" sz="1400" b="0" i="0" u="none" strike="noStrike" cap="none" normalizeH="0" baseline="0" smtClean="0">
+                        <a:rPr kumimoji="0" lang="en-US" sz="1400" b="0" i="0" u="none" strike="noStrike" cap="none" normalizeH="0" baseline="0" dirty="0" smtClean="0">
                           <a:ln>
                             <a:noFill/>
                           </a:ln>
@@ -7501,7 +7561,63 @@
                           <a:latin typeface="Arial Narrow" charset="0"/>
                           <a:ea typeface="ヒラギノ角ゴ Pro W3" charset="-128"/>
                         </a:rPr>
-                        <a:t>&lt;CQLQuery xmlns="http://CQL.caBIG/1/gov.nih.nci.cagrid.CQLQuery"&gt;</a:t>
+                        <a:t>&lt;</a:t>
+                      </a:r>
+                      <a:r>
+                        <a:rPr kumimoji="0" lang="en-US" sz="1400" b="0" i="0" u="none" strike="noStrike" cap="none" normalizeH="0" baseline="0" dirty="0" err="1" smtClean="0">
+                          <a:ln>
+                            <a:noFill/>
+                          </a:ln>
+                          <a:solidFill>
+                            <a:schemeClr val="tx1"/>
+                          </a:solidFill>
+                          <a:effectLst/>
+                          <a:latin typeface="Arial Narrow" charset="0"/>
+                          <a:ea typeface="ヒラギノ角ゴ Pro W3" charset="-128"/>
+                        </a:rPr>
+                        <a:t>CQLQuery</a:t>
+                      </a:r>
+                      <a:r>
+                        <a:rPr kumimoji="0" lang="en-US" sz="1400" b="0" i="0" u="none" strike="noStrike" cap="none" normalizeH="0" baseline="0" dirty="0" smtClean="0">
+                          <a:ln>
+                            <a:noFill/>
+                          </a:ln>
+                          <a:solidFill>
+                            <a:schemeClr val="tx1"/>
+                          </a:solidFill>
+                          <a:effectLst/>
+                          <a:latin typeface="Arial Narrow" charset="0"/>
+                          <a:ea typeface="ヒラギノ角ゴ Pro W3" charset="-128"/>
+                        </a:rPr>
+                        <a:t> </a:t>
+                      </a:r>
+                      <a:r>
+                        <a:rPr kumimoji="0" lang="en-US" sz="1400" b="0" i="0" u="none" strike="noStrike" cap="none" normalizeH="0" baseline="0" dirty="0" err="1" smtClean="0">
+                          <a:ln>
+                            <a:noFill/>
+                          </a:ln>
+                          <a:solidFill>
+                            <a:schemeClr val="tx1"/>
+                          </a:solidFill>
+                          <a:effectLst/>
+                          <a:latin typeface="Arial Narrow" charset="0"/>
+                          <a:ea typeface="ヒラギノ角ゴ Pro W3" charset="-128"/>
+                        </a:rPr>
+                        <a:t>xmlns</a:t>
+                      </a:r>
+                      <a:r>
+                        <a:rPr kumimoji="0" lang="en-US" sz="1400" b="0" i="0" u="none" strike="noStrike" cap="none" normalizeH="0" baseline="0" dirty="0" smtClean="0">
+                          <a:ln>
+                            <a:noFill/>
+                          </a:ln>
+                          <a:solidFill>
+                            <a:schemeClr val="tx1"/>
+                          </a:solidFill>
+                          <a:effectLst/>
+                          <a:latin typeface="Arial Narrow" charset="0"/>
+                          <a:ea typeface="ヒラギノ角ゴ Pro W3" charset="-128"/>
+                        </a:rPr>
+                        <a:t>="http://CQL.caBIG/1/gov.nih.nci.cagrid.CQLQuery"&gt;</a:t>
                       </a:r>
                     </a:p>
                     <a:p>
@@ -7522,7 +7638,7 @@
                         <a:tabLst/>
                       </a:pPr>
                       <a:r>
-                        <a:rPr kumimoji="0" lang="en-US" sz="1400" b="0" i="0" u="none" strike="noStrike" cap="none" normalizeH="0" baseline="0" smtClean="0">
+                        <a:rPr kumimoji="0" lang="en-US" sz="1400" b="0" i="0" u="none" strike="noStrike" cap="none" normalizeH="0" baseline="0" dirty="0" smtClean="0">
                           <a:ln>
                             <a:noFill/>
                           </a:ln>
@@ -7533,7 +7649,35 @@
                           <a:latin typeface="Arial Narrow" charset="0"/>
                           <a:ea typeface="ヒラギノ角ゴ Pro W3" charset="-128"/>
                         </a:rPr>
-                        <a:t>  &lt;Target name="gov.nih.nci.cabio.domain.Gene"&gt;</a:t>
+                        <a:t>  &lt;Target name="</a:t>
+                      </a:r>
+                      <a:r>
+                        <a:rPr kumimoji="0" lang="en-US" sz="1400" b="0" i="0" u="none" strike="noStrike" cap="none" normalizeH="0" baseline="0" dirty="0" err="1" smtClean="0">
+                          <a:ln>
+                            <a:noFill/>
+                          </a:ln>
+                          <a:solidFill>
+                            <a:srgbClr val="FF0000"/>
+                          </a:solidFill>
+                          <a:effectLst/>
+                          <a:latin typeface="Arial Narrow" charset="0"/>
+                          <a:ea typeface="ヒラギノ角ゴ Pro W3" charset="-128"/>
+                        </a:rPr>
+                        <a:t>gov.nih.nci.cabio.domain.Gene</a:t>
+                      </a:r>
+                      <a:r>
+                        <a:rPr kumimoji="0" lang="en-US" sz="1400" b="0" i="0" u="none" strike="noStrike" cap="none" normalizeH="0" baseline="0" dirty="0" smtClean="0">
+                          <a:ln>
+                            <a:noFill/>
+                          </a:ln>
+                          <a:solidFill>
+                            <a:srgbClr val="FF0000"/>
+                          </a:solidFill>
+                          <a:effectLst/>
+                          <a:latin typeface="Arial Narrow" charset="0"/>
+                          <a:ea typeface="ヒラギノ角ゴ Pro W3" charset="-128"/>
+                        </a:rPr>
+                        <a:t>"&gt;</a:t>
                       </a:r>
                     </a:p>
                     <a:p>
@@ -7554,7 +7698,7 @@
                         <a:tabLst/>
                       </a:pPr>
                       <a:r>
-                        <a:rPr kumimoji="0" lang="en-US" sz="1400" b="0" i="0" u="none" strike="noStrike" cap="none" normalizeH="0" baseline="0" smtClean="0">
+                        <a:rPr kumimoji="0" lang="en-US" sz="1400" b="0" i="0" u="none" strike="noStrike" cap="none" normalizeH="0" baseline="0" dirty="0" smtClean="0">
                           <a:ln>
                             <a:noFill/>
                           </a:ln>
@@ -7565,7 +7709,35 @@
                           <a:latin typeface="Arial Narrow" charset="0"/>
                           <a:ea typeface="ヒラギノ角ゴ Pro W3" charset="-128"/>
                         </a:rPr>
-                        <a:t>    &lt;Group logicRelation="AND"&gt;</a:t>
+                        <a:t>    &lt;Group </a:t>
+                      </a:r>
+                      <a:r>
+                        <a:rPr kumimoji="0" lang="en-US" sz="1400" b="0" i="0" u="none" strike="noStrike" cap="none" normalizeH="0" baseline="0" dirty="0" err="1" smtClean="0">
+                          <a:ln>
+                            <a:noFill/>
+                          </a:ln>
+                          <a:solidFill>
+                            <a:schemeClr val="tx1"/>
+                          </a:solidFill>
+                          <a:effectLst/>
+                          <a:latin typeface="Arial Narrow" charset="0"/>
+                          <a:ea typeface="ヒラギノ角ゴ Pro W3" charset="-128"/>
+                        </a:rPr>
+                        <a:t>logicRelation</a:t>
+                      </a:r>
+                      <a:r>
+                        <a:rPr kumimoji="0" lang="en-US" sz="1400" b="0" i="0" u="none" strike="noStrike" cap="none" normalizeH="0" baseline="0" dirty="0" smtClean="0">
+                          <a:ln>
+                            <a:noFill/>
+                          </a:ln>
+                          <a:solidFill>
+                            <a:schemeClr val="tx1"/>
+                          </a:solidFill>
+                          <a:effectLst/>
+                          <a:latin typeface="Arial Narrow" charset="0"/>
+                          <a:ea typeface="ヒラギノ角ゴ Pro W3" charset="-128"/>
+                        </a:rPr>
+                        <a:t>="AND"&gt;</a:t>
                       </a:r>
                     </a:p>
                     <a:p>
@@ -7586,7 +7758,7 @@
                         <a:tabLst/>
                       </a:pPr>
                       <a:r>
-                        <a:rPr kumimoji="0" lang="en-US" sz="1400" b="0" i="0" u="none" strike="noStrike" cap="none" normalizeH="0" baseline="0" smtClean="0">
+                        <a:rPr kumimoji="0" lang="en-US" sz="1400" b="0" i="0" u="none" strike="noStrike" cap="none" normalizeH="0" baseline="0" dirty="0" smtClean="0">
                           <a:ln>
                             <a:noFill/>
                           </a:ln>
@@ -7600,7 +7772,7 @@
                         <a:t>      </a:t>
                       </a:r>
                       <a:r>
-                        <a:rPr kumimoji="0" lang="en-US" sz="1400" b="0" i="0" u="none" strike="noStrike" cap="none" normalizeH="0" baseline="0" smtClean="0">
+                        <a:rPr kumimoji="0" lang="en-US" sz="1400" b="0" i="0" u="none" strike="noStrike" cap="none" normalizeH="0" baseline="0" dirty="0" smtClean="0">
                           <a:ln>
                             <a:noFill/>
                           </a:ln>
@@ -7632,7 +7804,7 @@
                         <a:tabLst/>
                       </a:pPr>
                       <a:r>
-                        <a:rPr kumimoji="0" lang="en-US" sz="1400" b="0" i="0" u="none" strike="noStrike" cap="none" normalizeH="0" baseline="0" smtClean="0">
+                        <a:rPr kumimoji="0" lang="en-US" sz="1400" b="0" i="0" u="none" strike="noStrike" cap="none" normalizeH="0" baseline="0" dirty="0" smtClean="0">
                           <a:ln>
                             <a:noFill/>
                           </a:ln>
@@ -7646,7 +7818,7 @@
                         <a:t>        </a:t>
                       </a:r>
                       <a:r>
-                        <a:rPr kumimoji="0" lang="en-US" sz="1400" b="0" i="0" u="none" strike="noStrike" cap="none" normalizeH="0" baseline="0" smtClean="0">
+                        <a:rPr kumimoji="0" lang="en-US" sz="1400" b="0" i="0" u="none" strike="noStrike" cap="none" normalizeH="0" baseline="0" dirty="0" smtClean="0">
                           <a:ln>
                             <a:noFill/>
                           </a:ln>
@@ -7657,7 +7829,91 @@
                           <a:latin typeface="Arial Narrow" charset="0"/>
                           <a:ea typeface="ヒラギノ角ゴ Pro W3" charset="-128"/>
                         </a:rPr>
-                        <a:t>&lt;Association roleName="taxon“  name="gov.nih.nci.cabio.domain.Taxon"&gt;</a:t>
+                        <a:t>&lt;Association </a:t>
+                      </a:r>
+                      <a:r>
+                        <a:rPr kumimoji="0" lang="en-US" sz="1400" b="0" i="0" u="none" strike="noStrike" cap="none" normalizeH="0" baseline="0" dirty="0" err="1" smtClean="0">
+                          <a:ln>
+                            <a:noFill/>
+                          </a:ln>
+                          <a:solidFill>
+                            <a:schemeClr val="hlink"/>
+                          </a:solidFill>
+                          <a:effectLst/>
+                          <a:latin typeface="Arial Narrow" charset="0"/>
+                          <a:ea typeface="ヒラギノ角ゴ Pro W3" charset="-128"/>
+                        </a:rPr>
+                        <a:t>roleName</a:t>
+                      </a:r>
+                      <a:r>
+                        <a:rPr kumimoji="0" lang="en-US" sz="1400" b="0" i="0" u="none" strike="noStrike" cap="none" normalizeH="0" baseline="0" dirty="0" smtClean="0">
+                          <a:ln>
+                            <a:noFill/>
+                          </a:ln>
+                          <a:solidFill>
+                            <a:schemeClr val="hlink"/>
+                          </a:solidFill>
+                          <a:effectLst/>
+                          <a:latin typeface="Arial Narrow" charset="0"/>
+                          <a:ea typeface="ヒラギノ角ゴ Pro W3" charset="-128"/>
+                        </a:rPr>
+                        <a:t>="</a:t>
+                      </a:r>
+                      <a:r>
+                        <a:rPr kumimoji="0" lang="en-US" sz="1400" b="0" i="0" u="none" strike="noStrike" cap="none" normalizeH="0" baseline="0" dirty="0" err="1" smtClean="0">
+                          <a:ln>
+                            <a:noFill/>
+                          </a:ln>
+                          <a:solidFill>
+                            <a:schemeClr val="hlink"/>
+                          </a:solidFill>
+                          <a:effectLst/>
+                          <a:latin typeface="Arial Narrow" charset="0"/>
+                          <a:ea typeface="ヒラギノ角ゴ Pro W3" charset="-128"/>
+                        </a:rPr>
+                        <a:t>taxon</a:t>
+                      </a:r>
+                      <a:r>
+                        <a:rPr kumimoji="0" lang="en-US" sz="1400" b="0" i="0" u="none" strike="noStrike" cap="none" normalizeH="0" baseline="0" dirty="0" smtClean="0">
+                          <a:ln>
+                            <a:noFill/>
+                          </a:ln>
+                          <a:solidFill>
+                            <a:schemeClr val="hlink"/>
+                          </a:solidFill>
+                          <a:effectLst/>
+                          <a:latin typeface="Arial Narrow" charset="0"/>
+                          <a:ea typeface="ヒラギノ角ゴ Pro W3" charset="-128"/>
+                        </a:rPr>
+                        <a:t>“  name="</a:t>
+                      </a:r>
+                      <a:r>
+                        <a:rPr kumimoji="0" lang="en-US" sz="1400" b="0" i="0" u="none" strike="noStrike" cap="none" normalizeH="0" baseline="0" dirty="0" err="1" smtClean="0">
+                          <a:ln>
+                            <a:noFill/>
+                          </a:ln>
+                          <a:solidFill>
+                            <a:schemeClr val="hlink"/>
+                          </a:solidFill>
+                          <a:effectLst/>
+                          <a:latin typeface="Arial Narrow" charset="0"/>
+                          <a:ea typeface="ヒラギノ角ゴ Pro W3" charset="-128"/>
+                        </a:rPr>
+                        <a:t>gov.nih.nci.cabio.domain.Taxon</a:t>
+                      </a:r>
+                      <a:r>
+                        <a:rPr kumimoji="0" lang="en-US" sz="1400" b="0" i="0" u="none" strike="noStrike" cap="none" normalizeH="0" baseline="0" dirty="0" smtClean="0">
+                          <a:ln>
+                            <a:noFill/>
+                          </a:ln>
+                          <a:solidFill>
+                            <a:schemeClr val="hlink"/>
+                          </a:solidFill>
+                          <a:effectLst/>
+                          <a:latin typeface="Arial Narrow" charset="0"/>
+                          <a:ea typeface="ヒラギノ角ゴ Pro W3" charset="-128"/>
+                        </a:rPr>
+                        <a:t>"&gt;</a:t>
                       </a:r>
                     </a:p>
                     <a:p>
@@ -7678,7 +7934,7 @@
                         <a:tabLst/>
                       </a:pPr>
                       <a:r>
-                        <a:rPr kumimoji="0" lang="en-US" sz="1400" b="0" i="0" u="none" strike="noStrike" cap="none" normalizeH="0" baseline="0" smtClean="0">
+                        <a:rPr kumimoji="0" lang="en-US" sz="1400" b="0" i="0" u="none" strike="noStrike" cap="none" normalizeH="0" baseline="0" dirty="0" smtClean="0">
                           <a:ln>
                             <a:noFill/>
                           </a:ln>
@@ -7692,7 +7948,7 @@
                         <a:t>          </a:t>
                       </a:r>
                       <a:r>
-                        <a:rPr kumimoji="0" lang="en-US" sz="1400" b="0" i="0" u="none" strike="noStrike" cap="none" normalizeH="0" baseline="0" smtClean="0">
+                        <a:rPr kumimoji="0" lang="en-US" sz="1400" b="0" i="0" u="none" strike="noStrike" cap="none" normalizeH="0" baseline="0" dirty="0" smtClean="0">
                           <a:ln>
                             <a:noFill/>
                           </a:ln>
@@ -7706,7 +7962,7 @@
                         <a:t>&lt;Attribute name=“</a:t>
                       </a:r>
                       <a:r>
-                        <a:rPr kumimoji="0" lang="en-US" sz="1400" b="1" i="0" u="none" strike="noStrike" cap="none" normalizeH="0" baseline="0" smtClean="0">
+                        <a:rPr kumimoji="0" lang="en-US" sz="1400" b="1" i="0" u="none" strike="noStrike" cap="none" normalizeH="0" baseline="0" dirty="0" err="1" smtClean="0">
                           <a:ln>
                             <a:noFill/>
                           </a:ln>
@@ -7720,7 +7976,7 @@
                         <a:t>scientificName</a:t>
                       </a:r>
                       <a:r>
-                        <a:rPr kumimoji="0" lang="en-US" sz="1400" b="0" i="0" u="none" strike="noStrike" cap="none" normalizeH="0" baseline="0" smtClean="0">
+                        <a:rPr kumimoji="0" lang="en-US" sz="1400" b="0" i="0" u="none" strike="noStrike" cap="none" normalizeH="0" baseline="0" dirty="0" smtClean="0">
                           <a:ln>
                             <a:noFill/>
                           </a:ln>
@@ -7734,7 +7990,7 @@
                         <a:t>" predicate=“</a:t>
                       </a:r>
                       <a:r>
-                        <a:rPr kumimoji="0" lang="en-US" sz="1400" b="1" i="0" u="none" strike="noStrike" cap="none" normalizeH="0" baseline="0" smtClean="0">
+                        <a:rPr kumimoji="0" lang="en-US" sz="1400" b="1" i="0" u="none" strike="noStrike" cap="none" normalizeH="0" baseline="0" dirty="0" smtClean="0">
                           <a:ln>
                             <a:noFill/>
                           </a:ln>
@@ -7748,7 +8004,7 @@
                         <a:t>EQUAL_TO</a:t>
                       </a:r>
                       <a:r>
-                        <a:rPr kumimoji="0" lang="en-US" sz="1400" b="0" i="0" u="none" strike="noStrike" cap="none" normalizeH="0" baseline="0" smtClean="0">
+                        <a:rPr kumimoji="0" lang="en-US" sz="1400" b="0" i="0" u="none" strike="noStrike" cap="none" normalizeH="0" baseline="0" dirty="0" smtClean="0">
                           <a:ln>
                             <a:noFill/>
                           </a:ln>
@@ -7762,7 +8018,7 @@
                         <a:t>” value=“</a:t>
                       </a:r>
                       <a:r>
-                        <a:rPr kumimoji="0" lang="en-US" sz="1400" b="1" i="0" u="none" strike="noStrike" cap="none" normalizeH="0" baseline="0" smtClean="0">
+                        <a:rPr kumimoji="0" lang="en-US" sz="1400" b="1" i="0" u="none" strike="noStrike" cap="none" normalizeH="0" baseline="0" dirty="0" smtClean="0">
                           <a:ln>
                             <a:noFill/>
                           </a:ln>
@@ -7776,7 +8032,7 @@
                         <a:t>Homo sapiens</a:t>
                       </a:r>
                       <a:r>
-                        <a:rPr kumimoji="0" lang="en-US" sz="1400" b="0" i="0" u="none" strike="noStrike" cap="none" normalizeH="0" baseline="0" smtClean="0">
+                        <a:rPr kumimoji="0" lang="en-US" sz="1400" b="0" i="0" u="none" strike="noStrike" cap="none" normalizeH="0" baseline="0" dirty="0" smtClean="0">
                           <a:ln>
                             <a:noFill/>
                           </a:ln>
@@ -7808,7 +8064,7 @@
                         <a:tabLst/>
                       </a:pPr>
                       <a:r>
-                        <a:rPr kumimoji="0" lang="en-US" sz="1400" b="0" i="0" u="none" strike="noStrike" cap="none" normalizeH="0" baseline="0" smtClean="0">
+                        <a:rPr kumimoji="0" lang="en-US" sz="1400" b="0" i="0" u="none" strike="noStrike" cap="none" normalizeH="0" baseline="0" dirty="0" smtClean="0">
                           <a:ln>
                             <a:noFill/>
                           </a:ln>
@@ -7840,7 +8096,7 @@
                         <a:tabLst/>
                       </a:pPr>
                       <a:r>
-                        <a:rPr kumimoji="0" lang="en-US" sz="1400" b="0" i="0" u="none" strike="noStrike" cap="none" normalizeH="0" baseline="0" smtClean="0">
+                        <a:rPr kumimoji="0" lang="en-US" sz="1400" b="0" i="0" u="none" strike="noStrike" cap="none" normalizeH="0" baseline="0" dirty="0" smtClean="0">
                           <a:ln>
                             <a:noFill/>
                           </a:ln>
@@ -7872,7 +8128,7 @@
                         <a:tabLst/>
                       </a:pPr>
                       <a:r>
-                        <a:rPr kumimoji="0" lang="en-US" sz="1400" b="0" i="0" u="none" strike="noStrike" cap="none" normalizeH="0" baseline="0" smtClean="0">
+                        <a:rPr kumimoji="0" lang="en-US" sz="1400" b="0" i="0" u="none" strike="noStrike" cap="none" normalizeH="0" baseline="0" dirty="0" smtClean="0">
                           <a:ln>
                             <a:noFill/>
                           </a:ln>
@@ -7904,7 +8160,7 @@
                         <a:tabLst/>
                       </a:pPr>
                       <a:r>
-                        <a:rPr kumimoji="0" lang="en-US" sz="1400" b="0" i="0" u="none" strike="noStrike" cap="none" normalizeH="0" baseline="0" smtClean="0">
+                        <a:rPr kumimoji="0" lang="en-US" sz="1400" b="0" i="0" u="none" strike="noStrike" cap="none" normalizeH="0" baseline="0" dirty="0" smtClean="0">
                           <a:ln>
                             <a:noFill/>
                           </a:ln>
@@ -7915,7 +8171,35 @@
                           <a:latin typeface="Arial Narrow" charset="0"/>
                           <a:ea typeface="ヒラギノ角ゴ Pro W3" charset="-128"/>
                         </a:rPr>
-                        <a:t>&lt;/CQLQuery&gt;</a:t>
+                        <a:t>&lt;/</a:t>
+                      </a:r>
+                      <a:r>
+                        <a:rPr kumimoji="0" lang="en-US" sz="1400" b="0" i="0" u="none" strike="noStrike" cap="none" normalizeH="0" baseline="0" dirty="0" err="1" smtClean="0">
+                          <a:ln>
+                            <a:noFill/>
+                          </a:ln>
+                          <a:solidFill>
+                            <a:schemeClr val="tx1"/>
+                          </a:solidFill>
+                          <a:effectLst/>
+                          <a:latin typeface="Arial Narrow" charset="0"/>
+                          <a:ea typeface="ヒラギノ角ゴ Pro W3" charset="-128"/>
+                        </a:rPr>
+                        <a:t>CQLQuery</a:t>
+                      </a:r>
+                      <a:r>
+                        <a:rPr kumimoji="0" lang="en-US" sz="1400" b="0" i="0" u="none" strike="noStrike" cap="none" normalizeH="0" baseline="0" dirty="0" smtClean="0">
+                          <a:ln>
+                            <a:noFill/>
+                          </a:ln>
+                          <a:solidFill>
+                            <a:schemeClr val="tx1"/>
+                          </a:solidFill>
+                          <a:effectLst/>
+                          <a:latin typeface="Arial Narrow" charset="0"/>
+                          <a:ea typeface="ヒラギノ角ゴ Pro W3" charset="-128"/>
+                        </a:rPr>
+                        <a:t>&gt;</a:t>
                       </a:r>
                     </a:p>
                   </a:txBody>
@@ -8770,9 +9054,6 @@
               </a:rPr>
               <a:t> objects or XML text</a:t>
             </a:r>
-            <a:endParaRPr lang="en-US" sz="2000" kern="0" dirty="0" smtClean="0">
-              <a:latin typeface="+mn-lt"/>
-            </a:endParaRPr>
           </a:p>
           <a:p>
             <a:pPr marL="800100" lvl="1" indent="-342900">
@@ -9478,11 +9759,7 @@
             </a:pPr>
             <a:r>
               <a:rPr lang="en-US" sz="2000" kern="0" dirty="0" smtClean="0"/>
-              <a:t>Basic distributed joins and </a:t>
-            </a:r>
-            <a:r>
-              <a:rPr lang="en-US" sz="2000" kern="0" dirty="0" smtClean="0"/>
-              <a:t>aggregations</a:t>
+              <a:t>Basic distributed joins and aggregations</a:t>
             </a:r>
             <a:endParaRPr lang="en-US" sz="2000" b="1" kern="0" dirty="0" smtClean="0">
               <a:latin typeface="+mn-lt"/>
@@ -10018,527 +10295,660 @@
           <a:p>
             <a:pPr eaLnBrk="1" hangingPunct="1"/>
             <a:r>
-              <a:rPr lang="en-US" smtClean="0"/>
-              <a:t>DCQL Example</a:t>
-            </a:r>
+              <a:rPr lang="en-US" dirty="0" smtClean="0"/>
+              <a:t>DCQL </a:t>
+            </a:r>
+            <a:r>
+              <a:rPr lang="en-US" dirty="0" smtClean="0"/>
+              <a:t>Aggregation Example</a:t>
+            </a:r>
+            <a:endParaRPr lang="en-US" dirty="0" smtClean="0"/>
           </a:p>
         </p:txBody>
       </p:sp>
       <p:sp>
         <p:nvSpPr>
-          <p:cNvPr id="59395" name="Rectangle 3"/>
-          <p:cNvSpPr>
-            <a:spLocks noGrp="1" noChangeArrowheads="1"/>
+          <p:cNvPr id="4" name="Content Placeholder 2"/>
+          <p:cNvSpPr txBox="1">
+            <a:spLocks/>
           </p:cNvSpPr>
-          <p:nvPr>
-            <p:ph idx="1"/>
-          </p:nvPr>
+          <p:nvPr/>
+        </p:nvSpPr>
+        <p:spPr bwMode="auto">
+          <a:xfrm>
+            <a:off x="228600" y="1219200"/>
+            <a:ext cx="8458200" cy="3200400"/>
+          </a:xfrm>
+          <a:prstGeom prst="rect">
+            <a:avLst/>
+          </a:prstGeom>
+          <a:noFill/>
+          <a:ln w="9525">
+            <a:noFill/>
+            <a:miter lim="800000"/>
+            <a:headEnd/>
+            <a:tailEnd/>
+          </a:ln>
+          <a:effectLst/>
+        </p:spPr>
+        <p:txBody>
+          <a:bodyPr vert="horz" wrap="square" lIns="91440" tIns="45720" rIns="91440" bIns="45720" numCol="1" anchor="t" anchorCtr="0" compatLnSpc="1">
+            <a:prstTxWarp prst="textNoShape">
+              <a:avLst/>
+            </a:prstTxWarp>
+          </a:bodyPr>
+          <a:lstStyle/>
+          <a:p>
+            <a:pPr marL="342900" indent="-342900">
+              <a:spcBef>
+                <a:spcPct val="20000"/>
+              </a:spcBef>
+              <a:buClr>
+                <a:srgbClr val="00AAF6"/>
+              </a:buClr>
+              <a:buFontTx/>
+              <a:buChar char="•"/>
+              <a:defRPr/>
+            </a:pPr>
+            <a:r>
+              <a:rPr lang="en-US" sz="2000" b="1" kern="0" dirty="0" smtClean="0"/>
+              <a:t>Aggregate data from multiple sources</a:t>
+            </a:r>
+          </a:p>
+          <a:p>
+            <a:pPr marL="800100" lvl="1" indent="-342900">
+              <a:spcBef>
+                <a:spcPct val="20000"/>
+              </a:spcBef>
+              <a:buClr>
+                <a:srgbClr val="00AAF6"/>
+              </a:buClr>
+              <a:buFontTx/>
+              <a:buChar char="•"/>
+              <a:defRPr/>
+            </a:pPr>
+            <a:r>
+              <a:rPr lang="en-US" sz="2000" kern="0" dirty="0" smtClean="0"/>
+              <a:t>Simultaneous query execution up to thread pool size</a:t>
+            </a:r>
+          </a:p>
+          <a:p>
+            <a:pPr marL="342900" indent="-342900">
+              <a:spcBef>
+                <a:spcPct val="20000"/>
+              </a:spcBef>
+              <a:buClr>
+                <a:srgbClr val="00AAF6"/>
+              </a:buClr>
+              <a:buFontTx/>
+              <a:buChar char="•"/>
+              <a:defRPr/>
+            </a:pPr>
+            <a:r>
+              <a:rPr lang="en-US" sz="2000" b="1" kern="0" dirty="0" smtClean="0"/>
+              <a:t>Example query</a:t>
+            </a:r>
+          </a:p>
+          <a:p>
+            <a:pPr marL="800100" lvl="1" indent="-342900">
+              <a:spcBef>
+                <a:spcPct val="20000"/>
+              </a:spcBef>
+              <a:buClr>
+                <a:srgbClr val="00AAF6"/>
+              </a:buClr>
+              <a:buFontTx/>
+              <a:buChar char="•"/>
+              <a:defRPr/>
+            </a:pPr>
+            <a:r>
+              <a:rPr lang="en-US" sz="2000" kern="0" dirty="0" smtClean="0"/>
+              <a:t>Return </a:t>
+            </a:r>
+            <a:r>
+              <a:rPr lang="en-US" sz="2000" dirty="0" smtClean="0">
+                <a:solidFill>
+                  <a:srgbClr val="C00000"/>
+                </a:solidFill>
+              </a:rPr>
+              <a:t>instances</a:t>
+            </a:r>
+            <a:r>
+              <a:rPr lang="en-US" sz="2000" dirty="0" smtClean="0"/>
+              <a:t> </a:t>
+            </a:r>
+            <a:r>
+              <a:rPr lang="en-US" sz="2000" dirty="0" smtClean="0"/>
+              <a:t>of the </a:t>
+            </a:r>
+            <a:r>
+              <a:rPr lang="en-US" sz="2000" i="1" dirty="0" smtClean="0"/>
+              <a:t>gene </a:t>
+            </a:r>
+            <a:r>
+              <a:rPr lang="en-US" sz="2000" dirty="0" smtClean="0"/>
+              <a:t>data type</a:t>
+            </a:r>
+          </a:p>
+          <a:p>
+            <a:pPr marL="800100" lvl="1" indent="-342900">
+              <a:spcBef>
+                <a:spcPct val="20000"/>
+              </a:spcBef>
+              <a:buClr>
+                <a:srgbClr val="00AAF6"/>
+              </a:buClr>
+              <a:buFontTx/>
+              <a:buChar char="•"/>
+              <a:defRPr/>
+            </a:pPr>
+            <a:r>
+              <a:rPr lang="en-US" sz="2000" dirty="0" smtClean="0"/>
+              <a:t>Each </a:t>
+            </a:r>
+            <a:r>
+              <a:rPr lang="en-US" sz="2000" dirty="0" smtClean="0"/>
+              <a:t>gene must have an </a:t>
+            </a:r>
+            <a:r>
+              <a:rPr lang="en-US" sz="2000" dirty="0" smtClean="0">
+                <a:solidFill>
+                  <a:srgbClr val="00B050"/>
+                </a:solidFill>
+              </a:rPr>
+              <a:t>association</a:t>
+            </a:r>
+            <a:r>
+              <a:rPr lang="en-US" sz="2000" dirty="0" smtClean="0"/>
+              <a:t> to an instance of the </a:t>
+            </a:r>
+            <a:r>
+              <a:rPr lang="en-US" sz="2000" i="1" dirty="0" smtClean="0"/>
+              <a:t>term </a:t>
+            </a:r>
+            <a:r>
+              <a:rPr lang="en-US" sz="2000" dirty="0" smtClean="0"/>
+              <a:t>data </a:t>
+            </a:r>
+            <a:r>
+              <a:rPr lang="en-US" sz="2000" dirty="0" smtClean="0"/>
+              <a:t>type via the role name </a:t>
+            </a:r>
+            <a:r>
+              <a:rPr lang="en-US" sz="2000" i="1" dirty="0" smtClean="0"/>
+              <a:t>terms</a:t>
+            </a:r>
+          </a:p>
+          <a:p>
+            <a:pPr marL="800100" lvl="1" indent="-342900">
+              <a:spcBef>
+                <a:spcPct val="20000"/>
+              </a:spcBef>
+              <a:buClr>
+                <a:srgbClr val="00AAF6"/>
+              </a:buClr>
+              <a:buFontTx/>
+              <a:buChar char="•"/>
+              <a:defRPr/>
+            </a:pPr>
+            <a:r>
+              <a:rPr lang="en-US" sz="2000" dirty="0" smtClean="0"/>
+              <a:t>Each </a:t>
+            </a:r>
+            <a:r>
+              <a:rPr lang="en-US" sz="2000" dirty="0" smtClean="0"/>
+              <a:t>term must have it's </a:t>
+            </a:r>
+            <a:r>
+              <a:rPr lang="en-US" sz="2000" i="1" dirty="0" smtClean="0"/>
+              <a:t>value</a:t>
+            </a:r>
+            <a:r>
+              <a:rPr lang="en-US" sz="2000" dirty="0" smtClean="0"/>
+              <a:t> </a:t>
+            </a:r>
+            <a:r>
+              <a:rPr lang="en-US" sz="2000" dirty="0" smtClean="0">
+                <a:solidFill>
+                  <a:srgbClr val="0070C0"/>
+                </a:solidFill>
+              </a:rPr>
+              <a:t>attribute</a:t>
+            </a:r>
+            <a:r>
+              <a:rPr lang="en-US" sz="2000" dirty="0" smtClean="0"/>
+              <a:t> equal to </a:t>
+            </a:r>
+            <a:r>
+              <a:rPr lang="en-US" sz="2000" dirty="0" smtClean="0"/>
+              <a:t>“root”</a:t>
+            </a:r>
+          </a:p>
+          <a:p>
+            <a:pPr marL="800100" lvl="1" indent="-342900">
+              <a:spcBef>
+                <a:spcPct val="20000"/>
+              </a:spcBef>
+              <a:buClr>
+                <a:srgbClr val="00AAF6"/>
+              </a:buClr>
+              <a:buFontTx/>
+              <a:buChar char="•"/>
+              <a:defRPr/>
+            </a:pPr>
+            <a:r>
+              <a:rPr lang="en-US" sz="2000" dirty="0" smtClean="0"/>
+              <a:t>The </a:t>
+            </a:r>
+            <a:r>
+              <a:rPr lang="en-US" sz="2000" dirty="0" smtClean="0"/>
+              <a:t>query is executed on </a:t>
+            </a:r>
+            <a:r>
+              <a:rPr lang="en-US" sz="2000" dirty="0" smtClean="0">
+                <a:solidFill>
+                  <a:srgbClr val="7030A0"/>
+                </a:solidFill>
+              </a:rPr>
+              <a:t>two data services</a:t>
+            </a:r>
+            <a:r>
+              <a:rPr lang="en-US" sz="2000" dirty="0" smtClean="0"/>
+              <a:t>, each indicated by the </a:t>
+            </a:r>
+            <a:r>
+              <a:rPr lang="en-US" sz="2000" i="1" dirty="0" err="1" smtClean="0"/>
+              <a:t>targetServiceUrl</a:t>
+            </a:r>
+            <a:r>
+              <a:rPr lang="en-US" sz="2000" dirty="0" smtClean="0"/>
+              <a:t> </a:t>
+            </a:r>
+            <a:r>
+              <a:rPr lang="en-US" sz="2000" dirty="0" smtClean="0"/>
+              <a:t>elements at the end of the </a:t>
+            </a:r>
+            <a:r>
+              <a:rPr lang="en-US" sz="2000" dirty="0" smtClean="0"/>
+              <a:t>query</a:t>
+            </a:r>
+          </a:p>
+          <a:p>
+            <a:pPr marL="342900" indent="-342900">
+              <a:spcBef>
+                <a:spcPct val="20000"/>
+              </a:spcBef>
+              <a:buClr>
+                <a:srgbClr val="00AAF6"/>
+              </a:buClr>
+              <a:buFontTx/>
+              <a:buChar char="•"/>
+              <a:defRPr/>
+            </a:pPr>
+            <a:endParaRPr lang="en-US" sz="2000" dirty="0" smtClean="0"/>
+          </a:p>
+          <a:p>
+            <a:pPr marL="800100" lvl="1" indent="-342900">
+              <a:spcBef>
+                <a:spcPct val="20000"/>
+              </a:spcBef>
+              <a:buClr>
+                <a:srgbClr val="00AAF6"/>
+              </a:buClr>
+              <a:buFontTx/>
+              <a:buChar char="•"/>
+              <a:defRPr/>
+            </a:pPr>
+            <a:endParaRPr lang="en-US" sz="2000" kern="0" dirty="0" smtClean="0">
+              <a:latin typeface="+mn-lt"/>
+            </a:endParaRPr>
+          </a:p>
+        </p:txBody>
+      </p:sp>
+      <p:sp>
+        <p:nvSpPr>
+          <p:cNvPr id="7" name="TextBox 6"/>
+          <p:cNvSpPr txBox="1"/>
+          <p:nvPr/>
         </p:nvSpPr>
         <p:spPr>
           <a:xfrm>
-            <a:off x="685800" y="1447800"/>
-            <a:ext cx="8458200" cy="4953000"/>
+            <a:off x="228600" y="4495800"/>
+            <a:ext cx="8610600" cy="1892826"/>
           </a:xfrm>
+          <a:prstGeom prst="rect">
+            <a:avLst/>
+          </a:prstGeom>
+          <a:noFill/>
         </p:spPr>
         <p:txBody>
-          <a:bodyPr/>
+          <a:bodyPr wrap="square" rtlCol="0">
+            <a:spAutoFit/>
+          </a:bodyPr>
           <a:lstStyle/>
           <a:p>
-            <a:pPr>
-              <a:buFontTx/>
-              <a:buNone/>
-            </a:pPr>
-            <a:r>
-              <a:rPr lang="en-US" sz="1800" dirty="0" smtClean="0"/>
-              <a:t>Return all the Genes in my local database that have a symbol </a:t>
-            </a:r>
-            <a:r>
-              <a:rPr lang="en-US" sz="1800" i="1" dirty="0" smtClean="0"/>
-              <a:t>beginning </a:t>
-            </a:r>
-            <a:r>
-              <a:rPr lang="en-US" sz="1800" dirty="0" smtClean="0"/>
-              <a:t>with “BRC“ and also exist in the </a:t>
-            </a:r>
-            <a:r>
-              <a:rPr lang="en-US" sz="1800" dirty="0" err="1" smtClean="0"/>
-              <a:t>caBIO</a:t>
-            </a:r>
-            <a:r>
-              <a:rPr lang="en-US" sz="1800" dirty="0" smtClean="0"/>
-              <a:t> database.</a:t>
-            </a:r>
-          </a:p>
-          <a:p>
-            <a:pPr>
-              <a:buFontTx/>
-              <a:buNone/>
-            </a:pPr>
-            <a:endParaRPr lang="en-US" sz="1400" dirty="0" smtClean="0"/>
-          </a:p>
-          <a:p>
-            <a:pPr>
-              <a:buFontTx/>
-              <a:buNone/>
-            </a:pPr>
-            <a:r>
-              <a:rPr lang="en-US" sz="1400" dirty="0" smtClean="0"/>
+            <a:r>
+              <a:rPr lang="en-US" sz="1300" dirty="0" smtClean="0">
+                <a:latin typeface="Arial Narrow" pitchFamily="34" charset="0"/>
+              </a:rPr>
+              <a:t>&lt;ns1:DCQLQuery </a:t>
+            </a:r>
+            <a:r>
+              <a:rPr lang="en-US" sz="1300" dirty="0" smtClean="0">
+                <a:latin typeface="Arial Narrow" pitchFamily="34" charset="0"/>
+              </a:rPr>
+              <a:t>xmlns:ns1=</a:t>
+            </a:r>
+            <a:r>
+              <a:rPr lang="en-US" sz="1300" dirty="0" smtClean="0">
+                <a:latin typeface="Arial Narrow" pitchFamily="34" charset="0"/>
+                <a:hlinkClick r:id="rId3"/>
+              </a:rPr>
+              <a:t>http</a:t>
+            </a:r>
+            <a:r>
+              <a:rPr lang="en-US" sz="1300" dirty="0" smtClean="0">
+                <a:latin typeface="Arial Narrow" pitchFamily="34" charset="0"/>
+                <a:hlinkClick r:id="rId3"/>
+              </a:rPr>
+              <a:t>://</a:t>
+            </a:r>
+            <a:r>
+              <a:rPr lang="en-US" sz="1300" dirty="0" smtClean="0">
+                <a:latin typeface="Arial Narrow" pitchFamily="34" charset="0"/>
+                <a:hlinkClick r:id="rId3"/>
+              </a:rPr>
+              <a:t>caGrid.caBIG/1.0/gov.nih.nci.cagrid.dcql</a:t>
+            </a:r>
+            <a:r>
+              <a:rPr lang="en-US" sz="1300" dirty="0" smtClean="0">
+                <a:latin typeface="Arial Narrow" pitchFamily="34" charset="0"/>
+              </a:rPr>
+              <a:t>&gt;</a:t>
+            </a:r>
+          </a:p>
+          <a:p>
+            <a:r>
+              <a:rPr lang="en-US" sz="1300" dirty="0" smtClean="0">
+                <a:latin typeface="Arial Narrow" pitchFamily="34" charset="0"/>
+              </a:rPr>
+              <a:t>   </a:t>
+            </a:r>
+            <a:r>
+              <a:rPr lang="en-US" sz="1300" dirty="0" smtClean="0">
+                <a:solidFill>
+                  <a:srgbClr val="C00000"/>
+                </a:solidFill>
+                <a:latin typeface="Arial Narrow" pitchFamily="34" charset="0"/>
+              </a:rPr>
               <a:t>&lt;</a:t>
             </a:r>
             <a:r>
-              <a:rPr lang="en-US" sz="1400" dirty="0" err="1" smtClean="0"/>
-              <a:t>DCQLQuery</a:t>
-            </a:r>
-            <a:r>
-              <a:rPr lang="en-US" sz="1400" dirty="0" smtClean="0"/>
+              <a:rPr lang="en-US" sz="1300" dirty="0" smtClean="0">
+                <a:solidFill>
+                  <a:srgbClr val="C00000"/>
+                </a:solidFill>
+                <a:latin typeface="Arial Narrow" pitchFamily="34" charset="0"/>
+              </a:rPr>
+              <a:t>ns1:TargetObject name="model1.domain.Gene</a:t>
+            </a:r>
+            <a:r>
+              <a:rPr lang="en-US" sz="1300" dirty="0" smtClean="0">
+                <a:solidFill>
+                  <a:srgbClr val="C00000"/>
+                </a:solidFill>
+                <a:latin typeface="Arial Narrow" pitchFamily="34" charset="0"/>
+              </a:rPr>
+              <a:t>"&gt;</a:t>
+            </a:r>
+          </a:p>
+          <a:p>
+            <a:r>
+              <a:rPr lang="en-US" sz="1300" dirty="0" smtClean="0">
+                <a:latin typeface="Arial Narrow" pitchFamily="34" charset="0"/>
+              </a:rPr>
+              <a:t>      </a:t>
+            </a:r>
+            <a:r>
+              <a:rPr lang="en-US" sz="1300" dirty="0" smtClean="0">
+                <a:solidFill>
+                  <a:srgbClr val="00B050"/>
+                </a:solidFill>
+                <a:latin typeface="Arial Narrow" pitchFamily="34" charset="0"/>
+              </a:rPr>
+              <a:t>&lt;</a:t>
+            </a:r>
+            <a:r>
+              <a:rPr lang="en-US" sz="1300" dirty="0" smtClean="0">
+                <a:solidFill>
+                  <a:srgbClr val="00B050"/>
+                </a:solidFill>
+                <a:latin typeface="Arial Narrow" pitchFamily="34" charset="0"/>
+              </a:rPr>
+              <a:t>ns1:Association name="model1.domain.Term" </a:t>
+            </a:r>
+            <a:r>
+              <a:rPr lang="en-US" sz="1300" dirty="0" err="1" smtClean="0">
+                <a:solidFill>
+                  <a:srgbClr val="00B050"/>
+                </a:solidFill>
+                <a:latin typeface="Arial Narrow" pitchFamily="34" charset="0"/>
+              </a:rPr>
+              <a:t>roleName</a:t>
+            </a:r>
+            <a:r>
+              <a:rPr lang="en-US" sz="1300" dirty="0" smtClean="0">
+                <a:solidFill>
+                  <a:srgbClr val="00B050"/>
+                </a:solidFill>
+                <a:latin typeface="Arial Narrow" pitchFamily="34" charset="0"/>
+              </a:rPr>
+              <a:t>="terms</a:t>
+            </a:r>
+            <a:r>
+              <a:rPr lang="en-US" sz="1300" dirty="0" smtClean="0">
+                <a:solidFill>
+                  <a:srgbClr val="00B050"/>
+                </a:solidFill>
+                <a:latin typeface="Arial Narrow" pitchFamily="34" charset="0"/>
+              </a:rPr>
+              <a:t>"&gt;</a:t>
+            </a:r>
+          </a:p>
+          <a:p>
+            <a:r>
+              <a:rPr lang="en-US" sz="1300" dirty="0" smtClean="0">
+                <a:latin typeface="Arial Narrow" pitchFamily="34" charset="0"/>
+              </a:rPr>
+              <a:t>         </a:t>
+            </a:r>
+            <a:r>
+              <a:rPr lang="en-US" sz="1300" dirty="0" smtClean="0">
+                <a:solidFill>
+                  <a:srgbClr val="0070C0"/>
+                </a:solidFill>
+                <a:latin typeface="Arial Narrow" pitchFamily="34" charset="0"/>
+              </a:rPr>
+              <a:t>&lt;</a:t>
+            </a:r>
+            <a:r>
+              <a:rPr lang="en-US" sz="1300" dirty="0" smtClean="0">
+                <a:solidFill>
+                  <a:srgbClr val="0070C0"/>
+                </a:solidFill>
+                <a:latin typeface="Arial Narrow" pitchFamily="34" charset="0"/>
+              </a:rPr>
+              <a:t>ns1:Attribute name="value" predicate="EQUAL_TO" value="root</a:t>
+            </a:r>
+            <a:r>
+              <a:rPr lang="en-US" sz="1300" dirty="0" smtClean="0">
+                <a:solidFill>
+                  <a:srgbClr val="0070C0"/>
+                </a:solidFill>
+                <a:latin typeface="Arial Narrow" pitchFamily="34" charset="0"/>
+              </a:rPr>
+              <a:t>"/&gt;</a:t>
+            </a:r>
+          </a:p>
+          <a:p>
+            <a:r>
+              <a:rPr lang="en-US" sz="1300" dirty="0" smtClean="0">
+                <a:latin typeface="Arial Narrow" pitchFamily="34" charset="0"/>
+              </a:rPr>
+              <a:t>      </a:t>
+            </a:r>
+            <a:r>
+              <a:rPr lang="en-US" sz="1300" dirty="0" smtClean="0">
+                <a:solidFill>
+                  <a:srgbClr val="00B050"/>
+                </a:solidFill>
+                <a:latin typeface="Arial Narrow" pitchFamily="34" charset="0"/>
+              </a:rPr>
+              <a:t>&lt;/</a:t>
+            </a:r>
+            <a:r>
+              <a:rPr lang="en-US" sz="1300" dirty="0" smtClean="0">
+                <a:solidFill>
+                  <a:srgbClr val="00B050"/>
+                </a:solidFill>
+                <a:latin typeface="Arial Narrow" pitchFamily="34" charset="0"/>
+              </a:rPr>
+              <a:t>ns1:Association</a:t>
+            </a:r>
+            <a:r>
+              <a:rPr lang="en-US" sz="1300" dirty="0" smtClean="0">
+                <a:solidFill>
+                  <a:srgbClr val="00B050"/>
+                </a:solidFill>
+                <a:latin typeface="Arial Narrow" pitchFamily="34" charset="0"/>
+              </a:rPr>
               <a:t>&gt;</a:t>
             </a:r>
           </a:p>
           <a:p>
-            <a:pPr>
-              <a:buFontTx/>
-              <a:buNone/>
-            </a:pPr>
-            <a:r>
-              <a:rPr lang="en-US" sz="1400" dirty="0" smtClean="0"/>
-              <a:t>    &lt;</a:t>
-            </a:r>
-            <a:r>
-              <a:rPr lang="en-US" sz="1400" dirty="0" err="1" smtClean="0"/>
-              <a:t>TargetObject</a:t>
-            </a:r>
-            <a:r>
-              <a:rPr lang="en-US" sz="1400" dirty="0" smtClean="0"/>
-              <a:t> name=</a:t>
-            </a:r>
-            <a:r>
-              <a:rPr lang="en-US" sz="1400" i="1" dirty="0" smtClean="0"/>
-              <a:t>"</a:t>
-            </a:r>
-            <a:r>
-              <a:rPr lang="en-US" sz="1400" i="1" dirty="0" err="1" smtClean="0"/>
-              <a:t>gov.nih.nci.cabio.domain.Gene</a:t>
-            </a:r>
-            <a:r>
-              <a:rPr lang="en-US" sz="1400" i="1" dirty="0" smtClean="0"/>
-              <a:t>"&gt;</a:t>
-            </a:r>
-          </a:p>
-          <a:p>
-            <a:pPr>
-              <a:buFontTx/>
-              <a:buNone/>
-            </a:pPr>
-            <a:r>
-              <a:rPr lang="en-US" sz="1400" dirty="0" smtClean="0"/>
-              <a:t>        &lt;Group </a:t>
-            </a:r>
-            <a:r>
-              <a:rPr lang="en-US" sz="1400" dirty="0" err="1" smtClean="0"/>
-              <a:t>logicRelation</a:t>
-            </a:r>
-            <a:r>
-              <a:rPr lang="en-US" sz="1400" dirty="0" smtClean="0"/>
-              <a:t>=</a:t>
-            </a:r>
-            <a:r>
-              <a:rPr lang="en-US" sz="1400" i="1" dirty="0" smtClean="0"/>
-              <a:t>"AND"&gt;</a:t>
-            </a:r>
-          </a:p>
-          <a:p>
-            <a:pPr>
-              <a:buFontTx/>
-              <a:buNone/>
-            </a:pPr>
-            <a:r>
-              <a:rPr lang="en-US" sz="1400" dirty="0" smtClean="0">
+            <a:r>
+              <a:rPr lang="en-US" sz="1300" dirty="0" smtClean="0">
+                <a:latin typeface="Arial Narrow" pitchFamily="34" charset="0"/>
+              </a:rPr>
+              <a:t>    </a:t>
+            </a:r>
+            <a:r>
+              <a:rPr lang="en-US" sz="1300" dirty="0" smtClean="0">
                 <a:solidFill>
-                  <a:srgbClr val="FF0000"/>
+                  <a:srgbClr val="C00000"/>
                 </a:solidFill>
-              </a:rPr>
-              <a:t>            &lt;</a:t>
-            </a:r>
-            <a:r>
-              <a:rPr lang="en-US" sz="1400" dirty="0" err="1" smtClean="0">
+                <a:latin typeface="Arial Narrow" pitchFamily="34" charset="0"/>
+              </a:rPr>
+              <a:t>&lt;/ns1:TargetObject</a:t>
+            </a:r>
+            <a:r>
+              <a:rPr lang="en-US" sz="1300" dirty="0" smtClean="0">
                 <a:solidFill>
-                  <a:srgbClr val="FF0000"/>
+                  <a:srgbClr val="C00000"/>
                 </a:solidFill>
-              </a:rPr>
-              <a:t>ForeignAssociation</a:t>
-            </a:r>
-            <a:r>
-              <a:rPr lang="en-US" sz="1400" dirty="0" smtClean="0">
+                <a:latin typeface="Arial Narrow" pitchFamily="34" charset="0"/>
+              </a:rPr>
+              <a:t>&gt;</a:t>
+            </a:r>
+          </a:p>
+          <a:p>
+            <a:r>
+              <a:rPr lang="en-US" sz="1300" dirty="0" smtClean="0">
+                <a:latin typeface="Arial Narrow" pitchFamily="34" charset="0"/>
+              </a:rPr>
+              <a:t>   </a:t>
+            </a:r>
+            <a:r>
+              <a:rPr lang="en-US" sz="1300" dirty="0" smtClean="0">
                 <a:solidFill>
-                  <a:srgbClr val="FF0000"/>
+                  <a:srgbClr val="7030A0"/>
                 </a:solidFill>
-              </a:rPr>
-              <a:t> </a:t>
-            </a:r>
-            <a:r>
-              <a:rPr lang="en-US" sz="1400" dirty="0" err="1" smtClean="0">
+                <a:latin typeface="Arial Narrow" pitchFamily="34" charset="0"/>
+              </a:rPr>
+              <a:t>&lt;</a:t>
+            </a:r>
+            <a:r>
+              <a:rPr lang="en-US" sz="1300" dirty="0" smtClean="0">
                 <a:solidFill>
-                  <a:srgbClr val="FF0000"/>
+                  <a:srgbClr val="7030A0"/>
                 </a:solidFill>
-              </a:rPr>
-              <a:t>targetServiceURL</a:t>
-            </a:r>
-            <a:r>
-              <a:rPr lang="en-US" sz="1400" dirty="0" smtClean="0">
+                <a:latin typeface="Arial Narrow" pitchFamily="34" charset="0"/>
+              </a:rPr>
+              <a:t>ns1:targetServiceURL&gt;http://</a:t>
+            </a:r>
+            <a:r>
+              <a:rPr lang="en-US" sz="1300" dirty="0" smtClean="0">
                 <a:solidFill>
-                  <a:srgbClr val="FF0000"/>
+                  <a:srgbClr val="7030A0"/>
                 </a:solidFill>
-              </a:rPr>
-              <a:t>=</a:t>
-            </a:r>
-            <a:r>
-              <a:rPr lang="en-US" sz="1400" i="1" dirty="0" smtClean="0">
+                <a:latin typeface="Arial Narrow" pitchFamily="34" charset="0"/>
+              </a:rPr>
+              <a:t>sbdev1000.semanticbits.com:13080/wsrf-model1/services/cagrid/Model1Svc&lt;/</a:t>
+            </a:r>
+            <a:r>
+              <a:rPr lang="en-US" sz="1300" dirty="0" smtClean="0">
                 <a:solidFill>
-                  <a:srgbClr val="FF0000"/>
+                  <a:srgbClr val="7030A0"/>
                 </a:solidFill>
-              </a:rPr>
-              <a:t>"http://cabio-gridservice.nci.nih.gov:80/wsrf-cabio/services/cagrid/CaBIOSvc"&gt;</a:t>
-            </a:r>
-          </a:p>
-          <a:p>
-            <a:pPr>
-              <a:buFontTx/>
-              <a:buNone/>
-            </a:pPr>
-            <a:r>
-              <a:rPr lang="en-US" sz="1400" dirty="0" smtClean="0">
+                <a:latin typeface="Arial Narrow" pitchFamily="34" charset="0"/>
+              </a:rPr>
+              <a:t>ns1:targetServiceURL</a:t>
+            </a:r>
+            <a:r>
+              <a:rPr lang="en-US" sz="1300" dirty="0" smtClean="0">
                 <a:solidFill>
-                  <a:srgbClr val="008000"/>
+                  <a:srgbClr val="7030A0"/>
                 </a:solidFill>
-              </a:rPr>
-              <a:t>                &lt;</a:t>
-            </a:r>
-            <a:r>
-              <a:rPr lang="en-US" sz="1400" dirty="0" err="1" smtClean="0">
+                <a:latin typeface="Arial Narrow" pitchFamily="34" charset="0"/>
+              </a:rPr>
+              <a:t>&gt;</a:t>
+            </a:r>
+          </a:p>
+          <a:p>
+            <a:r>
+              <a:rPr lang="en-US" sz="1300" dirty="0" smtClean="0">
                 <a:solidFill>
-                  <a:srgbClr val="008000"/>
+                  <a:srgbClr val="7030A0"/>
                 </a:solidFill>
-              </a:rPr>
-              <a:t>JoinCondition</a:t>
-            </a:r>
-            <a:r>
-              <a:rPr lang="en-US" sz="1400" dirty="0" smtClean="0">
+                <a:latin typeface="Arial Narrow" pitchFamily="34" charset="0"/>
+              </a:rPr>
+              <a:t>   &lt;</a:t>
+            </a:r>
+            <a:r>
+              <a:rPr lang="en-US" sz="1300" dirty="0" smtClean="0">
                 <a:solidFill>
-                  <a:srgbClr val="008000"/>
+                  <a:srgbClr val="7030A0"/>
                 </a:solidFill>
-              </a:rPr>
-              <a:t> </a:t>
-            </a:r>
-            <a:r>
-              <a:rPr lang="en-US" sz="1400" dirty="0" err="1" smtClean="0">
+                <a:latin typeface="Arial Narrow" pitchFamily="34" charset="0"/>
+              </a:rPr>
+              <a:t>ns1:targetServiceURL&gt;http://sbdev1000.semanticbits.com:13080/wsrf-model1-a/services/cagrid/Model1Svc&lt;/ns1:targetServiceURL</a:t>
+            </a:r>
+            <a:r>
+              <a:rPr lang="en-US" sz="1300" dirty="0" smtClean="0">
                 <a:solidFill>
-                  <a:srgbClr val="008000"/>
+                  <a:srgbClr val="7030A0"/>
                 </a:solidFill>
-              </a:rPr>
-              <a:t>localAttributeName</a:t>
-            </a:r>
-            <a:r>
-              <a:rPr lang="en-US" sz="1400" dirty="0" smtClean="0">
-                <a:solidFill>
-                  <a:srgbClr val="008000"/>
-                </a:solidFill>
-              </a:rPr>
-              <a:t>=</a:t>
-            </a:r>
-            <a:r>
-              <a:rPr lang="en-US" sz="1400" i="1" dirty="0" smtClean="0">
-                <a:solidFill>
-                  <a:srgbClr val="008000"/>
-                </a:solidFill>
-              </a:rPr>
-              <a:t>"</a:t>
-            </a:r>
-            <a:r>
-              <a:rPr lang="en-US" sz="1400" i="1" dirty="0" err="1" smtClean="0">
-                <a:solidFill>
-                  <a:srgbClr val="008000"/>
-                </a:solidFill>
-              </a:rPr>
-              <a:t>fullName</a:t>
-            </a:r>
-            <a:r>
-              <a:rPr lang="en-US" sz="1400" i="1" dirty="0" smtClean="0">
-                <a:solidFill>
-                  <a:srgbClr val="008000"/>
-                </a:solidFill>
-              </a:rPr>
-              <a:t>" </a:t>
-            </a:r>
-            <a:r>
-              <a:rPr lang="en-US" sz="1400" i="1" dirty="0" err="1" smtClean="0">
-                <a:solidFill>
-                  <a:srgbClr val="008000"/>
-                </a:solidFill>
-              </a:rPr>
-              <a:t>foreignAttributeName</a:t>
-            </a:r>
-            <a:r>
-              <a:rPr lang="en-US" sz="1400" i="1" dirty="0" smtClean="0">
-                <a:solidFill>
-                  <a:srgbClr val="008000"/>
-                </a:solidFill>
-              </a:rPr>
-              <a:t>="</a:t>
-            </a:r>
-            <a:r>
-              <a:rPr lang="en-US" sz="1400" i="1" dirty="0" err="1" smtClean="0">
-                <a:solidFill>
-                  <a:srgbClr val="008000"/>
-                </a:solidFill>
-              </a:rPr>
-              <a:t>fullName</a:t>
-            </a:r>
-            <a:r>
-              <a:rPr lang="en-US" sz="1400" i="1" dirty="0" smtClean="0">
-                <a:solidFill>
-                  <a:srgbClr val="008000"/>
-                </a:solidFill>
-              </a:rPr>
-              <a:t>" predicate="EQUAL_TO"/&gt;</a:t>
-            </a:r>
-          </a:p>
-          <a:p>
-            <a:pPr>
-              <a:buFontTx/>
-              <a:buNone/>
-            </a:pPr>
-            <a:r>
-              <a:rPr lang="en-US" sz="1400" dirty="0" smtClean="0">
-                <a:solidFill>
-                  <a:srgbClr val="0000FF"/>
-                </a:solidFill>
-              </a:rPr>
-              <a:t>                &lt;</a:t>
-            </a:r>
-            <a:r>
-              <a:rPr lang="en-US" sz="1400" dirty="0" err="1" smtClean="0">
-                <a:solidFill>
-                  <a:srgbClr val="0000FF"/>
-                </a:solidFill>
-              </a:rPr>
-              <a:t>ForeignObject</a:t>
-            </a:r>
-            <a:r>
-              <a:rPr lang="en-US" sz="1400" dirty="0" smtClean="0">
-                <a:solidFill>
-                  <a:srgbClr val="0000FF"/>
-                </a:solidFill>
-              </a:rPr>
-              <a:t> name=</a:t>
-            </a:r>
-            <a:r>
-              <a:rPr lang="en-US" sz="1400" i="1" dirty="0" smtClean="0">
-                <a:solidFill>
-                  <a:srgbClr val="0000FF"/>
-                </a:solidFill>
-              </a:rPr>
-              <a:t>"</a:t>
-            </a:r>
-            <a:r>
-              <a:rPr lang="en-US" sz="1400" i="1" dirty="0" err="1" smtClean="0">
-                <a:solidFill>
-                  <a:srgbClr val="0000FF"/>
-                </a:solidFill>
-              </a:rPr>
-              <a:t>gov.nih.nci.cabio.domain.Gene</a:t>
-            </a:r>
-            <a:r>
-              <a:rPr lang="en-US" sz="1400" i="1" dirty="0" smtClean="0">
-                <a:solidFill>
-                  <a:srgbClr val="0000FF"/>
-                </a:solidFill>
-              </a:rPr>
-              <a:t>"&gt;</a:t>
-            </a:r>
-          </a:p>
-          <a:p>
-            <a:pPr>
-              <a:buFontTx/>
-              <a:buNone/>
-            </a:pPr>
-            <a:r>
-              <a:rPr lang="en-US" sz="1400" dirty="0" smtClean="0">
-                <a:solidFill>
-                  <a:srgbClr val="0000FF"/>
-                </a:solidFill>
-              </a:rPr>
-              <a:t>                    &lt;Attribute name=</a:t>
-            </a:r>
-            <a:r>
-              <a:rPr lang="en-US" sz="1400" i="1" dirty="0" smtClean="0">
-                <a:solidFill>
-                  <a:srgbClr val="0000FF"/>
-                </a:solidFill>
-              </a:rPr>
-              <a:t>"</a:t>
-            </a:r>
-            <a:r>
-              <a:rPr lang="en-US" sz="1400" i="1" dirty="0" err="1" smtClean="0">
-                <a:solidFill>
-                  <a:srgbClr val="0000FF"/>
-                </a:solidFill>
-              </a:rPr>
-              <a:t>fullName</a:t>
-            </a:r>
-            <a:r>
-              <a:rPr lang="en-US" sz="1400" i="1" dirty="0" smtClean="0">
-                <a:solidFill>
-                  <a:srgbClr val="0000FF"/>
-                </a:solidFill>
-              </a:rPr>
-              <a:t>" value="BRCA%" predicate="LIKE"/&gt;</a:t>
-            </a:r>
-          </a:p>
-          <a:p>
-            <a:pPr>
-              <a:buFontTx/>
-              <a:buNone/>
-            </a:pPr>
-            <a:r>
-              <a:rPr lang="en-US" sz="1400" dirty="0" smtClean="0">
-                <a:solidFill>
-                  <a:srgbClr val="0000FF"/>
-                </a:solidFill>
-              </a:rPr>
-              <a:t>                &lt;/</a:t>
-            </a:r>
-            <a:r>
-              <a:rPr lang="en-US" sz="1400" dirty="0" err="1" smtClean="0">
-                <a:solidFill>
-                  <a:srgbClr val="0000FF"/>
-                </a:solidFill>
-              </a:rPr>
-              <a:t>ForeignObject</a:t>
-            </a:r>
-            <a:r>
-              <a:rPr lang="en-US" sz="1400" dirty="0" smtClean="0">
-                <a:solidFill>
-                  <a:srgbClr val="0000FF"/>
-                </a:solidFill>
+                <a:latin typeface="Arial Narrow" pitchFamily="34" charset="0"/>
               </a:rPr>
               <a:t>&gt;</a:t>
             </a:r>
           </a:p>
           <a:p>
-            <a:pPr>
-              <a:buFontTx/>
-              <a:buNone/>
-            </a:pPr>
-            <a:r>
-              <a:rPr lang="en-US" sz="1400" dirty="0" smtClean="0">
-                <a:solidFill>
-                  <a:srgbClr val="FF0000"/>
-                </a:solidFill>
-              </a:rPr>
-              <a:t>            &lt;/</a:t>
-            </a:r>
-            <a:r>
-              <a:rPr lang="en-US" sz="1400" dirty="0" err="1" smtClean="0">
-                <a:solidFill>
-                  <a:srgbClr val="FF0000"/>
-                </a:solidFill>
-              </a:rPr>
-              <a:t>ForeignAssociation</a:t>
-            </a:r>
-            <a:r>
-              <a:rPr lang="en-US" sz="1400" dirty="0" smtClean="0">
-                <a:solidFill>
-                  <a:srgbClr val="FF0000"/>
-                </a:solidFill>
-              </a:rPr>
-              <a:t>&gt;</a:t>
-            </a:r>
-          </a:p>
-          <a:p>
-            <a:pPr>
-              <a:buFontTx/>
-              <a:buNone/>
-            </a:pPr>
-            <a:r>
-              <a:rPr lang="en-US" sz="1400" dirty="0" smtClean="0"/>
-              <a:t>            &lt;Attribute name=</a:t>
-            </a:r>
-            <a:r>
-              <a:rPr lang="en-US" sz="1400" i="1" dirty="0" smtClean="0"/>
-              <a:t>"</a:t>
-            </a:r>
-            <a:r>
-              <a:rPr lang="en-US" sz="1400" i="1" dirty="0" err="1" smtClean="0"/>
-              <a:t>fullName</a:t>
-            </a:r>
-            <a:r>
-              <a:rPr lang="en-US" sz="1400" i="1" dirty="0" smtClean="0"/>
-              <a:t>" value="BRCA%" predicate="LIKE"/&gt;</a:t>
-            </a:r>
-          </a:p>
-          <a:p>
-            <a:pPr>
-              <a:buFontTx/>
-              <a:buNone/>
-            </a:pPr>
-            <a:r>
-              <a:rPr lang="en-US" sz="1400" dirty="0" smtClean="0"/>
-              <a:t>        &lt;/Group&gt;</a:t>
-            </a:r>
-          </a:p>
-          <a:p>
-            <a:pPr>
-              <a:buFontTx/>
-              <a:buNone/>
-            </a:pPr>
-            <a:r>
-              <a:rPr lang="en-US" sz="1400" dirty="0" smtClean="0"/>
-              <a:t>    &lt;/</a:t>
-            </a:r>
-            <a:r>
-              <a:rPr lang="en-US" sz="1400" dirty="0" err="1" smtClean="0"/>
-              <a:t>TargetObject</a:t>
-            </a:r>
-            <a:r>
-              <a:rPr lang="en-US" sz="1400" dirty="0" smtClean="0"/>
-              <a:t>&gt;</a:t>
-            </a:r>
-          </a:p>
-          <a:p>
-            <a:pPr>
-              <a:buFontTx/>
-              <a:buNone/>
-            </a:pPr>
-            <a:r>
-              <a:rPr lang="en-US" sz="1400" dirty="0" smtClean="0"/>
-              <a:t>    &lt;</a:t>
-            </a:r>
-            <a:r>
-              <a:rPr lang="en-US" sz="1400" dirty="0" err="1" smtClean="0"/>
-              <a:t>targetServiceURL</a:t>
-            </a:r>
-            <a:r>
-              <a:rPr lang="en-US" sz="1400" dirty="0" smtClean="0"/>
-              <a:t>&gt;http://localhost:8080/wsrf/services/cagrid/CaBIO&lt;/targetServiceURL&gt;</a:t>
-            </a:r>
-          </a:p>
-          <a:p>
-            <a:pPr>
-              <a:buFontTx/>
-              <a:buNone/>
-            </a:pPr>
-            <a:r>
-              <a:rPr lang="en-US" sz="1400" dirty="0" smtClean="0"/>
+            <a:r>
+              <a:rPr lang="en-US" sz="1300" dirty="0" smtClean="0">
+                <a:latin typeface="Arial Narrow" pitchFamily="34" charset="0"/>
+              </a:rPr>
               <a:t>&lt;/</a:t>
             </a:r>
             <a:r>
-              <a:rPr lang="en-US" sz="1400" dirty="0" err="1" smtClean="0"/>
-              <a:t>DCQLQuery</a:t>
-            </a:r>
-            <a:r>
-              <a:rPr lang="en-US" sz="1400" dirty="0" smtClean="0"/>
-              <a:t>&gt;</a:t>
-            </a:r>
+              <a:rPr lang="en-US" sz="1300" dirty="0" smtClean="0">
+                <a:latin typeface="Arial Narrow" pitchFamily="34" charset="0"/>
+              </a:rPr>
+              <a:t>ns1:DCQLQuery&gt;</a:t>
+            </a:r>
+            <a:endParaRPr lang="en-US" sz="1300" dirty="0">
+              <a:latin typeface="Arial Narrow" pitchFamily="34" charset="0"/>
+            </a:endParaRPr>
           </a:p>
         </p:txBody>
       </p:sp>

--- a/Documentation/presentations/200906_Novartis/caGrid Data Services.pptx
+++ b/Documentation/presentations/200906_Novartis/caGrid Data Services.pptx
@@ -5,7 +5,7 @@
     <p:sldMasterId id="2147483648" r:id="rId1"/>
   </p:sldMasterIdLst>
   <p:notesMasterIdLst>
-    <p:notesMasterId r:id="rId29"/>
+    <p:notesMasterId r:id="rId31"/>
   </p:notesMasterIdLst>
   <p:sldIdLst>
     <p:sldId id="256" r:id="rId2"/>
@@ -35,6 +35,8 @@
     <p:sldId id="277" r:id="rId26"/>
     <p:sldId id="278" r:id="rId27"/>
     <p:sldId id="279" r:id="rId28"/>
+    <p:sldId id="284" r:id="rId29"/>
+    <p:sldId id="285" r:id="rId30"/>
   </p:sldIdLst>
   <p:sldSz cx="9144000" cy="6858000" type="screen4x3"/>
   <p:notesSz cx="6858000" cy="9144000"/>
@@ -681,6 +683,108 @@
 </p:notes>
 </file>
 
+<file path=ppt/notesSlides/notesSlide10.xml><?xml version="1.0" encoding="utf-8"?>
+<p:notes xmlns:a="http://schemas.openxmlformats.org/drawingml/2006/main" xmlns:r="http://schemas.openxmlformats.org/officeDocument/2006/relationships" xmlns:p="http://schemas.openxmlformats.org/presentationml/2006/main">
+  <p:cSld>
+    <p:spTree>
+      <p:nvGrpSpPr>
+        <p:cNvPr id="1" name=""/>
+        <p:cNvGrpSpPr/>
+        <p:nvPr/>
+      </p:nvGrpSpPr>
+      <p:grpSpPr>
+        <a:xfrm>
+          <a:off x="0" y="0"/>
+          <a:ext cx="0" cy="0"/>
+          <a:chOff x="0" y="0"/>
+          <a:chExt cx="0" cy="0"/>
+        </a:xfrm>
+      </p:grpSpPr>
+      <p:sp>
+        <p:nvSpPr>
+          <p:cNvPr id="60418" name="Slide Image Placeholder 1"/>
+          <p:cNvSpPr>
+            <a:spLocks noGrp="1" noRot="1" noChangeAspect="1"/>
+          </p:cNvSpPr>
+          <p:nvPr>
+            <p:ph type="sldImg"/>
+          </p:nvPr>
+        </p:nvSpPr>
+        <p:spPr bwMode="auto">
+          <a:noFill/>
+          <a:ln>
+            <a:solidFill>
+              <a:srgbClr val="000000"/>
+            </a:solidFill>
+            <a:miter lim="800000"/>
+            <a:headEnd/>
+            <a:tailEnd/>
+          </a:ln>
+        </p:spPr>
+      </p:sp>
+      <p:sp>
+        <p:nvSpPr>
+          <p:cNvPr id="60419" name="Notes Placeholder 2"/>
+          <p:cNvSpPr>
+            <a:spLocks noGrp="1"/>
+          </p:cNvSpPr>
+          <p:nvPr>
+            <p:ph type="body" idx="1"/>
+          </p:nvPr>
+        </p:nvSpPr>
+        <p:spPr bwMode="auto">
+          <a:noFill/>
+        </p:spPr>
+        <p:txBody>
+          <a:bodyPr/>
+          <a:lstStyle/>
+          <a:p>
+            <a:r>
+              <a:rPr lang="en-US" smtClean="0"/>
+              <a:t>A DCQL (Which is just distributed CQL) can be used to make queries that are federated and require sub queries to be issues to other data services in order to dertime the result set.  The main addition here is the ability to describe Forieng association which intern create remote joins to happen in the FQP Service.</a:t>
+            </a:r>
+          </a:p>
+        </p:txBody>
+      </p:sp>
+      <p:sp>
+        <p:nvSpPr>
+          <p:cNvPr id="60420" name="Slide Number Placeholder 3"/>
+          <p:cNvSpPr>
+            <a:spLocks noGrp="1"/>
+          </p:cNvSpPr>
+          <p:nvPr>
+            <p:ph type="sldNum" sz="quarter" idx="5"/>
+          </p:nvPr>
+        </p:nvSpPr>
+        <p:spPr bwMode="auto">
+          <a:noFill/>
+          <a:ln>
+            <a:miter lim="800000"/>
+            <a:headEnd/>
+            <a:tailEnd/>
+          </a:ln>
+        </p:spPr>
+        <p:txBody>
+          <a:bodyPr/>
+          <a:lstStyle/>
+          <a:p>
+            <a:fld id="{0EA92AC8-40AC-4621-AB8B-E24657776B35}" type="slidenum">
+              <a:rPr lang="en-US"/>
+              <a:pPr/>
+              <a:t>29</a:t>
+            </a:fld>
+            <a:endParaRPr lang="en-US"/>
+          </a:p>
+        </p:txBody>
+      </p:sp>
+    </p:spTree>
+  </p:cSld>
+  <p:clrMapOvr>
+    <a:masterClrMapping/>
+  </p:clrMapOvr>
+</p:notes>
+</file>
+
 <file path=ppt/notesSlides/notesSlide2.xml><?xml version="1.0" encoding="utf-8"?>
 <p:notes xmlns:a="http://schemas.openxmlformats.org/drawingml/2006/main" xmlns:r="http://schemas.openxmlformats.org/officeDocument/2006/relationships" xmlns:p="http://schemas.openxmlformats.org/presentationml/2006/main">
   <p:cSld>
@@ -1366,6 +1470,108 @@
               <a:rPr lang="en-US"/>
               <a:pPr/>
               <a:t>27</a:t>
+            </a:fld>
+            <a:endParaRPr lang="en-US"/>
+          </a:p>
+        </p:txBody>
+      </p:sp>
+    </p:spTree>
+  </p:cSld>
+  <p:clrMapOvr>
+    <a:masterClrMapping/>
+  </p:clrMapOvr>
+</p:notes>
+</file>
+
+<file path=ppt/notesSlides/notesSlide9.xml><?xml version="1.0" encoding="utf-8"?>
+<p:notes xmlns:a="http://schemas.openxmlformats.org/drawingml/2006/main" xmlns:r="http://schemas.openxmlformats.org/officeDocument/2006/relationships" xmlns:p="http://schemas.openxmlformats.org/presentationml/2006/main">
+  <p:cSld>
+    <p:spTree>
+      <p:nvGrpSpPr>
+        <p:cNvPr id="1" name=""/>
+        <p:cNvGrpSpPr/>
+        <p:nvPr/>
+      </p:nvGrpSpPr>
+      <p:grpSpPr>
+        <a:xfrm>
+          <a:off x="0" y="0"/>
+          <a:ext cx="0" cy="0"/>
+          <a:chOff x="0" y="0"/>
+          <a:chExt cx="0" cy="0"/>
+        </a:xfrm>
+      </p:grpSpPr>
+      <p:sp>
+        <p:nvSpPr>
+          <p:cNvPr id="60418" name="Slide Image Placeholder 1"/>
+          <p:cNvSpPr>
+            <a:spLocks noGrp="1" noRot="1" noChangeAspect="1"/>
+          </p:cNvSpPr>
+          <p:nvPr>
+            <p:ph type="sldImg"/>
+          </p:nvPr>
+        </p:nvSpPr>
+        <p:spPr bwMode="auto">
+          <a:noFill/>
+          <a:ln>
+            <a:solidFill>
+              <a:srgbClr val="000000"/>
+            </a:solidFill>
+            <a:miter lim="800000"/>
+            <a:headEnd/>
+            <a:tailEnd/>
+          </a:ln>
+        </p:spPr>
+      </p:sp>
+      <p:sp>
+        <p:nvSpPr>
+          <p:cNvPr id="60419" name="Notes Placeholder 2"/>
+          <p:cNvSpPr>
+            <a:spLocks noGrp="1"/>
+          </p:cNvSpPr>
+          <p:nvPr>
+            <p:ph type="body" idx="1"/>
+          </p:nvPr>
+        </p:nvSpPr>
+        <p:spPr bwMode="auto">
+          <a:noFill/>
+        </p:spPr>
+        <p:txBody>
+          <a:bodyPr/>
+          <a:lstStyle/>
+          <a:p>
+            <a:r>
+              <a:rPr lang="en-US" smtClean="0"/>
+              <a:t>A DCQL (Which is just distributed CQL) can be used to make queries that are federated and require sub queries to be issues to other data services in order to dertime the result set.  The main addition here is the ability to describe Forieng association which intern create remote joins to happen in the FQP Service.</a:t>
+            </a:r>
+          </a:p>
+        </p:txBody>
+      </p:sp>
+      <p:sp>
+        <p:nvSpPr>
+          <p:cNvPr id="60420" name="Slide Number Placeholder 3"/>
+          <p:cNvSpPr>
+            <a:spLocks noGrp="1"/>
+          </p:cNvSpPr>
+          <p:nvPr>
+            <p:ph type="sldNum" sz="quarter" idx="5"/>
+          </p:nvPr>
+        </p:nvSpPr>
+        <p:spPr bwMode="auto">
+          <a:noFill/>
+          <a:ln>
+            <a:miter lim="800000"/>
+            <a:headEnd/>
+            <a:tailEnd/>
+          </a:ln>
+        </p:spPr>
+        <p:txBody>
+          <a:bodyPr/>
+          <a:lstStyle/>
+          <a:p>
+            <a:fld id="{0EA92AC8-40AC-4621-AB8B-E24657776B35}" type="slidenum">
+              <a:rPr lang="en-US"/>
+              <a:pPr/>
+              <a:t>28</a:t>
             </a:fld>
             <a:endParaRPr lang="en-US"/>
           </a:p>
@@ -10947,6 +11153,1526 @@
               <a:t>ns1:DCQLQuery&gt;</a:t>
             </a:r>
             <a:endParaRPr lang="en-US" sz="1300" dirty="0">
+              <a:latin typeface="Arial Narrow" pitchFamily="34" charset="0"/>
+            </a:endParaRPr>
+          </a:p>
+        </p:txBody>
+      </p:sp>
+    </p:spTree>
+  </p:cSld>
+  <p:clrMapOvr>
+    <a:masterClrMapping/>
+  </p:clrMapOvr>
+  <p:timing>
+    <p:tnLst>
+      <p:par>
+        <p:cTn id="1" dur="indefinite" restart="never" nodeType="tmRoot"/>
+      </p:par>
+    </p:tnLst>
+  </p:timing>
+</p:sld>
+</file>
+
+<file path=ppt/slides/slide28.xml><?xml version="1.0" encoding="utf-8"?>
+<p:sld xmlns:a="http://schemas.openxmlformats.org/drawingml/2006/main" xmlns:r="http://schemas.openxmlformats.org/officeDocument/2006/relationships" xmlns:p="http://schemas.openxmlformats.org/presentationml/2006/main">
+  <p:cSld>
+    <p:spTree>
+      <p:nvGrpSpPr>
+        <p:cNvPr id="1" name=""/>
+        <p:cNvGrpSpPr/>
+        <p:nvPr/>
+      </p:nvGrpSpPr>
+      <p:grpSpPr>
+        <a:xfrm>
+          <a:off x="0" y="0"/>
+          <a:ext cx="0" cy="0"/>
+          <a:chOff x="0" y="0"/>
+          <a:chExt cx="0" cy="0"/>
+        </a:xfrm>
+      </p:grpSpPr>
+      <p:sp>
+        <p:nvSpPr>
+          <p:cNvPr id="59394" name="Rectangle 2"/>
+          <p:cNvSpPr>
+            <a:spLocks noGrp="1" noChangeArrowheads="1"/>
+          </p:cNvSpPr>
+          <p:nvPr>
+            <p:ph type="title"/>
+          </p:nvPr>
+        </p:nvSpPr>
+        <p:spPr/>
+        <p:txBody>
+          <a:bodyPr/>
+          <a:lstStyle/>
+          <a:p>
+            <a:pPr eaLnBrk="1" hangingPunct="1"/>
+            <a:r>
+              <a:rPr lang="en-US" dirty="0" smtClean="0"/>
+              <a:t>DCQL </a:t>
+            </a:r>
+            <a:r>
+              <a:rPr lang="en-US" dirty="0" smtClean="0"/>
+              <a:t>Distributed Join Example</a:t>
+            </a:r>
+            <a:endParaRPr lang="en-US" dirty="0" smtClean="0"/>
+          </a:p>
+        </p:txBody>
+      </p:sp>
+      <p:sp>
+        <p:nvSpPr>
+          <p:cNvPr id="4" name="Content Placeholder 2"/>
+          <p:cNvSpPr txBox="1">
+            <a:spLocks/>
+          </p:cNvSpPr>
+          <p:nvPr/>
+        </p:nvSpPr>
+        <p:spPr bwMode="auto">
+          <a:xfrm>
+            <a:off x="228600" y="1219200"/>
+            <a:ext cx="8458200" cy="5105400"/>
+          </a:xfrm>
+          <a:prstGeom prst="rect">
+            <a:avLst/>
+          </a:prstGeom>
+          <a:noFill/>
+          <a:ln w="9525">
+            <a:noFill/>
+            <a:miter lim="800000"/>
+            <a:headEnd/>
+            <a:tailEnd/>
+          </a:ln>
+          <a:effectLst/>
+        </p:spPr>
+        <p:txBody>
+          <a:bodyPr vert="horz" wrap="square" lIns="91440" tIns="45720" rIns="91440" bIns="45720" numCol="1" anchor="t" anchorCtr="0" compatLnSpc="1">
+            <a:prstTxWarp prst="textNoShape">
+              <a:avLst/>
+            </a:prstTxWarp>
+          </a:bodyPr>
+          <a:lstStyle/>
+          <a:p>
+            <a:pPr marL="342900" indent="-342900">
+              <a:spcBef>
+                <a:spcPct val="20000"/>
+              </a:spcBef>
+              <a:buClr>
+                <a:srgbClr val="00AAF6"/>
+              </a:buClr>
+              <a:buFontTx/>
+              <a:buChar char="•"/>
+              <a:defRPr/>
+            </a:pPr>
+            <a:r>
+              <a:rPr lang="en-US" sz="2000" b="1" kern="0" dirty="0" smtClean="0"/>
+              <a:t>Joins between disparate data models and services</a:t>
+            </a:r>
+          </a:p>
+          <a:p>
+            <a:pPr marL="800100" lvl="1" indent="-342900">
+              <a:spcBef>
+                <a:spcPct val="20000"/>
+              </a:spcBef>
+              <a:buClr>
+                <a:srgbClr val="00AAF6"/>
+              </a:buClr>
+              <a:buFontTx/>
+              <a:buChar char="•"/>
+              <a:defRPr/>
+            </a:pPr>
+            <a:r>
+              <a:rPr lang="en-US" sz="2000" kern="0" dirty="0" smtClean="0"/>
+              <a:t>Simple join criteria on attribute values</a:t>
+            </a:r>
+          </a:p>
+          <a:p>
+            <a:pPr marL="342900" indent="-342900">
+              <a:spcBef>
+                <a:spcPct val="20000"/>
+              </a:spcBef>
+              <a:buClr>
+                <a:srgbClr val="00AAF6"/>
+              </a:buClr>
+              <a:buFontTx/>
+              <a:buChar char="•"/>
+              <a:defRPr/>
+            </a:pPr>
+            <a:r>
+              <a:rPr lang="en-US" sz="2000" b="1" kern="0" dirty="0" smtClean="0"/>
+              <a:t>Example Query</a:t>
+            </a:r>
+          </a:p>
+          <a:p>
+            <a:pPr marL="800100" lvl="1" indent="-342900">
+              <a:spcBef>
+                <a:spcPct val="20000"/>
+              </a:spcBef>
+              <a:buClr>
+                <a:srgbClr val="00AAF6"/>
+              </a:buClr>
+              <a:buFontTx/>
+              <a:buChar char="•"/>
+              <a:defRPr/>
+            </a:pPr>
+            <a:r>
+              <a:rPr lang="en-US" sz="2000" kern="0" dirty="0" smtClean="0">
+                <a:solidFill>
+                  <a:srgbClr val="C00000"/>
+                </a:solidFill>
+              </a:rPr>
+              <a:t>Return instances of </a:t>
+            </a:r>
+            <a:r>
+              <a:rPr lang="en-US" sz="2000" kern="0" dirty="0" err="1" smtClean="0">
+                <a:solidFill>
+                  <a:srgbClr val="C00000"/>
+                </a:solidFill>
+              </a:rPr>
+              <a:t>caBIO</a:t>
+            </a:r>
+            <a:r>
+              <a:rPr lang="en-US" sz="2000" kern="0" dirty="0" smtClean="0">
+                <a:solidFill>
+                  <a:srgbClr val="C00000"/>
+                </a:solidFill>
+              </a:rPr>
+              <a:t> model’s </a:t>
+            </a:r>
+            <a:r>
+              <a:rPr lang="en-US" sz="2000" i="1" kern="0" dirty="0" err="1" smtClean="0">
+                <a:solidFill>
+                  <a:srgbClr val="C00000"/>
+                </a:solidFill>
+              </a:rPr>
+              <a:t>NucleicAcidSequence</a:t>
+            </a:r>
+            <a:endParaRPr lang="en-US" sz="2000" i="1" kern="0" dirty="0" smtClean="0">
+              <a:solidFill>
+                <a:srgbClr val="C00000"/>
+              </a:solidFill>
+            </a:endParaRPr>
+          </a:p>
+          <a:p>
+            <a:pPr marL="800100" lvl="1" indent="-342900">
+              <a:spcBef>
+                <a:spcPct val="20000"/>
+              </a:spcBef>
+              <a:buClr>
+                <a:srgbClr val="00AAF6"/>
+              </a:buClr>
+              <a:buFontTx/>
+              <a:buChar char="•"/>
+              <a:defRPr/>
+            </a:pPr>
+            <a:r>
+              <a:rPr lang="en-US" sz="2000" dirty="0" smtClean="0"/>
+              <a:t>Each </a:t>
+            </a:r>
+            <a:r>
+              <a:rPr lang="en-US" sz="2000" i="1" dirty="0" smtClean="0"/>
+              <a:t>sequence </a:t>
+            </a:r>
+            <a:r>
+              <a:rPr lang="en-US" sz="2000" dirty="0" smtClean="0"/>
+              <a:t>must have an </a:t>
+            </a:r>
+            <a:r>
+              <a:rPr lang="en-US" sz="2000" dirty="0" smtClean="0">
+                <a:solidFill>
+                  <a:srgbClr val="00B050"/>
+                </a:solidFill>
+              </a:rPr>
+              <a:t>association to a </a:t>
+            </a:r>
+            <a:r>
+              <a:rPr lang="en-US" sz="2000" i="1" dirty="0" smtClean="0">
+                <a:solidFill>
+                  <a:srgbClr val="00B050"/>
+                </a:solidFill>
+              </a:rPr>
+              <a:t>Gene </a:t>
+            </a:r>
+            <a:r>
+              <a:rPr lang="en-US" sz="2000" dirty="0" smtClean="0"/>
+              <a:t>through the role name </a:t>
+            </a:r>
+            <a:r>
+              <a:rPr lang="en-US" sz="2000" i="1" dirty="0" err="1" smtClean="0"/>
+              <a:t>geneCollection</a:t>
+            </a:r>
+            <a:endParaRPr lang="en-US" sz="2000" i="1" dirty="0" smtClean="0"/>
+          </a:p>
+          <a:p>
+            <a:pPr marL="800100" lvl="1" indent="-342900">
+              <a:spcBef>
+                <a:spcPct val="20000"/>
+              </a:spcBef>
+              <a:buClr>
+                <a:srgbClr val="00AAF6"/>
+              </a:buClr>
+              <a:buFontTx/>
+              <a:buChar char="•"/>
+              <a:defRPr/>
+            </a:pPr>
+            <a:r>
+              <a:rPr lang="en-US" sz="2000" dirty="0" smtClean="0"/>
+              <a:t>Each </a:t>
+            </a:r>
+            <a:r>
+              <a:rPr lang="en-US" sz="2000" i="1" dirty="0" smtClean="0"/>
+              <a:t>gene</a:t>
+            </a:r>
+            <a:r>
+              <a:rPr lang="en-US" sz="2000" dirty="0" smtClean="0"/>
+              <a:t> has an </a:t>
+            </a:r>
+            <a:r>
+              <a:rPr lang="en-US" sz="2000" dirty="0" smtClean="0">
+                <a:solidFill>
+                  <a:srgbClr val="00B0F0"/>
+                </a:solidFill>
+              </a:rPr>
+              <a:t>association to Protein</a:t>
+            </a:r>
+            <a:r>
+              <a:rPr lang="en-US" sz="2000" dirty="0" smtClean="0"/>
+              <a:t> through </a:t>
+            </a:r>
+            <a:r>
+              <a:rPr lang="en-US" sz="2000" i="1" dirty="0" err="1" smtClean="0"/>
+              <a:t>proteinCollection</a:t>
+            </a:r>
+            <a:endParaRPr lang="en-US" sz="2000" i="1" dirty="0" smtClean="0"/>
+          </a:p>
+          <a:p>
+            <a:pPr marL="800100" lvl="1" indent="-342900">
+              <a:spcBef>
+                <a:spcPct val="20000"/>
+              </a:spcBef>
+              <a:buClr>
+                <a:srgbClr val="00AAF6"/>
+              </a:buClr>
+              <a:buFontTx/>
+              <a:buChar char="•"/>
+              <a:defRPr/>
+            </a:pPr>
+            <a:r>
+              <a:rPr lang="en-US" sz="2000" dirty="0" smtClean="0"/>
+              <a:t>A </a:t>
+            </a:r>
+            <a:r>
+              <a:rPr lang="en-US" sz="2000" i="1" dirty="0" err="1" smtClean="0">
+                <a:solidFill>
+                  <a:srgbClr val="FF9900"/>
+                </a:solidFill>
+              </a:rPr>
+              <a:t>ForeignAssociation</a:t>
+            </a:r>
+            <a:r>
+              <a:rPr lang="en-US" sz="2000" dirty="0" smtClean="0">
+                <a:solidFill>
+                  <a:srgbClr val="FF9900"/>
+                </a:solidFill>
+              </a:rPr>
+              <a:t> </a:t>
+            </a:r>
+            <a:r>
+              <a:rPr lang="en-US" sz="2000" dirty="0" smtClean="0"/>
+              <a:t>indicates a new query is started against a different caGrid data service (</a:t>
+            </a:r>
+            <a:r>
+              <a:rPr lang="en-US" sz="2000" i="1" dirty="0" err="1" smtClean="0"/>
+              <a:t>gridPIR</a:t>
+            </a:r>
+            <a:r>
+              <a:rPr lang="en-US" sz="2000" i="1" dirty="0" smtClean="0"/>
+              <a:t>)</a:t>
+            </a:r>
+            <a:endParaRPr lang="en-US" sz="2000" dirty="0" smtClean="0"/>
+          </a:p>
+          <a:p>
+            <a:pPr marL="800100" lvl="1" indent="-342900">
+              <a:spcBef>
+                <a:spcPct val="20000"/>
+              </a:spcBef>
+              <a:buClr>
+                <a:srgbClr val="00AAF6"/>
+              </a:buClr>
+              <a:buFontTx/>
+              <a:buChar char="•"/>
+              <a:defRPr/>
+            </a:pPr>
+            <a:r>
+              <a:rPr lang="en-US" sz="2000" dirty="0" smtClean="0"/>
+              <a:t>The </a:t>
+            </a:r>
+            <a:r>
+              <a:rPr lang="en-US" sz="2000" i="1" dirty="0" err="1" smtClean="0">
+                <a:solidFill>
+                  <a:srgbClr val="FF9900"/>
+                </a:solidFill>
+              </a:rPr>
+              <a:t>JoinCondition</a:t>
+            </a:r>
+            <a:r>
+              <a:rPr lang="en-US" sz="2000" dirty="0" smtClean="0">
+                <a:solidFill>
+                  <a:srgbClr val="FF9900"/>
+                </a:solidFill>
+              </a:rPr>
+              <a:t> </a:t>
+            </a:r>
+            <a:r>
+              <a:rPr lang="en-US" sz="2000" dirty="0" smtClean="0"/>
+              <a:t>element indicates how a field from the “foreign” data type relates to a field of the “origin” data type</a:t>
+            </a:r>
+          </a:p>
+          <a:p>
+            <a:pPr marL="800100" lvl="1" indent="-342900">
+              <a:spcBef>
+                <a:spcPct val="20000"/>
+              </a:spcBef>
+              <a:buClr>
+                <a:srgbClr val="00AAF6"/>
+              </a:buClr>
+              <a:buFontTx/>
+              <a:buChar char="•"/>
+              <a:defRPr/>
+            </a:pPr>
+            <a:r>
+              <a:rPr lang="en-US" sz="2000" dirty="0" smtClean="0">
+                <a:solidFill>
+                  <a:srgbClr val="7030A0"/>
+                </a:solidFill>
+              </a:rPr>
+              <a:t>The foreign data type is </a:t>
+            </a:r>
+            <a:r>
+              <a:rPr lang="en-US" sz="2000" i="1" dirty="0" smtClean="0">
+                <a:solidFill>
+                  <a:srgbClr val="7030A0"/>
+                </a:solidFill>
+              </a:rPr>
+              <a:t>Protein</a:t>
+            </a:r>
+          </a:p>
+          <a:p>
+            <a:pPr marL="800100" lvl="1" indent="-342900">
+              <a:spcBef>
+                <a:spcPct val="20000"/>
+              </a:spcBef>
+              <a:buClr>
+                <a:srgbClr val="00AAF6"/>
+              </a:buClr>
+              <a:buFontTx/>
+              <a:buChar char="•"/>
+              <a:defRPr/>
+            </a:pPr>
+            <a:r>
+              <a:rPr lang="en-US" sz="2000" dirty="0" smtClean="0"/>
+              <a:t>Each protein instance must have</a:t>
+            </a:r>
+            <a:r>
+              <a:rPr lang="en-US" sz="2000" dirty="0" smtClean="0">
+                <a:solidFill>
+                  <a:srgbClr val="0070C0"/>
+                </a:solidFill>
+              </a:rPr>
+              <a:t> two associations;</a:t>
+            </a:r>
+            <a:r>
+              <a:rPr lang="en-US" sz="2000" dirty="0" smtClean="0"/>
+              <a:t> one to </a:t>
+            </a:r>
+            <a:r>
+              <a:rPr lang="en-US" sz="2000" i="1" dirty="0" smtClean="0"/>
+              <a:t>Gene</a:t>
+            </a:r>
+            <a:r>
+              <a:rPr lang="en-US" sz="2000" dirty="0" smtClean="0"/>
+              <a:t> and one to </a:t>
+            </a:r>
+            <a:r>
+              <a:rPr lang="en-US" sz="2000" i="1" dirty="0" smtClean="0"/>
+              <a:t>Organism </a:t>
+            </a:r>
+            <a:r>
+              <a:rPr lang="en-US" sz="2000" dirty="0" smtClean="0"/>
+              <a:t>(both within </a:t>
+            </a:r>
+            <a:r>
+              <a:rPr lang="en-US" sz="2000" dirty="0" err="1" smtClean="0"/>
+              <a:t>gridPIR</a:t>
+            </a:r>
+            <a:r>
+              <a:rPr lang="en-US" sz="2000" dirty="0" smtClean="0"/>
+              <a:t>)</a:t>
+            </a:r>
+            <a:endParaRPr lang="en-US" sz="2000" dirty="0" smtClean="0"/>
+          </a:p>
+          <a:p>
+            <a:pPr marL="800100" lvl="1" indent="-342900">
+              <a:spcBef>
+                <a:spcPct val="20000"/>
+              </a:spcBef>
+              <a:buClr>
+                <a:srgbClr val="00AAF6"/>
+              </a:buClr>
+              <a:buFontTx/>
+              <a:buChar char="•"/>
+              <a:defRPr/>
+            </a:pPr>
+            <a:endParaRPr lang="en-US" sz="2000" kern="0" dirty="0" smtClean="0">
+              <a:latin typeface="+mn-lt"/>
+            </a:endParaRPr>
+          </a:p>
+        </p:txBody>
+      </p:sp>
+    </p:spTree>
+  </p:cSld>
+  <p:clrMapOvr>
+    <a:masterClrMapping/>
+  </p:clrMapOvr>
+  <p:timing>
+    <p:tnLst>
+      <p:par>
+        <p:cTn id="1" dur="indefinite" restart="never" nodeType="tmRoot"/>
+      </p:par>
+    </p:tnLst>
+  </p:timing>
+</p:sld>
+</file>
+
+<file path=ppt/slides/slide29.xml><?xml version="1.0" encoding="utf-8"?>
+<p:sld xmlns:a="http://schemas.openxmlformats.org/drawingml/2006/main" xmlns:r="http://schemas.openxmlformats.org/officeDocument/2006/relationships" xmlns:p="http://schemas.openxmlformats.org/presentationml/2006/main">
+  <p:cSld>
+    <p:spTree>
+      <p:nvGrpSpPr>
+        <p:cNvPr id="1" name=""/>
+        <p:cNvGrpSpPr/>
+        <p:nvPr/>
+      </p:nvGrpSpPr>
+      <p:grpSpPr>
+        <a:xfrm>
+          <a:off x="0" y="0"/>
+          <a:ext cx="0" cy="0"/>
+          <a:chOff x="0" y="0"/>
+          <a:chExt cx="0" cy="0"/>
+        </a:xfrm>
+      </p:grpSpPr>
+      <p:sp>
+        <p:nvSpPr>
+          <p:cNvPr id="59394" name="Rectangle 2"/>
+          <p:cNvSpPr>
+            <a:spLocks noGrp="1" noChangeArrowheads="1"/>
+          </p:cNvSpPr>
+          <p:nvPr>
+            <p:ph type="title"/>
+          </p:nvPr>
+        </p:nvSpPr>
+        <p:spPr/>
+        <p:txBody>
+          <a:bodyPr/>
+          <a:lstStyle/>
+          <a:p>
+            <a:pPr eaLnBrk="1" hangingPunct="1"/>
+            <a:r>
+              <a:rPr lang="en-US" dirty="0" smtClean="0"/>
+              <a:t>DCQL </a:t>
+            </a:r>
+            <a:r>
+              <a:rPr lang="en-US" dirty="0" smtClean="0"/>
+              <a:t>Distributed Join Example</a:t>
+            </a:r>
+            <a:endParaRPr lang="en-US" dirty="0" smtClean="0"/>
+          </a:p>
+        </p:txBody>
+      </p:sp>
+      <p:sp>
+        <p:nvSpPr>
+          <p:cNvPr id="5" name="TextBox 4"/>
+          <p:cNvSpPr txBox="1"/>
+          <p:nvPr/>
+        </p:nvSpPr>
+        <p:spPr>
+          <a:xfrm>
+            <a:off x="304800" y="1295400"/>
+            <a:ext cx="8453596" cy="5047536"/>
+          </a:xfrm>
+          <a:prstGeom prst="rect">
+            <a:avLst/>
+          </a:prstGeom>
+          <a:noFill/>
+        </p:spPr>
+        <p:txBody>
+          <a:bodyPr wrap="square" rtlCol="0">
+            <a:spAutoFit/>
+          </a:bodyPr>
+          <a:lstStyle/>
+          <a:p>
+            <a:r>
+              <a:rPr lang="en-US" sz="1400" dirty="0" smtClean="0">
+                <a:latin typeface="Arial Narrow" pitchFamily="34" charset="0"/>
+              </a:rPr>
+              <a:t>&lt;ns1:DCQLQuery xmlns:ns1="http://caGrid.caBIG/1.0/gov.nih.nci.cagrid.dcql</a:t>
+            </a:r>
+            <a:r>
+              <a:rPr lang="en-US" sz="1400" dirty="0" smtClean="0">
+                <a:latin typeface="Arial Narrow" pitchFamily="34" charset="0"/>
+              </a:rPr>
+              <a:t>"&gt;</a:t>
+            </a:r>
+          </a:p>
+          <a:p>
+            <a:r>
+              <a:rPr lang="en-US" sz="1400" dirty="0" smtClean="0">
+                <a:solidFill>
+                  <a:srgbClr val="C00000"/>
+                </a:solidFill>
+                <a:latin typeface="Arial Narrow" pitchFamily="34" charset="0"/>
+              </a:rPr>
+              <a:t>  &lt;</a:t>
+            </a:r>
+            <a:r>
+              <a:rPr lang="en-US" sz="1400" dirty="0" smtClean="0">
+                <a:solidFill>
+                  <a:srgbClr val="C00000"/>
+                </a:solidFill>
+                <a:latin typeface="Arial Narrow" pitchFamily="34" charset="0"/>
+              </a:rPr>
+              <a:t>ns1:TargetObject name="</a:t>
+            </a:r>
+            <a:r>
+              <a:rPr lang="en-US" sz="1400" dirty="0" err="1" smtClean="0">
+                <a:solidFill>
+                  <a:srgbClr val="C00000"/>
+                </a:solidFill>
+                <a:latin typeface="Arial Narrow" pitchFamily="34" charset="0"/>
+              </a:rPr>
+              <a:t>gov.nih.nci.cabio.domain.NucleicAcidSequence</a:t>
+            </a:r>
+            <a:r>
+              <a:rPr lang="en-US" sz="1400" dirty="0" smtClean="0">
+                <a:solidFill>
+                  <a:srgbClr val="C00000"/>
+                </a:solidFill>
+                <a:latin typeface="Arial Narrow" pitchFamily="34" charset="0"/>
+              </a:rPr>
+              <a:t>"&gt;</a:t>
+            </a:r>
+          </a:p>
+          <a:p>
+            <a:r>
+              <a:rPr lang="en-US" sz="1400" dirty="0" smtClean="0">
+                <a:latin typeface="Arial Narrow" pitchFamily="34" charset="0"/>
+              </a:rPr>
+              <a:t>    </a:t>
+            </a:r>
+            <a:r>
+              <a:rPr lang="en-US" sz="1400" dirty="0" smtClean="0">
+                <a:solidFill>
+                  <a:srgbClr val="00B050"/>
+                </a:solidFill>
+                <a:latin typeface="Arial Narrow" pitchFamily="34" charset="0"/>
+              </a:rPr>
+              <a:t>&lt;</a:t>
+            </a:r>
+            <a:r>
+              <a:rPr lang="en-US" sz="1400" dirty="0" smtClean="0">
+                <a:solidFill>
+                  <a:srgbClr val="00B050"/>
+                </a:solidFill>
+                <a:latin typeface="Arial Narrow" pitchFamily="34" charset="0"/>
+              </a:rPr>
+              <a:t>ns1:Association name="</a:t>
+            </a:r>
+            <a:r>
+              <a:rPr lang="en-US" sz="1400" dirty="0" err="1" smtClean="0">
+                <a:solidFill>
+                  <a:srgbClr val="00B050"/>
+                </a:solidFill>
+                <a:latin typeface="Arial Narrow" pitchFamily="34" charset="0"/>
+              </a:rPr>
+              <a:t>gov.nih.nci.cabio.domain.Gene</a:t>
+            </a:r>
+            <a:r>
+              <a:rPr lang="en-US" sz="1400" dirty="0" smtClean="0">
+                <a:solidFill>
+                  <a:srgbClr val="00B050"/>
+                </a:solidFill>
+                <a:latin typeface="Arial Narrow" pitchFamily="34" charset="0"/>
+              </a:rPr>
+              <a:t>" </a:t>
+            </a:r>
+            <a:r>
+              <a:rPr lang="en-US" sz="1400" dirty="0" err="1" smtClean="0">
+                <a:solidFill>
+                  <a:srgbClr val="00B050"/>
+                </a:solidFill>
+                <a:latin typeface="Arial Narrow" pitchFamily="34" charset="0"/>
+              </a:rPr>
+              <a:t>roleName</a:t>
+            </a:r>
+            <a:r>
+              <a:rPr lang="en-US" sz="1400" dirty="0" smtClean="0">
+                <a:solidFill>
+                  <a:srgbClr val="00B050"/>
+                </a:solidFill>
+                <a:latin typeface="Arial Narrow" pitchFamily="34" charset="0"/>
+              </a:rPr>
+              <a:t>="</a:t>
+            </a:r>
+            <a:r>
+              <a:rPr lang="en-US" sz="1400" dirty="0" err="1" smtClean="0">
+                <a:solidFill>
+                  <a:srgbClr val="00B050"/>
+                </a:solidFill>
+                <a:latin typeface="Arial Narrow" pitchFamily="34" charset="0"/>
+              </a:rPr>
+              <a:t>geneCollection</a:t>
+            </a:r>
+            <a:r>
+              <a:rPr lang="en-US" sz="1400" dirty="0" smtClean="0">
+                <a:solidFill>
+                  <a:srgbClr val="00B050"/>
+                </a:solidFill>
+                <a:latin typeface="Arial Narrow" pitchFamily="34" charset="0"/>
+              </a:rPr>
+              <a:t>“&gt;</a:t>
+            </a:r>
+          </a:p>
+          <a:p>
+            <a:r>
+              <a:rPr lang="en-US" sz="1400" dirty="0" smtClean="0">
+                <a:latin typeface="Arial Narrow" pitchFamily="34" charset="0"/>
+              </a:rPr>
+              <a:t>      </a:t>
+            </a:r>
+            <a:r>
+              <a:rPr lang="en-US" sz="1400" dirty="0" smtClean="0">
+                <a:solidFill>
+                  <a:srgbClr val="00B0F0"/>
+                </a:solidFill>
+                <a:latin typeface="Arial Narrow" pitchFamily="34" charset="0"/>
+              </a:rPr>
+              <a:t>&lt;</a:t>
+            </a:r>
+            <a:r>
+              <a:rPr lang="en-US" sz="1400" dirty="0" smtClean="0">
+                <a:solidFill>
+                  <a:srgbClr val="00B0F0"/>
+                </a:solidFill>
+                <a:latin typeface="Arial Narrow" pitchFamily="34" charset="0"/>
+              </a:rPr>
+              <a:t>ns1:Association name="</a:t>
+            </a:r>
+            <a:r>
+              <a:rPr lang="en-US" sz="1400" dirty="0" err="1" smtClean="0">
+                <a:solidFill>
+                  <a:srgbClr val="00B0F0"/>
+                </a:solidFill>
+                <a:latin typeface="Arial Narrow" pitchFamily="34" charset="0"/>
+              </a:rPr>
+              <a:t>gov.nih.nci.cabio.domain.Protein</a:t>
+            </a:r>
+            <a:r>
+              <a:rPr lang="en-US" sz="1400" dirty="0" smtClean="0">
+                <a:solidFill>
+                  <a:srgbClr val="00B0F0"/>
+                </a:solidFill>
+                <a:latin typeface="Arial Narrow" pitchFamily="34" charset="0"/>
+              </a:rPr>
+              <a:t>" </a:t>
+            </a:r>
+            <a:r>
+              <a:rPr lang="en-US" sz="1400" dirty="0" err="1" smtClean="0">
+                <a:solidFill>
+                  <a:srgbClr val="00B0F0"/>
+                </a:solidFill>
+                <a:latin typeface="Arial Narrow" pitchFamily="34" charset="0"/>
+              </a:rPr>
+              <a:t>roleName</a:t>
+            </a:r>
+            <a:r>
+              <a:rPr lang="en-US" sz="1400" dirty="0" smtClean="0">
+                <a:solidFill>
+                  <a:srgbClr val="00B0F0"/>
+                </a:solidFill>
+                <a:latin typeface="Arial Narrow" pitchFamily="34" charset="0"/>
+              </a:rPr>
+              <a:t>="</a:t>
+            </a:r>
+            <a:r>
+              <a:rPr lang="en-US" sz="1400" dirty="0" err="1" smtClean="0">
+                <a:solidFill>
+                  <a:srgbClr val="00B0F0"/>
+                </a:solidFill>
+                <a:latin typeface="Arial Narrow" pitchFamily="34" charset="0"/>
+              </a:rPr>
+              <a:t>proteinCollection</a:t>
+            </a:r>
+            <a:r>
+              <a:rPr lang="en-US" sz="1400" dirty="0" smtClean="0">
+                <a:solidFill>
+                  <a:srgbClr val="00B0F0"/>
+                </a:solidFill>
+                <a:latin typeface="Arial Narrow" pitchFamily="34" charset="0"/>
+              </a:rPr>
+              <a:t>“&gt;</a:t>
+            </a:r>
+          </a:p>
+          <a:p>
+            <a:r>
+              <a:rPr lang="en-US" sz="1400" dirty="0" smtClean="0">
+                <a:latin typeface="Arial Narrow" pitchFamily="34" charset="0"/>
+              </a:rPr>
+              <a:t>        </a:t>
+            </a:r>
+            <a:r>
+              <a:rPr lang="en-US" sz="1400" dirty="0" smtClean="0">
+                <a:solidFill>
+                  <a:srgbClr val="FF9900"/>
+                </a:solidFill>
+                <a:latin typeface="Arial Narrow" pitchFamily="34" charset="0"/>
+              </a:rPr>
+              <a:t>&lt;</a:t>
+            </a:r>
+            <a:r>
+              <a:rPr lang="en-US" sz="1400" dirty="0" smtClean="0">
+                <a:solidFill>
+                  <a:srgbClr val="FF9900"/>
+                </a:solidFill>
+                <a:latin typeface="Arial Narrow" pitchFamily="34" charset="0"/>
+              </a:rPr>
+              <a:t>ns1:ForeignAssociation </a:t>
+            </a:r>
+            <a:r>
+              <a:rPr lang="en-US" sz="1400" dirty="0" err="1" smtClean="0">
+                <a:solidFill>
+                  <a:srgbClr val="FF9900"/>
+                </a:solidFill>
+                <a:latin typeface="Arial Narrow" pitchFamily="34" charset="0"/>
+              </a:rPr>
+              <a:t>targetServiceURL</a:t>
+            </a:r>
+            <a:r>
+              <a:rPr lang="en-US" sz="1400" dirty="0" smtClean="0">
+                <a:solidFill>
+                  <a:srgbClr val="FF9900"/>
+                </a:solidFill>
+                <a:latin typeface="Arial Narrow" pitchFamily="34" charset="0"/>
+              </a:rPr>
+              <a:t>="http://141.161.25.20:8080/wsrf/services/cagrid/GridPIR</a:t>
+            </a:r>
+            <a:r>
+              <a:rPr lang="en-US" sz="1400" dirty="0" smtClean="0">
+                <a:solidFill>
+                  <a:srgbClr val="FF9900"/>
+                </a:solidFill>
+                <a:latin typeface="Arial Narrow" pitchFamily="34" charset="0"/>
+              </a:rPr>
+              <a:t>"&gt;</a:t>
+            </a:r>
+          </a:p>
+          <a:p>
+            <a:r>
+              <a:rPr lang="en-US" sz="1400" dirty="0" smtClean="0">
+                <a:solidFill>
+                  <a:srgbClr val="FF9900"/>
+                </a:solidFill>
+                <a:latin typeface="Arial Narrow" pitchFamily="34" charset="0"/>
+              </a:rPr>
+              <a:t>          &lt;</a:t>
+            </a:r>
+            <a:r>
+              <a:rPr lang="en-US" sz="1400" dirty="0" smtClean="0">
+                <a:solidFill>
+                  <a:srgbClr val="FF9900"/>
+                </a:solidFill>
+                <a:latin typeface="Arial Narrow" pitchFamily="34" charset="0"/>
+              </a:rPr>
+              <a:t>ns1:JoinCondition </a:t>
+            </a:r>
+            <a:r>
+              <a:rPr lang="en-US" sz="1400" dirty="0" err="1" smtClean="0">
+                <a:solidFill>
+                  <a:srgbClr val="FF9900"/>
+                </a:solidFill>
+                <a:latin typeface="Arial Narrow" pitchFamily="34" charset="0"/>
+              </a:rPr>
+              <a:t>foreignAttributeName</a:t>
+            </a:r>
+            <a:r>
+              <a:rPr lang="en-US" sz="1400" dirty="0" smtClean="0">
+                <a:solidFill>
+                  <a:srgbClr val="FF9900"/>
+                </a:solidFill>
+                <a:latin typeface="Arial Narrow" pitchFamily="34" charset="0"/>
+              </a:rPr>
+              <a:t>="</a:t>
+            </a:r>
+            <a:r>
+              <a:rPr lang="en-US" sz="1400" dirty="0" err="1" smtClean="0">
+                <a:solidFill>
+                  <a:srgbClr val="FF9900"/>
+                </a:solidFill>
+                <a:latin typeface="Arial Narrow" pitchFamily="34" charset="0"/>
+              </a:rPr>
+              <a:t>uniprotkbEntryName</a:t>
+            </a:r>
+            <a:r>
+              <a:rPr lang="en-US" sz="1400" dirty="0" smtClean="0">
+                <a:solidFill>
+                  <a:srgbClr val="FF9900"/>
+                </a:solidFill>
+                <a:latin typeface="Arial Narrow" pitchFamily="34" charset="0"/>
+              </a:rPr>
+              <a:t>" </a:t>
+            </a:r>
+            <a:r>
+              <a:rPr lang="en-US" sz="1400" dirty="0" err="1" smtClean="0">
+                <a:solidFill>
+                  <a:srgbClr val="FF9900"/>
+                </a:solidFill>
+                <a:latin typeface="Arial Narrow" pitchFamily="34" charset="0"/>
+              </a:rPr>
+              <a:t>localAttributeName</a:t>
+            </a:r>
+            <a:r>
+              <a:rPr lang="en-US" sz="1400" dirty="0" smtClean="0">
+                <a:solidFill>
+                  <a:srgbClr val="FF9900"/>
+                </a:solidFill>
+                <a:latin typeface="Arial Narrow" pitchFamily="34" charset="0"/>
+              </a:rPr>
+              <a:t>="</a:t>
+            </a:r>
+            <a:r>
+              <a:rPr lang="en-US" sz="1400" dirty="0" err="1" smtClean="0">
+                <a:solidFill>
+                  <a:srgbClr val="FF9900"/>
+                </a:solidFill>
+                <a:latin typeface="Arial Narrow" pitchFamily="34" charset="0"/>
+              </a:rPr>
+              <a:t>uniProtCode</a:t>
+            </a:r>
+            <a:r>
+              <a:rPr lang="en-US" sz="1400" dirty="0" smtClean="0">
+                <a:solidFill>
+                  <a:srgbClr val="FF9900"/>
+                </a:solidFill>
+                <a:latin typeface="Arial Narrow" pitchFamily="34" charset="0"/>
+              </a:rPr>
+              <a:t>" predicate="EQUAL_TO</a:t>
+            </a:r>
+            <a:r>
+              <a:rPr lang="en-US" sz="1400" dirty="0" smtClean="0">
+                <a:solidFill>
+                  <a:srgbClr val="FF9900"/>
+                </a:solidFill>
+                <a:latin typeface="Arial Narrow" pitchFamily="34" charset="0"/>
+              </a:rPr>
+              <a:t>"/&gt;</a:t>
+            </a:r>
+          </a:p>
+          <a:p>
+            <a:r>
+              <a:rPr lang="en-US" sz="1400" dirty="0" smtClean="0">
+                <a:latin typeface="Arial Narrow" pitchFamily="34" charset="0"/>
+              </a:rPr>
+              <a:t>          </a:t>
+            </a:r>
+            <a:r>
+              <a:rPr lang="en-US" sz="1400" dirty="0" smtClean="0">
+                <a:solidFill>
+                  <a:srgbClr val="7030A0"/>
+                </a:solidFill>
+                <a:latin typeface="Arial Narrow" pitchFamily="34" charset="0"/>
+              </a:rPr>
+              <a:t>&lt;ns1:ForeignObject </a:t>
+            </a:r>
+            <a:r>
+              <a:rPr lang="en-US" sz="1400" dirty="0" smtClean="0">
+                <a:solidFill>
+                  <a:srgbClr val="7030A0"/>
+                </a:solidFill>
+                <a:latin typeface="Arial Narrow" pitchFamily="34" charset="0"/>
+              </a:rPr>
+              <a:t>name="</a:t>
+            </a:r>
+            <a:r>
+              <a:rPr lang="en-US" sz="1400" dirty="0" err="1" smtClean="0">
+                <a:solidFill>
+                  <a:srgbClr val="7030A0"/>
+                </a:solidFill>
+                <a:latin typeface="Arial Narrow" pitchFamily="34" charset="0"/>
+              </a:rPr>
+              <a:t>edu.georgetown.pir.domain.Protein</a:t>
+            </a:r>
+            <a:r>
+              <a:rPr lang="en-US" sz="1400" dirty="0" smtClean="0">
+                <a:solidFill>
+                  <a:srgbClr val="7030A0"/>
+                </a:solidFill>
+                <a:latin typeface="Arial Narrow" pitchFamily="34" charset="0"/>
+              </a:rPr>
+              <a:t>"&gt;</a:t>
+            </a:r>
+          </a:p>
+          <a:p>
+            <a:r>
+              <a:rPr lang="en-US" sz="1400" dirty="0" smtClean="0">
+                <a:latin typeface="Arial Narrow" pitchFamily="34" charset="0"/>
+              </a:rPr>
+              <a:t>            &lt;</a:t>
+            </a:r>
+            <a:r>
+              <a:rPr lang="en-US" sz="1400" dirty="0" smtClean="0">
+                <a:latin typeface="Arial Narrow" pitchFamily="34" charset="0"/>
+              </a:rPr>
+              <a:t>ns1:Group </a:t>
+            </a:r>
+            <a:r>
+              <a:rPr lang="en-US" sz="1400" dirty="0" err="1" smtClean="0">
+                <a:latin typeface="Arial Narrow" pitchFamily="34" charset="0"/>
+              </a:rPr>
+              <a:t>logicRelation</a:t>
+            </a:r>
+            <a:r>
+              <a:rPr lang="en-US" sz="1400" dirty="0" smtClean="0">
+                <a:latin typeface="Arial Narrow" pitchFamily="34" charset="0"/>
+              </a:rPr>
+              <a:t>="</a:t>
+            </a:r>
+            <a:r>
+              <a:rPr lang="en-US" sz="1400" dirty="0" smtClean="0">
+                <a:latin typeface="Arial Narrow" pitchFamily="34" charset="0"/>
+              </a:rPr>
+              <a:t>AND“&gt;</a:t>
+            </a:r>
+          </a:p>
+          <a:p>
+            <a:r>
+              <a:rPr lang="en-US" sz="1400" dirty="0" smtClean="0">
+                <a:latin typeface="Arial Narrow" pitchFamily="34" charset="0"/>
+              </a:rPr>
+              <a:t>              </a:t>
+            </a:r>
+            <a:r>
+              <a:rPr lang="en-US" sz="1400" dirty="0" smtClean="0">
+                <a:solidFill>
+                  <a:srgbClr val="0070C0"/>
+                </a:solidFill>
+                <a:latin typeface="Arial Narrow" pitchFamily="34" charset="0"/>
+              </a:rPr>
+              <a:t>&lt;</a:t>
+            </a:r>
+            <a:r>
+              <a:rPr lang="en-US" sz="1400" dirty="0" smtClean="0">
+                <a:solidFill>
+                  <a:srgbClr val="0070C0"/>
+                </a:solidFill>
+                <a:latin typeface="Arial Narrow" pitchFamily="34" charset="0"/>
+              </a:rPr>
+              <a:t>ns1:Association name="</a:t>
+            </a:r>
+            <a:r>
+              <a:rPr lang="en-US" sz="1400" dirty="0" err="1" smtClean="0">
+                <a:solidFill>
+                  <a:srgbClr val="0070C0"/>
+                </a:solidFill>
+                <a:latin typeface="Arial Narrow" pitchFamily="34" charset="0"/>
+              </a:rPr>
+              <a:t>edu.georgetown.pir.domain.Gene</a:t>
+            </a:r>
+            <a:r>
+              <a:rPr lang="en-US" sz="1400" dirty="0" smtClean="0">
+                <a:solidFill>
+                  <a:srgbClr val="0070C0"/>
+                </a:solidFill>
+                <a:latin typeface="Arial Narrow" pitchFamily="34" charset="0"/>
+              </a:rPr>
+              <a:t>" </a:t>
+            </a:r>
+            <a:r>
+              <a:rPr lang="en-US" sz="1400" dirty="0" err="1" smtClean="0">
+                <a:solidFill>
+                  <a:srgbClr val="0070C0"/>
+                </a:solidFill>
+                <a:latin typeface="Arial Narrow" pitchFamily="34" charset="0"/>
+              </a:rPr>
+              <a:t>roleName</a:t>
+            </a:r>
+            <a:r>
+              <a:rPr lang="en-US" sz="1400" dirty="0" smtClean="0">
+                <a:solidFill>
+                  <a:srgbClr val="0070C0"/>
+                </a:solidFill>
+                <a:latin typeface="Arial Narrow" pitchFamily="34" charset="0"/>
+              </a:rPr>
+              <a:t>="</a:t>
+            </a:r>
+            <a:r>
+              <a:rPr lang="en-US" sz="1400" dirty="0" err="1" smtClean="0">
+                <a:solidFill>
+                  <a:srgbClr val="0070C0"/>
+                </a:solidFill>
+                <a:latin typeface="Arial Narrow" pitchFamily="34" charset="0"/>
+              </a:rPr>
+              <a:t>geneCollection</a:t>
+            </a:r>
+            <a:r>
+              <a:rPr lang="en-US" sz="1400" dirty="0" smtClean="0">
+                <a:solidFill>
+                  <a:srgbClr val="0070C0"/>
+                </a:solidFill>
+                <a:latin typeface="Arial Narrow" pitchFamily="34" charset="0"/>
+              </a:rPr>
+              <a:t>“&gt;</a:t>
+            </a:r>
+          </a:p>
+          <a:p>
+            <a:r>
+              <a:rPr lang="en-US" sz="1400" dirty="0" smtClean="0">
+                <a:solidFill>
+                  <a:srgbClr val="0070C0"/>
+                </a:solidFill>
+                <a:latin typeface="Arial Narrow" pitchFamily="34" charset="0"/>
+              </a:rPr>
+              <a:t>                &lt;</a:t>
+            </a:r>
+            <a:r>
+              <a:rPr lang="en-US" sz="1400" dirty="0" smtClean="0">
+                <a:solidFill>
+                  <a:srgbClr val="0070C0"/>
+                </a:solidFill>
+                <a:latin typeface="Arial Narrow" pitchFamily="34" charset="0"/>
+              </a:rPr>
+              <a:t>ns1:Attribute name="name" predicate="EQUAL_TO" value="brca1</a:t>
+            </a:r>
+            <a:r>
+              <a:rPr lang="en-US" sz="1400" dirty="0" smtClean="0">
+                <a:solidFill>
+                  <a:srgbClr val="0070C0"/>
+                </a:solidFill>
+                <a:latin typeface="Arial Narrow" pitchFamily="34" charset="0"/>
+              </a:rPr>
+              <a:t>"/&gt;</a:t>
+            </a:r>
+          </a:p>
+          <a:p>
+            <a:r>
+              <a:rPr lang="en-US" sz="1400" dirty="0" smtClean="0">
+                <a:solidFill>
+                  <a:srgbClr val="0070C0"/>
+                </a:solidFill>
+                <a:latin typeface="Arial Narrow" pitchFamily="34" charset="0"/>
+              </a:rPr>
+              <a:t>             &lt;/</a:t>
+            </a:r>
+            <a:r>
+              <a:rPr lang="en-US" sz="1400" dirty="0" smtClean="0">
+                <a:solidFill>
+                  <a:srgbClr val="0070C0"/>
+                </a:solidFill>
+                <a:latin typeface="Arial Narrow" pitchFamily="34" charset="0"/>
+              </a:rPr>
+              <a:t>ns1:Association</a:t>
+            </a:r>
+            <a:r>
+              <a:rPr lang="en-US" sz="1400" dirty="0" smtClean="0">
+                <a:solidFill>
+                  <a:srgbClr val="0070C0"/>
+                </a:solidFill>
+                <a:latin typeface="Arial Narrow" pitchFamily="34" charset="0"/>
+              </a:rPr>
+              <a:t>&gt;</a:t>
+            </a:r>
+          </a:p>
+          <a:p>
+            <a:r>
+              <a:rPr lang="en-US" sz="1400" dirty="0" smtClean="0">
+                <a:solidFill>
+                  <a:srgbClr val="0070C0"/>
+                </a:solidFill>
+                <a:latin typeface="Arial Narrow" pitchFamily="34" charset="0"/>
+              </a:rPr>
+              <a:t>             &lt;</a:t>
+            </a:r>
+            <a:r>
+              <a:rPr lang="en-US" sz="1400" dirty="0" smtClean="0">
+                <a:solidFill>
+                  <a:srgbClr val="0070C0"/>
+                </a:solidFill>
+                <a:latin typeface="Arial Narrow" pitchFamily="34" charset="0"/>
+              </a:rPr>
+              <a:t>ns1:Association name="</a:t>
+            </a:r>
+            <a:r>
+              <a:rPr lang="en-US" sz="1400" dirty="0" err="1" smtClean="0">
+                <a:solidFill>
+                  <a:srgbClr val="0070C0"/>
+                </a:solidFill>
+                <a:latin typeface="Arial Narrow" pitchFamily="34" charset="0"/>
+              </a:rPr>
+              <a:t>edu.georgetown.pir.domain.Organism</a:t>
+            </a:r>
+            <a:r>
+              <a:rPr lang="en-US" sz="1400" dirty="0" smtClean="0">
+                <a:solidFill>
+                  <a:srgbClr val="0070C0"/>
+                </a:solidFill>
+                <a:latin typeface="Arial Narrow" pitchFamily="34" charset="0"/>
+              </a:rPr>
+              <a:t>" </a:t>
+            </a:r>
+            <a:r>
+              <a:rPr lang="en-US" sz="1400" dirty="0" err="1" smtClean="0">
+                <a:solidFill>
+                  <a:srgbClr val="0070C0"/>
+                </a:solidFill>
+                <a:latin typeface="Arial Narrow" pitchFamily="34" charset="0"/>
+              </a:rPr>
+              <a:t>roleName</a:t>
+            </a:r>
+            <a:r>
+              <a:rPr lang="en-US" sz="1400" dirty="0" smtClean="0">
+                <a:solidFill>
+                  <a:srgbClr val="0070C0"/>
+                </a:solidFill>
+                <a:latin typeface="Arial Narrow" pitchFamily="34" charset="0"/>
+              </a:rPr>
+              <a:t>="</a:t>
+            </a:r>
+            <a:r>
+              <a:rPr lang="en-US" sz="1400" dirty="0" err="1" smtClean="0">
+                <a:solidFill>
+                  <a:srgbClr val="0070C0"/>
+                </a:solidFill>
+                <a:latin typeface="Arial Narrow" pitchFamily="34" charset="0"/>
+              </a:rPr>
+              <a:t>organismCollection</a:t>
+            </a:r>
+            <a:r>
+              <a:rPr lang="en-US" sz="1400" dirty="0" smtClean="0">
+                <a:solidFill>
+                  <a:srgbClr val="0070C0"/>
+                </a:solidFill>
+                <a:latin typeface="Arial Narrow" pitchFamily="34" charset="0"/>
+              </a:rPr>
+              <a:t>"&gt;</a:t>
+            </a:r>
+          </a:p>
+          <a:p>
+            <a:r>
+              <a:rPr lang="en-US" sz="1400" dirty="0" smtClean="0">
+                <a:solidFill>
+                  <a:srgbClr val="0070C0"/>
+                </a:solidFill>
+                <a:latin typeface="Arial Narrow" pitchFamily="34" charset="0"/>
+              </a:rPr>
+              <a:t>              &lt;</a:t>
+            </a:r>
+            <a:r>
+              <a:rPr lang="en-US" sz="1400" dirty="0" smtClean="0">
+                <a:solidFill>
+                  <a:srgbClr val="0070C0"/>
+                </a:solidFill>
+                <a:latin typeface="Arial Narrow" pitchFamily="34" charset="0"/>
+              </a:rPr>
+              <a:t>ns1:Attribute name="</a:t>
+            </a:r>
+            <a:r>
+              <a:rPr lang="en-US" sz="1400" dirty="0" err="1" smtClean="0">
+                <a:solidFill>
+                  <a:srgbClr val="0070C0"/>
+                </a:solidFill>
+                <a:latin typeface="Arial Narrow" pitchFamily="34" charset="0"/>
+              </a:rPr>
+              <a:t>scientificName</a:t>
+            </a:r>
+            <a:r>
+              <a:rPr lang="en-US" sz="1400" dirty="0" smtClean="0">
+                <a:solidFill>
+                  <a:srgbClr val="0070C0"/>
+                </a:solidFill>
+                <a:latin typeface="Arial Narrow" pitchFamily="34" charset="0"/>
+              </a:rPr>
+              <a:t>" predicate="EQUAL_TO" value="homo sapiens</a:t>
+            </a:r>
+            <a:r>
+              <a:rPr lang="en-US" sz="1400" dirty="0" smtClean="0">
+                <a:solidFill>
+                  <a:srgbClr val="0070C0"/>
+                </a:solidFill>
+                <a:latin typeface="Arial Narrow" pitchFamily="34" charset="0"/>
+              </a:rPr>
+              <a:t>"/&gt;</a:t>
+            </a:r>
+          </a:p>
+          <a:p>
+            <a:r>
+              <a:rPr lang="en-US" sz="1400" dirty="0" smtClean="0">
+                <a:solidFill>
+                  <a:srgbClr val="0070C0"/>
+                </a:solidFill>
+                <a:latin typeface="Arial Narrow" pitchFamily="34" charset="0"/>
+              </a:rPr>
+              <a:t>             &lt;/</a:t>
+            </a:r>
+            <a:r>
+              <a:rPr lang="en-US" sz="1400" dirty="0" smtClean="0">
+                <a:solidFill>
+                  <a:srgbClr val="0070C0"/>
+                </a:solidFill>
+                <a:latin typeface="Arial Narrow" pitchFamily="34" charset="0"/>
+              </a:rPr>
+              <a:t>ns1:Association</a:t>
+            </a:r>
+            <a:r>
+              <a:rPr lang="en-US" sz="1400" dirty="0" smtClean="0">
+                <a:solidFill>
+                  <a:srgbClr val="0070C0"/>
+                </a:solidFill>
+                <a:latin typeface="Arial Narrow" pitchFamily="34" charset="0"/>
+              </a:rPr>
+              <a:t>&gt;</a:t>
+            </a:r>
+            <a:r>
+              <a:rPr lang="en-US" sz="1400" dirty="0" smtClean="0">
+                <a:latin typeface="Arial Narrow" pitchFamily="34" charset="0"/>
+              </a:rPr>
+              <a:t/>
+            </a:r>
+            <a:br>
+              <a:rPr lang="en-US" sz="1400" dirty="0" smtClean="0">
+                <a:latin typeface="Arial Narrow" pitchFamily="34" charset="0"/>
+              </a:rPr>
+            </a:br>
+            <a:r>
+              <a:rPr lang="en-US" sz="1400" dirty="0" smtClean="0">
+                <a:latin typeface="Arial Narrow" pitchFamily="34" charset="0"/>
+              </a:rPr>
+              <a:t>           &lt;/</a:t>
+            </a:r>
+            <a:r>
+              <a:rPr lang="en-US" sz="1400" dirty="0" smtClean="0">
+                <a:latin typeface="Arial Narrow" pitchFamily="34" charset="0"/>
+              </a:rPr>
+              <a:t>ns1:Group</a:t>
+            </a:r>
+            <a:r>
+              <a:rPr lang="en-US" sz="1400" dirty="0" smtClean="0">
+                <a:latin typeface="Arial Narrow" pitchFamily="34" charset="0"/>
+              </a:rPr>
+              <a:t>&gt;</a:t>
+            </a:r>
+          </a:p>
+          <a:p>
+            <a:r>
+              <a:rPr lang="en-US" sz="1400" dirty="0" smtClean="0">
+                <a:latin typeface="Arial Narrow" pitchFamily="34" charset="0"/>
+              </a:rPr>
+              <a:t>         </a:t>
+            </a:r>
+            <a:r>
+              <a:rPr lang="en-US" sz="1400" dirty="0" smtClean="0">
+                <a:solidFill>
+                  <a:srgbClr val="7030A0"/>
+                </a:solidFill>
+                <a:latin typeface="Arial Narrow" pitchFamily="34" charset="0"/>
+              </a:rPr>
+              <a:t>&lt;/</a:t>
+            </a:r>
+            <a:r>
+              <a:rPr lang="en-US" sz="1400" dirty="0" smtClean="0">
+                <a:solidFill>
+                  <a:srgbClr val="7030A0"/>
+                </a:solidFill>
+                <a:latin typeface="Arial Narrow" pitchFamily="34" charset="0"/>
+              </a:rPr>
+              <a:t>ns1:ForeignObject</a:t>
+            </a:r>
+            <a:r>
+              <a:rPr lang="en-US" sz="1400" dirty="0" smtClean="0">
+                <a:solidFill>
+                  <a:srgbClr val="7030A0"/>
+                </a:solidFill>
+                <a:latin typeface="Arial Narrow" pitchFamily="34" charset="0"/>
+              </a:rPr>
+              <a:t>&gt;</a:t>
+            </a:r>
+          </a:p>
+          <a:p>
+            <a:r>
+              <a:rPr lang="en-US" sz="1400" dirty="0" smtClean="0">
+                <a:latin typeface="Arial Narrow" pitchFamily="34" charset="0"/>
+              </a:rPr>
+              <a:t>       </a:t>
+            </a:r>
+            <a:r>
+              <a:rPr lang="en-US" sz="1400" dirty="0" smtClean="0">
+                <a:solidFill>
+                  <a:srgbClr val="FF9900"/>
+                </a:solidFill>
+                <a:latin typeface="Arial Narrow" pitchFamily="34" charset="0"/>
+              </a:rPr>
+              <a:t> &lt;/</a:t>
+            </a:r>
+            <a:r>
+              <a:rPr lang="en-US" sz="1400" dirty="0" smtClean="0">
+                <a:solidFill>
+                  <a:srgbClr val="FF9900"/>
+                </a:solidFill>
+                <a:latin typeface="Arial Narrow" pitchFamily="34" charset="0"/>
+              </a:rPr>
+              <a:t>ns1:ForeignAssociation</a:t>
+            </a:r>
+            <a:r>
+              <a:rPr lang="en-US" sz="1400" dirty="0" smtClean="0">
+                <a:solidFill>
+                  <a:srgbClr val="FF9900"/>
+                </a:solidFill>
+                <a:latin typeface="Arial Narrow" pitchFamily="34" charset="0"/>
+              </a:rPr>
+              <a:t>&gt;</a:t>
+            </a:r>
+          </a:p>
+          <a:p>
+            <a:r>
+              <a:rPr lang="en-US" sz="1400" dirty="0" smtClean="0">
+                <a:solidFill>
+                  <a:srgbClr val="00B0F0"/>
+                </a:solidFill>
+                <a:latin typeface="Arial Narrow" pitchFamily="34" charset="0"/>
+              </a:rPr>
+              <a:t>      &lt;/</a:t>
+            </a:r>
+            <a:r>
+              <a:rPr lang="en-US" sz="1400" dirty="0" smtClean="0">
+                <a:solidFill>
+                  <a:srgbClr val="00B0F0"/>
+                </a:solidFill>
+                <a:latin typeface="Arial Narrow" pitchFamily="34" charset="0"/>
+              </a:rPr>
+              <a:t>ns1:Association</a:t>
+            </a:r>
+            <a:r>
+              <a:rPr lang="en-US" sz="1400" dirty="0" smtClean="0">
+                <a:solidFill>
+                  <a:srgbClr val="00B0F0"/>
+                </a:solidFill>
+                <a:latin typeface="Arial Narrow" pitchFamily="34" charset="0"/>
+              </a:rPr>
+              <a:t>&gt;</a:t>
+            </a:r>
+          </a:p>
+          <a:p>
+            <a:r>
+              <a:rPr lang="en-US" sz="1400" dirty="0" smtClean="0">
+                <a:solidFill>
+                  <a:srgbClr val="00B050"/>
+                </a:solidFill>
+                <a:latin typeface="Arial Narrow" pitchFamily="34" charset="0"/>
+              </a:rPr>
+              <a:t>    &lt;/</a:t>
+            </a:r>
+            <a:r>
+              <a:rPr lang="en-US" sz="1400" dirty="0" smtClean="0">
+                <a:solidFill>
+                  <a:srgbClr val="00B050"/>
+                </a:solidFill>
+                <a:latin typeface="Arial Narrow" pitchFamily="34" charset="0"/>
+              </a:rPr>
+              <a:t>ns1:Association</a:t>
+            </a:r>
+            <a:r>
+              <a:rPr lang="en-US" sz="1400" dirty="0" smtClean="0">
+                <a:solidFill>
+                  <a:srgbClr val="00B050"/>
+                </a:solidFill>
+                <a:latin typeface="Arial Narrow" pitchFamily="34" charset="0"/>
+              </a:rPr>
+              <a:t>&gt;</a:t>
+            </a:r>
+          </a:p>
+          <a:p>
+            <a:r>
+              <a:rPr lang="en-US" sz="1400" dirty="0" smtClean="0">
+                <a:latin typeface="Arial Narrow" pitchFamily="34" charset="0"/>
+              </a:rPr>
+              <a:t> </a:t>
+            </a:r>
+            <a:r>
+              <a:rPr lang="en-US" sz="1400" dirty="0" smtClean="0">
+                <a:solidFill>
+                  <a:srgbClr val="C00000"/>
+                </a:solidFill>
+                <a:latin typeface="Arial Narrow" pitchFamily="34" charset="0"/>
+              </a:rPr>
+              <a:t> &lt;/</a:t>
+            </a:r>
+            <a:r>
+              <a:rPr lang="en-US" sz="1400" dirty="0" smtClean="0">
+                <a:solidFill>
+                  <a:srgbClr val="C00000"/>
+                </a:solidFill>
+                <a:latin typeface="Arial Narrow" pitchFamily="34" charset="0"/>
+              </a:rPr>
+              <a:t>ns1:TargetObject</a:t>
+            </a:r>
+            <a:r>
+              <a:rPr lang="en-US" sz="1400" dirty="0" smtClean="0">
+                <a:solidFill>
+                  <a:srgbClr val="C00000"/>
+                </a:solidFill>
+                <a:latin typeface="Arial Narrow" pitchFamily="34" charset="0"/>
+              </a:rPr>
+              <a:t>&gt;</a:t>
+            </a:r>
+          </a:p>
+          <a:p>
+            <a:r>
+              <a:rPr lang="en-US" sz="1400" dirty="0" smtClean="0">
+                <a:solidFill>
+                  <a:srgbClr val="C00000"/>
+                </a:solidFill>
+                <a:latin typeface="Arial Narrow" pitchFamily="34" charset="0"/>
+              </a:rPr>
+              <a:t>  &lt;</a:t>
+            </a:r>
+            <a:r>
+              <a:rPr lang="en-US" sz="1400" dirty="0" smtClean="0">
+                <a:solidFill>
+                  <a:srgbClr val="C00000"/>
+                </a:solidFill>
+                <a:latin typeface="Arial Narrow" pitchFamily="34" charset="0"/>
+              </a:rPr>
+              <a:t>ns1:targetServiceURL&gt;http://cabiogrid32.nci.nih.gov:80/wsrf/services/cagrid/CaBIO32GridSvc&lt;/ns1:targetServiceURL</a:t>
+            </a:r>
+            <a:r>
+              <a:rPr lang="en-US" sz="1400" dirty="0" smtClean="0">
+                <a:solidFill>
+                  <a:srgbClr val="C00000"/>
+                </a:solidFill>
+                <a:latin typeface="Arial Narrow" pitchFamily="34" charset="0"/>
+              </a:rPr>
+              <a:t>&gt;</a:t>
+            </a:r>
+          </a:p>
+          <a:p>
+            <a:r>
+              <a:rPr lang="en-US" sz="1400" dirty="0" smtClean="0">
+                <a:latin typeface="Arial Narrow" pitchFamily="34" charset="0"/>
+              </a:rPr>
+              <a:t>&lt;/</a:t>
+            </a:r>
+            <a:r>
+              <a:rPr lang="en-US" sz="1400" dirty="0" smtClean="0">
+                <a:latin typeface="Arial Narrow" pitchFamily="34" charset="0"/>
+              </a:rPr>
+              <a:t>ns1:DCQLQuery&gt; </a:t>
+            </a:r>
+            <a:endParaRPr lang="en-US" sz="1400" dirty="0">
               <a:latin typeface="Arial Narrow" pitchFamily="34" charset="0"/>
             </a:endParaRPr>
           </a:p>

--- a/Documentation/presentations/200906_Novartis/caGrid Data Services.pptx
+++ b/Documentation/presentations/200906_Novartis/caGrid Data Services.pptx
@@ -5,20 +5,20 @@
     <p:sldMasterId id="2147483648" r:id="rId1"/>
   </p:sldMasterIdLst>
   <p:notesMasterIdLst>
-    <p:notesMasterId r:id="rId31"/>
+    <p:notesMasterId r:id="rId43"/>
   </p:notesMasterIdLst>
   <p:sldIdLst>
     <p:sldId id="256" r:id="rId2"/>
     <p:sldId id="257" r:id="rId3"/>
-    <p:sldId id="258" r:id="rId4"/>
-    <p:sldId id="259" r:id="rId5"/>
-    <p:sldId id="265" r:id="rId6"/>
-    <p:sldId id="266" r:id="rId7"/>
-    <p:sldId id="267" r:id="rId8"/>
-    <p:sldId id="268" r:id="rId9"/>
-    <p:sldId id="269" r:id="rId10"/>
-    <p:sldId id="282" r:id="rId11"/>
-    <p:sldId id="283" r:id="rId12"/>
+    <p:sldId id="259" r:id="rId4"/>
+    <p:sldId id="265" r:id="rId5"/>
+    <p:sldId id="266" r:id="rId6"/>
+    <p:sldId id="267" r:id="rId7"/>
+    <p:sldId id="268" r:id="rId8"/>
+    <p:sldId id="269" r:id="rId9"/>
+    <p:sldId id="282" r:id="rId10"/>
+    <p:sldId id="283" r:id="rId11"/>
+    <p:sldId id="286" r:id="rId12"/>
     <p:sldId id="273" r:id="rId13"/>
     <p:sldId id="274" r:id="rId14"/>
     <p:sldId id="260" r:id="rId15"/>
@@ -32,11 +32,23 @@
     <p:sldId id="275" r:id="rId23"/>
     <p:sldId id="276" r:id="rId24"/>
     <p:sldId id="281" r:id="rId25"/>
-    <p:sldId id="277" r:id="rId26"/>
-    <p:sldId id="278" r:id="rId27"/>
-    <p:sldId id="279" r:id="rId28"/>
-    <p:sldId id="284" r:id="rId29"/>
-    <p:sldId id="285" r:id="rId30"/>
+    <p:sldId id="288" r:id="rId26"/>
+    <p:sldId id="289" r:id="rId27"/>
+    <p:sldId id="290" r:id="rId28"/>
+    <p:sldId id="291" r:id="rId29"/>
+    <p:sldId id="292" r:id="rId30"/>
+    <p:sldId id="293" r:id="rId31"/>
+    <p:sldId id="294" r:id="rId32"/>
+    <p:sldId id="295" r:id="rId33"/>
+    <p:sldId id="296" r:id="rId34"/>
+    <p:sldId id="297" r:id="rId35"/>
+    <p:sldId id="298" r:id="rId36"/>
+    <p:sldId id="287" r:id="rId37"/>
+    <p:sldId id="277" r:id="rId38"/>
+    <p:sldId id="278" r:id="rId39"/>
+    <p:sldId id="279" r:id="rId40"/>
+    <p:sldId id="284" r:id="rId41"/>
+    <p:sldId id="285" r:id="rId42"/>
   </p:sldIdLst>
   <p:sldSz cx="9144000" cy="6858000" type="screen4x3"/>
   <p:notesSz cx="6858000" cy="9144000"/>
@@ -771,7 +783,7 @@
             <a:fld id="{0EA92AC8-40AC-4621-AB8B-E24657776B35}" type="slidenum">
               <a:rPr lang="en-US"/>
               <a:pPr/>
-              <a:t>29</a:t>
+              <a:t>41</a:t>
             </a:fld>
             <a:endParaRPr lang="en-US"/>
           </a:p>
@@ -1469,7 +1481,7 @@
             <a:fld id="{0EA92AC8-40AC-4621-AB8B-E24657776B35}" type="slidenum">
               <a:rPr lang="en-US"/>
               <a:pPr/>
-              <a:t>27</a:t>
+              <a:t>39</a:t>
             </a:fld>
             <a:endParaRPr lang="en-US"/>
           </a:p>
@@ -1571,7 +1583,7 @@
             <a:fld id="{0EA92AC8-40AC-4621-AB8B-E24657776B35}" type="slidenum">
               <a:rPr lang="en-US"/>
               <a:pPr/>
-              <a:t>28</a:t>
+              <a:t>40</a:t>
             </a:fld>
             <a:endParaRPr lang="en-US"/>
           </a:p>
@@ -4036,33 +4048,54 @@
           <a:p>
             <a:r>
               <a:rPr lang="en-US" sz="2000" dirty="0" smtClean="0"/>
-              <a:t>Configuration related methods</a:t>
+              <a:t>Query Processing related methods</a:t>
             </a:r>
           </a:p>
           <a:p>
             <a:pPr lvl="1"/>
             <a:r>
               <a:rPr lang="en-US" sz="2000" i="1" dirty="0" err="1" smtClean="0"/>
-              <a:t>getRequiredParameters</a:t>
+              <a:t>getConfiguredParameters</a:t>
             </a:r>
             <a:r>
               <a:rPr lang="en-US" sz="2000" i="1" dirty="0" smtClean="0"/>
               <a:t>()</a:t>
             </a:r>
-            <a:endParaRPr lang="en-US" sz="2000" dirty="0" smtClean="0"/>
           </a:p>
           <a:p>
             <a:pPr lvl="2"/>
             <a:r>
               <a:rPr lang="en-US" sz="1800" dirty="0" smtClean="0"/>
-              <a:t>Returns a Properties instance populated with keys and default values for configuration of the query processor</a:t>
+              <a:t>Gets the configuration properties as configured by the data service</a:t>
+            </a:r>
+          </a:p>
+          <a:p>
+            <a:pPr lvl="2"/>
+            <a:r>
+              <a:rPr lang="en-US" sz="1800" dirty="0" smtClean="0"/>
+              <a:t>For use configuring the query processor when a CQL query is to be executed</a:t>
+            </a:r>
+          </a:p>
+          <a:p>
+            <a:pPr lvl="2"/>
+            <a:r>
+              <a:rPr lang="en-US" sz="1800" dirty="0" smtClean="0"/>
+              <a:t>Will return </a:t>
+            </a:r>
+            <a:r>
+              <a:rPr lang="en-US" sz="1800" i="1" dirty="0" smtClean="0"/>
+              <a:t>null</a:t>
+            </a:r>
+            <a:r>
+              <a:rPr lang="en-US" sz="1800" dirty="0" smtClean="0"/>
+              <a:t> until the data service infrastructure populates it via the initialize method at service start time</a:t>
             </a:r>
           </a:p>
           <a:p>
             <a:pPr lvl="1"/>
             <a:r>
               <a:rPr lang="en-US" sz="2000" i="1" dirty="0" err="1" smtClean="0"/>
-              <a:t>getPropertiesFromEtc</a:t>
+              <a:t>processQuery</a:t>
             </a:r>
             <a:r>
               <a:rPr lang="en-US" sz="2000" i="1" dirty="0" smtClean="0"/>
@@ -4073,43 +4106,60 @@
             <a:pPr lvl="2"/>
             <a:r>
               <a:rPr lang="en-US" sz="1800" dirty="0" smtClean="0"/>
-              <a:t>Returns a Set of property keys whose value should be a file in the service’s etc directory once deployed to a service container</a:t>
+              <a:t>Backend data source specific implementation of CQL</a:t>
             </a:r>
           </a:p>
           <a:p>
             <a:pPr lvl="2"/>
             <a:r>
               <a:rPr lang="en-US" sz="1800" dirty="0" smtClean="0"/>
-              <a:t>Useful for locating additional configuration documents</a:t>
-            </a:r>
-          </a:p>
-          <a:p>
-            <a:pPr lvl="1"/>
-            <a:r>
-              <a:rPr lang="en-US" sz="2000" i="1" dirty="0" smtClean="0"/>
-              <a:t>initialize()</a:t>
+              <a:t>May throw a </a:t>
+            </a:r>
+            <a:r>
+              <a:rPr lang="en-US" sz="1800" i="1" dirty="0" smtClean="0"/>
+              <a:t>Query Processing Exception</a:t>
+            </a:r>
+            <a:r>
+              <a:rPr lang="en-US" sz="1800" dirty="0" smtClean="0"/>
+              <a:t> if a problem is encountered handling the CQL query</a:t>
+            </a:r>
+          </a:p>
+          <a:p>
+            <a:pPr lvl="3"/>
+            <a:r>
+              <a:rPr lang="en-US" sz="1600" dirty="0" smtClean="0"/>
+              <a:t>Underlying database has a problem, etc</a:t>
             </a:r>
           </a:p>
           <a:p>
             <a:pPr lvl="2"/>
             <a:r>
               <a:rPr lang="en-US" sz="1800" dirty="0" smtClean="0"/>
-              <a:t>Invoked by the data service infrastructure when constructing a CQL Query Processor instance for use in a live service.</a:t>
-            </a:r>
-          </a:p>
-          <a:p>
-            <a:pPr lvl="2"/>
+              <a:t>May also throw a </a:t>
+            </a:r>
+            <a:r>
+              <a:rPr lang="en-US" sz="1800" i="1" dirty="0" smtClean="0"/>
+              <a:t>Malformed Query Exception</a:t>
+            </a:r>
             <a:r>
               <a:rPr lang="en-US" sz="1800" dirty="0" smtClean="0"/>
-              <a:t>Sets the configuration properties from values in service’s JNDI</a:t>
-            </a:r>
-          </a:p>
-          <a:p>
-            <a:pPr lvl="1"/>
-            <a:endParaRPr lang="en-US" sz="1800" dirty="0" smtClean="0"/>
-          </a:p>
-          <a:p>
-            <a:pPr lvl="1"/>
+              <a:t> if the CQL query itself is non-conformant</a:t>
+            </a:r>
+          </a:p>
+          <a:p>
+            <a:pPr lvl="3"/>
+            <a:r>
+              <a:rPr lang="en-US" sz="1600" dirty="0" smtClean="0"/>
+              <a:t>Typically handled by query </a:t>
+            </a:r>
+            <a:r>
+              <a:rPr lang="en-US" sz="1600" dirty="0" err="1" smtClean="0"/>
+              <a:t>validators</a:t>
+            </a:r>
+            <a:r>
+              <a:rPr lang="en-US" sz="1600" dirty="0" smtClean="0"/>
+              <a:t>, but may be used for non-supported query operations</a:t>
+            </a:r>
             <a:endParaRPr lang="en-US" dirty="0" smtClean="0"/>
           </a:p>
         </p:txBody>
@@ -4149,154 +4199,685 @@
             <p:ph type="title"/>
           </p:nvPr>
         </p:nvSpPr>
-        <p:spPr/>
-        <p:txBody>
-          <a:bodyPr/>
-          <a:lstStyle/>
-          <a:p>
-            <a:r>
-              <a:rPr lang="en-US" dirty="0" smtClean="0"/>
-              <a:t>CQL Query Processors</a:t>
-            </a:r>
-            <a:endParaRPr lang="en-US" dirty="0"/>
-          </a:p>
-        </p:txBody>
-      </p:sp>
-      <p:sp>
-        <p:nvSpPr>
-          <p:cNvPr id="4" name="Content Placeholder 2"/>
-          <p:cNvSpPr>
-            <a:spLocks noGrp="1"/>
-          </p:cNvSpPr>
-          <p:nvPr>
-            <p:ph idx="1"/>
-          </p:nvPr>
-        </p:nvSpPr>
         <p:spPr>
           <a:xfrm>
-            <a:off x="304800" y="1371600"/>
-            <a:ext cx="8458200" cy="4953000"/>
+            <a:off x="304800" y="0"/>
+            <a:ext cx="6248400" cy="1143000"/>
           </a:xfrm>
         </p:spPr>
         <p:txBody>
           <a:bodyPr/>
           <a:lstStyle/>
           <a:p>
-            <a:r>
-              <a:rPr lang="en-US" sz="2000" dirty="0" smtClean="0"/>
-              <a:t>Query Processing related methods</a:t>
-            </a:r>
-          </a:p>
-          <a:p>
-            <a:pPr lvl="1"/>
-            <a:r>
-              <a:rPr lang="en-US" sz="2000" i="1" dirty="0" err="1" smtClean="0"/>
-              <a:t>getConfiguredParameters</a:t>
-            </a:r>
-            <a:r>
-              <a:rPr lang="en-US" sz="2000" i="1" dirty="0" smtClean="0"/>
-              <a:t>()</a:t>
-            </a:r>
-          </a:p>
-          <a:p>
-            <a:pPr lvl="2"/>
-            <a:r>
-              <a:rPr lang="en-US" sz="1800" dirty="0" smtClean="0"/>
-              <a:t>Gets the configuration properties as configured by the data service</a:t>
-            </a:r>
-          </a:p>
-          <a:p>
-            <a:pPr lvl="2"/>
-            <a:r>
-              <a:rPr lang="en-US" sz="1800" dirty="0" smtClean="0"/>
-              <a:t>For use configuring the query processor when a CQL query is to be executed</a:t>
-            </a:r>
-          </a:p>
-          <a:p>
-            <a:pPr lvl="2"/>
-            <a:r>
-              <a:rPr lang="en-US" sz="1800" dirty="0" smtClean="0"/>
-              <a:t>Will return </a:t>
-            </a:r>
-            <a:r>
-              <a:rPr lang="en-US" sz="1800" i="1" dirty="0" smtClean="0"/>
-              <a:t>null</a:t>
-            </a:r>
-            <a:r>
-              <a:rPr lang="en-US" sz="1800" dirty="0" smtClean="0"/>
-              <a:t> until the data service infrastructure populates it via the initialize method at service start time</a:t>
-            </a:r>
-          </a:p>
-          <a:p>
-            <a:pPr lvl="1"/>
-            <a:r>
-              <a:rPr lang="en-US" sz="2000" i="1" dirty="0" err="1" smtClean="0"/>
-              <a:t>processQuery</a:t>
-            </a:r>
-            <a:r>
-              <a:rPr lang="en-US" sz="2000" i="1" dirty="0" smtClean="0"/>
-              <a:t>()</a:t>
-            </a:r>
-          </a:p>
-          <a:p>
-            <a:pPr lvl="2"/>
-            <a:r>
-              <a:rPr lang="en-US" sz="1800" dirty="0" smtClean="0"/>
-              <a:t>Backend data source specific implementation of CQL</a:t>
-            </a:r>
-          </a:p>
-          <a:p>
-            <a:pPr lvl="2"/>
-            <a:r>
-              <a:rPr lang="en-US" sz="1800" dirty="0" smtClean="0"/>
-              <a:t>May throw a </a:t>
-            </a:r>
-            <a:r>
-              <a:rPr lang="en-US" sz="1800" i="1" dirty="0" smtClean="0"/>
-              <a:t>Query Processing Exception</a:t>
-            </a:r>
-            <a:r>
-              <a:rPr lang="en-US" sz="1800" dirty="0" smtClean="0"/>
-              <a:t> if a problem is encountered handling the CQL query</a:t>
-            </a:r>
-          </a:p>
-          <a:p>
-            <a:pPr lvl="3"/>
-            <a:r>
-              <a:rPr lang="en-US" sz="1600" dirty="0" smtClean="0"/>
-              <a:t>Underlying database has a problem, etc</a:t>
-            </a:r>
-          </a:p>
-          <a:p>
-            <a:pPr lvl="2"/>
-            <a:r>
-              <a:rPr lang="en-US" sz="1800" dirty="0" smtClean="0"/>
-              <a:t>May also throw a </a:t>
-            </a:r>
-            <a:r>
-              <a:rPr lang="en-US" sz="1800" i="1" dirty="0" smtClean="0"/>
-              <a:t>Malformed Query Exception</a:t>
-            </a:r>
-            <a:r>
-              <a:rPr lang="en-US" sz="1800" dirty="0" smtClean="0"/>
-              <a:t> if the CQL query itself is non-conformant</a:t>
-            </a:r>
-          </a:p>
-          <a:p>
-            <a:pPr lvl="3"/>
-            <a:r>
-              <a:rPr lang="en-US" sz="1600" dirty="0" smtClean="0"/>
-              <a:t>Typically handled by query </a:t>
-            </a:r>
-            <a:r>
-              <a:rPr lang="en-US" sz="1600" dirty="0" err="1" smtClean="0"/>
-              <a:t>validators</a:t>
-            </a:r>
-            <a:r>
-              <a:rPr lang="en-US" sz="1600" dirty="0" smtClean="0"/>
-              <a:t>, but may be used for non-supported query operations</a:t>
-            </a:r>
-            <a:endParaRPr lang="en-US" dirty="0" smtClean="0"/>
+            <a:pPr lvl="0"/>
+            <a:r>
+              <a:rPr lang="en-US" dirty="0">
+                <a:cs typeface="Arial" charset="0"/>
+              </a:rPr>
+              <a:t>E</a:t>
+            </a:r>
+            <a:r>
+              <a:rPr lang="en-US" dirty="0" smtClean="0">
+                <a:cs typeface="Arial" charset="0"/>
+              </a:rPr>
+              <a:t>xample </a:t>
+            </a:r>
+            <a:r>
+              <a:rPr lang="en-US" dirty="0">
+                <a:cs typeface="Arial" charset="0"/>
+              </a:rPr>
+              <a:t>service development </a:t>
+            </a:r>
+            <a:r>
+              <a:rPr lang="en-US" dirty="0" smtClean="0">
+                <a:cs typeface="Arial" charset="0"/>
+              </a:rPr>
+              <a:t>process</a:t>
+            </a:r>
+            <a:endParaRPr lang="en-US" dirty="0"/>
+          </a:p>
+        </p:txBody>
+      </p:sp>
+      <p:graphicFrame>
+        <p:nvGraphicFramePr>
+          <p:cNvPr id="5" name="Object 2"/>
+          <p:cNvGraphicFramePr>
+            <a:graphicFrameLocks noChangeAspect="1"/>
+          </p:cNvGraphicFramePr>
+          <p:nvPr/>
+        </p:nvGraphicFramePr>
+        <p:xfrm>
+          <a:off x="304800" y="3048000"/>
+          <a:ext cx="8513762" cy="3052763"/>
+        </p:xfrm>
+        <a:graphic>
+          <a:graphicData uri="http://schemas.openxmlformats.org/presentationml/2006/ole">
+            <p:oleObj spid="_x0000_s62466" name="Visio" r:id="rId3" imgW="9594116" imgH="4603492" progId="">
+              <p:embed/>
+            </p:oleObj>
+          </a:graphicData>
+        </a:graphic>
+      </p:graphicFrame>
+      <p:sp>
+        <p:nvSpPr>
+          <p:cNvPr id="6" name="Rectangle 5"/>
+          <p:cNvSpPr/>
+          <p:nvPr/>
+        </p:nvSpPr>
+        <p:spPr>
+          <a:xfrm>
+            <a:off x="249237" y="2997200"/>
+            <a:ext cx="5105400" cy="3124200"/>
+          </a:xfrm>
+          <a:prstGeom prst="rect">
+            <a:avLst/>
+          </a:prstGeom>
+          <a:solidFill>
+            <a:schemeClr val="accent1">
+              <a:alpha val="39000"/>
+            </a:schemeClr>
+          </a:solidFill>
+        </p:spPr>
+        <p:style>
+          <a:lnRef idx="2">
+            <a:schemeClr val="accent1">
+              <a:shade val="50000"/>
+            </a:schemeClr>
+          </a:lnRef>
+          <a:fillRef idx="1">
+            <a:schemeClr val="accent1"/>
+          </a:fillRef>
+          <a:effectRef idx="0">
+            <a:schemeClr val="accent1"/>
+          </a:effectRef>
+          <a:fontRef idx="minor">
+            <a:schemeClr val="lt1"/>
+          </a:fontRef>
+        </p:style>
+        <p:txBody>
+          <a:bodyPr anchor="ctr"/>
+          <a:lstStyle/>
+          <a:p>
+            <a:r>
+              <a:rPr lang="en-US" sz="1800">
+                <a:solidFill>
+                  <a:schemeClr val="tx1"/>
+                </a:solidFill>
+              </a:rPr>
+              <a:t>Create Semantically Harmonized Data Model</a:t>
+            </a:r>
+            <a:endParaRPr lang="en-US" sz="1600">
+              <a:solidFill>
+                <a:schemeClr val="tx1"/>
+              </a:solidFill>
+            </a:endParaRPr>
+          </a:p>
+          <a:p>
+            <a:endParaRPr lang="en-US" sz="2000">
+              <a:solidFill>
+                <a:schemeClr val="tx1"/>
+              </a:solidFill>
+            </a:endParaRPr>
+          </a:p>
+          <a:p>
+            <a:endParaRPr lang="en-US" sz="2000">
+              <a:solidFill>
+                <a:schemeClr val="tx1"/>
+              </a:solidFill>
+            </a:endParaRPr>
+          </a:p>
+          <a:p>
+            <a:endParaRPr lang="en-US" sz="2000">
+              <a:solidFill>
+                <a:schemeClr val="tx1"/>
+              </a:solidFill>
+            </a:endParaRPr>
+          </a:p>
+          <a:p>
+            <a:endParaRPr lang="en-US" sz="2000">
+              <a:solidFill>
+                <a:schemeClr val="tx1"/>
+              </a:solidFill>
+            </a:endParaRPr>
+          </a:p>
+          <a:p>
+            <a:endParaRPr lang="en-US" sz="2000">
+              <a:solidFill>
+                <a:schemeClr val="tx1"/>
+              </a:solidFill>
+            </a:endParaRPr>
+          </a:p>
+          <a:p>
+            <a:endParaRPr lang="en-US" sz="2000">
+              <a:solidFill>
+                <a:schemeClr val="tx1"/>
+              </a:solidFill>
+            </a:endParaRPr>
+          </a:p>
+          <a:p>
+            <a:endParaRPr lang="en-US" sz="2000">
+              <a:solidFill>
+                <a:schemeClr val="tx1"/>
+              </a:solidFill>
+            </a:endParaRPr>
+          </a:p>
+          <a:p>
+            <a:endParaRPr lang="en-US" sz="2000">
+              <a:solidFill>
+                <a:schemeClr val="tx1"/>
+              </a:solidFill>
+            </a:endParaRPr>
+          </a:p>
+        </p:txBody>
+      </p:sp>
+      <p:sp>
+        <p:nvSpPr>
+          <p:cNvPr id="7" name="Rectangle 6"/>
+          <p:cNvSpPr/>
+          <p:nvPr/>
+        </p:nvSpPr>
+        <p:spPr>
+          <a:xfrm>
+            <a:off x="7107237" y="2997200"/>
+            <a:ext cx="1752600" cy="3124200"/>
+          </a:xfrm>
+          <a:prstGeom prst="rect">
+            <a:avLst/>
+          </a:prstGeom>
+          <a:solidFill>
+            <a:srgbClr val="00B050">
+              <a:alpha val="25000"/>
+            </a:srgbClr>
+          </a:solidFill>
+        </p:spPr>
+        <p:style>
+          <a:lnRef idx="2">
+            <a:schemeClr val="accent1">
+              <a:shade val="50000"/>
+            </a:schemeClr>
+          </a:lnRef>
+          <a:fillRef idx="1">
+            <a:schemeClr val="accent1"/>
+          </a:fillRef>
+          <a:effectRef idx="0">
+            <a:schemeClr val="accent1"/>
+          </a:effectRef>
+          <a:fontRef idx="minor">
+            <a:schemeClr val="lt1"/>
+          </a:fontRef>
+        </p:style>
+        <p:txBody>
+          <a:bodyPr anchor="t" anchorCtr="0"/>
+          <a:lstStyle/>
+          <a:p>
+            <a:r>
+              <a:rPr lang="en-US" sz="1800" dirty="0">
+                <a:solidFill>
+                  <a:schemeClr val="tx1"/>
+                </a:solidFill>
+              </a:rPr>
+              <a:t>Grid-</a:t>
+            </a:r>
+            <a:r>
+              <a:rPr lang="en-US" sz="1800" dirty="0" err="1">
+                <a:solidFill>
+                  <a:schemeClr val="tx1"/>
+                </a:solidFill>
+              </a:rPr>
+              <a:t>ify</a:t>
+            </a:r>
+            <a:endParaRPr lang="en-US" dirty="0">
+              <a:solidFill>
+                <a:schemeClr val="tx1"/>
+              </a:solidFill>
+            </a:endParaRPr>
+          </a:p>
+          <a:p>
+            <a:endParaRPr lang="en-US" dirty="0">
+              <a:solidFill>
+                <a:schemeClr val="tx1"/>
+              </a:solidFill>
+            </a:endParaRPr>
+          </a:p>
+          <a:p>
+            <a:endParaRPr lang="en-US" dirty="0">
+              <a:solidFill>
+                <a:schemeClr val="tx1"/>
+              </a:solidFill>
+            </a:endParaRPr>
+          </a:p>
+          <a:p>
+            <a:endParaRPr lang="en-US" dirty="0">
+              <a:solidFill>
+                <a:schemeClr val="tx1"/>
+              </a:solidFill>
+            </a:endParaRPr>
+          </a:p>
+          <a:p>
+            <a:endParaRPr lang="en-US" dirty="0">
+              <a:solidFill>
+                <a:schemeClr val="tx1"/>
+              </a:solidFill>
+            </a:endParaRPr>
+          </a:p>
+          <a:p>
+            <a:endParaRPr lang="en-US" dirty="0">
+              <a:solidFill>
+                <a:schemeClr val="tx1"/>
+              </a:solidFill>
+            </a:endParaRPr>
+          </a:p>
+          <a:p>
+            <a:endParaRPr lang="en-US" dirty="0">
+              <a:solidFill>
+                <a:schemeClr val="tx1"/>
+              </a:solidFill>
+            </a:endParaRPr>
+          </a:p>
+          <a:p>
+            <a:endParaRPr lang="en-US" dirty="0">
+              <a:solidFill>
+                <a:schemeClr val="tx1"/>
+              </a:solidFill>
+            </a:endParaRPr>
+          </a:p>
+        </p:txBody>
+      </p:sp>
+      <p:pic>
+        <p:nvPicPr>
+          <p:cNvPr id="8" name="Picture 2"/>
+          <p:cNvPicPr>
+            <a:picLocks noChangeAspect="1" noChangeArrowheads="1"/>
+          </p:cNvPicPr>
+          <p:nvPr/>
+        </p:nvPicPr>
+        <p:blipFill>
+          <a:blip r:embed="rId4" cstate="print"/>
+          <a:srcRect/>
+          <a:stretch>
+            <a:fillRect/>
+          </a:stretch>
+        </p:blipFill>
+        <p:spPr bwMode="auto">
+          <a:xfrm>
+            <a:off x="4364037" y="5130800"/>
+            <a:ext cx="433388" cy="485775"/>
+          </a:xfrm>
+          <a:prstGeom prst="rect">
+            <a:avLst/>
+          </a:prstGeom>
+          <a:noFill/>
+          <a:ln w="9525">
+            <a:noFill/>
+            <a:miter lim="800000"/>
+            <a:headEnd/>
+            <a:tailEnd/>
+          </a:ln>
+        </p:spPr>
+      </p:pic>
+      <p:pic>
+        <p:nvPicPr>
+          <p:cNvPr id="9" name="Picture 3"/>
+          <p:cNvPicPr>
+            <a:picLocks noChangeAspect="1" noChangeArrowheads="1"/>
+          </p:cNvPicPr>
+          <p:nvPr/>
+        </p:nvPicPr>
+        <p:blipFill>
+          <a:blip r:embed="rId5" cstate="print"/>
+          <a:srcRect/>
+          <a:stretch>
+            <a:fillRect/>
+          </a:stretch>
+        </p:blipFill>
+        <p:spPr bwMode="auto">
+          <a:xfrm>
+            <a:off x="935037" y="5207000"/>
+            <a:ext cx="381000" cy="388938"/>
+          </a:xfrm>
+          <a:prstGeom prst="rect">
+            <a:avLst/>
+          </a:prstGeom>
+          <a:noFill/>
+          <a:ln w="9525">
+            <a:noFill/>
+            <a:miter lim="800000"/>
+            <a:headEnd/>
+            <a:tailEnd/>
+          </a:ln>
+        </p:spPr>
+      </p:pic>
+      <p:sp>
+        <p:nvSpPr>
+          <p:cNvPr id="10" name="Rectangle 9"/>
+          <p:cNvSpPr/>
+          <p:nvPr/>
+        </p:nvSpPr>
+        <p:spPr>
+          <a:xfrm>
+            <a:off x="5354637" y="2997200"/>
+            <a:ext cx="1752600" cy="3124200"/>
+          </a:xfrm>
+          <a:prstGeom prst="rect">
+            <a:avLst/>
+          </a:prstGeom>
+          <a:solidFill>
+            <a:schemeClr val="bg1">
+              <a:lumMod val="75000"/>
+              <a:alpha val="39000"/>
+            </a:schemeClr>
+          </a:solidFill>
+        </p:spPr>
+        <p:style>
+          <a:lnRef idx="2">
+            <a:schemeClr val="accent1">
+              <a:shade val="50000"/>
+            </a:schemeClr>
+          </a:lnRef>
+          <a:fillRef idx="1">
+            <a:schemeClr val="accent1"/>
+          </a:fillRef>
+          <a:effectRef idx="0">
+            <a:schemeClr val="accent1"/>
+          </a:effectRef>
+          <a:fontRef idx="minor">
+            <a:schemeClr val="lt1"/>
+          </a:fontRef>
+        </p:style>
+        <p:txBody>
+          <a:bodyPr anchor="t" anchorCtr="0"/>
+          <a:lstStyle/>
+          <a:p>
+            <a:r>
+              <a:rPr lang="en-US" sz="1600" dirty="0">
+                <a:solidFill>
+                  <a:schemeClr val="tx1"/>
+                </a:solidFill>
+              </a:rPr>
+              <a:t>Generate</a:t>
+            </a:r>
+          </a:p>
+          <a:p>
+            <a:r>
+              <a:rPr lang="en-US" sz="1600" dirty="0">
+                <a:solidFill>
+                  <a:schemeClr val="tx1"/>
+                </a:solidFill>
+              </a:rPr>
+              <a:t>Data Resource</a:t>
+            </a:r>
+            <a:endParaRPr lang="en-US" dirty="0">
+              <a:solidFill>
+                <a:schemeClr val="tx1"/>
+              </a:solidFill>
+            </a:endParaRPr>
+          </a:p>
+          <a:p>
+            <a:endParaRPr lang="en-US" dirty="0">
+              <a:solidFill>
+                <a:schemeClr val="tx1"/>
+              </a:solidFill>
+            </a:endParaRPr>
+          </a:p>
+          <a:p>
+            <a:endParaRPr lang="en-US" dirty="0">
+              <a:solidFill>
+                <a:schemeClr val="tx1"/>
+              </a:solidFill>
+            </a:endParaRPr>
+          </a:p>
+          <a:p>
+            <a:endParaRPr lang="en-US" dirty="0">
+              <a:solidFill>
+                <a:schemeClr val="tx1"/>
+              </a:solidFill>
+            </a:endParaRPr>
+          </a:p>
+          <a:p>
+            <a:endParaRPr lang="en-US" dirty="0">
+              <a:solidFill>
+                <a:schemeClr val="tx1"/>
+              </a:solidFill>
+            </a:endParaRPr>
+          </a:p>
+          <a:p>
+            <a:endParaRPr lang="en-US" dirty="0">
+              <a:solidFill>
+                <a:schemeClr val="tx1"/>
+              </a:solidFill>
+            </a:endParaRPr>
+          </a:p>
+          <a:p>
+            <a:endParaRPr lang="en-US" dirty="0">
+              <a:solidFill>
+                <a:schemeClr val="tx1"/>
+              </a:solidFill>
+            </a:endParaRPr>
+          </a:p>
+          <a:p>
+            <a:endParaRPr lang="en-US" dirty="0">
+              <a:solidFill>
+                <a:schemeClr val="tx1"/>
+              </a:solidFill>
+            </a:endParaRPr>
+          </a:p>
+        </p:txBody>
+      </p:sp>
+      <p:pic>
+        <p:nvPicPr>
+          <p:cNvPr id="11" name="Picture 4"/>
+          <p:cNvPicPr>
+            <a:picLocks noChangeAspect="1" noChangeArrowheads="1"/>
+          </p:cNvPicPr>
+          <p:nvPr/>
+        </p:nvPicPr>
+        <p:blipFill>
+          <a:blip r:embed="rId6" cstate="print"/>
+          <a:srcRect/>
+          <a:stretch>
+            <a:fillRect/>
+          </a:stretch>
+        </p:blipFill>
+        <p:spPr bwMode="auto">
+          <a:xfrm>
+            <a:off x="2687637" y="5207000"/>
+            <a:ext cx="476250" cy="476250"/>
+          </a:xfrm>
+          <a:prstGeom prst="rect">
+            <a:avLst/>
+          </a:prstGeom>
+          <a:noFill/>
+          <a:ln w="9525">
+            <a:noFill/>
+            <a:miter lim="800000"/>
+            <a:headEnd/>
+            <a:tailEnd/>
+          </a:ln>
+        </p:spPr>
+      </p:pic>
+      <p:pic>
+        <p:nvPicPr>
+          <p:cNvPr id="12" name="Picture 2" descr="P:\cagrid-1-0\caGrid\projects\introduce\resources\portal\introduce\introduceSplash.jpg"/>
+          <p:cNvPicPr>
+            <a:picLocks noChangeAspect="1" noChangeArrowheads="1"/>
+          </p:cNvPicPr>
+          <p:nvPr/>
+        </p:nvPicPr>
+        <p:blipFill>
+          <a:blip r:embed="rId7" cstate="print"/>
+          <a:srcRect/>
+          <a:stretch>
+            <a:fillRect/>
+          </a:stretch>
+        </p:blipFill>
+        <p:spPr bwMode="auto">
+          <a:xfrm>
+            <a:off x="7716837" y="5207000"/>
+            <a:ext cx="457200" cy="412750"/>
+          </a:xfrm>
+          <a:prstGeom prst="rect">
+            <a:avLst/>
+          </a:prstGeom>
+          <a:noFill/>
+          <a:ln w="9525">
+            <a:noFill/>
+            <a:miter lim="800000"/>
+            <a:headEnd/>
+            <a:tailEnd/>
+          </a:ln>
+        </p:spPr>
+      </p:pic>
+      <p:sp>
+        <p:nvSpPr>
+          <p:cNvPr id="13" name="Rectangle 3"/>
+          <p:cNvSpPr txBox="1">
+            <a:spLocks noChangeArrowheads="1"/>
+          </p:cNvSpPr>
+          <p:nvPr/>
+        </p:nvSpPr>
+        <p:spPr bwMode="auto">
+          <a:xfrm>
+            <a:off x="304800" y="1371600"/>
+            <a:ext cx="8458200" cy="1295400"/>
+          </a:xfrm>
+          <a:prstGeom prst="rect">
+            <a:avLst/>
+          </a:prstGeom>
+          <a:noFill/>
+          <a:ln w="9525">
+            <a:noFill/>
+            <a:miter lim="800000"/>
+            <a:headEnd/>
+            <a:tailEnd/>
+          </a:ln>
+          <a:effectLst/>
+        </p:spPr>
+        <p:txBody>
+          <a:bodyPr vert="horz" wrap="square" lIns="91440" tIns="45720" rIns="91440" bIns="45720" numCol="1" anchor="t" anchorCtr="0" compatLnSpc="1">
+            <a:prstTxWarp prst="textNoShape">
+              <a:avLst/>
+            </a:prstTxWarp>
+          </a:bodyPr>
+          <a:lstStyle/>
+          <a:p>
+            <a:pPr marL="342900" marR="0" lvl="0" indent="-342900" algn="l" defTabSz="914400" rtl="0" eaLnBrk="1" fontAlgn="base" latinLnBrk="0" hangingPunct="1">
+              <a:lnSpc>
+                <a:spcPct val="100000"/>
+              </a:lnSpc>
+              <a:spcBef>
+                <a:spcPct val="20000"/>
+              </a:spcBef>
+              <a:spcAft>
+                <a:spcPct val="0"/>
+              </a:spcAft>
+              <a:buClr>
+                <a:srgbClr val="00AAF6"/>
+              </a:buClr>
+              <a:buSzTx/>
+              <a:buFontTx/>
+              <a:buChar char="•"/>
+              <a:tabLst/>
+              <a:defRPr/>
+            </a:pPr>
+            <a:r>
+              <a:rPr kumimoji="0" lang="en-US" sz="2000" b="1" i="0" u="none" strike="noStrike" kern="0" cap="none" spc="0" normalizeH="0" baseline="0" noProof="0" dirty="0" smtClean="0">
+                <a:ln>
+                  <a:noFill/>
+                </a:ln>
+                <a:solidFill>
+                  <a:schemeClr val="tx1"/>
+                </a:solidFill>
+                <a:effectLst/>
+                <a:uLnTx/>
+                <a:uFillTx/>
+                <a:latin typeface="+mn-lt"/>
+                <a:ea typeface="+mn-ea"/>
+                <a:cs typeface="+mn-cs"/>
+              </a:rPr>
+              <a:t>Specialized tooling can</a:t>
+            </a:r>
+            <a:r>
+              <a:rPr kumimoji="0" lang="en-US" sz="2000" b="1" i="0" u="none" strike="noStrike" kern="0" cap="none" spc="0" normalizeH="0" noProof="0" dirty="0" smtClean="0">
+                <a:ln>
+                  <a:noFill/>
+                </a:ln>
+                <a:solidFill>
+                  <a:schemeClr val="tx1"/>
+                </a:solidFill>
+                <a:effectLst/>
+                <a:uLnTx/>
+                <a:uFillTx/>
+                <a:latin typeface="+mn-lt"/>
+                <a:ea typeface="+mn-ea"/>
+                <a:cs typeface="+mn-cs"/>
+              </a:rPr>
+              <a:t> create a fully functional data service without a single line of developer code.</a:t>
+            </a:r>
+          </a:p>
+          <a:p>
+            <a:pPr marL="800100" lvl="1" indent="-342900">
+              <a:spcBef>
+                <a:spcPct val="20000"/>
+              </a:spcBef>
+              <a:buClr>
+                <a:srgbClr val="00AAF6"/>
+              </a:buClr>
+              <a:buFontTx/>
+              <a:buChar char="•"/>
+            </a:pPr>
+            <a:r>
+              <a:rPr lang="en-US" sz="2000" kern="0" noProof="0" dirty="0" smtClean="0">
+                <a:latin typeface="+mn-lt"/>
+              </a:rPr>
+              <a:t>Templates, wizards, and simple configuration files.</a:t>
+            </a:r>
+            <a:endParaRPr kumimoji="0" lang="en-US" sz="2000" b="1" i="0" u="none" strike="noStrike" kern="0" cap="none" spc="0" normalizeH="0" baseline="0" noProof="0" dirty="0" smtClean="0">
+              <a:ln>
+                <a:noFill/>
+              </a:ln>
+              <a:solidFill>
+                <a:schemeClr val="tx1"/>
+              </a:solidFill>
+              <a:effectLst/>
+              <a:uLnTx/>
+              <a:uFillTx/>
+              <a:latin typeface="+mn-lt"/>
+              <a:ea typeface="+mn-ea"/>
+              <a:cs typeface="+mn-cs"/>
+            </a:endParaRPr>
+          </a:p>
+          <a:p>
+            <a:pPr marL="742950" marR="0" lvl="1" indent="-285750" algn="l" defTabSz="914400" rtl="0" eaLnBrk="1" fontAlgn="base" latinLnBrk="0" hangingPunct="1">
+              <a:lnSpc>
+                <a:spcPct val="100000"/>
+              </a:lnSpc>
+              <a:spcBef>
+                <a:spcPct val="20000"/>
+              </a:spcBef>
+              <a:spcAft>
+                <a:spcPct val="0"/>
+              </a:spcAft>
+              <a:buClr>
+                <a:srgbClr val="00AAF6"/>
+              </a:buClr>
+              <a:buSzTx/>
+              <a:buFontTx/>
+              <a:buChar char="•"/>
+              <a:tabLst/>
+              <a:defRPr/>
+            </a:pPr>
+            <a:endParaRPr kumimoji="0" lang="en-US" sz="1600" b="0" i="0" u="none" strike="noStrike" kern="0" cap="none" spc="0" normalizeH="0" baseline="0" noProof="0" dirty="0" smtClean="0">
+              <a:ln>
+                <a:noFill/>
+              </a:ln>
+              <a:solidFill>
+                <a:schemeClr val="tx1"/>
+              </a:solidFill>
+              <a:effectLst/>
+              <a:uLnTx/>
+              <a:uFillTx/>
+              <a:latin typeface="+mn-lt"/>
+            </a:endParaRPr>
           </a:p>
         </p:txBody>
       </p:sp>
@@ -6630,6 +7211,13 @@
   <p:clrMapOvr>
     <a:masterClrMapping/>
   </p:clrMapOvr>
+  <p:timing>
+    <p:tnLst>
+      <p:par>
+        <p:cTn id="1" dur="indefinite" restart="never" nodeType="tmRoot"/>
+      </p:par>
+    </p:tnLst>
+  </p:timing>
 </p:sld>
 </file>
 
@@ -9455,7 +10043,7 @@
           <a:p>
             <a:r>
               <a:rPr lang="en-US" dirty="0" smtClean="0"/>
-              <a:t>Handling CQL Results</a:t>
+              <a:t>Data Service Client Workflow</a:t>
             </a:r>
             <a:endParaRPr lang="en-US" dirty="0"/>
           </a:p>
@@ -9517,20 +10105,159 @@
               <a:rPr lang="en-US" sz="2000" b="1" kern="0" dirty="0" smtClean="0">
                 <a:latin typeface="+mn-lt"/>
               </a:rPr>
-              <a:t>Example CQL Query Results </a:t>
-            </a:r>
-            <a:r>
-              <a:rPr lang="en-US" sz="2000" b="1" kern="0" dirty="0" err="1" smtClean="0">
+              <a:t>Client wishes to locate some data on the grid</a:t>
+            </a:r>
+          </a:p>
+          <a:p>
+            <a:pPr marL="800100" lvl="1" indent="-342900">
+              <a:spcBef>
+                <a:spcPct val="20000"/>
+              </a:spcBef>
+              <a:buClr>
+                <a:srgbClr val="00AAF6"/>
+              </a:buClr>
+              <a:buFontTx/>
+              <a:buChar char="•"/>
+              <a:defRPr/>
+            </a:pPr>
+            <a:r>
+              <a:rPr lang="en-US" sz="2000" kern="0" dirty="0" smtClean="0">
                 <a:latin typeface="+mn-lt"/>
               </a:rPr>
-              <a:t>Iterator</a:t>
-            </a:r>
+              <a:t>A researcher is studying breast cancer, and wishes to locate related genomic information on the grid</a:t>
+            </a:r>
+            <a:endParaRPr lang="en-US" sz="2000" kern="0" dirty="0" smtClean="0">
+              <a:latin typeface="+mn-lt"/>
+            </a:endParaRPr>
+          </a:p>
+          <a:p>
+            <a:pPr marL="800100" lvl="1" indent="-342900">
+              <a:spcBef>
+                <a:spcPct val="20000"/>
+              </a:spcBef>
+              <a:buClr>
+                <a:srgbClr val="00AAF6"/>
+              </a:buClr>
+              <a:buFontTx/>
+              <a:buChar char="•"/>
+              <a:defRPr/>
+            </a:pPr>
+            <a:r>
+              <a:rPr lang="en-US" sz="2000" kern="0" dirty="0" smtClean="0">
+                <a:latin typeface="+mn-lt"/>
+              </a:rPr>
+              <a:t>This client knows they want </a:t>
+            </a:r>
+            <a:r>
+              <a:rPr lang="en-US" sz="2000" kern="0" dirty="0" smtClean="0">
+                <a:solidFill>
+                  <a:srgbClr val="C00000"/>
+                </a:solidFill>
+                <a:latin typeface="+mn-lt"/>
+              </a:rPr>
+              <a:t>“Genes” with a certain name</a:t>
+            </a:r>
+            <a:r>
+              <a:rPr lang="en-US" sz="2000" kern="0" dirty="0" smtClean="0">
+                <a:latin typeface="+mn-lt"/>
+              </a:rPr>
+              <a:t>, but does not know which service might contain them, nor how to structure a query for them</a:t>
+            </a:r>
+          </a:p>
+          <a:p>
+            <a:pPr marL="342900" indent="-342900">
+              <a:spcBef>
+                <a:spcPct val="20000"/>
+              </a:spcBef>
+              <a:buClr>
+                <a:srgbClr val="00AAF6"/>
+              </a:buClr>
+              <a:buFontTx/>
+              <a:buChar char="•"/>
+              <a:defRPr/>
+            </a:pPr>
             <a:r>
               <a:rPr lang="en-US" sz="2000" b="1" kern="0" dirty="0" smtClean="0">
                 <a:latin typeface="+mn-lt"/>
               </a:rPr>
-              <a:t> usage</a:t>
-            </a:r>
+              <a:t>Client has joined a grid</a:t>
+            </a:r>
+          </a:p>
+          <a:p>
+            <a:pPr marL="800100" lvl="1" indent="-342900">
+              <a:spcBef>
+                <a:spcPct val="20000"/>
+              </a:spcBef>
+              <a:buClr>
+                <a:srgbClr val="00AAF6"/>
+              </a:buClr>
+              <a:buFontTx/>
+              <a:buChar char="•"/>
+              <a:defRPr/>
+            </a:pPr>
+            <a:r>
+              <a:rPr lang="en-US" sz="2000" kern="0" dirty="0" smtClean="0">
+                <a:latin typeface="+mn-lt"/>
+              </a:rPr>
+              <a:t>NCI production grid, for example</a:t>
+            </a:r>
+          </a:p>
+          <a:p>
+            <a:pPr marL="800100" lvl="1" indent="-342900">
+              <a:spcBef>
+                <a:spcPct val="20000"/>
+              </a:spcBef>
+              <a:buClr>
+                <a:srgbClr val="00AAF6"/>
+              </a:buClr>
+              <a:buFontTx/>
+              <a:buChar char="•"/>
+              <a:defRPr/>
+            </a:pPr>
+            <a:r>
+              <a:rPr lang="en-US" sz="2000" kern="0" dirty="0" smtClean="0">
+                <a:latin typeface="+mn-lt"/>
+              </a:rPr>
+              <a:t>Local clients and infrastructure configured to utilize specific services for metadata, security, advertisement, discovery, etc.</a:t>
+            </a:r>
+          </a:p>
+          <a:p>
+            <a:pPr marL="800100" lvl="1" indent="-342900">
+              <a:spcBef>
+                <a:spcPct val="20000"/>
+              </a:spcBef>
+              <a:buClr>
+                <a:srgbClr val="00AAF6"/>
+              </a:buClr>
+              <a:buFontTx/>
+              <a:buChar char="•"/>
+              <a:defRPr/>
+            </a:pPr>
+            <a:r>
+              <a:rPr lang="en-US" sz="2000" kern="0" dirty="0" smtClean="0">
+                <a:latin typeface="+mn-lt"/>
+              </a:rPr>
+              <a:t>Discovery client API will use the default index service URL if one isn’t explicitly provided</a:t>
+            </a:r>
+            <a:endParaRPr lang="en-US" sz="2000" kern="0" dirty="0" smtClean="0">
+              <a:latin typeface="+mn-lt"/>
+            </a:endParaRPr>
+          </a:p>
+          <a:p>
+            <a:pPr marL="800100" lvl="1" indent="-342900">
+              <a:spcBef>
+                <a:spcPct val="20000"/>
+              </a:spcBef>
+              <a:buClr>
+                <a:srgbClr val="00AAF6"/>
+              </a:buClr>
+              <a:buFontTx/>
+              <a:buChar char="•"/>
+              <a:defRPr/>
+            </a:pPr>
+            <a:endParaRPr lang="en-US" sz="2000" kern="0" dirty="0" smtClean="0">
+              <a:latin typeface="+mn-lt"/>
+            </a:endParaRPr>
           </a:p>
           <a:p>
             <a:pPr marL="342900" marR="0" lvl="0" indent="-342900" algn="l" defTabSz="914400" rtl="0" eaLnBrk="1" fontAlgn="base" latinLnBrk="0" hangingPunct="1">
@@ -9605,6 +10332,22 @@
             </a:endParaRPr>
           </a:p>
           <a:p>
+            <a:pPr marL="800100" lvl="1" indent="-342900">
+              <a:spcBef>
+                <a:spcPct val="20000"/>
+              </a:spcBef>
+              <a:buClr>
+                <a:srgbClr val="00AAF6"/>
+              </a:buClr>
+              <a:buFontTx/>
+              <a:buChar char="•"/>
+              <a:defRPr/>
+            </a:pPr>
+            <a:endParaRPr lang="en-US" sz="2000" kern="0" dirty="0" smtClean="0">
+              <a:latin typeface="+mn-lt"/>
+            </a:endParaRPr>
+          </a:p>
+          <a:p>
             <a:pPr marL="342900" marR="0" lvl="0" indent="-342900" algn="l" defTabSz="914400" rtl="0" eaLnBrk="1" fontAlgn="base" latinLnBrk="0" hangingPunct="1">
               <a:lnSpc>
                 <a:spcPct val="100000"/>
@@ -9628,222 +10371,8 @@
               <a:latin typeface="+mn-lt"/>
             </a:endParaRPr>
           </a:p>
-          <a:p>
-            <a:pPr marL="800100" lvl="1" indent="-342900">
-              <a:spcBef>
-                <a:spcPct val="20000"/>
-              </a:spcBef>
-              <a:buClr>
-                <a:srgbClr val="00AAF6"/>
-              </a:buClr>
-              <a:buFontTx/>
-              <a:buChar char="•"/>
-              <a:defRPr/>
-            </a:pPr>
-            <a:r>
-              <a:rPr lang="en-US" sz="2000" kern="0" dirty="0" smtClean="0">
-                <a:latin typeface="+mn-lt"/>
-              </a:rPr>
-              <a:t>CQL Query Results have been returned from the data service</a:t>
-            </a:r>
-          </a:p>
-          <a:p>
-            <a:pPr marL="800100" lvl="1" indent="-342900">
-              <a:spcBef>
-                <a:spcPct val="20000"/>
-              </a:spcBef>
-              <a:buClr>
-                <a:srgbClr val="00AAF6"/>
-              </a:buClr>
-              <a:buFontTx/>
-              <a:buChar char="•"/>
-              <a:defRPr/>
-            </a:pPr>
-            <a:r>
-              <a:rPr lang="en-US" sz="2000" kern="0" dirty="0" smtClean="0">
-                <a:latin typeface="+mn-lt"/>
-              </a:rPr>
-              <a:t>The WSDD file for this data service is opened as an Input Stream</a:t>
-            </a:r>
-          </a:p>
-          <a:p>
-            <a:pPr marL="800100" lvl="1" indent="-342900">
-              <a:spcBef>
-                <a:spcPct val="20000"/>
-              </a:spcBef>
-              <a:buClr>
-                <a:srgbClr val="00AAF6"/>
-              </a:buClr>
-              <a:buFontTx/>
-              <a:buChar char="•"/>
-              <a:defRPr/>
-            </a:pPr>
-            <a:r>
-              <a:rPr lang="en-US" sz="2000" kern="0" dirty="0" smtClean="0">
-                <a:latin typeface="+mn-lt"/>
-              </a:rPr>
-              <a:t>A new CQL Query Results </a:t>
-            </a:r>
-            <a:r>
-              <a:rPr lang="en-US" sz="2000" kern="0" dirty="0" err="1" smtClean="0">
-                <a:latin typeface="+mn-lt"/>
-              </a:rPr>
-              <a:t>Iterator</a:t>
-            </a:r>
-            <a:r>
-              <a:rPr lang="en-US" sz="2000" kern="0" dirty="0" smtClean="0">
-                <a:latin typeface="+mn-lt"/>
-              </a:rPr>
-              <a:t> is created using the query results and the WSDD for configuration of the </a:t>
-            </a:r>
-            <a:r>
-              <a:rPr lang="en-US" sz="2000" kern="0" dirty="0" err="1" smtClean="0">
-                <a:latin typeface="+mn-lt"/>
-              </a:rPr>
-              <a:t>deserializer</a:t>
-            </a:r>
-            <a:endParaRPr lang="en-US" sz="2000" kern="0" dirty="0" smtClean="0">
-              <a:latin typeface="+mn-lt"/>
-            </a:endParaRPr>
-          </a:p>
-          <a:p>
-            <a:pPr marL="800100" lvl="1" indent="-342900">
-              <a:spcBef>
-                <a:spcPct val="20000"/>
-              </a:spcBef>
-              <a:buClr>
-                <a:srgbClr val="00AAF6"/>
-              </a:buClr>
-              <a:buFontTx/>
-              <a:buChar char="•"/>
-              <a:defRPr/>
-            </a:pPr>
-            <a:r>
-              <a:rPr lang="en-US" sz="2000" kern="0" dirty="0" smtClean="0">
-                <a:latin typeface="+mn-lt"/>
-              </a:rPr>
-              <a:t>Results are iterated one at a time until none remain</a:t>
-            </a:r>
-          </a:p>
-          <a:p>
-            <a:pPr marL="800100" lvl="1" indent="-342900">
-              <a:spcBef>
-                <a:spcPct val="20000"/>
-              </a:spcBef>
-              <a:buClr>
-                <a:srgbClr val="00AAF6"/>
-              </a:buClr>
-              <a:buFontTx/>
-              <a:buChar char="•"/>
-              <a:defRPr/>
-            </a:pPr>
-            <a:r>
-              <a:rPr lang="en-US" sz="2000" kern="0" dirty="0" smtClean="0">
-                <a:latin typeface="+mn-lt"/>
-              </a:rPr>
-              <a:t>Each result is cast as the query target’s data type (</a:t>
-            </a:r>
-            <a:r>
-              <a:rPr lang="en-US" sz="2000" i="1" kern="0" dirty="0" smtClean="0">
-                <a:latin typeface="+mn-lt"/>
-              </a:rPr>
-              <a:t>gene</a:t>
-            </a:r>
-            <a:r>
-              <a:rPr lang="en-US" sz="2000" kern="0" dirty="0" smtClean="0">
-                <a:latin typeface="+mn-lt"/>
-              </a:rPr>
-              <a:t>)</a:t>
-            </a:r>
-          </a:p>
-          <a:p>
-            <a:pPr marL="800100" lvl="1" indent="-342900">
-              <a:spcBef>
-                <a:spcPct val="20000"/>
-              </a:spcBef>
-              <a:buClr>
-                <a:srgbClr val="00AAF6"/>
-              </a:buClr>
-              <a:buFontTx/>
-              <a:buChar char="•"/>
-              <a:defRPr/>
-            </a:pPr>
-            <a:r>
-              <a:rPr lang="en-US" sz="2000" kern="0" dirty="0" smtClean="0">
-                <a:latin typeface="+mn-lt"/>
-              </a:rPr>
-              <a:t>The name of each gene is printed</a:t>
-            </a:r>
-          </a:p>
-          <a:p>
-            <a:pPr marL="800100" lvl="1" indent="-342900">
-              <a:spcBef>
-                <a:spcPct val="20000"/>
-              </a:spcBef>
-              <a:buClr>
-                <a:srgbClr val="00AAF6"/>
-              </a:buClr>
-              <a:buFontTx/>
-              <a:buChar char="•"/>
-              <a:defRPr/>
-            </a:pPr>
-            <a:r>
-              <a:rPr lang="en-US" sz="2000" kern="0" dirty="0" smtClean="0">
-                <a:latin typeface="+mn-lt"/>
-              </a:rPr>
-              <a:t>The WSDD file stream is closed</a:t>
-            </a:r>
-          </a:p>
-          <a:p>
-            <a:pPr marL="342900" marR="0" lvl="0" indent="-342900" algn="l" defTabSz="914400" rtl="0" eaLnBrk="1" fontAlgn="base" latinLnBrk="0" hangingPunct="1">
-              <a:lnSpc>
-                <a:spcPct val="100000"/>
-              </a:lnSpc>
-              <a:spcBef>
-                <a:spcPct val="20000"/>
-              </a:spcBef>
-              <a:spcAft>
-                <a:spcPct val="0"/>
-              </a:spcAft>
-              <a:buClr>
-                <a:srgbClr val="00AAF6"/>
-              </a:buClr>
-              <a:buSzTx/>
-              <a:buFontTx/>
-              <a:buChar char="•"/>
-              <a:tabLst/>
-              <a:defRPr/>
-            </a:pPr>
-            <a:endParaRPr lang="en-US" sz="2000" b="1" kern="0" dirty="0" smtClean="0">
-              <a:latin typeface="+mn-lt"/>
-            </a:endParaRPr>
-          </a:p>
         </p:txBody>
       </p:sp>
-      <p:pic>
-        <p:nvPicPr>
-          <p:cNvPr id="5" name="Picture 4" descr="Iterator Example 1.png"/>
-          <p:cNvPicPr>
-            <a:picLocks noChangeAspect="1"/>
-          </p:cNvPicPr>
-          <p:nvPr/>
-        </p:nvPicPr>
-        <p:blipFill>
-          <a:blip r:embed="rId2" cstate="print"/>
-          <a:stretch>
-            <a:fillRect/>
-          </a:stretch>
-        </p:blipFill>
-        <p:spPr>
-          <a:xfrm>
-            <a:off x="762000" y="1752600"/>
-            <a:ext cx="5191125" cy="1285875"/>
-          </a:xfrm>
-          <a:prstGeom prst="rect">
-            <a:avLst/>
-          </a:prstGeom>
-        </p:spPr>
-      </p:pic>
     </p:spTree>
   </p:cSld>
   <p:clrMapOvr>
@@ -9886,7 +10415,7 @@
           <a:p>
             <a:r>
               <a:rPr lang="en-US" dirty="0" smtClean="0"/>
-              <a:t>Federated Queries</a:t>
+              <a:t>Data Service Client Workflow</a:t>
             </a:r>
             <a:endParaRPr lang="en-US" dirty="0"/>
           </a:p>
@@ -9894,7 +10423,7 @@
       </p:sp>
       <p:sp>
         <p:nvSpPr>
-          <p:cNvPr id="5" name="Content Placeholder 2"/>
+          <p:cNvPr id="4" name="Content Placeholder 2"/>
           <p:cNvSpPr txBox="1">
             <a:spLocks/>
           </p:cNvSpPr>
@@ -9948,7 +10477,7 @@
               <a:rPr lang="en-US" sz="2000" b="1" kern="0" dirty="0" smtClean="0">
                 <a:latin typeface="+mn-lt"/>
               </a:rPr>
-              <a:t>Multiple Data Services Involved</a:t>
+              <a:t>Discovering Services by CDE</a:t>
             </a:r>
           </a:p>
           <a:p>
@@ -9964,9 +10493,59 @@
               <a:defRPr/>
             </a:pPr>
             <a:r>
-              <a:rPr lang="en-US" sz="2000" kern="0" dirty="0" smtClean="0"/>
-              <a:t>Basic distributed joins and aggregations</a:t>
-            </a:r>
+              <a:rPr lang="en-US" sz="2000" kern="0" dirty="0" smtClean="0">
+                <a:latin typeface="+mn-lt"/>
+              </a:rPr>
+              <a:t>Using the CDE browser, the researcher looks for the phrase “Gene Name”</a:t>
+            </a:r>
+            <a:endParaRPr lang="en-US" sz="2000" kern="0" dirty="0" smtClean="0">
+              <a:latin typeface="+mn-lt"/>
+            </a:endParaRPr>
+          </a:p>
+          <a:p>
+            <a:pPr marL="342900" marR="0" lvl="0" indent="-342900" algn="l" defTabSz="914400" rtl="0" eaLnBrk="1" fontAlgn="base" latinLnBrk="0" hangingPunct="1">
+              <a:lnSpc>
+                <a:spcPct val="100000"/>
+              </a:lnSpc>
+              <a:spcBef>
+                <a:spcPct val="20000"/>
+              </a:spcBef>
+              <a:spcAft>
+                <a:spcPct val="0"/>
+              </a:spcAft>
+              <a:buClr>
+                <a:srgbClr val="00AAF6"/>
+              </a:buClr>
+              <a:buSzTx/>
+              <a:buFontTx/>
+              <a:buChar char="•"/>
+              <a:tabLst/>
+              <a:defRPr/>
+            </a:pPr>
+            <a:endParaRPr lang="en-US" sz="2000" b="1" kern="0" dirty="0" smtClean="0">
+              <a:latin typeface="+mn-lt"/>
+            </a:endParaRPr>
+          </a:p>
+          <a:p>
+            <a:pPr marL="342900" marR="0" lvl="0" indent="-342900" algn="l" defTabSz="914400" rtl="0" eaLnBrk="1" fontAlgn="base" latinLnBrk="0" hangingPunct="1">
+              <a:lnSpc>
+                <a:spcPct val="100000"/>
+              </a:lnSpc>
+              <a:spcBef>
+                <a:spcPct val="20000"/>
+              </a:spcBef>
+              <a:spcAft>
+                <a:spcPct val="0"/>
+              </a:spcAft>
+              <a:buClr>
+                <a:srgbClr val="00AAF6"/>
+              </a:buClr>
+              <a:buSzTx/>
+              <a:buFontTx/>
+              <a:buChar char="•"/>
+              <a:tabLst/>
+              <a:defRPr/>
+            </a:pPr>
             <a:endParaRPr lang="en-US" sz="2000" b="1" kern="0" dirty="0" smtClean="0">
               <a:latin typeface="+mn-lt"/>
             </a:endParaRPr>
@@ -9983,185 +10562,60 @@
               <a:buChar char="•"/>
               <a:defRPr/>
             </a:pPr>
-            <a:r>
-              <a:rPr lang="en-US" sz="2000" kern="0" dirty="0" smtClean="0">
-                <a:latin typeface="+mn-lt"/>
-              </a:rPr>
-              <a:t>All data services use the same language (CQL), so federation using multiple data services is possible</a:t>
-            </a:r>
-          </a:p>
-          <a:p>
-            <a:pPr marL="1257300" lvl="2" indent="-342900">
+            <a:endParaRPr lang="en-US" sz="2000" kern="0" dirty="0" smtClean="0">
+              <a:latin typeface="+mn-lt"/>
+            </a:endParaRPr>
+          </a:p>
+          <a:p>
+            <a:pPr marL="342900" marR="0" lvl="0" indent="-342900" algn="l" defTabSz="914400" rtl="0" eaLnBrk="1" fontAlgn="base" latinLnBrk="0" hangingPunct="1">
+              <a:lnSpc>
+                <a:spcPct val="100000"/>
+              </a:lnSpc>
               <a:spcBef>
                 <a:spcPct val="20000"/>
               </a:spcBef>
+              <a:spcAft>
+                <a:spcPct val="0"/>
+              </a:spcAft>
               <a:buClr>
                 <a:srgbClr val="00AAF6"/>
               </a:buClr>
+              <a:buSzTx/>
               <a:buFontTx/>
               <a:buChar char="•"/>
+              <a:tabLst/>
               <a:defRPr/>
             </a:pPr>
-            <a:r>
-              <a:rPr lang="en-US" i="1" kern="0" dirty="0" smtClean="0">
-                <a:latin typeface="+mn-lt"/>
-              </a:rPr>
-              <a:t>Any</a:t>
-            </a:r>
-            <a:r>
-              <a:rPr lang="en-US" kern="0" dirty="0" smtClean="0">
-                <a:latin typeface="+mn-lt"/>
-              </a:rPr>
-              <a:t> combination of data services may be used</a:t>
-            </a:r>
-          </a:p>
-          <a:p>
-            <a:pPr marL="1257300" lvl="2" indent="-342900">
-              <a:spcBef>
-                <a:spcPct val="20000"/>
-              </a:spcBef>
-              <a:buClr>
-                <a:srgbClr val="00AAF6"/>
-              </a:buClr>
-              <a:buFontTx/>
-              <a:buChar char="•"/>
-              <a:defRPr/>
-            </a:pPr>
-            <a:r>
-              <a:rPr lang="en-US" kern="0" dirty="0" smtClean="0">
-                <a:latin typeface="+mn-lt"/>
-              </a:rPr>
-              <a:t>Arbitrary cross-model joins</a:t>
-            </a:r>
-          </a:p>
-          <a:p>
-            <a:pPr marL="342900" indent="-342900">
-              <a:spcBef>
-                <a:spcPct val="20000"/>
-              </a:spcBef>
-              <a:buClr>
-                <a:srgbClr val="00AAF6"/>
-              </a:buClr>
-              <a:buFontTx/>
-              <a:buChar char="•"/>
-              <a:defRPr/>
-            </a:pPr>
-            <a:r>
-              <a:rPr lang="en-US" sz="2000" b="1" i="1" kern="0" dirty="0" smtClean="0">
-                <a:latin typeface="+mn-lt"/>
-              </a:rPr>
-              <a:t>D</a:t>
-            </a:r>
-            <a:r>
-              <a:rPr lang="en-US" sz="2000" b="1" kern="0" dirty="0" smtClean="0">
-                <a:latin typeface="+mn-lt"/>
-              </a:rPr>
-              <a:t>CQL extends from CQL</a:t>
-            </a:r>
-          </a:p>
-          <a:p>
-            <a:pPr marL="800100" lvl="1" indent="-342900">
-              <a:spcBef>
-                <a:spcPct val="20000"/>
-              </a:spcBef>
-              <a:buClr>
-                <a:srgbClr val="00AAF6"/>
-              </a:buClr>
-              <a:buFontTx/>
-              <a:buChar char="•"/>
-              <a:defRPr/>
-            </a:pPr>
-            <a:r>
-              <a:rPr lang="en-US" sz="2000" kern="0" dirty="0" smtClean="0">
-                <a:latin typeface="+mn-lt"/>
-              </a:rPr>
-              <a:t>Distributed version of CQL</a:t>
-            </a:r>
-          </a:p>
-          <a:p>
-            <a:pPr marL="800100" lvl="1" indent="-342900">
-              <a:spcBef>
-                <a:spcPct val="20000"/>
-              </a:spcBef>
-              <a:buClr>
-                <a:srgbClr val="00AAF6"/>
-              </a:buClr>
-              <a:buFontTx/>
-              <a:buChar char="•"/>
-              <a:defRPr/>
-            </a:pPr>
-            <a:r>
-              <a:rPr lang="en-US" sz="2000" kern="0" dirty="0" smtClean="0">
-                <a:latin typeface="+mn-lt"/>
-              </a:rPr>
-              <a:t>Expresses joins, foreign data services, and target services</a:t>
-            </a:r>
-          </a:p>
-          <a:p>
-            <a:pPr marL="342900" indent="-342900">
-              <a:spcBef>
-                <a:spcPct val="20000"/>
-              </a:spcBef>
-              <a:buClr>
-                <a:srgbClr val="00AAF6"/>
-              </a:buClr>
-              <a:buFontTx/>
-              <a:buChar char="•"/>
-              <a:defRPr/>
-            </a:pPr>
-            <a:r>
-              <a:rPr lang="en-US" sz="2000" b="1" kern="0" dirty="0" err="1" smtClean="0">
-                <a:latin typeface="+mn-lt"/>
-              </a:rPr>
-              <a:t>Stateful</a:t>
-            </a:r>
-            <a:r>
-              <a:rPr lang="en-US" sz="2000" b="1" kern="0" dirty="0" smtClean="0">
-                <a:latin typeface="+mn-lt"/>
-              </a:rPr>
-              <a:t> Grid Service or Local API</a:t>
-            </a:r>
-          </a:p>
-          <a:p>
-            <a:pPr marL="800100" lvl="1" indent="-342900">
-              <a:spcBef>
-                <a:spcPct val="20000"/>
-              </a:spcBef>
-              <a:buClr>
-                <a:srgbClr val="00AAF6"/>
-              </a:buClr>
-              <a:buFontTx/>
-              <a:buChar char="•"/>
-              <a:defRPr/>
-            </a:pPr>
-            <a:r>
-              <a:rPr lang="en-US" sz="2000" kern="0" dirty="0" smtClean="0">
-                <a:latin typeface="+mn-lt"/>
-              </a:rPr>
-              <a:t>Queries may be issued to an FQP grid service and processed asynchronously for later results retrieval</a:t>
-            </a:r>
-          </a:p>
-          <a:p>
-            <a:pPr marL="800100" lvl="1" indent="-342900">
-              <a:spcBef>
-                <a:spcPct val="20000"/>
-              </a:spcBef>
-              <a:buClr>
-                <a:srgbClr val="00AAF6"/>
-              </a:buClr>
-              <a:buFontTx/>
-              <a:buChar char="•"/>
-              <a:defRPr/>
-            </a:pPr>
-            <a:r>
-              <a:rPr lang="en-US" sz="2000" kern="0" dirty="0" smtClean="0">
-                <a:latin typeface="+mn-lt"/>
-              </a:rPr>
-              <a:t>FQP engine may be used within an application directly</a:t>
-            </a:r>
+            <a:endParaRPr lang="en-US" sz="2000" b="1" kern="0" dirty="0" smtClean="0">
+              <a:latin typeface="+mn-lt"/>
+            </a:endParaRPr>
           </a:p>
         </p:txBody>
       </p:sp>
+      <p:pic>
+        <p:nvPicPr>
+          <p:cNvPr id="5" name="Picture 4" descr="Gene Name Search 1.png"/>
+          <p:cNvPicPr>
+            <a:picLocks noChangeAspect="1"/>
+          </p:cNvPicPr>
+          <p:nvPr/>
+        </p:nvPicPr>
+        <p:blipFill>
+          <a:blip r:embed="rId2" cstate="print"/>
+          <a:stretch>
+            <a:fillRect/>
+          </a:stretch>
+        </p:blipFill>
+        <p:spPr>
+          <a:xfrm>
+            <a:off x="152400" y="2362200"/>
+            <a:ext cx="8782050" cy="4343400"/>
+          </a:xfrm>
+          <a:prstGeom prst="rect">
+            <a:avLst/>
+          </a:prstGeom>
+        </p:spPr>
+      </p:pic>
     </p:spTree>
   </p:cSld>
   <p:clrMapOvr>
@@ -10204,7 +10658,2466 @@
           <a:p>
             <a:r>
               <a:rPr lang="en-US" dirty="0" smtClean="0"/>
-              <a:t>Federated Query Service</a:t>
+              <a:t>Data Service Client Workflow</a:t>
+            </a:r>
+            <a:endParaRPr lang="en-US" dirty="0"/>
+          </a:p>
+        </p:txBody>
+      </p:sp>
+      <p:sp>
+        <p:nvSpPr>
+          <p:cNvPr id="4" name="Content Placeholder 2"/>
+          <p:cNvSpPr txBox="1">
+            <a:spLocks/>
+          </p:cNvSpPr>
+          <p:nvPr/>
+        </p:nvSpPr>
+        <p:spPr bwMode="auto">
+          <a:xfrm>
+            <a:off x="304800" y="1371600"/>
+            <a:ext cx="8458200" cy="4953000"/>
+          </a:xfrm>
+          <a:prstGeom prst="rect">
+            <a:avLst/>
+          </a:prstGeom>
+          <a:noFill/>
+          <a:ln w="9525">
+            <a:noFill/>
+            <a:miter lim="800000"/>
+            <a:headEnd/>
+            <a:tailEnd/>
+          </a:ln>
+          <a:effectLst/>
+        </p:spPr>
+        <p:txBody>
+          <a:bodyPr vert="horz" wrap="square" lIns="91440" tIns="45720" rIns="91440" bIns="45720" numCol="1" anchor="t" anchorCtr="0" compatLnSpc="1">
+            <a:prstTxWarp prst="textNoShape">
+              <a:avLst/>
+            </a:prstTxWarp>
+          </a:bodyPr>
+          <a:lstStyle/>
+          <a:p>
+            <a:pPr marL="342900" marR="0" lvl="0" indent="-342900" algn="l" defTabSz="914400" rtl="0" eaLnBrk="1" fontAlgn="base" latinLnBrk="0" hangingPunct="1">
+              <a:lnSpc>
+                <a:spcPct val="100000"/>
+              </a:lnSpc>
+              <a:spcBef>
+                <a:spcPct val="20000"/>
+              </a:spcBef>
+              <a:spcAft>
+                <a:spcPct val="0"/>
+              </a:spcAft>
+              <a:buClr>
+                <a:srgbClr val="00AAF6"/>
+              </a:buClr>
+              <a:buSzTx/>
+              <a:buFontTx/>
+              <a:buChar char="•"/>
+              <a:tabLst/>
+              <a:defRPr/>
+            </a:pPr>
+            <a:r>
+              <a:rPr lang="en-US" sz="2000" b="1" kern="0" dirty="0" smtClean="0">
+                <a:latin typeface="+mn-lt"/>
+              </a:rPr>
+              <a:t>Selecting data elements</a:t>
+            </a:r>
+          </a:p>
+          <a:p>
+            <a:pPr marL="800100" lvl="1" indent="-342900">
+              <a:spcBef>
+                <a:spcPct val="20000"/>
+              </a:spcBef>
+              <a:buClr>
+                <a:srgbClr val="00AAF6"/>
+              </a:buClr>
+              <a:buFontTx/>
+              <a:buChar char="•"/>
+              <a:defRPr/>
+            </a:pPr>
+            <a:r>
+              <a:rPr lang="en-US" sz="2000" kern="0" dirty="0" smtClean="0">
+                <a:latin typeface="+mn-lt"/>
+              </a:rPr>
+              <a:t>Many matching data elements are found</a:t>
+            </a:r>
+          </a:p>
+          <a:p>
+            <a:pPr marL="800100" lvl="1" indent="-342900">
+              <a:spcBef>
+                <a:spcPct val="20000"/>
+              </a:spcBef>
+              <a:buClr>
+                <a:srgbClr val="00AAF6"/>
+              </a:buClr>
+              <a:buFontTx/>
+              <a:buChar char="•"/>
+              <a:defRPr/>
+            </a:pPr>
+            <a:r>
+              <a:rPr lang="en-US" sz="2000" kern="0" dirty="0" smtClean="0">
+                <a:latin typeface="+mn-lt"/>
+              </a:rPr>
+              <a:t>The researcher selects a few likely candidates</a:t>
+            </a:r>
+            <a:endParaRPr lang="en-US" sz="2000" kern="0" dirty="0" smtClean="0">
+              <a:latin typeface="+mn-lt"/>
+            </a:endParaRPr>
+          </a:p>
+          <a:p>
+            <a:pPr marL="342900" marR="0" lvl="0" indent="-342900" algn="l" defTabSz="914400" rtl="0" eaLnBrk="1" fontAlgn="base" latinLnBrk="0" hangingPunct="1">
+              <a:lnSpc>
+                <a:spcPct val="100000"/>
+              </a:lnSpc>
+              <a:spcBef>
+                <a:spcPct val="20000"/>
+              </a:spcBef>
+              <a:spcAft>
+                <a:spcPct val="0"/>
+              </a:spcAft>
+              <a:buClr>
+                <a:srgbClr val="00AAF6"/>
+              </a:buClr>
+              <a:buSzTx/>
+              <a:buFontTx/>
+              <a:buChar char="•"/>
+              <a:tabLst/>
+              <a:defRPr/>
+            </a:pPr>
+            <a:endParaRPr lang="en-US" sz="2000" b="1" kern="0" dirty="0" smtClean="0">
+              <a:latin typeface="+mn-lt"/>
+            </a:endParaRPr>
+          </a:p>
+          <a:p>
+            <a:pPr marL="342900" marR="0" lvl="0" indent="-342900" algn="l" defTabSz="914400" rtl="0" eaLnBrk="1" fontAlgn="base" latinLnBrk="0" hangingPunct="1">
+              <a:lnSpc>
+                <a:spcPct val="100000"/>
+              </a:lnSpc>
+              <a:spcBef>
+                <a:spcPct val="20000"/>
+              </a:spcBef>
+              <a:spcAft>
+                <a:spcPct val="0"/>
+              </a:spcAft>
+              <a:buClr>
+                <a:srgbClr val="00AAF6"/>
+              </a:buClr>
+              <a:buSzTx/>
+              <a:buFontTx/>
+              <a:buChar char="•"/>
+              <a:tabLst/>
+              <a:defRPr/>
+            </a:pPr>
+            <a:endParaRPr lang="en-US" sz="2000" b="1" kern="0" dirty="0" smtClean="0">
+              <a:latin typeface="+mn-lt"/>
+            </a:endParaRPr>
+          </a:p>
+          <a:p>
+            <a:pPr marL="800100" lvl="1" indent="-342900">
+              <a:spcBef>
+                <a:spcPct val="20000"/>
+              </a:spcBef>
+              <a:buClr>
+                <a:srgbClr val="00AAF6"/>
+              </a:buClr>
+              <a:buFontTx/>
+              <a:buChar char="•"/>
+              <a:defRPr/>
+            </a:pPr>
+            <a:endParaRPr lang="en-US" sz="2000" kern="0" dirty="0" smtClean="0">
+              <a:latin typeface="+mn-lt"/>
+            </a:endParaRPr>
+          </a:p>
+          <a:p>
+            <a:pPr marL="342900" marR="0" lvl="0" indent="-342900" algn="l" defTabSz="914400" rtl="0" eaLnBrk="1" fontAlgn="base" latinLnBrk="0" hangingPunct="1">
+              <a:lnSpc>
+                <a:spcPct val="100000"/>
+              </a:lnSpc>
+              <a:spcBef>
+                <a:spcPct val="20000"/>
+              </a:spcBef>
+              <a:spcAft>
+                <a:spcPct val="0"/>
+              </a:spcAft>
+              <a:buClr>
+                <a:srgbClr val="00AAF6"/>
+              </a:buClr>
+              <a:buSzTx/>
+              <a:buFontTx/>
+              <a:buChar char="•"/>
+              <a:tabLst/>
+              <a:defRPr/>
+            </a:pPr>
+            <a:endParaRPr lang="en-US" sz="2000" b="1" kern="0" dirty="0" smtClean="0">
+              <a:latin typeface="+mn-lt"/>
+            </a:endParaRPr>
+          </a:p>
+        </p:txBody>
+      </p:sp>
+      <p:pic>
+        <p:nvPicPr>
+          <p:cNvPr id="6" name="Picture 5" descr="Gene Name Search 2.png"/>
+          <p:cNvPicPr>
+            <a:picLocks noChangeAspect="1"/>
+          </p:cNvPicPr>
+          <p:nvPr/>
+        </p:nvPicPr>
+        <p:blipFill>
+          <a:blip r:embed="rId2" cstate="print"/>
+          <a:stretch>
+            <a:fillRect/>
+          </a:stretch>
+        </p:blipFill>
+        <p:spPr>
+          <a:xfrm>
+            <a:off x="2667000" y="2590800"/>
+            <a:ext cx="6305550" cy="3726007"/>
+          </a:xfrm>
+          <a:prstGeom prst="rect">
+            <a:avLst/>
+          </a:prstGeom>
+        </p:spPr>
+      </p:pic>
+    </p:spTree>
+  </p:cSld>
+  <p:clrMapOvr>
+    <a:masterClrMapping/>
+  </p:clrMapOvr>
+</p:sld>
+</file>
+
+<file path=ppt/slides/slide27.xml><?xml version="1.0" encoding="utf-8"?>
+<p:sld xmlns:a="http://schemas.openxmlformats.org/drawingml/2006/main" xmlns:r="http://schemas.openxmlformats.org/officeDocument/2006/relationships" xmlns:p="http://schemas.openxmlformats.org/presentationml/2006/main">
+  <p:cSld>
+    <p:spTree>
+      <p:nvGrpSpPr>
+        <p:cNvPr id="1" name=""/>
+        <p:cNvGrpSpPr/>
+        <p:nvPr/>
+      </p:nvGrpSpPr>
+      <p:grpSpPr>
+        <a:xfrm>
+          <a:off x="0" y="0"/>
+          <a:ext cx="0" cy="0"/>
+          <a:chOff x="0" y="0"/>
+          <a:chExt cx="0" cy="0"/>
+        </a:xfrm>
+      </p:grpSpPr>
+      <p:sp>
+        <p:nvSpPr>
+          <p:cNvPr id="2" name="Title 1"/>
+          <p:cNvSpPr>
+            <a:spLocks noGrp="1"/>
+          </p:cNvSpPr>
+          <p:nvPr>
+            <p:ph type="title"/>
+          </p:nvPr>
+        </p:nvSpPr>
+        <p:spPr/>
+        <p:txBody>
+          <a:bodyPr/>
+          <a:lstStyle/>
+          <a:p>
+            <a:r>
+              <a:rPr lang="en-US" dirty="0" smtClean="0"/>
+              <a:t>Data Service Client Workflow</a:t>
+            </a:r>
+            <a:endParaRPr lang="en-US" dirty="0"/>
+          </a:p>
+        </p:txBody>
+      </p:sp>
+      <p:sp>
+        <p:nvSpPr>
+          <p:cNvPr id="4" name="Content Placeholder 2"/>
+          <p:cNvSpPr txBox="1">
+            <a:spLocks/>
+          </p:cNvSpPr>
+          <p:nvPr/>
+        </p:nvSpPr>
+        <p:spPr bwMode="auto">
+          <a:xfrm>
+            <a:off x="304800" y="1371600"/>
+            <a:ext cx="8458200" cy="4953000"/>
+          </a:xfrm>
+          <a:prstGeom prst="rect">
+            <a:avLst/>
+          </a:prstGeom>
+          <a:noFill/>
+          <a:ln w="9525">
+            <a:noFill/>
+            <a:miter lim="800000"/>
+            <a:headEnd/>
+            <a:tailEnd/>
+          </a:ln>
+          <a:effectLst/>
+        </p:spPr>
+        <p:txBody>
+          <a:bodyPr vert="horz" wrap="square" lIns="91440" tIns="45720" rIns="91440" bIns="45720" numCol="1" anchor="t" anchorCtr="0" compatLnSpc="1">
+            <a:prstTxWarp prst="textNoShape">
+              <a:avLst/>
+            </a:prstTxWarp>
+          </a:bodyPr>
+          <a:lstStyle/>
+          <a:p>
+            <a:pPr marL="342900" indent="-342900">
+              <a:spcBef>
+                <a:spcPct val="20000"/>
+              </a:spcBef>
+              <a:buClr>
+                <a:srgbClr val="00AAF6"/>
+              </a:buClr>
+              <a:buFontTx/>
+              <a:buChar char="•"/>
+              <a:defRPr/>
+            </a:pPr>
+            <a:r>
+              <a:rPr lang="en-US" sz="2000" b="1" kern="0" dirty="0" smtClean="0">
+                <a:latin typeface="+mn-lt"/>
+              </a:rPr>
+              <a:t>The </a:t>
+            </a:r>
+            <a:r>
+              <a:rPr lang="en-US" sz="2000" b="1" i="1" kern="0" dirty="0" smtClean="0">
+                <a:latin typeface="+mn-lt"/>
+              </a:rPr>
+              <a:t>Gene Name</a:t>
+            </a:r>
+            <a:r>
+              <a:rPr lang="en-US" sz="2000" b="1" kern="0" dirty="0" smtClean="0">
+                <a:latin typeface="+mn-lt"/>
+              </a:rPr>
+              <a:t> owned by caCORE and used by </a:t>
+            </a:r>
+            <a:r>
+              <a:rPr lang="en-US" sz="2000" b="1" kern="0" dirty="0" err="1" smtClean="0">
+                <a:latin typeface="+mn-lt"/>
+              </a:rPr>
+              <a:t>caBIG</a:t>
+            </a:r>
+            <a:r>
+              <a:rPr lang="en-US" sz="2000" b="1" kern="0" dirty="0" smtClean="0">
+                <a:latin typeface="+mn-lt"/>
+              </a:rPr>
+              <a:t> looks like a good place to start…</a:t>
+            </a:r>
+          </a:p>
+          <a:p>
+            <a:pPr marL="800100" lvl="1" indent="-342900">
+              <a:spcBef>
+                <a:spcPct val="20000"/>
+              </a:spcBef>
+              <a:buClr>
+                <a:srgbClr val="00AAF6"/>
+              </a:buClr>
+              <a:buFontTx/>
+              <a:buChar char="•"/>
+              <a:defRPr/>
+            </a:pPr>
+            <a:r>
+              <a:rPr lang="en-US" sz="2000" kern="0" dirty="0" smtClean="0">
+                <a:latin typeface="+mn-lt"/>
+              </a:rPr>
+              <a:t>This data element is used in a number of models, so it’s likely to appear on the grid as well</a:t>
+            </a:r>
+            <a:endParaRPr lang="en-US" sz="2000" b="1" kern="0" dirty="0" smtClean="0">
+              <a:latin typeface="+mn-lt"/>
+            </a:endParaRPr>
+          </a:p>
+          <a:p>
+            <a:pPr marL="342900" marR="0" lvl="0" indent="-342900" algn="l" defTabSz="914400" rtl="0" eaLnBrk="1" fontAlgn="base" latinLnBrk="0" hangingPunct="1">
+              <a:lnSpc>
+                <a:spcPct val="100000"/>
+              </a:lnSpc>
+              <a:spcBef>
+                <a:spcPct val="20000"/>
+              </a:spcBef>
+              <a:spcAft>
+                <a:spcPct val="0"/>
+              </a:spcAft>
+              <a:buClr>
+                <a:srgbClr val="00AAF6"/>
+              </a:buClr>
+              <a:buSzTx/>
+              <a:buFontTx/>
+              <a:buChar char="•"/>
+              <a:tabLst/>
+              <a:defRPr/>
+            </a:pPr>
+            <a:endParaRPr lang="en-US" sz="2000" b="1" kern="0" dirty="0" smtClean="0">
+              <a:latin typeface="+mn-lt"/>
+            </a:endParaRPr>
+          </a:p>
+          <a:p>
+            <a:pPr marL="800100" lvl="1" indent="-342900">
+              <a:spcBef>
+                <a:spcPct val="20000"/>
+              </a:spcBef>
+              <a:buClr>
+                <a:srgbClr val="00AAF6"/>
+              </a:buClr>
+              <a:buFontTx/>
+              <a:buChar char="•"/>
+              <a:defRPr/>
+            </a:pPr>
+            <a:endParaRPr lang="en-US" sz="2000" kern="0" dirty="0" smtClean="0">
+              <a:latin typeface="+mn-lt"/>
+            </a:endParaRPr>
+          </a:p>
+          <a:p>
+            <a:pPr marL="342900" marR="0" lvl="0" indent="-342900" algn="l" defTabSz="914400" rtl="0" eaLnBrk="1" fontAlgn="base" latinLnBrk="0" hangingPunct="1">
+              <a:lnSpc>
+                <a:spcPct val="100000"/>
+              </a:lnSpc>
+              <a:spcBef>
+                <a:spcPct val="20000"/>
+              </a:spcBef>
+              <a:spcAft>
+                <a:spcPct val="0"/>
+              </a:spcAft>
+              <a:buClr>
+                <a:srgbClr val="00AAF6"/>
+              </a:buClr>
+              <a:buSzTx/>
+              <a:buFontTx/>
+              <a:buChar char="•"/>
+              <a:tabLst/>
+              <a:defRPr/>
+            </a:pPr>
+            <a:endParaRPr lang="en-US" sz="2000" b="1" kern="0" dirty="0" smtClean="0">
+              <a:latin typeface="+mn-lt"/>
+            </a:endParaRPr>
+          </a:p>
+        </p:txBody>
+      </p:sp>
+      <p:pic>
+        <p:nvPicPr>
+          <p:cNvPr id="5" name="Picture 4" descr="Gene Name Search 3.png"/>
+          <p:cNvPicPr>
+            <a:picLocks noChangeAspect="1"/>
+          </p:cNvPicPr>
+          <p:nvPr/>
+        </p:nvPicPr>
+        <p:blipFill>
+          <a:blip r:embed="rId2" cstate="print"/>
+          <a:stretch>
+            <a:fillRect/>
+          </a:stretch>
+        </p:blipFill>
+        <p:spPr>
+          <a:xfrm>
+            <a:off x="2895600" y="2743200"/>
+            <a:ext cx="5962650" cy="3629025"/>
+          </a:xfrm>
+          <a:prstGeom prst="rect">
+            <a:avLst/>
+          </a:prstGeom>
+        </p:spPr>
+      </p:pic>
+    </p:spTree>
+  </p:cSld>
+  <p:clrMapOvr>
+    <a:masterClrMapping/>
+  </p:clrMapOvr>
+</p:sld>
+</file>
+
+<file path=ppt/slides/slide28.xml><?xml version="1.0" encoding="utf-8"?>
+<p:sld xmlns:a="http://schemas.openxmlformats.org/drawingml/2006/main" xmlns:r="http://schemas.openxmlformats.org/officeDocument/2006/relationships" xmlns:p="http://schemas.openxmlformats.org/presentationml/2006/main">
+  <p:cSld>
+    <p:spTree>
+      <p:nvGrpSpPr>
+        <p:cNvPr id="1" name=""/>
+        <p:cNvGrpSpPr/>
+        <p:nvPr/>
+      </p:nvGrpSpPr>
+      <p:grpSpPr>
+        <a:xfrm>
+          <a:off x="0" y="0"/>
+          <a:ext cx="0" cy="0"/>
+          <a:chOff x="0" y="0"/>
+          <a:chExt cx="0" cy="0"/>
+        </a:xfrm>
+      </p:grpSpPr>
+      <p:sp>
+        <p:nvSpPr>
+          <p:cNvPr id="2" name="Title 1"/>
+          <p:cNvSpPr>
+            <a:spLocks noGrp="1"/>
+          </p:cNvSpPr>
+          <p:nvPr>
+            <p:ph type="title"/>
+          </p:nvPr>
+        </p:nvSpPr>
+        <p:spPr/>
+        <p:txBody>
+          <a:bodyPr/>
+          <a:lstStyle/>
+          <a:p>
+            <a:r>
+              <a:rPr lang="en-US" dirty="0" smtClean="0"/>
+              <a:t>Data Service Client Workflow</a:t>
+            </a:r>
+            <a:endParaRPr lang="en-US" dirty="0"/>
+          </a:p>
+        </p:txBody>
+      </p:sp>
+      <p:sp>
+        <p:nvSpPr>
+          <p:cNvPr id="4" name="Content Placeholder 2"/>
+          <p:cNvSpPr txBox="1">
+            <a:spLocks/>
+          </p:cNvSpPr>
+          <p:nvPr/>
+        </p:nvSpPr>
+        <p:spPr bwMode="auto">
+          <a:xfrm>
+            <a:off x="304800" y="1371600"/>
+            <a:ext cx="8458200" cy="4953000"/>
+          </a:xfrm>
+          <a:prstGeom prst="rect">
+            <a:avLst/>
+          </a:prstGeom>
+          <a:noFill/>
+          <a:ln w="9525">
+            <a:noFill/>
+            <a:miter lim="800000"/>
+            <a:headEnd/>
+            <a:tailEnd/>
+          </a:ln>
+          <a:effectLst/>
+        </p:spPr>
+        <p:txBody>
+          <a:bodyPr vert="horz" wrap="square" lIns="91440" tIns="45720" rIns="91440" bIns="45720" numCol="1" anchor="t" anchorCtr="0" compatLnSpc="1">
+            <a:prstTxWarp prst="textNoShape">
+              <a:avLst/>
+            </a:prstTxWarp>
+          </a:bodyPr>
+          <a:lstStyle/>
+          <a:p>
+            <a:pPr marL="342900" indent="-342900">
+              <a:spcBef>
+                <a:spcPct val="20000"/>
+              </a:spcBef>
+              <a:buClr>
+                <a:srgbClr val="00AAF6"/>
+              </a:buClr>
+              <a:buFontTx/>
+              <a:buChar char="•"/>
+              <a:defRPr/>
+            </a:pPr>
+            <a:r>
+              <a:rPr lang="en-US" sz="2000" b="1" kern="0" dirty="0" smtClean="0">
+                <a:latin typeface="+mn-lt"/>
+              </a:rPr>
+              <a:t>Several </a:t>
+            </a:r>
+            <a:r>
+              <a:rPr lang="en-US" sz="2000" b="1" i="1" kern="0" dirty="0" smtClean="0">
+                <a:latin typeface="+mn-lt"/>
+              </a:rPr>
+              <a:t>Concept Codes </a:t>
+            </a:r>
+            <a:r>
+              <a:rPr lang="en-US" sz="2000" b="1" kern="0" dirty="0" smtClean="0">
+                <a:latin typeface="+mn-lt"/>
+              </a:rPr>
+              <a:t>are associated with this data element</a:t>
+            </a:r>
+          </a:p>
+          <a:p>
+            <a:pPr marL="800100" lvl="1" indent="-342900">
+              <a:spcBef>
+                <a:spcPct val="20000"/>
+              </a:spcBef>
+              <a:buClr>
+                <a:srgbClr val="00AAF6"/>
+              </a:buClr>
+              <a:buFontTx/>
+              <a:buChar char="•"/>
+              <a:defRPr/>
+            </a:pPr>
+            <a:r>
+              <a:rPr lang="en-US" sz="2000" kern="0" dirty="0" smtClean="0">
+                <a:latin typeface="+mn-lt"/>
+              </a:rPr>
+              <a:t>The </a:t>
+            </a:r>
+            <a:r>
+              <a:rPr lang="en-US" sz="2000" kern="0" dirty="0" smtClean="0">
+                <a:latin typeface="+mn-lt"/>
+              </a:rPr>
+              <a:t>researcher is interested in the </a:t>
+            </a:r>
+            <a:r>
+              <a:rPr lang="en-US" sz="2000" i="1" kern="0" dirty="0" smtClean="0">
+                <a:latin typeface="+mn-lt"/>
+              </a:rPr>
+              <a:t>Name</a:t>
+            </a:r>
+            <a:r>
+              <a:rPr lang="en-US" sz="2000" kern="0" dirty="0" smtClean="0">
+                <a:latin typeface="+mn-lt"/>
+              </a:rPr>
+              <a:t> attribute</a:t>
+            </a:r>
+          </a:p>
+          <a:p>
+            <a:pPr marL="800100" lvl="1" indent="-342900">
+              <a:spcBef>
+                <a:spcPct val="20000"/>
+              </a:spcBef>
+              <a:buClr>
+                <a:srgbClr val="00AAF6"/>
+              </a:buClr>
+              <a:buFontTx/>
+              <a:buChar char="•"/>
+              <a:defRPr/>
+            </a:pPr>
+            <a:r>
+              <a:rPr lang="en-US" sz="2000" kern="0" dirty="0" smtClean="0">
+                <a:latin typeface="+mn-lt"/>
+              </a:rPr>
+              <a:t>CDE is </a:t>
+            </a:r>
+            <a:r>
+              <a:rPr lang="en-US" sz="2000" b="1" dirty="0" smtClean="0"/>
+              <a:t>C42614</a:t>
+            </a:r>
+            <a:endParaRPr lang="en-US" sz="2000" b="1" kern="0" dirty="0" smtClean="0">
+              <a:latin typeface="+mn-lt"/>
+            </a:endParaRPr>
+          </a:p>
+          <a:p>
+            <a:pPr marL="342900" marR="0" lvl="0" indent="-342900" algn="l" defTabSz="914400" rtl="0" eaLnBrk="1" fontAlgn="base" latinLnBrk="0" hangingPunct="1">
+              <a:lnSpc>
+                <a:spcPct val="100000"/>
+              </a:lnSpc>
+              <a:spcBef>
+                <a:spcPct val="20000"/>
+              </a:spcBef>
+              <a:spcAft>
+                <a:spcPct val="0"/>
+              </a:spcAft>
+              <a:buClr>
+                <a:srgbClr val="00AAF6"/>
+              </a:buClr>
+              <a:buSzTx/>
+              <a:buFontTx/>
+              <a:buChar char="•"/>
+              <a:tabLst/>
+              <a:defRPr/>
+            </a:pPr>
+            <a:endParaRPr lang="en-US" sz="2000" b="1" kern="0" dirty="0" smtClean="0">
+              <a:latin typeface="+mn-lt"/>
+            </a:endParaRPr>
+          </a:p>
+        </p:txBody>
+      </p:sp>
+      <p:pic>
+        <p:nvPicPr>
+          <p:cNvPr id="7" name="Picture 6" descr="Gene Name 4.png"/>
+          <p:cNvPicPr>
+            <a:picLocks noChangeAspect="1"/>
+          </p:cNvPicPr>
+          <p:nvPr/>
+        </p:nvPicPr>
+        <p:blipFill>
+          <a:blip r:embed="rId2" cstate="print"/>
+          <a:stretch>
+            <a:fillRect/>
+          </a:stretch>
+        </p:blipFill>
+        <p:spPr>
+          <a:xfrm>
+            <a:off x="3352800" y="2209800"/>
+            <a:ext cx="4953000" cy="4206875"/>
+          </a:xfrm>
+          <a:prstGeom prst="rect">
+            <a:avLst/>
+          </a:prstGeom>
+        </p:spPr>
+      </p:pic>
+    </p:spTree>
+  </p:cSld>
+  <p:clrMapOvr>
+    <a:masterClrMapping/>
+  </p:clrMapOvr>
+</p:sld>
+</file>
+
+<file path=ppt/slides/slide29.xml><?xml version="1.0" encoding="utf-8"?>
+<p:sld xmlns:a="http://schemas.openxmlformats.org/drawingml/2006/main" xmlns:r="http://schemas.openxmlformats.org/officeDocument/2006/relationships" xmlns:p="http://schemas.openxmlformats.org/presentationml/2006/main">
+  <p:cSld>
+    <p:spTree>
+      <p:nvGrpSpPr>
+        <p:cNvPr id="1" name=""/>
+        <p:cNvGrpSpPr/>
+        <p:nvPr/>
+      </p:nvGrpSpPr>
+      <p:grpSpPr>
+        <a:xfrm>
+          <a:off x="0" y="0"/>
+          <a:ext cx="0" cy="0"/>
+          <a:chOff x="0" y="0"/>
+          <a:chExt cx="0" cy="0"/>
+        </a:xfrm>
+      </p:grpSpPr>
+      <p:sp>
+        <p:nvSpPr>
+          <p:cNvPr id="2" name="Title 1"/>
+          <p:cNvSpPr>
+            <a:spLocks noGrp="1"/>
+          </p:cNvSpPr>
+          <p:nvPr>
+            <p:ph type="title"/>
+          </p:nvPr>
+        </p:nvSpPr>
+        <p:spPr/>
+        <p:txBody>
+          <a:bodyPr/>
+          <a:lstStyle/>
+          <a:p>
+            <a:r>
+              <a:rPr lang="en-US" dirty="0" smtClean="0"/>
+              <a:t>Data Service Client Workflow</a:t>
+            </a:r>
+            <a:endParaRPr lang="en-US" dirty="0"/>
+          </a:p>
+        </p:txBody>
+      </p:sp>
+      <p:sp>
+        <p:nvSpPr>
+          <p:cNvPr id="4" name="Content Placeholder 2"/>
+          <p:cNvSpPr txBox="1">
+            <a:spLocks/>
+          </p:cNvSpPr>
+          <p:nvPr/>
+        </p:nvSpPr>
+        <p:spPr bwMode="auto">
+          <a:xfrm>
+            <a:off x="304800" y="1371600"/>
+            <a:ext cx="8458200" cy="4953000"/>
+          </a:xfrm>
+          <a:prstGeom prst="rect">
+            <a:avLst/>
+          </a:prstGeom>
+          <a:noFill/>
+          <a:ln w="9525">
+            <a:noFill/>
+            <a:miter lim="800000"/>
+            <a:headEnd/>
+            <a:tailEnd/>
+          </a:ln>
+          <a:effectLst/>
+        </p:spPr>
+        <p:txBody>
+          <a:bodyPr vert="horz" wrap="square" lIns="91440" tIns="45720" rIns="91440" bIns="45720" numCol="1" anchor="t" anchorCtr="0" compatLnSpc="1">
+            <a:prstTxWarp prst="textNoShape">
+              <a:avLst/>
+            </a:prstTxWarp>
+          </a:bodyPr>
+          <a:lstStyle/>
+          <a:p>
+            <a:pPr marL="342900" indent="-342900">
+              <a:spcBef>
+                <a:spcPct val="20000"/>
+              </a:spcBef>
+              <a:buClr>
+                <a:srgbClr val="00AAF6"/>
+              </a:buClr>
+              <a:buFontTx/>
+              <a:buChar char="•"/>
+              <a:defRPr/>
+            </a:pPr>
+            <a:r>
+              <a:rPr lang="en-US" sz="2000" b="1" kern="0" dirty="0" smtClean="0">
+                <a:latin typeface="+mn-lt"/>
+              </a:rPr>
+              <a:t>The concept code can be used to discover service EPRs</a:t>
+            </a:r>
+          </a:p>
+          <a:p>
+            <a:pPr marL="800100" lvl="1" indent="-342900">
+              <a:spcBef>
+                <a:spcPct val="20000"/>
+              </a:spcBef>
+              <a:buClr>
+                <a:srgbClr val="00AAF6"/>
+              </a:buClr>
+              <a:buFontTx/>
+              <a:buChar char="•"/>
+              <a:defRPr/>
+            </a:pPr>
+            <a:r>
+              <a:rPr lang="en-US" sz="2000" kern="0" dirty="0" smtClean="0">
+                <a:latin typeface="+mn-lt"/>
+              </a:rPr>
+              <a:t>In the caGrid Portal, data services can be searched</a:t>
+            </a:r>
+          </a:p>
+          <a:p>
+            <a:pPr marL="800100" lvl="1" indent="-342900">
+              <a:spcBef>
+                <a:spcPct val="20000"/>
+              </a:spcBef>
+              <a:buClr>
+                <a:srgbClr val="00AAF6"/>
+              </a:buClr>
+              <a:buFontTx/>
+              <a:buChar char="•"/>
+              <a:defRPr/>
+            </a:pPr>
+            <a:r>
+              <a:rPr lang="en-US" sz="2000" kern="0" dirty="0" smtClean="0">
+                <a:latin typeface="+mn-lt"/>
+              </a:rPr>
+              <a:t>Domain Model exposes classes and attributes</a:t>
+            </a:r>
+          </a:p>
+          <a:p>
+            <a:pPr marL="800100" lvl="1" indent="-342900">
+              <a:spcBef>
+                <a:spcPct val="20000"/>
+              </a:spcBef>
+              <a:buClr>
+                <a:srgbClr val="00AAF6"/>
+              </a:buClr>
+              <a:buFontTx/>
+              <a:buChar char="•"/>
+              <a:defRPr/>
+            </a:pPr>
+            <a:r>
+              <a:rPr lang="en-US" sz="2000" kern="0" dirty="0" smtClean="0">
+                <a:latin typeface="+mn-lt"/>
+              </a:rPr>
+              <a:t>Attributes with Semantic Metadata and Concept Codes</a:t>
+            </a:r>
+          </a:p>
+          <a:p>
+            <a:pPr marL="342900" marR="0" lvl="0" indent="-342900" algn="l" defTabSz="914400" rtl="0" eaLnBrk="1" fontAlgn="base" latinLnBrk="0" hangingPunct="1">
+              <a:lnSpc>
+                <a:spcPct val="100000"/>
+              </a:lnSpc>
+              <a:spcBef>
+                <a:spcPct val="20000"/>
+              </a:spcBef>
+              <a:spcAft>
+                <a:spcPct val="0"/>
+              </a:spcAft>
+              <a:buClr>
+                <a:srgbClr val="00AAF6"/>
+              </a:buClr>
+              <a:buSzTx/>
+              <a:buFontTx/>
+              <a:buChar char="•"/>
+              <a:tabLst/>
+              <a:defRPr/>
+            </a:pPr>
+            <a:endParaRPr lang="en-US" sz="2000" b="1" kern="0" dirty="0" smtClean="0">
+              <a:latin typeface="+mn-lt"/>
+            </a:endParaRPr>
+          </a:p>
+        </p:txBody>
+      </p:sp>
+      <p:pic>
+        <p:nvPicPr>
+          <p:cNvPr id="5" name="Picture 4" descr="Gene Name Search 5.png"/>
+          <p:cNvPicPr>
+            <a:picLocks noChangeAspect="1"/>
+          </p:cNvPicPr>
+          <p:nvPr/>
+        </p:nvPicPr>
+        <p:blipFill>
+          <a:blip r:embed="rId2" cstate="print"/>
+          <a:stretch>
+            <a:fillRect/>
+          </a:stretch>
+        </p:blipFill>
+        <p:spPr>
+          <a:xfrm>
+            <a:off x="1066800" y="2971800"/>
+            <a:ext cx="4467225" cy="1990725"/>
+          </a:xfrm>
+          <a:prstGeom prst="rect">
+            <a:avLst/>
+          </a:prstGeom>
+        </p:spPr>
+      </p:pic>
+    </p:spTree>
+  </p:cSld>
+  <p:clrMapOvr>
+    <a:masterClrMapping/>
+  </p:clrMapOvr>
+</p:sld>
+</file>
+
+<file path=ppt/slides/slide3.xml><?xml version="1.0" encoding="utf-8"?>
+<p:sld xmlns:a="http://schemas.openxmlformats.org/drawingml/2006/main" xmlns:r="http://schemas.openxmlformats.org/officeDocument/2006/relationships" xmlns:p="http://schemas.openxmlformats.org/presentationml/2006/main">
+  <p:cSld>
+    <p:spTree>
+      <p:nvGrpSpPr>
+        <p:cNvPr id="1" name=""/>
+        <p:cNvGrpSpPr/>
+        <p:nvPr/>
+      </p:nvGrpSpPr>
+      <p:grpSpPr>
+        <a:xfrm>
+          <a:off x="0" y="0"/>
+          <a:ext cx="0" cy="0"/>
+          <a:chOff x="0" y="0"/>
+          <a:chExt cx="0" cy="0"/>
+        </a:xfrm>
+      </p:grpSpPr>
+      <p:sp>
+        <p:nvSpPr>
+          <p:cNvPr id="2" name="Title 1"/>
+          <p:cNvSpPr>
+            <a:spLocks noGrp="1"/>
+          </p:cNvSpPr>
+          <p:nvPr>
+            <p:ph type="title"/>
+          </p:nvPr>
+        </p:nvSpPr>
+        <p:spPr/>
+        <p:txBody>
+          <a:bodyPr/>
+          <a:lstStyle/>
+          <a:p>
+            <a:r>
+              <a:rPr lang="en-US" dirty="0" smtClean="0"/>
+              <a:t>Data Services Architecture</a:t>
+            </a:r>
+            <a:endParaRPr lang="en-US" dirty="0"/>
+          </a:p>
+        </p:txBody>
+      </p:sp>
+      <p:pic>
+        <p:nvPicPr>
+          <p:cNvPr id="5" name="Content Placeholder 4" descr="service.png"/>
+          <p:cNvPicPr>
+            <a:picLocks noGrp="1" noChangeAspect="1"/>
+          </p:cNvPicPr>
+          <p:nvPr>
+            <p:ph idx="1"/>
+          </p:nvPr>
+        </p:nvPicPr>
+        <p:blipFill>
+          <a:blip r:embed="rId2" cstate="print"/>
+          <a:stretch>
+            <a:fillRect/>
+          </a:stretch>
+        </p:blipFill>
+        <p:spPr>
+          <a:xfrm>
+            <a:off x="0" y="1295400"/>
+            <a:ext cx="9144000" cy="4830266"/>
+          </a:xfrm>
+        </p:spPr>
+      </p:pic>
+    </p:spTree>
+  </p:cSld>
+  <p:clrMapOvr>
+    <a:masterClrMapping/>
+  </p:clrMapOvr>
+</p:sld>
+</file>
+
+<file path=ppt/slides/slide30.xml><?xml version="1.0" encoding="utf-8"?>
+<p:sld xmlns:a="http://schemas.openxmlformats.org/drawingml/2006/main" xmlns:r="http://schemas.openxmlformats.org/officeDocument/2006/relationships" xmlns:p="http://schemas.openxmlformats.org/presentationml/2006/main">
+  <p:cSld>
+    <p:spTree>
+      <p:nvGrpSpPr>
+        <p:cNvPr id="1" name=""/>
+        <p:cNvGrpSpPr/>
+        <p:nvPr/>
+      </p:nvGrpSpPr>
+      <p:grpSpPr>
+        <a:xfrm>
+          <a:off x="0" y="0"/>
+          <a:ext cx="0" cy="0"/>
+          <a:chOff x="0" y="0"/>
+          <a:chExt cx="0" cy="0"/>
+        </a:xfrm>
+      </p:grpSpPr>
+      <p:sp>
+        <p:nvSpPr>
+          <p:cNvPr id="2" name="Title 1"/>
+          <p:cNvSpPr>
+            <a:spLocks noGrp="1"/>
+          </p:cNvSpPr>
+          <p:nvPr>
+            <p:ph type="title"/>
+          </p:nvPr>
+        </p:nvSpPr>
+        <p:spPr/>
+        <p:txBody>
+          <a:bodyPr/>
+          <a:lstStyle/>
+          <a:p>
+            <a:r>
+              <a:rPr lang="en-US" dirty="0" smtClean="0"/>
+              <a:t>Data Service Client Workflow</a:t>
+            </a:r>
+            <a:endParaRPr lang="en-US" dirty="0"/>
+          </a:p>
+        </p:txBody>
+      </p:sp>
+      <p:sp>
+        <p:nvSpPr>
+          <p:cNvPr id="4" name="Content Placeholder 2"/>
+          <p:cNvSpPr txBox="1">
+            <a:spLocks/>
+          </p:cNvSpPr>
+          <p:nvPr/>
+        </p:nvSpPr>
+        <p:spPr bwMode="auto">
+          <a:xfrm>
+            <a:off x="304800" y="1371600"/>
+            <a:ext cx="8458200" cy="4953000"/>
+          </a:xfrm>
+          <a:prstGeom prst="rect">
+            <a:avLst/>
+          </a:prstGeom>
+          <a:noFill/>
+          <a:ln w="9525">
+            <a:noFill/>
+            <a:miter lim="800000"/>
+            <a:headEnd/>
+            <a:tailEnd/>
+          </a:ln>
+          <a:effectLst/>
+        </p:spPr>
+        <p:txBody>
+          <a:bodyPr vert="horz" wrap="square" lIns="91440" tIns="45720" rIns="91440" bIns="45720" numCol="1" anchor="t" anchorCtr="0" compatLnSpc="1">
+            <a:prstTxWarp prst="textNoShape">
+              <a:avLst/>
+            </a:prstTxWarp>
+          </a:bodyPr>
+          <a:lstStyle/>
+          <a:p>
+            <a:pPr marL="342900" indent="-342900">
+              <a:spcBef>
+                <a:spcPct val="20000"/>
+              </a:spcBef>
+              <a:buClr>
+                <a:srgbClr val="00AAF6"/>
+              </a:buClr>
+              <a:buFontTx/>
+              <a:buChar char="•"/>
+              <a:defRPr/>
+            </a:pPr>
+            <a:r>
+              <a:rPr lang="en-US" sz="2000" b="1" kern="0" dirty="0" smtClean="0">
+                <a:latin typeface="+mn-lt"/>
+              </a:rPr>
+              <a:t>Several services are found</a:t>
+            </a:r>
+          </a:p>
+          <a:p>
+            <a:pPr marL="342900" indent="-342900">
+              <a:spcBef>
+                <a:spcPct val="20000"/>
+              </a:spcBef>
+              <a:buClr>
+                <a:srgbClr val="00AAF6"/>
+              </a:buClr>
+              <a:buFontTx/>
+              <a:buChar char="•"/>
+              <a:defRPr/>
+            </a:pPr>
+            <a:endParaRPr lang="en-US" sz="2000" b="1" kern="0" dirty="0" smtClean="0">
+              <a:latin typeface="+mn-lt"/>
+            </a:endParaRPr>
+          </a:p>
+          <a:p>
+            <a:pPr marL="342900" indent="-342900">
+              <a:spcBef>
+                <a:spcPct val="20000"/>
+              </a:spcBef>
+              <a:buClr>
+                <a:srgbClr val="00AAF6"/>
+              </a:buClr>
+              <a:buFontTx/>
+              <a:buChar char="•"/>
+              <a:defRPr/>
+            </a:pPr>
+            <a:endParaRPr lang="en-US" sz="2000" b="1" kern="0" dirty="0" smtClean="0">
+              <a:latin typeface="+mn-lt"/>
+            </a:endParaRPr>
+          </a:p>
+          <a:p>
+            <a:pPr marL="342900" indent="-342900">
+              <a:spcBef>
+                <a:spcPct val="20000"/>
+              </a:spcBef>
+              <a:buClr>
+                <a:srgbClr val="00AAF6"/>
+              </a:buClr>
+              <a:buFontTx/>
+              <a:buChar char="•"/>
+              <a:defRPr/>
+            </a:pPr>
+            <a:endParaRPr lang="en-US" sz="2000" b="1" kern="0" dirty="0" smtClean="0">
+              <a:latin typeface="+mn-lt"/>
+            </a:endParaRPr>
+          </a:p>
+          <a:p>
+            <a:pPr marL="342900" indent="-342900">
+              <a:spcBef>
+                <a:spcPct val="20000"/>
+              </a:spcBef>
+              <a:buClr>
+                <a:srgbClr val="00AAF6"/>
+              </a:buClr>
+              <a:buFontTx/>
+              <a:buChar char="•"/>
+              <a:defRPr/>
+            </a:pPr>
+            <a:endParaRPr lang="en-US" sz="2000" b="1" kern="0" dirty="0" smtClean="0">
+              <a:latin typeface="+mn-lt"/>
+            </a:endParaRPr>
+          </a:p>
+          <a:p>
+            <a:pPr marL="342900" indent="-342900">
+              <a:spcBef>
+                <a:spcPct val="20000"/>
+              </a:spcBef>
+              <a:buClr>
+                <a:srgbClr val="00AAF6"/>
+              </a:buClr>
+              <a:buFontTx/>
+              <a:buChar char="•"/>
+              <a:defRPr/>
+            </a:pPr>
+            <a:endParaRPr lang="en-US" sz="2000" b="1" kern="0" dirty="0" smtClean="0">
+              <a:latin typeface="+mn-lt"/>
+            </a:endParaRPr>
+          </a:p>
+          <a:p>
+            <a:pPr marL="342900" indent="-342900">
+              <a:spcBef>
+                <a:spcPct val="20000"/>
+              </a:spcBef>
+              <a:buClr>
+                <a:srgbClr val="00AAF6"/>
+              </a:buClr>
+              <a:buFontTx/>
+              <a:buChar char="•"/>
+              <a:defRPr/>
+            </a:pPr>
+            <a:endParaRPr lang="en-US" sz="2000" b="1" kern="0" dirty="0" smtClean="0">
+              <a:latin typeface="+mn-lt"/>
+            </a:endParaRPr>
+          </a:p>
+          <a:p>
+            <a:pPr marL="342900" indent="-342900">
+              <a:spcBef>
+                <a:spcPct val="20000"/>
+              </a:spcBef>
+              <a:buClr>
+                <a:srgbClr val="00AAF6"/>
+              </a:buClr>
+              <a:buFontTx/>
+              <a:buChar char="•"/>
+              <a:defRPr/>
+            </a:pPr>
+            <a:endParaRPr lang="en-US" sz="2000" b="1" kern="0" dirty="0" smtClean="0">
+              <a:latin typeface="+mn-lt"/>
+            </a:endParaRPr>
+          </a:p>
+          <a:p>
+            <a:pPr marL="342900" indent="-342900">
+              <a:spcBef>
+                <a:spcPct val="20000"/>
+              </a:spcBef>
+              <a:buClr>
+                <a:srgbClr val="00AAF6"/>
+              </a:buClr>
+              <a:buFontTx/>
+              <a:buChar char="•"/>
+              <a:defRPr/>
+            </a:pPr>
+            <a:endParaRPr lang="en-US" sz="2000" b="1" kern="0" dirty="0" smtClean="0">
+              <a:latin typeface="+mn-lt"/>
+            </a:endParaRPr>
+          </a:p>
+          <a:p>
+            <a:pPr marL="342900" indent="-342900">
+              <a:spcBef>
+                <a:spcPct val="20000"/>
+              </a:spcBef>
+              <a:buClr>
+                <a:srgbClr val="00AAF6"/>
+              </a:buClr>
+              <a:buFontTx/>
+              <a:buChar char="•"/>
+              <a:defRPr/>
+            </a:pPr>
+            <a:endParaRPr lang="en-US" sz="2000" b="1" kern="0" dirty="0" smtClean="0">
+              <a:latin typeface="+mn-lt"/>
+            </a:endParaRPr>
+          </a:p>
+          <a:p>
+            <a:pPr marL="342900" indent="-342900">
+              <a:spcBef>
+                <a:spcPct val="20000"/>
+              </a:spcBef>
+              <a:buClr>
+                <a:srgbClr val="00AAF6"/>
+              </a:buClr>
+              <a:buFontTx/>
+              <a:buChar char="•"/>
+              <a:defRPr/>
+            </a:pPr>
+            <a:r>
+              <a:rPr lang="en-US" sz="2000" b="1" kern="0" dirty="0" smtClean="0">
+                <a:latin typeface="+mn-lt"/>
+              </a:rPr>
+              <a:t>The </a:t>
+            </a:r>
+            <a:r>
+              <a:rPr lang="en-US" sz="2000" b="1" kern="0" dirty="0" err="1" smtClean="0">
+                <a:latin typeface="+mn-lt"/>
+              </a:rPr>
+              <a:t>caBIO</a:t>
+            </a:r>
+            <a:r>
+              <a:rPr lang="en-US" sz="2000" b="1" kern="0" dirty="0" smtClean="0">
+                <a:latin typeface="+mn-lt"/>
+              </a:rPr>
+              <a:t> 4.0 Service maintained by CBIIT is selected </a:t>
+            </a:r>
+          </a:p>
+          <a:p>
+            <a:pPr marL="342900" marR="0" lvl="0" indent="-342900" algn="l" defTabSz="914400" rtl="0" eaLnBrk="1" fontAlgn="base" latinLnBrk="0" hangingPunct="1">
+              <a:lnSpc>
+                <a:spcPct val="100000"/>
+              </a:lnSpc>
+              <a:spcBef>
+                <a:spcPct val="20000"/>
+              </a:spcBef>
+              <a:spcAft>
+                <a:spcPct val="0"/>
+              </a:spcAft>
+              <a:buClr>
+                <a:srgbClr val="00AAF6"/>
+              </a:buClr>
+              <a:buSzTx/>
+              <a:buFontTx/>
+              <a:buChar char="•"/>
+              <a:tabLst/>
+              <a:defRPr/>
+            </a:pPr>
+            <a:endParaRPr lang="en-US" sz="2000" b="1" kern="0" dirty="0" smtClean="0">
+              <a:latin typeface="+mn-lt"/>
+            </a:endParaRPr>
+          </a:p>
+        </p:txBody>
+      </p:sp>
+      <p:pic>
+        <p:nvPicPr>
+          <p:cNvPr id="8" name="Picture 7" descr="Gene Name caBIO in Portal.png"/>
+          <p:cNvPicPr>
+            <a:picLocks noChangeAspect="1"/>
+          </p:cNvPicPr>
+          <p:nvPr/>
+        </p:nvPicPr>
+        <p:blipFill>
+          <a:blip r:embed="rId2" cstate="print"/>
+          <a:stretch>
+            <a:fillRect/>
+          </a:stretch>
+        </p:blipFill>
+        <p:spPr>
+          <a:xfrm>
+            <a:off x="685800" y="1752600"/>
+            <a:ext cx="4505325" cy="3067050"/>
+          </a:xfrm>
+          <a:prstGeom prst="rect">
+            <a:avLst/>
+          </a:prstGeom>
+        </p:spPr>
+      </p:pic>
+    </p:spTree>
+  </p:cSld>
+  <p:clrMapOvr>
+    <a:masterClrMapping/>
+  </p:clrMapOvr>
+</p:sld>
+</file>
+
+<file path=ppt/slides/slide31.xml><?xml version="1.0" encoding="utf-8"?>
+<p:sld xmlns:a="http://schemas.openxmlformats.org/drawingml/2006/main" xmlns:r="http://schemas.openxmlformats.org/officeDocument/2006/relationships" xmlns:p="http://schemas.openxmlformats.org/presentationml/2006/main">
+  <p:cSld>
+    <p:spTree>
+      <p:nvGrpSpPr>
+        <p:cNvPr id="1" name=""/>
+        <p:cNvGrpSpPr/>
+        <p:nvPr/>
+      </p:nvGrpSpPr>
+      <p:grpSpPr>
+        <a:xfrm>
+          <a:off x="0" y="0"/>
+          <a:ext cx="0" cy="0"/>
+          <a:chOff x="0" y="0"/>
+          <a:chExt cx="0" cy="0"/>
+        </a:xfrm>
+      </p:grpSpPr>
+      <p:sp>
+        <p:nvSpPr>
+          <p:cNvPr id="2" name="Title 1"/>
+          <p:cNvSpPr>
+            <a:spLocks noGrp="1"/>
+          </p:cNvSpPr>
+          <p:nvPr>
+            <p:ph type="title"/>
+          </p:nvPr>
+        </p:nvSpPr>
+        <p:spPr/>
+        <p:txBody>
+          <a:bodyPr/>
+          <a:lstStyle/>
+          <a:p>
+            <a:r>
+              <a:rPr lang="en-US" dirty="0" smtClean="0"/>
+              <a:t>Data Service Client Workflow</a:t>
+            </a:r>
+            <a:endParaRPr lang="en-US" dirty="0"/>
+          </a:p>
+        </p:txBody>
+      </p:sp>
+      <p:sp>
+        <p:nvSpPr>
+          <p:cNvPr id="4" name="Content Placeholder 2"/>
+          <p:cNvSpPr txBox="1">
+            <a:spLocks/>
+          </p:cNvSpPr>
+          <p:nvPr/>
+        </p:nvSpPr>
+        <p:spPr bwMode="auto">
+          <a:xfrm>
+            <a:off x="304800" y="1371600"/>
+            <a:ext cx="8458200" cy="4953000"/>
+          </a:xfrm>
+          <a:prstGeom prst="rect">
+            <a:avLst/>
+          </a:prstGeom>
+          <a:noFill/>
+          <a:ln w="9525">
+            <a:noFill/>
+            <a:miter lim="800000"/>
+            <a:headEnd/>
+            <a:tailEnd/>
+          </a:ln>
+          <a:effectLst/>
+        </p:spPr>
+        <p:txBody>
+          <a:bodyPr vert="horz" wrap="square" lIns="91440" tIns="45720" rIns="91440" bIns="45720" numCol="1" anchor="t" anchorCtr="0" compatLnSpc="1">
+            <a:prstTxWarp prst="textNoShape">
+              <a:avLst/>
+            </a:prstTxWarp>
+          </a:bodyPr>
+          <a:lstStyle/>
+          <a:p>
+            <a:pPr marL="342900" indent="-342900">
+              <a:spcBef>
+                <a:spcPct val="20000"/>
+              </a:spcBef>
+              <a:buClr>
+                <a:srgbClr val="00AAF6"/>
+              </a:buClr>
+              <a:buFontTx/>
+              <a:buChar char="•"/>
+              <a:defRPr/>
+            </a:pPr>
+            <a:r>
+              <a:rPr lang="en-US" sz="2000" b="1" kern="0" dirty="0" smtClean="0">
+                <a:latin typeface="+mn-lt"/>
+              </a:rPr>
+              <a:t>The Domain Model can be browsed</a:t>
+            </a:r>
+          </a:p>
+          <a:p>
+            <a:pPr marL="800100" lvl="1" indent="-342900">
+              <a:spcBef>
+                <a:spcPct val="20000"/>
+              </a:spcBef>
+              <a:buClr>
+                <a:srgbClr val="00AAF6"/>
+              </a:buClr>
+              <a:buFontTx/>
+              <a:buChar char="•"/>
+              <a:defRPr/>
+            </a:pPr>
+            <a:r>
+              <a:rPr lang="en-US" sz="2000" kern="0" dirty="0" smtClean="0">
+                <a:latin typeface="+mn-lt"/>
+              </a:rPr>
+              <a:t>The Gene class and </a:t>
+            </a:r>
+            <a:r>
+              <a:rPr lang="en-US" sz="2000" i="1" kern="0" dirty="0" err="1" smtClean="0">
+                <a:latin typeface="+mn-lt"/>
+              </a:rPr>
+              <a:t>fullName</a:t>
+            </a:r>
+            <a:r>
+              <a:rPr lang="en-US" sz="2000" i="1" kern="0" dirty="0" smtClean="0">
+                <a:latin typeface="+mn-lt"/>
+              </a:rPr>
+              <a:t> </a:t>
+            </a:r>
+            <a:r>
+              <a:rPr lang="en-US" sz="2000" kern="0" dirty="0" smtClean="0">
+                <a:latin typeface="+mn-lt"/>
+              </a:rPr>
+              <a:t>attribute is found</a:t>
+            </a:r>
+          </a:p>
+          <a:p>
+            <a:pPr marL="800100" lvl="1" indent="-342900">
+              <a:spcBef>
+                <a:spcPct val="20000"/>
+              </a:spcBef>
+              <a:buClr>
+                <a:srgbClr val="00AAF6"/>
+              </a:buClr>
+              <a:buFontTx/>
+              <a:buChar char="•"/>
+              <a:defRPr/>
+            </a:pPr>
+            <a:r>
+              <a:rPr lang="en-US" sz="2000" kern="0" dirty="0" smtClean="0">
+                <a:latin typeface="+mn-lt"/>
+              </a:rPr>
+              <a:t>The same Concept Code we found in the CDE browser and searched for in the portal is associated with this attribute</a:t>
+            </a:r>
+            <a:endParaRPr lang="en-US" sz="2000" kern="0" dirty="0" smtClean="0">
+              <a:latin typeface="+mn-lt"/>
+            </a:endParaRPr>
+          </a:p>
+        </p:txBody>
+      </p:sp>
+      <p:pic>
+        <p:nvPicPr>
+          <p:cNvPr id="5" name="Picture 4" descr="Gene Name in caBIO.png"/>
+          <p:cNvPicPr>
+            <a:picLocks noChangeAspect="1"/>
+          </p:cNvPicPr>
+          <p:nvPr/>
+        </p:nvPicPr>
+        <p:blipFill>
+          <a:blip r:embed="rId2" cstate="print"/>
+          <a:stretch>
+            <a:fillRect/>
+          </a:stretch>
+        </p:blipFill>
+        <p:spPr>
+          <a:xfrm>
+            <a:off x="4419600" y="2819400"/>
+            <a:ext cx="4486275" cy="3657600"/>
+          </a:xfrm>
+          <a:prstGeom prst="rect">
+            <a:avLst/>
+          </a:prstGeom>
+        </p:spPr>
+      </p:pic>
+    </p:spTree>
+  </p:cSld>
+  <p:clrMapOvr>
+    <a:masterClrMapping/>
+  </p:clrMapOvr>
+</p:sld>
+</file>
+
+<file path=ppt/slides/slide32.xml><?xml version="1.0" encoding="utf-8"?>
+<p:sld xmlns:a="http://schemas.openxmlformats.org/drawingml/2006/main" xmlns:r="http://schemas.openxmlformats.org/officeDocument/2006/relationships" xmlns:p="http://schemas.openxmlformats.org/presentationml/2006/main">
+  <p:cSld>
+    <p:spTree>
+      <p:nvGrpSpPr>
+        <p:cNvPr id="1" name=""/>
+        <p:cNvGrpSpPr/>
+        <p:nvPr/>
+      </p:nvGrpSpPr>
+      <p:grpSpPr>
+        <a:xfrm>
+          <a:off x="0" y="0"/>
+          <a:ext cx="0" cy="0"/>
+          <a:chOff x="0" y="0"/>
+          <a:chExt cx="0" cy="0"/>
+        </a:xfrm>
+      </p:grpSpPr>
+      <p:sp>
+        <p:nvSpPr>
+          <p:cNvPr id="2" name="Title 1"/>
+          <p:cNvSpPr>
+            <a:spLocks noGrp="1"/>
+          </p:cNvSpPr>
+          <p:nvPr>
+            <p:ph type="title"/>
+          </p:nvPr>
+        </p:nvSpPr>
+        <p:spPr/>
+        <p:txBody>
+          <a:bodyPr/>
+          <a:lstStyle/>
+          <a:p>
+            <a:r>
+              <a:rPr lang="en-US" dirty="0" smtClean="0"/>
+              <a:t>Data Service Client Workflow</a:t>
+            </a:r>
+            <a:endParaRPr lang="en-US" dirty="0"/>
+          </a:p>
+        </p:txBody>
+      </p:sp>
+      <p:sp>
+        <p:nvSpPr>
+          <p:cNvPr id="4" name="Content Placeholder 2"/>
+          <p:cNvSpPr txBox="1">
+            <a:spLocks/>
+          </p:cNvSpPr>
+          <p:nvPr/>
+        </p:nvSpPr>
+        <p:spPr bwMode="auto">
+          <a:xfrm>
+            <a:off x="304800" y="1371600"/>
+            <a:ext cx="8458200" cy="4953000"/>
+          </a:xfrm>
+          <a:prstGeom prst="rect">
+            <a:avLst/>
+          </a:prstGeom>
+          <a:noFill/>
+          <a:ln w="9525">
+            <a:noFill/>
+            <a:miter lim="800000"/>
+            <a:headEnd/>
+            <a:tailEnd/>
+          </a:ln>
+          <a:effectLst/>
+        </p:spPr>
+        <p:txBody>
+          <a:bodyPr vert="horz" wrap="square" lIns="91440" tIns="45720" rIns="91440" bIns="45720" numCol="1" anchor="t" anchorCtr="0" compatLnSpc="1">
+            <a:prstTxWarp prst="textNoShape">
+              <a:avLst/>
+            </a:prstTxWarp>
+          </a:bodyPr>
+          <a:lstStyle/>
+          <a:p>
+            <a:pPr marL="342900" indent="-342900">
+              <a:spcBef>
+                <a:spcPct val="20000"/>
+              </a:spcBef>
+              <a:buClr>
+                <a:srgbClr val="00AAF6"/>
+              </a:buClr>
+              <a:buFontTx/>
+              <a:buChar char="•"/>
+              <a:defRPr/>
+            </a:pPr>
+            <a:r>
+              <a:rPr lang="en-US" sz="2000" b="1" kern="0" dirty="0" smtClean="0">
+                <a:latin typeface="+mn-lt"/>
+              </a:rPr>
+              <a:t>Create a query</a:t>
+            </a:r>
+          </a:p>
+          <a:p>
+            <a:pPr marL="800100" lvl="1" indent="-342900">
+              <a:spcBef>
+                <a:spcPct val="20000"/>
+              </a:spcBef>
+              <a:buClr>
+                <a:srgbClr val="00AAF6"/>
+              </a:buClr>
+              <a:buFontTx/>
+              <a:buChar char="•"/>
+              <a:defRPr/>
+            </a:pPr>
+            <a:r>
+              <a:rPr lang="en-US" sz="2000" kern="0" dirty="0" smtClean="0">
+                <a:latin typeface="+mn-lt"/>
+              </a:rPr>
+              <a:t>Researcher selects the Gene data type for query</a:t>
+            </a:r>
+          </a:p>
+          <a:p>
+            <a:pPr marL="1257300" lvl="2" indent="-342900">
+              <a:spcBef>
+                <a:spcPct val="20000"/>
+              </a:spcBef>
+              <a:buClr>
+                <a:srgbClr val="00AAF6"/>
+              </a:buClr>
+              <a:buFontTx/>
+              <a:buChar char="•"/>
+              <a:defRPr/>
+            </a:pPr>
+            <a:r>
+              <a:rPr lang="en-US" kern="0" dirty="0" smtClean="0">
+                <a:latin typeface="+mn-lt"/>
+              </a:rPr>
+              <a:t>Portal generates a CQL query targeting the </a:t>
+            </a:r>
+            <a:r>
+              <a:rPr lang="en-US" i="1" kern="0" dirty="0" smtClean="0">
+                <a:latin typeface="+mn-lt"/>
+              </a:rPr>
+              <a:t>Gene</a:t>
+            </a:r>
+            <a:r>
+              <a:rPr lang="en-US" kern="0" dirty="0" smtClean="0">
+                <a:latin typeface="+mn-lt"/>
+              </a:rPr>
+              <a:t> </a:t>
+            </a:r>
+            <a:r>
+              <a:rPr lang="en-US" kern="0" dirty="0" err="1" smtClean="0">
+                <a:latin typeface="+mn-lt"/>
+              </a:rPr>
+              <a:t>datatype</a:t>
+            </a:r>
+            <a:endParaRPr lang="en-US" kern="0" dirty="0" smtClean="0">
+              <a:latin typeface="+mn-lt"/>
+            </a:endParaRPr>
+          </a:p>
+          <a:p>
+            <a:pPr marL="800100" lvl="1" indent="-342900">
+              <a:spcBef>
+                <a:spcPct val="20000"/>
+              </a:spcBef>
+              <a:buClr>
+                <a:srgbClr val="00AAF6"/>
+              </a:buClr>
+              <a:buFontTx/>
+              <a:buChar char="•"/>
+              <a:defRPr/>
+            </a:pPr>
+            <a:r>
+              <a:rPr lang="en-US" sz="2000" kern="0" dirty="0" smtClean="0">
+                <a:latin typeface="+mn-lt"/>
+              </a:rPr>
+              <a:t>Researcher selects “Add Criterion” to </a:t>
+            </a:r>
+            <a:r>
+              <a:rPr lang="en-US" sz="2000" kern="0" dirty="0" smtClean="0">
+                <a:latin typeface="+mn-lt"/>
+              </a:rPr>
+              <a:t>restrict the </a:t>
+            </a:r>
+            <a:r>
+              <a:rPr lang="en-US" sz="2000" i="1" kern="0" dirty="0" err="1" smtClean="0">
+                <a:latin typeface="+mn-lt"/>
+              </a:rPr>
+              <a:t>fullName</a:t>
+            </a:r>
+            <a:r>
+              <a:rPr lang="en-US" sz="2000" kern="0" dirty="0" smtClean="0">
+                <a:latin typeface="+mn-lt"/>
+              </a:rPr>
+              <a:t> attribute</a:t>
+            </a:r>
+          </a:p>
+          <a:p>
+            <a:pPr marL="1257300" lvl="2" indent="-342900">
+              <a:spcBef>
+                <a:spcPct val="20000"/>
+              </a:spcBef>
+              <a:buClr>
+                <a:srgbClr val="00AAF6"/>
+              </a:buClr>
+              <a:buFontTx/>
+              <a:buChar char="•"/>
+              <a:defRPr/>
+            </a:pPr>
+            <a:r>
+              <a:rPr lang="en-US" kern="0" dirty="0" smtClean="0">
+                <a:latin typeface="+mn-lt"/>
+              </a:rPr>
+              <a:t>Selects the predicate “LIKE” and enters the value “BRC%”</a:t>
+            </a:r>
+            <a:endParaRPr lang="en-US" kern="0" dirty="0" smtClean="0">
+              <a:latin typeface="+mn-lt"/>
+            </a:endParaRPr>
+          </a:p>
+        </p:txBody>
+      </p:sp>
+      <p:pic>
+        <p:nvPicPr>
+          <p:cNvPr id="6" name="Picture 5" descr="Gene Name like BRC.png"/>
+          <p:cNvPicPr>
+            <a:picLocks noChangeAspect="1"/>
+          </p:cNvPicPr>
+          <p:nvPr/>
+        </p:nvPicPr>
+        <p:blipFill>
+          <a:blip r:embed="rId2" cstate="print"/>
+          <a:stretch>
+            <a:fillRect/>
+          </a:stretch>
+        </p:blipFill>
+        <p:spPr>
+          <a:xfrm>
+            <a:off x="1524000" y="3505200"/>
+            <a:ext cx="4752975" cy="2495550"/>
+          </a:xfrm>
+          <a:prstGeom prst="rect">
+            <a:avLst/>
+          </a:prstGeom>
+        </p:spPr>
+      </p:pic>
+    </p:spTree>
+  </p:cSld>
+  <p:clrMapOvr>
+    <a:masterClrMapping/>
+  </p:clrMapOvr>
+</p:sld>
+</file>
+
+<file path=ppt/slides/slide33.xml><?xml version="1.0" encoding="utf-8"?>
+<p:sld xmlns:a="http://schemas.openxmlformats.org/drawingml/2006/main" xmlns:r="http://schemas.openxmlformats.org/officeDocument/2006/relationships" xmlns:p="http://schemas.openxmlformats.org/presentationml/2006/main">
+  <p:cSld>
+    <p:spTree>
+      <p:nvGrpSpPr>
+        <p:cNvPr id="1" name=""/>
+        <p:cNvGrpSpPr/>
+        <p:nvPr/>
+      </p:nvGrpSpPr>
+      <p:grpSpPr>
+        <a:xfrm>
+          <a:off x="0" y="0"/>
+          <a:ext cx="0" cy="0"/>
+          <a:chOff x="0" y="0"/>
+          <a:chExt cx="0" cy="0"/>
+        </a:xfrm>
+      </p:grpSpPr>
+      <p:sp>
+        <p:nvSpPr>
+          <p:cNvPr id="2" name="Title 1"/>
+          <p:cNvSpPr>
+            <a:spLocks noGrp="1"/>
+          </p:cNvSpPr>
+          <p:nvPr>
+            <p:ph type="title"/>
+          </p:nvPr>
+        </p:nvSpPr>
+        <p:spPr/>
+        <p:txBody>
+          <a:bodyPr/>
+          <a:lstStyle/>
+          <a:p>
+            <a:r>
+              <a:rPr lang="en-US" dirty="0" smtClean="0"/>
+              <a:t>Data Service Client Workflow</a:t>
+            </a:r>
+            <a:endParaRPr lang="en-US" dirty="0"/>
+          </a:p>
+        </p:txBody>
+      </p:sp>
+      <p:sp>
+        <p:nvSpPr>
+          <p:cNvPr id="4" name="Content Placeholder 2"/>
+          <p:cNvSpPr txBox="1">
+            <a:spLocks/>
+          </p:cNvSpPr>
+          <p:nvPr/>
+        </p:nvSpPr>
+        <p:spPr bwMode="auto">
+          <a:xfrm>
+            <a:off x="304800" y="1371600"/>
+            <a:ext cx="8458200" cy="4953000"/>
+          </a:xfrm>
+          <a:prstGeom prst="rect">
+            <a:avLst/>
+          </a:prstGeom>
+          <a:noFill/>
+          <a:ln w="9525">
+            <a:noFill/>
+            <a:miter lim="800000"/>
+            <a:headEnd/>
+            <a:tailEnd/>
+          </a:ln>
+          <a:effectLst/>
+        </p:spPr>
+        <p:txBody>
+          <a:bodyPr vert="horz" wrap="square" lIns="91440" tIns="45720" rIns="91440" bIns="45720" numCol="1" anchor="t" anchorCtr="0" compatLnSpc="1">
+            <a:prstTxWarp prst="textNoShape">
+              <a:avLst/>
+            </a:prstTxWarp>
+          </a:bodyPr>
+          <a:lstStyle/>
+          <a:p>
+            <a:pPr marL="342900" indent="-342900">
+              <a:spcBef>
+                <a:spcPct val="20000"/>
+              </a:spcBef>
+              <a:buClr>
+                <a:srgbClr val="00AAF6"/>
+              </a:buClr>
+              <a:buFontTx/>
+              <a:buChar char="•"/>
+              <a:defRPr/>
+            </a:pPr>
+            <a:r>
+              <a:rPr lang="en-US" sz="2000" b="1" kern="0" dirty="0" smtClean="0">
+                <a:latin typeface="+mn-lt"/>
+              </a:rPr>
+              <a:t>Retrieve Objects</a:t>
+            </a:r>
+          </a:p>
+          <a:p>
+            <a:pPr marL="800100" lvl="1" indent="-342900">
+              <a:spcBef>
+                <a:spcPct val="20000"/>
+              </a:spcBef>
+              <a:buClr>
+                <a:srgbClr val="00AAF6"/>
+              </a:buClr>
+              <a:buFontTx/>
+              <a:buChar char="•"/>
+              <a:defRPr/>
+            </a:pPr>
+            <a:r>
+              <a:rPr lang="en-US" sz="2000" kern="0" dirty="0" smtClean="0">
+                <a:latin typeface="+mn-lt"/>
+              </a:rPr>
+              <a:t>The portal defaults all queries to return a count of the data instances a query returns</a:t>
+            </a:r>
+          </a:p>
+          <a:p>
+            <a:pPr marL="800100" lvl="1" indent="-342900">
+              <a:spcBef>
+                <a:spcPct val="20000"/>
+              </a:spcBef>
+              <a:buClr>
+                <a:srgbClr val="00AAF6"/>
+              </a:buClr>
+              <a:buFontTx/>
+              <a:buChar char="•"/>
+              <a:defRPr/>
+            </a:pPr>
+            <a:r>
+              <a:rPr lang="en-US" sz="2000" kern="0" dirty="0" smtClean="0">
+                <a:latin typeface="+mn-lt"/>
+              </a:rPr>
+              <a:t>Researcher chooses to Edit Query Modifiers</a:t>
+            </a:r>
+          </a:p>
+          <a:p>
+            <a:pPr marL="1257300" lvl="2" indent="-342900">
+              <a:spcBef>
+                <a:spcPct val="20000"/>
+              </a:spcBef>
+              <a:buClr>
+                <a:srgbClr val="00AAF6"/>
+              </a:buClr>
+              <a:buFontTx/>
+              <a:buChar char="•"/>
+              <a:defRPr/>
+            </a:pPr>
+            <a:r>
+              <a:rPr lang="en-US" kern="0" dirty="0" smtClean="0">
+                <a:latin typeface="+mn-lt"/>
+              </a:rPr>
+              <a:t>Selects </a:t>
+            </a:r>
+            <a:r>
+              <a:rPr lang="en-US" i="1" kern="0" dirty="0" smtClean="0">
+                <a:latin typeface="+mn-lt"/>
+              </a:rPr>
+              <a:t>Object</a:t>
+            </a:r>
+            <a:r>
+              <a:rPr lang="en-US" kern="0" dirty="0" smtClean="0">
+                <a:latin typeface="+mn-lt"/>
+              </a:rPr>
+              <a:t> rather than </a:t>
+            </a:r>
+            <a:r>
+              <a:rPr lang="en-US" i="1" kern="0" dirty="0" smtClean="0">
+                <a:latin typeface="+mn-lt"/>
+              </a:rPr>
+              <a:t>Count</a:t>
+            </a:r>
+          </a:p>
+        </p:txBody>
+      </p:sp>
+      <p:pic>
+        <p:nvPicPr>
+          <p:cNvPr id="5" name="Picture 4" descr="Gene Name as Objects.png"/>
+          <p:cNvPicPr>
+            <a:picLocks noChangeAspect="1"/>
+          </p:cNvPicPr>
+          <p:nvPr/>
+        </p:nvPicPr>
+        <p:blipFill>
+          <a:blip r:embed="rId2" cstate="print"/>
+          <a:stretch>
+            <a:fillRect/>
+          </a:stretch>
+        </p:blipFill>
+        <p:spPr>
+          <a:xfrm>
+            <a:off x="1295400" y="3200400"/>
+            <a:ext cx="4714875" cy="2095500"/>
+          </a:xfrm>
+          <a:prstGeom prst="rect">
+            <a:avLst/>
+          </a:prstGeom>
+        </p:spPr>
+      </p:pic>
+    </p:spTree>
+  </p:cSld>
+  <p:clrMapOvr>
+    <a:masterClrMapping/>
+  </p:clrMapOvr>
+</p:sld>
+</file>
+
+<file path=ppt/slides/slide34.xml><?xml version="1.0" encoding="utf-8"?>
+<p:sld xmlns:a="http://schemas.openxmlformats.org/drawingml/2006/main" xmlns:r="http://schemas.openxmlformats.org/officeDocument/2006/relationships" xmlns:p="http://schemas.openxmlformats.org/presentationml/2006/main">
+  <p:cSld>
+    <p:spTree>
+      <p:nvGrpSpPr>
+        <p:cNvPr id="1" name=""/>
+        <p:cNvGrpSpPr/>
+        <p:nvPr/>
+      </p:nvGrpSpPr>
+      <p:grpSpPr>
+        <a:xfrm>
+          <a:off x="0" y="0"/>
+          <a:ext cx="0" cy="0"/>
+          <a:chOff x="0" y="0"/>
+          <a:chExt cx="0" cy="0"/>
+        </a:xfrm>
+      </p:grpSpPr>
+      <p:sp>
+        <p:nvSpPr>
+          <p:cNvPr id="2" name="Title 1"/>
+          <p:cNvSpPr>
+            <a:spLocks noGrp="1"/>
+          </p:cNvSpPr>
+          <p:nvPr>
+            <p:ph type="title"/>
+          </p:nvPr>
+        </p:nvSpPr>
+        <p:spPr/>
+        <p:txBody>
+          <a:bodyPr/>
+          <a:lstStyle/>
+          <a:p>
+            <a:r>
+              <a:rPr lang="en-US" dirty="0" smtClean="0"/>
+              <a:t>Data Service Client Workflow</a:t>
+            </a:r>
+            <a:endParaRPr lang="en-US" dirty="0"/>
+          </a:p>
+        </p:txBody>
+      </p:sp>
+      <p:sp>
+        <p:nvSpPr>
+          <p:cNvPr id="4" name="Content Placeholder 2"/>
+          <p:cNvSpPr txBox="1">
+            <a:spLocks/>
+          </p:cNvSpPr>
+          <p:nvPr/>
+        </p:nvSpPr>
+        <p:spPr bwMode="auto">
+          <a:xfrm>
+            <a:off x="304800" y="1371600"/>
+            <a:ext cx="8458200" cy="4953000"/>
+          </a:xfrm>
+          <a:prstGeom prst="rect">
+            <a:avLst/>
+          </a:prstGeom>
+          <a:noFill/>
+          <a:ln w="9525">
+            <a:noFill/>
+            <a:miter lim="800000"/>
+            <a:headEnd/>
+            <a:tailEnd/>
+          </a:ln>
+          <a:effectLst/>
+        </p:spPr>
+        <p:txBody>
+          <a:bodyPr vert="horz" wrap="square" lIns="91440" tIns="45720" rIns="91440" bIns="45720" numCol="1" anchor="t" anchorCtr="0" compatLnSpc="1">
+            <a:prstTxWarp prst="textNoShape">
+              <a:avLst/>
+            </a:prstTxWarp>
+          </a:bodyPr>
+          <a:lstStyle/>
+          <a:p>
+            <a:pPr marL="342900" indent="-342900">
+              <a:spcBef>
+                <a:spcPct val="20000"/>
+              </a:spcBef>
+              <a:buClr>
+                <a:srgbClr val="00AAF6"/>
+              </a:buClr>
+              <a:buFontTx/>
+              <a:buChar char="•"/>
+              <a:defRPr/>
+            </a:pPr>
+            <a:r>
+              <a:rPr lang="en-US" sz="2000" b="1" kern="0" dirty="0" smtClean="0">
+                <a:latin typeface="+mn-lt"/>
+              </a:rPr>
+              <a:t>Submit the query</a:t>
+            </a:r>
+          </a:p>
+          <a:p>
+            <a:pPr marL="342900" indent="-342900">
+              <a:spcBef>
+                <a:spcPct val="20000"/>
+              </a:spcBef>
+              <a:buClr>
+                <a:srgbClr val="00AAF6"/>
+              </a:buClr>
+              <a:buFontTx/>
+              <a:buChar char="•"/>
+              <a:defRPr/>
+            </a:pPr>
+            <a:endParaRPr lang="en-US" sz="2000" b="1" i="1" kern="0" dirty="0" smtClean="0">
+              <a:latin typeface="+mn-lt"/>
+            </a:endParaRPr>
+          </a:p>
+          <a:p>
+            <a:pPr marL="342900" indent="-342900">
+              <a:spcBef>
+                <a:spcPct val="20000"/>
+              </a:spcBef>
+              <a:buClr>
+                <a:srgbClr val="00AAF6"/>
+              </a:buClr>
+              <a:buFontTx/>
+              <a:buChar char="•"/>
+              <a:defRPr/>
+            </a:pPr>
+            <a:endParaRPr lang="en-US" sz="2000" b="1" i="1" kern="0" dirty="0" smtClean="0">
+              <a:latin typeface="+mn-lt"/>
+            </a:endParaRPr>
+          </a:p>
+          <a:p>
+            <a:pPr marL="342900" indent="-342900">
+              <a:spcBef>
+                <a:spcPct val="20000"/>
+              </a:spcBef>
+              <a:buClr>
+                <a:srgbClr val="00AAF6"/>
+              </a:buClr>
+              <a:buFontTx/>
+              <a:buChar char="•"/>
+              <a:defRPr/>
+            </a:pPr>
+            <a:endParaRPr lang="en-US" sz="2000" b="1" i="1" kern="0" dirty="0" smtClean="0">
+              <a:latin typeface="+mn-lt"/>
+            </a:endParaRPr>
+          </a:p>
+          <a:p>
+            <a:pPr marL="342900" indent="-342900">
+              <a:spcBef>
+                <a:spcPct val="20000"/>
+              </a:spcBef>
+              <a:buClr>
+                <a:srgbClr val="00AAF6"/>
+              </a:buClr>
+              <a:buFontTx/>
+              <a:buChar char="•"/>
+              <a:defRPr/>
+            </a:pPr>
+            <a:endParaRPr lang="en-US" sz="2000" b="1" i="1" kern="0" dirty="0" smtClean="0">
+              <a:latin typeface="+mn-lt"/>
+            </a:endParaRPr>
+          </a:p>
+          <a:p>
+            <a:pPr marL="342900" indent="-342900">
+              <a:spcBef>
+                <a:spcPct val="20000"/>
+              </a:spcBef>
+              <a:buClr>
+                <a:srgbClr val="00AAF6"/>
+              </a:buClr>
+              <a:buFontTx/>
+              <a:buChar char="•"/>
+              <a:defRPr/>
+            </a:pPr>
+            <a:endParaRPr lang="en-US" sz="2000" b="1" i="1" kern="0" dirty="0" smtClean="0">
+              <a:latin typeface="+mn-lt"/>
+            </a:endParaRPr>
+          </a:p>
+          <a:p>
+            <a:pPr marL="342900" indent="-342900">
+              <a:spcBef>
+                <a:spcPct val="20000"/>
+              </a:spcBef>
+              <a:buClr>
+                <a:srgbClr val="00AAF6"/>
+              </a:buClr>
+              <a:buFontTx/>
+              <a:buChar char="•"/>
+              <a:defRPr/>
+            </a:pPr>
+            <a:r>
+              <a:rPr lang="en-US" sz="2000" b="1" kern="0" dirty="0" smtClean="0">
+                <a:latin typeface="+mn-lt"/>
+              </a:rPr>
+              <a:t>State is updated when results are ready</a:t>
+            </a:r>
+          </a:p>
+          <a:p>
+            <a:pPr marL="342900" indent="-342900">
+              <a:spcBef>
+                <a:spcPct val="20000"/>
+              </a:spcBef>
+              <a:buClr>
+                <a:srgbClr val="00AAF6"/>
+              </a:buClr>
+              <a:buFontTx/>
+              <a:buChar char="•"/>
+              <a:defRPr/>
+            </a:pPr>
+            <a:endParaRPr lang="en-US" sz="2000" b="1" kern="0" dirty="0" smtClean="0">
+              <a:latin typeface="+mn-lt"/>
+            </a:endParaRPr>
+          </a:p>
+          <a:p>
+            <a:pPr marL="342900" indent="-342900">
+              <a:spcBef>
+                <a:spcPct val="20000"/>
+              </a:spcBef>
+              <a:buClr>
+                <a:srgbClr val="00AAF6"/>
+              </a:buClr>
+              <a:buFontTx/>
+              <a:buChar char="•"/>
+              <a:defRPr/>
+            </a:pPr>
+            <a:endParaRPr lang="en-US" sz="2000" b="1" kern="0" dirty="0" smtClean="0">
+              <a:latin typeface="+mn-lt"/>
+            </a:endParaRPr>
+          </a:p>
+          <a:p>
+            <a:pPr marL="342900" indent="-342900">
+              <a:spcBef>
+                <a:spcPct val="20000"/>
+              </a:spcBef>
+              <a:buClr>
+                <a:srgbClr val="00AAF6"/>
+              </a:buClr>
+              <a:buFontTx/>
+              <a:buChar char="•"/>
+              <a:defRPr/>
+            </a:pPr>
+            <a:endParaRPr lang="en-US" sz="2000" b="1" kern="0" dirty="0" smtClean="0">
+              <a:latin typeface="+mn-lt"/>
+            </a:endParaRPr>
+          </a:p>
+          <a:p>
+            <a:pPr marL="342900" indent="-342900">
+              <a:spcBef>
+                <a:spcPct val="20000"/>
+              </a:spcBef>
+              <a:buClr>
+                <a:srgbClr val="00AAF6"/>
+              </a:buClr>
+              <a:buFontTx/>
+              <a:buChar char="•"/>
+              <a:defRPr/>
+            </a:pPr>
+            <a:endParaRPr lang="en-US" sz="2000" b="1" kern="0" dirty="0" smtClean="0">
+              <a:latin typeface="+mn-lt"/>
+            </a:endParaRPr>
+          </a:p>
+          <a:p>
+            <a:pPr marL="342900" indent="-342900">
+              <a:spcBef>
+                <a:spcPct val="20000"/>
+              </a:spcBef>
+              <a:buClr>
+                <a:srgbClr val="00AAF6"/>
+              </a:buClr>
+              <a:buFontTx/>
+              <a:buChar char="•"/>
+              <a:defRPr/>
+            </a:pPr>
+            <a:endParaRPr lang="en-US" sz="2000" b="1" kern="0" dirty="0" smtClean="0">
+              <a:latin typeface="+mn-lt"/>
+            </a:endParaRPr>
+          </a:p>
+          <a:p>
+            <a:pPr marL="800100" lvl="1" indent="-342900">
+              <a:spcBef>
+                <a:spcPct val="20000"/>
+              </a:spcBef>
+              <a:buClr>
+                <a:srgbClr val="00AAF6"/>
+              </a:buClr>
+              <a:buFontTx/>
+              <a:buChar char="•"/>
+              <a:defRPr/>
+            </a:pPr>
+            <a:r>
+              <a:rPr lang="en-US" sz="2000" kern="0" dirty="0" smtClean="0">
+                <a:latin typeface="+mn-lt"/>
+              </a:rPr>
+              <a:t>Researcher can view the results</a:t>
+            </a:r>
+          </a:p>
+          <a:p>
+            <a:pPr marL="342900" indent="-342900">
+              <a:spcBef>
+                <a:spcPct val="20000"/>
+              </a:spcBef>
+              <a:buClr>
+                <a:srgbClr val="00AAF6"/>
+              </a:buClr>
+              <a:buFontTx/>
+              <a:buChar char="•"/>
+              <a:defRPr/>
+            </a:pPr>
+            <a:endParaRPr lang="en-US" kern="0" dirty="0" smtClean="0">
+              <a:latin typeface="+mn-lt"/>
+            </a:endParaRPr>
+          </a:p>
+        </p:txBody>
+      </p:sp>
+      <p:pic>
+        <p:nvPicPr>
+          <p:cNvPr id="6" name="Picture 5" descr="Gene query started.png"/>
+          <p:cNvPicPr>
+            <a:picLocks noChangeAspect="1"/>
+          </p:cNvPicPr>
+          <p:nvPr/>
+        </p:nvPicPr>
+        <p:blipFill>
+          <a:blip r:embed="rId2" cstate="print"/>
+          <a:stretch>
+            <a:fillRect/>
+          </a:stretch>
+        </p:blipFill>
+        <p:spPr>
+          <a:xfrm>
+            <a:off x="685800" y="1752600"/>
+            <a:ext cx="4686300" cy="1562100"/>
+          </a:xfrm>
+          <a:prstGeom prst="rect">
+            <a:avLst/>
+          </a:prstGeom>
+        </p:spPr>
+      </p:pic>
+      <p:pic>
+        <p:nvPicPr>
+          <p:cNvPr id="7" name="Picture 6" descr="Gene query complete.png"/>
+          <p:cNvPicPr>
+            <a:picLocks noChangeAspect="1"/>
+          </p:cNvPicPr>
+          <p:nvPr/>
+        </p:nvPicPr>
+        <p:blipFill>
+          <a:blip r:embed="rId3" cstate="print"/>
+          <a:stretch>
+            <a:fillRect/>
+          </a:stretch>
+        </p:blipFill>
+        <p:spPr>
+          <a:xfrm>
+            <a:off x="685800" y="3962400"/>
+            <a:ext cx="4724400" cy="1724025"/>
+          </a:xfrm>
+          <a:prstGeom prst="rect">
+            <a:avLst/>
+          </a:prstGeom>
+        </p:spPr>
+      </p:pic>
+    </p:spTree>
+  </p:cSld>
+  <p:clrMapOvr>
+    <a:masterClrMapping/>
+  </p:clrMapOvr>
+</p:sld>
+</file>
+
+<file path=ppt/slides/slide35.xml><?xml version="1.0" encoding="utf-8"?>
+<p:sld xmlns:a="http://schemas.openxmlformats.org/drawingml/2006/main" xmlns:r="http://schemas.openxmlformats.org/officeDocument/2006/relationships" xmlns:p="http://schemas.openxmlformats.org/presentationml/2006/main">
+  <p:cSld>
+    <p:spTree>
+      <p:nvGrpSpPr>
+        <p:cNvPr id="1" name=""/>
+        <p:cNvGrpSpPr/>
+        <p:nvPr/>
+      </p:nvGrpSpPr>
+      <p:grpSpPr>
+        <a:xfrm>
+          <a:off x="0" y="0"/>
+          <a:ext cx="0" cy="0"/>
+          <a:chOff x="0" y="0"/>
+          <a:chExt cx="0" cy="0"/>
+        </a:xfrm>
+      </p:grpSpPr>
+      <p:sp>
+        <p:nvSpPr>
+          <p:cNvPr id="2" name="Title 1"/>
+          <p:cNvSpPr>
+            <a:spLocks noGrp="1"/>
+          </p:cNvSpPr>
+          <p:nvPr>
+            <p:ph type="title"/>
+          </p:nvPr>
+        </p:nvSpPr>
+        <p:spPr/>
+        <p:txBody>
+          <a:bodyPr/>
+          <a:lstStyle/>
+          <a:p>
+            <a:r>
+              <a:rPr lang="en-US" dirty="0" smtClean="0"/>
+              <a:t>Data Service Client Workflow</a:t>
+            </a:r>
+            <a:endParaRPr lang="en-US" dirty="0"/>
+          </a:p>
+        </p:txBody>
+      </p:sp>
+      <p:sp>
+        <p:nvSpPr>
+          <p:cNvPr id="4" name="Content Placeholder 2"/>
+          <p:cNvSpPr txBox="1">
+            <a:spLocks/>
+          </p:cNvSpPr>
+          <p:nvPr/>
+        </p:nvSpPr>
+        <p:spPr bwMode="auto">
+          <a:xfrm>
+            <a:off x="304800" y="1371600"/>
+            <a:ext cx="8458200" cy="4953000"/>
+          </a:xfrm>
+          <a:prstGeom prst="rect">
+            <a:avLst/>
+          </a:prstGeom>
+          <a:noFill/>
+          <a:ln w="9525">
+            <a:noFill/>
+            <a:miter lim="800000"/>
+            <a:headEnd/>
+            <a:tailEnd/>
+          </a:ln>
+          <a:effectLst/>
+        </p:spPr>
+        <p:txBody>
+          <a:bodyPr vert="horz" wrap="square" lIns="91440" tIns="45720" rIns="91440" bIns="45720" numCol="1" anchor="t" anchorCtr="0" compatLnSpc="1">
+            <a:prstTxWarp prst="textNoShape">
+              <a:avLst/>
+            </a:prstTxWarp>
+          </a:bodyPr>
+          <a:lstStyle/>
+          <a:p>
+            <a:pPr marL="342900" indent="-342900">
+              <a:spcBef>
+                <a:spcPct val="20000"/>
+              </a:spcBef>
+              <a:buClr>
+                <a:srgbClr val="00AAF6"/>
+              </a:buClr>
+              <a:buFontTx/>
+              <a:buChar char="•"/>
+              <a:defRPr/>
+            </a:pPr>
+            <a:r>
+              <a:rPr lang="en-US" sz="2000" b="1" kern="0" dirty="0" smtClean="0">
+                <a:latin typeface="+mn-lt"/>
+              </a:rPr>
+              <a:t>Viewing the results</a:t>
+            </a:r>
+          </a:p>
+          <a:p>
+            <a:pPr marL="800100" lvl="1" indent="-342900">
+              <a:spcBef>
+                <a:spcPct val="20000"/>
+              </a:spcBef>
+              <a:buClr>
+                <a:srgbClr val="00AAF6"/>
+              </a:buClr>
+              <a:buFontTx/>
+              <a:buChar char="•"/>
+              <a:defRPr/>
+            </a:pPr>
+            <a:r>
+              <a:rPr lang="en-US" sz="2000" kern="0" dirty="0" smtClean="0">
+                <a:latin typeface="+mn-lt"/>
+              </a:rPr>
+              <a:t>17 results from this service</a:t>
+            </a:r>
+            <a:endParaRPr lang="en-US" kern="0" dirty="0" smtClean="0">
+              <a:latin typeface="+mn-lt"/>
+            </a:endParaRPr>
+          </a:p>
+        </p:txBody>
+      </p:sp>
+      <p:pic>
+        <p:nvPicPr>
+          <p:cNvPr id="8" name="Picture 7" descr="Gene results in portal.png"/>
+          <p:cNvPicPr>
+            <a:picLocks noChangeAspect="1"/>
+          </p:cNvPicPr>
+          <p:nvPr/>
+        </p:nvPicPr>
+        <p:blipFill>
+          <a:blip r:embed="rId2" cstate="print"/>
+          <a:stretch>
+            <a:fillRect/>
+          </a:stretch>
+        </p:blipFill>
+        <p:spPr>
+          <a:xfrm>
+            <a:off x="4267200" y="1295400"/>
+            <a:ext cx="4705350" cy="4867275"/>
+          </a:xfrm>
+          <a:prstGeom prst="rect">
+            <a:avLst/>
+          </a:prstGeom>
+        </p:spPr>
+      </p:pic>
+    </p:spTree>
+  </p:cSld>
+  <p:clrMapOvr>
+    <a:masterClrMapping/>
+  </p:clrMapOvr>
+</p:sld>
+</file>
+
+<file path=ppt/slides/slide36.xml><?xml version="1.0" encoding="utf-8"?>
+<p:sld xmlns:a="http://schemas.openxmlformats.org/drawingml/2006/main" xmlns:r="http://schemas.openxmlformats.org/officeDocument/2006/relationships" xmlns:p="http://schemas.openxmlformats.org/presentationml/2006/main">
+  <p:cSld>
+    <p:spTree>
+      <p:nvGrpSpPr>
+        <p:cNvPr id="1" name=""/>
+        <p:cNvGrpSpPr/>
+        <p:nvPr/>
+      </p:nvGrpSpPr>
+      <p:grpSpPr>
+        <a:xfrm>
+          <a:off x="0" y="0"/>
+          <a:ext cx="0" cy="0"/>
+          <a:chOff x="0" y="0"/>
+          <a:chExt cx="0" cy="0"/>
+        </a:xfrm>
+      </p:grpSpPr>
+      <p:sp>
+        <p:nvSpPr>
+          <p:cNvPr id="2" name="Title 1"/>
+          <p:cNvSpPr>
+            <a:spLocks noGrp="1"/>
+          </p:cNvSpPr>
+          <p:nvPr>
+            <p:ph type="title"/>
+          </p:nvPr>
+        </p:nvSpPr>
+        <p:spPr/>
+        <p:txBody>
+          <a:bodyPr/>
+          <a:lstStyle/>
+          <a:p>
+            <a:r>
+              <a:rPr lang="en-US" dirty="0" smtClean="0"/>
+              <a:t>Federated Queries</a:t>
             </a:r>
             <a:endParaRPr lang="en-US" dirty="0"/>
           </a:p>
@@ -10243,6 +13156,116 @@
           </a:bodyPr>
           <a:lstStyle/>
           <a:p>
+            <a:pPr marL="342900" marR="0" lvl="0" indent="-342900" algn="l" defTabSz="914400" rtl="0" eaLnBrk="1" fontAlgn="base" latinLnBrk="0" hangingPunct="1">
+              <a:lnSpc>
+                <a:spcPct val="100000"/>
+              </a:lnSpc>
+              <a:spcBef>
+                <a:spcPct val="20000"/>
+              </a:spcBef>
+              <a:spcAft>
+                <a:spcPct val="0"/>
+              </a:spcAft>
+              <a:buClr>
+                <a:srgbClr val="00AAF6"/>
+              </a:buClr>
+              <a:buSzTx/>
+              <a:buFontTx/>
+              <a:buChar char="•"/>
+              <a:tabLst/>
+              <a:defRPr/>
+            </a:pPr>
+            <a:r>
+              <a:rPr lang="en-US" sz="2000" b="1" kern="0" dirty="0" smtClean="0">
+                <a:latin typeface="+mn-lt"/>
+              </a:rPr>
+              <a:t>Multiple Data Services Involved</a:t>
+            </a:r>
+          </a:p>
+          <a:p>
+            <a:pPr marL="800100" lvl="1" indent="-342900">
+              <a:spcBef>
+                <a:spcPct val="20000"/>
+              </a:spcBef>
+              <a:buClr>
+                <a:srgbClr val="00AAF6"/>
+              </a:buClr>
+              <a:buFontTx/>
+              <a:buChar char="•"/>
+              <a:defRPr/>
+            </a:pPr>
+            <a:r>
+              <a:rPr lang="en-US" sz="2000" kern="0" dirty="0" smtClean="0"/>
+              <a:t>Basic distributed joins and aggregations</a:t>
+            </a:r>
+            <a:endParaRPr lang="en-US" sz="2000" b="1" kern="0" dirty="0" smtClean="0">
+              <a:latin typeface="+mn-lt"/>
+            </a:endParaRPr>
+          </a:p>
+          <a:p>
+            <a:pPr marL="800100" lvl="1" indent="-342900">
+              <a:spcBef>
+                <a:spcPct val="20000"/>
+              </a:spcBef>
+              <a:buClr>
+                <a:srgbClr val="00AAF6"/>
+              </a:buClr>
+              <a:buFontTx/>
+              <a:buChar char="•"/>
+              <a:defRPr/>
+            </a:pPr>
+            <a:r>
+              <a:rPr lang="en-US" sz="2000" kern="0" dirty="0" smtClean="0">
+                <a:latin typeface="+mn-lt"/>
+              </a:rPr>
+              <a:t>All data services use the same language (CQL), so federation using multiple data services is possible</a:t>
+            </a:r>
+          </a:p>
+          <a:p>
+            <a:pPr marL="1257300" lvl="2" indent="-342900">
+              <a:spcBef>
+                <a:spcPct val="20000"/>
+              </a:spcBef>
+              <a:buClr>
+                <a:srgbClr val="00AAF6"/>
+              </a:buClr>
+              <a:buFontTx/>
+              <a:buChar char="•"/>
+              <a:defRPr/>
+            </a:pPr>
+            <a:r>
+              <a:rPr lang="en-US" i="1" kern="0" dirty="0" smtClean="0">
+                <a:latin typeface="+mn-lt"/>
+              </a:rPr>
+              <a:t>Any</a:t>
+            </a:r>
+            <a:r>
+              <a:rPr lang="en-US" kern="0" dirty="0" smtClean="0">
+                <a:latin typeface="+mn-lt"/>
+              </a:rPr>
+              <a:t> combination of data services may be used</a:t>
+            </a:r>
+          </a:p>
+          <a:p>
+            <a:pPr marL="1257300" lvl="2" indent="-342900">
+              <a:spcBef>
+                <a:spcPct val="20000"/>
+              </a:spcBef>
+              <a:buClr>
+                <a:srgbClr val="00AAF6"/>
+              </a:buClr>
+              <a:buFontTx/>
+              <a:buChar char="•"/>
+              <a:defRPr/>
+            </a:pPr>
+            <a:r>
+              <a:rPr lang="en-US" kern="0" dirty="0" smtClean="0">
+                <a:latin typeface="+mn-lt"/>
+              </a:rPr>
+              <a:t>Arbitrary cross-model joins</a:t>
+            </a:r>
+          </a:p>
+          <a:p>
             <a:pPr marL="342900" indent="-342900">
               <a:spcBef>
                 <a:spcPct val="20000"/>
@@ -10255,8 +13278,16 @@
               <a:defRPr/>
             </a:pPr>
             <a:r>
-              <a:rPr lang="en-US" sz="2000" b="1" kern="0" dirty="0" smtClean="0"/>
-              <a:t>Asynchronous query execution</a:t>
+              <a:rPr lang="en-US" sz="2000" b="1" i="1" kern="0" dirty="0" smtClean="0">
+                <a:latin typeface="+mn-lt"/>
+              </a:rPr>
+              <a:t>D</a:t>
+            </a:r>
+            <a:r>
+              <a:rPr lang="en-US" sz="2000" b="1" kern="0" dirty="0" smtClean="0">
+                <a:latin typeface="+mn-lt"/>
+              </a:rPr>
+              <a:t>CQL extends from CQL</a:t>
             </a:r>
           </a:p>
           <a:p>
@@ -10272,8 +13303,10 @@
               <a:defRPr/>
             </a:pPr>
             <a:r>
-              <a:rPr lang="en-US" sz="2000" kern="0" dirty="0" smtClean="0"/>
-              <a:t>Start a DCQL query and immediately return the results context</a:t>
+              <a:rPr lang="en-US" sz="2000" kern="0" dirty="0" smtClean="0">
+                <a:latin typeface="+mn-lt"/>
+              </a:rPr>
+              <a:t>Distributed version of CQL</a:t>
             </a:r>
           </a:p>
           <a:p>
@@ -10289,8 +13322,221 @@
               <a:defRPr/>
             </a:pPr>
             <a:r>
+              <a:rPr lang="en-US" sz="2000" kern="0" dirty="0" smtClean="0">
+                <a:latin typeface="+mn-lt"/>
+              </a:rPr>
+              <a:t>Expresses joins, foreign data services, and target services</a:t>
+            </a:r>
+          </a:p>
+          <a:p>
+            <a:pPr marL="342900" indent="-342900">
+              <a:spcBef>
+                <a:spcPct val="20000"/>
+              </a:spcBef>
+              <a:buClr>
+                <a:srgbClr val="00AAF6"/>
+              </a:buClr>
+              <a:buFontTx/>
+              <a:buChar char="•"/>
+              <a:defRPr/>
+            </a:pPr>
+            <a:r>
+              <a:rPr lang="en-US" sz="2000" b="1" kern="0" dirty="0" err="1" smtClean="0">
+                <a:latin typeface="+mn-lt"/>
+              </a:rPr>
+              <a:t>Stateful</a:t>
+            </a:r>
+            <a:r>
+              <a:rPr lang="en-US" sz="2000" b="1" kern="0" dirty="0" smtClean="0">
+                <a:latin typeface="+mn-lt"/>
+              </a:rPr>
+              <a:t> Grid Service or Local API</a:t>
+            </a:r>
+          </a:p>
+          <a:p>
+            <a:pPr marL="800100" lvl="1" indent="-342900">
+              <a:spcBef>
+                <a:spcPct val="20000"/>
+              </a:spcBef>
+              <a:buClr>
+                <a:srgbClr val="00AAF6"/>
+              </a:buClr>
+              <a:buFontTx/>
+              <a:buChar char="•"/>
+              <a:defRPr/>
+            </a:pPr>
+            <a:r>
+              <a:rPr lang="en-US" sz="2000" kern="0" dirty="0" smtClean="0">
+                <a:latin typeface="+mn-lt"/>
+              </a:rPr>
+              <a:t>Queries may be issued to an FQP grid service and processed asynchronously for later results retrieval</a:t>
+            </a:r>
+          </a:p>
+          <a:p>
+            <a:pPr marL="800100" lvl="1" indent="-342900">
+              <a:spcBef>
+                <a:spcPct val="20000"/>
+              </a:spcBef>
+              <a:buClr>
+                <a:srgbClr val="00AAF6"/>
+              </a:buClr>
+              <a:buFontTx/>
+              <a:buChar char="•"/>
+              <a:defRPr/>
+            </a:pPr>
+            <a:r>
+              <a:rPr lang="en-US" sz="2000" kern="0" dirty="0" smtClean="0">
+                <a:latin typeface="+mn-lt"/>
+              </a:rPr>
+              <a:t>FQP engine may be used within an application directly</a:t>
+            </a:r>
+          </a:p>
+        </p:txBody>
+      </p:sp>
+    </p:spTree>
+  </p:cSld>
+  <p:clrMapOvr>
+    <a:masterClrMapping/>
+  </p:clrMapOvr>
+</p:sld>
+</file>
+
+<file path=ppt/slides/slide37.xml><?xml version="1.0" encoding="utf-8"?>
+<p:sld xmlns:a="http://schemas.openxmlformats.org/drawingml/2006/main" xmlns:r="http://schemas.openxmlformats.org/officeDocument/2006/relationships" xmlns:p="http://schemas.openxmlformats.org/presentationml/2006/main">
+  <p:cSld>
+    <p:spTree>
+      <p:nvGrpSpPr>
+        <p:cNvPr id="1" name=""/>
+        <p:cNvGrpSpPr/>
+        <p:nvPr/>
+      </p:nvGrpSpPr>
+      <p:grpSpPr>
+        <a:xfrm>
+          <a:off x="0" y="0"/>
+          <a:ext cx="0" cy="0"/>
+          <a:chOff x="0" y="0"/>
+          <a:chExt cx="0" cy="0"/>
+        </a:xfrm>
+      </p:grpSpPr>
+      <p:sp>
+        <p:nvSpPr>
+          <p:cNvPr id="2" name="Title 1"/>
+          <p:cNvSpPr>
+            <a:spLocks noGrp="1"/>
+          </p:cNvSpPr>
+          <p:nvPr>
+            <p:ph type="title"/>
+          </p:nvPr>
+        </p:nvSpPr>
+        <p:spPr/>
+        <p:txBody>
+          <a:bodyPr/>
+          <a:lstStyle/>
+          <a:p>
+            <a:r>
+              <a:rPr lang="en-US" dirty="0" smtClean="0"/>
+              <a:t>Federated Queries</a:t>
+            </a:r>
+            <a:endParaRPr lang="en-US" dirty="0"/>
+          </a:p>
+        </p:txBody>
+      </p:sp>
+      <p:sp>
+        <p:nvSpPr>
+          <p:cNvPr id="5" name="Content Placeholder 2"/>
+          <p:cNvSpPr txBox="1">
+            <a:spLocks/>
+          </p:cNvSpPr>
+          <p:nvPr/>
+        </p:nvSpPr>
+        <p:spPr bwMode="auto">
+          <a:xfrm>
+            <a:off x="304800" y="1371600"/>
+            <a:ext cx="8458200" cy="4953000"/>
+          </a:xfrm>
+          <a:prstGeom prst="rect">
+            <a:avLst/>
+          </a:prstGeom>
+          <a:noFill/>
+          <a:ln w="9525">
+            <a:noFill/>
+            <a:miter lim="800000"/>
+            <a:headEnd/>
+            <a:tailEnd/>
+          </a:ln>
+          <a:effectLst/>
+        </p:spPr>
+        <p:txBody>
+          <a:bodyPr vert="horz" wrap="square" lIns="91440" tIns="45720" rIns="91440" bIns="45720" numCol="1" anchor="t" anchorCtr="0" compatLnSpc="1">
+            <a:prstTxWarp prst="textNoShape">
+              <a:avLst/>
+            </a:prstTxWarp>
+          </a:bodyPr>
+          <a:lstStyle/>
+          <a:p>
+            <a:pPr marL="342900" marR="0" lvl="0" indent="-342900" algn="l" defTabSz="914400" rtl="0" eaLnBrk="1" fontAlgn="base" latinLnBrk="0" hangingPunct="1">
+              <a:lnSpc>
+                <a:spcPct val="100000"/>
+              </a:lnSpc>
+              <a:spcBef>
+                <a:spcPct val="20000"/>
+              </a:spcBef>
+              <a:spcAft>
+                <a:spcPct val="0"/>
+              </a:spcAft>
+              <a:buClr>
+                <a:srgbClr val="00AAF6"/>
+              </a:buClr>
+              <a:buSzTx/>
+              <a:buFontTx/>
+              <a:buChar char="•"/>
+              <a:tabLst/>
+              <a:defRPr/>
+            </a:pPr>
+            <a:r>
+              <a:rPr lang="en-US" sz="2000" b="1" kern="0" dirty="0" smtClean="0">
+                <a:latin typeface="+mn-lt"/>
+              </a:rPr>
+              <a:t>Multiple Data Services Involved</a:t>
+            </a:r>
+          </a:p>
+          <a:p>
+            <a:pPr marL="800100" lvl="1" indent="-342900">
+              <a:spcBef>
+                <a:spcPct val="20000"/>
+              </a:spcBef>
+              <a:buClr>
+                <a:srgbClr val="00AAF6"/>
+              </a:buClr>
+              <a:buFontTx/>
+              <a:buChar char="•"/>
+              <a:defRPr/>
+            </a:pPr>
+            <a:r>
               <a:rPr lang="en-US" sz="2000" kern="0" dirty="0" smtClean="0"/>
-              <a:t>WS-Notification allows client to subscribe to status</a:t>
+              <a:t>Basic distributed joins and aggregations</a:t>
+            </a:r>
+            <a:endParaRPr lang="en-US" sz="2000" b="1" kern="0" dirty="0" smtClean="0">
+              <a:latin typeface="+mn-lt"/>
+            </a:endParaRPr>
+          </a:p>
+          <a:p>
+            <a:pPr marL="800100" lvl="1" indent="-342900">
+              <a:spcBef>
+                <a:spcPct val="20000"/>
+              </a:spcBef>
+              <a:buClr>
+                <a:srgbClr val="00AAF6"/>
+              </a:buClr>
+              <a:buFontTx/>
+              <a:buChar char="•"/>
+              <a:defRPr/>
+            </a:pPr>
+            <a:r>
+              <a:rPr lang="en-US" sz="2000" kern="0" dirty="0" smtClean="0">
+                <a:latin typeface="+mn-lt"/>
+              </a:rPr>
+              <a:t>All data services use the same language (CQL), so federation using multiple data services is possible</a:t>
             </a:r>
           </a:p>
           <a:p>
@@ -10306,8 +13552,35 @@
               <a:defRPr/>
             </a:pPr>
             <a:r>
-              <a:rPr lang="en-US" kern="0" dirty="0" smtClean="0"/>
-              <a:t>Processing complete, exception, querying target data service, etc.</a:t>
+              <a:rPr lang="en-US" i="1" kern="0" dirty="0" smtClean="0">
+                <a:latin typeface="+mn-lt"/>
+              </a:rPr>
+              <a:t>Any</a:t>
+            </a:r>
+            <a:r>
+              <a:rPr lang="en-US" kern="0" dirty="0" smtClean="0">
+                <a:latin typeface="+mn-lt"/>
+              </a:rPr>
+              <a:t> combination of data services may be used</a:t>
+            </a:r>
+          </a:p>
+          <a:p>
+            <a:pPr marL="1257300" lvl="2" indent="-342900">
+              <a:spcBef>
+                <a:spcPct val="20000"/>
+              </a:spcBef>
+              <a:buClr>
+                <a:srgbClr val="00AAF6"/>
+              </a:buClr>
+              <a:buFontTx/>
+              <a:buChar char="•"/>
+              <a:defRPr/>
+            </a:pPr>
+            <a:r>
+              <a:rPr lang="en-US" kern="0" dirty="0" smtClean="0">
+                <a:latin typeface="+mn-lt"/>
+              </a:rPr>
+              <a:t>Arbitrary cross-model joins</a:t>
             </a:r>
           </a:p>
           <a:p>
@@ -10323,8 +13596,16 @@
               <a:defRPr/>
             </a:pPr>
             <a:r>
-              <a:rPr lang="en-US" sz="2000" b="1" kern="0" dirty="0" smtClean="0"/>
-              <a:t>Credential Delegation</a:t>
+              <a:rPr lang="en-US" sz="2000" b="1" i="1" kern="0" dirty="0" smtClean="0">
+                <a:latin typeface="+mn-lt"/>
+              </a:rPr>
+              <a:t>D</a:t>
+            </a:r>
+            <a:r>
+              <a:rPr lang="en-US" sz="2000" b="1" kern="0" dirty="0" smtClean="0">
+                <a:latin typeface="+mn-lt"/>
+              </a:rPr>
+              <a:t>CQL extends from CQL</a:t>
             </a:r>
           </a:p>
           <a:p>
@@ -10340,8 +13621,10 @@
               <a:defRPr/>
             </a:pPr>
             <a:r>
-              <a:rPr lang="en-US" sz="2000" kern="0" dirty="0" smtClean="0"/>
-              <a:t>FQP service may perform queries on behalf of a client</a:t>
+              <a:rPr lang="en-US" sz="2000" kern="0" dirty="0" smtClean="0">
+                <a:latin typeface="+mn-lt"/>
+              </a:rPr>
+              <a:t>Distributed version of CQL</a:t>
             </a:r>
           </a:p>
           <a:p>
@@ -10357,32 +13640,10 @@
               <a:defRPr/>
             </a:pPr>
             <a:r>
-              <a:rPr lang="en-US" sz="2000" kern="0" dirty="0" smtClean="0"/>
-              <a:t>Leverages </a:t>
-            </a:r>
-            <a:r>
-              <a:rPr lang="en-US" sz="2000" b="1" kern="0" dirty="0" smtClean="0"/>
-              <a:t>C</a:t>
-            </a:r>
-            <a:r>
-              <a:rPr lang="en-US" sz="2000" kern="0" dirty="0" smtClean="0"/>
-              <a:t>redential </a:t>
-            </a:r>
-            <a:r>
-              <a:rPr lang="en-US" sz="2000" b="1" kern="0" dirty="0" smtClean="0"/>
-              <a:t>D</a:t>
-            </a:r>
-            <a:r>
-              <a:rPr lang="en-US" sz="2000" kern="0" dirty="0" smtClean="0"/>
-              <a:t>elegation </a:t>
-            </a:r>
-            <a:r>
-              <a:rPr lang="en-US" sz="2000" b="1" kern="0" dirty="0" smtClean="0"/>
-              <a:t>S</a:t>
-            </a:r>
-            <a:r>
-              <a:rPr lang="en-US" sz="2000" kern="0" dirty="0" smtClean="0"/>
-              <a:t>ervice (CDS)</a:t>
+              <a:rPr lang="en-US" sz="2000" kern="0" dirty="0" smtClean="0">
+                <a:latin typeface="+mn-lt"/>
+              </a:rPr>
+              <a:t>Expresses joins, foreign data services, and target services</a:t>
             </a:r>
           </a:p>
           <a:p>
@@ -10398,8 +13659,16 @@
               <a:defRPr/>
             </a:pPr>
             <a:r>
-              <a:rPr lang="en-US" sz="2000" b="1" kern="0" dirty="0" smtClean="0"/>
-              <a:t>Large results retrieval</a:t>
+              <a:rPr lang="en-US" sz="2000" b="1" kern="0" dirty="0" err="1" smtClean="0">
+                <a:latin typeface="+mn-lt"/>
+              </a:rPr>
+              <a:t>Stateful</a:t>
+            </a:r>
+            <a:r>
+              <a:rPr lang="en-US" sz="2000" b="1" kern="0" dirty="0" smtClean="0">
+                <a:latin typeface="+mn-lt"/>
+              </a:rPr>
+              <a:t> Grid Service or Local API</a:t>
             </a:r>
           </a:p>
           <a:p>
@@ -10415,10 +13684,113 @@
               <a:defRPr/>
             </a:pPr>
             <a:r>
-              <a:rPr lang="en-US" sz="2000" kern="0" dirty="0" smtClean="0"/>
-              <a:t>WS-Enumeration and caGrid Transfer</a:t>
-            </a:r>
-          </a:p>
+              <a:rPr lang="en-US" sz="2000" kern="0" dirty="0" smtClean="0">
+                <a:latin typeface="+mn-lt"/>
+              </a:rPr>
+              <a:t>Queries may be issued to an FQP grid service and processed asynchronously for later results retrieval</a:t>
+            </a:r>
+          </a:p>
+          <a:p>
+            <a:pPr marL="800100" lvl="1" indent="-342900">
+              <a:spcBef>
+                <a:spcPct val="20000"/>
+              </a:spcBef>
+              <a:buClr>
+                <a:srgbClr val="00AAF6"/>
+              </a:buClr>
+              <a:buFontTx/>
+              <a:buChar char="•"/>
+              <a:defRPr/>
+            </a:pPr>
+            <a:r>
+              <a:rPr lang="en-US" sz="2000" kern="0" dirty="0" smtClean="0">
+                <a:latin typeface="+mn-lt"/>
+              </a:rPr>
+              <a:t>FQP engine may be used within an application directly</a:t>
+            </a:r>
+          </a:p>
+        </p:txBody>
+      </p:sp>
+    </p:spTree>
+  </p:cSld>
+  <p:clrMapOvr>
+    <a:masterClrMapping/>
+  </p:clrMapOvr>
+</p:sld>
+</file>
+
+<file path=ppt/slides/slide38.xml><?xml version="1.0" encoding="utf-8"?>
+<p:sld xmlns:a="http://schemas.openxmlformats.org/drawingml/2006/main" xmlns:r="http://schemas.openxmlformats.org/officeDocument/2006/relationships" xmlns:p="http://schemas.openxmlformats.org/presentationml/2006/main">
+  <p:cSld>
+    <p:spTree>
+      <p:nvGrpSpPr>
+        <p:cNvPr id="1" name=""/>
+        <p:cNvGrpSpPr/>
+        <p:nvPr/>
+      </p:nvGrpSpPr>
+      <p:grpSpPr>
+        <a:xfrm>
+          <a:off x="0" y="0"/>
+          <a:ext cx="0" cy="0"/>
+          <a:chOff x="0" y="0"/>
+          <a:chExt cx="0" cy="0"/>
+        </a:xfrm>
+      </p:grpSpPr>
+      <p:sp>
+        <p:nvSpPr>
+          <p:cNvPr id="2" name="Title 1"/>
+          <p:cNvSpPr>
+            <a:spLocks noGrp="1"/>
+          </p:cNvSpPr>
+          <p:nvPr>
+            <p:ph type="title"/>
+          </p:nvPr>
+        </p:nvSpPr>
+        <p:spPr/>
+        <p:txBody>
+          <a:bodyPr/>
+          <a:lstStyle/>
+          <a:p>
+            <a:r>
+              <a:rPr lang="en-US" dirty="0" smtClean="0"/>
+              <a:t>Federated Query Service</a:t>
+            </a:r>
+            <a:endParaRPr lang="en-US" dirty="0"/>
+          </a:p>
+        </p:txBody>
+      </p:sp>
+      <p:sp>
+        <p:nvSpPr>
+          <p:cNvPr id="5" name="Content Placeholder 2"/>
+          <p:cNvSpPr txBox="1">
+            <a:spLocks/>
+          </p:cNvSpPr>
+          <p:nvPr/>
+        </p:nvSpPr>
+        <p:spPr bwMode="auto">
+          <a:xfrm>
+            <a:off x="304800" y="1371600"/>
+            <a:ext cx="8458200" cy="4953000"/>
+          </a:xfrm>
+          <a:prstGeom prst="rect">
+            <a:avLst/>
+          </a:prstGeom>
+          <a:noFill/>
+          <a:ln w="9525">
+            <a:noFill/>
+            <a:miter lim="800000"/>
+            <a:headEnd/>
+            <a:tailEnd/>
+          </a:ln>
+          <a:effectLst/>
+        </p:spPr>
+        <p:txBody>
+          <a:bodyPr vert="horz" wrap="square" lIns="91440" tIns="45720" rIns="91440" bIns="45720" numCol="1" anchor="t" anchorCtr="0" compatLnSpc="1">
+            <a:prstTxWarp prst="textNoShape">
+              <a:avLst/>
+            </a:prstTxWarp>
+          </a:bodyPr>
+          <a:lstStyle/>
           <a:p>
             <a:pPr marL="342900" indent="-342900">
               <a:spcBef>
@@ -10432,10 +13804,8 @@
               <a:defRPr/>
             </a:pPr>
             <a:r>
-              <a:rPr lang="en-US" sz="2000" b="1" kern="0" dirty="0" smtClean="0">
-                <a:latin typeface="+mn-lt"/>
-              </a:rPr>
-              <a:t>Configurable Query Behavior</a:t>
+              <a:rPr lang="en-US" sz="2000" b="1" kern="0" dirty="0" smtClean="0"/>
+              <a:t>Asynchronous query execution</a:t>
             </a:r>
           </a:p>
           <a:p>
@@ -10451,6 +13821,185 @@
               <a:defRPr/>
             </a:pPr>
             <a:r>
+              <a:rPr lang="en-US" sz="2000" kern="0" dirty="0" smtClean="0"/>
+              <a:t>Start a DCQL query and immediately return the results context</a:t>
+            </a:r>
+          </a:p>
+          <a:p>
+            <a:pPr marL="800100" lvl="1" indent="-342900">
+              <a:spcBef>
+                <a:spcPct val="20000"/>
+              </a:spcBef>
+              <a:buClr>
+                <a:srgbClr val="00AAF6"/>
+              </a:buClr>
+              <a:buFontTx/>
+              <a:buChar char="•"/>
+              <a:defRPr/>
+            </a:pPr>
+            <a:r>
+              <a:rPr lang="en-US" sz="2000" kern="0" dirty="0" smtClean="0"/>
+              <a:t>WS-Notification allows client to subscribe to status</a:t>
+            </a:r>
+          </a:p>
+          <a:p>
+            <a:pPr marL="1257300" lvl="2" indent="-342900">
+              <a:spcBef>
+                <a:spcPct val="20000"/>
+              </a:spcBef>
+              <a:buClr>
+                <a:srgbClr val="00AAF6"/>
+              </a:buClr>
+              <a:buFontTx/>
+              <a:buChar char="•"/>
+              <a:defRPr/>
+            </a:pPr>
+            <a:r>
+              <a:rPr lang="en-US" kern="0" dirty="0" smtClean="0"/>
+              <a:t>Processing complete, exception, querying target data service, etc.</a:t>
+            </a:r>
+          </a:p>
+          <a:p>
+            <a:pPr marL="342900" indent="-342900">
+              <a:spcBef>
+                <a:spcPct val="20000"/>
+              </a:spcBef>
+              <a:buClr>
+                <a:srgbClr val="00AAF6"/>
+              </a:buClr>
+              <a:buFontTx/>
+              <a:buChar char="•"/>
+              <a:defRPr/>
+            </a:pPr>
+            <a:r>
+              <a:rPr lang="en-US" sz="2000" b="1" kern="0" dirty="0" smtClean="0"/>
+              <a:t>Credential Delegation</a:t>
+            </a:r>
+          </a:p>
+          <a:p>
+            <a:pPr marL="800100" lvl="1" indent="-342900">
+              <a:spcBef>
+                <a:spcPct val="20000"/>
+              </a:spcBef>
+              <a:buClr>
+                <a:srgbClr val="00AAF6"/>
+              </a:buClr>
+              <a:buFontTx/>
+              <a:buChar char="•"/>
+              <a:defRPr/>
+            </a:pPr>
+            <a:r>
+              <a:rPr lang="en-US" sz="2000" kern="0" dirty="0" smtClean="0"/>
+              <a:t>FQP service may perform queries on behalf of a client</a:t>
+            </a:r>
+          </a:p>
+          <a:p>
+            <a:pPr marL="800100" lvl="1" indent="-342900">
+              <a:spcBef>
+                <a:spcPct val="20000"/>
+              </a:spcBef>
+              <a:buClr>
+                <a:srgbClr val="00AAF6"/>
+              </a:buClr>
+              <a:buFontTx/>
+              <a:buChar char="•"/>
+              <a:defRPr/>
+            </a:pPr>
+            <a:r>
+              <a:rPr lang="en-US" sz="2000" kern="0" dirty="0" smtClean="0"/>
+              <a:t>Leverages </a:t>
+            </a:r>
+            <a:r>
+              <a:rPr lang="en-US" sz="2000" b="1" kern="0" dirty="0" smtClean="0"/>
+              <a:t>C</a:t>
+            </a:r>
+            <a:r>
+              <a:rPr lang="en-US" sz="2000" kern="0" dirty="0" smtClean="0"/>
+              <a:t>redential </a:t>
+            </a:r>
+            <a:r>
+              <a:rPr lang="en-US" sz="2000" b="1" kern="0" dirty="0" smtClean="0"/>
+              <a:t>D</a:t>
+            </a:r>
+            <a:r>
+              <a:rPr lang="en-US" sz="2000" kern="0" dirty="0" smtClean="0"/>
+              <a:t>elegation </a:t>
+            </a:r>
+            <a:r>
+              <a:rPr lang="en-US" sz="2000" b="1" kern="0" dirty="0" smtClean="0"/>
+              <a:t>S</a:t>
+            </a:r>
+            <a:r>
+              <a:rPr lang="en-US" sz="2000" kern="0" dirty="0" smtClean="0"/>
+              <a:t>ervice (CDS)</a:t>
+            </a:r>
+          </a:p>
+          <a:p>
+            <a:pPr marL="342900" indent="-342900">
+              <a:spcBef>
+                <a:spcPct val="20000"/>
+              </a:spcBef>
+              <a:buClr>
+                <a:srgbClr val="00AAF6"/>
+              </a:buClr>
+              <a:buFontTx/>
+              <a:buChar char="•"/>
+              <a:defRPr/>
+            </a:pPr>
+            <a:r>
+              <a:rPr lang="en-US" sz="2000" b="1" kern="0" dirty="0" smtClean="0"/>
+              <a:t>Large results retrieval</a:t>
+            </a:r>
+          </a:p>
+          <a:p>
+            <a:pPr marL="800100" lvl="1" indent="-342900">
+              <a:spcBef>
+                <a:spcPct val="20000"/>
+              </a:spcBef>
+              <a:buClr>
+                <a:srgbClr val="00AAF6"/>
+              </a:buClr>
+              <a:buFontTx/>
+              <a:buChar char="•"/>
+              <a:defRPr/>
+            </a:pPr>
+            <a:r>
+              <a:rPr lang="en-US" sz="2000" kern="0" dirty="0" smtClean="0"/>
+              <a:t>WS-Enumeration and caGrid Transfer</a:t>
+            </a:r>
+          </a:p>
+          <a:p>
+            <a:pPr marL="342900" indent="-342900">
+              <a:spcBef>
+                <a:spcPct val="20000"/>
+              </a:spcBef>
+              <a:buClr>
+                <a:srgbClr val="00AAF6"/>
+              </a:buClr>
+              <a:buFontTx/>
+              <a:buChar char="•"/>
+              <a:defRPr/>
+            </a:pPr>
+            <a:r>
+              <a:rPr lang="en-US" sz="2000" b="1" kern="0" dirty="0" smtClean="0">
+                <a:latin typeface="+mn-lt"/>
+              </a:rPr>
+              <a:t>Configurable Query Behavior</a:t>
+            </a:r>
+          </a:p>
+          <a:p>
+            <a:pPr marL="800100" lvl="1" indent="-342900">
+              <a:spcBef>
+                <a:spcPct val="20000"/>
+              </a:spcBef>
+              <a:buClr>
+                <a:srgbClr val="00AAF6"/>
+              </a:buClr>
+              <a:buFontTx/>
+              <a:buChar char="•"/>
+              <a:defRPr/>
+            </a:pPr>
+            <a:r>
               <a:rPr lang="en-US" sz="2000" kern="0" dirty="0" smtClean="0">
                 <a:latin typeface="+mn-lt"/>
               </a:rPr>
@@ -10467,7 +14016,7 @@
 </p:sld>
 </file>
 
-<file path=ppt/slides/slide27.xml><?xml version="1.0" encoding="utf-8"?>
+<file path=ppt/slides/slide39.xml><?xml version="1.0" encoding="utf-8"?>
 <p:sld xmlns:a="http://schemas.openxmlformats.org/drawingml/2006/main" xmlns:r="http://schemas.openxmlformats.org/officeDocument/2006/relationships" xmlns:p="http://schemas.openxmlformats.org/presentationml/2006/main">
   <p:cSld>
     <p:spTree>
@@ -11173,7 +14722,155 @@
 </p:sld>
 </file>
 
-<file path=ppt/slides/slide28.xml><?xml version="1.0" encoding="utf-8"?>
+<file path=ppt/slides/slide4.xml><?xml version="1.0" encoding="utf-8"?>
+<p:sld xmlns:a="http://schemas.openxmlformats.org/drawingml/2006/main" xmlns:r="http://schemas.openxmlformats.org/officeDocument/2006/relationships" xmlns:p="http://schemas.openxmlformats.org/presentationml/2006/main">
+  <p:cSld>
+    <p:spTree>
+      <p:nvGrpSpPr>
+        <p:cNvPr id="1" name=""/>
+        <p:cNvGrpSpPr/>
+        <p:nvPr/>
+      </p:nvGrpSpPr>
+      <p:grpSpPr>
+        <a:xfrm>
+          <a:off x="0" y="0"/>
+          <a:ext cx="0" cy="0"/>
+          <a:chOff x="0" y="0"/>
+          <a:chExt cx="0" cy="0"/>
+        </a:xfrm>
+      </p:grpSpPr>
+      <p:sp>
+        <p:nvSpPr>
+          <p:cNvPr id="2" name="Title 1"/>
+          <p:cNvSpPr>
+            <a:spLocks noGrp="1"/>
+          </p:cNvSpPr>
+          <p:nvPr>
+            <p:ph type="title"/>
+          </p:nvPr>
+        </p:nvSpPr>
+        <p:spPr/>
+        <p:txBody>
+          <a:bodyPr/>
+          <a:lstStyle/>
+          <a:p>
+            <a:r>
+              <a:rPr lang="en-US" dirty="0" smtClean="0"/>
+              <a:t>Data Services Architecture</a:t>
+            </a:r>
+            <a:endParaRPr lang="en-US" dirty="0"/>
+          </a:p>
+        </p:txBody>
+      </p:sp>
+      <p:sp>
+        <p:nvSpPr>
+          <p:cNvPr id="3" name="Content Placeholder 2"/>
+          <p:cNvSpPr>
+            <a:spLocks noGrp="1"/>
+          </p:cNvSpPr>
+          <p:nvPr>
+            <p:ph idx="1"/>
+          </p:nvPr>
+        </p:nvSpPr>
+        <p:spPr/>
+        <p:txBody>
+          <a:bodyPr/>
+          <a:lstStyle/>
+          <a:p>
+            <a:r>
+              <a:rPr lang="en-US" sz="2000" dirty="0" err="1" smtClean="0"/>
+              <a:t>BaseServiceImpl</a:t>
+            </a:r>
+            <a:endParaRPr lang="en-US" sz="2000" dirty="0" smtClean="0"/>
+          </a:p>
+          <a:p>
+            <a:pPr lvl="1"/>
+            <a:r>
+              <a:rPr lang="en-US" sz="2000" dirty="0" smtClean="0"/>
+              <a:t>Abstract base class which is extended by specific data service implementations</a:t>
+            </a:r>
+          </a:p>
+          <a:p>
+            <a:pPr lvl="2"/>
+            <a:r>
+              <a:rPr lang="en-US" sz="1800" dirty="0" smtClean="0"/>
+              <a:t>Standard, WS-Enumeration, and caGrid Transfer</a:t>
+            </a:r>
+            <a:endParaRPr lang="en-US" sz="2400" dirty="0" smtClean="0"/>
+          </a:p>
+          <a:p>
+            <a:pPr lvl="1"/>
+            <a:r>
+              <a:rPr lang="en-US" sz="2000" dirty="0" smtClean="0"/>
+              <a:t>Common functionality and query processing workflow</a:t>
+            </a:r>
+          </a:p>
+          <a:p>
+            <a:pPr lvl="2"/>
+            <a:r>
+              <a:rPr lang="en-US" sz="1800" dirty="0" smtClean="0"/>
+              <a:t>Creates and configures the CQL query processor instance</a:t>
+            </a:r>
+          </a:p>
+          <a:p>
+            <a:pPr lvl="2"/>
+            <a:r>
+              <a:rPr lang="en-US" sz="1800" dirty="0" smtClean="0"/>
+              <a:t>Handles query auditing</a:t>
+            </a:r>
+          </a:p>
+          <a:p>
+            <a:pPr lvl="2"/>
+            <a:r>
+              <a:rPr lang="en-US" sz="1800" dirty="0" smtClean="0"/>
+              <a:t>Validates incoming queries</a:t>
+            </a:r>
+          </a:p>
+          <a:p>
+            <a:r>
+              <a:rPr lang="en-US" dirty="0" err="1" smtClean="0"/>
+              <a:t>DataServiceImpl</a:t>
+            </a:r>
+            <a:endParaRPr lang="en-US" dirty="0" smtClean="0"/>
+          </a:p>
+          <a:p>
+            <a:pPr lvl="1"/>
+            <a:r>
+              <a:rPr lang="en-US" dirty="0" smtClean="0"/>
+              <a:t>Standard implementation of data service extends from </a:t>
+            </a:r>
+            <a:r>
+              <a:rPr lang="en-US" dirty="0" err="1" smtClean="0"/>
+              <a:t>BaseServiceImpl</a:t>
+            </a:r>
+            <a:endParaRPr lang="en-US" dirty="0" smtClean="0"/>
+          </a:p>
+          <a:p>
+            <a:pPr lvl="1"/>
+            <a:r>
+              <a:rPr lang="en-US" dirty="0" smtClean="0"/>
+              <a:t>Passes CQL to Query Processor</a:t>
+            </a:r>
+          </a:p>
+          <a:p>
+            <a:pPr lvl="1"/>
+            <a:r>
+              <a:rPr lang="en-US" dirty="0" smtClean="0"/>
+              <a:t>Returns results directly to client (via grid interface)</a:t>
+            </a:r>
+            <a:endParaRPr lang="en-US" dirty="0"/>
+          </a:p>
+        </p:txBody>
+      </p:sp>
+    </p:spTree>
+  </p:cSld>
+  <p:clrMapOvr>
+    <a:masterClrMapping/>
+  </p:clrMapOvr>
+</p:sld>
+</file>
+
+<file path=ppt/slides/slide40.xml><?xml version="1.0" encoding="utf-8"?>
 <p:sld xmlns:a="http://schemas.openxmlformats.org/drawingml/2006/main" xmlns:r="http://schemas.openxmlformats.org/officeDocument/2006/relationships" xmlns:p="http://schemas.openxmlformats.org/presentationml/2006/main">
   <p:cSld>
     <p:spTree>
@@ -11642,7 +15339,7 @@
 </p:sld>
 </file>
 
-<file path=ppt/slides/slide29.xml><?xml version="1.0" encoding="utf-8"?>
+<file path=ppt/slides/slide41.xml><?xml version="1.0" encoding="utf-8"?>
 <p:sld xmlns:a="http://schemas.openxmlformats.org/drawingml/2006/main" xmlns:r="http://schemas.openxmlformats.org/officeDocument/2006/relationships" xmlns:p="http://schemas.openxmlformats.org/presentationml/2006/main">
   <p:cSld>
     <p:spTree>
@@ -12690,794 +16387,6 @@
       </p:par>
     </p:tnLst>
   </p:timing>
-</p:sld>
-</file>
-
-<file path=ppt/slides/slide3.xml><?xml version="1.0" encoding="utf-8"?>
-<p:sld xmlns:a="http://schemas.openxmlformats.org/drawingml/2006/main" xmlns:r="http://schemas.openxmlformats.org/officeDocument/2006/relationships" xmlns:p="http://schemas.openxmlformats.org/presentationml/2006/main">
-  <p:cSld>
-    <p:spTree>
-      <p:nvGrpSpPr>
-        <p:cNvPr id="1" name=""/>
-        <p:cNvGrpSpPr/>
-        <p:nvPr/>
-      </p:nvGrpSpPr>
-      <p:grpSpPr>
-        <a:xfrm>
-          <a:off x="0" y="0"/>
-          <a:ext cx="0" cy="0"/>
-          <a:chOff x="0" y="0"/>
-          <a:chExt cx="0" cy="0"/>
-        </a:xfrm>
-      </p:grpSpPr>
-      <p:sp>
-        <p:nvSpPr>
-          <p:cNvPr id="2" name="Title 1"/>
-          <p:cNvSpPr>
-            <a:spLocks noGrp="1"/>
-          </p:cNvSpPr>
-          <p:nvPr>
-            <p:ph type="title"/>
-          </p:nvPr>
-        </p:nvSpPr>
-        <p:spPr>
-          <a:xfrm>
-            <a:off x="304800" y="0"/>
-            <a:ext cx="6248400" cy="1143000"/>
-          </a:xfrm>
-        </p:spPr>
-        <p:txBody>
-          <a:bodyPr/>
-          <a:lstStyle/>
-          <a:p>
-            <a:pPr lvl="0"/>
-            <a:r>
-              <a:rPr lang="en-US" dirty="0">
-                <a:cs typeface="Arial" charset="0"/>
-              </a:rPr>
-              <a:t>E</a:t>
-            </a:r>
-            <a:r>
-              <a:rPr lang="en-US" dirty="0" smtClean="0">
-                <a:cs typeface="Arial" charset="0"/>
-              </a:rPr>
-              <a:t>xample </a:t>
-            </a:r>
-            <a:r>
-              <a:rPr lang="en-US" dirty="0">
-                <a:cs typeface="Arial" charset="0"/>
-              </a:rPr>
-              <a:t>service development </a:t>
-            </a:r>
-            <a:r>
-              <a:rPr lang="en-US" dirty="0" smtClean="0">
-                <a:cs typeface="Arial" charset="0"/>
-              </a:rPr>
-              <a:t>process</a:t>
-            </a:r>
-            <a:endParaRPr lang="en-US" dirty="0"/>
-          </a:p>
-        </p:txBody>
-      </p:sp>
-      <p:graphicFrame>
-        <p:nvGraphicFramePr>
-          <p:cNvPr id="5" name="Object 2"/>
-          <p:cNvGraphicFramePr>
-            <a:graphicFrameLocks noChangeAspect="1"/>
-          </p:cNvGraphicFramePr>
-          <p:nvPr/>
-        </p:nvGraphicFramePr>
-        <p:xfrm>
-          <a:off x="304800" y="3048000"/>
-          <a:ext cx="8513762" cy="3052763"/>
-        </p:xfrm>
-        <a:graphic>
-          <a:graphicData uri="http://schemas.openxmlformats.org/presentationml/2006/ole">
-            <p:oleObj spid="_x0000_s11266" name="Visio" r:id="rId3" imgW="9594116" imgH="4603492" progId="">
-              <p:embed/>
-            </p:oleObj>
-          </a:graphicData>
-        </a:graphic>
-      </p:graphicFrame>
-      <p:sp>
-        <p:nvSpPr>
-          <p:cNvPr id="6" name="Rectangle 5"/>
-          <p:cNvSpPr/>
-          <p:nvPr/>
-        </p:nvSpPr>
-        <p:spPr>
-          <a:xfrm>
-            <a:off x="249237" y="2997200"/>
-            <a:ext cx="5105400" cy="3124200"/>
-          </a:xfrm>
-          <a:prstGeom prst="rect">
-            <a:avLst/>
-          </a:prstGeom>
-          <a:solidFill>
-            <a:schemeClr val="accent1">
-              <a:alpha val="39000"/>
-            </a:schemeClr>
-          </a:solidFill>
-        </p:spPr>
-        <p:style>
-          <a:lnRef idx="2">
-            <a:schemeClr val="accent1">
-              <a:shade val="50000"/>
-            </a:schemeClr>
-          </a:lnRef>
-          <a:fillRef idx="1">
-            <a:schemeClr val="accent1"/>
-          </a:fillRef>
-          <a:effectRef idx="0">
-            <a:schemeClr val="accent1"/>
-          </a:effectRef>
-          <a:fontRef idx="minor">
-            <a:schemeClr val="lt1"/>
-          </a:fontRef>
-        </p:style>
-        <p:txBody>
-          <a:bodyPr anchor="ctr"/>
-          <a:lstStyle/>
-          <a:p>
-            <a:r>
-              <a:rPr lang="en-US" sz="1800">
-                <a:solidFill>
-                  <a:schemeClr val="tx1"/>
-                </a:solidFill>
-              </a:rPr>
-              <a:t>Create Semantically Harmonized Data Model</a:t>
-            </a:r>
-            <a:endParaRPr lang="en-US" sz="1600">
-              <a:solidFill>
-                <a:schemeClr val="tx1"/>
-              </a:solidFill>
-            </a:endParaRPr>
-          </a:p>
-          <a:p>
-            <a:endParaRPr lang="en-US" sz="2000">
-              <a:solidFill>
-                <a:schemeClr val="tx1"/>
-              </a:solidFill>
-            </a:endParaRPr>
-          </a:p>
-          <a:p>
-            <a:endParaRPr lang="en-US" sz="2000">
-              <a:solidFill>
-                <a:schemeClr val="tx1"/>
-              </a:solidFill>
-            </a:endParaRPr>
-          </a:p>
-          <a:p>
-            <a:endParaRPr lang="en-US" sz="2000">
-              <a:solidFill>
-                <a:schemeClr val="tx1"/>
-              </a:solidFill>
-            </a:endParaRPr>
-          </a:p>
-          <a:p>
-            <a:endParaRPr lang="en-US" sz="2000">
-              <a:solidFill>
-                <a:schemeClr val="tx1"/>
-              </a:solidFill>
-            </a:endParaRPr>
-          </a:p>
-          <a:p>
-            <a:endParaRPr lang="en-US" sz="2000">
-              <a:solidFill>
-                <a:schemeClr val="tx1"/>
-              </a:solidFill>
-            </a:endParaRPr>
-          </a:p>
-          <a:p>
-            <a:endParaRPr lang="en-US" sz="2000">
-              <a:solidFill>
-                <a:schemeClr val="tx1"/>
-              </a:solidFill>
-            </a:endParaRPr>
-          </a:p>
-          <a:p>
-            <a:endParaRPr lang="en-US" sz="2000">
-              <a:solidFill>
-                <a:schemeClr val="tx1"/>
-              </a:solidFill>
-            </a:endParaRPr>
-          </a:p>
-          <a:p>
-            <a:endParaRPr lang="en-US" sz="2000">
-              <a:solidFill>
-                <a:schemeClr val="tx1"/>
-              </a:solidFill>
-            </a:endParaRPr>
-          </a:p>
-        </p:txBody>
-      </p:sp>
-      <p:sp>
-        <p:nvSpPr>
-          <p:cNvPr id="7" name="Rectangle 6"/>
-          <p:cNvSpPr/>
-          <p:nvPr/>
-        </p:nvSpPr>
-        <p:spPr>
-          <a:xfrm>
-            <a:off x="7107237" y="2997200"/>
-            <a:ext cx="1752600" cy="3124200"/>
-          </a:xfrm>
-          <a:prstGeom prst="rect">
-            <a:avLst/>
-          </a:prstGeom>
-          <a:solidFill>
-            <a:srgbClr val="00B050">
-              <a:alpha val="25000"/>
-            </a:srgbClr>
-          </a:solidFill>
-        </p:spPr>
-        <p:style>
-          <a:lnRef idx="2">
-            <a:schemeClr val="accent1">
-              <a:shade val="50000"/>
-            </a:schemeClr>
-          </a:lnRef>
-          <a:fillRef idx="1">
-            <a:schemeClr val="accent1"/>
-          </a:fillRef>
-          <a:effectRef idx="0">
-            <a:schemeClr val="accent1"/>
-          </a:effectRef>
-          <a:fontRef idx="minor">
-            <a:schemeClr val="lt1"/>
-          </a:fontRef>
-        </p:style>
-        <p:txBody>
-          <a:bodyPr anchor="t" anchorCtr="0"/>
-          <a:lstStyle/>
-          <a:p>
-            <a:r>
-              <a:rPr lang="en-US" sz="1800" dirty="0">
-                <a:solidFill>
-                  <a:schemeClr val="tx1"/>
-                </a:solidFill>
-              </a:rPr>
-              <a:t>Grid-</a:t>
-            </a:r>
-            <a:r>
-              <a:rPr lang="en-US" sz="1800" dirty="0" err="1">
-                <a:solidFill>
-                  <a:schemeClr val="tx1"/>
-                </a:solidFill>
-              </a:rPr>
-              <a:t>ify</a:t>
-            </a:r>
-            <a:endParaRPr lang="en-US" dirty="0">
-              <a:solidFill>
-                <a:schemeClr val="tx1"/>
-              </a:solidFill>
-            </a:endParaRPr>
-          </a:p>
-          <a:p>
-            <a:endParaRPr lang="en-US" dirty="0">
-              <a:solidFill>
-                <a:schemeClr val="tx1"/>
-              </a:solidFill>
-            </a:endParaRPr>
-          </a:p>
-          <a:p>
-            <a:endParaRPr lang="en-US" dirty="0">
-              <a:solidFill>
-                <a:schemeClr val="tx1"/>
-              </a:solidFill>
-            </a:endParaRPr>
-          </a:p>
-          <a:p>
-            <a:endParaRPr lang="en-US" dirty="0">
-              <a:solidFill>
-                <a:schemeClr val="tx1"/>
-              </a:solidFill>
-            </a:endParaRPr>
-          </a:p>
-          <a:p>
-            <a:endParaRPr lang="en-US" dirty="0">
-              <a:solidFill>
-                <a:schemeClr val="tx1"/>
-              </a:solidFill>
-            </a:endParaRPr>
-          </a:p>
-          <a:p>
-            <a:endParaRPr lang="en-US" dirty="0">
-              <a:solidFill>
-                <a:schemeClr val="tx1"/>
-              </a:solidFill>
-            </a:endParaRPr>
-          </a:p>
-          <a:p>
-            <a:endParaRPr lang="en-US" dirty="0">
-              <a:solidFill>
-                <a:schemeClr val="tx1"/>
-              </a:solidFill>
-            </a:endParaRPr>
-          </a:p>
-          <a:p>
-            <a:endParaRPr lang="en-US" dirty="0">
-              <a:solidFill>
-                <a:schemeClr val="tx1"/>
-              </a:solidFill>
-            </a:endParaRPr>
-          </a:p>
-        </p:txBody>
-      </p:sp>
-      <p:pic>
-        <p:nvPicPr>
-          <p:cNvPr id="8" name="Picture 2"/>
-          <p:cNvPicPr>
-            <a:picLocks noChangeAspect="1" noChangeArrowheads="1"/>
-          </p:cNvPicPr>
-          <p:nvPr/>
-        </p:nvPicPr>
-        <p:blipFill>
-          <a:blip r:embed="rId4" cstate="print"/>
-          <a:srcRect/>
-          <a:stretch>
-            <a:fillRect/>
-          </a:stretch>
-        </p:blipFill>
-        <p:spPr bwMode="auto">
-          <a:xfrm>
-            <a:off x="4364037" y="5130800"/>
-            <a:ext cx="433388" cy="485775"/>
-          </a:xfrm>
-          <a:prstGeom prst="rect">
-            <a:avLst/>
-          </a:prstGeom>
-          <a:noFill/>
-          <a:ln w="9525">
-            <a:noFill/>
-            <a:miter lim="800000"/>
-            <a:headEnd/>
-            <a:tailEnd/>
-          </a:ln>
-        </p:spPr>
-      </p:pic>
-      <p:pic>
-        <p:nvPicPr>
-          <p:cNvPr id="9" name="Picture 3"/>
-          <p:cNvPicPr>
-            <a:picLocks noChangeAspect="1" noChangeArrowheads="1"/>
-          </p:cNvPicPr>
-          <p:nvPr/>
-        </p:nvPicPr>
-        <p:blipFill>
-          <a:blip r:embed="rId5" cstate="print"/>
-          <a:srcRect/>
-          <a:stretch>
-            <a:fillRect/>
-          </a:stretch>
-        </p:blipFill>
-        <p:spPr bwMode="auto">
-          <a:xfrm>
-            <a:off x="935037" y="5207000"/>
-            <a:ext cx="381000" cy="388938"/>
-          </a:xfrm>
-          <a:prstGeom prst="rect">
-            <a:avLst/>
-          </a:prstGeom>
-          <a:noFill/>
-          <a:ln w="9525">
-            <a:noFill/>
-            <a:miter lim="800000"/>
-            <a:headEnd/>
-            <a:tailEnd/>
-          </a:ln>
-        </p:spPr>
-      </p:pic>
-      <p:sp>
-        <p:nvSpPr>
-          <p:cNvPr id="10" name="Rectangle 9"/>
-          <p:cNvSpPr/>
-          <p:nvPr/>
-        </p:nvSpPr>
-        <p:spPr>
-          <a:xfrm>
-            <a:off x="5354637" y="2997200"/>
-            <a:ext cx="1752600" cy="3124200"/>
-          </a:xfrm>
-          <a:prstGeom prst="rect">
-            <a:avLst/>
-          </a:prstGeom>
-          <a:solidFill>
-            <a:schemeClr val="bg1">
-              <a:lumMod val="75000"/>
-              <a:alpha val="39000"/>
-            </a:schemeClr>
-          </a:solidFill>
-        </p:spPr>
-        <p:style>
-          <a:lnRef idx="2">
-            <a:schemeClr val="accent1">
-              <a:shade val="50000"/>
-            </a:schemeClr>
-          </a:lnRef>
-          <a:fillRef idx="1">
-            <a:schemeClr val="accent1"/>
-          </a:fillRef>
-          <a:effectRef idx="0">
-            <a:schemeClr val="accent1"/>
-          </a:effectRef>
-          <a:fontRef idx="minor">
-            <a:schemeClr val="lt1"/>
-          </a:fontRef>
-        </p:style>
-        <p:txBody>
-          <a:bodyPr anchor="t" anchorCtr="0"/>
-          <a:lstStyle/>
-          <a:p>
-            <a:r>
-              <a:rPr lang="en-US" sz="1600" dirty="0">
-                <a:solidFill>
-                  <a:schemeClr val="tx1"/>
-                </a:solidFill>
-              </a:rPr>
-              <a:t>Generate</a:t>
-            </a:r>
-          </a:p>
-          <a:p>
-            <a:r>
-              <a:rPr lang="en-US" sz="1600" dirty="0">
-                <a:solidFill>
-                  <a:schemeClr val="tx1"/>
-                </a:solidFill>
-              </a:rPr>
-              <a:t>Data Resource</a:t>
-            </a:r>
-            <a:endParaRPr lang="en-US" dirty="0">
-              <a:solidFill>
-                <a:schemeClr val="tx1"/>
-              </a:solidFill>
-            </a:endParaRPr>
-          </a:p>
-          <a:p>
-            <a:endParaRPr lang="en-US" dirty="0">
-              <a:solidFill>
-                <a:schemeClr val="tx1"/>
-              </a:solidFill>
-            </a:endParaRPr>
-          </a:p>
-          <a:p>
-            <a:endParaRPr lang="en-US" dirty="0">
-              <a:solidFill>
-                <a:schemeClr val="tx1"/>
-              </a:solidFill>
-            </a:endParaRPr>
-          </a:p>
-          <a:p>
-            <a:endParaRPr lang="en-US" dirty="0">
-              <a:solidFill>
-                <a:schemeClr val="tx1"/>
-              </a:solidFill>
-            </a:endParaRPr>
-          </a:p>
-          <a:p>
-            <a:endParaRPr lang="en-US" dirty="0">
-              <a:solidFill>
-                <a:schemeClr val="tx1"/>
-              </a:solidFill>
-            </a:endParaRPr>
-          </a:p>
-          <a:p>
-            <a:endParaRPr lang="en-US" dirty="0">
-              <a:solidFill>
-                <a:schemeClr val="tx1"/>
-              </a:solidFill>
-            </a:endParaRPr>
-          </a:p>
-          <a:p>
-            <a:endParaRPr lang="en-US" dirty="0">
-              <a:solidFill>
-                <a:schemeClr val="tx1"/>
-              </a:solidFill>
-            </a:endParaRPr>
-          </a:p>
-          <a:p>
-            <a:endParaRPr lang="en-US" dirty="0">
-              <a:solidFill>
-                <a:schemeClr val="tx1"/>
-              </a:solidFill>
-            </a:endParaRPr>
-          </a:p>
-        </p:txBody>
-      </p:sp>
-      <p:pic>
-        <p:nvPicPr>
-          <p:cNvPr id="11" name="Picture 4"/>
-          <p:cNvPicPr>
-            <a:picLocks noChangeAspect="1" noChangeArrowheads="1"/>
-          </p:cNvPicPr>
-          <p:nvPr/>
-        </p:nvPicPr>
-        <p:blipFill>
-          <a:blip r:embed="rId6" cstate="print"/>
-          <a:srcRect/>
-          <a:stretch>
-            <a:fillRect/>
-          </a:stretch>
-        </p:blipFill>
-        <p:spPr bwMode="auto">
-          <a:xfrm>
-            <a:off x="2687637" y="5207000"/>
-            <a:ext cx="476250" cy="476250"/>
-          </a:xfrm>
-          <a:prstGeom prst="rect">
-            <a:avLst/>
-          </a:prstGeom>
-          <a:noFill/>
-          <a:ln w="9525">
-            <a:noFill/>
-            <a:miter lim="800000"/>
-            <a:headEnd/>
-            <a:tailEnd/>
-          </a:ln>
-        </p:spPr>
-      </p:pic>
-      <p:pic>
-        <p:nvPicPr>
-          <p:cNvPr id="12" name="Picture 2" descr="P:\cagrid-1-0\caGrid\projects\introduce\resources\portal\introduce\introduceSplash.jpg"/>
-          <p:cNvPicPr>
-            <a:picLocks noChangeAspect="1" noChangeArrowheads="1"/>
-          </p:cNvPicPr>
-          <p:nvPr/>
-        </p:nvPicPr>
-        <p:blipFill>
-          <a:blip r:embed="rId7" cstate="print"/>
-          <a:srcRect/>
-          <a:stretch>
-            <a:fillRect/>
-          </a:stretch>
-        </p:blipFill>
-        <p:spPr bwMode="auto">
-          <a:xfrm>
-            <a:off x="7716837" y="5207000"/>
-            <a:ext cx="457200" cy="412750"/>
-          </a:xfrm>
-          <a:prstGeom prst="rect">
-            <a:avLst/>
-          </a:prstGeom>
-          <a:noFill/>
-          <a:ln w="9525">
-            <a:noFill/>
-            <a:miter lim="800000"/>
-            <a:headEnd/>
-            <a:tailEnd/>
-          </a:ln>
-        </p:spPr>
-      </p:pic>
-      <p:sp>
-        <p:nvSpPr>
-          <p:cNvPr id="13" name="Rectangle 3"/>
-          <p:cNvSpPr txBox="1">
-            <a:spLocks noChangeArrowheads="1"/>
-          </p:cNvSpPr>
-          <p:nvPr/>
-        </p:nvSpPr>
-        <p:spPr bwMode="auto">
-          <a:xfrm>
-            <a:off x="304800" y="1371600"/>
-            <a:ext cx="8458200" cy="1295400"/>
-          </a:xfrm>
-          <a:prstGeom prst="rect">
-            <a:avLst/>
-          </a:prstGeom>
-          <a:noFill/>
-          <a:ln w="9525">
-            <a:noFill/>
-            <a:miter lim="800000"/>
-            <a:headEnd/>
-            <a:tailEnd/>
-          </a:ln>
-          <a:effectLst/>
-        </p:spPr>
-        <p:txBody>
-          <a:bodyPr vert="horz" wrap="square" lIns="91440" tIns="45720" rIns="91440" bIns="45720" numCol="1" anchor="t" anchorCtr="0" compatLnSpc="1">
-            <a:prstTxWarp prst="textNoShape">
-              <a:avLst/>
-            </a:prstTxWarp>
-          </a:bodyPr>
-          <a:lstStyle/>
-          <a:p>
-            <a:pPr marL="342900" marR="0" lvl="0" indent="-342900" algn="l" defTabSz="914400" rtl="0" eaLnBrk="1" fontAlgn="base" latinLnBrk="0" hangingPunct="1">
-              <a:lnSpc>
-                <a:spcPct val="100000"/>
-              </a:lnSpc>
-              <a:spcBef>
-                <a:spcPct val="20000"/>
-              </a:spcBef>
-              <a:spcAft>
-                <a:spcPct val="0"/>
-              </a:spcAft>
-              <a:buClr>
-                <a:srgbClr val="00AAF6"/>
-              </a:buClr>
-              <a:buSzTx/>
-              <a:buFontTx/>
-              <a:buChar char="•"/>
-              <a:tabLst/>
-              <a:defRPr/>
-            </a:pPr>
-            <a:r>
-              <a:rPr kumimoji="0" lang="en-US" sz="2000" b="1" i="0" u="none" strike="noStrike" kern="0" cap="none" spc="0" normalizeH="0" baseline="0" noProof="0" dirty="0" smtClean="0">
-                <a:ln>
-                  <a:noFill/>
-                </a:ln>
-                <a:solidFill>
-                  <a:schemeClr val="tx1"/>
-                </a:solidFill>
-                <a:effectLst/>
-                <a:uLnTx/>
-                <a:uFillTx/>
-                <a:latin typeface="+mn-lt"/>
-                <a:ea typeface="+mn-ea"/>
-                <a:cs typeface="+mn-cs"/>
-              </a:rPr>
-              <a:t>Specialized tooling can</a:t>
-            </a:r>
-            <a:r>
-              <a:rPr kumimoji="0" lang="en-US" sz="2000" b="1" i="0" u="none" strike="noStrike" kern="0" cap="none" spc="0" normalizeH="0" noProof="0" dirty="0" smtClean="0">
-                <a:ln>
-                  <a:noFill/>
-                </a:ln>
-                <a:solidFill>
-                  <a:schemeClr val="tx1"/>
-                </a:solidFill>
-                <a:effectLst/>
-                <a:uLnTx/>
-                <a:uFillTx/>
-                <a:latin typeface="+mn-lt"/>
-                <a:ea typeface="+mn-ea"/>
-                <a:cs typeface="+mn-cs"/>
-              </a:rPr>
-              <a:t> create a fully functional data service without a single line of developer code.</a:t>
-            </a:r>
-          </a:p>
-          <a:p>
-            <a:pPr marL="800100" lvl="1" indent="-342900">
-              <a:spcBef>
-                <a:spcPct val="20000"/>
-              </a:spcBef>
-              <a:buClr>
-                <a:srgbClr val="00AAF6"/>
-              </a:buClr>
-              <a:buFontTx/>
-              <a:buChar char="•"/>
-            </a:pPr>
-            <a:r>
-              <a:rPr lang="en-US" sz="2000" kern="0" noProof="0" dirty="0" smtClean="0">
-                <a:latin typeface="+mn-lt"/>
-              </a:rPr>
-              <a:t>Templates, wizards, and simple configuration files.</a:t>
-            </a:r>
-            <a:endParaRPr kumimoji="0" lang="en-US" sz="2000" b="1" i="0" u="none" strike="noStrike" kern="0" cap="none" spc="0" normalizeH="0" baseline="0" noProof="0" dirty="0" smtClean="0">
-              <a:ln>
-                <a:noFill/>
-              </a:ln>
-              <a:solidFill>
-                <a:schemeClr val="tx1"/>
-              </a:solidFill>
-              <a:effectLst/>
-              <a:uLnTx/>
-              <a:uFillTx/>
-              <a:latin typeface="+mn-lt"/>
-              <a:ea typeface="+mn-ea"/>
-              <a:cs typeface="+mn-cs"/>
-            </a:endParaRPr>
-          </a:p>
-          <a:p>
-            <a:pPr marL="742950" marR="0" lvl="1" indent="-285750" algn="l" defTabSz="914400" rtl="0" eaLnBrk="1" fontAlgn="base" latinLnBrk="0" hangingPunct="1">
-              <a:lnSpc>
-                <a:spcPct val="100000"/>
-              </a:lnSpc>
-              <a:spcBef>
-                <a:spcPct val="20000"/>
-              </a:spcBef>
-              <a:spcAft>
-                <a:spcPct val="0"/>
-              </a:spcAft>
-              <a:buClr>
-                <a:srgbClr val="00AAF6"/>
-              </a:buClr>
-              <a:buSzTx/>
-              <a:buFontTx/>
-              <a:buChar char="•"/>
-              <a:tabLst/>
-              <a:defRPr/>
-            </a:pPr>
-            <a:endParaRPr kumimoji="0" lang="en-US" sz="1600" b="0" i="0" u="none" strike="noStrike" kern="0" cap="none" spc="0" normalizeH="0" baseline="0" noProof="0" dirty="0" smtClean="0">
-              <a:ln>
-                <a:noFill/>
-              </a:ln>
-              <a:solidFill>
-                <a:schemeClr val="tx1"/>
-              </a:solidFill>
-              <a:effectLst/>
-              <a:uLnTx/>
-              <a:uFillTx/>
-              <a:latin typeface="+mn-lt"/>
-            </a:endParaRPr>
-          </a:p>
-        </p:txBody>
-      </p:sp>
-    </p:spTree>
-  </p:cSld>
-  <p:clrMapOvr>
-    <a:masterClrMapping/>
-  </p:clrMapOvr>
-</p:sld>
-</file>
-
-<file path=ppt/slides/slide4.xml><?xml version="1.0" encoding="utf-8"?>
-<p:sld xmlns:a="http://schemas.openxmlformats.org/drawingml/2006/main" xmlns:r="http://schemas.openxmlformats.org/officeDocument/2006/relationships" xmlns:p="http://schemas.openxmlformats.org/presentationml/2006/main">
-  <p:cSld>
-    <p:spTree>
-      <p:nvGrpSpPr>
-        <p:cNvPr id="1" name=""/>
-        <p:cNvGrpSpPr/>
-        <p:nvPr/>
-      </p:nvGrpSpPr>
-      <p:grpSpPr>
-        <a:xfrm>
-          <a:off x="0" y="0"/>
-          <a:ext cx="0" cy="0"/>
-          <a:chOff x="0" y="0"/>
-          <a:chExt cx="0" cy="0"/>
-        </a:xfrm>
-      </p:grpSpPr>
-      <p:sp>
-        <p:nvSpPr>
-          <p:cNvPr id="2" name="Title 1"/>
-          <p:cNvSpPr>
-            <a:spLocks noGrp="1"/>
-          </p:cNvSpPr>
-          <p:nvPr>
-            <p:ph type="title"/>
-          </p:nvPr>
-        </p:nvSpPr>
-        <p:spPr/>
-        <p:txBody>
-          <a:bodyPr/>
-          <a:lstStyle/>
-          <a:p>
-            <a:r>
-              <a:rPr lang="en-US" dirty="0" smtClean="0"/>
-              <a:t>Data Services Architecture</a:t>
-            </a:r>
-            <a:endParaRPr lang="en-US" dirty="0"/>
-          </a:p>
-        </p:txBody>
-      </p:sp>
-      <p:pic>
-        <p:nvPicPr>
-          <p:cNvPr id="5" name="Content Placeholder 4" descr="service.png"/>
-          <p:cNvPicPr>
-            <a:picLocks noGrp="1" noChangeAspect="1"/>
-          </p:cNvPicPr>
-          <p:nvPr>
-            <p:ph idx="1"/>
-          </p:nvPr>
-        </p:nvPicPr>
-        <p:blipFill>
-          <a:blip r:embed="rId2" cstate="print"/>
-          <a:stretch>
-            <a:fillRect/>
-          </a:stretch>
-        </p:blipFill>
-        <p:spPr>
-          <a:xfrm>
-            <a:off x="0" y="1295400"/>
-            <a:ext cx="9144000" cy="4830266"/>
-          </a:xfrm>
-        </p:spPr>
-      </p:pic>
-    </p:spTree>
-  </p:cSld>
-  <p:clrMapOvr>
-    <a:masterClrMapping/>
-  </p:clrMapOvr>
 </p:sld>
 </file>
 
@@ -13538,86 +16447,77 @@
           <a:p>
             <a:r>
               <a:rPr lang="en-US" sz="2000" dirty="0" err="1" smtClean="0"/>
+              <a:t>ServiceConfigUtil</a:t>
+            </a:r>
+            <a:endParaRPr lang="en-US" sz="2000" dirty="0" smtClean="0"/>
+          </a:p>
+          <a:p>
+            <a:pPr lvl="1"/>
+            <a:r>
+              <a:rPr lang="en-US" sz="2000" dirty="0" smtClean="0"/>
+              <a:t>Reads the data service configuration from JNDI</a:t>
+            </a:r>
+          </a:p>
+          <a:p>
+            <a:pPr lvl="2"/>
+            <a:r>
+              <a:rPr lang="en-US" sz="1800" dirty="0" smtClean="0"/>
+              <a:t>Introduce-generated </a:t>
+            </a:r>
+            <a:r>
+              <a:rPr lang="en-US" sz="1800" dirty="0" err="1" smtClean="0"/>
+              <a:t>ServiceConfig</a:t>
+            </a:r>
+            <a:r>
+              <a:rPr lang="en-US" sz="1800" dirty="0" smtClean="0"/>
+              <a:t> class is populated</a:t>
+            </a:r>
+          </a:p>
+          <a:p>
+            <a:pPr lvl="2"/>
+            <a:r>
+              <a:rPr lang="en-US" sz="1800" dirty="0" smtClean="0"/>
+              <a:t>Reflection to locate getter methods for data service configuration properties</a:t>
+            </a:r>
+          </a:p>
+          <a:p>
+            <a:pPr lvl="3"/>
+            <a:r>
+              <a:rPr lang="en-US" sz="1800" dirty="0" smtClean="0"/>
+              <a:t>Works regardless of other service properties added and name of service</a:t>
+            </a:r>
+          </a:p>
+          <a:p>
+            <a:pPr lvl="1"/>
+            <a:r>
+              <a:rPr lang="en-US" sz="2000" dirty="0" smtClean="0"/>
+              <a:t>Provides service properties to both </a:t>
+            </a:r>
+            <a:r>
+              <a:rPr lang="en-US" sz="2000" dirty="0" err="1" smtClean="0"/>
               <a:t>BaseServiceImpl</a:t>
             </a:r>
-            <a:endParaRPr lang="en-US" sz="2000" dirty="0" smtClean="0"/>
-          </a:p>
-          <a:p>
-            <a:pPr lvl="1"/>
             <a:r>
               <a:rPr lang="en-US" sz="2000" dirty="0" smtClean="0"/>
-              <a:t>Abstract base class which is extended by specific data service implementations</a:t>
+              <a:t> and CQL Query Processor implementation</a:t>
             </a:r>
           </a:p>
           <a:p>
             <a:pPr lvl="2"/>
             <a:r>
               <a:rPr lang="en-US" sz="1800" dirty="0" smtClean="0"/>
-              <a:t>Standard, WS-Enumeration, and caGrid Transfer</a:t>
-            </a:r>
-            <a:endParaRPr lang="en-US" sz="2400" dirty="0" smtClean="0"/>
-          </a:p>
-          <a:p>
-            <a:pPr lvl="1"/>
-            <a:r>
-              <a:rPr lang="en-US" sz="2000" dirty="0" smtClean="0"/>
-              <a:t>Common functionality and query processing workflow</a:t>
+              <a:t>Properties supplied in key-value pairs</a:t>
             </a:r>
           </a:p>
           <a:p>
             <a:pPr lvl="2"/>
             <a:r>
               <a:rPr lang="en-US" sz="1800" dirty="0" smtClean="0"/>
-              <a:t>Creates and configures the CQL query processor instance</a:t>
-            </a:r>
-          </a:p>
-          <a:p>
-            <a:pPr lvl="2"/>
-            <a:r>
-              <a:rPr lang="en-US" sz="1800" dirty="0" smtClean="0"/>
-              <a:t>Handles query auditing</a:t>
-            </a:r>
-          </a:p>
-          <a:p>
-            <a:pPr lvl="2"/>
-            <a:r>
-              <a:rPr lang="en-US" sz="1800" dirty="0" smtClean="0"/>
-              <a:t>Validates incoming queries</a:t>
-            </a:r>
-          </a:p>
-          <a:p>
-            <a:r>
-              <a:rPr lang="en-US" dirty="0" err="1" smtClean="0"/>
-              <a:t>DataServiceImpl</a:t>
-            </a:r>
-            <a:endParaRPr lang="en-US" dirty="0" smtClean="0"/>
-          </a:p>
-          <a:p>
-            <a:pPr lvl="1"/>
-            <a:r>
-              <a:rPr lang="en-US" dirty="0" smtClean="0"/>
-              <a:t>Standard implementation of data service extends from </a:t>
-            </a:r>
-            <a:r>
-              <a:rPr lang="en-US" dirty="0" err="1" smtClean="0"/>
-              <a:t>BaseServiceImpl</a:t>
-            </a:r>
-            <a:endParaRPr lang="en-US" dirty="0" smtClean="0"/>
-          </a:p>
-          <a:p>
-            <a:pPr lvl="1"/>
-            <a:r>
-              <a:rPr lang="en-US" dirty="0" smtClean="0"/>
-              <a:t>Passes CQL to Query Processor</a:t>
-            </a:r>
-          </a:p>
-          <a:p>
-            <a:pPr lvl="1"/>
-            <a:r>
-              <a:rPr lang="en-US" dirty="0" smtClean="0"/>
-              <a:t>Returns results directly to client (via grid interface)</a:t>
-            </a:r>
-            <a:endParaRPr lang="en-US" dirty="0"/>
+              <a:t>Keys stripped of prefixes required to identify data service and CQL query processor specific properties</a:t>
+            </a:r>
+          </a:p>
+          <a:p>
+            <a:endParaRPr lang="en-US" sz="2000" dirty="0"/>
           </a:p>
         </p:txBody>
       </p:sp>
@@ -13686,7 +16586,43 @@
           <a:p>
             <a:r>
               <a:rPr lang="en-US" sz="2000" dirty="0" err="1" smtClean="0"/>
-              <a:t>ServiceConfigUtil</a:t>
+              <a:t>CqlStructureValidator</a:t>
+            </a:r>
+            <a:endParaRPr lang="en-US" sz="2000" dirty="0"/>
+          </a:p>
+          <a:p>
+            <a:pPr lvl="1"/>
+            <a:r>
+              <a:rPr lang="en-US" sz="2000" dirty="0" smtClean="0"/>
+              <a:t>Interface with a method to validate the well-</a:t>
+            </a:r>
+            <a:r>
+              <a:rPr lang="en-US" sz="2000" dirty="0" err="1" smtClean="0"/>
+              <a:t>formedness</a:t>
+            </a:r>
+            <a:r>
+              <a:rPr lang="en-US" sz="2000" dirty="0" smtClean="0"/>
+              <a:t> of a CQL query against the CQL schema</a:t>
+            </a:r>
+          </a:p>
+          <a:p>
+            <a:pPr lvl="1"/>
+            <a:r>
+              <a:rPr lang="en-US" sz="2000" dirty="0" smtClean="0"/>
+              <a:t>Implementation is reflect-loaded from a class identified in a service property</a:t>
+            </a:r>
+          </a:p>
+          <a:p>
+            <a:pPr lvl="1"/>
+            <a:r>
+              <a:rPr lang="en-US" sz="2000" dirty="0" smtClean="0"/>
+              <a:t>Optional – May be activated by setting a flag in service properties</a:t>
+            </a:r>
+          </a:p>
+          <a:p>
+            <a:r>
+              <a:rPr lang="en-US" sz="2000" dirty="0" err="1" smtClean="0"/>
+              <a:t>CqlDomainValidator</a:t>
             </a:r>
             <a:endParaRPr lang="en-US" sz="2000" dirty="0" smtClean="0"/>
           </a:p>
@@ -13694,69 +16630,29 @@
             <a:pPr lvl="1"/>
             <a:r>
               <a:rPr lang="en-US" sz="2000" dirty="0" smtClean="0"/>
-              <a:t>Reads the data service configuration from JNDI</a:t>
+              <a:t>Interface with a method to validate a CQL query against the data service’s domain model</a:t>
             </a:r>
           </a:p>
           <a:p>
             <a:pPr lvl="2"/>
             <a:r>
               <a:rPr lang="en-US" sz="1800" dirty="0" smtClean="0"/>
-              <a:t>Introduce-generated </a:t>
-            </a:r>
-            <a:r>
-              <a:rPr lang="en-US" sz="1800" dirty="0" err="1" smtClean="0"/>
-              <a:t>ServiceConfig</a:t>
-            </a:r>
-            <a:r>
-              <a:rPr lang="en-US" sz="1800" dirty="0" smtClean="0"/>
-              <a:t> class is populated</a:t>
-            </a:r>
-          </a:p>
-          <a:p>
-            <a:pPr lvl="2"/>
-            <a:r>
-              <a:rPr lang="en-US" sz="1800" dirty="0" smtClean="0"/>
-              <a:t>Reflection to locate getter methods for data service configuration properties</a:t>
-            </a:r>
-          </a:p>
-          <a:p>
-            <a:pPr lvl="3"/>
-            <a:r>
-              <a:rPr lang="en-US" sz="1800" dirty="0" smtClean="0"/>
-              <a:t>Works regardless of other service properties added and name of service</a:t>
+              <a:t>“Are all the associations valid, do the attributes queried for exist, is the specified target data type visible”, etc.</a:t>
             </a:r>
           </a:p>
           <a:p>
             <a:pPr lvl="1"/>
             <a:r>
               <a:rPr lang="en-US" sz="2000" dirty="0" smtClean="0"/>
-              <a:t>Provides service properties to both </a:t>
-            </a:r>
-            <a:r>
-              <a:rPr lang="en-US" sz="2000" dirty="0" err="1" smtClean="0"/>
-              <a:t>BaseServiceImpl</a:t>
-            </a:r>
+              <a:t>Implementation is reflect-loaded from a class identified in a service property</a:t>
+            </a:r>
+          </a:p>
+          <a:p>
+            <a:pPr lvl="1"/>
             <a:r>
               <a:rPr lang="en-US" sz="2000" dirty="0" smtClean="0"/>
-              <a:t> and CQL Query Processor implementation</a:t>
-            </a:r>
-          </a:p>
-          <a:p>
-            <a:pPr lvl="2"/>
-            <a:r>
-              <a:rPr lang="en-US" sz="1800" dirty="0" smtClean="0"/>
-              <a:t>Properties supplied in key-value pairs</a:t>
-            </a:r>
-          </a:p>
-          <a:p>
-            <a:pPr lvl="2"/>
-            <a:r>
-              <a:rPr lang="en-US" sz="1800" dirty="0" smtClean="0"/>
-              <a:t>Keys stripped of prefixes required to identify data service and CQL query processor specific properties</a:t>
-            </a:r>
-          </a:p>
-          <a:p>
-            <a:endParaRPr lang="en-US" sz="2000" dirty="0"/>
+              <a:t>Optional – May be activated by setting a flag in service properties</a:t>
+            </a:r>
           </a:p>
         </p:txBody>
       </p:sp>
@@ -13825,73 +16721,52 @@
           <a:p>
             <a:r>
               <a:rPr lang="en-US" sz="2000" dirty="0" err="1" smtClean="0"/>
-              <a:t>CqlStructureValidator</a:t>
+              <a:t>DataServiceAuditor</a:t>
+            </a:r>
+            <a:endParaRPr lang="en-US" sz="2000" dirty="0" smtClean="0"/>
+          </a:p>
+          <a:p>
+            <a:pPr lvl="1"/>
+            <a:r>
+              <a:rPr lang="en-US" sz="2000" dirty="0" smtClean="0"/>
+              <a:t>Abstract base class for all auditors</a:t>
+            </a:r>
+          </a:p>
+          <a:p>
+            <a:pPr lvl="1"/>
+            <a:r>
+              <a:rPr lang="en-US" sz="2000" dirty="0" smtClean="0"/>
+              <a:t>Receives notification of various events in query processing</a:t>
+            </a:r>
+          </a:p>
+          <a:p>
+            <a:pPr lvl="2"/>
+            <a:r>
+              <a:rPr lang="en-US" sz="1800" dirty="0" smtClean="0"/>
+              <a:t>Query received, exception thrown, etc.</a:t>
+            </a:r>
+          </a:p>
+          <a:p>
+            <a:pPr lvl="1"/>
+            <a:r>
+              <a:rPr lang="en-US" sz="2000" dirty="0" smtClean="0"/>
+              <a:t>Specified in separate configuration file</a:t>
+            </a:r>
+          </a:p>
+          <a:p>
+            <a:pPr lvl="1"/>
+            <a:r>
+              <a:rPr lang="en-US" sz="2000" dirty="0" smtClean="0"/>
+              <a:t>Loaded at service startup</a:t>
+            </a:r>
+          </a:p>
+          <a:p>
+            <a:pPr lvl="1"/>
+            <a:r>
+              <a:rPr lang="en-US" sz="2000" dirty="0" smtClean="0"/>
+              <a:t>Multiple auditors may listen for and handle the same event</a:t>
             </a:r>
             <a:endParaRPr lang="en-US" sz="2000" dirty="0"/>
-          </a:p>
-          <a:p>
-            <a:pPr lvl="1"/>
-            <a:r>
-              <a:rPr lang="en-US" sz="2000" dirty="0" smtClean="0"/>
-              <a:t>Interface with a method to validate the well-</a:t>
-            </a:r>
-            <a:r>
-              <a:rPr lang="en-US" sz="2000" dirty="0" err="1" smtClean="0"/>
-              <a:t>formedness</a:t>
-            </a:r>
-            <a:r>
-              <a:rPr lang="en-US" sz="2000" dirty="0" smtClean="0"/>
-              <a:t> of a CQL query against the CQL schema</a:t>
-            </a:r>
-          </a:p>
-          <a:p>
-            <a:pPr lvl="1"/>
-            <a:r>
-              <a:rPr lang="en-US" sz="2000" dirty="0" smtClean="0"/>
-              <a:t>Implementation is reflect-loaded from a class identified in a service property</a:t>
-            </a:r>
-          </a:p>
-          <a:p>
-            <a:pPr lvl="1"/>
-            <a:r>
-              <a:rPr lang="en-US" sz="2000" dirty="0" smtClean="0"/>
-              <a:t>Optional – May be activated by setting a flag in service properties</a:t>
-            </a:r>
-          </a:p>
-          <a:p>
-            <a:r>
-              <a:rPr lang="en-US" sz="2000" dirty="0" err="1" smtClean="0"/>
-              <a:t>CqlDomainValidator</a:t>
-            </a:r>
-            <a:endParaRPr lang="en-US" sz="2000" dirty="0" smtClean="0"/>
-          </a:p>
-          <a:p>
-            <a:pPr lvl="1"/>
-            <a:r>
-              <a:rPr lang="en-US" sz="2000" dirty="0" smtClean="0"/>
-              <a:t>Interface with a method to validate a CQL query against the data service’s domain model</a:t>
-            </a:r>
-          </a:p>
-          <a:p>
-            <a:pPr lvl="2"/>
-            <a:r>
-              <a:rPr lang="en-US" sz="1800" dirty="0" smtClean="0"/>
-              <a:t>“Are all the associations valid, do the attributes queried for exist, is the specified target data type visible”, etc.</a:t>
-            </a:r>
-          </a:p>
-          <a:p>
-            <a:pPr lvl="1"/>
-            <a:r>
-              <a:rPr lang="en-US" sz="2000" dirty="0" smtClean="0"/>
-              <a:t>Implementation is reflect-loaded from a class identified in a service property</a:t>
-            </a:r>
-          </a:p>
-          <a:p>
-            <a:pPr lvl="1"/>
-            <a:r>
-              <a:rPr lang="en-US" sz="2000" dirty="0" smtClean="0"/>
-              <a:t>Optional – May be activated by setting a flag in service properties</a:t>
-            </a:r>
           </a:p>
         </p:txBody>
       </p:sp>
@@ -13960,7 +16835,7 @@
           <a:p>
             <a:r>
               <a:rPr lang="en-US" sz="2000" dirty="0" err="1" smtClean="0"/>
-              <a:t>DataServiceAuditor</a:t>
+              <a:t>CQLQueryProcessor</a:t>
             </a:r>
             <a:endParaRPr lang="en-US" sz="2000" dirty="0" smtClean="0"/>
           </a:p>
@@ -13968,44 +16843,65 @@
             <a:pPr lvl="1"/>
             <a:r>
               <a:rPr lang="en-US" sz="2000" dirty="0" smtClean="0"/>
-              <a:t>Abstract base class for all auditors</a:t>
+              <a:t>Abstract base class from which all query processor implementations extend</a:t>
             </a:r>
           </a:p>
           <a:p>
             <a:pPr lvl="1"/>
             <a:r>
               <a:rPr lang="en-US" sz="2000" dirty="0" smtClean="0"/>
-              <a:t>Receives notification of various events in query processing</a:t>
+              <a:t>Abstraction over an arbitrary data source to provide a simple and consistent query interface</a:t>
+            </a:r>
+          </a:p>
+          <a:p>
+            <a:pPr lvl="1"/>
+            <a:r>
+              <a:rPr lang="en-US" sz="2000" dirty="0" smtClean="0"/>
+              <a:t>Responsible for handling CQL queries against a specific data source</a:t>
             </a:r>
           </a:p>
           <a:p>
             <a:pPr lvl="2"/>
             <a:r>
-              <a:rPr lang="en-US" sz="1800" dirty="0" smtClean="0"/>
-              <a:t>Query received, exception thrown, etc.</a:t>
+              <a:rPr lang="en-US" dirty="0" err="1" smtClean="0"/>
+              <a:t>Eg</a:t>
+            </a:r>
+            <a:r>
+              <a:rPr lang="en-US" dirty="0" smtClean="0"/>
+              <a:t>, caCORE SDK, custom </a:t>
+            </a:r>
+            <a:r>
+              <a:rPr lang="en-US" dirty="0" err="1" smtClean="0"/>
+              <a:t>MySQL</a:t>
+            </a:r>
+            <a:r>
+              <a:rPr lang="en-US" dirty="0" smtClean="0"/>
+              <a:t> database, Berkley XMLDB, etc.</a:t>
             </a:r>
           </a:p>
           <a:p>
             <a:pPr lvl="1"/>
             <a:r>
               <a:rPr lang="en-US" sz="2000" dirty="0" smtClean="0"/>
-              <a:t>Specified in separate configuration file</a:t>
-            </a:r>
-          </a:p>
-          <a:p>
-            <a:pPr lvl="1"/>
-            <a:r>
-              <a:rPr lang="en-US" sz="2000" dirty="0" smtClean="0"/>
-              <a:t>Loaded at service startup</a:t>
-            </a:r>
-          </a:p>
-          <a:p>
-            <a:pPr lvl="1"/>
-            <a:r>
-              <a:rPr lang="en-US" sz="2000" dirty="0" smtClean="0"/>
-              <a:t>Multiple auditors may listen for and handle the same event</a:t>
+              <a:t>Loaded via reflection by </a:t>
+            </a:r>
+            <a:r>
+              <a:rPr lang="en-US" sz="2000" dirty="0" err="1" smtClean="0"/>
+              <a:t>BaseServiceImpl</a:t>
             </a:r>
             <a:endParaRPr lang="en-US" sz="2000" dirty="0"/>
+          </a:p>
+          <a:p>
+            <a:pPr lvl="2"/>
+            <a:r>
+              <a:rPr lang="en-US" dirty="0" smtClean="0"/>
+              <a:t>Class identified by service property and discovered by </a:t>
+            </a:r>
+            <a:r>
+              <a:rPr lang="en-US" dirty="0" err="1" smtClean="0"/>
+              <a:t>ServiceConfigUtil</a:t>
+            </a:r>
+            <a:endParaRPr lang="en-US" dirty="0" smtClean="0"/>
           </a:p>
         </p:txBody>
       </p:sp>
@@ -14051,7 +16947,7 @@
           <a:p>
             <a:r>
               <a:rPr lang="en-US" dirty="0" smtClean="0"/>
-              <a:t>Data Services Architecture</a:t>
+              <a:t>CQL Query Processors</a:t>
             </a:r>
             <a:endParaRPr lang="en-US" dirty="0"/>
           </a:p>
@@ -14059,7 +16955,7 @@
       </p:sp>
       <p:sp>
         <p:nvSpPr>
-          <p:cNvPr id="3" name="Content Placeholder 2"/>
+          <p:cNvPr id="4" name="Content Placeholder 2"/>
           <p:cNvSpPr>
             <a:spLocks noGrp="1"/>
           </p:cNvSpPr>
@@ -14067,79 +16963,92 @@
             <p:ph idx="1"/>
           </p:nvPr>
         </p:nvSpPr>
-        <p:spPr/>
+        <p:spPr>
+          <a:xfrm>
+            <a:off x="304800" y="1371600"/>
+            <a:ext cx="8458200" cy="4953000"/>
+          </a:xfrm>
+        </p:spPr>
         <p:txBody>
           <a:bodyPr/>
           <a:lstStyle/>
           <a:p>
             <a:r>
-              <a:rPr lang="en-US" sz="2000" dirty="0" err="1" smtClean="0"/>
-              <a:t>CQLQueryProcessor</a:t>
+              <a:rPr lang="en-US" sz="2000" dirty="0" smtClean="0"/>
+              <a:t>Configuration related methods</a:t>
+            </a:r>
+          </a:p>
+          <a:p>
+            <a:pPr lvl="1"/>
+            <a:r>
+              <a:rPr lang="en-US" sz="2000" i="1" dirty="0" err="1" smtClean="0"/>
+              <a:t>getRequiredParameters</a:t>
+            </a:r>
+            <a:r>
+              <a:rPr lang="en-US" sz="2000" i="1" dirty="0" smtClean="0"/>
+              <a:t>()</a:t>
             </a:r>
             <a:endParaRPr lang="en-US" sz="2000" dirty="0" smtClean="0"/>
           </a:p>
           <a:p>
+            <a:pPr lvl="2"/>
+            <a:r>
+              <a:rPr lang="en-US" sz="1800" dirty="0" smtClean="0"/>
+              <a:t>Returns a Properties instance populated with keys and default values for configuration of the query processor</a:t>
+            </a:r>
+          </a:p>
+          <a:p>
             <a:pPr lvl="1"/>
             <a:r>
-              <a:rPr lang="en-US" sz="2000" dirty="0" smtClean="0"/>
-              <a:t>Abstract base class from which all query processor implementations extend</a:t>
+              <a:rPr lang="en-US" sz="2000" i="1" dirty="0" err="1" smtClean="0"/>
+              <a:t>getPropertiesFromEtc</a:t>
+            </a:r>
+            <a:r>
+              <a:rPr lang="en-US" sz="2000" i="1" dirty="0" smtClean="0"/>
+              <a:t>()</a:t>
+            </a:r>
+          </a:p>
+          <a:p>
+            <a:pPr lvl="2"/>
+            <a:r>
+              <a:rPr lang="en-US" sz="1800" dirty="0" smtClean="0"/>
+              <a:t>Returns a Set of property keys whose value should be a file in the service’s etc directory once deployed to a service container</a:t>
+            </a:r>
+          </a:p>
+          <a:p>
+            <a:pPr lvl="2"/>
+            <a:r>
+              <a:rPr lang="en-US" sz="1800" dirty="0" smtClean="0"/>
+              <a:t>Useful for locating additional configuration documents</a:t>
             </a:r>
           </a:p>
           <a:p>
             <a:pPr lvl="1"/>
             <a:r>
-              <a:rPr lang="en-US" sz="2000" dirty="0" smtClean="0"/>
-              <a:t>Abstraction over an arbitrary data source to provide a simple and consistent query interface</a:t>
+              <a:rPr lang="en-US" sz="2000" i="1" dirty="0" smtClean="0"/>
+              <a:t>initialize()</a:t>
+            </a:r>
+          </a:p>
+          <a:p>
+            <a:pPr lvl="2"/>
+            <a:r>
+              <a:rPr lang="en-US" sz="1800" dirty="0" smtClean="0"/>
+              <a:t>Invoked by the data service infrastructure when constructing a CQL Query Processor instance for use in a live service.</a:t>
+            </a:r>
+          </a:p>
+          <a:p>
+            <a:pPr lvl="2"/>
+            <a:r>
+              <a:rPr lang="en-US" sz="1800" dirty="0" smtClean="0"/>
+              <a:t>Sets the configuration properties from values in service’s JNDI</a:t>
             </a:r>
           </a:p>
           <a:p>
             <a:pPr lvl="1"/>
-            <a:r>
-              <a:rPr lang="en-US" sz="2000" dirty="0" smtClean="0"/>
-              <a:t>Responsible for handling CQL queries against a specific data source</a:t>
-            </a:r>
-          </a:p>
-          <a:p>
-            <a:pPr lvl="2"/>
-            <a:r>
-              <a:rPr lang="en-US" dirty="0" err="1" smtClean="0"/>
-              <a:t>Eg</a:t>
-            </a:r>
-            <a:r>
-              <a:rPr lang="en-US" dirty="0" smtClean="0"/>
-              <a:t>, caCORE SDK, custom </a:t>
-            </a:r>
-            <a:r>
-              <a:rPr lang="en-US" dirty="0" err="1" smtClean="0"/>
-              <a:t>MySQL</a:t>
-            </a:r>
-            <a:r>
-              <a:rPr lang="en-US" dirty="0" smtClean="0"/>
-              <a:t> database, Berkley XMLDB, etc.</a:t>
-            </a:r>
+            <a:endParaRPr lang="en-US" sz="1800" dirty="0" smtClean="0"/>
           </a:p>
           <a:p>
             <a:pPr lvl="1"/>
-            <a:r>
-              <a:rPr lang="en-US" sz="2000" dirty="0" smtClean="0"/>
-              <a:t>Loaded via reflection by </a:t>
-            </a:r>
-            <a:r>
-              <a:rPr lang="en-US" sz="2000" dirty="0" err="1" smtClean="0"/>
-              <a:t>BaseServiceImpl</a:t>
-            </a:r>
-            <a:endParaRPr lang="en-US" sz="2000" dirty="0"/>
-          </a:p>
-          <a:p>
-            <a:pPr lvl="2"/>
-            <a:r>
-              <a:rPr lang="en-US" dirty="0" smtClean="0"/>
-              <a:t>Class identified by service property and discovered by </a:t>
-            </a:r>
-            <a:r>
-              <a:rPr lang="en-US" dirty="0" err="1" smtClean="0"/>
-              <a:t>ServiceConfigUtil</a:t>
-            </a:r>
             <a:endParaRPr lang="en-US" dirty="0" smtClean="0"/>
           </a:p>
         </p:txBody>

--- a/Documentation/presentations/200906_Novartis/caGrid Data Services.pptx
+++ b/Documentation/presentations/200906_Novartis/caGrid Data Services.pptx
@@ -5,7 +5,7 @@
     <p:sldMasterId id="2147483648" r:id="rId1"/>
   </p:sldMasterIdLst>
   <p:notesMasterIdLst>
-    <p:notesMasterId r:id="rId43"/>
+    <p:notesMasterId r:id="rId45"/>
   </p:notesMasterIdLst>
   <p:sldIdLst>
     <p:sldId id="256" r:id="rId2"/>
@@ -31,24 +31,26 @@
     <p:sldId id="264" r:id="rId22"/>
     <p:sldId id="275" r:id="rId23"/>
     <p:sldId id="276" r:id="rId24"/>
-    <p:sldId id="281" r:id="rId25"/>
-    <p:sldId id="288" r:id="rId26"/>
-    <p:sldId id="289" r:id="rId27"/>
-    <p:sldId id="290" r:id="rId28"/>
-    <p:sldId id="291" r:id="rId29"/>
-    <p:sldId id="292" r:id="rId30"/>
-    <p:sldId id="293" r:id="rId31"/>
-    <p:sldId id="294" r:id="rId32"/>
-    <p:sldId id="295" r:id="rId33"/>
-    <p:sldId id="296" r:id="rId34"/>
-    <p:sldId id="297" r:id="rId35"/>
-    <p:sldId id="298" r:id="rId36"/>
-    <p:sldId id="287" r:id="rId37"/>
-    <p:sldId id="277" r:id="rId38"/>
-    <p:sldId id="278" r:id="rId39"/>
-    <p:sldId id="279" r:id="rId40"/>
-    <p:sldId id="284" r:id="rId41"/>
-    <p:sldId id="285" r:id="rId42"/>
+    <p:sldId id="299" r:id="rId25"/>
+    <p:sldId id="300" r:id="rId26"/>
+    <p:sldId id="281" r:id="rId27"/>
+    <p:sldId id="288" r:id="rId28"/>
+    <p:sldId id="289" r:id="rId29"/>
+    <p:sldId id="290" r:id="rId30"/>
+    <p:sldId id="291" r:id="rId31"/>
+    <p:sldId id="292" r:id="rId32"/>
+    <p:sldId id="293" r:id="rId33"/>
+    <p:sldId id="294" r:id="rId34"/>
+    <p:sldId id="295" r:id="rId35"/>
+    <p:sldId id="296" r:id="rId36"/>
+    <p:sldId id="297" r:id="rId37"/>
+    <p:sldId id="298" r:id="rId38"/>
+    <p:sldId id="287" r:id="rId39"/>
+    <p:sldId id="277" r:id="rId40"/>
+    <p:sldId id="278" r:id="rId41"/>
+    <p:sldId id="279" r:id="rId42"/>
+    <p:sldId id="284" r:id="rId43"/>
+    <p:sldId id="285" r:id="rId44"/>
   </p:sldIdLst>
   <p:sldSz cx="9144000" cy="6858000" type="screen4x3"/>
   <p:notesSz cx="6858000" cy="9144000"/>
@@ -783,7 +785,7 @@
             <a:fld id="{0EA92AC8-40AC-4621-AB8B-E24657776B35}" type="slidenum">
               <a:rPr lang="en-US"/>
               <a:pPr/>
-              <a:t>41</a:t>
+              <a:t>43</a:t>
             </a:fld>
             <a:endParaRPr lang="en-US"/>
           </a:p>
@@ -1481,7 +1483,7 @@
             <a:fld id="{0EA92AC8-40AC-4621-AB8B-E24657776B35}" type="slidenum">
               <a:rPr lang="en-US"/>
               <a:pPr/>
-              <a:t>39</a:t>
+              <a:t>41</a:t>
             </a:fld>
             <a:endParaRPr lang="en-US"/>
           </a:p>
@@ -1583,7 +1585,7 @@
             <a:fld id="{0EA92AC8-40AC-4621-AB8B-E24657776B35}" type="slidenum">
               <a:rPr lang="en-US"/>
               <a:pPr/>
-              <a:t>40</a:t>
+              <a:t>42</a:t>
             </a:fld>
             <a:endParaRPr lang="en-US"/>
           </a:p>
@@ -10043,7 +10045,7 @@
           <a:p>
             <a:r>
               <a:rPr lang="en-US" dirty="0" smtClean="0"/>
-              <a:t>Data Service Client Workflow</a:t>
+              <a:t>Handling CQL Results</a:t>
             </a:r>
             <a:endParaRPr lang="en-US" dirty="0"/>
           </a:p>
@@ -10105,7 +10107,7 @@
               <a:rPr lang="en-US" sz="2000" b="1" kern="0" dirty="0" smtClean="0">
                 <a:latin typeface="+mn-lt"/>
               </a:rPr>
-              <a:t>Client wishes to locate some data on the grid</a:t>
+              <a:t>Alternative results retrieval</a:t>
             </a:r>
           </a:p>
           <a:p>
@@ -10124,11 +10126,27 @@
               <a:rPr lang="en-US" sz="2000" kern="0" dirty="0" smtClean="0">
                 <a:latin typeface="+mn-lt"/>
               </a:rPr>
-              <a:t>A researcher is studying breast cancer, and wishes to locate related genomic information on the grid</a:t>
-            </a:r>
-            <a:endParaRPr lang="en-US" sz="2000" kern="0" dirty="0" smtClean="0">
-              <a:latin typeface="+mn-lt"/>
-            </a:endParaRPr>
+              <a:t>Intended to aid handling of large data sets</a:t>
+            </a:r>
+          </a:p>
+          <a:p>
+            <a:pPr marL="342900" indent="-342900">
+              <a:spcBef>
+                <a:spcPct val="20000"/>
+              </a:spcBef>
+              <a:buClr>
+                <a:srgbClr val="00AAF6"/>
+              </a:buClr>
+              <a:buFontTx/>
+              <a:buChar char="•"/>
+              <a:defRPr/>
+            </a:pPr>
+            <a:r>
+              <a:rPr lang="en-US" sz="2000" b="1" kern="0" dirty="0" smtClean="0">
+                <a:latin typeface="+mn-lt"/>
+              </a:rPr>
+              <a:t>WS-Enumeration</a:t>
+            </a:r>
           </a:p>
           <a:p>
             <a:pPr marL="800100" lvl="1" indent="-342900">
@@ -10146,22 +10164,102 @@
               <a:rPr lang="en-US" sz="2000" kern="0" dirty="0" smtClean="0">
                 <a:latin typeface="+mn-lt"/>
               </a:rPr>
-              <a:t>This client knows they want </a:t>
-            </a:r>
-            <a:r>
-              <a:rPr lang="en-US" sz="2000" kern="0" dirty="0" smtClean="0">
-                <a:solidFill>
-                  <a:srgbClr val="C00000"/>
-                </a:solidFill>
+              <a:t>An interface by which clients may page results from a grid service</a:t>
+            </a:r>
+          </a:p>
+          <a:p>
+            <a:pPr marL="1257300" lvl="2" indent="-342900">
+              <a:spcBef>
+                <a:spcPct val="20000"/>
+              </a:spcBef>
+              <a:buClr>
+                <a:srgbClr val="00AAF6"/>
+              </a:buClr>
+              <a:buFontTx/>
+              <a:buChar char="•"/>
+              <a:defRPr/>
+            </a:pPr>
+            <a:r>
+              <a:rPr lang="en-US" kern="0" dirty="0" smtClean="0">
                 <a:latin typeface="+mn-lt"/>
               </a:rPr>
-              <a:t>“Genes” with a certain name</a:t>
-            </a:r>
+              <a:t>Special results-retrieval service resource and context</a:t>
+            </a:r>
+          </a:p>
+          <a:p>
+            <a:pPr marL="800100" lvl="1" indent="-342900">
+              <a:spcBef>
+                <a:spcPct val="20000"/>
+              </a:spcBef>
+              <a:buClr>
+                <a:srgbClr val="00AAF6"/>
+              </a:buClr>
+              <a:buFontTx/>
+              <a:buChar char="•"/>
+              <a:defRPr/>
+            </a:pPr>
             <a:r>
               <a:rPr lang="en-US" sz="2000" kern="0" dirty="0" smtClean="0">
                 <a:latin typeface="+mn-lt"/>
               </a:rPr>
-              <a:t>, but does not know which service might contain them, nor how to structure a query for them</a:t>
+              <a:t>Client specifies page size</a:t>
+            </a:r>
+          </a:p>
+          <a:p>
+            <a:pPr marL="1257300" lvl="2" indent="-342900">
+              <a:spcBef>
+                <a:spcPct val="20000"/>
+              </a:spcBef>
+              <a:buClr>
+                <a:srgbClr val="00AAF6"/>
+              </a:buClr>
+              <a:buFontTx/>
+              <a:buChar char="•"/>
+              <a:defRPr/>
+            </a:pPr>
+            <a:r>
+              <a:rPr lang="en-US" kern="0" dirty="0" smtClean="0">
+                <a:latin typeface="+mn-lt"/>
+              </a:rPr>
+              <a:t>Number of data elements, max size of results in bytes, timeout</a:t>
+            </a:r>
+          </a:p>
+          <a:p>
+            <a:pPr marL="800100" lvl="1" indent="-342900">
+              <a:spcBef>
+                <a:spcPct val="20000"/>
+              </a:spcBef>
+              <a:buClr>
+                <a:srgbClr val="00AAF6"/>
+              </a:buClr>
+              <a:buFontTx/>
+              <a:buChar char="•"/>
+              <a:defRPr/>
+            </a:pPr>
+            <a:r>
+              <a:rPr lang="en-US" sz="2000" kern="0" dirty="0" smtClean="0">
+                <a:latin typeface="+mn-lt"/>
+              </a:rPr>
+              <a:t>caGrid provides server-side and client-side tooling to simplify use of WS-Enumeration</a:t>
+            </a:r>
+          </a:p>
+          <a:p>
+            <a:pPr marL="1257300" lvl="2" indent="-342900">
+              <a:spcBef>
+                <a:spcPct val="20000"/>
+              </a:spcBef>
+              <a:buClr>
+                <a:srgbClr val="00AAF6"/>
+              </a:buClr>
+              <a:buFontTx/>
+              <a:buChar char="•"/>
+              <a:defRPr/>
+            </a:pPr>
+            <a:r>
+              <a:rPr lang="en-US" kern="0" dirty="0" smtClean="0">
+                <a:latin typeface="+mn-lt"/>
+              </a:rPr>
+              <a:t>An Introduce extension manages server-side configuration</a:t>
             </a:r>
           </a:p>
           <a:p>
@@ -10180,7 +10278,7 @@
               <a:rPr lang="en-US" sz="2000" b="1" kern="0" dirty="0" smtClean="0">
                 <a:latin typeface="+mn-lt"/>
               </a:rPr>
-              <a:t>Client has joined a grid</a:t>
+              <a:t>caGrid Transfer</a:t>
             </a:r>
           </a:p>
           <a:p>
@@ -10199,11 +10297,11 @@
               <a:rPr lang="en-US" sz="2000" kern="0" dirty="0" smtClean="0">
                 <a:latin typeface="+mn-lt"/>
               </a:rPr>
-              <a:t>NCI production grid, for example</a:t>
-            </a:r>
-          </a:p>
-          <a:p>
-            <a:pPr marL="800100" lvl="1" indent="-342900">
+              <a:t>Avoids serialization / deserialization overhead</a:t>
+            </a:r>
+          </a:p>
+          <a:p>
+            <a:pPr marL="1257300" lvl="2" indent="-342900">
               <a:spcBef>
                 <a:spcPct val="20000"/>
               </a:spcBef>
@@ -10215,161 +10313,29 @@
               <a:defRPr/>
             </a:pPr>
             <a:r>
-              <a:rPr lang="en-US" sz="2000" kern="0" dirty="0" smtClean="0">
+              <a:rPr lang="en-US" kern="0" dirty="0" smtClean="0">
                 <a:latin typeface="+mn-lt"/>
               </a:rPr>
-              <a:t>Local clients and infrastructure configured to utilize specific services for metadata, security, advertisement, discovery, etc.</a:t>
-            </a:r>
-          </a:p>
-          <a:p>
-            <a:pPr marL="800100" lvl="1" indent="-342900">
-              <a:spcBef>
-                <a:spcPct val="20000"/>
-              </a:spcBef>
-              <a:buClr>
-                <a:srgbClr val="00AAF6"/>
-              </a:buClr>
-              <a:buFontTx/>
-              <a:buChar char="•"/>
-              <a:defRPr/>
-            </a:pPr>
-            <a:r>
-              <a:rPr lang="en-US" sz="2000" kern="0" dirty="0" smtClean="0">
+              <a:t>Client sees a Java </a:t>
+            </a:r>
+            <a:r>
+              <a:rPr lang="en-US" kern="0" dirty="0" err="1" smtClean="0">
                 <a:latin typeface="+mn-lt"/>
               </a:rPr>
-              <a:t>Discovery client API will use the default index service URL if one isn’t explicitly provided</a:t>
-            </a:r>
-            <a:endParaRPr lang="en-US" sz="2000" kern="0" dirty="0" smtClean="0">
-              <a:latin typeface="+mn-lt"/>
-            </a:endParaRPr>
-          </a:p>
-          <a:p>
-            <a:pPr marL="800100" lvl="1" indent="-342900">
-              <a:spcBef>
-                <a:spcPct val="20000"/>
-              </a:spcBef>
-              <a:buClr>
-                <a:srgbClr val="00AAF6"/>
-              </a:buClr>
-              <a:buFontTx/>
-              <a:buChar char="•"/>
-              <a:defRPr/>
-            </a:pPr>
-            <a:endParaRPr lang="en-US" sz="2000" kern="0" dirty="0" smtClean="0">
-              <a:latin typeface="+mn-lt"/>
-            </a:endParaRPr>
-          </a:p>
-          <a:p>
-            <a:pPr marL="342900" marR="0" lvl="0" indent="-342900" algn="l" defTabSz="914400" rtl="0" eaLnBrk="1" fontAlgn="base" latinLnBrk="0" hangingPunct="1">
-              <a:lnSpc>
-                <a:spcPct val="100000"/>
-              </a:lnSpc>
-              <a:spcBef>
-                <a:spcPct val="20000"/>
-              </a:spcBef>
-              <a:spcAft>
-                <a:spcPct val="0"/>
-              </a:spcAft>
-              <a:buClr>
-                <a:srgbClr val="00AAF6"/>
-              </a:buClr>
-              <a:buSzTx/>
-              <a:buFontTx/>
-              <a:buChar char="•"/>
-              <a:tabLst/>
-              <a:defRPr/>
-            </a:pPr>
-            <a:endParaRPr lang="en-US" sz="2000" b="1" kern="0" dirty="0" smtClean="0">
-              <a:latin typeface="+mn-lt"/>
-            </a:endParaRPr>
-          </a:p>
-          <a:p>
-            <a:pPr marL="342900" marR="0" lvl="0" indent="-342900" algn="l" defTabSz="914400" rtl="0" eaLnBrk="1" fontAlgn="base" latinLnBrk="0" hangingPunct="1">
-              <a:lnSpc>
-                <a:spcPct val="100000"/>
-              </a:lnSpc>
-              <a:spcBef>
-                <a:spcPct val="20000"/>
-              </a:spcBef>
-              <a:spcAft>
-                <a:spcPct val="0"/>
-              </a:spcAft>
-              <a:buClr>
-                <a:srgbClr val="00AAF6"/>
-              </a:buClr>
-              <a:buSzTx/>
-              <a:buFontTx/>
-              <a:buChar char="•"/>
-              <a:tabLst/>
-              <a:defRPr/>
-            </a:pPr>
-            <a:endParaRPr lang="en-US" sz="2000" b="1" kern="0" dirty="0" smtClean="0">
-              <a:latin typeface="+mn-lt"/>
-            </a:endParaRPr>
-          </a:p>
-          <a:p>
-            <a:pPr marL="342900" marR="0" lvl="0" indent="-342900" algn="l" defTabSz="914400" rtl="0" eaLnBrk="1" fontAlgn="base" latinLnBrk="0" hangingPunct="1">
-              <a:lnSpc>
-                <a:spcPct val="100000"/>
-              </a:lnSpc>
-              <a:spcBef>
-                <a:spcPct val="20000"/>
-              </a:spcBef>
-              <a:spcAft>
-                <a:spcPct val="0"/>
-              </a:spcAft>
-              <a:buClr>
-                <a:srgbClr val="00AAF6"/>
-              </a:buClr>
-              <a:buSzTx/>
-              <a:buFontTx/>
-              <a:buChar char="•"/>
-              <a:tabLst/>
-              <a:defRPr/>
-            </a:pPr>
-            <a:endParaRPr lang="en-US" sz="2000" b="1" kern="0" dirty="0" smtClean="0">
-              <a:latin typeface="+mn-lt"/>
-            </a:endParaRPr>
-          </a:p>
-          <a:p>
-            <a:pPr marL="800100" lvl="1" indent="-342900">
-              <a:spcBef>
-                <a:spcPct val="20000"/>
-              </a:spcBef>
-              <a:buClr>
-                <a:srgbClr val="00AAF6"/>
-              </a:buClr>
-              <a:buFontTx/>
-              <a:buChar char="•"/>
-              <a:defRPr/>
-            </a:pPr>
-            <a:endParaRPr lang="en-US" sz="2000" kern="0" dirty="0" smtClean="0">
-              <a:latin typeface="+mn-lt"/>
-            </a:endParaRPr>
-          </a:p>
-          <a:p>
-            <a:pPr marL="342900" marR="0" lvl="0" indent="-342900" algn="l" defTabSz="914400" rtl="0" eaLnBrk="1" fontAlgn="base" latinLnBrk="0" hangingPunct="1">
-              <a:lnSpc>
-                <a:spcPct val="100000"/>
-              </a:lnSpc>
-              <a:spcBef>
-                <a:spcPct val="20000"/>
-              </a:spcBef>
-              <a:spcAft>
-                <a:spcPct val="0"/>
-              </a:spcAft>
-              <a:buClr>
-                <a:srgbClr val="00AAF6"/>
-              </a:buClr>
-              <a:buSzTx/>
-              <a:buFontTx/>
-              <a:buChar char="•"/>
-              <a:tabLst/>
-              <a:defRPr/>
-            </a:pPr>
-            <a:endParaRPr lang="en-US" sz="2000" b="1" kern="0" dirty="0" smtClean="0">
-              <a:latin typeface="+mn-lt"/>
-            </a:endParaRPr>
+              <a:t>InputStream</a:t>
+            </a:r>
+            <a:r>
+              <a:rPr lang="en-US" i="1" kern="0" dirty="0" smtClean="0">
+                <a:latin typeface="+mn-lt"/>
+              </a:rPr>
+              <a:t> </a:t>
+            </a:r>
+            <a:r>
+              <a:rPr lang="en-US" kern="0" dirty="0" smtClean="0">
+                <a:latin typeface="+mn-lt"/>
+              </a:rPr>
+              <a:t>and can read from it as usual</a:t>
+            </a:r>
           </a:p>
         </p:txBody>
       </p:sp>
@@ -10415,7 +10381,7 @@
           <a:p>
             <a:r>
               <a:rPr lang="en-US" dirty="0" smtClean="0"/>
-              <a:t>Data Service Client Workflow</a:t>
+              <a:t>Handling CQL Results</a:t>
             </a:r>
             <a:endParaRPr lang="en-US" dirty="0"/>
           </a:p>
@@ -10477,30 +10443,8 @@
               <a:rPr lang="en-US" sz="2000" b="1" kern="0" dirty="0" smtClean="0">
                 <a:latin typeface="+mn-lt"/>
               </a:rPr>
-              <a:t>Discovering Services by CDE</a:t>
-            </a:r>
-          </a:p>
-          <a:p>
-            <a:pPr marL="800100" lvl="1" indent="-342900">
-              <a:spcBef>
-                <a:spcPct val="20000"/>
-              </a:spcBef>
-              <a:buClr>
-                <a:srgbClr val="00AAF6"/>
-              </a:buClr>
-              <a:buFontTx/>
-              <a:buChar char="•"/>
-              <a:defRPr/>
-            </a:pPr>
-            <a:r>
-              <a:rPr lang="en-US" sz="2000" kern="0" dirty="0" smtClean="0">
-                <a:latin typeface="+mn-lt"/>
-              </a:rPr>
-              <a:t>Using the CDE browser, the researcher looks for the phrase “Gene Name”</a:t>
-            </a:r>
-            <a:endParaRPr lang="en-US" sz="2000" kern="0" dirty="0" smtClean="0">
-              <a:latin typeface="+mn-lt"/>
-            </a:endParaRPr>
+              <a:t>Example with WS-Enumeration</a:t>
+            </a:r>
           </a:p>
           <a:p>
             <a:pPr marL="342900" marR="0" lvl="0" indent="-342900" algn="l" defTabSz="914400" rtl="0" eaLnBrk="1" fontAlgn="base" latinLnBrk="0" hangingPunct="1">
@@ -10551,22 +10495,6 @@
             </a:endParaRPr>
           </a:p>
           <a:p>
-            <a:pPr marL="800100" lvl="1" indent="-342900">
-              <a:spcBef>
-                <a:spcPct val="20000"/>
-              </a:spcBef>
-              <a:buClr>
-                <a:srgbClr val="00AAF6"/>
-              </a:buClr>
-              <a:buFontTx/>
-              <a:buChar char="•"/>
-              <a:defRPr/>
-            </a:pPr>
-            <a:endParaRPr lang="en-US" sz="2000" kern="0" dirty="0" smtClean="0">
-              <a:latin typeface="+mn-lt"/>
-            </a:endParaRPr>
-          </a:p>
-          <a:p>
             <a:pPr marL="342900" marR="0" lvl="0" indent="-342900" algn="l" defTabSz="914400" rtl="0" eaLnBrk="1" fontAlgn="base" latinLnBrk="0" hangingPunct="1">
               <a:lnSpc>
                 <a:spcPct val="100000"/>
@@ -10590,11 +10518,199 @@
               <a:latin typeface="+mn-lt"/>
             </a:endParaRPr>
           </a:p>
+          <a:p>
+            <a:pPr marL="342900" marR="0" lvl="0" indent="-342900" algn="l" defTabSz="914400" rtl="0" eaLnBrk="1" fontAlgn="base" latinLnBrk="0" hangingPunct="1">
+              <a:lnSpc>
+                <a:spcPct val="100000"/>
+              </a:lnSpc>
+              <a:spcBef>
+                <a:spcPct val="20000"/>
+              </a:spcBef>
+              <a:spcAft>
+                <a:spcPct val="0"/>
+              </a:spcAft>
+              <a:buClr>
+                <a:srgbClr val="00AAF6"/>
+              </a:buClr>
+              <a:buSzTx/>
+              <a:buFontTx/>
+              <a:buChar char="•"/>
+              <a:tabLst/>
+              <a:defRPr/>
+            </a:pPr>
+            <a:endParaRPr lang="en-US" sz="2000" b="1" kern="0" dirty="0" smtClean="0">
+              <a:latin typeface="+mn-lt"/>
+            </a:endParaRPr>
+          </a:p>
+          <a:p>
+            <a:pPr marL="342900" marR="0" lvl="0" indent="-342900" algn="l" defTabSz="914400" rtl="0" eaLnBrk="1" fontAlgn="base" latinLnBrk="0" hangingPunct="1">
+              <a:lnSpc>
+                <a:spcPct val="100000"/>
+              </a:lnSpc>
+              <a:spcBef>
+                <a:spcPct val="20000"/>
+              </a:spcBef>
+              <a:spcAft>
+                <a:spcPct val="0"/>
+              </a:spcAft>
+              <a:buClr>
+                <a:srgbClr val="00AAF6"/>
+              </a:buClr>
+              <a:buSzTx/>
+              <a:buFontTx/>
+              <a:buChar char="•"/>
+              <a:tabLst/>
+              <a:defRPr/>
+            </a:pPr>
+            <a:endParaRPr lang="en-US" sz="2000" b="1" kern="0" dirty="0" smtClean="0">
+              <a:latin typeface="+mn-lt"/>
+            </a:endParaRPr>
+          </a:p>
+          <a:p>
+            <a:pPr marL="342900" marR="0" lvl="0" indent="-342900" algn="l" defTabSz="914400" rtl="0" eaLnBrk="1" fontAlgn="base" latinLnBrk="0" hangingPunct="1">
+              <a:lnSpc>
+                <a:spcPct val="100000"/>
+              </a:lnSpc>
+              <a:spcBef>
+                <a:spcPct val="20000"/>
+              </a:spcBef>
+              <a:spcAft>
+                <a:spcPct val="0"/>
+              </a:spcAft>
+              <a:buClr>
+                <a:srgbClr val="00AAF6"/>
+              </a:buClr>
+              <a:buSzTx/>
+              <a:buFontTx/>
+              <a:buChar char="•"/>
+              <a:tabLst/>
+              <a:defRPr/>
+            </a:pPr>
+            <a:endParaRPr lang="en-US" sz="2000" b="1" kern="0" dirty="0" smtClean="0">
+              <a:latin typeface="+mn-lt"/>
+            </a:endParaRPr>
+          </a:p>
+          <a:p>
+            <a:pPr marL="342900" marR="0" lvl="0" indent="-342900" algn="l" defTabSz="914400" rtl="0" eaLnBrk="1" fontAlgn="base" latinLnBrk="0" hangingPunct="1">
+              <a:lnSpc>
+                <a:spcPct val="100000"/>
+              </a:lnSpc>
+              <a:spcBef>
+                <a:spcPct val="20000"/>
+              </a:spcBef>
+              <a:spcAft>
+                <a:spcPct val="0"/>
+              </a:spcAft>
+              <a:buClr>
+                <a:srgbClr val="00AAF6"/>
+              </a:buClr>
+              <a:buSzTx/>
+              <a:buFontTx/>
+              <a:buChar char="•"/>
+              <a:tabLst/>
+              <a:defRPr/>
+            </a:pPr>
+            <a:endParaRPr lang="en-US" sz="2000" b="1" kern="0" dirty="0" smtClean="0">
+              <a:latin typeface="+mn-lt"/>
+            </a:endParaRPr>
+          </a:p>
+          <a:p>
+            <a:pPr marL="342900" marR="0" lvl="0" indent="-342900" algn="l" defTabSz="914400" rtl="0" eaLnBrk="1" fontAlgn="base" latinLnBrk="0" hangingPunct="1">
+              <a:lnSpc>
+                <a:spcPct val="100000"/>
+              </a:lnSpc>
+              <a:spcBef>
+                <a:spcPct val="20000"/>
+              </a:spcBef>
+              <a:spcAft>
+                <a:spcPct val="0"/>
+              </a:spcAft>
+              <a:buClr>
+                <a:srgbClr val="00AAF6"/>
+              </a:buClr>
+              <a:buSzTx/>
+              <a:buFontTx/>
+              <a:buChar char="•"/>
+              <a:tabLst/>
+              <a:defRPr/>
+            </a:pPr>
+            <a:endParaRPr lang="en-US" sz="2000" b="1" kern="0" dirty="0" smtClean="0">
+              <a:latin typeface="+mn-lt"/>
+            </a:endParaRPr>
+          </a:p>
+          <a:p>
+            <a:pPr marL="342900" marR="0" lvl="0" indent="-342900" algn="l" defTabSz="914400" rtl="0" eaLnBrk="1" fontAlgn="base" latinLnBrk="0" hangingPunct="1">
+              <a:lnSpc>
+                <a:spcPct val="100000"/>
+              </a:lnSpc>
+              <a:spcBef>
+                <a:spcPct val="20000"/>
+              </a:spcBef>
+              <a:spcAft>
+                <a:spcPct val="0"/>
+              </a:spcAft>
+              <a:buClr>
+                <a:srgbClr val="00AAF6"/>
+              </a:buClr>
+              <a:buSzTx/>
+              <a:buFontTx/>
+              <a:buChar char="•"/>
+              <a:tabLst/>
+              <a:defRPr/>
+            </a:pPr>
+            <a:endParaRPr lang="en-US" sz="2000" b="1" kern="0" dirty="0" smtClean="0">
+              <a:latin typeface="+mn-lt"/>
+            </a:endParaRPr>
+          </a:p>
+          <a:p>
+            <a:pPr marL="800100" lvl="1" indent="-342900">
+              <a:spcBef>
+                <a:spcPct val="20000"/>
+              </a:spcBef>
+              <a:buClr>
+                <a:srgbClr val="00AAF6"/>
+              </a:buClr>
+              <a:buFontTx/>
+              <a:buChar char="•"/>
+              <a:defRPr/>
+            </a:pPr>
+            <a:r>
+              <a:rPr lang="en-US" sz="2000" kern="0" dirty="0" smtClean="0">
+                <a:latin typeface="+mn-lt"/>
+              </a:rPr>
+              <a:t>Default iteration constraints retrieve 10 results at a time from the service with no restriction on number of bytes </a:t>
+            </a:r>
+            <a:r>
+              <a:rPr lang="en-US" sz="2000" kern="0" smtClean="0">
+                <a:latin typeface="+mn-lt"/>
+              </a:rPr>
+              <a:t>or timeout</a:t>
+            </a:r>
+            <a:endParaRPr lang="en-US" sz="2000" kern="0" dirty="0" smtClean="0">
+              <a:latin typeface="+mn-lt"/>
+            </a:endParaRPr>
+          </a:p>
+          <a:p>
+            <a:pPr marL="800100" lvl="1" indent="-342900">
+              <a:spcBef>
+                <a:spcPct val="20000"/>
+              </a:spcBef>
+              <a:buClr>
+                <a:srgbClr val="00AAF6"/>
+              </a:buClr>
+              <a:buFontTx/>
+              <a:buChar char="•"/>
+              <a:defRPr/>
+            </a:pPr>
+            <a:endParaRPr lang="en-US" sz="2000" kern="0" dirty="0" smtClean="0">
+              <a:latin typeface="+mn-lt"/>
+            </a:endParaRPr>
+          </a:p>
         </p:txBody>
       </p:sp>
       <p:pic>
         <p:nvPicPr>
-          <p:cNvPr id="5" name="Picture 4" descr="Gene Name Search 1.png"/>
+          <p:cNvPr id="5" name="Picture 4" descr="WS-Enum Example.png"/>
           <p:cNvPicPr>
             <a:picLocks noChangeAspect="1"/>
           </p:cNvPicPr>
@@ -10608,8 +10724,8 @@
         </p:blipFill>
         <p:spPr>
           <a:xfrm>
-            <a:off x="152400" y="2362200"/>
-            <a:ext cx="8782050" cy="4343400"/>
+            <a:off x="685800" y="1828800"/>
+            <a:ext cx="6600825" cy="3067050"/>
           </a:xfrm>
           <a:prstGeom prst="rect">
             <a:avLst/>
@@ -10720,7 +10836,7 @@
               <a:rPr lang="en-US" sz="2000" b="1" kern="0" dirty="0" smtClean="0">
                 <a:latin typeface="+mn-lt"/>
               </a:rPr>
-              <a:t>Selecting data elements</a:t>
+              <a:t>Client wishes to locate some data on the grid</a:t>
             </a:r>
           </a:p>
           <a:p>
@@ -10739,8 +10855,11 @@
               <a:rPr lang="en-US" sz="2000" kern="0" dirty="0" smtClean="0">
                 <a:latin typeface="+mn-lt"/>
               </a:rPr>
-              <a:t>Many matching data elements are found</a:t>
-            </a:r>
+              <a:t>A researcher is studying breast cancer, and wishes to locate related genomic information on the grid</a:t>
+            </a:r>
+            <a:endParaRPr lang="en-US" sz="2000" kern="0" dirty="0" smtClean="0">
+              <a:latin typeface="+mn-lt"/>
+            </a:endParaRPr>
           </a:p>
           <a:p>
             <a:pPr marL="800100" lvl="1" indent="-342900">
@@ -10758,8 +10877,115 @@
               <a:rPr lang="en-US" sz="2000" kern="0" dirty="0" smtClean="0">
                 <a:latin typeface="+mn-lt"/>
               </a:rPr>
-              <a:t>The researcher selects a few likely candidates</a:t>
-            </a:r>
+              <a:t>This client knows they want </a:t>
+            </a:r>
+            <a:r>
+              <a:rPr lang="en-US" sz="2000" kern="0" dirty="0" smtClean="0">
+                <a:solidFill>
+                  <a:srgbClr val="C00000"/>
+                </a:solidFill>
+                <a:latin typeface="+mn-lt"/>
+              </a:rPr>
+              <a:t>“Genes” with a certain name</a:t>
+            </a:r>
+            <a:r>
+              <a:rPr lang="en-US" sz="2000" kern="0" dirty="0" smtClean="0">
+                <a:latin typeface="+mn-lt"/>
+              </a:rPr>
+              <a:t>, but does not know which service might contain them, nor how to structure a query for them</a:t>
+            </a:r>
+          </a:p>
+          <a:p>
+            <a:pPr marL="342900" indent="-342900">
+              <a:spcBef>
+                <a:spcPct val="20000"/>
+              </a:spcBef>
+              <a:buClr>
+                <a:srgbClr val="00AAF6"/>
+              </a:buClr>
+              <a:buFontTx/>
+              <a:buChar char="•"/>
+              <a:defRPr/>
+            </a:pPr>
+            <a:r>
+              <a:rPr lang="en-US" sz="2000" b="1" kern="0" dirty="0" smtClean="0">
+                <a:latin typeface="+mn-lt"/>
+              </a:rPr>
+              <a:t>Client has joined a grid</a:t>
+            </a:r>
+          </a:p>
+          <a:p>
+            <a:pPr marL="800100" lvl="1" indent="-342900">
+              <a:spcBef>
+                <a:spcPct val="20000"/>
+              </a:spcBef>
+              <a:buClr>
+                <a:srgbClr val="00AAF6"/>
+              </a:buClr>
+              <a:buFontTx/>
+              <a:buChar char="•"/>
+              <a:defRPr/>
+            </a:pPr>
+            <a:r>
+              <a:rPr lang="en-US" sz="2000" kern="0" dirty="0" smtClean="0">
+                <a:latin typeface="+mn-lt"/>
+              </a:rPr>
+              <a:t>NCI production grid, for example</a:t>
+            </a:r>
+          </a:p>
+          <a:p>
+            <a:pPr marL="800100" lvl="1" indent="-342900">
+              <a:spcBef>
+                <a:spcPct val="20000"/>
+              </a:spcBef>
+              <a:buClr>
+                <a:srgbClr val="00AAF6"/>
+              </a:buClr>
+              <a:buFontTx/>
+              <a:buChar char="•"/>
+              <a:defRPr/>
+            </a:pPr>
+            <a:r>
+              <a:rPr lang="en-US" sz="2000" kern="0" dirty="0" smtClean="0">
+                <a:latin typeface="+mn-lt"/>
+              </a:rPr>
+              <a:t>Local clients and infrastructure configured to utilize specific services for metadata, security, advertisement, discovery, etc.</a:t>
+            </a:r>
+          </a:p>
+          <a:p>
+            <a:pPr marL="800100" lvl="1" indent="-342900">
+              <a:spcBef>
+                <a:spcPct val="20000"/>
+              </a:spcBef>
+              <a:buClr>
+                <a:srgbClr val="00AAF6"/>
+              </a:buClr>
+              <a:buFontTx/>
+              <a:buChar char="•"/>
+              <a:defRPr/>
+            </a:pPr>
+            <a:r>
+              <a:rPr lang="en-US" sz="2000" kern="0" dirty="0" smtClean="0">
+                <a:latin typeface="+mn-lt"/>
+              </a:rPr>
+              <a:t>Discovery client API will use the default index service URL if one isn’t explicitly provided</a:t>
+            </a:r>
+            <a:endParaRPr lang="en-US" sz="2000" kern="0" dirty="0" smtClean="0">
+              <a:latin typeface="+mn-lt"/>
+            </a:endParaRPr>
+          </a:p>
+          <a:p>
+            <a:pPr marL="800100" lvl="1" indent="-342900">
+              <a:spcBef>
+                <a:spcPct val="20000"/>
+              </a:spcBef>
+              <a:buClr>
+                <a:srgbClr val="00AAF6"/>
+              </a:buClr>
+              <a:buFontTx/>
+              <a:buChar char="•"/>
+              <a:defRPr/>
+            </a:pPr>
             <a:endParaRPr lang="en-US" sz="2000" kern="0" dirty="0" smtClean="0">
               <a:latin typeface="+mn-lt"/>
             </a:endParaRPr>
@@ -10813,22 +11039,6 @@
             </a:endParaRPr>
           </a:p>
           <a:p>
-            <a:pPr marL="800100" lvl="1" indent="-342900">
-              <a:spcBef>
-                <a:spcPct val="20000"/>
-              </a:spcBef>
-              <a:buClr>
-                <a:srgbClr val="00AAF6"/>
-              </a:buClr>
-              <a:buFontTx/>
-              <a:buChar char="•"/>
-              <a:defRPr/>
-            </a:pPr>
-            <a:endParaRPr lang="en-US" sz="2000" kern="0" dirty="0" smtClean="0">
-              <a:latin typeface="+mn-lt"/>
-            </a:endParaRPr>
-          </a:p>
-          <a:p>
             <a:pPr marL="342900" marR="0" lvl="0" indent="-342900" algn="l" defTabSz="914400" rtl="0" eaLnBrk="1" fontAlgn="base" latinLnBrk="0" hangingPunct="1">
               <a:lnSpc>
                 <a:spcPct val="100000"/>
@@ -10852,32 +11062,48 @@
               <a:latin typeface="+mn-lt"/>
             </a:endParaRPr>
           </a:p>
+          <a:p>
+            <a:pPr marL="800100" lvl="1" indent="-342900">
+              <a:spcBef>
+                <a:spcPct val="20000"/>
+              </a:spcBef>
+              <a:buClr>
+                <a:srgbClr val="00AAF6"/>
+              </a:buClr>
+              <a:buFontTx/>
+              <a:buChar char="•"/>
+              <a:defRPr/>
+            </a:pPr>
+            <a:endParaRPr lang="en-US" sz="2000" kern="0" dirty="0" smtClean="0">
+              <a:latin typeface="+mn-lt"/>
+            </a:endParaRPr>
+          </a:p>
+          <a:p>
+            <a:pPr marL="342900" marR="0" lvl="0" indent="-342900" algn="l" defTabSz="914400" rtl="0" eaLnBrk="1" fontAlgn="base" latinLnBrk="0" hangingPunct="1">
+              <a:lnSpc>
+                <a:spcPct val="100000"/>
+              </a:lnSpc>
+              <a:spcBef>
+                <a:spcPct val="20000"/>
+              </a:spcBef>
+              <a:spcAft>
+                <a:spcPct val="0"/>
+              </a:spcAft>
+              <a:buClr>
+                <a:srgbClr val="00AAF6"/>
+              </a:buClr>
+              <a:buSzTx/>
+              <a:buFontTx/>
+              <a:buChar char="•"/>
+              <a:tabLst/>
+              <a:defRPr/>
+            </a:pPr>
+            <a:endParaRPr lang="en-US" sz="2000" b="1" kern="0" dirty="0" smtClean="0">
+              <a:latin typeface="+mn-lt"/>
+            </a:endParaRPr>
+          </a:p>
         </p:txBody>
       </p:sp>
-      <p:pic>
-        <p:nvPicPr>
-          <p:cNvPr id="6" name="Picture 5" descr="Gene Name Search 2.png"/>
-          <p:cNvPicPr>
-            <a:picLocks noChangeAspect="1"/>
-          </p:cNvPicPr>
-          <p:nvPr/>
-        </p:nvPicPr>
-        <p:blipFill>
-          <a:blip r:embed="rId2" cstate="print"/>
-          <a:stretch>
-            <a:fillRect/>
-          </a:stretch>
-        </p:blipFill>
-        <p:spPr>
-          <a:xfrm>
-            <a:off x="2667000" y="2590800"/>
-            <a:ext cx="6305550" cy="3726007"/>
-          </a:xfrm>
-          <a:prstGeom prst="rect">
-            <a:avLst/>
-          </a:prstGeom>
-        </p:spPr>
-      </p:pic>
     </p:spTree>
   </p:cSld>
   <p:clrMapOvr>
@@ -10959,46 +11185,30 @@
           </a:bodyPr>
           <a:lstStyle/>
           <a:p>
-            <a:pPr marL="342900" indent="-342900">
+            <a:pPr marL="342900" marR="0" lvl="0" indent="-342900" algn="l" defTabSz="914400" rtl="0" eaLnBrk="1" fontAlgn="base" latinLnBrk="0" hangingPunct="1">
+              <a:lnSpc>
+                <a:spcPct val="100000"/>
+              </a:lnSpc>
               <a:spcBef>
                 <a:spcPct val="20000"/>
               </a:spcBef>
+              <a:spcAft>
+                <a:spcPct val="0"/>
+              </a:spcAft>
               <a:buClr>
                 <a:srgbClr val="00AAF6"/>
               </a:buClr>
+              <a:buSzTx/>
               <a:buFontTx/>
               <a:buChar char="•"/>
+              <a:tabLst/>
               <a:defRPr/>
             </a:pPr>
             <a:r>
               <a:rPr lang="en-US" sz="2000" b="1" kern="0" dirty="0" smtClean="0">
                 <a:latin typeface="+mn-lt"/>
               </a:rPr>
-              <a:t>The </a:t>
-            </a:r>
-            <a:r>
-              <a:rPr lang="en-US" sz="2000" b="1" i="1" kern="0" dirty="0" smtClean="0">
-                <a:latin typeface="+mn-lt"/>
-              </a:rPr>
-              <a:t>Gene Name</a:t>
-            </a:r>
-            <a:r>
-              <a:rPr lang="en-US" sz="2000" b="1" kern="0" dirty="0" smtClean="0">
-                <a:latin typeface="+mn-lt"/>
-              </a:rPr>
-              <a:t> owned by caCORE and used by </a:t>
-            </a:r>
-            <a:r>
-              <a:rPr lang="en-US" sz="2000" b="1" kern="0" dirty="0" err="1" smtClean="0">
-                <a:latin typeface="+mn-lt"/>
-              </a:rPr>
-              <a:t>caBIG</a:t>
-            </a:r>
-            <a:r>
-              <a:rPr lang="en-US" sz="2000" b="1" kern="0" dirty="0" smtClean="0">
-                <a:latin typeface="+mn-lt"/>
-              </a:rPr>
-              <a:t> looks like a good place to start…</a:t>
+              <a:t>Discovering Services by CDE</a:t>
             </a:r>
           </a:p>
           <a:p>
@@ -11017,9 +11227,9 @@
               <a:rPr lang="en-US" sz="2000" kern="0" dirty="0" smtClean="0">
                 <a:latin typeface="+mn-lt"/>
               </a:rPr>
-              <a:t>This data element is used in a number of models, so it’s likely to appear on the grid as well</a:t>
-            </a:r>
-            <a:endParaRPr lang="en-US" sz="2000" b="1" kern="0" dirty="0" smtClean="0">
+              <a:t>Using the CDE browser, the researcher looks for the phrase “Gene Name”</a:t>
+            </a:r>
+            <a:endParaRPr lang="en-US" sz="2000" kern="0" dirty="0" smtClean="0">
               <a:latin typeface="+mn-lt"/>
             </a:endParaRPr>
           </a:p>
@@ -11048,22 +11258,6 @@
             </a:endParaRPr>
           </a:p>
           <a:p>
-            <a:pPr marL="800100" lvl="1" indent="-342900">
-              <a:spcBef>
-                <a:spcPct val="20000"/>
-              </a:spcBef>
-              <a:buClr>
-                <a:srgbClr val="00AAF6"/>
-              </a:buClr>
-              <a:buFontTx/>
-              <a:buChar char="•"/>
-              <a:defRPr/>
-            </a:pPr>
-            <a:endParaRPr lang="en-US" sz="2000" kern="0" dirty="0" smtClean="0">
-              <a:latin typeface="+mn-lt"/>
-            </a:endParaRPr>
-          </a:p>
-          <a:p>
             <a:pPr marL="342900" marR="0" lvl="0" indent="-342900" algn="l" defTabSz="914400" rtl="0" eaLnBrk="1" fontAlgn="base" latinLnBrk="0" hangingPunct="1">
               <a:lnSpc>
                 <a:spcPct val="100000"/>
@@ -11087,11 +11281,51 @@
               <a:latin typeface="+mn-lt"/>
             </a:endParaRPr>
           </a:p>
+          <a:p>
+            <a:pPr marL="800100" lvl="1" indent="-342900">
+              <a:spcBef>
+                <a:spcPct val="20000"/>
+              </a:spcBef>
+              <a:buClr>
+                <a:srgbClr val="00AAF6"/>
+              </a:buClr>
+              <a:buFontTx/>
+              <a:buChar char="•"/>
+              <a:defRPr/>
+            </a:pPr>
+            <a:endParaRPr lang="en-US" sz="2000" kern="0" dirty="0" smtClean="0">
+              <a:latin typeface="+mn-lt"/>
+            </a:endParaRPr>
+          </a:p>
+          <a:p>
+            <a:pPr marL="342900" marR="0" lvl="0" indent="-342900" algn="l" defTabSz="914400" rtl="0" eaLnBrk="1" fontAlgn="base" latinLnBrk="0" hangingPunct="1">
+              <a:lnSpc>
+                <a:spcPct val="100000"/>
+              </a:lnSpc>
+              <a:spcBef>
+                <a:spcPct val="20000"/>
+              </a:spcBef>
+              <a:spcAft>
+                <a:spcPct val="0"/>
+              </a:spcAft>
+              <a:buClr>
+                <a:srgbClr val="00AAF6"/>
+              </a:buClr>
+              <a:buSzTx/>
+              <a:buFontTx/>
+              <a:buChar char="•"/>
+              <a:tabLst/>
+              <a:defRPr/>
+            </a:pPr>
+            <a:endParaRPr lang="en-US" sz="2000" b="1" kern="0" dirty="0" smtClean="0">
+              <a:latin typeface="+mn-lt"/>
+            </a:endParaRPr>
+          </a:p>
         </p:txBody>
       </p:sp>
       <p:pic>
         <p:nvPicPr>
-          <p:cNvPr id="5" name="Picture 4" descr="Gene Name Search 3.png"/>
+          <p:cNvPr id="5" name="Picture 4" descr="Gene Name Search 1.png"/>
           <p:cNvPicPr>
             <a:picLocks noChangeAspect="1"/>
           </p:cNvPicPr>
@@ -11105,8 +11339,8 @@
         </p:blipFill>
         <p:spPr>
           <a:xfrm>
-            <a:off x="2895600" y="2743200"/>
-            <a:ext cx="5962650" cy="3629025"/>
+            <a:off x="152400" y="2362200"/>
+            <a:ext cx="8782050" cy="4343400"/>
           </a:xfrm>
           <a:prstGeom prst="rect">
             <a:avLst/>
@@ -11194,34 +11428,30 @@
           </a:bodyPr>
           <a:lstStyle/>
           <a:p>
-            <a:pPr marL="342900" indent="-342900">
+            <a:pPr marL="342900" marR="0" lvl="0" indent="-342900" algn="l" defTabSz="914400" rtl="0" eaLnBrk="1" fontAlgn="base" latinLnBrk="0" hangingPunct="1">
+              <a:lnSpc>
+                <a:spcPct val="100000"/>
+              </a:lnSpc>
               <a:spcBef>
                 <a:spcPct val="20000"/>
               </a:spcBef>
+              <a:spcAft>
+                <a:spcPct val="0"/>
+              </a:spcAft>
               <a:buClr>
                 <a:srgbClr val="00AAF6"/>
               </a:buClr>
+              <a:buSzTx/>
               <a:buFontTx/>
               <a:buChar char="•"/>
+              <a:tabLst/>
               <a:defRPr/>
             </a:pPr>
             <a:r>
               <a:rPr lang="en-US" sz="2000" b="1" kern="0" dirty="0" smtClean="0">
                 <a:latin typeface="+mn-lt"/>
               </a:rPr>
-              <a:t>Several </a:t>
-            </a:r>
-            <a:r>
-              <a:rPr lang="en-US" sz="2000" b="1" i="1" kern="0" dirty="0" smtClean="0">
-                <a:latin typeface="+mn-lt"/>
-              </a:rPr>
-              <a:t>Concept Codes </a:t>
-            </a:r>
-            <a:r>
-              <a:rPr lang="en-US" sz="2000" b="1" kern="0" dirty="0" smtClean="0">
-                <a:latin typeface="+mn-lt"/>
-              </a:rPr>
-              <a:t>are associated with this data element</a:t>
+              <a:t>Selecting data elements</a:t>
             </a:r>
           </a:p>
           <a:p>
@@ -11240,25 +11470,7 @@
               <a:rPr lang="en-US" sz="2000" kern="0" dirty="0" smtClean="0">
                 <a:latin typeface="+mn-lt"/>
               </a:rPr>
-              <a:t>The </a:t>
-            </a:r>
-            <a:r>
-              <a:rPr lang="en-US" sz="2000" kern="0" dirty="0" smtClean="0">
-                <a:latin typeface="+mn-lt"/>
-              </a:rPr>
-              <a:t>researcher is interested in the </a:t>
-            </a:r>
-            <a:r>
-              <a:rPr lang="en-US" sz="2000" i="1" kern="0" dirty="0" smtClean="0">
-                <a:latin typeface="+mn-lt"/>
-              </a:rPr>
-              <a:t>Name</a:t>
-            </a:r>
-            <a:r>
-              <a:rPr lang="en-US" sz="2000" kern="0" dirty="0" smtClean="0">
-                <a:latin typeface="+mn-lt"/>
-              </a:rPr>
-              <a:t> attribute</a:t>
+              <a:t>Many matching data elements are found</a:t>
             </a:r>
           </a:p>
           <a:p>
@@ -11277,13 +11489,9 @@
               <a:rPr lang="en-US" sz="2000" kern="0" dirty="0" smtClean="0">
                 <a:latin typeface="+mn-lt"/>
               </a:rPr>
-              <a:t>CDE is </a:t>
-            </a:r>
-            <a:r>
-              <a:rPr lang="en-US" sz="2000" b="1" dirty="0" smtClean="0"/>
-              <a:t>C42614</a:t>
-            </a:r>
-            <a:endParaRPr lang="en-US" sz="2000" b="1" kern="0" dirty="0" smtClean="0">
+              <a:t>The researcher selects a few likely candidates</a:t>
+            </a:r>
+            <a:endParaRPr lang="en-US" sz="2000" kern="0" dirty="0" smtClean="0">
               <a:latin typeface="+mn-lt"/>
             </a:endParaRPr>
           </a:p>
@@ -11311,11 +11519,75 @@
               <a:latin typeface="+mn-lt"/>
             </a:endParaRPr>
           </a:p>
+          <a:p>
+            <a:pPr marL="342900" marR="0" lvl="0" indent="-342900" algn="l" defTabSz="914400" rtl="0" eaLnBrk="1" fontAlgn="base" latinLnBrk="0" hangingPunct="1">
+              <a:lnSpc>
+                <a:spcPct val="100000"/>
+              </a:lnSpc>
+              <a:spcBef>
+                <a:spcPct val="20000"/>
+              </a:spcBef>
+              <a:spcAft>
+                <a:spcPct val="0"/>
+              </a:spcAft>
+              <a:buClr>
+                <a:srgbClr val="00AAF6"/>
+              </a:buClr>
+              <a:buSzTx/>
+              <a:buFontTx/>
+              <a:buChar char="•"/>
+              <a:tabLst/>
+              <a:defRPr/>
+            </a:pPr>
+            <a:endParaRPr lang="en-US" sz="2000" b="1" kern="0" dirty="0" smtClean="0">
+              <a:latin typeface="+mn-lt"/>
+            </a:endParaRPr>
+          </a:p>
+          <a:p>
+            <a:pPr marL="800100" lvl="1" indent="-342900">
+              <a:spcBef>
+                <a:spcPct val="20000"/>
+              </a:spcBef>
+              <a:buClr>
+                <a:srgbClr val="00AAF6"/>
+              </a:buClr>
+              <a:buFontTx/>
+              <a:buChar char="•"/>
+              <a:defRPr/>
+            </a:pPr>
+            <a:endParaRPr lang="en-US" sz="2000" kern="0" dirty="0" smtClean="0">
+              <a:latin typeface="+mn-lt"/>
+            </a:endParaRPr>
+          </a:p>
+          <a:p>
+            <a:pPr marL="342900" marR="0" lvl="0" indent="-342900" algn="l" defTabSz="914400" rtl="0" eaLnBrk="1" fontAlgn="base" latinLnBrk="0" hangingPunct="1">
+              <a:lnSpc>
+                <a:spcPct val="100000"/>
+              </a:lnSpc>
+              <a:spcBef>
+                <a:spcPct val="20000"/>
+              </a:spcBef>
+              <a:spcAft>
+                <a:spcPct val="0"/>
+              </a:spcAft>
+              <a:buClr>
+                <a:srgbClr val="00AAF6"/>
+              </a:buClr>
+              <a:buSzTx/>
+              <a:buFontTx/>
+              <a:buChar char="•"/>
+              <a:tabLst/>
+              <a:defRPr/>
+            </a:pPr>
+            <a:endParaRPr lang="en-US" sz="2000" b="1" kern="0" dirty="0" smtClean="0">
+              <a:latin typeface="+mn-lt"/>
+            </a:endParaRPr>
+          </a:p>
         </p:txBody>
       </p:sp>
       <p:pic>
         <p:nvPicPr>
-          <p:cNvPr id="7" name="Picture 6" descr="Gene Name 4.png"/>
+          <p:cNvPr id="6" name="Picture 5" descr="Gene Name Search 2.png"/>
           <p:cNvPicPr>
             <a:picLocks noChangeAspect="1"/>
           </p:cNvPicPr>
@@ -11329,8 +11601,8 @@
         </p:blipFill>
         <p:spPr>
           <a:xfrm>
-            <a:off x="3352800" y="2209800"/>
-            <a:ext cx="4953000" cy="4206875"/>
+            <a:off x="2667000" y="2590800"/>
+            <a:ext cx="6305550" cy="3726007"/>
           </a:xfrm>
           <a:prstGeom prst="rect">
             <a:avLst/>
@@ -11433,7 +11705,31 @@
               <a:rPr lang="en-US" sz="2000" b="1" kern="0" dirty="0" smtClean="0">
                 <a:latin typeface="+mn-lt"/>
               </a:rPr>
-              <a:t>The concept code can be used to discover service EPRs</a:t>
+              <a:t>The </a:t>
+            </a:r>
+            <a:r>
+              <a:rPr lang="en-US" sz="2000" b="1" i="1" kern="0" dirty="0" smtClean="0">
+                <a:latin typeface="+mn-lt"/>
+              </a:rPr>
+              <a:t>Gene Name</a:t>
+            </a:r>
+            <a:r>
+              <a:rPr lang="en-US" sz="2000" b="1" kern="0" dirty="0" smtClean="0">
+                <a:latin typeface="+mn-lt"/>
+              </a:rPr>
+              <a:t> owned by caCORE and used by </a:t>
+            </a:r>
+            <a:r>
+              <a:rPr lang="en-US" sz="2000" b="1" kern="0" dirty="0" err="1" smtClean="0">
+                <a:latin typeface="+mn-lt"/>
+              </a:rPr>
+              <a:t>caBIG</a:t>
+            </a:r>
+            <a:r>
+              <a:rPr lang="en-US" sz="2000" b="1" kern="0" dirty="0" smtClean="0">
+                <a:latin typeface="+mn-lt"/>
+              </a:rPr>
+              <a:t> looks like a good place to start…</a:t>
             </a:r>
           </a:p>
           <a:p>
@@ -11452,46 +11748,11 @@
               <a:rPr lang="en-US" sz="2000" kern="0" dirty="0" smtClean="0">
                 <a:latin typeface="+mn-lt"/>
               </a:rPr>
-              <a:t>In the caGrid Portal, data services can be searched</a:t>
-            </a:r>
-          </a:p>
-          <a:p>
-            <a:pPr marL="800100" lvl="1" indent="-342900">
-              <a:spcBef>
-                <a:spcPct val="20000"/>
-              </a:spcBef>
-              <a:buClr>
-                <a:srgbClr val="00AAF6"/>
-              </a:buClr>
-              <a:buFontTx/>
-              <a:buChar char="•"/>
-              <a:defRPr/>
-            </a:pPr>
-            <a:r>
-              <a:rPr lang="en-US" sz="2000" kern="0" dirty="0" smtClean="0">
-                <a:latin typeface="+mn-lt"/>
-              </a:rPr>
-              <a:t>Domain Model exposes classes and attributes</a:t>
-            </a:r>
-          </a:p>
-          <a:p>
-            <a:pPr marL="800100" lvl="1" indent="-342900">
-              <a:spcBef>
-                <a:spcPct val="20000"/>
-              </a:spcBef>
-              <a:buClr>
-                <a:srgbClr val="00AAF6"/>
-              </a:buClr>
-              <a:buFontTx/>
-              <a:buChar char="•"/>
-              <a:defRPr/>
-            </a:pPr>
-            <a:r>
-              <a:rPr lang="en-US" sz="2000" kern="0" dirty="0" smtClean="0">
-                <a:latin typeface="+mn-lt"/>
-              </a:rPr>
-              <a:t>Attributes with Semantic Metadata and Concept Codes</a:t>
-            </a:r>
+              <a:t>This data element is used in a number of models, so it’s likely to appear on the grid as well</a:t>
+            </a:r>
+            <a:endParaRPr lang="en-US" sz="2000" b="1" kern="0" dirty="0" smtClean="0">
+              <a:latin typeface="+mn-lt"/>
+            </a:endParaRPr>
           </a:p>
           <a:p>
             <a:pPr marL="342900" marR="0" lvl="0" indent="-342900" algn="l" defTabSz="914400" rtl="0" eaLnBrk="1" fontAlgn="base" latinLnBrk="0" hangingPunct="1">
@@ -11517,11 +11778,51 @@
               <a:latin typeface="+mn-lt"/>
             </a:endParaRPr>
           </a:p>
+          <a:p>
+            <a:pPr marL="800100" lvl="1" indent="-342900">
+              <a:spcBef>
+                <a:spcPct val="20000"/>
+              </a:spcBef>
+              <a:buClr>
+                <a:srgbClr val="00AAF6"/>
+              </a:buClr>
+              <a:buFontTx/>
+              <a:buChar char="•"/>
+              <a:defRPr/>
+            </a:pPr>
+            <a:endParaRPr lang="en-US" sz="2000" kern="0" dirty="0" smtClean="0">
+              <a:latin typeface="+mn-lt"/>
+            </a:endParaRPr>
+          </a:p>
+          <a:p>
+            <a:pPr marL="342900" marR="0" lvl="0" indent="-342900" algn="l" defTabSz="914400" rtl="0" eaLnBrk="1" fontAlgn="base" latinLnBrk="0" hangingPunct="1">
+              <a:lnSpc>
+                <a:spcPct val="100000"/>
+              </a:lnSpc>
+              <a:spcBef>
+                <a:spcPct val="20000"/>
+              </a:spcBef>
+              <a:spcAft>
+                <a:spcPct val="0"/>
+              </a:spcAft>
+              <a:buClr>
+                <a:srgbClr val="00AAF6"/>
+              </a:buClr>
+              <a:buSzTx/>
+              <a:buFontTx/>
+              <a:buChar char="•"/>
+              <a:tabLst/>
+              <a:defRPr/>
+            </a:pPr>
+            <a:endParaRPr lang="en-US" sz="2000" b="1" kern="0" dirty="0" smtClean="0">
+              <a:latin typeface="+mn-lt"/>
+            </a:endParaRPr>
+          </a:p>
         </p:txBody>
       </p:sp>
       <p:pic>
         <p:nvPicPr>
-          <p:cNvPr id="5" name="Picture 4" descr="Gene Name Search 5.png"/>
+          <p:cNvPr id="5" name="Picture 4" descr="Gene Name Search 3.png"/>
           <p:cNvPicPr>
             <a:picLocks noChangeAspect="1"/>
           </p:cNvPicPr>
@@ -11535,8 +11836,8 @@
         </p:blipFill>
         <p:spPr>
           <a:xfrm>
-            <a:off x="1066800" y="2971800"/>
-            <a:ext cx="4467225" cy="1990725"/>
+            <a:off x="2895600" y="2743200"/>
+            <a:ext cx="5962650" cy="3629025"/>
           </a:xfrm>
           <a:prstGeom prst="rect">
             <a:avLst/>
@@ -11710,11 +12011,23 @@
               <a:rPr lang="en-US" sz="2000" b="1" kern="0" dirty="0" smtClean="0">
                 <a:latin typeface="+mn-lt"/>
               </a:rPr>
-              <a:t>Several services are found</a:t>
-            </a:r>
-          </a:p>
-          <a:p>
-            <a:pPr marL="342900" indent="-342900">
+              <a:t>Several </a:t>
+            </a:r>
+            <a:r>
+              <a:rPr lang="en-US" sz="2000" b="1" i="1" kern="0" dirty="0" smtClean="0">
+                <a:latin typeface="+mn-lt"/>
+              </a:rPr>
+              <a:t>Concept Codes </a:t>
+            </a:r>
+            <a:r>
+              <a:rPr lang="en-US" sz="2000" b="1" kern="0" dirty="0" smtClean="0">
+                <a:latin typeface="+mn-lt"/>
+              </a:rPr>
+              <a:t>are associated with this data element</a:t>
+            </a:r>
+          </a:p>
+          <a:p>
+            <a:pPr marL="800100" lvl="1" indent="-342900">
               <a:spcBef>
                 <a:spcPct val="20000"/>
               </a:spcBef>
@@ -11725,12 +12038,33 @@
               <a:buChar char="•"/>
               <a:defRPr/>
             </a:pPr>
-            <a:endParaRPr lang="en-US" sz="2000" b="1" kern="0" dirty="0" smtClean="0">
-              <a:latin typeface="+mn-lt"/>
-            </a:endParaRPr>
-          </a:p>
-          <a:p>
-            <a:pPr marL="342900" indent="-342900">
+            <a:r>
+              <a:rPr lang="en-US" sz="2000" kern="0" dirty="0" smtClean="0">
+                <a:latin typeface="+mn-lt"/>
+              </a:rPr>
+              <a:t>The </a:t>
+            </a:r>
+            <a:r>
+              <a:rPr lang="en-US" sz="2000" kern="0" dirty="0" smtClean="0">
+                <a:latin typeface="+mn-lt"/>
+              </a:rPr>
+              <a:t>researcher is interested in the </a:t>
+            </a:r>
+            <a:r>
+              <a:rPr lang="en-US" sz="2000" i="1" kern="0" dirty="0" smtClean="0">
+                <a:latin typeface="+mn-lt"/>
+              </a:rPr>
+              <a:t>Name</a:t>
+            </a:r>
+            <a:r>
+              <a:rPr lang="en-US" sz="2000" kern="0" dirty="0" smtClean="0">
+                <a:latin typeface="+mn-lt"/>
+              </a:rPr>
+              <a:t> attribute</a:t>
+            </a:r>
+          </a:p>
+          <a:p>
+            <a:pPr marL="800100" lvl="1" indent="-342900">
               <a:spcBef>
                 <a:spcPct val="20000"/>
               </a:spcBef>
@@ -11741,152 +12075,19 @@
               <a:buChar char="•"/>
               <a:defRPr/>
             </a:pPr>
+            <a:r>
+              <a:rPr lang="en-US" sz="2000" kern="0" dirty="0" smtClean="0">
+                <a:latin typeface="+mn-lt"/>
+              </a:rPr>
+              <a:t>CDE is </a:t>
+            </a:r>
+            <a:r>
+              <a:rPr lang="en-US" sz="2000" b="1" dirty="0" smtClean="0"/>
+              <a:t>C42614</a:t>
+            </a:r>
             <a:endParaRPr lang="en-US" sz="2000" b="1" kern="0" dirty="0" smtClean="0">
               <a:latin typeface="+mn-lt"/>
             </a:endParaRPr>
-          </a:p>
-          <a:p>
-            <a:pPr marL="342900" indent="-342900">
-              <a:spcBef>
-                <a:spcPct val="20000"/>
-              </a:spcBef>
-              <a:buClr>
-                <a:srgbClr val="00AAF6"/>
-              </a:buClr>
-              <a:buFontTx/>
-              <a:buChar char="•"/>
-              <a:defRPr/>
-            </a:pPr>
-            <a:endParaRPr lang="en-US" sz="2000" b="1" kern="0" dirty="0" smtClean="0">
-              <a:latin typeface="+mn-lt"/>
-            </a:endParaRPr>
-          </a:p>
-          <a:p>
-            <a:pPr marL="342900" indent="-342900">
-              <a:spcBef>
-                <a:spcPct val="20000"/>
-              </a:spcBef>
-              <a:buClr>
-                <a:srgbClr val="00AAF6"/>
-              </a:buClr>
-              <a:buFontTx/>
-              <a:buChar char="•"/>
-              <a:defRPr/>
-            </a:pPr>
-            <a:endParaRPr lang="en-US" sz="2000" b="1" kern="0" dirty="0" smtClean="0">
-              <a:latin typeface="+mn-lt"/>
-            </a:endParaRPr>
-          </a:p>
-          <a:p>
-            <a:pPr marL="342900" indent="-342900">
-              <a:spcBef>
-                <a:spcPct val="20000"/>
-              </a:spcBef>
-              <a:buClr>
-                <a:srgbClr val="00AAF6"/>
-              </a:buClr>
-              <a:buFontTx/>
-              <a:buChar char="•"/>
-              <a:defRPr/>
-            </a:pPr>
-            <a:endParaRPr lang="en-US" sz="2000" b="1" kern="0" dirty="0" smtClean="0">
-              <a:latin typeface="+mn-lt"/>
-            </a:endParaRPr>
-          </a:p>
-          <a:p>
-            <a:pPr marL="342900" indent="-342900">
-              <a:spcBef>
-                <a:spcPct val="20000"/>
-              </a:spcBef>
-              <a:buClr>
-                <a:srgbClr val="00AAF6"/>
-              </a:buClr>
-              <a:buFontTx/>
-              <a:buChar char="•"/>
-              <a:defRPr/>
-            </a:pPr>
-            <a:endParaRPr lang="en-US" sz="2000" b="1" kern="0" dirty="0" smtClean="0">
-              <a:latin typeface="+mn-lt"/>
-            </a:endParaRPr>
-          </a:p>
-          <a:p>
-            <a:pPr marL="342900" indent="-342900">
-              <a:spcBef>
-                <a:spcPct val="20000"/>
-              </a:spcBef>
-              <a:buClr>
-                <a:srgbClr val="00AAF6"/>
-              </a:buClr>
-              <a:buFontTx/>
-              <a:buChar char="•"/>
-              <a:defRPr/>
-            </a:pPr>
-            <a:endParaRPr lang="en-US" sz="2000" b="1" kern="0" dirty="0" smtClean="0">
-              <a:latin typeface="+mn-lt"/>
-            </a:endParaRPr>
-          </a:p>
-          <a:p>
-            <a:pPr marL="342900" indent="-342900">
-              <a:spcBef>
-                <a:spcPct val="20000"/>
-              </a:spcBef>
-              <a:buClr>
-                <a:srgbClr val="00AAF6"/>
-              </a:buClr>
-              <a:buFontTx/>
-              <a:buChar char="•"/>
-              <a:defRPr/>
-            </a:pPr>
-            <a:endParaRPr lang="en-US" sz="2000" b="1" kern="0" dirty="0" smtClean="0">
-              <a:latin typeface="+mn-lt"/>
-            </a:endParaRPr>
-          </a:p>
-          <a:p>
-            <a:pPr marL="342900" indent="-342900">
-              <a:spcBef>
-                <a:spcPct val="20000"/>
-              </a:spcBef>
-              <a:buClr>
-                <a:srgbClr val="00AAF6"/>
-              </a:buClr>
-              <a:buFontTx/>
-              <a:buChar char="•"/>
-              <a:defRPr/>
-            </a:pPr>
-            <a:endParaRPr lang="en-US" sz="2000" b="1" kern="0" dirty="0" smtClean="0">
-              <a:latin typeface="+mn-lt"/>
-            </a:endParaRPr>
-          </a:p>
-          <a:p>
-            <a:pPr marL="342900" indent="-342900">
-              <a:spcBef>
-                <a:spcPct val="20000"/>
-              </a:spcBef>
-              <a:buClr>
-                <a:srgbClr val="00AAF6"/>
-              </a:buClr>
-              <a:buFontTx/>
-              <a:buChar char="•"/>
-              <a:defRPr/>
-            </a:pPr>
-            <a:r>
-              <a:rPr lang="en-US" sz="2000" b="1" kern="0" dirty="0" smtClean="0">
-                <a:latin typeface="+mn-lt"/>
-              </a:rPr>
-              <a:t>The </a:t>
-            </a:r>
-            <a:r>
-              <a:rPr lang="en-US" sz="2000" b="1" kern="0" dirty="0" err="1" smtClean="0">
-                <a:latin typeface="+mn-lt"/>
-              </a:rPr>
-              <a:t>caBIO</a:t>
-            </a:r>
-            <a:r>
-              <a:rPr lang="en-US" sz="2000" b="1" kern="0" dirty="0" smtClean="0">
-                <a:latin typeface="+mn-lt"/>
-              </a:rPr>
-              <a:t> 4.0 Service maintained by CBIIT is selected </a:t>
-            </a:r>
           </a:p>
           <a:p>
             <a:pPr marL="342900" marR="0" lvl="0" indent="-342900" algn="l" defTabSz="914400" rtl="0" eaLnBrk="1" fontAlgn="base" latinLnBrk="0" hangingPunct="1">
@@ -11916,7 +12117,7 @@
       </p:sp>
       <p:pic>
         <p:nvPicPr>
-          <p:cNvPr id="8" name="Picture 7" descr="Gene Name caBIO in Portal.png"/>
+          <p:cNvPr id="7" name="Picture 6" descr="Gene Name 4.png"/>
           <p:cNvPicPr>
             <a:picLocks noChangeAspect="1"/>
           </p:cNvPicPr>
@@ -11930,8 +12131,8 @@
         </p:blipFill>
         <p:spPr>
           <a:xfrm>
-            <a:off x="685800" y="1752600"/>
-            <a:ext cx="4505325" cy="3067050"/>
+            <a:off x="3352800" y="2209800"/>
+            <a:ext cx="4953000" cy="4206875"/>
           </a:xfrm>
           <a:prstGeom prst="rect">
             <a:avLst/>
@@ -12034,7 +12235,7 @@
               <a:rPr lang="en-US" sz="2000" b="1" kern="0" dirty="0" smtClean="0">
                 <a:latin typeface="+mn-lt"/>
               </a:rPr>
-              <a:t>The Domain Model can be browsed</a:t>
+              <a:t>The concept code can be used to discover service EPRs</a:t>
             </a:r>
           </a:p>
           <a:p>
@@ -12053,25 +12254,7 @@
               <a:rPr lang="en-US" sz="2000" kern="0" dirty="0" smtClean="0">
                 <a:latin typeface="+mn-lt"/>
               </a:rPr>
-              <a:t>The Gene class and </a:t>
-            </a:r>
-            <a:r>
-              <a:rPr lang="en-US" sz="2000" i="1" kern="0" dirty="0" err="1" smtClean="0">
-                <a:latin typeface="+mn-lt"/>
-              </a:rPr>
-              <a:t>fullName</a:t>
-            </a:r>
-            <a:r>
-              <a:rPr lang="en-US" sz="2000" i="1" kern="0" dirty="0" smtClean="0">
-                <a:latin typeface="+mn-lt"/>
-              </a:rPr>
-              <a:t> </a:t>
-            </a:r>
-            <a:r>
-              <a:rPr lang="en-US" sz="2000" kern="0" dirty="0" smtClean="0">
-                <a:latin typeface="+mn-lt"/>
-              </a:rPr>
-              <a:t>attribute is found</a:t>
+              <a:t>In the caGrid Portal, data services can be searched</a:t>
             </a:r>
           </a:p>
           <a:p>
@@ -12090,9 +12273,49 @@
               <a:rPr lang="en-US" sz="2000" kern="0" dirty="0" smtClean="0">
                 <a:latin typeface="+mn-lt"/>
               </a:rPr>
-              <a:t>The same Concept Code we found in the CDE browser and searched for in the portal is associated with this attribute</a:t>
-            </a:r>
-            <a:endParaRPr lang="en-US" sz="2000" kern="0" dirty="0" smtClean="0">
+              <a:t>Domain Model exposes classes and attributes</a:t>
+            </a:r>
+          </a:p>
+          <a:p>
+            <a:pPr marL="800100" lvl="1" indent="-342900">
+              <a:spcBef>
+                <a:spcPct val="20000"/>
+              </a:spcBef>
+              <a:buClr>
+                <a:srgbClr val="00AAF6"/>
+              </a:buClr>
+              <a:buFontTx/>
+              <a:buChar char="•"/>
+              <a:defRPr/>
+            </a:pPr>
+            <a:r>
+              <a:rPr lang="en-US" sz="2000" kern="0" dirty="0" smtClean="0">
+                <a:latin typeface="+mn-lt"/>
+              </a:rPr>
+              <a:t>Attributes with Semantic Metadata and Concept Codes</a:t>
+            </a:r>
+          </a:p>
+          <a:p>
+            <a:pPr marL="342900" marR="0" lvl="0" indent="-342900" algn="l" defTabSz="914400" rtl="0" eaLnBrk="1" fontAlgn="base" latinLnBrk="0" hangingPunct="1">
+              <a:lnSpc>
+                <a:spcPct val="100000"/>
+              </a:lnSpc>
+              <a:spcBef>
+                <a:spcPct val="20000"/>
+              </a:spcBef>
+              <a:spcAft>
+                <a:spcPct val="0"/>
+              </a:spcAft>
+              <a:buClr>
+                <a:srgbClr val="00AAF6"/>
+              </a:buClr>
+              <a:buSzTx/>
+              <a:buFontTx/>
+              <a:buChar char="•"/>
+              <a:tabLst/>
+              <a:defRPr/>
+            </a:pPr>
+            <a:endParaRPr lang="en-US" sz="2000" b="1" kern="0" dirty="0" smtClean="0">
               <a:latin typeface="+mn-lt"/>
             </a:endParaRPr>
           </a:p>
@@ -12100,7 +12323,7 @@
       </p:sp>
       <p:pic>
         <p:nvPicPr>
-          <p:cNvPr id="5" name="Picture 4" descr="Gene Name in caBIO.png"/>
+          <p:cNvPr id="5" name="Picture 4" descr="Gene Name Search 5.png"/>
           <p:cNvPicPr>
             <a:picLocks noChangeAspect="1"/>
           </p:cNvPicPr>
@@ -12114,8 +12337,8 @@
         </p:blipFill>
         <p:spPr>
           <a:xfrm>
-            <a:off x="4419600" y="2819400"/>
-            <a:ext cx="4486275" cy="3657600"/>
+            <a:off x="1066800" y="2971800"/>
+            <a:ext cx="4467225" cy="1990725"/>
           </a:xfrm>
           <a:prstGeom prst="rect">
             <a:avLst/>
@@ -12218,11 +12441,11 @@
               <a:rPr lang="en-US" sz="2000" b="1" kern="0" dirty="0" smtClean="0">
                 <a:latin typeface="+mn-lt"/>
               </a:rPr>
-              <a:t>Create a query</a:t>
-            </a:r>
-          </a:p>
-          <a:p>
-            <a:pPr marL="800100" lvl="1" indent="-342900">
+              <a:t>Several services are found</a:t>
+            </a:r>
+          </a:p>
+          <a:p>
+            <a:pPr marL="342900" indent="-342900">
               <a:spcBef>
                 <a:spcPct val="20000"/>
               </a:spcBef>
@@ -12233,15 +12456,12 @@
               <a:buChar char="•"/>
               <a:defRPr/>
             </a:pPr>
-            <a:r>
-              <a:rPr lang="en-US" sz="2000" kern="0" dirty="0" smtClean="0">
-                <a:latin typeface="+mn-lt"/>
-              </a:rPr>
-              <a:t>Researcher selects the Gene data type for query</a:t>
-            </a:r>
-          </a:p>
-          <a:p>
-            <a:pPr marL="1257300" lvl="2" indent="-342900">
+            <a:endParaRPr lang="en-US" sz="2000" b="1" kern="0" dirty="0" smtClean="0">
+              <a:latin typeface="+mn-lt"/>
+            </a:endParaRPr>
+          </a:p>
+          <a:p>
+            <a:pPr marL="342900" indent="-342900">
               <a:spcBef>
                 <a:spcPct val="20000"/>
               </a:spcBef>
@@ -12252,36 +12472,12 @@
               <a:buChar char="•"/>
               <a:defRPr/>
             </a:pPr>
-            <a:r>
-              <a:rPr lang="en-US" kern="0" dirty="0" smtClean="0">
-                <a:latin typeface="+mn-lt"/>
-              </a:rPr>
-              <a:t>Portal generates a CQL query targeting the </a:t>
-            </a:r>
-            <a:r>
-              <a:rPr lang="en-US" i="1" kern="0" dirty="0" smtClean="0">
-                <a:latin typeface="+mn-lt"/>
-              </a:rPr>
-              <a:t>Gene</a:t>
-            </a:r>
-            <a:r>
-              <a:rPr lang="en-US" kern="0" dirty="0" smtClean="0">
-                <a:latin typeface="+mn-lt"/>
-              </a:rPr>
-              <a:t> </a:t>
-            </a:r>
-            <a:r>
-              <a:rPr lang="en-US" kern="0" dirty="0" err="1" smtClean="0">
-                <a:latin typeface="+mn-lt"/>
-              </a:rPr>
-              <a:t>datatype</a:t>
-            </a:r>
-            <a:endParaRPr lang="en-US" kern="0" dirty="0" smtClean="0">
+            <a:endParaRPr lang="en-US" sz="2000" b="1" kern="0" dirty="0" smtClean="0">
               <a:latin typeface="+mn-lt"/>
             </a:endParaRPr>
           </a:p>
           <a:p>
-            <a:pPr marL="800100" lvl="1" indent="-342900">
+            <a:pPr marL="342900" indent="-342900">
               <a:spcBef>
                 <a:spcPct val="20000"/>
               </a:spcBef>
@@ -12292,33 +12488,12 @@
               <a:buChar char="•"/>
               <a:defRPr/>
             </a:pPr>
-            <a:r>
-              <a:rPr lang="en-US" sz="2000" kern="0" dirty="0" smtClean="0">
-                <a:latin typeface="+mn-lt"/>
-              </a:rPr>
-              <a:t>Researcher selects “Add Criterion” to </a:t>
-            </a:r>
-            <a:r>
-              <a:rPr lang="en-US" sz="2000" kern="0" dirty="0" smtClean="0">
-                <a:latin typeface="+mn-lt"/>
-              </a:rPr>
-              <a:t>restrict the </a:t>
-            </a:r>
-            <a:r>
-              <a:rPr lang="en-US" sz="2000" i="1" kern="0" dirty="0" err="1" smtClean="0">
-                <a:latin typeface="+mn-lt"/>
-              </a:rPr>
-              <a:t>fullName</a:t>
-            </a:r>
-            <a:r>
-              <a:rPr lang="en-US" sz="2000" kern="0" dirty="0" smtClean="0">
-                <a:latin typeface="+mn-lt"/>
-              </a:rPr>
-              <a:t> attribute</a:t>
-            </a:r>
-          </a:p>
-          <a:p>
-            <a:pPr marL="1257300" lvl="2" indent="-342900">
+            <a:endParaRPr lang="en-US" sz="2000" b="1" kern="0" dirty="0" smtClean="0">
+              <a:latin typeface="+mn-lt"/>
+            </a:endParaRPr>
+          </a:p>
+          <a:p>
+            <a:pPr marL="342900" indent="-342900">
               <a:spcBef>
                 <a:spcPct val="20000"/>
               </a:spcBef>
@@ -12329,13 +12504,142 @@
               <a:buChar char="•"/>
               <a:defRPr/>
             </a:pPr>
-            <a:r>
-              <a:rPr lang="en-US" kern="0" dirty="0" smtClean="0">
+            <a:endParaRPr lang="en-US" sz="2000" b="1" kern="0" dirty="0" smtClean="0">
+              <a:latin typeface="+mn-lt"/>
+            </a:endParaRPr>
+          </a:p>
+          <a:p>
+            <a:pPr marL="342900" indent="-342900">
+              <a:spcBef>
+                <a:spcPct val="20000"/>
+              </a:spcBef>
+              <a:buClr>
+                <a:srgbClr val="00AAF6"/>
+              </a:buClr>
+              <a:buFontTx/>
+              <a:buChar char="•"/>
+              <a:defRPr/>
+            </a:pPr>
+            <a:endParaRPr lang="en-US" sz="2000" b="1" kern="0" dirty="0" smtClean="0">
+              <a:latin typeface="+mn-lt"/>
+            </a:endParaRPr>
+          </a:p>
+          <a:p>
+            <a:pPr marL="342900" indent="-342900">
+              <a:spcBef>
+                <a:spcPct val="20000"/>
+              </a:spcBef>
+              <a:buClr>
+                <a:srgbClr val="00AAF6"/>
+              </a:buClr>
+              <a:buFontTx/>
+              <a:buChar char="•"/>
+              <a:defRPr/>
+            </a:pPr>
+            <a:endParaRPr lang="en-US" sz="2000" b="1" kern="0" dirty="0" smtClean="0">
+              <a:latin typeface="+mn-lt"/>
+            </a:endParaRPr>
+          </a:p>
+          <a:p>
+            <a:pPr marL="342900" indent="-342900">
+              <a:spcBef>
+                <a:spcPct val="20000"/>
+              </a:spcBef>
+              <a:buClr>
+                <a:srgbClr val="00AAF6"/>
+              </a:buClr>
+              <a:buFontTx/>
+              <a:buChar char="•"/>
+              <a:defRPr/>
+            </a:pPr>
+            <a:endParaRPr lang="en-US" sz="2000" b="1" kern="0" dirty="0" smtClean="0">
+              <a:latin typeface="+mn-lt"/>
+            </a:endParaRPr>
+          </a:p>
+          <a:p>
+            <a:pPr marL="342900" indent="-342900">
+              <a:spcBef>
+                <a:spcPct val="20000"/>
+              </a:spcBef>
+              <a:buClr>
+                <a:srgbClr val="00AAF6"/>
+              </a:buClr>
+              <a:buFontTx/>
+              <a:buChar char="•"/>
+              <a:defRPr/>
+            </a:pPr>
+            <a:endParaRPr lang="en-US" sz="2000" b="1" kern="0" dirty="0" smtClean="0">
+              <a:latin typeface="+mn-lt"/>
+            </a:endParaRPr>
+          </a:p>
+          <a:p>
+            <a:pPr marL="342900" indent="-342900">
+              <a:spcBef>
+                <a:spcPct val="20000"/>
+              </a:spcBef>
+              <a:buClr>
+                <a:srgbClr val="00AAF6"/>
+              </a:buClr>
+              <a:buFontTx/>
+              <a:buChar char="•"/>
+              <a:defRPr/>
+            </a:pPr>
+            <a:endParaRPr lang="en-US" sz="2000" b="1" kern="0" dirty="0" smtClean="0">
+              <a:latin typeface="+mn-lt"/>
+            </a:endParaRPr>
+          </a:p>
+          <a:p>
+            <a:pPr marL="342900" indent="-342900">
+              <a:spcBef>
+                <a:spcPct val="20000"/>
+              </a:spcBef>
+              <a:buClr>
+                <a:srgbClr val="00AAF6"/>
+              </a:buClr>
+              <a:buFontTx/>
+              <a:buChar char="•"/>
+              <a:defRPr/>
+            </a:pPr>
+            <a:r>
+              <a:rPr lang="en-US" sz="2000" b="1" kern="0" dirty="0" smtClean="0">
                 <a:latin typeface="+mn-lt"/>
               </a:rPr>
-              <a:t>Selects the predicate “LIKE” and enters the value “BRC%”</a:t>
-            </a:r>
-            <a:endParaRPr lang="en-US" kern="0" dirty="0" smtClean="0">
+              <a:t>The </a:t>
+            </a:r>
+            <a:r>
+              <a:rPr lang="en-US" sz="2000" b="1" kern="0" dirty="0" err="1" smtClean="0">
+                <a:latin typeface="+mn-lt"/>
+              </a:rPr>
+              <a:t>caBIO</a:t>
+            </a:r>
+            <a:r>
+              <a:rPr lang="en-US" sz="2000" b="1" kern="0" dirty="0" smtClean="0">
+                <a:latin typeface="+mn-lt"/>
+              </a:rPr>
+              <a:t> 4.0 Service maintained by CBIIT is selected </a:t>
+            </a:r>
+          </a:p>
+          <a:p>
+            <a:pPr marL="342900" marR="0" lvl="0" indent="-342900" algn="l" defTabSz="914400" rtl="0" eaLnBrk="1" fontAlgn="base" latinLnBrk="0" hangingPunct="1">
+              <a:lnSpc>
+                <a:spcPct val="100000"/>
+              </a:lnSpc>
+              <a:spcBef>
+                <a:spcPct val="20000"/>
+              </a:spcBef>
+              <a:spcAft>
+                <a:spcPct val="0"/>
+              </a:spcAft>
+              <a:buClr>
+                <a:srgbClr val="00AAF6"/>
+              </a:buClr>
+              <a:buSzTx/>
+              <a:buFontTx/>
+              <a:buChar char="•"/>
+              <a:tabLst/>
+              <a:defRPr/>
+            </a:pPr>
+            <a:endParaRPr lang="en-US" sz="2000" b="1" kern="0" dirty="0" smtClean="0">
               <a:latin typeface="+mn-lt"/>
             </a:endParaRPr>
           </a:p>
@@ -12343,7 +12647,7 @@
       </p:sp>
       <p:pic>
         <p:nvPicPr>
-          <p:cNvPr id="6" name="Picture 5" descr="Gene Name like BRC.png"/>
+          <p:cNvPr id="8" name="Picture 7" descr="Gene Name caBIO in Portal.png"/>
           <p:cNvPicPr>
             <a:picLocks noChangeAspect="1"/>
           </p:cNvPicPr>
@@ -12357,8 +12661,8 @@
         </p:blipFill>
         <p:spPr>
           <a:xfrm>
-            <a:off x="1524000" y="3505200"/>
-            <a:ext cx="4752975" cy="2495550"/>
+            <a:off x="685800" y="1752600"/>
+            <a:ext cx="4505325" cy="3067050"/>
           </a:xfrm>
           <a:prstGeom prst="rect">
             <a:avLst/>
@@ -12461,6 +12765,433 @@
               <a:rPr lang="en-US" sz="2000" b="1" kern="0" dirty="0" smtClean="0">
                 <a:latin typeface="+mn-lt"/>
               </a:rPr>
+              <a:t>The Domain Model can be browsed</a:t>
+            </a:r>
+          </a:p>
+          <a:p>
+            <a:pPr marL="800100" lvl="1" indent="-342900">
+              <a:spcBef>
+                <a:spcPct val="20000"/>
+              </a:spcBef>
+              <a:buClr>
+                <a:srgbClr val="00AAF6"/>
+              </a:buClr>
+              <a:buFontTx/>
+              <a:buChar char="•"/>
+              <a:defRPr/>
+            </a:pPr>
+            <a:r>
+              <a:rPr lang="en-US" sz="2000" kern="0" dirty="0" smtClean="0">
+                <a:latin typeface="+mn-lt"/>
+              </a:rPr>
+              <a:t>The Gene class and </a:t>
+            </a:r>
+            <a:r>
+              <a:rPr lang="en-US" sz="2000" i="1" kern="0" dirty="0" err="1" smtClean="0">
+                <a:latin typeface="+mn-lt"/>
+              </a:rPr>
+              <a:t>fullName</a:t>
+            </a:r>
+            <a:r>
+              <a:rPr lang="en-US" sz="2000" i="1" kern="0" dirty="0" smtClean="0">
+                <a:latin typeface="+mn-lt"/>
+              </a:rPr>
+              <a:t> </a:t>
+            </a:r>
+            <a:r>
+              <a:rPr lang="en-US" sz="2000" kern="0" dirty="0" smtClean="0">
+                <a:latin typeface="+mn-lt"/>
+              </a:rPr>
+              <a:t>attribute is found</a:t>
+            </a:r>
+          </a:p>
+          <a:p>
+            <a:pPr marL="800100" lvl="1" indent="-342900">
+              <a:spcBef>
+                <a:spcPct val="20000"/>
+              </a:spcBef>
+              <a:buClr>
+                <a:srgbClr val="00AAF6"/>
+              </a:buClr>
+              <a:buFontTx/>
+              <a:buChar char="•"/>
+              <a:defRPr/>
+            </a:pPr>
+            <a:r>
+              <a:rPr lang="en-US" sz="2000" kern="0" dirty="0" smtClean="0">
+                <a:latin typeface="+mn-lt"/>
+              </a:rPr>
+              <a:t>The same Concept Code we found in the CDE browser and searched for in the portal is associated with this attribute</a:t>
+            </a:r>
+            <a:endParaRPr lang="en-US" sz="2000" kern="0" dirty="0" smtClean="0">
+              <a:latin typeface="+mn-lt"/>
+            </a:endParaRPr>
+          </a:p>
+        </p:txBody>
+      </p:sp>
+      <p:pic>
+        <p:nvPicPr>
+          <p:cNvPr id="5" name="Picture 4" descr="Gene Name in caBIO.png"/>
+          <p:cNvPicPr>
+            <a:picLocks noChangeAspect="1"/>
+          </p:cNvPicPr>
+          <p:nvPr/>
+        </p:nvPicPr>
+        <p:blipFill>
+          <a:blip r:embed="rId2" cstate="print"/>
+          <a:stretch>
+            <a:fillRect/>
+          </a:stretch>
+        </p:blipFill>
+        <p:spPr>
+          <a:xfrm>
+            <a:off x="4419600" y="2819400"/>
+            <a:ext cx="4486275" cy="3657600"/>
+          </a:xfrm>
+          <a:prstGeom prst="rect">
+            <a:avLst/>
+          </a:prstGeom>
+        </p:spPr>
+      </p:pic>
+    </p:spTree>
+  </p:cSld>
+  <p:clrMapOvr>
+    <a:masterClrMapping/>
+  </p:clrMapOvr>
+</p:sld>
+</file>
+
+<file path=ppt/slides/slide34.xml><?xml version="1.0" encoding="utf-8"?>
+<p:sld xmlns:a="http://schemas.openxmlformats.org/drawingml/2006/main" xmlns:r="http://schemas.openxmlformats.org/officeDocument/2006/relationships" xmlns:p="http://schemas.openxmlformats.org/presentationml/2006/main">
+  <p:cSld>
+    <p:spTree>
+      <p:nvGrpSpPr>
+        <p:cNvPr id="1" name=""/>
+        <p:cNvGrpSpPr/>
+        <p:nvPr/>
+      </p:nvGrpSpPr>
+      <p:grpSpPr>
+        <a:xfrm>
+          <a:off x="0" y="0"/>
+          <a:ext cx="0" cy="0"/>
+          <a:chOff x="0" y="0"/>
+          <a:chExt cx="0" cy="0"/>
+        </a:xfrm>
+      </p:grpSpPr>
+      <p:sp>
+        <p:nvSpPr>
+          <p:cNvPr id="2" name="Title 1"/>
+          <p:cNvSpPr>
+            <a:spLocks noGrp="1"/>
+          </p:cNvSpPr>
+          <p:nvPr>
+            <p:ph type="title"/>
+          </p:nvPr>
+        </p:nvSpPr>
+        <p:spPr/>
+        <p:txBody>
+          <a:bodyPr/>
+          <a:lstStyle/>
+          <a:p>
+            <a:r>
+              <a:rPr lang="en-US" dirty="0" smtClean="0"/>
+              <a:t>Data Service Client Workflow</a:t>
+            </a:r>
+            <a:endParaRPr lang="en-US" dirty="0"/>
+          </a:p>
+        </p:txBody>
+      </p:sp>
+      <p:sp>
+        <p:nvSpPr>
+          <p:cNvPr id="4" name="Content Placeholder 2"/>
+          <p:cNvSpPr txBox="1">
+            <a:spLocks/>
+          </p:cNvSpPr>
+          <p:nvPr/>
+        </p:nvSpPr>
+        <p:spPr bwMode="auto">
+          <a:xfrm>
+            <a:off x="304800" y="1371600"/>
+            <a:ext cx="8458200" cy="4953000"/>
+          </a:xfrm>
+          <a:prstGeom prst="rect">
+            <a:avLst/>
+          </a:prstGeom>
+          <a:noFill/>
+          <a:ln w="9525">
+            <a:noFill/>
+            <a:miter lim="800000"/>
+            <a:headEnd/>
+            <a:tailEnd/>
+          </a:ln>
+          <a:effectLst/>
+        </p:spPr>
+        <p:txBody>
+          <a:bodyPr vert="horz" wrap="square" lIns="91440" tIns="45720" rIns="91440" bIns="45720" numCol="1" anchor="t" anchorCtr="0" compatLnSpc="1">
+            <a:prstTxWarp prst="textNoShape">
+              <a:avLst/>
+            </a:prstTxWarp>
+          </a:bodyPr>
+          <a:lstStyle/>
+          <a:p>
+            <a:pPr marL="342900" indent="-342900">
+              <a:spcBef>
+                <a:spcPct val="20000"/>
+              </a:spcBef>
+              <a:buClr>
+                <a:srgbClr val="00AAF6"/>
+              </a:buClr>
+              <a:buFontTx/>
+              <a:buChar char="•"/>
+              <a:defRPr/>
+            </a:pPr>
+            <a:r>
+              <a:rPr lang="en-US" sz="2000" b="1" kern="0" dirty="0" smtClean="0">
+                <a:latin typeface="+mn-lt"/>
+              </a:rPr>
+              <a:t>Create a query</a:t>
+            </a:r>
+          </a:p>
+          <a:p>
+            <a:pPr marL="800100" lvl="1" indent="-342900">
+              <a:spcBef>
+                <a:spcPct val="20000"/>
+              </a:spcBef>
+              <a:buClr>
+                <a:srgbClr val="00AAF6"/>
+              </a:buClr>
+              <a:buFontTx/>
+              <a:buChar char="•"/>
+              <a:defRPr/>
+            </a:pPr>
+            <a:r>
+              <a:rPr lang="en-US" sz="2000" kern="0" dirty="0" smtClean="0">
+                <a:latin typeface="+mn-lt"/>
+              </a:rPr>
+              <a:t>Researcher selects the Gene data type for query</a:t>
+            </a:r>
+          </a:p>
+          <a:p>
+            <a:pPr marL="1257300" lvl="2" indent="-342900">
+              <a:spcBef>
+                <a:spcPct val="20000"/>
+              </a:spcBef>
+              <a:buClr>
+                <a:srgbClr val="00AAF6"/>
+              </a:buClr>
+              <a:buFontTx/>
+              <a:buChar char="•"/>
+              <a:defRPr/>
+            </a:pPr>
+            <a:r>
+              <a:rPr lang="en-US" kern="0" dirty="0" smtClean="0">
+                <a:latin typeface="+mn-lt"/>
+              </a:rPr>
+              <a:t>Portal generates a CQL query targeting the </a:t>
+            </a:r>
+            <a:r>
+              <a:rPr lang="en-US" i="1" kern="0" dirty="0" smtClean="0">
+                <a:latin typeface="+mn-lt"/>
+              </a:rPr>
+              <a:t>Gene</a:t>
+            </a:r>
+            <a:r>
+              <a:rPr lang="en-US" kern="0" dirty="0" smtClean="0">
+                <a:latin typeface="+mn-lt"/>
+              </a:rPr>
+              <a:t> </a:t>
+            </a:r>
+            <a:r>
+              <a:rPr lang="en-US" kern="0" dirty="0" err="1" smtClean="0">
+                <a:latin typeface="+mn-lt"/>
+              </a:rPr>
+              <a:t>datatype</a:t>
+            </a:r>
+            <a:endParaRPr lang="en-US" kern="0" dirty="0" smtClean="0">
+              <a:latin typeface="+mn-lt"/>
+            </a:endParaRPr>
+          </a:p>
+          <a:p>
+            <a:pPr marL="800100" lvl="1" indent="-342900">
+              <a:spcBef>
+                <a:spcPct val="20000"/>
+              </a:spcBef>
+              <a:buClr>
+                <a:srgbClr val="00AAF6"/>
+              </a:buClr>
+              <a:buFontTx/>
+              <a:buChar char="•"/>
+              <a:defRPr/>
+            </a:pPr>
+            <a:r>
+              <a:rPr lang="en-US" sz="2000" kern="0" dirty="0" smtClean="0">
+                <a:latin typeface="+mn-lt"/>
+              </a:rPr>
+              <a:t>Researcher selects “Add Criterion” to </a:t>
+            </a:r>
+            <a:r>
+              <a:rPr lang="en-US" sz="2000" kern="0" dirty="0" smtClean="0">
+                <a:latin typeface="+mn-lt"/>
+              </a:rPr>
+              <a:t>restrict the </a:t>
+            </a:r>
+            <a:r>
+              <a:rPr lang="en-US" sz="2000" i="1" kern="0" dirty="0" err="1" smtClean="0">
+                <a:latin typeface="+mn-lt"/>
+              </a:rPr>
+              <a:t>fullName</a:t>
+            </a:r>
+            <a:r>
+              <a:rPr lang="en-US" sz="2000" kern="0" dirty="0" smtClean="0">
+                <a:latin typeface="+mn-lt"/>
+              </a:rPr>
+              <a:t> attribute</a:t>
+            </a:r>
+          </a:p>
+          <a:p>
+            <a:pPr marL="1257300" lvl="2" indent="-342900">
+              <a:spcBef>
+                <a:spcPct val="20000"/>
+              </a:spcBef>
+              <a:buClr>
+                <a:srgbClr val="00AAF6"/>
+              </a:buClr>
+              <a:buFontTx/>
+              <a:buChar char="•"/>
+              <a:defRPr/>
+            </a:pPr>
+            <a:r>
+              <a:rPr lang="en-US" kern="0" dirty="0" smtClean="0">
+                <a:latin typeface="+mn-lt"/>
+              </a:rPr>
+              <a:t>Selects the predicate “LIKE” and enters the value “BRC%”</a:t>
+            </a:r>
+            <a:endParaRPr lang="en-US" kern="0" dirty="0" smtClean="0">
+              <a:latin typeface="+mn-lt"/>
+            </a:endParaRPr>
+          </a:p>
+        </p:txBody>
+      </p:sp>
+      <p:pic>
+        <p:nvPicPr>
+          <p:cNvPr id="6" name="Picture 5" descr="Gene Name like BRC.png"/>
+          <p:cNvPicPr>
+            <a:picLocks noChangeAspect="1"/>
+          </p:cNvPicPr>
+          <p:nvPr/>
+        </p:nvPicPr>
+        <p:blipFill>
+          <a:blip r:embed="rId2" cstate="print"/>
+          <a:stretch>
+            <a:fillRect/>
+          </a:stretch>
+        </p:blipFill>
+        <p:spPr>
+          <a:xfrm>
+            <a:off x="1524000" y="3505200"/>
+            <a:ext cx="4752975" cy="2495550"/>
+          </a:xfrm>
+          <a:prstGeom prst="rect">
+            <a:avLst/>
+          </a:prstGeom>
+        </p:spPr>
+      </p:pic>
+    </p:spTree>
+  </p:cSld>
+  <p:clrMapOvr>
+    <a:masterClrMapping/>
+  </p:clrMapOvr>
+</p:sld>
+</file>
+
+<file path=ppt/slides/slide35.xml><?xml version="1.0" encoding="utf-8"?>
+<p:sld xmlns:a="http://schemas.openxmlformats.org/drawingml/2006/main" xmlns:r="http://schemas.openxmlformats.org/officeDocument/2006/relationships" xmlns:p="http://schemas.openxmlformats.org/presentationml/2006/main">
+  <p:cSld>
+    <p:spTree>
+      <p:nvGrpSpPr>
+        <p:cNvPr id="1" name=""/>
+        <p:cNvGrpSpPr/>
+        <p:nvPr/>
+      </p:nvGrpSpPr>
+      <p:grpSpPr>
+        <a:xfrm>
+          <a:off x="0" y="0"/>
+          <a:ext cx="0" cy="0"/>
+          <a:chOff x="0" y="0"/>
+          <a:chExt cx="0" cy="0"/>
+        </a:xfrm>
+      </p:grpSpPr>
+      <p:sp>
+        <p:nvSpPr>
+          <p:cNvPr id="2" name="Title 1"/>
+          <p:cNvSpPr>
+            <a:spLocks noGrp="1"/>
+          </p:cNvSpPr>
+          <p:nvPr>
+            <p:ph type="title"/>
+          </p:nvPr>
+        </p:nvSpPr>
+        <p:spPr/>
+        <p:txBody>
+          <a:bodyPr/>
+          <a:lstStyle/>
+          <a:p>
+            <a:r>
+              <a:rPr lang="en-US" dirty="0" smtClean="0"/>
+              <a:t>Data Service Client Workflow</a:t>
+            </a:r>
+            <a:endParaRPr lang="en-US" dirty="0"/>
+          </a:p>
+        </p:txBody>
+      </p:sp>
+      <p:sp>
+        <p:nvSpPr>
+          <p:cNvPr id="4" name="Content Placeholder 2"/>
+          <p:cNvSpPr txBox="1">
+            <a:spLocks/>
+          </p:cNvSpPr>
+          <p:nvPr/>
+        </p:nvSpPr>
+        <p:spPr bwMode="auto">
+          <a:xfrm>
+            <a:off x="304800" y="1371600"/>
+            <a:ext cx="8458200" cy="4953000"/>
+          </a:xfrm>
+          <a:prstGeom prst="rect">
+            <a:avLst/>
+          </a:prstGeom>
+          <a:noFill/>
+          <a:ln w="9525">
+            <a:noFill/>
+            <a:miter lim="800000"/>
+            <a:headEnd/>
+            <a:tailEnd/>
+          </a:ln>
+          <a:effectLst/>
+        </p:spPr>
+        <p:txBody>
+          <a:bodyPr vert="horz" wrap="square" lIns="91440" tIns="45720" rIns="91440" bIns="45720" numCol="1" anchor="t" anchorCtr="0" compatLnSpc="1">
+            <a:prstTxWarp prst="textNoShape">
+              <a:avLst/>
+            </a:prstTxWarp>
+          </a:bodyPr>
+          <a:lstStyle/>
+          <a:p>
+            <a:pPr marL="342900" indent="-342900">
+              <a:spcBef>
+                <a:spcPct val="20000"/>
+              </a:spcBef>
+              <a:buClr>
+                <a:srgbClr val="00AAF6"/>
+              </a:buClr>
+              <a:buFontTx/>
+              <a:buChar char="•"/>
+              <a:defRPr/>
+            </a:pPr>
+            <a:r>
+              <a:rPr lang="en-US" sz="2000" b="1" kern="0" dirty="0" smtClean="0">
+                <a:latin typeface="+mn-lt"/>
+              </a:rPr>
               <a:t>Retrieve Objects</a:t>
             </a:r>
           </a:p>
@@ -12573,7 +13304,7 @@
 </p:sld>
 </file>
 
-<file path=ppt/slides/slide34.xml><?xml version="1.0" encoding="utf-8"?>
+<file path=ppt/slides/slide36.xml><?xml version="1.0" encoding="utf-8"?>
 <p:sld xmlns:a="http://schemas.openxmlformats.org/drawingml/2006/main" xmlns:r="http://schemas.openxmlformats.org/officeDocument/2006/relationships" xmlns:p="http://schemas.openxmlformats.org/presentationml/2006/main">
   <p:cSld>
     <p:spTree>
@@ -12936,7 +13667,7 @@
 </p:sld>
 </file>
 
-<file path=ppt/slides/slide35.xml><?xml version="1.0" encoding="utf-8"?>
+<file path=ppt/slides/slide37.xml><?xml version="1.0" encoding="utf-8"?>
 <p:sld xmlns:a="http://schemas.openxmlformats.org/drawingml/2006/main" xmlns:r="http://schemas.openxmlformats.org/officeDocument/2006/relationships" xmlns:p="http://schemas.openxmlformats.org/presentationml/2006/main">
   <p:cSld>
     <p:spTree>
@@ -13075,642 +13806,6 @@
           </a:prstGeom>
         </p:spPr>
       </p:pic>
-    </p:spTree>
-  </p:cSld>
-  <p:clrMapOvr>
-    <a:masterClrMapping/>
-  </p:clrMapOvr>
-</p:sld>
-</file>
-
-<file path=ppt/slides/slide36.xml><?xml version="1.0" encoding="utf-8"?>
-<p:sld xmlns:a="http://schemas.openxmlformats.org/drawingml/2006/main" xmlns:r="http://schemas.openxmlformats.org/officeDocument/2006/relationships" xmlns:p="http://schemas.openxmlformats.org/presentationml/2006/main">
-  <p:cSld>
-    <p:spTree>
-      <p:nvGrpSpPr>
-        <p:cNvPr id="1" name=""/>
-        <p:cNvGrpSpPr/>
-        <p:nvPr/>
-      </p:nvGrpSpPr>
-      <p:grpSpPr>
-        <a:xfrm>
-          <a:off x="0" y="0"/>
-          <a:ext cx="0" cy="0"/>
-          <a:chOff x="0" y="0"/>
-          <a:chExt cx="0" cy="0"/>
-        </a:xfrm>
-      </p:grpSpPr>
-      <p:sp>
-        <p:nvSpPr>
-          <p:cNvPr id="2" name="Title 1"/>
-          <p:cNvSpPr>
-            <a:spLocks noGrp="1"/>
-          </p:cNvSpPr>
-          <p:nvPr>
-            <p:ph type="title"/>
-          </p:nvPr>
-        </p:nvSpPr>
-        <p:spPr/>
-        <p:txBody>
-          <a:bodyPr/>
-          <a:lstStyle/>
-          <a:p>
-            <a:r>
-              <a:rPr lang="en-US" dirty="0" smtClean="0"/>
-              <a:t>Federated Queries</a:t>
-            </a:r>
-            <a:endParaRPr lang="en-US" dirty="0"/>
-          </a:p>
-        </p:txBody>
-      </p:sp>
-      <p:sp>
-        <p:nvSpPr>
-          <p:cNvPr id="5" name="Content Placeholder 2"/>
-          <p:cNvSpPr txBox="1">
-            <a:spLocks/>
-          </p:cNvSpPr>
-          <p:nvPr/>
-        </p:nvSpPr>
-        <p:spPr bwMode="auto">
-          <a:xfrm>
-            <a:off x="304800" y="1371600"/>
-            <a:ext cx="8458200" cy="4953000"/>
-          </a:xfrm>
-          <a:prstGeom prst="rect">
-            <a:avLst/>
-          </a:prstGeom>
-          <a:noFill/>
-          <a:ln w="9525">
-            <a:noFill/>
-            <a:miter lim="800000"/>
-            <a:headEnd/>
-            <a:tailEnd/>
-          </a:ln>
-          <a:effectLst/>
-        </p:spPr>
-        <p:txBody>
-          <a:bodyPr vert="horz" wrap="square" lIns="91440" tIns="45720" rIns="91440" bIns="45720" numCol="1" anchor="t" anchorCtr="0" compatLnSpc="1">
-            <a:prstTxWarp prst="textNoShape">
-              <a:avLst/>
-            </a:prstTxWarp>
-          </a:bodyPr>
-          <a:lstStyle/>
-          <a:p>
-            <a:pPr marL="342900" marR="0" lvl="0" indent="-342900" algn="l" defTabSz="914400" rtl="0" eaLnBrk="1" fontAlgn="base" latinLnBrk="0" hangingPunct="1">
-              <a:lnSpc>
-                <a:spcPct val="100000"/>
-              </a:lnSpc>
-              <a:spcBef>
-                <a:spcPct val="20000"/>
-              </a:spcBef>
-              <a:spcAft>
-                <a:spcPct val="0"/>
-              </a:spcAft>
-              <a:buClr>
-                <a:srgbClr val="00AAF6"/>
-              </a:buClr>
-              <a:buSzTx/>
-              <a:buFontTx/>
-              <a:buChar char="•"/>
-              <a:tabLst/>
-              <a:defRPr/>
-            </a:pPr>
-            <a:r>
-              <a:rPr lang="en-US" sz="2000" b="1" kern="0" dirty="0" smtClean="0">
-                <a:latin typeface="+mn-lt"/>
-              </a:rPr>
-              <a:t>Multiple Data Services Involved</a:t>
-            </a:r>
-          </a:p>
-          <a:p>
-            <a:pPr marL="800100" lvl="1" indent="-342900">
-              <a:spcBef>
-                <a:spcPct val="20000"/>
-              </a:spcBef>
-              <a:buClr>
-                <a:srgbClr val="00AAF6"/>
-              </a:buClr>
-              <a:buFontTx/>
-              <a:buChar char="•"/>
-              <a:defRPr/>
-            </a:pPr>
-            <a:r>
-              <a:rPr lang="en-US" sz="2000" kern="0" dirty="0" smtClean="0"/>
-              <a:t>Basic distributed joins and aggregations</a:t>
-            </a:r>
-            <a:endParaRPr lang="en-US" sz="2000" b="1" kern="0" dirty="0" smtClean="0">
-              <a:latin typeface="+mn-lt"/>
-            </a:endParaRPr>
-          </a:p>
-          <a:p>
-            <a:pPr marL="800100" lvl="1" indent="-342900">
-              <a:spcBef>
-                <a:spcPct val="20000"/>
-              </a:spcBef>
-              <a:buClr>
-                <a:srgbClr val="00AAF6"/>
-              </a:buClr>
-              <a:buFontTx/>
-              <a:buChar char="•"/>
-              <a:defRPr/>
-            </a:pPr>
-            <a:r>
-              <a:rPr lang="en-US" sz="2000" kern="0" dirty="0" smtClean="0">
-                <a:latin typeface="+mn-lt"/>
-              </a:rPr>
-              <a:t>All data services use the same language (CQL), so federation using multiple data services is possible</a:t>
-            </a:r>
-          </a:p>
-          <a:p>
-            <a:pPr marL="1257300" lvl="2" indent="-342900">
-              <a:spcBef>
-                <a:spcPct val="20000"/>
-              </a:spcBef>
-              <a:buClr>
-                <a:srgbClr val="00AAF6"/>
-              </a:buClr>
-              <a:buFontTx/>
-              <a:buChar char="•"/>
-              <a:defRPr/>
-            </a:pPr>
-            <a:r>
-              <a:rPr lang="en-US" i="1" kern="0" dirty="0" smtClean="0">
-                <a:latin typeface="+mn-lt"/>
-              </a:rPr>
-              <a:t>Any</a:t>
-            </a:r>
-            <a:r>
-              <a:rPr lang="en-US" kern="0" dirty="0" smtClean="0">
-                <a:latin typeface="+mn-lt"/>
-              </a:rPr>
-              <a:t> combination of data services may be used</a:t>
-            </a:r>
-          </a:p>
-          <a:p>
-            <a:pPr marL="1257300" lvl="2" indent="-342900">
-              <a:spcBef>
-                <a:spcPct val="20000"/>
-              </a:spcBef>
-              <a:buClr>
-                <a:srgbClr val="00AAF6"/>
-              </a:buClr>
-              <a:buFontTx/>
-              <a:buChar char="•"/>
-              <a:defRPr/>
-            </a:pPr>
-            <a:r>
-              <a:rPr lang="en-US" kern="0" dirty="0" smtClean="0">
-                <a:latin typeface="+mn-lt"/>
-              </a:rPr>
-              <a:t>Arbitrary cross-model joins</a:t>
-            </a:r>
-          </a:p>
-          <a:p>
-            <a:pPr marL="342900" indent="-342900">
-              <a:spcBef>
-                <a:spcPct val="20000"/>
-              </a:spcBef>
-              <a:buClr>
-                <a:srgbClr val="00AAF6"/>
-              </a:buClr>
-              <a:buFontTx/>
-              <a:buChar char="•"/>
-              <a:defRPr/>
-            </a:pPr>
-            <a:r>
-              <a:rPr lang="en-US" sz="2000" b="1" i="1" kern="0" dirty="0" smtClean="0">
-                <a:latin typeface="+mn-lt"/>
-              </a:rPr>
-              <a:t>D</a:t>
-            </a:r>
-            <a:r>
-              <a:rPr lang="en-US" sz="2000" b="1" kern="0" dirty="0" smtClean="0">
-                <a:latin typeface="+mn-lt"/>
-              </a:rPr>
-              <a:t>CQL extends from CQL</a:t>
-            </a:r>
-          </a:p>
-          <a:p>
-            <a:pPr marL="800100" lvl="1" indent="-342900">
-              <a:spcBef>
-                <a:spcPct val="20000"/>
-              </a:spcBef>
-              <a:buClr>
-                <a:srgbClr val="00AAF6"/>
-              </a:buClr>
-              <a:buFontTx/>
-              <a:buChar char="•"/>
-              <a:defRPr/>
-            </a:pPr>
-            <a:r>
-              <a:rPr lang="en-US" sz="2000" kern="0" dirty="0" smtClean="0">
-                <a:latin typeface="+mn-lt"/>
-              </a:rPr>
-              <a:t>Distributed version of CQL</a:t>
-            </a:r>
-          </a:p>
-          <a:p>
-            <a:pPr marL="800100" lvl="1" indent="-342900">
-              <a:spcBef>
-                <a:spcPct val="20000"/>
-              </a:spcBef>
-              <a:buClr>
-                <a:srgbClr val="00AAF6"/>
-              </a:buClr>
-              <a:buFontTx/>
-              <a:buChar char="•"/>
-              <a:defRPr/>
-            </a:pPr>
-            <a:r>
-              <a:rPr lang="en-US" sz="2000" kern="0" dirty="0" smtClean="0">
-                <a:latin typeface="+mn-lt"/>
-              </a:rPr>
-              <a:t>Expresses joins, foreign data services, and target services</a:t>
-            </a:r>
-          </a:p>
-          <a:p>
-            <a:pPr marL="342900" indent="-342900">
-              <a:spcBef>
-                <a:spcPct val="20000"/>
-              </a:spcBef>
-              <a:buClr>
-                <a:srgbClr val="00AAF6"/>
-              </a:buClr>
-              <a:buFontTx/>
-              <a:buChar char="•"/>
-              <a:defRPr/>
-            </a:pPr>
-            <a:r>
-              <a:rPr lang="en-US" sz="2000" b="1" kern="0" dirty="0" err="1" smtClean="0">
-                <a:latin typeface="+mn-lt"/>
-              </a:rPr>
-              <a:t>Stateful</a:t>
-            </a:r>
-            <a:r>
-              <a:rPr lang="en-US" sz="2000" b="1" kern="0" dirty="0" smtClean="0">
-                <a:latin typeface="+mn-lt"/>
-              </a:rPr>
-              <a:t> Grid Service or Local API</a:t>
-            </a:r>
-          </a:p>
-          <a:p>
-            <a:pPr marL="800100" lvl="1" indent="-342900">
-              <a:spcBef>
-                <a:spcPct val="20000"/>
-              </a:spcBef>
-              <a:buClr>
-                <a:srgbClr val="00AAF6"/>
-              </a:buClr>
-              <a:buFontTx/>
-              <a:buChar char="•"/>
-              <a:defRPr/>
-            </a:pPr>
-            <a:r>
-              <a:rPr lang="en-US" sz="2000" kern="0" dirty="0" smtClean="0">
-                <a:latin typeface="+mn-lt"/>
-              </a:rPr>
-              <a:t>Queries may be issued to an FQP grid service and processed asynchronously for later results retrieval</a:t>
-            </a:r>
-          </a:p>
-          <a:p>
-            <a:pPr marL="800100" lvl="1" indent="-342900">
-              <a:spcBef>
-                <a:spcPct val="20000"/>
-              </a:spcBef>
-              <a:buClr>
-                <a:srgbClr val="00AAF6"/>
-              </a:buClr>
-              <a:buFontTx/>
-              <a:buChar char="•"/>
-              <a:defRPr/>
-            </a:pPr>
-            <a:r>
-              <a:rPr lang="en-US" sz="2000" kern="0" dirty="0" smtClean="0">
-                <a:latin typeface="+mn-lt"/>
-              </a:rPr>
-              <a:t>FQP engine may be used within an application directly</a:t>
-            </a:r>
-          </a:p>
-        </p:txBody>
-      </p:sp>
-    </p:spTree>
-  </p:cSld>
-  <p:clrMapOvr>
-    <a:masterClrMapping/>
-  </p:clrMapOvr>
-</p:sld>
-</file>
-
-<file path=ppt/slides/slide37.xml><?xml version="1.0" encoding="utf-8"?>
-<p:sld xmlns:a="http://schemas.openxmlformats.org/drawingml/2006/main" xmlns:r="http://schemas.openxmlformats.org/officeDocument/2006/relationships" xmlns:p="http://schemas.openxmlformats.org/presentationml/2006/main">
-  <p:cSld>
-    <p:spTree>
-      <p:nvGrpSpPr>
-        <p:cNvPr id="1" name=""/>
-        <p:cNvGrpSpPr/>
-        <p:nvPr/>
-      </p:nvGrpSpPr>
-      <p:grpSpPr>
-        <a:xfrm>
-          <a:off x="0" y="0"/>
-          <a:ext cx="0" cy="0"/>
-          <a:chOff x="0" y="0"/>
-          <a:chExt cx="0" cy="0"/>
-        </a:xfrm>
-      </p:grpSpPr>
-      <p:sp>
-        <p:nvSpPr>
-          <p:cNvPr id="2" name="Title 1"/>
-          <p:cNvSpPr>
-            <a:spLocks noGrp="1"/>
-          </p:cNvSpPr>
-          <p:nvPr>
-            <p:ph type="title"/>
-          </p:nvPr>
-        </p:nvSpPr>
-        <p:spPr/>
-        <p:txBody>
-          <a:bodyPr/>
-          <a:lstStyle/>
-          <a:p>
-            <a:r>
-              <a:rPr lang="en-US" dirty="0" smtClean="0"/>
-              <a:t>Federated Queries</a:t>
-            </a:r>
-            <a:endParaRPr lang="en-US" dirty="0"/>
-          </a:p>
-        </p:txBody>
-      </p:sp>
-      <p:sp>
-        <p:nvSpPr>
-          <p:cNvPr id="5" name="Content Placeholder 2"/>
-          <p:cNvSpPr txBox="1">
-            <a:spLocks/>
-          </p:cNvSpPr>
-          <p:nvPr/>
-        </p:nvSpPr>
-        <p:spPr bwMode="auto">
-          <a:xfrm>
-            <a:off x="304800" y="1371600"/>
-            <a:ext cx="8458200" cy="4953000"/>
-          </a:xfrm>
-          <a:prstGeom prst="rect">
-            <a:avLst/>
-          </a:prstGeom>
-          <a:noFill/>
-          <a:ln w="9525">
-            <a:noFill/>
-            <a:miter lim="800000"/>
-            <a:headEnd/>
-            <a:tailEnd/>
-          </a:ln>
-          <a:effectLst/>
-        </p:spPr>
-        <p:txBody>
-          <a:bodyPr vert="horz" wrap="square" lIns="91440" tIns="45720" rIns="91440" bIns="45720" numCol="1" anchor="t" anchorCtr="0" compatLnSpc="1">
-            <a:prstTxWarp prst="textNoShape">
-              <a:avLst/>
-            </a:prstTxWarp>
-          </a:bodyPr>
-          <a:lstStyle/>
-          <a:p>
-            <a:pPr marL="342900" marR="0" lvl="0" indent="-342900" algn="l" defTabSz="914400" rtl="0" eaLnBrk="1" fontAlgn="base" latinLnBrk="0" hangingPunct="1">
-              <a:lnSpc>
-                <a:spcPct val="100000"/>
-              </a:lnSpc>
-              <a:spcBef>
-                <a:spcPct val="20000"/>
-              </a:spcBef>
-              <a:spcAft>
-                <a:spcPct val="0"/>
-              </a:spcAft>
-              <a:buClr>
-                <a:srgbClr val="00AAF6"/>
-              </a:buClr>
-              <a:buSzTx/>
-              <a:buFontTx/>
-              <a:buChar char="•"/>
-              <a:tabLst/>
-              <a:defRPr/>
-            </a:pPr>
-            <a:r>
-              <a:rPr lang="en-US" sz="2000" b="1" kern="0" dirty="0" smtClean="0">
-                <a:latin typeface="+mn-lt"/>
-              </a:rPr>
-              <a:t>Multiple Data Services Involved</a:t>
-            </a:r>
-          </a:p>
-          <a:p>
-            <a:pPr marL="800100" lvl="1" indent="-342900">
-              <a:spcBef>
-                <a:spcPct val="20000"/>
-              </a:spcBef>
-              <a:buClr>
-                <a:srgbClr val="00AAF6"/>
-              </a:buClr>
-              <a:buFontTx/>
-              <a:buChar char="•"/>
-              <a:defRPr/>
-            </a:pPr>
-            <a:r>
-              <a:rPr lang="en-US" sz="2000" kern="0" dirty="0" smtClean="0"/>
-              <a:t>Basic distributed joins and aggregations</a:t>
-            </a:r>
-            <a:endParaRPr lang="en-US" sz="2000" b="1" kern="0" dirty="0" smtClean="0">
-              <a:latin typeface="+mn-lt"/>
-            </a:endParaRPr>
-          </a:p>
-          <a:p>
-            <a:pPr marL="800100" lvl="1" indent="-342900">
-              <a:spcBef>
-                <a:spcPct val="20000"/>
-              </a:spcBef>
-              <a:buClr>
-                <a:srgbClr val="00AAF6"/>
-              </a:buClr>
-              <a:buFontTx/>
-              <a:buChar char="•"/>
-              <a:defRPr/>
-            </a:pPr>
-            <a:r>
-              <a:rPr lang="en-US" sz="2000" kern="0" dirty="0" smtClean="0">
-                <a:latin typeface="+mn-lt"/>
-              </a:rPr>
-              <a:t>All data services use the same language (CQL), so federation using multiple data services is possible</a:t>
-            </a:r>
-          </a:p>
-          <a:p>
-            <a:pPr marL="1257300" lvl="2" indent="-342900">
-              <a:spcBef>
-                <a:spcPct val="20000"/>
-              </a:spcBef>
-              <a:buClr>
-                <a:srgbClr val="00AAF6"/>
-              </a:buClr>
-              <a:buFontTx/>
-              <a:buChar char="•"/>
-              <a:defRPr/>
-            </a:pPr>
-            <a:r>
-              <a:rPr lang="en-US" i="1" kern="0" dirty="0" smtClean="0">
-                <a:latin typeface="+mn-lt"/>
-              </a:rPr>
-              <a:t>Any</a:t>
-            </a:r>
-            <a:r>
-              <a:rPr lang="en-US" kern="0" dirty="0" smtClean="0">
-                <a:latin typeface="+mn-lt"/>
-              </a:rPr>
-              <a:t> combination of data services may be used</a:t>
-            </a:r>
-          </a:p>
-          <a:p>
-            <a:pPr marL="1257300" lvl="2" indent="-342900">
-              <a:spcBef>
-                <a:spcPct val="20000"/>
-              </a:spcBef>
-              <a:buClr>
-                <a:srgbClr val="00AAF6"/>
-              </a:buClr>
-              <a:buFontTx/>
-              <a:buChar char="•"/>
-              <a:defRPr/>
-            </a:pPr>
-            <a:r>
-              <a:rPr lang="en-US" kern="0" dirty="0" smtClean="0">
-                <a:latin typeface="+mn-lt"/>
-              </a:rPr>
-              <a:t>Arbitrary cross-model joins</a:t>
-            </a:r>
-          </a:p>
-          <a:p>
-            <a:pPr marL="342900" indent="-342900">
-              <a:spcBef>
-                <a:spcPct val="20000"/>
-              </a:spcBef>
-              <a:buClr>
-                <a:srgbClr val="00AAF6"/>
-              </a:buClr>
-              <a:buFontTx/>
-              <a:buChar char="•"/>
-              <a:defRPr/>
-            </a:pPr>
-            <a:r>
-              <a:rPr lang="en-US" sz="2000" b="1" i="1" kern="0" dirty="0" smtClean="0">
-                <a:latin typeface="+mn-lt"/>
-              </a:rPr>
-              <a:t>D</a:t>
-            </a:r>
-            <a:r>
-              <a:rPr lang="en-US" sz="2000" b="1" kern="0" dirty="0" smtClean="0">
-                <a:latin typeface="+mn-lt"/>
-              </a:rPr>
-              <a:t>CQL extends from CQL</a:t>
-            </a:r>
-          </a:p>
-          <a:p>
-            <a:pPr marL="800100" lvl="1" indent="-342900">
-              <a:spcBef>
-                <a:spcPct val="20000"/>
-              </a:spcBef>
-              <a:buClr>
-                <a:srgbClr val="00AAF6"/>
-              </a:buClr>
-              <a:buFontTx/>
-              <a:buChar char="•"/>
-              <a:defRPr/>
-            </a:pPr>
-            <a:r>
-              <a:rPr lang="en-US" sz="2000" kern="0" dirty="0" smtClean="0">
-                <a:latin typeface="+mn-lt"/>
-              </a:rPr>
-              <a:t>Distributed version of CQL</a:t>
-            </a:r>
-          </a:p>
-          <a:p>
-            <a:pPr marL="800100" lvl="1" indent="-342900">
-              <a:spcBef>
-                <a:spcPct val="20000"/>
-              </a:spcBef>
-              <a:buClr>
-                <a:srgbClr val="00AAF6"/>
-              </a:buClr>
-              <a:buFontTx/>
-              <a:buChar char="•"/>
-              <a:defRPr/>
-            </a:pPr>
-            <a:r>
-              <a:rPr lang="en-US" sz="2000" kern="0" dirty="0" smtClean="0">
-                <a:latin typeface="+mn-lt"/>
-              </a:rPr>
-              <a:t>Expresses joins, foreign data services, and target services</a:t>
-            </a:r>
-          </a:p>
-          <a:p>
-            <a:pPr marL="342900" indent="-342900">
-              <a:spcBef>
-                <a:spcPct val="20000"/>
-              </a:spcBef>
-              <a:buClr>
-                <a:srgbClr val="00AAF6"/>
-              </a:buClr>
-              <a:buFontTx/>
-              <a:buChar char="•"/>
-              <a:defRPr/>
-            </a:pPr>
-            <a:r>
-              <a:rPr lang="en-US" sz="2000" b="1" kern="0" dirty="0" err="1" smtClean="0">
-                <a:latin typeface="+mn-lt"/>
-              </a:rPr>
-              <a:t>Stateful</a:t>
-            </a:r>
-            <a:r>
-              <a:rPr lang="en-US" sz="2000" b="1" kern="0" dirty="0" smtClean="0">
-                <a:latin typeface="+mn-lt"/>
-              </a:rPr>
-              <a:t> Grid Service or Local API</a:t>
-            </a:r>
-          </a:p>
-          <a:p>
-            <a:pPr marL="800100" lvl="1" indent="-342900">
-              <a:spcBef>
-                <a:spcPct val="20000"/>
-              </a:spcBef>
-              <a:buClr>
-                <a:srgbClr val="00AAF6"/>
-              </a:buClr>
-              <a:buFontTx/>
-              <a:buChar char="•"/>
-              <a:defRPr/>
-            </a:pPr>
-            <a:r>
-              <a:rPr lang="en-US" sz="2000" kern="0" dirty="0" smtClean="0">
-                <a:latin typeface="+mn-lt"/>
-              </a:rPr>
-              <a:t>Queries may be issued to an FQP grid service and processed asynchronously for later results retrieval</a:t>
-            </a:r>
-          </a:p>
-          <a:p>
-            <a:pPr marL="800100" lvl="1" indent="-342900">
-              <a:spcBef>
-                <a:spcPct val="20000"/>
-              </a:spcBef>
-              <a:buClr>
-                <a:srgbClr val="00AAF6"/>
-              </a:buClr>
-              <a:buFontTx/>
-              <a:buChar char="•"/>
-              <a:defRPr/>
-            </a:pPr>
-            <a:r>
-              <a:rPr lang="en-US" sz="2000" kern="0" dirty="0" smtClean="0">
-                <a:latin typeface="+mn-lt"/>
-              </a:rPr>
-              <a:t>FQP engine may be used within an application directly</a:t>
-            </a:r>
-          </a:p>
-        </p:txBody>
-      </p:sp>
     </p:spTree>
   </p:cSld>
   <p:clrMapOvr>
@@ -13753,7 +13848,7 @@
           <a:p>
             <a:r>
               <a:rPr lang="en-US" dirty="0" smtClean="0"/>
-              <a:t>Federated Query Service</a:t>
+              <a:t>Federated Queries</a:t>
             </a:r>
             <a:endParaRPr lang="en-US" dirty="0"/>
           </a:p>
@@ -13792,6 +13887,116 @@
           </a:bodyPr>
           <a:lstStyle/>
           <a:p>
+            <a:pPr marL="342900" marR="0" lvl="0" indent="-342900" algn="l" defTabSz="914400" rtl="0" eaLnBrk="1" fontAlgn="base" latinLnBrk="0" hangingPunct="1">
+              <a:lnSpc>
+                <a:spcPct val="100000"/>
+              </a:lnSpc>
+              <a:spcBef>
+                <a:spcPct val="20000"/>
+              </a:spcBef>
+              <a:spcAft>
+                <a:spcPct val="0"/>
+              </a:spcAft>
+              <a:buClr>
+                <a:srgbClr val="00AAF6"/>
+              </a:buClr>
+              <a:buSzTx/>
+              <a:buFontTx/>
+              <a:buChar char="•"/>
+              <a:tabLst/>
+              <a:defRPr/>
+            </a:pPr>
+            <a:r>
+              <a:rPr lang="en-US" sz="2000" b="1" kern="0" dirty="0" smtClean="0">
+                <a:latin typeface="+mn-lt"/>
+              </a:rPr>
+              <a:t>Multiple Data Services Involved</a:t>
+            </a:r>
+          </a:p>
+          <a:p>
+            <a:pPr marL="800100" lvl="1" indent="-342900">
+              <a:spcBef>
+                <a:spcPct val="20000"/>
+              </a:spcBef>
+              <a:buClr>
+                <a:srgbClr val="00AAF6"/>
+              </a:buClr>
+              <a:buFontTx/>
+              <a:buChar char="•"/>
+              <a:defRPr/>
+            </a:pPr>
+            <a:r>
+              <a:rPr lang="en-US" sz="2000" kern="0" dirty="0" smtClean="0"/>
+              <a:t>Basic distributed joins and aggregations</a:t>
+            </a:r>
+            <a:endParaRPr lang="en-US" sz="2000" b="1" kern="0" dirty="0" smtClean="0">
+              <a:latin typeface="+mn-lt"/>
+            </a:endParaRPr>
+          </a:p>
+          <a:p>
+            <a:pPr marL="800100" lvl="1" indent="-342900">
+              <a:spcBef>
+                <a:spcPct val="20000"/>
+              </a:spcBef>
+              <a:buClr>
+                <a:srgbClr val="00AAF6"/>
+              </a:buClr>
+              <a:buFontTx/>
+              <a:buChar char="•"/>
+              <a:defRPr/>
+            </a:pPr>
+            <a:r>
+              <a:rPr lang="en-US" sz="2000" kern="0" dirty="0" smtClean="0">
+                <a:latin typeface="+mn-lt"/>
+              </a:rPr>
+              <a:t>All data services use the same language (CQL), so federation using multiple data services is possible</a:t>
+            </a:r>
+          </a:p>
+          <a:p>
+            <a:pPr marL="1257300" lvl="2" indent="-342900">
+              <a:spcBef>
+                <a:spcPct val="20000"/>
+              </a:spcBef>
+              <a:buClr>
+                <a:srgbClr val="00AAF6"/>
+              </a:buClr>
+              <a:buFontTx/>
+              <a:buChar char="•"/>
+              <a:defRPr/>
+            </a:pPr>
+            <a:r>
+              <a:rPr lang="en-US" i="1" kern="0" dirty="0" smtClean="0">
+                <a:latin typeface="+mn-lt"/>
+              </a:rPr>
+              <a:t>Any</a:t>
+            </a:r>
+            <a:r>
+              <a:rPr lang="en-US" kern="0" dirty="0" smtClean="0">
+                <a:latin typeface="+mn-lt"/>
+              </a:rPr>
+              <a:t> combination of data services may be used</a:t>
+            </a:r>
+          </a:p>
+          <a:p>
+            <a:pPr marL="1257300" lvl="2" indent="-342900">
+              <a:spcBef>
+                <a:spcPct val="20000"/>
+              </a:spcBef>
+              <a:buClr>
+                <a:srgbClr val="00AAF6"/>
+              </a:buClr>
+              <a:buFontTx/>
+              <a:buChar char="•"/>
+              <a:defRPr/>
+            </a:pPr>
+            <a:r>
+              <a:rPr lang="en-US" kern="0" dirty="0" smtClean="0">
+                <a:latin typeface="+mn-lt"/>
+              </a:rPr>
+              <a:t>Arbitrary cross-model joins</a:t>
+            </a:r>
+          </a:p>
+          <a:p>
             <a:pPr marL="342900" indent="-342900">
               <a:spcBef>
                 <a:spcPct val="20000"/>
@@ -13804,8 +14009,16 @@
               <a:defRPr/>
             </a:pPr>
             <a:r>
-              <a:rPr lang="en-US" sz="2000" b="1" kern="0" dirty="0" smtClean="0"/>
-              <a:t>Asynchronous query execution</a:t>
+              <a:rPr lang="en-US" sz="2000" b="1" i="1" kern="0" dirty="0" smtClean="0">
+                <a:latin typeface="+mn-lt"/>
+              </a:rPr>
+              <a:t>D</a:t>
+            </a:r>
+            <a:r>
+              <a:rPr lang="en-US" sz="2000" b="1" kern="0" dirty="0" smtClean="0">
+                <a:latin typeface="+mn-lt"/>
+              </a:rPr>
+              <a:t>CQL extends from CQL</a:t>
             </a:r>
           </a:p>
           <a:p>
@@ -13821,8 +14034,10 @@
               <a:defRPr/>
             </a:pPr>
             <a:r>
-              <a:rPr lang="en-US" sz="2000" kern="0" dirty="0" smtClean="0"/>
-              <a:t>Start a DCQL query and immediately return the results context</a:t>
+              <a:rPr lang="en-US" sz="2000" kern="0" dirty="0" smtClean="0">
+                <a:latin typeface="+mn-lt"/>
+              </a:rPr>
+              <a:t>Distributed version of CQL</a:t>
             </a:r>
           </a:p>
           <a:p>
@@ -13838,8 +14053,221 @@
               <a:defRPr/>
             </a:pPr>
             <a:r>
+              <a:rPr lang="en-US" sz="2000" kern="0" dirty="0" smtClean="0">
+                <a:latin typeface="+mn-lt"/>
+              </a:rPr>
+              <a:t>Expresses joins, foreign data services, and target services</a:t>
+            </a:r>
+          </a:p>
+          <a:p>
+            <a:pPr marL="342900" indent="-342900">
+              <a:spcBef>
+                <a:spcPct val="20000"/>
+              </a:spcBef>
+              <a:buClr>
+                <a:srgbClr val="00AAF6"/>
+              </a:buClr>
+              <a:buFontTx/>
+              <a:buChar char="•"/>
+              <a:defRPr/>
+            </a:pPr>
+            <a:r>
+              <a:rPr lang="en-US" sz="2000" b="1" kern="0" dirty="0" err="1" smtClean="0">
+                <a:latin typeface="+mn-lt"/>
+              </a:rPr>
+              <a:t>Stateful</a:t>
+            </a:r>
+            <a:r>
+              <a:rPr lang="en-US" sz="2000" b="1" kern="0" dirty="0" smtClean="0">
+                <a:latin typeface="+mn-lt"/>
+              </a:rPr>
+              <a:t> Grid Service or Local API</a:t>
+            </a:r>
+          </a:p>
+          <a:p>
+            <a:pPr marL="800100" lvl="1" indent="-342900">
+              <a:spcBef>
+                <a:spcPct val="20000"/>
+              </a:spcBef>
+              <a:buClr>
+                <a:srgbClr val="00AAF6"/>
+              </a:buClr>
+              <a:buFontTx/>
+              <a:buChar char="•"/>
+              <a:defRPr/>
+            </a:pPr>
+            <a:r>
+              <a:rPr lang="en-US" sz="2000" kern="0" dirty="0" smtClean="0">
+                <a:latin typeface="+mn-lt"/>
+              </a:rPr>
+              <a:t>Queries may be issued to an FQP grid service and processed asynchronously for later results retrieval</a:t>
+            </a:r>
+          </a:p>
+          <a:p>
+            <a:pPr marL="800100" lvl="1" indent="-342900">
+              <a:spcBef>
+                <a:spcPct val="20000"/>
+              </a:spcBef>
+              <a:buClr>
+                <a:srgbClr val="00AAF6"/>
+              </a:buClr>
+              <a:buFontTx/>
+              <a:buChar char="•"/>
+              <a:defRPr/>
+            </a:pPr>
+            <a:r>
+              <a:rPr lang="en-US" sz="2000" kern="0" dirty="0" smtClean="0">
+                <a:latin typeface="+mn-lt"/>
+              </a:rPr>
+              <a:t>FQP engine may be used within an application directly</a:t>
+            </a:r>
+          </a:p>
+        </p:txBody>
+      </p:sp>
+    </p:spTree>
+  </p:cSld>
+  <p:clrMapOvr>
+    <a:masterClrMapping/>
+  </p:clrMapOvr>
+</p:sld>
+</file>
+
+<file path=ppt/slides/slide39.xml><?xml version="1.0" encoding="utf-8"?>
+<p:sld xmlns:a="http://schemas.openxmlformats.org/drawingml/2006/main" xmlns:r="http://schemas.openxmlformats.org/officeDocument/2006/relationships" xmlns:p="http://schemas.openxmlformats.org/presentationml/2006/main">
+  <p:cSld>
+    <p:spTree>
+      <p:nvGrpSpPr>
+        <p:cNvPr id="1" name=""/>
+        <p:cNvGrpSpPr/>
+        <p:nvPr/>
+      </p:nvGrpSpPr>
+      <p:grpSpPr>
+        <a:xfrm>
+          <a:off x="0" y="0"/>
+          <a:ext cx="0" cy="0"/>
+          <a:chOff x="0" y="0"/>
+          <a:chExt cx="0" cy="0"/>
+        </a:xfrm>
+      </p:grpSpPr>
+      <p:sp>
+        <p:nvSpPr>
+          <p:cNvPr id="2" name="Title 1"/>
+          <p:cNvSpPr>
+            <a:spLocks noGrp="1"/>
+          </p:cNvSpPr>
+          <p:nvPr>
+            <p:ph type="title"/>
+          </p:nvPr>
+        </p:nvSpPr>
+        <p:spPr/>
+        <p:txBody>
+          <a:bodyPr/>
+          <a:lstStyle/>
+          <a:p>
+            <a:r>
+              <a:rPr lang="en-US" dirty="0" smtClean="0"/>
+              <a:t>Federated Queries</a:t>
+            </a:r>
+            <a:endParaRPr lang="en-US" dirty="0"/>
+          </a:p>
+        </p:txBody>
+      </p:sp>
+      <p:sp>
+        <p:nvSpPr>
+          <p:cNvPr id="5" name="Content Placeholder 2"/>
+          <p:cNvSpPr txBox="1">
+            <a:spLocks/>
+          </p:cNvSpPr>
+          <p:nvPr/>
+        </p:nvSpPr>
+        <p:spPr bwMode="auto">
+          <a:xfrm>
+            <a:off x="304800" y="1371600"/>
+            <a:ext cx="8458200" cy="4953000"/>
+          </a:xfrm>
+          <a:prstGeom prst="rect">
+            <a:avLst/>
+          </a:prstGeom>
+          <a:noFill/>
+          <a:ln w="9525">
+            <a:noFill/>
+            <a:miter lim="800000"/>
+            <a:headEnd/>
+            <a:tailEnd/>
+          </a:ln>
+          <a:effectLst/>
+        </p:spPr>
+        <p:txBody>
+          <a:bodyPr vert="horz" wrap="square" lIns="91440" tIns="45720" rIns="91440" bIns="45720" numCol="1" anchor="t" anchorCtr="0" compatLnSpc="1">
+            <a:prstTxWarp prst="textNoShape">
+              <a:avLst/>
+            </a:prstTxWarp>
+          </a:bodyPr>
+          <a:lstStyle/>
+          <a:p>
+            <a:pPr marL="342900" marR="0" lvl="0" indent="-342900" algn="l" defTabSz="914400" rtl="0" eaLnBrk="1" fontAlgn="base" latinLnBrk="0" hangingPunct="1">
+              <a:lnSpc>
+                <a:spcPct val="100000"/>
+              </a:lnSpc>
+              <a:spcBef>
+                <a:spcPct val="20000"/>
+              </a:spcBef>
+              <a:spcAft>
+                <a:spcPct val="0"/>
+              </a:spcAft>
+              <a:buClr>
+                <a:srgbClr val="00AAF6"/>
+              </a:buClr>
+              <a:buSzTx/>
+              <a:buFontTx/>
+              <a:buChar char="•"/>
+              <a:tabLst/>
+              <a:defRPr/>
+            </a:pPr>
+            <a:r>
+              <a:rPr lang="en-US" sz="2000" b="1" kern="0" dirty="0" smtClean="0">
+                <a:latin typeface="+mn-lt"/>
+              </a:rPr>
+              <a:t>Multiple Data Services Involved</a:t>
+            </a:r>
+          </a:p>
+          <a:p>
+            <a:pPr marL="800100" lvl="1" indent="-342900">
+              <a:spcBef>
+                <a:spcPct val="20000"/>
+              </a:spcBef>
+              <a:buClr>
+                <a:srgbClr val="00AAF6"/>
+              </a:buClr>
+              <a:buFontTx/>
+              <a:buChar char="•"/>
+              <a:defRPr/>
+            </a:pPr>
+            <a:r>
               <a:rPr lang="en-US" sz="2000" kern="0" dirty="0" smtClean="0"/>
-              <a:t>WS-Notification allows client to subscribe to status</a:t>
+              <a:t>Basic distributed joins and aggregations</a:t>
+            </a:r>
+            <a:endParaRPr lang="en-US" sz="2000" b="1" kern="0" dirty="0" smtClean="0">
+              <a:latin typeface="+mn-lt"/>
+            </a:endParaRPr>
+          </a:p>
+          <a:p>
+            <a:pPr marL="800100" lvl="1" indent="-342900">
+              <a:spcBef>
+                <a:spcPct val="20000"/>
+              </a:spcBef>
+              <a:buClr>
+                <a:srgbClr val="00AAF6"/>
+              </a:buClr>
+              <a:buFontTx/>
+              <a:buChar char="•"/>
+              <a:defRPr/>
+            </a:pPr>
+            <a:r>
+              <a:rPr lang="en-US" sz="2000" kern="0" dirty="0" smtClean="0">
+                <a:latin typeface="+mn-lt"/>
+              </a:rPr>
+              <a:t>All data services use the same language (CQL), so federation using multiple data services is possible</a:t>
             </a:r>
           </a:p>
           <a:p>
@@ -13855,8 +14283,35 @@
               <a:defRPr/>
             </a:pPr>
             <a:r>
-              <a:rPr lang="en-US" kern="0" dirty="0" smtClean="0"/>
-              <a:t>Processing complete, exception, querying target data service, etc.</a:t>
+              <a:rPr lang="en-US" i="1" kern="0" dirty="0" smtClean="0">
+                <a:latin typeface="+mn-lt"/>
+              </a:rPr>
+              <a:t>Any</a:t>
+            </a:r>
+            <a:r>
+              <a:rPr lang="en-US" kern="0" dirty="0" smtClean="0">
+                <a:latin typeface="+mn-lt"/>
+              </a:rPr>
+              <a:t> combination of data services may be used</a:t>
+            </a:r>
+          </a:p>
+          <a:p>
+            <a:pPr marL="1257300" lvl="2" indent="-342900">
+              <a:spcBef>
+                <a:spcPct val="20000"/>
+              </a:spcBef>
+              <a:buClr>
+                <a:srgbClr val="00AAF6"/>
+              </a:buClr>
+              <a:buFontTx/>
+              <a:buChar char="•"/>
+              <a:defRPr/>
+            </a:pPr>
+            <a:r>
+              <a:rPr lang="en-US" kern="0" dirty="0" smtClean="0">
+                <a:latin typeface="+mn-lt"/>
+              </a:rPr>
+              <a:t>Arbitrary cross-model joins</a:t>
             </a:r>
           </a:p>
           <a:p>
@@ -13872,8 +14327,16 @@
               <a:defRPr/>
             </a:pPr>
             <a:r>
-              <a:rPr lang="en-US" sz="2000" b="1" kern="0" dirty="0" smtClean="0"/>
-              <a:t>Credential Delegation</a:t>
+              <a:rPr lang="en-US" sz="2000" b="1" i="1" kern="0" dirty="0" smtClean="0">
+                <a:latin typeface="+mn-lt"/>
+              </a:rPr>
+              <a:t>D</a:t>
+            </a:r>
+            <a:r>
+              <a:rPr lang="en-US" sz="2000" b="1" kern="0" dirty="0" smtClean="0">
+                <a:latin typeface="+mn-lt"/>
+              </a:rPr>
+              <a:t>CQL extends from CQL</a:t>
             </a:r>
           </a:p>
           <a:p>
@@ -13889,8 +14352,10 @@
               <a:defRPr/>
             </a:pPr>
             <a:r>
-              <a:rPr lang="en-US" sz="2000" kern="0" dirty="0" smtClean="0"/>
-              <a:t>FQP service may perform queries on behalf of a client</a:t>
+              <a:rPr lang="en-US" sz="2000" kern="0" dirty="0" smtClean="0">
+                <a:latin typeface="+mn-lt"/>
+              </a:rPr>
+              <a:t>Distributed version of CQL</a:t>
             </a:r>
           </a:p>
           <a:p>
@@ -13906,32 +14371,10 @@
               <a:defRPr/>
             </a:pPr>
             <a:r>
-              <a:rPr lang="en-US" sz="2000" kern="0" dirty="0" smtClean="0"/>
-              <a:t>Leverages </a:t>
-            </a:r>
-            <a:r>
-              <a:rPr lang="en-US" sz="2000" b="1" kern="0" dirty="0" smtClean="0"/>
-              <a:t>C</a:t>
-            </a:r>
-            <a:r>
-              <a:rPr lang="en-US" sz="2000" kern="0" dirty="0" smtClean="0"/>
-              <a:t>redential </a:t>
-            </a:r>
-            <a:r>
-              <a:rPr lang="en-US" sz="2000" b="1" kern="0" dirty="0" smtClean="0"/>
-              <a:t>D</a:t>
-            </a:r>
-            <a:r>
-              <a:rPr lang="en-US" sz="2000" kern="0" dirty="0" smtClean="0"/>
-              <a:t>elegation </a:t>
-            </a:r>
-            <a:r>
-              <a:rPr lang="en-US" sz="2000" b="1" kern="0" dirty="0" smtClean="0"/>
-              <a:t>S</a:t>
-            </a:r>
-            <a:r>
-              <a:rPr lang="en-US" sz="2000" kern="0" dirty="0" smtClean="0"/>
-              <a:t>ervice (CDS)</a:t>
+              <a:rPr lang="en-US" sz="2000" kern="0" dirty="0" smtClean="0">
+                <a:latin typeface="+mn-lt"/>
+              </a:rPr>
+              <a:t>Expresses joins, foreign data services, and target services</a:t>
             </a:r>
           </a:p>
           <a:p>
@@ -13947,8 +14390,16 @@
               <a:defRPr/>
             </a:pPr>
             <a:r>
-              <a:rPr lang="en-US" sz="2000" b="1" kern="0" dirty="0" smtClean="0"/>
-              <a:t>Large results retrieval</a:t>
+              <a:rPr lang="en-US" sz="2000" b="1" kern="0" dirty="0" err="1" smtClean="0">
+                <a:latin typeface="+mn-lt"/>
+              </a:rPr>
+              <a:t>Stateful</a:t>
+            </a:r>
+            <a:r>
+              <a:rPr lang="en-US" sz="2000" b="1" kern="0" dirty="0" smtClean="0">
+                <a:latin typeface="+mn-lt"/>
+              </a:rPr>
+              <a:t> Grid Service or Local API</a:t>
             </a:r>
           </a:p>
           <a:p>
@@ -13964,10 +14415,261 @@
               <a:defRPr/>
             </a:pPr>
             <a:r>
-              <a:rPr lang="en-US" sz="2000" kern="0" dirty="0" smtClean="0"/>
-              <a:t>WS-Enumeration and caGrid Transfer</a:t>
-            </a:r>
-          </a:p>
+              <a:rPr lang="en-US" sz="2000" kern="0" dirty="0" smtClean="0">
+                <a:latin typeface="+mn-lt"/>
+              </a:rPr>
+              <a:t>Queries may be issued to an FQP grid service and processed asynchronously for later results retrieval</a:t>
+            </a:r>
+          </a:p>
+          <a:p>
+            <a:pPr marL="800100" lvl="1" indent="-342900">
+              <a:spcBef>
+                <a:spcPct val="20000"/>
+              </a:spcBef>
+              <a:buClr>
+                <a:srgbClr val="00AAF6"/>
+              </a:buClr>
+              <a:buFontTx/>
+              <a:buChar char="•"/>
+              <a:defRPr/>
+            </a:pPr>
+            <a:r>
+              <a:rPr lang="en-US" sz="2000" kern="0" dirty="0" smtClean="0">
+                <a:latin typeface="+mn-lt"/>
+              </a:rPr>
+              <a:t>FQP engine may be used within an application directly</a:t>
+            </a:r>
+          </a:p>
+        </p:txBody>
+      </p:sp>
+    </p:spTree>
+  </p:cSld>
+  <p:clrMapOvr>
+    <a:masterClrMapping/>
+  </p:clrMapOvr>
+</p:sld>
+</file>
+
+<file path=ppt/slides/slide4.xml><?xml version="1.0" encoding="utf-8"?>
+<p:sld xmlns:a="http://schemas.openxmlformats.org/drawingml/2006/main" xmlns:r="http://schemas.openxmlformats.org/officeDocument/2006/relationships" xmlns:p="http://schemas.openxmlformats.org/presentationml/2006/main">
+  <p:cSld>
+    <p:spTree>
+      <p:nvGrpSpPr>
+        <p:cNvPr id="1" name=""/>
+        <p:cNvGrpSpPr/>
+        <p:nvPr/>
+      </p:nvGrpSpPr>
+      <p:grpSpPr>
+        <a:xfrm>
+          <a:off x="0" y="0"/>
+          <a:ext cx="0" cy="0"/>
+          <a:chOff x="0" y="0"/>
+          <a:chExt cx="0" cy="0"/>
+        </a:xfrm>
+      </p:grpSpPr>
+      <p:sp>
+        <p:nvSpPr>
+          <p:cNvPr id="2" name="Title 1"/>
+          <p:cNvSpPr>
+            <a:spLocks noGrp="1"/>
+          </p:cNvSpPr>
+          <p:nvPr>
+            <p:ph type="title"/>
+          </p:nvPr>
+        </p:nvSpPr>
+        <p:spPr/>
+        <p:txBody>
+          <a:bodyPr/>
+          <a:lstStyle/>
+          <a:p>
+            <a:r>
+              <a:rPr lang="en-US" dirty="0" smtClean="0"/>
+              <a:t>Data Services Architecture</a:t>
+            </a:r>
+            <a:endParaRPr lang="en-US" dirty="0"/>
+          </a:p>
+        </p:txBody>
+      </p:sp>
+      <p:sp>
+        <p:nvSpPr>
+          <p:cNvPr id="3" name="Content Placeholder 2"/>
+          <p:cNvSpPr>
+            <a:spLocks noGrp="1"/>
+          </p:cNvSpPr>
+          <p:nvPr>
+            <p:ph idx="1"/>
+          </p:nvPr>
+        </p:nvSpPr>
+        <p:spPr/>
+        <p:txBody>
+          <a:bodyPr/>
+          <a:lstStyle/>
+          <a:p>
+            <a:r>
+              <a:rPr lang="en-US" sz="2000" dirty="0" err="1" smtClean="0"/>
+              <a:t>BaseServiceImpl</a:t>
+            </a:r>
+            <a:endParaRPr lang="en-US" sz="2000" dirty="0" smtClean="0"/>
+          </a:p>
+          <a:p>
+            <a:pPr lvl="1"/>
+            <a:r>
+              <a:rPr lang="en-US" sz="2000" dirty="0" smtClean="0"/>
+              <a:t>Abstract base class which is extended by specific data service implementations</a:t>
+            </a:r>
+          </a:p>
+          <a:p>
+            <a:pPr lvl="2"/>
+            <a:r>
+              <a:rPr lang="en-US" sz="1800" dirty="0" smtClean="0"/>
+              <a:t>Standard, WS-Enumeration, and caGrid Transfer</a:t>
+            </a:r>
+            <a:endParaRPr lang="en-US" sz="2400" dirty="0" smtClean="0"/>
+          </a:p>
+          <a:p>
+            <a:pPr lvl="1"/>
+            <a:r>
+              <a:rPr lang="en-US" sz="2000" dirty="0" smtClean="0"/>
+              <a:t>Common functionality and query processing workflow</a:t>
+            </a:r>
+          </a:p>
+          <a:p>
+            <a:pPr lvl="2"/>
+            <a:r>
+              <a:rPr lang="en-US" sz="1800" dirty="0" smtClean="0"/>
+              <a:t>Creates and configures the CQL query processor instance</a:t>
+            </a:r>
+          </a:p>
+          <a:p>
+            <a:pPr lvl="2"/>
+            <a:r>
+              <a:rPr lang="en-US" sz="1800" dirty="0" smtClean="0"/>
+              <a:t>Handles query auditing</a:t>
+            </a:r>
+          </a:p>
+          <a:p>
+            <a:pPr lvl="2"/>
+            <a:r>
+              <a:rPr lang="en-US" sz="1800" dirty="0" smtClean="0"/>
+              <a:t>Validates incoming queries</a:t>
+            </a:r>
+          </a:p>
+          <a:p>
+            <a:r>
+              <a:rPr lang="en-US" dirty="0" err="1" smtClean="0"/>
+              <a:t>DataServiceImpl</a:t>
+            </a:r>
+            <a:endParaRPr lang="en-US" dirty="0" smtClean="0"/>
+          </a:p>
+          <a:p>
+            <a:pPr lvl="1"/>
+            <a:r>
+              <a:rPr lang="en-US" dirty="0" smtClean="0"/>
+              <a:t>Standard implementation of data service extends from </a:t>
+            </a:r>
+            <a:r>
+              <a:rPr lang="en-US" dirty="0" err="1" smtClean="0"/>
+              <a:t>BaseServiceImpl</a:t>
+            </a:r>
+            <a:endParaRPr lang="en-US" dirty="0" smtClean="0"/>
+          </a:p>
+          <a:p>
+            <a:pPr lvl="1"/>
+            <a:r>
+              <a:rPr lang="en-US" dirty="0" smtClean="0"/>
+              <a:t>Passes CQL to Query Processor</a:t>
+            </a:r>
+          </a:p>
+          <a:p>
+            <a:pPr lvl="1"/>
+            <a:r>
+              <a:rPr lang="en-US" dirty="0" smtClean="0"/>
+              <a:t>Returns results directly to client (via grid interface)</a:t>
+            </a:r>
+            <a:endParaRPr lang="en-US" dirty="0"/>
+          </a:p>
+        </p:txBody>
+      </p:sp>
+    </p:spTree>
+  </p:cSld>
+  <p:clrMapOvr>
+    <a:masterClrMapping/>
+  </p:clrMapOvr>
+</p:sld>
+</file>
+
+<file path=ppt/slides/slide40.xml><?xml version="1.0" encoding="utf-8"?>
+<p:sld xmlns:a="http://schemas.openxmlformats.org/drawingml/2006/main" xmlns:r="http://schemas.openxmlformats.org/officeDocument/2006/relationships" xmlns:p="http://schemas.openxmlformats.org/presentationml/2006/main">
+  <p:cSld>
+    <p:spTree>
+      <p:nvGrpSpPr>
+        <p:cNvPr id="1" name=""/>
+        <p:cNvGrpSpPr/>
+        <p:nvPr/>
+      </p:nvGrpSpPr>
+      <p:grpSpPr>
+        <a:xfrm>
+          <a:off x="0" y="0"/>
+          <a:ext cx="0" cy="0"/>
+          <a:chOff x="0" y="0"/>
+          <a:chExt cx="0" cy="0"/>
+        </a:xfrm>
+      </p:grpSpPr>
+      <p:sp>
+        <p:nvSpPr>
+          <p:cNvPr id="2" name="Title 1"/>
+          <p:cNvSpPr>
+            <a:spLocks noGrp="1"/>
+          </p:cNvSpPr>
+          <p:nvPr>
+            <p:ph type="title"/>
+          </p:nvPr>
+        </p:nvSpPr>
+        <p:spPr/>
+        <p:txBody>
+          <a:bodyPr/>
+          <a:lstStyle/>
+          <a:p>
+            <a:r>
+              <a:rPr lang="en-US" dirty="0" smtClean="0"/>
+              <a:t>Federated Query Service</a:t>
+            </a:r>
+            <a:endParaRPr lang="en-US" dirty="0"/>
+          </a:p>
+        </p:txBody>
+      </p:sp>
+      <p:sp>
+        <p:nvSpPr>
+          <p:cNvPr id="5" name="Content Placeholder 2"/>
+          <p:cNvSpPr txBox="1">
+            <a:spLocks/>
+          </p:cNvSpPr>
+          <p:nvPr/>
+        </p:nvSpPr>
+        <p:spPr bwMode="auto">
+          <a:xfrm>
+            <a:off x="304800" y="1371600"/>
+            <a:ext cx="8458200" cy="4953000"/>
+          </a:xfrm>
+          <a:prstGeom prst="rect">
+            <a:avLst/>
+          </a:prstGeom>
+          <a:noFill/>
+          <a:ln w="9525">
+            <a:noFill/>
+            <a:miter lim="800000"/>
+            <a:headEnd/>
+            <a:tailEnd/>
+          </a:ln>
+          <a:effectLst/>
+        </p:spPr>
+        <p:txBody>
+          <a:bodyPr vert="horz" wrap="square" lIns="91440" tIns="45720" rIns="91440" bIns="45720" numCol="1" anchor="t" anchorCtr="0" compatLnSpc="1">
+            <a:prstTxWarp prst="textNoShape">
+              <a:avLst/>
+            </a:prstTxWarp>
+          </a:bodyPr>
+          <a:lstStyle/>
           <a:p>
             <a:pPr marL="342900" indent="-342900">
               <a:spcBef>
@@ -13981,10 +14683,8 @@
               <a:defRPr/>
             </a:pPr>
             <a:r>
-              <a:rPr lang="en-US" sz="2000" b="1" kern="0" dirty="0" smtClean="0">
-                <a:latin typeface="+mn-lt"/>
-              </a:rPr>
-              <a:t>Configurable Query Behavior</a:t>
+              <a:rPr lang="en-US" sz="2000" b="1" kern="0" dirty="0" smtClean="0"/>
+              <a:t>Asynchronous query execution</a:t>
             </a:r>
           </a:p>
           <a:p>
@@ -14000,6 +14700,185 @@
               <a:defRPr/>
             </a:pPr>
             <a:r>
+              <a:rPr lang="en-US" sz="2000" kern="0" dirty="0" smtClean="0"/>
+              <a:t>Start a DCQL query and immediately return the results context</a:t>
+            </a:r>
+          </a:p>
+          <a:p>
+            <a:pPr marL="800100" lvl="1" indent="-342900">
+              <a:spcBef>
+                <a:spcPct val="20000"/>
+              </a:spcBef>
+              <a:buClr>
+                <a:srgbClr val="00AAF6"/>
+              </a:buClr>
+              <a:buFontTx/>
+              <a:buChar char="•"/>
+              <a:defRPr/>
+            </a:pPr>
+            <a:r>
+              <a:rPr lang="en-US" sz="2000" kern="0" dirty="0" smtClean="0"/>
+              <a:t>WS-Notification allows client to subscribe to status</a:t>
+            </a:r>
+          </a:p>
+          <a:p>
+            <a:pPr marL="1257300" lvl="2" indent="-342900">
+              <a:spcBef>
+                <a:spcPct val="20000"/>
+              </a:spcBef>
+              <a:buClr>
+                <a:srgbClr val="00AAF6"/>
+              </a:buClr>
+              <a:buFontTx/>
+              <a:buChar char="•"/>
+              <a:defRPr/>
+            </a:pPr>
+            <a:r>
+              <a:rPr lang="en-US" kern="0" dirty="0" smtClean="0"/>
+              <a:t>Processing complete, exception, querying target data service, etc.</a:t>
+            </a:r>
+          </a:p>
+          <a:p>
+            <a:pPr marL="342900" indent="-342900">
+              <a:spcBef>
+                <a:spcPct val="20000"/>
+              </a:spcBef>
+              <a:buClr>
+                <a:srgbClr val="00AAF6"/>
+              </a:buClr>
+              <a:buFontTx/>
+              <a:buChar char="•"/>
+              <a:defRPr/>
+            </a:pPr>
+            <a:r>
+              <a:rPr lang="en-US" sz="2000" b="1" kern="0" dirty="0" smtClean="0"/>
+              <a:t>Credential Delegation</a:t>
+            </a:r>
+          </a:p>
+          <a:p>
+            <a:pPr marL="800100" lvl="1" indent="-342900">
+              <a:spcBef>
+                <a:spcPct val="20000"/>
+              </a:spcBef>
+              <a:buClr>
+                <a:srgbClr val="00AAF6"/>
+              </a:buClr>
+              <a:buFontTx/>
+              <a:buChar char="•"/>
+              <a:defRPr/>
+            </a:pPr>
+            <a:r>
+              <a:rPr lang="en-US" sz="2000" kern="0" dirty="0" smtClean="0"/>
+              <a:t>FQP service may perform queries on behalf of a client</a:t>
+            </a:r>
+          </a:p>
+          <a:p>
+            <a:pPr marL="800100" lvl="1" indent="-342900">
+              <a:spcBef>
+                <a:spcPct val="20000"/>
+              </a:spcBef>
+              <a:buClr>
+                <a:srgbClr val="00AAF6"/>
+              </a:buClr>
+              <a:buFontTx/>
+              <a:buChar char="•"/>
+              <a:defRPr/>
+            </a:pPr>
+            <a:r>
+              <a:rPr lang="en-US" sz="2000" kern="0" dirty="0" smtClean="0"/>
+              <a:t>Leverages </a:t>
+            </a:r>
+            <a:r>
+              <a:rPr lang="en-US" sz="2000" b="1" kern="0" dirty="0" smtClean="0"/>
+              <a:t>C</a:t>
+            </a:r>
+            <a:r>
+              <a:rPr lang="en-US" sz="2000" kern="0" dirty="0" smtClean="0"/>
+              <a:t>redential </a:t>
+            </a:r>
+            <a:r>
+              <a:rPr lang="en-US" sz="2000" b="1" kern="0" dirty="0" smtClean="0"/>
+              <a:t>D</a:t>
+            </a:r>
+            <a:r>
+              <a:rPr lang="en-US" sz="2000" kern="0" dirty="0" smtClean="0"/>
+              <a:t>elegation </a:t>
+            </a:r>
+            <a:r>
+              <a:rPr lang="en-US" sz="2000" b="1" kern="0" dirty="0" smtClean="0"/>
+              <a:t>S</a:t>
+            </a:r>
+            <a:r>
+              <a:rPr lang="en-US" sz="2000" kern="0" dirty="0" smtClean="0"/>
+              <a:t>ervice (CDS)</a:t>
+            </a:r>
+          </a:p>
+          <a:p>
+            <a:pPr marL="342900" indent="-342900">
+              <a:spcBef>
+                <a:spcPct val="20000"/>
+              </a:spcBef>
+              <a:buClr>
+                <a:srgbClr val="00AAF6"/>
+              </a:buClr>
+              <a:buFontTx/>
+              <a:buChar char="•"/>
+              <a:defRPr/>
+            </a:pPr>
+            <a:r>
+              <a:rPr lang="en-US" sz="2000" b="1" kern="0" dirty="0" smtClean="0"/>
+              <a:t>Large results retrieval</a:t>
+            </a:r>
+          </a:p>
+          <a:p>
+            <a:pPr marL="800100" lvl="1" indent="-342900">
+              <a:spcBef>
+                <a:spcPct val="20000"/>
+              </a:spcBef>
+              <a:buClr>
+                <a:srgbClr val="00AAF6"/>
+              </a:buClr>
+              <a:buFontTx/>
+              <a:buChar char="•"/>
+              <a:defRPr/>
+            </a:pPr>
+            <a:r>
+              <a:rPr lang="en-US" sz="2000" kern="0" dirty="0" smtClean="0"/>
+              <a:t>WS-Enumeration and caGrid Transfer</a:t>
+            </a:r>
+          </a:p>
+          <a:p>
+            <a:pPr marL="342900" indent="-342900">
+              <a:spcBef>
+                <a:spcPct val="20000"/>
+              </a:spcBef>
+              <a:buClr>
+                <a:srgbClr val="00AAF6"/>
+              </a:buClr>
+              <a:buFontTx/>
+              <a:buChar char="•"/>
+              <a:defRPr/>
+            </a:pPr>
+            <a:r>
+              <a:rPr lang="en-US" sz="2000" b="1" kern="0" dirty="0" smtClean="0">
+                <a:latin typeface="+mn-lt"/>
+              </a:rPr>
+              <a:t>Configurable Query Behavior</a:t>
+            </a:r>
+          </a:p>
+          <a:p>
+            <a:pPr marL="800100" lvl="1" indent="-342900">
+              <a:spcBef>
+                <a:spcPct val="20000"/>
+              </a:spcBef>
+              <a:buClr>
+                <a:srgbClr val="00AAF6"/>
+              </a:buClr>
+              <a:buFontTx/>
+              <a:buChar char="•"/>
+              <a:defRPr/>
+            </a:pPr>
+            <a:r>
               <a:rPr lang="en-US" sz="2000" kern="0" dirty="0" smtClean="0">
                 <a:latin typeface="+mn-lt"/>
               </a:rPr>
@@ -14016,7 +14895,7 @@
 </p:sld>
 </file>
 
-<file path=ppt/slides/slide39.xml><?xml version="1.0" encoding="utf-8"?>
+<file path=ppt/slides/slide41.xml><?xml version="1.0" encoding="utf-8"?>
 <p:sld xmlns:a="http://schemas.openxmlformats.org/drawingml/2006/main" xmlns:r="http://schemas.openxmlformats.org/officeDocument/2006/relationships" xmlns:p="http://schemas.openxmlformats.org/presentationml/2006/main">
   <p:cSld>
     <p:spTree>
@@ -14722,155 +15601,7 @@
 </p:sld>
 </file>
 
-<file path=ppt/slides/slide4.xml><?xml version="1.0" encoding="utf-8"?>
-<p:sld xmlns:a="http://schemas.openxmlformats.org/drawingml/2006/main" xmlns:r="http://schemas.openxmlformats.org/officeDocument/2006/relationships" xmlns:p="http://schemas.openxmlformats.org/presentationml/2006/main">
-  <p:cSld>
-    <p:spTree>
-      <p:nvGrpSpPr>
-        <p:cNvPr id="1" name=""/>
-        <p:cNvGrpSpPr/>
-        <p:nvPr/>
-      </p:nvGrpSpPr>
-      <p:grpSpPr>
-        <a:xfrm>
-          <a:off x="0" y="0"/>
-          <a:ext cx="0" cy="0"/>
-          <a:chOff x="0" y="0"/>
-          <a:chExt cx="0" cy="0"/>
-        </a:xfrm>
-      </p:grpSpPr>
-      <p:sp>
-        <p:nvSpPr>
-          <p:cNvPr id="2" name="Title 1"/>
-          <p:cNvSpPr>
-            <a:spLocks noGrp="1"/>
-          </p:cNvSpPr>
-          <p:nvPr>
-            <p:ph type="title"/>
-          </p:nvPr>
-        </p:nvSpPr>
-        <p:spPr/>
-        <p:txBody>
-          <a:bodyPr/>
-          <a:lstStyle/>
-          <a:p>
-            <a:r>
-              <a:rPr lang="en-US" dirty="0" smtClean="0"/>
-              <a:t>Data Services Architecture</a:t>
-            </a:r>
-            <a:endParaRPr lang="en-US" dirty="0"/>
-          </a:p>
-        </p:txBody>
-      </p:sp>
-      <p:sp>
-        <p:nvSpPr>
-          <p:cNvPr id="3" name="Content Placeholder 2"/>
-          <p:cNvSpPr>
-            <a:spLocks noGrp="1"/>
-          </p:cNvSpPr>
-          <p:nvPr>
-            <p:ph idx="1"/>
-          </p:nvPr>
-        </p:nvSpPr>
-        <p:spPr/>
-        <p:txBody>
-          <a:bodyPr/>
-          <a:lstStyle/>
-          <a:p>
-            <a:r>
-              <a:rPr lang="en-US" sz="2000" dirty="0" err="1" smtClean="0"/>
-              <a:t>BaseServiceImpl</a:t>
-            </a:r>
-            <a:endParaRPr lang="en-US" sz="2000" dirty="0" smtClean="0"/>
-          </a:p>
-          <a:p>
-            <a:pPr lvl="1"/>
-            <a:r>
-              <a:rPr lang="en-US" sz="2000" dirty="0" smtClean="0"/>
-              <a:t>Abstract base class which is extended by specific data service implementations</a:t>
-            </a:r>
-          </a:p>
-          <a:p>
-            <a:pPr lvl="2"/>
-            <a:r>
-              <a:rPr lang="en-US" sz="1800" dirty="0" smtClean="0"/>
-              <a:t>Standard, WS-Enumeration, and caGrid Transfer</a:t>
-            </a:r>
-            <a:endParaRPr lang="en-US" sz="2400" dirty="0" smtClean="0"/>
-          </a:p>
-          <a:p>
-            <a:pPr lvl="1"/>
-            <a:r>
-              <a:rPr lang="en-US" sz="2000" dirty="0" smtClean="0"/>
-              <a:t>Common functionality and query processing workflow</a:t>
-            </a:r>
-          </a:p>
-          <a:p>
-            <a:pPr lvl="2"/>
-            <a:r>
-              <a:rPr lang="en-US" sz="1800" dirty="0" smtClean="0"/>
-              <a:t>Creates and configures the CQL query processor instance</a:t>
-            </a:r>
-          </a:p>
-          <a:p>
-            <a:pPr lvl="2"/>
-            <a:r>
-              <a:rPr lang="en-US" sz="1800" dirty="0" smtClean="0"/>
-              <a:t>Handles query auditing</a:t>
-            </a:r>
-          </a:p>
-          <a:p>
-            <a:pPr lvl="2"/>
-            <a:r>
-              <a:rPr lang="en-US" sz="1800" dirty="0" smtClean="0"/>
-              <a:t>Validates incoming queries</a:t>
-            </a:r>
-          </a:p>
-          <a:p>
-            <a:r>
-              <a:rPr lang="en-US" dirty="0" err="1" smtClean="0"/>
-              <a:t>DataServiceImpl</a:t>
-            </a:r>
-            <a:endParaRPr lang="en-US" dirty="0" smtClean="0"/>
-          </a:p>
-          <a:p>
-            <a:pPr lvl="1"/>
-            <a:r>
-              <a:rPr lang="en-US" dirty="0" smtClean="0"/>
-              <a:t>Standard implementation of data service extends from </a:t>
-            </a:r>
-            <a:r>
-              <a:rPr lang="en-US" dirty="0" err="1" smtClean="0"/>
-              <a:t>BaseServiceImpl</a:t>
-            </a:r>
-            <a:endParaRPr lang="en-US" dirty="0" smtClean="0"/>
-          </a:p>
-          <a:p>
-            <a:pPr lvl="1"/>
-            <a:r>
-              <a:rPr lang="en-US" dirty="0" smtClean="0"/>
-              <a:t>Passes CQL to Query Processor</a:t>
-            </a:r>
-          </a:p>
-          <a:p>
-            <a:pPr lvl="1"/>
-            <a:r>
-              <a:rPr lang="en-US" dirty="0" smtClean="0"/>
-              <a:t>Returns results directly to client (via grid interface)</a:t>
-            </a:r>
-            <a:endParaRPr lang="en-US" dirty="0"/>
-          </a:p>
-        </p:txBody>
-      </p:sp>
-    </p:spTree>
-  </p:cSld>
-  <p:clrMapOvr>
-    <a:masterClrMapping/>
-  </p:clrMapOvr>
-</p:sld>
-</file>
-
-<file path=ppt/slides/slide40.xml><?xml version="1.0" encoding="utf-8"?>
+<file path=ppt/slides/slide42.xml><?xml version="1.0" encoding="utf-8"?>
 <p:sld xmlns:a="http://schemas.openxmlformats.org/drawingml/2006/main" xmlns:r="http://schemas.openxmlformats.org/officeDocument/2006/relationships" xmlns:p="http://schemas.openxmlformats.org/presentationml/2006/main">
   <p:cSld>
     <p:spTree>
@@ -15339,7 +16070,7 @@
 </p:sld>
 </file>
 
-<file path=ppt/slides/slide41.xml><?xml version="1.0" encoding="utf-8"?>
+<file path=ppt/slides/slide43.xml><?xml version="1.0" encoding="utf-8"?>
 <p:sld xmlns:a="http://schemas.openxmlformats.org/drawingml/2006/main" xmlns:r="http://schemas.openxmlformats.org/officeDocument/2006/relationships" xmlns:p="http://schemas.openxmlformats.org/presentationml/2006/main">
   <p:cSld>
     <p:spTree>

--- a/Documentation/presentations/200906_Novartis/caGrid Data Services.pptx
+++ b/Documentation/presentations/200906_Novartis/caGrid Data Services.pptx
@@ -5,7 +5,7 @@
     <p:sldMasterId id="2147483648" r:id="rId1"/>
   </p:sldMasterIdLst>
   <p:notesMasterIdLst>
-    <p:notesMasterId r:id="rId45"/>
+    <p:notesMasterId r:id="rId50"/>
   </p:notesMasterIdLst>
   <p:sldIdLst>
     <p:sldId id="256" r:id="rId2"/>
@@ -45,12 +45,17 @@
     <p:sldId id="296" r:id="rId36"/>
     <p:sldId id="297" r:id="rId37"/>
     <p:sldId id="298" r:id="rId38"/>
-    <p:sldId id="287" r:id="rId39"/>
-    <p:sldId id="277" r:id="rId40"/>
-    <p:sldId id="278" r:id="rId41"/>
-    <p:sldId id="279" r:id="rId42"/>
-    <p:sldId id="284" r:id="rId43"/>
-    <p:sldId id="285" r:id="rId44"/>
+    <p:sldId id="301" r:id="rId39"/>
+    <p:sldId id="302" r:id="rId40"/>
+    <p:sldId id="303" r:id="rId41"/>
+    <p:sldId id="304" r:id="rId42"/>
+    <p:sldId id="305" r:id="rId43"/>
+    <p:sldId id="287" r:id="rId44"/>
+    <p:sldId id="277" r:id="rId45"/>
+    <p:sldId id="278" r:id="rId46"/>
+    <p:sldId id="279" r:id="rId47"/>
+    <p:sldId id="284" r:id="rId48"/>
+    <p:sldId id="285" r:id="rId49"/>
   </p:sldIdLst>
   <p:sldSz cx="9144000" cy="6858000" type="screen4x3"/>
   <p:notesSz cx="6858000" cy="9144000"/>
@@ -785,7 +790,7 @@
             <a:fld id="{0EA92AC8-40AC-4621-AB8B-E24657776B35}" type="slidenum">
               <a:rPr lang="en-US"/>
               <a:pPr/>
-              <a:t>43</a:t>
+              <a:t>48</a:t>
             </a:fld>
             <a:endParaRPr lang="en-US"/>
           </a:p>
@@ -1483,7 +1488,7 @@
             <a:fld id="{0EA92AC8-40AC-4621-AB8B-E24657776B35}" type="slidenum">
               <a:rPr lang="en-US"/>
               <a:pPr/>
-              <a:t>41</a:t>
+              <a:t>46</a:t>
             </a:fld>
             <a:endParaRPr lang="en-US"/>
           </a:p>
@@ -1585,7 +1590,7 @@
             <a:fld id="{0EA92AC8-40AC-4621-AB8B-E24657776B35}" type="slidenum">
               <a:rPr lang="en-US"/>
               <a:pPr/>
-              <a:t>42</a:t>
+              <a:t>47</a:t>
             </a:fld>
             <a:endParaRPr lang="en-US"/>
           </a:p>
@@ -10397,8 +10402,8 @@
         </p:nvSpPr>
         <p:spPr bwMode="auto">
           <a:xfrm>
-            <a:off x="304800" y="1371600"/>
-            <a:ext cx="8458200" cy="4953000"/>
+            <a:off x="304800" y="1143000"/>
+            <a:ext cx="8458200" cy="5486400"/>
           </a:xfrm>
           <a:prstGeom prst="rect">
             <a:avLst/>
@@ -10675,20 +10680,45 @@
               <a:defRPr/>
             </a:pPr>
             <a:r>
+              <a:rPr lang="en-US" sz="2000" i="1" kern="0" dirty="0" err="1" smtClean="0">
+                <a:latin typeface="+mn-lt"/>
+              </a:rPr>
+              <a:t>EnumerationResponseHelper</a:t>
+            </a:r>
+            <a:r>
+              <a:rPr lang="en-US" sz="2000" i="1" kern="0" dirty="0" smtClean="0">
+                <a:latin typeface="+mn-lt"/>
+              </a:rPr>
+              <a:t> </a:t>
+            </a:r>
+            <a:r>
               <a:rPr lang="en-US" sz="2000" kern="0" dirty="0" smtClean="0">
                 <a:latin typeface="+mn-lt"/>
               </a:rPr>
-              <a:t>Default iteration constraints retrieve 10 results at a time from the service with no restriction on number of bytes </a:t>
-            </a:r>
-            <a:r>
-              <a:rPr lang="en-US" sz="2000" kern="0" smtClean="0">
-                <a:latin typeface="+mn-lt"/>
-              </a:rPr>
-              <a:t>or timeout</a:t>
-            </a:r>
-            <a:endParaRPr lang="en-US" sz="2000" kern="0" dirty="0" smtClean="0">
+              <a:t>is a caGrid helper class which contacts the results service context using the proper resource key and creates a client handle to it</a:t>
+            </a:r>
+            <a:endParaRPr lang="en-US" sz="2000" i="1" kern="0" dirty="0" smtClean="0">
               <a:latin typeface="+mn-lt"/>
             </a:endParaRPr>
+          </a:p>
+          <a:p>
+            <a:pPr marL="800100" lvl="1" indent="-342900">
+              <a:spcBef>
+                <a:spcPct val="20000"/>
+              </a:spcBef>
+              <a:buClr>
+                <a:srgbClr val="00AAF6"/>
+              </a:buClr>
+              <a:buFontTx/>
+              <a:buChar char="•"/>
+              <a:defRPr/>
+            </a:pPr>
+            <a:r>
+              <a:rPr lang="en-US" sz="2000" kern="0" dirty="0" smtClean="0">
+                <a:latin typeface="+mn-lt"/>
+              </a:rPr>
+              <a:t>Default iteration constraints retrieve 10 results at a time from the service with no restriction on number of bytes or timeout</a:t>
+            </a:r>
           </a:p>
           <a:p>
             <a:pPr marL="800100" lvl="1" indent="-342900">
@@ -10880,13 +10910,22 @@
               <a:t>This client knows they want </a:t>
             </a:r>
             <a:r>
+              <a:rPr lang="en-US" sz="2000" b="1" i="1" kern="0" dirty="0" smtClean="0">
+                <a:latin typeface="+mn-lt"/>
+              </a:rPr>
+              <a:t>Genes</a:t>
+            </a:r>
+            <a:r>
               <a:rPr lang="en-US" sz="2000" kern="0" dirty="0" smtClean="0">
-                <a:solidFill>
-                  <a:srgbClr val="C00000"/>
-                </a:solidFill>
                 <a:latin typeface="+mn-lt"/>
               </a:rPr>
-              <a:t>“Genes” with a certain name</a:t>
+              <a:t> with a certain </a:t>
+            </a:r>
+            <a:r>
+              <a:rPr lang="en-US" sz="2000" b="1" i="1" kern="0" dirty="0" smtClean="0">
+                <a:latin typeface="+mn-lt"/>
+              </a:rPr>
+              <a:t>name</a:t>
             </a:r>
             <a:r>
               <a:rPr lang="en-US" sz="2000" kern="0" dirty="0" smtClean="0">
@@ -12076,10 +12115,8 @@
               <a:defRPr/>
             </a:pPr>
             <a:r>
-              <a:rPr lang="en-US" sz="2000" kern="0" dirty="0" smtClean="0">
-                <a:latin typeface="+mn-lt"/>
-              </a:rPr>
-              <a:t>CDE is </a:t>
+              <a:rPr lang="en-US" sz="2000" dirty="0" smtClean="0"/>
+              <a:t>Code </a:t>
             </a:r>
             <a:r>
               <a:rPr lang="en-US" sz="2000" b="1" dirty="0" smtClean="0"/>
@@ -13848,7 +13885,7 @@
           <a:p>
             <a:r>
               <a:rPr lang="en-US" dirty="0" smtClean="0"/>
-              <a:t>Federated Queries</a:t>
+              <a:t>Data Service Client Workflow</a:t>
             </a:r>
             <a:endParaRPr lang="en-US" dirty="0"/>
           </a:p>
@@ -13856,7 +13893,7 @@
       </p:sp>
       <p:sp>
         <p:nvSpPr>
-          <p:cNvPr id="5" name="Content Placeholder 2"/>
+          <p:cNvPr id="4" name="Content Placeholder 2"/>
           <p:cNvSpPr txBox="1">
             <a:spLocks/>
           </p:cNvSpPr>
@@ -13865,7 +13902,7 @@
         <p:spPr bwMode="auto">
           <a:xfrm>
             <a:off x="304800" y="1371600"/>
-            <a:ext cx="8458200" cy="4953000"/>
+            <a:ext cx="8458200" cy="5257800"/>
           </a:xfrm>
           <a:prstGeom prst="rect">
             <a:avLst/>
@@ -13887,6 +13924,95 @@
           </a:bodyPr>
           <a:lstStyle/>
           <a:p>
+            <a:pPr marL="342900" indent="-342900">
+              <a:spcBef>
+                <a:spcPct val="20000"/>
+              </a:spcBef>
+              <a:buClr>
+                <a:srgbClr val="00AAF6"/>
+              </a:buClr>
+              <a:buFontTx/>
+              <a:buChar char="•"/>
+              <a:defRPr/>
+            </a:pPr>
+            <a:r>
+              <a:rPr lang="en-US" sz="2000" b="1" kern="0" dirty="0" smtClean="0">
+                <a:latin typeface="+mn-lt"/>
+              </a:rPr>
+              <a:t>Using the Discovery API</a:t>
+            </a:r>
+          </a:p>
+          <a:p>
+            <a:pPr marL="800100" lvl="1" indent="-342900">
+              <a:spcBef>
+                <a:spcPct val="20000"/>
+              </a:spcBef>
+              <a:buClr>
+                <a:srgbClr val="00AAF6"/>
+              </a:buClr>
+              <a:buFontTx/>
+              <a:buChar char="•"/>
+              <a:defRPr/>
+            </a:pPr>
+            <a:r>
+              <a:rPr lang="en-US" sz="2000" kern="0" dirty="0" smtClean="0">
+                <a:latin typeface="+mn-lt"/>
+              </a:rPr>
+              <a:t>Still need the Concept Code from the CDE browser</a:t>
+            </a:r>
+          </a:p>
+          <a:p>
+            <a:pPr marL="1257300" lvl="2" indent="-342900">
+              <a:spcBef>
+                <a:spcPct val="20000"/>
+              </a:spcBef>
+              <a:buClr>
+                <a:srgbClr val="00AAF6"/>
+              </a:buClr>
+              <a:buFontTx/>
+              <a:buChar char="•"/>
+              <a:defRPr/>
+            </a:pPr>
+            <a:r>
+              <a:rPr lang="en-US" b="1" dirty="0" smtClean="0"/>
+              <a:t>C42614</a:t>
+            </a:r>
+            <a:r>
+              <a:rPr lang="en-US" dirty="0" smtClean="0"/>
+              <a:t> for this example</a:t>
+            </a:r>
+          </a:p>
+          <a:p>
+            <a:pPr marL="800100" lvl="1" indent="-342900">
+              <a:spcBef>
+                <a:spcPct val="20000"/>
+              </a:spcBef>
+              <a:buClr>
+                <a:srgbClr val="00AAF6"/>
+              </a:buClr>
+              <a:buFontTx/>
+              <a:buChar char="•"/>
+              <a:defRPr/>
+            </a:pPr>
+            <a:endParaRPr lang="en-US" b="1" kern="0" dirty="0" smtClean="0"/>
+          </a:p>
+          <a:p>
+            <a:pPr marL="1257300" lvl="2" indent="-342900">
+              <a:spcBef>
+                <a:spcPct val="20000"/>
+              </a:spcBef>
+              <a:buClr>
+                <a:srgbClr val="00AAF6"/>
+              </a:buClr>
+              <a:buFontTx/>
+              <a:buChar char="•"/>
+              <a:defRPr/>
+            </a:pPr>
+            <a:endParaRPr lang="en-US" kern="0" dirty="0" smtClean="0">
+              <a:latin typeface="+mn-lt"/>
+            </a:endParaRPr>
+          </a:p>
+          <a:p>
             <a:pPr marL="342900" marR="0" lvl="0" indent="-342900" algn="l" defTabSz="914400" rtl="0" eaLnBrk="1" fontAlgn="base" latinLnBrk="0" hangingPunct="1">
               <a:lnSpc>
                 <a:spcPct val="100000"/>
@@ -13906,34 +14032,59 @@
               <a:tabLst/>
               <a:defRPr/>
             </a:pPr>
-            <a:r>
-              <a:rPr lang="en-US" sz="2000" b="1" kern="0" dirty="0" smtClean="0">
-                <a:latin typeface="+mn-lt"/>
-              </a:rPr>
-              <a:t>Multiple Data Services Involved</a:t>
-            </a:r>
-          </a:p>
-          <a:p>
-            <a:pPr marL="800100" lvl="1" indent="-342900">
-              <a:spcBef>
-                <a:spcPct val="20000"/>
-              </a:spcBef>
-              <a:buClr>
-                <a:srgbClr val="00AAF6"/>
-              </a:buClr>
-              <a:buFontTx/>
-              <a:buChar char="•"/>
-              <a:defRPr/>
-            </a:pPr>
-            <a:r>
-              <a:rPr lang="en-US" sz="2000" kern="0" dirty="0" smtClean="0"/>
-              <a:t>Basic distributed joins and aggregations</a:t>
-            </a:r>
             <a:endParaRPr lang="en-US" sz="2000" b="1" kern="0" dirty="0" smtClean="0">
               <a:latin typeface="+mn-lt"/>
             </a:endParaRPr>
           </a:p>
           <a:p>
+            <a:pPr marL="342900" marR="0" lvl="0" indent="-342900" algn="l" defTabSz="914400" rtl="0" eaLnBrk="1" fontAlgn="base" latinLnBrk="0" hangingPunct="1">
+              <a:lnSpc>
+                <a:spcPct val="100000"/>
+              </a:lnSpc>
+              <a:spcBef>
+                <a:spcPct val="20000"/>
+              </a:spcBef>
+              <a:spcAft>
+                <a:spcPct val="0"/>
+              </a:spcAft>
+              <a:buClr>
+                <a:srgbClr val="00AAF6"/>
+              </a:buClr>
+              <a:buSzTx/>
+              <a:buFontTx/>
+              <a:buChar char="•"/>
+              <a:tabLst/>
+              <a:defRPr/>
+            </a:pPr>
+            <a:endParaRPr lang="en-US" sz="2000" b="1" kern="0" dirty="0" smtClean="0">
+              <a:latin typeface="+mn-lt"/>
+            </a:endParaRPr>
+          </a:p>
+          <a:p>
+            <a:pPr marL="342900" marR="0" lvl="0" indent="-342900" algn="l" defTabSz="914400" rtl="0" eaLnBrk="1" fontAlgn="base" latinLnBrk="0" hangingPunct="1">
+              <a:lnSpc>
+                <a:spcPct val="100000"/>
+              </a:lnSpc>
+              <a:spcBef>
+                <a:spcPct val="20000"/>
+              </a:spcBef>
+              <a:spcAft>
+                <a:spcPct val="0"/>
+              </a:spcAft>
+              <a:buClr>
+                <a:srgbClr val="00AAF6"/>
+              </a:buClr>
+              <a:buSzTx/>
+              <a:buFontTx/>
+              <a:buChar char="•"/>
+              <a:tabLst/>
+              <a:defRPr/>
+            </a:pPr>
+            <a:endParaRPr lang="en-US" sz="2000" b="1" kern="0" dirty="0" smtClean="0">
+              <a:latin typeface="+mn-lt"/>
+            </a:endParaRPr>
+          </a:p>
+          <a:p>
             <a:pPr marL="800100" lvl="1" indent="-342900">
               <a:spcBef>
                 <a:spcPct val="20000"/>
@@ -13949,8 +14100,56 @@
               <a:rPr lang="en-US" sz="2000" kern="0" dirty="0" smtClean="0">
                 <a:latin typeface="+mn-lt"/>
               </a:rPr>
-              <a:t>All data services use the same language (CQL), so federation using multiple data services is possible</a:t>
-            </a:r>
+              <a:t>59 services found (NCI production grid)</a:t>
+            </a:r>
+          </a:p>
+          <a:p>
+            <a:pPr marL="800100" lvl="1" indent="-342900">
+              <a:spcBef>
+                <a:spcPct val="20000"/>
+              </a:spcBef>
+              <a:buClr>
+                <a:srgbClr val="00AAF6"/>
+              </a:buClr>
+              <a:buFontTx/>
+              <a:buChar char="•"/>
+              <a:defRPr/>
+            </a:pPr>
+            <a:endParaRPr lang="en-US" sz="2000" kern="0" dirty="0" smtClean="0">
+              <a:latin typeface="+mn-lt"/>
+            </a:endParaRPr>
+          </a:p>
+          <a:p>
+            <a:pPr marL="800100" lvl="1" indent="-342900">
+              <a:spcBef>
+                <a:spcPct val="20000"/>
+              </a:spcBef>
+              <a:buClr>
+                <a:srgbClr val="00AAF6"/>
+              </a:buClr>
+              <a:buFontTx/>
+              <a:buChar char="•"/>
+              <a:defRPr/>
+            </a:pPr>
+            <a:endParaRPr lang="en-US" sz="2000" kern="0" dirty="0" smtClean="0">
+              <a:latin typeface="+mn-lt"/>
+            </a:endParaRPr>
+          </a:p>
+          <a:p>
+            <a:pPr marL="800100" lvl="1" indent="-342900">
+              <a:spcBef>
+                <a:spcPct val="20000"/>
+              </a:spcBef>
+              <a:buClr>
+                <a:srgbClr val="00AAF6"/>
+              </a:buClr>
+              <a:buFontTx/>
+              <a:buChar char="•"/>
+              <a:defRPr/>
+            </a:pPr>
+            <a:endParaRPr lang="en-US" sz="2000" kern="0" dirty="0" smtClean="0">
+              <a:latin typeface="+mn-lt"/>
+            </a:endParaRPr>
           </a:p>
           <a:p>
             <a:pPr marL="1257300" lvl="2" indent="-342900">
@@ -13964,62 +14163,59 @@
               <a:buChar char="•"/>
               <a:defRPr/>
             </a:pPr>
-            <a:r>
-              <a:rPr lang="en-US" i="1" kern="0" dirty="0" smtClean="0">
-                <a:latin typeface="+mn-lt"/>
-              </a:rPr>
-              <a:t>Any</a:t>
-            </a:r>
+            <a:endParaRPr lang="en-US" sz="2000" kern="0" dirty="0" smtClean="0">
+              <a:latin typeface="+mn-lt"/>
+            </a:endParaRPr>
+          </a:p>
+          <a:p>
+            <a:pPr marL="1257300" lvl="2" indent="-342900">
+              <a:spcBef>
+                <a:spcPct val="20000"/>
+              </a:spcBef>
+              <a:buClr>
+                <a:srgbClr val="00AAF6"/>
+              </a:buClr>
+              <a:buFontTx/>
+              <a:buChar char="•"/>
+              <a:defRPr/>
+            </a:pPr>
             <a:r>
               <a:rPr lang="en-US" kern="0" dirty="0" smtClean="0">
                 <a:latin typeface="+mn-lt"/>
               </a:rPr>
-              <a:t> combination of data services may be used</a:t>
-            </a:r>
-          </a:p>
-          <a:p>
-            <a:pPr marL="1257300" lvl="2" indent="-342900">
-              <a:spcBef>
-                <a:spcPct val="20000"/>
-              </a:spcBef>
-              <a:buClr>
-                <a:srgbClr val="00AAF6"/>
-              </a:buClr>
-              <a:buFontTx/>
-              <a:buChar char="•"/>
-              <a:defRPr/>
-            </a:pPr>
+              <a:t>Including the </a:t>
+            </a:r>
+            <a:r>
+              <a:rPr lang="en-US" kern="0" dirty="0" err="1" smtClean="0">
+                <a:latin typeface="+mn-lt"/>
+              </a:rPr>
+              <a:t>caBIO</a:t>
+            </a:r>
             <a:r>
               <a:rPr lang="en-US" kern="0" dirty="0" smtClean="0">
                 <a:latin typeface="+mn-lt"/>
               </a:rPr>
-              <a:t>Arbitrary cross-model joins</a:t>
-            </a:r>
-          </a:p>
-          <a:p>
-            <a:pPr marL="342900" indent="-342900">
-              <a:spcBef>
-                <a:spcPct val="20000"/>
-              </a:spcBef>
-              <a:buClr>
-                <a:srgbClr val="00AAF6"/>
-              </a:buClr>
-              <a:buFontTx/>
-              <a:buChar char="•"/>
-              <a:defRPr/>
-            </a:pPr>
-            <a:r>
-              <a:rPr lang="en-US" sz="2000" b="1" i="1" kern="0" dirty="0" smtClean="0">
-                <a:latin typeface="+mn-lt"/>
-              </a:rPr>
-              <a:t>D</a:t>
-            </a:r>
-            <a:r>
-              <a:rPr lang="en-US" sz="2000" b="1" kern="0" dirty="0" smtClean="0">
-                <a:latin typeface="+mn-lt"/>
-              </a:rPr>
-              <a:t>CQL extends from CQL</a:t>
-            </a:r>
+              <a:t> 4.0 service used in the portal example</a:t>
+            </a:r>
+            <a:endParaRPr lang="en-US" kern="0" dirty="0" smtClean="0">
+              <a:latin typeface="+mn-lt"/>
+            </a:endParaRPr>
+          </a:p>
+          <a:p>
+            <a:pPr marL="1257300" lvl="2" indent="-342900">
+              <a:spcBef>
+                <a:spcPct val="20000"/>
+              </a:spcBef>
+              <a:buClr>
+                <a:srgbClr val="00AAF6"/>
+              </a:buClr>
+              <a:buFontTx/>
+              <a:buChar char="•"/>
+              <a:defRPr/>
+            </a:pPr>
+            <a:endParaRPr lang="en-US" sz="2000" kern="0" dirty="0" smtClean="0">
+              <a:latin typeface="+mn-lt"/>
+            </a:endParaRPr>
           </a:p>
           <a:p>
             <a:pPr marL="800100" lvl="1" indent="-342900">
@@ -14033,97 +14229,84 @@
               <a:buChar char="•"/>
               <a:defRPr/>
             </a:pPr>
-            <a:r>
-              <a:rPr lang="en-US" sz="2000" kern="0" dirty="0" smtClean="0">
-                <a:latin typeface="+mn-lt"/>
-              </a:rPr>
-              <a:t>Distributed version of CQL</a:t>
-            </a:r>
-          </a:p>
-          <a:p>
-            <a:pPr marL="800100" lvl="1" indent="-342900">
-              <a:spcBef>
-                <a:spcPct val="20000"/>
-              </a:spcBef>
-              <a:buClr>
-                <a:srgbClr val="00AAF6"/>
-              </a:buClr>
-              <a:buFontTx/>
-              <a:buChar char="•"/>
-              <a:defRPr/>
-            </a:pPr>
-            <a:r>
-              <a:rPr lang="en-US" sz="2000" kern="0" dirty="0" smtClean="0">
-                <a:latin typeface="+mn-lt"/>
-              </a:rPr>
-              <a:t>Expresses joins, foreign data services, and target services</a:t>
-            </a:r>
-          </a:p>
-          <a:p>
-            <a:pPr marL="342900" indent="-342900">
-              <a:spcBef>
-                <a:spcPct val="20000"/>
-              </a:spcBef>
-              <a:buClr>
-                <a:srgbClr val="00AAF6"/>
-              </a:buClr>
-              <a:buFontTx/>
-              <a:buChar char="•"/>
-              <a:defRPr/>
-            </a:pPr>
-            <a:r>
-              <a:rPr lang="en-US" sz="2000" b="1" kern="0" dirty="0" err="1" smtClean="0">
-                <a:latin typeface="+mn-lt"/>
-              </a:rPr>
-              <a:t>Stateful</a:t>
-            </a:r>
-            <a:r>
-              <a:rPr lang="en-US" sz="2000" b="1" kern="0" dirty="0" smtClean="0">
-                <a:latin typeface="+mn-lt"/>
-              </a:rPr>
-              <a:t> Grid Service or Local API</a:t>
-            </a:r>
-          </a:p>
-          <a:p>
-            <a:pPr marL="800100" lvl="1" indent="-342900">
-              <a:spcBef>
-                <a:spcPct val="20000"/>
-              </a:spcBef>
-              <a:buClr>
-                <a:srgbClr val="00AAF6"/>
-              </a:buClr>
-              <a:buFontTx/>
-              <a:buChar char="•"/>
-              <a:defRPr/>
-            </a:pPr>
-            <a:r>
-              <a:rPr lang="en-US" sz="2000" kern="0" dirty="0" smtClean="0">
-                <a:latin typeface="+mn-lt"/>
-              </a:rPr>
-              <a:t>Queries may be issued to an FQP grid service and processed asynchronously for later results retrieval</a:t>
-            </a:r>
-          </a:p>
-          <a:p>
-            <a:pPr marL="800100" lvl="1" indent="-342900">
-              <a:spcBef>
-                <a:spcPct val="20000"/>
-              </a:spcBef>
-              <a:buClr>
-                <a:srgbClr val="00AAF6"/>
-              </a:buClr>
-              <a:buFontTx/>
-              <a:buChar char="•"/>
-              <a:defRPr/>
-            </a:pPr>
-            <a:r>
-              <a:rPr lang="en-US" sz="2000" kern="0" dirty="0" smtClean="0">
-                <a:latin typeface="+mn-lt"/>
-              </a:rPr>
-              <a:t>FQP engine may be used within an application directly</a:t>
-            </a:r>
+            <a:endParaRPr lang="en-US" sz="2000" kern="0" dirty="0" smtClean="0">
+              <a:latin typeface="+mn-lt"/>
+            </a:endParaRPr>
+          </a:p>
+          <a:p>
+            <a:pPr marL="342900" marR="0" lvl="0" indent="-342900" algn="l" defTabSz="914400" rtl="0" eaLnBrk="1" fontAlgn="base" latinLnBrk="0" hangingPunct="1">
+              <a:lnSpc>
+                <a:spcPct val="100000"/>
+              </a:lnSpc>
+              <a:spcBef>
+                <a:spcPct val="20000"/>
+              </a:spcBef>
+              <a:spcAft>
+                <a:spcPct val="0"/>
+              </a:spcAft>
+              <a:buClr>
+                <a:srgbClr val="00AAF6"/>
+              </a:buClr>
+              <a:buSzTx/>
+              <a:buFontTx/>
+              <a:buChar char="•"/>
+              <a:tabLst/>
+              <a:defRPr/>
+            </a:pPr>
+            <a:endParaRPr lang="en-US" sz="2000" b="1" kern="0" dirty="0" smtClean="0">
+              <a:latin typeface="+mn-lt"/>
+            </a:endParaRPr>
           </a:p>
         </p:txBody>
       </p:sp>
+      <p:pic>
+        <p:nvPicPr>
+          <p:cNvPr id="5" name="Picture 4" descr="discover by code.png"/>
+          <p:cNvPicPr>
+            <a:picLocks noChangeAspect="1"/>
+          </p:cNvPicPr>
+          <p:nvPr/>
+        </p:nvPicPr>
+        <p:blipFill>
+          <a:blip r:embed="rId2" cstate="print"/>
+          <a:stretch>
+            <a:fillRect/>
+          </a:stretch>
+        </p:blipFill>
+        <p:spPr>
+          <a:xfrm>
+            <a:off x="1219200" y="2438400"/>
+            <a:ext cx="6677025" cy="1628775"/>
+          </a:xfrm>
+          <a:prstGeom prst="rect">
+            <a:avLst/>
+          </a:prstGeom>
+        </p:spPr>
+      </p:pic>
+      <p:pic>
+        <p:nvPicPr>
+          <p:cNvPr id="6" name="Picture 5" descr="cabio found.png"/>
+          <p:cNvPicPr>
+            <a:picLocks noChangeAspect="1"/>
+          </p:cNvPicPr>
+          <p:nvPr/>
+        </p:nvPicPr>
+        <p:blipFill>
+          <a:blip r:embed="rId3" cstate="print"/>
+          <a:stretch>
+            <a:fillRect/>
+          </a:stretch>
+        </p:blipFill>
+        <p:spPr>
+          <a:xfrm>
+            <a:off x="1219200" y="4648200"/>
+            <a:ext cx="6191250" cy="1295400"/>
+          </a:xfrm>
+          <a:prstGeom prst="rect">
+            <a:avLst/>
+          </a:prstGeom>
+        </p:spPr>
+      </p:pic>
     </p:spTree>
   </p:cSld>
   <p:clrMapOvr>
@@ -14166,7 +14349,7 @@
           <a:p>
             <a:r>
               <a:rPr lang="en-US" dirty="0" smtClean="0"/>
-              <a:t>Federated Queries</a:t>
+              <a:t>Data Service Client Workflow</a:t>
             </a:r>
             <a:endParaRPr lang="en-US" dirty="0"/>
           </a:p>
@@ -14174,7 +14357,7 @@
       </p:sp>
       <p:sp>
         <p:nvSpPr>
-          <p:cNvPr id="5" name="Content Placeholder 2"/>
+          <p:cNvPr id="4" name="Content Placeholder 2"/>
           <p:cNvSpPr txBox="1">
             <a:spLocks/>
           </p:cNvSpPr>
@@ -14183,7 +14366,7 @@
         <p:spPr bwMode="auto">
           <a:xfrm>
             <a:off x="304800" y="1371600"/>
-            <a:ext cx="8458200" cy="4953000"/>
+            <a:ext cx="8458200" cy="5257800"/>
           </a:xfrm>
           <a:prstGeom prst="rect">
             <a:avLst/>
@@ -14205,30 +14388,22 @@
           </a:bodyPr>
           <a:lstStyle/>
           <a:p>
-            <a:pPr marL="342900" marR="0" lvl="0" indent="-342900" algn="l" defTabSz="914400" rtl="0" eaLnBrk="1" fontAlgn="base" latinLnBrk="0" hangingPunct="1">
-              <a:lnSpc>
-                <a:spcPct val="100000"/>
-              </a:lnSpc>
-              <a:spcBef>
-                <a:spcPct val="20000"/>
-              </a:spcBef>
-              <a:spcAft>
-                <a:spcPct val="0"/>
-              </a:spcAft>
-              <a:buClr>
-                <a:srgbClr val="00AAF6"/>
-              </a:buClr>
-              <a:buSzTx/>
-              <a:buFontTx/>
-              <a:buChar char="•"/>
-              <a:tabLst/>
+            <a:pPr marL="342900" indent="-342900">
+              <a:spcBef>
+                <a:spcPct val="20000"/>
+              </a:spcBef>
+              <a:buClr>
+                <a:srgbClr val="00AAF6"/>
+              </a:buClr>
+              <a:buFontTx/>
+              <a:buChar char="•"/>
               <a:defRPr/>
             </a:pPr>
             <a:r>
               <a:rPr lang="en-US" sz="2000" b="1" kern="0" dirty="0" smtClean="0">
                 <a:latin typeface="+mn-lt"/>
               </a:rPr>
-              <a:t>Multiple Data Services Involved</a:t>
+              <a:t>Obtaining a domain model</a:t>
             </a:r>
           </a:p>
           <a:p>
@@ -14244,10 +14419,69 @@
               <a:defRPr/>
             </a:pPr>
             <a:r>
-              <a:rPr lang="en-US" sz="2000" kern="0" dirty="0" smtClean="0"/>
-              <a:t>Basic distributed joins and aggregations</a:t>
-            </a:r>
-            <a:endParaRPr lang="en-US" sz="2000" b="1" kern="0" dirty="0" smtClean="0">
+              <a:rPr lang="en-US" sz="2000" kern="0" dirty="0" smtClean="0">
+                <a:latin typeface="+mn-lt"/>
+              </a:rPr>
+              <a:t>The domain model defines what classes, attributes, and associations are available</a:t>
+            </a:r>
+          </a:p>
+          <a:p>
+            <a:pPr marL="1257300" lvl="2" indent="-342900">
+              <a:spcBef>
+                <a:spcPct val="20000"/>
+              </a:spcBef>
+              <a:buClr>
+                <a:srgbClr val="00AAF6"/>
+              </a:buClr>
+              <a:buFontTx/>
+              <a:buChar char="•"/>
+              <a:defRPr/>
+            </a:pPr>
+            <a:r>
+              <a:rPr lang="en-US" kern="0" dirty="0" smtClean="0">
+                <a:latin typeface="+mn-lt"/>
+              </a:rPr>
+              <a:t>Also contains semantic metadata, including concept codes</a:t>
+            </a:r>
+          </a:p>
+          <a:p>
+            <a:pPr marL="800100" lvl="1" indent="-342900">
+              <a:spcBef>
+                <a:spcPct val="20000"/>
+              </a:spcBef>
+              <a:buClr>
+                <a:srgbClr val="00AAF6"/>
+              </a:buClr>
+              <a:buFontTx/>
+              <a:buChar char="•"/>
+              <a:defRPr/>
+            </a:pPr>
+            <a:r>
+              <a:rPr lang="en-US" sz="2000" kern="0" dirty="0" err="1" smtClean="0">
+                <a:latin typeface="+mn-lt"/>
+              </a:rPr>
+              <a:t>Metadatautils</a:t>
+            </a:r>
+            <a:r>
+              <a:rPr lang="en-US" sz="2000" kern="0" dirty="0" smtClean="0">
+                <a:latin typeface="+mn-lt"/>
+              </a:rPr>
+              <a:t> project has facilities for working with and obtaining domain models from caGrid data services</a:t>
+            </a:r>
+          </a:p>
+          <a:p>
+            <a:pPr marL="800100" lvl="1" indent="-342900">
+              <a:spcBef>
+                <a:spcPct val="20000"/>
+              </a:spcBef>
+              <a:buClr>
+                <a:srgbClr val="00AAF6"/>
+              </a:buClr>
+              <a:buFontTx/>
+              <a:buChar char="•"/>
+              <a:defRPr/>
+            </a:pPr>
+            <a:endParaRPr lang="en-US" sz="2000" kern="0" dirty="0" smtClean="0">
               <a:latin typeface="+mn-lt"/>
             </a:endParaRPr>
           </a:p>
@@ -14263,185 +14497,82 @@
               <a:buChar char="•"/>
               <a:defRPr/>
             </a:pPr>
+            <a:endParaRPr lang="en-US" sz="2000" kern="0" dirty="0" smtClean="0">
+              <a:latin typeface="+mn-lt"/>
+            </a:endParaRPr>
+          </a:p>
+          <a:p>
+            <a:pPr marL="800100" lvl="1" indent="-342900">
+              <a:spcBef>
+                <a:spcPct val="20000"/>
+              </a:spcBef>
+              <a:buClr>
+                <a:srgbClr val="00AAF6"/>
+              </a:buClr>
+              <a:buFontTx/>
+              <a:buChar char="•"/>
+              <a:defRPr/>
+            </a:pPr>
             <a:r>
               <a:rPr lang="en-US" sz="2000" kern="0" dirty="0" smtClean="0">
                 <a:latin typeface="+mn-lt"/>
               </a:rPr>
-              <a:t>All data services use the same language (CQL), so federation using multiple data services is possible</a:t>
-            </a:r>
-          </a:p>
-          <a:p>
-            <a:pPr marL="1257300" lvl="2" indent="-342900">
-              <a:spcBef>
-                <a:spcPct val="20000"/>
-              </a:spcBef>
-              <a:buClr>
-                <a:srgbClr val="00AAF6"/>
-              </a:buClr>
-              <a:buFontTx/>
-              <a:buChar char="•"/>
-              <a:defRPr/>
-            </a:pPr>
-            <a:r>
-              <a:rPr lang="en-US" i="1" kern="0" dirty="0" smtClean="0">
-                <a:latin typeface="+mn-lt"/>
-              </a:rPr>
-              <a:t>Any</a:t>
-            </a:r>
-            <a:r>
-              <a:rPr lang="en-US" kern="0" dirty="0" smtClean="0">
-                <a:latin typeface="+mn-lt"/>
-              </a:rPr>
-              <a:t> combination of data services may be used</a:t>
-            </a:r>
-          </a:p>
-          <a:p>
-            <a:pPr marL="1257300" lvl="2" indent="-342900">
-              <a:spcBef>
-                <a:spcPct val="20000"/>
-              </a:spcBef>
-              <a:buClr>
-                <a:srgbClr val="00AAF6"/>
-              </a:buClr>
-              <a:buFontTx/>
-              <a:buChar char="•"/>
-              <a:defRPr/>
-            </a:pPr>
-            <a:r>
-              <a:rPr lang="en-US" kern="0" dirty="0" smtClean="0">
-                <a:latin typeface="+mn-lt"/>
-              </a:rPr>
-              <a:t>Arbitrary cross-model joins</a:t>
-            </a:r>
-          </a:p>
-          <a:p>
-            <a:pPr marL="342900" indent="-342900">
-              <a:spcBef>
-                <a:spcPct val="20000"/>
-              </a:spcBef>
-              <a:buClr>
-                <a:srgbClr val="00AAF6"/>
-              </a:buClr>
-              <a:buFontTx/>
-              <a:buChar char="•"/>
-              <a:defRPr/>
-            </a:pPr>
-            <a:r>
-              <a:rPr lang="en-US" sz="2000" b="1" i="1" kern="0" dirty="0" smtClean="0">
-                <a:latin typeface="+mn-lt"/>
-              </a:rPr>
-              <a:t>D</a:t>
-            </a:r>
-            <a:r>
-              <a:rPr lang="en-US" sz="2000" b="1" kern="0" dirty="0" smtClean="0">
-                <a:latin typeface="+mn-lt"/>
-              </a:rPr>
-              <a:t>CQL extends from CQL</a:t>
-            </a:r>
-          </a:p>
-          <a:p>
-            <a:pPr marL="800100" lvl="1" indent="-342900">
-              <a:spcBef>
-                <a:spcPct val="20000"/>
-              </a:spcBef>
-              <a:buClr>
-                <a:srgbClr val="00AAF6"/>
-              </a:buClr>
-              <a:buFontTx/>
-              <a:buChar char="•"/>
-              <a:defRPr/>
-            </a:pPr>
-            <a:r>
-              <a:rPr lang="en-US" sz="2000" kern="0" dirty="0" smtClean="0">
-                <a:latin typeface="+mn-lt"/>
-              </a:rPr>
-              <a:t>Distributed version of CQL</a:t>
-            </a:r>
-          </a:p>
-          <a:p>
-            <a:pPr marL="800100" lvl="1" indent="-342900">
-              <a:spcBef>
-                <a:spcPct val="20000"/>
-              </a:spcBef>
-              <a:buClr>
-                <a:srgbClr val="00AAF6"/>
-              </a:buClr>
-              <a:buFontTx/>
-              <a:buChar char="•"/>
-              <a:defRPr/>
-            </a:pPr>
-            <a:r>
-              <a:rPr lang="en-US" sz="2000" kern="0" dirty="0" smtClean="0">
-                <a:latin typeface="+mn-lt"/>
-              </a:rPr>
-              <a:t>Expresses joins, foreign data services, and target services</a:t>
-            </a:r>
-          </a:p>
-          <a:p>
-            <a:pPr marL="342900" indent="-342900">
-              <a:spcBef>
-                <a:spcPct val="20000"/>
-              </a:spcBef>
-              <a:buClr>
-                <a:srgbClr val="00AAF6"/>
-              </a:buClr>
-              <a:buFontTx/>
-              <a:buChar char="•"/>
-              <a:defRPr/>
-            </a:pPr>
-            <a:r>
-              <a:rPr lang="en-US" sz="2000" b="1" kern="0" dirty="0" err="1" smtClean="0">
-                <a:latin typeface="+mn-lt"/>
-              </a:rPr>
-              <a:t>Stateful</a:t>
-            </a:r>
-            <a:r>
-              <a:rPr lang="en-US" sz="2000" b="1" kern="0" dirty="0" smtClean="0">
-                <a:latin typeface="+mn-lt"/>
-              </a:rPr>
-              <a:t> Grid Service or Local API</a:t>
-            </a:r>
-          </a:p>
-          <a:p>
-            <a:pPr marL="800100" lvl="1" indent="-342900">
-              <a:spcBef>
-                <a:spcPct val="20000"/>
-              </a:spcBef>
-              <a:buClr>
-                <a:srgbClr val="00AAF6"/>
-              </a:buClr>
-              <a:buFontTx/>
-              <a:buChar char="•"/>
-              <a:defRPr/>
-            </a:pPr>
-            <a:r>
-              <a:rPr lang="en-US" sz="2000" kern="0" dirty="0" smtClean="0">
-                <a:latin typeface="+mn-lt"/>
-              </a:rPr>
-              <a:t>Queries may be issued to an FQP grid service and processed asynchronously for later results retrieval</a:t>
-            </a:r>
-          </a:p>
-          <a:p>
-            <a:pPr marL="800100" lvl="1" indent="-342900">
-              <a:spcBef>
-                <a:spcPct val="20000"/>
-              </a:spcBef>
-              <a:buClr>
-                <a:srgbClr val="00AAF6"/>
-              </a:buClr>
-              <a:buFontTx/>
-              <a:buChar char="•"/>
-              <a:defRPr/>
-            </a:pPr>
-            <a:r>
-              <a:rPr lang="en-US" sz="2000" kern="0" dirty="0" smtClean="0">
-                <a:latin typeface="+mn-lt"/>
-              </a:rPr>
-              <a:t>FQP engine may be used within an application directly</a:t>
-            </a:r>
+              <a:t>We can find the concept code in the model</a:t>
+            </a:r>
+            <a:endParaRPr lang="en-US" sz="2000" kern="0" dirty="0" smtClean="0">
+              <a:latin typeface="+mn-lt"/>
+            </a:endParaRPr>
           </a:p>
         </p:txBody>
       </p:sp>
+      <p:pic>
+        <p:nvPicPr>
+          <p:cNvPr id="7" name="Picture 6" descr="get domain model.png"/>
+          <p:cNvPicPr>
+            <a:picLocks noChangeAspect="1"/>
+          </p:cNvPicPr>
+          <p:nvPr/>
+        </p:nvPicPr>
+        <p:blipFill>
+          <a:blip r:embed="rId2" cstate="print"/>
+          <a:stretch>
+            <a:fillRect/>
+          </a:stretch>
+        </p:blipFill>
+        <p:spPr>
+          <a:xfrm>
+            <a:off x="1143000" y="3429000"/>
+            <a:ext cx="7172325" cy="800100"/>
+          </a:xfrm>
+          <a:prstGeom prst="rect">
+            <a:avLst/>
+          </a:prstGeom>
+        </p:spPr>
+      </p:pic>
+      <p:pic>
+        <p:nvPicPr>
+          <p:cNvPr id="8" name="Picture 7" descr="cabio domain model highlight.png"/>
+          <p:cNvPicPr>
+            <a:picLocks noChangeAspect="1"/>
+          </p:cNvPicPr>
+          <p:nvPr/>
+        </p:nvPicPr>
+        <p:blipFill>
+          <a:blip r:embed="rId3" cstate="print"/>
+          <a:stretch>
+            <a:fillRect/>
+          </a:stretch>
+        </p:blipFill>
+        <p:spPr>
+          <a:xfrm>
+            <a:off x="990600" y="4495800"/>
+            <a:ext cx="9144000" cy="1012641"/>
+          </a:xfrm>
+          <a:prstGeom prst="rect">
+            <a:avLst/>
+          </a:prstGeom>
+        </p:spPr>
+      </p:pic>
     </p:spTree>
   </p:cSld>
   <p:clrMapOvr>
@@ -14632,7 +14763,646 @@
           <a:p>
             <a:r>
               <a:rPr lang="en-US" dirty="0" smtClean="0"/>
-              <a:t>Federated Query Service</a:t>
+              <a:t>Data Service Client Workflow</a:t>
+            </a:r>
+            <a:endParaRPr lang="en-US" dirty="0"/>
+          </a:p>
+        </p:txBody>
+      </p:sp>
+      <p:sp>
+        <p:nvSpPr>
+          <p:cNvPr id="4" name="Content Placeholder 2"/>
+          <p:cNvSpPr txBox="1">
+            <a:spLocks/>
+          </p:cNvSpPr>
+          <p:nvPr/>
+        </p:nvSpPr>
+        <p:spPr bwMode="auto">
+          <a:xfrm>
+            <a:off x="304800" y="1371600"/>
+            <a:ext cx="8458200" cy="5257800"/>
+          </a:xfrm>
+          <a:prstGeom prst="rect">
+            <a:avLst/>
+          </a:prstGeom>
+          <a:noFill/>
+          <a:ln w="9525">
+            <a:noFill/>
+            <a:miter lim="800000"/>
+            <a:headEnd/>
+            <a:tailEnd/>
+          </a:ln>
+          <a:effectLst/>
+        </p:spPr>
+        <p:txBody>
+          <a:bodyPr vert="horz" wrap="square" lIns="91440" tIns="45720" rIns="91440" bIns="45720" numCol="1" anchor="t" anchorCtr="0" compatLnSpc="1">
+            <a:prstTxWarp prst="textNoShape">
+              <a:avLst/>
+            </a:prstTxWarp>
+          </a:bodyPr>
+          <a:lstStyle/>
+          <a:p>
+            <a:pPr marL="342900" indent="-342900">
+              <a:spcBef>
+                <a:spcPct val="20000"/>
+              </a:spcBef>
+              <a:buClr>
+                <a:srgbClr val="00AAF6"/>
+              </a:buClr>
+              <a:buFontTx/>
+              <a:buChar char="•"/>
+              <a:defRPr/>
+            </a:pPr>
+            <a:r>
+              <a:rPr lang="en-US" sz="2000" b="1" kern="0" dirty="0" smtClean="0">
+                <a:latin typeface="+mn-lt"/>
+              </a:rPr>
+              <a:t>Using the domain model</a:t>
+            </a:r>
+          </a:p>
+          <a:p>
+            <a:pPr marL="800100" lvl="1" indent="-342900">
+              <a:spcBef>
+                <a:spcPct val="20000"/>
+              </a:spcBef>
+              <a:buClr>
+                <a:srgbClr val="00AAF6"/>
+              </a:buClr>
+              <a:buFontTx/>
+              <a:buChar char="•"/>
+              <a:defRPr/>
+            </a:pPr>
+            <a:r>
+              <a:rPr lang="en-US" sz="2000" kern="0" dirty="0" smtClean="0">
+                <a:latin typeface="+mn-lt"/>
+              </a:rPr>
+              <a:t>Utilize the CQL object API to build up a query</a:t>
+            </a:r>
+            <a:endParaRPr lang="en-US" sz="2000" kern="0" dirty="0" smtClean="0">
+              <a:latin typeface="+mn-lt"/>
+            </a:endParaRPr>
+          </a:p>
+          <a:p>
+            <a:pPr marL="800100" lvl="1" indent="-342900">
+              <a:spcBef>
+                <a:spcPct val="20000"/>
+              </a:spcBef>
+              <a:buClr>
+                <a:srgbClr val="00AAF6"/>
+              </a:buClr>
+              <a:buFontTx/>
+              <a:buChar char="•"/>
+              <a:defRPr/>
+            </a:pPr>
+            <a:r>
+              <a:rPr lang="en-US" sz="2000" kern="0" dirty="0" smtClean="0">
+                <a:latin typeface="+mn-lt"/>
+              </a:rPr>
+              <a:t>Walk through classes, looking for a “Gene” class</a:t>
+            </a:r>
+          </a:p>
+          <a:p>
+            <a:pPr marL="800100" lvl="1" indent="-342900">
+              <a:spcBef>
+                <a:spcPct val="20000"/>
+              </a:spcBef>
+              <a:buClr>
+                <a:srgbClr val="00AAF6"/>
+              </a:buClr>
+              <a:buFontTx/>
+              <a:buChar char="•"/>
+              <a:defRPr/>
+            </a:pPr>
+            <a:r>
+              <a:rPr lang="en-US" sz="2000" kern="0" dirty="0" smtClean="0">
+                <a:latin typeface="+mn-lt"/>
+              </a:rPr>
+              <a:t>Iterate that class’s attributes</a:t>
+            </a:r>
+          </a:p>
+          <a:p>
+            <a:pPr marL="800100" lvl="1" indent="-342900">
+              <a:spcBef>
+                <a:spcPct val="20000"/>
+              </a:spcBef>
+              <a:buClr>
+                <a:srgbClr val="00AAF6"/>
+              </a:buClr>
+              <a:buFontTx/>
+              <a:buChar char="•"/>
+              <a:defRPr/>
+            </a:pPr>
+            <a:r>
+              <a:rPr lang="en-US" sz="2000" kern="0" dirty="0" smtClean="0">
+                <a:latin typeface="+mn-lt"/>
+              </a:rPr>
+              <a:t>Inspect each attribute’s semantic metadata for the concept </a:t>
+            </a:r>
+            <a:r>
+              <a:rPr lang="en-US" sz="2000" kern="0" dirty="0" smtClean="0">
+                <a:latin typeface="+mn-lt"/>
+              </a:rPr>
+              <a:t>code </a:t>
+            </a:r>
+            <a:r>
+              <a:rPr lang="en-US" sz="2000" b="1" kern="0" dirty="0" smtClean="0">
+                <a:latin typeface="+mn-lt"/>
+              </a:rPr>
+              <a:t>C42614</a:t>
+            </a:r>
+            <a:r>
+              <a:rPr lang="en-US" sz="2000" kern="0" dirty="0" smtClean="0">
+                <a:latin typeface="+mn-lt"/>
+              </a:rPr>
+              <a:t> </a:t>
+            </a:r>
+            <a:endParaRPr lang="en-US" sz="2000" kern="0" dirty="0" smtClean="0">
+              <a:latin typeface="+mn-lt"/>
+            </a:endParaRPr>
+          </a:p>
+          <a:p>
+            <a:pPr marL="800100" lvl="1" indent="-342900">
+              <a:spcBef>
+                <a:spcPct val="20000"/>
+              </a:spcBef>
+              <a:buClr>
+                <a:srgbClr val="00AAF6"/>
+              </a:buClr>
+              <a:buFontTx/>
+              <a:buChar char="•"/>
+              <a:defRPr/>
+            </a:pPr>
+            <a:r>
+              <a:rPr lang="en-US" sz="2000" kern="0" dirty="0" smtClean="0">
+                <a:latin typeface="+mn-lt"/>
+              </a:rPr>
+              <a:t>Once the attribute is found, set the CQL query target</a:t>
+            </a:r>
+          </a:p>
+          <a:p>
+            <a:pPr marL="1257300" lvl="2" indent="-342900">
+              <a:spcBef>
+                <a:spcPct val="20000"/>
+              </a:spcBef>
+              <a:buClr>
+                <a:srgbClr val="00AAF6"/>
+              </a:buClr>
+              <a:buFontTx/>
+              <a:buChar char="•"/>
+              <a:defRPr/>
+            </a:pPr>
+            <a:r>
+              <a:rPr lang="en-US" kern="0" dirty="0" smtClean="0">
+                <a:latin typeface="+mn-lt"/>
+              </a:rPr>
+              <a:t>Restrict the target by the attribute’s value</a:t>
+            </a:r>
+          </a:p>
+          <a:p>
+            <a:pPr marL="800100" lvl="1" indent="-342900">
+              <a:spcBef>
+                <a:spcPct val="20000"/>
+              </a:spcBef>
+              <a:buClr>
+                <a:srgbClr val="00AAF6"/>
+              </a:buClr>
+              <a:buFontTx/>
+              <a:buChar char="•"/>
+              <a:defRPr/>
+            </a:pPr>
+            <a:endParaRPr lang="en-US" sz="2000" kern="0" dirty="0" smtClean="0">
+              <a:latin typeface="+mn-lt"/>
+            </a:endParaRPr>
+          </a:p>
+        </p:txBody>
+      </p:sp>
+    </p:spTree>
+  </p:cSld>
+  <p:clrMapOvr>
+    <a:masterClrMapping/>
+  </p:clrMapOvr>
+</p:sld>
+</file>
+
+<file path=ppt/slides/slide41.xml><?xml version="1.0" encoding="utf-8"?>
+<p:sld xmlns:a="http://schemas.openxmlformats.org/drawingml/2006/main" xmlns:r="http://schemas.openxmlformats.org/officeDocument/2006/relationships" xmlns:p="http://schemas.openxmlformats.org/presentationml/2006/main">
+  <p:cSld>
+    <p:spTree>
+      <p:nvGrpSpPr>
+        <p:cNvPr id="1" name=""/>
+        <p:cNvGrpSpPr/>
+        <p:nvPr/>
+      </p:nvGrpSpPr>
+      <p:grpSpPr>
+        <a:xfrm>
+          <a:off x="0" y="0"/>
+          <a:ext cx="0" cy="0"/>
+          <a:chOff x="0" y="0"/>
+          <a:chExt cx="0" cy="0"/>
+        </a:xfrm>
+      </p:grpSpPr>
+      <p:pic>
+        <p:nvPicPr>
+          <p:cNvPr id="9" name="Picture 8" descr="CQL from Domain Model.png"/>
+          <p:cNvPicPr>
+            <a:picLocks noChangeAspect="1"/>
+          </p:cNvPicPr>
+          <p:nvPr/>
+        </p:nvPicPr>
+        <p:blipFill>
+          <a:blip r:embed="rId2" cstate="print"/>
+          <a:stretch>
+            <a:fillRect/>
+          </a:stretch>
+        </p:blipFill>
+        <p:spPr>
+          <a:xfrm>
+            <a:off x="838200" y="1219200"/>
+            <a:ext cx="7391400" cy="5410200"/>
+          </a:xfrm>
+          <a:prstGeom prst="rect">
+            <a:avLst/>
+          </a:prstGeom>
+        </p:spPr>
+      </p:pic>
+      <p:sp>
+        <p:nvSpPr>
+          <p:cNvPr id="2" name="Title 1"/>
+          <p:cNvSpPr>
+            <a:spLocks noGrp="1"/>
+          </p:cNvSpPr>
+          <p:nvPr>
+            <p:ph type="title"/>
+          </p:nvPr>
+        </p:nvSpPr>
+        <p:spPr/>
+        <p:txBody>
+          <a:bodyPr/>
+          <a:lstStyle/>
+          <a:p>
+            <a:r>
+              <a:rPr lang="en-US" dirty="0" smtClean="0"/>
+              <a:t>Data Service Client Workflow</a:t>
+            </a:r>
+            <a:endParaRPr lang="en-US" dirty="0"/>
+          </a:p>
+        </p:txBody>
+      </p:sp>
+    </p:spTree>
+  </p:cSld>
+  <p:clrMapOvr>
+    <a:masterClrMapping/>
+  </p:clrMapOvr>
+</p:sld>
+</file>
+
+<file path=ppt/slides/slide42.xml><?xml version="1.0" encoding="utf-8"?>
+<p:sld xmlns:a="http://schemas.openxmlformats.org/drawingml/2006/main" xmlns:r="http://schemas.openxmlformats.org/officeDocument/2006/relationships" xmlns:p="http://schemas.openxmlformats.org/presentationml/2006/main">
+  <p:cSld>
+    <p:spTree>
+      <p:nvGrpSpPr>
+        <p:cNvPr id="1" name=""/>
+        <p:cNvGrpSpPr/>
+        <p:nvPr/>
+      </p:nvGrpSpPr>
+      <p:grpSpPr>
+        <a:xfrm>
+          <a:off x="0" y="0"/>
+          <a:ext cx="0" cy="0"/>
+          <a:chOff x="0" y="0"/>
+          <a:chExt cx="0" cy="0"/>
+        </a:xfrm>
+      </p:grpSpPr>
+      <p:sp>
+        <p:nvSpPr>
+          <p:cNvPr id="2" name="Title 1"/>
+          <p:cNvSpPr>
+            <a:spLocks noGrp="1"/>
+          </p:cNvSpPr>
+          <p:nvPr>
+            <p:ph type="title"/>
+          </p:nvPr>
+        </p:nvSpPr>
+        <p:spPr/>
+        <p:txBody>
+          <a:bodyPr/>
+          <a:lstStyle/>
+          <a:p>
+            <a:r>
+              <a:rPr lang="en-US" dirty="0" smtClean="0"/>
+              <a:t>Data Service Client Workflow</a:t>
+            </a:r>
+            <a:endParaRPr lang="en-US" dirty="0"/>
+          </a:p>
+        </p:txBody>
+      </p:sp>
+      <p:sp>
+        <p:nvSpPr>
+          <p:cNvPr id="4" name="Content Placeholder 2"/>
+          <p:cNvSpPr txBox="1">
+            <a:spLocks/>
+          </p:cNvSpPr>
+          <p:nvPr/>
+        </p:nvSpPr>
+        <p:spPr bwMode="auto">
+          <a:xfrm>
+            <a:off x="304800" y="1371600"/>
+            <a:ext cx="8458200" cy="5257800"/>
+          </a:xfrm>
+          <a:prstGeom prst="rect">
+            <a:avLst/>
+          </a:prstGeom>
+          <a:noFill/>
+          <a:ln w="9525">
+            <a:noFill/>
+            <a:miter lim="800000"/>
+            <a:headEnd/>
+            <a:tailEnd/>
+          </a:ln>
+          <a:effectLst/>
+        </p:spPr>
+        <p:txBody>
+          <a:bodyPr vert="horz" wrap="square" lIns="91440" tIns="45720" rIns="91440" bIns="45720" numCol="1" anchor="t" anchorCtr="0" compatLnSpc="1">
+            <a:prstTxWarp prst="textNoShape">
+              <a:avLst/>
+            </a:prstTxWarp>
+          </a:bodyPr>
+          <a:lstStyle/>
+          <a:p>
+            <a:pPr marL="342900" indent="-342900">
+              <a:spcBef>
+                <a:spcPct val="20000"/>
+              </a:spcBef>
+              <a:buClr>
+                <a:srgbClr val="00AAF6"/>
+              </a:buClr>
+              <a:buFontTx/>
+              <a:buChar char="•"/>
+              <a:defRPr/>
+            </a:pPr>
+            <a:r>
+              <a:rPr lang="en-US" sz="2000" b="1" kern="0" dirty="0" smtClean="0">
+                <a:latin typeface="+mn-lt"/>
+              </a:rPr>
+              <a:t>Issue the CQL query and retrieve results</a:t>
+            </a:r>
+          </a:p>
+          <a:p>
+            <a:pPr marL="342900" indent="-342900">
+              <a:spcBef>
+                <a:spcPct val="20000"/>
+              </a:spcBef>
+              <a:buClr>
+                <a:srgbClr val="00AAF6"/>
+              </a:buClr>
+              <a:buFontTx/>
+              <a:buChar char="•"/>
+              <a:defRPr/>
+            </a:pPr>
+            <a:endParaRPr lang="en-US" sz="2000" b="1" kern="0" dirty="0" smtClean="0">
+              <a:latin typeface="+mn-lt"/>
+            </a:endParaRPr>
+          </a:p>
+          <a:p>
+            <a:pPr marL="342900" indent="-342900">
+              <a:spcBef>
+                <a:spcPct val="20000"/>
+              </a:spcBef>
+              <a:buClr>
+                <a:srgbClr val="00AAF6"/>
+              </a:buClr>
+              <a:buFontTx/>
+              <a:buChar char="•"/>
+              <a:defRPr/>
+            </a:pPr>
+            <a:endParaRPr lang="en-US" sz="2000" b="1" kern="0" dirty="0" smtClean="0">
+              <a:latin typeface="+mn-lt"/>
+            </a:endParaRPr>
+          </a:p>
+          <a:p>
+            <a:pPr marL="342900" indent="-342900">
+              <a:spcBef>
+                <a:spcPct val="20000"/>
+              </a:spcBef>
+              <a:buClr>
+                <a:srgbClr val="00AAF6"/>
+              </a:buClr>
+              <a:buFontTx/>
+              <a:buChar char="•"/>
+              <a:defRPr/>
+            </a:pPr>
+            <a:endParaRPr lang="en-US" sz="2000" b="1" kern="0" dirty="0" smtClean="0">
+              <a:latin typeface="+mn-lt"/>
+            </a:endParaRPr>
+          </a:p>
+          <a:p>
+            <a:pPr marL="342900" indent="-342900">
+              <a:spcBef>
+                <a:spcPct val="20000"/>
+              </a:spcBef>
+              <a:buClr>
+                <a:srgbClr val="00AAF6"/>
+              </a:buClr>
+              <a:buFontTx/>
+              <a:buChar char="•"/>
+              <a:defRPr/>
+            </a:pPr>
+            <a:endParaRPr lang="en-US" sz="2000" b="1" kern="0" dirty="0" smtClean="0">
+              <a:latin typeface="+mn-lt"/>
+            </a:endParaRPr>
+          </a:p>
+          <a:p>
+            <a:pPr marL="342900" indent="-342900">
+              <a:spcBef>
+                <a:spcPct val="20000"/>
+              </a:spcBef>
+              <a:buClr>
+                <a:srgbClr val="00AAF6"/>
+              </a:buClr>
+              <a:buFontTx/>
+              <a:buChar char="•"/>
+              <a:defRPr/>
+            </a:pPr>
+            <a:endParaRPr lang="en-US" sz="2000" b="1" kern="0" dirty="0" smtClean="0">
+              <a:latin typeface="+mn-lt"/>
+            </a:endParaRPr>
+          </a:p>
+          <a:p>
+            <a:pPr marL="800100" lvl="1" indent="-342900">
+              <a:spcBef>
+                <a:spcPct val="20000"/>
+              </a:spcBef>
+              <a:buClr>
+                <a:srgbClr val="00AAF6"/>
+              </a:buClr>
+              <a:buFontTx/>
+              <a:buChar char="•"/>
+              <a:defRPr/>
+            </a:pPr>
+            <a:r>
+              <a:rPr lang="en-US" sz="2000" kern="0" dirty="0" smtClean="0">
+                <a:latin typeface="+mn-lt"/>
+              </a:rPr>
+              <a:t>Using the XML-Only feature of the results </a:t>
+            </a:r>
+            <a:r>
+              <a:rPr lang="en-US" sz="2000" kern="0" dirty="0" err="1" smtClean="0">
+                <a:latin typeface="+mn-lt"/>
+              </a:rPr>
+              <a:t>iterator</a:t>
+            </a:r>
+            <a:r>
+              <a:rPr lang="en-US" sz="2000" kern="0" dirty="0" smtClean="0">
+                <a:latin typeface="+mn-lt"/>
+              </a:rPr>
+              <a:t> avoids attempting to </a:t>
+            </a:r>
+            <a:r>
+              <a:rPr lang="en-US" sz="2000" kern="0" dirty="0" err="1" smtClean="0">
+                <a:latin typeface="+mn-lt"/>
+              </a:rPr>
+              <a:t>deserialize</a:t>
+            </a:r>
+            <a:r>
+              <a:rPr lang="en-US" sz="2000" kern="0" dirty="0" smtClean="0">
+                <a:latin typeface="+mn-lt"/>
+              </a:rPr>
+              <a:t> the results into an object model the client probably doesn’t have java classes for locally</a:t>
+            </a:r>
+          </a:p>
+          <a:p>
+            <a:pPr marL="800100" lvl="1" indent="-342900">
+              <a:spcBef>
+                <a:spcPct val="20000"/>
+              </a:spcBef>
+              <a:buClr>
+                <a:srgbClr val="00AAF6"/>
+              </a:buClr>
+              <a:buFontTx/>
+              <a:buChar char="•"/>
+              <a:defRPr/>
+            </a:pPr>
+            <a:endParaRPr lang="en-US" sz="2000" kern="0" dirty="0" smtClean="0">
+              <a:latin typeface="+mn-lt"/>
+            </a:endParaRPr>
+          </a:p>
+          <a:p>
+            <a:pPr marL="1257300" lvl="2" indent="-342900">
+              <a:spcBef>
+                <a:spcPct val="20000"/>
+              </a:spcBef>
+              <a:buClr>
+                <a:srgbClr val="00AAF6"/>
+              </a:buClr>
+              <a:buFontTx/>
+              <a:buChar char="•"/>
+              <a:defRPr/>
+            </a:pPr>
+            <a:endParaRPr lang="en-US" sz="2000" kern="0" dirty="0" smtClean="0">
+              <a:latin typeface="+mn-lt"/>
+            </a:endParaRPr>
+          </a:p>
+          <a:p>
+            <a:pPr marL="800100" lvl="1" indent="-342900">
+              <a:spcBef>
+                <a:spcPct val="20000"/>
+              </a:spcBef>
+              <a:buClr>
+                <a:srgbClr val="00AAF6"/>
+              </a:buClr>
+              <a:buFontTx/>
+              <a:buChar char="•"/>
+              <a:defRPr/>
+            </a:pPr>
+            <a:endParaRPr lang="en-US" sz="2000" kern="0" dirty="0" smtClean="0">
+              <a:latin typeface="+mn-lt"/>
+            </a:endParaRPr>
+          </a:p>
+          <a:p>
+            <a:pPr marL="800100" lvl="1" indent="-342900">
+              <a:spcBef>
+                <a:spcPct val="20000"/>
+              </a:spcBef>
+              <a:buClr>
+                <a:srgbClr val="00AAF6"/>
+              </a:buClr>
+              <a:buFontTx/>
+              <a:buChar char="•"/>
+              <a:defRPr/>
+            </a:pPr>
+            <a:endParaRPr lang="en-US" sz="2000" kern="0" dirty="0" smtClean="0">
+              <a:latin typeface="+mn-lt"/>
+            </a:endParaRPr>
+          </a:p>
+        </p:txBody>
+      </p:sp>
+      <p:pic>
+        <p:nvPicPr>
+          <p:cNvPr id="5" name="Picture 4" descr="Query the data service.png"/>
+          <p:cNvPicPr>
+            <a:picLocks noChangeAspect="1"/>
+          </p:cNvPicPr>
+          <p:nvPr/>
+        </p:nvPicPr>
+        <p:blipFill>
+          <a:blip r:embed="rId2" cstate="print"/>
+          <a:stretch>
+            <a:fillRect/>
+          </a:stretch>
+        </p:blipFill>
+        <p:spPr>
+          <a:xfrm>
+            <a:off x="762000" y="1828800"/>
+            <a:ext cx="5953125" cy="1781175"/>
+          </a:xfrm>
+          <a:prstGeom prst="rect">
+            <a:avLst/>
+          </a:prstGeom>
+        </p:spPr>
+      </p:pic>
+    </p:spTree>
+  </p:cSld>
+  <p:clrMapOvr>
+    <a:masterClrMapping/>
+  </p:clrMapOvr>
+</p:sld>
+</file>
+
+<file path=ppt/slides/slide43.xml><?xml version="1.0" encoding="utf-8"?>
+<p:sld xmlns:a="http://schemas.openxmlformats.org/drawingml/2006/main" xmlns:r="http://schemas.openxmlformats.org/officeDocument/2006/relationships" xmlns:p="http://schemas.openxmlformats.org/presentationml/2006/main">
+  <p:cSld>
+    <p:spTree>
+      <p:nvGrpSpPr>
+        <p:cNvPr id="1" name=""/>
+        <p:cNvGrpSpPr/>
+        <p:nvPr/>
+      </p:nvGrpSpPr>
+      <p:grpSpPr>
+        <a:xfrm>
+          <a:off x="0" y="0"/>
+          <a:ext cx="0" cy="0"/>
+          <a:chOff x="0" y="0"/>
+          <a:chExt cx="0" cy="0"/>
+        </a:xfrm>
+      </p:grpSpPr>
+      <p:sp>
+        <p:nvSpPr>
+          <p:cNvPr id="2" name="Title 1"/>
+          <p:cNvSpPr>
+            <a:spLocks noGrp="1"/>
+          </p:cNvSpPr>
+          <p:nvPr>
+            <p:ph type="title"/>
+          </p:nvPr>
+        </p:nvSpPr>
+        <p:spPr/>
+        <p:txBody>
+          <a:bodyPr/>
+          <a:lstStyle/>
+          <a:p>
+            <a:r>
+              <a:rPr lang="en-US" dirty="0" smtClean="0"/>
+              <a:t>Federated Queries</a:t>
             </a:r>
             <a:endParaRPr lang="en-US" dirty="0"/>
           </a:p>
@@ -14671,200 +15441,51 @@
           </a:bodyPr>
           <a:lstStyle/>
           <a:p>
-            <a:pPr marL="342900" indent="-342900">
-              <a:spcBef>
-                <a:spcPct val="20000"/>
-              </a:spcBef>
-              <a:buClr>
-                <a:srgbClr val="00AAF6"/>
-              </a:buClr>
-              <a:buFontTx/>
-              <a:buChar char="•"/>
-              <a:defRPr/>
-            </a:pPr>
-            <a:r>
-              <a:rPr lang="en-US" sz="2000" b="1" kern="0" dirty="0" smtClean="0"/>
-              <a:t>Asynchronous query execution</a:t>
-            </a:r>
-          </a:p>
-          <a:p>
-            <a:pPr marL="800100" lvl="1" indent="-342900">
-              <a:spcBef>
-                <a:spcPct val="20000"/>
-              </a:spcBef>
-              <a:buClr>
-                <a:srgbClr val="00AAF6"/>
-              </a:buClr>
-              <a:buFontTx/>
-              <a:buChar char="•"/>
-              <a:defRPr/>
-            </a:pPr>
-            <a:r>
-              <a:rPr lang="en-US" sz="2000" kern="0" dirty="0" smtClean="0"/>
-              <a:t>Start a DCQL query and immediately return the results context</a:t>
-            </a:r>
-          </a:p>
-          <a:p>
-            <a:pPr marL="800100" lvl="1" indent="-342900">
-              <a:spcBef>
-                <a:spcPct val="20000"/>
-              </a:spcBef>
-              <a:buClr>
-                <a:srgbClr val="00AAF6"/>
-              </a:buClr>
-              <a:buFontTx/>
-              <a:buChar char="•"/>
-              <a:defRPr/>
-            </a:pPr>
-            <a:r>
-              <a:rPr lang="en-US" sz="2000" kern="0" dirty="0" smtClean="0"/>
-              <a:t>WS-Notification allows client to subscribe to status</a:t>
-            </a:r>
-          </a:p>
-          <a:p>
-            <a:pPr marL="1257300" lvl="2" indent="-342900">
-              <a:spcBef>
-                <a:spcPct val="20000"/>
-              </a:spcBef>
-              <a:buClr>
-                <a:srgbClr val="00AAF6"/>
-              </a:buClr>
-              <a:buFontTx/>
-              <a:buChar char="•"/>
-              <a:defRPr/>
-            </a:pPr>
-            <a:r>
-              <a:rPr lang="en-US" kern="0" dirty="0" smtClean="0"/>
-              <a:t>Processing complete, exception, querying target data service, etc.</a:t>
-            </a:r>
-          </a:p>
-          <a:p>
-            <a:pPr marL="342900" indent="-342900">
-              <a:spcBef>
-                <a:spcPct val="20000"/>
-              </a:spcBef>
-              <a:buClr>
-                <a:srgbClr val="00AAF6"/>
-              </a:buClr>
-              <a:buFontTx/>
-              <a:buChar char="•"/>
-              <a:defRPr/>
-            </a:pPr>
-            <a:r>
-              <a:rPr lang="en-US" sz="2000" b="1" kern="0" dirty="0" smtClean="0"/>
-              <a:t>Credential Delegation</a:t>
-            </a:r>
-          </a:p>
-          <a:p>
-            <a:pPr marL="800100" lvl="1" indent="-342900">
-              <a:spcBef>
-                <a:spcPct val="20000"/>
-              </a:spcBef>
-              <a:buClr>
-                <a:srgbClr val="00AAF6"/>
-              </a:buClr>
-              <a:buFontTx/>
-              <a:buChar char="•"/>
-              <a:defRPr/>
-            </a:pPr>
-            <a:r>
-              <a:rPr lang="en-US" sz="2000" kern="0" dirty="0" smtClean="0"/>
-              <a:t>FQP service may perform queries on behalf of a client</a:t>
-            </a:r>
-          </a:p>
-          <a:p>
-            <a:pPr marL="800100" lvl="1" indent="-342900">
-              <a:spcBef>
-                <a:spcPct val="20000"/>
-              </a:spcBef>
-              <a:buClr>
-                <a:srgbClr val="00AAF6"/>
-              </a:buClr>
-              <a:buFontTx/>
-              <a:buChar char="•"/>
-              <a:defRPr/>
-            </a:pPr>
-            <a:r>
-              <a:rPr lang="en-US" sz="2000" kern="0" dirty="0" smtClean="0"/>
-              <a:t>Leverages </a:t>
-            </a:r>
-            <a:r>
-              <a:rPr lang="en-US" sz="2000" b="1" kern="0" dirty="0" smtClean="0"/>
-              <a:t>C</a:t>
-            </a:r>
-            <a:r>
-              <a:rPr lang="en-US" sz="2000" kern="0" dirty="0" smtClean="0"/>
-              <a:t>redential </a:t>
-            </a:r>
-            <a:r>
-              <a:rPr lang="en-US" sz="2000" b="1" kern="0" dirty="0" smtClean="0"/>
-              <a:t>D</a:t>
-            </a:r>
-            <a:r>
-              <a:rPr lang="en-US" sz="2000" kern="0" dirty="0" smtClean="0"/>
-              <a:t>elegation </a:t>
-            </a:r>
-            <a:r>
-              <a:rPr lang="en-US" sz="2000" b="1" kern="0" dirty="0" smtClean="0"/>
-              <a:t>S</a:t>
-            </a:r>
-            <a:r>
-              <a:rPr lang="en-US" sz="2000" kern="0" dirty="0" smtClean="0"/>
-              <a:t>ervice (CDS)</a:t>
-            </a:r>
-          </a:p>
-          <a:p>
-            <a:pPr marL="342900" indent="-342900">
-              <a:spcBef>
-                <a:spcPct val="20000"/>
-              </a:spcBef>
-              <a:buClr>
-                <a:srgbClr val="00AAF6"/>
-              </a:buClr>
-              <a:buFontTx/>
-              <a:buChar char="•"/>
-              <a:defRPr/>
-            </a:pPr>
-            <a:r>
-              <a:rPr lang="en-US" sz="2000" b="1" kern="0" dirty="0" smtClean="0"/>
-              <a:t>Large results retrieval</a:t>
-            </a:r>
-          </a:p>
-          <a:p>
-            <a:pPr marL="800100" lvl="1" indent="-342900">
-              <a:spcBef>
-                <a:spcPct val="20000"/>
-              </a:spcBef>
-              <a:buClr>
-                <a:srgbClr val="00AAF6"/>
-              </a:buClr>
-              <a:buFontTx/>
-              <a:buChar char="•"/>
-              <a:defRPr/>
-            </a:pPr>
-            <a:r>
-              <a:rPr lang="en-US" sz="2000" kern="0" dirty="0" smtClean="0"/>
-              <a:t>WS-Enumeration and caGrid Transfer</a:t>
-            </a:r>
-          </a:p>
-          <a:p>
-            <a:pPr marL="342900" indent="-342900">
-              <a:spcBef>
-                <a:spcPct val="20000"/>
-              </a:spcBef>
-              <a:buClr>
-                <a:srgbClr val="00AAF6"/>
-              </a:buClr>
-              <a:buFontTx/>
-              <a:buChar char="•"/>
+            <a:pPr marL="342900" marR="0" lvl="0" indent="-342900" algn="l" defTabSz="914400" rtl="0" eaLnBrk="1" fontAlgn="base" latinLnBrk="0" hangingPunct="1">
+              <a:lnSpc>
+                <a:spcPct val="100000"/>
+              </a:lnSpc>
+              <a:spcBef>
+                <a:spcPct val="20000"/>
+              </a:spcBef>
+              <a:spcAft>
+                <a:spcPct val="0"/>
+              </a:spcAft>
+              <a:buClr>
+                <a:srgbClr val="00AAF6"/>
+              </a:buClr>
+              <a:buSzTx/>
+              <a:buFontTx/>
+              <a:buChar char="•"/>
+              <a:tabLst/>
               <a:defRPr/>
             </a:pPr>
             <a:r>
               <a:rPr lang="en-US" sz="2000" b="1" kern="0" dirty="0" smtClean="0">
                 <a:latin typeface="+mn-lt"/>
               </a:rPr>
-              <a:t>Configurable Query Behavior</a:t>
-            </a:r>
+              <a:t>Multiple Data Services Involved</a:t>
+            </a:r>
+          </a:p>
+          <a:p>
+            <a:pPr marL="800100" lvl="1" indent="-342900">
+              <a:spcBef>
+                <a:spcPct val="20000"/>
+              </a:spcBef>
+              <a:buClr>
+                <a:srgbClr val="00AAF6"/>
+              </a:buClr>
+              <a:buFontTx/>
+              <a:buChar char="•"/>
+              <a:defRPr/>
+            </a:pPr>
+            <a:r>
+              <a:rPr lang="en-US" sz="2000" kern="0" dirty="0" smtClean="0"/>
+              <a:t>Basic distributed joins and aggregations</a:t>
+            </a:r>
+            <a:endParaRPr lang="en-US" sz="2000" b="1" kern="0" dirty="0" smtClean="0">
+              <a:latin typeface="+mn-lt"/>
+            </a:endParaRPr>
           </a:p>
           <a:p>
             <a:pPr marL="800100" lvl="1" indent="-342900">
@@ -14882,7 +15503,177 @@
               <a:rPr lang="en-US" sz="2000" kern="0" dirty="0" smtClean="0">
                 <a:latin typeface="+mn-lt"/>
               </a:rPr>
-              <a:t>Failure handling, partial results retrieval, etc</a:t>
+              <a:t>All data services use the same language (CQL), so federation using multiple data services is possible</a:t>
+            </a:r>
+          </a:p>
+          <a:p>
+            <a:pPr marL="1257300" lvl="2" indent="-342900">
+              <a:spcBef>
+                <a:spcPct val="20000"/>
+              </a:spcBef>
+              <a:buClr>
+                <a:srgbClr val="00AAF6"/>
+              </a:buClr>
+              <a:buFontTx/>
+              <a:buChar char="•"/>
+              <a:defRPr/>
+            </a:pPr>
+            <a:r>
+              <a:rPr lang="en-US" i="1" kern="0" dirty="0" smtClean="0">
+                <a:latin typeface="+mn-lt"/>
+              </a:rPr>
+              <a:t>Any</a:t>
+            </a:r>
+            <a:r>
+              <a:rPr lang="en-US" kern="0" dirty="0" smtClean="0">
+                <a:latin typeface="+mn-lt"/>
+              </a:rPr>
+              <a:t> combination of data services may be used</a:t>
+            </a:r>
+          </a:p>
+          <a:p>
+            <a:pPr marL="1257300" lvl="2" indent="-342900">
+              <a:spcBef>
+                <a:spcPct val="20000"/>
+              </a:spcBef>
+              <a:buClr>
+                <a:srgbClr val="00AAF6"/>
+              </a:buClr>
+              <a:buFontTx/>
+              <a:buChar char="•"/>
+              <a:defRPr/>
+            </a:pPr>
+            <a:r>
+              <a:rPr lang="en-US" kern="0" dirty="0" smtClean="0">
+                <a:latin typeface="+mn-lt"/>
+              </a:rPr>
+              <a:t>Arbitrary cross-model joins</a:t>
+            </a:r>
+          </a:p>
+          <a:p>
+            <a:pPr marL="342900" indent="-342900">
+              <a:spcBef>
+                <a:spcPct val="20000"/>
+              </a:spcBef>
+              <a:buClr>
+                <a:srgbClr val="00AAF6"/>
+              </a:buClr>
+              <a:buFontTx/>
+              <a:buChar char="•"/>
+              <a:defRPr/>
+            </a:pPr>
+            <a:r>
+              <a:rPr lang="en-US" sz="2000" b="1" i="1" kern="0" dirty="0" smtClean="0">
+                <a:latin typeface="+mn-lt"/>
+              </a:rPr>
+              <a:t>D</a:t>
+            </a:r>
+            <a:r>
+              <a:rPr lang="en-US" sz="2000" b="1" kern="0" dirty="0" smtClean="0">
+                <a:latin typeface="+mn-lt"/>
+              </a:rPr>
+              <a:t>CQL extends from CQL</a:t>
+            </a:r>
+          </a:p>
+          <a:p>
+            <a:pPr marL="800100" lvl="1" indent="-342900">
+              <a:spcBef>
+                <a:spcPct val="20000"/>
+              </a:spcBef>
+              <a:buClr>
+                <a:srgbClr val="00AAF6"/>
+              </a:buClr>
+              <a:buFontTx/>
+              <a:buChar char="•"/>
+              <a:defRPr/>
+            </a:pPr>
+            <a:r>
+              <a:rPr lang="en-US" sz="2000" kern="0" dirty="0" smtClean="0">
+                <a:latin typeface="+mn-lt"/>
+              </a:rPr>
+              <a:t>Distributed version of CQL</a:t>
+            </a:r>
+          </a:p>
+          <a:p>
+            <a:pPr marL="800100" lvl="1" indent="-342900">
+              <a:spcBef>
+                <a:spcPct val="20000"/>
+              </a:spcBef>
+              <a:buClr>
+                <a:srgbClr val="00AAF6"/>
+              </a:buClr>
+              <a:buFontTx/>
+              <a:buChar char="•"/>
+              <a:defRPr/>
+            </a:pPr>
+            <a:r>
+              <a:rPr lang="en-US" sz="2000" kern="0" dirty="0" smtClean="0">
+                <a:latin typeface="+mn-lt"/>
+              </a:rPr>
+              <a:t>Expresses joins, foreign data services, and target services</a:t>
+            </a:r>
+          </a:p>
+          <a:p>
+            <a:pPr marL="342900" indent="-342900">
+              <a:spcBef>
+                <a:spcPct val="20000"/>
+              </a:spcBef>
+              <a:buClr>
+                <a:srgbClr val="00AAF6"/>
+              </a:buClr>
+              <a:buFontTx/>
+              <a:buChar char="•"/>
+              <a:defRPr/>
+            </a:pPr>
+            <a:r>
+              <a:rPr lang="en-US" sz="2000" b="1" kern="0" dirty="0" err="1" smtClean="0">
+                <a:latin typeface="+mn-lt"/>
+              </a:rPr>
+              <a:t>Stateful</a:t>
+            </a:r>
+            <a:r>
+              <a:rPr lang="en-US" sz="2000" b="1" kern="0" dirty="0" smtClean="0">
+                <a:latin typeface="+mn-lt"/>
+              </a:rPr>
+              <a:t> Grid Service or Local API</a:t>
+            </a:r>
+          </a:p>
+          <a:p>
+            <a:pPr marL="800100" lvl="1" indent="-342900">
+              <a:spcBef>
+                <a:spcPct val="20000"/>
+              </a:spcBef>
+              <a:buClr>
+                <a:srgbClr val="00AAF6"/>
+              </a:buClr>
+              <a:buFontTx/>
+              <a:buChar char="•"/>
+              <a:defRPr/>
+            </a:pPr>
+            <a:r>
+              <a:rPr lang="en-US" sz="2000" kern="0" dirty="0" smtClean="0">
+                <a:latin typeface="+mn-lt"/>
+              </a:rPr>
+              <a:t>Queries may be issued to an FQP grid service and processed asynchronously for later results retrieval</a:t>
+            </a:r>
+          </a:p>
+          <a:p>
+            <a:pPr marL="800100" lvl="1" indent="-342900">
+              <a:spcBef>
+                <a:spcPct val="20000"/>
+              </a:spcBef>
+              <a:buClr>
+                <a:srgbClr val="00AAF6"/>
+              </a:buClr>
+              <a:buFontTx/>
+              <a:buChar char="•"/>
+              <a:defRPr/>
+            </a:pPr>
+            <a:r>
+              <a:rPr lang="en-US" sz="2000" kern="0" dirty="0" smtClean="0">
+                <a:latin typeface="+mn-lt"/>
+              </a:rPr>
+              <a:t>FQP engine may be used within an application directly</a:t>
             </a:r>
           </a:p>
         </p:txBody>
@@ -14895,7 +15686,622 @@
 </p:sld>
 </file>
 
-<file path=ppt/slides/slide41.xml><?xml version="1.0" encoding="utf-8"?>
+<file path=ppt/slides/slide44.xml><?xml version="1.0" encoding="utf-8"?>
+<p:sld xmlns:a="http://schemas.openxmlformats.org/drawingml/2006/main" xmlns:r="http://schemas.openxmlformats.org/officeDocument/2006/relationships" xmlns:p="http://schemas.openxmlformats.org/presentationml/2006/main">
+  <p:cSld>
+    <p:spTree>
+      <p:nvGrpSpPr>
+        <p:cNvPr id="1" name=""/>
+        <p:cNvGrpSpPr/>
+        <p:nvPr/>
+      </p:nvGrpSpPr>
+      <p:grpSpPr>
+        <a:xfrm>
+          <a:off x="0" y="0"/>
+          <a:ext cx="0" cy="0"/>
+          <a:chOff x="0" y="0"/>
+          <a:chExt cx="0" cy="0"/>
+        </a:xfrm>
+      </p:grpSpPr>
+      <p:sp>
+        <p:nvSpPr>
+          <p:cNvPr id="2" name="Title 1"/>
+          <p:cNvSpPr>
+            <a:spLocks noGrp="1"/>
+          </p:cNvSpPr>
+          <p:nvPr>
+            <p:ph type="title"/>
+          </p:nvPr>
+        </p:nvSpPr>
+        <p:spPr/>
+        <p:txBody>
+          <a:bodyPr/>
+          <a:lstStyle/>
+          <a:p>
+            <a:r>
+              <a:rPr lang="en-US" dirty="0" smtClean="0"/>
+              <a:t>Federated Queries</a:t>
+            </a:r>
+            <a:endParaRPr lang="en-US" dirty="0"/>
+          </a:p>
+        </p:txBody>
+      </p:sp>
+      <p:sp>
+        <p:nvSpPr>
+          <p:cNvPr id="5" name="Content Placeholder 2"/>
+          <p:cNvSpPr txBox="1">
+            <a:spLocks/>
+          </p:cNvSpPr>
+          <p:nvPr/>
+        </p:nvSpPr>
+        <p:spPr bwMode="auto">
+          <a:xfrm>
+            <a:off x="304800" y="1371600"/>
+            <a:ext cx="8458200" cy="4953000"/>
+          </a:xfrm>
+          <a:prstGeom prst="rect">
+            <a:avLst/>
+          </a:prstGeom>
+          <a:noFill/>
+          <a:ln w="9525">
+            <a:noFill/>
+            <a:miter lim="800000"/>
+            <a:headEnd/>
+            <a:tailEnd/>
+          </a:ln>
+          <a:effectLst/>
+        </p:spPr>
+        <p:txBody>
+          <a:bodyPr vert="horz" wrap="square" lIns="91440" tIns="45720" rIns="91440" bIns="45720" numCol="1" anchor="t" anchorCtr="0" compatLnSpc="1">
+            <a:prstTxWarp prst="textNoShape">
+              <a:avLst/>
+            </a:prstTxWarp>
+          </a:bodyPr>
+          <a:lstStyle/>
+          <a:p>
+            <a:pPr marL="342900" marR="0" lvl="0" indent="-342900" algn="l" defTabSz="914400" rtl="0" eaLnBrk="1" fontAlgn="base" latinLnBrk="0" hangingPunct="1">
+              <a:lnSpc>
+                <a:spcPct val="100000"/>
+              </a:lnSpc>
+              <a:spcBef>
+                <a:spcPct val="20000"/>
+              </a:spcBef>
+              <a:spcAft>
+                <a:spcPct val="0"/>
+              </a:spcAft>
+              <a:buClr>
+                <a:srgbClr val="00AAF6"/>
+              </a:buClr>
+              <a:buSzTx/>
+              <a:buFontTx/>
+              <a:buChar char="•"/>
+              <a:tabLst/>
+              <a:defRPr/>
+            </a:pPr>
+            <a:r>
+              <a:rPr lang="en-US" sz="2000" b="1" kern="0" dirty="0" smtClean="0">
+                <a:latin typeface="+mn-lt"/>
+              </a:rPr>
+              <a:t>Multiple Data Services Involved</a:t>
+            </a:r>
+          </a:p>
+          <a:p>
+            <a:pPr marL="800100" lvl="1" indent="-342900">
+              <a:spcBef>
+                <a:spcPct val="20000"/>
+              </a:spcBef>
+              <a:buClr>
+                <a:srgbClr val="00AAF6"/>
+              </a:buClr>
+              <a:buFontTx/>
+              <a:buChar char="•"/>
+              <a:defRPr/>
+            </a:pPr>
+            <a:r>
+              <a:rPr lang="en-US" sz="2000" kern="0" dirty="0" smtClean="0"/>
+              <a:t>Basic distributed joins and aggregations</a:t>
+            </a:r>
+            <a:endParaRPr lang="en-US" sz="2000" b="1" kern="0" dirty="0" smtClean="0">
+              <a:latin typeface="+mn-lt"/>
+            </a:endParaRPr>
+          </a:p>
+          <a:p>
+            <a:pPr marL="800100" lvl="1" indent="-342900">
+              <a:spcBef>
+                <a:spcPct val="20000"/>
+              </a:spcBef>
+              <a:buClr>
+                <a:srgbClr val="00AAF6"/>
+              </a:buClr>
+              <a:buFontTx/>
+              <a:buChar char="•"/>
+              <a:defRPr/>
+            </a:pPr>
+            <a:r>
+              <a:rPr lang="en-US" sz="2000" kern="0" dirty="0" smtClean="0">
+                <a:latin typeface="+mn-lt"/>
+              </a:rPr>
+              <a:t>All data services use the same language (CQL), so federation using multiple data services is possible</a:t>
+            </a:r>
+          </a:p>
+          <a:p>
+            <a:pPr marL="1257300" lvl="2" indent="-342900">
+              <a:spcBef>
+                <a:spcPct val="20000"/>
+              </a:spcBef>
+              <a:buClr>
+                <a:srgbClr val="00AAF6"/>
+              </a:buClr>
+              <a:buFontTx/>
+              <a:buChar char="•"/>
+              <a:defRPr/>
+            </a:pPr>
+            <a:r>
+              <a:rPr lang="en-US" i="1" kern="0" dirty="0" smtClean="0">
+                <a:latin typeface="+mn-lt"/>
+              </a:rPr>
+              <a:t>Any</a:t>
+            </a:r>
+            <a:r>
+              <a:rPr lang="en-US" kern="0" dirty="0" smtClean="0">
+                <a:latin typeface="+mn-lt"/>
+              </a:rPr>
+              <a:t> combination of data services may be used</a:t>
+            </a:r>
+          </a:p>
+          <a:p>
+            <a:pPr marL="1257300" lvl="2" indent="-342900">
+              <a:spcBef>
+                <a:spcPct val="20000"/>
+              </a:spcBef>
+              <a:buClr>
+                <a:srgbClr val="00AAF6"/>
+              </a:buClr>
+              <a:buFontTx/>
+              <a:buChar char="•"/>
+              <a:defRPr/>
+            </a:pPr>
+            <a:r>
+              <a:rPr lang="en-US" kern="0" dirty="0" smtClean="0">
+                <a:latin typeface="+mn-lt"/>
+              </a:rPr>
+              <a:t>Arbitrary cross-model joins</a:t>
+            </a:r>
+          </a:p>
+          <a:p>
+            <a:pPr marL="342900" indent="-342900">
+              <a:spcBef>
+                <a:spcPct val="20000"/>
+              </a:spcBef>
+              <a:buClr>
+                <a:srgbClr val="00AAF6"/>
+              </a:buClr>
+              <a:buFontTx/>
+              <a:buChar char="•"/>
+              <a:defRPr/>
+            </a:pPr>
+            <a:r>
+              <a:rPr lang="en-US" sz="2000" b="1" i="1" kern="0" dirty="0" smtClean="0">
+                <a:latin typeface="+mn-lt"/>
+              </a:rPr>
+              <a:t>D</a:t>
+            </a:r>
+            <a:r>
+              <a:rPr lang="en-US" sz="2000" b="1" kern="0" dirty="0" smtClean="0">
+                <a:latin typeface="+mn-lt"/>
+              </a:rPr>
+              <a:t>CQL extends from CQL</a:t>
+            </a:r>
+          </a:p>
+          <a:p>
+            <a:pPr marL="800100" lvl="1" indent="-342900">
+              <a:spcBef>
+                <a:spcPct val="20000"/>
+              </a:spcBef>
+              <a:buClr>
+                <a:srgbClr val="00AAF6"/>
+              </a:buClr>
+              <a:buFontTx/>
+              <a:buChar char="•"/>
+              <a:defRPr/>
+            </a:pPr>
+            <a:r>
+              <a:rPr lang="en-US" sz="2000" kern="0" dirty="0" smtClean="0">
+                <a:latin typeface="+mn-lt"/>
+              </a:rPr>
+              <a:t>Distributed version of CQL</a:t>
+            </a:r>
+          </a:p>
+          <a:p>
+            <a:pPr marL="800100" lvl="1" indent="-342900">
+              <a:spcBef>
+                <a:spcPct val="20000"/>
+              </a:spcBef>
+              <a:buClr>
+                <a:srgbClr val="00AAF6"/>
+              </a:buClr>
+              <a:buFontTx/>
+              <a:buChar char="•"/>
+              <a:defRPr/>
+            </a:pPr>
+            <a:r>
+              <a:rPr lang="en-US" sz="2000" kern="0" dirty="0" smtClean="0">
+                <a:latin typeface="+mn-lt"/>
+              </a:rPr>
+              <a:t>Expresses joins, foreign data services, and target services</a:t>
+            </a:r>
+          </a:p>
+          <a:p>
+            <a:pPr marL="342900" indent="-342900">
+              <a:spcBef>
+                <a:spcPct val="20000"/>
+              </a:spcBef>
+              <a:buClr>
+                <a:srgbClr val="00AAF6"/>
+              </a:buClr>
+              <a:buFontTx/>
+              <a:buChar char="•"/>
+              <a:defRPr/>
+            </a:pPr>
+            <a:r>
+              <a:rPr lang="en-US" sz="2000" b="1" kern="0" dirty="0" err="1" smtClean="0">
+                <a:latin typeface="+mn-lt"/>
+              </a:rPr>
+              <a:t>Stateful</a:t>
+            </a:r>
+            <a:r>
+              <a:rPr lang="en-US" sz="2000" b="1" kern="0" dirty="0" smtClean="0">
+                <a:latin typeface="+mn-lt"/>
+              </a:rPr>
+              <a:t> Grid Service or Local API</a:t>
+            </a:r>
+          </a:p>
+          <a:p>
+            <a:pPr marL="800100" lvl="1" indent="-342900">
+              <a:spcBef>
+                <a:spcPct val="20000"/>
+              </a:spcBef>
+              <a:buClr>
+                <a:srgbClr val="00AAF6"/>
+              </a:buClr>
+              <a:buFontTx/>
+              <a:buChar char="•"/>
+              <a:defRPr/>
+            </a:pPr>
+            <a:r>
+              <a:rPr lang="en-US" sz="2000" kern="0" dirty="0" smtClean="0">
+                <a:latin typeface="+mn-lt"/>
+              </a:rPr>
+              <a:t>Queries may be issued to an FQP grid service and processed asynchronously for later results retrieval</a:t>
+            </a:r>
+          </a:p>
+          <a:p>
+            <a:pPr marL="800100" lvl="1" indent="-342900">
+              <a:spcBef>
+                <a:spcPct val="20000"/>
+              </a:spcBef>
+              <a:buClr>
+                <a:srgbClr val="00AAF6"/>
+              </a:buClr>
+              <a:buFontTx/>
+              <a:buChar char="•"/>
+              <a:defRPr/>
+            </a:pPr>
+            <a:r>
+              <a:rPr lang="en-US" sz="2000" kern="0" dirty="0" smtClean="0">
+                <a:latin typeface="+mn-lt"/>
+              </a:rPr>
+              <a:t>FQP engine may be used within an application directly</a:t>
+            </a:r>
+          </a:p>
+        </p:txBody>
+      </p:sp>
+    </p:spTree>
+  </p:cSld>
+  <p:clrMapOvr>
+    <a:masterClrMapping/>
+  </p:clrMapOvr>
+</p:sld>
+</file>
+
+<file path=ppt/slides/slide45.xml><?xml version="1.0" encoding="utf-8"?>
+<p:sld xmlns:a="http://schemas.openxmlformats.org/drawingml/2006/main" xmlns:r="http://schemas.openxmlformats.org/officeDocument/2006/relationships" xmlns:p="http://schemas.openxmlformats.org/presentationml/2006/main">
+  <p:cSld>
+    <p:spTree>
+      <p:nvGrpSpPr>
+        <p:cNvPr id="1" name=""/>
+        <p:cNvGrpSpPr/>
+        <p:nvPr/>
+      </p:nvGrpSpPr>
+      <p:grpSpPr>
+        <a:xfrm>
+          <a:off x="0" y="0"/>
+          <a:ext cx="0" cy="0"/>
+          <a:chOff x="0" y="0"/>
+          <a:chExt cx="0" cy="0"/>
+        </a:xfrm>
+      </p:grpSpPr>
+      <p:sp>
+        <p:nvSpPr>
+          <p:cNvPr id="2" name="Title 1"/>
+          <p:cNvSpPr>
+            <a:spLocks noGrp="1"/>
+          </p:cNvSpPr>
+          <p:nvPr>
+            <p:ph type="title"/>
+          </p:nvPr>
+        </p:nvSpPr>
+        <p:spPr/>
+        <p:txBody>
+          <a:bodyPr/>
+          <a:lstStyle/>
+          <a:p>
+            <a:r>
+              <a:rPr lang="en-US" dirty="0" smtClean="0"/>
+              <a:t>Federated Query Service</a:t>
+            </a:r>
+            <a:endParaRPr lang="en-US" dirty="0"/>
+          </a:p>
+        </p:txBody>
+      </p:sp>
+      <p:sp>
+        <p:nvSpPr>
+          <p:cNvPr id="5" name="Content Placeholder 2"/>
+          <p:cNvSpPr txBox="1">
+            <a:spLocks/>
+          </p:cNvSpPr>
+          <p:nvPr/>
+        </p:nvSpPr>
+        <p:spPr bwMode="auto">
+          <a:xfrm>
+            <a:off x="304800" y="1371600"/>
+            <a:ext cx="8458200" cy="4953000"/>
+          </a:xfrm>
+          <a:prstGeom prst="rect">
+            <a:avLst/>
+          </a:prstGeom>
+          <a:noFill/>
+          <a:ln w="9525">
+            <a:noFill/>
+            <a:miter lim="800000"/>
+            <a:headEnd/>
+            <a:tailEnd/>
+          </a:ln>
+          <a:effectLst/>
+        </p:spPr>
+        <p:txBody>
+          <a:bodyPr vert="horz" wrap="square" lIns="91440" tIns="45720" rIns="91440" bIns="45720" numCol="1" anchor="t" anchorCtr="0" compatLnSpc="1">
+            <a:prstTxWarp prst="textNoShape">
+              <a:avLst/>
+            </a:prstTxWarp>
+          </a:bodyPr>
+          <a:lstStyle/>
+          <a:p>
+            <a:pPr marL="342900" indent="-342900">
+              <a:spcBef>
+                <a:spcPct val="20000"/>
+              </a:spcBef>
+              <a:buClr>
+                <a:srgbClr val="00AAF6"/>
+              </a:buClr>
+              <a:buFontTx/>
+              <a:buChar char="•"/>
+              <a:defRPr/>
+            </a:pPr>
+            <a:r>
+              <a:rPr lang="en-US" sz="2000" b="1" kern="0" dirty="0" smtClean="0"/>
+              <a:t>Asynchronous query execution</a:t>
+            </a:r>
+          </a:p>
+          <a:p>
+            <a:pPr marL="800100" lvl="1" indent="-342900">
+              <a:spcBef>
+                <a:spcPct val="20000"/>
+              </a:spcBef>
+              <a:buClr>
+                <a:srgbClr val="00AAF6"/>
+              </a:buClr>
+              <a:buFontTx/>
+              <a:buChar char="•"/>
+              <a:defRPr/>
+            </a:pPr>
+            <a:r>
+              <a:rPr lang="en-US" sz="2000" kern="0" dirty="0" smtClean="0"/>
+              <a:t>Start a DCQL query and immediately return the results context</a:t>
+            </a:r>
+          </a:p>
+          <a:p>
+            <a:pPr marL="800100" lvl="1" indent="-342900">
+              <a:spcBef>
+                <a:spcPct val="20000"/>
+              </a:spcBef>
+              <a:buClr>
+                <a:srgbClr val="00AAF6"/>
+              </a:buClr>
+              <a:buFontTx/>
+              <a:buChar char="•"/>
+              <a:defRPr/>
+            </a:pPr>
+            <a:r>
+              <a:rPr lang="en-US" sz="2000" kern="0" dirty="0" smtClean="0"/>
+              <a:t>WS-Notification allows client to subscribe to status</a:t>
+            </a:r>
+          </a:p>
+          <a:p>
+            <a:pPr marL="1257300" lvl="2" indent="-342900">
+              <a:spcBef>
+                <a:spcPct val="20000"/>
+              </a:spcBef>
+              <a:buClr>
+                <a:srgbClr val="00AAF6"/>
+              </a:buClr>
+              <a:buFontTx/>
+              <a:buChar char="•"/>
+              <a:defRPr/>
+            </a:pPr>
+            <a:r>
+              <a:rPr lang="en-US" kern="0" dirty="0" smtClean="0"/>
+              <a:t>Processing complete, exception, querying target data service, etc.</a:t>
+            </a:r>
+          </a:p>
+          <a:p>
+            <a:pPr marL="342900" indent="-342900">
+              <a:spcBef>
+                <a:spcPct val="20000"/>
+              </a:spcBef>
+              <a:buClr>
+                <a:srgbClr val="00AAF6"/>
+              </a:buClr>
+              <a:buFontTx/>
+              <a:buChar char="•"/>
+              <a:defRPr/>
+            </a:pPr>
+            <a:r>
+              <a:rPr lang="en-US" sz="2000" b="1" kern="0" dirty="0" smtClean="0"/>
+              <a:t>Credential Delegation</a:t>
+            </a:r>
+          </a:p>
+          <a:p>
+            <a:pPr marL="800100" lvl="1" indent="-342900">
+              <a:spcBef>
+                <a:spcPct val="20000"/>
+              </a:spcBef>
+              <a:buClr>
+                <a:srgbClr val="00AAF6"/>
+              </a:buClr>
+              <a:buFontTx/>
+              <a:buChar char="•"/>
+              <a:defRPr/>
+            </a:pPr>
+            <a:r>
+              <a:rPr lang="en-US" sz="2000" kern="0" dirty="0" smtClean="0"/>
+              <a:t>FQP service may perform queries on behalf of a client</a:t>
+            </a:r>
+          </a:p>
+          <a:p>
+            <a:pPr marL="800100" lvl="1" indent="-342900">
+              <a:spcBef>
+                <a:spcPct val="20000"/>
+              </a:spcBef>
+              <a:buClr>
+                <a:srgbClr val="00AAF6"/>
+              </a:buClr>
+              <a:buFontTx/>
+              <a:buChar char="•"/>
+              <a:defRPr/>
+            </a:pPr>
+            <a:r>
+              <a:rPr lang="en-US" sz="2000" kern="0" dirty="0" smtClean="0"/>
+              <a:t>Leverages </a:t>
+            </a:r>
+            <a:r>
+              <a:rPr lang="en-US" sz="2000" b="1" kern="0" dirty="0" smtClean="0"/>
+              <a:t>C</a:t>
+            </a:r>
+            <a:r>
+              <a:rPr lang="en-US" sz="2000" kern="0" dirty="0" smtClean="0"/>
+              <a:t>redential </a:t>
+            </a:r>
+            <a:r>
+              <a:rPr lang="en-US" sz="2000" b="1" kern="0" dirty="0" smtClean="0"/>
+              <a:t>D</a:t>
+            </a:r>
+            <a:r>
+              <a:rPr lang="en-US" sz="2000" kern="0" dirty="0" smtClean="0"/>
+              <a:t>elegation </a:t>
+            </a:r>
+            <a:r>
+              <a:rPr lang="en-US" sz="2000" b="1" kern="0" dirty="0" smtClean="0"/>
+              <a:t>S</a:t>
+            </a:r>
+            <a:r>
+              <a:rPr lang="en-US" sz="2000" kern="0" dirty="0" smtClean="0"/>
+              <a:t>ervice (CDS)</a:t>
+            </a:r>
+          </a:p>
+          <a:p>
+            <a:pPr marL="342900" indent="-342900">
+              <a:spcBef>
+                <a:spcPct val="20000"/>
+              </a:spcBef>
+              <a:buClr>
+                <a:srgbClr val="00AAF6"/>
+              </a:buClr>
+              <a:buFontTx/>
+              <a:buChar char="•"/>
+              <a:defRPr/>
+            </a:pPr>
+            <a:r>
+              <a:rPr lang="en-US" sz="2000" b="1" kern="0" dirty="0" smtClean="0"/>
+              <a:t>Large results retrieval</a:t>
+            </a:r>
+          </a:p>
+          <a:p>
+            <a:pPr marL="800100" lvl="1" indent="-342900">
+              <a:spcBef>
+                <a:spcPct val="20000"/>
+              </a:spcBef>
+              <a:buClr>
+                <a:srgbClr val="00AAF6"/>
+              </a:buClr>
+              <a:buFontTx/>
+              <a:buChar char="•"/>
+              <a:defRPr/>
+            </a:pPr>
+            <a:r>
+              <a:rPr lang="en-US" sz="2000" kern="0" dirty="0" smtClean="0"/>
+              <a:t>WS-Enumeration and caGrid Transfer</a:t>
+            </a:r>
+          </a:p>
+          <a:p>
+            <a:pPr marL="342900" indent="-342900">
+              <a:spcBef>
+                <a:spcPct val="20000"/>
+              </a:spcBef>
+              <a:buClr>
+                <a:srgbClr val="00AAF6"/>
+              </a:buClr>
+              <a:buFontTx/>
+              <a:buChar char="•"/>
+              <a:defRPr/>
+            </a:pPr>
+            <a:r>
+              <a:rPr lang="en-US" sz="2000" b="1" kern="0" dirty="0" smtClean="0">
+                <a:latin typeface="+mn-lt"/>
+              </a:rPr>
+              <a:t>Configurable Query Behavior</a:t>
+            </a:r>
+          </a:p>
+          <a:p>
+            <a:pPr marL="800100" lvl="1" indent="-342900">
+              <a:spcBef>
+                <a:spcPct val="20000"/>
+              </a:spcBef>
+              <a:buClr>
+                <a:srgbClr val="00AAF6"/>
+              </a:buClr>
+              <a:buFontTx/>
+              <a:buChar char="•"/>
+              <a:defRPr/>
+            </a:pPr>
+            <a:r>
+              <a:rPr lang="en-US" sz="2000" kern="0" dirty="0" smtClean="0">
+                <a:latin typeface="+mn-lt"/>
+              </a:rPr>
+              <a:t>Failure handling, partial results retrieval, etc</a:t>
+            </a:r>
+          </a:p>
+        </p:txBody>
+      </p:sp>
+    </p:spTree>
+  </p:cSld>
+  <p:clrMapOvr>
+    <a:masterClrMapping/>
+  </p:clrMapOvr>
+</p:sld>
+</file>
+
+<file path=ppt/slides/slide46.xml><?xml version="1.0" encoding="utf-8"?>
 <p:sld xmlns:a="http://schemas.openxmlformats.org/drawingml/2006/main" xmlns:r="http://schemas.openxmlformats.org/officeDocument/2006/relationships" xmlns:p="http://schemas.openxmlformats.org/presentationml/2006/main">
   <p:cSld>
     <p:spTree>
@@ -15601,7 +17007,7 @@
 </p:sld>
 </file>
 
-<file path=ppt/slides/slide42.xml><?xml version="1.0" encoding="utf-8"?>
+<file path=ppt/slides/slide47.xml><?xml version="1.0" encoding="utf-8"?>
 <p:sld xmlns:a="http://schemas.openxmlformats.org/drawingml/2006/main" xmlns:r="http://schemas.openxmlformats.org/officeDocument/2006/relationships" xmlns:p="http://schemas.openxmlformats.org/presentationml/2006/main">
   <p:cSld>
     <p:spTree>
@@ -16070,7 +17476,7 @@
 </p:sld>
 </file>
 
-<file path=ppt/slides/slide43.xml><?xml version="1.0" encoding="utf-8"?>
+<file path=ppt/slides/slide48.xml><?xml version="1.0" encoding="utf-8"?>
 <p:sld xmlns:a="http://schemas.openxmlformats.org/drawingml/2006/main" xmlns:r="http://schemas.openxmlformats.org/officeDocument/2006/relationships" xmlns:p="http://schemas.openxmlformats.org/presentationml/2006/main">
   <p:cSld>
     <p:spTree>

--- a/Documentation/presentations/200906_Novartis/caGrid Data Services.pptx
+++ b/Documentation/presentations/200906_Novartis/caGrid Data Services.pptx
@@ -5,7 +5,7 @@
     <p:sldMasterId id="2147483648" r:id="rId1"/>
   </p:sldMasterIdLst>
   <p:notesMasterIdLst>
-    <p:notesMasterId r:id="rId52"/>
+    <p:notesMasterId r:id="rId57"/>
   </p:notesMasterIdLst>
   <p:sldIdLst>
     <p:sldId id="256" r:id="rId2"/>
@@ -56,8 +56,13 @@
     <p:sldId id="277" r:id="rId47"/>
     <p:sldId id="278" r:id="rId48"/>
     <p:sldId id="279" r:id="rId49"/>
-    <p:sldId id="284" r:id="rId50"/>
-    <p:sldId id="285" r:id="rId51"/>
+    <p:sldId id="309" r:id="rId50"/>
+    <p:sldId id="310" r:id="rId51"/>
+    <p:sldId id="311" r:id="rId52"/>
+    <p:sldId id="312" r:id="rId53"/>
+    <p:sldId id="308" r:id="rId54"/>
+    <p:sldId id="284" r:id="rId55"/>
+    <p:sldId id="285" r:id="rId56"/>
   </p:sldIdLst>
   <p:sldSz cx="9144000" cy="6858000" type="screen4x3"/>
   <p:notesSz cx="6858000" cy="9144000"/>
@@ -793,6 +798,516 @@
               <a:rPr lang="en-US"/>
               <a:pPr/>
               <a:t>50</a:t>
+            </a:fld>
+            <a:endParaRPr lang="en-US"/>
+          </a:p>
+        </p:txBody>
+      </p:sp>
+    </p:spTree>
+  </p:cSld>
+  <p:clrMapOvr>
+    <a:masterClrMapping/>
+  </p:clrMapOvr>
+</p:notes>
+</file>
+
+<file path=ppt/notesSlides/notesSlide11.xml><?xml version="1.0" encoding="utf-8"?>
+<p:notes xmlns:a="http://schemas.openxmlformats.org/drawingml/2006/main" xmlns:r="http://schemas.openxmlformats.org/officeDocument/2006/relationships" xmlns:p="http://schemas.openxmlformats.org/presentationml/2006/main">
+  <p:cSld>
+    <p:spTree>
+      <p:nvGrpSpPr>
+        <p:cNvPr id="1" name=""/>
+        <p:cNvGrpSpPr/>
+        <p:nvPr/>
+      </p:nvGrpSpPr>
+      <p:grpSpPr>
+        <a:xfrm>
+          <a:off x="0" y="0"/>
+          <a:ext cx="0" cy="0"/>
+          <a:chOff x="0" y="0"/>
+          <a:chExt cx="0" cy="0"/>
+        </a:xfrm>
+      </p:grpSpPr>
+      <p:sp>
+        <p:nvSpPr>
+          <p:cNvPr id="60418" name="Slide Image Placeholder 1"/>
+          <p:cNvSpPr>
+            <a:spLocks noGrp="1" noRot="1" noChangeAspect="1"/>
+          </p:cNvSpPr>
+          <p:nvPr>
+            <p:ph type="sldImg"/>
+          </p:nvPr>
+        </p:nvSpPr>
+        <p:spPr bwMode="auto">
+          <a:noFill/>
+          <a:ln>
+            <a:solidFill>
+              <a:srgbClr val="000000"/>
+            </a:solidFill>
+            <a:miter lim="800000"/>
+            <a:headEnd/>
+            <a:tailEnd/>
+          </a:ln>
+        </p:spPr>
+      </p:sp>
+      <p:sp>
+        <p:nvSpPr>
+          <p:cNvPr id="60419" name="Notes Placeholder 2"/>
+          <p:cNvSpPr>
+            <a:spLocks noGrp="1"/>
+          </p:cNvSpPr>
+          <p:nvPr>
+            <p:ph type="body" idx="1"/>
+          </p:nvPr>
+        </p:nvSpPr>
+        <p:spPr bwMode="auto">
+          <a:noFill/>
+        </p:spPr>
+        <p:txBody>
+          <a:bodyPr/>
+          <a:lstStyle/>
+          <a:p>
+            <a:r>
+              <a:rPr lang="en-US" smtClean="0"/>
+              <a:t>A DCQL (Which is just distributed CQL) can be used to make queries that are federated and require sub queries to be issues to other data services in order to dertime the result set.  The main addition here is the ability to describe Forieng association which intern create remote joins to happen in the FQP Service.</a:t>
+            </a:r>
+          </a:p>
+        </p:txBody>
+      </p:sp>
+      <p:sp>
+        <p:nvSpPr>
+          <p:cNvPr id="60420" name="Slide Number Placeholder 3"/>
+          <p:cNvSpPr>
+            <a:spLocks noGrp="1"/>
+          </p:cNvSpPr>
+          <p:nvPr>
+            <p:ph type="sldNum" sz="quarter" idx="5"/>
+          </p:nvPr>
+        </p:nvSpPr>
+        <p:spPr bwMode="auto">
+          <a:noFill/>
+          <a:ln>
+            <a:miter lim="800000"/>
+            <a:headEnd/>
+            <a:tailEnd/>
+          </a:ln>
+        </p:spPr>
+        <p:txBody>
+          <a:bodyPr/>
+          <a:lstStyle/>
+          <a:p>
+            <a:fld id="{0EA92AC8-40AC-4621-AB8B-E24657776B35}" type="slidenum">
+              <a:rPr lang="en-US"/>
+              <a:pPr/>
+              <a:t>51</a:t>
+            </a:fld>
+            <a:endParaRPr lang="en-US"/>
+          </a:p>
+        </p:txBody>
+      </p:sp>
+    </p:spTree>
+  </p:cSld>
+  <p:clrMapOvr>
+    <a:masterClrMapping/>
+  </p:clrMapOvr>
+</p:notes>
+</file>
+
+<file path=ppt/notesSlides/notesSlide12.xml><?xml version="1.0" encoding="utf-8"?>
+<p:notes xmlns:a="http://schemas.openxmlformats.org/drawingml/2006/main" xmlns:r="http://schemas.openxmlformats.org/officeDocument/2006/relationships" xmlns:p="http://schemas.openxmlformats.org/presentationml/2006/main">
+  <p:cSld>
+    <p:spTree>
+      <p:nvGrpSpPr>
+        <p:cNvPr id="1" name=""/>
+        <p:cNvGrpSpPr/>
+        <p:nvPr/>
+      </p:nvGrpSpPr>
+      <p:grpSpPr>
+        <a:xfrm>
+          <a:off x="0" y="0"/>
+          <a:ext cx="0" cy="0"/>
+          <a:chOff x="0" y="0"/>
+          <a:chExt cx="0" cy="0"/>
+        </a:xfrm>
+      </p:grpSpPr>
+      <p:sp>
+        <p:nvSpPr>
+          <p:cNvPr id="60418" name="Slide Image Placeholder 1"/>
+          <p:cNvSpPr>
+            <a:spLocks noGrp="1" noRot="1" noChangeAspect="1"/>
+          </p:cNvSpPr>
+          <p:nvPr>
+            <p:ph type="sldImg"/>
+          </p:nvPr>
+        </p:nvSpPr>
+        <p:spPr bwMode="auto">
+          <a:noFill/>
+          <a:ln>
+            <a:solidFill>
+              <a:srgbClr val="000000"/>
+            </a:solidFill>
+            <a:miter lim="800000"/>
+            <a:headEnd/>
+            <a:tailEnd/>
+          </a:ln>
+        </p:spPr>
+      </p:sp>
+      <p:sp>
+        <p:nvSpPr>
+          <p:cNvPr id="60419" name="Notes Placeholder 2"/>
+          <p:cNvSpPr>
+            <a:spLocks noGrp="1"/>
+          </p:cNvSpPr>
+          <p:nvPr>
+            <p:ph type="body" idx="1"/>
+          </p:nvPr>
+        </p:nvSpPr>
+        <p:spPr bwMode="auto">
+          <a:noFill/>
+        </p:spPr>
+        <p:txBody>
+          <a:bodyPr/>
+          <a:lstStyle/>
+          <a:p>
+            <a:r>
+              <a:rPr lang="en-US" smtClean="0"/>
+              <a:t>A DCQL (Which is just distributed CQL) can be used to make queries that are federated and require sub queries to be issues to other data services in order to dertime the result set.  The main addition here is the ability to describe Forieng association which intern create remote joins to happen in the FQP Service.</a:t>
+            </a:r>
+          </a:p>
+        </p:txBody>
+      </p:sp>
+      <p:sp>
+        <p:nvSpPr>
+          <p:cNvPr id="60420" name="Slide Number Placeholder 3"/>
+          <p:cNvSpPr>
+            <a:spLocks noGrp="1"/>
+          </p:cNvSpPr>
+          <p:nvPr>
+            <p:ph type="sldNum" sz="quarter" idx="5"/>
+          </p:nvPr>
+        </p:nvSpPr>
+        <p:spPr bwMode="auto">
+          <a:noFill/>
+          <a:ln>
+            <a:miter lim="800000"/>
+            <a:headEnd/>
+            <a:tailEnd/>
+          </a:ln>
+        </p:spPr>
+        <p:txBody>
+          <a:bodyPr/>
+          <a:lstStyle/>
+          <a:p>
+            <a:fld id="{0EA92AC8-40AC-4621-AB8B-E24657776B35}" type="slidenum">
+              <a:rPr lang="en-US"/>
+              <a:pPr/>
+              <a:t>52</a:t>
+            </a:fld>
+            <a:endParaRPr lang="en-US"/>
+          </a:p>
+        </p:txBody>
+      </p:sp>
+    </p:spTree>
+  </p:cSld>
+  <p:clrMapOvr>
+    <a:masterClrMapping/>
+  </p:clrMapOvr>
+</p:notes>
+</file>
+
+<file path=ppt/notesSlides/notesSlide13.xml><?xml version="1.0" encoding="utf-8"?>
+<p:notes xmlns:a="http://schemas.openxmlformats.org/drawingml/2006/main" xmlns:r="http://schemas.openxmlformats.org/officeDocument/2006/relationships" xmlns:p="http://schemas.openxmlformats.org/presentationml/2006/main">
+  <p:cSld>
+    <p:spTree>
+      <p:nvGrpSpPr>
+        <p:cNvPr id="1" name=""/>
+        <p:cNvGrpSpPr/>
+        <p:nvPr/>
+      </p:nvGrpSpPr>
+      <p:grpSpPr>
+        <a:xfrm>
+          <a:off x="0" y="0"/>
+          <a:ext cx="0" cy="0"/>
+          <a:chOff x="0" y="0"/>
+          <a:chExt cx="0" cy="0"/>
+        </a:xfrm>
+      </p:grpSpPr>
+      <p:sp>
+        <p:nvSpPr>
+          <p:cNvPr id="60418" name="Slide Image Placeholder 1"/>
+          <p:cNvSpPr>
+            <a:spLocks noGrp="1" noRot="1" noChangeAspect="1"/>
+          </p:cNvSpPr>
+          <p:nvPr>
+            <p:ph type="sldImg"/>
+          </p:nvPr>
+        </p:nvSpPr>
+        <p:spPr bwMode="auto">
+          <a:noFill/>
+          <a:ln>
+            <a:solidFill>
+              <a:srgbClr val="000000"/>
+            </a:solidFill>
+            <a:miter lim="800000"/>
+            <a:headEnd/>
+            <a:tailEnd/>
+          </a:ln>
+        </p:spPr>
+      </p:sp>
+      <p:sp>
+        <p:nvSpPr>
+          <p:cNvPr id="60419" name="Notes Placeholder 2"/>
+          <p:cNvSpPr>
+            <a:spLocks noGrp="1"/>
+          </p:cNvSpPr>
+          <p:nvPr>
+            <p:ph type="body" idx="1"/>
+          </p:nvPr>
+        </p:nvSpPr>
+        <p:spPr bwMode="auto">
+          <a:noFill/>
+        </p:spPr>
+        <p:txBody>
+          <a:bodyPr/>
+          <a:lstStyle/>
+          <a:p>
+            <a:r>
+              <a:rPr lang="en-US" smtClean="0"/>
+              <a:t>A DCQL (Which is just distributed CQL) can be used to make queries that are federated and require sub queries to be issues to other data services in order to dertime the result set.  The main addition here is the ability to describe Forieng association which intern create remote joins to happen in the FQP Service.</a:t>
+            </a:r>
+          </a:p>
+        </p:txBody>
+      </p:sp>
+      <p:sp>
+        <p:nvSpPr>
+          <p:cNvPr id="60420" name="Slide Number Placeholder 3"/>
+          <p:cNvSpPr>
+            <a:spLocks noGrp="1"/>
+          </p:cNvSpPr>
+          <p:nvPr>
+            <p:ph type="sldNum" sz="quarter" idx="5"/>
+          </p:nvPr>
+        </p:nvSpPr>
+        <p:spPr bwMode="auto">
+          <a:noFill/>
+          <a:ln>
+            <a:miter lim="800000"/>
+            <a:headEnd/>
+            <a:tailEnd/>
+          </a:ln>
+        </p:spPr>
+        <p:txBody>
+          <a:bodyPr/>
+          <a:lstStyle/>
+          <a:p>
+            <a:fld id="{0EA92AC8-40AC-4621-AB8B-E24657776B35}" type="slidenum">
+              <a:rPr lang="en-US"/>
+              <a:pPr/>
+              <a:t>53</a:t>
+            </a:fld>
+            <a:endParaRPr lang="en-US"/>
+          </a:p>
+        </p:txBody>
+      </p:sp>
+    </p:spTree>
+  </p:cSld>
+  <p:clrMapOvr>
+    <a:masterClrMapping/>
+  </p:clrMapOvr>
+</p:notes>
+</file>
+
+<file path=ppt/notesSlides/notesSlide14.xml><?xml version="1.0" encoding="utf-8"?>
+<p:notes xmlns:a="http://schemas.openxmlformats.org/drawingml/2006/main" xmlns:r="http://schemas.openxmlformats.org/officeDocument/2006/relationships" xmlns:p="http://schemas.openxmlformats.org/presentationml/2006/main">
+  <p:cSld>
+    <p:spTree>
+      <p:nvGrpSpPr>
+        <p:cNvPr id="1" name=""/>
+        <p:cNvGrpSpPr/>
+        <p:nvPr/>
+      </p:nvGrpSpPr>
+      <p:grpSpPr>
+        <a:xfrm>
+          <a:off x="0" y="0"/>
+          <a:ext cx="0" cy="0"/>
+          <a:chOff x="0" y="0"/>
+          <a:chExt cx="0" cy="0"/>
+        </a:xfrm>
+      </p:grpSpPr>
+      <p:sp>
+        <p:nvSpPr>
+          <p:cNvPr id="60418" name="Slide Image Placeholder 1"/>
+          <p:cNvSpPr>
+            <a:spLocks noGrp="1" noRot="1" noChangeAspect="1"/>
+          </p:cNvSpPr>
+          <p:nvPr>
+            <p:ph type="sldImg"/>
+          </p:nvPr>
+        </p:nvSpPr>
+        <p:spPr bwMode="auto">
+          <a:noFill/>
+          <a:ln>
+            <a:solidFill>
+              <a:srgbClr val="000000"/>
+            </a:solidFill>
+            <a:miter lim="800000"/>
+            <a:headEnd/>
+            <a:tailEnd/>
+          </a:ln>
+        </p:spPr>
+      </p:sp>
+      <p:sp>
+        <p:nvSpPr>
+          <p:cNvPr id="60419" name="Notes Placeholder 2"/>
+          <p:cNvSpPr>
+            <a:spLocks noGrp="1"/>
+          </p:cNvSpPr>
+          <p:nvPr>
+            <p:ph type="body" idx="1"/>
+          </p:nvPr>
+        </p:nvSpPr>
+        <p:spPr bwMode="auto">
+          <a:noFill/>
+        </p:spPr>
+        <p:txBody>
+          <a:bodyPr/>
+          <a:lstStyle/>
+          <a:p>
+            <a:r>
+              <a:rPr lang="en-US" smtClean="0"/>
+              <a:t>A DCQL (Which is just distributed CQL) can be used to make queries that are federated and require sub queries to be issues to other data services in order to dertime the result set.  The main addition here is the ability to describe Forieng association which intern create remote joins to happen in the FQP Service.</a:t>
+            </a:r>
+          </a:p>
+        </p:txBody>
+      </p:sp>
+      <p:sp>
+        <p:nvSpPr>
+          <p:cNvPr id="60420" name="Slide Number Placeholder 3"/>
+          <p:cNvSpPr>
+            <a:spLocks noGrp="1"/>
+          </p:cNvSpPr>
+          <p:nvPr>
+            <p:ph type="sldNum" sz="quarter" idx="5"/>
+          </p:nvPr>
+        </p:nvSpPr>
+        <p:spPr bwMode="auto">
+          <a:noFill/>
+          <a:ln>
+            <a:miter lim="800000"/>
+            <a:headEnd/>
+            <a:tailEnd/>
+          </a:ln>
+        </p:spPr>
+        <p:txBody>
+          <a:bodyPr/>
+          <a:lstStyle/>
+          <a:p>
+            <a:fld id="{0EA92AC8-40AC-4621-AB8B-E24657776B35}" type="slidenum">
+              <a:rPr lang="en-US"/>
+              <a:pPr/>
+              <a:t>54</a:t>
+            </a:fld>
+            <a:endParaRPr lang="en-US"/>
+          </a:p>
+        </p:txBody>
+      </p:sp>
+    </p:spTree>
+  </p:cSld>
+  <p:clrMapOvr>
+    <a:masterClrMapping/>
+  </p:clrMapOvr>
+</p:notes>
+</file>
+
+<file path=ppt/notesSlides/notesSlide15.xml><?xml version="1.0" encoding="utf-8"?>
+<p:notes xmlns:a="http://schemas.openxmlformats.org/drawingml/2006/main" xmlns:r="http://schemas.openxmlformats.org/officeDocument/2006/relationships" xmlns:p="http://schemas.openxmlformats.org/presentationml/2006/main">
+  <p:cSld>
+    <p:spTree>
+      <p:nvGrpSpPr>
+        <p:cNvPr id="1" name=""/>
+        <p:cNvGrpSpPr/>
+        <p:nvPr/>
+      </p:nvGrpSpPr>
+      <p:grpSpPr>
+        <a:xfrm>
+          <a:off x="0" y="0"/>
+          <a:ext cx="0" cy="0"/>
+          <a:chOff x="0" y="0"/>
+          <a:chExt cx="0" cy="0"/>
+        </a:xfrm>
+      </p:grpSpPr>
+      <p:sp>
+        <p:nvSpPr>
+          <p:cNvPr id="60418" name="Slide Image Placeholder 1"/>
+          <p:cNvSpPr>
+            <a:spLocks noGrp="1" noRot="1" noChangeAspect="1"/>
+          </p:cNvSpPr>
+          <p:nvPr>
+            <p:ph type="sldImg"/>
+          </p:nvPr>
+        </p:nvSpPr>
+        <p:spPr bwMode="auto">
+          <a:noFill/>
+          <a:ln>
+            <a:solidFill>
+              <a:srgbClr val="000000"/>
+            </a:solidFill>
+            <a:miter lim="800000"/>
+            <a:headEnd/>
+            <a:tailEnd/>
+          </a:ln>
+        </p:spPr>
+      </p:sp>
+      <p:sp>
+        <p:nvSpPr>
+          <p:cNvPr id="60419" name="Notes Placeholder 2"/>
+          <p:cNvSpPr>
+            <a:spLocks noGrp="1"/>
+          </p:cNvSpPr>
+          <p:nvPr>
+            <p:ph type="body" idx="1"/>
+          </p:nvPr>
+        </p:nvSpPr>
+        <p:spPr bwMode="auto">
+          <a:noFill/>
+        </p:spPr>
+        <p:txBody>
+          <a:bodyPr/>
+          <a:lstStyle/>
+          <a:p>
+            <a:r>
+              <a:rPr lang="en-US" smtClean="0"/>
+              <a:t>A DCQL (Which is just distributed CQL) can be used to make queries that are federated and require sub queries to be issues to other data services in order to dertime the result set.  The main addition here is the ability to describe Forieng association which intern create remote joins to happen in the FQP Service.</a:t>
+            </a:r>
+          </a:p>
+        </p:txBody>
+      </p:sp>
+      <p:sp>
+        <p:nvSpPr>
+          <p:cNvPr id="60420" name="Slide Number Placeholder 3"/>
+          <p:cNvSpPr>
+            <a:spLocks noGrp="1"/>
+          </p:cNvSpPr>
+          <p:nvPr>
+            <p:ph type="sldNum" sz="quarter" idx="5"/>
+          </p:nvPr>
+        </p:nvSpPr>
+        <p:spPr bwMode="auto">
+          <a:noFill/>
+          <a:ln>
+            <a:miter lim="800000"/>
+            <a:headEnd/>
+            <a:tailEnd/>
+          </a:ln>
+        </p:spPr>
+        <p:txBody>
+          <a:bodyPr/>
+          <a:lstStyle/>
+          <a:p>
+            <a:fld id="{0EA92AC8-40AC-4621-AB8B-E24657776B35}" type="slidenum">
+              <a:rPr lang="en-US"/>
+              <a:pPr/>
+              <a:t>55</a:t>
             </a:fld>
             <a:endParaRPr lang="en-US"/>
           </a:p>
@@ -16953,7 +17468,7 @@
             </a:r>
             <a:r>
               <a:rPr lang="en-US" dirty="0" smtClean="0"/>
-              <a:t>Aggregation Example</a:t>
+              <a:t>Components</a:t>
             </a:r>
             <a:endParaRPr lang="en-US" dirty="0" smtClean="0"/>
           </a:p>
@@ -16970,7 +17485,7 @@
         <p:spPr bwMode="auto">
           <a:xfrm>
             <a:off x="228600" y="1219200"/>
-            <a:ext cx="8458200" cy="3200400"/>
+            <a:ext cx="8458200" cy="5181600"/>
           </a:xfrm>
           <a:prstGeom prst="rect">
             <a:avLst/>
@@ -17005,7 +17520,7 @@
             </a:pPr>
             <a:r>
               <a:rPr lang="en-US" sz="2000" b="1" kern="0" dirty="0" smtClean="0"/>
-              <a:t>Aggregate data from multiple sources</a:t>
+              <a:t>DCQL builds on CQL</a:t>
             </a:r>
           </a:p>
           <a:p>
@@ -17022,8 +17537,167 @@
             </a:pPr>
             <a:r>
               <a:rPr lang="en-US" sz="2000" kern="0" dirty="0" smtClean="0"/>
-              <a:t>Simultaneous query execution up to thread pool size</a:t>
-            </a:r>
+              <a:t>New types added to support joins</a:t>
+            </a:r>
+          </a:p>
+          <a:p>
+            <a:pPr marL="1257300" lvl="2" indent="-342900">
+              <a:spcBef>
+                <a:spcPct val="20000"/>
+              </a:spcBef>
+              <a:buClr>
+                <a:srgbClr val="00AAF6"/>
+              </a:buClr>
+              <a:buFontTx/>
+              <a:buChar char="•"/>
+              <a:defRPr/>
+            </a:pPr>
+            <a:r>
+              <a:rPr lang="en-US" kern="0" dirty="0" smtClean="0"/>
+              <a:t>Foreign association, foreign object, join condition</a:t>
+            </a:r>
+            <a:endParaRPr lang="en-US" sz="2000" b="1" kern="0" dirty="0" smtClean="0"/>
+          </a:p>
+          <a:p>
+            <a:pPr marL="800100" lvl="1" indent="-342900">
+              <a:spcBef>
+                <a:spcPct val="20000"/>
+              </a:spcBef>
+              <a:buClr>
+                <a:srgbClr val="00AAF6"/>
+              </a:buClr>
+              <a:buFontTx/>
+              <a:buChar char="•"/>
+              <a:defRPr/>
+            </a:pPr>
+            <a:r>
+              <a:rPr lang="en-US" sz="2000" kern="0" dirty="0" smtClean="0"/>
+              <a:t>Re-used data types where possible	</a:t>
+            </a:r>
+          </a:p>
+          <a:p>
+            <a:pPr marL="1257300" lvl="2" indent="-342900">
+              <a:spcBef>
+                <a:spcPct val="20000"/>
+              </a:spcBef>
+              <a:buClr>
+                <a:srgbClr val="00AAF6"/>
+              </a:buClr>
+              <a:buFontTx/>
+              <a:buChar char="•"/>
+              <a:defRPr/>
+            </a:pPr>
+            <a:r>
+              <a:rPr lang="en-US" kern="0" dirty="0" smtClean="0"/>
+              <a:t>Attribute and its predicates are directly from CQL</a:t>
+            </a:r>
+          </a:p>
+          <a:p>
+            <a:pPr marL="800100" lvl="1" indent="-342900">
+              <a:spcBef>
+                <a:spcPct val="20000"/>
+              </a:spcBef>
+              <a:buClr>
+                <a:srgbClr val="00AAF6"/>
+              </a:buClr>
+              <a:buFontTx/>
+              <a:buChar char="•"/>
+              <a:defRPr/>
+            </a:pPr>
+            <a:r>
+              <a:rPr lang="en-US" sz="2000" kern="0" dirty="0" smtClean="0"/>
+              <a:t>Matching names in most other cases</a:t>
+            </a:r>
+          </a:p>
+          <a:p>
+            <a:pPr marL="1257300" lvl="2" indent="-342900">
+              <a:spcBef>
+                <a:spcPct val="20000"/>
+              </a:spcBef>
+              <a:buClr>
+                <a:srgbClr val="00AAF6"/>
+              </a:buClr>
+              <a:buFontTx/>
+              <a:buChar char="•"/>
+              <a:defRPr/>
+            </a:pPr>
+            <a:r>
+              <a:rPr lang="en-US" kern="0" dirty="0" smtClean="0"/>
+              <a:t>Group, object, association, etc look very similar to CQL</a:t>
+            </a:r>
+          </a:p>
+          <a:p>
+            <a:pPr marL="800100" lvl="1" indent="-342900">
+              <a:spcBef>
+                <a:spcPct val="20000"/>
+              </a:spcBef>
+              <a:buClr>
+                <a:srgbClr val="00AAF6"/>
+              </a:buClr>
+              <a:buFontTx/>
+              <a:buChar char="•"/>
+              <a:defRPr/>
+            </a:pPr>
+            <a:r>
+              <a:rPr lang="en-US" sz="2000" kern="0" dirty="0" smtClean="0"/>
+              <a:t>Target service URLs added to the root of the query</a:t>
+            </a:r>
+          </a:p>
+          <a:p>
+            <a:pPr marL="1257300" lvl="2" indent="-342900">
+              <a:spcBef>
+                <a:spcPct val="20000"/>
+              </a:spcBef>
+              <a:buClr>
+                <a:srgbClr val="00AAF6"/>
+              </a:buClr>
+              <a:buFontTx/>
+              <a:buChar char="•"/>
+              <a:defRPr/>
+            </a:pPr>
+            <a:r>
+              <a:rPr lang="en-US" kern="0" dirty="0" smtClean="0"/>
+              <a:t>Specifies the context(s) in which to execute the query for the target object</a:t>
+            </a:r>
+          </a:p>
+          <a:p>
+            <a:pPr marL="1257300" lvl="2" indent="-342900">
+              <a:spcBef>
+                <a:spcPct val="20000"/>
+              </a:spcBef>
+              <a:buClr>
+                <a:srgbClr val="00AAF6"/>
+              </a:buClr>
+              <a:buFontTx/>
+              <a:buChar char="•"/>
+              <a:defRPr/>
+            </a:pPr>
+            <a:r>
+              <a:rPr lang="en-US" kern="0" dirty="0" smtClean="0"/>
+              <a:t>Unlike CQL, where the service executing the query </a:t>
+            </a:r>
+            <a:r>
+              <a:rPr lang="en-US" i="1" kern="0" dirty="0" smtClean="0"/>
+              <a:t>is</a:t>
+            </a:r>
+            <a:r>
+              <a:rPr lang="en-US" kern="0" dirty="0" smtClean="0"/>
+              <a:t> the context</a:t>
+            </a:r>
+          </a:p>
+          <a:p>
+            <a:pPr marL="800100" lvl="1" indent="-342900">
+              <a:spcBef>
+                <a:spcPct val="20000"/>
+              </a:spcBef>
+              <a:buClr>
+                <a:srgbClr val="00AAF6"/>
+              </a:buClr>
+              <a:buFontTx/>
+              <a:buChar char="•"/>
+              <a:defRPr/>
+            </a:pPr>
+            <a:endParaRPr lang="en-US" kern="0" dirty="0" smtClean="0"/>
           </a:p>
           <a:p>
             <a:pPr marL="342900" indent="-342900">
@@ -17037,208 +17711,7 @@
               <a:buChar char="•"/>
               <a:defRPr/>
             </a:pPr>
-            <a:r>
-              <a:rPr lang="en-US" sz="2000" b="1" kern="0" dirty="0" smtClean="0"/>
-              <a:t>Example query</a:t>
-            </a:r>
-          </a:p>
-          <a:p>
-            <a:pPr marL="800100" lvl="1" indent="-342900">
-              <a:spcBef>
-                <a:spcPct val="20000"/>
-              </a:spcBef>
-              <a:buClr>
-                <a:srgbClr val="00AAF6"/>
-              </a:buClr>
-              <a:buFontTx/>
-              <a:buChar char="•"/>
-              <a:defRPr/>
-            </a:pPr>
-            <a:r>
-              <a:rPr lang="en-US" sz="2000" kern="0" dirty="0" smtClean="0"/>
-              <a:t>Return </a:t>
-            </a:r>
-            <a:r>
-              <a:rPr lang="en-US" sz="2000" dirty="0" smtClean="0">
-                <a:solidFill>
-                  <a:srgbClr val="C00000"/>
-                </a:solidFill>
-              </a:rPr>
-              <a:t>instances</a:t>
-            </a:r>
-            <a:r>
-              <a:rPr lang="en-US" sz="2000" dirty="0" smtClean="0"/>
-              <a:t> </a:t>
-            </a:r>
-            <a:r>
-              <a:rPr lang="en-US" sz="2000" dirty="0" smtClean="0"/>
-              <a:t>of the </a:t>
-            </a:r>
-            <a:r>
-              <a:rPr lang="en-US" sz="2000" i="1" dirty="0" smtClean="0"/>
-              <a:t>gene </a:t>
-            </a:r>
-            <a:r>
-              <a:rPr lang="en-US" sz="2000" dirty="0" smtClean="0"/>
-              <a:t>data type</a:t>
-            </a:r>
-          </a:p>
-          <a:p>
-            <a:pPr marL="800100" lvl="1" indent="-342900">
-              <a:spcBef>
-                <a:spcPct val="20000"/>
-              </a:spcBef>
-              <a:buClr>
-                <a:srgbClr val="00AAF6"/>
-              </a:buClr>
-              <a:buFontTx/>
-              <a:buChar char="•"/>
-              <a:defRPr/>
-            </a:pPr>
-            <a:r>
-              <a:rPr lang="en-US" sz="2000" dirty="0" smtClean="0"/>
-              <a:t>Each </a:t>
-            </a:r>
-            <a:r>
-              <a:rPr lang="en-US" sz="2000" dirty="0" smtClean="0"/>
-              <a:t>gene must have an </a:t>
-            </a:r>
-            <a:r>
-              <a:rPr lang="en-US" sz="2000" dirty="0" smtClean="0">
-                <a:solidFill>
-                  <a:srgbClr val="00B050"/>
-                </a:solidFill>
-              </a:rPr>
-              <a:t>association</a:t>
-            </a:r>
-            <a:r>
-              <a:rPr lang="en-US" sz="2000" dirty="0" smtClean="0"/>
-              <a:t> to an instance of the </a:t>
-            </a:r>
-            <a:r>
-              <a:rPr lang="en-US" sz="2000" i="1" dirty="0" smtClean="0"/>
-              <a:t>term </a:t>
-            </a:r>
-            <a:r>
-              <a:rPr lang="en-US" sz="2000" dirty="0" smtClean="0"/>
-              <a:t>data </a:t>
-            </a:r>
-            <a:r>
-              <a:rPr lang="en-US" sz="2000" dirty="0" smtClean="0"/>
-              <a:t>type via the role name </a:t>
-            </a:r>
-            <a:r>
-              <a:rPr lang="en-US" sz="2000" i="1" dirty="0" smtClean="0"/>
-              <a:t>terms</a:t>
-            </a:r>
-          </a:p>
-          <a:p>
-            <a:pPr marL="800100" lvl="1" indent="-342900">
-              <a:spcBef>
-                <a:spcPct val="20000"/>
-              </a:spcBef>
-              <a:buClr>
-                <a:srgbClr val="00AAF6"/>
-              </a:buClr>
-              <a:buFontTx/>
-              <a:buChar char="•"/>
-              <a:defRPr/>
-            </a:pPr>
-            <a:r>
-              <a:rPr lang="en-US" sz="2000" dirty="0" smtClean="0"/>
-              <a:t>Each </a:t>
-            </a:r>
-            <a:r>
-              <a:rPr lang="en-US" sz="2000" dirty="0" smtClean="0"/>
-              <a:t>term must have it's </a:t>
-            </a:r>
-            <a:r>
-              <a:rPr lang="en-US" sz="2000" i="1" dirty="0" smtClean="0"/>
-              <a:t>value</a:t>
-            </a:r>
-            <a:r>
-              <a:rPr lang="en-US" sz="2000" dirty="0" smtClean="0"/>
-              <a:t> </a:t>
-            </a:r>
-            <a:r>
-              <a:rPr lang="en-US" sz="2000" dirty="0" smtClean="0">
-                <a:solidFill>
-                  <a:srgbClr val="0070C0"/>
-                </a:solidFill>
-              </a:rPr>
-              <a:t>attribute</a:t>
-            </a:r>
-            <a:r>
-              <a:rPr lang="en-US" sz="2000" dirty="0" smtClean="0"/>
-              <a:t> equal to </a:t>
-            </a:r>
-            <a:r>
-              <a:rPr lang="en-US" sz="2000" dirty="0" smtClean="0"/>
-              <a:t>“root”</a:t>
-            </a:r>
-          </a:p>
-          <a:p>
-            <a:pPr marL="800100" lvl="1" indent="-342900">
-              <a:spcBef>
-                <a:spcPct val="20000"/>
-              </a:spcBef>
-              <a:buClr>
-                <a:srgbClr val="00AAF6"/>
-              </a:buClr>
-              <a:buFontTx/>
-              <a:buChar char="•"/>
-              <a:defRPr/>
-            </a:pPr>
-            <a:r>
-              <a:rPr lang="en-US" sz="2000" dirty="0" smtClean="0"/>
-              <a:t>The </a:t>
-            </a:r>
-            <a:r>
-              <a:rPr lang="en-US" sz="2000" dirty="0" smtClean="0"/>
-              <a:t>query is executed on </a:t>
-            </a:r>
-            <a:r>
-              <a:rPr lang="en-US" sz="2000" dirty="0" smtClean="0">
-                <a:solidFill>
-                  <a:srgbClr val="7030A0"/>
-                </a:solidFill>
-              </a:rPr>
-              <a:t>two data services</a:t>
-            </a:r>
-            <a:r>
-              <a:rPr lang="en-US" sz="2000" dirty="0" smtClean="0"/>
-              <a:t>, each indicated by the </a:t>
-            </a:r>
-            <a:r>
-              <a:rPr lang="en-US" sz="2000" i="1" dirty="0" err="1" smtClean="0"/>
-              <a:t>targetServiceUrl</a:t>
-            </a:r>
-            <a:r>
-              <a:rPr lang="en-US" sz="2000" dirty="0" smtClean="0"/>
-              <a:t> </a:t>
-            </a:r>
-            <a:r>
-              <a:rPr lang="en-US" sz="2000" dirty="0" smtClean="0"/>
-              <a:t>elements at the end of the </a:t>
-            </a:r>
-            <a:r>
-              <a:rPr lang="en-US" sz="2000" dirty="0" smtClean="0"/>
-              <a:t>query</a:t>
-            </a:r>
-          </a:p>
-          <a:p>
-            <a:pPr marL="342900" indent="-342900">
-              <a:spcBef>
-                <a:spcPct val="20000"/>
-              </a:spcBef>
-              <a:buClr>
-                <a:srgbClr val="00AAF6"/>
-              </a:buClr>
-              <a:buFontTx/>
-              <a:buChar char="•"/>
-              <a:defRPr/>
-            </a:pPr>
-            <a:endParaRPr lang="en-US" sz="2000" dirty="0" smtClean="0"/>
+            <a:endParaRPr lang="en-US" dirty="0" smtClean="0"/>
           </a:p>
           <a:p>
             <a:pPr marL="800100" lvl="1" indent="-342900">
@@ -17254,353 +17727,6 @@
             </a:pPr>
             <a:endParaRPr lang="en-US" sz="2000" kern="0" dirty="0" smtClean="0">
               <a:latin typeface="+mn-lt"/>
-            </a:endParaRPr>
-          </a:p>
-        </p:txBody>
-      </p:sp>
-      <p:sp>
-        <p:nvSpPr>
-          <p:cNvPr id="7" name="TextBox 6"/>
-          <p:cNvSpPr txBox="1"/>
-          <p:nvPr/>
-        </p:nvSpPr>
-        <p:spPr>
-          <a:xfrm>
-            <a:off x="228600" y="4495800"/>
-            <a:ext cx="8610600" cy="1892826"/>
-          </a:xfrm>
-          <a:prstGeom prst="rect">
-            <a:avLst/>
-          </a:prstGeom>
-          <a:noFill/>
-        </p:spPr>
-        <p:txBody>
-          <a:bodyPr wrap="square" rtlCol="0">
-            <a:spAutoFit/>
-          </a:bodyPr>
-          <a:lstStyle/>
-          <a:p>
-            <a:r>
-              <a:rPr lang="en-US" sz="1300" dirty="0" smtClean="0">
-                <a:latin typeface="Arial Narrow" pitchFamily="34" charset="0"/>
-              </a:rPr>
-              <a:t>&lt;ns1:DCQLQuery </a:t>
-            </a:r>
-            <a:r>
-              <a:rPr lang="en-US" sz="1300" dirty="0" smtClean="0">
-                <a:latin typeface="Arial Narrow" pitchFamily="34" charset="0"/>
-              </a:rPr>
-              <a:t>xmlns:ns1=</a:t>
-            </a:r>
-            <a:r>
-              <a:rPr lang="en-US" sz="1300" dirty="0" smtClean="0">
-                <a:latin typeface="Arial Narrow" pitchFamily="34" charset="0"/>
-                <a:hlinkClick r:id="rId3"/>
-              </a:rPr>
-              <a:t>http</a:t>
-            </a:r>
-            <a:r>
-              <a:rPr lang="en-US" sz="1300" dirty="0" smtClean="0">
-                <a:latin typeface="Arial Narrow" pitchFamily="34" charset="0"/>
-                <a:hlinkClick r:id="rId3"/>
-              </a:rPr>
-              <a:t>://</a:t>
-            </a:r>
-            <a:r>
-              <a:rPr lang="en-US" sz="1300" dirty="0" smtClean="0">
-                <a:latin typeface="Arial Narrow" pitchFamily="34" charset="0"/>
-                <a:hlinkClick r:id="rId3"/>
-              </a:rPr>
-              <a:t>caGrid.caBIG/1.0/gov.nih.nci.cagrid.dcql</a:t>
-            </a:r>
-            <a:r>
-              <a:rPr lang="en-US" sz="1300" dirty="0" smtClean="0">
-                <a:latin typeface="Arial Narrow" pitchFamily="34" charset="0"/>
-              </a:rPr>
-              <a:t>&gt;</a:t>
-            </a:r>
-          </a:p>
-          <a:p>
-            <a:r>
-              <a:rPr lang="en-US" sz="1300" dirty="0" smtClean="0">
-                <a:latin typeface="Arial Narrow" pitchFamily="34" charset="0"/>
-              </a:rPr>
-              <a:t>   </a:t>
-            </a:r>
-            <a:r>
-              <a:rPr lang="en-US" sz="1300" dirty="0" smtClean="0">
-                <a:solidFill>
-                  <a:srgbClr val="C00000"/>
-                </a:solidFill>
-                <a:latin typeface="Arial Narrow" pitchFamily="34" charset="0"/>
-              </a:rPr>
-              <a:t>&lt;</a:t>
-            </a:r>
-            <a:r>
-              <a:rPr lang="en-US" sz="1300" dirty="0" smtClean="0">
-                <a:solidFill>
-                  <a:srgbClr val="C00000"/>
-                </a:solidFill>
-                <a:latin typeface="Arial Narrow" pitchFamily="34" charset="0"/>
-              </a:rPr>
-              <a:t>ns1:TargetObject name="model1.domain.Gene</a:t>
-            </a:r>
-            <a:r>
-              <a:rPr lang="en-US" sz="1300" dirty="0" smtClean="0">
-                <a:solidFill>
-                  <a:srgbClr val="C00000"/>
-                </a:solidFill>
-                <a:latin typeface="Arial Narrow" pitchFamily="34" charset="0"/>
-              </a:rPr>
-              <a:t>"&gt;</a:t>
-            </a:r>
-          </a:p>
-          <a:p>
-            <a:r>
-              <a:rPr lang="en-US" sz="1300" dirty="0" smtClean="0">
-                <a:latin typeface="Arial Narrow" pitchFamily="34" charset="0"/>
-              </a:rPr>
-              <a:t>      </a:t>
-            </a:r>
-            <a:r>
-              <a:rPr lang="en-US" sz="1300" dirty="0" smtClean="0">
-                <a:solidFill>
-                  <a:srgbClr val="00B050"/>
-                </a:solidFill>
-                <a:latin typeface="Arial Narrow" pitchFamily="34" charset="0"/>
-              </a:rPr>
-              <a:t>&lt;</a:t>
-            </a:r>
-            <a:r>
-              <a:rPr lang="en-US" sz="1300" dirty="0" smtClean="0">
-                <a:solidFill>
-                  <a:srgbClr val="00B050"/>
-                </a:solidFill>
-                <a:latin typeface="Arial Narrow" pitchFamily="34" charset="0"/>
-              </a:rPr>
-              <a:t>ns1:Association name="model1.domain.Term" </a:t>
-            </a:r>
-            <a:r>
-              <a:rPr lang="en-US" sz="1300" dirty="0" err="1" smtClean="0">
-                <a:solidFill>
-                  <a:srgbClr val="00B050"/>
-                </a:solidFill>
-                <a:latin typeface="Arial Narrow" pitchFamily="34" charset="0"/>
-              </a:rPr>
-              <a:t>roleName</a:t>
-            </a:r>
-            <a:r>
-              <a:rPr lang="en-US" sz="1300" dirty="0" smtClean="0">
-                <a:solidFill>
-                  <a:srgbClr val="00B050"/>
-                </a:solidFill>
-                <a:latin typeface="Arial Narrow" pitchFamily="34" charset="0"/>
-              </a:rPr>
-              <a:t>="terms</a:t>
-            </a:r>
-            <a:r>
-              <a:rPr lang="en-US" sz="1300" dirty="0" smtClean="0">
-                <a:solidFill>
-                  <a:srgbClr val="00B050"/>
-                </a:solidFill>
-                <a:latin typeface="Arial Narrow" pitchFamily="34" charset="0"/>
-              </a:rPr>
-              <a:t>"&gt;</a:t>
-            </a:r>
-          </a:p>
-          <a:p>
-            <a:r>
-              <a:rPr lang="en-US" sz="1300" dirty="0" smtClean="0">
-                <a:latin typeface="Arial Narrow" pitchFamily="34" charset="0"/>
-              </a:rPr>
-              <a:t>         </a:t>
-            </a:r>
-            <a:r>
-              <a:rPr lang="en-US" sz="1300" dirty="0" smtClean="0">
-                <a:solidFill>
-                  <a:srgbClr val="0070C0"/>
-                </a:solidFill>
-                <a:latin typeface="Arial Narrow" pitchFamily="34" charset="0"/>
-              </a:rPr>
-              <a:t>&lt;</a:t>
-            </a:r>
-            <a:r>
-              <a:rPr lang="en-US" sz="1300" dirty="0" smtClean="0">
-                <a:solidFill>
-                  <a:srgbClr val="0070C0"/>
-                </a:solidFill>
-                <a:latin typeface="Arial Narrow" pitchFamily="34" charset="0"/>
-              </a:rPr>
-              <a:t>ns1:Attribute name="value" predicate="EQUAL_TO" value="root</a:t>
-            </a:r>
-            <a:r>
-              <a:rPr lang="en-US" sz="1300" dirty="0" smtClean="0">
-                <a:solidFill>
-                  <a:srgbClr val="0070C0"/>
-                </a:solidFill>
-                <a:latin typeface="Arial Narrow" pitchFamily="34" charset="0"/>
-              </a:rPr>
-              <a:t>"/&gt;</a:t>
-            </a:r>
-          </a:p>
-          <a:p>
-            <a:r>
-              <a:rPr lang="en-US" sz="1300" dirty="0" smtClean="0">
-                <a:latin typeface="Arial Narrow" pitchFamily="34" charset="0"/>
-              </a:rPr>
-              <a:t>      </a:t>
-            </a:r>
-            <a:r>
-              <a:rPr lang="en-US" sz="1300" dirty="0" smtClean="0">
-                <a:solidFill>
-                  <a:srgbClr val="00B050"/>
-                </a:solidFill>
-                <a:latin typeface="Arial Narrow" pitchFamily="34" charset="0"/>
-              </a:rPr>
-              <a:t>&lt;/</a:t>
-            </a:r>
-            <a:r>
-              <a:rPr lang="en-US" sz="1300" dirty="0" smtClean="0">
-                <a:solidFill>
-                  <a:srgbClr val="00B050"/>
-                </a:solidFill>
-                <a:latin typeface="Arial Narrow" pitchFamily="34" charset="0"/>
-              </a:rPr>
-              <a:t>ns1:Association</a:t>
-            </a:r>
-            <a:r>
-              <a:rPr lang="en-US" sz="1300" dirty="0" smtClean="0">
-                <a:solidFill>
-                  <a:srgbClr val="00B050"/>
-                </a:solidFill>
-                <a:latin typeface="Arial Narrow" pitchFamily="34" charset="0"/>
-              </a:rPr>
-              <a:t>&gt;</a:t>
-            </a:r>
-          </a:p>
-          <a:p>
-            <a:r>
-              <a:rPr lang="en-US" sz="1300" dirty="0" smtClean="0">
-                <a:latin typeface="Arial Narrow" pitchFamily="34" charset="0"/>
-              </a:rPr>
-              <a:t>    </a:t>
-            </a:r>
-            <a:r>
-              <a:rPr lang="en-US" sz="1300" dirty="0" smtClean="0">
-                <a:solidFill>
-                  <a:srgbClr val="C00000"/>
-                </a:solidFill>
-                <a:latin typeface="Arial Narrow" pitchFamily="34" charset="0"/>
-              </a:rPr>
-              <a:t>&lt;/ns1:TargetObject</a:t>
-            </a:r>
-            <a:r>
-              <a:rPr lang="en-US" sz="1300" dirty="0" smtClean="0">
-                <a:solidFill>
-                  <a:srgbClr val="C00000"/>
-                </a:solidFill>
-                <a:latin typeface="Arial Narrow" pitchFamily="34" charset="0"/>
-              </a:rPr>
-              <a:t>&gt;</a:t>
-            </a:r>
-          </a:p>
-          <a:p>
-            <a:r>
-              <a:rPr lang="en-US" sz="1300" dirty="0" smtClean="0">
-                <a:latin typeface="Arial Narrow" pitchFamily="34" charset="0"/>
-              </a:rPr>
-              <a:t>   </a:t>
-            </a:r>
-            <a:r>
-              <a:rPr lang="en-US" sz="1300" dirty="0" smtClean="0">
-                <a:solidFill>
-                  <a:srgbClr val="7030A0"/>
-                </a:solidFill>
-                <a:latin typeface="Arial Narrow" pitchFamily="34" charset="0"/>
-              </a:rPr>
-              <a:t>&lt;</a:t>
-            </a:r>
-            <a:r>
-              <a:rPr lang="en-US" sz="1300" dirty="0" smtClean="0">
-                <a:solidFill>
-                  <a:srgbClr val="7030A0"/>
-                </a:solidFill>
-                <a:latin typeface="Arial Narrow" pitchFamily="34" charset="0"/>
-              </a:rPr>
-              <a:t>ns1:targetServiceURL&gt;http://</a:t>
-            </a:r>
-            <a:r>
-              <a:rPr lang="en-US" sz="1300" dirty="0" smtClean="0">
-                <a:solidFill>
-                  <a:srgbClr val="7030A0"/>
-                </a:solidFill>
-                <a:latin typeface="Arial Narrow" pitchFamily="34" charset="0"/>
-              </a:rPr>
-              <a:t>sbdev1000.semanticbits.com:13080/wsrf-model1/services/cagrid/Model1Svc&lt;/</a:t>
-            </a:r>
-            <a:r>
-              <a:rPr lang="en-US" sz="1300" dirty="0" smtClean="0">
-                <a:solidFill>
-                  <a:srgbClr val="7030A0"/>
-                </a:solidFill>
-                <a:latin typeface="Arial Narrow" pitchFamily="34" charset="0"/>
-              </a:rPr>
-              <a:t>ns1:targetServiceURL</a:t>
-            </a:r>
-            <a:r>
-              <a:rPr lang="en-US" sz="1300" dirty="0" smtClean="0">
-                <a:solidFill>
-                  <a:srgbClr val="7030A0"/>
-                </a:solidFill>
-                <a:latin typeface="Arial Narrow" pitchFamily="34" charset="0"/>
-              </a:rPr>
-              <a:t>&gt;</a:t>
-            </a:r>
-          </a:p>
-          <a:p>
-            <a:r>
-              <a:rPr lang="en-US" sz="1300" dirty="0" smtClean="0">
-                <a:solidFill>
-                  <a:srgbClr val="7030A0"/>
-                </a:solidFill>
-                <a:latin typeface="Arial Narrow" pitchFamily="34" charset="0"/>
-              </a:rPr>
-              <a:t>   &lt;</a:t>
-            </a:r>
-            <a:r>
-              <a:rPr lang="en-US" sz="1300" dirty="0" smtClean="0">
-                <a:solidFill>
-                  <a:srgbClr val="7030A0"/>
-                </a:solidFill>
-                <a:latin typeface="Arial Narrow" pitchFamily="34" charset="0"/>
-              </a:rPr>
-              <a:t>ns1:targetServiceURL&gt;http://sbdev1000.semanticbits.com:13080/wsrf-model1-a/services/cagrid/Model1Svc&lt;/ns1:targetServiceURL</a:t>
-            </a:r>
-            <a:r>
-              <a:rPr lang="en-US" sz="1300" dirty="0" smtClean="0">
-                <a:solidFill>
-                  <a:srgbClr val="7030A0"/>
-                </a:solidFill>
-                <a:latin typeface="Arial Narrow" pitchFamily="34" charset="0"/>
-              </a:rPr>
-              <a:t>&gt;</a:t>
-            </a:r>
-          </a:p>
-          <a:p>
-            <a:r>
-              <a:rPr lang="en-US" sz="1300" dirty="0" smtClean="0">
-                <a:latin typeface="Arial Narrow" pitchFamily="34" charset="0"/>
-              </a:rPr>
-              <a:t>&lt;/</a:t>
-            </a:r>
-            <a:r>
-              <a:rPr lang="en-US" sz="1300" dirty="0" smtClean="0">
-                <a:latin typeface="Arial Narrow" pitchFamily="34" charset="0"/>
-              </a:rPr>
-              <a:t>ns1:DCQLQuery&gt;</a:t>
-            </a:r>
-            <a:endParaRPr lang="en-US" sz="1300" dirty="0">
-              <a:latin typeface="Arial Narrow" pitchFamily="34" charset="0"/>
             </a:endParaRPr>
           </a:p>
         </p:txBody>
@@ -17659,7 +17785,7 @@
             </a:r>
             <a:r>
               <a:rPr lang="en-US" dirty="0" smtClean="0"/>
-              <a:t>Distributed Join Example</a:t>
+              <a:t>Components</a:t>
             </a:r>
             <a:endParaRPr lang="en-US" dirty="0" smtClean="0"/>
           </a:p>
@@ -17676,7 +17802,7 @@
         <p:spPr bwMode="auto">
           <a:xfrm>
             <a:off x="228600" y="1219200"/>
-            <a:ext cx="8458200" cy="5105400"/>
+            <a:ext cx="8458200" cy="5181600"/>
           </a:xfrm>
           <a:prstGeom prst="rect">
             <a:avLst/>
@@ -17710,8 +17836,102 @@
               <a:defRPr/>
             </a:pPr>
             <a:r>
+              <a:rPr lang="en-US" sz="2000" b="1" kern="0" dirty="0" err="1" smtClean="0"/>
+              <a:t>DCQLQuery</a:t>
+            </a:r>
+            <a:endParaRPr lang="en-US" sz="2000" b="1" kern="0" dirty="0" smtClean="0"/>
+          </a:p>
+          <a:p>
+            <a:pPr marL="800100" lvl="1" indent="-342900">
+              <a:spcBef>
+                <a:spcPct val="20000"/>
+              </a:spcBef>
+              <a:buClr>
+                <a:srgbClr val="00AAF6"/>
+              </a:buClr>
+              <a:buFontTx/>
+              <a:buChar char="•"/>
+              <a:defRPr/>
+            </a:pPr>
+            <a:r>
+              <a:rPr lang="en-US" sz="2000" kern="0" dirty="0" smtClean="0"/>
+              <a:t>The root element of any DCQL query</a:t>
+            </a:r>
+          </a:p>
+          <a:p>
+            <a:pPr marL="800100" lvl="1" indent="-342900">
+              <a:spcBef>
+                <a:spcPct val="20000"/>
+              </a:spcBef>
+              <a:buClr>
+                <a:srgbClr val="00AAF6"/>
+              </a:buClr>
+              <a:buFontTx/>
+              <a:buChar char="•"/>
+              <a:defRPr/>
+            </a:pPr>
+            <a:r>
+              <a:rPr lang="en-US" sz="2000" kern="0" dirty="0" smtClean="0"/>
+              <a:t>Contains a single </a:t>
+            </a:r>
+            <a:r>
+              <a:rPr lang="en-US" sz="2000" kern="0" dirty="0" err="1" smtClean="0"/>
+              <a:t>TargetObject</a:t>
+            </a:r>
+            <a:r>
+              <a:rPr lang="en-US" sz="2000" kern="0" dirty="0" smtClean="0"/>
+              <a:t> element </a:t>
+            </a:r>
+          </a:p>
+          <a:p>
+            <a:pPr marL="800100" lvl="1" indent="-342900">
+              <a:spcBef>
+                <a:spcPct val="20000"/>
+              </a:spcBef>
+              <a:buClr>
+                <a:srgbClr val="00AAF6"/>
+              </a:buClr>
+              <a:buFontTx/>
+              <a:buChar char="•"/>
+              <a:defRPr/>
+            </a:pPr>
+            <a:r>
+              <a:rPr lang="en-US" sz="2000" kern="0" dirty="0" smtClean="0"/>
+              <a:t>One to many target data service elements</a:t>
+            </a:r>
+          </a:p>
+          <a:p>
+            <a:pPr marL="1257300" lvl="2" indent="-342900">
+              <a:spcBef>
+                <a:spcPct val="20000"/>
+              </a:spcBef>
+              <a:buClr>
+                <a:srgbClr val="00AAF6"/>
+              </a:buClr>
+              <a:buFontTx/>
+              <a:buChar char="•"/>
+              <a:defRPr/>
+            </a:pPr>
+            <a:r>
+              <a:rPr lang="en-US" kern="0" dirty="0" smtClean="0"/>
+              <a:t>Multiple target services provides for aggregation of results from multiple sources</a:t>
+            </a:r>
+          </a:p>
+          <a:p>
+            <a:pPr marL="342900" indent="-342900">
+              <a:spcBef>
+                <a:spcPct val="20000"/>
+              </a:spcBef>
+              <a:buClr>
+                <a:srgbClr val="00AAF6"/>
+              </a:buClr>
+              <a:buFontTx/>
+              <a:buChar char="•"/>
+              <a:defRPr/>
+            </a:pPr>
+            <a:r>
               <a:rPr lang="en-US" sz="2000" b="1" kern="0" dirty="0" smtClean="0"/>
-              <a:t>Joins between disparate data models and services</a:t>
+              <a:t>Object</a:t>
             </a:r>
           </a:p>
           <a:p>
@@ -17728,7 +17948,108 @@
             </a:pPr>
             <a:r>
               <a:rPr lang="en-US" sz="2000" kern="0" dirty="0" smtClean="0"/>
-              <a:t>Simple join criteria on attribute values</a:t>
+              <a:t>Identifies a data type</a:t>
+            </a:r>
+          </a:p>
+          <a:p>
+            <a:pPr marL="800100" lvl="1" indent="-342900">
+              <a:spcBef>
+                <a:spcPct val="20000"/>
+              </a:spcBef>
+              <a:buClr>
+                <a:srgbClr val="00AAF6"/>
+              </a:buClr>
+              <a:buFontTx/>
+              <a:buChar char="•"/>
+              <a:defRPr/>
+            </a:pPr>
+            <a:r>
+              <a:rPr lang="en-US" sz="2000" kern="0" dirty="0" smtClean="0"/>
+              <a:t>May be used as the </a:t>
+            </a:r>
+            <a:r>
+              <a:rPr lang="en-US" sz="2000" kern="0" dirty="0" err="1" smtClean="0"/>
+              <a:t>TargetObject</a:t>
+            </a:r>
+            <a:r>
+              <a:rPr lang="en-US" sz="2000" kern="0" dirty="0" smtClean="0"/>
+              <a:t> of a DCQL query</a:t>
+            </a:r>
+          </a:p>
+          <a:p>
+            <a:pPr marL="1257300" lvl="2" indent="-342900">
+              <a:spcBef>
+                <a:spcPct val="20000"/>
+              </a:spcBef>
+              <a:buClr>
+                <a:srgbClr val="00AAF6"/>
+              </a:buClr>
+              <a:buFontTx/>
+              <a:buChar char="•"/>
+              <a:defRPr/>
+            </a:pPr>
+            <a:r>
+              <a:rPr lang="en-US" kern="0" dirty="0" smtClean="0"/>
+              <a:t>The data type which will be returned</a:t>
+            </a:r>
+          </a:p>
+          <a:p>
+            <a:pPr marL="800100" lvl="1" indent="-342900">
+              <a:spcBef>
+                <a:spcPct val="20000"/>
+              </a:spcBef>
+              <a:buClr>
+                <a:srgbClr val="00AAF6"/>
+              </a:buClr>
+              <a:buFontTx/>
+              <a:buChar char="•"/>
+              <a:defRPr/>
+            </a:pPr>
+            <a:r>
+              <a:rPr lang="en-US" sz="2000" kern="0" dirty="0" smtClean="0"/>
+              <a:t>Also may be used as an Association</a:t>
+            </a:r>
+          </a:p>
+          <a:p>
+            <a:pPr marL="1257300" lvl="2" indent="-342900">
+              <a:spcBef>
+                <a:spcPct val="20000"/>
+              </a:spcBef>
+              <a:buClr>
+                <a:srgbClr val="00AAF6"/>
+              </a:buClr>
+              <a:buFontTx/>
+              <a:buChar char="•"/>
+              <a:defRPr/>
+            </a:pPr>
+            <a:r>
+              <a:rPr lang="en-US" kern="0" dirty="0" smtClean="0"/>
+              <a:t>Provides a restriction on its parent element</a:t>
+            </a:r>
+          </a:p>
+          <a:p>
+            <a:pPr marL="800100" lvl="1" indent="-342900">
+              <a:spcBef>
+                <a:spcPct val="20000"/>
+              </a:spcBef>
+              <a:buClr>
+                <a:srgbClr val="00AAF6"/>
+              </a:buClr>
+              <a:buFontTx/>
+              <a:buChar char="•"/>
+              <a:defRPr/>
+            </a:pPr>
+            <a:r>
+              <a:rPr lang="en-US" sz="2000" kern="0" dirty="0" smtClean="0"/>
+              <a:t>Adds the </a:t>
+            </a:r>
+            <a:r>
+              <a:rPr lang="en-US" sz="2000" kern="0" dirty="0" err="1" smtClean="0"/>
+              <a:t>ForeignAssociation</a:t>
+            </a:r>
+            <a:r>
+              <a:rPr lang="en-US" sz="2000" kern="0" dirty="0" smtClean="0"/>
+              <a:t> component over CQL</a:t>
             </a:r>
           </a:p>
           <a:p>
@@ -17743,318 +18064,7 @@
               <a:buChar char="•"/>
               <a:defRPr/>
             </a:pPr>
-            <a:r>
-              <a:rPr lang="en-US" sz="2000" b="1" kern="0" dirty="0" smtClean="0"/>
-              <a:t>Example Query</a:t>
-            </a:r>
-          </a:p>
-          <a:p>
-            <a:pPr marL="800100" lvl="1" indent="-342900">
-              <a:spcBef>
-                <a:spcPct val="20000"/>
-              </a:spcBef>
-              <a:buClr>
-                <a:srgbClr val="00AAF6"/>
-              </a:buClr>
-              <a:buFontTx/>
-              <a:buChar char="•"/>
-              <a:defRPr/>
-            </a:pPr>
-            <a:r>
-              <a:rPr lang="en-US" sz="2000" kern="0" dirty="0" smtClean="0">
-                <a:solidFill>
-                  <a:srgbClr val="C00000"/>
-                </a:solidFill>
-              </a:rPr>
-              <a:t>Return instances of </a:t>
-            </a:r>
-            <a:r>
-              <a:rPr lang="en-US" sz="2000" kern="0" dirty="0" err="1" smtClean="0">
-                <a:solidFill>
-                  <a:srgbClr val="C00000"/>
-                </a:solidFill>
-              </a:rPr>
-              <a:t>caBIO</a:t>
-            </a:r>
-            <a:r>
-              <a:rPr lang="en-US" sz="2000" kern="0" dirty="0" smtClean="0">
-                <a:solidFill>
-                  <a:srgbClr val="C00000"/>
-                </a:solidFill>
-              </a:rPr>
-              <a:t> model’s </a:t>
-            </a:r>
-            <a:r>
-              <a:rPr lang="en-US" sz="2000" i="1" kern="0" dirty="0" err="1" smtClean="0">
-                <a:solidFill>
-                  <a:srgbClr val="C00000"/>
-                </a:solidFill>
-              </a:rPr>
-              <a:t>NucleicAcidSequence</a:t>
-            </a:r>
-            <a:endParaRPr lang="en-US" sz="2000" i="1" kern="0" dirty="0" smtClean="0">
-              <a:solidFill>
-                <a:srgbClr val="C00000"/>
-              </a:solidFill>
-            </a:endParaRPr>
-          </a:p>
-          <a:p>
-            <a:pPr marL="800100" lvl="1" indent="-342900">
-              <a:spcBef>
-                <a:spcPct val="20000"/>
-              </a:spcBef>
-              <a:buClr>
-                <a:srgbClr val="00AAF6"/>
-              </a:buClr>
-              <a:buFontTx/>
-              <a:buChar char="•"/>
-              <a:defRPr/>
-            </a:pPr>
-            <a:r>
-              <a:rPr lang="en-US" sz="2000" dirty="0" smtClean="0"/>
-              <a:t>Each </a:t>
-            </a:r>
-            <a:r>
-              <a:rPr lang="en-US" sz="2000" i="1" dirty="0" smtClean="0"/>
-              <a:t>sequence </a:t>
-            </a:r>
-            <a:r>
-              <a:rPr lang="en-US" sz="2000" dirty="0" smtClean="0"/>
-              <a:t>must have an </a:t>
-            </a:r>
-            <a:r>
-              <a:rPr lang="en-US" sz="2000" dirty="0" smtClean="0">
-                <a:solidFill>
-                  <a:srgbClr val="00B050"/>
-                </a:solidFill>
-              </a:rPr>
-              <a:t>association to a </a:t>
-            </a:r>
-            <a:r>
-              <a:rPr lang="en-US" sz="2000" i="1" dirty="0" smtClean="0">
-                <a:solidFill>
-                  <a:srgbClr val="00B050"/>
-                </a:solidFill>
-              </a:rPr>
-              <a:t>Gene </a:t>
-            </a:r>
-            <a:r>
-              <a:rPr lang="en-US" sz="2000" dirty="0" smtClean="0"/>
-              <a:t>through the role name </a:t>
-            </a:r>
-            <a:r>
-              <a:rPr lang="en-US" sz="2000" i="1" dirty="0" err="1" smtClean="0"/>
-              <a:t>geneCollection</a:t>
-            </a:r>
-            <a:endParaRPr lang="en-US" sz="2000" i="1" dirty="0" smtClean="0"/>
-          </a:p>
-          <a:p>
-            <a:pPr marL="800100" lvl="1" indent="-342900">
-              <a:spcBef>
-                <a:spcPct val="20000"/>
-              </a:spcBef>
-              <a:buClr>
-                <a:srgbClr val="00AAF6"/>
-              </a:buClr>
-              <a:buFontTx/>
-              <a:buChar char="•"/>
-              <a:defRPr/>
-            </a:pPr>
-            <a:r>
-              <a:rPr lang="en-US" sz="2000" dirty="0" smtClean="0"/>
-              <a:t>Each </a:t>
-            </a:r>
-            <a:r>
-              <a:rPr lang="en-US" sz="2000" i="1" dirty="0" smtClean="0"/>
-              <a:t>gene</a:t>
-            </a:r>
-            <a:r>
-              <a:rPr lang="en-US" sz="2000" dirty="0" smtClean="0"/>
-              <a:t> has an </a:t>
-            </a:r>
-            <a:r>
-              <a:rPr lang="en-US" sz="2000" dirty="0" smtClean="0">
-                <a:solidFill>
-                  <a:srgbClr val="00B0F0"/>
-                </a:solidFill>
-              </a:rPr>
-              <a:t>association to Protein</a:t>
-            </a:r>
-            <a:r>
-              <a:rPr lang="en-US" sz="2000" dirty="0" smtClean="0"/>
-              <a:t> through </a:t>
-            </a:r>
-            <a:r>
-              <a:rPr lang="en-US" sz="2000" i="1" dirty="0" err="1" smtClean="0"/>
-              <a:t>proteinCollection</a:t>
-            </a:r>
-            <a:endParaRPr lang="en-US" sz="2000" i="1" dirty="0" smtClean="0"/>
-          </a:p>
-          <a:p>
-            <a:pPr marL="800100" lvl="1" indent="-342900">
-              <a:spcBef>
-                <a:spcPct val="20000"/>
-              </a:spcBef>
-              <a:buClr>
-                <a:srgbClr val="00AAF6"/>
-              </a:buClr>
-              <a:buFontTx/>
-              <a:buChar char="•"/>
-              <a:defRPr/>
-            </a:pPr>
-            <a:r>
-              <a:rPr lang="en-US" sz="2000" dirty="0" smtClean="0"/>
-              <a:t>A </a:t>
-            </a:r>
-            <a:r>
-              <a:rPr lang="en-US" sz="2000" i="1" dirty="0" err="1" smtClean="0">
-                <a:solidFill>
-                  <a:srgbClr val="FF9900"/>
-                </a:solidFill>
-              </a:rPr>
-              <a:t>ForeignAssociation</a:t>
-            </a:r>
-            <a:r>
-              <a:rPr lang="en-US" sz="2000" dirty="0" smtClean="0">
-                <a:solidFill>
-                  <a:srgbClr val="FF9900"/>
-                </a:solidFill>
-              </a:rPr>
-              <a:t> </a:t>
-            </a:r>
-            <a:r>
-              <a:rPr lang="en-US" sz="2000" dirty="0" smtClean="0"/>
-              <a:t>indicates a new query is started against a different caGrid data service (</a:t>
-            </a:r>
-            <a:r>
-              <a:rPr lang="en-US" sz="2000" i="1" dirty="0" err="1" smtClean="0"/>
-              <a:t>gridPIR</a:t>
-            </a:r>
-            <a:r>
-              <a:rPr lang="en-US" sz="2000" i="1" dirty="0" smtClean="0"/>
-              <a:t>)</a:t>
-            </a:r>
-            <a:endParaRPr lang="en-US" sz="2000" dirty="0" smtClean="0"/>
-          </a:p>
-          <a:p>
-            <a:pPr marL="800100" lvl="1" indent="-342900">
-              <a:spcBef>
-                <a:spcPct val="20000"/>
-              </a:spcBef>
-              <a:buClr>
-                <a:srgbClr val="00AAF6"/>
-              </a:buClr>
-              <a:buFontTx/>
-              <a:buChar char="•"/>
-              <a:defRPr/>
-            </a:pPr>
-            <a:r>
-              <a:rPr lang="en-US" sz="2000" dirty="0" smtClean="0"/>
-              <a:t>The </a:t>
-            </a:r>
-            <a:r>
-              <a:rPr lang="en-US" sz="2000" i="1" dirty="0" err="1" smtClean="0">
-                <a:solidFill>
-                  <a:srgbClr val="FF9900"/>
-                </a:solidFill>
-              </a:rPr>
-              <a:t>JoinCondition</a:t>
-            </a:r>
-            <a:r>
-              <a:rPr lang="en-US" sz="2000" dirty="0" smtClean="0">
-                <a:solidFill>
-                  <a:srgbClr val="FF9900"/>
-                </a:solidFill>
-              </a:rPr>
-              <a:t> </a:t>
-            </a:r>
-            <a:r>
-              <a:rPr lang="en-US" sz="2000" dirty="0" smtClean="0"/>
-              <a:t>element indicates how a field from the “foreign” data type relates to a field of the “origin” data type</a:t>
-            </a:r>
-          </a:p>
-          <a:p>
-            <a:pPr marL="800100" lvl="1" indent="-342900">
-              <a:spcBef>
-                <a:spcPct val="20000"/>
-              </a:spcBef>
-              <a:buClr>
-                <a:srgbClr val="00AAF6"/>
-              </a:buClr>
-              <a:buFontTx/>
-              <a:buChar char="•"/>
-              <a:defRPr/>
-            </a:pPr>
-            <a:r>
-              <a:rPr lang="en-US" sz="2000" dirty="0" smtClean="0">
-                <a:solidFill>
-                  <a:srgbClr val="7030A0"/>
-                </a:solidFill>
-              </a:rPr>
-              <a:t>The foreign data type is </a:t>
-            </a:r>
-            <a:r>
-              <a:rPr lang="en-US" sz="2000" i="1" dirty="0" smtClean="0">
-                <a:solidFill>
-                  <a:srgbClr val="7030A0"/>
-                </a:solidFill>
-              </a:rPr>
-              <a:t>Protein</a:t>
-            </a:r>
-          </a:p>
-          <a:p>
-            <a:pPr marL="800100" lvl="1" indent="-342900">
-              <a:spcBef>
-                <a:spcPct val="20000"/>
-              </a:spcBef>
-              <a:buClr>
-                <a:srgbClr val="00AAF6"/>
-              </a:buClr>
-              <a:buFontTx/>
-              <a:buChar char="•"/>
-              <a:defRPr/>
-            </a:pPr>
-            <a:r>
-              <a:rPr lang="en-US" sz="2000" dirty="0" smtClean="0"/>
-              <a:t>Each protein instance must have</a:t>
-            </a:r>
-            <a:r>
-              <a:rPr lang="en-US" sz="2000" dirty="0" smtClean="0">
-                <a:solidFill>
-                  <a:srgbClr val="0070C0"/>
-                </a:solidFill>
-              </a:rPr>
-              <a:t> two associations;</a:t>
-            </a:r>
-            <a:r>
-              <a:rPr lang="en-US" sz="2000" dirty="0" smtClean="0"/>
-              <a:t> one to </a:t>
-            </a:r>
-            <a:r>
-              <a:rPr lang="en-US" sz="2000" i="1" dirty="0" smtClean="0"/>
-              <a:t>Gene</a:t>
-            </a:r>
-            <a:r>
-              <a:rPr lang="en-US" sz="2000" dirty="0" smtClean="0"/>
-              <a:t> and one to </a:t>
-            </a:r>
-            <a:r>
-              <a:rPr lang="en-US" sz="2000" i="1" dirty="0" smtClean="0"/>
-              <a:t>Organism </a:t>
-            </a:r>
-            <a:r>
-              <a:rPr lang="en-US" sz="2000" dirty="0" smtClean="0"/>
-              <a:t>(both within </a:t>
-            </a:r>
-            <a:r>
-              <a:rPr lang="en-US" sz="2000" dirty="0" err="1" smtClean="0"/>
-              <a:t>gridPIR</a:t>
-            </a:r>
-            <a:r>
-              <a:rPr lang="en-US" sz="2000" dirty="0" smtClean="0"/>
-              <a:t>)</a:t>
-            </a:r>
-            <a:endParaRPr lang="en-US" sz="2000" dirty="0" smtClean="0"/>
+            <a:endParaRPr lang="en-US" dirty="0" smtClean="0"/>
           </a:p>
           <a:p>
             <a:pPr marL="800100" lvl="1" indent="-342900">
@@ -18229,6 +18239,2081 @@
 </file>
 
 <file path=ppt/slides/slide50.xml><?xml version="1.0" encoding="utf-8"?>
+<p:sld xmlns:a="http://schemas.openxmlformats.org/drawingml/2006/main" xmlns:r="http://schemas.openxmlformats.org/officeDocument/2006/relationships" xmlns:p="http://schemas.openxmlformats.org/presentationml/2006/main">
+  <p:cSld>
+    <p:spTree>
+      <p:nvGrpSpPr>
+        <p:cNvPr id="1" name=""/>
+        <p:cNvGrpSpPr/>
+        <p:nvPr/>
+      </p:nvGrpSpPr>
+      <p:grpSpPr>
+        <a:xfrm>
+          <a:off x="0" y="0"/>
+          <a:ext cx="0" cy="0"/>
+          <a:chOff x="0" y="0"/>
+          <a:chExt cx="0" cy="0"/>
+        </a:xfrm>
+      </p:grpSpPr>
+      <p:sp>
+        <p:nvSpPr>
+          <p:cNvPr id="59394" name="Rectangle 2"/>
+          <p:cNvSpPr>
+            <a:spLocks noGrp="1" noChangeArrowheads="1"/>
+          </p:cNvSpPr>
+          <p:nvPr>
+            <p:ph type="title"/>
+          </p:nvPr>
+        </p:nvSpPr>
+        <p:spPr/>
+        <p:txBody>
+          <a:bodyPr/>
+          <a:lstStyle/>
+          <a:p>
+            <a:pPr eaLnBrk="1" hangingPunct="1"/>
+            <a:r>
+              <a:rPr lang="en-US" dirty="0" smtClean="0"/>
+              <a:t>DCQL </a:t>
+            </a:r>
+            <a:r>
+              <a:rPr lang="en-US" dirty="0" smtClean="0"/>
+              <a:t>Components</a:t>
+            </a:r>
+            <a:endParaRPr lang="en-US" dirty="0" smtClean="0"/>
+          </a:p>
+        </p:txBody>
+      </p:sp>
+      <p:sp>
+        <p:nvSpPr>
+          <p:cNvPr id="4" name="Content Placeholder 2"/>
+          <p:cNvSpPr txBox="1">
+            <a:spLocks/>
+          </p:cNvSpPr>
+          <p:nvPr/>
+        </p:nvSpPr>
+        <p:spPr bwMode="auto">
+          <a:xfrm>
+            <a:off x="228600" y="1219200"/>
+            <a:ext cx="8458200" cy="5181600"/>
+          </a:xfrm>
+          <a:prstGeom prst="rect">
+            <a:avLst/>
+          </a:prstGeom>
+          <a:noFill/>
+          <a:ln w="9525">
+            <a:noFill/>
+            <a:miter lim="800000"/>
+            <a:headEnd/>
+            <a:tailEnd/>
+          </a:ln>
+          <a:effectLst/>
+        </p:spPr>
+        <p:txBody>
+          <a:bodyPr vert="horz" wrap="square" lIns="91440" tIns="45720" rIns="91440" bIns="45720" numCol="1" anchor="t" anchorCtr="0" compatLnSpc="1">
+            <a:prstTxWarp prst="textNoShape">
+              <a:avLst/>
+            </a:prstTxWarp>
+          </a:bodyPr>
+          <a:lstStyle/>
+          <a:p>
+            <a:pPr marL="342900" indent="-342900">
+              <a:spcBef>
+                <a:spcPct val="20000"/>
+              </a:spcBef>
+              <a:buClr>
+                <a:srgbClr val="00AAF6"/>
+              </a:buClr>
+              <a:buFontTx/>
+              <a:buChar char="•"/>
+              <a:defRPr/>
+            </a:pPr>
+            <a:r>
+              <a:rPr lang="en-US" sz="2000" b="1" kern="0" dirty="0" smtClean="0"/>
+              <a:t>Association</a:t>
+            </a:r>
+          </a:p>
+          <a:p>
+            <a:pPr marL="800100" lvl="1" indent="-342900">
+              <a:spcBef>
+                <a:spcPct val="20000"/>
+              </a:spcBef>
+              <a:buClr>
+                <a:srgbClr val="00AAF6"/>
+              </a:buClr>
+              <a:buFontTx/>
+              <a:buChar char="•"/>
+              <a:defRPr/>
+            </a:pPr>
+            <a:r>
+              <a:rPr lang="en-US" sz="2000" kern="0" dirty="0" smtClean="0"/>
+              <a:t>Describes a relationship between the parent and another data type</a:t>
+            </a:r>
+          </a:p>
+          <a:p>
+            <a:pPr marL="800100" lvl="1" indent="-342900">
+              <a:spcBef>
+                <a:spcPct val="20000"/>
+              </a:spcBef>
+              <a:buClr>
+                <a:srgbClr val="00AAF6"/>
+              </a:buClr>
+              <a:buFontTx/>
+              <a:buChar char="•"/>
+              <a:defRPr/>
+            </a:pPr>
+            <a:r>
+              <a:rPr lang="en-US" sz="2000" kern="0" dirty="0" smtClean="0"/>
+              <a:t>Inherits from the Object type</a:t>
+            </a:r>
+          </a:p>
+          <a:p>
+            <a:pPr marL="1257300" lvl="2" indent="-342900">
+              <a:spcBef>
+                <a:spcPct val="20000"/>
+              </a:spcBef>
+              <a:buClr>
+                <a:srgbClr val="00AAF6"/>
+              </a:buClr>
+              <a:buFontTx/>
+              <a:buChar char="•"/>
+              <a:defRPr/>
+            </a:pPr>
+            <a:r>
+              <a:rPr lang="en-US" kern="0" dirty="0" smtClean="0"/>
+              <a:t>Additionally specifies the role name of this association</a:t>
+            </a:r>
+          </a:p>
+          <a:p>
+            <a:pPr marL="342900" indent="-342900">
+              <a:spcBef>
+                <a:spcPct val="20000"/>
+              </a:spcBef>
+              <a:buClr>
+                <a:srgbClr val="00AAF6"/>
+              </a:buClr>
+              <a:buFontTx/>
+              <a:buChar char="•"/>
+              <a:defRPr/>
+            </a:pPr>
+            <a:r>
+              <a:rPr lang="en-US" sz="2000" b="1" kern="0" dirty="0" smtClean="0"/>
+              <a:t>Attribute</a:t>
+            </a:r>
+          </a:p>
+          <a:p>
+            <a:pPr marL="742950" lvl="1" indent="-285750">
+              <a:spcBef>
+                <a:spcPct val="20000"/>
+              </a:spcBef>
+              <a:buClr>
+                <a:srgbClr val="00AAF6"/>
+              </a:buClr>
+              <a:buFontTx/>
+              <a:buChar char="•"/>
+            </a:pPr>
+            <a:r>
+              <a:rPr lang="en-US" sz="2000" kern="0" dirty="0" smtClean="0">
+                <a:solidFill>
+                  <a:srgbClr val="000000"/>
+                </a:solidFill>
+                <a:latin typeface="Arial"/>
+              </a:rPr>
+              <a:t>Object property used as search criteria</a:t>
+            </a:r>
+          </a:p>
+          <a:p>
+            <a:pPr marL="742950" lvl="1" indent="-285750">
+              <a:spcBef>
+                <a:spcPct val="20000"/>
+              </a:spcBef>
+              <a:buClr>
+                <a:srgbClr val="00AAF6"/>
+              </a:buClr>
+              <a:buFontTx/>
+              <a:buChar char="•"/>
+            </a:pPr>
+            <a:r>
+              <a:rPr lang="en-US" sz="2000" kern="0" dirty="0" smtClean="0">
+                <a:solidFill>
+                  <a:srgbClr val="000000"/>
+                </a:solidFill>
+                <a:latin typeface="Arial"/>
+              </a:rPr>
+              <a:t>Defined in terms of attribute name, predicate, and value</a:t>
+            </a:r>
+          </a:p>
+          <a:p>
+            <a:pPr marL="742950" lvl="1" indent="-285750">
+              <a:spcBef>
+                <a:spcPct val="20000"/>
+              </a:spcBef>
+              <a:buClr>
+                <a:srgbClr val="00AAF6"/>
+              </a:buClr>
+              <a:buFontTx/>
+              <a:buChar char="•"/>
+            </a:pPr>
+            <a:r>
+              <a:rPr lang="en-US" sz="2000" kern="0" dirty="0" smtClean="0">
+                <a:solidFill>
+                  <a:srgbClr val="000000"/>
+                </a:solidFill>
+                <a:latin typeface="Arial"/>
+              </a:rPr>
+              <a:t>Predicates are similar to SQL</a:t>
+            </a:r>
+          </a:p>
+          <a:p>
+            <a:pPr marL="1143000" lvl="2" indent="-228600">
+              <a:spcBef>
+                <a:spcPct val="20000"/>
+              </a:spcBef>
+              <a:buClr>
+                <a:srgbClr val="00AAF6"/>
+              </a:buClr>
+              <a:buFontTx/>
+              <a:buChar char="•"/>
+            </a:pPr>
+            <a:r>
+              <a:rPr lang="en-US" kern="0" dirty="0" smtClean="0">
+                <a:solidFill>
+                  <a:srgbClr val="000000"/>
+                </a:solidFill>
+                <a:latin typeface="Arial"/>
+              </a:rPr>
+              <a:t>Equals, Not Equals, Like, Less Than, Greater Than, Less or Equal, Greater or Equal, Null, and Not </a:t>
+            </a:r>
+            <a:r>
+              <a:rPr lang="en-US" kern="0" dirty="0" smtClean="0">
+                <a:solidFill>
+                  <a:srgbClr val="000000"/>
+                </a:solidFill>
+                <a:latin typeface="Arial"/>
+              </a:rPr>
+              <a:t>Null</a:t>
+            </a:r>
+          </a:p>
+          <a:p>
+            <a:pPr marL="685800" lvl="1" indent="-228600">
+              <a:spcBef>
+                <a:spcPct val="20000"/>
+              </a:spcBef>
+              <a:buClr>
+                <a:srgbClr val="00AAF6"/>
+              </a:buClr>
+              <a:buFontTx/>
+              <a:buChar char="•"/>
+            </a:pPr>
+            <a:r>
+              <a:rPr lang="en-US" sz="2000" kern="0" dirty="0" smtClean="0">
+                <a:solidFill>
+                  <a:srgbClr val="000000"/>
+                </a:solidFill>
+                <a:latin typeface="Arial"/>
+              </a:rPr>
+              <a:t>Type inherited from CQL directly without modification</a:t>
+            </a:r>
+            <a:endParaRPr lang="en-US" sz="2000" kern="0" dirty="0" smtClean="0">
+              <a:solidFill>
+                <a:srgbClr val="000000"/>
+              </a:solidFill>
+              <a:latin typeface="Arial"/>
+            </a:endParaRPr>
+          </a:p>
+          <a:p>
+            <a:pPr marL="342900" indent="-342900">
+              <a:spcBef>
+                <a:spcPct val="20000"/>
+              </a:spcBef>
+              <a:buClr>
+                <a:srgbClr val="00AAF6"/>
+              </a:buClr>
+              <a:buFontTx/>
+              <a:buChar char="•"/>
+              <a:defRPr/>
+            </a:pPr>
+            <a:endParaRPr lang="en-US" dirty="0" smtClean="0"/>
+          </a:p>
+          <a:p>
+            <a:pPr marL="800100" lvl="1" indent="-342900">
+              <a:spcBef>
+                <a:spcPct val="20000"/>
+              </a:spcBef>
+              <a:buClr>
+                <a:srgbClr val="00AAF6"/>
+              </a:buClr>
+              <a:buFontTx/>
+              <a:buChar char="•"/>
+              <a:defRPr/>
+            </a:pPr>
+            <a:endParaRPr lang="en-US" sz="2000" kern="0" dirty="0" smtClean="0">
+              <a:latin typeface="+mn-lt"/>
+            </a:endParaRPr>
+          </a:p>
+        </p:txBody>
+      </p:sp>
+    </p:spTree>
+  </p:cSld>
+  <p:clrMapOvr>
+    <a:masterClrMapping/>
+  </p:clrMapOvr>
+  <p:timing>
+    <p:tnLst>
+      <p:par>
+        <p:cTn id="1" dur="indefinite" restart="never" nodeType="tmRoot"/>
+      </p:par>
+    </p:tnLst>
+  </p:timing>
+</p:sld>
+</file>
+
+<file path=ppt/slides/slide51.xml><?xml version="1.0" encoding="utf-8"?>
+<p:sld xmlns:a="http://schemas.openxmlformats.org/drawingml/2006/main" xmlns:r="http://schemas.openxmlformats.org/officeDocument/2006/relationships" xmlns:p="http://schemas.openxmlformats.org/presentationml/2006/main">
+  <p:cSld>
+    <p:spTree>
+      <p:nvGrpSpPr>
+        <p:cNvPr id="1" name=""/>
+        <p:cNvGrpSpPr/>
+        <p:nvPr/>
+      </p:nvGrpSpPr>
+      <p:grpSpPr>
+        <a:xfrm>
+          <a:off x="0" y="0"/>
+          <a:ext cx="0" cy="0"/>
+          <a:chOff x="0" y="0"/>
+          <a:chExt cx="0" cy="0"/>
+        </a:xfrm>
+      </p:grpSpPr>
+      <p:sp>
+        <p:nvSpPr>
+          <p:cNvPr id="59394" name="Rectangle 2"/>
+          <p:cNvSpPr>
+            <a:spLocks noGrp="1" noChangeArrowheads="1"/>
+          </p:cNvSpPr>
+          <p:nvPr>
+            <p:ph type="title"/>
+          </p:nvPr>
+        </p:nvSpPr>
+        <p:spPr/>
+        <p:txBody>
+          <a:bodyPr/>
+          <a:lstStyle/>
+          <a:p>
+            <a:pPr eaLnBrk="1" hangingPunct="1"/>
+            <a:r>
+              <a:rPr lang="en-US" dirty="0" smtClean="0"/>
+              <a:t>DCQL </a:t>
+            </a:r>
+            <a:r>
+              <a:rPr lang="en-US" dirty="0" smtClean="0"/>
+              <a:t>Components</a:t>
+            </a:r>
+            <a:endParaRPr lang="en-US" dirty="0" smtClean="0"/>
+          </a:p>
+        </p:txBody>
+      </p:sp>
+      <p:sp>
+        <p:nvSpPr>
+          <p:cNvPr id="4" name="Content Placeholder 2"/>
+          <p:cNvSpPr txBox="1">
+            <a:spLocks/>
+          </p:cNvSpPr>
+          <p:nvPr/>
+        </p:nvSpPr>
+        <p:spPr bwMode="auto">
+          <a:xfrm>
+            <a:off x="228600" y="1219200"/>
+            <a:ext cx="8458200" cy="5181600"/>
+          </a:xfrm>
+          <a:prstGeom prst="rect">
+            <a:avLst/>
+          </a:prstGeom>
+          <a:noFill/>
+          <a:ln w="9525">
+            <a:noFill/>
+            <a:miter lim="800000"/>
+            <a:headEnd/>
+            <a:tailEnd/>
+          </a:ln>
+          <a:effectLst/>
+        </p:spPr>
+        <p:txBody>
+          <a:bodyPr vert="horz" wrap="square" lIns="91440" tIns="45720" rIns="91440" bIns="45720" numCol="1" anchor="t" anchorCtr="0" compatLnSpc="1">
+            <a:prstTxWarp prst="textNoShape">
+              <a:avLst/>
+            </a:prstTxWarp>
+          </a:bodyPr>
+          <a:lstStyle/>
+          <a:p>
+            <a:pPr marL="342900" indent="-342900">
+              <a:spcBef>
+                <a:spcPct val="20000"/>
+              </a:spcBef>
+              <a:buClr>
+                <a:srgbClr val="00AAF6"/>
+              </a:buClr>
+              <a:buFontTx/>
+              <a:buChar char="•"/>
+              <a:defRPr/>
+            </a:pPr>
+            <a:r>
+              <a:rPr lang="en-US" sz="2000" b="1" kern="0" dirty="0" smtClean="0"/>
+              <a:t>Foreign Association</a:t>
+            </a:r>
+          </a:p>
+          <a:p>
+            <a:pPr marL="800100" lvl="1" indent="-342900">
+              <a:spcBef>
+                <a:spcPct val="20000"/>
+              </a:spcBef>
+              <a:buClr>
+                <a:srgbClr val="00AAF6"/>
+              </a:buClr>
+              <a:buFontTx/>
+              <a:buChar char="•"/>
+              <a:defRPr/>
+            </a:pPr>
+            <a:r>
+              <a:rPr lang="en-US" sz="2000" kern="0" dirty="0" smtClean="0"/>
+              <a:t>Describes a relationship to data in another data service</a:t>
+            </a:r>
+          </a:p>
+          <a:p>
+            <a:pPr marL="800100" lvl="1" indent="-342900">
+              <a:spcBef>
+                <a:spcPct val="20000"/>
+              </a:spcBef>
+              <a:buClr>
+                <a:srgbClr val="00AAF6"/>
+              </a:buClr>
+              <a:buFontTx/>
+              <a:buChar char="•"/>
+              <a:defRPr/>
+            </a:pPr>
+            <a:r>
+              <a:rPr lang="en-US" sz="2000" kern="0" dirty="0" smtClean="0"/>
+              <a:t>Similar to Association – restricts the resulting data set</a:t>
+            </a:r>
+          </a:p>
+          <a:p>
+            <a:pPr marL="800100" lvl="1" indent="-342900">
+              <a:spcBef>
+                <a:spcPct val="20000"/>
+              </a:spcBef>
+              <a:buClr>
+                <a:srgbClr val="00AAF6"/>
+              </a:buClr>
+              <a:buFontTx/>
+              <a:buChar char="•"/>
+              <a:defRPr/>
+            </a:pPr>
+            <a:r>
+              <a:rPr lang="en-US" sz="2000" kern="0" dirty="0" smtClean="0"/>
+              <a:t>Identifies the remote data type and remote data service by URL</a:t>
+            </a:r>
+          </a:p>
+          <a:p>
+            <a:pPr marL="342900" indent="-342900">
+              <a:spcBef>
+                <a:spcPct val="20000"/>
+              </a:spcBef>
+              <a:buClr>
+                <a:srgbClr val="00AAF6"/>
+              </a:buClr>
+              <a:buFontTx/>
+              <a:buChar char="•"/>
+              <a:defRPr/>
+            </a:pPr>
+            <a:r>
+              <a:rPr lang="en-US" sz="2000" b="1" dirty="0" smtClean="0"/>
+              <a:t>Join Condition</a:t>
+            </a:r>
+          </a:p>
+          <a:p>
+            <a:pPr marL="800100" lvl="1" indent="-342900">
+              <a:spcBef>
+                <a:spcPct val="20000"/>
+              </a:spcBef>
+              <a:buClr>
+                <a:srgbClr val="00AAF6"/>
+              </a:buClr>
+              <a:buFontTx/>
+              <a:buChar char="•"/>
+              <a:defRPr/>
+            </a:pPr>
+            <a:r>
+              <a:rPr lang="en-US" sz="2000" dirty="0" smtClean="0"/>
+              <a:t>Used within the context of a Foreign Association</a:t>
+            </a:r>
+          </a:p>
+          <a:p>
+            <a:pPr marL="800100" lvl="1" indent="-342900">
+              <a:spcBef>
+                <a:spcPct val="20000"/>
+              </a:spcBef>
+              <a:buClr>
+                <a:srgbClr val="00AAF6"/>
+              </a:buClr>
+              <a:buFontTx/>
+              <a:buChar char="•"/>
+              <a:defRPr/>
+            </a:pPr>
+            <a:r>
+              <a:rPr lang="en-US" sz="2000" dirty="0" smtClean="0"/>
+              <a:t>Specifies the way in which “local” and “foreign” data is related</a:t>
+            </a:r>
+          </a:p>
+          <a:p>
+            <a:pPr marL="1257300" lvl="2" indent="-342900">
+              <a:spcBef>
+                <a:spcPct val="20000"/>
+              </a:spcBef>
+              <a:buClr>
+                <a:srgbClr val="00AAF6"/>
+              </a:buClr>
+              <a:buFontTx/>
+              <a:buChar char="•"/>
+              <a:defRPr/>
+            </a:pPr>
+            <a:r>
+              <a:rPr lang="en-US" dirty="0" smtClean="0"/>
+              <a:t>Local and foreign attribute names</a:t>
+            </a:r>
+          </a:p>
+          <a:p>
+            <a:pPr marL="800100" lvl="1" indent="-342900">
+              <a:spcBef>
+                <a:spcPct val="20000"/>
+              </a:spcBef>
+              <a:buClr>
+                <a:srgbClr val="00AAF6"/>
+              </a:buClr>
+              <a:buFontTx/>
+              <a:buChar char="•"/>
+              <a:defRPr/>
+            </a:pPr>
+            <a:r>
+              <a:rPr lang="en-US" sz="2000" dirty="0" smtClean="0"/>
+              <a:t>Identifies the join predicate</a:t>
+            </a:r>
+          </a:p>
+          <a:p>
+            <a:pPr marL="1257300" lvl="2" indent="-342900">
+              <a:spcBef>
+                <a:spcPct val="20000"/>
+              </a:spcBef>
+              <a:buClr>
+                <a:srgbClr val="00AAF6"/>
+              </a:buClr>
+              <a:buFontTx/>
+              <a:buChar char="•"/>
+              <a:defRPr/>
+            </a:pPr>
+            <a:r>
+              <a:rPr lang="en-US" dirty="0" smtClean="0"/>
+              <a:t>Equal To, Not Equal, Less Than, Less or Equal, Greater Than, Greater or Equal</a:t>
+            </a:r>
+            <a:endParaRPr lang="en-US" dirty="0" smtClean="0"/>
+          </a:p>
+          <a:p>
+            <a:pPr marL="800100" lvl="1" indent="-342900">
+              <a:spcBef>
+                <a:spcPct val="20000"/>
+              </a:spcBef>
+              <a:buClr>
+                <a:srgbClr val="00AAF6"/>
+              </a:buClr>
+              <a:buFontTx/>
+              <a:buChar char="•"/>
+              <a:defRPr/>
+            </a:pPr>
+            <a:endParaRPr lang="en-US" sz="2000" kern="0" dirty="0" smtClean="0">
+              <a:latin typeface="+mn-lt"/>
+            </a:endParaRPr>
+          </a:p>
+        </p:txBody>
+      </p:sp>
+    </p:spTree>
+  </p:cSld>
+  <p:clrMapOvr>
+    <a:masterClrMapping/>
+  </p:clrMapOvr>
+  <p:timing>
+    <p:tnLst>
+      <p:par>
+        <p:cTn id="1" dur="indefinite" restart="never" nodeType="tmRoot"/>
+      </p:par>
+    </p:tnLst>
+  </p:timing>
+</p:sld>
+</file>
+
+<file path=ppt/slides/slide52.xml><?xml version="1.0" encoding="utf-8"?>
+<p:sld xmlns:a="http://schemas.openxmlformats.org/drawingml/2006/main" xmlns:r="http://schemas.openxmlformats.org/officeDocument/2006/relationships" xmlns:p="http://schemas.openxmlformats.org/presentationml/2006/main">
+  <p:cSld>
+    <p:spTree>
+      <p:nvGrpSpPr>
+        <p:cNvPr id="1" name=""/>
+        <p:cNvGrpSpPr/>
+        <p:nvPr/>
+      </p:nvGrpSpPr>
+      <p:grpSpPr>
+        <a:xfrm>
+          <a:off x="0" y="0"/>
+          <a:ext cx="0" cy="0"/>
+          <a:chOff x="0" y="0"/>
+          <a:chExt cx="0" cy="0"/>
+        </a:xfrm>
+      </p:grpSpPr>
+      <p:sp>
+        <p:nvSpPr>
+          <p:cNvPr id="59394" name="Rectangle 2"/>
+          <p:cNvSpPr>
+            <a:spLocks noGrp="1" noChangeArrowheads="1"/>
+          </p:cNvSpPr>
+          <p:nvPr>
+            <p:ph type="title"/>
+          </p:nvPr>
+        </p:nvSpPr>
+        <p:spPr/>
+        <p:txBody>
+          <a:bodyPr/>
+          <a:lstStyle/>
+          <a:p>
+            <a:pPr eaLnBrk="1" hangingPunct="1"/>
+            <a:r>
+              <a:rPr lang="en-US" dirty="0" smtClean="0"/>
+              <a:t>DCQL </a:t>
+            </a:r>
+            <a:r>
+              <a:rPr lang="en-US" dirty="0" smtClean="0"/>
+              <a:t>Components</a:t>
+            </a:r>
+            <a:endParaRPr lang="en-US" dirty="0" smtClean="0"/>
+          </a:p>
+        </p:txBody>
+      </p:sp>
+      <p:sp>
+        <p:nvSpPr>
+          <p:cNvPr id="4" name="Content Placeholder 2"/>
+          <p:cNvSpPr txBox="1">
+            <a:spLocks/>
+          </p:cNvSpPr>
+          <p:nvPr/>
+        </p:nvSpPr>
+        <p:spPr bwMode="auto">
+          <a:xfrm>
+            <a:off x="228600" y="1219200"/>
+            <a:ext cx="8458200" cy="5181600"/>
+          </a:xfrm>
+          <a:prstGeom prst="rect">
+            <a:avLst/>
+          </a:prstGeom>
+          <a:noFill/>
+          <a:ln w="9525">
+            <a:noFill/>
+            <a:miter lim="800000"/>
+            <a:headEnd/>
+            <a:tailEnd/>
+          </a:ln>
+          <a:effectLst/>
+        </p:spPr>
+        <p:txBody>
+          <a:bodyPr vert="horz" wrap="square" lIns="91440" tIns="45720" rIns="91440" bIns="45720" numCol="1" anchor="t" anchorCtr="0" compatLnSpc="1">
+            <a:prstTxWarp prst="textNoShape">
+              <a:avLst/>
+            </a:prstTxWarp>
+          </a:bodyPr>
+          <a:lstStyle/>
+          <a:p>
+            <a:pPr marL="342900" indent="-342900">
+              <a:spcBef>
+                <a:spcPct val="20000"/>
+              </a:spcBef>
+              <a:buClr>
+                <a:srgbClr val="00AAF6"/>
+              </a:buClr>
+              <a:buFontTx/>
+              <a:buChar char="•"/>
+              <a:defRPr/>
+            </a:pPr>
+            <a:r>
+              <a:rPr lang="en-US" sz="2000" b="1" kern="0" dirty="0" smtClean="0"/>
+              <a:t>Group</a:t>
+            </a:r>
+          </a:p>
+          <a:p>
+            <a:pPr marL="800100" lvl="2" indent="-342900">
+              <a:spcBef>
+                <a:spcPct val="20000"/>
+              </a:spcBef>
+              <a:buClr>
+                <a:srgbClr val="00AAF6"/>
+              </a:buClr>
+              <a:buFontTx/>
+              <a:buChar char="•"/>
+              <a:defRPr/>
+            </a:pPr>
+            <a:r>
+              <a:rPr lang="en-US" sz="2000" kern="0" dirty="0" smtClean="0"/>
+              <a:t>Identical to CQL’s group with the addition of Foreign </a:t>
+            </a:r>
+            <a:r>
+              <a:rPr lang="en-US" sz="2000" kern="0" dirty="0" smtClean="0"/>
+              <a:t>Associations</a:t>
+            </a:r>
+            <a:endParaRPr lang="en-US" sz="2000" b="1" kern="0" dirty="0" smtClean="0"/>
+          </a:p>
+          <a:p>
+            <a:pPr marL="800100" lvl="1" indent="-342900">
+              <a:spcBef>
+                <a:spcPct val="20000"/>
+              </a:spcBef>
+              <a:buClr>
+                <a:srgbClr val="00AAF6"/>
+              </a:buClr>
+              <a:buFontTx/>
+              <a:buChar char="•"/>
+              <a:defRPr/>
+            </a:pPr>
+            <a:r>
+              <a:rPr lang="en-US" sz="2000" kern="0" dirty="0" smtClean="0"/>
+              <a:t>A logical grouping of query constraints</a:t>
+            </a:r>
+          </a:p>
+          <a:p>
+            <a:pPr marL="800100" lvl="1" indent="-342900">
+              <a:spcBef>
+                <a:spcPct val="20000"/>
+              </a:spcBef>
+              <a:buClr>
+                <a:srgbClr val="00AAF6"/>
+              </a:buClr>
+              <a:buFontTx/>
+              <a:buChar char="•"/>
+              <a:defRPr/>
+            </a:pPr>
+            <a:r>
+              <a:rPr lang="en-US" sz="2000" kern="0" dirty="0" smtClean="0"/>
+              <a:t>Logical operators </a:t>
+            </a:r>
+            <a:r>
+              <a:rPr lang="en-US" sz="2000" i="1" kern="0" dirty="0" smtClean="0"/>
+              <a:t>AND </a:t>
+            </a:r>
+            <a:r>
+              <a:rPr lang="en-US" sz="2000" kern="0" dirty="0" err="1" smtClean="0"/>
+              <a:t>and</a:t>
+            </a:r>
+            <a:r>
+              <a:rPr lang="en-US" sz="2000" kern="0" dirty="0" smtClean="0"/>
+              <a:t> </a:t>
+            </a:r>
+            <a:r>
+              <a:rPr lang="en-US" sz="2000" i="1" kern="0" dirty="0" smtClean="0"/>
+              <a:t>OR</a:t>
+            </a:r>
+          </a:p>
+          <a:p>
+            <a:pPr marL="342900" indent="-342900">
+              <a:spcBef>
+                <a:spcPct val="20000"/>
+              </a:spcBef>
+              <a:buClr>
+                <a:srgbClr val="00AAF6"/>
+              </a:buClr>
+              <a:buFontTx/>
+              <a:buChar char="•"/>
+              <a:defRPr/>
+            </a:pPr>
+            <a:r>
+              <a:rPr lang="en-US" sz="2000" b="1" dirty="0" err="1" smtClean="0"/>
+              <a:t>TargetDataServiceURL</a:t>
+            </a:r>
+            <a:endParaRPr lang="en-US" sz="2000" b="1" dirty="0" smtClean="0"/>
+          </a:p>
+          <a:p>
+            <a:pPr marL="800100" lvl="1" indent="-342900">
+              <a:spcBef>
+                <a:spcPct val="20000"/>
+              </a:spcBef>
+              <a:buClr>
+                <a:srgbClr val="00AAF6"/>
+              </a:buClr>
+              <a:buFontTx/>
+              <a:buChar char="•"/>
+              <a:defRPr/>
+            </a:pPr>
+            <a:r>
+              <a:rPr lang="en-US" sz="2000" dirty="0" smtClean="0"/>
+              <a:t>Identifies the context in which the target of the DCQL query should be found</a:t>
+            </a:r>
+          </a:p>
+          <a:p>
+            <a:pPr marL="800100" lvl="1" indent="-342900">
+              <a:spcBef>
+                <a:spcPct val="20000"/>
+              </a:spcBef>
+              <a:buClr>
+                <a:srgbClr val="00AAF6"/>
+              </a:buClr>
+              <a:buFontTx/>
+              <a:buChar char="•"/>
+              <a:defRPr/>
+            </a:pPr>
+            <a:r>
+              <a:rPr lang="en-US" sz="2000" dirty="0" smtClean="0"/>
+              <a:t>Multiple target services yields an aggregation</a:t>
+            </a:r>
+          </a:p>
+          <a:p>
+            <a:pPr marL="1257300" lvl="2" indent="-342900">
+              <a:spcBef>
+                <a:spcPct val="20000"/>
+              </a:spcBef>
+              <a:buClr>
+                <a:srgbClr val="00AAF6"/>
+              </a:buClr>
+              <a:buFontTx/>
+              <a:buChar char="•"/>
+              <a:defRPr/>
+            </a:pPr>
+            <a:r>
+              <a:rPr lang="en-US" sz="2000" dirty="0" smtClean="0"/>
+              <a:t>The same CQL query is broadcast to each target data service</a:t>
+            </a:r>
+          </a:p>
+          <a:p>
+            <a:pPr marL="1257300" lvl="2" indent="-342900">
+              <a:spcBef>
+                <a:spcPct val="20000"/>
+              </a:spcBef>
+              <a:buClr>
+                <a:srgbClr val="00AAF6"/>
+              </a:buClr>
+              <a:buFontTx/>
+              <a:buChar char="•"/>
+              <a:defRPr/>
+            </a:pPr>
+            <a:r>
+              <a:rPr lang="en-US" sz="2000" dirty="0" smtClean="0"/>
+              <a:t>Results may be assembled to retain their context, or lumped together in a single CQL </a:t>
+            </a:r>
+            <a:r>
+              <a:rPr lang="en-US" sz="2000" smtClean="0"/>
+              <a:t>Query Results instance</a:t>
+            </a:r>
+            <a:endParaRPr lang="en-US" sz="2000" dirty="0" smtClean="0"/>
+          </a:p>
+          <a:p>
+            <a:pPr marL="800100" lvl="1" indent="-342900">
+              <a:spcBef>
+                <a:spcPct val="20000"/>
+              </a:spcBef>
+              <a:buClr>
+                <a:srgbClr val="00AAF6"/>
+              </a:buClr>
+              <a:buFontTx/>
+              <a:buChar char="•"/>
+              <a:defRPr/>
+            </a:pPr>
+            <a:endParaRPr lang="en-US" sz="2000" kern="0" dirty="0" smtClean="0">
+              <a:latin typeface="+mn-lt"/>
+            </a:endParaRPr>
+          </a:p>
+        </p:txBody>
+      </p:sp>
+    </p:spTree>
+  </p:cSld>
+  <p:clrMapOvr>
+    <a:masterClrMapping/>
+  </p:clrMapOvr>
+  <p:timing>
+    <p:tnLst>
+      <p:par>
+        <p:cTn id="1" dur="indefinite" restart="never" nodeType="tmRoot"/>
+      </p:par>
+    </p:tnLst>
+  </p:timing>
+</p:sld>
+</file>
+
+<file path=ppt/slides/slide53.xml><?xml version="1.0" encoding="utf-8"?>
+<p:sld xmlns:a="http://schemas.openxmlformats.org/drawingml/2006/main" xmlns:r="http://schemas.openxmlformats.org/officeDocument/2006/relationships" xmlns:p="http://schemas.openxmlformats.org/presentationml/2006/main">
+  <p:cSld>
+    <p:spTree>
+      <p:nvGrpSpPr>
+        <p:cNvPr id="1" name=""/>
+        <p:cNvGrpSpPr/>
+        <p:nvPr/>
+      </p:nvGrpSpPr>
+      <p:grpSpPr>
+        <a:xfrm>
+          <a:off x="0" y="0"/>
+          <a:ext cx="0" cy="0"/>
+          <a:chOff x="0" y="0"/>
+          <a:chExt cx="0" cy="0"/>
+        </a:xfrm>
+      </p:grpSpPr>
+      <p:sp>
+        <p:nvSpPr>
+          <p:cNvPr id="59394" name="Rectangle 2"/>
+          <p:cNvSpPr>
+            <a:spLocks noGrp="1" noChangeArrowheads="1"/>
+          </p:cNvSpPr>
+          <p:nvPr>
+            <p:ph type="title"/>
+          </p:nvPr>
+        </p:nvSpPr>
+        <p:spPr/>
+        <p:txBody>
+          <a:bodyPr/>
+          <a:lstStyle/>
+          <a:p>
+            <a:pPr eaLnBrk="1" hangingPunct="1"/>
+            <a:r>
+              <a:rPr lang="en-US" dirty="0" smtClean="0"/>
+              <a:t>DCQL </a:t>
+            </a:r>
+            <a:r>
+              <a:rPr lang="en-US" dirty="0" smtClean="0"/>
+              <a:t>Aggregation Example</a:t>
+            </a:r>
+            <a:endParaRPr lang="en-US" dirty="0" smtClean="0"/>
+          </a:p>
+        </p:txBody>
+      </p:sp>
+      <p:sp>
+        <p:nvSpPr>
+          <p:cNvPr id="4" name="Content Placeholder 2"/>
+          <p:cNvSpPr txBox="1">
+            <a:spLocks/>
+          </p:cNvSpPr>
+          <p:nvPr/>
+        </p:nvSpPr>
+        <p:spPr bwMode="auto">
+          <a:xfrm>
+            <a:off x="228600" y="1219200"/>
+            <a:ext cx="8458200" cy="3200400"/>
+          </a:xfrm>
+          <a:prstGeom prst="rect">
+            <a:avLst/>
+          </a:prstGeom>
+          <a:noFill/>
+          <a:ln w="9525">
+            <a:noFill/>
+            <a:miter lim="800000"/>
+            <a:headEnd/>
+            <a:tailEnd/>
+          </a:ln>
+          <a:effectLst/>
+        </p:spPr>
+        <p:txBody>
+          <a:bodyPr vert="horz" wrap="square" lIns="91440" tIns="45720" rIns="91440" bIns="45720" numCol="1" anchor="t" anchorCtr="0" compatLnSpc="1">
+            <a:prstTxWarp prst="textNoShape">
+              <a:avLst/>
+            </a:prstTxWarp>
+          </a:bodyPr>
+          <a:lstStyle/>
+          <a:p>
+            <a:pPr marL="342900" indent="-342900">
+              <a:spcBef>
+                <a:spcPct val="20000"/>
+              </a:spcBef>
+              <a:buClr>
+                <a:srgbClr val="00AAF6"/>
+              </a:buClr>
+              <a:buFontTx/>
+              <a:buChar char="•"/>
+              <a:defRPr/>
+            </a:pPr>
+            <a:r>
+              <a:rPr lang="en-US" sz="2000" b="1" kern="0" dirty="0" smtClean="0"/>
+              <a:t>Aggregate data from multiple sources</a:t>
+            </a:r>
+          </a:p>
+          <a:p>
+            <a:pPr marL="800100" lvl="1" indent="-342900">
+              <a:spcBef>
+                <a:spcPct val="20000"/>
+              </a:spcBef>
+              <a:buClr>
+                <a:srgbClr val="00AAF6"/>
+              </a:buClr>
+              <a:buFontTx/>
+              <a:buChar char="•"/>
+              <a:defRPr/>
+            </a:pPr>
+            <a:r>
+              <a:rPr lang="en-US" sz="2000" kern="0" dirty="0" smtClean="0"/>
+              <a:t>Simultaneous query execution up to thread pool size</a:t>
+            </a:r>
+          </a:p>
+          <a:p>
+            <a:pPr marL="342900" indent="-342900">
+              <a:spcBef>
+                <a:spcPct val="20000"/>
+              </a:spcBef>
+              <a:buClr>
+                <a:srgbClr val="00AAF6"/>
+              </a:buClr>
+              <a:buFontTx/>
+              <a:buChar char="•"/>
+              <a:defRPr/>
+            </a:pPr>
+            <a:r>
+              <a:rPr lang="en-US" sz="2000" b="1" kern="0" dirty="0" smtClean="0"/>
+              <a:t>Example query</a:t>
+            </a:r>
+          </a:p>
+          <a:p>
+            <a:pPr marL="800100" lvl="1" indent="-342900">
+              <a:spcBef>
+                <a:spcPct val="20000"/>
+              </a:spcBef>
+              <a:buClr>
+                <a:srgbClr val="00AAF6"/>
+              </a:buClr>
+              <a:buFontTx/>
+              <a:buChar char="•"/>
+              <a:defRPr/>
+            </a:pPr>
+            <a:r>
+              <a:rPr lang="en-US" sz="2000" kern="0" dirty="0" smtClean="0"/>
+              <a:t>Return </a:t>
+            </a:r>
+            <a:r>
+              <a:rPr lang="en-US" sz="2000" dirty="0" smtClean="0">
+                <a:solidFill>
+                  <a:srgbClr val="C00000"/>
+                </a:solidFill>
+              </a:rPr>
+              <a:t>instances</a:t>
+            </a:r>
+            <a:r>
+              <a:rPr lang="en-US" sz="2000" dirty="0" smtClean="0"/>
+              <a:t> </a:t>
+            </a:r>
+            <a:r>
+              <a:rPr lang="en-US" sz="2000" dirty="0" smtClean="0"/>
+              <a:t>of the </a:t>
+            </a:r>
+            <a:r>
+              <a:rPr lang="en-US" sz="2000" i="1" dirty="0" smtClean="0"/>
+              <a:t>gene </a:t>
+            </a:r>
+            <a:r>
+              <a:rPr lang="en-US" sz="2000" dirty="0" smtClean="0"/>
+              <a:t>data type</a:t>
+            </a:r>
+          </a:p>
+          <a:p>
+            <a:pPr marL="800100" lvl="1" indent="-342900">
+              <a:spcBef>
+                <a:spcPct val="20000"/>
+              </a:spcBef>
+              <a:buClr>
+                <a:srgbClr val="00AAF6"/>
+              </a:buClr>
+              <a:buFontTx/>
+              <a:buChar char="•"/>
+              <a:defRPr/>
+            </a:pPr>
+            <a:r>
+              <a:rPr lang="en-US" sz="2000" dirty="0" smtClean="0"/>
+              <a:t>Each </a:t>
+            </a:r>
+            <a:r>
+              <a:rPr lang="en-US" sz="2000" dirty="0" smtClean="0"/>
+              <a:t>gene must have an </a:t>
+            </a:r>
+            <a:r>
+              <a:rPr lang="en-US" sz="2000" dirty="0" smtClean="0">
+                <a:solidFill>
+                  <a:srgbClr val="00B050"/>
+                </a:solidFill>
+              </a:rPr>
+              <a:t>association</a:t>
+            </a:r>
+            <a:r>
+              <a:rPr lang="en-US" sz="2000" dirty="0" smtClean="0"/>
+              <a:t> to an instance of the </a:t>
+            </a:r>
+            <a:r>
+              <a:rPr lang="en-US" sz="2000" i="1" dirty="0" smtClean="0"/>
+              <a:t>term </a:t>
+            </a:r>
+            <a:r>
+              <a:rPr lang="en-US" sz="2000" dirty="0" smtClean="0"/>
+              <a:t>data </a:t>
+            </a:r>
+            <a:r>
+              <a:rPr lang="en-US" sz="2000" dirty="0" smtClean="0"/>
+              <a:t>type via the role name </a:t>
+            </a:r>
+            <a:r>
+              <a:rPr lang="en-US" sz="2000" i="1" dirty="0" smtClean="0"/>
+              <a:t>terms</a:t>
+            </a:r>
+          </a:p>
+          <a:p>
+            <a:pPr marL="800100" lvl="1" indent="-342900">
+              <a:spcBef>
+                <a:spcPct val="20000"/>
+              </a:spcBef>
+              <a:buClr>
+                <a:srgbClr val="00AAF6"/>
+              </a:buClr>
+              <a:buFontTx/>
+              <a:buChar char="•"/>
+              <a:defRPr/>
+            </a:pPr>
+            <a:r>
+              <a:rPr lang="en-US" sz="2000" dirty="0" smtClean="0"/>
+              <a:t>Each </a:t>
+            </a:r>
+            <a:r>
+              <a:rPr lang="en-US" sz="2000" dirty="0" smtClean="0"/>
+              <a:t>term must have it's </a:t>
+            </a:r>
+            <a:r>
+              <a:rPr lang="en-US" sz="2000" i="1" dirty="0" smtClean="0"/>
+              <a:t>value</a:t>
+            </a:r>
+            <a:r>
+              <a:rPr lang="en-US" sz="2000" dirty="0" smtClean="0"/>
+              <a:t> </a:t>
+            </a:r>
+            <a:r>
+              <a:rPr lang="en-US" sz="2000" dirty="0" smtClean="0">
+                <a:solidFill>
+                  <a:srgbClr val="0070C0"/>
+                </a:solidFill>
+              </a:rPr>
+              <a:t>attribute</a:t>
+            </a:r>
+            <a:r>
+              <a:rPr lang="en-US" sz="2000" dirty="0" smtClean="0"/>
+              <a:t> equal to </a:t>
+            </a:r>
+            <a:r>
+              <a:rPr lang="en-US" sz="2000" dirty="0" smtClean="0"/>
+              <a:t>“root”</a:t>
+            </a:r>
+          </a:p>
+          <a:p>
+            <a:pPr marL="800100" lvl="1" indent="-342900">
+              <a:spcBef>
+                <a:spcPct val="20000"/>
+              </a:spcBef>
+              <a:buClr>
+                <a:srgbClr val="00AAF6"/>
+              </a:buClr>
+              <a:buFontTx/>
+              <a:buChar char="•"/>
+              <a:defRPr/>
+            </a:pPr>
+            <a:r>
+              <a:rPr lang="en-US" sz="2000" dirty="0" smtClean="0"/>
+              <a:t>The </a:t>
+            </a:r>
+            <a:r>
+              <a:rPr lang="en-US" sz="2000" dirty="0" smtClean="0"/>
+              <a:t>query is executed on </a:t>
+            </a:r>
+            <a:r>
+              <a:rPr lang="en-US" sz="2000" dirty="0" smtClean="0">
+                <a:solidFill>
+                  <a:srgbClr val="7030A0"/>
+                </a:solidFill>
+              </a:rPr>
+              <a:t>two data services</a:t>
+            </a:r>
+            <a:r>
+              <a:rPr lang="en-US" sz="2000" dirty="0" smtClean="0"/>
+              <a:t>, each indicated by the </a:t>
+            </a:r>
+            <a:r>
+              <a:rPr lang="en-US" sz="2000" i="1" dirty="0" err="1" smtClean="0"/>
+              <a:t>targetServiceUrl</a:t>
+            </a:r>
+            <a:r>
+              <a:rPr lang="en-US" sz="2000" dirty="0" smtClean="0"/>
+              <a:t> </a:t>
+            </a:r>
+            <a:r>
+              <a:rPr lang="en-US" sz="2000" dirty="0" smtClean="0"/>
+              <a:t>elements at the end of the </a:t>
+            </a:r>
+            <a:r>
+              <a:rPr lang="en-US" sz="2000" dirty="0" smtClean="0"/>
+              <a:t>query</a:t>
+            </a:r>
+          </a:p>
+          <a:p>
+            <a:pPr marL="342900" indent="-342900">
+              <a:spcBef>
+                <a:spcPct val="20000"/>
+              </a:spcBef>
+              <a:buClr>
+                <a:srgbClr val="00AAF6"/>
+              </a:buClr>
+              <a:buFontTx/>
+              <a:buChar char="•"/>
+              <a:defRPr/>
+            </a:pPr>
+            <a:endParaRPr lang="en-US" sz="2000" dirty="0" smtClean="0"/>
+          </a:p>
+          <a:p>
+            <a:pPr marL="800100" lvl="1" indent="-342900">
+              <a:spcBef>
+                <a:spcPct val="20000"/>
+              </a:spcBef>
+              <a:buClr>
+                <a:srgbClr val="00AAF6"/>
+              </a:buClr>
+              <a:buFontTx/>
+              <a:buChar char="•"/>
+              <a:defRPr/>
+            </a:pPr>
+            <a:endParaRPr lang="en-US" sz="2000" kern="0" dirty="0" smtClean="0">
+              <a:latin typeface="+mn-lt"/>
+            </a:endParaRPr>
+          </a:p>
+        </p:txBody>
+      </p:sp>
+      <p:sp>
+        <p:nvSpPr>
+          <p:cNvPr id="7" name="TextBox 6"/>
+          <p:cNvSpPr txBox="1"/>
+          <p:nvPr/>
+        </p:nvSpPr>
+        <p:spPr>
+          <a:xfrm>
+            <a:off x="228600" y="4495800"/>
+            <a:ext cx="8610600" cy="1892826"/>
+          </a:xfrm>
+          <a:prstGeom prst="rect">
+            <a:avLst/>
+          </a:prstGeom>
+          <a:noFill/>
+        </p:spPr>
+        <p:txBody>
+          <a:bodyPr wrap="square" rtlCol="0">
+            <a:spAutoFit/>
+          </a:bodyPr>
+          <a:lstStyle/>
+          <a:p>
+            <a:r>
+              <a:rPr lang="en-US" sz="1300" dirty="0" smtClean="0">
+                <a:latin typeface="Arial Narrow" pitchFamily="34" charset="0"/>
+              </a:rPr>
+              <a:t>&lt;ns1:DCQLQuery </a:t>
+            </a:r>
+            <a:r>
+              <a:rPr lang="en-US" sz="1300" dirty="0" smtClean="0">
+                <a:latin typeface="Arial Narrow" pitchFamily="34" charset="0"/>
+              </a:rPr>
+              <a:t>xmlns:ns1=</a:t>
+            </a:r>
+            <a:r>
+              <a:rPr lang="en-US" sz="1300" dirty="0" smtClean="0">
+                <a:latin typeface="Arial Narrow" pitchFamily="34" charset="0"/>
+                <a:hlinkClick r:id="rId3"/>
+              </a:rPr>
+              <a:t>http</a:t>
+            </a:r>
+            <a:r>
+              <a:rPr lang="en-US" sz="1300" dirty="0" smtClean="0">
+                <a:latin typeface="Arial Narrow" pitchFamily="34" charset="0"/>
+                <a:hlinkClick r:id="rId3"/>
+              </a:rPr>
+              <a:t>://</a:t>
+            </a:r>
+            <a:r>
+              <a:rPr lang="en-US" sz="1300" dirty="0" smtClean="0">
+                <a:latin typeface="Arial Narrow" pitchFamily="34" charset="0"/>
+                <a:hlinkClick r:id="rId3"/>
+              </a:rPr>
+              <a:t>caGrid.caBIG/1.0/gov.nih.nci.cagrid.dcql</a:t>
+            </a:r>
+            <a:r>
+              <a:rPr lang="en-US" sz="1300" dirty="0" smtClean="0">
+                <a:latin typeface="Arial Narrow" pitchFamily="34" charset="0"/>
+              </a:rPr>
+              <a:t>&gt;</a:t>
+            </a:r>
+          </a:p>
+          <a:p>
+            <a:r>
+              <a:rPr lang="en-US" sz="1300" dirty="0" smtClean="0">
+                <a:latin typeface="Arial Narrow" pitchFamily="34" charset="0"/>
+              </a:rPr>
+              <a:t>   </a:t>
+            </a:r>
+            <a:r>
+              <a:rPr lang="en-US" sz="1300" dirty="0" smtClean="0">
+                <a:solidFill>
+                  <a:srgbClr val="C00000"/>
+                </a:solidFill>
+                <a:latin typeface="Arial Narrow" pitchFamily="34" charset="0"/>
+              </a:rPr>
+              <a:t>&lt;</a:t>
+            </a:r>
+            <a:r>
+              <a:rPr lang="en-US" sz="1300" dirty="0" smtClean="0">
+                <a:solidFill>
+                  <a:srgbClr val="C00000"/>
+                </a:solidFill>
+                <a:latin typeface="Arial Narrow" pitchFamily="34" charset="0"/>
+              </a:rPr>
+              <a:t>ns1:TargetObject name="model1.domain.Gene</a:t>
+            </a:r>
+            <a:r>
+              <a:rPr lang="en-US" sz="1300" dirty="0" smtClean="0">
+                <a:solidFill>
+                  <a:srgbClr val="C00000"/>
+                </a:solidFill>
+                <a:latin typeface="Arial Narrow" pitchFamily="34" charset="0"/>
+              </a:rPr>
+              <a:t>"&gt;</a:t>
+            </a:r>
+          </a:p>
+          <a:p>
+            <a:r>
+              <a:rPr lang="en-US" sz="1300" dirty="0" smtClean="0">
+                <a:latin typeface="Arial Narrow" pitchFamily="34" charset="0"/>
+              </a:rPr>
+              <a:t>      </a:t>
+            </a:r>
+            <a:r>
+              <a:rPr lang="en-US" sz="1300" dirty="0" smtClean="0">
+                <a:solidFill>
+                  <a:srgbClr val="00B050"/>
+                </a:solidFill>
+                <a:latin typeface="Arial Narrow" pitchFamily="34" charset="0"/>
+              </a:rPr>
+              <a:t>&lt;</a:t>
+            </a:r>
+            <a:r>
+              <a:rPr lang="en-US" sz="1300" dirty="0" smtClean="0">
+                <a:solidFill>
+                  <a:srgbClr val="00B050"/>
+                </a:solidFill>
+                <a:latin typeface="Arial Narrow" pitchFamily="34" charset="0"/>
+              </a:rPr>
+              <a:t>ns1:Association name="model1.domain.Term" </a:t>
+            </a:r>
+            <a:r>
+              <a:rPr lang="en-US" sz="1300" dirty="0" err="1" smtClean="0">
+                <a:solidFill>
+                  <a:srgbClr val="00B050"/>
+                </a:solidFill>
+                <a:latin typeface="Arial Narrow" pitchFamily="34" charset="0"/>
+              </a:rPr>
+              <a:t>roleName</a:t>
+            </a:r>
+            <a:r>
+              <a:rPr lang="en-US" sz="1300" dirty="0" smtClean="0">
+                <a:solidFill>
+                  <a:srgbClr val="00B050"/>
+                </a:solidFill>
+                <a:latin typeface="Arial Narrow" pitchFamily="34" charset="0"/>
+              </a:rPr>
+              <a:t>="terms</a:t>
+            </a:r>
+            <a:r>
+              <a:rPr lang="en-US" sz="1300" dirty="0" smtClean="0">
+                <a:solidFill>
+                  <a:srgbClr val="00B050"/>
+                </a:solidFill>
+                <a:latin typeface="Arial Narrow" pitchFamily="34" charset="0"/>
+              </a:rPr>
+              <a:t>"&gt;</a:t>
+            </a:r>
+          </a:p>
+          <a:p>
+            <a:r>
+              <a:rPr lang="en-US" sz="1300" dirty="0" smtClean="0">
+                <a:latin typeface="Arial Narrow" pitchFamily="34" charset="0"/>
+              </a:rPr>
+              <a:t>         </a:t>
+            </a:r>
+            <a:r>
+              <a:rPr lang="en-US" sz="1300" dirty="0" smtClean="0">
+                <a:solidFill>
+                  <a:srgbClr val="0070C0"/>
+                </a:solidFill>
+                <a:latin typeface="Arial Narrow" pitchFamily="34" charset="0"/>
+              </a:rPr>
+              <a:t>&lt;</a:t>
+            </a:r>
+            <a:r>
+              <a:rPr lang="en-US" sz="1300" dirty="0" smtClean="0">
+                <a:solidFill>
+                  <a:srgbClr val="0070C0"/>
+                </a:solidFill>
+                <a:latin typeface="Arial Narrow" pitchFamily="34" charset="0"/>
+              </a:rPr>
+              <a:t>ns1:Attribute name="value" predicate="EQUAL_TO" value="root</a:t>
+            </a:r>
+            <a:r>
+              <a:rPr lang="en-US" sz="1300" dirty="0" smtClean="0">
+                <a:solidFill>
+                  <a:srgbClr val="0070C0"/>
+                </a:solidFill>
+                <a:latin typeface="Arial Narrow" pitchFamily="34" charset="0"/>
+              </a:rPr>
+              <a:t>"/&gt;</a:t>
+            </a:r>
+          </a:p>
+          <a:p>
+            <a:r>
+              <a:rPr lang="en-US" sz="1300" dirty="0" smtClean="0">
+                <a:latin typeface="Arial Narrow" pitchFamily="34" charset="0"/>
+              </a:rPr>
+              <a:t>      </a:t>
+            </a:r>
+            <a:r>
+              <a:rPr lang="en-US" sz="1300" dirty="0" smtClean="0">
+                <a:solidFill>
+                  <a:srgbClr val="00B050"/>
+                </a:solidFill>
+                <a:latin typeface="Arial Narrow" pitchFamily="34" charset="0"/>
+              </a:rPr>
+              <a:t>&lt;/</a:t>
+            </a:r>
+            <a:r>
+              <a:rPr lang="en-US" sz="1300" dirty="0" smtClean="0">
+                <a:solidFill>
+                  <a:srgbClr val="00B050"/>
+                </a:solidFill>
+                <a:latin typeface="Arial Narrow" pitchFamily="34" charset="0"/>
+              </a:rPr>
+              <a:t>ns1:Association</a:t>
+            </a:r>
+            <a:r>
+              <a:rPr lang="en-US" sz="1300" dirty="0" smtClean="0">
+                <a:solidFill>
+                  <a:srgbClr val="00B050"/>
+                </a:solidFill>
+                <a:latin typeface="Arial Narrow" pitchFamily="34" charset="0"/>
+              </a:rPr>
+              <a:t>&gt;</a:t>
+            </a:r>
+          </a:p>
+          <a:p>
+            <a:r>
+              <a:rPr lang="en-US" sz="1300" dirty="0" smtClean="0">
+                <a:latin typeface="Arial Narrow" pitchFamily="34" charset="0"/>
+              </a:rPr>
+              <a:t>    </a:t>
+            </a:r>
+            <a:r>
+              <a:rPr lang="en-US" sz="1300" dirty="0" smtClean="0">
+                <a:solidFill>
+                  <a:srgbClr val="C00000"/>
+                </a:solidFill>
+                <a:latin typeface="Arial Narrow" pitchFamily="34" charset="0"/>
+              </a:rPr>
+              <a:t>&lt;/ns1:TargetObject</a:t>
+            </a:r>
+            <a:r>
+              <a:rPr lang="en-US" sz="1300" dirty="0" smtClean="0">
+                <a:solidFill>
+                  <a:srgbClr val="C00000"/>
+                </a:solidFill>
+                <a:latin typeface="Arial Narrow" pitchFamily="34" charset="0"/>
+              </a:rPr>
+              <a:t>&gt;</a:t>
+            </a:r>
+          </a:p>
+          <a:p>
+            <a:r>
+              <a:rPr lang="en-US" sz="1300" dirty="0" smtClean="0">
+                <a:latin typeface="Arial Narrow" pitchFamily="34" charset="0"/>
+              </a:rPr>
+              <a:t>   </a:t>
+            </a:r>
+            <a:r>
+              <a:rPr lang="en-US" sz="1300" dirty="0" smtClean="0">
+                <a:solidFill>
+                  <a:srgbClr val="7030A0"/>
+                </a:solidFill>
+                <a:latin typeface="Arial Narrow" pitchFamily="34" charset="0"/>
+              </a:rPr>
+              <a:t>&lt;</a:t>
+            </a:r>
+            <a:r>
+              <a:rPr lang="en-US" sz="1300" dirty="0" smtClean="0">
+                <a:solidFill>
+                  <a:srgbClr val="7030A0"/>
+                </a:solidFill>
+                <a:latin typeface="Arial Narrow" pitchFamily="34" charset="0"/>
+              </a:rPr>
+              <a:t>ns1:targetServiceURL&gt;http://</a:t>
+            </a:r>
+            <a:r>
+              <a:rPr lang="en-US" sz="1300" dirty="0" smtClean="0">
+                <a:solidFill>
+                  <a:srgbClr val="7030A0"/>
+                </a:solidFill>
+                <a:latin typeface="Arial Narrow" pitchFamily="34" charset="0"/>
+              </a:rPr>
+              <a:t>sbdev1000.semanticbits.com:13080/wsrf-model1/services/cagrid/Model1Svc&lt;/</a:t>
+            </a:r>
+            <a:r>
+              <a:rPr lang="en-US" sz="1300" dirty="0" smtClean="0">
+                <a:solidFill>
+                  <a:srgbClr val="7030A0"/>
+                </a:solidFill>
+                <a:latin typeface="Arial Narrow" pitchFamily="34" charset="0"/>
+              </a:rPr>
+              <a:t>ns1:targetServiceURL</a:t>
+            </a:r>
+            <a:r>
+              <a:rPr lang="en-US" sz="1300" dirty="0" smtClean="0">
+                <a:solidFill>
+                  <a:srgbClr val="7030A0"/>
+                </a:solidFill>
+                <a:latin typeface="Arial Narrow" pitchFamily="34" charset="0"/>
+              </a:rPr>
+              <a:t>&gt;</a:t>
+            </a:r>
+          </a:p>
+          <a:p>
+            <a:r>
+              <a:rPr lang="en-US" sz="1300" dirty="0" smtClean="0">
+                <a:solidFill>
+                  <a:srgbClr val="7030A0"/>
+                </a:solidFill>
+                <a:latin typeface="Arial Narrow" pitchFamily="34" charset="0"/>
+              </a:rPr>
+              <a:t>   &lt;</a:t>
+            </a:r>
+            <a:r>
+              <a:rPr lang="en-US" sz="1300" dirty="0" smtClean="0">
+                <a:solidFill>
+                  <a:srgbClr val="7030A0"/>
+                </a:solidFill>
+                <a:latin typeface="Arial Narrow" pitchFamily="34" charset="0"/>
+              </a:rPr>
+              <a:t>ns1:targetServiceURL&gt;http://sbdev1000.semanticbits.com:13080/wsrf-model1-a/services/cagrid/Model1Svc&lt;/ns1:targetServiceURL</a:t>
+            </a:r>
+            <a:r>
+              <a:rPr lang="en-US" sz="1300" dirty="0" smtClean="0">
+                <a:solidFill>
+                  <a:srgbClr val="7030A0"/>
+                </a:solidFill>
+                <a:latin typeface="Arial Narrow" pitchFamily="34" charset="0"/>
+              </a:rPr>
+              <a:t>&gt;</a:t>
+            </a:r>
+          </a:p>
+          <a:p>
+            <a:r>
+              <a:rPr lang="en-US" sz="1300" dirty="0" smtClean="0">
+                <a:latin typeface="Arial Narrow" pitchFamily="34" charset="0"/>
+              </a:rPr>
+              <a:t>&lt;/</a:t>
+            </a:r>
+            <a:r>
+              <a:rPr lang="en-US" sz="1300" dirty="0" smtClean="0">
+                <a:latin typeface="Arial Narrow" pitchFamily="34" charset="0"/>
+              </a:rPr>
+              <a:t>ns1:DCQLQuery&gt;</a:t>
+            </a:r>
+            <a:endParaRPr lang="en-US" sz="1300" dirty="0">
+              <a:latin typeface="Arial Narrow" pitchFamily="34" charset="0"/>
+            </a:endParaRPr>
+          </a:p>
+        </p:txBody>
+      </p:sp>
+    </p:spTree>
+  </p:cSld>
+  <p:clrMapOvr>
+    <a:masterClrMapping/>
+  </p:clrMapOvr>
+  <p:timing>
+    <p:tnLst>
+      <p:par>
+        <p:cTn id="1" dur="indefinite" restart="never" nodeType="tmRoot"/>
+      </p:par>
+    </p:tnLst>
+  </p:timing>
+</p:sld>
+</file>
+
+<file path=ppt/slides/slide54.xml><?xml version="1.0" encoding="utf-8"?>
+<p:sld xmlns:a="http://schemas.openxmlformats.org/drawingml/2006/main" xmlns:r="http://schemas.openxmlformats.org/officeDocument/2006/relationships" xmlns:p="http://schemas.openxmlformats.org/presentationml/2006/main">
+  <p:cSld>
+    <p:spTree>
+      <p:nvGrpSpPr>
+        <p:cNvPr id="1" name=""/>
+        <p:cNvGrpSpPr/>
+        <p:nvPr/>
+      </p:nvGrpSpPr>
+      <p:grpSpPr>
+        <a:xfrm>
+          <a:off x="0" y="0"/>
+          <a:ext cx="0" cy="0"/>
+          <a:chOff x="0" y="0"/>
+          <a:chExt cx="0" cy="0"/>
+        </a:xfrm>
+      </p:grpSpPr>
+      <p:sp>
+        <p:nvSpPr>
+          <p:cNvPr id="59394" name="Rectangle 2"/>
+          <p:cNvSpPr>
+            <a:spLocks noGrp="1" noChangeArrowheads="1"/>
+          </p:cNvSpPr>
+          <p:nvPr>
+            <p:ph type="title"/>
+          </p:nvPr>
+        </p:nvSpPr>
+        <p:spPr/>
+        <p:txBody>
+          <a:bodyPr/>
+          <a:lstStyle/>
+          <a:p>
+            <a:pPr eaLnBrk="1" hangingPunct="1"/>
+            <a:r>
+              <a:rPr lang="en-US" dirty="0" smtClean="0"/>
+              <a:t>DCQL </a:t>
+            </a:r>
+            <a:r>
+              <a:rPr lang="en-US" dirty="0" smtClean="0"/>
+              <a:t>Distributed Join Example</a:t>
+            </a:r>
+            <a:endParaRPr lang="en-US" dirty="0" smtClean="0"/>
+          </a:p>
+        </p:txBody>
+      </p:sp>
+      <p:sp>
+        <p:nvSpPr>
+          <p:cNvPr id="4" name="Content Placeholder 2"/>
+          <p:cNvSpPr txBox="1">
+            <a:spLocks/>
+          </p:cNvSpPr>
+          <p:nvPr/>
+        </p:nvSpPr>
+        <p:spPr bwMode="auto">
+          <a:xfrm>
+            <a:off x="228600" y="1219200"/>
+            <a:ext cx="8458200" cy="5105400"/>
+          </a:xfrm>
+          <a:prstGeom prst="rect">
+            <a:avLst/>
+          </a:prstGeom>
+          <a:noFill/>
+          <a:ln w="9525">
+            <a:noFill/>
+            <a:miter lim="800000"/>
+            <a:headEnd/>
+            <a:tailEnd/>
+          </a:ln>
+          <a:effectLst/>
+        </p:spPr>
+        <p:txBody>
+          <a:bodyPr vert="horz" wrap="square" lIns="91440" tIns="45720" rIns="91440" bIns="45720" numCol="1" anchor="t" anchorCtr="0" compatLnSpc="1">
+            <a:prstTxWarp prst="textNoShape">
+              <a:avLst/>
+            </a:prstTxWarp>
+          </a:bodyPr>
+          <a:lstStyle/>
+          <a:p>
+            <a:pPr marL="342900" indent="-342900">
+              <a:spcBef>
+                <a:spcPct val="20000"/>
+              </a:spcBef>
+              <a:buClr>
+                <a:srgbClr val="00AAF6"/>
+              </a:buClr>
+              <a:buFontTx/>
+              <a:buChar char="•"/>
+              <a:defRPr/>
+            </a:pPr>
+            <a:r>
+              <a:rPr lang="en-US" sz="2000" b="1" kern="0" dirty="0" smtClean="0"/>
+              <a:t>Joins between disparate data models and services</a:t>
+            </a:r>
+          </a:p>
+          <a:p>
+            <a:pPr marL="800100" lvl="1" indent="-342900">
+              <a:spcBef>
+                <a:spcPct val="20000"/>
+              </a:spcBef>
+              <a:buClr>
+                <a:srgbClr val="00AAF6"/>
+              </a:buClr>
+              <a:buFontTx/>
+              <a:buChar char="•"/>
+              <a:defRPr/>
+            </a:pPr>
+            <a:r>
+              <a:rPr lang="en-US" sz="2000" kern="0" dirty="0" smtClean="0"/>
+              <a:t>Simple join criteria on attribute values</a:t>
+            </a:r>
+          </a:p>
+          <a:p>
+            <a:pPr marL="342900" indent="-342900">
+              <a:spcBef>
+                <a:spcPct val="20000"/>
+              </a:spcBef>
+              <a:buClr>
+                <a:srgbClr val="00AAF6"/>
+              </a:buClr>
+              <a:buFontTx/>
+              <a:buChar char="•"/>
+              <a:defRPr/>
+            </a:pPr>
+            <a:r>
+              <a:rPr lang="en-US" sz="2000" b="1" kern="0" dirty="0" smtClean="0"/>
+              <a:t>Example Query</a:t>
+            </a:r>
+          </a:p>
+          <a:p>
+            <a:pPr marL="800100" lvl="1" indent="-342900">
+              <a:spcBef>
+                <a:spcPct val="20000"/>
+              </a:spcBef>
+              <a:buClr>
+                <a:srgbClr val="00AAF6"/>
+              </a:buClr>
+              <a:buFontTx/>
+              <a:buChar char="•"/>
+              <a:defRPr/>
+            </a:pPr>
+            <a:r>
+              <a:rPr lang="en-US" sz="2000" kern="0" dirty="0" smtClean="0">
+                <a:solidFill>
+                  <a:srgbClr val="C00000"/>
+                </a:solidFill>
+              </a:rPr>
+              <a:t>Return instances of </a:t>
+            </a:r>
+            <a:r>
+              <a:rPr lang="en-US" sz="2000" kern="0" dirty="0" err="1" smtClean="0">
+                <a:solidFill>
+                  <a:srgbClr val="C00000"/>
+                </a:solidFill>
+              </a:rPr>
+              <a:t>caBIO</a:t>
+            </a:r>
+            <a:r>
+              <a:rPr lang="en-US" sz="2000" kern="0" dirty="0" smtClean="0">
+                <a:solidFill>
+                  <a:srgbClr val="C00000"/>
+                </a:solidFill>
+              </a:rPr>
+              <a:t> model’s </a:t>
+            </a:r>
+            <a:r>
+              <a:rPr lang="en-US" sz="2000" i="1" kern="0" dirty="0" err="1" smtClean="0">
+                <a:solidFill>
+                  <a:srgbClr val="C00000"/>
+                </a:solidFill>
+              </a:rPr>
+              <a:t>NucleicAcidSequence</a:t>
+            </a:r>
+            <a:endParaRPr lang="en-US" sz="2000" i="1" kern="0" dirty="0" smtClean="0">
+              <a:solidFill>
+                <a:srgbClr val="C00000"/>
+              </a:solidFill>
+            </a:endParaRPr>
+          </a:p>
+          <a:p>
+            <a:pPr marL="800100" lvl="1" indent="-342900">
+              <a:spcBef>
+                <a:spcPct val="20000"/>
+              </a:spcBef>
+              <a:buClr>
+                <a:srgbClr val="00AAF6"/>
+              </a:buClr>
+              <a:buFontTx/>
+              <a:buChar char="•"/>
+              <a:defRPr/>
+            </a:pPr>
+            <a:r>
+              <a:rPr lang="en-US" sz="2000" dirty="0" smtClean="0"/>
+              <a:t>Each </a:t>
+            </a:r>
+            <a:r>
+              <a:rPr lang="en-US" sz="2000" i="1" dirty="0" smtClean="0"/>
+              <a:t>sequence </a:t>
+            </a:r>
+            <a:r>
+              <a:rPr lang="en-US" sz="2000" dirty="0" smtClean="0"/>
+              <a:t>must have an </a:t>
+            </a:r>
+            <a:r>
+              <a:rPr lang="en-US" sz="2000" dirty="0" smtClean="0">
+                <a:solidFill>
+                  <a:srgbClr val="00B050"/>
+                </a:solidFill>
+              </a:rPr>
+              <a:t>association to a </a:t>
+            </a:r>
+            <a:r>
+              <a:rPr lang="en-US" sz="2000" i="1" dirty="0" smtClean="0">
+                <a:solidFill>
+                  <a:srgbClr val="00B050"/>
+                </a:solidFill>
+              </a:rPr>
+              <a:t>Gene </a:t>
+            </a:r>
+            <a:r>
+              <a:rPr lang="en-US" sz="2000" dirty="0" smtClean="0"/>
+              <a:t>through the role name </a:t>
+            </a:r>
+            <a:r>
+              <a:rPr lang="en-US" sz="2000" i="1" dirty="0" err="1" smtClean="0"/>
+              <a:t>geneCollection</a:t>
+            </a:r>
+            <a:endParaRPr lang="en-US" sz="2000" i="1" dirty="0" smtClean="0"/>
+          </a:p>
+          <a:p>
+            <a:pPr marL="800100" lvl="1" indent="-342900">
+              <a:spcBef>
+                <a:spcPct val="20000"/>
+              </a:spcBef>
+              <a:buClr>
+                <a:srgbClr val="00AAF6"/>
+              </a:buClr>
+              <a:buFontTx/>
+              <a:buChar char="•"/>
+              <a:defRPr/>
+            </a:pPr>
+            <a:r>
+              <a:rPr lang="en-US" sz="2000" dirty="0" smtClean="0"/>
+              <a:t>Each </a:t>
+            </a:r>
+            <a:r>
+              <a:rPr lang="en-US" sz="2000" i="1" dirty="0" smtClean="0"/>
+              <a:t>gene</a:t>
+            </a:r>
+            <a:r>
+              <a:rPr lang="en-US" sz="2000" dirty="0" smtClean="0"/>
+              <a:t> has an </a:t>
+            </a:r>
+            <a:r>
+              <a:rPr lang="en-US" sz="2000" dirty="0" smtClean="0">
+                <a:solidFill>
+                  <a:srgbClr val="00B0F0"/>
+                </a:solidFill>
+              </a:rPr>
+              <a:t>association to Protein</a:t>
+            </a:r>
+            <a:r>
+              <a:rPr lang="en-US" sz="2000" dirty="0" smtClean="0"/>
+              <a:t> through </a:t>
+            </a:r>
+            <a:r>
+              <a:rPr lang="en-US" sz="2000" i="1" dirty="0" err="1" smtClean="0"/>
+              <a:t>proteinCollection</a:t>
+            </a:r>
+            <a:endParaRPr lang="en-US" sz="2000" i="1" dirty="0" smtClean="0"/>
+          </a:p>
+          <a:p>
+            <a:pPr marL="800100" lvl="1" indent="-342900">
+              <a:spcBef>
+                <a:spcPct val="20000"/>
+              </a:spcBef>
+              <a:buClr>
+                <a:srgbClr val="00AAF6"/>
+              </a:buClr>
+              <a:buFontTx/>
+              <a:buChar char="•"/>
+              <a:defRPr/>
+            </a:pPr>
+            <a:r>
+              <a:rPr lang="en-US" sz="2000" dirty="0" smtClean="0"/>
+              <a:t>A </a:t>
+            </a:r>
+            <a:r>
+              <a:rPr lang="en-US" sz="2000" i="1" dirty="0" err="1" smtClean="0">
+                <a:solidFill>
+                  <a:srgbClr val="FF9900"/>
+                </a:solidFill>
+              </a:rPr>
+              <a:t>ForeignAssociation</a:t>
+            </a:r>
+            <a:r>
+              <a:rPr lang="en-US" sz="2000" dirty="0" smtClean="0">
+                <a:solidFill>
+                  <a:srgbClr val="FF9900"/>
+                </a:solidFill>
+              </a:rPr>
+              <a:t> </a:t>
+            </a:r>
+            <a:r>
+              <a:rPr lang="en-US" sz="2000" dirty="0" smtClean="0"/>
+              <a:t>indicates a new query is started against a different caGrid data service (</a:t>
+            </a:r>
+            <a:r>
+              <a:rPr lang="en-US" sz="2000" i="1" dirty="0" err="1" smtClean="0"/>
+              <a:t>gridPIR</a:t>
+            </a:r>
+            <a:r>
+              <a:rPr lang="en-US" sz="2000" i="1" dirty="0" smtClean="0"/>
+              <a:t>)</a:t>
+            </a:r>
+            <a:endParaRPr lang="en-US" sz="2000" dirty="0" smtClean="0"/>
+          </a:p>
+          <a:p>
+            <a:pPr marL="800100" lvl="1" indent="-342900">
+              <a:spcBef>
+                <a:spcPct val="20000"/>
+              </a:spcBef>
+              <a:buClr>
+                <a:srgbClr val="00AAF6"/>
+              </a:buClr>
+              <a:buFontTx/>
+              <a:buChar char="•"/>
+              <a:defRPr/>
+            </a:pPr>
+            <a:r>
+              <a:rPr lang="en-US" sz="2000" dirty="0" smtClean="0"/>
+              <a:t>The </a:t>
+            </a:r>
+            <a:r>
+              <a:rPr lang="en-US" sz="2000" i="1" dirty="0" err="1" smtClean="0">
+                <a:solidFill>
+                  <a:srgbClr val="FF9900"/>
+                </a:solidFill>
+              </a:rPr>
+              <a:t>JoinCondition</a:t>
+            </a:r>
+            <a:r>
+              <a:rPr lang="en-US" sz="2000" dirty="0" smtClean="0">
+                <a:solidFill>
+                  <a:srgbClr val="FF9900"/>
+                </a:solidFill>
+              </a:rPr>
+              <a:t> </a:t>
+            </a:r>
+            <a:r>
+              <a:rPr lang="en-US" sz="2000" dirty="0" smtClean="0"/>
+              <a:t>element indicates how a field from the “foreign” data type relates to a field of the “origin” data type</a:t>
+            </a:r>
+          </a:p>
+          <a:p>
+            <a:pPr marL="800100" lvl="1" indent="-342900">
+              <a:spcBef>
+                <a:spcPct val="20000"/>
+              </a:spcBef>
+              <a:buClr>
+                <a:srgbClr val="00AAF6"/>
+              </a:buClr>
+              <a:buFontTx/>
+              <a:buChar char="•"/>
+              <a:defRPr/>
+            </a:pPr>
+            <a:r>
+              <a:rPr lang="en-US" sz="2000" dirty="0" smtClean="0">
+                <a:solidFill>
+                  <a:srgbClr val="7030A0"/>
+                </a:solidFill>
+              </a:rPr>
+              <a:t>The foreign data type is </a:t>
+            </a:r>
+            <a:r>
+              <a:rPr lang="en-US" sz="2000" i="1" dirty="0" smtClean="0">
+                <a:solidFill>
+                  <a:srgbClr val="7030A0"/>
+                </a:solidFill>
+              </a:rPr>
+              <a:t>Protein</a:t>
+            </a:r>
+          </a:p>
+          <a:p>
+            <a:pPr marL="800100" lvl="1" indent="-342900">
+              <a:spcBef>
+                <a:spcPct val="20000"/>
+              </a:spcBef>
+              <a:buClr>
+                <a:srgbClr val="00AAF6"/>
+              </a:buClr>
+              <a:buFontTx/>
+              <a:buChar char="•"/>
+              <a:defRPr/>
+            </a:pPr>
+            <a:r>
+              <a:rPr lang="en-US" sz="2000" dirty="0" smtClean="0"/>
+              <a:t>Each protein instance must have</a:t>
+            </a:r>
+            <a:r>
+              <a:rPr lang="en-US" sz="2000" dirty="0" smtClean="0">
+                <a:solidFill>
+                  <a:srgbClr val="0070C0"/>
+                </a:solidFill>
+              </a:rPr>
+              <a:t> two associations;</a:t>
+            </a:r>
+            <a:r>
+              <a:rPr lang="en-US" sz="2000" dirty="0" smtClean="0"/>
+              <a:t> one to </a:t>
+            </a:r>
+            <a:r>
+              <a:rPr lang="en-US" sz="2000" i="1" dirty="0" smtClean="0"/>
+              <a:t>Gene</a:t>
+            </a:r>
+            <a:r>
+              <a:rPr lang="en-US" sz="2000" dirty="0" smtClean="0"/>
+              <a:t> and one to </a:t>
+            </a:r>
+            <a:r>
+              <a:rPr lang="en-US" sz="2000" i="1" dirty="0" smtClean="0"/>
+              <a:t>Organism </a:t>
+            </a:r>
+            <a:r>
+              <a:rPr lang="en-US" sz="2000" dirty="0" smtClean="0"/>
+              <a:t>(both within </a:t>
+            </a:r>
+            <a:r>
+              <a:rPr lang="en-US" sz="2000" dirty="0" err="1" smtClean="0"/>
+              <a:t>gridPIR</a:t>
+            </a:r>
+            <a:r>
+              <a:rPr lang="en-US" sz="2000" dirty="0" smtClean="0"/>
+              <a:t>)</a:t>
+            </a:r>
+            <a:endParaRPr lang="en-US" sz="2000" dirty="0" smtClean="0"/>
+          </a:p>
+          <a:p>
+            <a:pPr marL="800100" lvl="1" indent="-342900">
+              <a:spcBef>
+                <a:spcPct val="20000"/>
+              </a:spcBef>
+              <a:buClr>
+                <a:srgbClr val="00AAF6"/>
+              </a:buClr>
+              <a:buFontTx/>
+              <a:buChar char="•"/>
+              <a:defRPr/>
+            </a:pPr>
+            <a:endParaRPr lang="en-US" sz="2000" kern="0" dirty="0" smtClean="0">
+              <a:latin typeface="+mn-lt"/>
+            </a:endParaRPr>
+          </a:p>
+        </p:txBody>
+      </p:sp>
+    </p:spTree>
+  </p:cSld>
+  <p:clrMapOvr>
+    <a:masterClrMapping/>
+  </p:clrMapOvr>
+  <p:timing>
+    <p:tnLst>
+      <p:par>
+        <p:cTn id="1" dur="indefinite" restart="never" nodeType="tmRoot"/>
+      </p:par>
+    </p:tnLst>
+  </p:timing>
+</p:sld>
+</file>
+
+<file path=ppt/slides/slide55.xml><?xml version="1.0" encoding="utf-8"?>
 <p:sld xmlns:a="http://schemas.openxmlformats.org/drawingml/2006/main" xmlns:r="http://schemas.openxmlformats.org/officeDocument/2006/relationships" xmlns:p="http://schemas.openxmlformats.org/presentationml/2006/main">
   <p:cSld>
     <p:spTree>

--- a/Documentation/presentations/200906_Novartis/caGrid Data Services.pptx
+++ b/Documentation/presentations/200906_Novartis/caGrid Data Services.pptx
@@ -5,7 +5,7 @@
     <p:sldMasterId id="2147483648" r:id="rId1"/>
   </p:sldMasterIdLst>
   <p:notesMasterIdLst>
-    <p:notesMasterId r:id="rId57"/>
+    <p:notesMasterId r:id="rId64"/>
   </p:notesMasterIdLst>
   <p:sldIdLst>
     <p:sldId id="256" r:id="rId2"/>
@@ -53,16 +53,23 @@
     <p:sldId id="304" r:id="rId44"/>
     <p:sldId id="305" r:id="rId45"/>
     <p:sldId id="287" r:id="rId46"/>
-    <p:sldId id="277" r:id="rId47"/>
-    <p:sldId id="278" r:id="rId48"/>
-    <p:sldId id="279" r:id="rId49"/>
-    <p:sldId id="309" r:id="rId50"/>
-    <p:sldId id="310" r:id="rId51"/>
-    <p:sldId id="311" r:id="rId52"/>
-    <p:sldId id="312" r:id="rId53"/>
-    <p:sldId id="308" r:id="rId54"/>
-    <p:sldId id="284" r:id="rId55"/>
-    <p:sldId id="285" r:id="rId56"/>
+    <p:sldId id="319" r:id="rId47"/>
+    <p:sldId id="320" r:id="rId48"/>
+    <p:sldId id="318" r:id="rId49"/>
+    <p:sldId id="278" r:id="rId50"/>
+    <p:sldId id="313" r:id="rId51"/>
+    <p:sldId id="314" r:id="rId52"/>
+    <p:sldId id="279" r:id="rId53"/>
+    <p:sldId id="309" r:id="rId54"/>
+    <p:sldId id="310" r:id="rId55"/>
+    <p:sldId id="311" r:id="rId56"/>
+    <p:sldId id="312" r:id="rId57"/>
+    <p:sldId id="315" r:id="rId58"/>
+    <p:sldId id="316" r:id="rId59"/>
+    <p:sldId id="317" r:id="rId60"/>
+    <p:sldId id="308" r:id="rId61"/>
+    <p:sldId id="284" r:id="rId62"/>
+    <p:sldId id="285" r:id="rId63"/>
   </p:sldIdLst>
   <p:sldSz cx="9144000" cy="6858000" type="screen4x3"/>
   <p:notesSz cx="6858000" cy="9144000"/>
@@ -797,7 +804,7 @@
             <a:fld id="{0EA92AC8-40AC-4621-AB8B-E24657776B35}" type="slidenum">
               <a:rPr lang="en-US"/>
               <a:pPr/>
-              <a:t>50</a:t>
+              <a:t>51</a:t>
             </a:fld>
             <a:endParaRPr lang="en-US"/>
           </a:p>
@@ -899,7 +906,7 @@
             <a:fld id="{0EA92AC8-40AC-4621-AB8B-E24657776B35}" type="slidenum">
               <a:rPr lang="en-US"/>
               <a:pPr/>
-              <a:t>51</a:t>
+              <a:t>52</a:t>
             </a:fld>
             <a:endParaRPr lang="en-US"/>
           </a:p>
@@ -1001,7 +1008,7 @@
             <a:fld id="{0EA92AC8-40AC-4621-AB8B-E24657776B35}" type="slidenum">
               <a:rPr lang="en-US"/>
               <a:pPr/>
-              <a:t>52</a:t>
+              <a:t>53</a:t>
             </a:fld>
             <a:endParaRPr lang="en-US"/>
           </a:p>
@@ -1103,7 +1110,7 @@
             <a:fld id="{0EA92AC8-40AC-4621-AB8B-E24657776B35}" type="slidenum">
               <a:rPr lang="en-US"/>
               <a:pPr/>
-              <a:t>53</a:t>
+              <a:t>54</a:t>
             </a:fld>
             <a:endParaRPr lang="en-US"/>
           </a:p>
@@ -1205,7 +1212,7 @@
             <a:fld id="{0EA92AC8-40AC-4621-AB8B-E24657776B35}" type="slidenum">
               <a:rPr lang="en-US"/>
               <a:pPr/>
-              <a:t>54</a:t>
+              <a:t>55</a:t>
             </a:fld>
             <a:endParaRPr lang="en-US"/>
           </a:p>
@@ -1307,7 +1314,406 @@
             <a:fld id="{0EA92AC8-40AC-4621-AB8B-E24657776B35}" type="slidenum">
               <a:rPr lang="en-US"/>
               <a:pPr/>
-              <a:t>55</a:t>
+              <a:t>56</a:t>
+            </a:fld>
+            <a:endParaRPr lang="en-US"/>
+          </a:p>
+        </p:txBody>
+      </p:sp>
+    </p:spTree>
+  </p:cSld>
+  <p:clrMapOvr>
+    <a:masterClrMapping/>
+  </p:clrMapOvr>
+</p:notes>
+</file>
+
+<file path=ppt/notesSlides/notesSlide16.xml><?xml version="1.0" encoding="utf-8"?>
+<p:notes xmlns:a="http://schemas.openxmlformats.org/drawingml/2006/main" xmlns:r="http://schemas.openxmlformats.org/officeDocument/2006/relationships" xmlns:p="http://schemas.openxmlformats.org/presentationml/2006/main">
+  <p:cSld>
+    <p:spTree>
+      <p:nvGrpSpPr>
+        <p:cNvPr id="1" name=""/>
+        <p:cNvGrpSpPr/>
+        <p:nvPr/>
+      </p:nvGrpSpPr>
+      <p:grpSpPr>
+        <a:xfrm>
+          <a:off x="0" y="0"/>
+          <a:ext cx="0" cy="0"/>
+          <a:chOff x="0" y="0"/>
+          <a:chExt cx="0" cy="0"/>
+        </a:xfrm>
+      </p:grpSpPr>
+      <p:sp>
+        <p:nvSpPr>
+          <p:cNvPr id="60418" name="Slide Image Placeholder 1"/>
+          <p:cNvSpPr>
+            <a:spLocks noGrp="1" noRot="1" noChangeAspect="1"/>
+          </p:cNvSpPr>
+          <p:nvPr>
+            <p:ph type="sldImg"/>
+          </p:nvPr>
+        </p:nvSpPr>
+        <p:spPr bwMode="auto">
+          <a:noFill/>
+          <a:ln>
+            <a:solidFill>
+              <a:srgbClr val="000000"/>
+            </a:solidFill>
+            <a:miter lim="800000"/>
+            <a:headEnd/>
+            <a:tailEnd/>
+          </a:ln>
+        </p:spPr>
+      </p:sp>
+      <p:sp>
+        <p:nvSpPr>
+          <p:cNvPr id="60419" name="Notes Placeholder 2"/>
+          <p:cNvSpPr>
+            <a:spLocks noGrp="1"/>
+          </p:cNvSpPr>
+          <p:nvPr>
+            <p:ph type="body" idx="1"/>
+          </p:nvPr>
+        </p:nvSpPr>
+        <p:spPr bwMode="auto">
+          <a:noFill/>
+        </p:spPr>
+        <p:txBody>
+          <a:bodyPr/>
+          <a:lstStyle/>
+          <a:p>
+            <a:endParaRPr lang="en-US" dirty="0" smtClean="0"/>
+          </a:p>
+        </p:txBody>
+      </p:sp>
+      <p:sp>
+        <p:nvSpPr>
+          <p:cNvPr id="60420" name="Slide Number Placeholder 3"/>
+          <p:cNvSpPr>
+            <a:spLocks noGrp="1"/>
+          </p:cNvSpPr>
+          <p:nvPr>
+            <p:ph type="sldNum" sz="quarter" idx="5"/>
+          </p:nvPr>
+        </p:nvSpPr>
+        <p:spPr bwMode="auto">
+          <a:noFill/>
+          <a:ln>
+            <a:miter lim="800000"/>
+            <a:headEnd/>
+            <a:tailEnd/>
+          </a:ln>
+        </p:spPr>
+        <p:txBody>
+          <a:bodyPr/>
+          <a:lstStyle/>
+          <a:p>
+            <a:fld id="{0EA92AC8-40AC-4621-AB8B-E24657776B35}" type="slidenum">
+              <a:rPr lang="en-US"/>
+              <a:pPr/>
+              <a:t>57</a:t>
+            </a:fld>
+            <a:endParaRPr lang="en-US"/>
+          </a:p>
+        </p:txBody>
+      </p:sp>
+    </p:spTree>
+  </p:cSld>
+  <p:clrMapOvr>
+    <a:masterClrMapping/>
+  </p:clrMapOvr>
+</p:notes>
+</file>
+
+<file path=ppt/notesSlides/notesSlide17.xml><?xml version="1.0" encoding="utf-8"?>
+<p:notes xmlns:a="http://schemas.openxmlformats.org/drawingml/2006/main" xmlns:r="http://schemas.openxmlformats.org/officeDocument/2006/relationships" xmlns:p="http://schemas.openxmlformats.org/presentationml/2006/main">
+  <p:cSld>
+    <p:spTree>
+      <p:nvGrpSpPr>
+        <p:cNvPr id="1" name=""/>
+        <p:cNvGrpSpPr/>
+        <p:nvPr/>
+      </p:nvGrpSpPr>
+      <p:grpSpPr>
+        <a:xfrm>
+          <a:off x="0" y="0"/>
+          <a:ext cx="0" cy="0"/>
+          <a:chOff x="0" y="0"/>
+          <a:chExt cx="0" cy="0"/>
+        </a:xfrm>
+      </p:grpSpPr>
+      <p:sp>
+        <p:nvSpPr>
+          <p:cNvPr id="60418" name="Slide Image Placeholder 1"/>
+          <p:cNvSpPr>
+            <a:spLocks noGrp="1" noRot="1" noChangeAspect="1"/>
+          </p:cNvSpPr>
+          <p:nvPr>
+            <p:ph type="sldImg"/>
+          </p:nvPr>
+        </p:nvSpPr>
+        <p:spPr bwMode="auto">
+          <a:noFill/>
+          <a:ln>
+            <a:solidFill>
+              <a:srgbClr val="000000"/>
+            </a:solidFill>
+            <a:miter lim="800000"/>
+            <a:headEnd/>
+            <a:tailEnd/>
+          </a:ln>
+        </p:spPr>
+      </p:sp>
+      <p:sp>
+        <p:nvSpPr>
+          <p:cNvPr id="60419" name="Notes Placeholder 2"/>
+          <p:cNvSpPr>
+            <a:spLocks noGrp="1"/>
+          </p:cNvSpPr>
+          <p:nvPr>
+            <p:ph type="body" idx="1"/>
+          </p:nvPr>
+        </p:nvSpPr>
+        <p:spPr bwMode="auto">
+          <a:noFill/>
+        </p:spPr>
+        <p:txBody>
+          <a:bodyPr/>
+          <a:lstStyle/>
+          <a:p>
+            <a:endParaRPr lang="en-US" dirty="0" smtClean="0"/>
+          </a:p>
+        </p:txBody>
+      </p:sp>
+      <p:sp>
+        <p:nvSpPr>
+          <p:cNvPr id="60420" name="Slide Number Placeholder 3"/>
+          <p:cNvSpPr>
+            <a:spLocks noGrp="1"/>
+          </p:cNvSpPr>
+          <p:nvPr>
+            <p:ph type="sldNum" sz="quarter" idx="5"/>
+          </p:nvPr>
+        </p:nvSpPr>
+        <p:spPr bwMode="auto">
+          <a:noFill/>
+          <a:ln>
+            <a:miter lim="800000"/>
+            <a:headEnd/>
+            <a:tailEnd/>
+          </a:ln>
+        </p:spPr>
+        <p:txBody>
+          <a:bodyPr/>
+          <a:lstStyle/>
+          <a:p>
+            <a:fld id="{0EA92AC8-40AC-4621-AB8B-E24657776B35}" type="slidenum">
+              <a:rPr lang="en-US"/>
+              <a:pPr/>
+              <a:t>58</a:t>
+            </a:fld>
+            <a:endParaRPr lang="en-US"/>
+          </a:p>
+        </p:txBody>
+      </p:sp>
+    </p:spTree>
+  </p:cSld>
+  <p:clrMapOvr>
+    <a:masterClrMapping/>
+  </p:clrMapOvr>
+</p:notes>
+</file>
+
+<file path=ppt/notesSlides/notesSlide18.xml><?xml version="1.0" encoding="utf-8"?>
+<p:notes xmlns:a="http://schemas.openxmlformats.org/drawingml/2006/main" xmlns:r="http://schemas.openxmlformats.org/officeDocument/2006/relationships" xmlns:p="http://schemas.openxmlformats.org/presentationml/2006/main">
+  <p:cSld>
+    <p:spTree>
+      <p:nvGrpSpPr>
+        <p:cNvPr id="1" name=""/>
+        <p:cNvGrpSpPr/>
+        <p:nvPr/>
+      </p:nvGrpSpPr>
+      <p:grpSpPr>
+        <a:xfrm>
+          <a:off x="0" y="0"/>
+          <a:ext cx="0" cy="0"/>
+          <a:chOff x="0" y="0"/>
+          <a:chExt cx="0" cy="0"/>
+        </a:xfrm>
+      </p:grpSpPr>
+      <p:sp>
+        <p:nvSpPr>
+          <p:cNvPr id="60418" name="Slide Image Placeholder 1"/>
+          <p:cNvSpPr>
+            <a:spLocks noGrp="1" noRot="1" noChangeAspect="1"/>
+          </p:cNvSpPr>
+          <p:nvPr>
+            <p:ph type="sldImg"/>
+          </p:nvPr>
+        </p:nvSpPr>
+        <p:spPr bwMode="auto">
+          <a:noFill/>
+          <a:ln>
+            <a:solidFill>
+              <a:srgbClr val="000000"/>
+            </a:solidFill>
+            <a:miter lim="800000"/>
+            <a:headEnd/>
+            <a:tailEnd/>
+          </a:ln>
+        </p:spPr>
+      </p:sp>
+      <p:sp>
+        <p:nvSpPr>
+          <p:cNvPr id="60419" name="Notes Placeholder 2"/>
+          <p:cNvSpPr>
+            <a:spLocks noGrp="1"/>
+          </p:cNvSpPr>
+          <p:nvPr>
+            <p:ph type="body" idx="1"/>
+          </p:nvPr>
+        </p:nvSpPr>
+        <p:spPr bwMode="auto">
+          <a:noFill/>
+        </p:spPr>
+        <p:txBody>
+          <a:bodyPr/>
+          <a:lstStyle/>
+          <a:p>
+            <a:endParaRPr lang="en-US" dirty="0" smtClean="0"/>
+          </a:p>
+        </p:txBody>
+      </p:sp>
+      <p:sp>
+        <p:nvSpPr>
+          <p:cNvPr id="60420" name="Slide Number Placeholder 3"/>
+          <p:cNvSpPr>
+            <a:spLocks noGrp="1"/>
+          </p:cNvSpPr>
+          <p:nvPr>
+            <p:ph type="sldNum" sz="quarter" idx="5"/>
+          </p:nvPr>
+        </p:nvSpPr>
+        <p:spPr bwMode="auto">
+          <a:noFill/>
+          <a:ln>
+            <a:miter lim="800000"/>
+            <a:headEnd/>
+            <a:tailEnd/>
+          </a:ln>
+        </p:spPr>
+        <p:txBody>
+          <a:bodyPr/>
+          <a:lstStyle/>
+          <a:p>
+            <a:fld id="{0EA92AC8-40AC-4621-AB8B-E24657776B35}" type="slidenum">
+              <a:rPr lang="en-US"/>
+              <a:pPr/>
+              <a:t>59</a:t>
+            </a:fld>
+            <a:endParaRPr lang="en-US"/>
+          </a:p>
+        </p:txBody>
+      </p:sp>
+    </p:spTree>
+  </p:cSld>
+  <p:clrMapOvr>
+    <a:masterClrMapping/>
+  </p:clrMapOvr>
+</p:notes>
+</file>
+
+<file path=ppt/notesSlides/notesSlide19.xml><?xml version="1.0" encoding="utf-8"?>
+<p:notes xmlns:a="http://schemas.openxmlformats.org/drawingml/2006/main" xmlns:r="http://schemas.openxmlformats.org/officeDocument/2006/relationships" xmlns:p="http://schemas.openxmlformats.org/presentationml/2006/main">
+  <p:cSld>
+    <p:spTree>
+      <p:nvGrpSpPr>
+        <p:cNvPr id="1" name=""/>
+        <p:cNvGrpSpPr/>
+        <p:nvPr/>
+      </p:nvGrpSpPr>
+      <p:grpSpPr>
+        <a:xfrm>
+          <a:off x="0" y="0"/>
+          <a:ext cx="0" cy="0"/>
+          <a:chOff x="0" y="0"/>
+          <a:chExt cx="0" cy="0"/>
+        </a:xfrm>
+      </p:grpSpPr>
+      <p:sp>
+        <p:nvSpPr>
+          <p:cNvPr id="60418" name="Slide Image Placeholder 1"/>
+          <p:cNvSpPr>
+            <a:spLocks noGrp="1" noRot="1" noChangeAspect="1"/>
+          </p:cNvSpPr>
+          <p:nvPr>
+            <p:ph type="sldImg"/>
+          </p:nvPr>
+        </p:nvSpPr>
+        <p:spPr bwMode="auto">
+          <a:noFill/>
+          <a:ln>
+            <a:solidFill>
+              <a:srgbClr val="000000"/>
+            </a:solidFill>
+            <a:miter lim="800000"/>
+            <a:headEnd/>
+            <a:tailEnd/>
+          </a:ln>
+        </p:spPr>
+      </p:sp>
+      <p:sp>
+        <p:nvSpPr>
+          <p:cNvPr id="60419" name="Notes Placeholder 2"/>
+          <p:cNvSpPr>
+            <a:spLocks noGrp="1"/>
+          </p:cNvSpPr>
+          <p:nvPr>
+            <p:ph type="body" idx="1"/>
+          </p:nvPr>
+        </p:nvSpPr>
+        <p:spPr bwMode="auto">
+          <a:noFill/>
+        </p:spPr>
+        <p:txBody>
+          <a:bodyPr/>
+          <a:lstStyle/>
+          <a:p>
+            <a:r>
+              <a:rPr lang="en-US" smtClean="0"/>
+              <a:t>A DCQL (Which is just distributed CQL) can be used to make queries that are federated and require sub queries to be issues to other data services in order to dertime the result set.  The main addition here is the ability to describe Forieng association which intern create remote joins to happen in the FQP Service.</a:t>
+            </a:r>
+          </a:p>
+        </p:txBody>
+      </p:sp>
+      <p:sp>
+        <p:nvSpPr>
+          <p:cNvPr id="60420" name="Slide Number Placeholder 3"/>
+          <p:cNvSpPr>
+            <a:spLocks noGrp="1"/>
+          </p:cNvSpPr>
+          <p:nvPr>
+            <p:ph type="sldNum" sz="quarter" idx="5"/>
+          </p:nvPr>
+        </p:nvSpPr>
+        <p:spPr bwMode="auto">
+          <a:noFill/>
+          <a:ln>
+            <a:miter lim="800000"/>
+            <a:headEnd/>
+            <a:tailEnd/>
+          </a:ln>
+        </p:spPr>
+        <p:txBody>
+          <a:bodyPr/>
+          <a:lstStyle/>
+          <a:p>
+            <a:fld id="{0EA92AC8-40AC-4621-AB8B-E24657776B35}" type="slidenum">
+              <a:rPr lang="en-US"/>
+              <a:pPr/>
+              <a:t>60</a:t>
             </a:fld>
             <a:endParaRPr lang="en-US"/>
           </a:p>
@@ -1393,6 +1799,210 @@
           <a:bodyPr/>
           <a:lstStyle/>
           <a:p>
+            <a:endParaRPr lang="en-US"/>
+          </a:p>
+        </p:txBody>
+      </p:sp>
+    </p:spTree>
+  </p:cSld>
+  <p:clrMapOvr>
+    <a:masterClrMapping/>
+  </p:clrMapOvr>
+</p:notes>
+</file>
+
+<file path=ppt/notesSlides/notesSlide20.xml><?xml version="1.0" encoding="utf-8"?>
+<p:notes xmlns:a="http://schemas.openxmlformats.org/drawingml/2006/main" xmlns:r="http://schemas.openxmlformats.org/officeDocument/2006/relationships" xmlns:p="http://schemas.openxmlformats.org/presentationml/2006/main">
+  <p:cSld>
+    <p:spTree>
+      <p:nvGrpSpPr>
+        <p:cNvPr id="1" name=""/>
+        <p:cNvGrpSpPr/>
+        <p:nvPr/>
+      </p:nvGrpSpPr>
+      <p:grpSpPr>
+        <a:xfrm>
+          <a:off x="0" y="0"/>
+          <a:ext cx="0" cy="0"/>
+          <a:chOff x="0" y="0"/>
+          <a:chExt cx="0" cy="0"/>
+        </a:xfrm>
+      </p:grpSpPr>
+      <p:sp>
+        <p:nvSpPr>
+          <p:cNvPr id="60418" name="Slide Image Placeholder 1"/>
+          <p:cNvSpPr>
+            <a:spLocks noGrp="1" noRot="1" noChangeAspect="1"/>
+          </p:cNvSpPr>
+          <p:nvPr>
+            <p:ph type="sldImg"/>
+          </p:nvPr>
+        </p:nvSpPr>
+        <p:spPr bwMode="auto">
+          <a:noFill/>
+          <a:ln>
+            <a:solidFill>
+              <a:srgbClr val="000000"/>
+            </a:solidFill>
+            <a:miter lim="800000"/>
+            <a:headEnd/>
+            <a:tailEnd/>
+          </a:ln>
+        </p:spPr>
+      </p:sp>
+      <p:sp>
+        <p:nvSpPr>
+          <p:cNvPr id="60419" name="Notes Placeholder 2"/>
+          <p:cNvSpPr>
+            <a:spLocks noGrp="1"/>
+          </p:cNvSpPr>
+          <p:nvPr>
+            <p:ph type="body" idx="1"/>
+          </p:nvPr>
+        </p:nvSpPr>
+        <p:spPr bwMode="auto">
+          <a:noFill/>
+        </p:spPr>
+        <p:txBody>
+          <a:bodyPr/>
+          <a:lstStyle/>
+          <a:p>
+            <a:r>
+              <a:rPr lang="en-US" smtClean="0"/>
+              <a:t>A DCQL (Which is just distributed CQL) can be used to make queries that are federated and require sub queries to be issues to other data services in order to dertime the result set.  The main addition here is the ability to describe Forieng association which intern create remote joins to happen in the FQP Service.</a:t>
+            </a:r>
+          </a:p>
+        </p:txBody>
+      </p:sp>
+      <p:sp>
+        <p:nvSpPr>
+          <p:cNvPr id="60420" name="Slide Number Placeholder 3"/>
+          <p:cNvSpPr>
+            <a:spLocks noGrp="1"/>
+          </p:cNvSpPr>
+          <p:nvPr>
+            <p:ph type="sldNum" sz="quarter" idx="5"/>
+          </p:nvPr>
+        </p:nvSpPr>
+        <p:spPr bwMode="auto">
+          <a:noFill/>
+          <a:ln>
+            <a:miter lim="800000"/>
+            <a:headEnd/>
+            <a:tailEnd/>
+          </a:ln>
+        </p:spPr>
+        <p:txBody>
+          <a:bodyPr/>
+          <a:lstStyle/>
+          <a:p>
+            <a:fld id="{0EA92AC8-40AC-4621-AB8B-E24657776B35}" type="slidenum">
+              <a:rPr lang="en-US"/>
+              <a:pPr/>
+              <a:t>61</a:t>
+            </a:fld>
+            <a:endParaRPr lang="en-US"/>
+          </a:p>
+        </p:txBody>
+      </p:sp>
+    </p:spTree>
+  </p:cSld>
+  <p:clrMapOvr>
+    <a:masterClrMapping/>
+  </p:clrMapOvr>
+</p:notes>
+</file>
+
+<file path=ppt/notesSlides/notesSlide21.xml><?xml version="1.0" encoding="utf-8"?>
+<p:notes xmlns:a="http://schemas.openxmlformats.org/drawingml/2006/main" xmlns:r="http://schemas.openxmlformats.org/officeDocument/2006/relationships" xmlns:p="http://schemas.openxmlformats.org/presentationml/2006/main">
+  <p:cSld>
+    <p:spTree>
+      <p:nvGrpSpPr>
+        <p:cNvPr id="1" name=""/>
+        <p:cNvGrpSpPr/>
+        <p:nvPr/>
+      </p:nvGrpSpPr>
+      <p:grpSpPr>
+        <a:xfrm>
+          <a:off x="0" y="0"/>
+          <a:ext cx="0" cy="0"/>
+          <a:chOff x="0" y="0"/>
+          <a:chExt cx="0" cy="0"/>
+        </a:xfrm>
+      </p:grpSpPr>
+      <p:sp>
+        <p:nvSpPr>
+          <p:cNvPr id="60418" name="Slide Image Placeholder 1"/>
+          <p:cNvSpPr>
+            <a:spLocks noGrp="1" noRot="1" noChangeAspect="1"/>
+          </p:cNvSpPr>
+          <p:nvPr>
+            <p:ph type="sldImg"/>
+          </p:nvPr>
+        </p:nvSpPr>
+        <p:spPr bwMode="auto">
+          <a:noFill/>
+          <a:ln>
+            <a:solidFill>
+              <a:srgbClr val="000000"/>
+            </a:solidFill>
+            <a:miter lim="800000"/>
+            <a:headEnd/>
+            <a:tailEnd/>
+          </a:ln>
+        </p:spPr>
+      </p:sp>
+      <p:sp>
+        <p:nvSpPr>
+          <p:cNvPr id="60419" name="Notes Placeholder 2"/>
+          <p:cNvSpPr>
+            <a:spLocks noGrp="1"/>
+          </p:cNvSpPr>
+          <p:nvPr>
+            <p:ph type="body" idx="1"/>
+          </p:nvPr>
+        </p:nvSpPr>
+        <p:spPr bwMode="auto">
+          <a:noFill/>
+        </p:spPr>
+        <p:txBody>
+          <a:bodyPr/>
+          <a:lstStyle/>
+          <a:p>
+            <a:r>
+              <a:rPr lang="en-US" smtClean="0"/>
+              <a:t>A DCQL (Which is just distributed CQL) can be used to make queries that are federated and require sub queries to be issues to other data services in order to dertime the result set.  The main addition here is the ability to describe Forieng association which intern create remote joins to happen in the FQP Service.</a:t>
+            </a:r>
+          </a:p>
+        </p:txBody>
+      </p:sp>
+      <p:sp>
+        <p:nvSpPr>
+          <p:cNvPr id="60420" name="Slide Number Placeholder 3"/>
+          <p:cNvSpPr>
+            <a:spLocks noGrp="1"/>
+          </p:cNvSpPr>
+          <p:nvPr>
+            <p:ph type="sldNum" sz="quarter" idx="5"/>
+          </p:nvPr>
+        </p:nvSpPr>
+        <p:spPr bwMode="auto">
+          <a:noFill/>
+          <a:ln>
+            <a:miter lim="800000"/>
+            <a:headEnd/>
+            <a:tailEnd/>
+          </a:ln>
+        </p:spPr>
+        <p:txBody>
+          <a:bodyPr/>
+          <a:lstStyle/>
+          <a:p>
+            <a:fld id="{0EA92AC8-40AC-4621-AB8B-E24657776B35}" type="slidenum">
+              <a:rPr lang="en-US"/>
+              <a:pPr/>
+              <a:t>62</a:t>
+            </a:fld>
             <a:endParaRPr lang="en-US"/>
           </a:p>
         </p:txBody>
@@ -1973,10 +2583,7 @@
           <a:bodyPr/>
           <a:lstStyle/>
           <a:p>
-            <a:r>
-              <a:rPr lang="en-US" smtClean="0"/>
-              <a:t>A DCQL (Which is just distributed CQL) can be used to make queries that are federated and require sub queries to be issues to other data services in order to dertime the result set.  The main addition here is the ability to describe Forieng association which intern create remote joins to happen in the FQP Service.</a:t>
-            </a:r>
+            <a:endParaRPr lang="en-US" dirty="0" smtClean="0"/>
           </a:p>
         </p:txBody>
       </p:sp>
@@ -2107,7 +2714,7 @@
             <a:fld id="{0EA92AC8-40AC-4621-AB8B-E24657776B35}" type="slidenum">
               <a:rPr lang="en-US"/>
               <a:pPr/>
-              <a:t>49</a:t>
+              <a:t>50</a:t>
             </a:fld>
             <a:endParaRPr lang="en-US"/>
           </a:p>
@@ -16848,7 +17455,11 @@
           <a:p>
             <a:r>
               <a:rPr lang="en-US" dirty="0" smtClean="0"/>
-              <a:t>Federated Queries</a:t>
+              <a:t>Federated </a:t>
+            </a:r>
+            <a:r>
+              <a:rPr lang="en-US" dirty="0" smtClean="0"/>
+              <a:t>Query Workflow</a:t>
             </a:r>
             <a:endParaRPr lang="en-US" dirty="0"/>
           </a:p>
@@ -16910,7 +17521,7 @@
               <a:rPr lang="en-US" sz="2000" b="1" kern="0" dirty="0" smtClean="0">
                 <a:latin typeface="+mn-lt"/>
               </a:rPr>
-              <a:t>Multiple Data Services Involved</a:t>
+              <a:t>A client wishes to submit a query to the FQP service</a:t>
             </a:r>
           </a:p>
           <a:p>
@@ -16926,201 +17537,122 @@
               <a:defRPr/>
             </a:pPr>
             <a:r>
-              <a:rPr lang="en-US" sz="2000" kern="0" dirty="0" smtClean="0"/>
-              <a:t>Basic distributed joins and aggregations</a:t>
-            </a:r>
-            <a:endParaRPr lang="en-US" sz="2000" b="1" kern="0" dirty="0" smtClean="0">
+              <a:rPr lang="en-US" sz="2000" kern="0" dirty="0" smtClean="0">
+                <a:latin typeface="+mn-lt"/>
+              </a:rPr>
+              <a:t>Query accesses multiple target data services</a:t>
+            </a:r>
+          </a:p>
+          <a:p>
+            <a:pPr marL="1257300" lvl="2" indent="-342900">
+              <a:spcBef>
+                <a:spcPct val="20000"/>
+              </a:spcBef>
+              <a:buClr>
+                <a:srgbClr val="00AAF6"/>
+              </a:buClr>
+              <a:buFontTx/>
+              <a:buChar char="•"/>
+              <a:defRPr/>
+            </a:pPr>
+            <a:r>
+              <a:rPr lang="en-US" kern="0" dirty="0" smtClean="0">
+                <a:latin typeface="+mn-lt"/>
+              </a:rPr>
+              <a:t>One or more of which is transient on the grid and might not be available at query time</a:t>
+            </a:r>
+          </a:p>
+          <a:p>
+            <a:pPr marL="800100" lvl="1" indent="-342900">
+              <a:spcBef>
+                <a:spcPct val="20000"/>
+              </a:spcBef>
+              <a:buClr>
+                <a:srgbClr val="00AAF6"/>
+              </a:buClr>
+              <a:buFontTx/>
+              <a:buChar char="•"/>
+              <a:defRPr/>
+            </a:pPr>
+            <a:r>
+              <a:rPr lang="en-US" sz="2000" kern="0" dirty="0" smtClean="0">
+                <a:latin typeface="+mn-lt"/>
+              </a:rPr>
+              <a:t>Involves secure data services which require authentication from the client</a:t>
+            </a:r>
+          </a:p>
+          <a:p>
+            <a:pPr marL="1257300" lvl="2" indent="-342900">
+              <a:spcBef>
+                <a:spcPct val="20000"/>
+              </a:spcBef>
+              <a:buClr>
+                <a:srgbClr val="00AAF6"/>
+              </a:buClr>
+              <a:buFontTx/>
+              <a:buChar char="•"/>
+              <a:defRPr/>
+            </a:pPr>
+            <a:r>
+              <a:rPr lang="en-US" kern="0" dirty="0" smtClean="0">
+                <a:latin typeface="+mn-lt"/>
+              </a:rPr>
+              <a:t>Client wishes to use his own credentials, so the query returns data he is authorized to see</a:t>
+            </a:r>
+          </a:p>
+          <a:p>
+            <a:pPr marL="800100" lvl="1" indent="-342900">
+              <a:spcBef>
+                <a:spcPct val="20000"/>
+              </a:spcBef>
+              <a:buClr>
+                <a:srgbClr val="00AAF6"/>
+              </a:buClr>
+              <a:buFontTx/>
+              <a:buChar char="•"/>
+              <a:defRPr/>
+            </a:pPr>
+            <a:r>
+              <a:rPr lang="en-US" sz="2000" kern="0" dirty="0" smtClean="0">
+                <a:latin typeface="+mn-lt"/>
+              </a:rPr>
+              <a:t>The client will retrieve the results of the query at a later time</a:t>
+            </a:r>
+          </a:p>
+          <a:p>
+            <a:pPr marL="1257300" lvl="2" indent="-342900">
+              <a:spcBef>
+                <a:spcPct val="20000"/>
+              </a:spcBef>
+              <a:buClr>
+                <a:srgbClr val="00AAF6"/>
+              </a:buClr>
+              <a:buFontTx/>
+              <a:buChar char="•"/>
+              <a:defRPr/>
+            </a:pPr>
+            <a:r>
+              <a:rPr lang="en-US" kern="0" dirty="0" smtClean="0">
+                <a:latin typeface="+mn-lt"/>
+              </a:rPr>
+              <a:t>The client does not want to busy-wait on the FQP service so it can go do other processing tasks</a:t>
+            </a:r>
+          </a:p>
+          <a:p>
+            <a:pPr marL="800100" lvl="1" indent="-342900">
+              <a:spcBef>
+                <a:spcPct val="20000"/>
+              </a:spcBef>
+              <a:buClr>
+                <a:srgbClr val="00AAF6"/>
+              </a:buClr>
+              <a:buFontTx/>
+              <a:buChar char="•"/>
+              <a:defRPr/>
+            </a:pPr>
+            <a:endParaRPr lang="en-US" kern="0" dirty="0" smtClean="0">
               <a:latin typeface="+mn-lt"/>
             </a:endParaRPr>
-          </a:p>
-          <a:p>
-            <a:pPr marL="800100" lvl="1" indent="-342900">
-              <a:spcBef>
-                <a:spcPct val="20000"/>
-              </a:spcBef>
-              <a:buClr>
-                <a:srgbClr val="00AAF6"/>
-              </a:buClr>
-              <a:buFontTx/>
-              <a:buChar char="•"/>
-              <a:defRPr/>
-            </a:pPr>
-            <a:r>
-              <a:rPr lang="en-US" sz="2000" kern="0" dirty="0" smtClean="0">
-                <a:latin typeface="+mn-lt"/>
-              </a:rPr>
-              <a:t>All data services use the same language (CQL), so federation using multiple data services is possible</a:t>
-            </a:r>
-          </a:p>
-          <a:p>
-            <a:pPr marL="1257300" lvl="2" indent="-342900">
-              <a:spcBef>
-                <a:spcPct val="20000"/>
-              </a:spcBef>
-              <a:buClr>
-                <a:srgbClr val="00AAF6"/>
-              </a:buClr>
-              <a:buFontTx/>
-              <a:buChar char="•"/>
-              <a:defRPr/>
-            </a:pPr>
-            <a:r>
-              <a:rPr lang="en-US" i="1" kern="0" dirty="0" smtClean="0">
-                <a:latin typeface="+mn-lt"/>
-              </a:rPr>
-              <a:t>Any</a:t>
-            </a:r>
-            <a:r>
-              <a:rPr lang="en-US" kern="0" dirty="0" smtClean="0">
-                <a:latin typeface="+mn-lt"/>
-              </a:rPr>
-              <a:t> combination of data services may be used</a:t>
-            </a:r>
-          </a:p>
-          <a:p>
-            <a:pPr marL="1257300" lvl="2" indent="-342900">
-              <a:spcBef>
-                <a:spcPct val="20000"/>
-              </a:spcBef>
-              <a:buClr>
-                <a:srgbClr val="00AAF6"/>
-              </a:buClr>
-              <a:buFontTx/>
-              <a:buChar char="•"/>
-              <a:defRPr/>
-            </a:pPr>
-            <a:r>
-              <a:rPr lang="en-US" kern="0" dirty="0" smtClean="0">
-                <a:latin typeface="+mn-lt"/>
-              </a:rPr>
-              <a:t>Arbitrary cross-model joins</a:t>
-            </a:r>
-          </a:p>
-          <a:p>
-            <a:pPr marL="342900" indent="-342900">
-              <a:spcBef>
-                <a:spcPct val="20000"/>
-              </a:spcBef>
-              <a:buClr>
-                <a:srgbClr val="00AAF6"/>
-              </a:buClr>
-              <a:buFontTx/>
-              <a:buChar char="•"/>
-              <a:defRPr/>
-            </a:pPr>
-            <a:r>
-              <a:rPr lang="en-US" sz="2000" b="1" i="1" kern="0" dirty="0" smtClean="0">
-                <a:latin typeface="+mn-lt"/>
-              </a:rPr>
-              <a:t>D</a:t>
-            </a:r>
-            <a:r>
-              <a:rPr lang="en-US" sz="2000" b="1" kern="0" dirty="0" smtClean="0">
-                <a:latin typeface="+mn-lt"/>
-              </a:rPr>
-              <a:t>CQL extends from CQL</a:t>
-            </a:r>
-          </a:p>
-          <a:p>
-            <a:pPr marL="800100" lvl="1" indent="-342900">
-              <a:spcBef>
-                <a:spcPct val="20000"/>
-              </a:spcBef>
-              <a:buClr>
-                <a:srgbClr val="00AAF6"/>
-              </a:buClr>
-              <a:buFontTx/>
-              <a:buChar char="•"/>
-              <a:defRPr/>
-            </a:pPr>
-            <a:r>
-              <a:rPr lang="en-US" sz="2000" kern="0" dirty="0" smtClean="0">
-                <a:latin typeface="+mn-lt"/>
-              </a:rPr>
-              <a:t>Distributed version of CQL</a:t>
-            </a:r>
-          </a:p>
-          <a:p>
-            <a:pPr marL="800100" lvl="1" indent="-342900">
-              <a:spcBef>
-                <a:spcPct val="20000"/>
-              </a:spcBef>
-              <a:buClr>
-                <a:srgbClr val="00AAF6"/>
-              </a:buClr>
-              <a:buFontTx/>
-              <a:buChar char="•"/>
-              <a:defRPr/>
-            </a:pPr>
-            <a:r>
-              <a:rPr lang="en-US" sz="2000" kern="0" dirty="0" smtClean="0">
-                <a:latin typeface="+mn-lt"/>
-              </a:rPr>
-              <a:t>Expresses joins, foreign data services, and target services</a:t>
-            </a:r>
-          </a:p>
-          <a:p>
-            <a:pPr marL="342900" indent="-342900">
-              <a:spcBef>
-                <a:spcPct val="20000"/>
-              </a:spcBef>
-              <a:buClr>
-                <a:srgbClr val="00AAF6"/>
-              </a:buClr>
-              <a:buFontTx/>
-              <a:buChar char="•"/>
-              <a:defRPr/>
-            </a:pPr>
-            <a:r>
-              <a:rPr lang="en-US" sz="2000" b="1" kern="0" dirty="0" err="1" smtClean="0">
-                <a:latin typeface="+mn-lt"/>
-              </a:rPr>
-              <a:t>Stateful</a:t>
-            </a:r>
-            <a:r>
-              <a:rPr lang="en-US" sz="2000" b="1" kern="0" dirty="0" smtClean="0">
-                <a:latin typeface="+mn-lt"/>
-              </a:rPr>
-              <a:t> Grid Service or Local API</a:t>
-            </a:r>
-          </a:p>
-          <a:p>
-            <a:pPr marL="800100" lvl="1" indent="-342900">
-              <a:spcBef>
-                <a:spcPct val="20000"/>
-              </a:spcBef>
-              <a:buClr>
-                <a:srgbClr val="00AAF6"/>
-              </a:buClr>
-              <a:buFontTx/>
-              <a:buChar char="•"/>
-              <a:defRPr/>
-            </a:pPr>
-            <a:r>
-              <a:rPr lang="en-US" sz="2000" kern="0" dirty="0" smtClean="0">
-                <a:latin typeface="+mn-lt"/>
-              </a:rPr>
-              <a:t>Queries may be issued to an FQP grid service and processed asynchronously for later results retrieval</a:t>
-            </a:r>
-          </a:p>
-          <a:p>
-            <a:pPr marL="800100" lvl="1" indent="-342900">
-              <a:spcBef>
-                <a:spcPct val="20000"/>
-              </a:spcBef>
-              <a:buClr>
-                <a:srgbClr val="00AAF6"/>
-              </a:buClr>
-              <a:buFontTx/>
-              <a:buChar char="•"/>
-              <a:defRPr/>
-            </a:pPr>
-            <a:r>
-              <a:rPr lang="en-US" sz="2000" kern="0" dirty="0" smtClean="0">
-                <a:latin typeface="+mn-lt"/>
-              </a:rPr>
-              <a:t>FQP engine may be used within an application directly</a:t>
-            </a:r>
           </a:p>
         </p:txBody>
       </p:sp>
@@ -17166,7 +17698,11 @@
           <a:p>
             <a:r>
               <a:rPr lang="en-US" dirty="0" smtClean="0"/>
-              <a:t>Federated Query Service</a:t>
+              <a:t>Federated </a:t>
+            </a:r>
+            <a:r>
+              <a:rPr lang="en-US" dirty="0" smtClean="0"/>
+              <a:t>Query Workflow</a:t>
             </a:r>
             <a:endParaRPr lang="en-US" dirty="0"/>
           </a:p>
@@ -17217,187 +17753,29 @@
               <a:defRPr/>
             </a:pPr>
             <a:r>
-              <a:rPr lang="en-US" sz="2000" b="1" kern="0" dirty="0" smtClean="0"/>
-              <a:t>Asynchronous query execution</a:t>
-            </a:r>
-          </a:p>
-          <a:p>
-            <a:pPr marL="800100" lvl="1" indent="-342900">
-              <a:spcBef>
-                <a:spcPct val="20000"/>
-              </a:spcBef>
-              <a:buClr>
-                <a:srgbClr val="00AAF6"/>
-              </a:buClr>
-              <a:buFontTx/>
-              <a:buChar char="•"/>
-              <a:defRPr/>
-            </a:pPr>
-            <a:r>
-              <a:rPr lang="en-US" sz="2000" kern="0" dirty="0" smtClean="0"/>
-              <a:t>Start a DCQL query and immediately return the results context</a:t>
-            </a:r>
-          </a:p>
-          <a:p>
-            <a:pPr marL="800100" lvl="1" indent="-342900">
-              <a:spcBef>
-                <a:spcPct val="20000"/>
-              </a:spcBef>
-              <a:buClr>
-                <a:srgbClr val="00AAF6"/>
-              </a:buClr>
-              <a:buFontTx/>
-              <a:buChar char="•"/>
-              <a:defRPr/>
-            </a:pPr>
-            <a:r>
-              <a:rPr lang="en-US" sz="2000" kern="0" dirty="0" smtClean="0"/>
-              <a:t>WS-Notification allows client to subscribe to status</a:t>
-            </a:r>
-          </a:p>
-          <a:p>
-            <a:pPr marL="1257300" lvl="2" indent="-342900">
-              <a:spcBef>
-                <a:spcPct val="20000"/>
-              </a:spcBef>
-              <a:buClr>
-                <a:srgbClr val="00AAF6"/>
-              </a:buClr>
-              <a:buFontTx/>
-              <a:buChar char="•"/>
-              <a:defRPr/>
-            </a:pPr>
-            <a:r>
-              <a:rPr lang="en-US" kern="0" dirty="0" smtClean="0"/>
-              <a:t>Processing complete, exception, querying target data service, etc.</a:t>
-            </a:r>
-          </a:p>
-          <a:p>
-            <a:pPr marL="342900" indent="-342900">
-              <a:spcBef>
-                <a:spcPct val="20000"/>
-              </a:spcBef>
-              <a:buClr>
-                <a:srgbClr val="00AAF6"/>
-              </a:buClr>
-              <a:buFontTx/>
-              <a:buChar char="•"/>
-              <a:defRPr/>
-            </a:pPr>
-            <a:r>
-              <a:rPr lang="en-US" sz="2000" b="1" kern="0" dirty="0" smtClean="0"/>
-              <a:t>Credential Delegation</a:t>
-            </a:r>
-          </a:p>
-          <a:p>
-            <a:pPr marL="800100" lvl="1" indent="-342900">
-              <a:spcBef>
-                <a:spcPct val="20000"/>
-              </a:spcBef>
-              <a:buClr>
-                <a:srgbClr val="00AAF6"/>
-              </a:buClr>
-              <a:buFontTx/>
-              <a:buChar char="•"/>
-              <a:defRPr/>
-            </a:pPr>
-            <a:r>
-              <a:rPr lang="en-US" sz="2000" kern="0" dirty="0" smtClean="0"/>
-              <a:t>FQP service may perform queries on behalf of a client</a:t>
-            </a:r>
-          </a:p>
-          <a:p>
-            <a:pPr marL="800100" lvl="1" indent="-342900">
-              <a:spcBef>
-                <a:spcPct val="20000"/>
-              </a:spcBef>
-              <a:buClr>
-                <a:srgbClr val="00AAF6"/>
-              </a:buClr>
-              <a:buFontTx/>
-              <a:buChar char="•"/>
-              <a:defRPr/>
-            </a:pPr>
-            <a:r>
-              <a:rPr lang="en-US" sz="2000" kern="0" dirty="0" smtClean="0"/>
-              <a:t>Leverages </a:t>
-            </a:r>
-            <a:r>
-              <a:rPr lang="en-US" sz="2000" b="1" kern="0" dirty="0" smtClean="0"/>
-              <a:t>C</a:t>
-            </a:r>
-            <a:r>
-              <a:rPr lang="en-US" sz="2000" kern="0" dirty="0" smtClean="0"/>
-              <a:t>redential </a:t>
-            </a:r>
-            <a:r>
-              <a:rPr lang="en-US" sz="2000" b="1" kern="0" dirty="0" smtClean="0"/>
-              <a:t>D</a:t>
-            </a:r>
-            <a:r>
-              <a:rPr lang="en-US" sz="2000" kern="0" dirty="0" smtClean="0"/>
-              <a:t>elegation </a:t>
-            </a:r>
-            <a:r>
-              <a:rPr lang="en-US" sz="2000" b="1" kern="0" dirty="0" smtClean="0"/>
-              <a:t>S</a:t>
-            </a:r>
-            <a:r>
-              <a:rPr lang="en-US" sz="2000" kern="0" dirty="0" smtClean="0"/>
-              <a:t>ervice (CDS)</a:t>
-            </a:r>
-          </a:p>
-          <a:p>
-            <a:pPr marL="342900" indent="-342900">
-              <a:spcBef>
-                <a:spcPct val="20000"/>
-              </a:spcBef>
-              <a:buClr>
-                <a:srgbClr val="00AAF6"/>
-              </a:buClr>
-              <a:buFontTx/>
-              <a:buChar char="•"/>
-              <a:defRPr/>
-            </a:pPr>
-            <a:r>
-              <a:rPr lang="en-US" sz="2000" b="1" kern="0" dirty="0" smtClean="0"/>
-              <a:t>Large results retrieval</a:t>
-            </a:r>
-          </a:p>
-          <a:p>
-            <a:pPr marL="800100" lvl="1" indent="-342900">
-              <a:spcBef>
-                <a:spcPct val="20000"/>
-              </a:spcBef>
-              <a:buClr>
-                <a:srgbClr val="00AAF6"/>
-              </a:buClr>
-              <a:buFontTx/>
-              <a:buChar char="•"/>
-              <a:defRPr/>
-            </a:pPr>
-            <a:r>
-              <a:rPr lang="en-US" sz="2000" kern="0" dirty="0" smtClean="0"/>
-              <a:t>WS-Enumeration and caGrid Transfer</a:t>
-            </a:r>
-          </a:p>
-          <a:p>
-            <a:pPr marL="342900" indent="-342900">
-              <a:spcBef>
-                <a:spcPct val="20000"/>
-              </a:spcBef>
-              <a:buClr>
-                <a:srgbClr val="00AAF6"/>
-              </a:buClr>
-              <a:buFontTx/>
-              <a:buChar char="•"/>
-              <a:defRPr/>
-            </a:pPr>
-            <a:r>
               <a:rPr lang="en-US" sz="2000" b="1" kern="0" dirty="0" smtClean="0">
                 <a:latin typeface="+mn-lt"/>
               </a:rPr>
-              <a:t>Configurable Query Behavior</a:t>
+              <a:t>Client delegates credential to FQP using CDS</a:t>
+            </a:r>
+          </a:p>
+          <a:p>
+            <a:pPr marL="342900" indent="-342900">
+              <a:spcBef>
+                <a:spcPct val="20000"/>
+              </a:spcBef>
+              <a:buClr>
+                <a:srgbClr val="00AAF6"/>
+              </a:buClr>
+              <a:buFontTx/>
+              <a:buChar char="•"/>
+              <a:defRPr/>
+            </a:pPr>
+            <a:r>
+              <a:rPr lang="en-US" sz="2000" b="1" kern="0" dirty="0" smtClean="0">
+                <a:latin typeface="+mn-lt"/>
+              </a:rPr>
+              <a:t>Client initiates Asynchronous DCQL query</a:t>
             </a:r>
           </a:p>
           <a:p>
@@ -17416,8 +17794,210 @@
               <a:rPr lang="en-US" sz="2000" kern="0" dirty="0" smtClean="0">
                 <a:latin typeface="+mn-lt"/>
               </a:rPr>
-              <a:t>Failure handling, partial results retrieval, etc</a:t>
-            </a:r>
+              <a:t>Passes credential reference from CDS</a:t>
+            </a:r>
+          </a:p>
+          <a:p>
+            <a:pPr marL="800100" lvl="1" indent="-342900">
+              <a:spcBef>
+                <a:spcPct val="20000"/>
+              </a:spcBef>
+              <a:buClr>
+                <a:srgbClr val="00AAF6"/>
+              </a:buClr>
+              <a:buFontTx/>
+              <a:buChar char="•"/>
+              <a:defRPr/>
+            </a:pPr>
+            <a:r>
+              <a:rPr lang="en-US" sz="2000" kern="0" dirty="0" smtClean="0">
+                <a:latin typeface="+mn-lt"/>
+              </a:rPr>
+              <a:t>Creates Query Execution Parameters to allow partial results</a:t>
+            </a:r>
+          </a:p>
+          <a:p>
+            <a:pPr marL="342900" indent="-342900">
+              <a:spcBef>
+                <a:spcPct val="20000"/>
+              </a:spcBef>
+              <a:buClr>
+                <a:srgbClr val="00AAF6"/>
+              </a:buClr>
+              <a:buFontTx/>
+              <a:buChar char="•"/>
+              <a:defRPr/>
+            </a:pPr>
+            <a:r>
+              <a:rPr lang="en-US" sz="2000" b="1" kern="0" dirty="0" smtClean="0">
+                <a:latin typeface="+mn-lt"/>
+              </a:rPr>
+              <a:t>FQP Contacts CDS for the user’s credential</a:t>
+            </a:r>
+          </a:p>
+          <a:p>
+            <a:pPr marL="800100" lvl="1" indent="-342900">
+              <a:spcBef>
+                <a:spcPct val="20000"/>
+              </a:spcBef>
+              <a:buClr>
+                <a:srgbClr val="00AAF6"/>
+              </a:buClr>
+              <a:buFontTx/>
+              <a:buChar char="•"/>
+              <a:defRPr/>
+            </a:pPr>
+            <a:r>
+              <a:rPr lang="en-US" sz="2000" kern="0" dirty="0" smtClean="0">
+                <a:latin typeface="+mn-lt"/>
+              </a:rPr>
+              <a:t>Credential is validated for same identity as caller</a:t>
+            </a:r>
+          </a:p>
+          <a:p>
+            <a:pPr marL="342900" indent="-342900">
+              <a:spcBef>
+                <a:spcPct val="20000"/>
+              </a:spcBef>
+              <a:buClr>
+                <a:srgbClr val="00AAF6"/>
+              </a:buClr>
+              <a:buFontTx/>
+              <a:buChar char="•"/>
+              <a:defRPr/>
+            </a:pPr>
+            <a:r>
+              <a:rPr lang="en-US" sz="2000" b="1" kern="0" dirty="0" smtClean="0">
+                <a:latin typeface="+mn-lt"/>
+              </a:rPr>
+              <a:t>FQP creates a query results resource</a:t>
+            </a:r>
+          </a:p>
+          <a:p>
+            <a:pPr marL="800100" lvl="1" indent="-342900">
+              <a:spcBef>
+                <a:spcPct val="20000"/>
+              </a:spcBef>
+              <a:buClr>
+                <a:srgbClr val="00AAF6"/>
+              </a:buClr>
+              <a:buFontTx/>
+              <a:buChar char="•"/>
+              <a:defRPr/>
+            </a:pPr>
+            <a:r>
+              <a:rPr lang="en-US" sz="2000" kern="0" dirty="0" smtClean="0">
+                <a:latin typeface="+mn-lt"/>
+              </a:rPr>
+              <a:t>Reference to the resource is returned</a:t>
+            </a:r>
+          </a:p>
+          <a:p>
+            <a:pPr marL="800100" lvl="1" indent="-342900">
+              <a:spcBef>
+                <a:spcPct val="20000"/>
+              </a:spcBef>
+              <a:buClr>
+                <a:srgbClr val="00AAF6"/>
+              </a:buClr>
+              <a:buFontTx/>
+              <a:buChar char="•"/>
+              <a:defRPr/>
+            </a:pPr>
+            <a:r>
+              <a:rPr lang="en-US" sz="2000" kern="0" dirty="0" smtClean="0">
+                <a:latin typeface="+mn-lt"/>
+              </a:rPr>
+              <a:t>Query processing begins using the thread pool</a:t>
+            </a:r>
+          </a:p>
+          <a:p>
+            <a:pPr marL="1257300" lvl="2" indent="-342900">
+              <a:spcBef>
+                <a:spcPct val="20000"/>
+              </a:spcBef>
+              <a:buClr>
+                <a:srgbClr val="00AAF6"/>
+              </a:buClr>
+              <a:buFontTx/>
+              <a:buChar char="•"/>
+              <a:defRPr/>
+            </a:pPr>
+            <a:r>
+              <a:rPr lang="en-US" kern="0" dirty="0" smtClean="0">
+                <a:latin typeface="+mn-lt"/>
+              </a:rPr>
+              <a:t>Generated CQL is broadcast to involved </a:t>
+            </a:r>
+            <a:r>
+              <a:rPr lang="en-US" kern="0" smtClean="0">
+                <a:latin typeface="+mn-lt"/>
+              </a:rPr>
+              <a:t>data services</a:t>
+            </a:r>
+            <a:endParaRPr lang="en-US" kern="0" dirty="0" smtClean="0">
+              <a:latin typeface="+mn-lt"/>
+            </a:endParaRPr>
+          </a:p>
+          <a:p>
+            <a:pPr marL="342900" indent="-342900">
+              <a:spcBef>
+                <a:spcPct val="20000"/>
+              </a:spcBef>
+              <a:buClr>
+                <a:srgbClr val="00AAF6"/>
+              </a:buClr>
+              <a:buFontTx/>
+              <a:buChar char="•"/>
+              <a:defRPr/>
+            </a:pPr>
+            <a:r>
+              <a:rPr lang="en-US" sz="2000" b="1" kern="0" dirty="0" smtClean="0">
+                <a:latin typeface="+mn-lt"/>
+              </a:rPr>
+              <a:t>Client subscribes to the results resource status property</a:t>
+            </a:r>
+          </a:p>
+          <a:p>
+            <a:pPr marL="342900" indent="-342900">
+              <a:spcBef>
+                <a:spcPct val="20000"/>
+              </a:spcBef>
+              <a:buClr>
+                <a:srgbClr val="00AAF6"/>
+              </a:buClr>
+              <a:buFontTx/>
+              <a:buChar char="•"/>
+              <a:defRPr/>
+            </a:pPr>
+            <a:r>
+              <a:rPr lang="en-US" sz="2000" b="1" kern="0" dirty="0" smtClean="0">
+                <a:latin typeface="+mn-lt"/>
+              </a:rPr>
+              <a:t>FQP completes processing and notifies the client</a:t>
+            </a:r>
+          </a:p>
+          <a:p>
+            <a:pPr marL="342900" indent="-342900">
+              <a:spcBef>
+                <a:spcPct val="20000"/>
+              </a:spcBef>
+              <a:buClr>
+                <a:srgbClr val="00AAF6"/>
+              </a:buClr>
+              <a:buFontTx/>
+              <a:buChar char="•"/>
+              <a:defRPr/>
+            </a:pPr>
+            <a:r>
+              <a:rPr lang="en-US" sz="2000" b="1" kern="0" dirty="0" smtClean="0">
+                <a:latin typeface="+mn-lt"/>
+              </a:rPr>
+              <a:t>Client retrieves results from the resource</a:t>
+            </a:r>
+            <a:endParaRPr lang="en-US" kern="0" dirty="0" smtClean="0">
+              <a:latin typeface="+mn-lt"/>
+            </a:endParaRPr>
           </a:p>
         </p:txBody>
       </p:sp>
@@ -17464,273 +18044,36 @@
             <a:pPr eaLnBrk="1" hangingPunct="1"/>
             <a:r>
               <a:rPr lang="en-US" dirty="0" smtClean="0"/>
-              <a:t>DCQL </a:t>
-            </a:r>
-            <a:r>
-              <a:rPr lang="en-US" dirty="0" smtClean="0"/>
-              <a:t>Components</a:t>
+              <a:t>Federated Query Workflow</a:t>
             </a:r>
             <a:endParaRPr lang="en-US" dirty="0" smtClean="0"/>
           </a:p>
         </p:txBody>
       </p:sp>
-      <p:sp>
-        <p:nvSpPr>
-          <p:cNvPr id="4" name="Content Placeholder 2"/>
-          <p:cNvSpPr txBox="1">
-            <a:spLocks/>
-          </p:cNvSpPr>
+      <p:pic>
+        <p:nvPicPr>
+          <p:cNvPr id="4" name="Picture 3" descr="FQP Flow.png"/>
+          <p:cNvPicPr>
+            <a:picLocks noChangeAspect="1"/>
+          </p:cNvPicPr>
           <p:nvPr/>
-        </p:nvSpPr>
-        <p:spPr bwMode="auto">
+        </p:nvPicPr>
+        <p:blipFill>
+          <a:blip r:embed="rId3" cstate="print"/>
+          <a:stretch>
+            <a:fillRect/>
+          </a:stretch>
+        </p:blipFill>
+        <p:spPr>
           <a:xfrm>
-            <a:off x="228600" y="1219200"/>
-            <a:ext cx="8458200" cy="5181600"/>
+            <a:off x="1752600" y="1143000"/>
+            <a:ext cx="5562600" cy="5537767"/>
           </a:xfrm>
           <a:prstGeom prst="rect">
             <a:avLst/>
           </a:prstGeom>
-          <a:noFill/>
-          <a:ln w="9525">
-            <a:noFill/>
-            <a:miter lim="800000"/>
-            <a:headEnd/>
-            <a:tailEnd/>
-          </a:ln>
-          <a:effectLst/>
         </p:spPr>
-        <p:txBody>
-          <a:bodyPr vert="horz" wrap="square" lIns="91440" tIns="45720" rIns="91440" bIns="45720" numCol="1" anchor="t" anchorCtr="0" compatLnSpc="1">
-            <a:prstTxWarp prst="textNoShape">
-              <a:avLst/>
-            </a:prstTxWarp>
-          </a:bodyPr>
-          <a:lstStyle/>
-          <a:p>
-            <a:pPr marL="342900" indent="-342900">
-              <a:spcBef>
-                <a:spcPct val="20000"/>
-              </a:spcBef>
-              <a:buClr>
-                <a:srgbClr val="00AAF6"/>
-              </a:buClr>
-              <a:buFontTx/>
-              <a:buChar char="•"/>
-              <a:defRPr/>
-            </a:pPr>
-            <a:r>
-              <a:rPr lang="en-US" sz="2000" b="1" kern="0" dirty="0" smtClean="0"/>
-              <a:t>DCQL builds on CQL</a:t>
-            </a:r>
-          </a:p>
-          <a:p>
-            <a:pPr marL="800100" lvl="1" indent="-342900">
-              <a:spcBef>
-                <a:spcPct val="20000"/>
-              </a:spcBef>
-              <a:buClr>
-                <a:srgbClr val="00AAF6"/>
-              </a:buClr>
-              <a:buFontTx/>
-              <a:buChar char="•"/>
-              <a:defRPr/>
-            </a:pPr>
-            <a:r>
-              <a:rPr lang="en-US" sz="2000" kern="0" dirty="0" smtClean="0"/>
-              <a:t>New types added to support joins</a:t>
-            </a:r>
-          </a:p>
-          <a:p>
-            <a:pPr marL="1257300" lvl="2" indent="-342900">
-              <a:spcBef>
-                <a:spcPct val="20000"/>
-              </a:spcBef>
-              <a:buClr>
-                <a:srgbClr val="00AAF6"/>
-              </a:buClr>
-              <a:buFontTx/>
-              <a:buChar char="•"/>
-              <a:defRPr/>
-            </a:pPr>
-            <a:r>
-              <a:rPr lang="en-US" kern="0" dirty="0" smtClean="0"/>
-              <a:t>Foreign association, foreign object, join condition</a:t>
-            </a:r>
-            <a:endParaRPr lang="en-US" sz="2000" b="1" kern="0" dirty="0" smtClean="0"/>
-          </a:p>
-          <a:p>
-            <a:pPr marL="800100" lvl="1" indent="-342900">
-              <a:spcBef>
-                <a:spcPct val="20000"/>
-              </a:spcBef>
-              <a:buClr>
-                <a:srgbClr val="00AAF6"/>
-              </a:buClr>
-              <a:buFontTx/>
-              <a:buChar char="•"/>
-              <a:defRPr/>
-            </a:pPr>
-            <a:r>
-              <a:rPr lang="en-US" sz="2000" kern="0" dirty="0" smtClean="0"/>
-              <a:t>Re-used data types where possible	</a:t>
-            </a:r>
-          </a:p>
-          <a:p>
-            <a:pPr marL="1257300" lvl="2" indent="-342900">
-              <a:spcBef>
-                <a:spcPct val="20000"/>
-              </a:spcBef>
-              <a:buClr>
-                <a:srgbClr val="00AAF6"/>
-              </a:buClr>
-              <a:buFontTx/>
-              <a:buChar char="•"/>
-              <a:defRPr/>
-            </a:pPr>
-            <a:r>
-              <a:rPr lang="en-US" kern="0" dirty="0" smtClean="0"/>
-              <a:t>Attribute and its predicates are directly from CQL</a:t>
-            </a:r>
-          </a:p>
-          <a:p>
-            <a:pPr marL="800100" lvl="1" indent="-342900">
-              <a:spcBef>
-                <a:spcPct val="20000"/>
-              </a:spcBef>
-              <a:buClr>
-                <a:srgbClr val="00AAF6"/>
-              </a:buClr>
-              <a:buFontTx/>
-              <a:buChar char="•"/>
-              <a:defRPr/>
-            </a:pPr>
-            <a:r>
-              <a:rPr lang="en-US" sz="2000" kern="0" dirty="0" smtClean="0"/>
-              <a:t>Matching names in most other cases</a:t>
-            </a:r>
-          </a:p>
-          <a:p>
-            <a:pPr marL="1257300" lvl="2" indent="-342900">
-              <a:spcBef>
-                <a:spcPct val="20000"/>
-              </a:spcBef>
-              <a:buClr>
-                <a:srgbClr val="00AAF6"/>
-              </a:buClr>
-              <a:buFontTx/>
-              <a:buChar char="•"/>
-              <a:defRPr/>
-            </a:pPr>
-            <a:r>
-              <a:rPr lang="en-US" kern="0" dirty="0" smtClean="0"/>
-              <a:t>Group, object, association, etc look very similar to CQL</a:t>
-            </a:r>
-          </a:p>
-          <a:p>
-            <a:pPr marL="800100" lvl="1" indent="-342900">
-              <a:spcBef>
-                <a:spcPct val="20000"/>
-              </a:spcBef>
-              <a:buClr>
-                <a:srgbClr val="00AAF6"/>
-              </a:buClr>
-              <a:buFontTx/>
-              <a:buChar char="•"/>
-              <a:defRPr/>
-            </a:pPr>
-            <a:r>
-              <a:rPr lang="en-US" sz="2000" kern="0" dirty="0" smtClean="0"/>
-              <a:t>Target service URLs added to the root of the query</a:t>
-            </a:r>
-          </a:p>
-          <a:p>
-            <a:pPr marL="1257300" lvl="2" indent="-342900">
-              <a:spcBef>
-                <a:spcPct val="20000"/>
-              </a:spcBef>
-              <a:buClr>
-                <a:srgbClr val="00AAF6"/>
-              </a:buClr>
-              <a:buFontTx/>
-              <a:buChar char="•"/>
-              <a:defRPr/>
-            </a:pPr>
-            <a:r>
-              <a:rPr lang="en-US" kern="0" dirty="0" smtClean="0"/>
-              <a:t>Specifies the context(s) in which to execute the query for the target object</a:t>
-            </a:r>
-          </a:p>
-          <a:p>
-            <a:pPr marL="1257300" lvl="2" indent="-342900">
-              <a:spcBef>
-                <a:spcPct val="20000"/>
-              </a:spcBef>
-              <a:buClr>
-                <a:srgbClr val="00AAF6"/>
-              </a:buClr>
-              <a:buFontTx/>
-              <a:buChar char="•"/>
-              <a:defRPr/>
-            </a:pPr>
-            <a:r>
-              <a:rPr lang="en-US" kern="0" dirty="0" smtClean="0"/>
-              <a:t>Unlike CQL, where the service executing the query </a:t>
-            </a:r>
-            <a:r>
-              <a:rPr lang="en-US" i="1" kern="0" dirty="0" smtClean="0"/>
-              <a:t>is</a:t>
-            </a:r>
-            <a:r>
-              <a:rPr lang="en-US" kern="0" dirty="0" smtClean="0"/>
-              <a:t> the context</a:t>
-            </a:r>
-          </a:p>
-          <a:p>
-            <a:pPr marL="800100" lvl="1" indent="-342900">
-              <a:spcBef>
-                <a:spcPct val="20000"/>
-              </a:spcBef>
-              <a:buClr>
-                <a:srgbClr val="00AAF6"/>
-              </a:buClr>
-              <a:buFontTx/>
-              <a:buChar char="•"/>
-              <a:defRPr/>
-            </a:pPr>
-            <a:endParaRPr lang="en-US" kern="0" dirty="0" smtClean="0"/>
-          </a:p>
-          <a:p>
-            <a:pPr marL="342900" indent="-342900">
-              <a:spcBef>
-                <a:spcPct val="20000"/>
-              </a:spcBef>
-              <a:buClr>
-                <a:srgbClr val="00AAF6"/>
-              </a:buClr>
-              <a:buFontTx/>
-              <a:buChar char="•"/>
-              <a:defRPr/>
-            </a:pPr>
-            <a:endParaRPr lang="en-US" dirty="0" smtClean="0"/>
-          </a:p>
-          <a:p>
-            <a:pPr marL="800100" lvl="1" indent="-342900">
-              <a:spcBef>
-                <a:spcPct val="20000"/>
-              </a:spcBef>
-              <a:buClr>
-                <a:srgbClr val="00AAF6"/>
-              </a:buClr>
-              <a:buFontTx/>
-              <a:buChar char="•"/>
-              <a:defRPr/>
-            </a:pPr>
-            <a:endParaRPr lang="en-US" sz="2000" kern="0" dirty="0" smtClean="0">
-              <a:latin typeface="+mn-lt"/>
-            </a:endParaRPr>
-          </a:p>
-        </p:txBody>
-      </p:sp>
+      </p:pic>
     </p:spTree>
   </p:cSld>
   <p:clrMapOvr>
@@ -17765,9 +18108,9 @@
       </p:grpSpPr>
       <p:sp>
         <p:nvSpPr>
-          <p:cNvPr id="59394" name="Rectangle 2"/>
+          <p:cNvPr id="2" name="Title 1"/>
           <p:cNvSpPr>
-            <a:spLocks noGrp="1" noChangeArrowheads="1"/>
+            <a:spLocks noGrp="1"/>
           </p:cNvSpPr>
           <p:nvPr>
             <p:ph type="title"/>
@@ -17778,22 +18121,17 @@
           <a:bodyPr/>
           <a:lstStyle/>
           <a:p>
-            <a:pPr eaLnBrk="1" hangingPunct="1"/>
             <a:r>
               <a:rPr lang="en-US" dirty="0" smtClean="0"/>
-              <a:t>DCQL </a:t>
-            </a:r>
-            <a:r>
-              <a:rPr lang="en-US" dirty="0" smtClean="0"/>
-              <a:t>Components</a:t>
-            </a:r>
-            <a:endParaRPr lang="en-US" dirty="0" smtClean="0"/>
+              <a:t>Federated Query Service</a:t>
+            </a:r>
+            <a:endParaRPr lang="en-US" dirty="0"/>
           </a:p>
         </p:txBody>
       </p:sp>
       <p:sp>
         <p:nvSpPr>
-          <p:cNvPr id="4" name="Content Placeholder 2"/>
+          <p:cNvPr id="5" name="Content Placeholder 2"/>
           <p:cNvSpPr txBox="1">
             <a:spLocks/>
           </p:cNvSpPr>
@@ -17801,8 +18139,8 @@
         </p:nvSpPr>
         <p:spPr bwMode="auto">
           <a:xfrm>
-            <a:off x="228600" y="1219200"/>
-            <a:ext cx="8458200" cy="5181600"/>
+            <a:off x="304800" y="1371600"/>
+            <a:ext cx="8458200" cy="4953000"/>
           </a:xfrm>
           <a:prstGeom prst="rect">
             <a:avLst/>
@@ -17836,10 +18174,9 @@
               <a:defRPr/>
             </a:pPr>
             <a:r>
-              <a:rPr lang="en-US" sz="2000" b="1" kern="0" dirty="0" err="1" smtClean="0"/>
-              <a:t>DCQLQuery</a:t>
-            </a:r>
-            <a:endParaRPr lang="en-US" sz="2000" b="1" kern="0" dirty="0" smtClean="0"/>
+              <a:rPr lang="en-US" sz="2000" b="1" kern="0" dirty="0" smtClean="0"/>
+              <a:t>Asynchronous query execution</a:t>
+            </a:r>
           </a:p>
           <a:p>
             <a:pPr marL="800100" lvl="1" indent="-342900">
@@ -17855,7 +18192,7 @@
             </a:pPr>
             <a:r>
               <a:rPr lang="en-US" sz="2000" kern="0" dirty="0" smtClean="0"/>
-              <a:t>The root element of any DCQL query</a:t>
+              <a:t>Start a DCQL query and immediately return the results context</a:t>
             </a:r>
           </a:p>
           <a:p>
@@ -17872,15 +18209,58 @@
             </a:pPr>
             <a:r>
               <a:rPr lang="en-US" sz="2000" kern="0" dirty="0" smtClean="0"/>
-              <a:t>Contains a single </a:t>
-            </a:r>
-            <a:r>
-              <a:rPr lang="en-US" sz="2000" kern="0" dirty="0" err="1" smtClean="0"/>
-              <a:t>TargetObject</a:t>
-            </a:r>
+              <a:t>WS-Notification allows client to subscribe to status</a:t>
+            </a:r>
+          </a:p>
+          <a:p>
+            <a:pPr marL="1257300" lvl="2" indent="-342900">
+              <a:spcBef>
+                <a:spcPct val="20000"/>
+              </a:spcBef>
+              <a:buClr>
+                <a:srgbClr val="00AAF6"/>
+              </a:buClr>
+              <a:buFontTx/>
+              <a:buChar char="•"/>
+              <a:defRPr/>
+            </a:pPr>
+            <a:r>
+              <a:rPr lang="en-US" kern="0" dirty="0" smtClean="0"/>
+              <a:t>Processing complete, exception, querying target data service, etc.</a:t>
+            </a:r>
+          </a:p>
+          <a:p>
+            <a:pPr marL="342900" indent="-342900">
+              <a:spcBef>
+                <a:spcPct val="20000"/>
+              </a:spcBef>
+              <a:buClr>
+                <a:srgbClr val="00AAF6"/>
+              </a:buClr>
+              <a:buFontTx/>
+              <a:buChar char="•"/>
+              <a:defRPr/>
+            </a:pPr>
+            <a:r>
+              <a:rPr lang="en-US" sz="2000" b="1" kern="0" dirty="0" smtClean="0"/>
+              <a:t>Credential Delegation</a:t>
+            </a:r>
+          </a:p>
+          <a:p>
+            <a:pPr marL="800100" lvl="1" indent="-342900">
+              <a:spcBef>
+                <a:spcPct val="20000"/>
+              </a:spcBef>
+              <a:buClr>
+                <a:srgbClr val="00AAF6"/>
+              </a:buClr>
+              <a:buFontTx/>
+              <a:buChar char="•"/>
+              <a:defRPr/>
+            </a:pPr>
             <a:r>
               <a:rPr lang="en-US" sz="2000" kern="0" dirty="0" smtClean="0"/>
-              <a:t> element </a:t>
+              <a:t>FQP service may perform queries on behalf of a client</a:t>
             </a:r>
           </a:p>
           <a:p>
@@ -17897,24 +18277,31 @@
             </a:pPr>
             <a:r>
               <a:rPr lang="en-US" sz="2000" kern="0" dirty="0" smtClean="0"/>
-              <a:t>One to many target data service elements</a:t>
-            </a:r>
-          </a:p>
-          <a:p>
-            <a:pPr marL="1257300" lvl="2" indent="-342900">
-              <a:spcBef>
-                <a:spcPct val="20000"/>
-              </a:spcBef>
-              <a:buClr>
-                <a:srgbClr val="00AAF6"/>
-              </a:buClr>
-              <a:buFontTx/>
-              <a:buChar char="•"/>
-              <a:defRPr/>
-            </a:pPr>
-            <a:r>
-              <a:rPr lang="en-US" kern="0" dirty="0" smtClean="0"/>
-              <a:t>Multiple target services provides for aggregation of results from multiple sources</a:t>
+              <a:t>Leverages </a:t>
+            </a:r>
+            <a:r>
+              <a:rPr lang="en-US" sz="2000" b="1" kern="0" dirty="0" smtClean="0"/>
+              <a:t>C</a:t>
+            </a:r>
+            <a:r>
+              <a:rPr lang="en-US" sz="2000" kern="0" dirty="0" smtClean="0"/>
+              <a:t>redential </a:t>
+            </a:r>
+            <a:r>
+              <a:rPr lang="en-US" sz="2000" b="1" kern="0" dirty="0" smtClean="0"/>
+              <a:t>D</a:t>
+            </a:r>
+            <a:r>
+              <a:rPr lang="en-US" sz="2000" kern="0" dirty="0" smtClean="0"/>
+              <a:t>elegation </a:t>
+            </a:r>
+            <a:r>
+              <a:rPr lang="en-US" sz="2000" b="1" kern="0" dirty="0" smtClean="0"/>
+              <a:t>S</a:t>
+            </a:r>
+            <a:r>
+              <a:rPr lang="en-US" sz="2000" kern="0" dirty="0" smtClean="0"/>
+              <a:t>ervice (CDS)</a:t>
             </a:r>
           </a:p>
           <a:p>
@@ -17931,7 +18318,7 @@
             </a:pPr>
             <a:r>
               <a:rPr lang="en-US" sz="2000" b="1" kern="0" dirty="0" smtClean="0"/>
-              <a:t>Object</a:t>
+              <a:t>Large results retrieval</a:t>
             </a:r>
           </a:p>
           <a:p>
@@ -17948,7 +18335,26 @@
             </a:pPr>
             <a:r>
               <a:rPr lang="en-US" sz="2000" kern="0" dirty="0" smtClean="0"/>
-              <a:t>Identifies a data type</a:t>
+              <a:t>WS-Enumeration and caGrid Transfer</a:t>
+            </a:r>
+          </a:p>
+          <a:p>
+            <a:pPr marL="342900" indent="-342900">
+              <a:spcBef>
+                <a:spcPct val="20000"/>
+              </a:spcBef>
+              <a:buClr>
+                <a:srgbClr val="00AAF6"/>
+              </a:buClr>
+              <a:buFontTx/>
+              <a:buChar char="•"/>
+              <a:defRPr/>
+            </a:pPr>
+            <a:r>
+              <a:rPr lang="en-US" sz="2000" b="1" kern="0" dirty="0" smtClean="0">
+                <a:latin typeface="+mn-lt"/>
+              </a:rPr>
+              <a:t>Configurable Query Behavior</a:t>
             </a:r>
           </a:p>
           <a:p>
@@ -17964,123 +18370,11 @@
               <a:defRPr/>
             </a:pPr>
             <a:r>
-              <a:rPr lang="en-US" sz="2000" kern="0" dirty="0" smtClean="0"/>
-              <a:t>May be used as the </a:t>
-            </a:r>
-            <a:r>
-              <a:rPr lang="en-US" sz="2000" kern="0" dirty="0" err="1" smtClean="0"/>
-              <a:t>TargetObject</a:t>
-            </a:r>
-            <a:r>
-              <a:rPr lang="en-US" sz="2000" kern="0" dirty="0" smtClean="0"/>
-              <a:t> of a DCQL query</a:t>
-            </a:r>
-          </a:p>
-          <a:p>
-            <a:pPr marL="1257300" lvl="2" indent="-342900">
-              <a:spcBef>
-                <a:spcPct val="20000"/>
-              </a:spcBef>
-              <a:buClr>
-                <a:srgbClr val="00AAF6"/>
-              </a:buClr>
-              <a:buFontTx/>
-              <a:buChar char="•"/>
-              <a:defRPr/>
-            </a:pPr>
-            <a:r>
-              <a:rPr lang="en-US" kern="0" dirty="0" smtClean="0"/>
-              <a:t>The data type which will be returned</a:t>
-            </a:r>
-          </a:p>
-          <a:p>
-            <a:pPr marL="800100" lvl="1" indent="-342900">
-              <a:spcBef>
-                <a:spcPct val="20000"/>
-              </a:spcBef>
-              <a:buClr>
-                <a:srgbClr val="00AAF6"/>
-              </a:buClr>
-              <a:buFontTx/>
-              <a:buChar char="•"/>
-              <a:defRPr/>
-            </a:pPr>
-            <a:r>
-              <a:rPr lang="en-US" sz="2000" kern="0" dirty="0" smtClean="0"/>
-              <a:t>Also may be used as an Association</a:t>
-            </a:r>
-          </a:p>
-          <a:p>
-            <a:pPr marL="1257300" lvl="2" indent="-342900">
-              <a:spcBef>
-                <a:spcPct val="20000"/>
-              </a:spcBef>
-              <a:buClr>
-                <a:srgbClr val="00AAF6"/>
-              </a:buClr>
-              <a:buFontTx/>
-              <a:buChar char="•"/>
-              <a:defRPr/>
-            </a:pPr>
-            <a:r>
-              <a:rPr lang="en-US" kern="0" dirty="0" smtClean="0"/>
-              <a:t>Provides a restriction on its parent element</a:t>
-            </a:r>
-          </a:p>
-          <a:p>
-            <a:pPr marL="800100" lvl="1" indent="-342900">
-              <a:spcBef>
-                <a:spcPct val="20000"/>
-              </a:spcBef>
-              <a:buClr>
-                <a:srgbClr val="00AAF6"/>
-              </a:buClr>
-              <a:buFontTx/>
-              <a:buChar char="•"/>
-              <a:defRPr/>
-            </a:pPr>
-            <a:r>
-              <a:rPr lang="en-US" sz="2000" kern="0" dirty="0" smtClean="0"/>
-              <a:t>Adds the </a:t>
-            </a:r>
-            <a:r>
-              <a:rPr lang="en-US" sz="2000" kern="0" dirty="0" err="1" smtClean="0"/>
-              <a:t>ForeignAssociation</a:t>
-            </a:r>
-            <a:r>
-              <a:rPr lang="en-US" sz="2000" kern="0" dirty="0" smtClean="0"/>
-              <a:t> component over CQL</a:t>
-            </a:r>
-          </a:p>
-          <a:p>
-            <a:pPr marL="342900" indent="-342900">
-              <a:spcBef>
-                <a:spcPct val="20000"/>
-              </a:spcBef>
-              <a:buClr>
-                <a:srgbClr val="00AAF6"/>
-              </a:buClr>
-              <a:buFontTx/>
-              <a:buChar char="•"/>
-              <a:defRPr/>
-            </a:pPr>
-            <a:endParaRPr lang="en-US" dirty="0" smtClean="0"/>
-          </a:p>
-          <a:p>
-            <a:pPr marL="800100" lvl="1" indent="-342900">
-              <a:spcBef>
-                <a:spcPct val="20000"/>
-              </a:spcBef>
-              <a:buClr>
-                <a:srgbClr val="00AAF6"/>
-              </a:buClr>
-              <a:buFontTx/>
-              <a:buChar char="•"/>
-              <a:defRPr/>
-            </a:pPr>
-            <a:endParaRPr lang="en-US" sz="2000" kern="0" dirty="0" smtClean="0">
-              <a:latin typeface="+mn-lt"/>
-            </a:endParaRPr>
+              <a:rPr lang="en-US" sz="2000" kern="0" dirty="0" smtClean="0">
+                <a:latin typeface="+mn-lt"/>
+              </a:rPr>
+              <a:t>Failure handling, partial results retrieval, etc</a:t>
+            </a:r>
           </a:p>
         </p:txBody>
       </p:sp>
@@ -18089,13 +18383,6 @@
   <p:clrMapOvr>
     <a:masterClrMapping/>
   </p:clrMapOvr>
-  <p:timing>
-    <p:tnLst>
-      <p:par>
-        <p:cTn id="1" dur="indefinite" restart="never" nodeType="tmRoot"/>
-      </p:par>
-    </p:tnLst>
-  </p:timing>
 </p:sld>
 </file>
 
@@ -18273,11 +18560,7 @@
             <a:pPr eaLnBrk="1" hangingPunct="1"/>
             <a:r>
               <a:rPr lang="en-US" dirty="0" smtClean="0"/>
-              <a:t>DCQL </a:t>
-            </a:r>
-            <a:r>
-              <a:rPr lang="en-US" dirty="0" smtClean="0"/>
-              <a:t>Components</a:t>
+              <a:t>Federated Query Service Security</a:t>
             </a:r>
             <a:endParaRPr lang="en-US" dirty="0" smtClean="0"/>
           </a:p>
@@ -18294,7 +18577,7 @@
         <p:spPr bwMode="auto">
           <a:xfrm>
             <a:off x="228600" y="1219200"/>
-            <a:ext cx="8458200" cy="5181600"/>
+            <a:ext cx="8458200" cy="5105400"/>
           </a:xfrm>
           <a:prstGeom prst="rect">
             <a:avLst/>
@@ -18328,8 +18611,8 @@
               <a:defRPr/>
             </a:pPr>
             <a:r>
-              <a:rPr lang="en-US" sz="2000" b="1" kern="0" dirty="0" smtClean="0"/>
-              <a:t>Association</a:t>
+              <a:rPr lang="en-US" sz="2000" b="1" dirty="0" smtClean="0"/>
+              <a:t>FQP Service may be deployed securely</a:t>
             </a:r>
           </a:p>
           <a:p>
@@ -18345,8 +18628,8 @@
               <a:defRPr/>
             </a:pPr>
             <a:r>
-              <a:rPr lang="en-US" sz="2000" kern="0" dirty="0" smtClean="0"/>
-              <a:t>Describes a relationship between the parent and another data type</a:t>
+              <a:rPr lang="en-US" sz="2000" dirty="0" smtClean="0"/>
+              <a:t>May employ HTTPS messaging to and from client</a:t>
             </a:r>
           </a:p>
           <a:p>
@@ -18362,8 +18645,8 @@
               <a:defRPr/>
             </a:pPr>
             <a:r>
-              <a:rPr lang="en-US" sz="2000" kern="0" dirty="0" smtClean="0"/>
-              <a:t>Inherits from the Object type</a:t>
+              <a:rPr lang="en-US" sz="2000" dirty="0" smtClean="0"/>
+              <a:t>Can communicate securely with data services involved in a DCQL query if they employ security</a:t>
             </a:r>
           </a:p>
           <a:p>
@@ -18379,8 +18662,25 @@
               <a:defRPr/>
             </a:pPr>
             <a:r>
-              <a:rPr lang="en-US" kern="0" dirty="0" smtClean="0"/>
-              <a:t>Additionally specifies the role name of this association</a:t>
+              <a:rPr lang="en-US" dirty="0" smtClean="0"/>
+              <a:t>Unless otherwise specified, host credential of the FQP service will be used</a:t>
+            </a:r>
+          </a:p>
+          <a:p>
+            <a:pPr marL="1257300" lvl="2" indent="-342900">
+              <a:spcBef>
+                <a:spcPct val="20000"/>
+              </a:spcBef>
+              <a:buClr>
+                <a:srgbClr val="00AAF6"/>
+              </a:buClr>
+              <a:buFontTx/>
+              <a:buChar char="•"/>
+              <a:defRPr/>
+            </a:pPr>
+            <a:r>
+              <a:rPr lang="en-US" dirty="0" smtClean="0"/>
+              <a:t>Credential Delegation Service may be used to query such services on behalf of the client</a:t>
             </a:r>
           </a:p>
           <a:p>
@@ -18396,143 +18696,44 @@
               <a:defRPr/>
             </a:pPr>
             <a:r>
-              <a:rPr lang="en-US" sz="2000" b="1" kern="0" dirty="0" smtClean="0"/>
-              <a:t>Attribute</a:t>
-            </a:r>
-          </a:p>
-          <a:p>
-            <a:pPr marL="742950" lvl="1" indent="-285750">
-              <a:spcBef>
-                <a:spcPct val="20000"/>
-              </a:spcBef>
-              <a:buClr>
-                <a:srgbClr val="00AAF6"/>
-              </a:buClr>
-              <a:buFontTx/>
-              <a:buChar char="•"/>
-            </a:pPr>
-            <a:r>
-              <a:rPr lang="en-US" sz="2000" kern="0" dirty="0" smtClean="0">
-                <a:solidFill>
-                  <a:srgbClr val="000000"/>
-                </a:solidFill>
-                <a:latin typeface="Arial"/>
-              </a:rPr>
-              <a:t>Object property used as search criteria</a:t>
-            </a:r>
-          </a:p>
-          <a:p>
-            <a:pPr marL="742950" lvl="1" indent="-285750">
-              <a:spcBef>
-                <a:spcPct val="20000"/>
-              </a:spcBef>
-              <a:buClr>
-                <a:srgbClr val="00AAF6"/>
-              </a:buClr>
-              <a:buFontTx/>
-              <a:buChar char="•"/>
-            </a:pPr>
-            <a:r>
-              <a:rPr lang="en-US" sz="2000" kern="0" dirty="0" smtClean="0">
-                <a:solidFill>
-                  <a:srgbClr val="000000"/>
-                </a:solidFill>
-                <a:latin typeface="Arial"/>
-              </a:rPr>
-              <a:t>Defined in terms of attribute name, predicate, and value</a:t>
-            </a:r>
-          </a:p>
-          <a:p>
-            <a:pPr marL="742950" lvl="1" indent="-285750">
-              <a:spcBef>
-                <a:spcPct val="20000"/>
-              </a:spcBef>
-              <a:buClr>
-                <a:srgbClr val="00AAF6"/>
-              </a:buClr>
-              <a:buFontTx/>
-              <a:buChar char="•"/>
-            </a:pPr>
-            <a:r>
-              <a:rPr lang="en-US" sz="2000" kern="0" dirty="0" smtClean="0">
-                <a:solidFill>
-                  <a:srgbClr val="000000"/>
-                </a:solidFill>
-                <a:latin typeface="Arial"/>
-              </a:rPr>
-              <a:t>Predicates are similar to SQL</a:t>
-            </a:r>
-          </a:p>
-          <a:p>
-            <a:pPr marL="1143000" lvl="2" indent="-228600">
-              <a:spcBef>
-                <a:spcPct val="20000"/>
-              </a:spcBef>
-              <a:buClr>
-                <a:srgbClr val="00AAF6"/>
-              </a:buClr>
-              <a:buFontTx/>
-              <a:buChar char="•"/>
-            </a:pPr>
-            <a:r>
-              <a:rPr lang="en-US" kern="0" dirty="0" smtClean="0">
-                <a:solidFill>
-                  <a:srgbClr val="000000"/>
-                </a:solidFill>
-                <a:latin typeface="Arial"/>
-              </a:rPr>
-              <a:t>Equals, Not Equals, Like, Less Than, Greater Than, Less or Equal, Greater or Equal, Null, and Not </a:t>
-            </a:r>
-            <a:r>
-              <a:rPr lang="en-US" kern="0" dirty="0" smtClean="0">
-                <a:solidFill>
-                  <a:srgbClr val="000000"/>
-                </a:solidFill>
-                <a:latin typeface="Arial"/>
-              </a:rPr>
-              <a:t>Null</a:t>
-            </a:r>
-          </a:p>
-          <a:p>
-            <a:pPr marL="685800" lvl="1" indent="-228600">
-              <a:spcBef>
-                <a:spcPct val="20000"/>
-              </a:spcBef>
-              <a:buClr>
-                <a:srgbClr val="00AAF6"/>
-              </a:buClr>
-              <a:buFontTx/>
-              <a:buChar char="•"/>
-            </a:pPr>
-            <a:r>
-              <a:rPr lang="en-US" sz="2000" kern="0" dirty="0" smtClean="0">
-                <a:solidFill>
-                  <a:srgbClr val="000000"/>
-                </a:solidFill>
-                <a:latin typeface="Arial"/>
-              </a:rPr>
-              <a:t>Type inherited from CQL directly without modification</a:t>
-            </a:r>
-            <a:endParaRPr lang="en-US" sz="2000" kern="0" dirty="0" smtClean="0">
-              <a:solidFill>
-                <a:srgbClr val="000000"/>
-              </a:solidFill>
-              <a:latin typeface="Arial"/>
-            </a:endParaRPr>
-          </a:p>
-          <a:p>
-            <a:pPr marL="342900" indent="-342900">
-              <a:spcBef>
-                <a:spcPct val="20000"/>
-              </a:spcBef>
-              <a:buClr>
-                <a:srgbClr val="00AAF6"/>
-              </a:buClr>
-              <a:buFontTx/>
-              <a:buChar char="•"/>
-              <a:defRPr/>
-            </a:pPr>
-            <a:endParaRPr lang="en-US" dirty="0" smtClean="0"/>
+              <a:rPr lang="en-US" sz="2000" b="1" dirty="0" smtClean="0"/>
+              <a:t>Caller – only query results resources</a:t>
+            </a:r>
+          </a:p>
+          <a:p>
+            <a:pPr marL="800100" lvl="1" indent="-342900">
+              <a:spcBef>
+                <a:spcPct val="20000"/>
+              </a:spcBef>
+              <a:buClr>
+                <a:srgbClr val="00AAF6"/>
+              </a:buClr>
+              <a:buFontTx/>
+              <a:buChar char="•"/>
+              <a:defRPr/>
+            </a:pPr>
+            <a:r>
+              <a:rPr lang="en-US" sz="2000" dirty="0" smtClean="0"/>
+              <a:t>Asynchronous query operations create a resource which is only accessible to the original caller of the asynchronous operation</a:t>
+            </a:r>
+          </a:p>
+          <a:p>
+            <a:pPr marL="800100" lvl="1" indent="-342900">
+              <a:spcBef>
+                <a:spcPct val="20000"/>
+              </a:spcBef>
+              <a:buClr>
+                <a:srgbClr val="00AAF6"/>
+              </a:buClr>
+              <a:buFontTx/>
+              <a:buChar char="•"/>
+              <a:defRPr/>
+            </a:pPr>
+            <a:r>
+              <a:rPr lang="en-US" sz="2000" dirty="0" smtClean="0"/>
+              <a:t>Resource configured to use Grid Map authorization and caller’s ID is the only entry in that Grid Map</a:t>
+            </a:r>
+            <a:endParaRPr lang="en-US" sz="2000" dirty="0" smtClean="0"/>
           </a:p>
           <a:p>
             <a:pPr marL="800100" lvl="1" indent="-342900">
@@ -18602,11 +18803,7 @@
             <a:pPr eaLnBrk="1" hangingPunct="1"/>
             <a:r>
               <a:rPr lang="en-US" dirty="0" smtClean="0"/>
-              <a:t>DCQL </a:t>
-            </a:r>
-            <a:r>
-              <a:rPr lang="en-US" dirty="0" smtClean="0"/>
-              <a:t>Components</a:t>
+              <a:t>Federated Query Service Security</a:t>
             </a:r>
             <a:endParaRPr lang="en-US" dirty="0" smtClean="0"/>
           </a:p>
@@ -18623,7 +18820,7 @@
         <p:spPr bwMode="auto">
           <a:xfrm>
             <a:off x="228600" y="1219200"/>
-            <a:ext cx="8458200" cy="5181600"/>
+            <a:ext cx="8458200" cy="5105400"/>
           </a:xfrm>
           <a:prstGeom prst="rect">
             <a:avLst/>
@@ -18657,8 +18854,8 @@
               <a:defRPr/>
             </a:pPr>
             <a:r>
-              <a:rPr lang="en-US" sz="2000" b="1" kern="0" dirty="0" smtClean="0"/>
-              <a:t>Foreign Association</a:t>
+              <a:rPr lang="en-US" sz="2000" b="1" dirty="0" smtClean="0"/>
+              <a:t>Delegated credentials</a:t>
             </a:r>
           </a:p>
           <a:p>
@@ -18674,8 +18871,8 @@
               <a:defRPr/>
             </a:pPr>
             <a:r>
-              <a:rPr lang="en-US" sz="2000" kern="0" dirty="0" smtClean="0"/>
-              <a:t>Describes a relationship to data in another data service</a:t>
+              <a:rPr lang="en-US" sz="2000" dirty="0" smtClean="0"/>
+              <a:t>A client may choose to delegate his credentials to the FQP service for secure communication with data services involved in a DCQL query</a:t>
             </a:r>
           </a:p>
           <a:p>
@@ -18691,9 +18888,31 @@
               <a:defRPr/>
             </a:pPr>
             <a:r>
-              <a:rPr lang="en-US" sz="2000" kern="0" dirty="0" smtClean="0"/>
-              <a:t>Similar to Association – restricts the resulting data set</a:t>
-            </a:r>
+              <a:rPr lang="en-US" sz="2000" dirty="0" smtClean="0"/>
+              <a:t>Client makes a delegation request to the CDS</a:t>
+            </a:r>
+          </a:p>
+          <a:p>
+            <a:pPr marL="1257300" lvl="2" indent="-342900">
+              <a:spcBef>
+                <a:spcPct val="20000"/>
+              </a:spcBef>
+              <a:buClr>
+                <a:srgbClr val="00AAF6"/>
+              </a:buClr>
+              <a:buFontTx/>
+              <a:buChar char="•"/>
+              <a:defRPr/>
+            </a:pPr>
+            <a:r>
+              <a:rPr lang="en-US" dirty="0" smtClean="0"/>
+              <a:t>Indicates the FQP service as the </a:t>
+            </a:r>
+            <a:r>
+              <a:rPr lang="en-US" i="1" dirty="0" err="1" smtClean="0"/>
+              <a:t>delegatee</a:t>
+            </a:r>
+            <a:endParaRPr lang="en-US" dirty="0" smtClean="0"/>
           </a:p>
           <a:p>
             <a:pPr marL="800100" lvl="1" indent="-342900">
@@ -18708,25 +18927,25 @@
               <a:defRPr/>
             </a:pPr>
             <a:r>
-              <a:rPr lang="en-US" sz="2000" kern="0" dirty="0" smtClean="0"/>
-              <a:t>Identifies the remote data type and remote data service by URL</a:t>
-            </a:r>
-          </a:p>
-          <a:p>
-            <a:pPr marL="342900" indent="-342900">
-              <a:spcBef>
-                <a:spcPct val="20000"/>
-              </a:spcBef>
-              <a:buClr>
-                <a:srgbClr val="00AAF6"/>
-              </a:buClr>
-              <a:buFontTx/>
-              <a:buChar char="•"/>
-              <a:defRPr/>
-            </a:pPr>
-            <a:r>
-              <a:rPr lang="en-US" sz="2000" b="1" dirty="0" smtClean="0"/>
-              <a:t>Join Condition</a:t>
+              <a:rPr lang="en-US" sz="2000" dirty="0" smtClean="0"/>
+              <a:t>CDS issues a Delegated Credential Reference</a:t>
+            </a:r>
+          </a:p>
+          <a:p>
+            <a:pPr marL="1257300" lvl="2" indent="-342900">
+              <a:spcBef>
+                <a:spcPct val="20000"/>
+              </a:spcBef>
+              <a:buClr>
+                <a:srgbClr val="00AAF6"/>
+              </a:buClr>
+              <a:buFontTx/>
+              <a:buChar char="•"/>
+              <a:defRPr/>
+            </a:pPr>
+            <a:r>
+              <a:rPr lang="en-US" dirty="0" smtClean="0"/>
+              <a:t>Indicates which CDS holds the credential and a unique key</a:t>
             </a:r>
           </a:p>
           <a:p>
@@ -18743,8 +18962,26 @@
             </a:pPr>
             <a:r>
               <a:rPr lang="en-US" sz="2000" dirty="0" smtClean="0"/>
-              <a:t>Used within the context of a Foreign Association</a:t>
-            </a:r>
+              <a:t>The FQP service validates those credentials</a:t>
+            </a:r>
+          </a:p>
+          <a:p>
+            <a:pPr marL="1257300" lvl="2" indent="-342900">
+              <a:spcBef>
+                <a:spcPct val="20000"/>
+              </a:spcBef>
+              <a:buClr>
+                <a:srgbClr val="00AAF6"/>
+              </a:buClr>
+              <a:buFontTx/>
+              <a:buChar char="•"/>
+              <a:defRPr/>
+            </a:pPr>
+            <a:r>
+              <a:rPr lang="en-US" dirty="0" smtClean="0"/>
+              <a:t>The caller’s ID must match the identity contained in the credentials obtained from the CDS and be non-null</a:t>
+            </a:r>
+            <a:endParaRPr lang="en-US" dirty="0" smtClean="0"/>
           </a:p>
           <a:p>
             <a:pPr marL="800100" lvl="1" indent="-342900">
@@ -18759,8 +18996,10 @@
               <a:defRPr/>
             </a:pPr>
             <a:r>
-              <a:rPr lang="en-US" sz="2000" dirty="0" smtClean="0"/>
-              <a:t>Specifies the way in which “local” and “foreign” data is related</a:t>
+              <a:rPr lang="en-US" sz="2000" kern="0" dirty="0" smtClean="0">
+                <a:latin typeface="+mn-lt"/>
+              </a:rPr>
+              <a:t>Subsequent calls to data services are executed securely, utilizing the client’s delegated credential</a:t>
             </a:r>
           </a:p>
           <a:p>
@@ -18776,58 +19015,12 @@
               <a:defRPr/>
             </a:pPr>
             <a:r>
-              <a:rPr lang="en-US" dirty="0" smtClean="0"/>
-              <a:t>Local and foreign attribute names</a:t>
-            </a:r>
-          </a:p>
-          <a:p>
-            <a:pPr marL="800100" lvl="1" indent="-342900">
-              <a:spcBef>
-                <a:spcPct val="20000"/>
-              </a:spcBef>
-              <a:buClr>
-                <a:srgbClr val="00AAF6"/>
-              </a:buClr>
-              <a:buFontTx/>
-              <a:buChar char="•"/>
-              <a:defRPr/>
-            </a:pPr>
-            <a:r>
-              <a:rPr lang="en-US" sz="2000" dirty="0" smtClean="0"/>
-              <a:t>Identifies the join predicate</a:t>
-            </a:r>
-          </a:p>
-          <a:p>
-            <a:pPr marL="1257300" lvl="2" indent="-342900">
-              <a:spcBef>
-                <a:spcPct val="20000"/>
-              </a:spcBef>
-              <a:buClr>
-                <a:srgbClr val="00AAF6"/>
-              </a:buClr>
-              <a:buFontTx/>
-              <a:buChar char="•"/>
-              <a:defRPr/>
-            </a:pPr>
-            <a:r>
-              <a:rPr lang="en-US" dirty="0" smtClean="0"/>
-              <a:t>Equal To, Not Equal, Less Than, Less or Equal, Greater Than, Greater or Equal</a:t>
-            </a:r>
-            <a:endParaRPr lang="en-US" dirty="0" smtClean="0"/>
-          </a:p>
-          <a:p>
-            <a:pPr marL="800100" lvl="1" indent="-342900">
-              <a:spcBef>
-                <a:spcPct val="20000"/>
-              </a:spcBef>
-              <a:buClr>
-                <a:srgbClr val="00AAF6"/>
-              </a:buClr>
-              <a:buFontTx/>
-              <a:buChar char="•"/>
-              <a:defRPr/>
-            </a:pPr>
-            <a:endParaRPr lang="en-US" sz="2000" kern="0" dirty="0" smtClean="0">
+              <a:rPr lang="en-US" kern="0" dirty="0" smtClean="0">
+                <a:latin typeface="+mn-lt"/>
+              </a:rPr>
+              <a:t>Secure grid calls now utilize caller’s ID in all cases – no anonymous queries</a:t>
+            </a:r>
+            <a:endParaRPr lang="en-US" kern="0" dirty="0" smtClean="0">
               <a:latin typeface="+mn-lt"/>
             </a:endParaRPr>
           </a:p>
@@ -18939,11 +19132,11 @@
             </a:pPr>
             <a:r>
               <a:rPr lang="en-US" sz="2000" b="1" kern="0" dirty="0" smtClean="0"/>
-              <a:t>Group</a:t>
-            </a:r>
-          </a:p>
-          <a:p>
-            <a:pPr marL="800100" lvl="2" indent="-342900">
+              <a:t>DCQL builds on CQL</a:t>
+            </a:r>
+          </a:p>
+          <a:p>
+            <a:pPr marL="800100" lvl="1" indent="-342900">
               <a:spcBef>
                 <a:spcPct val="20000"/>
               </a:spcBef>
@@ -18956,13 +19149,60 @@
             </a:pPr>
             <a:r>
               <a:rPr lang="en-US" sz="2000" kern="0" dirty="0" smtClean="0"/>
-              <a:t>Identical to CQL’s group with the addition of Foreign </a:t>
-            </a:r>
+              <a:t>New types added to support joins</a:t>
+            </a:r>
+          </a:p>
+          <a:p>
+            <a:pPr marL="1257300" lvl="2" indent="-342900">
+              <a:spcBef>
+                <a:spcPct val="20000"/>
+              </a:spcBef>
+              <a:buClr>
+                <a:srgbClr val="00AAF6"/>
+              </a:buClr>
+              <a:buFontTx/>
+              <a:buChar char="•"/>
+              <a:defRPr/>
+            </a:pPr>
+            <a:r>
+              <a:rPr lang="en-US" kern="0" dirty="0" smtClean="0"/>
+              <a:t>Foreign association, foreign object, join condition</a:t>
+            </a:r>
+            <a:endParaRPr lang="en-US" sz="2000" b="1" kern="0" dirty="0" smtClean="0"/>
+          </a:p>
+          <a:p>
+            <a:pPr marL="800100" lvl="1" indent="-342900">
+              <a:spcBef>
+                <a:spcPct val="20000"/>
+              </a:spcBef>
+              <a:buClr>
+                <a:srgbClr val="00AAF6"/>
+              </a:buClr>
+              <a:buFontTx/>
+              <a:buChar char="•"/>
+              <a:defRPr/>
+            </a:pPr>
             <a:r>
               <a:rPr lang="en-US" sz="2000" kern="0" dirty="0" smtClean="0"/>
-              <a:t>Associations</a:t>
-            </a:r>
-            <a:endParaRPr lang="en-US" sz="2000" b="1" kern="0" dirty="0" smtClean="0"/>
+              <a:t>Re-used data types where possible	</a:t>
+            </a:r>
+          </a:p>
+          <a:p>
+            <a:pPr marL="1257300" lvl="2" indent="-342900">
+              <a:spcBef>
+                <a:spcPct val="20000"/>
+              </a:spcBef>
+              <a:buClr>
+                <a:srgbClr val="00AAF6"/>
+              </a:buClr>
+              <a:buFontTx/>
+              <a:buChar char="•"/>
+              <a:defRPr/>
+            </a:pPr>
+            <a:r>
+              <a:rPr lang="en-US" kern="0" dirty="0" smtClean="0"/>
+              <a:t>Attribute and its predicates are directly from CQL</a:t>
+            </a:r>
           </a:p>
           <a:p>
             <a:pPr marL="800100" lvl="1" indent="-342900">
@@ -18978,7 +19218,24 @@
             </a:pPr>
             <a:r>
               <a:rPr lang="en-US" sz="2000" kern="0" dirty="0" smtClean="0"/>
-              <a:t>A logical grouping of query constraints</a:t>
+              <a:t>Matching names in most other cases</a:t>
+            </a:r>
+          </a:p>
+          <a:p>
+            <a:pPr marL="1257300" lvl="2" indent="-342900">
+              <a:spcBef>
+                <a:spcPct val="20000"/>
+              </a:spcBef>
+              <a:buClr>
+                <a:srgbClr val="00AAF6"/>
+              </a:buClr>
+              <a:buFontTx/>
+              <a:buChar char="•"/>
+              <a:defRPr/>
+            </a:pPr>
+            <a:r>
+              <a:rPr lang="en-US" kern="0" dirty="0" smtClean="0"/>
+              <a:t>Group, object, association, etc look very similar to CQL</a:t>
             </a:r>
           </a:p>
           <a:p>
@@ -18995,24 +19252,64 @@
             </a:pPr>
             <a:r>
               <a:rPr lang="en-US" sz="2000" kern="0" dirty="0" smtClean="0"/>
-              <a:t>Logical operators </a:t>
-            </a:r>
-            <a:r>
-              <a:rPr lang="en-US" sz="2000" i="1" kern="0" dirty="0" smtClean="0"/>
-              <a:t>AND </a:t>
-            </a:r>
-            <a:r>
-              <a:rPr lang="en-US" sz="2000" kern="0" dirty="0" err="1" smtClean="0"/>
-              <a:t>and</a:t>
-            </a:r>
-            <a:r>
-              <a:rPr lang="en-US" sz="2000" kern="0" dirty="0" smtClean="0"/>
-              <a:t> </a:t>
-            </a:r>
-            <a:r>
-              <a:rPr lang="en-US" sz="2000" i="1" kern="0" dirty="0" smtClean="0"/>
-              <a:t>OR</a:t>
-            </a:r>
+              <a:t>Target service URLs added to the root of the query</a:t>
+            </a:r>
+          </a:p>
+          <a:p>
+            <a:pPr marL="1257300" lvl="2" indent="-342900">
+              <a:spcBef>
+                <a:spcPct val="20000"/>
+              </a:spcBef>
+              <a:buClr>
+                <a:srgbClr val="00AAF6"/>
+              </a:buClr>
+              <a:buFontTx/>
+              <a:buChar char="•"/>
+              <a:defRPr/>
+            </a:pPr>
+            <a:r>
+              <a:rPr lang="en-US" kern="0" dirty="0" smtClean="0"/>
+              <a:t>Specifies the context(s) in which to execute the query for the target object</a:t>
+            </a:r>
+          </a:p>
+          <a:p>
+            <a:pPr marL="1257300" lvl="2" indent="-342900">
+              <a:spcBef>
+                <a:spcPct val="20000"/>
+              </a:spcBef>
+              <a:buClr>
+                <a:srgbClr val="00AAF6"/>
+              </a:buClr>
+              <a:buFontTx/>
+              <a:buChar char="•"/>
+              <a:defRPr/>
+            </a:pPr>
+            <a:r>
+              <a:rPr lang="en-US" kern="0" dirty="0" smtClean="0"/>
+              <a:t>Unlike CQL, where the service executing the query </a:t>
+            </a:r>
+            <a:r>
+              <a:rPr lang="en-US" i="1" kern="0" dirty="0" smtClean="0"/>
+              <a:t>is</a:t>
+            </a:r>
+            <a:r>
+              <a:rPr lang="en-US" kern="0" dirty="0" smtClean="0"/>
+              <a:t> the context</a:t>
+            </a:r>
+          </a:p>
+          <a:p>
+            <a:pPr marL="800100" lvl="1" indent="-342900">
+              <a:spcBef>
+                <a:spcPct val="20000"/>
+              </a:spcBef>
+              <a:buClr>
+                <a:srgbClr val="00AAF6"/>
+              </a:buClr>
+              <a:buFontTx/>
+              <a:buChar char="•"/>
+              <a:defRPr/>
+            </a:pPr>
+            <a:endParaRPr lang="en-US" kern="0" dirty="0" smtClean="0"/>
           </a:p>
           <a:p>
             <a:pPr marL="342900" indent="-342900">
@@ -19026,84 +19323,7 @@
               <a:buChar char="•"/>
               <a:defRPr/>
             </a:pPr>
-            <a:r>
-              <a:rPr lang="en-US" sz="2000" b="1" dirty="0" err="1" smtClean="0"/>
-              <a:t>TargetDataServiceURL</a:t>
-            </a:r>
-            <a:endParaRPr lang="en-US" sz="2000" b="1" dirty="0" smtClean="0"/>
-          </a:p>
-          <a:p>
-            <a:pPr marL="800100" lvl="1" indent="-342900">
-              <a:spcBef>
-                <a:spcPct val="20000"/>
-              </a:spcBef>
-              <a:buClr>
-                <a:srgbClr val="00AAF6"/>
-              </a:buClr>
-              <a:buFontTx/>
-              <a:buChar char="•"/>
-              <a:defRPr/>
-            </a:pPr>
-            <a:r>
-              <a:rPr lang="en-US" sz="2000" dirty="0" smtClean="0"/>
-              <a:t>Identifies the context in which the target of the DCQL query should be found</a:t>
-            </a:r>
-          </a:p>
-          <a:p>
-            <a:pPr marL="800100" lvl="1" indent="-342900">
-              <a:spcBef>
-                <a:spcPct val="20000"/>
-              </a:spcBef>
-              <a:buClr>
-                <a:srgbClr val="00AAF6"/>
-              </a:buClr>
-              <a:buFontTx/>
-              <a:buChar char="•"/>
-              <a:defRPr/>
-            </a:pPr>
-            <a:r>
-              <a:rPr lang="en-US" sz="2000" dirty="0" smtClean="0"/>
-              <a:t>Multiple target services yields an aggregation</a:t>
-            </a:r>
-          </a:p>
-          <a:p>
-            <a:pPr marL="1257300" lvl="2" indent="-342900">
-              <a:spcBef>
-                <a:spcPct val="20000"/>
-              </a:spcBef>
-              <a:buClr>
-                <a:srgbClr val="00AAF6"/>
-              </a:buClr>
-              <a:buFontTx/>
-              <a:buChar char="•"/>
-              <a:defRPr/>
-            </a:pPr>
-            <a:r>
-              <a:rPr lang="en-US" sz="2000" dirty="0" smtClean="0"/>
-              <a:t>The same CQL query is broadcast to each target data service</a:t>
-            </a:r>
-          </a:p>
-          <a:p>
-            <a:pPr marL="1257300" lvl="2" indent="-342900">
-              <a:spcBef>
-                <a:spcPct val="20000"/>
-              </a:spcBef>
-              <a:buClr>
-                <a:srgbClr val="00AAF6"/>
-              </a:buClr>
-              <a:buFontTx/>
-              <a:buChar char="•"/>
-              <a:defRPr/>
-            </a:pPr>
-            <a:r>
-              <a:rPr lang="en-US" sz="2000" dirty="0" smtClean="0"/>
-              <a:t>Results may be assembled to retain their context, or lumped together in a single CQL </a:t>
-            </a:r>
-            <a:r>
-              <a:rPr lang="en-US" sz="2000" smtClean="0"/>
-              <a:t>Query Results instance</a:t>
-            </a:r>
-            <a:endParaRPr lang="en-US" sz="2000" dirty="0" smtClean="0"/>
+            <a:endParaRPr lang="en-US" dirty="0" smtClean="0"/>
           </a:p>
           <a:p>
             <a:pPr marL="800100" lvl="1" indent="-342900">
@@ -19177,7 +19397,7 @@
             </a:r>
             <a:r>
               <a:rPr lang="en-US" dirty="0" smtClean="0"/>
-              <a:t>Aggregation Example</a:t>
+              <a:t>Components</a:t>
             </a:r>
             <a:endParaRPr lang="en-US" dirty="0" smtClean="0"/>
           </a:p>
@@ -19194,7 +19414,7 @@
         <p:spPr bwMode="auto">
           <a:xfrm>
             <a:off x="228600" y="1219200"/>
-            <a:ext cx="8458200" cy="3200400"/>
+            <a:ext cx="8458200" cy="5181600"/>
           </a:xfrm>
           <a:prstGeom prst="rect">
             <a:avLst/>
@@ -19228,8 +19448,102 @@
               <a:defRPr/>
             </a:pPr>
             <a:r>
+              <a:rPr lang="en-US" sz="2000" b="1" kern="0" dirty="0" err="1" smtClean="0"/>
+              <a:t>DCQLQuery</a:t>
+            </a:r>
+            <a:endParaRPr lang="en-US" sz="2000" b="1" kern="0" dirty="0" smtClean="0"/>
+          </a:p>
+          <a:p>
+            <a:pPr marL="800100" lvl="1" indent="-342900">
+              <a:spcBef>
+                <a:spcPct val="20000"/>
+              </a:spcBef>
+              <a:buClr>
+                <a:srgbClr val="00AAF6"/>
+              </a:buClr>
+              <a:buFontTx/>
+              <a:buChar char="•"/>
+              <a:defRPr/>
+            </a:pPr>
+            <a:r>
+              <a:rPr lang="en-US" sz="2000" kern="0" dirty="0" smtClean="0"/>
+              <a:t>The root element of any DCQL query</a:t>
+            </a:r>
+          </a:p>
+          <a:p>
+            <a:pPr marL="800100" lvl="1" indent="-342900">
+              <a:spcBef>
+                <a:spcPct val="20000"/>
+              </a:spcBef>
+              <a:buClr>
+                <a:srgbClr val="00AAF6"/>
+              </a:buClr>
+              <a:buFontTx/>
+              <a:buChar char="•"/>
+              <a:defRPr/>
+            </a:pPr>
+            <a:r>
+              <a:rPr lang="en-US" sz="2000" kern="0" dirty="0" smtClean="0"/>
+              <a:t>Contains a single </a:t>
+            </a:r>
+            <a:r>
+              <a:rPr lang="en-US" sz="2000" kern="0" dirty="0" err="1" smtClean="0"/>
+              <a:t>TargetObject</a:t>
+            </a:r>
+            <a:r>
+              <a:rPr lang="en-US" sz="2000" kern="0" dirty="0" smtClean="0"/>
+              <a:t> element </a:t>
+            </a:r>
+          </a:p>
+          <a:p>
+            <a:pPr marL="800100" lvl="1" indent="-342900">
+              <a:spcBef>
+                <a:spcPct val="20000"/>
+              </a:spcBef>
+              <a:buClr>
+                <a:srgbClr val="00AAF6"/>
+              </a:buClr>
+              <a:buFontTx/>
+              <a:buChar char="•"/>
+              <a:defRPr/>
+            </a:pPr>
+            <a:r>
+              <a:rPr lang="en-US" sz="2000" kern="0" dirty="0" smtClean="0"/>
+              <a:t>One to many target data service elements</a:t>
+            </a:r>
+          </a:p>
+          <a:p>
+            <a:pPr marL="1257300" lvl="2" indent="-342900">
+              <a:spcBef>
+                <a:spcPct val="20000"/>
+              </a:spcBef>
+              <a:buClr>
+                <a:srgbClr val="00AAF6"/>
+              </a:buClr>
+              <a:buFontTx/>
+              <a:buChar char="•"/>
+              <a:defRPr/>
+            </a:pPr>
+            <a:r>
+              <a:rPr lang="en-US" kern="0" dirty="0" smtClean="0"/>
+              <a:t>Multiple target services provides for aggregation of results from multiple sources</a:t>
+            </a:r>
+          </a:p>
+          <a:p>
+            <a:pPr marL="342900" indent="-342900">
+              <a:spcBef>
+                <a:spcPct val="20000"/>
+              </a:spcBef>
+              <a:buClr>
+                <a:srgbClr val="00AAF6"/>
+              </a:buClr>
+              <a:buFontTx/>
+              <a:buChar char="•"/>
+              <a:defRPr/>
+            </a:pPr>
+            <a:r>
               <a:rPr lang="en-US" sz="2000" b="1" kern="0" dirty="0" smtClean="0"/>
-              <a:t>Aggregate data from multiple sources</a:t>
+              <a:t>Object</a:t>
             </a:r>
           </a:p>
           <a:p>
@@ -19246,7 +19560,108 @@
             </a:pPr>
             <a:r>
               <a:rPr lang="en-US" sz="2000" kern="0" dirty="0" smtClean="0"/>
-              <a:t>Simultaneous query execution up to thread pool size</a:t>
+              <a:t>Identifies a data type</a:t>
+            </a:r>
+          </a:p>
+          <a:p>
+            <a:pPr marL="800100" lvl="1" indent="-342900">
+              <a:spcBef>
+                <a:spcPct val="20000"/>
+              </a:spcBef>
+              <a:buClr>
+                <a:srgbClr val="00AAF6"/>
+              </a:buClr>
+              <a:buFontTx/>
+              <a:buChar char="•"/>
+              <a:defRPr/>
+            </a:pPr>
+            <a:r>
+              <a:rPr lang="en-US" sz="2000" kern="0" dirty="0" smtClean="0"/>
+              <a:t>May be used as the </a:t>
+            </a:r>
+            <a:r>
+              <a:rPr lang="en-US" sz="2000" kern="0" dirty="0" err="1" smtClean="0"/>
+              <a:t>TargetObject</a:t>
+            </a:r>
+            <a:r>
+              <a:rPr lang="en-US" sz="2000" kern="0" dirty="0" smtClean="0"/>
+              <a:t> of a DCQL query</a:t>
+            </a:r>
+          </a:p>
+          <a:p>
+            <a:pPr marL="1257300" lvl="2" indent="-342900">
+              <a:spcBef>
+                <a:spcPct val="20000"/>
+              </a:spcBef>
+              <a:buClr>
+                <a:srgbClr val="00AAF6"/>
+              </a:buClr>
+              <a:buFontTx/>
+              <a:buChar char="•"/>
+              <a:defRPr/>
+            </a:pPr>
+            <a:r>
+              <a:rPr lang="en-US" kern="0" dirty="0" smtClean="0"/>
+              <a:t>The data type which will be returned</a:t>
+            </a:r>
+          </a:p>
+          <a:p>
+            <a:pPr marL="800100" lvl="1" indent="-342900">
+              <a:spcBef>
+                <a:spcPct val="20000"/>
+              </a:spcBef>
+              <a:buClr>
+                <a:srgbClr val="00AAF6"/>
+              </a:buClr>
+              <a:buFontTx/>
+              <a:buChar char="•"/>
+              <a:defRPr/>
+            </a:pPr>
+            <a:r>
+              <a:rPr lang="en-US" sz="2000" kern="0" dirty="0" smtClean="0"/>
+              <a:t>Also may be used as an Association</a:t>
+            </a:r>
+          </a:p>
+          <a:p>
+            <a:pPr marL="1257300" lvl="2" indent="-342900">
+              <a:spcBef>
+                <a:spcPct val="20000"/>
+              </a:spcBef>
+              <a:buClr>
+                <a:srgbClr val="00AAF6"/>
+              </a:buClr>
+              <a:buFontTx/>
+              <a:buChar char="•"/>
+              <a:defRPr/>
+            </a:pPr>
+            <a:r>
+              <a:rPr lang="en-US" kern="0" dirty="0" smtClean="0"/>
+              <a:t>Provides a restriction on its parent element</a:t>
+            </a:r>
+          </a:p>
+          <a:p>
+            <a:pPr marL="800100" lvl="1" indent="-342900">
+              <a:spcBef>
+                <a:spcPct val="20000"/>
+              </a:spcBef>
+              <a:buClr>
+                <a:srgbClr val="00AAF6"/>
+              </a:buClr>
+              <a:buFontTx/>
+              <a:buChar char="•"/>
+              <a:defRPr/>
+            </a:pPr>
+            <a:r>
+              <a:rPr lang="en-US" sz="2000" kern="0" dirty="0" smtClean="0"/>
+              <a:t>Adds the </a:t>
+            </a:r>
+            <a:r>
+              <a:rPr lang="en-US" sz="2000" kern="0" dirty="0" err="1" smtClean="0"/>
+              <a:t>ForeignAssociation</a:t>
+            </a:r>
+            <a:r>
+              <a:rPr lang="en-US" sz="2000" kern="0" dirty="0" smtClean="0"/>
+              <a:t> component over CQL</a:t>
             </a:r>
           </a:p>
           <a:p>
@@ -19261,208 +19676,7 @@
               <a:buChar char="•"/>
               <a:defRPr/>
             </a:pPr>
-            <a:r>
-              <a:rPr lang="en-US" sz="2000" b="1" kern="0" dirty="0" smtClean="0"/>
-              <a:t>Example query</a:t>
-            </a:r>
-          </a:p>
-          <a:p>
-            <a:pPr marL="800100" lvl="1" indent="-342900">
-              <a:spcBef>
-                <a:spcPct val="20000"/>
-              </a:spcBef>
-              <a:buClr>
-                <a:srgbClr val="00AAF6"/>
-              </a:buClr>
-              <a:buFontTx/>
-              <a:buChar char="•"/>
-              <a:defRPr/>
-            </a:pPr>
-            <a:r>
-              <a:rPr lang="en-US" sz="2000" kern="0" dirty="0" smtClean="0"/>
-              <a:t>Return </a:t>
-            </a:r>
-            <a:r>
-              <a:rPr lang="en-US" sz="2000" dirty="0" smtClean="0">
-                <a:solidFill>
-                  <a:srgbClr val="C00000"/>
-                </a:solidFill>
-              </a:rPr>
-              <a:t>instances</a:t>
-            </a:r>
-            <a:r>
-              <a:rPr lang="en-US" sz="2000" dirty="0" smtClean="0"/>
-              <a:t> </a:t>
-            </a:r>
-            <a:r>
-              <a:rPr lang="en-US" sz="2000" dirty="0" smtClean="0"/>
-              <a:t>of the </a:t>
-            </a:r>
-            <a:r>
-              <a:rPr lang="en-US" sz="2000" i="1" dirty="0" smtClean="0"/>
-              <a:t>gene </a:t>
-            </a:r>
-            <a:r>
-              <a:rPr lang="en-US" sz="2000" dirty="0" smtClean="0"/>
-              <a:t>data type</a:t>
-            </a:r>
-          </a:p>
-          <a:p>
-            <a:pPr marL="800100" lvl="1" indent="-342900">
-              <a:spcBef>
-                <a:spcPct val="20000"/>
-              </a:spcBef>
-              <a:buClr>
-                <a:srgbClr val="00AAF6"/>
-              </a:buClr>
-              <a:buFontTx/>
-              <a:buChar char="•"/>
-              <a:defRPr/>
-            </a:pPr>
-            <a:r>
-              <a:rPr lang="en-US" sz="2000" dirty="0" smtClean="0"/>
-              <a:t>Each </a:t>
-            </a:r>
-            <a:r>
-              <a:rPr lang="en-US" sz="2000" dirty="0" smtClean="0"/>
-              <a:t>gene must have an </a:t>
-            </a:r>
-            <a:r>
-              <a:rPr lang="en-US" sz="2000" dirty="0" smtClean="0">
-                <a:solidFill>
-                  <a:srgbClr val="00B050"/>
-                </a:solidFill>
-              </a:rPr>
-              <a:t>association</a:t>
-            </a:r>
-            <a:r>
-              <a:rPr lang="en-US" sz="2000" dirty="0" smtClean="0"/>
-              <a:t> to an instance of the </a:t>
-            </a:r>
-            <a:r>
-              <a:rPr lang="en-US" sz="2000" i="1" dirty="0" smtClean="0"/>
-              <a:t>term </a:t>
-            </a:r>
-            <a:r>
-              <a:rPr lang="en-US" sz="2000" dirty="0" smtClean="0"/>
-              <a:t>data </a:t>
-            </a:r>
-            <a:r>
-              <a:rPr lang="en-US" sz="2000" dirty="0" smtClean="0"/>
-              <a:t>type via the role name </a:t>
-            </a:r>
-            <a:r>
-              <a:rPr lang="en-US" sz="2000" i="1" dirty="0" smtClean="0"/>
-              <a:t>terms</a:t>
-            </a:r>
-          </a:p>
-          <a:p>
-            <a:pPr marL="800100" lvl="1" indent="-342900">
-              <a:spcBef>
-                <a:spcPct val="20000"/>
-              </a:spcBef>
-              <a:buClr>
-                <a:srgbClr val="00AAF6"/>
-              </a:buClr>
-              <a:buFontTx/>
-              <a:buChar char="•"/>
-              <a:defRPr/>
-            </a:pPr>
-            <a:r>
-              <a:rPr lang="en-US" sz="2000" dirty="0" smtClean="0"/>
-              <a:t>Each </a:t>
-            </a:r>
-            <a:r>
-              <a:rPr lang="en-US" sz="2000" dirty="0" smtClean="0"/>
-              <a:t>term must have it's </a:t>
-            </a:r>
-            <a:r>
-              <a:rPr lang="en-US" sz="2000" i="1" dirty="0" smtClean="0"/>
-              <a:t>value</a:t>
-            </a:r>
-            <a:r>
-              <a:rPr lang="en-US" sz="2000" dirty="0" smtClean="0"/>
-              <a:t> </a:t>
-            </a:r>
-            <a:r>
-              <a:rPr lang="en-US" sz="2000" dirty="0" smtClean="0">
-                <a:solidFill>
-                  <a:srgbClr val="0070C0"/>
-                </a:solidFill>
-              </a:rPr>
-              <a:t>attribute</a:t>
-            </a:r>
-            <a:r>
-              <a:rPr lang="en-US" sz="2000" dirty="0" smtClean="0"/>
-              <a:t> equal to </a:t>
-            </a:r>
-            <a:r>
-              <a:rPr lang="en-US" sz="2000" dirty="0" smtClean="0"/>
-              <a:t>“root”</a:t>
-            </a:r>
-          </a:p>
-          <a:p>
-            <a:pPr marL="800100" lvl="1" indent="-342900">
-              <a:spcBef>
-                <a:spcPct val="20000"/>
-              </a:spcBef>
-              <a:buClr>
-                <a:srgbClr val="00AAF6"/>
-              </a:buClr>
-              <a:buFontTx/>
-              <a:buChar char="•"/>
-              <a:defRPr/>
-            </a:pPr>
-            <a:r>
-              <a:rPr lang="en-US" sz="2000" dirty="0" smtClean="0"/>
-              <a:t>The </a:t>
-            </a:r>
-            <a:r>
-              <a:rPr lang="en-US" sz="2000" dirty="0" smtClean="0"/>
-              <a:t>query is executed on </a:t>
-            </a:r>
-            <a:r>
-              <a:rPr lang="en-US" sz="2000" dirty="0" smtClean="0">
-                <a:solidFill>
-                  <a:srgbClr val="7030A0"/>
-                </a:solidFill>
-              </a:rPr>
-              <a:t>two data services</a:t>
-            </a:r>
-            <a:r>
-              <a:rPr lang="en-US" sz="2000" dirty="0" smtClean="0"/>
-              <a:t>, each indicated by the </a:t>
-            </a:r>
-            <a:r>
-              <a:rPr lang="en-US" sz="2000" i="1" dirty="0" err="1" smtClean="0"/>
-              <a:t>targetServiceUrl</a:t>
-            </a:r>
-            <a:r>
-              <a:rPr lang="en-US" sz="2000" dirty="0" smtClean="0"/>
-              <a:t> </a:t>
-            </a:r>
-            <a:r>
-              <a:rPr lang="en-US" sz="2000" dirty="0" smtClean="0"/>
-              <a:t>elements at the end of the </a:t>
-            </a:r>
-            <a:r>
-              <a:rPr lang="en-US" sz="2000" dirty="0" smtClean="0"/>
-              <a:t>query</a:t>
-            </a:r>
-          </a:p>
-          <a:p>
-            <a:pPr marL="342900" indent="-342900">
-              <a:spcBef>
-                <a:spcPct val="20000"/>
-              </a:spcBef>
-              <a:buClr>
-                <a:srgbClr val="00AAF6"/>
-              </a:buClr>
-              <a:buFontTx/>
-              <a:buChar char="•"/>
-              <a:defRPr/>
-            </a:pPr>
-            <a:endParaRPr lang="en-US" sz="2000" dirty="0" smtClean="0"/>
+            <a:endParaRPr lang="en-US" dirty="0" smtClean="0"/>
           </a:p>
           <a:p>
             <a:pPr marL="800100" lvl="1" indent="-342900">
@@ -19478,353 +19692,6 @@
             </a:pPr>
             <a:endParaRPr lang="en-US" sz="2000" kern="0" dirty="0" smtClean="0">
               <a:latin typeface="+mn-lt"/>
-            </a:endParaRPr>
-          </a:p>
-        </p:txBody>
-      </p:sp>
-      <p:sp>
-        <p:nvSpPr>
-          <p:cNvPr id="7" name="TextBox 6"/>
-          <p:cNvSpPr txBox="1"/>
-          <p:nvPr/>
-        </p:nvSpPr>
-        <p:spPr>
-          <a:xfrm>
-            <a:off x="228600" y="4495800"/>
-            <a:ext cx="8610600" cy="1892826"/>
-          </a:xfrm>
-          <a:prstGeom prst="rect">
-            <a:avLst/>
-          </a:prstGeom>
-          <a:noFill/>
-        </p:spPr>
-        <p:txBody>
-          <a:bodyPr wrap="square" rtlCol="0">
-            <a:spAutoFit/>
-          </a:bodyPr>
-          <a:lstStyle/>
-          <a:p>
-            <a:r>
-              <a:rPr lang="en-US" sz="1300" dirty="0" smtClean="0">
-                <a:latin typeface="Arial Narrow" pitchFamily="34" charset="0"/>
-              </a:rPr>
-              <a:t>&lt;ns1:DCQLQuery </a:t>
-            </a:r>
-            <a:r>
-              <a:rPr lang="en-US" sz="1300" dirty="0" smtClean="0">
-                <a:latin typeface="Arial Narrow" pitchFamily="34" charset="0"/>
-              </a:rPr>
-              <a:t>xmlns:ns1=</a:t>
-            </a:r>
-            <a:r>
-              <a:rPr lang="en-US" sz="1300" dirty="0" smtClean="0">
-                <a:latin typeface="Arial Narrow" pitchFamily="34" charset="0"/>
-                <a:hlinkClick r:id="rId3"/>
-              </a:rPr>
-              <a:t>http</a:t>
-            </a:r>
-            <a:r>
-              <a:rPr lang="en-US" sz="1300" dirty="0" smtClean="0">
-                <a:latin typeface="Arial Narrow" pitchFamily="34" charset="0"/>
-                <a:hlinkClick r:id="rId3"/>
-              </a:rPr>
-              <a:t>://</a:t>
-            </a:r>
-            <a:r>
-              <a:rPr lang="en-US" sz="1300" dirty="0" smtClean="0">
-                <a:latin typeface="Arial Narrow" pitchFamily="34" charset="0"/>
-                <a:hlinkClick r:id="rId3"/>
-              </a:rPr>
-              <a:t>caGrid.caBIG/1.0/gov.nih.nci.cagrid.dcql</a:t>
-            </a:r>
-            <a:r>
-              <a:rPr lang="en-US" sz="1300" dirty="0" smtClean="0">
-                <a:latin typeface="Arial Narrow" pitchFamily="34" charset="0"/>
-              </a:rPr>
-              <a:t>&gt;</a:t>
-            </a:r>
-          </a:p>
-          <a:p>
-            <a:r>
-              <a:rPr lang="en-US" sz="1300" dirty="0" smtClean="0">
-                <a:latin typeface="Arial Narrow" pitchFamily="34" charset="0"/>
-              </a:rPr>
-              <a:t>   </a:t>
-            </a:r>
-            <a:r>
-              <a:rPr lang="en-US" sz="1300" dirty="0" smtClean="0">
-                <a:solidFill>
-                  <a:srgbClr val="C00000"/>
-                </a:solidFill>
-                <a:latin typeface="Arial Narrow" pitchFamily="34" charset="0"/>
-              </a:rPr>
-              <a:t>&lt;</a:t>
-            </a:r>
-            <a:r>
-              <a:rPr lang="en-US" sz="1300" dirty="0" smtClean="0">
-                <a:solidFill>
-                  <a:srgbClr val="C00000"/>
-                </a:solidFill>
-                <a:latin typeface="Arial Narrow" pitchFamily="34" charset="0"/>
-              </a:rPr>
-              <a:t>ns1:TargetObject name="model1.domain.Gene</a:t>
-            </a:r>
-            <a:r>
-              <a:rPr lang="en-US" sz="1300" dirty="0" smtClean="0">
-                <a:solidFill>
-                  <a:srgbClr val="C00000"/>
-                </a:solidFill>
-                <a:latin typeface="Arial Narrow" pitchFamily="34" charset="0"/>
-              </a:rPr>
-              <a:t>"&gt;</a:t>
-            </a:r>
-          </a:p>
-          <a:p>
-            <a:r>
-              <a:rPr lang="en-US" sz="1300" dirty="0" smtClean="0">
-                <a:latin typeface="Arial Narrow" pitchFamily="34" charset="0"/>
-              </a:rPr>
-              <a:t>      </a:t>
-            </a:r>
-            <a:r>
-              <a:rPr lang="en-US" sz="1300" dirty="0" smtClean="0">
-                <a:solidFill>
-                  <a:srgbClr val="00B050"/>
-                </a:solidFill>
-                <a:latin typeface="Arial Narrow" pitchFamily="34" charset="0"/>
-              </a:rPr>
-              <a:t>&lt;</a:t>
-            </a:r>
-            <a:r>
-              <a:rPr lang="en-US" sz="1300" dirty="0" smtClean="0">
-                <a:solidFill>
-                  <a:srgbClr val="00B050"/>
-                </a:solidFill>
-                <a:latin typeface="Arial Narrow" pitchFamily="34" charset="0"/>
-              </a:rPr>
-              <a:t>ns1:Association name="model1.domain.Term" </a:t>
-            </a:r>
-            <a:r>
-              <a:rPr lang="en-US" sz="1300" dirty="0" err="1" smtClean="0">
-                <a:solidFill>
-                  <a:srgbClr val="00B050"/>
-                </a:solidFill>
-                <a:latin typeface="Arial Narrow" pitchFamily="34" charset="0"/>
-              </a:rPr>
-              <a:t>roleName</a:t>
-            </a:r>
-            <a:r>
-              <a:rPr lang="en-US" sz="1300" dirty="0" smtClean="0">
-                <a:solidFill>
-                  <a:srgbClr val="00B050"/>
-                </a:solidFill>
-                <a:latin typeface="Arial Narrow" pitchFamily="34" charset="0"/>
-              </a:rPr>
-              <a:t>="terms</a:t>
-            </a:r>
-            <a:r>
-              <a:rPr lang="en-US" sz="1300" dirty="0" smtClean="0">
-                <a:solidFill>
-                  <a:srgbClr val="00B050"/>
-                </a:solidFill>
-                <a:latin typeface="Arial Narrow" pitchFamily="34" charset="0"/>
-              </a:rPr>
-              <a:t>"&gt;</a:t>
-            </a:r>
-          </a:p>
-          <a:p>
-            <a:r>
-              <a:rPr lang="en-US" sz="1300" dirty="0" smtClean="0">
-                <a:latin typeface="Arial Narrow" pitchFamily="34" charset="0"/>
-              </a:rPr>
-              <a:t>         </a:t>
-            </a:r>
-            <a:r>
-              <a:rPr lang="en-US" sz="1300" dirty="0" smtClean="0">
-                <a:solidFill>
-                  <a:srgbClr val="0070C0"/>
-                </a:solidFill>
-                <a:latin typeface="Arial Narrow" pitchFamily="34" charset="0"/>
-              </a:rPr>
-              <a:t>&lt;</a:t>
-            </a:r>
-            <a:r>
-              <a:rPr lang="en-US" sz="1300" dirty="0" smtClean="0">
-                <a:solidFill>
-                  <a:srgbClr val="0070C0"/>
-                </a:solidFill>
-                <a:latin typeface="Arial Narrow" pitchFamily="34" charset="0"/>
-              </a:rPr>
-              <a:t>ns1:Attribute name="value" predicate="EQUAL_TO" value="root</a:t>
-            </a:r>
-            <a:r>
-              <a:rPr lang="en-US" sz="1300" dirty="0" smtClean="0">
-                <a:solidFill>
-                  <a:srgbClr val="0070C0"/>
-                </a:solidFill>
-                <a:latin typeface="Arial Narrow" pitchFamily="34" charset="0"/>
-              </a:rPr>
-              <a:t>"/&gt;</a:t>
-            </a:r>
-          </a:p>
-          <a:p>
-            <a:r>
-              <a:rPr lang="en-US" sz="1300" dirty="0" smtClean="0">
-                <a:latin typeface="Arial Narrow" pitchFamily="34" charset="0"/>
-              </a:rPr>
-              <a:t>      </a:t>
-            </a:r>
-            <a:r>
-              <a:rPr lang="en-US" sz="1300" dirty="0" smtClean="0">
-                <a:solidFill>
-                  <a:srgbClr val="00B050"/>
-                </a:solidFill>
-                <a:latin typeface="Arial Narrow" pitchFamily="34" charset="0"/>
-              </a:rPr>
-              <a:t>&lt;/</a:t>
-            </a:r>
-            <a:r>
-              <a:rPr lang="en-US" sz="1300" dirty="0" smtClean="0">
-                <a:solidFill>
-                  <a:srgbClr val="00B050"/>
-                </a:solidFill>
-                <a:latin typeface="Arial Narrow" pitchFamily="34" charset="0"/>
-              </a:rPr>
-              <a:t>ns1:Association</a:t>
-            </a:r>
-            <a:r>
-              <a:rPr lang="en-US" sz="1300" dirty="0" smtClean="0">
-                <a:solidFill>
-                  <a:srgbClr val="00B050"/>
-                </a:solidFill>
-                <a:latin typeface="Arial Narrow" pitchFamily="34" charset="0"/>
-              </a:rPr>
-              <a:t>&gt;</a:t>
-            </a:r>
-          </a:p>
-          <a:p>
-            <a:r>
-              <a:rPr lang="en-US" sz="1300" dirty="0" smtClean="0">
-                <a:latin typeface="Arial Narrow" pitchFamily="34" charset="0"/>
-              </a:rPr>
-              <a:t>    </a:t>
-            </a:r>
-            <a:r>
-              <a:rPr lang="en-US" sz="1300" dirty="0" smtClean="0">
-                <a:solidFill>
-                  <a:srgbClr val="C00000"/>
-                </a:solidFill>
-                <a:latin typeface="Arial Narrow" pitchFamily="34" charset="0"/>
-              </a:rPr>
-              <a:t>&lt;/ns1:TargetObject</a:t>
-            </a:r>
-            <a:r>
-              <a:rPr lang="en-US" sz="1300" dirty="0" smtClean="0">
-                <a:solidFill>
-                  <a:srgbClr val="C00000"/>
-                </a:solidFill>
-                <a:latin typeface="Arial Narrow" pitchFamily="34" charset="0"/>
-              </a:rPr>
-              <a:t>&gt;</a:t>
-            </a:r>
-          </a:p>
-          <a:p>
-            <a:r>
-              <a:rPr lang="en-US" sz="1300" dirty="0" smtClean="0">
-                <a:latin typeface="Arial Narrow" pitchFamily="34" charset="0"/>
-              </a:rPr>
-              <a:t>   </a:t>
-            </a:r>
-            <a:r>
-              <a:rPr lang="en-US" sz="1300" dirty="0" smtClean="0">
-                <a:solidFill>
-                  <a:srgbClr val="7030A0"/>
-                </a:solidFill>
-                <a:latin typeface="Arial Narrow" pitchFamily="34" charset="0"/>
-              </a:rPr>
-              <a:t>&lt;</a:t>
-            </a:r>
-            <a:r>
-              <a:rPr lang="en-US" sz="1300" dirty="0" smtClean="0">
-                <a:solidFill>
-                  <a:srgbClr val="7030A0"/>
-                </a:solidFill>
-                <a:latin typeface="Arial Narrow" pitchFamily="34" charset="0"/>
-              </a:rPr>
-              <a:t>ns1:targetServiceURL&gt;http://</a:t>
-            </a:r>
-            <a:r>
-              <a:rPr lang="en-US" sz="1300" dirty="0" smtClean="0">
-                <a:solidFill>
-                  <a:srgbClr val="7030A0"/>
-                </a:solidFill>
-                <a:latin typeface="Arial Narrow" pitchFamily="34" charset="0"/>
-              </a:rPr>
-              <a:t>sbdev1000.semanticbits.com:13080/wsrf-model1/services/cagrid/Model1Svc&lt;/</a:t>
-            </a:r>
-            <a:r>
-              <a:rPr lang="en-US" sz="1300" dirty="0" smtClean="0">
-                <a:solidFill>
-                  <a:srgbClr val="7030A0"/>
-                </a:solidFill>
-                <a:latin typeface="Arial Narrow" pitchFamily="34" charset="0"/>
-              </a:rPr>
-              <a:t>ns1:targetServiceURL</a:t>
-            </a:r>
-            <a:r>
-              <a:rPr lang="en-US" sz="1300" dirty="0" smtClean="0">
-                <a:solidFill>
-                  <a:srgbClr val="7030A0"/>
-                </a:solidFill>
-                <a:latin typeface="Arial Narrow" pitchFamily="34" charset="0"/>
-              </a:rPr>
-              <a:t>&gt;</a:t>
-            </a:r>
-          </a:p>
-          <a:p>
-            <a:r>
-              <a:rPr lang="en-US" sz="1300" dirty="0" smtClean="0">
-                <a:solidFill>
-                  <a:srgbClr val="7030A0"/>
-                </a:solidFill>
-                <a:latin typeface="Arial Narrow" pitchFamily="34" charset="0"/>
-              </a:rPr>
-              <a:t>   &lt;</a:t>
-            </a:r>
-            <a:r>
-              <a:rPr lang="en-US" sz="1300" dirty="0" smtClean="0">
-                <a:solidFill>
-                  <a:srgbClr val="7030A0"/>
-                </a:solidFill>
-                <a:latin typeface="Arial Narrow" pitchFamily="34" charset="0"/>
-              </a:rPr>
-              <a:t>ns1:targetServiceURL&gt;http://sbdev1000.semanticbits.com:13080/wsrf-model1-a/services/cagrid/Model1Svc&lt;/ns1:targetServiceURL</a:t>
-            </a:r>
-            <a:r>
-              <a:rPr lang="en-US" sz="1300" dirty="0" smtClean="0">
-                <a:solidFill>
-                  <a:srgbClr val="7030A0"/>
-                </a:solidFill>
-                <a:latin typeface="Arial Narrow" pitchFamily="34" charset="0"/>
-              </a:rPr>
-              <a:t>&gt;</a:t>
-            </a:r>
-          </a:p>
-          <a:p>
-            <a:r>
-              <a:rPr lang="en-US" sz="1300" dirty="0" smtClean="0">
-                <a:latin typeface="Arial Narrow" pitchFamily="34" charset="0"/>
-              </a:rPr>
-              <a:t>&lt;/</a:t>
-            </a:r>
-            <a:r>
-              <a:rPr lang="en-US" sz="1300" dirty="0" smtClean="0">
-                <a:latin typeface="Arial Narrow" pitchFamily="34" charset="0"/>
-              </a:rPr>
-              <a:t>ns1:DCQLQuery&gt;</a:t>
-            </a:r>
-            <a:endParaRPr lang="en-US" sz="1300" dirty="0">
-              <a:latin typeface="Arial Narrow" pitchFamily="34" charset="0"/>
             </a:endParaRPr>
           </a:p>
         </p:txBody>
@@ -19883,7 +19750,7 @@
             </a:r>
             <a:r>
               <a:rPr lang="en-US" dirty="0" smtClean="0"/>
-              <a:t>Distributed Join Example</a:t>
+              <a:t>Components</a:t>
             </a:r>
             <a:endParaRPr lang="en-US" dirty="0" smtClean="0"/>
           </a:p>
@@ -19900,7 +19767,7 @@
         <p:spPr bwMode="auto">
           <a:xfrm>
             <a:off x="228600" y="1219200"/>
-            <a:ext cx="8458200" cy="5105400"/>
+            <a:ext cx="8458200" cy="5181600"/>
           </a:xfrm>
           <a:prstGeom prst="rect">
             <a:avLst/>
@@ -19935,7 +19802,7 @@
             </a:pPr>
             <a:r>
               <a:rPr lang="en-US" sz="2000" b="1" kern="0" dirty="0" smtClean="0"/>
-              <a:t>Joins between disparate data models and services</a:t>
+              <a:t>Association</a:t>
             </a:r>
           </a:p>
           <a:p>
@@ -19952,7 +19819,41 @@
             </a:pPr>
             <a:r>
               <a:rPr lang="en-US" sz="2000" kern="0" dirty="0" smtClean="0"/>
-              <a:t>Simple join criteria on attribute values</a:t>
+              <a:t>Describes a relationship between the parent and another data type</a:t>
+            </a:r>
+          </a:p>
+          <a:p>
+            <a:pPr marL="800100" lvl="1" indent="-342900">
+              <a:spcBef>
+                <a:spcPct val="20000"/>
+              </a:spcBef>
+              <a:buClr>
+                <a:srgbClr val="00AAF6"/>
+              </a:buClr>
+              <a:buFontTx/>
+              <a:buChar char="•"/>
+              <a:defRPr/>
+            </a:pPr>
+            <a:r>
+              <a:rPr lang="en-US" sz="2000" kern="0" dirty="0" smtClean="0"/>
+              <a:t>Inherits from the Object type</a:t>
+            </a:r>
+          </a:p>
+          <a:p>
+            <a:pPr marL="1257300" lvl="2" indent="-342900">
+              <a:spcBef>
+                <a:spcPct val="20000"/>
+              </a:spcBef>
+              <a:buClr>
+                <a:srgbClr val="00AAF6"/>
+              </a:buClr>
+              <a:buFontTx/>
+              <a:buChar char="•"/>
+              <a:defRPr/>
+            </a:pPr>
+            <a:r>
+              <a:rPr lang="en-US" kern="0" dirty="0" smtClean="0"/>
+              <a:t>Additionally specifies the role name of this association</a:t>
             </a:r>
           </a:p>
           <a:p>
@@ -19969,316 +19870,142 @@
             </a:pPr>
             <a:r>
               <a:rPr lang="en-US" sz="2000" b="1" kern="0" dirty="0" smtClean="0"/>
-              <a:t>Example Query</a:t>
-            </a:r>
-          </a:p>
-          <a:p>
-            <a:pPr marL="800100" lvl="1" indent="-342900">
-              <a:spcBef>
-                <a:spcPct val="20000"/>
-              </a:spcBef>
-              <a:buClr>
-                <a:srgbClr val="00AAF6"/>
-              </a:buClr>
-              <a:buFontTx/>
-              <a:buChar char="•"/>
-              <a:defRPr/>
+              <a:t>Attribute</a:t>
+            </a:r>
+          </a:p>
+          <a:p>
+            <a:pPr marL="742950" lvl="1" indent="-285750">
+              <a:spcBef>
+                <a:spcPct val="20000"/>
+              </a:spcBef>
+              <a:buClr>
+                <a:srgbClr val="00AAF6"/>
+              </a:buClr>
+              <a:buFontTx/>
+              <a:buChar char="•"/>
             </a:pPr>
             <a:r>
               <a:rPr lang="en-US" sz="2000" kern="0" dirty="0" smtClean="0">
                 <a:solidFill>
-                  <a:srgbClr val="C00000"/>
+                  <a:srgbClr val="000000"/>
                 </a:solidFill>
-              </a:rPr>
-              <a:t>Return instances of </a:t>
-            </a:r>
-            <a:r>
-              <a:rPr lang="en-US" sz="2000" kern="0" dirty="0" err="1" smtClean="0">
-                <a:solidFill>
-                  <a:srgbClr val="C00000"/>
-                </a:solidFill>
-              </a:rPr>
-              <a:t>caBIO</a:t>
-            </a:r>
+                <a:latin typeface="Arial"/>
+              </a:rPr>
+              <a:t>Object property used as search criteria</a:t>
+            </a:r>
+          </a:p>
+          <a:p>
+            <a:pPr marL="742950" lvl="1" indent="-285750">
+              <a:spcBef>
+                <a:spcPct val="20000"/>
+              </a:spcBef>
+              <a:buClr>
+                <a:srgbClr val="00AAF6"/>
+              </a:buClr>
+              <a:buFontTx/>
+              <a:buChar char="•"/>
+            </a:pPr>
             <a:r>
               <a:rPr lang="en-US" sz="2000" kern="0" dirty="0" smtClean="0">
                 <a:solidFill>
-                  <a:srgbClr val="C00000"/>
+                  <a:srgbClr val="000000"/>
                 </a:solidFill>
-              </a:rPr>
-              <a:t> model’s </a:t>
-            </a:r>
-            <a:r>
-              <a:rPr lang="en-US" sz="2000" i="1" kern="0" dirty="0" err="1" smtClean="0">
+                <a:latin typeface="Arial"/>
+              </a:rPr>
+              <a:t>Defined in terms of attribute name, predicate, and value</a:t>
+            </a:r>
+          </a:p>
+          <a:p>
+            <a:pPr marL="742950" lvl="1" indent="-285750">
+              <a:spcBef>
+                <a:spcPct val="20000"/>
+              </a:spcBef>
+              <a:buClr>
+                <a:srgbClr val="00AAF6"/>
+              </a:buClr>
+              <a:buFontTx/>
+              <a:buChar char="•"/>
+            </a:pPr>
+            <a:r>
+              <a:rPr lang="en-US" sz="2000" kern="0" dirty="0" smtClean="0">
                 <a:solidFill>
-                  <a:srgbClr val="C00000"/>
+                  <a:srgbClr val="000000"/>
                 </a:solidFill>
-              </a:rPr>
-              <a:t>NucleicAcidSequence</a:t>
-            </a:r>
-            <a:endParaRPr lang="en-US" sz="2000" i="1" kern="0" dirty="0" smtClean="0">
+                <a:latin typeface="Arial"/>
+              </a:rPr>
+              <a:t>Predicates are similar to SQL</a:t>
+            </a:r>
+          </a:p>
+          <a:p>
+            <a:pPr marL="1143000" lvl="2" indent="-228600">
+              <a:spcBef>
+                <a:spcPct val="20000"/>
+              </a:spcBef>
+              <a:buClr>
+                <a:srgbClr val="00AAF6"/>
+              </a:buClr>
+              <a:buFontTx/>
+              <a:buChar char="•"/>
+            </a:pPr>
+            <a:r>
+              <a:rPr lang="en-US" kern="0" dirty="0" smtClean="0">
+                <a:solidFill>
+                  <a:srgbClr val="000000"/>
+                </a:solidFill>
+                <a:latin typeface="Arial"/>
+              </a:rPr>
+              <a:t>Equals, Not Equals, Like, Less Than, Greater Than, Less or Equal, Greater or Equal, Null, and Not </a:t>
+            </a:r>
+            <a:r>
+              <a:rPr lang="en-US" kern="0" dirty="0" smtClean="0">
+                <a:solidFill>
+                  <a:srgbClr val="000000"/>
+                </a:solidFill>
+                <a:latin typeface="Arial"/>
+              </a:rPr>
+              <a:t>Null</a:t>
+            </a:r>
+          </a:p>
+          <a:p>
+            <a:pPr marL="685800" lvl="1" indent="-228600">
+              <a:spcBef>
+                <a:spcPct val="20000"/>
+              </a:spcBef>
+              <a:buClr>
+                <a:srgbClr val="00AAF6"/>
+              </a:buClr>
+              <a:buFontTx/>
+              <a:buChar char="•"/>
+            </a:pPr>
+            <a:r>
+              <a:rPr lang="en-US" sz="2000" kern="0" dirty="0" smtClean="0">
+                <a:solidFill>
+                  <a:srgbClr val="000000"/>
+                </a:solidFill>
+                <a:latin typeface="Arial"/>
+              </a:rPr>
+              <a:t>Type inherited from CQL directly without modification</a:t>
+            </a:r>
+            <a:endParaRPr lang="en-US" sz="2000" kern="0" dirty="0" smtClean="0">
               <a:solidFill>
-                <a:srgbClr val="C00000"/>
+                <a:srgbClr val="000000"/>
               </a:solidFill>
+              <a:latin typeface="Arial"/>
             </a:endParaRPr>
           </a:p>
           <a:p>
-            <a:pPr marL="800100" lvl="1" indent="-342900">
-              <a:spcBef>
-                <a:spcPct val="20000"/>
-              </a:spcBef>
-              <a:buClr>
-                <a:srgbClr val="00AAF6"/>
-              </a:buClr>
-              <a:buFontTx/>
-              <a:buChar char="•"/>
-              <a:defRPr/>
-            </a:pPr>
-            <a:r>
-              <a:rPr lang="en-US" sz="2000" dirty="0" smtClean="0"/>
-              <a:t>Each </a:t>
-            </a:r>
-            <a:r>
-              <a:rPr lang="en-US" sz="2000" i="1" dirty="0" smtClean="0"/>
-              <a:t>sequence </a:t>
-            </a:r>
-            <a:r>
-              <a:rPr lang="en-US" sz="2000" dirty="0" smtClean="0"/>
-              <a:t>must have an </a:t>
-            </a:r>
-            <a:r>
-              <a:rPr lang="en-US" sz="2000" dirty="0" smtClean="0">
-                <a:solidFill>
-                  <a:srgbClr val="00B050"/>
-                </a:solidFill>
-              </a:rPr>
-              <a:t>association to a </a:t>
-            </a:r>
-            <a:r>
-              <a:rPr lang="en-US" sz="2000" i="1" dirty="0" smtClean="0">
-                <a:solidFill>
-                  <a:srgbClr val="00B050"/>
-                </a:solidFill>
-              </a:rPr>
-              <a:t>Gene </a:t>
-            </a:r>
-            <a:r>
-              <a:rPr lang="en-US" sz="2000" dirty="0" smtClean="0"/>
-              <a:t>through the role name </a:t>
-            </a:r>
-            <a:r>
-              <a:rPr lang="en-US" sz="2000" i="1" dirty="0" err="1" smtClean="0"/>
-              <a:t>geneCollection</a:t>
-            </a:r>
-            <a:endParaRPr lang="en-US" sz="2000" i="1" dirty="0" smtClean="0"/>
-          </a:p>
-          <a:p>
-            <a:pPr marL="800100" lvl="1" indent="-342900">
-              <a:spcBef>
-                <a:spcPct val="20000"/>
-              </a:spcBef>
-              <a:buClr>
-                <a:srgbClr val="00AAF6"/>
-              </a:buClr>
-              <a:buFontTx/>
-              <a:buChar char="•"/>
-              <a:defRPr/>
-            </a:pPr>
-            <a:r>
-              <a:rPr lang="en-US" sz="2000" dirty="0" smtClean="0"/>
-              <a:t>Each </a:t>
-            </a:r>
-            <a:r>
-              <a:rPr lang="en-US" sz="2000" i="1" dirty="0" smtClean="0"/>
-              <a:t>gene</a:t>
-            </a:r>
-            <a:r>
-              <a:rPr lang="en-US" sz="2000" dirty="0" smtClean="0"/>
-              <a:t> has an </a:t>
-            </a:r>
-            <a:r>
-              <a:rPr lang="en-US" sz="2000" dirty="0" smtClean="0">
-                <a:solidFill>
-                  <a:srgbClr val="00B0F0"/>
-                </a:solidFill>
-              </a:rPr>
-              <a:t>association to Protein</a:t>
-            </a:r>
-            <a:r>
-              <a:rPr lang="en-US" sz="2000" dirty="0" smtClean="0"/>
-              <a:t> through </a:t>
-            </a:r>
-            <a:r>
-              <a:rPr lang="en-US" sz="2000" i="1" dirty="0" err="1" smtClean="0"/>
-              <a:t>proteinCollection</a:t>
-            </a:r>
-            <a:endParaRPr lang="en-US" sz="2000" i="1" dirty="0" smtClean="0"/>
-          </a:p>
-          <a:p>
-            <a:pPr marL="800100" lvl="1" indent="-342900">
-              <a:spcBef>
-                <a:spcPct val="20000"/>
-              </a:spcBef>
-              <a:buClr>
-                <a:srgbClr val="00AAF6"/>
-              </a:buClr>
-              <a:buFontTx/>
-              <a:buChar char="•"/>
-              <a:defRPr/>
-            </a:pPr>
-            <a:r>
-              <a:rPr lang="en-US" sz="2000" dirty="0" smtClean="0"/>
-              <a:t>A </a:t>
-            </a:r>
-            <a:r>
-              <a:rPr lang="en-US" sz="2000" i="1" dirty="0" err="1" smtClean="0">
-                <a:solidFill>
-                  <a:srgbClr val="FF9900"/>
-                </a:solidFill>
-              </a:rPr>
-              <a:t>ForeignAssociation</a:t>
-            </a:r>
-            <a:r>
-              <a:rPr lang="en-US" sz="2000" dirty="0" smtClean="0">
-                <a:solidFill>
-                  <a:srgbClr val="FF9900"/>
-                </a:solidFill>
-              </a:rPr>
-              <a:t> </a:t>
-            </a:r>
-            <a:r>
-              <a:rPr lang="en-US" sz="2000" dirty="0" smtClean="0"/>
-              <a:t>indicates a new query is started against a different caGrid data service (</a:t>
-            </a:r>
-            <a:r>
-              <a:rPr lang="en-US" sz="2000" i="1" dirty="0" err="1" smtClean="0"/>
-              <a:t>gridPIR</a:t>
-            </a:r>
-            <a:r>
-              <a:rPr lang="en-US" sz="2000" i="1" dirty="0" smtClean="0"/>
-              <a:t>)</a:t>
-            </a:r>
-            <a:endParaRPr lang="en-US" sz="2000" dirty="0" smtClean="0"/>
-          </a:p>
-          <a:p>
-            <a:pPr marL="800100" lvl="1" indent="-342900">
-              <a:spcBef>
-                <a:spcPct val="20000"/>
-              </a:spcBef>
-              <a:buClr>
-                <a:srgbClr val="00AAF6"/>
-              </a:buClr>
-              <a:buFontTx/>
-              <a:buChar char="•"/>
-              <a:defRPr/>
-            </a:pPr>
-            <a:r>
-              <a:rPr lang="en-US" sz="2000" dirty="0" smtClean="0"/>
-              <a:t>The </a:t>
-            </a:r>
-            <a:r>
-              <a:rPr lang="en-US" sz="2000" i="1" dirty="0" err="1" smtClean="0">
-                <a:solidFill>
-                  <a:srgbClr val="FF9900"/>
-                </a:solidFill>
-              </a:rPr>
-              <a:t>JoinCondition</a:t>
-            </a:r>
-            <a:r>
-              <a:rPr lang="en-US" sz="2000" dirty="0" smtClean="0">
-                <a:solidFill>
-                  <a:srgbClr val="FF9900"/>
-                </a:solidFill>
-              </a:rPr>
-              <a:t> </a:t>
-            </a:r>
-            <a:r>
-              <a:rPr lang="en-US" sz="2000" dirty="0" smtClean="0"/>
-              <a:t>element indicates how a field from the “foreign” data type relates to a field of the “origin” data type</a:t>
-            </a:r>
-          </a:p>
-          <a:p>
-            <a:pPr marL="800100" lvl="1" indent="-342900">
-              <a:spcBef>
-                <a:spcPct val="20000"/>
-              </a:spcBef>
-              <a:buClr>
-                <a:srgbClr val="00AAF6"/>
-              </a:buClr>
-              <a:buFontTx/>
-              <a:buChar char="•"/>
-              <a:defRPr/>
-            </a:pPr>
-            <a:r>
-              <a:rPr lang="en-US" sz="2000" dirty="0" smtClean="0">
-                <a:solidFill>
-                  <a:srgbClr val="7030A0"/>
-                </a:solidFill>
-              </a:rPr>
-              <a:t>The foreign data type is </a:t>
-            </a:r>
-            <a:r>
-              <a:rPr lang="en-US" sz="2000" i="1" dirty="0" smtClean="0">
-                <a:solidFill>
-                  <a:srgbClr val="7030A0"/>
-                </a:solidFill>
-              </a:rPr>
-              <a:t>Protein</a:t>
-            </a:r>
-          </a:p>
-          <a:p>
-            <a:pPr marL="800100" lvl="1" indent="-342900">
-              <a:spcBef>
-                <a:spcPct val="20000"/>
-              </a:spcBef>
-              <a:buClr>
-                <a:srgbClr val="00AAF6"/>
-              </a:buClr>
-              <a:buFontTx/>
-              <a:buChar char="•"/>
-              <a:defRPr/>
-            </a:pPr>
-            <a:r>
-              <a:rPr lang="en-US" sz="2000" dirty="0" smtClean="0"/>
-              <a:t>Each protein instance must have</a:t>
-            </a:r>
-            <a:r>
-              <a:rPr lang="en-US" sz="2000" dirty="0" smtClean="0">
-                <a:solidFill>
-                  <a:srgbClr val="0070C0"/>
-                </a:solidFill>
-              </a:rPr>
-              <a:t> two associations;</a:t>
-            </a:r>
-            <a:r>
-              <a:rPr lang="en-US" sz="2000" dirty="0" smtClean="0"/>
-              <a:t> one to </a:t>
-            </a:r>
-            <a:r>
-              <a:rPr lang="en-US" sz="2000" i="1" dirty="0" smtClean="0"/>
-              <a:t>Gene</a:t>
-            </a:r>
-            <a:r>
-              <a:rPr lang="en-US" sz="2000" dirty="0" smtClean="0"/>
-              <a:t> and one to </a:t>
-            </a:r>
-            <a:r>
-              <a:rPr lang="en-US" sz="2000" i="1" dirty="0" smtClean="0"/>
-              <a:t>Organism </a:t>
-            </a:r>
-            <a:r>
-              <a:rPr lang="en-US" sz="2000" dirty="0" smtClean="0"/>
-              <a:t>(both within </a:t>
-            </a:r>
-            <a:r>
-              <a:rPr lang="en-US" sz="2000" dirty="0" err="1" smtClean="0"/>
-              <a:t>gridPIR</a:t>
-            </a:r>
-            <a:r>
-              <a:rPr lang="en-US" sz="2000" dirty="0" smtClean="0"/>
-              <a:t>)</a:t>
-            </a:r>
-            <a:endParaRPr lang="en-US" sz="2000" dirty="0" smtClean="0"/>
+            <a:pPr marL="342900" indent="-342900">
+              <a:spcBef>
+                <a:spcPct val="20000"/>
+              </a:spcBef>
+              <a:buClr>
+                <a:srgbClr val="00AAF6"/>
+              </a:buClr>
+              <a:buFontTx/>
+              <a:buChar char="•"/>
+              <a:defRPr/>
+            </a:pPr>
+            <a:endParaRPr lang="en-US" dirty="0" smtClean="0"/>
           </a:p>
           <a:p>
             <a:pPr marL="800100" lvl="1" indent="-342900">
@@ -20352,7 +20079,7 @@
             </a:r>
             <a:r>
               <a:rPr lang="en-US" dirty="0" smtClean="0"/>
-              <a:t>Distributed Join Example</a:t>
+              <a:t>Components</a:t>
             </a:r>
             <a:endParaRPr lang="en-US" dirty="0" smtClean="0"/>
           </a:p>
@@ -20360,992 +20087,1405 @@
       </p:sp>
       <p:sp>
         <p:nvSpPr>
-          <p:cNvPr id="5" name="TextBox 4"/>
-          <p:cNvSpPr txBox="1"/>
+          <p:cNvPr id="4" name="Content Placeholder 2"/>
+          <p:cNvSpPr txBox="1">
+            <a:spLocks/>
+          </p:cNvSpPr>
           <p:nvPr/>
         </p:nvSpPr>
-        <p:spPr>
+        <p:spPr bwMode="auto">
           <a:xfrm>
-            <a:off x="304800" y="1295400"/>
-            <a:ext cx="8453596" cy="5047536"/>
+            <a:off x="228600" y="1219200"/>
+            <a:ext cx="8458200" cy="5181600"/>
           </a:xfrm>
           <a:prstGeom prst="rect">
             <a:avLst/>
           </a:prstGeom>
           <a:noFill/>
+          <a:ln w="9525">
+            <a:noFill/>
+            <a:miter lim="800000"/>
+            <a:headEnd/>
+            <a:tailEnd/>
+          </a:ln>
+          <a:effectLst/>
         </p:spPr>
         <p:txBody>
-          <a:bodyPr wrap="square" rtlCol="0">
-            <a:spAutoFit/>
+          <a:bodyPr vert="horz" wrap="square" lIns="91440" tIns="45720" rIns="91440" bIns="45720" numCol="1" anchor="t" anchorCtr="0" compatLnSpc="1">
+            <a:prstTxWarp prst="textNoShape">
+              <a:avLst/>
+            </a:prstTxWarp>
           </a:bodyPr>
           <a:lstStyle/>
           <a:p>
-            <a:r>
-              <a:rPr lang="en-US" sz="1400" dirty="0" smtClean="0">
-                <a:latin typeface="Arial Narrow" pitchFamily="34" charset="0"/>
-              </a:rPr>
-              <a:t>&lt;ns1:DCQLQuery xmlns:ns1="http://caGrid.caBIG/1.0/gov.nih.nci.cagrid.dcql</a:t>
-            </a:r>
-            <a:r>
-              <a:rPr lang="en-US" sz="1400" dirty="0" smtClean="0">
-                <a:latin typeface="Arial Narrow" pitchFamily="34" charset="0"/>
-              </a:rPr>
-              <a:t>"&gt;</a:t>
-            </a:r>
-          </a:p>
-          <a:p>
-            <a:r>
-              <a:rPr lang="en-US" sz="1400" dirty="0" smtClean="0">
-                <a:solidFill>
-                  <a:srgbClr val="C00000"/>
-                </a:solidFill>
-                <a:latin typeface="Arial Narrow" pitchFamily="34" charset="0"/>
-              </a:rPr>
-              <a:t>  &lt;</a:t>
-            </a:r>
-            <a:r>
-              <a:rPr lang="en-US" sz="1400" dirty="0" smtClean="0">
-                <a:solidFill>
-                  <a:srgbClr val="C00000"/>
-                </a:solidFill>
-                <a:latin typeface="Arial Narrow" pitchFamily="34" charset="0"/>
-              </a:rPr>
-              <a:t>ns1:TargetObject name="</a:t>
-            </a:r>
-            <a:r>
-              <a:rPr lang="en-US" sz="1400" dirty="0" err="1" smtClean="0">
-                <a:solidFill>
-                  <a:srgbClr val="C00000"/>
-                </a:solidFill>
-                <a:latin typeface="Arial Narrow" pitchFamily="34" charset="0"/>
-              </a:rPr>
-              <a:t>gov.nih.nci.cabio.domain.NucleicAcidSequence</a:t>
-            </a:r>
-            <a:r>
-              <a:rPr lang="en-US" sz="1400" dirty="0" smtClean="0">
-                <a:solidFill>
-                  <a:srgbClr val="C00000"/>
-                </a:solidFill>
-                <a:latin typeface="Arial Narrow" pitchFamily="34" charset="0"/>
-              </a:rPr>
-              <a:t>"&gt;</a:t>
-            </a:r>
-          </a:p>
-          <a:p>
-            <a:r>
-              <a:rPr lang="en-US" sz="1400" dirty="0" smtClean="0">
-                <a:latin typeface="Arial Narrow" pitchFamily="34" charset="0"/>
-              </a:rPr>
-              <a:t>    </a:t>
-            </a:r>
-            <a:r>
-              <a:rPr lang="en-US" sz="1400" dirty="0" smtClean="0">
-                <a:solidFill>
-                  <a:srgbClr val="00B050"/>
-                </a:solidFill>
-                <a:latin typeface="Arial Narrow" pitchFamily="34" charset="0"/>
-              </a:rPr>
-              <a:t>&lt;</a:t>
-            </a:r>
-            <a:r>
-              <a:rPr lang="en-US" sz="1400" dirty="0" smtClean="0">
-                <a:solidFill>
-                  <a:srgbClr val="00B050"/>
-                </a:solidFill>
-                <a:latin typeface="Arial Narrow" pitchFamily="34" charset="0"/>
-              </a:rPr>
-              <a:t>ns1:Association name="</a:t>
-            </a:r>
-            <a:r>
-              <a:rPr lang="en-US" sz="1400" dirty="0" err="1" smtClean="0">
-                <a:solidFill>
-                  <a:srgbClr val="00B050"/>
-                </a:solidFill>
-                <a:latin typeface="Arial Narrow" pitchFamily="34" charset="0"/>
-              </a:rPr>
-              <a:t>gov.nih.nci.cabio.domain.Gene</a:t>
-            </a:r>
-            <a:r>
-              <a:rPr lang="en-US" sz="1400" dirty="0" smtClean="0">
-                <a:solidFill>
-                  <a:srgbClr val="00B050"/>
-                </a:solidFill>
-                <a:latin typeface="Arial Narrow" pitchFamily="34" charset="0"/>
-              </a:rPr>
-              <a:t>" </a:t>
-            </a:r>
-            <a:r>
-              <a:rPr lang="en-US" sz="1400" dirty="0" err="1" smtClean="0">
-                <a:solidFill>
-                  <a:srgbClr val="00B050"/>
-                </a:solidFill>
-                <a:latin typeface="Arial Narrow" pitchFamily="34" charset="0"/>
-              </a:rPr>
-              <a:t>roleName</a:t>
-            </a:r>
-            <a:r>
-              <a:rPr lang="en-US" sz="1400" dirty="0" smtClean="0">
-                <a:solidFill>
-                  <a:srgbClr val="00B050"/>
-                </a:solidFill>
-                <a:latin typeface="Arial Narrow" pitchFamily="34" charset="0"/>
-              </a:rPr>
-              <a:t>="</a:t>
-            </a:r>
-            <a:r>
-              <a:rPr lang="en-US" sz="1400" dirty="0" err="1" smtClean="0">
-                <a:solidFill>
-                  <a:srgbClr val="00B050"/>
-                </a:solidFill>
-                <a:latin typeface="Arial Narrow" pitchFamily="34" charset="0"/>
-              </a:rPr>
-              <a:t>geneCollection</a:t>
-            </a:r>
-            <a:r>
-              <a:rPr lang="en-US" sz="1400" dirty="0" smtClean="0">
-                <a:solidFill>
-                  <a:srgbClr val="00B050"/>
-                </a:solidFill>
-                <a:latin typeface="Arial Narrow" pitchFamily="34" charset="0"/>
-              </a:rPr>
-              <a:t>“&gt;</a:t>
-            </a:r>
-          </a:p>
-          <a:p>
-            <a:r>
-              <a:rPr lang="en-US" sz="1400" dirty="0" smtClean="0">
-                <a:latin typeface="Arial Narrow" pitchFamily="34" charset="0"/>
-              </a:rPr>
-              <a:t>      </a:t>
-            </a:r>
-            <a:r>
-              <a:rPr lang="en-US" sz="1400" dirty="0" smtClean="0">
-                <a:solidFill>
-                  <a:srgbClr val="00B0F0"/>
-                </a:solidFill>
-                <a:latin typeface="Arial Narrow" pitchFamily="34" charset="0"/>
-              </a:rPr>
-              <a:t>&lt;</a:t>
-            </a:r>
-            <a:r>
-              <a:rPr lang="en-US" sz="1400" dirty="0" smtClean="0">
-                <a:solidFill>
-                  <a:srgbClr val="00B0F0"/>
-                </a:solidFill>
-                <a:latin typeface="Arial Narrow" pitchFamily="34" charset="0"/>
-              </a:rPr>
-              <a:t>ns1:Association name="</a:t>
-            </a:r>
-            <a:r>
-              <a:rPr lang="en-US" sz="1400" dirty="0" err="1" smtClean="0">
-                <a:solidFill>
-                  <a:srgbClr val="00B0F0"/>
-                </a:solidFill>
-                <a:latin typeface="Arial Narrow" pitchFamily="34" charset="0"/>
-              </a:rPr>
-              <a:t>gov.nih.nci.cabio.domain.Protein</a:t>
-            </a:r>
-            <a:r>
-              <a:rPr lang="en-US" sz="1400" dirty="0" smtClean="0">
-                <a:solidFill>
-                  <a:srgbClr val="00B0F0"/>
-                </a:solidFill>
-                <a:latin typeface="Arial Narrow" pitchFamily="34" charset="0"/>
-              </a:rPr>
-              <a:t>" </a:t>
-            </a:r>
-            <a:r>
-              <a:rPr lang="en-US" sz="1400" dirty="0" err="1" smtClean="0">
-                <a:solidFill>
-                  <a:srgbClr val="00B0F0"/>
-                </a:solidFill>
-                <a:latin typeface="Arial Narrow" pitchFamily="34" charset="0"/>
-              </a:rPr>
-              <a:t>roleName</a:t>
-            </a:r>
-            <a:r>
-              <a:rPr lang="en-US" sz="1400" dirty="0" smtClean="0">
-                <a:solidFill>
-                  <a:srgbClr val="00B0F0"/>
-                </a:solidFill>
-                <a:latin typeface="Arial Narrow" pitchFamily="34" charset="0"/>
-              </a:rPr>
-              <a:t>="</a:t>
-            </a:r>
-            <a:r>
-              <a:rPr lang="en-US" sz="1400" dirty="0" err="1" smtClean="0">
-                <a:solidFill>
-                  <a:srgbClr val="00B0F0"/>
-                </a:solidFill>
-                <a:latin typeface="Arial Narrow" pitchFamily="34" charset="0"/>
-              </a:rPr>
-              <a:t>proteinCollection</a:t>
-            </a:r>
-            <a:r>
-              <a:rPr lang="en-US" sz="1400" dirty="0" smtClean="0">
-                <a:solidFill>
-                  <a:srgbClr val="00B0F0"/>
-                </a:solidFill>
-                <a:latin typeface="Arial Narrow" pitchFamily="34" charset="0"/>
-              </a:rPr>
-              <a:t>“&gt;</a:t>
-            </a:r>
-          </a:p>
-          <a:p>
-            <a:r>
-              <a:rPr lang="en-US" sz="1400" dirty="0" smtClean="0">
-                <a:latin typeface="Arial Narrow" pitchFamily="34" charset="0"/>
-              </a:rPr>
-              <a:t>        </a:t>
-            </a:r>
-            <a:r>
-              <a:rPr lang="en-US" sz="1400" dirty="0" smtClean="0">
-                <a:solidFill>
-                  <a:srgbClr val="FF9900"/>
-                </a:solidFill>
-                <a:latin typeface="Arial Narrow" pitchFamily="34" charset="0"/>
-              </a:rPr>
-              <a:t>&lt;</a:t>
-            </a:r>
-            <a:r>
-              <a:rPr lang="en-US" sz="1400" dirty="0" smtClean="0">
-                <a:solidFill>
-                  <a:srgbClr val="FF9900"/>
-                </a:solidFill>
-                <a:latin typeface="Arial Narrow" pitchFamily="34" charset="0"/>
-              </a:rPr>
-              <a:t>ns1:ForeignAssociation </a:t>
-            </a:r>
-            <a:r>
-              <a:rPr lang="en-US" sz="1400" dirty="0" err="1" smtClean="0">
-                <a:solidFill>
-                  <a:srgbClr val="FF9900"/>
-                </a:solidFill>
-                <a:latin typeface="Arial Narrow" pitchFamily="34" charset="0"/>
-              </a:rPr>
-              <a:t>targetServiceURL</a:t>
-            </a:r>
-            <a:r>
-              <a:rPr lang="en-US" sz="1400" dirty="0" smtClean="0">
-                <a:solidFill>
-                  <a:srgbClr val="FF9900"/>
-                </a:solidFill>
-                <a:latin typeface="Arial Narrow" pitchFamily="34" charset="0"/>
-              </a:rPr>
-              <a:t>="http://141.161.25.20:8080/wsrf/services/cagrid/GridPIR</a:t>
-            </a:r>
-            <a:r>
-              <a:rPr lang="en-US" sz="1400" dirty="0" smtClean="0">
-                <a:solidFill>
-                  <a:srgbClr val="FF9900"/>
-                </a:solidFill>
-                <a:latin typeface="Arial Narrow" pitchFamily="34" charset="0"/>
-              </a:rPr>
-              <a:t>"&gt;</a:t>
-            </a:r>
-          </a:p>
-          <a:p>
-            <a:r>
-              <a:rPr lang="en-US" sz="1400" dirty="0" smtClean="0">
-                <a:solidFill>
-                  <a:srgbClr val="FF9900"/>
-                </a:solidFill>
-                <a:latin typeface="Arial Narrow" pitchFamily="34" charset="0"/>
-              </a:rPr>
-              <a:t>          &lt;</a:t>
-            </a:r>
-            <a:r>
-              <a:rPr lang="en-US" sz="1400" dirty="0" smtClean="0">
-                <a:solidFill>
-                  <a:srgbClr val="FF9900"/>
-                </a:solidFill>
-                <a:latin typeface="Arial Narrow" pitchFamily="34" charset="0"/>
-              </a:rPr>
-              <a:t>ns1:JoinCondition </a:t>
-            </a:r>
-            <a:r>
-              <a:rPr lang="en-US" sz="1400" dirty="0" err="1" smtClean="0">
-                <a:solidFill>
-                  <a:srgbClr val="FF9900"/>
-                </a:solidFill>
-                <a:latin typeface="Arial Narrow" pitchFamily="34" charset="0"/>
-              </a:rPr>
-              <a:t>foreignAttributeName</a:t>
-            </a:r>
-            <a:r>
-              <a:rPr lang="en-US" sz="1400" dirty="0" smtClean="0">
-                <a:solidFill>
-                  <a:srgbClr val="FF9900"/>
-                </a:solidFill>
-                <a:latin typeface="Arial Narrow" pitchFamily="34" charset="0"/>
-              </a:rPr>
-              <a:t>="</a:t>
-            </a:r>
-            <a:r>
-              <a:rPr lang="en-US" sz="1400" dirty="0" err="1" smtClean="0">
-                <a:solidFill>
-                  <a:srgbClr val="FF9900"/>
-                </a:solidFill>
-                <a:latin typeface="Arial Narrow" pitchFamily="34" charset="0"/>
-              </a:rPr>
-              <a:t>uniprotkbEntryName</a:t>
-            </a:r>
-            <a:r>
-              <a:rPr lang="en-US" sz="1400" dirty="0" smtClean="0">
-                <a:solidFill>
-                  <a:srgbClr val="FF9900"/>
-                </a:solidFill>
-                <a:latin typeface="Arial Narrow" pitchFamily="34" charset="0"/>
-              </a:rPr>
-              <a:t>" </a:t>
-            </a:r>
-            <a:r>
-              <a:rPr lang="en-US" sz="1400" dirty="0" err="1" smtClean="0">
-                <a:solidFill>
-                  <a:srgbClr val="FF9900"/>
-                </a:solidFill>
-                <a:latin typeface="Arial Narrow" pitchFamily="34" charset="0"/>
-              </a:rPr>
-              <a:t>localAttributeName</a:t>
-            </a:r>
-            <a:r>
-              <a:rPr lang="en-US" sz="1400" dirty="0" smtClean="0">
-                <a:solidFill>
-                  <a:srgbClr val="FF9900"/>
-                </a:solidFill>
-                <a:latin typeface="Arial Narrow" pitchFamily="34" charset="0"/>
-              </a:rPr>
-              <a:t>="</a:t>
-            </a:r>
-            <a:r>
-              <a:rPr lang="en-US" sz="1400" dirty="0" err="1" smtClean="0">
-                <a:solidFill>
-                  <a:srgbClr val="FF9900"/>
-                </a:solidFill>
-                <a:latin typeface="Arial Narrow" pitchFamily="34" charset="0"/>
-              </a:rPr>
-              <a:t>uniProtCode</a:t>
-            </a:r>
-            <a:r>
-              <a:rPr lang="en-US" sz="1400" dirty="0" smtClean="0">
-                <a:solidFill>
-                  <a:srgbClr val="FF9900"/>
-                </a:solidFill>
-                <a:latin typeface="Arial Narrow" pitchFamily="34" charset="0"/>
-              </a:rPr>
-              <a:t>" predicate="EQUAL_TO</a:t>
-            </a:r>
-            <a:r>
-              <a:rPr lang="en-US" sz="1400" dirty="0" smtClean="0">
-                <a:solidFill>
-                  <a:srgbClr val="FF9900"/>
-                </a:solidFill>
-                <a:latin typeface="Arial Narrow" pitchFamily="34" charset="0"/>
-              </a:rPr>
-              <a:t>"/&gt;</a:t>
-            </a:r>
-          </a:p>
-          <a:p>
-            <a:r>
-              <a:rPr lang="en-US" sz="1400" dirty="0" smtClean="0">
-                <a:latin typeface="Arial Narrow" pitchFamily="34" charset="0"/>
-              </a:rPr>
-              <a:t>          </a:t>
-            </a:r>
-            <a:r>
-              <a:rPr lang="en-US" sz="1400" dirty="0" smtClean="0">
-                <a:solidFill>
-                  <a:srgbClr val="7030A0"/>
-                </a:solidFill>
-                <a:latin typeface="Arial Narrow" pitchFamily="34" charset="0"/>
-              </a:rPr>
-              <a:t>&lt;ns1:ForeignObject </a:t>
-            </a:r>
-            <a:r>
-              <a:rPr lang="en-US" sz="1400" dirty="0" smtClean="0">
-                <a:solidFill>
-                  <a:srgbClr val="7030A0"/>
-                </a:solidFill>
-                <a:latin typeface="Arial Narrow" pitchFamily="34" charset="0"/>
-              </a:rPr>
-              <a:t>name="</a:t>
-            </a:r>
-            <a:r>
-              <a:rPr lang="en-US" sz="1400" dirty="0" err="1" smtClean="0">
-                <a:solidFill>
-                  <a:srgbClr val="7030A0"/>
-                </a:solidFill>
-                <a:latin typeface="Arial Narrow" pitchFamily="34" charset="0"/>
-              </a:rPr>
-              <a:t>edu.georgetown.pir.domain.Protein</a:t>
-            </a:r>
-            <a:r>
-              <a:rPr lang="en-US" sz="1400" dirty="0" smtClean="0">
-                <a:solidFill>
-                  <a:srgbClr val="7030A0"/>
-                </a:solidFill>
-                <a:latin typeface="Arial Narrow" pitchFamily="34" charset="0"/>
-              </a:rPr>
-              <a:t>"&gt;</a:t>
-            </a:r>
-          </a:p>
-          <a:p>
-            <a:r>
-              <a:rPr lang="en-US" sz="1400" dirty="0" smtClean="0">
-                <a:latin typeface="Arial Narrow" pitchFamily="34" charset="0"/>
-              </a:rPr>
-              <a:t>            &lt;</a:t>
-            </a:r>
-            <a:r>
-              <a:rPr lang="en-US" sz="1400" dirty="0" smtClean="0">
-                <a:latin typeface="Arial Narrow" pitchFamily="34" charset="0"/>
-              </a:rPr>
-              <a:t>ns1:Group </a:t>
-            </a:r>
-            <a:r>
-              <a:rPr lang="en-US" sz="1400" dirty="0" err="1" smtClean="0">
-                <a:latin typeface="Arial Narrow" pitchFamily="34" charset="0"/>
-              </a:rPr>
-              <a:t>logicRelation</a:t>
-            </a:r>
-            <a:r>
-              <a:rPr lang="en-US" sz="1400" dirty="0" smtClean="0">
-                <a:latin typeface="Arial Narrow" pitchFamily="34" charset="0"/>
-              </a:rPr>
-              <a:t>="</a:t>
-            </a:r>
-            <a:r>
-              <a:rPr lang="en-US" sz="1400" dirty="0" smtClean="0">
-                <a:latin typeface="Arial Narrow" pitchFamily="34" charset="0"/>
-              </a:rPr>
-              <a:t>AND“&gt;</a:t>
-            </a:r>
-          </a:p>
-          <a:p>
-            <a:r>
-              <a:rPr lang="en-US" sz="1400" dirty="0" smtClean="0">
-                <a:latin typeface="Arial Narrow" pitchFamily="34" charset="0"/>
-              </a:rPr>
-              <a:t>              </a:t>
-            </a:r>
-            <a:r>
-              <a:rPr lang="en-US" sz="1400" dirty="0" smtClean="0">
-                <a:solidFill>
-                  <a:srgbClr val="0070C0"/>
-                </a:solidFill>
-                <a:latin typeface="Arial Narrow" pitchFamily="34" charset="0"/>
-              </a:rPr>
-              <a:t>&lt;</a:t>
-            </a:r>
-            <a:r>
-              <a:rPr lang="en-US" sz="1400" dirty="0" smtClean="0">
-                <a:solidFill>
-                  <a:srgbClr val="0070C0"/>
-                </a:solidFill>
-                <a:latin typeface="Arial Narrow" pitchFamily="34" charset="0"/>
-              </a:rPr>
-              <a:t>ns1:Association name="</a:t>
-            </a:r>
-            <a:r>
-              <a:rPr lang="en-US" sz="1400" dirty="0" err="1" smtClean="0">
-                <a:solidFill>
-                  <a:srgbClr val="0070C0"/>
-                </a:solidFill>
-                <a:latin typeface="Arial Narrow" pitchFamily="34" charset="0"/>
-              </a:rPr>
-              <a:t>edu.georgetown.pir.domain.Gene</a:t>
-            </a:r>
-            <a:r>
-              <a:rPr lang="en-US" sz="1400" dirty="0" smtClean="0">
-                <a:solidFill>
-                  <a:srgbClr val="0070C0"/>
-                </a:solidFill>
-                <a:latin typeface="Arial Narrow" pitchFamily="34" charset="0"/>
-              </a:rPr>
-              <a:t>" </a:t>
-            </a:r>
-            <a:r>
-              <a:rPr lang="en-US" sz="1400" dirty="0" err="1" smtClean="0">
-                <a:solidFill>
-                  <a:srgbClr val="0070C0"/>
-                </a:solidFill>
-                <a:latin typeface="Arial Narrow" pitchFamily="34" charset="0"/>
-              </a:rPr>
-              <a:t>roleName</a:t>
-            </a:r>
-            <a:r>
-              <a:rPr lang="en-US" sz="1400" dirty="0" smtClean="0">
-                <a:solidFill>
-                  <a:srgbClr val="0070C0"/>
-                </a:solidFill>
-                <a:latin typeface="Arial Narrow" pitchFamily="34" charset="0"/>
-              </a:rPr>
-              <a:t>="</a:t>
-            </a:r>
-            <a:r>
-              <a:rPr lang="en-US" sz="1400" dirty="0" err="1" smtClean="0">
-                <a:solidFill>
-                  <a:srgbClr val="0070C0"/>
-                </a:solidFill>
-                <a:latin typeface="Arial Narrow" pitchFamily="34" charset="0"/>
-              </a:rPr>
-              <a:t>geneCollection</a:t>
-            </a:r>
-            <a:r>
-              <a:rPr lang="en-US" sz="1400" dirty="0" smtClean="0">
-                <a:solidFill>
-                  <a:srgbClr val="0070C0"/>
-                </a:solidFill>
-                <a:latin typeface="Arial Narrow" pitchFamily="34" charset="0"/>
-              </a:rPr>
-              <a:t>“&gt;</a:t>
-            </a:r>
-          </a:p>
-          <a:p>
-            <a:r>
-              <a:rPr lang="en-US" sz="1400" dirty="0" smtClean="0">
-                <a:solidFill>
-                  <a:srgbClr val="0070C0"/>
-                </a:solidFill>
-                <a:latin typeface="Arial Narrow" pitchFamily="34" charset="0"/>
-              </a:rPr>
-              <a:t>                &lt;</a:t>
-            </a:r>
-            <a:r>
-              <a:rPr lang="en-US" sz="1400" dirty="0" smtClean="0">
-                <a:solidFill>
-                  <a:srgbClr val="0070C0"/>
-                </a:solidFill>
-                <a:latin typeface="Arial Narrow" pitchFamily="34" charset="0"/>
-              </a:rPr>
-              <a:t>ns1:Attribute name="name" predicate="EQUAL_TO" value="brca1</a:t>
-            </a:r>
-            <a:r>
-              <a:rPr lang="en-US" sz="1400" dirty="0" smtClean="0">
-                <a:solidFill>
-                  <a:srgbClr val="0070C0"/>
-                </a:solidFill>
-                <a:latin typeface="Arial Narrow" pitchFamily="34" charset="0"/>
-              </a:rPr>
-              <a:t>"/&gt;</a:t>
-            </a:r>
-          </a:p>
-          <a:p>
-            <a:r>
-              <a:rPr lang="en-US" sz="1400" dirty="0" smtClean="0">
-                <a:solidFill>
-                  <a:srgbClr val="0070C0"/>
-                </a:solidFill>
-                <a:latin typeface="Arial Narrow" pitchFamily="34" charset="0"/>
-              </a:rPr>
-              <a:t>             &lt;/</a:t>
-            </a:r>
-            <a:r>
-              <a:rPr lang="en-US" sz="1400" dirty="0" smtClean="0">
-                <a:solidFill>
-                  <a:srgbClr val="0070C0"/>
-                </a:solidFill>
-                <a:latin typeface="Arial Narrow" pitchFamily="34" charset="0"/>
-              </a:rPr>
-              <a:t>ns1:Association</a:t>
-            </a:r>
-            <a:r>
-              <a:rPr lang="en-US" sz="1400" dirty="0" smtClean="0">
-                <a:solidFill>
-                  <a:srgbClr val="0070C0"/>
-                </a:solidFill>
-                <a:latin typeface="Arial Narrow" pitchFamily="34" charset="0"/>
-              </a:rPr>
-              <a:t>&gt;</a:t>
-            </a:r>
-          </a:p>
-          <a:p>
-            <a:r>
-              <a:rPr lang="en-US" sz="1400" dirty="0" smtClean="0">
-                <a:solidFill>
-                  <a:srgbClr val="0070C0"/>
-                </a:solidFill>
-                <a:latin typeface="Arial Narrow" pitchFamily="34" charset="0"/>
-              </a:rPr>
-              <a:t>             &lt;</a:t>
-            </a:r>
-            <a:r>
-              <a:rPr lang="en-US" sz="1400" dirty="0" smtClean="0">
-                <a:solidFill>
-                  <a:srgbClr val="0070C0"/>
-                </a:solidFill>
-                <a:latin typeface="Arial Narrow" pitchFamily="34" charset="0"/>
-              </a:rPr>
-              <a:t>ns1:Association name="</a:t>
-            </a:r>
-            <a:r>
-              <a:rPr lang="en-US" sz="1400" dirty="0" err="1" smtClean="0">
-                <a:solidFill>
-                  <a:srgbClr val="0070C0"/>
-                </a:solidFill>
-                <a:latin typeface="Arial Narrow" pitchFamily="34" charset="0"/>
-              </a:rPr>
-              <a:t>edu.georgetown.pir.domain.Organism</a:t>
-            </a:r>
-            <a:r>
-              <a:rPr lang="en-US" sz="1400" dirty="0" smtClean="0">
-                <a:solidFill>
-                  <a:srgbClr val="0070C0"/>
-                </a:solidFill>
-                <a:latin typeface="Arial Narrow" pitchFamily="34" charset="0"/>
-              </a:rPr>
-              <a:t>" </a:t>
-            </a:r>
-            <a:r>
-              <a:rPr lang="en-US" sz="1400" dirty="0" err="1" smtClean="0">
-                <a:solidFill>
-                  <a:srgbClr val="0070C0"/>
-                </a:solidFill>
-                <a:latin typeface="Arial Narrow" pitchFamily="34" charset="0"/>
-              </a:rPr>
-              <a:t>roleName</a:t>
-            </a:r>
-            <a:r>
-              <a:rPr lang="en-US" sz="1400" dirty="0" smtClean="0">
-                <a:solidFill>
-                  <a:srgbClr val="0070C0"/>
-                </a:solidFill>
-                <a:latin typeface="Arial Narrow" pitchFamily="34" charset="0"/>
-              </a:rPr>
-              <a:t>="</a:t>
-            </a:r>
-            <a:r>
-              <a:rPr lang="en-US" sz="1400" dirty="0" err="1" smtClean="0">
-                <a:solidFill>
-                  <a:srgbClr val="0070C0"/>
-                </a:solidFill>
-                <a:latin typeface="Arial Narrow" pitchFamily="34" charset="0"/>
-              </a:rPr>
-              <a:t>organismCollection</a:t>
-            </a:r>
-            <a:r>
-              <a:rPr lang="en-US" sz="1400" dirty="0" smtClean="0">
-                <a:solidFill>
-                  <a:srgbClr val="0070C0"/>
-                </a:solidFill>
-                <a:latin typeface="Arial Narrow" pitchFamily="34" charset="0"/>
-              </a:rPr>
-              <a:t>"&gt;</a:t>
-            </a:r>
-          </a:p>
-          <a:p>
-            <a:r>
-              <a:rPr lang="en-US" sz="1400" dirty="0" smtClean="0">
-                <a:solidFill>
-                  <a:srgbClr val="0070C0"/>
-                </a:solidFill>
-                <a:latin typeface="Arial Narrow" pitchFamily="34" charset="0"/>
-              </a:rPr>
-              <a:t>              &lt;</a:t>
-            </a:r>
-            <a:r>
-              <a:rPr lang="en-US" sz="1400" dirty="0" smtClean="0">
-                <a:solidFill>
-                  <a:srgbClr val="0070C0"/>
-                </a:solidFill>
-                <a:latin typeface="Arial Narrow" pitchFamily="34" charset="0"/>
-              </a:rPr>
-              <a:t>ns1:Attribute name="</a:t>
-            </a:r>
-            <a:r>
-              <a:rPr lang="en-US" sz="1400" dirty="0" err="1" smtClean="0">
-                <a:solidFill>
-                  <a:srgbClr val="0070C0"/>
-                </a:solidFill>
-                <a:latin typeface="Arial Narrow" pitchFamily="34" charset="0"/>
-              </a:rPr>
-              <a:t>scientificName</a:t>
-            </a:r>
-            <a:r>
-              <a:rPr lang="en-US" sz="1400" dirty="0" smtClean="0">
-                <a:solidFill>
-                  <a:srgbClr val="0070C0"/>
-                </a:solidFill>
-                <a:latin typeface="Arial Narrow" pitchFamily="34" charset="0"/>
-              </a:rPr>
-              <a:t>" predicate="EQUAL_TO" value="homo sapiens</a:t>
-            </a:r>
-            <a:r>
-              <a:rPr lang="en-US" sz="1400" dirty="0" smtClean="0">
-                <a:solidFill>
-                  <a:srgbClr val="0070C0"/>
-                </a:solidFill>
-                <a:latin typeface="Arial Narrow" pitchFamily="34" charset="0"/>
-              </a:rPr>
-              <a:t>"/&gt;</a:t>
-            </a:r>
-          </a:p>
-          <a:p>
-            <a:r>
-              <a:rPr lang="en-US" sz="1400" dirty="0" smtClean="0">
-                <a:solidFill>
-                  <a:srgbClr val="0070C0"/>
-                </a:solidFill>
-                <a:latin typeface="Arial Narrow" pitchFamily="34" charset="0"/>
-              </a:rPr>
-              <a:t>             &lt;/</a:t>
-            </a:r>
-            <a:r>
-              <a:rPr lang="en-US" sz="1400" dirty="0" smtClean="0">
-                <a:solidFill>
-                  <a:srgbClr val="0070C0"/>
-                </a:solidFill>
-                <a:latin typeface="Arial Narrow" pitchFamily="34" charset="0"/>
-              </a:rPr>
-              <a:t>ns1:Association</a:t>
-            </a:r>
-            <a:r>
-              <a:rPr lang="en-US" sz="1400" dirty="0" smtClean="0">
-                <a:solidFill>
-                  <a:srgbClr val="0070C0"/>
-                </a:solidFill>
-                <a:latin typeface="Arial Narrow" pitchFamily="34" charset="0"/>
-              </a:rPr>
-              <a:t>&gt;</a:t>
-            </a:r>
-            <a:r>
-              <a:rPr lang="en-US" sz="1400" dirty="0" smtClean="0">
-                <a:latin typeface="Arial Narrow" pitchFamily="34" charset="0"/>
-              </a:rPr>
-              <a:t/>
-            </a:r>
-            <a:br>
-              <a:rPr lang="en-US" sz="1400" dirty="0" smtClean="0">
-                <a:latin typeface="Arial Narrow" pitchFamily="34" charset="0"/>
-              </a:rPr>
-            </a:br>
-            <a:r>
-              <a:rPr lang="en-US" sz="1400" dirty="0" smtClean="0">
-                <a:latin typeface="Arial Narrow" pitchFamily="34" charset="0"/>
-              </a:rPr>
-              <a:t>           &lt;/</a:t>
-            </a:r>
-            <a:r>
-              <a:rPr lang="en-US" sz="1400" dirty="0" smtClean="0">
-                <a:latin typeface="Arial Narrow" pitchFamily="34" charset="0"/>
-              </a:rPr>
-              <a:t>ns1:Group</a:t>
-            </a:r>
-            <a:r>
-              <a:rPr lang="en-US" sz="1400" dirty="0" smtClean="0">
-                <a:latin typeface="Arial Narrow" pitchFamily="34" charset="0"/>
-              </a:rPr>
-              <a:t>&gt;</a:t>
-            </a:r>
-          </a:p>
-          <a:p>
-            <a:r>
-              <a:rPr lang="en-US" sz="1400" dirty="0" smtClean="0">
-                <a:latin typeface="Arial Narrow" pitchFamily="34" charset="0"/>
-              </a:rPr>
-              <a:t>         </a:t>
-            </a:r>
-            <a:r>
-              <a:rPr lang="en-US" sz="1400" dirty="0" smtClean="0">
-                <a:solidFill>
-                  <a:srgbClr val="7030A0"/>
-                </a:solidFill>
-                <a:latin typeface="Arial Narrow" pitchFamily="34" charset="0"/>
-              </a:rPr>
-              <a:t>&lt;/</a:t>
-            </a:r>
-            <a:r>
-              <a:rPr lang="en-US" sz="1400" dirty="0" smtClean="0">
-                <a:solidFill>
-                  <a:srgbClr val="7030A0"/>
-                </a:solidFill>
-                <a:latin typeface="Arial Narrow" pitchFamily="34" charset="0"/>
-              </a:rPr>
-              <a:t>ns1:ForeignObject</a:t>
-            </a:r>
-            <a:r>
-              <a:rPr lang="en-US" sz="1400" dirty="0" smtClean="0">
-                <a:solidFill>
-                  <a:srgbClr val="7030A0"/>
-                </a:solidFill>
-                <a:latin typeface="Arial Narrow" pitchFamily="34" charset="0"/>
-              </a:rPr>
-              <a:t>&gt;</a:t>
-            </a:r>
-          </a:p>
-          <a:p>
-            <a:r>
-              <a:rPr lang="en-US" sz="1400" dirty="0" smtClean="0">
-                <a:latin typeface="Arial Narrow" pitchFamily="34" charset="0"/>
-              </a:rPr>
-              <a:t>       </a:t>
-            </a:r>
-            <a:r>
-              <a:rPr lang="en-US" sz="1400" dirty="0" smtClean="0">
-                <a:solidFill>
-                  <a:srgbClr val="FF9900"/>
-                </a:solidFill>
-                <a:latin typeface="Arial Narrow" pitchFamily="34" charset="0"/>
-              </a:rPr>
-              <a:t> &lt;/</a:t>
-            </a:r>
-            <a:r>
-              <a:rPr lang="en-US" sz="1400" dirty="0" smtClean="0">
-                <a:solidFill>
-                  <a:srgbClr val="FF9900"/>
-                </a:solidFill>
-                <a:latin typeface="Arial Narrow" pitchFamily="34" charset="0"/>
-              </a:rPr>
-              <a:t>ns1:ForeignAssociation</a:t>
-            </a:r>
-            <a:r>
-              <a:rPr lang="en-US" sz="1400" dirty="0" smtClean="0">
-                <a:solidFill>
-                  <a:srgbClr val="FF9900"/>
-                </a:solidFill>
-                <a:latin typeface="Arial Narrow" pitchFamily="34" charset="0"/>
-              </a:rPr>
-              <a:t>&gt;</a:t>
-            </a:r>
-          </a:p>
-          <a:p>
-            <a:r>
-              <a:rPr lang="en-US" sz="1400" dirty="0" smtClean="0">
-                <a:solidFill>
-                  <a:srgbClr val="00B0F0"/>
-                </a:solidFill>
-                <a:latin typeface="Arial Narrow" pitchFamily="34" charset="0"/>
-              </a:rPr>
-              <a:t>      &lt;/</a:t>
-            </a:r>
-            <a:r>
-              <a:rPr lang="en-US" sz="1400" dirty="0" smtClean="0">
-                <a:solidFill>
-                  <a:srgbClr val="00B0F0"/>
-                </a:solidFill>
-                <a:latin typeface="Arial Narrow" pitchFamily="34" charset="0"/>
-              </a:rPr>
-              <a:t>ns1:Association</a:t>
-            </a:r>
-            <a:r>
-              <a:rPr lang="en-US" sz="1400" dirty="0" smtClean="0">
-                <a:solidFill>
-                  <a:srgbClr val="00B0F0"/>
-                </a:solidFill>
-                <a:latin typeface="Arial Narrow" pitchFamily="34" charset="0"/>
-              </a:rPr>
-              <a:t>&gt;</a:t>
-            </a:r>
-          </a:p>
-          <a:p>
-            <a:r>
-              <a:rPr lang="en-US" sz="1400" dirty="0" smtClean="0">
-                <a:solidFill>
-                  <a:srgbClr val="00B050"/>
-                </a:solidFill>
-                <a:latin typeface="Arial Narrow" pitchFamily="34" charset="0"/>
-              </a:rPr>
-              <a:t>    &lt;/</a:t>
-            </a:r>
-            <a:r>
-              <a:rPr lang="en-US" sz="1400" dirty="0" smtClean="0">
-                <a:solidFill>
-                  <a:srgbClr val="00B050"/>
-                </a:solidFill>
-                <a:latin typeface="Arial Narrow" pitchFamily="34" charset="0"/>
-              </a:rPr>
-              <a:t>ns1:Association</a:t>
-            </a:r>
-            <a:r>
-              <a:rPr lang="en-US" sz="1400" dirty="0" smtClean="0">
-                <a:solidFill>
-                  <a:srgbClr val="00B050"/>
-                </a:solidFill>
-                <a:latin typeface="Arial Narrow" pitchFamily="34" charset="0"/>
-              </a:rPr>
-              <a:t>&gt;</a:t>
-            </a:r>
-          </a:p>
-          <a:p>
-            <a:r>
-              <a:rPr lang="en-US" sz="1400" dirty="0" smtClean="0">
-                <a:latin typeface="Arial Narrow" pitchFamily="34" charset="0"/>
-              </a:rPr>
+            <a:pPr marL="342900" indent="-342900">
+              <a:spcBef>
+                <a:spcPct val="20000"/>
+              </a:spcBef>
+              <a:buClr>
+                <a:srgbClr val="00AAF6"/>
+              </a:buClr>
+              <a:buFontTx/>
+              <a:buChar char="•"/>
+              <a:defRPr/>
+            </a:pPr>
+            <a:r>
+              <a:rPr lang="en-US" sz="2000" b="1" kern="0" dirty="0" smtClean="0"/>
+              <a:t>Foreign Association</a:t>
+            </a:r>
+          </a:p>
+          <a:p>
+            <a:pPr marL="800100" lvl="1" indent="-342900">
+              <a:spcBef>
+                <a:spcPct val="20000"/>
+              </a:spcBef>
+              <a:buClr>
+                <a:srgbClr val="00AAF6"/>
+              </a:buClr>
+              <a:buFontTx/>
+              <a:buChar char="•"/>
+              <a:defRPr/>
+            </a:pPr>
+            <a:r>
+              <a:rPr lang="en-US" sz="2000" kern="0" dirty="0" smtClean="0"/>
+              <a:t>Describes a relationship to data in another data service</a:t>
+            </a:r>
+          </a:p>
+          <a:p>
+            <a:pPr marL="800100" lvl="1" indent="-342900">
+              <a:spcBef>
+                <a:spcPct val="20000"/>
+              </a:spcBef>
+              <a:buClr>
+                <a:srgbClr val="00AAF6"/>
+              </a:buClr>
+              <a:buFontTx/>
+              <a:buChar char="•"/>
+              <a:defRPr/>
+            </a:pPr>
+            <a:r>
+              <a:rPr lang="en-US" sz="2000" kern="0" dirty="0" smtClean="0"/>
+              <a:t>Similar to Association – restricts the resulting data set</a:t>
+            </a:r>
+          </a:p>
+          <a:p>
+            <a:pPr marL="800100" lvl="1" indent="-342900">
+              <a:spcBef>
+                <a:spcPct val="20000"/>
+              </a:spcBef>
+              <a:buClr>
+                <a:srgbClr val="00AAF6"/>
+              </a:buClr>
+              <a:buFontTx/>
+              <a:buChar char="•"/>
+              <a:defRPr/>
+            </a:pPr>
+            <a:r>
+              <a:rPr lang="en-US" sz="2000" kern="0" dirty="0" smtClean="0"/>
+              <a:t>Identifies the remote data type and remote data service by URL</a:t>
+            </a:r>
+          </a:p>
+          <a:p>
+            <a:pPr marL="342900" indent="-342900">
+              <a:spcBef>
+                <a:spcPct val="20000"/>
+              </a:spcBef>
+              <a:buClr>
+                <a:srgbClr val="00AAF6"/>
+              </a:buClr>
+              <a:buFontTx/>
+              <a:buChar char="•"/>
+              <a:defRPr/>
+            </a:pPr>
+            <a:r>
+              <a:rPr lang="en-US" sz="2000" b="1" dirty="0" smtClean="0"/>
+              <a:t>Join Condition</a:t>
+            </a:r>
+          </a:p>
+          <a:p>
+            <a:pPr marL="800100" lvl="1" indent="-342900">
+              <a:spcBef>
+                <a:spcPct val="20000"/>
+              </a:spcBef>
+              <a:buClr>
+                <a:srgbClr val="00AAF6"/>
+              </a:buClr>
+              <a:buFontTx/>
+              <a:buChar char="•"/>
+              <a:defRPr/>
+            </a:pPr>
+            <a:r>
+              <a:rPr lang="en-US" sz="2000" dirty="0" smtClean="0"/>
+              <a:t>Used within the context of a Foreign Association</a:t>
+            </a:r>
+          </a:p>
+          <a:p>
+            <a:pPr marL="800100" lvl="1" indent="-342900">
+              <a:spcBef>
+                <a:spcPct val="20000"/>
+              </a:spcBef>
+              <a:buClr>
+                <a:srgbClr val="00AAF6"/>
+              </a:buClr>
+              <a:buFontTx/>
+              <a:buChar char="•"/>
+              <a:defRPr/>
+            </a:pPr>
+            <a:r>
+              <a:rPr lang="en-US" sz="2000" dirty="0" smtClean="0"/>
+              <a:t>Specifies the way in which “local” and “foreign” data is related</a:t>
+            </a:r>
+          </a:p>
+          <a:p>
+            <a:pPr marL="1257300" lvl="2" indent="-342900">
+              <a:spcBef>
+                <a:spcPct val="20000"/>
+              </a:spcBef>
+              <a:buClr>
+                <a:srgbClr val="00AAF6"/>
+              </a:buClr>
+              <a:buFontTx/>
+              <a:buChar char="•"/>
+              <a:defRPr/>
+            </a:pPr>
+            <a:r>
+              <a:rPr lang="en-US" dirty="0" smtClean="0"/>
+              <a:t>Local and foreign attribute names</a:t>
+            </a:r>
+          </a:p>
+          <a:p>
+            <a:pPr marL="800100" lvl="1" indent="-342900">
+              <a:spcBef>
+                <a:spcPct val="20000"/>
+              </a:spcBef>
+              <a:buClr>
+                <a:srgbClr val="00AAF6"/>
+              </a:buClr>
+              <a:buFontTx/>
+              <a:buChar char="•"/>
+              <a:defRPr/>
+            </a:pPr>
+            <a:r>
+              <a:rPr lang="en-US" sz="2000" dirty="0" smtClean="0"/>
+              <a:t>Identifies the join predicate</a:t>
+            </a:r>
+          </a:p>
+          <a:p>
+            <a:pPr marL="1257300" lvl="2" indent="-342900">
+              <a:spcBef>
+                <a:spcPct val="20000"/>
+              </a:spcBef>
+              <a:buClr>
+                <a:srgbClr val="00AAF6"/>
+              </a:buClr>
+              <a:buFontTx/>
+              <a:buChar char="•"/>
+              <a:defRPr/>
+            </a:pPr>
+            <a:r>
+              <a:rPr lang="en-US" dirty="0" smtClean="0"/>
+              <a:t>Equal To, Not Equal, Less Than, Less or Equal, Greater Than, Greater or Equal</a:t>
+            </a:r>
+            <a:endParaRPr lang="en-US" dirty="0" smtClean="0"/>
+          </a:p>
+          <a:p>
+            <a:pPr marL="800100" lvl="1" indent="-342900">
+              <a:spcBef>
+                <a:spcPct val="20000"/>
+              </a:spcBef>
+              <a:buClr>
+                <a:srgbClr val="00AAF6"/>
+              </a:buClr>
+              <a:buFontTx/>
+              <a:buChar char="•"/>
+              <a:defRPr/>
+            </a:pPr>
+            <a:endParaRPr lang="en-US" sz="2000" kern="0" dirty="0" smtClean="0">
+              <a:latin typeface="+mn-lt"/>
+            </a:endParaRPr>
+          </a:p>
+        </p:txBody>
+      </p:sp>
+    </p:spTree>
+  </p:cSld>
+  <p:clrMapOvr>
+    <a:masterClrMapping/>
+  </p:clrMapOvr>
+  <p:timing>
+    <p:tnLst>
+      <p:par>
+        <p:cTn id="1" dur="indefinite" restart="never" nodeType="tmRoot"/>
+      </p:par>
+    </p:tnLst>
+  </p:timing>
+</p:sld>
+</file>
+
+<file path=ppt/slides/slide56.xml><?xml version="1.0" encoding="utf-8"?>
+<p:sld xmlns:a="http://schemas.openxmlformats.org/drawingml/2006/main" xmlns:r="http://schemas.openxmlformats.org/officeDocument/2006/relationships" xmlns:p="http://schemas.openxmlformats.org/presentationml/2006/main">
+  <p:cSld>
+    <p:spTree>
+      <p:nvGrpSpPr>
+        <p:cNvPr id="1" name=""/>
+        <p:cNvGrpSpPr/>
+        <p:nvPr/>
+      </p:nvGrpSpPr>
+      <p:grpSpPr>
+        <a:xfrm>
+          <a:off x="0" y="0"/>
+          <a:ext cx="0" cy="0"/>
+          <a:chOff x="0" y="0"/>
+          <a:chExt cx="0" cy="0"/>
+        </a:xfrm>
+      </p:grpSpPr>
+      <p:sp>
+        <p:nvSpPr>
+          <p:cNvPr id="59394" name="Rectangle 2"/>
+          <p:cNvSpPr>
+            <a:spLocks noGrp="1" noChangeArrowheads="1"/>
+          </p:cNvSpPr>
+          <p:nvPr>
+            <p:ph type="title"/>
+          </p:nvPr>
+        </p:nvSpPr>
+        <p:spPr/>
+        <p:txBody>
+          <a:bodyPr/>
+          <a:lstStyle/>
+          <a:p>
+            <a:pPr eaLnBrk="1" hangingPunct="1"/>
+            <a:r>
+              <a:rPr lang="en-US" dirty="0" smtClean="0"/>
+              <a:t>DCQL </a:t>
+            </a:r>
+            <a:r>
+              <a:rPr lang="en-US" dirty="0" smtClean="0"/>
+              <a:t>Components</a:t>
+            </a:r>
+            <a:endParaRPr lang="en-US" dirty="0" smtClean="0"/>
+          </a:p>
+        </p:txBody>
+      </p:sp>
+      <p:sp>
+        <p:nvSpPr>
+          <p:cNvPr id="4" name="Content Placeholder 2"/>
+          <p:cNvSpPr txBox="1">
+            <a:spLocks/>
+          </p:cNvSpPr>
+          <p:nvPr/>
+        </p:nvSpPr>
+        <p:spPr bwMode="auto">
+          <a:xfrm>
+            <a:off x="228600" y="1219200"/>
+            <a:ext cx="8458200" cy="5181600"/>
+          </a:xfrm>
+          <a:prstGeom prst="rect">
+            <a:avLst/>
+          </a:prstGeom>
+          <a:noFill/>
+          <a:ln w="9525">
+            <a:noFill/>
+            <a:miter lim="800000"/>
+            <a:headEnd/>
+            <a:tailEnd/>
+          </a:ln>
+          <a:effectLst/>
+        </p:spPr>
+        <p:txBody>
+          <a:bodyPr vert="horz" wrap="square" lIns="91440" tIns="45720" rIns="91440" bIns="45720" numCol="1" anchor="t" anchorCtr="0" compatLnSpc="1">
+            <a:prstTxWarp prst="textNoShape">
+              <a:avLst/>
+            </a:prstTxWarp>
+          </a:bodyPr>
+          <a:lstStyle/>
+          <a:p>
+            <a:pPr marL="342900" indent="-342900">
+              <a:spcBef>
+                <a:spcPct val="20000"/>
+              </a:spcBef>
+              <a:buClr>
+                <a:srgbClr val="00AAF6"/>
+              </a:buClr>
+              <a:buFontTx/>
+              <a:buChar char="•"/>
+              <a:defRPr/>
+            </a:pPr>
+            <a:r>
+              <a:rPr lang="en-US" sz="2000" b="1" kern="0" dirty="0" smtClean="0"/>
+              <a:t>Group</a:t>
+            </a:r>
+          </a:p>
+          <a:p>
+            <a:pPr marL="800100" lvl="2" indent="-342900">
+              <a:spcBef>
+                <a:spcPct val="20000"/>
+              </a:spcBef>
+              <a:buClr>
+                <a:srgbClr val="00AAF6"/>
+              </a:buClr>
+              <a:buFontTx/>
+              <a:buChar char="•"/>
+              <a:defRPr/>
+            </a:pPr>
+            <a:r>
+              <a:rPr lang="en-US" sz="2000" kern="0" dirty="0" smtClean="0"/>
+              <a:t>Identical to CQL’s group with the addition of Foreign </a:t>
+            </a:r>
+            <a:r>
+              <a:rPr lang="en-US" sz="2000" kern="0" dirty="0" smtClean="0"/>
+              <a:t>Associations</a:t>
+            </a:r>
+            <a:endParaRPr lang="en-US" sz="2000" b="1" kern="0" dirty="0" smtClean="0"/>
+          </a:p>
+          <a:p>
+            <a:pPr marL="800100" lvl="1" indent="-342900">
+              <a:spcBef>
+                <a:spcPct val="20000"/>
+              </a:spcBef>
+              <a:buClr>
+                <a:srgbClr val="00AAF6"/>
+              </a:buClr>
+              <a:buFontTx/>
+              <a:buChar char="•"/>
+              <a:defRPr/>
+            </a:pPr>
+            <a:r>
+              <a:rPr lang="en-US" sz="2000" kern="0" dirty="0" smtClean="0"/>
+              <a:t>A logical grouping of query constraints</a:t>
+            </a:r>
+          </a:p>
+          <a:p>
+            <a:pPr marL="800100" lvl="1" indent="-342900">
+              <a:spcBef>
+                <a:spcPct val="20000"/>
+              </a:spcBef>
+              <a:buClr>
+                <a:srgbClr val="00AAF6"/>
+              </a:buClr>
+              <a:buFontTx/>
+              <a:buChar char="•"/>
+              <a:defRPr/>
+            </a:pPr>
+            <a:r>
+              <a:rPr lang="en-US" sz="2000" kern="0" dirty="0" smtClean="0"/>
+              <a:t>Logical operators </a:t>
+            </a:r>
+            <a:r>
+              <a:rPr lang="en-US" sz="2000" i="1" kern="0" dirty="0" smtClean="0"/>
+              <a:t>AND </a:t>
+            </a:r>
+            <a:r>
+              <a:rPr lang="en-US" sz="2000" kern="0" dirty="0" err="1" smtClean="0"/>
+              <a:t>and</a:t>
+            </a:r>
+            <a:r>
+              <a:rPr lang="en-US" sz="2000" kern="0" dirty="0" smtClean="0"/>
               <a:t> </a:t>
             </a:r>
             <a:r>
-              <a:rPr lang="en-US" sz="1400" dirty="0" smtClean="0">
-                <a:solidFill>
-                  <a:srgbClr val="C00000"/>
-                </a:solidFill>
-                <a:latin typeface="Arial Narrow" pitchFamily="34" charset="0"/>
-              </a:rPr>
-              <a:t> &lt;/</a:t>
-            </a:r>
-            <a:r>
-              <a:rPr lang="en-US" sz="1400" dirty="0" smtClean="0">
-                <a:solidFill>
-                  <a:srgbClr val="C00000"/>
-                </a:solidFill>
-                <a:latin typeface="Arial Narrow" pitchFamily="34" charset="0"/>
-              </a:rPr>
-              <a:t>ns1:TargetObject</a:t>
-            </a:r>
-            <a:r>
-              <a:rPr lang="en-US" sz="1400" dirty="0" smtClean="0">
-                <a:solidFill>
-                  <a:srgbClr val="C00000"/>
-                </a:solidFill>
-                <a:latin typeface="Arial Narrow" pitchFamily="34" charset="0"/>
-              </a:rPr>
-              <a:t>&gt;</a:t>
-            </a:r>
-          </a:p>
-          <a:p>
-            <a:r>
-              <a:rPr lang="en-US" sz="1400" dirty="0" smtClean="0">
-                <a:solidFill>
-                  <a:srgbClr val="C00000"/>
-                </a:solidFill>
-                <a:latin typeface="Arial Narrow" pitchFamily="34" charset="0"/>
-              </a:rPr>
-              <a:t>  &lt;</a:t>
-            </a:r>
-            <a:r>
-              <a:rPr lang="en-US" sz="1400" dirty="0" smtClean="0">
-                <a:solidFill>
-                  <a:srgbClr val="C00000"/>
-                </a:solidFill>
-                <a:latin typeface="Arial Narrow" pitchFamily="34" charset="0"/>
-              </a:rPr>
-              <a:t>ns1:targetServiceURL&gt;http://cabiogrid32.nci.nih.gov:80/wsrf/services/cagrid/CaBIO32GridSvc&lt;/ns1:targetServiceURL</a:t>
-            </a:r>
-            <a:r>
-              <a:rPr lang="en-US" sz="1400" dirty="0" smtClean="0">
-                <a:solidFill>
-                  <a:srgbClr val="C00000"/>
-                </a:solidFill>
-                <a:latin typeface="Arial Narrow" pitchFamily="34" charset="0"/>
-              </a:rPr>
-              <a:t>&gt;</a:t>
-            </a:r>
-          </a:p>
-          <a:p>
-            <a:r>
-              <a:rPr lang="en-US" sz="1400" dirty="0" smtClean="0">
-                <a:latin typeface="Arial Narrow" pitchFamily="34" charset="0"/>
-              </a:rPr>
-              <a:t>&lt;/</a:t>
-            </a:r>
-            <a:r>
-              <a:rPr lang="en-US" sz="1400" dirty="0" smtClean="0">
-                <a:latin typeface="Arial Narrow" pitchFamily="34" charset="0"/>
-              </a:rPr>
-              <a:t>ns1:DCQLQuery&gt; </a:t>
-            </a:r>
-            <a:endParaRPr lang="en-US" sz="1400" dirty="0">
-              <a:latin typeface="Arial Narrow" pitchFamily="34" charset="0"/>
+              <a:rPr lang="en-US" sz="2000" i="1" kern="0" dirty="0" smtClean="0"/>
+              <a:t>OR</a:t>
+            </a:r>
+          </a:p>
+          <a:p>
+            <a:pPr marL="342900" indent="-342900">
+              <a:spcBef>
+                <a:spcPct val="20000"/>
+              </a:spcBef>
+              <a:buClr>
+                <a:srgbClr val="00AAF6"/>
+              </a:buClr>
+              <a:buFontTx/>
+              <a:buChar char="•"/>
+              <a:defRPr/>
+            </a:pPr>
+            <a:r>
+              <a:rPr lang="en-US" sz="2000" b="1" dirty="0" err="1" smtClean="0"/>
+              <a:t>TargetDataServiceURL</a:t>
+            </a:r>
+            <a:endParaRPr lang="en-US" sz="2000" b="1" dirty="0" smtClean="0"/>
+          </a:p>
+          <a:p>
+            <a:pPr marL="800100" lvl="1" indent="-342900">
+              <a:spcBef>
+                <a:spcPct val="20000"/>
+              </a:spcBef>
+              <a:buClr>
+                <a:srgbClr val="00AAF6"/>
+              </a:buClr>
+              <a:buFontTx/>
+              <a:buChar char="•"/>
+              <a:defRPr/>
+            </a:pPr>
+            <a:r>
+              <a:rPr lang="en-US" sz="2000" dirty="0" smtClean="0"/>
+              <a:t>Identifies the context in which the target of the DCQL query should be found</a:t>
+            </a:r>
+          </a:p>
+          <a:p>
+            <a:pPr marL="800100" lvl="1" indent="-342900">
+              <a:spcBef>
+                <a:spcPct val="20000"/>
+              </a:spcBef>
+              <a:buClr>
+                <a:srgbClr val="00AAF6"/>
+              </a:buClr>
+              <a:buFontTx/>
+              <a:buChar char="•"/>
+              <a:defRPr/>
+            </a:pPr>
+            <a:r>
+              <a:rPr lang="en-US" sz="2000" dirty="0" smtClean="0"/>
+              <a:t>Multiple target services yields an aggregation</a:t>
+            </a:r>
+          </a:p>
+          <a:p>
+            <a:pPr marL="1257300" lvl="2" indent="-342900">
+              <a:spcBef>
+                <a:spcPct val="20000"/>
+              </a:spcBef>
+              <a:buClr>
+                <a:srgbClr val="00AAF6"/>
+              </a:buClr>
+              <a:buFontTx/>
+              <a:buChar char="•"/>
+              <a:defRPr/>
+            </a:pPr>
+            <a:r>
+              <a:rPr lang="en-US" sz="2000" dirty="0" smtClean="0"/>
+              <a:t>The same CQL query is broadcast to each target data service</a:t>
+            </a:r>
+          </a:p>
+          <a:p>
+            <a:pPr marL="1257300" lvl="2" indent="-342900">
+              <a:spcBef>
+                <a:spcPct val="20000"/>
+              </a:spcBef>
+              <a:buClr>
+                <a:srgbClr val="00AAF6"/>
+              </a:buClr>
+              <a:buFontTx/>
+              <a:buChar char="•"/>
+              <a:defRPr/>
+            </a:pPr>
+            <a:r>
+              <a:rPr lang="en-US" sz="2000" dirty="0" smtClean="0"/>
+              <a:t>Results may be assembled to retain their context, or lumped together in a single CQL Query Results instance</a:t>
+            </a:r>
+            <a:endParaRPr lang="en-US" sz="2000" dirty="0" smtClean="0"/>
+          </a:p>
+          <a:p>
+            <a:pPr marL="800100" lvl="1" indent="-342900">
+              <a:spcBef>
+                <a:spcPct val="20000"/>
+              </a:spcBef>
+              <a:buClr>
+                <a:srgbClr val="00AAF6"/>
+              </a:buClr>
+              <a:buFontTx/>
+              <a:buChar char="•"/>
+              <a:defRPr/>
+            </a:pPr>
+            <a:endParaRPr lang="en-US" sz="2000" kern="0" dirty="0" smtClean="0">
+              <a:latin typeface="+mn-lt"/>
             </a:endParaRPr>
+          </a:p>
+        </p:txBody>
+      </p:sp>
+    </p:spTree>
+  </p:cSld>
+  <p:clrMapOvr>
+    <a:masterClrMapping/>
+  </p:clrMapOvr>
+  <p:timing>
+    <p:tnLst>
+      <p:par>
+        <p:cTn id="1" dur="indefinite" restart="never" nodeType="tmRoot"/>
+      </p:par>
+    </p:tnLst>
+  </p:timing>
+</p:sld>
+</file>
+
+<file path=ppt/slides/slide57.xml><?xml version="1.0" encoding="utf-8"?>
+<p:sld xmlns:a="http://schemas.openxmlformats.org/drawingml/2006/main" xmlns:r="http://schemas.openxmlformats.org/officeDocument/2006/relationships" xmlns:p="http://schemas.openxmlformats.org/presentationml/2006/main">
+  <p:cSld>
+    <p:spTree>
+      <p:nvGrpSpPr>
+        <p:cNvPr id="1" name=""/>
+        <p:cNvGrpSpPr/>
+        <p:nvPr/>
+      </p:nvGrpSpPr>
+      <p:grpSpPr>
+        <a:xfrm>
+          <a:off x="0" y="0"/>
+          <a:ext cx="0" cy="0"/>
+          <a:chOff x="0" y="0"/>
+          <a:chExt cx="0" cy="0"/>
+        </a:xfrm>
+      </p:grpSpPr>
+      <p:sp>
+        <p:nvSpPr>
+          <p:cNvPr id="59394" name="Rectangle 2"/>
+          <p:cNvSpPr>
+            <a:spLocks noGrp="1" noChangeArrowheads="1"/>
+          </p:cNvSpPr>
+          <p:nvPr>
+            <p:ph type="title"/>
+          </p:nvPr>
+        </p:nvSpPr>
+        <p:spPr/>
+        <p:txBody>
+          <a:bodyPr/>
+          <a:lstStyle/>
+          <a:p>
+            <a:pPr eaLnBrk="1" hangingPunct="1"/>
+            <a:r>
+              <a:rPr lang="en-US" dirty="0" smtClean="0"/>
+              <a:t>Federated Query Execution</a:t>
+            </a:r>
+            <a:endParaRPr lang="en-US" dirty="0" smtClean="0"/>
+          </a:p>
+        </p:txBody>
+      </p:sp>
+      <p:sp>
+        <p:nvSpPr>
+          <p:cNvPr id="4" name="Content Placeholder 2"/>
+          <p:cNvSpPr txBox="1">
+            <a:spLocks/>
+          </p:cNvSpPr>
+          <p:nvPr/>
+        </p:nvSpPr>
+        <p:spPr bwMode="auto">
+          <a:xfrm>
+            <a:off x="228600" y="1219200"/>
+            <a:ext cx="8458200" cy="5181600"/>
+          </a:xfrm>
+          <a:prstGeom prst="rect">
+            <a:avLst/>
+          </a:prstGeom>
+          <a:noFill/>
+          <a:ln w="9525">
+            <a:noFill/>
+            <a:miter lim="800000"/>
+            <a:headEnd/>
+            <a:tailEnd/>
+          </a:ln>
+          <a:effectLst/>
+        </p:spPr>
+        <p:txBody>
+          <a:bodyPr vert="horz" wrap="square" lIns="91440" tIns="45720" rIns="91440" bIns="45720" numCol="1" anchor="t" anchorCtr="0" compatLnSpc="1">
+            <a:prstTxWarp prst="textNoShape">
+              <a:avLst/>
+            </a:prstTxWarp>
+          </a:bodyPr>
+          <a:lstStyle/>
+          <a:p>
+            <a:pPr marL="342900" indent="-342900">
+              <a:spcBef>
+                <a:spcPct val="20000"/>
+              </a:spcBef>
+              <a:buClr>
+                <a:srgbClr val="00AAF6"/>
+              </a:buClr>
+              <a:buFontTx/>
+              <a:buChar char="•"/>
+              <a:defRPr/>
+            </a:pPr>
+            <a:r>
+              <a:rPr lang="en-US" sz="2000" b="1" kern="0" dirty="0" smtClean="0">
+                <a:latin typeface="+mn-lt"/>
+              </a:rPr>
+              <a:t>Simple synchronous querying</a:t>
+            </a:r>
+          </a:p>
+          <a:p>
+            <a:pPr marL="800100" lvl="1" indent="-342900">
+              <a:spcBef>
+                <a:spcPct val="20000"/>
+              </a:spcBef>
+              <a:buClr>
+                <a:srgbClr val="00AAF6"/>
+              </a:buClr>
+              <a:buFontTx/>
+              <a:buChar char="•"/>
+              <a:defRPr/>
+            </a:pPr>
+            <a:r>
+              <a:rPr lang="en-US" sz="2000" kern="0" dirty="0" smtClean="0">
+                <a:latin typeface="+mn-lt"/>
+              </a:rPr>
+              <a:t>Most basic DCQL query mechanism</a:t>
+            </a:r>
+          </a:p>
+          <a:p>
+            <a:pPr marL="800100" lvl="1" indent="-342900">
+              <a:spcBef>
+                <a:spcPct val="20000"/>
+              </a:spcBef>
+              <a:buClr>
+                <a:srgbClr val="00AAF6"/>
+              </a:buClr>
+              <a:buFontTx/>
+              <a:buChar char="•"/>
+              <a:defRPr/>
+            </a:pPr>
+            <a:r>
+              <a:rPr lang="en-US" sz="2000" kern="0" dirty="0" smtClean="0">
+                <a:latin typeface="+mn-lt"/>
+              </a:rPr>
+              <a:t>Client issues a DCQL query, gets a DCQL Query Results instance</a:t>
+            </a:r>
+          </a:p>
+          <a:p>
+            <a:pPr marL="1257300" lvl="2" indent="-342900">
+              <a:spcBef>
+                <a:spcPct val="20000"/>
+              </a:spcBef>
+              <a:buClr>
+                <a:srgbClr val="00AAF6"/>
+              </a:buClr>
+              <a:buFontTx/>
+              <a:buChar char="•"/>
+              <a:defRPr/>
+            </a:pPr>
+            <a:r>
+              <a:rPr lang="en-US" i="1" kern="0" dirty="0" smtClean="0">
+                <a:latin typeface="+mn-lt"/>
+              </a:rPr>
+              <a:t>execute()</a:t>
+            </a:r>
+            <a:r>
+              <a:rPr lang="en-US" kern="0" dirty="0" smtClean="0">
+                <a:latin typeface="+mn-lt"/>
+              </a:rPr>
+              <a:t> method - Results retain context, identified by source data service URL</a:t>
+            </a:r>
+          </a:p>
+          <a:p>
+            <a:pPr marL="1257300" lvl="2" indent="-342900">
+              <a:spcBef>
+                <a:spcPct val="20000"/>
+              </a:spcBef>
+              <a:buClr>
+                <a:srgbClr val="00AAF6"/>
+              </a:buClr>
+              <a:buFontTx/>
+              <a:buChar char="•"/>
+              <a:defRPr/>
+            </a:pPr>
+            <a:r>
+              <a:rPr lang="en-US" i="1" kern="0" dirty="0" err="1" smtClean="0">
+                <a:latin typeface="+mn-lt"/>
+              </a:rPr>
+              <a:t>executeAndAggregate</a:t>
+            </a:r>
+            <a:r>
+              <a:rPr lang="en-US" i="1" kern="0" dirty="0" smtClean="0">
+                <a:latin typeface="+mn-lt"/>
+              </a:rPr>
+              <a:t>() </a:t>
+            </a:r>
+            <a:r>
+              <a:rPr lang="en-US" kern="0" dirty="0" smtClean="0">
+                <a:latin typeface="+mn-lt"/>
+              </a:rPr>
+              <a:t>method – Results packed into a single CQL Query Results instance</a:t>
+            </a:r>
+          </a:p>
+          <a:p>
+            <a:pPr marL="1714500" lvl="3" indent="-342900">
+              <a:spcBef>
+                <a:spcPct val="20000"/>
+              </a:spcBef>
+              <a:buClr>
+                <a:srgbClr val="00AAF6"/>
+              </a:buClr>
+              <a:buFontTx/>
+              <a:buChar char="•"/>
+              <a:defRPr/>
+            </a:pPr>
+            <a:r>
+              <a:rPr lang="en-US" kern="0" dirty="0" smtClean="0">
+                <a:latin typeface="+mn-lt"/>
+              </a:rPr>
+              <a:t>Useful with existing tools for handling CQL results</a:t>
+            </a:r>
+          </a:p>
+          <a:p>
+            <a:pPr marL="800100" lvl="1" indent="-342900">
+              <a:spcBef>
+                <a:spcPct val="20000"/>
+              </a:spcBef>
+              <a:buClr>
+                <a:srgbClr val="00AAF6"/>
+              </a:buClr>
+              <a:buFontTx/>
+              <a:buChar char="•"/>
+              <a:defRPr/>
+            </a:pPr>
+            <a:r>
+              <a:rPr lang="en-US" sz="2000" kern="0" dirty="0" smtClean="0">
+                <a:latin typeface="+mn-lt"/>
+              </a:rPr>
+              <a:t>Caveats</a:t>
+            </a:r>
+            <a:endParaRPr lang="en-US" sz="2000" kern="0" dirty="0" smtClean="0">
+              <a:latin typeface="+mn-lt"/>
+            </a:endParaRPr>
+          </a:p>
+          <a:p>
+            <a:pPr marL="1257300" lvl="2" indent="-342900">
+              <a:spcBef>
+                <a:spcPct val="20000"/>
+              </a:spcBef>
+              <a:buClr>
+                <a:srgbClr val="00AAF6"/>
+              </a:buClr>
+              <a:buFontTx/>
+              <a:buChar char="•"/>
+              <a:defRPr/>
+            </a:pPr>
+            <a:r>
+              <a:rPr lang="en-US" kern="0" dirty="0" smtClean="0">
+                <a:latin typeface="+mn-lt"/>
+              </a:rPr>
+              <a:t>A single failure communicating with a target data service will cause the whole query to fail</a:t>
+            </a:r>
+          </a:p>
+          <a:p>
+            <a:pPr marL="1714500" lvl="3" indent="-342900">
+              <a:spcBef>
+                <a:spcPct val="20000"/>
+              </a:spcBef>
+              <a:buClr>
+                <a:srgbClr val="00AAF6"/>
+              </a:buClr>
+              <a:buFontTx/>
+              <a:buChar char="•"/>
+              <a:defRPr/>
+            </a:pPr>
+            <a:r>
+              <a:rPr lang="en-US" kern="0" dirty="0" smtClean="0">
+                <a:latin typeface="+mn-lt"/>
+              </a:rPr>
+              <a:t>No processing parameters specified to allow retries</a:t>
+            </a:r>
+            <a:endParaRPr lang="en-US" kern="0" dirty="0" smtClean="0">
+              <a:latin typeface="+mn-lt"/>
+            </a:endParaRPr>
+          </a:p>
+          <a:p>
+            <a:pPr marL="1257300" lvl="2" indent="-342900">
+              <a:spcBef>
+                <a:spcPct val="20000"/>
+              </a:spcBef>
+              <a:buClr>
+                <a:srgbClr val="00AAF6"/>
+              </a:buClr>
+              <a:buFontTx/>
+              <a:buChar char="•"/>
+              <a:defRPr/>
+            </a:pPr>
+            <a:r>
+              <a:rPr lang="en-US" kern="0" dirty="0" smtClean="0">
+                <a:latin typeface="+mn-lt"/>
+              </a:rPr>
+              <a:t>No credential delegation</a:t>
+            </a:r>
+            <a:endParaRPr lang="en-US" sz="2000" kern="0" dirty="0" smtClean="0">
+              <a:latin typeface="+mn-lt"/>
+            </a:endParaRPr>
+          </a:p>
+        </p:txBody>
+      </p:sp>
+    </p:spTree>
+  </p:cSld>
+  <p:clrMapOvr>
+    <a:masterClrMapping/>
+  </p:clrMapOvr>
+  <p:timing>
+    <p:tnLst>
+      <p:par>
+        <p:cTn id="1" dur="indefinite" restart="never" nodeType="tmRoot"/>
+      </p:par>
+    </p:tnLst>
+  </p:timing>
+</p:sld>
+</file>
+
+<file path=ppt/slides/slide58.xml><?xml version="1.0" encoding="utf-8"?>
+<p:sld xmlns:a="http://schemas.openxmlformats.org/drawingml/2006/main" xmlns:r="http://schemas.openxmlformats.org/officeDocument/2006/relationships" xmlns:p="http://schemas.openxmlformats.org/presentationml/2006/main">
+  <p:cSld>
+    <p:spTree>
+      <p:nvGrpSpPr>
+        <p:cNvPr id="1" name=""/>
+        <p:cNvGrpSpPr/>
+        <p:nvPr/>
+      </p:nvGrpSpPr>
+      <p:grpSpPr>
+        <a:xfrm>
+          <a:off x="0" y="0"/>
+          <a:ext cx="0" cy="0"/>
+          <a:chOff x="0" y="0"/>
+          <a:chExt cx="0" cy="0"/>
+        </a:xfrm>
+      </p:grpSpPr>
+      <p:sp>
+        <p:nvSpPr>
+          <p:cNvPr id="59394" name="Rectangle 2"/>
+          <p:cNvSpPr>
+            <a:spLocks noGrp="1" noChangeArrowheads="1"/>
+          </p:cNvSpPr>
+          <p:nvPr>
+            <p:ph type="title"/>
+          </p:nvPr>
+        </p:nvSpPr>
+        <p:spPr/>
+        <p:txBody>
+          <a:bodyPr/>
+          <a:lstStyle/>
+          <a:p>
+            <a:pPr eaLnBrk="1" hangingPunct="1"/>
+            <a:r>
+              <a:rPr lang="en-US" dirty="0" smtClean="0"/>
+              <a:t>Federated Query Execution</a:t>
+            </a:r>
+            <a:endParaRPr lang="en-US" dirty="0" smtClean="0"/>
+          </a:p>
+        </p:txBody>
+      </p:sp>
+      <p:sp>
+        <p:nvSpPr>
+          <p:cNvPr id="4" name="Content Placeholder 2"/>
+          <p:cNvSpPr txBox="1">
+            <a:spLocks/>
+          </p:cNvSpPr>
+          <p:nvPr/>
+        </p:nvSpPr>
+        <p:spPr bwMode="auto">
+          <a:xfrm>
+            <a:off x="228600" y="1219200"/>
+            <a:ext cx="8458200" cy="5181600"/>
+          </a:xfrm>
+          <a:prstGeom prst="rect">
+            <a:avLst/>
+          </a:prstGeom>
+          <a:noFill/>
+          <a:ln w="9525">
+            <a:noFill/>
+            <a:miter lim="800000"/>
+            <a:headEnd/>
+            <a:tailEnd/>
+          </a:ln>
+          <a:effectLst/>
+        </p:spPr>
+        <p:txBody>
+          <a:bodyPr vert="horz" wrap="square" lIns="91440" tIns="45720" rIns="91440" bIns="45720" numCol="1" anchor="t" anchorCtr="0" compatLnSpc="1">
+            <a:prstTxWarp prst="textNoShape">
+              <a:avLst/>
+            </a:prstTxWarp>
+          </a:bodyPr>
+          <a:lstStyle/>
+          <a:p>
+            <a:pPr marL="342900" indent="-342900">
+              <a:spcBef>
+                <a:spcPct val="20000"/>
+              </a:spcBef>
+              <a:buClr>
+                <a:srgbClr val="00AAF6"/>
+              </a:buClr>
+              <a:buFontTx/>
+              <a:buChar char="•"/>
+              <a:defRPr/>
+            </a:pPr>
+            <a:r>
+              <a:rPr lang="en-US" sz="2000" b="1" kern="0" dirty="0" smtClean="0">
+                <a:latin typeface="+mn-lt"/>
+              </a:rPr>
+              <a:t>Simple asynchronous querying</a:t>
+            </a:r>
+          </a:p>
+          <a:p>
+            <a:pPr marL="800100" lvl="1" indent="-342900">
+              <a:spcBef>
+                <a:spcPct val="20000"/>
+              </a:spcBef>
+              <a:buClr>
+                <a:srgbClr val="00AAF6"/>
+              </a:buClr>
+              <a:buFontTx/>
+              <a:buChar char="•"/>
+              <a:defRPr/>
+            </a:pPr>
+            <a:r>
+              <a:rPr lang="en-US" sz="2000" i="1" kern="0" dirty="0" err="1" smtClean="0">
+                <a:latin typeface="+mn-lt"/>
+              </a:rPr>
+              <a:t>executeAsynchronously</a:t>
+            </a:r>
+            <a:r>
+              <a:rPr lang="en-US" sz="2000" i="1" kern="0" dirty="0" smtClean="0">
+                <a:latin typeface="+mn-lt"/>
+              </a:rPr>
+              <a:t>() </a:t>
+            </a:r>
+            <a:r>
+              <a:rPr lang="en-US" sz="2000" kern="0" dirty="0" smtClean="0">
+                <a:latin typeface="+mn-lt"/>
+              </a:rPr>
+              <a:t>method takes a DCQL query and returns a Federated Query Results Client</a:t>
+            </a:r>
+          </a:p>
+          <a:p>
+            <a:pPr marL="1257300" lvl="2" indent="-342900">
+              <a:spcBef>
+                <a:spcPct val="20000"/>
+              </a:spcBef>
+              <a:buClr>
+                <a:srgbClr val="00AAF6"/>
+              </a:buClr>
+              <a:buFontTx/>
+              <a:buChar char="•"/>
+              <a:defRPr/>
+            </a:pPr>
+            <a:r>
+              <a:rPr lang="en-US" kern="0" dirty="0" smtClean="0">
+                <a:latin typeface="+mn-lt"/>
+              </a:rPr>
+              <a:t>Server sets up a results resource and immediately begins execution utilizing the service’s thread pool</a:t>
+            </a:r>
+          </a:p>
+          <a:p>
+            <a:pPr marL="800100" lvl="1" indent="-342900">
+              <a:spcBef>
+                <a:spcPct val="20000"/>
+              </a:spcBef>
+              <a:buClr>
+                <a:srgbClr val="00AAF6"/>
+              </a:buClr>
+              <a:buFontTx/>
+              <a:buChar char="•"/>
+              <a:defRPr/>
+            </a:pPr>
+            <a:r>
+              <a:rPr lang="en-US" sz="2000" kern="0" dirty="0" smtClean="0"/>
+              <a:t>Caveats</a:t>
+            </a:r>
+            <a:endParaRPr lang="en-US" sz="2000" kern="0" dirty="0" smtClean="0"/>
+          </a:p>
+          <a:p>
+            <a:pPr marL="1257300" lvl="2" indent="-342900">
+              <a:spcBef>
+                <a:spcPct val="20000"/>
+              </a:spcBef>
+              <a:buClr>
+                <a:srgbClr val="00AAF6"/>
+              </a:buClr>
+              <a:buFontTx/>
+              <a:buChar char="•"/>
+              <a:defRPr/>
+            </a:pPr>
+            <a:r>
+              <a:rPr lang="en-US" kern="0" dirty="0" smtClean="0"/>
+              <a:t>A single failure communicating with a target data service will cause the whole query to fail</a:t>
+            </a:r>
+          </a:p>
+          <a:p>
+            <a:pPr marL="1714500" lvl="3" indent="-342900">
+              <a:spcBef>
+                <a:spcPct val="20000"/>
+              </a:spcBef>
+              <a:buClr>
+                <a:srgbClr val="00AAF6"/>
+              </a:buClr>
+              <a:buFontTx/>
+              <a:buChar char="•"/>
+              <a:defRPr/>
+            </a:pPr>
+            <a:r>
+              <a:rPr lang="en-US" kern="0" dirty="0" smtClean="0"/>
+              <a:t>No processing parameters specified to allow retries</a:t>
+            </a:r>
+          </a:p>
+          <a:p>
+            <a:pPr marL="1257300" lvl="2" indent="-342900">
+              <a:spcBef>
+                <a:spcPct val="20000"/>
+              </a:spcBef>
+              <a:buClr>
+                <a:srgbClr val="00AAF6"/>
+              </a:buClr>
+              <a:buFontTx/>
+              <a:buChar char="•"/>
+              <a:defRPr/>
+            </a:pPr>
+            <a:r>
+              <a:rPr lang="en-US" kern="0" dirty="0" smtClean="0"/>
+              <a:t>No credential </a:t>
+            </a:r>
+            <a:r>
+              <a:rPr lang="en-US" kern="0" dirty="0" smtClean="0"/>
+              <a:t>delegation</a:t>
+            </a:r>
+          </a:p>
+          <a:p>
+            <a:pPr marL="342900" indent="-342900">
+              <a:spcBef>
+                <a:spcPct val="20000"/>
+              </a:spcBef>
+              <a:buClr>
+                <a:srgbClr val="00AAF6"/>
+              </a:buClr>
+              <a:buFontTx/>
+              <a:buChar char="•"/>
+              <a:defRPr/>
+            </a:pPr>
+            <a:r>
+              <a:rPr lang="en-US" sz="2000" b="1" kern="0" dirty="0" smtClean="0"/>
+              <a:t>Sophisticated asynchronous querying</a:t>
+            </a:r>
+          </a:p>
+          <a:p>
+            <a:pPr marL="800100" lvl="1" indent="-342900">
+              <a:spcBef>
+                <a:spcPct val="20000"/>
+              </a:spcBef>
+              <a:buClr>
+                <a:srgbClr val="00AAF6"/>
+              </a:buClr>
+              <a:buFontTx/>
+              <a:buChar char="•"/>
+              <a:defRPr/>
+            </a:pPr>
+            <a:r>
+              <a:rPr lang="en-US" sz="2000" i="1" kern="0" dirty="0" smtClean="0"/>
+              <a:t>query() </a:t>
+            </a:r>
+            <a:r>
+              <a:rPr lang="en-US" sz="2000" kern="0" dirty="0" smtClean="0"/>
+              <a:t>method takes a DCQL query, an optional Delegated Credential Reference, and an optional Query Execution Parameters instance</a:t>
+            </a:r>
+          </a:p>
+          <a:p>
+            <a:pPr marL="800100" lvl="1" indent="-342900">
+              <a:spcBef>
+                <a:spcPct val="20000"/>
+              </a:spcBef>
+              <a:buClr>
+                <a:srgbClr val="00AAF6"/>
+              </a:buClr>
+              <a:buFontTx/>
+              <a:buChar char="•"/>
+              <a:defRPr/>
+            </a:pPr>
+            <a:r>
+              <a:rPr lang="en-US" sz="2000" kern="0" dirty="0" smtClean="0"/>
+              <a:t>Full control - none of the caveats of the simple method</a:t>
+            </a:r>
+            <a:endParaRPr lang="en-US" sz="2000" kern="0" dirty="0" smtClean="0"/>
+          </a:p>
+        </p:txBody>
+      </p:sp>
+    </p:spTree>
+  </p:cSld>
+  <p:clrMapOvr>
+    <a:masterClrMapping/>
+  </p:clrMapOvr>
+  <p:timing>
+    <p:tnLst>
+      <p:par>
+        <p:cTn id="1" dur="indefinite" restart="never" nodeType="tmRoot"/>
+      </p:par>
+    </p:tnLst>
+  </p:timing>
+</p:sld>
+</file>
+
+<file path=ppt/slides/slide59.xml><?xml version="1.0" encoding="utf-8"?>
+<p:sld xmlns:a="http://schemas.openxmlformats.org/drawingml/2006/main" xmlns:r="http://schemas.openxmlformats.org/officeDocument/2006/relationships" xmlns:p="http://schemas.openxmlformats.org/presentationml/2006/main">
+  <p:cSld>
+    <p:spTree>
+      <p:nvGrpSpPr>
+        <p:cNvPr id="1" name=""/>
+        <p:cNvGrpSpPr/>
+        <p:nvPr/>
+      </p:nvGrpSpPr>
+      <p:grpSpPr>
+        <a:xfrm>
+          <a:off x="0" y="0"/>
+          <a:ext cx="0" cy="0"/>
+          <a:chOff x="0" y="0"/>
+          <a:chExt cx="0" cy="0"/>
+        </a:xfrm>
+      </p:grpSpPr>
+      <p:sp>
+        <p:nvSpPr>
+          <p:cNvPr id="59394" name="Rectangle 2"/>
+          <p:cNvSpPr>
+            <a:spLocks noGrp="1" noChangeArrowheads="1"/>
+          </p:cNvSpPr>
+          <p:nvPr>
+            <p:ph type="title"/>
+          </p:nvPr>
+        </p:nvSpPr>
+        <p:spPr/>
+        <p:txBody>
+          <a:bodyPr/>
+          <a:lstStyle/>
+          <a:p>
+            <a:pPr eaLnBrk="1" hangingPunct="1"/>
+            <a:r>
+              <a:rPr lang="en-US" dirty="0" smtClean="0"/>
+              <a:t>Federated Query Execution</a:t>
+            </a:r>
+            <a:endParaRPr lang="en-US" dirty="0" smtClean="0"/>
+          </a:p>
+        </p:txBody>
+      </p:sp>
+      <p:sp>
+        <p:nvSpPr>
+          <p:cNvPr id="4" name="Content Placeholder 2"/>
+          <p:cNvSpPr txBox="1">
+            <a:spLocks/>
+          </p:cNvSpPr>
+          <p:nvPr/>
+        </p:nvSpPr>
+        <p:spPr bwMode="auto">
+          <a:xfrm>
+            <a:off x="228600" y="1219200"/>
+            <a:ext cx="8458200" cy="5181600"/>
+          </a:xfrm>
+          <a:prstGeom prst="rect">
+            <a:avLst/>
+          </a:prstGeom>
+          <a:noFill/>
+          <a:ln w="9525">
+            <a:noFill/>
+            <a:miter lim="800000"/>
+            <a:headEnd/>
+            <a:tailEnd/>
+          </a:ln>
+          <a:effectLst/>
+        </p:spPr>
+        <p:txBody>
+          <a:bodyPr vert="horz" wrap="square" lIns="91440" tIns="45720" rIns="91440" bIns="45720" numCol="1" anchor="t" anchorCtr="0" compatLnSpc="1">
+            <a:prstTxWarp prst="textNoShape">
+              <a:avLst/>
+            </a:prstTxWarp>
+          </a:bodyPr>
+          <a:lstStyle/>
+          <a:p>
+            <a:pPr marL="342900" indent="-342900">
+              <a:spcBef>
+                <a:spcPct val="20000"/>
+              </a:spcBef>
+              <a:buClr>
+                <a:srgbClr val="00AAF6"/>
+              </a:buClr>
+              <a:buFontTx/>
+              <a:buChar char="•"/>
+              <a:defRPr/>
+            </a:pPr>
+            <a:r>
+              <a:rPr lang="en-US" sz="2000" b="1" kern="0" dirty="0" smtClean="0">
+                <a:latin typeface="+mn-lt"/>
+              </a:rPr>
+              <a:t>Query Execution Parameters</a:t>
+            </a:r>
+          </a:p>
+          <a:p>
+            <a:pPr marL="800100" lvl="1" indent="-342900">
+              <a:spcBef>
+                <a:spcPct val="20000"/>
+              </a:spcBef>
+              <a:buClr>
+                <a:srgbClr val="00AAF6"/>
+              </a:buClr>
+              <a:buFontTx/>
+              <a:buChar char="•"/>
+              <a:defRPr/>
+            </a:pPr>
+            <a:r>
+              <a:rPr lang="en-US" sz="2000" kern="0" dirty="0" smtClean="0"/>
+              <a:t>Optional parameter to the asynchronous query method</a:t>
+            </a:r>
+          </a:p>
+          <a:p>
+            <a:pPr marL="800100" lvl="1" indent="-342900">
+              <a:spcBef>
+                <a:spcPct val="20000"/>
+              </a:spcBef>
+              <a:buClr>
+                <a:srgbClr val="00AAF6"/>
+              </a:buClr>
+              <a:buFontTx/>
+              <a:buChar char="•"/>
+              <a:defRPr/>
+            </a:pPr>
+            <a:r>
+              <a:rPr lang="en-US" sz="2000" kern="0" dirty="0" smtClean="0"/>
+              <a:t>Specifies how the FQP service should handle failures when communicating with target data services</a:t>
+            </a:r>
+          </a:p>
+          <a:p>
+            <a:pPr marL="1257300" lvl="2" indent="-342900">
+              <a:spcBef>
+                <a:spcPct val="20000"/>
+              </a:spcBef>
+              <a:buClr>
+                <a:srgbClr val="00AAF6"/>
+              </a:buClr>
+              <a:buFontTx/>
+              <a:buChar char="•"/>
+              <a:defRPr/>
+            </a:pPr>
+            <a:r>
+              <a:rPr lang="en-US" kern="0" dirty="0" smtClean="0"/>
+              <a:t>Fail-fast (default)</a:t>
+            </a:r>
+          </a:p>
+          <a:p>
+            <a:pPr marL="1714500" lvl="3" indent="-342900">
+              <a:spcBef>
+                <a:spcPct val="20000"/>
+              </a:spcBef>
+              <a:buClr>
+                <a:srgbClr val="00AAF6"/>
+              </a:buClr>
+              <a:buFontTx/>
+              <a:buChar char="•"/>
+              <a:defRPr/>
+            </a:pPr>
+            <a:r>
+              <a:rPr lang="en-US" kern="0" dirty="0" smtClean="0"/>
+              <a:t>Any error cancels the whole query and throws an exception</a:t>
+            </a:r>
+          </a:p>
+          <a:p>
+            <a:pPr marL="1257300" lvl="2" indent="-342900">
+              <a:spcBef>
+                <a:spcPct val="20000"/>
+              </a:spcBef>
+              <a:buClr>
+                <a:srgbClr val="00AAF6"/>
+              </a:buClr>
+              <a:buFontTx/>
+              <a:buChar char="•"/>
+              <a:defRPr/>
+            </a:pPr>
+            <a:r>
+              <a:rPr lang="en-US" kern="0" dirty="0" smtClean="0"/>
+              <a:t>Partial results</a:t>
+            </a:r>
+          </a:p>
+          <a:p>
+            <a:pPr marL="1714500" lvl="3" indent="-342900">
+              <a:spcBef>
+                <a:spcPct val="20000"/>
+              </a:spcBef>
+              <a:buClr>
+                <a:srgbClr val="00AAF6"/>
+              </a:buClr>
+              <a:buFontTx/>
+              <a:buChar char="•"/>
+              <a:defRPr/>
+            </a:pPr>
+            <a:r>
+              <a:rPr lang="en-US" kern="0" dirty="0" smtClean="0"/>
+              <a:t>Errors are logged for later inspection</a:t>
+            </a:r>
+          </a:p>
+          <a:p>
+            <a:pPr marL="1714500" lvl="3" indent="-342900">
+              <a:spcBef>
+                <a:spcPct val="20000"/>
+              </a:spcBef>
+              <a:buClr>
+                <a:srgbClr val="00AAF6"/>
+              </a:buClr>
+              <a:buFontTx/>
+              <a:buChar char="•"/>
+              <a:defRPr/>
+            </a:pPr>
+            <a:r>
+              <a:rPr lang="en-US" kern="0" dirty="0" smtClean="0"/>
+              <a:t>Results from target services without error are recorded</a:t>
+            </a:r>
+          </a:p>
+          <a:p>
+            <a:pPr marL="1257300" lvl="2" indent="-342900">
+              <a:spcBef>
+                <a:spcPct val="20000"/>
+              </a:spcBef>
+              <a:buClr>
+                <a:srgbClr val="00AAF6"/>
+              </a:buClr>
+              <a:buFontTx/>
+              <a:buChar char="•"/>
+              <a:defRPr/>
+            </a:pPr>
+            <a:r>
+              <a:rPr lang="en-US" kern="0" dirty="0" smtClean="0"/>
+              <a:t>Retries</a:t>
+            </a:r>
+          </a:p>
+          <a:p>
+            <a:pPr marL="1714500" lvl="3" indent="-342900">
+              <a:spcBef>
+                <a:spcPct val="20000"/>
+              </a:spcBef>
+              <a:buClr>
+                <a:srgbClr val="00AAF6"/>
+              </a:buClr>
+              <a:buFontTx/>
+              <a:buChar char="•"/>
+              <a:defRPr/>
+            </a:pPr>
+            <a:r>
+              <a:rPr lang="en-US" kern="0" dirty="0" smtClean="0"/>
+              <a:t>Client may specify number of retries and timeout between them</a:t>
+            </a:r>
+          </a:p>
+          <a:p>
+            <a:pPr marL="800100" lvl="1" indent="-342900">
+              <a:spcBef>
+                <a:spcPct val="20000"/>
+              </a:spcBef>
+              <a:buClr>
+                <a:srgbClr val="00AAF6"/>
+              </a:buClr>
+              <a:buFontTx/>
+              <a:buChar char="•"/>
+              <a:defRPr/>
+            </a:pPr>
+            <a:r>
+              <a:rPr lang="en-US" sz="2000" kern="0" dirty="0" smtClean="0"/>
+              <a:t>Query execution parameters constrained by configurable service properties</a:t>
+            </a:r>
+            <a:endParaRPr lang="en-US" kern="0" dirty="0" smtClean="0"/>
+          </a:p>
+          <a:p>
+            <a:pPr marL="1257300" lvl="2" indent="-342900">
+              <a:spcBef>
+                <a:spcPct val="20000"/>
+              </a:spcBef>
+              <a:buClr>
+                <a:srgbClr val="00AAF6"/>
+              </a:buClr>
+              <a:buFontTx/>
+              <a:buChar char="•"/>
+              <a:defRPr/>
+            </a:pPr>
+            <a:r>
+              <a:rPr lang="en-US" kern="0" dirty="0" smtClean="0"/>
+              <a:t>Prevents malicious clients from asking for an unreasonable number of retries and time, effectively causing a </a:t>
+            </a:r>
+            <a:r>
+              <a:rPr lang="en-US" kern="0" dirty="0" err="1" smtClean="0"/>
+              <a:t>DoS</a:t>
+            </a:r>
+            <a:endParaRPr lang="en-US" kern="0" dirty="0" smtClean="0"/>
           </a:p>
         </p:txBody>
       </p:sp>
@@ -21496,6 +21636,2232 @@
   <p:clrMapOvr>
     <a:masterClrMapping/>
   </p:clrMapOvr>
+</p:sld>
+</file>
+
+<file path=ppt/slides/slide60.xml><?xml version="1.0" encoding="utf-8"?>
+<p:sld xmlns:a="http://schemas.openxmlformats.org/drawingml/2006/main" xmlns:r="http://schemas.openxmlformats.org/officeDocument/2006/relationships" xmlns:p="http://schemas.openxmlformats.org/presentationml/2006/main">
+  <p:cSld>
+    <p:spTree>
+      <p:nvGrpSpPr>
+        <p:cNvPr id="1" name=""/>
+        <p:cNvGrpSpPr/>
+        <p:nvPr/>
+      </p:nvGrpSpPr>
+      <p:grpSpPr>
+        <a:xfrm>
+          <a:off x="0" y="0"/>
+          <a:ext cx="0" cy="0"/>
+          <a:chOff x="0" y="0"/>
+          <a:chExt cx="0" cy="0"/>
+        </a:xfrm>
+      </p:grpSpPr>
+      <p:sp>
+        <p:nvSpPr>
+          <p:cNvPr id="59394" name="Rectangle 2"/>
+          <p:cNvSpPr>
+            <a:spLocks noGrp="1" noChangeArrowheads="1"/>
+          </p:cNvSpPr>
+          <p:nvPr>
+            <p:ph type="title"/>
+          </p:nvPr>
+        </p:nvSpPr>
+        <p:spPr/>
+        <p:txBody>
+          <a:bodyPr/>
+          <a:lstStyle/>
+          <a:p>
+            <a:pPr eaLnBrk="1" hangingPunct="1"/>
+            <a:r>
+              <a:rPr lang="en-US" dirty="0" smtClean="0"/>
+              <a:t>DCQL </a:t>
+            </a:r>
+            <a:r>
+              <a:rPr lang="en-US" dirty="0" smtClean="0"/>
+              <a:t>Aggregation Example</a:t>
+            </a:r>
+            <a:endParaRPr lang="en-US" dirty="0" smtClean="0"/>
+          </a:p>
+        </p:txBody>
+      </p:sp>
+      <p:sp>
+        <p:nvSpPr>
+          <p:cNvPr id="4" name="Content Placeholder 2"/>
+          <p:cNvSpPr txBox="1">
+            <a:spLocks/>
+          </p:cNvSpPr>
+          <p:nvPr/>
+        </p:nvSpPr>
+        <p:spPr bwMode="auto">
+          <a:xfrm>
+            <a:off x="228600" y="1219200"/>
+            <a:ext cx="8458200" cy="3200400"/>
+          </a:xfrm>
+          <a:prstGeom prst="rect">
+            <a:avLst/>
+          </a:prstGeom>
+          <a:noFill/>
+          <a:ln w="9525">
+            <a:noFill/>
+            <a:miter lim="800000"/>
+            <a:headEnd/>
+            <a:tailEnd/>
+          </a:ln>
+          <a:effectLst/>
+        </p:spPr>
+        <p:txBody>
+          <a:bodyPr vert="horz" wrap="square" lIns="91440" tIns="45720" rIns="91440" bIns="45720" numCol="1" anchor="t" anchorCtr="0" compatLnSpc="1">
+            <a:prstTxWarp prst="textNoShape">
+              <a:avLst/>
+            </a:prstTxWarp>
+          </a:bodyPr>
+          <a:lstStyle/>
+          <a:p>
+            <a:pPr marL="342900" indent="-342900">
+              <a:spcBef>
+                <a:spcPct val="20000"/>
+              </a:spcBef>
+              <a:buClr>
+                <a:srgbClr val="00AAF6"/>
+              </a:buClr>
+              <a:buFontTx/>
+              <a:buChar char="•"/>
+              <a:defRPr/>
+            </a:pPr>
+            <a:r>
+              <a:rPr lang="en-US" sz="2000" b="1" kern="0" dirty="0" smtClean="0"/>
+              <a:t>Aggregate data from multiple sources</a:t>
+            </a:r>
+          </a:p>
+          <a:p>
+            <a:pPr marL="800100" lvl="1" indent="-342900">
+              <a:spcBef>
+                <a:spcPct val="20000"/>
+              </a:spcBef>
+              <a:buClr>
+                <a:srgbClr val="00AAF6"/>
+              </a:buClr>
+              <a:buFontTx/>
+              <a:buChar char="•"/>
+              <a:defRPr/>
+            </a:pPr>
+            <a:r>
+              <a:rPr lang="en-US" sz="2000" kern="0" dirty="0" smtClean="0"/>
+              <a:t>Simultaneous query execution up to thread pool size</a:t>
+            </a:r>
+          </a:p>
+          <a:p>
+            <a:pPr marL="342900" indent="-342900">
+              <a:spcBef>
+                <a:spcPct val="20000"/>
+              </a:spcBef>
+              <a:buClr>
+                <a:srgbClr val="00AAF6"/>
+              </a:buClr>
+              <a:buFontTx/>
+              <a:buChar char="•"/>
+              <a:defRPr/>
+            </a:pPr>
+            <a:r>
+              <a:rPr lang="en-US" sz="2000" b="1" kern="0" dirty="0" smtClean="0"/>
+              <a:t>Example query</a:t>
+            </a:r>
+          </a:p>
+          <a:p>
+            <a:pPr marL="800100" lvl="1" indent="-342900">
+              <a:spcBef>
+                <a:spcPct val="20000"/>
+              </a:spcBef>
+              <a:buClr>
+                <a:srgbClr val="00AAF6"/>
+              </a:buClr>
+              <a:buFontTx/>
+              <a:buChar char="•"/>
+              <a:defRPr/>
+            </a:pPr>
+            <a:r>
+              <a:rPr lang="en-US" sz="2000" kern="0" dirty="0" smtClean="0"/>
+              <a:t>Return </a:t>
+            </a:r>
+            <a:r>
+              <a:rPr lang="en-US" sz="2000" dirty="0" smtClean="0">
+                <a:solidFill>
+                  <a:srgbClr val="C00000"/>
+                </a:solidFill>
+              </a:rPr>
+              <a:t>instances</a:t>
+            </a:r>
+            <a:r>
+              <a:rPr lang="en-US" sz="2000" dirty="0" smtClean="0"/>
+              <a:t> </a:t>
+            </a:r>
+            <a:r>
+              <a:rPr lang="en-US" sz="2000" dirty="0" smtClean="0"/>
+              <a:t>of the </a:t>
+            </a:r>
+            <a:r>
+              <a:rPr lang="en-US" sz="2000" i="1" dirty="0" smtClean="0"/>
+              <a:t>gene </a:t>
+            </a:r>
+            <a:r>
+              <a:rPr lang="en-US" sz="2000" dirty="0" smtClean="0"/>
+              <a:t>data type</a:t>
+            </a:r>
+          </a:p>
+          <a:p>
+            <a:pPr marL="800100" lvl="1" indent="-342900">
+              <a:spcBef>
+                <a:spcPct val="20000"/>
+              </a:spcBef>
+              <a:buClr>
+                <a:srgbClr val="00AAF6"/>
+              </a:buClr>
+              <a:buFontTx/>
+              <a:buChar char="•"/>
+              <a:defRPr/>
+            </a:pPr>
+            <a:r>
+              <a:rPr lang="en-US" sz="2000" dirty="0" smtClean="0"/>
+              <a:t>Each </a:t>
+            </a:r>
+            <a:r>
+              <a:rPr lang="en-US" sz="2000" dirty="0" smtClean="0"/>
+              <a:t>gene must have an </a:t>
+            </a:r>
+            <a:r>
+              <a:rPr lang="en-US" sz="2000" dirty="0" smtClean="0">
+                <a:solidFill>
+                  <a:srgbClr val="00B050"/>
+                </a:solidFill>
+              </a:rPr>
+              <a:t>association</a:t>
+            </a:r>
+            <a:r>
+              <a:rPr lang="en-US" sz="2000" dirty="0" smtClean="0"/>
+              <a:t> to an instance of the </a:t>
+            </a:r>
+            <a:r>
+              <a:rPr lang="en-US" sz="2000" i="1" dirty="0" smtClean="0"/>
+              <a:t>term </a:t>
+            </a:r>
+            <a:r>
+              <a:rPr lang="en-US" sz="2000" dirty="0" smtClean="0"/>
+              <a:t>data </a:t>
+            </a:r>
+            <a:r>
+              <a:rPr lang="en-US" sz="2000" dirty="0" smtClean="0"/>
+              <a:t>type via the role name </a:t>
+            </a:r>
+            <a:r>
+              <a:rPr lang="en-US" sz="2000" i="1" dirty="0" smtClean="0"/>
+              <a:t>terms</a:t>
+            </a:r>
+          </a:p>
+          <a:p>
+            <a:pPr marL="800100" lvl="1" indent="-342900">
+              <a:spcBef>
+                <a:spcPct val="20000"/>
+              </a:spcBef>
+              <a:buClr>
+                <a:srgbClr val="00AAF6"/>
+              </a:buClr>
+              <a:buFontTx/>
+              <a:buChar char="•"/>
+              <a:defRPr/>
+            </a:pPr>
+            <a:r>
+              <a:rPr lang="en-US" sz="2000" dirty="0" smtClean="0"/>
+              <a:t>Each </a:t>
+            </a:r>
+            <a:r>
+              <a:rPr lang="en-US" sz="2000" dirty="0" smtClean="0"/>
+              <a:t>term must have it's </a:t>
+            </a:r>
+            <a:r>
+              <a:rPr lang="en-US" sz="2000" i="1" dirty="0" smtClean="0"/>
+              <a:t>value</a:t>
+            </a:r>
+            <a:r>
+              <a:rPr lang="en-US" sz="2000" dirty="0" smtClean="0"/>
+              <a:t> </a:t>
+            </a:r>
+            <a:r>
+              <a:rPr lang="en-US" sz="2000" dirty="0" smtClean="0">
+                <a:solidFill>
+                  <a:srgbClr val="0070C0"/>
+                </a:solidFill>
+              </a:rPr>
+              <a:t>attribute</a:t>
+            </a:r>
+            <a:r>
+              <a:rPr lang="en-US" sz="2000" dirty="0" smtClean="0"/>
+              <a:t> equal to </a:t>
+            </a:r>
+            <a:r>
+              <a:rPr lang="en-US" sz="2000" dirty="0" smtClean="0"/>
+              <a:t>“root”</a:t>
+            </a:r>
+          </a:p>
+          <a:p>
+            <a:pPr marL="800100" lvl="1" indent="-342900">
+              <a:spcBef>
+                <a:spcPct val="20000"/>
+              </a:spcBef>
+              <a:buClr>
+                <a:srgbClr val="00AAF6"/>
+              </a:buClr>
+              <a:buFontTx/>
+              <a:buChar char="•"/>
+              <a:defRPr/>
+            </a:pPr>
+            <a:r>
+              <a:rPr lang="en-US" sz="2000" dirty="0" smtClean="0"/>
+              <a:t>The </a:t>
+            </a:r>
+            <a:r>
+              <a:rPr lang="en-US" sz="2000" dirty="0" smtClean="0"/>
+              <a:t>query is executed on </a:t>
+            </a:r>
+            <a:r>
+              <a:rPr lang="en-US" sz="2000" dirty="0" smtClean="0">
+                <a:solidFill>
+                  <a:srgbClr val="7030A0"/>
+                </a:solidFill>
+              </a:rPr>
+              <a:t>two data services</a:t>
+            </a:r>
+            <a:r>
+              <a:rPr lang="en-US" sz="2000" dirty="0" smtClean="0"/>
+              <a:t>, each indicated by the </a:t>
+            </a:r>
+            <a:r>
+              <a:rPr lang="en-US" sz="2000" i="1" dirty="0" err="1" smtClean="0"/>
+              <a:t>targetServiceUrl</a:t>
+            </a:r>
+            <a:r>
+              <a:rPr lang="en-US" sz="2000" dirty="0" smtClean="0"/>
+              <a:t> </a:t>
+            </a:r>
+            <a:r>
+              <a:rPr lang="en-US" sz="2000" dirty="0" smtClean="0"/>
+              <a:t>elements at the end of the </a:t>
+            </a:r>
+            <a:r>
+              <a:rPr lang="en-US" sz="2000" dirty="0" smtClean="0"/>
+              <a:t>query</a:t>
+            </a:r>
+          </a:p>
+          <a:p>
+            <a:pPr marL="342900" indent="-342900">
+              <a:spcBef>
+                <a:spcPct val="20000"/>
+              </a:spcBef>
+              <a:buClr>
+                <a:srgbClr val="00AAF6"/>
+              </a:buClr>
+              <a:buFontTx/>
+              <a:buChar char="•"/>
+              <a:defRPr/>
+            </a:pPr>
+            <a:endParaRPr lang="en-US" sz="2000" dirty="0" smtClean="0"/>
+          </a:p>
+          <a:p>
+            <a:pPr marL="800100" lvl="1" indent="-342900">
+              <a:spcBef>
+                <a:spcPct val="20000"/>
+              </a:spcBef>
+              <a:buClr>
+                <a:srgbClr val="00AAF6"/>
+              </a:buClr>
+              <a:buFontTx/>
+              <a:buChar char="•"/>
+              <a:defRPr/>
+            </a:pPr>
+            <a:endParaRPr lang="en-US" sz="2000" kern="0" dirty="0" smtClean="0">
+              <a:latin typeface="+mn-lt"/>
+            </a:endParaRPr>
+          </a:p>
+        </p:txBody>
+      </p:sp>
+      <p:sp>
+        <p:nvSpPr>
+          <p:cNvPr id="7" name="TextBox 6"/>
+          <p:cNvSpPr txBox="1"/>
+          <p:nvPr/>
+        </p:nvSpPr>
+        <p:spPr>
+          <a:xfrm>
+            <a:off x="228600" y="4495800"/>
+            <a:ext cx="8610600" cy="1892826"/>
+          </a:xfrm>
+          <a:prstGeom prst="rect">
+            <a:avLst/>
+          </a:prstGeom>
+          <a:noFill/>
+        </p:spPr>
+        <p:txBody>
+          <a:bodyPr wrap="square" rtlCol="0">
+            <a:spAutoFit/>
+          </a:bodyPr>
+          <a:lstStyle/>
+          <a:p>
+            <a:r>
+              <a:rPr lang="en-US" sz="1300" dirty="0" smtClean="0">
+                <a:latin typeface="Arial Narrow" pitchFamily="34" charset="0"/>
+              </a:rPr>
+              <a:t>&lt;ns1:DCQLQuery </a:t>
+            </a:r>
+            <a:r>
+              <a:rPr lang="en-US" sz="1300" dirty="0" smtClean="0">
+                <a:latin typeface="Arial Narrow" pitchFamily="34" charset="0"/>
+              </a:rPr>
+              <a:t>xmlns:ns1=</a:t>
+            </a:r>
+            <a:r>
+              <a:rPr lang="en-US" sz="1300" dirty="0" smtClean="0">
+                <a:latin typeface="Arial Narrow" pitchFamily="34" charset="0"/>
+                <a:hlinkClick r:id="rId3"/>
+              </a:rPr>
+              <a:t>http</a:t>
+            </a:r>
+            <a:r>
+              <a:rPr lang="en-US" sz="1300" dirty="0" smtClean="0">
+                <a:latin typeface="Arial Narrow" pitchFamily="34" charset="0"/>
+                <a:hlinkClick r:id="rId3"/>
+              </a:rPr>
+              <a:t>://</a:t>
+            </a:r>
+            <a:r>
+              <a:rPr lang="en-US" sz="1300" dirty="0" smtClean="0">
+                <a:latin typeface="Arial Narrow" pitchFamily="34" charset="0"/>
+                <a:hlinkClick r:id="rId3"/>
+              </a:rPr>
+              <a:t>caGrid.caBIG/1.0/gov.nih.nci.cagrid.dcql</a:t>
+            </a:r>
+            <a:r>
+              <a:rPr lang="en-US" sz="1300" dirty="0" smtClean="0">
+                <a:latin typeface="Arial Narrow" pitchFamily="34" charset="0"/>
+              </a:rPr>
+              <a:t>&gt;</a:t>
+            </a:r>
+          </a:p>
+          <a:p>
+            <a:r>
+              <a:rPr lang="en-US" sz="1300" dirty="0" smtClean="0">
+                <a:latin typeface="Arial Narrow" pitchFamily="34" charset="0"/>
+              </a:rPr>
+              <a:t>   </a:t>
+            </a:r>
+            <a:r>
+              <a:rPr lang="en-US" sz="1300" dirty="0" smtClean="0">
+                <a:solidFill>
+                  <a:srgbClr val="C00000"/>
+                </a:solidFill>
+                <a:latin typeface="Arial Narrow" pitchFamily="34" charset="0"/>
+              </a:rPr>
+              <a:t>&lt;</a:t>
+            </a:r>
+            <a:r>
+              <a:rPr lang="en-US" sz="1300" dirty="0" smtClean="0">
+                <a:solidFill>
+                  <a:srgbClr val="C00000"/>
+                </a:solidFill>
+                <a:latin typeface="Arial Narrow" pitchFamily="34" charset="0"/>
+              </a:rPr>
+              <a:t>ns1:TargetObject name="model1.domain.Gene</a:t>
+            </a:r>
+            <a:r>
+              <a:rPr lang="en-US" sz="1300" dirty="0" smtClean="0">
+                <a:solidFill>
+                  <a:srgbClr val="C00000"/>
+                </a:solidFill>
+                <a:latin typeface="Arial Narrow" pitchFamily="34" charset="0"/>
+              </a:rPr>
+              <a:t>"&gt;</a:t>
+            </a:r>
+          </a:p>
+          <a:p>
+            <a:r>
+              <a:rPr lang="en-US" sz="1300" dirty="0" smtClean="0">
+                <a:latin typeface="Arial Narrow" pitchFamily="34" charset="0"/>
+              </a:rPr>
+              <a:t>      </a:t>
+            </a:r>
+            <a:r>
+              <a:rPr lang="en-US" sz="1300" dirty="0" smtClean="0">
+                <a:solidFill>
+                  <a:srgbClr val="00B050"/>
+                </a:solidFill>
+                <a:latin typeface="Arial Narrow" pitchFamily="34" charset="0"/>
+              </a:rPr>
+              <a:t>&lt;</a:t>
+            </a:r>
+            <a:r>
+              <a:rPr lang="en-US" sz="1300" dirty="0" smtClean="0">
+                <a:solidFill>
+                  <a:srgbClr val="00B050"/>
+                </a:solidFill>
+                <a:latin typeface="Arial Narrow" pitchFamily="34" charset="0"/>
+              </a:rPr>
+              <a:t>ns1:Association name="model1.domain.Term" </a:t>
+            </a:r>
+            <a:r>
+              <a:rPr lang="en-US" sz="1300" dirty="0" err="1" smtClean="0">
+                <a:solidFill>
+                  <a:srgbClr val="00B050"/>
+                </a:solidFill>
+                <a:latin typeface="Arial Narrow" pitchFamily="34" charset="0"/>
+              </a:rPr>
+              <a:t>roleName</a:t>
+            </a:r>
+            <a:r>
+              <a:rPr lang="en-US" sz="1300" dirty="0" smtClean="0">
+                <a:solidFill>
+                  <a:srgbClr val="00B050"/>
+                </a:solidFill>
+                <a:latin typeface="Arial Narrow" pitchFamily="34" charset="0"/>
+              </a:rPr>
+              <a:t>="terms</a:t>
+            </a:r>
+            <a:r>
+              <a:rPr lang="en-US" sz="1300" dirty="0" smtClean="0">
+                <a:solidFill>
+                  <a:srgbClr val="00B050"/>
+                </a:solidFill>
+                <a:latin typeface="Arial Narrow" pitchFamily="34" charset="0"/>
+              </a:rPr>
+              <a:t>"&gt;</a:t>
+            </a:r>
+          </a:p>
+          <a:p>
+            <a:r>
+              <a:rPr lang="en-US" sz="1300" dirty="0" smtClean="0">
+                <a:latin typeface="Arial Narrow" pitchFamily="34" charset="0"/>
+              </a:rPr>
+              <a:t>         </a:t>
+            </a:r>
+            <a:r>
+              <a:rPr lang="en-US" sz="1300" dirty="0" smtClean="0">
+                <a:solidFill>
+                  <a:srgbClr val="0070C0"/>
+                </a:solidFill>
+                <a:latin typeface="Arial Narrow" pitchFamily="34" charset="0"/>
+              </a:rPr>
+              <a:t>&lt;</a:t>
+            </a:r>
+            <a:r>
+              <a:rPr lang="en-US" sz="1300" dirty="0" smtClean="0">
+                <a:solidFill>
+                  <a:srgbClr val="0070C0"/>
+                </a:solidFill>
+                <a:latin typeface="Arial Narrow" pitchFamily="34" charset="0"/>
+              </a:rPr>
+              <a:t>ns1:Attribute name="value" predicate="EQUAL_TO" value="root</a:t>
+            </a:r>
+            <a:r>
+              <a:rPr lang="en-US" sz="1300" dirty="0" smtClean="0">
+                <a:solidFill>
+                  <a:srgbClr val="0070C0"/>
+                </a:solidFill>
+                <a:latin typeface="Arial Narrow" pitchFamily="34" charset="0"/>
+              </a:rPr>
+              <a:t>"/&gt;</a:t>
+            </a:r>
+          </a:p>
+          <a:p>
+            <a:r>
+              <a:rPr lang="en-US" sz="1300" dirty="0" smtClean="0">
+                <a:latin typeface="Arial Narrow" pitchFamily="34" charset="0"/>
+              </a:rPr>
+              <a:t>      </a:t>
+            </a:r>
+            <a:r>
+              <a:rPr lang="en-US" sz="1300" dirty="0" smtClean="0">
+                <a:solidFill>
+                  <a:srgbClr val="00B050"/>
+                </a:solidFill>
+                <a:latin typeface="Arial Narrow" pitchFamily="34" charset="0"/>
+              </a:rPr>
+              <a:t>&lt;/</a:t>
+            </a:r>
+            <a:r>
+              <a:rPr lang="en-US" sz="1300" dirty="0" smtClean="0">
+                <a:solidFill>
+                  <a:srgbClr val="00B050"/>
+                </a:solidFill>
+                <a:latin typeface="Arial Narrow" pitchFamily="34" charset="0"/>
+              </a:rPr>
+              <a:t>ns1:Association</a:t>
+            </a:r>
+            <a:r>
+              <a:rPr lang="en-US" sz="1300" dirty="0" smtClean="0">
+                <a:solidFill>
+                  <a:srgbClr val="00B050"/>
+                </a:solidFill>
+                <a:latin typeface="Arial Narrow" pitchFamily="34" charset="0"/>
+              </a:rPr>
+              <a:t>&gt;</a:t>
+            </a:r>
+          </a:p>
+          <a:p>
+            <a:r>
+              <a:rPr lang="en-US" sz="1300" dirty="0" smtClean="0">
+                <a:latin typeface="Arial Narrow" pitchFamily="34" charset="0"/>
+              </a:rPr>
+              <a:t>    </a:t>
+            </a:r>
+            <a:r>
+              <a:rPr lang="en-US" sz="1300" dirty="0" smtClean="0">
+                <a:solidFill>
+                  <a:srgbClr val="C00000"/>
+                </a:solidFill>
+                <a:latin typeface="Arial Narrow" pitchFamily="34" charset="0"/>
+              </a:rPr>
+              <a:t>&lt;/ns1:TargetObject</a:t>
+            </a:r>
+            <a:r>
+              <a:rPr lang="en-US" sz="1300" dirty="0" smtClean="0">
+                <a:solidFill>
+                  <a:srgbClr val="C00000"/>
+                </a:solidFill>
+                <a:latin typeface="Arial Narrow" pitchFamily="34" charset="0"/>
+              </a:rPr>
+              <a:t>&gt;</a:t>
+            </a:r>
+          </a:p>
+          <a:p>
+            <a:r>
+              <a:rPr lang="en-US" sz="1300" dirty="0" smtClean="0">
+                <a:latin typeface="Arial Narrow" pitchFamily="34" charset="0"/>
+              </a:rPr>
+              <a:t>   </a:t>
+            </a:r>
+            <a:r>
+              <a:rPr lang="en-US" sz="1300" dirty="0" smtClean="0">
+                <a:solidFill>
+                  <a:srgbClr val="7030A0"/>
+                </a:solidFill>
+                <a:latin typeface="Arial Narrow" pitchFamily="34" charset="0"/>
+              </a:rPr>
+              <a:t>&lt;</a:t>
+            </a:r>
+            <a:r>
+              <a:rPr lang="en-US" sz="1300" dirty="0" smtClean="0">
+                <a:solidFill>
+                  <a:srgbClr val="7030A0"/>
+                </a:solidFill>
+                <a:latin typeface="Arial Narrow" pitchFamily="34" charset="0"/>
+              </a:rPr>
+              <a:t>ns1:targetServiceURL&gt;http://</a:t>
+            </a:r>
+            <a:r>
+              <a:rPr lang="en-US" sz="1300" dirty="0" smtClean="0">
+                <a:solidFill>
+                  <a:srgbClr val="7030A0"/>
+                </a:solidFill>
+                <a:latin typeface="Arial Narrow" pitchFamily="34" charset="0"/>
+              </a:rPr>
+              <a:t>sbdev1000.semanticbits.com:13080/wsrf-model1/services/cagrid/Model1Svc&lt;/</a:t>
+            </a:r>
+            <a:r>
+              <a:rPr lang="en-US" sz="1300" dirty="0" smtClean="0">
+                <a:solidFill>
+                  <a:srgbClr val="7030A0"/>
+                </a:solidFill>
+                <a:latin typeface="Arial Narrow" pitchFamily="34" charset="0"/>
+              </a:rPr>
+              <a:t>ns1:targetServiceURL</a:t>
+            </a:r>
+            <a:r>
+              <a:rPr lang="en-US" sz="1300" dirty="0" smtClean="0">
+                <a:solidFill>
+                  <a:srgbClr val="7030A0"/>
+                </a:solidFill>
+                <a:latin typeface="Arial Narrow" pitchFamily="34" charset="0"/>
+              </a:rPr>
+              <a:t>&gt;</a:t>
+            </a:r>
+          </a:p>
+          <a:p>
+            <a:r>
+              <a:rPr lang="en-US" sz="1300" dirty="0" smtClean="0">
+                <a:solidFill>
+                  <a:srgbClr val="7030A0"/>
+                </a:solidFill>
+                <a:latin typeface="Arial Narrow" pitchFamily="34" charset="0"/>
+              </a:rPr>
+              <a:t>   &lt;</a:t>
+            </a:r>
+            <a:r>
+              <a:rPr lang="en-US" sz="1300" dirty="0" smtClean="0">
+                <a:solidFill>
+                  <a:srgbClr val="7030A0"/>
+                </a:solidFill>
+                <a:latin typeface="Arial Narrow" pitchFamily="34" charset="0"/>
+              </a:rPr>
+              <a:t>ns1:targetServiceURL&gt;http://sbdev1000.semanticbits.com:13080/wsrf-model1-a/services/cagrid/Model1Svc&lt;/ns1:targetServiceURL</a:t>
+            </a:r>
+            <a:r>
+              <a:rPr lang="en-US" sz="1300" dirty="0" smtClean="0">
+                <a:solidFill>
+                  <a:srgbClr val="7030A0"/>
+                </a:solidFill>
+                <a:latin typeface="Arial Narrow" pitchFamily="34" charset="0"/>
+              </a:rPr>
+              <a:t>&gt;</a:t>
+            </a:r>
+          </a:p>
+          <a:p>
+            <a:r>
+              <a:rPr lang="en-US" sz="1300" dirty="0" smtClean="0">
+                <a:latin typeface="Arial Narrow" pitchFamily="34" charset="0"/>
+              </a:rPr>
+              <a:t>&lt;/</a:t>
+            </a:r>
+            <a:r>
+              <a:rPr lang="en-US" sz="1300" dirty="0" smtClean="0">
+                <a:latin typeface="Arial Narrow" pitchFamily="34" charset="0"/>
+              </a:rPr>
+              <a:t>ns1:DCQLQuery&gt;</a:t>
+            </a:r>
+            <a:endParaRPr lang="en-US" sz="1300" dirty="0">
+              <a:latin typeface="Arial Narrow" pitchFamily="34" charset="0"/>
+            </a:endParaRPr>
+          </a:p>
+        </p:txBody>
+      </p:sp>
+    </p:spTree>
+  </p:cSld>
+  <p:clrMapOvr>
+    <a:masterClrMapping/>
+  </p:clrMapOvr>
+  <p:timing>
+    <p:tnLst>
+      <p:par>
+        <p:cTn id="1" dur="indefinite" restart="never" nodeType="tmRoot"/>
+      </p:par>
+    </p:tnLst>
+  </p:timing>
+</p:sld>
+</file>
+
+<file path=ppt/slides/slide61.xml><?xml version="1.0" encoding="utf-8"?>
+<p:sld xmlns:a="http://schemas.openxmlformats.org/drawingml/2006/main" xmlns:r="http://schemas.openxmlformats.org/officeDocument/2006/relationships" xmlns:p="http://schemas.openxmlformats.org/presentationml/2006/main">
+  <p:cSld>
+    <p:spTree>
+      <p:nvGrpSpPr>
+        <p:cNvPr id="1" name=""/>
+        <p:cNvGrpSpPr/>
+        <p:nvPr/>
+      </p:nvGrpSpPr>
+      <p:grpSpPr>
+        <a:xfrm>
+          <a:off x="0" y="0"/>
+          <a:ext cx="0" cy="0"/>
+          <a:chOff x="0" y="0"/>
+          <a:chExt cx="0" cy="0"/>
+        </a:xfrm>
+      </p:grpSpPr>
+      <p:sp>
+        <p:nvSpPr>
+          <p:cNvPr id="59394" name="Rectangle 2"/>
+          <p:cNvSpPr>
+            <a:spLocks noGrp="1" noChangeArrowheads="1"/>
+          </p:cNvSpPr>
+          <p:nvPr>
+            <p:ph type="title"/>
+          </p:nvPr>
+        </p:nvSpPr>
+        <p:spPr/>
+        <p:txBody>
+          <a:bodyPr/>
+          <a:lstStyle/>
+          <a:p>
+            <a:pPr eaLnBrk="1" hangingPunct="1"/>
+            <a:r>
+              <a:rPr lang="en-US" dirty="0" smtClean="0"/>
+              <a:t>DCQL </a:t>
+            </a:r>
+            <a:r>
+              <a:rPr lang="en-US" dirty="0" smtClean="0"/>
+              <a:t>Distributed Join Example</a:t>
+            </a:r>
+            <a:endParaRPr lang="en-US" dirty="0" smtClean="0"/>
+          </a:p>
+        </p:txBody>
+      </p:sp>
+      <p:sp>
+        <p:nvSpPr>
+          <p:cNvPr id="4" name="Content Placeholder 2"/>
+          <p:cNvSpPr txBox="1">
+            <a:spLocks/>
+          </p:cNvSpPr>
+          <p:nvPr/>
+        </p:nvSpPr>
+        <p:spPr bwMode="auto">
+          <a:xfrm>
+            <a:off x="228600" y="1219200"/>
+            <a:ext cx="8458200" cy="5105400"/>
+          </a:xfrm>
+          <a:prstGeom prst="rect">
+            <a:avLst/>
+          </a:prstGeom>
+          <a:noFill/>
+          <a:ln w="9525">
+            <a:noFill/>
+            <a:miter lim="800000"/>
+            <a:headEnd/>
+            <a:tailEnd/>
+          </a:ln>
+          <a:effectLst/>
+        </p:spPr>
+        <p:txBody>
+          <a:bodyPr vert="horz" wrap="square" lIns="91440" tIns="45720" rIns="91440" bIns="45720" numCol="1" anchor="t" anchorCtr="0" compatLnSpc="1">
+            <a:prstTxWarp prst="textNoShape">
+              <a:avLst/>
+            </a:prstTxWarp>
+          </a:bodyPr>
+          <a:lstStyle/>
+          <a:p>
+            <a:pPr marL="342900" indent="-342900">
+              <a:spcBef>
+                <a:spcPct val="20000"/>
+              </a:spcBef>
+              <a:buClr>
+                <a:srgbClr val="00AAF6"/>
+              </a:buClr>
+              <a:buFontTx/>
+              <a:buChar char="•"/>
+              <a:defRPr/>
+            </a:pPr>
+            <a:r>
+              <a:rPr lang="en-US" sz="2000" b="1" kern="0" dirty="0" smtClean="0"/>
+              <a:t>Joins between disparate data models and services</a:t>
+            </a:r>
+          </a:p>
+          <a:p>
+            <a:pPr marL="800100" lvl="1" indent="-342900">
+              <a:spcBef>
+                <a:spcPct val="20000"/>
+              </a:spcBef>
+              <a:buClr>
+                <a:srgbClr val="00AAF6"/>
+              </a:buClr>
+              <a:buFontTx/>
+              <a:buChar char="•"/>
+              <a:defRPr/>
+            </a:pPr>
+            <a:r>
+              <a:rPr lang="en-US" sz="2000" kern="0" dirty="0" smtClean="0"/>
+              <a:t>Simple join criteria on attribute values</a:t>
+            </a:r>
+          </a:p>
+          <a:p>
+            <a:pPr marL="342900" indent="-342900">
+              <a:spcBef>
+                <a:spcPct val="20000"/>
+              </a:spcBef>
+              <a:buClr>
+                <a:srgbClr val="00AAF6"/>
+              </a:buClr>
+              <a:buFontTx/>
+              <a:buChar char="•"/>
+              <a:defRPr/>
+            </a:pPr>
+            <a:r>
+              <a:rPr lang="en-US" sz="2000" b="1" kern="0" dirty="0" smtClean="0"/>
+              <a:t>Example Query</a:t>
+            </a:r>
+          </a:p>
+          <a:p>
+            <a:pPr marL="800100" lvl="1" indent="-342900">
+              <a:spcBef>
+                <a:spcPct val="20000"/>
+              </a:spcBef>
+              <a:buClr>
+                <a:srgbClr val="00AAF6"/>
+              </a:buClr>
+              <a:buFontTx/>
+              <a:buChar char="•"/>
+              <a:defRPr/>
+            </a:pPr>
+            <a:r>
+              <a:rPr lang="en-US" sz="2000" kern="0" dirty="0" smtClean="0">
+                <a:solidFill>
+                  <a:srgbClr val="C00000"/>
+                </a:solidFill>
+              </a:rPr>
+              <a:t>Return instances of </a:t>
+            </a:r>
+            <a:r>
+              <a:rPr lang="en-US" sz="2000" kern="0" dirty="0" err="1" smtClean="0">
+                <a:solidFill>
+                  <a:srgbClr val="C00000"/>
+                </a:solidFill>
+              </a:rPr>
+              <a:t>caBIO</a:t>
+            </a:r>
+            <a:r>
+              <a:rPr lang="en-US" sz="2000" kern="0" dirty="0" smtClean="0">
+                <a:solidFill>
+                  <a:srgbClr val="C00000"/>
+                </a:solidFill>
+              </a:rPr>
+              <a:t> model’s </a:t>
+            </a:r>
+            <a:r>
+              <a:rPr lang="en-US" sz="2000" i="1" kern="0" dirty="0" err="1" smtClean="0">
+                <a:solidFill>
+                  <a:srgbClr val="C00000"/>
+                </a:solidFill>
+              </a:rPr>
+              <a:t>NucleicAcidSequence</a:t>
+            </a:r>
+            <a:endParaRPr lang="en-US" sz="2000" i="1" kern="0" dirty="0" smtClean="0">
+              <a:solidFill>
+                <a:srgbClr val="C00000"/>
+              </a:solidFill>
+            </a:endParaRPr>
+          </a:p>
+          <a:p>
+            <a:pPr marL="800100" lvl="1" indent="-342900">
+              <a:spcBef>
+                <a:spcPct val="20000"/>
+              </a:spcBef>
+              <a:buClr>
+                <a:srgbClr val="00AAF6"/>
+              </a:buClr>
+              <a:buFontTx/>
+              <a:buChar char="•"/>
+              <a:defRPr/>
+            </a:pPr>
+            <a:r>
+              <a:rPr lang="en-US" sz="2000" dirty="0" smtClean="0"/>
+              <a:t>Each </a:t>
+            </a:r>
+            <a:r>
+              <a:rPr lang="en-US" sz="2000" i="1" dirty="0" smtClean="0"/>
+              <a:t>sequence </a:t>
+            </a:r>
+            <a:r>
+              <a:rPr lang="en-US" sz="2000" dirty="0" smtClean="0"/>
+              <a:t>must have an </a:t>
+            </a:r>
+            <a:r>
+              <a:rPr lang="en-US" sz="2000" dirty="0" smtClean="0">
+                <a:solidFill>
+                  <a:srgbClr val="00B050"/>
+                </a:solidFill>
+              </a:rPr>
+              <a:t>association to a </a:t>
+            </a:r>
+            <a:r>
+              <a:rPr lang="en-US" sz="2000" i="1" dirty="0" smtClean="0">
+                <a:solidFill>
+                  <a:srgbClr val="00B050"/>
+                </a:solidFill>
+              </a:rPr>
+              <a:t>Gene </a:t>
+            </a:r>
+            <a:r>
+              <a:rPr lang="en-US" sz="2000" dirty="0" smtClean="0"/>
+              <a:t>through the role name </a:t>
+            </a:r>
+            <a:r>
+              <a:rPr lang="en-US" sz="2000" i="1" dirty="0" err="1" smtClean="0"/>
+              <a:t>geneCollection</a:t>
+            </a:r>
+            <a:endParaRPr lang="en-US" sz="2000" i="1" dirty="0" smtClean="0"/>
+          </a:p>
+          <a:p>
+            <a:pPr marL="800100" lvl="1" indent="-342900">
+              <a:spcBef>
+                <a:spcPct val="20000"/>
+              </a:spcBef>
+              <a:buClr>
+                <a:srgbClr val="00AAF6"/>
+              </a:buClr>
+              <a:buFontTx/>
+              <a:buChar char="•"/>
+              <a:defRPr/>
+            </a:pPr>
+            <a:r>
+              <a:rPr lang="en-US" sz="2000" dirty="0" smtClean="0"/>
+              <a:t>Each </a:t>
+            </a:r>
+            <a:r>
+              <a:rPr lang="en-US" sz="2000" i="1" dirty="0" smtClean="0"/>
+              <a:t>gene</a:t>
+            </a:r>
+            <a:r>
+              <a:rPr lang="en-US" sz="2000" dirty="0" smtClean="0"/>
+              <a:t> has an </a:t>
+            </a:r>
+            <a:r>
+              <a:rPr lang="en-US" sz="2000" dirty="0" smtClean="0">
+                <a:solidFill>
+                  <a:srgbClr val="00B0F0"/>
+                </a:solidFill>
+              </a:rPr>
+              <a:t>association to Protein</a:t>
+            </a:r>
+            <a:r>
+              <a:rPr lang="en-US" sz="2000" dirty="0" smtClean="0"/>
+              <a:t> through </a:t>
+            </a:r>
+            <a:r>
+              <a:rPr lang="en-US" sz="2000" i="1" dirty="0" err="1" smtClean="0"/>
+              <a:t>proteinCollection</a:t>
+            </a:r>
+            <a:endParaRPr lang="en-US" sz="2000" i="1" dirty="0" smtClean="0"/>
+          </a:p>
+          <a:p>
+            <a:pPr marL="800100" lvl="1" indent="-342900">
+              <a:spcBef>
+                <a:spcPct val="20000"/>
+              </a:spcBef>
+              <a:buClr>
+                <a:srgbClr val="00AAF6"/>
+              </a:buClr>
+              <a:buFontTx/>
+              <a:buChar char="•"/>
+              <a:defRPr/>
+            </a:pPr>
+            <a:r>
+              <a:rPr lang="en-US" sz="2000" dirty="0" smtClean="0"/>
+              <a:t>A </a:t>
+            </a:r>
+            <a:r>
+              <a:rPr lang="en-US" sz="2000" i="1" dirty="0" err="1" smtClean="0">
+                <a:solidFill>
+                  <a:srgbClr val="FF9900"/>
+                </a:solidFill>
+              </a:rPr>
+              <a:t>ForeignAssociation</a:t>
+            </a:r>
+            <a:r>
+              <a:rPr lang="en-US" sz="2000" dirty="0" smtClean="0">
+                <a:solidFill>
+                  <a:srgbClr val="FF9900"/>
+                </a:solidFill>
+              </a:rPr>
+              <a:t> </a:t>
+            </a:r>
+            <a:r>
+              <a:rPr lang="en-US" sz="2000" dirty="0" smtClean="0"/>
+              <a:t>indicates a new query is started against a different caGrid data service (</a:t>
+            </a:r>
+            <a:r>
+              <a:rPr lang="en-US" sz="2000" i="1" dirty="0" err="1" smtClean="0"/>
+              <a:t>gridPIR</a:t>
+            </a:r>
+            <a:r>
+              <a:rPr lang="en-US" sz="2000" i="1" dirty="0" smtClean="0"/>
+              <a:t>)</a:t>
+            </a:r>
+            <a:endParaRPr lang="en-US" sz="2000" dirty="0" smtClean="0"/>
+          </a:p>
+          <a:p>
+            <a:pPr marL="800100" lvl="1" indent="-342900">
+              <a:spcBef>
+                <a:spcPct val="20000"/>
+              </a:spcBef>
+              <a:buClr>
+                <a:srgbClr val="00AAF6"/>
+              </a:buClr>
+              <a:buFontTx/>
+              <a:buChar char="•"/>
+              <a:defRPr/>
+            </a:pPr>
+            <a:r>
+              <a:rPr lang="en-US" sz="2000" dirty="0" smtClean="0"/>
+              <a:t>The </a:t>
+            </a:r>
+            <a:r>
+              <a:rPr lang="en-US" sz="2000" i="1" dirty="0" err="1" smtClean="0">
+                <a:solidFill>
+                  <a:srgbClr val="FF9900"/>
+                </a:solidFill>
+              </a:rPr>
+              <a:t>JoinCondition</a:t>
+            </a:r>
+            <a:r>
+              <a:rPr lang="en-US" sz="2000" dirty="0" smtClean="0">
+                <a:solidFill>
+                  <a:srgbClr val="FF9900"/>
+                </a:solidFill>
+              </a:rPr>
+              <a:t> </a:t>
+            </a:r>
+            <a:r>
+              <a:rPr lang="en-US" sz="2000" dirty="0" smtClean="0"/>
+              <a:t>element indicates how a field from the “foreign” data type relates to a field of the “origin” data type</a:t>
+            </a:r>
+          </a:p>
+          <a:p>
+            <a:pPr marL="800100" lvl="1" indent="-342900">
+              <a:spcBef>
+                <a:spcPct val="20000"/>
+              </a:spcBef>
+              <a:buClr>
+                <a:srgbClr val="00AAF6"/>
+              </a:buClr>
+              <a:buFontTx/>
+              <a:buChar char="•"/>
+              <a:defRPr/>
+            </a:pPr>
+            <a:r>
+              <a:rPr lang="en-US" sz="2000" dirty="0" smtClean="0">
+                <a:solidFill>
+                  <a:srgbClr val="7030A0"/>
+                </a:solidFill>
+              </a:rPr>
+              <a:t>The foreign data type is </a:t>
+            </a:r>
+            <a:r>
+              <a:rPr lang="en-US" sz="2000" i="1" dirty="0" smtClean="0">
+                <a:solidFill>
+                  <a:srgbClr val="7030A0"/>
+                </a:solidFill>
+              </a:rPr>
+              <a:t>Protein</a:t>
+            </a:r>
+          </a:p>
+          <a:p>
+            <a:pPr marL="800100" lvl="1" indent="-342900">
+              <a:spcBef>
+                <a:spcPct val="20000"/>
+              </a:spcBef>
+              <a:buClr>
+                <a:srgbClr val="00AAF6"/>
+              </a:buClr>
+              <a:buFontTx/>
+              <a:buChar char="•"/>
+              <a:defRPr/>
+            </a:pPr>
+            <a:r>
+              <a:rPr lang="en-US" sz="2000" dirty="0" smtClean="0"/>
+              <a:t>Each protein instance must have</a:t>
+            </a:r>
+            <a:r>
+              <a:rPr lang="en-US" sz="2000" dirty="0" smtClean="0">
+                <a:solidFill>
+                  <a:srgbClr val="0070C0"/>
+                </a:solidFill>
+              </a:rPr>
+              <a:t> two associations;</a:t>
+            </a:r>
+            <a:r>
+              <a:rPr lang="en-US" sz="2000" dirty="0" smtClean="0"/>
+              <a:t> one to </a:t>
+            </a:r>
+            <a:r>
+              <a:rPr lang="en-US" sz="2000" i="1" dirty="0" smtClean="0"/>
+              <a:t>Gene</a:t>
+            </a:r>
+            <a:r>
+              <a:rPr lang="en-US" sz="2000" dirty="0" smtClean="0"/>
+              <a:t> and one to </a:t>
+            </a:r>
+            <a:r>
+              <a:rPr lang="en-US" sz="2000" i="1" dirty="0" smtClean="0"/>
+              <a:t>Organism </a:t>
+            </a:r>
+            <a:r>
+              <a:rPr lang="en-US" sz="2000" dirty="0" smtClean="0"/>
+              <a:t>(both within </a:t>
+            </a:r>
+            <a:r>
+              <a:rPr lang="en-US" sz="2000" dirty="0" err="1" smtClean="0"/>
+              <a:t>gridPIR</a:t>
+            </a:r>
+            <a:r>
+              <a:rPr lang="en-US" sz="2000" dirty="0" smtClean="0"/>
+              <a:t>)</a:t>
+            </a:r>
+            <a:endParaRPr lang="en-US" sz="2000" dirty="0" smtClean="0"/>
+          </a:p>
+          <a:p>
+            <a:pPr marL="800100" lvl="1" indent="-342900">
+              <a:spcBef>
+                <a:spcPct val="20000"/>
+              </a:spcBef>
+              <a:buClr>
+                <a:srgbClr val="00AAF6"/>
+              </a:buClr>
+              <a:buFontTx/>
+              <a:buChar char="•"/>
+              <a:defRPr/>
+            </a:pPr>
+            <a:endParaRPr lang="en-US" sz="2000" kern="0" dirty="0" smtClean="0">
+              <a:latin typeface="+mn-lt"/>
+            </a:endParaRPr>
+          </a:p>
+        </p:txBody>
+      </p:sp>
+    </p:spTree>
+  </p:cSld>
+  <p:clrMapOvr>
+    <a:masterClrMapping/>
+  </p:clrMapOvr>
+  <p:timing>
+    <p:tnLst>
+      <p:par>
+        <p:cTn id="1" dur="indefinite" restart="never" nodeType="tmRoot"/>
+      </p:par>
+    </p:tnLst>
+  </p:timing>
+</p:sld>
+</file>
+
+<file path=ppt/slides/slide62.xml><?xml version="1.0" encoding="utf-8"?>
+<p:sld xmlns:a="http://schemas.openxmlformats.org/drawingml/2006/main" xmlns:r="http://schemas.openxmlformats.org/officeDocument/2006/relationships" xmlns:p="http://schemas.openxmlformats.org/presentationml/2006/main">
+  <p:cSld>
+    <p:spTree>
+      <p:nvGrpSpPr>
+        <p:cNvPr id="1" name=""/>
+        <p:cNvGrpSpPr/>
+        <p:nvPr/>
+      </p:nvGrpSpPr>
+      <p:grpSpPr>
+        <a:xfrm>
+          <a:off x="0" y="0"/>
+          <a:ext cx="0" cy="0"/>
+          <a:chOff x="0" y="0"/>
+          <a:chExt cx="0" cy="0"/>
+        </a:xfrm>
+      </p:grpSpPr>
+      <p:sp>
+        <p:nvSpPr>
+          <p:cNvPr id="59394" name="Rectangle 2"/>
+          <p:cNvSpPr>
+            <a:spLocks noGrp="1" noChangeArrowheads="1"/>
+          </p:cNvSpPr>
+          <p:nvPr>
+            <p:ph type="title"/>
+          </p:nvPr>
+        </p:nvSpPr>
+        <p:spPr/>
+        <p:txBody>
+          <a:bodyPr/>
+          <a:lstStyle/>
+          <a:p>
+            <a:pPr eaLnBrk="1" hangingPunct="1"/>
+            <a:r>
+              <a:rPr lang="en-US" dirty="0" smtClean="0"/>
+              <a:t>DCQL </a:t>
+            </a:r>
+            <a:r>
+              <a:rPr lang="en-US" dirty="0" smtClean="0"/>
+              <a:t>Distributed Join Example</a:t>
+            </a:r>
+            <a:endParaRPr lang="en-US" dirty="0" smtClean="0"/>
+          </a:p>
+        </p:txBody>
+      </p:sp>
+      <p:sp>
+        <p:nvSpPr>
+          <p:cNvPr id="5" name="TextBox 4"/>
+          <p:cNvSpPr txBox="1"/>
+          <p:nvPr/>
+        </p:nvSpPr>
+        <p:spPr>
+          <a:xfrm>
+            <a:off x="304800" y="1295400"/>
+            <a:ext cx="8453596" cy="5047536"/>
+          </a:xfrm>
+          <a:prstGeom prst="rect">
+            <a:avLst/>
+          </a:prstGeom>
+          <a:noFill/>
+        </p:spPr>
+        <p:txBody>
+          <a:bodyPr wrap="square" rtlCol="0">
+            <a:spAutoFit/>
+          </a:bodyPr>
+          <a:lstStyle/>
+          <a:p>
+            <a:r>
+              <a:rPr lang="en-US" sz="1400" dirty="0" smtClean="0">
+                <a:latin typeface="Arial Narrow" pitchFamily="34" charset="0"/>
+              </a:rPr>
+              <a:t>&lt;ns1:DCQLQuery xmlns:ns1="http://caGrid.caBIG/1.0/gov.nih.nci.cagrid.dcql</a:t>
+            </a:r>
+            <a:r>
+              <a:rPr lang="en-US" sz="1400" dirty="0" smtClean="0">
+                <a:latin typeface="Arial Narrow" pitchFamily="34" charset="0"/>
+              </a:rPr>
+              <a:t>"&gt;</a:t>
+            </a:r>
+          </a:p>
+          <a:p>
+            <a:r>
+              <a:rPr lang="en-US" sz="1400" dirty="0" smtClean="0">
+                <a:solidFill>
+                  <a:srgbClr val="C00000"/>
+                </a:solidFill>
+                <a:latin typeface="Arial Narrow" pitchFamily="34" charset="0"/>
+              </a:rPr>
+              <a:t>  &lt;</a:t>
+            </a:r>
+            <a:r>
+              <a:rPr lang="en-US" sz="1400" dirty="0" smtClean="0">
+                <a:solidFill>
+                  <a:srgbClr val="C00000"/>
+                </a:solidFill>
+                <a:latin typeface="Arial Narrow" pitchFamily="34" charset="0"/>
+              </a:rPr>
+              <a:t>ns1:TargetObject name="</a:t>
+            </a:r>
+            <a:r>
+              <a:rPr lang="en-US" sz="1400" dirty="0" err="1" smtClean="0">
+                <a:solidFill>
+                  <a:srgbClr val="C00000"/>
+                </a:solidFill>
+                <a:latin typeface="Arial Narrow" pitchFamily="34" charset="0"/>
+              </a:rPr>
+              <a:t>gov.nih.nci.cabio.domain.NucleicAcidSequence</a:t>
+            </a:r>
+            <a:r>
+              <a:rPr lang="en-US" sz="1400" dirty="0" smtClean="0">
+                <a:solidFill>
+                  <a:srgbClr val="C00000"/>
+                </a:solidFill>
+                <a:latin typeface="Arial Narrow" pitchFamily="34" charset="0"/>
+              </a:rPr>
+              <a:t>"&gt;</a:t>
+            </a:r>
+          </a:p>
+          <a:p>
+            <a:r>
+              <a:rPr lang="en-US" sz="1400" dirty="0" smtClean="0">
+                <a:latin typeface="Arial Narrow" pitchFamily="34" charset="0"/>
+              </a:rPr>
+              <a:t>    </a:t>
+            </a:r>
+            <a:r>
+              <a:rPr lang="en-US" sz="1400" dirty="0" smtClean="0">
+                <a:solidFill>
+                  <a:srgbClr val="00B050"/>
+                </a:solidFill>
+                <a:latin typeface="Arial Narrow" pitchFamily="34" charset="0"/>
+              </a:rPr>
+              <a:t>&lt;</a:t>
+            </a:r>
+            <a:r>
+              <a:rPr lang="en-US" sz="1400" dirty="0" smtClean="0">
+                <a:solidFill>
+                  <a:srgbClr val="00B050"/>
+                </a:solidFill>
+                <a:latin typeface="Arial Narrow" pitchFamily="34" charset="0"/>
+              </a:rPr>
+              <a:t>ns1:Association name="</a:t>
+            </a:r>
+            <a:r>
+              <a:rPr lang="en-US" sz="1400" dirty="0" err="1" smtClean="0">
+                <a:solidFill>
+                  <a:srgbClr val="00B050"/>
+                </a:solidFill>
+                <a:latin typeface="Arial Narrow" pitchFamily="34" charset="0"/>
+              </a:rPr>
+              <a:t>gov.nih.nci.cabio.domain.Gene</a:t>
+            </a:r>
+            <a:r>
+              <a:rPr lang="en-US" sz="1400" dirty="0" smtClean="0">
+                <a:solidFill>
+                  <a:srgbClr val="00B050"/>
+                </a:solidFill>
+                <a:latin typeface="Arial Narrow" pitchFamily="34" charset="0"/>
+              </a:rPr>
+              <a:t>" </a:t>
+            </a:r>
+            <a:r>
+              <a:rPr lang="en-US" sz="1400" dirty="0" err="1" smtClean="0">
+                <a:solidFill>
+                  <a:srgbClr val="00B050"/>
+                </a:solidFill>
+                <a:latin typeface="Arial Narrow" pitchFamily="34" charset="0"/>
+              </a:rPr>
+              <a:t>roleName</a:t>
+            </a:r>
+            <a:r>
+              <a:rPr lang="en-US" sz="1400" dirty="0" smtClean="0">
+                <a:solidFill>
+                  <a:srgbClr val="00B050"/>
+                </a:solidFill>
+                <a:latin typeface="Arial Narrow" pitchFamily="34" charset="0"/>
+              </a:rPr>
+              <a:t>="</a:t>
+            </a:r>
+            <a:r>
+              <a:rPr lang="en-US" sz="1400" dirty="0" err="1" smtClean="0">
+                <a:solidFill>
+                  <a:srgbClr val="00B050"/>
+                </a:solidFill>
+                <a:latin typeface="Arial Narrow" pitchFamily="34" charset="0"/>
+              </a:rPr>
+              <a:t>geneCollection</a:t>
+            </a:r>
+            <a:r>
+              <a:rPr lang="en-US" sz="1400" dirty="0" smtClean="0">
+                <a:solidFill>
+                  <a:srgbClr val="00B050"/>
+                </a:solidFill>
+                <a:latin typeface="Arial Narrow" pitchFamily="34" charset="0"/>
+              </a:rPr>
+              <a:t>“&gt;</a:t>
+            </a:r>
+          </a:p>
+          <a:p>
+            <a:r>
+              <a:rPr lang="en-US" sz="1400" dirty="0" smtClean="0">
+                <a:latin typeface="Arial Narrow" pitchFamily="34" charset="0"/>
+              </a:rPr>
+              <a:t>      </a:t>
+            </a:r>
+            <a:r>
+              <a:rPr lang="en-US" sz="1400" dirty="0" smtClean="0">
+                <a:solidFill>
+                  <a:srgbClr val="00B0F0"/>
+                </a:solidFill>
+                <a:latin typeface="Arial Narrow" pitchFamily="34" charset="0"/>
+              </a:rPr>
+              <a:t>&lt;</a:t>
+            </a:r>
+            <a:r>
+              <a:rPr lang="en-US" sz="1400" dirty="0" smtClean="0">
+                <a:solidFill>
+                  <a:srgbClr val="00B0F0"/>
+                </a:solidFill>
+                <a:latin typeface="Arial Narrow" pitchFamily="34" charset="0"/>
+              </a:rPr>
+              <a:t>ns1:Association name="</a:t>
+            </a:r>
+            <a:r>
+              <a:rPr lang="en-US" sz="1400" dirty="0" err="1" smtClean="0">
+                <a:solidFill>
+                  <a:srgbClr val="00B0F0"/>
+                </a:solidFill>
+                <a:latin typeface="Arial Narrow" pitchFamily="34" charset="0"/>
+              </a:rPr>
+              <a:t>gov.nih.nci.cabio.domain.Protein</a:t>
+            </a:r>
+            <a:r>
+              <a:rPr lang="en-US" sz="1400" dirty="0" smtClean="0">
+                <a:solidFill>
+                  <a:srgbClr val="00B0F0"/>
+                </a:solidFill>
+                <a:latin typeface="Arial Narrow" pitchFamily="34" charset="0"/>
+              </a:rPr>
+              <a:t>" </a:t>
+            </a:r>
+            <a:r>
+              <a:rPr lang="en-US" sz="1400" dirty="0" err="1" smtClean="0">
+                <a:solidFill>
+                  <a:srgbClr val="00B0F0"/>
+                </a:solidFill>
+                <a:latin typeface="Arial Narrow" pitchFamily="34" charset="0"/>
+              </a:rPr>
+              <a:t>roleName</a:t>
+            </a:r>
+            <a:r>
+              <a:rPr lang="en-US" sz="1400" dirty="0" smtClean="0">
+                <a:solidFill>
+                  <a:srgbClr val="00B0F0"/>
+                </a:solidFill>
+                <a:latin typeface="Arial Narrow" pitchFamily="34" charset="0"/>
+              </a:rPr>
+              <a:t>="</a:t>
+            </a:r>
+            <a:r>
+              <a:rPr lang="en-US" sz="1400" dirty="0" err="1" smtClean="0">
+                <a:solidFill>
+                  <a:srgbClr val="00B0F0"/>
+                </a:solidFill>
+                <a:latin typeface="Arial Narrow" pitchFamily="34" charset="0"/>
+              </a:rPr>
+              <a:t>proteinCollection</a:t>
+            </a:r>
+            <a:r>
+              <a:rPr lang="en-US" sz="1400" dirty="0" smtClean="0">
+                <a:solidFill>
+                  <a:srgbClr val="00B0F0"/>
+                </a:solidFill>
+                <a:latin typeface="Arial Narrow" pitchFamily="34" charset="0"/>
+              </a:rPr>
+              <a:t>“&gt;</a:t>
+            </a:r>
+          </a:p>
+          <a:p>
+            <a:r>
+              <a:rPr lang="en-US" sz="1400" dirty="0" smtClean="0">
+                <a:latin typeface="Arial Narrow" pitchFamily="34" charset="0"/>
+              </a:rPr>
+              <a:t>        </a:t>
+            </a:r>
+            <a:r>
+              <a:rPr lang="en-US" sz="1400" dirty="0" smtClean="0">
+                <a:solidFill>
+                  <a:srgbClr val="FF9900"/>
+                </a:solidFill>
+                <a:latin typeface="Arial Narrow" pitchFamily="34" charset="0"/>
+              </a:rPr>
+              <a:t>&lt;</a:t>
+            </a:r>
+            <a:r>
+              <a:rPr lang="en-US" sz="1400" dirty="0" smtClean="0">
+                <a:solidFill>
+                  <a:srgbClr val="FF9900"/>
+                </a:solidFill>
+                <a:latin typeface="Arial Narrow" pitchFamily="34" charset="0"/>
+              </a:rPr>
+              <a:t>ns1:ForeignAssociation </a:t>
+            </a:r>
+            <a:r>
+              <a:rPr lang="en-US" sz="1400" dirty="0" err="1" smtClean="0">
+                <a:solidFill>
+                  <a:srgbClr val="FF9900"/>
+                </a:solidFill>
+                <a:latin typeface="Arial Narrow" pitchFamily="34" charset="0"/>
+              </a:rPr>
+              <a:t>targetServiceURL</a:t>
+            </a:r>
+            <a:r>
+              <a:rPr lang="en-US" sz="1400" dirty="0" smtClean="0">
+                <a:solidFill>
+                  <a:srgbClr val="FF9900"/>
+                </a:solidFill>
+                <a:latin typeface="Arial Narrow" pitchFamily="34" charset="0"/>
+              </a:rPr>
+              <a:t>="http://141.161.25.20:8080/wsrf/services/cagrid/GridPIR</a:t>
+            </a:r>
+            <a:r>
+              <a:rPr lang="en-US" sz="1400" dirty="0" smtClean="0">
+                <a:solidFill>
+                  <a:srgbClr val="FF9900"/>
+                </a:solidFill>
+                <a:latin typeface="Arial Narrow" pitchFamily="34" charset="0"/>
+              </a:rPr>
+              <a:t>"&gt;</a:t>
+            </a:r>
+          </a:p>
+          <a:p>
+            <a:r>
+              <a:rPr lang="en-US" sz="1400" dirty="0" smtClean="0">
+                <a:solidFill>
+                  <a:srgbClr val="FF9900"/>
+                </a:solidFill>
+                <a:latin typeface="Arial Narrow" pitchFamily="34" charset="0"/>
+              </a:rPr>
+              <a:t>          &lt;</a:t>
+            </a:r>
+            <a:r>
+              <a:rPr lang="en-US" sz="1400" dirty="0" smtClean="0">
+                <a:solidFill>
+                  <a:srgbClr val="FF9900"/>
+                </a:solidFill>
+                <a:latin typeface="Arial Narrow" pitchFamily="34" charset="0"/>
+              </a:rPr>
+              <a:t>ns1:JoinCondition </a:t>
+            </a:r>
+            <a:r>
+              <a:rPr lang="en-US" sz="1400" dirty="0" err="1" smtClean="0">
+                <a:solidFill>
+                  <a:srgbClr val="FF9900"/>
+                </a:solidFill>
+                <a:latin typeface="Arial Narrow" pitchFamily="34" charset="0"/>
+              </a:rPr>
+              <a:t>foreignAttributeName</a:t>
+            </a:r>
+            <a:r>
+              <a:rPr lang="en-US" sz="1400" dirty="0" smtClean="0">
+                <a:solidFill>
+                  <a:srgbClr val="FF9900"/>
+                </a:solidFill>
+                <a:latin typeface="Arial Narrow" pitchFamily="34" charset="0"/>
+              </a:rPr>
+              <a:t>="</a:t>
+            </a:r>
+            <a:r>
+              <a:rPr lang="en-US" sz="1400" dirty="0" err="1" smtClean="0">
+                <a:solidFill>
+                  <a:srgbClr val="FF9900"/>
+                </a:solidFill>
+                <a:latin typeface="Arial Narrow" pitchFamily="34" charset="0"/>
+              </a:rPr>
+              <a:t>uniprotkbEntryName</a:t>
+            </a:r>
+            <a:r>
+              <a:rPr lang="en-US" sz="1400" dirty="0" smtClean="0">
+                <a:solidFill>
+                  <a:srgbClr val="FF9900"/>
+                </a:solidFill>
+                <a:latin typeface="Arial Narrow" pitchFamily="34" charset="0"/>
+              </a:rPr>
+              <a:t>" </a:t>
+            </a:r>
+            <a:r>
+              <a:rPr lang="en-US" sz="1400" dirty="0" err="1" smtClean="0">
+                <a:solidFill>
+                  <a:srgbClr val="FF9900"/>
+                </a:solidFill>
+                <a:latin typeface="Arial Narrow" pitchFamily="34" charset="0"/>
+              </a:rPr>
+              <a:t>localAttributeName</a:t>
+            </a:r>
+            <a:r>
+              <a:rPr lang="en-US" sz="1400" dirty="0" smtClean="0">
+                <a:solidFill>
+                  <a:srgbClr val="FF9900"/>
+                </a:solidFill>
+                <a:latin typeface="Arial Narrow" pitchFamily="34" charset="0"/>
+              </a:rPr>
+              <a:t>="</a:t>
+            </a:r>
+            <a:r>
+              <a:rPr lang="en-US" sz="1400" dirty="0" err="1" smtClean="0">
+                <a:solidFill>
+                  <a:srgbClr val="FF9900"/>
+                </a:solidFill>
+                <a:latin typeface="Arial Narrow" pitchFamily="34" charset="0"/>
+              </a:rPr>
+              <a:t>uniProtCode</a:t>
+            </a:r>
+            <a:r>
+              <a:rPr lang="en-US" sz="1400" dirty="0" smtClean="0">
+                <a:solidFill>
+                  <a:srgbClr val="FF9900"/>
+                </a:solidFill>
+                <a:latin typeface="Arial Narrow" pitchFamily="34" charset="0"/>
+              </a:rPr>
+              <a:t>" predicate="EQUAL_TO</a:t>
+            </a:r>
+            <a:r>
+              <a:rPr lang="en-US" sz="1400" dirty="0" smtClean="0">
+                <a:solidFill>
+                  <a:srgbClr val="FF9900"/>
+                </a:solidFill>
+                <a:latin typeface="Arial Narrow" pitchFamily="34" charset="0"/>
+              </a:rPr>
+              <a:t>"/&gt;</a:t>
+            </a:r>
+          </a:p>
+          <a:p>
+            <a:r>
+              <a:rPr lang="en-US" sz="1400" dirty="0" smtClean="0">
+                <a:latin typeface="Arial Narrow" pitchFamily="34" charset="0"/>
+              </a:rPr>
+              <a:t>          </a:t>
+            </a:r>
+            <a:r>
+              <a:rPr lang="en-US" sz="1400" dirty="0" smtClean="0">
+                <a:solidFill>
+                  <a:srgbClr val="7030A0"/>
+                </a:solidFill>
+                <a:latin typeface="Arial Narrow" pitchFamily="34" charset="0"/>
+              </a:rPr>
+              <a:t>&lt;ns1:ForeignObject </a:t>
+            </a:r>
+            <a:r>
+              <a:rPr lang="en-US" sz="1400" dirty="0" smtClean="0">
+                <a:solidFill>
+                  <a:srgbClr val="7030A0"/>
+                </a:solidFill>
+                <a:latin typeface="Arial Narrow" pitchFamily="34" charset="0"/>
+              </a:rPr>
+              <a:t>name="</a:t>
+            </a:r>
+            <a:r>
+              <a:rPr lang="en-US" sz="1400" dirty="0" err="1" smtClean="0">
+                <a:solidFill>
+                  <a:srgbClr val="7030A0"/>
+                </a:solidFill>
+                <a:latin typeface="Arial Narrow" pitchFamily="34" charset="0"/>
+              </a:rPr>
+              <a:t>edu.georgetown.pir.domain.Protein</a:t>
+            </a:r>
+            <a:r>
+              <a:rPr lang="en-US" sz="1400" dirty="0" smtClean="0">
+                <a:solidFill>
+                  <a:srgbClr val="7030A0"/>
+                </a:solidFill>
+                <a:latin typeface="Arial Narrow" pitchFamily="34" charset="0"/>
+              </a:rPr>
+              <a:t>"&gt;</a:t>
+            </a:r>
+          </a:p>
+          <a:p>
+            <a:r>
+              <a:rPr lang="en-US" sz="1400" dirty="0" smtClean="0">
+                <a:latin typeface="Arial Narrow" pitchFamily="34" charset="0"/>
+              </a:rPr>
+              <a:t>            &lt;</a:t>
+            </a:r>
+            <a:r>
+              <a:rPr lang="en-US" sz="1400" dirty="0" smtClean="0">
+                <a:latin typeface="Arial Narrow" pitchFamily="34" charset="0"/>
+              </a:rPr>
+              <a:t>ns1:Group </a:t>
+            </a:r>
+            <a:r>
+              <a:rPr lang="en-US" sz="1400" dirty="0" err="1" smtClean="0">
+                <a:latin typeface="Arial Narrow" pitchFamily="34" charset="0"/>
+              </a:rPr>
+              <a:t>logicRelation</a:t>
+            </a:r>
+            <a:r>
+              <a:rPr lang="en-US" sz="1400" dirty="0" smtClean="0">
+                <a:latin typeface="Arial Narrow" pitchFamily="34" charset="0"/>
+              </a:rPr>
+              <a:t>="</a:t>
+            </a:r>
+            <a:r>
+              <a:rPr lang="en-US" sz="1400" dirty="0" smtClean="0">
+                <a:latin typeface="Arial Narrow" pitchFamily="34" charset="0"/>
+              </a:rPr>
+              <a:t>AND“&gt;</a:t>
+            </a:r>
+          </a:p>
+          <a:p>
+            <a:r>
+              <a:rPr lang="en-US" sz="1400" dirty="0" smtClean="0">
+                <a:latin typeface="Arial Narrow" pitchFamily="34" charset="0"/>
+              </a:rPr>
+              <a:t>              </a:t>
+            </a:r>
+            <a:r>
+              <a:rPr lang="en-US" sz="1400" dirty="0" smtClean="0">
+                <a:solidFill>
+                  <a:srgbClr val="0070C0"/>
+                </a:solidFill>
+                <a:latin typeface="Arial Narrow" pitchFamily="34" charset="0"/>
+              </a:rPr>
+              <a:t>&lt;</a:t>
+            </a:r>
+            <a:r>
+              <a:rPr lang="en-US" sz="1400" dirty="0" smtClean="0">
+                <a:solidFill>
+                  <a:srgbClr val="0070C0"/>
+                </a:solidFill>
+                <a:latin typeface="Arial Narrow" pitchFamily="34" charset="0"/>
+              </a:rPr>
+              <a:t>ns1:Association name="</a:t>
+            </a:r>
+            <a:r>
+              <a:rPr lang="en-US" sz="1400" dirty="0" err="1" smtClean="0">
+                <a:solidFill>
+                  <a:srgbClr val="0070C0"/>
+                </a:solidFill>
+                <a:latin typeface="Arial Narrow" pitchFamily="34" charset="0"/>
+              </a:rPr>
+              <a:t>edu.georgetown.pir.domain.Gene</a:t>
+            </a:r>
+            <a:r>
+              <a:rPr lang="en-US" sz="1400" dirty="0" smtClean="0">
+                <a:solidFill>
+                  <a:srgbClr val="0070C0"/>
+                </a:solidFill>
+                <a:latin typeface="Arial Narrow" pitchFamily="34" charset="0"/>
+              </a:rPr>
+              <a:t>" </a:t>
+            </a:r>
+            <a:r>
+              <a:rPr lang="en-US" sz="1400" dirty="0" err="1" smtClean="0">
+                <a:solidFill>
+                  <a:srgbClr val="0070C0"/>
+                </a:solidFill>
+                <a:latin typeface="Arial Narrow" pitchFamily="34" charset="0"/>
+              </a:rPr>
+              <a:t>roleName</a:t>
+            </a:r>
+            <a:r>
+              <a:rPr lang="en-US" sz="1400" dirty="0" smtClean="0">
+                <a:solidFill>
+                  <a:srgbClr val="0070C0"/>
+                </a:solidFill>
+                <a:latin typeface="Arial Narrow" pitchFamily="34" charset="0"/>
+              </a:rPr>
+              <a:t>="</a:t>
+            </a:r>
+            <a:r>
+              <a:rPr lang="en-US" sz="1400" dirty="0" err="1" smtClean="0">
+                <a:solidFill>
+                  <a:srgbClr val="0070C0"/>
+                </a:solidFill>
+                <a:latin typeface="Arial Narrow" pitchFamily="34" charset="0"/>
+              </a:rPr>
+              <a:t>geneCollection</a:t>
+            </a:r>
+            <a:r>
+              <a:rPr lang="en-US" sz="1400" dirty="0" smtClean="0">
+                <a:solidFill>
+                  <a:srgbClr val="0070C0"/>
+                </a:solidFill>
+                <a:latin typeface="Arial Narrow" pitchFamily="34" charset="0"/>
+              </a:rPr>
+              <a:t>“&gt;</a:t>
+            </a:r>
+          </a:p>
+          <a:p>
+            <a:r>
+              <a:rPr lang="en-US" sz="1400" dirty="0" smtClean="0">
+                <a:solidFill>
+                  <a:srgbClr val="0070C0"/>
+                </a:solidFill>
+                <a:latin typeface="Arial Narrow" pitchFamily="34" charset="0"/>
+              </a:rPr>
+              <a:t>                &lt;</a:t>
+            </a:r>
+            <a:r>
+              <a:rPr lang="en-US" sz="1400" dirty="0" smtClean="0">
+                <a:solidFill>
+                  <a:srgbClr val="0070C0"/>
+                </a:solidFill>
+                <a:latin typeface="Arial Narrow" pitchFamily="34" charset="0"/>
+              </a:rPr>
+              <a:t>ns1:Attribute name="name" predicate="EQUAL_TO" value="brca1</a:t>
+            </a:r>
+            <a:r>
+              <a:rPr lang="en-US" sz="1400" dirty="0" smtClean="0">
+                <a:solidFill>
+                  <a:srgbClr val="0070C0"/>
+                </a:solidFill>
+                <a:latin typeface="Arial Narrow" pitchFamily="34" charset="0"/>
+              </a:rPr>
+              <a:t>"/&gt;</a:t>
+            </a:r>
+          </a:p>
+          <a:p>
+            <a:r>
+              <a:rPr lang="en-US" sz="1400" dirty="0" smtClean="0">
+                <a:solidFill>
+                  <a:srgbClr val="0070C0"/>
+                </a:solidFill>
+                <a:latin typeface="Arial Narrow" pitchFamily="34" charset="0"/>
+              </a:rPr>
+              <a:t>             &lt;/</a:t>
+            </a:r>
+            <a:r>
+              <a:rPr lang="en-US" sz="1400" dirty="0" smtClean="0">
+                <a:solidFill>
+                  <a:srgbClr val="0070C0"/>
+                </a:solidFill>
+                <a:latin typeface="Arial Narrow" pitchFamily="34" charset="0"/>
+              </a:rPr>
+              <a:t>ns1:Association</a:t>
+            </a:r>
+            <a:r>
+              <a:rPr lang="en-US" sz="1400" dirty="0" smtClean="0">
+                <a:solidFill>
+                  <a:srgbClr val="0070C0"/>
+                </a:solidFill>
+                <a:latin typeface="Arial Narrow" pitchFamily="34" charset="0"/>
+              </a:rPr>
+              <a:t>&gt;</a:t>
+            </a:r>
+          </a:p>
+          <a:p>
+            <a:r>
+              <a:rPr lang="en-US" sz="1400" dirty="0" smtClean="0">
+                <a:solidFill>
+                  <a:srgbClr val="0070C0"/>
+                </a:solidFill>
+                <a:latin typeface="Arial Narrow" pitchFamily="34" charset="0"/>
+              </a:rPr>
+              <a:t>             &lt;</a:t>
+            </a:r>
+            <a:r>
+              <a:rPr lang="en-US" sz="1400" dirty="0" smtClean="0">
+                <a:solidFill>
+                  <a:srgbClr val="0070C0"/>
+                </a:solidFill>
+                <a:latin typeface="Arial Narrow" pitchFamily="34" charset="0"/>
+              </a:rPr>
+              <a:t>ns1:Association name="</a:t>
+            </a:r>
+            <a:r>
+              <a:rPr lang="en-US" sz="1400" dirty="0" err="1" smtClean="0">
+                <a:solidFill>
+                  <a:srgbClr val="0070C0"/>
+                </a:solidFill>
+                <a:latin typeface="Arial Narrow" pitchFamily="34" charset="0"/>
+              </a:rPr>
+              <a:t>edu.georgetown.pir.domain.Organism</a:t>
+            </a:r>
+            <a:r>
+              <a:rPr lang="en-US" sz="1400" dirty="0" smtClean="0">
+                <a:solidFill>
+                  <a:srgbClr val="0070C0"/>
+                </a:solidFill>
+                <a:latin typeface="Arial Narrow" pitchFamily="34" charset="0"/>
+              </a:rPr>
+              <a:t>" </a:t>
+            </a:r>
+            <a:r>
+              <a:rPr lang="en-US" sz="1400" dirty="0" err="1" smtClean="0">
+                <a:solidFill>
+                  <a:srgbClr val="0070C0"/>
+                </a:solidFill>
+                <a:latin typeface="Arial Narrow" pitchFamily="34" charset="0"/>
+              </a:rPr>
+              <a:t>roleName</a:t>
+            </a:r>
+            <a:r>
+              <a:rPr lang="en-US" sz="1400" dirty="0" smtClean="0">
+                <a:solidFill>
+                  <a:srgbClr val="0070C0"/>
+                </a:solidFill>
+                <a:latin typeface="Arial Narrow" pitchFamily="34" charset="0"/>
+              </a:rPr>
+              <a:t>="</a:t>
+            </a:r>
+            <a:r>
+              <a:rPr lang="en-US" sz="1400" dirty="0" err="1" smtClean="0">
+                <a:solidFill>
+                  <a:srgbClr val="0070C0"/>
+                </a:solidFill>
+                <a:latin typeface="Arial Narrow" pitchFamily="34" charset="0"/>
+              </a:rPr>
+              <a:t>organismCollection</a:t>
+            </a:r>
+            <a:r>
+              <a:rPr lang="en-US" sz="1400" dirty="0" smtClean="0">
+                <a:solidFill>
+                  <a:srgbClr val="0070C0"/>
+                </a:solidFill>
+                <a:latin typeface="Arial Narrow" pitchFamily="34" charset="0"/>
+              </a:rPr>
+              <a:t>"&gt;</a:t>
+            </a:r>
+          </a:p>
+          <a:p>
+            <a:r>
+              <a:rPr lang="en-US" sz="1400" dirty="0" smtClean="0">
+                <a:solidFill>
+                  <a:srgbClr val="0070C0"/>
+                </a:solidFill>
+                <a:latin typeface="Arial Narrow" pitchFamily="34" charset="0"/>
+              </a:rPr>
+              <a:t>              &lt;</a:t>
+            </a:r>
+            <a:r>
+              <a:rPr lang="en-US" sz="1400" dirty="0" smtClean="0">
+                <a:solidFill>
+                  <a:srgbClr val="0070C0"/>
+                </a:solidFill>
+                <a:latin typeface="Arial Narrow" pitchFamily="34" charset="0"/>
+              </a:rPr>
+              <a:t>ns1:Attribute name="</a:t>
+            </a:r>
+            <a:r>
+              <a:rPr lang="en-US" sz="1400" dirty="0" err="1" smtClean="0">
+                <a:solidFill>
+                  <a:srgbClr val="0070C0"/>
+                </a:solidFill>
+                <a:latin typeface="Arial Narrow" pitchFamily="34" charset="0"/>
+              </a:rPr>
+              <a:t>scientificName</a:t>
+            </a:r>
+            <a:r>
+              <a:rPr lang="en-US" sz="1400" dirty="0" smtClean="0">
+                <a:solidFill>
+                  <a:srgbClr val="0070C0"/>
+                </a:solidFill>
+                <a:latin typeface="Arial Narrow" pitchFamily="34" charset="0"/>
+              </a:rPr>
+              <a:t>" predicate="EQUAL_TO" value="homo sapiens</a:t>
+            </a:r>
+            <a:r>
+              <a:rPr lang="en-US" sz="1400" dirty="0" smtClean="0">
+                <a:solidFill>
+                  <a:srgbClr val="0070C0"/>
+                </a:solidFill>
+                <a:latin typeface="Arial Narrow" pitchFamily="34" charset="0"/>
+              </a:rPr>
+              <a:t>"/&gt;</a:t>
+            </a:r>
+          </a:p>
+          <a:p>
+            <a:r>
+              <a:rPr lang="en-US" sz="1400" dirty="0" smtClean="0">
+                <a:solidFill>
+                  <a:srgbClr val="0070C0"/>
+                </a:solidFill>
+                <a:latin typeface="Arial Narrow" pitchFamily="34" charset="0"/>
+              </a:rPr>
+              <a:t>             &lt;/</a:t>
+            </a:r>
+            <a:r>
+              <a:rPr lang="en-US" sz="1400" dirty="0" smtClean="0">
+                <a:solidFill>
+                  <a:srgbClr val="0070C0"/>
+                </a:solidFill>
+                <a:latin typeface="Arial Narrow" pitchFamily="34" charset="0"/>
+              </a:rPr>
+              <a:t>ns1:Association</a:t>
+            </a:r>
+            <a:r>
+              <a:rPr lang="en-US" sz="1400" dirty="0" smtClean="0">
+                <a:solidFill>
+                  <a:srgbClr val="0070C0"/>
+                </a:solidFill>
+                <a:latin typeface="Arial Narrow" pitchFamily="34" charset="0"/>
+              </a:rPr>
+              <a:t>&gt;</a:t>
+            </a:r>
+            <a:r>
+              <a:rPr lang="en-US" sz="1400" dirty="0" smtClean="0">
+                <a:latin typeface="Arial Narrow" pitchFamily="34" charset="0"/>
+              </a:rPr>
+              <a:t/>
+            </a:r>
+            <a:br>
+              <a:rPr lang="en-US" sz="1400" dirty="0" smtClean="0">
+                <a:latin typeface="Arial Narrow" pitchFamily="34" charset="0"/>
+              </a:rPr>
+            </a:br>
+            <a:r>
+              <a:rPr lang="en-US" sz="1400" dirty="0" smtClean="0">
+                <a:latin typeface="Arial Narrow" pitchFamily="34" charset="0"/>
+              </a:rPr>
+              <a:t>           &lt;/</a:t>
+            </a:r>
+            <a:r>
+              <a:rPr lang="en-US" sz="1400" dirty="0" smtClean="0">
+                <a:latin typeface="Arial Narrow" pitchFamily="34" charset="0"/>
+              </a:rPr>
+              <a:t>ns1:Group</a:t>
+            </a:r>
+            <a:r>
+              <a:rPr lang="en-US" sz="1400" dirty="0" smtClean="0">
+                <a:latin typeface="Arial Narrow" pitchFamily="34" charset="0"/>
+              </a:rPr>
+              <a:t>&gt;</a:t>
+            </a:r>
+          </a:p>
+          <a:p>
+            <a:r>
+              <a:rPr lang="en-US" sz="1400" dirty="0" smtClean="0">
+                <a:latin typeface="Arial Narrow" pitchFamily="34" charset="0"/>
+              </a:rPr>
+              <a:t>         </a:t>
+            </a:r>
+            <a:r>
+              <a:rPr lang="en-US" sz="1400" dirty="0" smtClean="0">
+                <a:solidFill>
+                  <a:srgbClr val="7030A0"/>
+                </a:solidFill>
+                <a:latin typeface="Arial Narrow" pitchFamily="34" charset="0"/>
+              </a:rPr>
+              <a:t>&lt;/</a:t>
+            </a:r>
+            <a:r>
+              <a:rPr lang="en-US" sz="1400" dirty="0" smtClean="0">
+                <a:solidFill>
+                  <a:srgbClr val="7030A0"/>
+                </a:solidFill>
+                <a:latin typeface="Arial Narrow" pitchFamily="34" charset="0"/>
+              </a:rPr>
+              <a:t>ns1:ForeignObject</a:t>
+            </a:r>
+            <a:r>
+              <a:rPr lang="en-US" sz="1400" dirty="0" smtClean="0">
+                <a:solidFill>
+                  <a:srgbClr val="7030A0"/>
+                </a:solidFill>
+                <a:latin typeface="Arial Narrow" pitchFamily="34" charset="0"/>
+              </a:rPr>
+              <a:t>&gt;</a:t>
+            </a:r>
+          </a:p>
+          <a:p>
+            <a:r>
+              <a:rPr lang="en-US" sz="1400" dirty="0" smtClean="0">
+                <a:latin typeface="Arial Narrow" pitchFamily="34" charset="0"/>
+              </a:rPr>
+              <a:t>       </a:t>
+            </a:r>
+            <a:r>
+              <a:rPr lang="en-US" sz="1400" dirty="0" smtClean="0">
+                <a:solidFill>
+                  <a:srgbClr val="FF9900"/>
+                </a:solidFill>
+                <a:latin typeface="Arial Narrow" pitchFamily="34" charset="0"/>
+              </a:rPr>
+              <a:t> &lt;/</a:t>
+            </a:r>
+            <a:r>
+              <a:rPr lang="en-US" sz="1400" dirty="0" smtClean="0">
+                <a:solidFill>
+                  <a:srgbClr val="FF9900"/>
+                </a:solidFill>
+                <a:latin typeface="Arial Narrow" pitchFamily="34" charset="0"/>
+              </a:rPr>
+              <a:t>ns1:ForeignAssociation</a:t>
+            </a:r>
+            <a:r>
+              <a:rPr lang="en-US" sz="1400" dirty="0" smtClean="0">
+                <a:solidFill>
+                  <a:srgbClr val="FF9900"/>
+                </a:solidFill>
+                <a:latin typeface="Arial Narrow" pitchFamily="34" charset="0"/>
+              </a:rPr>
+              <a:t>&gt;</a:t>
+            </a:r>
+          </a:p>
+          <a:p>
+            <a:r>
+              <a:rPr lang="en-US" sz="1400" dirty="0" smtClean="0">
+                <a:solidFill>
+                  <a:srgbClr val="00B0F0"/>
+                </a:solidFill>
+                <a:latin typeface="Arial Narrow" pitchFamily="34" charset="0"/>
+              </a:rPr>
+              <a:t>      &lt;/</a:t>
+            </a:r>
+            <a:r>
+              <a:rPr lang="en-US" sz="1400" dirty="0" smtClean="0">
+                <a:solidFill>
+                  <a:srgbClr val="00B0F0"/>
+                </a:solidFill>
+                <a:latin typeface="Arial Narrow" pitchFamily="34" charset="0"/>
+              </a:rPr>
+              <a:t>ns1:Association</a:t>
+            </a:r>
+            <a:r>
+              <a:rPr lang="en-US" sz="1400" dirty="0" smtClean="0">
+                <a:solidFill>
+                  <a:srgbClr val="00B0F0"/>
+                </a:solidFill>
+                <a:latin typeface="Arial Narrow" pitchFamily="34" charset="0"/>
+              </a:rPr>
+              <a:t>&gt;</a:t>
+            </a:r>
+          </a:p>
+          <a:p>
+            <a:r>
+              <a:rPr lang="en-US" sz="1400" dirty="0" smtClean="0">
+                <a:solidFill>
+                  <a:srgbClr val="00B050"/>
+                </a:solidFill>
+                <a:latin typeface="Arial Narrow" pitchFamily="34" charset="0"/>
+              </a:rPr>
+              <a:t>    &lt;/</a:t>
+            </a:r>
+            <a:r>
+              <a:rPr lang="en-US" sz="1400" dirty="0" smtClean="0">
+                <a:solidFill>
+                  <a:srgbClr val="00B050"/>
+                </a:solidFill>
+                <a:latin typeface="Arial Narrow" pitchFamily="34" charset="0"/>
+              </a:rPr>
+              <a:t>ns1:Association</a:t>
+            </a:r>
+            <a:r>
+              <a:rPr lang="en-US" sz="1400" dirty="0" smtClean="0">
+                <a:solidFill>
+                  <a:srgbClr val="00B050"/>
+                </a:solidFill>
+                <a:latin typeface="Arial Narrow" pitchFamily="34" charset="0"/>
+              </a:rPr>
+              <a:t>&gt;</a:t>
+            </a:r>
+          </a:p>
+          <a:p>
+            <a:r>
+              <a:rPr lang="en-US" sz="1400" dirty="0" smtClean="0">
+                <a:latin typeface="Arial Narrow" pitchFamily="34" charset="0"/>
+              </a:rPr>
+              <a:t> </a:t>
+            </a:r>
+            <a:r>
+              <a:rPr lang="en-US" sz="1400" dirty="0" smtClean="0">
+                <a:solidFill>
+                  <a:srgbClr val="C00000"/>
+                </a:solidFill>
+                <a:latin typeface="Arial Narrow" pitchFamily="34" charset="0"/>
+              </a:rPr>
+              <a:t> &lt;/</a:t>
+            </a:r>
+            <a:r>
+              <a:rPr lang="en-US" sz="1400" dirty="0" smtClean="0">
+                <a:solidFill>
+                  <a:srgbClr val="C00000"/>
+                </a:solidFill>
+                <a:latin typeface="Arial Narrow" pitchFamily="34" charset="0"/>
+              </a:rPr>
+              <a:t>ns1:TargetObject</a:t>
+            </a:r>
+            <a:r>
+              <a:rPr lang="en-US" sz="1400" dirty="0" smtClean="0">
+                <a:solidFill>
+                  <a:srgbClr val="C00000"/>
+                </a:solidFill>
+                <a:latin typeface="Arial Narrow" pitchFamily="34" charset="0"/>
+              </a:rPr>
+              <a:t>&gt;</a:t>
+            </a:r>
+          </a:p>
+          <a:p>
+            <a:r>
+              <a:rPr lang="en-US" sz="1400" dirty="0" smtClean="0">
+                <a:solidFill>
+                  <a:srgbClr val="C00000"/>
+                </a:solidFill>
+                <a:latin typeface="Arial Narrow" pitchFamily="34" charset="0"/>
+              </a:rPr>
+              <a:t>  &lt;</a:t>
+            </a:r>
+            <a:r>
+              <a:rPr lang="en-US" sz="1400" dirty="0" smtClean="0">
+                <a:solidFill>
+                  <a:srgbClr val="C00000"/>
+                </a:solidFill>
+                <a:latin typeface="Arial Narrow" pitchFamily="34" charset="0"/>
+              </a:rPr>
+              <a:t>ns1:targetServiceURL&gt;http://cabiogrid32.nci.nih.gov:80/wsrf/services/cagrid/CaBIO32GridSvc&lt;/ns1:targetServiceURL</a:t>
+            </a:r>
+            <a:r>
+              <a:rPr lang="en-US" sz="1400" dirty="0" smtClean="0">
+                <a:solidFill>
+                  <a:srgbClr val="C00000"/>
+                </a:solidFill>
+                <a:latin typeface="Arial Narrow" pitchFamily="34" charset="0"/>
+              </a:rPr>
+              <a:t>&gt;</a:t>
+            </a:r>
+          </a:p>
+          <a:p>
+            <a:r>
+              <a:rPr lang="en-US" sz="1400" dirty="0" smtClean="0">
+                <a:latin typeface="Arial Narrow" pitchFamily="34" charset="0"/>
+              </a:rPr>
+              <a:t>&lt;/</a:t>
+            </a:r>
+            <a:r>
+              <a:rPr lang="en-US" sz="1400" dirty="0" smtClean="0">
+                <a:latin typeface="Arial Narrow" pitchFamily="34" charset="0"/>
+              </a:rPr>
+              <a:t>ns1:DCQLQuery&gt; </a:t>
+            </a:r>
+            <a:endParaRPr lang="en-US" sz="1400" dirty="0">
+              <a:latin typeface="Arial Narrow" pitchFamily="34" charset="0"/>
+            </a:endParaRPr>
+          </a:p>
+        </p:txBody>
+      </p:sp>
+    </p:spTree>
+  </p:cSld>
+  <p:clrMapOvr>
+    <a:masterClrMapping/>
+  </p:clrMapOvr>
+  <p:timing>
+    <p:tnLst>
+      <p:par>
+        <p:cTn id="1" dur="indefinite" restart="never" nodeType="tmRoot"/>
+      </p:par>
+    </p:tnLst>
+  </p:timing>
 </p:sld>
 </file>
 

--- a/Documentation/presentations/200906_Novartis/caGrid Data Services.pptx
+++ b/Documentation/presentations/200906_Novartis/caGrid Data Services.pptx
@@ -5,7 +5,7 @@
     <p:sldMasterId id="2147483648" r:id="rId1"/>
   </p:sldMasterIdLst>
   <p:notesMasterIdLst>
-    <p:notesMasterId r:id="rId64"/>
+    <p:notesMasterId r:id="rId70"/>
   </p:notesMasterIdLst>
   <p:sldIdLst>
     <p:sldId id="256" r:id="rId2"/>
@@ -67,9 +67,15 @@
     <p:sldId id="315" r:id="rId58"/>
     <p:sldId id="316" r:id="rId59"/>
     <p:sldId id="317" r:id="rId60"/>
-    <p:sldId id="308" r:id="rId61"/>
-    <p:sldId id="284" r:id="rId62"/>
-    <p:sldId id="285" r:id="rId63"/>
+    <p:sldId id="326" r:id="rId61"/>
+    <p:sldId id="325" r:id="rId62"/>
+    <p:sldId id="321" r:id="rId63"/>
+    <p:sldId id="322" r:id="rId64"/>
+    <p:sldId id="308" r:id="rId65"/>
+    <p:sldId id="284" r:id="rId66"/>
+    <p:sldId id="285" r:id="rId67"/>
+    <p:sldId id="323" r:id="rId68"/>
+    <p:sldId id="324" r:id="rId69"/>
   </p:sldIdLst>
   <p:sldSz cx="9144000" cy="6858000" type="screen4x3"/>
   <p:notesSz cx="6858000" cy="9144000"/>
@@ -1681,10 +1687,7 @@
           <a:bodyPr/>
           <a:lstStyle/>
           <a:p>
-            <a:r>
-              <a:rPr lang="en-US" smtClean="0"/>
-              <a:t>A DCQL (Which is just distributed CQL) can be used to make queries that are federated and require sub queries to be issues to other data services in order to dertime the result set.  The main addition here is the ability to describe Forieng association which intern create remote joins to happen in the FQP Service.</a:t>
-            </a:r>
+            <a:endParaRPr lang="en-US" dirty="0" smtClean="0"/>
           </a:p>
         </p:txBody>
       </p:sp>
@@ -1867,10 +1870,7 @@
           <a:bodyPr/>
           <a:lstStyle/>
           <a:p>
-            <a:r>
-              <a:rPr lang="en-US" smtClean="0"/>
-              <a:t>A DCQL (Which is just distributed CQL) can be used to make queries that are federated and require sub queries to be issues to other data services in order to dertime the result set.  The main addition here is the ability to describe Forieng association which intern create remote joins to happen in the FQP Service.</a:t>
-            </a:r>
+            <a:endParaRPr lang="en-US" dirty="0" smtClean="0"/>
           </a:p>
         </p:txBody>
       </p:sp>
@@ -1969,10 +1969,7 @@
           <a:bodyPr/>
           <a:lstStyle/>
           <a:p>
-            <a:r>
-              <a:rPr lang="en-US" smtClean="0"/>
-              <a:t>A DCQL (Which is just distributed CQL) can be used to make queries that are federated and require sub queries to be issues to other data services in order to dertime the result set.  The main addition here is the ability to describe Forieng association which intern create remote joins to happen in the FQP Service.</a:t>
-            </a:r>
+            <a:endParaRPr lang="en-US" dirty="0" smtClean="0"/>
           </a:p>
         </p:txBody>
       </p:sp>
@@ -2002,6 +1999,615 @@
               <a:rPr lang="en-US"/>
               <a:pPr/>
               <a:t>62</a:t>
+            </a:fld>
+            <a:endParaRPr lang="en-US"/>
+          </a:p>
+        </p:txBody>
+      </p:sp>
+    </p:spTree>
+  </p:cSld>
+  <p:clrMapOvr>
+    <a:masterClrMapping/>
+  </p:clrMapOvr>
+</p:notes>
+</file>
+
+<file path=ppt/notesSlides/notesSlide22.xml><?xml version="1.0" encoding="utf-8"?>
+<p:notes xmlns:a="http://schemas.openxmlformats.org/drawingml/2006/main" xmlns:r="http://schemas.openxmlformats.org/officeDocument/2006/relationships" xmlns:p="http://schemas.openxmlformats.org/presentationml/2006/main">
+  <p:cSld>
+    <p:spTree>
+      <p:nvGrpSpPr>
+        <p:cNvPr id="1" name=""/>
+        <p:cNvGrpSpPr/>
+        <p:nvPr/>
+      </p:nvGrpSpPr>
+      <p:grpSpPr>
+        <a:xfrm>
+          <a:off x="0" y="0"/>
+          <a:ext cx="0" cy="0"/>
+          <a:chOff x="0" y="0"/>
+          <a:chExt cx="0" cy="0"/>
+        </a:xfrm>
+      </p:grpSpPr>
+      <p:sp>
+        <p:nvSpPr>
+          <p:cNvPr id="60418" name="Slide Image Placeholder 1"/>
+          <p:cNvSpPr>
+            <a:spLocks noGrp="1" noRot="1" noChangeAspect="1"/>
+          </p:cNvSpPr>
+          <p:nvPr>
+            <p:ph type="sldImg"/>
+          </p:nvPr>
+        </p:nvSpPr>
+        <p:spPr bwMode="auto">
+          <a:noFill/>
+          <a:ln>
+            <a:solidFill>
+              <a:srgbClr val="000000"/>
+            </a:solidFill>
+            <a:miter lim="800000"/>
+            <a:headEnd/>
+            <a:tailEnd/>
+          </a:ln>
+        </p:spPr>
+      </p:sp>
+      <p:sp>
+        <p:nvSpPr>
+          <p:cNvPr id="60419" name="Notes Placeholder 2"/>
+          <p:cNvSpPr>
+            <a:spLocks noGrp="1"/>
+          </p:cNvSpPr>
+          <p:nvPr>
+            <p:ph type="body" idx="1"/>
+          </p:nvPr>
+        </p:nvSpPr>
+        <p:spPr bwMode="auto">
+          <a:noFill/>
+        </p:spPr>
+        <p:txBody>
+          <a:bodyPr/>
+          <a:lstStyle/>
+          <a:p>
+            <a:endParaRPr lang="en-US" dirty="0" smtClean="0"/>
+          </a:p>
+        </p:txBody>
+      </p:sp>
+      <p:sp>
+        <p:nvSpPr>
+          <p:cNvPr id="60420" name="Slide Number Placeholder 3"/>
+          <p:cNvSpPr>
+            <a:spLocks noGrp="1"/>
+          </p:cNvSpPr>
+          <p:nvPr>
+            <p:ph type="sldNum" sz="quarter" idx="5"/>
+          </p:nvPr>
+        </p:nvSpPr>
+        <p:spPr bwMode="auto">
+          <a:noFill/>
+          <a:ln>
+            <a:miter lim="800000"/>
+            <a:headEnd/>
+            <a:tailEnd/>
+          </a:ln>
+        </p:spPr>
+        <p:txBody>
+          <a:bodyPr/>
+          <a:lstStyle/>
+          <a:p>
+            <a:fld id="{0EA92AC8-40AC-4621-AB8B-E24657776B35}" type="slidenum">
+              <a:rPr lang="en-US"/>
+              <a:pPr/>
+              <a:t>63</a:t>
+            </a:fld>
+            <a:endParaRPr lang="en-US"/>
+          </a:p>
+        </p:txBody>
+      </p:sp>
+    </p:spTree>
+  </p:cSld>
+  <p:clrMapOvr>
+    <a:masterClrMapping/>
+  </p:clrMapOvr>
+</p:notes>
+</file>
+
+<file path=ppt/notesSlides/notesSlide23.xml><?xml version="1.0" encoding="utf-8"?>
+<p:notes xmlns:a="http://schemas.openxmlformats.org/drawingml/2006/main" xmlns:r="http://schemas.openxmlformats.org/officeDocument/2006/relationships" xmlns:p="http://schemas.openxmlformats.org/presentationml/2006/main">
+  <p:cSld>
+    <p:spTree>
+      <p:nvGrpSpPr>
+        <p:cNvPr id="1" name=""/>
+        <p:cNvGrpSpPr/>
+        <p:nvPr/>
+      </p:nvGrpSpPr>
+      <p:grpSpPr>
+        <a:xfrm>
+          <a:off x="0" y="0"/>
+          <a:ext cx="0" cy="0"/>
+          <a:chOff x="0" y="0"/>
+          <a:chExt cx="0" cy="0"/>
+        </a:xfrm>
+      </p:grpSpPr>
+      <p:sp>
+        <p:nvSpPr>
+          <p:cNvPr id="60418" name="Slide Image Placeholder 1"/>
+          <p:cNvSpPr>
+            <a:spLocks noGrp="1" noRot="1" noChangeAspect="1"/>
+          </p:cNvSpPr>
+          <p:nvPr>
+            <p:ph type="sldImg"/>
+          </p:nvPr>
+        </p:nvSpPr>
+        <p:spPr bwMode="auto">
+          <a:noFill/>
+          <a:ln>
+            <a:solidFill>
+              <a:srgbClr val="000000"/>
+            </a:solidFill>
+            <a:miter lim="800000"/>
+            <a:headEnd/>
+            <a:tailEnd/>
+          </a:ln>
+        </p:spPr>
+      </p:sp>
+      <p:sp>
+        <p:nvSpPr>
+          <p:cNvPr id="60419" name="Notes Placeholder 2"/>
+          <p:cNvSpPr>
+            <a:spLocks noGrp="1"/>
+          </p:cNvSpPr>
+          <p:nvPr>
+            <p:ph type="body" idx="1"/>
+          </p:nvPr>
+        </p:nvSpPr>
+        <p:spPr bwMode="auto">
+          <a:noFill/>
+        </p:spPr>
+        <p:txBody>
+          <a:bodyPr/>
+          <a:lstStyle/>
+          <a:p>
+            <a:r>
+              <a:rPr lang="en-US" smtClean="0"/>
+              <a:t>A DCQL (Which is just distributed CQL) can be used to make queries that are federated and require sub queries to be issues to other data services in order to dertime the result set.  The main addition here is the ability to describe Forieng association which intern create remote joins to happen in the FQP Service.</a:t>
+            </a:r>
+          </a:p>
+        </p:txBody>
+      </p:sp>
+      <p:sp>
+        <p:nvSpPr>
+          <p:cNvPr id="60420" name="Slide Number Placeholder 3"/>
+          <p:cNvSpPr>
+            <a:spLocks noGrp="1"/>
+          </p:cNvSpPr>
+          <p:nvPr>
+            <p:ph type="sldNum" sz="quarter" idx="5"/>
+          </p:nvPr>
+        </p:nvSpPr>
+        <p:spPr bwMode="auto">
+          <a:noFill/>
+          <a:ln>
+            <a:miter lim="800000"/>
+            <a:headEnd/>
+            <a:tailEnd/>
+          </a:ln>
+        </p:spPr>
+        <p:txBody>
+          <a:bodyPr/>
+          <a:lstStyle/>
+          <a:p>
+            <a:fld id="{0EA92AC8-40AC-4621-AB8B-E24657776B35}" type="slidenum">
+              <a:rPr lang="en-US"/>
+              <a:pPr/>
+              <a:t>64</a:t>
+            </a:fld>
+            <a:endParaRPr lang="en-US"/>
+          </a:p>
+        </p:txBody>
+      </p:sp>
+    </p:spTree>
+  </p:cSld>
+  <p:clrMapOvr>
+    <a:masterClrMapping/>
+  </p:clrMapOvr>
+</p:notes>
+</file>
+
+<file path=ppt/notesSlides/notesSlide24.xml><?xml version="1.0" encoding="utf-8"?>
+<p:notes xmlns:a="http://schemas.openxmlformats.org/drawingml/2006/main" xmlns:r="http://schemas.openxmlformats.org/officeDocument/2006/relationships" xmlns:p="http://schemas.openxmlformats.org/presentationml/2006/main">
+  <p:cSld>
+    <p:spTree>
+      <p:nvGrpSpPr>
+        <p:cNvPr id="1" name=""/>
+        <p:cNvGrpSpPr/>
+        <p:nvPr/>
+      </p:nvGrpSpPr>
+      <p:grpSpPr>
+        <a:xfrm>
+          <a:off x="0" y="0"/>
+          <a:ext cx="0" cy="0"/>
+          <a:chOff x="0" y="0"/>
+          <a:chExt cx="0" cy="0"/>
+        </a:xfrm>
+      </p:grpSpPr>
+      <p:sp>
+        <p:nvSpPr>
+          <p:cNvPr id="60418" name="Slide Image Placeholder 1"/>
+          <p:cNvSpPr>
+            <a:spLocks noGrp="1" noRot="1" noChangeAspect="1"/>
+          </p:cNvSpPr>
+          <p:nvPr>
+            <p:ph type="sldImg"/>
+          </p:nvPr>
+        </p:nvSpPr>
+        <p:spPr bwMode="auto">
+          <a:noFill/>
+          <a:ln>
+            <a:solidFill>
+              <a:srgbClr val="000000"/>
+            </a:solidFill>
+            <a:miter lim="800000"/>
+            <a:headEnd/>
+            <a:tailEnd/>
+          </a:ln>
+        </p:spPr>
+      </p:sp>
+      <p:sp>
+        <p:nvSpPr>
+          <p:cNvPr id="60419" name="Notes Placeholder 2"/>
+          <p:cNvSpPr>
+            <a:spLocks noGrp="1"/>
+          </p:cNvSpPr>
+          <p:nvPr>
+            <p:ph type="body" idx="1"/>
+          </p:nvPr>
+        </p:nvSpPr>
+        <p:spPr bwMode="auto">
+          <a:noFill/>
+        </p:spPr>
+        <p:txBody>
+          <a:bodyPr/>
+          <a:lstStyle/>
+          <a:p>
+            <a:r>
+              <a:rPr lang="en-US" smtClean="0"/>
+              <a:t>A DCQL (Which is just distributed CQL) can be used to make queries that are federated and require sub queries to be issues to other data services in order to dertime the result set.  The main addition here is the ability to describe Forieng association which intern create remote joins to happen in the FQP Service.</a:t>
+            </a:r>
+          </a:p>
+        </p:txBody>
+      </p:sp>
+      <p:sp>
+        <p:nvSpPr>
+          <p:cNvPr id="60420" name="Slide Number Placeholder 3"/>
+          <p:cNvSpPr>
+            <a:spLocks noGrp="1"/>
+          </p:cNvSpPr>
+          <p:nvPr>
+            <p:ph type="sldNum" sz="quarter" idx="5"/>
+          </p:nvPr>
+        </p:nvSpPr>
+        <p:spPr bwMode="auto">
+          <a:noFill/>
+          <a:ln>
+            <a:miter lim="800000"/>
+            <a:headEnd/>
+            <a:tailEnd/>
+          </a:ln>
+        </p:spPr>
+        <p:txBody>
+          <a:bodyPr/>
+          <a:lstStyle/>
+          <a:p>
+            <a:fld id="{0EA92AC8-40AC-4621-AB8B-E24657776B35}" type="slidenum">
+              <a:rPr lang="en-US"/>
+              <a:pPr/>
+              <a:t>65</a:t>
+            </a:fld>
+            <a:endParaRPr lang="en-US"/>
+          </a:p>
+        </p:txBody>
+      </p:sp>
+    </p:spTree>
+  </p:cSld>
+  <p:clrMapOvr>
+    <a:masterClrMapping/>
+  </p:clrMapOvr>
+</p:notes>
+</file>
+
+<file path=ppt/notesSlides/notesSlide25.xml><?xml version="1.0" encoding="utf-8"?>
+<p:notes xmlns:a="http://schemas.openxmlformats.org/drawingml/2006/main" xmlns:r="http://schemas.openxmlformats.org/officeDocument/2006/relationships" xmlns:p="http://schemas.openxmlformats.org/presentationml/2006/main">
+  <p:cSld>
+    <p:spTree>
+      <p:nvGrpSpPr>
+        <p:cNvPr id="1" name=""/>
+        <p:cNvGrpSpPr/>
+        <p:nvPr/>
+      </p:nvGrpSpPr>
+      <p:grpSpPr>
+        <a:xfrm>
+          <a:off x="0" y="0"/>
+          <a:ext cx="0" cy="0"/>
+          <a:chOff x="0" y="0"/>
+          <a:chExt cx="0" cy="0"/>
+        </a:xfrm>
+      </p:grpSpPr>
+      <p:sp>
+        <p:nvSpPr>
+          <p:cNvPr id="60418" name="Slide Image Placeholder 1"/>
+          <p:cNvSpPr>
+            <a:spLocks noGrp="1" noRot="1" noChangeAspect="1"/>
+          </p:cNvSpPr>
+          <p:nvPr>
+            <p:ph type="sldImg"/>
+          </p:nvPr>
+        </p:nvSpPr>
+        <p:spPr bwMode="auto">
+          <a:noFill/>
+          <a:ln>
+            <a:solidFill>
+              <a:srgbClr val="000000"/>
+            </a:solidFill>
+            <a:miter lim="800000"/>
+            <a:headEnd/>
+            <a:tailEnd/>
+          </a:ln>
+        </p:spPr>
+      </p:sp>
+      <p:sp>
+        <p:nvSpPr>
+          <p:cNvPr id="60419" name="Notes Placeholder 2"/>
+          <p:cNvSpPr>
+            <a:spLocks noGrp="1"/>
+          </p:cNvSpPr>
+          <p:nvPr>
+            <p:ph type="body" idx="1"/>
+          </p:nvPr>
+        </p:nvSpPr>
+        <p:spPr bwMode="auto">
+          <a:noFill/>
+        </p:spPr>
+        <p:txBody>
+          <a:bodyPr/>
+          <a:lstStyle/>
+          <a:p>
+            <a:r>
+              <a:rPr lang="en-US" smtClean="0"/>
+              <a:t>A DCQL (Which is just distributed CQL) can be used to make queries that are federated and require sub queries to be issues to other data services in order to dertime the result set.  The main addition here is the ability to describe Forieng association which intern create remote joins to happen in the FQP Service.</a:t>
+            </a:r>
+          </a:p>
+        </p:txBody>
+      </p:sp>
+      <p:sp>
+        <p:nvSpPr>
+          <p:cNvPr id="60420" name="Slide Number Placeholder 3"/>
+          <p:cNvSpPr>
+            <a:spLocks noGrp="1"/>
+          </p:cNvSpPr>
+          <p:nvPr>
+            <p:ph type="sldNum" sz="quarter" idx="5"/>
+          </p:nvPr>
+        </p:nvSpPr>
+        <p:spPr bwMode="auto">
+          <a:noFill/>
+          <a:ln>
+            <a:miter lim="800000"/>
+            <a:headEnd/>
+            <a:tailEnd/>
+          </a:ln>
+        </p:spPr>
+        <p:txBody>
+          <a:bodyPr/>
+          <a:lstStyle/>
+          <a:p>
+            <a:fld id="{0EA92AC8-40AC-4621-AB8B-E24657776B35}" type="slidenum">
+              <a:rPr lang="en-US"/>
+              <a:pPr/>
+              <a:t>66</a:t>
+            </a:fld>
+            <a:endParaRPr lang="en-US"/>
+          </a:p>
+        </p:txBody>
+      </p:sp>
+    </p:spTree>
+  </p:cSld>
+  <p:clrMapOvr>
+    <a:masterClrMapping/>
+  </p:clrMapOvr>
+</p:notes>
+</file>
+
+<file path=ppt/notesSlides/notesSlide26.xml><?xml version="1.0" encoding="utf-8"?>
+<p:notes xmlns:a="http://schemas.openxmlformats.org/drawingml/2006/main" xmlns:r="http://schemas.openxmlformats.org/officeDocument/2006/relationships" xmlns:p="http://schemas.openxmlformats.org/presentationml/2006/main">
+  <p:cSld>
+    <p:spTree>
+      <p:nvGrpSpPr>
+        <p:cNvPr id="1" name=""/>
+        <p:cNvGrpSpPr/>
+        <p:nvPr/>
+      </p:nvGrpSpPr>
+      <p:grpSpPr>
+        <a:xfrm>
+          <a:off x="0" y="0"/>
+          <a:ext cx="0" cy="0"/>
+          <a:chOff x="0" y="0"/>
+          <a:chExt cx="0" cy="0"/>
+        </a:xfrm>
+      </p:grpSpPr>
+      <p:sp>
+        <p:nvSpPr>
+          <p:cNvPr id="60418" name="Slide Image Placeholder 1"/>
+          <p:cNvSpPr>
+            <a:spLocks noGrp="1" noRot="1" noChangeAspect="1"/>
+          </p:cNvSpPr>
+          <p:nvPr>
+            <p:ph type="sldImg"/>
+          </p:nvPr>
+        </p:nvSpPr>
+        <p:spPr bwMode="auto">
+          <a:noFill/>
+          <a:ln>
+            <a:solidFill>
+              <a:srgbClr val="000000"/>
+            </a:solidFill>
+            <a:miter lim="800000"/>
+            <a:headEnd/>
+            <a:tailEnd/>
+          </a:ln>
+        </p:spPr>
+      </p:sp>
+      <p:sp>
+        <p:nvSpPr>
+          <p:cNvPr id="60419" name="Notes Placeholder 2"/>
+          <p:cNvSpPr>
+            <a:spLocks noGrp="1"/>
+          </p:cNvSpPr>
+          <p:nvPr>
+            <p:ph type="body" idx="1"/>
+          </p:nvPr>
+        </p:nvSpPr>
+        <p:spPr bwMode="auto">
+          <a:noFill/>
+        </p:spPr>
+        <p:txBody>
+          <a:bodyPr/>
+          <a:lstStyle/>
+          <a:p>
+            <a:r>
+              <a:rPr lang="en-US" smtClean="0"/>
+              <a:t>A DCQL (Which is just distributed CQL) can be used to make queries that are federated and require sub queries to be issues to other data services in order to dertime the result set.  The main addition here is the ability to describe Forieng association which intern create remote joins to happen in the FQP Service.</a:t>
+            </a:r>
+          </a:p>
+        </p:txBody>
+      </p:sp>
+      <p:sp>
+        <p:nvSpPr>
+          <p:cNvPr id="60420" name="Slide Number Placeholder 3"/>
+          <p:cNvSpPr>
+            <a:spLocks noGrp="1"/>
+          </p:cNvSpPr>
+          <p:nvPr>
+            <p:ph type="sldNum" sz="quarter" idx="5"/>
+          </p:nvPr>
+        </p:nvSpPr>
+        <p:spPr bwMode="auto">
+          <a:noFill/>
+          <a:ln>
+            <a:miter lim="800000"/>
+            <a:headEnd/>
+            <a:tailEnd/>
+          </a:ln>
+        </p:spPr>
+        <p:txBody>
+          <a:bodyPr/>
+          <a:lstStyle/>
+          <a:p>
+            <a:fld id="{0EA92AC8-40AC-4621-AB8B-E24657776B35}" type="slidenum">
+              <a:rPr lang="en-US"/>
+              <a:pPr/>
+              <a:t>67</a:t>
+            </a:fld>
+            <a:endParaRPr lang="en-US"/>
+          </a:p>
+        </p:txBody>
+      </p:sp>
+    </p:spTree>
+  </p:cSld>
+  <p:clrMapOvr>
+    <a:masterClrMapping/>
+  </p:clrMapOvr>
+</p:notes>
+</file>
+
+<file path=ppt/notesSlides/notesSlide27.xml><?xml version="1.0" encoding="utf-8"?>
+<p:notes xmlns:a="http://schemas.openxmlformats.org/drawingml/2006/main" xmlns:r="http://schemas.openxmlformats.org/officeDocument/2006/relationships" xmlns:p="http://schemas.openxmlformats.org/presentationml/2006/main">
+  <p:cSld>
+    <p:spTree>
+      <p:nvGrpSpPr>
+        <p:cNvPr id="1" name=""/>
+        <p:cNvGrpSpPr/>
+        <p:nvPr/>
+      </p:nvGrpSpPr>
+      <p:grpSpPr>
+        <a:xfrm>
+          <a:off x="0" y="0"/>
+          <a:ext cx="0" cy="0"/>
+          <a:chOff x="0" y="0"/>
+          <a:chExt cx="0" cy="0"/>
+        </a:xfrm>
+      </p:grpSpPr>
+      <p:sp>
+        <p:nvSpPr>
+          <p:cNvPr id="60418" name="Slide Image Placeholder 1"/>
+          <p:cNvSpPr>
+            <a:spLocks noGrp="1" noRot="1" noChangeAspect="1"/>
+          </p:cNvSpPr>
+          <p:nvPr>
+            <p:ph type="sldImg"/>
+          </p:nvPr>
+        </p:nvSpPr>
+        <p:spPr bwMode="auto">
+          <a:noFill/>
+          <a:ln>
+            <a:solidFill>
+              <a:srgbClr val="000000"/>
+            </a:solidFill>
+            <a:miter lim="800000"/>
+            <a:headEnd/>
+            <a:tailEnd/>
+          </a:ln>
+        </p:spPr>
+      </p:sp>
+      <p:sp>
+        <p:nvSpPr>
+          <p:cNvPr id="60419" name="Notes Placeholder 2"/>
+          <p:cNvSpPr>
+            <a:spLocks noGrp="1"/>
+          </p:cNvSpPr>
+          <p:nvPr>
+            <p:ph type="body" idx="1"/>
+          </p:nvPr>
+        </p:nvSpPr>
+        <p:spPr bwMode="auto">
+          <a:noFill/>
+        </p:spPr>
+        <p:txBody>
+          <a:bodyPr/>
+          <a:lstStyle/>
+          <a:p>
+            <a:r>
+              <a:rPr lang="en-US" smtClean="0"/>
+              <a:t>A DCQL (Which is just distributed CQL) can be used to make queries that are federated and require sub queries to be issues to other data services in order to dertime the result set.  The main addition here is the ability to describe Forieng association which intern create remote joins to happen in the FQP Service.</a:t>
+            </a:r>
+          </a:p>
+        </p:txBody>
+      </p:sp>
+      <p:sp>
+        <p:nvSpPr>
+          <p:cNvPr id="60420" name="Slide Number Placeholder 3"/>
+          <p:cNvSpPr>
+            <a:spLocks noGrp="1"/>
+          </p:cNvSpPr>
+          <p:nvPr>
+            <p:ph type="sldNum" sz="quarter" idx="5"/>
+          </p:nvPr>
+        </p:nvSpPr>
+        <p:spPr bwMode="auto">
+          <a:noFill/>
+          <a:ln>
+            <a:miter lim="800000"/>
+            <a:headEnd/>
+            <a:tailEnd/>
+          </a:ln>
+        </p:spPr>
+        <p:txBody>
+          <a:bodyPr/>
+          <a:lstStyle/>
+          <a:p>
+            <a:fld id="{0EA92AC8-40AC-4621-AB8B-E24657776B35}" type="slidenum">
+              <a:rPr lang="en-US"/>
+              <a:pPr/>
+              <a:t>68</a:t>
             </a:fld>
             <a:endParaRPr lang="en-US"/>
           </a:p>
@@ -17459,7 +18065,7 @@
             </a:r>
             <a:r>
               <a:rPr lang="en-US" dirty="0" smtClean="0"/>
-              <a:t>Query Workflow</a:t>
+              <a:t>Query Workflow Example</a:t>
             </a:r>
             <a:endParaRPr lang="en-US" dirty="0"/>
           </a:p>
@@ -17702,7 +18308,7 @@
             </a:r>
             <a:r>
               <a:rPr lang="en-US" dirty="0" smtClean="0"/>
-              <a:t>Query Workflow</a:t>
+              <a:t>Query Workflow Example</a:t>
             </a:r>
             <a:endParaRPr lang="en-US" dirty="0"/>
           </a:p>
@@ -17927,13 +18533,7 @@
               <a:rPr lang="en-US" kern="0" dirty="0" smtClean="0">
                 <a:latin typeface="+mn-lt"/>
               </a:rPr>
-              <a:t>Generated CQL is broadcast to involved </a:t>
-            </a:r>
-            <a:r>
-              <a:rPr lang="en-US" kern="0" smtClean="0">
-                <a:latin typeface="+mn-lt"/>
-              </a:rPr>
-              <a:t>data services</a:t>
+              <a:t>Generated CQL is broadcast to involved data services</a:t>
             </a:r>
             <a:endParaRPr lang="en-US" kern="0" dirty="0" smtClean="0">
               <a:latin typeface="+mn-lt"/>
@@ -18044,7 +18644,7 @@
             <a:pPr eaLnBrk="1" hangingPunct="1"/>
             <a:r>
               <a:rPr lang="en-US" dirty="0" smtClean="0"/>
-              <a:t>Federated Query Workflow</a:t>
+              <a:t>Federated Query Workflow Example</a:t>
             </a:r>
             <a:endParaRPr lang="en-US" dirty="0" smtClean="0"/>
           </a:p>
@@ -21674,11 +22274,7 @@
             <a:pPr eaLnBrk="1" hangingPunct="1"/>
             <a:r>
               <a:rPr lang="en-US" dirty="0" smtClean="0"/>
-              <a:t>DCQL </a:t>
-            </a:r>
-            <a:r>
-              <a:rPr lang="en-US" dirty="0" smtClean="0"/>
-              <a:t>Aggregation Example</a:t>
+              <a:t>Federated Query Example</a:t>
             </a:r>
             <a:endParaRPr lang="en-US" dirty="0" smtClean="0"/>
           </a:p>
@@ -21695,7 +22291,7 @@
         <p:spPr bwMode="auto">
           <a:xfrm>
             <a:off x="228600" y="1219200"/>
-            <a:ext cx="8458200" cy="3200400"/>
+            <a:ext cx="8458200" cy="5181600"/>
           </a:xfrm>
           <a:prstGeom prst="rect">
             <a:avLst/>
@@ -21730,7 +22326,7 @@
             </a:pPr>
             <a:r>
               <a:rPr lang="en-US" sz="2000" b="1" kern="0" dirty="0" smtClean="0"/>
-              <a:t>Aggregate data from multiple sources</a:t>
+              <a:t>In this example, a query is started using the delegated credential and query execution parameters features</a:t>
             </a:r>
           </a:p>
           <a:p>
@@ -21747,24 +22343,7 @@
             </a:pPr>
             <a:r>
               <a:rPr lang="en-US" sz="2000" kern="0" dirty="0" smtClean="0"/>
-              <a:t>Simultaneous query execution up to thread pool size</a:t>
-            </a:r>
-          </a:p>
-          <a:p>
-            <a:pPr marL="342900" indent="-342900">
-              <a:spcBef>
-                <a:spcPct val="20000"/>
-              </a:spcBef>
-              <a:buClr>
-                <a:srgbClr val="00AAF6"/>
-              </a:buClr>
-              <a:buFontTx/>
-              <a:buChar char="•"/>
-              <a:defRPr/>
-            </a:pPr>
-            <a:r>
-              <a:rPr lang="en-US" sz="2000" b="1" kern="0" dirty="0" smtClean="0"/>
-              <a:t>Example query</a:t>
+              <a:t>The client’s credential is loaded</a:t>
             </a:r>
           </a:p>
           <a:p>
@@ -21781,31 +22360,32 @@
             </a:pPr>
             <a:r>
               <a:rPr lang="en-US" sz="2000" kern="0" dirty="0" smtClean="0"/>
-              <a:t>Return </a:t>
-            </a:r>
-            <a:r>
-              <a:rPr lang="en-US" sz="2000" dirty="0" smtClean="0">
-                <a:solidFill>
-                  <a:srgbClr val="C00000"/>
-                </a:solidFill>
-              </a:rPr>
-              <a:t>instances</a:t>
-            </a:r>
-            <a:r>
-              <a:rPr lang="en-US" sz="2000" dirty="0" smtClean="0"/>
-              <a:t> </a:t>
-            </a:r>
-            <a:r>
-              <a:rPr lang="en-US" sz="2000" dirty="0" smtClean="0"/>
-              <a:t>of the </a:t>
-            </a:r>
-            <a:r>
-              <a:rPr lang="en-US" sz="2000" i="1" dirty="0" smtClean="0"/>
-              <a:t>gene </a:t>
-            </a:r>
-            <a:r>
-              <a:rPr lang="en-US" sz="2000" dirty="0" smtClean="0"/>
-              <a:t>data type</a:t>
+              <a:t>The delegation parameters are specified</a:t>
+            </a:r>
+          </a:p>
+          <a:p>
+            <a:pPr marL="1257300" lvl="2" indent="-342900">
+              <a:spcBef>
+                <a:spcPct val="20000"/>
+              </a:spcBef>
+              <a:buClr>
+                <a:srgbClr val="00AAF6"/>
+              </a:buClr>
+              <a:buFontTx/>
+              <a:buChar char="•"/>
+              <a:defRPr/>
+            </a:pPr>
+            <a:r>
+              <a:rPr lang="en-US" kern="0" dirty="0" smtClean="0"/>
+              <a:t>Path length, </a:t>
+            </a:r>
+            <a:r>
+              <a:rPr lang="en-US" kern="0" dirty="0" err="1" smtClean="0"/>
+              <a:t>delegatee</a:t>
+            </a:r>
+            <a:r>
+              <a:rPr lang="en-US" kern="0" dirty="0" smtClean="0"/>
+              <a:t>, etc</a:t>
             </a:r>
           </a:p>
           <a:p>
@@ -21821,40 +22401,8 @@
               <a:defRPr/>
             </a:pPr>
             <a:r>
-              <a:rPr lang="en-US" sz="2000" dirty="0" smtClean="0"/>
-              <a:t>Each </a:t>
-            </a:r>
-            <a:r>
-              <a:rPr lang="en-US" sz="2000" dirty="0" smtClean="0"/>
-              <a:t>gene must have an </a:t>
-            </a:r>
-            <a:r>
-              <a:rPr lang="en-US" sz="2000" dirty="0" smtClean="0">
-                <a:solidFill>
-                  <a:srgbClr val="00B050"/>
-                </a:solidFill>
-              </a:rPr>
-              <a:t>association</a:t>
-            </a:r>
-            <a:r>
-              <a:rPr lang="en-US" sz="2000" dirty="0" smtClean="0"/>
-              <a:t> to an instance of the </a:t>
-            </a:r>
-            <a:r>
-              <a:rPr lang="en-US" sz="2000" i="1" dirty="0" smtClean="0"/>
-              <a:t>term </a:t>
-            </a:r>
-            <a:r>
-              <a:rPr lang="en-US" sz="2000" dirty="0" smtClean="0"/>
-              <a:t>data </a:t>
-            </a:r>
-            <a:r>
-              <a:rPr lang="en-US" sz="2000" dirty="0" smtClean="0"/>
-              <a:t>type via the role name </a:t>
-            </a:r>
-            <a:r>
-              <a:rPr lang="en-US" sz="2000" i="1" dirty="0" smtClean="0"/>
-              <a:t>terms</a:t>
+              <a:rPr lang="en-US" sz="2000" kern="0" dirty="0" smtClean="0"/>
+              <a:t>The CDS is contacted using the special delegation user client to delegate the credential according to the parameters</a:t>
             </a:r>
           </a:p>
           <a:p>
@@ -21870,36 +22418,8 @@
               <a:defRPr/>
             </a:pPr>
             <a:r>
-              <a:rPr lang="en-US" sz="2000" dirty="0" smtClean="0"/>
-              <a:t>Each </a:t>
-            </a:r>
-            <a:r>
-              <a:rPr lang="en-US" sz="2000" dirty="0" smtClean="0"/>
-              <a:t>term must have it's </a:t>
-            </a:r>
-            <a:r>
-              <a:rPr lang="en-US" sz="2000" i="1" dirty="0" smtClean="0"/>
-              <a:t>value</a:t>
-            </a:r>
-            <a:r>
-              <a:rPr lang="en-US" sz="2000" dirty="0" smtClean="0"/>
-              <a:t> </a:t>
-            </a:r>
-            <a:r>
-              <a:rPr lang="en-US" sz="2000" dirty="0" smtClean="0">
-                <a:solidFill>
-                  <a:srgbClr val="0070C0"/>
-                </a:solidFill>
-              </a:rPr>
-              <a:t>attribute</a:t>
-            </a:r>
-            <a:r>
-              <a:rPr lang="en-US" sz="2000" dirty="0" smtClean="0"/>
-              <a:t> equal to </a:t>
-            </a:r>
-            <a:r>
-              <a:rPr lang="en-US" sz="2000" dirty="0" smtClean="0"/>
-              <a:t>“root”</a:t>
+              <a:rPr lang="en-US" sz="2000" kern="0" dirty="0" smtClean="0"/>
+              <a:t>The FQP service client is created using the client’s credential</a:t>
             </a:r>
           </a:p>
           <a:p>
@@ -21915,55 +22435,9 @@
               <a:defRPr/>
             </a:pPr>
             <a:r>
-              <a:rPr lang="en-US" sz="2000" dirty="0" smtClean="0"/>
-              <a:t>The </a:t>
-            </a:r>
-            <a:r>
-              <a:rPr lang="en-US" sz="2000" dirty="0" smtClean="0"/>
-              <a:t>query is executed on </a:t>
-            </a:r>
-            <a:r>
-              <a:rPr lang="en-US" sz="2000" dirty="0" smtClean="0">
-                <a:solidFill>
-                  <a:srgbClr val="7030A0"/>
-                </a:solidFill>
-              </a:rPr>
-              <a:t>two data services</a:t>
-            </a:r>
-            <a:r>
-              <a:rPr lang="en-US" sz="2000" dirty="0" smtClean="0"/>
-              <a:t>, each indicated by the </a:t>
-            </a:r>
-            <a:r>
-              <a:rPr lang="en-US" sz="2000" i="1" dirty="0" err="1" smtClean="0"/>
-              <a:t>targetServiceUrl</a:t>
-            </a:r>
-            <a:r>
-              <a:rPr lang="en-US" sz="2000" dirty="0" smtClean="0"/>
-              <a:t> </a:t>
-            </a:r>
-            <a:r>
-              <a:rPr lang="en-US" sz="2000" dirty="0" smtClean="0"/>
-              <a:t>elements at the end of the </a:t>
-            </a:r>
-            <a:r>
-              <a:rPr lang="en-US" sz="2000" dirty="0" smtClean="0"/>
-              <a:t>query</a:t>
-            </a:r>
-          </a:p>
-          <a:p>
-            <a:pPr marL="342900" indent="-342900">
-              <a:spcBef>
-                <a:spcPct val="20000"/>
-              </a:spcBef>
-              <a:buClr>
-                <a:srgbClr val="00AAF6"/>
-              </a:buClr>
-              <a:buFontTx/>
-              <a:buChar char="•"/>
-              <a:defRPr/>
-            </a:pPr>
-            <a:endParaRPr lang="en-US" sz="2000" dirty="0" smtClean="0"/>
+              <a:rPr lang="en-US" sz="2000" kern="0" dirty="0" smtClean="0"/>
+              <a:t>A DCQL query is created or loaded</a:t>
+            </a:r>
           </a:p>
           <a:p>
             <a:pPr marL="800100" lvl="1" indent="-342900">
@@ -21977,356 +22451,32 @@
               <a:buChar char="•"/>
               <a:defRPr/>
             </a:pPr>
-            <a:endParaRPr lang="en-US" sz="2000" kern="0" dirty="0" smtClean="0">
-              <a:latin typeface="+mn-lt"/>
-            </a:endParaRPr>
-          </a:p>
-        </p:txBody>
-      </p:sp>
-      <p:sp>
-        <p:nvSpPr>
-          <p:cNvPr id="7" name="TextBox 6"/>
-          <p:cNvSpPr txBox="1"/>
-          <p:nvPr/>
-        </p:nvSpPr>
-        <p:spPr>
-          <a:xfrm>
-            <a:off x="228600" y="4495800"/>
-            <a:ext cx="8610600" cy="1892826"/>
-          </a:xfrm>
-          <a:prstGeom prst="rect">
-            <a:avLst/>
-          </a:prstGeom>
-          <a:noFill/>
-        </p:spPr>
-        <p:txBody>
-          <a:bodyPr wrap="square" rtlCol="0">
-            <a:spAutoFit/>
-          </a:bodyPr>
-          <a:lstStyle/>
-          <a:p>
-            <a:r>
-              <a:rPr lang="en-US" sz="1300" dirty="0" smtClean="0">
-                <a:latin typeface="Arial Narrow" pitchFamily="34" charset="0"/>
-              </a:rPr>
-              <a:t>&lt;ns1:DCQLQuery </a:t>
-            </a:r>
-            <a:r>
-              <a:rPr lang="en-US" sz="1300" dirty="0" smtClean="0">
-                <a:latin typeface="Arial Narrow" pitchFamily="34" charset="0"/>
-              </a:rPr>
-              <a:t>xmlns:ns1=</a:t>
-            </a:r>
-            <a:r>
-              <a:rPr lang="en-US" sz="1300" dirty="0" smtClean="0">
-                <a:latin typeface="Arial Narrow" pitchFamily="34" charset="0"/>
-                <a:hlinkClick r:id="rId3"/>
-              </a:rPr>
-              <a:t>http</a:t>
-            </a:r>
-            <a:r>
-              <a:rPr lang="en-US" sz="1300" dirty="0" smtClean="0">
-                <a:latin typeface="Arial Narrow" pitchFamily="34" charset="0"/>
-                <a:hlinkClick r:id="rId3"/>
-              </a:rPr>
-              <a:t>://</a:t>
-            </a:r>
-            <a:r>
-              <a:rPr lang="en-US" sz="1300" dirty="0" smtClean="0">
-                <a:latin typeface="Arial Narrow" pitchFamily="34" charset="0"/>
-                <a:hlinkClick r:id="rId3"/>
-              </a:rPr>
-              <a:t>caGrid.caBIG/1.0/gov.nih.nci.cagrid.dcql</a:t>
-            </a:r>
-            <a:r>
-              <a:rPr lang="en-US" sz="1300" dirty="0" smtClean="0">
-                <a:latin typeface="Arial Narrow" pitchFamily="34" charset="0"/>
-              </a:rPr>
-              <a:t>&gt;</a:t>
-            </a:r>
-          </a:p>
-          <a:p>
-            <a:r>
-              <a:rPr lang="en-US" sz="1300" dirty="0" smtClean="0">
-                <a:latin typeface="Arial Narrow" pitchFamily="34" charset="0"/>
-              </a:rPr>
-              <a:t>   </a:t>
-            </a:r>
-            <a:r>
-              <a:rPr lang="en-US" sz="1300" dirty="0" smtClean="0">
-                <a:solidFill>
-                  <a:srgbClr val="C00000"/>
-                </a:solidFill>
-                <a:latin typeface="Arial Narrow" pitchFamily="34" charset="0"/>
-              </a:rPr>
-              <a:t>&lt;</a:t>
-            </a:r>
-            <a:r>
-              <a:rPr lang="en-US" sz="1300" dirty="0" smtClean="0">
-                <a:solidFill>
-                  <a:srgbClr val="C00000"/>
-                </a:solidFill>
-                <a:latin typeface="Arial Narrow" pitchFamily="34" charset="0"/>
-              </a:rPr>
-              <a:t>ns1:TargetObject name="model1.domain.Gene</a:t>
-            </a:r>
-            <a:r>
-              <a:rPr lang="en-US" sz="1300" dirty="0" smtClean="0">
-                <a:solidFill>
-                  <a:srgbClr val="C00000"/>
-                </a:solidFill>
-                <a:latin typeface="Arial Narrow" pitchFamily="34" charset="0"/>
-              </a:rPr>
-              <a:t>"&gt;</a:t>
-            </a:r>
-          </a:p>
-          <a:p>
-            <a:r>
-              <a:rPr lang="en-US" sz="1300" dirty="0" smtClean="0">
-                <a:latin typeface="Arial Narrow" pitchFamily="34" charset="0"/>
-              </a:rPr>
-              <a:t>      </a:t>
-            </a:r>
-            <a:r>
-              <a:rPr lang="en-US" sz="1300" dirty="0" smtClean="0">
-                <a:solidFill>
-                  <a:srgbClr val="00B050"/>
-                </a:solidFill>
-                <a:latin typeface="Arial Narrow" pitchFamily="34" charset="0"/>
-              </a:rPr>
-              <a:t>&lt;</a:t>
-            </a:r>
-            <a:r>
-              <a:rPr lang="en-US" sz="1300" dirty="0" smtClean="0">
-                <a:solidFill>
-                  <a:srgbClr val="00B050"/>
-                </a:solidFill>
-                <a:latin typeface="Arial Narrow" pitchFamily="34" charset="0"/>
-              </a:rPr>
-              <a:t>ns1:Association name="model1.domain.Term" </a:t>
-            </a:r>
-            <a:r>
-              <a:rPr lang="en-US" sz="1300" dirty="0" err="1" smtClean="0">
-                <a:solidFill>
-                  <a:srgbClr val="00B050"/>
-                </a:solidFill>
-                <a:latin typeface="Arial Narrow" pitchFamily="34" charset="0"/>
-              </a:rPr>
-              <a:t>roleName</a:t>
-            </a:r>
-            <a:r>
-              <a:rPr lang="en-US" sz="1300" dirty="0" smtClean="0">
-                <a:solidFill>
-                  <a:srgbClr val="00B050"/>
-                </a:solidFill>
-                <a:latin typeface="Arial Narrow" pitchFamily="34" charset="0"/>
-              </a:rPr>
-              <a:t>="terms</a:t>
-            </a:r>
-            <a:r>
-              <a:rPr lang="en-US" sz="1300" dirty="0" smtClean="0">
-                <a:solidFill>
-                  <a:srgbClr val="00B050"/>
-                </a:solidFill>
-                <a:latin typeface="Arial Narrow" pitchFamily="34" charset="0"/>
-              </a:rPr>
-              <a:t>"&gt;</a:t>
-            </a:r>
-          </a:p>
-          <a:p>
-            <a:r>
-              <a:rPr lang="en-US" sz="1300" dirty="0" smtClean="0">
-                <a:latin typeface="Arial Narrow" pitchFamily="34" charset="0"/>
-              </a:rPr>
-              <a:t>         </a:t>
-            </a:r>
-            <a:r>
-              <a:rPr lang="en-US" sz="1300" dirty="0" smtClean="0">
-                <a:solidFill>
-                  <a:srgbClr val="0070C0"/>
-                </a:solidFill>
-                <a:latin typeface="Arial Narrow" pitchFamily="34" charset="0"/>
-              </a:rPr>
-              <a:t>&lt;</a:t>
-            </a:r>
-            <a:r>
-              <a:rPr lang="en-US" sz="1300" dirty="0" smtClean="0">
-                <a:solidFill>
-                  <a:srgbClr val="0070C0"/>
-                </a:solidFill>
-                <a:latin typeface="Arial Narrow" pitchFamily="34" charset="0"/>
-              </a:rPr>
-              <a:t>ns1:Attribute name="value" predicate="EQUAL_TO" value="root</a:t>
-            </a:r>
-            <a:r>
-              <a:rPr lang="en-US" sz="1300" dirty="0" smtClean="0">
-                <a:solidFill>
-                  <a:srgbClr val="0070C0"/>
-                </a:solidFill>
-                <a:latin typeface="Arial Narrow" pitchFamily="34" charset="0"/>
-              </a:rPr>
-              <a:t>"/&gt;</a:t>
-            </a:r>
-          </a:p>
-          <a:p>
-            <a:r>
-              <a:rPr lang="en-US" sz="1300" dirty="0" smtClean="0">
-                <a:latin typeface="Arial Narrow" pitchFamily="34" charset="0"/>
-              </a:rPr>
-              <a:t>      </a:t>
-            </a:r>
-            <a:r>
-              <a:rPr lang="en-US" sz="1300" dirty="0" smtClean="0">
-                <a:solidFill>
-                  <a:srgbClr val="00B050"/>
-                </a:solidFill>
-                <a:latin typeface="Arial Narrow" pitchFamily="34" charset="0"/>
-              </a:rPr>
-              <a:t>&lt;/</a:t>
-            </a:r>
-            <a:r>
-              <a:rPr lang="en-US" sz="1300" dirty="0" smtClean="0">
-                <a:solidFill>
-                  <a:srgbClr val="00B050"/>
-                </a:solidFill>
-                <a:latin typeface="Arial Narrow" pitchFamily="34" charset="0"/>
-              </a:rPr>
-              <a:t>ns1:Association</a:t>
-            </a:r>
-            <a:r>
-              <a:rPr lang="en-US" sz="1300" dirty="0" smtClean="0">
-                <a:solidFill>
-                  <a:srgbClr val="00B050"/>
-                </a:solidFill>
-                <a:latin typeface="Arial Narrow" pitchFamily="34" charset="0"/>
-              </a:rPr>
-              <a:t>&gt;</a:t>
-            </a:r>
-          </a:p>
-          <a:p>
-            <a:r>
-              <a:rPr lang="en-US" sz="1300" dirty="0" smtClean="0">
-                <a:latin typeface="Arial Narrow" pitchFamily="34" charset="0"/>
-              </a:rPr>
-              <a:t>    </a:t>
-            </a:r>
-            <a:r>
-              <a:rPr lang="en-US" sz="1300" dirty="0" smtClean="0">
-                <a:solidFill>
-                  <a:srgbClr val="C00000"/>
-                </a:solidFill>
-                <a:latin typeface="Arial Narrow" pitchFamily="34" charset="0"/>
-              </a:rPr>
-              <a:t>&lt;/ns1:TargetObject</a:t>
-            </a:r>
-            <a:r>
-              <a:rPr lang="en-US" sz="1300" dirty="0" smtClean="0">
-                <a:solidFill>
-                  <a:srgbClr val="C00000"/>
-                </a:solidFill>
-                <a:latin typeface="Arial Narrow" pitchFamily="34" charset="0"/>
-              </a:rPr>
-              <a:t>&gt;</a:t>
-            </a:r>
-          </a:p>
-          <a:p>
-            <a:r>
-              <a:rPr lang="en-US" sz="1300" dirty="0" smtClean="0">
-                <a:latin typeface="Arial Narrow" pitchFamily="34" charset="0"/>
-              </a:rPr>
-              <a:t>   </a:t>
-            </a:r>
-            <a:r>
-              <a:rPr lang="en-US" sz="1300" dirty="0" smtClean="0">
-                <a:solidFill>
-                  <a:srgbClr val="7030A0"/>
-                </a:solidFill>
-                <a:latin typeface="Arial Narrow" pitchFamily="34" charset="0"/>
-              </a:rPr>
-              <a:t>&lt;</a:t>
-            </a:r>
-            <a:r>
-              <a:rPr lang="en-US" sz="1300" dirty="0" smtClean="0">
-                <a:solidFill>
-                  <a:srgbClr val="7030A0"/>
-                </a:solidFill>
-                <a:latin typeface="Arial Narrow" pitchFamily="34" charset="0"/>
-              </a:rPr>
-              <a:t>ns1:targetServiceURL&gt;http://</a:t>
-            </a:r>
-            <a:r>
-              <a:rPr lang="en-US" sz="1300" dirty="0" smtClean="0">
-                <a:solidFill>
-                  <a:srgbClr val="7030A0"/>
-                </a:solidFill>
-                <a:latin typeface="Arial Narrow" pitchFamily="34" charset="0"/>
-              </a:rPr>
-              <a:t>sbdev1000.semanticbits.com:13080/wsrf-model1/services/cagrid/Model1Svc&lt;/</a:t>
-            </a:r>
-            <a:r>
-              <a:rPr lang="en-US" sz="1300" dirty="0" smtClean="0">
-                <a:solidFill>
-                  <a:srgbClr val="7030A0"/>
-                </a:solidFill>
-                <a:latin typeface="Arial Narrow" pitchFamily="34" charset="0"/>
-              </a:rPr>
-              <a:t>ns1:targetServiceURL</a:t>
-            </a:r>
-            <a:r>
-              <a:rPr lang="en-US" sz="1300" dirty="0" smtClean="0">
-                <a:solidFill>
-                  <a:srgbClr val="7030A0"/>
-                </a:solidFill>
-                <a:latin typeface="Arial Narrow" pitchFamily="34" charset="0"/>
-              </a:rPr>
-              <a:t>&gt;</a:t>
-            </a:r>
-          </a:p>
-          <a:p>
-            <a:r>
-              <a:rPr lang="en-US" sz="1300" dirty="0" smtClean="0">
-                <a:solidFill>
-                  <a:srgbClr val="7030A0"/>
-                </a:solidFill>
-                <a:latin typeface="Arial Narrow" pitchFamily="34" charset="0"/>
-              </a:rPr>
-              <a:t>   &lt;</a:t>
-            </a:r>
-            <a:r>
-              <a:rPr lang="en-US" sz="1300" dirty="0" smtClean="0">
-                <a:solidFill>
-                  <a:srgbClr val="7030A0"/>
-                </a:solidFill>
-                <a:latin typeface="Arial Narrow" pitchFamily="34" charset="0"/>
-              </a:rPr>
-              <a:t>ns1:targetServiceURL&gt;http://sbdev1000.semanticbits.com:13080/wsrf-model1-a/services/cagrid/Model1Svc&lt;/ns1:targetServiceURL</a:t>
-            </a:r>
-            <a:r>
-              <a:rPr lang="en-US" sz="1300" dirty="0" smtClean="0">
-                <a:solidFill>
-                  <a:srgbClr val="7030A0"/>
-                </a:solidFill>
-                <a:latin typeface="Arial Narrow" pitchFamily="34" charset="0"/>
-              </a:rPr>
-              <a:t>&gt;</a:t>
-            </a:r>
-          </a:p>
-          <a:p>
-            <a:r>
-              <a:rPr lang="en-US" sz="1300" dirty="0" smtClean="0">
-                <a:latin typeface="Arial Narrow" pitchFamily="34" charset="0"/>
-              </a:rPr>
-              <a:t>&lt;/</a:t>
-            </a:r>
-            <a:r>
-              <a:rPr lang="en-US" sz="1300" dirty="0" smtClean="0">
-                <a:latin typeface="Arial Narrow" pitchFamily="34" charset="0"/>
-              </a:rPr>
-              <a:t>ns1:DCQLQuery&gt;</a:t>
-            </a:r>
-            <a:endParaRPr lang="en-US" sz="1300" dirty="0">
-              <a:latin typeface="Arial Narrow" pitchFamily="34" charset="0"/>
-            </a:endParaRPr>
+            <a:r>
+              <a:rPr lang="en-US" sz="2000" kern="0" dirty="0" smtClean="0"/>
+              <a:t>Query execution parameters specify 10 retries, 30 seconds apart if a </a:t>
+            </a:r>
+            <a:r>
+              <a:rPr lang="en-US" sz="2000" kern="0" smtClean="0"/>
+              <a:t>target service fails</a:t>
+            </a:r>
+            <a:endParaRPr lang="en-US" sz="2000" kern="0" dirty="0" smtClean="0"/>
+          </a:p>
+          <a:p>
+            <a:pPr marL="800100" lvl="1" indent="-342900">
+              <a:spcBef>
+                <a:spcPct val="20000"/>
+              </a:spcBef>
+              <a:buClr>
+                <a:srgbClr val="00AAF6"/>
+              </a:buClr>
+              <a:buFontTx/>
+              <a:buChar char="•"/>
+              <a:defRPr/>
+            </a:pPr>
+            <a:r>
+              <a:rPr lang="en-US" sz="2000" kern="0" dirty="0" smtClean="0"/>
+              <a:t>The query is executed asynchronously, passing the delegation reference and the query execution parameters</a:t>
+            </a:r>
           </a:p>
         </p:txBody>
       </p:sp>
@@ -22380,11 +22530,7 @@
             <a:pPr eaLnBrk="1" hangingPunct="1"/>
             <a:r>
               <a:rPr lang="en-US" dirty="0" smtClean="0"/>
-              <a:t>DCQL </a:t>
-            </a:r>
-            <a:r>
-              <a:rPr lang="en-US" dirty="0" smtClean="0"/>
-              <a:t>Distributed Join Example</a:t>
+              <a:t>Federated Query Example</a:t>
             </a:r>
             <a:endParaRPr lang="en-US" dirty="0" smtClean="0"/>
           </a:p>
@@ -22401,7 +22547,7 @@
         <p:spPr bwMode="auto">
           <a:xfrm>
             <a:off x="228600" y="1219200"/>
-            <a:ext cx="8458200" cy="5105400"/>
+            <a:ext cx="8458200" cy="5181600"/>
           </a:xfrm>
           <a:prstGeom prst="rect">
             <a:avLst/>
@@ -22434,371 +22580,34 @@
               <a:buChar char="•"/>
               <a:defRPr/>
             </a:pPr>
-            <a:r>
-              <a:rPr lang="en-US" sz="2000" b="1" kern="0" dirty="0" smtClean="0"/>
-              <a:t>Joins between disparate data models and services</a:t>
-            </a:r>
-          </a:p>
-          <a:p>
-            <a:pPr marL="800100" lvl="1" indent="-342900">
-              <a:spcBef>
-                <a:spcPct val="20000"/>
-              </a:spcBef>
-              <a:buClr>
-                <a:srgbClr val="00AAF6"/>
-              </a:buClr>
-              <a:buFontTx/>
-              <a:buChar char="•"/>
-              <a:defRPr/>
-            </a:pPr>
-            <a:r>
-              <a:rPr lang="en-US" sz="2000" kern="0" dirty="0" smtClean="0"/>
-              <a:t>Simple join criteria on attribute values</a:t>
-            </a:r>
-          </a:p>
-          <a:p>
-            <a:pPr marL="342900" indent="-342900">
-              <a:spcBef>
-                <a:spcPct val="20000"/>
-              </a:spcBef>
-              <a:buClr>
-                <a:srgbClr val="00AAF6"/>
-              </a:buClr>
-              <a:buFontTx/>
-              <a:buChar char="•"/>
-              <a:defRPr/>
-            </a:pPr>
-            <a:r>
-              <a:rPr lang="en-US" sz="2000" b="1" kern="0" dirty="0" smtClean="0"/>
-              <a:t>Example Query</a:t>
-            </a:r>
-          </a:p>
-          <a:p>
-            <a:pPr marL="800100" lvl="1" indent="-342900">
-              <a:spcBef>
-                <a:spcPct val="20000"/>
-              </a:spcBef>
-              <a:buClr>
-                <a:srgbClr val="00AAF6"/>
-              </a:buClr>
-              <a:buFontTx/>
-              <a:buChar char="•"/>
-              <a:defRPr/>
-            </a:pPr>
-            <a:r>
-              <a:rPr lang="en-US" sz="2000" kern="0" dirty="0" smtClean="0">
-                <a:solidFill>
-                  <a:srgbClr val="C00000"/>
-                </a:solidFill>
-              </a:rPr>
-              <a:t>Return instances of </a:t>
-            </a:r>
-            <a:r>
-              <a:rPr lang="en-US" sz="2000" kern="0" dirty="0" err="1" smtClean="0">
-                <a:solidFill>
-                  <a:srgbClr val="C00000"/>
-                </a:solidFill>
-              </a:rPr>
-              <a:t>caBIO</a:t>
-            </a:r>
-            <a:r>
-              <a:rPr lang="en-US" sz="2000" kern="0" dirty="0" smtClean="0">
-                <a:solidFill>
-                  <a:srgbClr val="C00000"/>
-                </a:solidFill>
-              </a:rPr>
-              <a:t> model’s </a:t>
-            </a:r>
-            <a:r>
-              <a:rPr lang="en-US" sz="2000" i="1" kern="0" dirty="0" err="1" smtClean="0">
-                <a:solidFill>
-                  <a:srgbClr val="C00000"/>
-                </a:solidFill>
-              </a:rPr>
-              <a:t>NucleicAcidSequence</a:t>
-            </a:r>
-            <a:endParaRPr lang="en-US" sz="2000" i="1" kern="0" dirty="0" smtClean="0">
-              <a:solidFill>
-                <a:srgbClr val="C00000"/>
-              </a:solidFill>
-            </a:endParaRPr>
-          </a:p>
-          <a:p>
-            <a:pPr marL="800100" lvl="1" indent="-342900">
-              <a:spcBef>
-                <a:spcPct val="20000"/>
-              </a:spcBef>
-              <a:buClr>
-                <a:srgbClr val="00AAF6"/>
-              </a:buClr>
-              <a:buFontTx/>
-              <a:buChar char="•"/>
-              <a:defRPr/>
-            </a:pPr>
-            <a:r>
-              <a:rPr lang="en-US" sz="2000" dirty="0" smtClean="0"/>
-              <a:t>Each </a:t>
-            </a:r>
-            <a:r>
-              <a:rPr lang="en-US" sz="2000" i="1" dirty="0" smtClean="0"/>
-              <a:t>sequence </a:t>
-            </a:r>
-            <a:r>
-              <a:rPr lang="en-US" sz="2000" dirty="0" smtClean="0"/>
-              <a:t>must have an </a:t>
-            </a:r>
-            <a:r>
-              <a:rPr lang="en-US" sz="2000" dirty="0" smtClean="0">
-                <a:solidFill>
-                  <a:srgbClr val="00B050"/>
-                </a:solidFill>
-              </a:rPr>
-              <a:t>association to a </a:t>
-            </a:r>
-            <a:r>
-              <a:rPr lang="en-US" sz="2000" i="1" dirty="0" smtClean="0">
-                <a:solidFill>
-                  <a:srgbClr val="00B050"/>
-                </a:solidFill>
-              </a:rPr>
-              <a:t>Gene </a:t>
-            </a:r>
-            <a:r>
-              <a:rPr lang="en-US" sz="2000" dirty="0" smtClean="0"/>
-              <a:t>through the role name </a:t>
-            </a:r>
-            <a:r>
-              <a:rPr lang="en-US" sz="2000" i="1" dirty="0" err="1" smtClean="0"/>
-              <a:t>geneCollection</a:t>
-            </a:r>
-            <a:endParaRPr lang="en-US" sz="2000" i="1" dirty="0" smtClean="0"/>
-          </a:p>
-          <a:p>
-            <a:pPr marL="800100" lvl="1" indent="-342900">
-              <a:spcBef>
-                <a:spcPct val="20000"/>
-              </a:spcBef>
-              <a:buClr>
-                <a:srgbClr val="00AAF6"/>
-              </a:buClr>
-              <a:buFontTx/>
-              <a:buChar char="•"/>
-              <a:defRPr/>
-            </a:pPr>
-            <a:r>
-              <a:rPr lang="en-US" sz="2000" dirty="0" smtClean="0"/>
-              <a:t>Each </a:t>
-            </a:r>
-            <a:r>
-              <a:rPr lang="en-US" sz="2000" i="1" dirty="0" smtClean="0"/>
-              <a:t>gene</a:t>
-            </a:r>
-            <a:r>
-              <a:rPr lang="en-US" sz="2000" dirty="0" smtClean="0"/>
-              <a:t> has an </a:t>
-            </a:r>
-            <a:r>
-              <a:rPr lang="en-US" sz="2000" dirty="0" smtClean="0">
-                <a:solidFill>
-                  <a:srgbClr val="00B0F0"/>
-                </a:solidFill>
-              </a:rPr>
-              <a:t>association to Protein</a:t>
-            </a:r>
-            <a:r>
-              <a:rPr lang="en-US" sz="2000" dirty="0" smtClean="0"/>
-              <a:t> through </a:t>
-            </a:r>
-            <a:r>
-              <a:rPr lang="en-US" sz="2000" i="1" dirty="0" err="1" smtClean="0"/>
-              <a:t>proteinCollection</a:t>
-            </a:r>
-            <a:endParaRPr lang="en-US" sz="2000" i="1" dirty="0" smtClean="0"/>
-          </a:p>
-          <a:p>
-            <a:pPr marL="800100" lvl="1" indent="-342900">
-              <a:spcBef>
-                <a:spcPct val="20000"/>
-              </a:spcBef>
-              <a:buClr>
-                <a:srgbClr val="00AAF6"/>
-              </a:buClr>
-              <a:buFontTx/>
-              <a:buChar char="•"/>
-              <a:defRPr/>
-            </a:pPr>
-            <a:r>
-              <a:rPr lang="en-US" sz="2000" dirty="0" smtClean="0"/>
-              <a:t>A </a:t>
-            </a:r>
-            <a:r>
-              <a:rPr lang="en-US" sz="2000" i="1" dirty="0" err="1" smtClean="0">
-                <a:solidFill>
-                  <a:srgbClr val="FF9900"/>
-                </a:solidFill>
-              </a:rPr>
-              <a:t>ForeignAssociation</a:t>
-            </a:r>
-            <a:r>
-              <a:rPr lang="en-US" sz="2000" dirty="0" smtClean="0">
-                <a:solidFill>
-                  <a:srgbClr val="FF9900"/>
-                </a:solidFill>
-              </a:rPr>
-              <a:t> </a:t>
-            </a:r>
-            <a:r>
-              <a:rPr lang="en-US" sz="2000" dirty="0" smtClean="0"/>
-              <a:t>indicates a new query is started against a different caGrid data service (</a:t>
-            </a:r>
-            <a:r>
-              <a:rPr lang="en-US" sz="2000" i="1" dirty="0" err="1" smtClean="0"/>
-              <a:t>gridPIR</a:t>
-            </a:r>
-            <a:r>
-              <a:rPr lang="en-US" sz="2000" i="1" dirty="0" smtClean="0"/>
-              <a:t>)</a:t>
-            </a:r>
-            <a:endParaRPr lang="en-US" sz="2000" dirty="0" smtClean="0"/>
-          </a:p>
-          <a:p>
-            <a:pPr marL="800100" lvl="1" indent="-342900">
-              <a:spcBef>
-                <a:spcPct val="20000"/>
-              </a:spcBef>
-              <a:buClr>
-                <a:srgbClr val="00AAF6"/>
-              </a:buClr>
-              <a:buFontTx/>
-              <a:buChar char="•"/>
-              <a:defRPr/>
-            </a:pPr>
-            <a:r>
-              <a:rPr lang="en-US" sz="2000" dirty="0" smtClean="0"/>
-              <a:t>The </a:t>
-            </a:r>
-            <a:r>
-              <a:rPr lang="en-US" sz="2000" i="1" dirty="0" err="1" smtClean="0">
-                <a:solidFill>
-                  <a:srgbClr val="FF9900"/>
-                </a:solidFill>
-              </a:rPr>
-              <a:t>JoinCondition</a:t>
-            </a:r>
-            <a:r>
-              <a:rPr lang="en-US" sz="2000" dirty="0" smtClean="0">
-                <a:solidFill>
-                  <a:srgbClr val="FF9900"/>
-                </a:solidFill>
-              </a:rPr>
-              <a:t> </a:t>
-            </a:r>
-            <a:r>
-              <a:rPr lang="en-US" sz="2000" dirty="0" smtClean="0"/>
-              <a:t>element indicates how a field from the “foreign” data type relates to a field of the “origin” data type</a:t>
-            </a:r>
-          </a:p>
-          <a:p>
-            <a:pPr marL="800100" lvl="1" indent="-342900">
-              <a:spcBef>
-                <a:spcPct val="20000"/>
-              </a:spcBef>
-              <a:buClr>
-                <a:srgbClr val="00AAF6"/>
-              </a:buClr>
-              <a:buFontTx/>
-              <a:buChar char="•"/>
-              <a:defRPr/>
-            </a:pPr>
-            <a:r>
-              <a:rPr lang="en-US" sz="2000" dirty="0" smtClean="0">
-                <a:solidFill>
-                  <a:srgbClr val="7030A0"/>
-                </a:solidFill>
-              </a:rPr>
-              <a:t>The foreign data type is </a:t>
-            </a:r>
-            <a:r>
-              <a:rPr lang="en-US" sz="2000" i="1" dirty="0" smtClean="0">
-                <a:solidFill>
-                  <a:srgbClr val="7030A0"/>
-                </a:solidFill>
-              </a:rPr>
-              <a:t>Protein</a:t>
-            </a:r>
-          </a:p>
-          <a:p>
-            <a:pPr marL="800100" lvl="1" indent="-342900">
-              <a:spcBef>
-                <a:spcPct val="20000"/>
-              </a:spcBef>
-              <a:buClr>
-                <a:srgbClr val="00AAF6"/>
-              </a:buClr>
-              <a:buFontTx/>
-              <a:buChar char="•"/>
-              <a:defRPr/>
-            </a:pPr>
-            <a:r>
-              <a:rPr lang="en-US" sz="2000" dirty="0" smtClean="0"/>
-              <a:t>Each protein instance must have</a:t>
-            </a:r>
-            <a:r>
-              <a:rPr lang="en-US" sz="2000" dirty="0" smtClean="0">
-                <a:solidFill>
-                  <a:srgbClr val="0070C0"/>
-                </a:solidFill>
-              </a:rPr>
-              <a:t> two associations;</a:t>
-            </a:r>
-            <a:r>
-              <a:rPr lang="en-US" sz="2000" dirty="0" smtClean="0"/>
-              <a:t> one to </a:t>
-            </a:r>
-            <a:r>
-              <a:rPr lang="en-US" sz="2000" i="1" dirty="0" smtClean="0"/>
-              <a:t>Gene</a:t>
-            </a:r>
-            <a:r>
-              <a:rPr lang="en-US" sz="2000" dirty="0" smtClean="0"/>
-              <a:t> and one to </a:t>
-            </a:r>
-            <a:r>
-              <a:rPr lang="en-US" sz="2000" i="1" dirty="0" smtClean="0"/>
-              <a:t>Organism </a:t>
-            </a:r>
-            <a:r>
-              <a:rPr lang="en-US" sz="2000" dirty="0" smtClean="0"/>
-              <a:t>(both within </a:t>
-            </a:r>
-            <a:r>
-              <a:rPr lang="en-US" sz="2000" dirty="0" err="1" smtClean="0"/>
-              <a:t>gridPIR</a:t>
-            </a:r>
-            <a:r>
-              <a:rPr lang="en-US" sz="2000" dirty="0" smtClean="0"/>
-              <a:t>)</a:t>
-            </a:r>
-            <a:endParaRPr lang="en-US" sz="2000" dirty="0" smtClean="0"/>
-          </a:p>
-          <a:p>
-            <a:pPr marL="800100" lvl="1" indent="-342900">
-              <a:spcBef>
-                <a:spcPct val="20000"/>
-              </a:spcBef>
-              <a:buClr>
-                <a:srgbClr val="00AAF6"/>
-              </a:buClr>
-              <a:buFontTx/>
-              <a:buChar char="•"/>
-              <a:defRPr/>
-            </a:pPr>
-            <a:endParaRPr lang="en-US" sz="2000" kern="0" dirty="0" smtClean="0">
-              <a:latin typeface="+mn-lt"/>
-            </a:endParaRPr>
+            <a:endParaRPr lang="en-US" kern="0" dirty="0" smtClean="0"/>
           </a:p>
         </p:txBody>
       </p:sp>
+      <p:pic>
+        <p:nvPicPr>
+          <p:cNvPr id="6" name="Picture 5" descr="FQP example 1.png"/>
+          <p:cNvPicPr>
+            <a:picLocks noChangeAspect="1"/>
+          </p:cNvPicPr>
+          <p:nvPr/>
+        </p:nvPicPr>
+        <p:blipFill>
+          <a:blip r:embed="rId3" cstate="print"/>
+          <a:stretch>
+            <a:fillRect/>
+          </a:stretch>
+        </p:blipFill>
+        <p:spPr>
+          <a:xfrm>
+            <a:off x="28575" y="1219200"/>
+            <a:ext cx="9086850" cy="5295900"/>
+          </a:xfrm>
+          <a:prstGeom prst="rect">
+            <a:avLst/>
+          </a:prstGeom>
+        </p:spPr>
+      </p:pic>
     </p:spTree>
   </p:cSld>
   <p:clrMapOvr>
@@ -22849,6 +22658,1628 @@
             <a:pPr eaLnBrk="1" hangingPunct="1"/>
             <a:r>
               <a:rPr lang="en-US" dirty="0" smtClean="0"/>
+              <a:t>Federated Query Resource Properties</a:t>
+            </a:r>
+            <a:endParaRPr lang="en-US" dirty="0" smtClean="0"/>
+          </a:p>
+        </p:txBody>
+      </p:sp>
+      <p:sp>
+        <p:nvSpPr>
+          <p:cNvPr id="4" name="Content Placeholder 2"/>
+          <p:cNvSpPr txBox="1">
+            <a:spLocks/>
+          </p:cNvSpPr>
+          <p:nvPr/>
+        </p:nvSpPr>
+        <p:spPr bwMode="auto">
+          <a:xfrm>
+            <a:off x="228600" y="1219200"/>
+            <a:ext cx="8458200" cy="5181600"/>
+          </a:xfrm>
+          <a:prstGeom prst="rect">
+            <a:avLst/>
+          </a:prstGeom>
+          <a:noFill/>
+          <a:ln w="9525">
+            <a:noFill/>
+            <a:miter lim="800000"/>
+            <a:headEnd/>
+            <a:tailEnd/>
+          </a:ln>
+          <a:effectLst/>
+        </p:spPr>
+        <p:txBody>
+          <a:bodyPr vert="horz" wrap="square" lIns="91440" tIns="45720" rIns="91440" bIns="45720" numCol="1" anchor="t" anchorCtr="0" compatLnSpc="1">
+            <a:prstTxWarp prst="textNoShape">
+              <a:avLst/>
+            </a:prstTxWarp>
+          </a:bodyPr>
+          <a:lstStyle/>
+          <a:p>
+            <a:pPr marL="342900" indent="-342900">
+              <a:spcBef>
+                <a:spcPct val="20000"/>
+              </a:spcBef>
+              <a:buClr>
+                <a:srgbClr val="00AAF6"/>
+              </a:buClr>
+              <a:buFontTx/>
+              <a:buChar char="•"/>
+              <a:defRPr/>
+            </a:pPr>
+            <a:r>
+              <a:rPr lang="en-US" sz="2000" b="1" kern="0" dirty="0" smtClean="0">
+                <a:latin typeface="+mn-lt"/>
+              </a:rPr>
+              <a:t>The FQP Results Service publishes execution status through a resource property</a:t>
+            </a:r>
+          </a:p>
+          <a:p>
+            <a:pPr marL="800100" lvl="1" indent="-342900">
+              <a:spcBef>
+                <a:spcPct val="20000"/>
+              </a:spcBef>
+              <a:buClr>
+                <a:srgbClr val="00AAF6"/>
+              </a:buClr>
+              <a:buFontTx/>
+              <a:buChar char="•"/>
+              <a:defRPr/>
+            </a:pPr>
+            <a:r>
+              <a:rPr lang="en-US" sz="2000" kern="0" dirty="0" smtClean="0">
+                <a:latin typeface="+mn-lt"/>
+              </a:rPr>
+              <a:t>Contains the processing status of the DCQL query</a:t>
+            </a:r>
+          </a:p>
+          <a:p>
+            <a:pPr marL="1257300" lvl="2" indent="-342900">
+              <a:spcBef>
+                <a:spcPct val="20000"/>
+              </a:spcBef>
+              <a:buClr>
+                <a:srgbClr val="00AAF6"/>
+              </a:buClr>
+              <a:buFontTx/>
+              <a:buChar char="•"/>
+              <a:defRPr/>
+            </a:pPr>
+            <a:r>
+              <a:rPr lang="en-US" kern="0" dirty="0" smtClean="0">
+                <a:latin typeface="+mn-lt"/>
+              </a:rPr>
+              <a:t>Waiting, Processing, Complete, Complete with error</a:t>
+            </a:r>
+          </a:p>
+          <a:p>
+            <a:pPr marL="800100" lvl="1" indent="-342900">
+              <a:spcBef>
+                <a:spcPct val="20000"/>
+              </a:spcBef>
+              <a:buClr>
+                <a:srgbClr val="00AAF6"/>
+              </a:buClr>
+              <a:buFontTx/>
+              <a:buChar char="•"/>
+              <a:defRPr/>
+            </a:pPr>
+            <a:r>
+              <a:rPr lang="en-US" sz="2000" kern="0" dirty="0" smtClean="0">
+                <a:latin typeface="+mn-lt"/>
+              </a:rPr>
+              <a:t>Indicates which target data services have been contacted and what the status of that query execution was</a:t>
+            </a:r>
+          </a:p>
+          <a:p>
+            <a:pPr marL="1257300" lvl="2" indent="-342900">
+              <a:spcBef>
+                <a:spcPct val="20000"/>
+              </a:spcBef>
+              <a:buClr>
+                <a:srgbClr val="00AAF6"/>
+              </a:buClr>
+              <a:buFontTx/>
+              <a:buChar char="•"/>
+              <a:defRPr/>
+            </a:pPr>
+            <a:r>
+              <a:rPr lang="en-US" kern="0" dirty="0" smtClean="0">
+                <a:latin typeface="+mn-lt"/>
+              </a:rPr>
+              <a:t>Completed, Connection problem, other Exception</a:t>
+            </a:r>
+          </a:p>
+          <a:p>
+            <a:pPr marL="800100" lvl="1" indent="-342900">
+              <a:spcBef>
+                <a:spcPct val="20000"/>
+              </a:spcBef>
+              <a:buClr>
+                <a:srgbClr val="00AAF6"/>
+              </a:buClr>
+              <a:buFontTx/>
+              <a:buChar char="•"/>
+              <a:defRPr/>
+            </a:pPr>
+            <a:r>
+              <a:rPr lang="en-US" sz="2000" kern="0" dirty="0" smtClean="0">
+                <a:latin typeface="+mn-lt"/>
+              </a:rPr>
+              <a:t>Identifies the range in the result set which was generated by each target data service</a:t>
+            </a:r>
+          </a:p>
+          <a:p>
+            <a:pPr marL="1257300" lvl="2" indent="-342900">
+              <a:spcBef>
+                <a:spcPct val="20000"/>
+              </a:spcBef>
+              <a:buClr>
+                <a:srgbClr val="00AAF6"/>
+              </a:buClr>
+              <a:buFontTx/>
+              <a:buChar char="•"/>
+              <a:defRPr/>
+            </a:pPr>
+            <a:r>
+              <a:rPr lang="en-US" kern="0" dirty="0" smtClean="0">
+                <a:latin typeface="+mn-lt"/>
+              </a:rPr>
+              <a:t>Even in aggregation scenarios, it is possible to poll this value and identify the context for each result</a:t>
+            </a:r>
+          </a:p>
+          <a:p>
+            <a:pPr marL="800100" lvl="1" indent="-342900">
+              <a:spcBef>
+                <a:spcPct val="20000"/>
+              </a:spcBef>
+              <a:buClr>
+                <a:srgbClr val="00AAF6"/>
+              </a:buClr>
+              <a:buFontTx/>
+              <a:buChar char="•"/>
+              <a:defRPr/>
+            </a:pPr>
+            <a:endParaRPr lang="en-US" kern="0" dirty="0" smtClean="0"/>
+          </a:p>
+        </p:txBody>
+      </p:sp>
+    </p:spTree>
+  </p:cSld>
+  <p:clrMapOvr>
+    <a:masterClrMapping/>
+  </p:clrMapOvr>
+  <p:timing>
+    <p:tnLst>
+      <p:par>
+        <p:cTn id="1" dur="indefinite" restart="never" nodeType="tmRoot"/>
+      </p:par>
+    </p:tnLst>
+  </p:timing>
+</p:sld>
+</file>
+
+<file path=ppt/slides/slide63.xml><?xml version="1.0" encoding="utf-8"?>
+<p:sld xmlns:a="http://schemas.openxmlformats.org/drawingml/2006/main" xmlns:r="http://schemas.openxmlformats.org/officeDocument/2006/relationships" xmlns:p="http://schemas.openxmlformats.org/presentationml/2006/main">
+  <p:cSld>
+    <p:spTree>
+      <p:nvGrpSpPr>
+        <p:cNvPr id="1" name=""/>
+        <p:cNvGrpSpPr/>
+        <p:nvPr/>
+      </p:nvGrpSpPr>
+      <p:grpSpPr>
+        <a:xfrm>
+          <a:off x="0" y="0"/>
+          <a:ext cx="0" cy="0"/>
+          <a:chOff x="0" y="0"/>
+          <a:chExt cx="0" cy="0"/>
+        </a:xfrm>
+      </p:grpSpPr>
+      <p:sp>
+        <p:nvSpPr>
+          <p:cNvPr id="59394" name="Rectangle 2"/>
+          <p:cNvSpPr>
+            <a:spLocks noGrp="1" noChangeArrowheads="1"/>
+          </p:cNvSpPr>
+          <p:nvPr>
+            <p:ph type="title"/>
+          </p:nvPr>
+        </p:nvSpPr>
+        <p:spPr/>
+        <p:txBody>
+          <a:bodyPr/>
+          <a:lstStyle/>
+          <a:p>
+            <a:pPr eaLnBrk="1" hangingPunct="1"/>
+            <a:r>
+              <a:rPr lang="en-US" dirty="0" smtClean="0"/>
+              <a:t>Federated Query Resource Properties</a:t>
+            </a:r>
+            <a:endParaRPr lang="en-US" dirty="0" smtClean="0"/>
+          </a:p>
+        </p:txBody>
+      </p:sp>
+      <p:sp>
+        <p:nvSpPr>
+          <p:cNvPr id="4" name="Content Placeholder 2"/>
+          <p:cNvSpPr txBox="1">
+            <a:spLocks/>
+          </p:cNvSpPr>
+          <p:nvPr/>
+        </p:nvSpPr>
+        <p:spPr bwMode="auto">
+          <a:xfrm>
+            <a:off x="228600" y="1219200"/>
+            <a:ext cx="8458200" cy="5181600"/>
+          </a:xfrm>
+          <a:prstGeom prst="rect">
+            <a:avLst/>
+          </a:prstGeom>
+          <a:noFill/>
+          <a:ln w="9525">
+            <a:noFill/>
+            <a:miter lim="800000"/>
+            <a:headEnd/>
+            <a:tailEnd/>
+          </a:ln>
+          <a:effectLst/>
+        </p:spPr>
+        <p:txBody>
+          <a:bodyPr vert="horz" wrap="square" lIns="91440" tIns="45720" rIns="91440" bIns="45720" numCol="1" anchor="t" anchorCtr="0" compatLnSpc="1">
+            <a:prstTxWarp prst="textNoShape">
+              <a:avLst/>
+            </a:prstTxWarp>
+          </a:bodyPr>
+          <a:lstStyle/>
+          <a:p>
+            <a:pPr marL="342900" indent="-342900">
+              <a:spcBef>
+                <a:spcPct val="20000"/>
+              </a:spcBef>
+              <a:buClr>
+                <a:srgbClr val="00AAF6"/>
+              </a:buClr>
+              <a:buFontTx/>
+              <a:buChar char="•"/>
+              <a:defRPr/>
+            </a:pPr>
+            <a:r>
+              <a:rPr lang="en-US" sz="2000" b="1" kern="0" dirty="0" smtClean="0"/>
+              <a:t>The processing status resource property supports WS-Notification</a:t>
+            </a:r>
+          </a:p>
+          <a:p>
+            <a:pPr marL="800100" lvl="1" indent="-342900">
+              <a:spcBef>
+                <a:spcPct val="20000"/>
+              </a:spcBef>
+              <a:buClr>
+                <a:srgbClr val="00AAF6"/>
+              </a:buClr>
+              <a:buFontTx/>
+              <a:buChar char="•"/>
+              <a:defRPr/>
+            </a:pPr>
+            <a:r>
+              <a:rPr lang="en-US" sz="2000" kern="0" dirty="0" smtClean="0"/>
+              <a:t>Notification allows the service to “push” information to the client, typically in response to some server-side event</a:t>
+            </a:r>
+          </a:p>
+          <a:p>
+            <a:pPr marL="800100" lvl="1" indent="-342900">
+              <a:spcBef>
+                <a:spcPct val="20000"/>
+              </a:spcBef>
+              <a:buClr>
+                <a:srgbClr val="00AAF6"/>
+              </a:buClr>
+              <a:buFontTx/>
+              <a:buChar char="•"/>
+              <a:defRPr/>
+            </a:pPr>
+            <a:r>
+              <a:rPr lang="en-US" sz="2000" kern="0" dirty="0" smtClean="0"/>
+              <a:t>Clients may subscribe to this resource property and receive updates when it changes</a:t>
+            </a:r>
+          </a:p>
+          <a:p>
+            <a:pPr marL="800100" lvl="1" indent="-342900">
+              <a:spcBef>
+                <a:spcPct val="20000"/>
+              </a:spcBef>
+              <a:buClr>
+                <a:srgbClr val="00AAF6"/>
+              </a:buClr>
+              <a:buFontTx/>
+              <a:buChar char="•"/>
+              <a:defRPr/>
+            </a:pPr>
+            <a:r>
+              <a:rPr lang="en-US" sz="2000" kern="0" dirty="0" smtClean="0"/>
+              <a:t>Allows clients to wait for processing to complete without continuously polling the </a:t>
+            </a:r>
+            <a:r>
+              <a:rPr lang="en-US" sz="2000" i="1" kern="0" dirty="0" err="1" smtClean="0"/>
+              <a:t>isProcessingComplete</a:t>
+            </a:r>
+            <a:r>
+              <a:rPr lang="en-US" sz="2000" i="1" kern="0" dirty="0" smtClean="0"/>
+              <a:t>()</a:t>
+            </a:r>
+            <a:r>
+              <a:rPr lang="en-US" sz="2000" kern="0" dirty="0" smtClean="0"/>
+              <a:t> method if the </a:t>
+            </a:r>
+            <a:r>
+              <a:rPr lang="en-US" sz="2000" kern="0" dirty="0" err="1" smtClean="0"/>
+              <a:t>FederatedQueryResultsClient</a:t>
+            </a:r>
+            <a:endParaRPr lang="en-US" sz="2000" kern="0" dirty="0" smtClean="0"/>
+          </a:p>
+          <a:p>
+            <a:pPr marL="800100" lvl="1" indent="-342900">
+              <a:spcBef>
+                <a:spcPct val="20000"/>
+              </a:spcBef>
+              <a:buClr>
+                <a:srgbClr val="00AAF6"/>
+              </a:buClr>
+              <a:buFontTx/>
+              <a:buChar char="•"/>
+              <a:defRPr/>
+            </a:pPr>
+            <a:r>
+              <a:rPr lang="en-US" sz="2000" kern="0" dirty="0" smtClean="0"/>
+              <a:t>Can be used to keep clients appraised of current query status</a:t>
+            </a:r>
+          </a:p>
+          <a:p>
+            <a:pPr marL="1257300" lvl="2" indent="-342900">
+              <a:spcBef>
+                <a:spcPct val="20000"/>
+              </a:spcBef>
+              <a:buClr>
+                <a:srgbClr val="00AAF6"/>
+              </a:buClr>
+              <a:buFontTx/>
+              <a:buChar char="•"/>
+              <a:defRPr/>
+            </a:pPr>
+            <a:r>
+              <a:rPr lang="en-US" kern="0" dirty="0" smtClean="0"/>
+              <a:t>Progress bar, status box, logging, etc.</a:t>
+            </a:r>
+            <a:endParaRPr lang="en-US" kern="0" dirty="0" smtClean="0"/>
+          </a:p>
+        </p:txBody>
+      </p:sp>
+    </p:spTree>
+  </p:cSld>
+  <p:clrMapOvr>
+    <a:masterClrMapping/>
+  </p:clrMapOvr>
+  <p:timing>
+    <p:tnLst>
+      <p:par>
+        <p:cTn id="1" dur="indefinite" restart="never" nodeType="tmRoot"/>
+      </p:par>
+    </p:tnLst>
+  </p:timing>
+</p:sld>
+</file>
+
+<file path=ppt/slides/slide64.xml><?xml version="1.0" encoding="utf-8"?>
+<p:sld xmlns:a="http://schemas.openxmlformats.org/drawingml/2006/main" xmlns:r="http://schemas.openxmlformats.org/officeDocument/2006/relationships" xmlns:p="http://schemas.openxmlformats.org/presentationml/2006/main">
+  <p:cSld>
+    <p:spTree>
+      <p:nvGrpSpPr>
+        <p:cNvPr id="1" name=""/>
+        <p:cNvGrpSpPr/>
+        <p:nvPr/>
+      </p:nvGrpSpPr>
+      <p:grpSpPr>
+        <a:xfrm>
+          <a:off x="0" y="0"/>
+          <a:ext cx="0" cy="0"/>
+          <a:chOff x="0" y="0"/>
+          <a:chExt cx="0" cy="0"/>
+        </a:xfrm>
+      </p:grpSpPr>
+      <p:sp>
+        <p:nvSpPr>
+          <p:cNvPr id="59394" name="Rectangle 2"/>
+          <p:cNvSpPr>
+            <a:spLocks noGrp="1" noChangeArrowheads="1"/>
+          </p:cNvSpPr>
+          <p:nvPr>
+            <p:ph type="title"/>
+          </p:nvPr>
+        </p:nvSpPr>
+        <p:spPr/>
+        <p:txBody>
+          <a:bodyPr/>
+          <a:lstStyle/>
+          <a:p>
+            <a:pPr eaLnBrk="1" hangingPunct="1"/>
+            <a:r>
+              <a:rPr lang="en-US" dirty="0" smtClean="0"/>
+              <a:t>DCQL </a:t>
+            </a:r>
+            <a:r>
+              <a:rPr lang="en-US" dirty="0" smtClean="0"/>
+              <a:t>Aggregation Example</a:t>
+            </a:r>
+            <a:endParaRPr lang="en-US" dirty="0" smtClean="0"/>
+          </a:p>
+        </p:txBody>
+      </p:sp>
+      <p:sp>
+        <p:nvSpPr>
+          <p:cNvPr id="4" name="Content Placeholder 2"/>
+          <p:cNvSpPr txBox="1">
+            <a:spLocks/>
+          </p:cNvSpPr>
+          <p:nvPr/>
+        </p:nvSpPr>
+        <p:spPr bwMode="auto">
+          <a:xfrm>
+            <a:off x="228600" y="1219200"/>
+            <a:ext cx="8458200" cy="3200400"/>
+          </a:xfrm>
+          <a:prstGeom prst="rect">
+            <a:avLst/>
+          </a:prstGeom>
+          <a:noFill/>
+          <a:ln w="9525">
+            <a:noFill/>
+            <a:miter lim="800000"/>
+            <a:headEnd/>
+            <a:tailEnd/>
+          </a:ln>
+          <a:effectLst/>
+        </p:spPr>
+        <p:txBody>
+          <a:bodyPr vert="horz" wrap="square" lIns="91440" tIns="45720" rIns="91440" bIns="45720" numCol="1" anchor="t" anchorCtr="0" compatLnSpc="1">
+            <a:prstTxWarp prst="textNoShape">
+              <a:avLst/>
+            </a:prstTxWarp>
+          </a:bodyPr>
+          <a:lstStyle/>
+          <a:p>
+            <a:pPr marL="342900" indent="-342900">
+              <a:spcBef>
+                <a:spcPct val="20000"/>
+              </a:spcBef>
+              <a:buClr>
+                <a:srgbClr val="00AAF6"/>
+              </a:buClr>
+              <a:buFontTx/>
+              <a:buChar char="•"/>
+              <a:defRPr/>
+            </a:pPr>
+            <a:r>
+              <a:rPr lang="en-US" sz="2000" b="1" kern="0" dirty="0" smtClean="0"/>
+              <a:t>Aggregate data from multiple sources</a:t>
+            </a:r>
+          </a:p>
+          <a:p>
+            <a:pPr marL="800100" lvl="1" indent="-342900">
+              <a:spcBef>
+                <a:spcPct val="20000"/>
+              </a:spcBef>
+              <a:buClr>
+                <a:srgbClr val="00AAF6"/>
+              </a:buClr>
+              <a:buFontTx/>
+              <a:buChar char="•"/>
+              <a:defRPr/>
+            </a:pPr>
+            <a:r>
+              <a:rPr lang="en-US" sz="2000" kern="0" dirty="0" smtClean="0"/>
+              <a:t>Simultaneous query execution up to thread pool size</a:t>
+            </a:r>
+          </a:p>
+          <a:p>
+            <a:pPr marL="342900" indent="-342900">
+              <a:spcBef>
+                <a:spcPct val="20000"/>
+              </a:spcBef>
+              <a:buClr>
+                <a:srgbClr val="00AAF6"/>
+              </a:buClr>
+              <a:buFontTx/>
+              <a:buChar char="•"/>
+              <a:defRPr/>
+            </a:pPr>
+            <a:r>
+              <a:rPr lang="en-US" sz="2000" b="1" kern="0" dirty="0" smtClean="0"/>
+              <a:t>Example query</a:t>
+            </a:r>
+          </a:p>
+          <a:p>
+            <a:pPr marL="800100" lvl="1" indent="-342900">
+              <a:spcBef>
+                <a:spcPct val="20000"/>
+              </a:spcBef>
+              <a:buClr>
+                <a:srgbClr val="00AAF6"/>
+              </a:buClr>
+              <a:buFontTx/>
+              <a:buChar char="•"/>
+              <a:defRPr/>
+            </a:pPr>
+            <a:r>
+              <a:rPr lang="en-US" sz="2000" kern="0" dirty="0" smtClean="0"/>
+              <a:t>Return </a:t>
+            </a:r>
+            <a:r>
+              <a:rPr lang="en-US" sz="2000" dirty="0" smtClean="0">
+                <a:solidFill>
+                  <a:srgbClr val="C00000"/>
+                </a:solidFill>
+              </a:rPr>
+              <a:t>instances</a:t>
+            </a:r>
+            <a:r>
+              <a:rPr lang="en-US" sz="2000" dirty="0" smtClean="0"/>
+              <a:t> </a:t>
+            </a:r>
+            <a:r>
+              <a:rPr lang="en-US" sz="2000" dirty="0" smtClean="0"/>
+              <a:t>of the </a:t>
+            </a:r>
+            <a:r>
+              <a:rPr lang="en-US" sz="2000" i="1" dirty="0" smtClean="0"/>
+              <a:t>gene </a:t>
+            </a:r>
+            <a:r>
+              <a:rPr lang="en-US" sz="2000" dirty="0" smtClean="0"/>
+              <a:t>data type</a:t>
+            </a:r>
+          </a:p>
+          <a:p>
+            <a:pPr marL="800100" lvl="1" indent="-342900">
+              <a:spcBef>
+                <a:spcPct val="20000"/>
+              </a:spcBef>
+              <a:buClr>
+                <a:srgbClr val="00AAF6"/>
+              </a:buClr>
+              <a:buFontTx/>
+              <a:buChar char="•"/>
+              <a:defRPr/>
+            </a:pPr>
+            <a:r>
+              <a:rPr lang="en-US" sz="2000" dirty="0" smtClean="0"/>
+              <a:t>Each </a:t>
+            </a:r>
+            <a:r>
+              <a:rPr lang="en-US" sz="2000" dirty="0" smtClean="0"/>
+              <a:t>gene must have an </a:t>
+            </a:r>
+            <a:r>
+              <a:rPr lang="en-US" sz="2000" dirty="0" smtClean="0">
+                <a:solidFill>
+                  <a:srgbClr val="00B050"/>
+                </a:solidFill>
+              </a:rPr>
+              <a:t>association</a:t>
+            </a:r>
+            <a:r>
+              <a:rPr lang="en-US" sz="2000" dirty="0" smtClean="0"/>
+              <a:t> to an instance of the </a:t>
+            </a:r>
+            <a:r>
+              <a:rPr lang="en-US" sz="2000" i="1" dirty="0" smtClean="0"/>
+              <a:t>term </a:t>
+            </a:r>
+            <a:r>
+              <a:rPr lang="en-US" sz="2000" dirty="0" smtClean="0"/>
+              <a:t>data </a:t>
+            </a:r>
+            <a:r>
+              <a:rPr lang="en-US" sz="2000" dirty="0" smtClean="0"/>
+              <a:t>type via the role name </a:t>
+            </a:r>
+            <a:r>
+              <a:rPr lang="en-US" sz="2000" i="1" dirty="0" smtClean="0"/>
+              <a:t>terms</a:t>
+            </a:r>
+          </a:p>
+          <a:p>
+            <a:pPr marL="800100" lvl="1" indent="-342900">
+              <a:spcBef>
+                <a:spcPct val="20000"/>
+              </a:spcBef>
+              <a:buClr>
+                <a:srgbClr val="00AAF6"/>
+              </a:buClr>
+              <a:buFontTx/>
+              <a:buChar char="•"/>
+              <a:defRPr/>
+            </a:pPr>
+            <a:r>
+              <a:rPr lang="en-US" sz="2000" dirty="0" smtClean="0"/>
+              <a:t>Each </a:t>
+            </a:r>
+            <a:r>
+              <a:rPr lang="en-US" sz="2000" dirty="0" smtClean="0"/>
+              <a:t>term must have it's </a:t>
+            </a:r>
+            <a:r>
+              <a:rPr lang="en-US" sz="2000" i="1" dirty="0" smtClean="0"/>
+              <a:t>value</a:t>
+            </a:r>
+            <a:r>
+              <a:rPr lang="en-US" sz="2000" dirty="0" smtClean="0"/>
+              <a:t> </a:t>
+            </a:r>
+            <a:r>
+              <a:rPr lang="en-US" sz="2000" dirty="0" smtClean="0">
+                <a:solidFill>
+                  <a:srgbClr val="0070C0"/>
+                </a:solidFill>
+              </a:rPr>
+              <a:t>attribute</a:t>
+            </a:r>
+            <a:r>
+              <a:rPr lang="en-US" sz="2000" dirty="0" smtClean="0"/>
+              <a:t> equal to </a:t>
+            </a:r>
+            <a:r>
+              <a:rPr lang="en-US" sz="2000" dirty="0" smtClean="0"/>
+              <a:t>“root”</a:t>
+            </a:r>
+          </a:p>
+          <a:p>
+            <a:pPr marL="800100" lvl="1" indent="-342900">
+              <a:spcBef>
+                <a:spcPct val="20000"/>
+              </a:spcBef>
+              <a:buClr>
+                <a:srgbClr val="00AAF6"/>
+              </a:buClr>
+              <a:buFontTx/>
+              <a:buChar char="•"/>
+              <a:defRPr/>
+            </a:pPr>
+            <a:r>
+              <a:rPr lang="en-US" sz="2000" dirty="0" smtClean="0"/>
+              <a:t>The </a:t>
+            </a:r>
+            <a:r>
+              <a:rPr lang="en-US" sz="2000" dirty="0" smtClean="0"/>
+              <a:t>query is executed on </a:t>
+            </a:r>
+            <a:r>
+              <a:rPr lang="en-US" sz="2000" dirty="0" smtClean="0">
+                <a:solidFill>
+                  <a:srgbClr val="7030A0"/>
+                </a:solidFill>
+              </a:rPr>
+              <a:t>two data services</a:t>
+            </a:r>
+            <a:r>
+              <a:rPr lang="en-US" sz="2000" dirty="0" smtClean="0"/>
+              <a:t>, each indicated by the </a:t>
+            </a:r>
+            <a:r>
+              <a:rPr lang="en-US" sz="2000" i="1" dirty="0" err="1" smtClean="0"/>
+              <a:t>targetServiceUrl</a:t>
+            </a:r>
+            <a:r>
+              <a:rPr lang="en-US" sz="2000" dirty="0" smtClean="0"/>
+              <a:t> </a:t>
+            </a:r>
+            <a:r>
+              <a:rPr lang="en-US" sz="2000" dirty="0" smtClean="0"/>
+              <a:t>elements at the end of the </a:t>
+            </a:r>
+            <a:r>
+              <a:rPr lang="en-US" sz="2000" dirty="0" smtClean="0"/>
+              <a:t>query</a:t>
+            </a:r>
+          </a:p>
+          <a:p>
+            <a:pPr marL="342900" indent="-342900">
+              <a:spcBef>
+                <a:spcPct val="20000"/>
+              </a:spcBef>
+              <a:buClr>
+                <a:srgbClr val="00AAF6"/>
+              </a:buClr>
+              <a:buFontTx/>
+              <a:buChar char="•"/>
+              <a:defRPr/>
+            </a:pPr>
+            <a:endParaRPr lang="en-US" sz="2000" dirty="0" smtClean="0"/>
+          </a:p>
+          <a:p>
+            <a:pPr marL="800100" lvl="1" indent="-342900">
+              <a:spcBef>
+                <a:spcPct val="20000"/>
+              </a:spcBef>
+              <a:buClr>
+                <a:srgbClr val="00AAF6"/>
+              </a:buClr>
+              <a:buFontTx/>
+              <a:buChar char="•"/>
+              <a:defRPr/>
+            </a:pPr>
+            <a:endParaRPr lang="en-US" sz="2000" kern="0" dirty="0" smtClean="0">
+              <a:latin typeface="+mn-lt"/>
+            </a:endParaRPr>
+          </a:p>
+        </p:txBody>
+      </p:sp>
+      <p:sp>
+        <p:nvSpPr>
+          <p:cNvPr id="7" name="TextBox 6"/>
+          <p:cNvSpPr txBox="1"/>
+          <p:nvPr/>
+        </p:nvSpPr>
+        <p:spPr>
+          <a:xfrm>
+            <a:off x="228600" y="4495800"/>
+            <a:ext cx="8610600" cy="1892826"/>
+          </a:xfrm>
+          <a:prstGeom prst="rect">
+            <a:avLst/>
+          </a:prstGeom>
+          <a:noFill/>
+        </p:spPr>
+        <p:txBody>
+          <a:bodyPr wrap="square" rtlCol="0">
+            <a:spAutoFit/>
+          </a:bodyPr>
+          <a:lstStyle/>
+          <a:p>
+            <a:r>
+              <a:rPr lang="en-US" sz="1300" dirty="0" smtClean="0">
+                <a:latin typeface="Arial Narrow" pitchFamily="34" charset="0"/>
+              </a:rPr>
+              <a:t>&lt;ns1:DCQLQuery </a:t>
+            </a:r>
+            <a:r>
+              <a:rPr lang="en-US" sz="1300" dirty="0" smtClean="0">
+                <a:latin typeface="Arial Narrow" pitchFamily="34" charset="0"/>
+              </a:rPr>
+              <a:t>xmlns:ns1=</a:t>
+            </a:r>
+            <a:r>
+              <a:rPr lang="en-US" sz="1300" dirty="0" smtClean="0">
+                <a:latin typeface="Arial Narrow" pitchFamily="34" charset="0"/>
+                <a:hlinkClick r:id="rId3"/>
+              </a:rPr>
+              <a:t>http</a:t>
+            </a:r>
+            <a:r>
+              <a:rPr lang="en-US" sz="1300" dirty="0" smtClean="0">
+                <a:latin typeface="Arial Narrow" pitchFamily="34" charset="0"/>
+                <a:hlinkClick r:id="rId3"/>
+              </a:rPr>
+              <a:t>://</a:t>
+            </a:r>
+            <a:r>
+              <a:rPr lang="en-US" sz="1300" dirty="0" smtClean="0">
+                <a:latin typeface="Arial Narrow" pitchFamily="34" charset="0"/>
+                <a:hlinkClick r:id="rId3"/>
+              </a:rPr>
+              <a:t>caGrid.caBIG/1.0/gov.nih.nci.cagrid.dcql</a:t>
+            </a:r>
+            <a:r>
+              <a:rPr lang="en-US" sz="1300" dirty="0" smtClean="0">
+                <a:latin typeface="Arial Narrow" pitchFamily="34" charset="0"/>
+              </a:rPr>
+              <a:t>&gt;</a:t>
+            </a:r>
+          </a:p>
+          <a:p>
+            <a:r>
+              <a:rPr lang="en-US" sz="1300" dirty="0" smtClean="0">
+                <a:latin typeface="Arial Narrow" pitchFamily="34" charset="0"/>
+              </a:rPr>
+              <a:t>   </a:t>
+            </a:r>
+            <a:r>
+              <a:rPr lang="en-US" sz="1300" dirty="0" smtClean="0">
+                <a:solidFill>
+                  <a:srgbClr val="C00000"/>
+                </a:solidFill>
+                <a:latin typeface="Arial Narrow" pitchFamily="34" charset="0"/>
+              </a:rPr>
+              <a:t>&lt;</a:t>
+            </a:r>
+            <a:r>
+              <a:rPr lang="en-US" sz="1300" dirty="0" smtClean="0">
+                <a:solidFill>
+                  <a:srgbClr val="C00000"/>
+                </a:solidFill>
+                <a:latin typeface="Arial Narrow" pitchFamily="34" charset="0"/>
+              </a:rPr>
+              <a:t>ns1:TargetObject name="model1.domain.Gene</a:t>
+            </a:r>
+            <a:r>
+              <a:rPr lang="en-US" sz="1300" dirty="0" smtClean="0">
+                <a:solidFill>
+                  <a:srgbClr val="C00000"/>
+                </a:solidFill>
+                <a:latin typeface="Arial Narrow" pitchFamily="34" charset="0"/>
+              </a:rPr>
+              <a:t>"&gt;</a:t>
+            </a:r>
+          </a:p>
+          <a:p>
+            <a:r>
+              <a:rPr lang="en-US" sz="1300" dirty="0" smtClean="0">
+                <a:latin typeface="Arial Narrow" pitchFamily="34" charset="0"/>
+              </a:rPr>
+              <a:t>      </a:t>
+            </a:r>
+            <a:r>
+              <a:rPr lang="en-US" sz="1300" dirty="0" smtClean="0">
+                <a:solidFill>
+                  <a:srgbClr val="00B050"/>
+                </a:solidFill>
+                <a:latin typeface="Arial Narrow" pitchFamily="34" charset="0"/>
+              </a:rPr>
+              <a:t>&lt;</a:t>
+            </a:r>
+            <a:r>
+              <a:rPr lang="en-US" sz="1300" dirty="0" smtClean="0">
+                <a:solidFill>
+                  <a:srgbClr val="00B050"/>
+                </a:solidFill>
+                <a:latin typeface="Arial Narrow" pitchFamily="34" charset="0"/>
+              </a:rPr>
+              <a:t>ns1:Association name="model1.domain.Term" </a:t>
+            </a:r>
+            <a:r>
+              <a:rPr lang="en-US" sz="1300" dirty="0" err="1" smtClean="0">
+                <a:solidFill>
+                  <a:srgbClr val="00B050"/>
+                </a:solidFill>
+                <a:latin typeface="Arial Narrow" pitchFamily="34" charset="0"/>
+              </a:rPr>
+              <a:t>roleName</a:t>
+            </a:r>
+            <a:r>
+              <a:rPr lang="en-US" sz="1300" dirty="0" smtClean="0">
+                <a:solidFill>
+                  <a:srgbClr val="00B050"/>
+                </a:solidFill>
+                <a:latin typeface="Arial Narrow" pitchFamily="34" charset="0"/>
+              </a:rPr>
+              <a:t>="terms</a:t>
+            </a:r>
+            <a:r>
+              <a:rPr lang="en-US" sz="1300" dirty="0" smtClean="0">
+                <a:solidFill>
+                  <a:srgbClr val="00B050"/>
+                </a:solidFill>
+                <a:latin typeface="Arial Narrow" pitchFamily="34" charset="0"/>
+              </a:rPr>
+              <a:t>"&gt;</a:t>
+            </a:r>
+          </a:p>
+          <a:p>
+            <a:r>
+              <a:rPr lang="en-US" sz="1300" dirty="0" smtClean="0">
+                <a:latin typeface="Arial Narrow" pitchFamily="34" charset="0"/>
+              </a:rPr>
+              <a:t>         </a:t>
+            </a:r>
+            <a:r>
+              <a:rPr lang="en-US" sz="1300" dirty="0" smtClean="0">
+                <a:solidFill>
+                  <a:srgbClr val="0070C0"/>
+                </a:solidFill>
+                <a:latin typeface="Arial Narrow" pitchFamily="34" charset="0"/>
+              </a:rPr>
+              <a:t>&lt;</a:t>
+            </a:r>
+            <a:r>
+              <a:rPr lang="en-US" sz="1300" dirty="0" smtClean="0">
+                <a:solidFill>
+                  <a:srgbClr val="0070C0"/>
+                </a:solidFill>
+                <a:latin typeface="Arial Narrow" pitchFamily="34" charset="0"/>
+              </a:rPr>
+              <a:t>ns1:Attribute name="value" predicate="EQUAL_TO" value="root</a:t>
+            </a:r>
+            <a:r>
+              <a:rPr lang="en-US" sz="1300" dirty="0" smtClean="0">
+                <a:solidFill>
+                  <a:srgbClr val="0070C0"/>
+                </a:solidFill>
+                <a:latin typeface="Arial Narrow" pitchFamily="34" charset="0"/>
+              </a:rPr>
+              <a:t>"/&gt;</a:t>
+            </a:r>
+          </a:p>
+          <a:p>
+            <a:r>
+              <a:rPr lang="en-US" sz="1300" dirty="0" smtClean="0">
+                <a:latin typeface="Arial Narrow" pitchFamily="34" charset="0"/>
+              </a:rPr>
+              <a:t>      </a:t>
+            </a:r>
+            <a:r>
+              <a:rPr lang="en-US" sz="1300" dirty="0" smtClean="0">
+                <a:solidFill>
+                  <a:srgbClr val="00B050"/>
+                </a:solidFill>
+                <a:latin typeface="Arial Narrow" pitchFamily="34" charset="0"/>
+              </a:rPr>
+              <a:t>&lt;/</a:t>
+            </a:r>
+            <a:r>
+              <a:rPr lang="en-US" sz="1300" dirty="0" smtClean="0">
+                <a:solidFill>
+                  <a:srgbClr val="00B050"/>
+                </a:solidFill>
+                <a:latin typeface="Arial Narrow" pitchFamily="34" charset="0"/>
+              </a:rPr>
+              <a:t>ns1:Association</a:t>
+            </a:r>
+            <a:r>
+              <a:rPr lang="en-US" sz="1300" dirty="0" smtClean="0">
+                <a:solidFill>
+                  <a:srgbClr val="00B050"/>
+                </a:solidFill>
+                <a:latin typeface="Arial Narrow" pitchFamily="34" charset="0"/>
+              </a:rPr>
+              <a:t>&gt;</a:t>
+            </a:r>
+          </a:p>
+          <a:p>
+            <a:r>
+              <a:rPr lang="en-US" sz="1300" dirty="0" smtClean="0">
+                <a:latin typeface="Arial Narrow" pitchFamily="34" charset="0"/>
+              </a:rPr>
+              <a:t>    </a:t>
+            </a:r>
+            <a:r>
+              <a:rPr lang="en-US" sz="1300" dirty="0" smtClean="0">
+                <a:solidFill>
+                  <a:srgbClr val="C00000"/>
+                </a:solidFill>
+                <a:latin typeface="Arial Narrow" pitchFamily="34" charset="0"/>
+              </a:rPr>
+              <a:t>&lt;/ns1:TargetObject</a:t>
+            </a:r>
+            <a:r>
+              <a:rPr lang="en-US" sz="1300" dirty="0" smtClean="0">
+                <a:solidFill>
+                  <a:srgbClr val="C00000"/>
+                </a:solidFill>
+                <a:latin typeface="Arial Narrow" pitchFamily="34" charset="0"/>
+              </a:rPr>
+              <a:t>&gt;</a:t>
+            </a:r>
+          </a:p>
+          <a:p>
+            <a:r>
+              <a:rPr lang="en-US" sz="1300" dirty="0" smtClean="0">
+                <a:latin typeface="Arial Narrow" pitchFamily="34" charset="0"/>
+              </a:rPr>
+              <a:t>   </a:t>
+            </a:r>
+            <a:r>
+              <a:rPr lang="en-US" sz="1300" dirty="0" smtClean="0">
+                <a:solidFill>
+                  <a:srgbClr val="7030A0"/>
+                </a:solidFill>
+                <a:latin typeface="Arial Narrow" pitchFamily="34" charset="0"/>
+              </a:rPr>
+              <a:t>&lt;</a:t>
+            </a:r>
+            <a:r>
+              <a:rPr lang="en-US" sz="1300" dirty="0" smtClean="0">
+                <a:solidFill>
+                  <a:srgbClr val="7030A0"/>
+                </a:solidFill>
+                <a:latin typeface="Arial Narrow" pitchFamily="34" charset="0"/>
+              </a:rPr>
+              <a:t>ns1:targetServiceURL&gt;http://</a:t>
+            </a:r>
+            <a:r>
+              <a:rPr lang="en-US" sz="1300" dirty="0" smtClean="0">
+                <a:solidFill>
+                  <a:srgbClr val="7030A0"/>
+                </a:solidFill>
+                <a:latin typeface="Arial Narrow" pitchFamily="34" charset="0"/>
+              </a:rPr>
+              <a:t>sbdev1000.semanticbits.com:13080/wsrf-model1/services/cagrid/Model1Svc&lt;/</a:t>
+            </a:r>
+            <a:r>
+              <a:rPr lang="en-US" sz="1300" dirty="0" smtClean="0">
+                <a:solidFill>
+                  <a:srgbClr val="7030A0"/>
+                </a:solidFill>
+                <a:latin typeface="Arial Narrow" pitchFamily="34" charset="0"/>
+              </a:rPr>
+              <a:t>ns1:targetServiceURL</a:t>
+            </a:r>
+            <a:r>
+              <a:rPr lang="en-US" sz="1300" dirty="0" smtClean="0">
+                <a:solidFill>
+                  <a:srgbClr val="7030A0"/>
+                </a:solidFill>
+                <a:latin typeface="Arial Narrow" pitchFamily="34" charset="0"/>
+              </a:rPr>
+              <a:t>&gt;</a:t>
+            </a:r>
+          </a:p>
+          <a:p>
+            <a:r>
+              <a:rPr lang="en-US" sz="1300" dirty="0" smtClean="0">
+                <a:solidFill>
+                  <a:srgbClr val="7030A0"/>
+                </a:solidFill>
+                <a:latin typeface="Arial Narrow" pitchFamily="34" charset="0"/>
+              </a:rPr>
+              <a:t>   &lt;</a:t>
+            </a:r>
+            <a:r>
+              <a:rPr lang="en-US" sz="1300" dirty="0" smtClean="0">
+                <a:solidFill>
+                  <a:srgbClr val="7030A0"/>
+                </a:solidFill>
+                <a:latin typeface="Arial Narrow" pitchFamily="34" charset="0"/>
+              </a:rPr>
+              <a:t>ns1:targetServiceURL&gt;http://sbdev1000.semanticbits.com:13080/wsrf-model1-a/services/cagrid/Model1Svc&lt;/ns1:targetServiceURL</a:t>
+            </a:r>
+            <a:r>
+              <a:rPr lang="en-US" sz="1300" dirty="0" smtClean="0">
+                <a:solidFill>
+                  <a:srgbClr val="7030A0"/>
+                </a:solidFill>
+                <a:latin typeface="Arial Narrow" pitchFamily="34" charset="0"/>
+              </a:rPr>
+              <a:t>&gt;</a:t>
+            </a:r>
+          </a:p>
+          <a:p>
+            <a:r>
+              <a:rPr lang="en-US" sz="1300" dirty="0" smtClean="0">
+                <a:latin typeface="Arial Narrow" pitchFamily="34" charset="0"/>
+              </a:rPr>
+              <a:t>&lt;/</a:t>
+            </a:r>
+            <a:r>
+              <a:rPr lang="en-US" sz="1300" dirty="0" smtClean="0">
+                <a:latin typeface="Arial Narrow" pitchFamily="34" charset="0"/>
+              </a:rPr>
+              <a:t>ns1:DCQLQuery&gt;</a:t>
+            </a:r>
+            <a:endParaRPr lang="en-US" sz="1300" dirty="0">
+              <a:latin typeface="Arial Narrow" pitchFamily="34" charset="0"/>
+            </a:endParaRPr>
+          </a:p>
+        </p:txBody>
+      </p:sp>
+    </p:spTree>
+  </p:cSld>
+  <p:clrMapOvr>
+    <a:masterClrMapping/>
+  </p:clrMapOvr>
+  <p:timing>
+    <p:tnLst>
+      <p:par>
+        <p:cTn id="1" dur="indefinite" restart="never" nodeType="tmRoot"/>
+      </p:par>
+    </p:tnLst>
+  </p:timing>
+</p:sld>
+</file>
+
+<file path=ppt/slides/slide65.xml><?xml version="1.0" encoding="utf-8"?>
+<p:sld xmlns:a="http://schemas.openxmlformats.org/drawingml/2006/main" xmlns:r="http://schemas.openxmlformats.org/officeDocument/2006/relationships" xmlns:p="http://schemas.openxmlformats.org/presentationml/2006/main">
+  <p:cSld>
+    <p:spTree>
+      <p:nvGrpSpPr>
+        <p:cNvPr id="1" name=""/>
+        <p:cNvGrpSpPr/>
+        <p:nvPr/>
+      </p:nvGrpSpPr>
+      <p:grpSpPr>
+        <a:xfrm>
+          <a:off x="0" y="0"/>
+          <a:ext cx="0" cy="0"/>
+          <a:chOff x="0" y="0"/>
+          <a:chExt cx="0" cy="0"/>
+        </a:xfrm>
+      </p:grpSpPr>
+      <p:sp>
+        <p:nvSpPr>
+          <p:cNvPr id="59394" name="Rectangle 2"/>
+          <p:cNvSpPr>
+            <a:spLocks noGrp="1" noChangeArrowheads="1"/>
+          </p:cNvSpPr>
+          <p:nvPr>
+            <p:ph type="title"/>
+          </p:nvPr>
+        </p:nvSpPr>
+        <p:spPr/>
+        <p:txBody>
+          <a:bodyPr/>
+          <a:lstStyle/>
+          <a:p>
+            <a:pPr eaLnBrk="1" hangingPunct="1"/>
+            <a:r>
+              <a:rPr lang="en-US" dirty="0" smtClean="0"/>
+              <a:t>DCQL </a:t>
+            </a:r>
+            <a:r>
+              <a:rPr lang="en-US" dirty="0" smtClean="0"/>
+              <a:t>Distributed Join Example</a:t>
+            </a:r>
+            <a:endParaRPr lang="en-US" dirty="0" smtClean="0"/>
+          </a:p>
+        </p:txBody>
+      </p:sp>
+      <p:sp>
+        <p:nvSpPr>
+          <p:cNvPr id="4" name="Content Placeholder 2"/>
+          <p:cNvSpPr txBox="1">
+            <a:spLocks/>
+          </p:cNvSpPr>
+          <p:nvPr/>
+        </p:nvSpPr>
+        <p:spPr bwMode="auto">
+          <a:xfrm>
+            <a:off x="228600" y="1219200"/>
+            <a:ext cx="8458200" cy="5105400"/>
+          </a:xfrm>
+          <a:prstGeom prst="rect">
+            <a:avLst/>
+          </a:prstGeom>
+          <a:noFill/>
+          <a:ln w="9525">
+            <a:noFill/>
+            <a:miter lim="800000"/>
+            <a:headEnd/>
+            <a:tailEnd/>
+          </a:ln>
+          <a:effectLst/>
+        </p:spPr>
+        <p:txBody>
+          <a:bodyPr vert="horz" wrap="square" lIns="91440" tIns="45720" rIns="91440" bIns="45720" numCol="1" anchor="t" anchorCtr="0" compatLnSpc="1">
+            <a:prstTxWarp prst="textNoShape">
+              <a:avLst/>
+            </a:prstTxWarp>
+          </a:bodyPr>
+          <a:lstStyle/>
+          <a:p>
+            <a:pPr marL="342900" indent="-342900">
+              <a:spcBef>
+                <a:spcPct val="20000"/>
+              </a:spcBef>
+              <a:buClr>
+                <a:srgbClr val="00AAF6"/>
+              </a:buClr>
+              <a:buFontTx/>
+              <a:buChar char="•"/>
+              <a:defRPr/>
+            </a:pPr>
+            <a:r>
+              <a:rPr lang="en-US" sz="2000" b="1" kern="0" dirty="0" smtClean="0"/>
+              <a:t>Joins between disparate data models and services</a:t>
+            </a:r>
+          </a:p>
+          <a:p>
+            <a:pPr marL="800100" lvl="1" indent="-342900">
+              <a:spcBef>
+                <a:spcPct val="20000"/>
+              </a:spcBef>
+              <a:buClr>
+                <a:srgbClr val="00AAF6"/>
+              </a:buClr>
+              <a:buFontTx/>
+              <a:buChar char="•"/>
+              <a:defRPr/>
+            </a:pPr>
+            <a:r>
+              <a:rPr lang="en-US" sz="2000" kern="0" dirty="0" smtClean="0"/>
+              <a:t>Simple join criteria on attribute values</a:t>
+            </a:r>
+          </a:p>
+          <a:p>
+            <a:pPr marL="342900" indent="-342900">
+              <a:spcBef>
+                <a:spcPct val="20000"/>
+              </a:spcBef>
+              <a:buClr>
+                <a:srgbClr val="00AAF6"/>
+              </a:buClr>
+              <a:buFontTx/>
+              <a:buChar char="•"/>
+              <a:defRPr/>
+            </a:pPr>
+            <a:r>
+              <a:rPr lang="en-US" sz="2000" b="1" kern="0" dirty="0" smtClean="0"/>
+              <a:t>Example Query</a:t>
+            </a:r>
+          </a:p>
+          <a:p>
+            <a:pPr marL="800100" lvl="1" indent="-342900">
+              <a:spcBef>
+                <a:spcPct val="20000"/>
+              </a:spcBef>
+              <a:buClr>
+                <a:srgbClr val="00AAF6"/>
+              </a:buClr>
+              <a:buFontTx/>
+              <a:buChar char="•"/>
+              <a:defRPr/>
+            </a:pPr>
+            <a:r>
+              <a:rPr lang="en-US" sz="2000" kern="0" dirty="0" smtClean="0">
+                <a:solidFill>
+                  <a:srgbClr val="C00000"/>
+                </a:solidFill>
+              </a:rPr>
+              <a:t>Return instances of </a:t>
+            </a:r>
+            <a:r>
+              <a:rPr lang="en-US" sz="2000" kern="0" dirty="0" err="1" smtClean="0">
+                <a:solidFill>
+                  <a:srgbClr val="C00000"/>
+                </a:solidFill>
+              </a:rPr>
+              <a:t>caBIO</a:t>
+            </a:r>
+            <a:r>
+              <a:rPr lang="en-US" sz="2000" kern="0" dirty="0" smtClean="0">
+                <a:solidFill>
+                  <a:srgbClr val="C00000"/>
+                </a:solidFill>
+              </a:rPr>
+              <a:t> model’s </a:t>
+            </a:r>
+            <a:r>
+              <a:rPr lang="en-US" sz="2000" i="1" kern="0" dirty="0" err="1" smtClean="0">
+                <a:solidFill>
+                  <a:srgbClr val="C00000"/>
+                </a:solidFill>
+              </a:rPr>
+              <a:t>NucleicAcidSequence</a:t>
+            </a:r>
+            <a:endParaRPr lang="en-US" sz="2000" i="1" kern="0" dirty="0" smtClean="0">
+              <a:solidFill>
+                <a:srgbClr val="C00000"/>
+              </a:solidFill>
+            </a:endParaRPr>
+          </a:p>
+          <a:p>
+            <a:pPr marL="800100" lvl="1" indent="-342900">
+              <a:spcBef>
+                <a:spcPct val="20000"/>
+              </a:spcBef>
+              <a:buClr>
+                <a:srgbClr val="00AAF6"/>
+              </a:buClr>
+              <a:buFontTx/>
+              <a:buChar char="•"/>
+              <a:defRPr/>
+            </a:pPr>
+            <a:r>
+              <a:rPr lang="en-US" sz="2000" dirty="0" smtClean="0"/>
+              <a:t>Each </a:t>
+            </a:r>
+            <a:r>
+              <a:rPr lang="en-US" sz="2000" i="1" dirty="0" smtClean="0"/>
+              <a:t>sequence </a:t>
+            </a:r>
+            <a:r>
+              <a:rPr lang="en-US" sz="2000" dirty="0" smtClean="0"/>
+              <a:t>must have an </a:t>
+            </a:r>
+            <a:r>
+              <a:rPr lang="en-US" sz="2000" dirty="0" smtClean="0">
+                <a:solidFill>
+                  <a:srgbClr val="00B050"/>
+                </a:solidFill>
+              </a:rPr>
+              <a:t>association to a </a:t>
+            </a:r>
+            <a:r>
+              <a:rPr lang="en-US" sz="2000" i="1" dirty="0" smtClean="0">
+                <a:solidFill>
+                  <a:srgbClr val="00B050"/>
+                </a:solidFill>
+              </a:rPr>
+              <a:t>Gene </a:t>
+            </a:r>
+            <a:r>
+              <a:rPr lang="en-US" sz="2000" dirty="0" smtClean="0"/>
+              <a:t>through the role name </a:t>
+            </a:r>
+            <a:r>
+              <a:rPr lang="en-US" sz="2000" i="1" dirty="0" err="1" smtClean="0"/>
+              <a:t>geneCollection</a:t>
+            </a:r>
+            <a:endParaRPr lang="en-US" sz="2000" i="1" dirty="0" smtClean="0"/>
+          </a:p>
+          <a:p>
+            <a:pPr marL="800100" lvl="1" indent="-342900">
+              <a:spcBef>
+                <a:spcPct val="20000"/>
+              </a:spcBef>
+              <a:buClr>
+                <a:srgbClr val="00AAF6"/>
+              </a:buClr>
+              <a:buFontTx/>
+              <a:buChar char="•"/>
+              <a:defRPr/>
+            </a:pPr>
+            <a:r>
+              <a:rPr lang="en-US" sz="2000" dirty="0" smtClean="0"/>
+              <a:t>Each </a:t>
+            </a:r>
+            <a:r>
+              <a:rPr lang="en-US" sz="2000" i="1" dirty="0" smtClean="0"/>
+              <a:t>gene</a:t>
+            </a:r>
+            <a:r>
+              <a:rPr lang="en-US" sz="2000" dirty="0" smtClean="0"/>
+              <a:t> has an </a:t>
+            </a:r>
+            <a:r>
+              <a:rPr lang="en-US" sz="2000" dirty="0" smtClean="0">
+                <a:solidFill>
+                  <a:srgbClr val="00B0F0"/>
+                </a:solidFill>
+              </a:rPr>
+              <a:t>association to Protein</a:t>
+            </a:r>
+            <a:r>
+              <a:rPr lang="en-US" sz="2000" dirty="0" smtClean="0"/>
+              <a:t> through </a:t>
+            </a:r>
+            <a:r>
+              <a:rPr lang="en-US" sz="2000" i="1" dirty="0" err="1" smtClean="0"/>
+              <a:t>proteinCollection</a:t>
+            </a:r>
+            <a:endParaRPr lang="en-US" sz="2000" i="1" dirty="0" smtClean="0"/>
+          </a:p>
+          <a:p>
+            <a:pPr marL="800100" lvl="1" indent="-342900">
+              <a:spcBef>
+                <a:spcPct val="20000"/>
+              </a:spcBef>
+              <a:buClr>
+                <a:srgbClr val="00AAF6"/>
+              </a:buClr>
+              <a:buFontTx/>
+              <a:buChar char="•"/>
+              <a:defRPr/>
+            </a:pPr>
+            <a:r>
+              <a:rPr lang="en-US" sz="2000" dirty="0" smtClean="0"/>
+              <a:t>A </a:t>
+            </a:r>
+            <a:r>
+              <a:rPr lang="en-US" sz="2000" i="1" dirty="0" err="1" smtClean="0">
+                <a:solidFill>
+                  <a:srgbClr val="FF9900"/>
+                </a:solidFill>
+              </a:rPr>
+              <a:t>ForeignAssociation</a:t>
+            </a:r>
+            <a:r>
+              <a:rPr lang="en-US" sz="2000" dirty="0" smtClean="0">
+                <a:solidFill>
+                  <a:srgbClr val="FF9900"/>
+                </a:solidFill>
+              </a:rPr>
+              <a:t> </a:t>
+            </a:r>
+            <a:r>
+              <a:rPr lang="en-US" sz="2000" dirty="0" smtClean="0"/>
+              <a:t>indicates a new query is started against a different caGrid data service (</a:t>
+            </a:r>
+            <a:r>
+              <a:rPr lang="en-US" sz="2000" i="1" dirty="0" err="1" smtClean="0"/>
+              <a:t>gridPIR</a:t>
+            </a:r>
+            <a:r>
+              <a:rPr lang="en-US" sz="2000" i="1" dirty="0" smtClean="0"/>
+              <a:t>)</a:t>
+            </a:r>
+            <a:endParaRPr lang="en-US" sz="2000" dirty="0" smtClean="0"/>
+          </a:p>
+          <a:p>
+            <a:pPr marL="800100" lvl="1" indent="-342900">
+              <a:spcBef>
+                <a:spcPct val="20000"/>
+              </a:spcBef>
+              <a:buClr>
+                <a:srgbClr val="00AAF6"/>
+              </a:buClr>
+              <a:buFontTx/>
+              <a:buChar char="•"/>
+              <a:defRPr/>
+            </a:pPr>
+            <a:r>
+              <a:rPr lang="en-US" sz="2000" dirty="0" smtClean="0"/>
+              <a:t>The </a:t>
+            </a:r>
+            <a:r>
+              <a:rPr lang="en-US" sz="2000" i="1" dirty="0" err="1" smtClean="0">
+                <a:solidFill>
+                  <a:srgbClr val="FF9900"/>
+                </a:solidFill>
+              </a:rPr>
+              <a:t>JoinCondition</a:t>
+            </a:r>
+            <a:r>
+              <a:rPr lang="en-US" sz="2000" dirty="0" smtClean="0">
+                <a:solidFill>
+                  <a:srgbClr val="FF9900"/>
+                </a:solidFill>
+              </a:rPr>
+              <a:t> </a:t>
+            </a:r>
+            <a:r>
+              <a:rPr lang="en-US" sz="2000" dirty="0" smtClean="0"/>
+              <a:t>element indicates how a field from the “foreign” data type relates to a field of the “origin” data type</a:t>
+            </a:r>
+          </a:p>
+          <a:p>
+            <a:pPr marL="800100" lvl="1" indent="-342900">
+              <a:spcBef>
+                <a:spcPct val="20000"/>
+              </a:spcBef>
+              <a:buClr>
+                <a:srgbClr val="00AAF6"/>
+              </a:buClr>
+              <a:buFontTx/>
+              <a:buChar char="•"/>
+              <a:defRPr/>
+            </a:pPr>
+            <a:r>
+              <a:rPr lang="en-US" sz="2000" dirty="0" smtClean="0">
+                <a:solidFill>
+                  <a:srgbClr val="7030A0"/>
+                </a:solidFill>
+              </a:rPr>
+              <a:t>The foreign data type is </a:t>
+            </a:r>
+            <a:r>
+              <a:rPr lang="en-US" sz="2000" i="1" dirty="0" smtClean="0">
+                <a:solidFill>
+                  <a:srgbClr val="7030A0"/>
+                </a:solidFill>
+              </a:rPr>
+              <a:t>Protein</a:t>
+            </a:r>
+          </a:p>
+          <a:p>
+            <a:pPr marL="800100" lvl="1" indent="-342900">
+              <a:spcBef>
+                <a:spcPct val="20000"/>
+              </a:spcBef>
+              <a:buClr>
+                <a:srgbClr val="00AAF6"/>
+              </a:buClr>
+              <a:buFontTx/>
+              <a:buChar char="•"/>
+              <a:defRPr/>
+            </a:pPr>
+            <a:r>
+              <a:rPr lang="en-US" sz="2000" dirty="0" smtClean="0"/>
+              <a:t>Each protein instance must have</a:t>
+            </a:r>
+            <a:r>
+              <a:rPr lang="en-US" sz="2000" dirty="0" smtClean="0">
+                <a:solidFill>
+                  <a:srgbClr val="0070C0"/>
+                </a:solidFill>
+              </a:rPr>
+              <a:t> two associations;</a:t>
+            </a:r>
+            <a:r>
+              <a:rPr lang="en-US" sz="2000" dirty="0" smtClean="0"/>
+              <a:t> one to </a:t>
+            </a:r>
+            <a:r>
+              <a:rPr lang="en-US" sz="2000" i="1" dirty="0" smtClean="0"/>
+              <a:t>Gene</a:t>
+            </a:r>
+            <a:r>
+              <a:rPr lang="en-US" sz="2000" dirty="0" smtClean="0"/>
+              <a:t> and one to </a:t>
+            </a:r>
+            <a:r>
+              <a:rPr lang="en-US" sz="2000" i="1" dirty="0" smtClean="0"/>
+              <a:t>Organism </a:t>
+            </a:r>
+            <a:r>
+              <a:rPr lang="en-US" sz="2000" dirty="0" smtClean="0"/>
+              <a:t>(both within </a:t>
+            </a:r>
+            <a:r>
+              <a:rPr lang="en-US" sz="2000" dirty="0" err="1" smtClean="0"/>
+              <a:t>gridPIR</a:t>
+            </a:r>
+            <a:r>
+              <a:rPr lang="en-US" sz="2000" dirty="0" smtClean="0"/>
+              <a:t>)</a:t>
+            </a:r>
+            <a:endParaRPr lang="en-US" sz="2000" dirty="0" smtClean="0"/>
+          </a:p>
+          <a:p>
+            <a:pPr marL="800100" lvl="1" indent="-342900">
+              <a:spcBef>
+                <a:spcPct val="20000"/>
+              </a:spcBef>
+              <a:buClr>
+                <a:srgbClr val="00AAF6"/>
+              </a:buClr>
+              <a:buFontTx/>
+              <a:buChar char="•"/>
+              <a:defRPr/>
+            </a:pPr>
+            <a:endParaRPr lang="en-US" sz="2000" kern="0" dirty="0" smtClean="0">
+              <a:latin typeface="+mn-lt"/>
+            </a:endParaRPr>
+          </a:p>
+        </p:txBody>
+      </p:sp>
+    </p:spTree>
+  </p:cSld>
+  <p:clrMapOvr>
+    <a:masterClrMapping/>
+  </p:clrMapOvr>
+  <p:timing>
+    <p:tnLst>
+      <p:par>
+        <p:cTn id="1" dur="indefinite" restart="never" nodeType="tmRoot"/>
+      </p:par>
+    </p:tnLst>
+  </p:timing>
+</p:sld>
+</file>
+
+<file path=ppt/slides/slide66.xml><?xml version="1.0" encoding="utf-8"?>
+<p:sld xmlns:a="http://schemas.openxmlformats.org/drawingml/2006/main" xmlns:r="http://schemas.openxmlformats.org/officeDocument/2006/relationships" xmlns:p="http://schemas.openxmlformats.org/presentationml/2006/main">
+  <p:cSld>
+    <p:spTree>
+      <p:nvGrpSpPr>
+        <p:cNvPr id="1" name=""/>
+        <p:cNvGrpSpPr/>
+        <p:nvPr/>
+      </p:nvGrpSpPr>
+      <p:grpSpPr>
+        <a:xfrm>
+          <a:off x="0" y="0"/>
+          <a:ext cx="0" cy="0"/>
+          <a:chOff x="0" y="0"/>
+          <a:chExt cx="0" cy="0"/>
+        </a:xfrm>
+      </p:grpSpPr>
+      <p:sp>
+        <p:nvSpPr>
+          <p:cNvPr id="59394" name="Rectangle 2"/>
+          <p:cNvSpPr>
+            <a:spLocks noGrp="1" noChangeArrowheads="1"/>
+          </p:cNvSpPr>
+          <p:nvPr>
+            <p:ph type="title"/>
+          </p:nvPr>
+        </p:nvSpPr>
+        <p:spPr/>
+        <p:txBody>
+          <a:bodyPr/>
+          <a:lstStyle/>
+          <a:p>
+            <a:pPr eaLnBrk="1" hangingPunct="1"/>
+            <a:r>
+              <a:rPr lang="en-US" dirty="0" smtClean="0"/>
               <a:t>DCQL </a:t>
             </a:r>
             <a:r>
@@ -23846,6 +25277,638 @@
             </a:r>
             <a:endParaRPr lang="en-US" sz="1400" dirty="0">
               <a:latin typeface="Arial Narrow" pitchFamily="34" charset="0"/>
+            </a:endParaRPr>
+          </a:p>
+        </p:txBody>
+      </p:sp>
+    </p:spTree>
+  </p:cSld>
+  <p:clrMapOvr>
+    <a:masterClrMapping/>
+  </p:clrMapOvr>
+  <p:timing>
+    <p:tnLst>
+      <p:par>
+        <p:cTn id="1" dur="indefinite" restart="never" nodeType="tmRoot"/>
+      </p:par>
+    </p:tnLst>
+  </p:timing>
+</p:sld>
+</file>
+
+<file path=ppt/slides/slide67.xml><?xml version="1.0" encoding="utf-8"?>
+<p:sld xmlns:a="http://schemas.openxmlformats.org/drawingml/2006/main" xmlns:r="http://schemas.openxmlformats.org/officeDocument/2006/relationships" xmlns:p="http://schemas.openxmlformats.org/presentationml/2006/main">
+  <p:cSld>
+    <p:spTree>
+      <p:nvGrpSpPr>
+        <p:cNvPr id="1" name=""/>
+        <p:cNvGrpSpPr/>
+        <p:nvPr/>
+      </p:nvGrpSpPr>
+      <p:grpSpPr>
+        <a:xfrm>
+          <a:off x="0" y="0"/>
+          <a:ext cx="0" cy="0"/>
+          <a:chOff x="0" y="0"/>
+          <a:chExt cx="0" cy="0"/>
+        </a:xfrm>
+      </p:grpSpPr>
+      <p:sp>
+        <p:nvSpPr>
+          <p:cNvPr id="59394" name="Rectangle 2"/>
+          <p:cNvSpPr>
+            <a:spLocks noGrp="1" noChangeArrowheads="1"/>
+          </p:cNvSpPr>
+          <p:nvPr>
+            <p:ph type="title"/>
+          </p:nvPr>
+        </p:nvSpPr>
+        <p:spPr/>
+        <p:txBody>
+          <a:bodyPr/>
+          <a:lstStyle/>
+          <a:p>
+            <a:pPr eaLnBrk="1" hangingPunct="1"/>
+            <a:r>
+              <a:rPr lang="en-US" dirty="0" smtClean="0"/>
+              <a:t>Future Developments</a:t>
+            </a:r>
+            <a:endParaRPr lang="en-US" dirty="0" smtClean="0"/>
+          </a:p>
+        </p:txBody>
+      </p:sp>
+      <p:sp>
+        <p:nvSpPr>
+          <p:cNvPr id="4" name="Content Placeholder 2"/>
+          <p:cNvSpPr txBox="1">
+            <a:spLocks/>
+          </p:cNvSpPr>
+          <p:nvPr/>
+        </p:nvSpPr>
+        <p:spPr bwMode="auto">
+          <a:xfrm>
+            <a:off x="228600" y="1219200"/>
+            <a:ext cx="8458200" cy="5105400"/>
+          </a:xfrm>
+          <a:prstGeom prst="rect">
+            <a:avLst/>
+          </a:prstGeom>
+          <a:noFill/>
+          <a:ln w="9525">
+            <a:noFill/>
+            <a:miter lim="800000"/>
+            <a:headEnd/>
+            <a:tailEnd/>
+          </a:ln>
+          <a:effectLst/>
+        </p:spPr>
+        <p:txBody>
+          <a:bodyPr vert="horz" wrap="square" lIns="91440" tIns="45720" rIns="91440" bIns="45720" numCol="1" anchor="t" anchorCtr="0" compatLnSpc="1">
+            <a:prstTxWarp prst="textNoShape">
+              <a:avLst/>
+            </a:prstTxWarp>
+          </a:bodyPr>
+          <a:lstStyle/>
+          <a:p>
+            <a:pPr marL="342900" indent="-342900">
+              <a:spcBef>
+                <a:spcPct val="20000"/>
+              </a:spcBef>
+              <a:buClr>
+                <a:srgbClr val="00AAF6"/>
+              </a:buClr>
+              <a:buFontTx/>
+              <a:buChar char="•"/>
+              <a:defRPr/>
+            </a:pPr>
+            <a:r>
+              <a:rPr lang="en-US" sz="2000" b="1" dirty="0" smtClean="0"/>
+              <a:t>CQL 2 will contain several new features and enhancements</a:t>
+            </a:r>
+          </a:p>
+          <a:p>
+            <a:pPr marL="800100" lvl="1" indent="-342900">
+              <a:spcBef>
+                <a:spcPct val="20000"/>
+              </a:spcBef>
+              <a:buClr>
+                <a:srgbClr val="00AAF6"/>
+              </a:buClr>
+              <a:buFontTx/>
+              <a:buChar char="•"/>
+              <a:defRPr/>
+            </a:pPr>
+            <a:r>
+              <a:rPr lang="en-US" sz="2000" dirty="0" smtClean="0"/>
+              <a:t>New aggregation capabilities (min, max, count)</a:t>
+            </a:r>
+          </a:p>
+          <a:p>
+            <a:pPr marL="800100" lvl="1" indent="-342900">
+              <a:spcBef>
+                <a:spcPct val="20000"/>
+              </a:spcBef>
+              <a:buClr>
+                <a:srgbClr val="00AAF6"/>
+              </a:buClr>
+              <a:buFontTx/>
+              <a:buChar char="•"/>
+              <a:defRPr/>
+            </a:pPr>
+            <a:r>
+              <a:rPr lang="en-US" sz="2000" dirty="0" smtClean="0"/>
+              <a:t>Strongly typed attribute values</a:t>
+            </a:r>
+          </a:p>
+          <a:p>
+            <a:pPr marL="1257300" lvl="2" indent="-342900">
+              <a:spcBef>
+                <a:spcPct val="20000"/>
+              </a:spcBef>
+              <a:buClr>
+                <a:srgbClr val="00AAF6"/>
+              </a:buClr>
+              <a:buFontTx/>
+              <a:buChar char="•"/>
+              <a:defRPr/>
+            </a:pPr>
+            <a:r>
+              <a:rPr lang="en-US" dirty="0" smtClean="0"/>
+              <a:t>Avoid ambiguities passing around string representations</a:t>
+            </a:r>
+          </a:p>
+          <a:p>
+            <a:pPr marL="800100" lvl="1" indent="-342900">
+              <a:spcBef>
+                <a:spcPct val="20000"/>
+              </a:spcBef>
+              <a:buClr>
+                <a:srgbClr val="00AAF6"/>
+              </a:buClr>
+              <a:buFontTx/>
+              <a:buChar char="•"/>
+              <a:defRPr/>
+            </a:pPr>
+            <a:r>
+              <a:rPr lang="en-US" sz="2000" dirty="0" smtClean="0"/>
+              <a:t>Differentiation of Unary and Binary </a:t>
+            </a:r>
+            <a:r>
+              <a:rPr lang="en-US" sz="2000" dirty="0" smtClean="0"/>
+              <a:t>attribute restrictions </a:t>
+            </a:r>
+            <a:endParaRPr lang="en-US" sz="2000" dirty="0" smtClean="0"/>
+          </a:p>
+          <a:p>
+            <a:pPr marL="1257300" lvl="2" indent="-342900">
+              <a:spcBef>
+                <a:spcPct val="20000"/>
+              </a:spcBef>
+              <a:buClr>
+                <a:srgbClr val="00AAF6"/>
+              </a:buClr>
+              <a:buFontTx/>
+              <a:buChar char="•"/>
+              <a:defRPr/>
+            </a:pPr>
+            <a:r>
+              <a:rPr lang="en-US" dirty="0" smtClean="0"/>
+              <a:t>Reduces </a:t>
+            </a:r>
+            <a:r>
+              <a:rPr lang="en-US" dirty="0" smtClean="0"/>
+              <a:t>processing to determine the nature of an </a:t>
+            </a:r>
+            <a:r>
+              <a:rPr lang="en-US" dirty="0" smtClean="0"/>
+              <a:t>attribute</a:t>
+            </a:r>
+          </a:p>
+          <a:p>
+            <a:pPr marL="1257300" lvl="2" indent="-342900">
+              <a:spcBef>
+                <a:spcPct val="20000"/>
+              </a:spcBef>
+              <a:buClr>
+                <a:srgbClr val="00AAF6"/>
+              </a:buClr>
+              <a:buFontTx/>
+              <a:buChar char="•"/>
+              <a:defRPr/>
+            </a:pPr>
+            <a:r>
+              <a:rPr lang="en-US" dirty="0" smtClean="0"/>
+              <a:t>Improves </a:t>
+            </a:r>
+            <a:r>
+              <a:rPr lang="en-US" dirty="0" smtClean="0"/>
+              <a:t>clarity of query language </a:t>
+            </a:r>
+            <a:r>
+              <a:rPr lang="en-US" dirty="0" smtClean="0"/>
+              <a:t>schema</a:t>
+            </a:r>
+          </a:p>
+          <a:p>
+            <a:pPr marL="800100" lvl="1" indent="-342900">
+              <a:spcBef>
+                <a:spcPct val="20000"/>
+              </a:spcBef>
+              <a:buClr>
+                <a:srgbClr val="00AAF6"/>
+              </a:buClr>
+              <a:buFontTx/>
+              <a:buChar char="•"/>
+              <a:defRPr/>
+            </a:pPr>
+            <a:r>
+              <a:rPr lang="en-US" sz="2000" dirty="0" smtClean="0"/>
+              <a:t>Associated object retrieval</a:t>
+            </a:r>
+          </a:p>
+          <a:p>
+            <a:pPr marL="1257300" lvl="2" indent="-342900">
+              <a:spcBef>
+                <a:spcPct val="20000"/>
+              </a:spcBef>
+              <a:buClr>
+                <a:srgbClr val="00AAF6"/>
+              </a:buClr>
+              <a:buFontTx/>
+              <a:buChar char="•"/>
+              <a:defRPr/>
+            </a:pPr>
+            <a:r>
+              <a:rPr lang="en-US" dirty="0" smtClean="0"/>
+              <a:t>Associations </a:t>
+            </a:r>
+            <a:r>
+              <a:rPr lang="en-US" dirty="0" smtClean="0"/>
+              <a:t>can be populated by the data service before returning object </a:t>
+            </a:r>
+            <a:r>
+              <a:rPr lang="en-US" dirty="0" smtClean="0"/>
+              <a:t>instances</a:t>
+            </a:r>
+          </a:p>
+          <a:p>
+            <a:pPr marL="1257300" lvl="2" indent="-342900">
+              <a:spcBef>
+                <a:spcPct val="20000"/>
+              </a:spcBef>
+              <a:buClr>
+                <a:srgbClr val="00AAF6"/>
+              </a:buClr>
+              <a:buFontTx/>
+              <a:buChar char="•"/>
+              <a:defRPr/>
+            </a:pPr>
+            <a:r>
+              <a:rPr lang="en-US" dirty="0" smtClean="0"/>
+              <a:t>Retrieval </a:t>
+            </a:r>
+            <a:r>
+              <a:rPr lang="en-US" dirty="0" smtClean="0"/>
+              <a:t>based on role names or depth of </a:t>
+            </a:r>
+            <a:r>
+              <a:rPr lang="en-US" dirty="0" smtClean="0"/>
+              <a:t>association</a:t>
+            </a:r>
+          </a:p>
+          <a:p>
+            <a:pPr marL="1257300" lvl="2" indent="-342900">
+              <a:spcBef>
+                <a:spcPct val="20000"/>
+              </a:spcBef>
+              <a:buClr>
+                <a:srgbClr val="00AAF6"/>
+              </a:buClr>
+              <a:buFontTx/>
+              <a:buChar char="•"/>
+              <a:defRPr/>
+            </a:pPr>
+            <a:r>
+              <a:rPr lang="en-US" dirty="0" smtClean="0"/>
+              <a:t>Name-based </a:t>
+            </a:r>
+            <a:r>
+              <a:rPr lang="en-US" dirty="0" smtClean="0"/>
+              <a:t>retrieval is recursively defined, allowing population of specific associations of </a:t>
+            </a:r>
+            <a:r>
+              <a:rPr lang="en-US" dirty="0" smtClean="0"/>
+              <a:t>associations through the model</a:t>
+            </a:r>
+          </a:p>
+          <a:p>
+            <a:pPr marL="342900" indent="-342900">
+              <a:spcBef>
+                <a:spcPct val="20000"/>
+              </a:spcBef>
+              <a:buClr>
+                <a:srgbClr val="00AAF6"/>
+              </a:buClr>
+              <a:buFontTx/>
+              <a:buChar char="•"/>
+              <a:defRPr/>
+            </a:pPr>
+            <a:r>
+              <a:rPr lang="en-US" sz="2000" b="1" dirty="0" smtClean="0"/>
+              <a:t>Feature requests and use cases gathered from the user community and other stakeholders in future caGrid development</a:t>
+            </a:r>
+            <a:endParaRPr lang="en-US" sz="2000" b="1" dirty="0" smtClean="0"/>
+          </a:p>
+          <a:p>
+            <a:pPr marL="1257300" lvl="2" indent="-342900">
+              <a:spcBef>
+                <a:spcPct val="20000"/>
+              </a:spcBef>
+              <a:buClr>
+                <a:srgbClr val="00AAF6"/>
+              </a:buClr>
+              <a:buFontTx/>
+              <a:buChar char="•"/>
+              <a:defRPr/>
+            </a:pPr>
+            <a:endParaRPr lang="en-US" sz="2000" dirty="0" smtClean="0"/>
+          </a:p>
+          <a:p>
+            <a:pPr marL="800100" lvl="1" indent="-342900">
+              <a:spcBef>
+                <a:spcPct val="20000"/>
+              </a:spcBef>
+              <a:buClr>
+                <a:srgbClr val="00AAF6"/>
+              </a:buClr>
+              <a:buFontTx/>
+              <a:buChar char="•"/>
+              <a:defRPr/>
+            </a:pPr>
+            <a:endParaRPr lang="en-US" dirty="0" smtClean="0"/>
+          </a:p>
+          <a:p>
+            <a:pPr marL="800100" lvl="1" indent="-342900">
+              <a:spcBef>
+                <a:spcPct val="20000"/>
+              </a:spcBef>
+              <a:buClr>
+                <a:srgbClr val="00AAF6"/>
+              </a:buClr>
+              <a:buFontTx/>
+              <a:buChar char="•"/>
+              <a:defRPr/>
+            </a:pPr>
+            <a:endParaRPr lang="en-US" sz="2000" kern="0" dirty="0" smtClean="0">
+              <a:latin typeface="+mn-lt"/>
+            </a:endParaRPr>
+          </a:p>
+        </p:txBody>
+      </p:sp>
+    </p:spTree>
+  </p:cSld>
+  <p:clrMapOvr>
+    <a:masterClrMapping/>
+  </p:clrMapOvr>
+  <p:timing>
+    <p:tnLst>
+      <p:par>
+        <p:cTn id="1" dur="indefinite" restart="never" nodeType="tmRoot"/>
+      </p:par>
+    </p:tnLst>
+  </p:timing>
+</p:sld>
+</file>
+
+<file path=ppt/slides/slide68.xml><?xml version="1.0" encoding="utf-8"?>
+<p:sld xmlns:a="http://schemas.openxmlformats.org/drawingml/2006/main" xmlns:r="http://schemas.openxmlformats.org/officeDocument/2006/relationships" xmlns:p="http://schemas.openxmlformats.org/presentationml/2006/main">
+  <p:cSld>
+    <p:spTree>
+      <p:nvGrpSpPr>
+        <p:cNvPr id="1" name=""/>
+        <p:cNvGrpSpPr/>
+        <p:nvPr/>
+      </p:nvGrpSpPr>
+      <p:grpSpPr>
+        <a:xfrm>
+          <a:off x="0" y="0"/>
+          <a:ext cx="0" cy="0"/>
+          <a:chOff x="0" y="0"/>
+          <a:chExt cx="0" cy="0"/>
+        </a:xfrm>
+      </p:grpSpPr>
+      <p:sp>
+        <p:nvSpPr>
+          <p:cNvPr id="59394" name="Rectangle 2"/>
+          <p:cNvSpPr>
+            <a:spLocks noGrp="1" noChangeArrowheads="1"/>
+          </p:cNvSpPr>
+          <p:nvPr>
+            <p:ph type="title"/>
+          </p:nvPr>
+        </p:nvSpPr>
+        <p:spPr/>
+        <p:txBody>
+          <a:bodyPr/>
+          <a:lstStyle/>
+          <a:p>
+            <a:pPr eaLnBrk="1" hangingPunct="1"/>
+            <a:r>
+              <a:rPr lang="en-US" dirty="0" smtClean="0"/>
+              <a:t>Future Developments</a:t>
+            </a:r>
+            <a:endParaRPr lang="en-US" dirty="0" smtClean="0"/>
+          </a:p>
+        </p:txBody>
+      </p:sp>
+      <p:sp>
+        <p:nvSpPr>
+          <p:cNvPr id="4" name="Content Placeholder 2"/>
+          <p:cNvSpPr txBox="1">
+            <a:spLocks/>
+          </p:cNvSpPr>
+          <p:nvPr/>
+        </p:nvSpPr>
+        <p:spPr bwMode="auto">
+          <a:xfrm>
+            <a:off x="228600" y="1219200"/>
+            <a:ext cx="8458200" cy="5105400"/>
+          </a:xfrm>
+          <a:prstGeom prst="rect">
+            <a:avLst/>
+          </a:prstGeom>
+          <a:noFill/>
+          <a:ln w="9525">
+            <a:noFill/>
+            <a:miter lim="800000"/>
+            <a:headEnd/>
+            <a:tailEnd/>
+          </a:ln>
+          <a:effectLst/>
+        </p:spPr>
+        <p:txBody>
+          <a:bodyPr vert="horz" wrap="square" lIns="91440" tIns="45720" rIns="91440" bIns="45720" numCol="1" anchor="t" anchorCtr="0" compatLnSpc="1">
+            <a:prstTxWarp prst="textNoShape">
+              <a:avLst/>
+            </a:prstTxWarp>
+          </a:bodyPr>
+          <a:lstStyle/>
+          <a:p>
+            <a:pPr marL="342900" indent="-342900">
+              <a:spcBef>
+                <a:spcPct val="20000"/>
+              </a:spcBef>
+              <a:buClr>
+                <a:srgbClr val="00AAF6"/>
+              </a:buClr>
+              <a:buFontTx/>
+              <a:buChar char="•"/>
+              <a:defRPr/>
+            </a:pPr>
+            <a:r>
+              <a:rPr lang="en-US" sz="2000" b="1" dirty="0" smtClean="0"/>
+              <a:t>DCQL 2 inherits from CQL 2</a:t>
+            </a:r>
+          </a:p>
+          <a:p>
+            <a:pPr marL="800100" lvl="1" indent="-342900">
+              <a:spcBef>
+                <a:spcPct val="20000"/>
+              </a:spcBef>
+              <a:buClr>
+                <a:srgbClr val="00AAF6"/>
+              </a:buClr>
+              <a:buFontTx/>
+              <a:buChar char="•"/>
+              <a:defRPr/>
+            </a:pPr>
+            <a:r>
+              <a:rPr lang="en-US" sz="2000" dirty="0" smtClean="0"/>
+              <a:t>Most</a:t>
+            </a:r>
+            <a:r>
+              <a:rPr lang="en-US" sz="2000" dirty="0" smtClean="0"/>
+              <a:t> </a:t>
+            </a:r>
+            <a:r>
+              <a:rPr lang="en-US" sz="2000" dirty="0" smtClean="0"/>
+              <a:t>- if not all - new features of CQL 2 will be ported to DCQL 2</a:t>
+            </a:r>
+          </a:p>
+          <a:p>
+            <a:pPr marL="800100" lvl="1" indent="-342900">
+              <a:spcBef>
+                <a:spcPct val="20000"/>
+              </a:spcBef>
+              <a:buClr>
+                <a:srgbClr val="00AAF6"/>
+              </a:buClr>
+              <a:buFontTx/>
+              <a:buChar char="•"/>
+              <a:defRPr/>
+            </a:pPr>
+            <a:r>
+              <a:rPr lang="en-US" sz="2000" dirty="0" smtClean="0"/>
+              <a:t>Simple data transformations on joins</a:t>
+            </a:r>
+          </a:p>
+          <a:p>
+            <a:pPr marL="1257300" lvl="2" indent="-342900">
+              <a:spcBef>
+                <a:spcPct val="20000"/>
+              </a:spcBef>
+              <a:buClr>
+                <a:srgbClr val="00AAF6"/>
+              </a:buClr>
+              <a:buFontTx/>
+              <a:buChar char="•"/>
+              <a:defRPr/>
+            </a:pPr>
+            <a:r>
+              <a:rPr lang="en-US" dirty="0" smtClean="0"/>
+              <a:t>“Give me all samples where freezing time is 30 minutes or less after collection time”</a:t>
+            </a:r>
+          </a:p>
+          <a:p>
+            <a:pPr marL="1257300" lvl="2" indent="-342900">
+              <a:spcBef>
+                <a:spcPct val="20000"/>
+              </a:spcBef>
+              <a:buClr>
+                <a:srgbClr val="00AAF6"/>
+              </a:buClr>
+              <a:buFontTx/>
+              <a:buChar char="•"/>
+              <a:defRPr/>
+            </a:pPr>
+            <a:r>
+              <a:rPr lang="en-US" dirty="0" smtClean="0"/>
+              <a:t>Apply a fixed value transformation to either side of the join (foreign or local) before computing the join</a:t>
+            </a:r>
+          </a:p>
+          <a:p>
+            <a:pPr marL="800100" lvl="1" indent="-342900">
+              <a:spcBef>
+                <a:spcPct val="20000"/>
+              </a:spcBef>
+              <a:buClr>
+                <a:srgbClr val="00AAF6"/>
+              </a:buClr>
+              <a:buFontTx/>
+              <a:buChar char="•"/>
+              <a:defRPr/>
+            </a:pPr>
+            <a:r>
+              <a:rPr lang="en-US" sz="2000" dirty="0" smtClean="0"/>
+              <a:t>Simplification of Foreign Association syntax to look more like Associations</a:t>
+            </a:r>
+          </a:p>
+          <a:p>
+            <a:pPr marL="1257300" lvl="2" indent="-342900">
+              <a:spcBef>
+                <a:spcPct val="20000"/>
+              </a:spcBef>
+              <a:buClr>
+                <a:srgbClr val="00AAF6"/>
+              </a:buClr>
+              <a:buFontTx/>
+              <a:buChar char="•"/>
+              <a:defRPr/>
+            </a:pPr>
+            <a:r>
+              <a:rPr lang="en-US" dirty="0" smtClean="0"/>
+              <a:t>Less verbose query language without sacrificing functionality</a:t>
+            </a:r>
+            <a:endParaRPr lang="en-US" dirty="0" smtClean="0"/>
+          </a:p>
+          <a:p>
+            <a:pPr marL="800100" lvl="1" indent="-342900">
+              <a:spcBef>
+                <a:spcPct val="20000"/>
+              </a:spcBef>
+              <a:buClr>
+                <a:srgbClr val="00AAF6"/>
+              </a:buClr>
+              <a:buFontTx/>
+              <a:buChar char="•"/>
+              <a:defRPr/>
+            </a:pPr>
+            <a:endParaRPr lang="en-US" dirty="0" smtClean="0"/>
+          </a:p>
+          <a:p>
+            <a:pPr marL="800100" lvl="1" indent="-342900">
+              <a:spcBef>
+                <a:spcPct val="20000"/>
+              </a:spcBef>
+              <a:buClr>
+                <a:srgbClr val="00AAF6"/>
+              </a:buClr>
+              <a:buFontTx/>
+              <a:buChar char="•"/>
+              <a:defRPr/>
+            </a:pPr>
+            <a:endParaRPr lang="en-US" sz="2000" kern="0" dirty="0" smtClean="0">
+              <a:latin typeface="+mn-lt"/>
             </a:endParaRPr>
           </a:p>
         </p:txBody>
